--- a/Documentation/FuncDecomp.pptx
+++ b/Documentation/FuncDecomp.pptx
@@ -104,6 +104,11 @@
       </a:defRPr>
     </a:lvl9pPr>
   </p:defaultTextStyle>
+  <p:extLst>
+    <p:ext uri="{EFAFB233-063F-42B5-8137-9DF3F51BA10A}">
+      <p15:sldGuideLst xmlns:p15="http://schemas.microsoft.com/office/powerpoint/2012/main"/>
+    </p:ext>
+  </p:extLst>
 </p:presentation>
 </file>
 
@@ -2966,12 +2971,444 @@
           <a:chExt cx="0" cy="0"/>
         </a:xfrm>
       </p:grpSpPr>
+      <p:cxnSp>
+        <p:nvCxnSpPr>
+          <p:cNvPr id="86" name="Connector: Elbow 85">
+            <a:extLst>
+              <a:ext uri="{FF2B5EF4-FFF2-40B4-BE49-F238E27FC236}">
+                <a16:creationId xmlns:a16="http://schemas.microsoft.com/office/drawing/2014/main" id="{E4AEEE63-9158-4B06-8DDE-CAF19F822FA9}"/>
+              </a:ext>
+            </a:extLst>
+          </p:cNvPr>
+          <p:cNvCxnSpPr>
+            <a:cxnSpLocks/>
+            <a:stCxn id="113" idx="1"/>
+            <a:endCxn id="42" idx="3"/>
+          </p:cNvCxnSpPr>
+          <p:nvPr/>
+        </p:nvCxnSpPr>
+        <p:spPr>
+          <a:xfrm rot="10800000" flipV="1">
+            <a:off x="1802618" y="3594367"/>
+            <a:ext cx="250058" cy="1986813"/>
+          </a:xfrm>
+          <a:prstGeom prst="bentConnector3">
+            <a:avLst/>
+          </a:prstGeom>
+          <a:ln w="19050">
+            <a:solidFill>
+              <a:srgbClr val="C00000"/>
+            </a:solidFill>
+            <a:tailEnd type="triangle"/>
+          </a:ln>
+        </p:spPr>
+        <p:style>
+          <a:lnRef idx="3">
+            <a:schemeClr val="accent2"/>
+          </a:lnRef>
+          <a:fillRef idx="0">
+            <a:schemeClr val="accent2"/>
+          </a:fillRef>
+          <a:effectRef idx="2">
+            <a:schemeClr val="accent2"/>
+          </a:effectRef>
+          <a:fontRef idx="minor">
+            <a:schemeClr val="tx1"/>
+          </a:fontRef>
+        </p:style>
+      </p:cxnSp>
+      <p:cxnSp>
+        <p:nvCxnSpPr>
+          <p:cNvPr id="88" name="Connector: Elbow 87">
+            <a:extLst>
+              <a:ext uri="{FF2B5EF4-FFF2-40B4-BE49-F238E27FC236}">
+                <a16:creationId xmlns:a16="http://schemas.microsoft.com/office/drawing/2014/main" id="{78AAF38D-7A97-4511-BB1C-95F1C3906987}"/>
+              </a:ext>
+            </a:extLst>
+          </p:cNvPr>
+          <p:cNvCxnSpPr>
+            <a:cxnSpLocks/>
+            <a:stCxn id="112" idx="1"/>
+            <a:endCxn id="11" idx="0"/>
+          </p:cNvCxnSpPr>
+          <p:nvPr/>
+        </p:nvCxnSpPr>
+        <p:spPr>
+          <a:xfrm rot="10800000" flipV="1">
+            <a:off x="1171310" y="3183811"/>
+            <a:ext cx="881367" cy="883082"/>
+          </a:xfrm>
+          <a:prstGeom prst="bentConnector2">
+            <a:avLst/>
+          </a:prstGeom>
+          <a:ln w="19050">
+            <a:solidFill>
+              <a:srgbClr val="C00000"/>
+            </a:solidFill>
+            <a:tailEnd type="triangle"/>
+          </a:ln>
+        </p:spPr>
+        <p:style>
+          <a:lnRef idx="3">
+            <a:schemeClr val="accent2"/>
+          </a:lnRef>
+          <a:fillRef idx="0">
+            <a:schemeClr val="accent2"/>
+          </a:fillRef>
+          <a:effectRef idx="2">
+            <a:schemeClr val="accent2"/>
+          </a:effectRef>
+          <a:fontRef idx="minor">
+            <a:schemeClr val="tx1"/>
+          </a:fontRef>
+        </p:style>
+      </p:cxnSp>
+      <p:sp>
+        <p:nvSpPr>
+          <p:cNvPr id="11" name="Flowchart: Alternate Process 10">
+            <a:extLst>
+              <a:ext uri="{FF2B5EF4-FFF2-40B4-BE49-F238E27FC236}">
+                <a16:creationId xmlns:a16="http://schemas.microsoft.com/office/drawing/2014/main" id="{443A859A-B689-42EF-9FCF-B7DE5F1E381D}"/>
+              </a:ext>
+            </a:extLst>
+          </p:cNvPr>
+          <p:cNvSpPr/>
+          <p:nvPr/>
+        </p:nvSpPr>
+        <p:spPr>
+          <a:xfrm>
+            <a:off x="540000" y="4066893"/>
+            <a:ext cx="1262618" cy="836484"/>
+          </a:xfrm>
+          <a:prstGeom prst="flowChartAlternateProcess">
+            <a:avLst/>
+          </a:prstGeom>
+          <a:solidFill>
+            <a:srgbClr val="FF5B5B"/>
+          </a:solidFill>
+          <a:ln w="19050">
+            <a:solidFill>
+              <a:srgbClr val="C00000"/>
+            </a:solidFill>
+          </a:ln>
+        </p:spPr>
+        <p:style>
+          <a:lnRef idx="2">
+            <a:schemeClr val="accent2">
+              <a:shade val="50000"/>
+            </a:schemeClr>
+          </a:lnRef>
+          <a:fillRef idx="1">
+            <a:schemeClr val="accent2"/>
+          </a:fillRef>
+          <a:effectRef idx="0">
+            <a:schemeClr val="accent2"/>
+          </a:effectRef>
+          <a:fontRef idx="minor">
+            <a:schemeClr val="lt1"/>
+          </a:fontRef>
+        </p:style>
+        <p:txBody>
+          <a:bodyPr rot="0" spcFirstLastPara="0" vertOverflow="overflow" horzOverflow="overflow" vert="horz" wrap="square" lIns="0" tIns="0" rIns="0" bIns="0" numCol="1" spcCol="0" rtlCol="0" fromWordArt="0" anchor="ctr" anchorCtr="0" forceAA="0" compatLnSpc="1">
+            <a:prstTxWarp prst="textNoShape">
+              <a:avLst/>
+            </a:prstTxWarp>
+            <a:noAutofit/>
+          </a:bodyPr>
+          <a:lstStyle/>
+          <a:p>
+            <a:pPr algn="ctr"/>
+            <a:r>
+              <a:rPr lang="en-AU" sz="1050" b="1" dirty="0">
+                <a:latin typeface="Consolas" panose="020B0609020204030204" pitchFamily="49" charset="0"/>
+                <a:ea typeface="Yu Gothic" panose="020B0400000000000000" pitchFamily="34" charset="-128"/>
+              </a:rPr>
+              <a:t>OUTSIDE OF SCOPE</a:t>
+            </a:r>
+            <a:r>
+              <a:rPr lang="en-AU" sz="1050" dirty="0">
+                <a:latin typeface="Consolas" panose="020B0609020204030204" pitchFamily="49" charset="0"/>
+                <a:ea typeface="Yu Gothic" panose="020B0400000000000000" pitchFamily="34" charset="-128"/>
+              </a:rPr>
+              <a:t>: Measure position of suit</a:t>
+            </a:r>
+          </a:p>
+        </p:txBody>
+      </p:sp>
+      <p:sp>
+        <p:nvSpPr>
+          <p:cNvPr id="42" name="Flowchart: Alternate Process 41">
+            <a:extLst>
+              <a:ext uri="{FF2B5EF4-FFF2-40B4-BE49-F238E27FC236}">
+                <a16:creationId xmlns:a16="http://schemas.microsoft.com/office/drawing/2014/main" id="{DE5AB3E2-694F-4518-A0AA-91EF6CF6D67E}"/>
+              </a:ext>
+            </a:extLst>
+          </p:cNvPr>
+          <p:cNvSpPr/>
+          <p:nvPr/>
+        </p:nvSpPr>
+        <p:spPr>
+          <a:xfrm>
+            <a:off x="540000" y="5162939"/>
+            <a:ext cx="1262618" cy="836484"/>
+          </a:xfrm>
+          <a:prstGeom prst="flowChartAlternateProcess">
+            <a:avLst/>
+          </a:prstGeom>
+          <a:solidFill>
+            <a:srgbClr val="FF5B5B"/>
+          </a:solidFill>
+          <a:ln w="19050">
+            <a:solidFill>
+              <a:srgbClr val="C00000"/>
+            </a:solidFill>
+          </a:ln>
+        </p:spPr>
+        <p:style>
+          <a:lnRef idx="2">
+            <a:schemeClr val="accent2">
+              <a:shade val="50000"/>
+            </a:schemeClr>
+          </a:lnRef>
+          <a:fillRef idx="1">
+            <a:schemeClr val="accent2"/>
+          </a:fillRef>
+          <a:effectRef idx="0">
+            <a:schemeClr val="accent2"/>
+          </a:effectRef>
+          <a:fontRef idx="minor">
+            <a:schemeClr val="lt1"/>
+          </a:fontRef>
+        </p:style>
+        <p:txBody>
+          <a:bodyPr rot="0" spcFirstLastPara="0" vertOverflow="overflow" horzOverflow="overflow" vert="horz" wrap="square" lIns="0" tIns="0" rIns="0" bIns="0" numCol="1" spcCol="0" rtlCol="0" fromWordArt="0" anchor="ctr" anchorCtr="0" forceAA="0" compatLnSpc="1">
+            <a:prstTxWarp prst="textNoShape">
+              <a:avLst/>
+            </a:prstTxWarp>
+            <a:noAutofit/>
+          </a:bodyPr>
+          <a:lstStyle/>
+          <a:p>
+            <a:pPr algn="ctr"/>
+            <a:r>
+              <a:rPr lang="en-AU" sz="1050" b="1" dirty="0">
+                <a:latin typeface="Consolas" panose="020B0609020204030204" pitchFamily="49" charset="0"/>
+                <a:ea typeface="Yu Gothic" panose="020B0400000000000000" pitchFamily="34" charset="-128"/>
+              </a:rPr>
+              <a:t>OUTSIDE OF SCOPE</a:t>
+            </a:r>
+            <a:r>
+              <a:rPr lang="en-AU" sz="1050" dirty="0">
+                <a:latin typeface="Consolas" panose="020B0609020204030204" pitchFamily="49" charset="0"/>
+                <a:ea typeface="Yu Gothic" panose="020B0400000000000000" pitchFamily="34" charset="-128"/>
+              </a:rPr>
+              <a:t>: Regulate torque output of actuators</a:t>
+            </a:r>
+          </a:p>
+        </p:txBody>
+      </p:sp>
+      <p:sp>
+        <p:nvSpPr>
+          <p:cNvPr id="4" name="Flowchart: Alternate Process 3">
+            <a:extLst>
+              <a:ext uri="{FF2B5EF4-FFF2-40B4-BE49-F238E27FC236}">
+                <a16:creationId xmlns:a16="http://schemas.microsoft.com/office/drawing/2014/main" id="{ED27B7A8-34C4-4CFF-B46F-55193AB8B3E3}"/>
+              </a:ext>
+            </a:extLst>
+          </p:cNvPr>
+          <p:cNvSpPr/>
+          <p:nvPr/>
+        </p:nvSpPr>
+        <p:spPr>
+          <a:xfrm>
+            <a:off x="4321691" y="778758"/>
+            <a:ext cx="1262618" cy="836484"/>
+          </a:xfrm>
+          <a:prstGeom prst="flowChartAlternateProcess">
+            <a:avLst/>
+          </a:prstGeom>
+          <a:ln w="19050"/>
+        </p:spPr>
+        <p:style>
+          <a:lnRef idx="2">
+            <a:schemeClr val="dk1"/>
+          </a:lnRef>
+          <a:fillRef idx="1">
+            <a:schemeClr val="lt1"/>
+          </a:fillRef>
+          <a:effectRef idx="0">
+            <a:schemeClr val="dk1"/>
+          </a:effectRef>
+          <a:fontRef idx="minor">
+            <a:schemeClr val="dk1"/>
+          </a:fontRef>
+        </p:style>
+        <p:txBody>
+          <a:bodyPr rot="0" spcFirstLastPara="0" vertOverflow="overflow" horzOverflow="overflow" vert="horz" wrap="square" lIns="0" tIns="0" rIns="0" bIns="0" numCol="1" spcCol="0" rtlCol="0" fromWordArt="0" anchor="ctr" anchorCtr="0" forceAA="0" compatLnSpc="1">
+            <a:prstTxWarp prst="textNoShape">
+              <a:avLst/>
+            </a:prstTxWarp>
+            <a:noAutofit/>
+          </a:bodyPr>
+          <a:lstStyle/>
+          <a:p>
+            <a:pPr algn="ctr"/>
+            <a:r>
+              <a:rPr lang="en-AU" sz="1050" dirty="0">
+                <a:latin typeface="Consolas" panose="020B0609020204030204" pitchFamily="49" charset="0"/>
+                <a:ea typeface="Yu Gothic" panose="020B0400000000000000" pitchFamily="34" charset="-128"/>
+              </a:rPr>
+              <a:t>Achieve/approach the desired position of the suit</a:t>
+            </a:r>
+          </a:p>
+        </p:txBody>
+      </p:sp>
+      <p:sp>
+        <p:nvSpPr>
+          <p:cNvPr id="5" name="Flowchart: Alternate Process 4">
+            <a:extLst>
+              <a:ext uri="{FF2B5EF4-FFF2-40B4-BE49-F238E27FC236}">
+                <a16:creationId xmlns:a16="http://schemas.microsoft.com/office/drawing/2014/main" id="{96A3839F-D4C5-4194-AC7C-84D6F95C7CF2}"/>
+              </a:ext>
+            </a:extLst>
+          </p:cNvPr>
+          <p:cNvSpPr/>
+          <p:nvPr/>
+        </p:nvSpPr>
+        <p:spPr>
+          <a:xfrm>
+            <a:off x="4321691" y="1874803"/>
+            <a:ext cx="1262618" cy="836484"/>
+          </a:xfrm>
+          <a:prstGeom prst="flowChartAlternateProcess">
+            <a:avLst/>
+          </a:prstGeom>
+          <a:ln w="19050"/>
+        </p:spPr>
+        <p:style>
+          <a:lnRef idx="2">
+            <a:schemeClr val="dk1"/>
+          </a:lnRef>
+          <a:fillRef idx="1">
+            <a:schemeClr val="lt1"/>
+          </a:fillRef>
+          <a:effectRef idx="0">
+            <a:schemeClr val="dk1"/>
+          </a:effectRef>
+          <a:fontRef idx="minor">
+            <a:schemeClr val="dk1"/>
+          </a:fontRef>
+        </p:style>
+        <p:txBody>
+          <a:bodyPr rot="0" spcFirstLastPara="0" vertOverflow="overflow" horzOverflow="overflow" vert="horz" wrap="square" lIns="0" tIns="0" rIns="0" bIns="0" numCol="1" spcCol="0" rtlCol="0" fromWordArt="0" anchor="ctr" anchorCtr="0" forceAA="0" compatLnSpc="1">
+            <a:prstTxWarp prst="textNoShape">
+              <a:avLst/>
+            </a:prstTxWarp>
+            <a:noAutofit/>
+          </a:bodyPr>
+          <a:lstStyle/>
+          <a:p>
+            <a:pPr algn="ctr"/>
+            <a:r>
+              <a:rPr lang="en-AU" sz="1050" dirty="0">
+                <a:latin typeface="Consolas" panose="020B0609020204030204" pitchFamily="49" charset="0"/>
+                <a:ea typeface="Yu Gothic" panose="020B0400000000000000" pitchFamily="34" charset="-128"/>
+              </a:rPr>
+              <a:t>Observe and apply currently required change in commands</a:t>
+            </a:r>
+          </a:p>
+        </p:txBody>
+      </p:sp>
+      <p:cxnSp>
+        <p:nvCxnSpPr>
+          <p:cNvPr id="78" name="Straight Arrow Connector 77">
+            <a:extLst>
+              <a:ext uri="{FF2B5EF4-FFF2-40B4-BE49-F238E27FC236}">
+                <a16:creationId xmlns:a16="http://schemas.microsoft.com/office/drawing/2014/main" id="{5E9D6C18-D9A6-44AD-99BE-7EB24A364A28}"/>
+              </a:ext>
+            </a:extLst>
+          </p:cNvPr>
+          <p:cNvCxnSpPr>
+            <a:stCxn id="4" idx="2"/>
+            <a:endCxn id="5" idx="0"/>
+          </p:cNvCxnSpPr>
+          <p:nvPr/>
+        </p:nvCxnSpPr>
+        <p:spPr>
+          <a:xfrm>
+            <a:off x="4953000" y="1615242"/>
+            <a:ext cx="0" cy="259561"/>
+          </a:xfrm>
+          <a:prstGeom prst="straightConnector1">
+            <a:avLst/>
+          </a:prstGeom>
+          <a:ln w="19050">
+            <a:tailEnd type="triangle"/>
+          </a:ln>
+        </p:spPr>
+        <p:style>
+          <a:lnRef idx="3">
+            <a:schemeClr val="dk1"/>
+          </a:lnRef>
+          <a:fillRef idx="0">
+            <a:schemeClr val="dk1"/>
+          </a:fillRef>
+          <a:effectRef idx="2">
+            <a:schemeClr val="dk1"/>
+          </a:effectRef>
+          <a:fontRef idx="minor">
+            <a:schemeClr val="tx1"/>
+          </a:fontRef>
+        </p:style>
+      </p:cxnSp>
+      <p:cxnSp>
+        <p:nvCxnSpPr>
+          <p:cNvPr id="80" name="Connector: Elbow 79">
+            <a:extLst>
+              <a:ext uri="{FF2B5EF4-FFF2-40B4-BE49-F238E27FC236}">
+                <a16:creationId xmlns:a16="http://schemas.microsoft.com/office/drawing/2014/main" id="{DFD8453C-50C0-4997-94E8-F81FBA46AA3E}"/>
+              </a:ext>
+            </a:extLst>
+          </p:cNvPr>
+          <p:cNvCxnSpPr>
+            <a:stCxn id="5" idx="2"/>
+            <a:endCxn id="6" idx="0"/>
+          </p:cNvCxnSpPr>
+          <p:nvPr/>
+        </p:nvCxnSpPr>
+        <p:spPr>
+          <a:xfrm rot="5400000">
+            <a:off x="3688713" y="1706560"/>
+            <a:ext cx="259561" cy="2269015"/>
+          </a:xfrm>
+          <a:prstGeom prst="bentConnector3">
+            <a:avLst/>
+          </a:prstGeom>
+          <a:ln w="19050">
+            <a:tailEnd type="triangle"/>
+          </a:ln>
+        </p:spPr>
+        <p:style>
+          <a:lnRef idx="3">
+            <a:schemeClr val="dk1"/>
+          </a:lnRef>
+          <a:fillRef idx="0">
+            <a:schemeClr val="dk1"/>
+          </a:fillRef>
+          <a:effectRef idx="2">
+            <a:schemeClr val="dk1"/>
+          </a:effectRef>
+          <a:fontRef idx="minor">
+            <a:schemeClr val="tx1"/>
+          </a:fontRef>
+        </p:style>
+      </p:cxnSp>
       <p:grpSp>
         <p:nvGrpSpPr>
-          <p:cNvPr id="206" name="Group 205">
+          <p:cNvPr id="114" name="Group 113">
             <a:extLst>
               <a:ext uri="{FF2B5EF4-FFF2-40B4-BE49-F238E27FC236}">
-                <a16:creationId xmlns:a16="http://schemas.microsoft.com/office/drawing/2014/main" id="{8B7F50EC-27DB-4687-9F29-3352616F56EF}"/>
+                <a16:creationId xmlns:a16="http://schemas.microsoft.com/office/drawing/2014/main" id="{1A76706A-3602-4CF2-B7F6-5A6479D79223}"/>
               </a:ext>
             </a:extLst>
           </p:cNvPr>
@@ -2980,1726 +3417,543 @@
         </p:nvGrpSpPr>
         <p:grpSpPr>
           <a:xfrm>
-            <a:off x="540000" y="778758"/>
-            <a:ext cx="8826000" cy="5220665"/>
-            <a:chOff x="540000" y="778758"/>
-            <a:chExt cx="8826000" cy="5220665"/>
-          </a:xfrm>
+            <a:off x="2052676" y="2970847"/>
+            <a:ext cx="157843" cy="836484"/>
+            <a:chOff x="2419349" y="3068411"/>
+            <a:chExt cx="157843" cy="320678"/>
+          </a:xfrm>
+          <a:noFill/>
         </p:grpSpPr>
+        <p:sp>
+          <p:nvSpPr>
+            <p:cNvPr id="112" name="Rectangle 111">
+              <a:extLst>
+                <a:ext uri="{FF2B5EF4-FFF2-40B4-BE49-F238E27FC236}">
+                  <a16:creationId xmlns:a16="http://schemas.microsoft.com/office/drawing/2014/main" id="{53F8E949-1C74-4447-986C-AB538FC5CDE9}"/>
+                </a:ext>
+              </a:extLst>
+            </p:cNvPr>
+            <p:cNvSpPr/>
+            <p:nvPr/>
+          </p:nvSpPr>
+          <p:spPr>
+            <a:xfrm>
+              <a:off x="2419349" y="3068411"/>
+              <a:ext cx="157843" cy="163285"/>
+            </a:xfrm>
+            <a:prstGeom prst="rect">
+              <a:avLst/>
+            </a:prstGeom>
+            <a:grpFill/>
+            <a:ln w="19050">
+              <a:solidFill>
+                <a:schemeClr val="bg1"/>
+              </a:solidFill>
+            </a:ln>
+          </p:spPr>
+          <p:style>
+            <a:lnRef idx="2">
+              <a:schemeClr val="accent1">
+                <a:shade val="50000"/>
+              </a:schemeClr>
+            </a:lnRef>
+            <a:fillRef idx="1">
+              <a:schemeClr val="accent1"/>
+            </a:fillRef>
+            <a:effectRef idx="0">
+              <a:schemeClr val="accent1"/>
+            </a:effectRef>
+            <a:fontRef idx="minor">
+              <a:schemeClr val="lt1"/>
+            </a:fontRef>
+          </p:style>
+          <p:txBody>
+            <a:bodyPr rtlCol="0" anchor="ctr"/>
+            <a:lstStyle/>
+            <a:p>
+              <a:pPr algn="ctr"/>
+              <a:endParaRPr lang="en-AU" sz="1400">
+                <a:latin typeface="Consolas" panose="020B0609020204030204" pitchFamily="49" charset="0"/>
+                <a:ea typeface="Yu Gothic" panose="020B0400000000000000" pitchFamily="34" charset="-128"/>
+              </a:endParaRPr>
+            </a:p>
+          </p:txBody>
+        </p:sp>
+        <p:sp>
+          <p:nvSpPr>
+            <p:cNvPr id="113" name="Rectangle 112">
+              <a:extLst>
+                <a:ext uri="{FF2B5EF4-FFF2-40B4-BE49-F238E27FC236}">
+                  <a16:creationId xmlns:a16="http://schemas.microsoft.com/office/drawing/2014/main" id="{9163A485-A12A-4F9F-BA85-0375E4CF9F6C}"/>
+                </a:ext>
+              </a:extLst>
+            </p:cNvPr>
+            <p:cNvSpPr/>
+            <p:nvPr/>
+          </p:nvSpPr>
+          <p:spPr>
+            <a:xfrm>
+              <a:off x="2419349" y="3225804"/>
+              <a:ext cx="157843" cy="163285"/>
+            </a:xfrm>
+            <a:prstGeom prst="rect">
+              <a:avLst/>
+            </a:prstGeom>
+            <a:grpFill/>
+            <a:ln w="19050">
+              <a:solidFill>
+                <a:schemeClr val="bg1"/>
+              </a:solidFill>
+            </a:ln>
+          </p:spPr>
+          <p:style>
+            <a:lnRef idx="2">
+              <a:schemeClr val="accent1">
+                <a:shade val="50000"/>
+              </a:schemeClr>
+            </a:lnRef>
+            <a:fillRef idx="1">
+              <a:schemeClr val="accent1"/>
+            </a:fillRef>
+            <a:effectRef idx="0">
+              <a:schemeClr val="accent1"/>
+            </a:effectRef>
+            <a:fontRef idx="minor">
+              <a:schemeClr val="lt1"/>
+            </a:fontRef>
+          </p:style>
+          <p:txBody>
+            <a:bodyPr rtlCol="0" anchor="ctr"/>
+            <a:lstStyle/>
+            <a:p>
+              <a:pPr algn="ctr"/>
+              <a:endParaRPr lang="en-AU" sz="1400">
+                <a:latin typeface="Consolas" panose="020B0609020204030204" pitchFamily="49" charset="0"/>
+                <a:ea typeface="Yu Gothic" panose="020B0400000000000000" pitchFamily="34" charset="-128"/>
+              </a:endParaRPr>
+            </a:p>
+          </p:txBody>
+        </p:sp>
+      </p:grpSp>
+      <p:sp>
+        <p:nvSpPr>
+          <p:cNvPr id="6" name="Flowchart: Alternate Process 5">
+            <a:extLst>
+              <a:ext uri="{FF2B5EF4-FFF2-40B4-BE49-F238E27FC236}">
+                <a16:creationId xmlns:a16="http://schemas.microsoft.com/office/drawing/2014/main" id="{CBEC67C4-8145-4EDC-B6E6-4E3AB4BA141C}"/>
+              </a:ext>
+            </a:extLst>
+          </p:cNvPr>
+          <p:cNvSpPr/>
+          <p:nvPr/>
+        </p:nvSpPr>
+        <p:spPr>
+          <a:xfrm>
+            <a:off x="2052676" y="2970848"/>
+            <a:ext cx="1262618" cy="836484"/>
+          </a:xfrm>
+          <a:prstGeom prst="flowChartAlternateProcess">
+            <a:avLst/>
+          </a:prstGeom>
+          <a:ln w="19050"/>
+        </p:spPr>
+        <p:style>
+          <a:lnRef idx="2">
+            <a:schemeClr val="accent6">
+              <a:shade val="50000"/>
+            </a:schemeClr>
+          </a:lnRef>
+          <a:fillRef idx="1">
+            <a:schemeClr val="accent6"/>
+          </a:fillRef>
+          <a:effectRef idx="0">
+            <a:schemeClr val="accent6"/>
+          </a:effectRef>
+          <a:fontRef idx="minor">
+            <a:schemeClr val="lt1"/>
+          </a:fontRef>
+        </p:style>
+        <p:txBody>
+          <a:bodyPr rot="0" spcFirstLastPara="0" vertOverflow="overflow" horzOverflow="overflow" vert="horz" wrap="square" lIns="0" tIns="0" rIns="0" bIns="0" numCol="1" spcCol="0" rtlCol="0" fromWordArt="0" anchor="ctr" anchorCtr="0" forceAA="0" compatLnSpc="1">
+            <a:prstTxWarp prst="textNoShape">
+              <a:avLst/>
+            </a:prstTxWarp>
+            <a:noAutofit/>
+          </a:bodyPr>
+          <a:lstStyle/>
+          <a:p>
+            <a:pPr algn="ctr"/>
+            <a:r>
+              <a:rPr lang="en-AU" sz="1050" dirty="0">
+                <a:latin typeface="Consolas" panose="020B0609020204030204" pitchFamily="49" charset="0"/>
+                <a:ea typeface="Yu Gothic" panose="020B0400000000000000" pitchFamily="34" charset="-128"/>
+              </a:rPr>
+              <a:t>Observe current state of suit</a:t>
+            </a:r>
+          </a:p>
+        </p:txBody>
+      </p:sp>
+      <p:sp>
+        <p:nvSpPr>
+          <p:cNvPr id="10" name="Flowchart: Alternate Process 9">
+            <a:extLst>
+              <a:ext uri="{FF2B5EF4-FFF2-40B4-BE49-F238E27FC236}">
+                <a16:creationId xmlns:a16="http://schemas.microsoft.com/office/drawing/2014/main" id="{04E96D33-931D-41ED-B785-5AAC4836DA2B}"/>
+              </a:ext>
+            </a:extLst>
+          </p:cNvPr>
+          <p:cNvSpPr/>
+          <p:nvPr/>
+        </p:nvSpPr>
+        <p:spPr>
+          <a:xfrm>
+            <a:off x="2052676" y="4066893"/>
+            <a:ext cx="1262618" cy="836484"/>
+          </a:xfrm>
+          <a:prstGeom prst="flowChartAlternateProcess">
+            <a:avLst/>
+          </a:prstGeom>
+          <a:ln w="19050"/>
+        </p:spPr>
+        <p:style>
+          <a:lnRef idx="2">
+            <a:schemeClr val="accent6">
+              <a:shade val="50000"/>
+            </a:schemeClr>
+          </a:lnRef>
+          <a:fillRef idx="1">
+            <a:schemeClr val="accent6"/>
+          </a:fillRef>
+          <a:effectRef idx="0">
+            <a:schemeClr val="accent6"/>
+          </a:effectRef>
+          <a:fontRef idx="minor">
+            <a:schemeClr val="lt1"/>
+          </a:fontRef>
+        </p:style>
+        <p:txBody>
+          <a:bodyPr rot="0" spcFirstLastPara="0" vertOverflow="overflow" horzOverflow="overflow" vert="horz" wrap="square" lIns="0" tIns="0" rIns="0" bIns="0" numCol="1" spcCol="0" rtlCol="0" fromWordArt="0" anchor="ctr" anchorCtr="0" forceAA="0" compatLnSpc="1">
+            <a:prstTxWarp prst="textNoShape">
+              <a:avLst/>
+            </a:prstTxWarp>
+            <a:noAutofit/>
+          </a:bodyPr>
+          <a:lstStyle/>
+          <a:p>
+            <a:pPr algn="ctr"/>
+            <a:r>
+              <a:rPr lang="en-AU" sz="1050" dirty="0">
+                <a:latin typeface="Consolas" panose="020B0609020204030204" pitchFamily="49" charset="0"/>
+                <a:ea typeface="Yu Gothic" panose="020B0400000000000000" pitchFamily="34" charset="-128"/>
+              </a:rPr>
+              <a:t>Measure pilot interaction with suit (force) </a:t>
+            </a:r>
+          </a:p>
+        </p:txBody>
+      </p:sp>
+      <p:sp>
+        <p:nvSpPr>
+          <p:cNvPr id="35" name="Flowchart: Alternate Process 34">
+            <a:extLst>
+              <a:ext uri="{FF2B5EF4-FFF2-40B4-BE49-F238E27FC236}">
+                <a16:creationId xmlns:a16="http://schemas.microsoft.com/office/drawing/2014/main" id="{2BF16F38-5994-4A2C-9431-5E8CE547BC25}"/>
+              </a:ext>
+            </a:extLst>
+          </p:cNvPr>
+          <p:cNvSpPr/>
+          <p:nvPr/>
+        </p:nvSpPr>
+        <p:spPr>
+          <a:xfrm>
+            <a:off x="2052676" y="5162939"/>
+            <a:ext cx="1262618" cy="836484"/>
+          </a:xfrm>
+          <a:prstGeom prst="flowChartAlternateProcess">
+            <a:avLst/>
+          </a:prstGeom>
+          <a:ln w="19050"/>
+        </p:spPr>
+        <p:style>
+          <a:lnRef idx="2">
+            <a:schemeClr val="accent6">
+              <a:shade val="50000"/>
+            </a:schemeClr>
+          </a:lnRef>
+          <a:fillRef idx="1">
+            <a:schemeClr val="accent6"/>
+          </a:fillRef>
+          <a:effectRef idx="0">
+            <a:schemeClr val="accent6"/>
+          </a:effectRef>
+          <a:fontRef idx="minor">
+            <a:schemeClr val="lt1"/>
+          </a:fontRef>
+        </p:style>
+        <p:txBody>
+          <a:bodyPr rot="0" spcFirstLastPara="0" vertOverflow="overflow" horzOverflow="overflow" vert="horz" wrap="square" lIns="0" tIns="0" rIns="0" bIns="0" numCol="1" spcCol="0" rtlCol="0" fromWordArt="0" anchor="ctr" anchorCtr="0" forceAA="0" compatLnSpc="1">
+            <a:prstTxWarp prst="textNoShape">
+              <a:avLst/>
+            </a:prstTxWarp>
+            <a:noAutofit/>
+          </a:bodyPr>
+          <a:lstStyle/>
+          <a:p>
+            <a:pPr algn="ctr"/>
+            <a:r>
+              <a:rPr lang="en-AU" sz="1050" dirty="0">
+                <a:latin typeface="Consolas" panose="020B0609020204030204" pitchFamily="49" charset="0"/>
+                <a:ea typeface="Yu Gothic" panose="020B0400000000000000" pitchFamily="34" charset="-128"/>
+              </a:rPr>
+              <a:t>Measure force applied at internal contact points</a:t>
+            </a:r>
+          </a:p>
+        </p:txBody>
+      </p:sp>
+      <p:cxnSp>
+        <p:nvCxnSpPr>
+          <p:cNvPr id="92" name="Straight Arrow Connector 91">
+            <a:extLst>
+              <a:ext uri="{FF2B5EF4-FFF2-40B4-BE49-F238E27FC236}">
+                <a16:creationId xmlns:a16="http://schemas.microsoft.com/office/drawing/2014/main" id="{604D561D-C08F-4568-B5CB-80734F1C374C}"/>
+              </a:ext>
+            </a:extLst>
+          </p:cNvPr>
+          <p:cNvCxnSpPr>
+            <a:cxnSpLocks/>
+            <a:stCxn id="6" idx="2"/>
+            <a:endCxn id="10" idx="0"/>
+          </p:cNvCxnSpPr>
+          <p:nvPr/>
+        </p:nvCxnSpPr>
+        <p:spPr>
+          <a:xfrm>
+            <a:off x="2683985" y="3807332"/>
+            <a:ext cx="0" cy="259561"/>
+          </a:xfrm>
+          <a:prstGeom prst="straightConnector1">
+            <a:avLst/>
+          </a:prstGeom>
+          <a:ln w="19050">
+            <a:tailEnd type="triangle"/>
+          </a:ln>
+        </p:spPr>
+        <p:style>
+          <a:lnRef idx="3">
+            <a:schemeClr val="accent6"/>
+          </a:lnRef>
+          <a:fillRef idx="0">
+            <a:schemeClr val="accent6"/>
+          </a:fillRef>
+          <a:effectRef idx="2">
+            <a:schemeClr val="accent6"/>
+          </a:effectRef>
+          <a:fontRef idx="minor">
+            <a:schemeClr val="tx1"/>
+          </a:fontRef>
+        </p:style>
+      </p:cxnSp>
+      <p:cxnSp>
+        <p:nvCxnSpPr>
+          <p:cNvPr id="94" name="Straight Arrow Connector 93">
+            <a:extLst>
+              <a:ext uri="{FF2B5EF4-FFF2-40B4-BE49-F238E27FC236}">
+                <a16:creationId xmlns:a16="http://schemas.microsoft.com/office/drawing/2014/main" id="{272341C1-977A-4E94-9973-05C97153776E}"/>
+              </a:ext>
+            </a:extLst>
+          </p:cNvPr>
+          <p:cNvCxnSpPr>
+            <a:stCxn id="10" idx="2"/>
+            <a:endCxn id="35" idx="0"/>
+          </p:cNvCxnSpPr>
+          <p:nvPr/>
+        </p:nvCxnSpPr>
+        <p:spPr>
+          <a:xfrm>
+            <a:off x="2683985" y="4903377"/>
+            <a:ext cx="0" cy="259562"/>
+          </a:xfrm>
+          <a:prstGeom prst="straightConnector1">
+            <a:avLst/>
+          </a:prstGeom>
+          <a:ln w="19050">
+            <a:tailEnd type="triangle"/>
+          </a:ln>
+        </p:spPr>
+        <p:style>
+          <a:lnRef idx="3">
+            <a:schemeClr val="accent6"/>
+          </a:lnRef>
+          <a:fillRef idx="0">
+            <a:schemeClr val="accent6"/>
+          </a:fillRef>
+          <a:effectRef idx="2">
+            <a:schemeClr val="accent6"/>
+          </a:effectRef>
+          <a:fontRef idx="minor">
+            <a:schemeClr val="tx1"/>
+          </a:fontRef>
+        </p:style>
+      </p:cxnSp>
+      <p:grpSp>
+        <p:nvGrpSpPr>
+          <p:cNvPr id="201" name="Group 200">
+            <a:extLst>
+              <a:ext uri="{FF2B5EF4-FFF2-40B4-BE49-F238E27FC236}">
+                <a16:creationId xmlns:a16="http://schemas.microsoft.com/office/drawing/2014/main" id="{2C555C07-9DCD-48B4-BC14-AB69FF1C7D75}"/>
+              </a:ext>
+            </a:extLst>
+          </p:cNvPr>
+          <p:cNvGrpSpPr/>
+          <p:nvPr/>
+        </p:nvGrpSpPr>
+        <p:grpSpPr>
+          <a:xfrm>
+            <a:off x="3565352" y="4066893"/>
+            <a:ext cx="1262618" cy="1932530"/>
+            <a:chOff x="3631062" y="4066893"/>
+            <a:chExt cx="1262618" cy="1932530"/>
+          </a:xfrm>
+        </p:grpSpPr>
+        <p:sp>
+          <p:nvSpPr>
+            <p:cNvPr id="9" name="Flowchart: Alternate Process 8">
+              <a:extLst>
+                <a:ext uri="{FF2B5EF4-FFF2-40B4-BE49-F238E27FC236}">
+                  <a16:creationId xmlns:a16="http://schemas.microsoft.com/office/drawing/2014/main" id="{A63D1470-FBE3-48D4-8461-35122716F401}"/>
+                </a:ext>
+              </a:extLst>
+            </p:cNvPr>
+            <p:cNvSpPr/>
+            <p:nvPr/>
+          </p:nvSpPr>
+          <p:spPr>
+            <a:xfrm>
+              <a:off x="3631062" y="4066893"/>
+              <a:ext cx="1262618" cy="836484"/>
+            </a:xfrm>
+            <a:prstGeom prst="flowChartAlternateProcess">
+              <a:avLst/>
+            </a:prstGeom>
+            <a:ln w="19050"/>
+          </p:spPr>
+          <p:style>
+            <a:lnRef idx="2">
+              <a:schemeClr val="accent6">
+                <a:shade val="50000"/>
+              </a:schemeClr>
+            </a:lnRef>
+            <a:fillRef idx="1">
+              <a:schemeClr val="accent6"/>
+            </a:fillRef>
+            <a:effectRef idx="0">
+              <a:schemeClr val="accent6"/>
+            </a:effectRef>
+            <a:fontRef idx="minor">
+              <a:schemeClr val="lt1"/>
+            </a:fontRef>
+          </p:style>
+          <p:txBody>
+            <a:bodyPr rot="0" spcFirstLastPara="0" vertOverflow="overflow" horzOverflow="overflow" vert="horz" wrap="square" lIns="0" tIns="0" rIns="0" bIns="0" numCol="1" spcCol="0" rtlCol="0" fromWordArt="0" anchor="ctr" anchorCtr="0" forceAA="0" compatLnSpc="1">
+              <a:prstTxWarp prst="textNoShape">
+                <a:avLst/>
+              </a:prstTxWarp>
+              <a:noAutofit/>
+            </a:bodyPr>
+            <a:lstStyle/>
+            <a:p>
+              <a:pPr algn="ctr"/>
+              <a:r>
+                <a:rPr lang="en-AU" sz="1050" dirty="0">
+                  <a:latin typeface="Consolas" panose="020B0609020204030204" pitchFamily="49" charset="0"/>
+                  <a:ea typeface="Yu Gothic" panose="020B0400000000000000" pitchFamily="34" charset="-128"/>
+                </a:rPr>
+                <a:t>Measure suit interaction with environment (force) </a:t>
+              </a:r>
+            </a:p>
+          </p:txBody>
+        </p:sp>
+        <p:sp>
+          <p:nvSpPr>
+            <p:cNvPr id="37" name="Flowchart: Alternate Process 36">
+              <a:extLst>
+                <a:ext uri="{FF2B5EF4-FFF2-40B4-BE49-F238E27FC236}">
+                  <a16:creationId xmlns:a16="http://schemas.microsoft.com/office/drawing/2014/main" id="{619597F8-F93B-4AD4-A251-42D24A65AD9C}"/>
+                </a:ext>
+              </a:extLst>
+            </p:cNvPr>
+            <p:cNvSpPr/>
+            <p:nvPr/>
+          </p:nvSpPr>
+          <p:spPr>
+            <a:xfrm>
+              <a:off x="3631062" y="5162939"/>
+              <a:ext cx="1262618" cy="836484"/>
+            </a:xfrm>
+            <a:prstGeom prst="flowChartAlternateProcess">
+              <a:avLst/>
+            </a:prstGeom>
+            <a:ln w="19050"/>
+          </p:spPr>
+          <p:style>
+            <a:lnRef idx="2">
+              <a:schemeClr val="accent6">
+                <a:shade val="50000"/>
+              </a:schemeClr>
+            </a:lnRef>
+            <a:fillRef idx="1">
+              <a:schemeClr val="accent6"/>
+            </a:fillRef>
+            <a:effectRef idx="0">
+              <a:schemeClr val="accent6"/>
+            </a:effectRef>
+            <a:fontRef idx="minor">
+              <a:schemeClr val="lt1"/>
+            </a:fontRef>
+          </p:style>
+          <p:txBody>
+            <a:bodyPr rot="0" spcFirstLastPara="0" vertOverflow="overflow" horzOverflow="overflow" vert="horz" wrap="square" lIns="0" tIns="0" rIns="0" bIns="0" numCol="1" spcCol="0" rtlCol="0" fromWordArt="0" anchor="ctr" anchorCtr="0" forceAA="0" compatLnSpc="1">
+              <a:prstTxWarp prst="textNoShape">
+                <a:avLst/>
+              </a:prstTxWarp>
+              <a:noAutofit/>
+            </a:bodyPr>
+            <a:lstStyle/>
+            <a:p>
+              <a:pPr algn="ctr"/>
+              <a:r>
+                <a:rPr lang="en-AU" sz="1050" dirty="0">
+                  <a:latin typeface="Consolas" panose="020B0609020204030204" pitchFamily="49" charset="0"/>
+                  <a:ea typeface="Yu Gothic" panose="020B0400000000000000" pitchFamily="34" charset="-128"/>
+                </a:rPr>
+                <a:t>Measure force applied at external contact points</a:t>
+              </a:r>
+            </a:p>
+          </p:txBody>
+        </p:sp>
         <p:cxnSp>
           <p:nvCxnSpPr>
-            <p:cNvPr id="86" name="Connector: Elbow 85">
+            <p:cNvPr id="96" name="Straight Arrow Connector 95">
               <a:extLst>
                 <a:ext uri="{FF2B5EF4-FFF2-40B4-BE49-F238E27FC236}">
-                  <a16:creationId xmlns:a16="http://schemas.microsoft.com/office/drawing/2014/main" id="{E4AEEE63-9158-4B06-8DDE-CAF19F822FA9}"/>
+                  <a16:creationId xmlns:a16="http://schemas.microsoft.com/office/drawing/2014/main" id="{4AA6F09C-BB3F-4022-A512-BC7E80EC1695}"/>
                 </a:ext>
               </a:extLst>
             </p:cNvPr>
             <p:cNvCxnSpPr>
-              <a:cxnSpLocks/>
-              <a:stCxn id="113" idx="1"/>
-              <a:endCxn id="42" idx="3"/>
-            </p:cNvCxnSpPr>
-            <p:nvPr/>
-          </p:nvCxnSpPr>
-          <p:spPr>
-            <a:xfrm rot="10800000" flipV="1">
-              <a:off x="1802618" y="3594367"/>
-              <a:ext cx="511492" cy="1986813"/>
-            </a:xfrm>
-            <a:prstGeom prst="bentConnector3">
-              <a:avLst/>
-            </a:prstGeom>
-            <a:ln>
-              <a:solidFill>
-                <a:srgbClr val="C00000"/>
-              </a:solidFill>
-              <a:tailEnd type="triangle"/>
-            </a:ln>
-          </p:spPr>
-          <p:style>
-            <a:lnRef idx="3">
-              <a:schemeClr val="accent2"/>
-            </a:lnRef>
-            <a:fillRef idx="0">
-              <a:schemeClr val="accent2"/>
-            </a:fillRef>
-            <a:effectRef idx="2">
-              <a:schemeClr val="accent2"/>
-            </a:effectRef>
-            <a:fontRef idx="minor">
-              <a:schemeClr val="tx1"/>
-            </a:fontRef>
-          </p:style>
-        </p:cxnSp>
-        <p:cxnSp>
-          <p:nvCxnSpPr>
-            <p:cNvPr id="88" name="Connector: Elbow 87">
-              <a:extLst>
-                <a:ext uri="{FF2B5EF4-FFF2-40B4-BE49-F238E27FC236}">
-                  <a16:creationId xmlns:a16="http://schemas.microsoft.com/office/drawing/2014/main" id="{78AAF38D-7A97-4511-BB1C-95F1C3906987}"/>
-                </a:ext>
-              </a:extLst>
-            </p:cNvPr>
-            <p:cNvCxnSpPr>
-              <a:cxnSpLocks/>
-              <a:stCxn id="112" idx="1"/>
-              <a:endCxn id="11" idx="0"/>
-            </p:cNvCxnSpPr>
-            <p:nvPr/>
-          </p:nvCxnSpPr>
-          <p:spPr>
-            <a:xfrm rot="10800000" flipV="1">
-              <a:off x="1171310" y="3183811"/>
-              <a:ext cx="1142801" cy="883082"/>
-            </a:xfrm>
-            <a:prstGeom prst="bentConnector2">
-              <a:avLst/>
-            </a:prstGeom>
-            <a:ln>
-              <a:solidFill>
-                <a:srgbClr val="C00000"/>
-              </a:solidFill>
-              <a:tailEnd type="triangle"/>
-            </a:ln>
-          </p:spPr>
-          <p:style>
-            <a:lnRef idx="3">
-              <a:schemeClr val="accent2"/>
-            </a:lnRef>
-            <a:fillRef idx="0">
-              <a:schemeClr val="accent2"/>
-            </a:fillRef>
-            <a:effectRef idx="2">
-              <a:schemeClr val="accent2"/>
-            </a:effectRef>
-            <a:fontRef idx="minor">
-              <a:schemeClr val="tx1"/>
-            </a:fontRef>
-          </p:style>
-        </p:cxnSp>
-        <p:grpSp>
-          <p:nvGrpSpPr>
-            <p:cNvPr id="199" name="Group 198">
-              <a:extLst>
-                <a:ext uri="{FF2B5EF4-FFF2-40B4-BE49-F238E27FC236}">
-                  <a16:creationId xmlns:a16="http://schemas.microsoft.com/office/drawing/2014/main" id="{4C2FA21C-E1CF-4071-B594-308EEB15645E}"/>
-                </a:ext>
-              </a:extLst>
-            </p:cNvPr>
-            <p:cNvGrpSpPr/>
-            <p:nvPr/>
-          </p:nvGrpSpPr>
-          <p:grpSpPr>
-            <a:xfrm>
-              <a:off x="540000" y="4066893"/>
-              <a:ext cx="1262618" cy="1932530"/>
-              <a:chOff x="121628" y="4066893"/>
-              <a:chExt cx="1262618" cy="1932530"/>
-            </a:xfrm>
-          </p:grpSpPr>
-          <p:sp>
-            <p:nvSpPr>
-              <p:cNvPr id="11" name="Flowchart: Alternate Process 10">
-                <a:extLst>
-                  <a:ext uri="{FF2B5EF4-FFF2-40B4-BE49-F238E27FC236}">
-                    <a16:creationId xmlns:a16="http://schemas.microsoft.com/office/drawing/2014/main" id="{443A859A-B689-42EF-9FCF-B7DE5F1E381D}"/>
-                  </a:ext>
-                </a:extLst>
-              </p:cNvPr>
-              <p:cNvSpPr/>
-              <p:nvPr/>
-            </p:nvSpPr>
-            <p:spPr>
-              <a:xfrm>
-                <a:off x="121628" y="4066893"/>
-                <a:ext cx="1262618" cy="836484"/>
-              </a:xfrm>
-              <a:prstGeom prst="flowChartAlternateProcess">
-                <a:avLst/>
-              </a:prstGeom>
-              <a:solidFill>
-                <a:srgbClr val="FF5B5B"/>
-              </a:solidFill>
-              <a:ln>
-                <a:solidFill>
-                  <a:srgbClr val="C00000"/>
-                </a:solidFill>
-              </a:ln>
-            </p:spPr>
-            <p:style>
-              <a:lnRef idx="2">
-                <a:schemeClr val="accent2">
-                  <a:shade val="50000"/>
-                </a:schemeClr>
-              </a:lnRef>
-              <a:fillRef idx="1">
-                <a:schemeClr val="accent2"/>
-              </a:fillRef>
-              <a:effectRef idx="0">
-                <a:schemeClr val="accent2"/>
-              </a:effectRef>
-              <a:fontRef idx="minor">
-                <a:schemeClr val="lt1"/>
-              </a:fontRef>
-            </p:style>
-            <p:txBody>
-              <a:bodyPr rot="0" spcFirstLastPara="0" vertOverflow="overflow" horzOverflow="overflow" vert="horz" wrap="square" lIns="0" tIns="0" rIns="0" bIns="0" numCol="1" spcCol="0" rtlCol="0" fromWordArt="0" anchor="ctr" anchorCtr="0" forceAA="0" compatLnSpc="1">
-                <a:prstTxWarp prst="textNoShape">
-                  <a:avLst/>
-                </a:prstTxWarp>
-                <a:noAutofit/>
-              </a:bodyPr>
-              <a:lstStyle/>
-              <a:p>
-                <a:pPr algn="ctr"/>
-                <a:r>
-                  <a:rPr lang="en-AU" sz="1050" b="1" dirty="0">
-                    <a:latin typeface="Consolas" panose="020B0609020204030204" pitchFamily="49" charset="0"/>
-                    <a:ea typeface="Yu Gothic" panose="020B0400000000000000" pitchFamily="34" charset="-128"/>
-                  </a:rPr>
-                  <a:t>OUTSIDE OF SCOPE</a:t>
-                </a:r>
-                <a:r>
-                  <a:rPr lang="en-AU" sz="1050" dirty="0">
-                    <a:latin typeface="Consolas" panose="020B0609020204030204" pitchFamily="49" charset="0"/>
-                    <a:ea typeface="Yu Gothic" panose="020B0400000000000000" pitchFamily="34" charset="-128"/>
-                  </a:rPr>
-                  <a:t>: Measure position of suit</a:t>
-                </a:r>
-              </a:p>
-            </p:txBody>
-          </p:sp>
-          <p:sp>
-            <p:nvSpPr>
-              <p:cNvPr id="42" name="Flowchart: Alternate Process 41">
-                <a:extLst>
-                  <a:ext uri="{FF2B5EF4-FFF2-40B4-BE49-F238E27FC236}">
-                    <a16:creationId xmlns:a16="http://schemas.microsoft.com/office/drawing/2014/main" id="{DE5AB3E2-694F-4518-A0AA-91EF6CF6D67E}"/>
-                  </a:ext>
-                </a:extLst>
-              </p:cNvPr>
-              <p:cNvSpPr/>
-              <p:nvPr/>
-            </p:nvSpPr>
-            <p:spPr>
-              <a:xfrm>
-                <a:off x="121628" y="5162939"/>
-                <a:ext cx="1262618" cy="836484"/>
-              </a:xfrm>
-              <a:prstGeom prst="flowChartAlternateProcess">
-                <a:avLst/>
-              </a:prstGeom>
-              <a:solidFill>
-                <a:srgbClr val="FF5B5B"/>
-              </a:solidFill>
-              <a:ln>
-                <a:solidFill>
-                  <a:srgbClr val="C00000"/>
-                </a:solidFill>
-              </a:ln>
-            </p:spPr>
-            <p:style>
-              <a:lnRef idx="2">
-                <a:schemeClr val="accent2">
-                  <a:shade val="50000"/>
-                </a:schemeClr>
-              </a:lnRef>
-              <a:fillRef idx="1">
-                <a:schemeClr val="accent2"/>
-              </a:fillRef>
-              <a:effectRef idx="0">
-                <a:schemeClr val="accent2"/>
-              </a:effectRef>
-              <a:fontRef idx="minor">
-                <a:schemeClr val="lt1"/>
-              </a:fontRef>
-            </p:style>
-            <p:txBody>
-              <a:bodyPr rot="0" spcFirstLastPara="0" vertOverflow="overflow" horzOverflow="overflow" vert="horz" wrap="square" lIns="0" tIns="0" rIns="0" bIns="0" numCol="1" spcCol="0" rtlCol="0" fromWordArt="0" anchor="ctr" anchorCtr="0" forceAA="0" compatLnSpc="1">
-                <a:prstTxWarp prst="textNoShape">
-                  <a:avLst/>
-                </a:prstTxWarp>
-                <a:noAutofit/>
-              </a:bodyPr>
-              <a:lstStyle/>
-              <a:p>
-                <a:pPr algn="ctr"/>
-                <a:r>
-                  <a:rPr lang="en-AU" sz="1050" b="1" dirty="0">
-                    <a:latin typeface="Consolas" panose="020B0609020204030204" pitchFamily="49" charset="0"/>
-                    <a:ea typeface="Yu Gothic" panose="020B0400000000000000" pitchFamily="34" charset="-128"/>
-                  </a:rPr>
-                  <a:t>OUTSIDE OF SCOPE</a:t>
-                </a:r>
-                <a:r>
-                  <a:rPr lang="en-AU" sz="1050" dirty="0">
-                    <a:latin typeface="Consolas" panose="020B0609020204030204" pitchFamily="49" charset="0"/>
-                    <a:ea typeface="Yu Gothic" panose="020B0400000000000000" pitchFamily="34" charset="-128"/>
-                  </a:rPr>
-                  <a:t>: Regulate torque output of actuators</a:t>
-                </a:r>
-              </a:p>
-            </p:txBody>
-          </p:sp>
-        </p:grpSp>
-        <p:grpSp>
-          <p:nvGrpSpPr>
-            <p:cNvPr id="205" name="Group 204">
-              <a:extLst>
-                <a:ext uri="{FF2B5EF4-FFF2-40B4-BE49-F238E27FC236}">
-                  <a16:creationId xmlns:a16="http://schemas.microsoft.com/office/drawing/2014/main" id="{8A04EB40-C2E7-492E-BC35-B5F27F83E115}"/>
-                </a:ext>
-              </a:extLst>
-            </p:cNvPr>
-            <p:cNvGrpSpPr/>
-            <p:nvPr/>
-          </p:nvGrpSpPr>
-          <p:grpSpPr>
-            <a:xfrm>
-              <a:off x="4321691" y="778758"/>
-              <a:ext cx="1262618" cy="1932529"/>
-              <a:chOff x="3631062" y="778758"/>
-              <a:chExt cx="1262618" cy="1932529"/>
-            </a:xfrm>
-          </p:grpSpPr>
-          <p:sp>
-            <p:nvSpPr>
-              <p:cNvPr id="4" name="Flowchart: Alternate Process 3">
-                <a:extLst>
-                  <a:ext uri="{FF2B5EF4-FFF2-40B4-BE49-F238E27FC236}">
-                    <a16:creationId xmlns:a16="http://schemas.microsoft.com/office/drawing/2014/main" id="{ED27B7A8-34C4-4CFF-B46F-55193AB8B3E3}"/>
-                  </a:ext>
-                </a:extLst>
-              </p:cNvPr>
-              <p:cNvSpPr/>
-              <p:nvPr/>
-            </p:nvSpPr>
-            <p:spPr>
-              <a:xfrm>
-                <a:off x="3631062" y="778758"/>
-                <a:ext cx="1262618" cy="836484"/>
-              </a:xfrm>
-              <a:prstGeom prst="flowChartAlternateProcess">
-                <a:avLst/>
-              </a:prstGeom>
-            </p:spPr>
-            <p:style>
-              <a:lnRef idx="2">
-                <a:schemeClr val="dk1"/>
-              </a:lnRef>
-              <a:fillRef idx="1">
-                <a:schemeClr val="lt1"/>
-              </a:fillRef>
-              <a:effectRef idx="0">
-                <a:schemeClr val="dk1"/>
-              </a:effectRef>
-              <a:fontRef idx="minor">
-                <a:schemeClr val="dk1"/>
-              </a:fontRef>
-            </p:style>
-            <p:txBody>
-              <a:bodyPr rot="0" spcFirstLastPara="0" vertOverflow="overflow" horzOverflow="overflow" vert="horz" wrap="square" lIns="0" tIns="0" rIns="0" bIns="0" numCol="1" spcCol="0" rtlCol="0" fromWordArt="0" anchor="ctr" anchorCtr="0" forceAA="0" compatLnSpc="1">
-                <a:prstTxWarp prst="textNoShape">
-                  <a:avLst/>
-                </a:prstTxWarp>
-                <a:noAutofit/>
-              </a:bodyPr>
-              <a:lstStyle/>
-              <a:p>
-                <a:pPr algn="ctr"/>
-                <a:r>
-                  <a:rPr lang="en-AU" sz="1050" dirty="0">
-                    <a:latin typeface="Consolas" panose="020B0609020204030204" pitchFamily="49" charset="0"/>
-                    <a:ea typeface="Yu Gothic" panose="020B0400000000000000" pitchFamily="34" charset="-128"/>
-                  </a:rPr>
-                  <a:t>Achieve/approach the desired position of the suit</a:t>
-                </a:r>
-              </a:p>
-            </p:txBody>
-          </p:sp>
-          <p:sp>
-            <p:nvSpPr>
-              <p:cNvPr id="5" name="Flowchart: Alternate Process 4">
-                <a:extLst>
-                  <a:ext uri="{FF2B5EF4-FFF2-40B4-BE49-F238E27FC236}">
-                    <a16:creationId xmlns:a16="http://schemas.microsoft.com/office/drawing/2014/main" id="{96A3839F-D4C5-4194-AC7C-84D6F95C7CF2}"/>
-                  </a:ext>
-                </a:extLst>
-              </p:cNvPr>
-              <p:cNvSpPr/>
-              <p:nvPr/>
-            </p:nvSpPr>
-            <p:spPr>
-              <a:xfrm>
-                <a:off x="3631062" y="1874803"/>
-                <a:ext cx="1262618" cy="836484"/>
-              </a:xfrm>
-              <a:prstGeom prst="flowChartAlternateProcess">
-                <a:avLst/>
-              </a:prstGeom>
-            </p:spPr>
-            <p:style>
-              <a:lnRef idx="2">
-                <a:schemeClr val="dk1"/>
-              </a:lnRef>
-              <a:fillRef idx="1">
-                <a:schemeClr val="lt1"/>
-              </a:fillRef>
-              <a:effectRef idx="0">
-                <a:schemeClr val="dk1"/>
-              </a:effectRef>
-              <a:fontRef idx="minor">
-                <a:schemeClr val="dk1"/>
-              </a:fontRef>
-            </p:style>
-            <p:txBody>
-              <a:bodyPr rot="0" spcFirstLastPara="0" vertOverflow="overflow" horzOverflow="overflow" vert="horz" wrap="square" lIns="0" tIns="0" rIns="0" bIns="0" numCol="1" spcCol="0" rtlCol="0" fromWordArt="0" anchor="ctr" anchorCtr="0" forceAA="0" compatLnSpc="1">
-                <a:prstTxWarp prst="textNoShape">
-                  <a:avLst/>
-                </a:prstTxWarp>
-                <a:noAutofit/>
-              </a:bodyPr>
-              <a:lstStyle/>
-              <a:p>
-                <a:pPr algn="ctr"/>
-                <a:r>
-                  <a:rPr lang="en-AU" sz="1050" dirty="0">
-                    <a:latin typeface="Consolas" panose="020B0609020204030204" pitchFamily="49" charset="0"/>
-                    <a:ea typeface="Yu Gothic" panose="020B0400000000000000" pitchFamily="34" charset="-128"/>
-                  </a:rPr>
-                  <a:t>Observe and apply currently required change in commands</a:t>
-                </a:r>
-              </a:p>
-            </p:txBody>
-          </p:sp>
-          <p:cxnSp>
-            <p:nvCxnSpPr>
-              <p:cNvPr id="78" name="Straight Arrow Connector 77">
-                <a:extLst>
-                  <a:ext uri="{FF2B5EF4-FFF2-40B4-BE49-F238E27FC236}">
-                    <a16:creationId xmlns:a16="http://schemas.microsoft.com/office/drawing/2014/main" id="{5E9D6C18-D9A6-44AD-99BE-7EB24A364A28}"/>
-                  </a:ext>
-                </a:extLst>
-              </p:cNvPr>
-              <p:cNvCxnSpPr>
-                <a:stCxn id="4" idx="2"/>
-                <a:endCxn id="5" idx="0"/>
-              </p:cNvCxnSpPr>
-              <p:nvPr/>
-            </p:nvCxnSpPr>
-            <p:spPr>
-              <a:xfrm>
-                <a:off x="4262371" y="1615242"/>
-                <a:ext cx="0" cy="259561"/>
-              </a:xfrm>
-              <a:prstGeom prst="straightConnector1">
-                <a:avLst/>
-              </a:prstGeom>
-              <a:ln>
-                <a:tailEnd type="triangle"/>
-              </a:ln>
-            </p:spPr>
-            <p:style>
-              <a:lnRef idx="3">
-                <a:schemeClr val="dk1"/>
-              </a:lnRef>
-              <a:fillRef idx="0">
-                <a:schemeClr val="dk1"/>
-              </a:fillRef>
-              <a:effectRef idx="2">
-                <a:schemeClr val="dk1"/>
-              </a:effectRef>
-              <a:fontRef idx="minor">
-                <a:schemeClr val="tx1"/>
-              </a:fontRef>
-            </p:style>
-          </p:cxnSp>
-        </p:grpSp>
-        <p:cxnSp>
-          <p:nvCxnSpPr>
-            <p:cNvPr id="80" name="Connector: Elbow 79">
-              <a:extLst>
-                <a:ext uri="{FF2B5EF4-FFF2-40B4-BE49-F238E27FC236}">
-                  <a16:creationId xmlns:a16="http://schemas.microsoft.com/office/drawing/2014/main" id="{DFD8453C-50C0-4997-94E8-F81FBA46AA3E}"/>
-                </a:ext>
-              </a:extLst>
-            </p:cNvPr>
-            <p:cNvCxnSpPr>
-              <a:stCxn id="5" idx="2"/>
-              <a:endCxn id="6" idx="0"/>
-            </p:cNvCxnSpPr>
-            <p:nvPr/>
-          </p:nvCxnSpPr>
-          <p:spPr>
-            <a:xfrm rot="5400000">
-              <a:off x="3688713" y="1706560"/>
-              <a:ext cx="259561" cy="2269015"/>
-            </a:xfrm>
-            <a:prstGeom prst="bentConnector3">
-              <a:avLst/>
-            </a:prstGeom>
-            <a:ln>
-              <a:tailEnd type="triangle"/>
-            </a:ln>
-          </p:spPr>
-          <p:style>
-            <a:lnRef idx="3">
-              <a:schemeClr val="dk1"/>
-            </a:lnRef>
-            <a:fillRef idx="0">
-              <a:schemeClr val="dk1"/>
-            </a:fillRef>
-            <a:effectRef idx="2">
-              <a:schemeClr val="dk1"/>
-            </a:effectRef>
-            <a:fontRef idx="minor">
-              <a:schemeClr val="tx1"/>
-            </a:fontRef>
-          </p:style>
-        </p:cxnSp>
-        <p:grpSp>
-          <p:nvGrpSpPr>
-            <p:cNvPr id="200" name="Group 199">
-              <a:extLst>
-                <a:ext uri="{FF2B5EF4-FFF2-40B4-BE49-F238E27FC236}">
-                  <a16:creationId xmlns:a16="http://schemas.microsoft.com/office/drawing/2014/main" id="{2D2163DC-D959-4CD3-B694-69B2D2BD8B85}"/>
-                </a:ext>
-              </a:extLst>
-            </p:cNvPr>
-            <p:cNvGrpSpPr/>
-            <p:nvPr/>
-          </p:nvGrpSpPr>
-          <p:grpSpPr>
-            <a:xfrm>
-              <a:off x="2052676" y="2970847"/>
-              <a:ext cx="1262618" cy="3028576"/>
-              <a:chOff x="1876345" y="2970847"/>
-              <a:chExt cx="1262618" cy="3028576"/>
-            </a:xfrm>
-          </p:grpSpPr>
-          <p:grpSp>
-            <p:nvGrpSpPr>
-              <p:cNvPr id="114" name="Group 113">
-                <a:extLst>
-                  <a:ext uri="{FF2B5EF4-FFF2-40B4-BE49-F238E27FC236}">
-                    <a16:creationId xmlns:a16="http://schemas.microsoft.com/office/drawing/2014/main" id="{1A76706A-3602-4CF2-B7F6-5A6479D79223}"/>
-                  </a:ext>
-                </a:extLst>
-              </p:cNvPr>
-              <p:cNvGrpSpPr/>
-              <p:nvPr/>
-            </p:nvGrpSpPr>
-            <p:grpSpPr>
-              <a:xfrm>
-                <a:off x="2137779" y="2970847"/>
-                <a:ext cx="157843" cy="836484"/>
-                <a:chOff x="2419349" y="3068411"/>
-                <a:chExt cx="157843" cy="320678"/>
-              </a:xfrm>
-              <a:noFill/>
-            </p:grpSpPr>
-            <p:sp>
-              <p:nvSpPr>
-                <p:cNvPr id="112" name="Rectangle 111">
-                  <a:extLst>
-                    <a:ext uri="{FF2B5EF4-FFF2-40B4-BE49-F238E27FC236}">
-                      <a16:creationId xmlns:a16="http://schemas.microsoft.com/office/drawing/2014/main" id="{53F8E949-1C74-4447-986C-AB538FC5CDE9}"/>
-                    </a:ext>
-                  </a:extLst>
-                </p:cNvPr>
-                <p:cNvSpPr/>
-                <p:nvPr/>
-              </p:nvSpPr>
-              <p:spPr>
-                <a:xfrm>
-                  <a:off x="2419349" y="3068411"/>
-                  <a:ext cx="157843" cy="163285"/>
-                </a:xfrm>
-                <a:prstGeom prst="rect">
-                  <a:avLst/>
-                </a:prstGeom>
-                <a:grpFill/>
-                <a:ln>
-                  <a:noFill/>
-                </a:ln>
-              </p:spPr>
-              <p:style>
-                <a:lnRef idx="2">
-                  <a:schemeClr val="accent1">
-                    <a:shade val="50000"/>
-                  </a:schemeClr>
-                </a:lnRef>
-                <a:fillRef idx="1">
-                  <a:schemeClr val="accent1"/>
-                </a:fillRef>
-                <a:effectRef idx="0">
-                  <a:schemeClr val="accent1"/>
-                </a:effectRef>
-                <a:fontRef idx="minor">
-                  <a:schemeClr val="lt1"/>
-                </a:fontRef>
-              </p:style>
-              <p:txBody>
-                <a:bodyPr rtlCol="0" anchor="ctr"/>
-                <a:lstStyle/>
-                <a:p>
-                  <a:pPr algn="ctr"/>
-                  <a:endParaRPr lang="en-AU" sz="1400">
-                    <a:latin typeface="Consolas" panose="020B0609020204030204" pitchFamily="49" charset="0"/>
-                    <a:ea typeface="Yu Gothic" panose="020B0400000000000000" pitchFamily="34" charset="-128"/>
-                  </a:endParaRPr>
-                </a:p>
-              </p:txBody>
-            </p:sp>
-            <p:sp>
-              <p:nvSpPr>
-                <p:cNvPr id="113" name="Rectangle 112">
-                  <a:extLst>
-                    <a:ext uri="{FF2B5EF4-FFF2-40B4-BE49-F238E27FC236}">
-                      <a16:creationId xmlns:a16="http://schemas.microsoft.com/office/drawing/2014/main" id="{9163A485-A12A-4F9F-BA85-0375E4CF9F6C}"/>
-                    </a:ext>
-                  </a:extLst>
-                </p:cNvPr>
-                <p:cNvSpPr/>
-                <p:nvPr/>
-              </p:nvSpPr>
-              <p:spPr>
-                <a:xfrm>
-                  <a:off x="2419349" y="3225804"/>
-                  <a:ext cx="157843" cy="163285"/>
-                </a:xfrm>
-                <a:prstGeom prst="rect">
-                  <a:avLst/>
-                </a:prstGeom>
-                <a:grpFill/>
-                <a:ln>
-                  <a:noFill/>
-                </a:ln>
-              </p:spPr>
-              <p:style>
-                <a:lnRef idx="2">
-                  <a:schemeClr val="accent1">
-                    <a:shade val="50000"/>
-                  </a:schemeClr>
-                </a:lnRef>
-                <a:fillRef idx="1">
-                  <a:schemeClr val="accent1"/>
-                </a:fillRef>
-                <a:effectRef idx="0">
-                  <a:schemeClr val="accent1"/>
-                </a:effectRef>
-                <a:fontRef idx="minor">
-                  <a:schemeClr val="lt1"/>
-                </a:fontRef>
-              </p:style>
-              <p:txBody>
-                <a:bodyPr rtlCol="0" anchor="ctr"/>
-                <a:lstStyle/>
-                <a:p>
-                  <a:pPr algn="ctr"/>
-                  <a:endParaRPr lang="en-AU" sz="1400">
-                    <a:latin typeface="Consolas" panose="020B0609020204030204" pitchFamily="49" charset="0"/>
-                    <a:ea typeface="Yu Gothic" panose="020B0400000000000000" pitchFamily="34" charset="-128"/>
-                  </a:endParaRPr>
-                </a:p>
-              </p:txBody>
-            </p:sp>
-          </p:grpSp>
-          <p:sp>
-            <p:nvSpPr>
-              <p:cNvPr id="6" name="Flowchart: Alternate Process 5">
-                <a:extLst>
-                  <a:ext uri="{FF2B5EF4-FFF2-40B4-BE49-F238E27FC236}">
-                    <a16:creationId xmlns:a16="http://schemas.microsoft.com/office/drawing/2014/main" id="{CBEC67C4-8145-4EDC-B6E6-4E3AB4BA141C}"/>
-                  </a:ext>
-                </a:extLst>
-              </p:cNvPr>
-              <p:cNvSpPr/>
-              <p:nvPr/>
-            </p:nvSpPr>
-            <p:spPr>
-              <a:xfrm>
-                <a:off x="1876345" y="2970848"/>
-                <a:ext cx="1262618" cy="836484"/>
-              </a:xfrm>
-              <a:prstGeom prst="flowChartAlternateProcess">
-                <a:avLst/>
-              </a:prstGeom>
-            </p:spPr>
-            <p:style>
-              <a:lnRef idx="2">
-                <a:schemeClr val="accent6">
-                  <a:shade val="50000"/>
-                </a:schemeClr>
-              </a:lnRef>
-              <a:fillRef idx="1">
-                <a:schemeClr val="accent6"/>
-              </a:fillRef>
-              <a:effectRef idx="0">
-                <a:schemeClr val="accent6"/>
-              </a:effectRef>
-              <a:fontRef idx="minor">
-                <a:schemeClr val="lt1"/>
-              </a:fontRef>
-            </p:style>
-            <p:txBody>
-              <a:bodyPr rot="0" spcFirstLastPara="0" vertOverflow="overflow" horzOverflow="overflow" vert="horz" wrap="square" lIns="0" tIns="0" rIns="0" bIns="0" numCol="1" spcCol="0" rtlCol="0" fromWordArt="0" anchor="ctr" anchorCtr="0" forceAA="0" compatLnSpc="1">
-                <a:prstTxWarp prst="textNoShape">
-                  <a:avLst/>
-                </a:prstTxWarp>
-                <a:noAutofit/>
-              </a:bodyPr>
-              <a:lstStyle/>
-              <a:p>
-                <a:pPr algn="ctr"/>
-                <a:r>
-                  <a:rPr lang="en-AU" sz="1050" dirty="0">
-                    <a:latin typeface="Consolas" panose="020B0609020204030204" pitchFamily="49" charset="0"/>
-                    <a:ea typeface="Yu Gothic" panose="020B0400000000000000" pitchFamily="34" charset="-128"/>
-                  </a:rPr>
-                  <a:t>Observe current state of suit</a:t>
-                </a:r>
-              </a:p>
-            </p:txBody>
-          </p:sp>
-          <p:sp>
-            <p:nvSpPr>
-              <p:cNvPr id="10" name="Flowchart: Alternate Process 9">
-                <a:extLst>
-                  <a:ext uri="{FF2B5EF4-FFF2-40B4-BE49-F238E27FC236}">
-                    <a16:creationId xmlns:a16="http://schemas.microsoft.com/office/drawing/2014/main" id="{04E96D33-931D-41ED-B785-5AAC4836DA2B}"/>
-                  </a:ext>
-                </a:extLst>
-              </p:cNvPr>
-              <p:cNvSpPr/>
-              <p:nvPr/>
-            </p:nvSpPr>
-            <p:spPr>
-              <a:xfrm>
-                <a:off x="1876345" y="4066893"/>
-                <a:ext cx="1262618" cy="836484"/>
-              </a:xfrm>
-              <a:prstGeom prst="flowChartAlternateProcess">
-                <a:avLst/>
-              </a:prstGeom>
-            </p:spPr>
-            <p:style>
-              <a:lnRef idx="2">
-                <a:schemeClr val="accent6">
-                  <a:shade val="50000"/>
-                </a:schemeClr>
-              </a:lnRef>
-              <a:fillRef idx="1">
-                <a:schemeClr val="accent6"/>
-              </a:fillRef>
-              <a:effectRef idx="0">
-                <a:schemeClr val="accent6"/>
-              </a:effectRef>
-              <a:fontRef idx="minor">
-                <a:schemeClr val="lt1"/>
-              </a:fontRef>
-            </p:style>
-            <p:txBody>
-              <a:bodyPr rot="0" spcFirstLastPara="0" vertOverflow="overflow" horzOverflow="overflow" vert="horz" wrap="square" lIns="0" tIns="0" rIns="0" bIns="0" numCol="1" spcCol="0" rtlCol="0" fromWordArt="0" anchor="ctr" anchorCtr="0" forceAA="0" compatLnSpc="1">
-                <a:prstTxWarp prst="textNoShape">
-                  <a:avLst/>
-                </a:prstTxWarp>
-                <a:noAutofit/>
-              </a:bodyPr>
-              <a:lstStyle/>
-              <a:p>
-                <a:pPr algn="ctr"/>
-                <a:r>
-                  <a:rPr lang="en-AU" sz="1050" dirty="0">
-                    <a:latin typeface="Consolas" panose="020B0609020204030204" pitchFamily="49" charset="0"/>
-                    <a:ea typeface="Yu Gothic" panose="020B0400000000000000" pitchFamily="34" charset="-128"/>
-                  </a:rPr>
-                  <a:t>Measure pilot interaction with suit (force) </a:t>
-                </a:r>
-              </a:p>
-            </p:txBody>
-          </p:sp>
-          <p:sp>
-            <p:nvSpPr>
-              <p:cNvPr id="35" name="Flowchart: Alternate Process 34">
-                <a:extLst>
-                  <a:ext uri="{FF2B5EF4-FFF2-40B4-BE49-F238E27FC236}">
-                    <a16:creationId xmlns:a16="http://schemas.microsoft.com/office/drawing/2014/main" id="{2BF16F38-5994-4A2C-9431-5E8CE547BC25}"/>
-                  </a:ext>
-                </a:extLst>
-              </p:cNvPr>
-              <p:cNvSpPr/>
-              <p:nvPr/>
-            </p:nvSpPr>
-            <p:spPr>
-              <a:xfrm>
-                <a:off x="1876345" y="5162939"/>
-                <a:ext cx="1262618" cy="836484"/>
-              </a:xfrm>
-              <a:prstGeom prst="flowChartAlternateProcess">
-                <a:avLst/>
-              </a:prstGeom>
-            </p:spPr>
-            <p:style>
-              <a:lnRef idx="2">
-                <a:schemeClr val="accent6">
-                  <a:shade val="50000"/>
-                </a:schemeClr>
-              </a:lnRef>
-              <a:fillRef idx="1">
-                <a:schemeClr val="accent6"/>
-              </a:fillRef>
-              <a:effectRef idx="0">
-                <a:schemeClr val="accent6"/>
-              </a:effectRef>
-              <a:fontRef idx="minor">
-                <a:schemeClr val="lt1"/>
-              </a:fontRef>
-            </p:style>
-            <p:txBody>
-              <a:bodyPr rot="0" spcFirstLastPara="0" vertOverflow="overflow" horzOverflow="overflow" vert="horz" wrap="square" lIns="0" tIns="0" rIns="0" bIns="0" numCol="1" spcCol="0" rtlCol="0" fromWordArt="0" anchor="ctr" anchorCtr="0" forceAA="0" compatLnSpc="1">
-                <a:prstTxWarp prst="textNoShape">
-                  <a:avLst/>
-                </a:prstTxWarp>
-                <a:noAutofit/>
-              </a:bodyPr>
-              <a:lstStyle/>
-              <a:p>
-                <a:pPr algn="ctr"/>
-                <a:r>
-                  <a:rPr lang="en-AU" sz="1050" dirty="0">
-                    <a:latin typeface="Consolas" panose="020B0609020204030204" pitchFamily="49" charset="0"/>
-                    <a:ea typeface="Yu Gothic" panose="020B0400000000000000" pitchFamily="34" charset="-128"/>
-                  </a:rPr>
-                  <a:t>Measure force applied at internal contact points</a:t>
-                </a:r>
-              </a:p>
-            </p:txBody>
-          </p:sp>
-          <p:cxnSp>
-            <p:nvCxnSpPr>
-              <p:cNvPr id="92" name="Straight Arrow Connector 91">
-                <a:extLst>
-                  <a:ext uri="{FF2B5EF4-FFF2-40B4-BE49-F238E27FC236}">
-                    <a16:creationId xmlns:a16="http://schemas.microsoft.com/office/drawing/2014/main" id="{604D561D-C08F-4568-B5CB-80734F1C374C}"/>
-                  </a:ext>
-                </a:extLst>
-              </p:cNvPr>
-              <p:cNvCxnSpPr>
-                <a:stCxn id="6" idx="2"/>
-                <a:endCxn id="10" idx="0"/>
-              </p:cNvCxnSpPr>
-              <p:nvPr/>
-            </p:nvCxnSpPr>
-            <p:spPr>
-              <a:xfrm>
-                <a:off x="2507654" y="3807332"/>
-                <a:ext cx="0" cy="259561"/>
-              </a:xfrm>
-              <a:prstGeom prst="straightConnector1">
-                <a:avLst/>
-              </a:prstGeom>
-              <a:ln>
-                <a:tailEnd type="triangle"/>
-              </a:ln>
-            </p:spPr>
-            <p:style>
-              <a:lnRef idx="3">
-                <a:schemeClr val="accent6"/>
-              </a:lnRef>
-              <a:fillRef idx="0">
-                <a:schemeClr val="accent6"/>
-              </a:fillRef>
-              <a:effectRef idx="2">
-                <a:schemeClr val="accent6"/>
-              </a:effectRef>
-              <a:fontRef idx="minor">
-                <a:schemeClr val="tx1"/>
-              </a:fontRef>
-            </p:style>
-          </p:cxnSp>
-          <p:cxnSp>
-            <p:nvCxnSpPr>
-              <p:cNvPr id="94" name="Straight Arrow Connector 93">
-                <a:extLst>
-                  <a:ext uri="{FF2B5EF4-FFF2-40B4-BE49-F238E27FC236}">
-                    <a16:creationId xmlns:a16="http://schemas.microsoft.com/office/drawing/2014/main" id="{272341C1-977A-4E94-9973-05C97153776E}"/>
-                  </a:ext>
-                </a:extLst>
-              </p:cNvPr>
-              <p:cNvCxnSpPr>
-                <a:stCxn id="10" idx="2"/>
-                <a:endCxn id="35" idx="0"/>
-              </p:cNvCxnSpPr>
-              <p:nvPr/>
-            </p:nvCxnSpPr>
-            <p:spPr>
-              <a:xfrm>
-                <a:off x="2507654" y="4903377"/>
-                <a:ext cx="0" cy="259562"/>
-              </a:xfrm>
-              <a:prstGeom prst="straightConnector1">
-                <a:avLst/>
-              </a:prstGeom>
-              <a:ln>
-                <a:tailEnd type="triangle"/>
-              </a:ln>
-            </p:spPr>
-            <p:style>
-              <a:lnRef idx="3">
-                <a:schemeClr val="accent6"/>
-              </a:lnRef>
-              <a:fillRef idx="0">
-                <a:schemeClr val="accent6"/>
-              </a:fillRef>
-              <a:effectRef idx="2">
-                <a:schemeClr val="accent6"/>
-              </a:effectRef>
-              <a:fontRef idx="minor">
-                <a:schemeClr val="tx1"/>
-              </a:fontRef>
-            </p:style>
-          </p:cxnSp>
-        </p:grpSp>
-        <p:grpSp>
-          <p:nvGrpSpPr>
-            <p:cNvPr id="201" name="Group 200">
-              <a:extLst>
-                <a:ext uri="{FF2B5EF4-FFF2-40B4-BE49-F238E27FC236}">
-                  <a16:creationId xmlns:a16="http://schemas.microsoft.com/office/drawing/2014/main" id="{2C555C07-9DCD-48B4-BC14-AB69FF1C7D75}"/>
-                </a:ext>
-              </a:extLst>
-            </p:cNvPr>
-            <p:cNvGrpSpPr/>
-            <p:nvPr/>
-          </p:nvGrpSpPr>
-          <p:grpSpPr>
-            <a:xfrm>
-              <a:off x="3565352" y="4066893"/>
-              <a:ext cx="1262618" cy="1932530"/>
-              <a:chOff x="3631062" y="4066893"/>
-              <a:chExt cx="1262618" cy="1932530"/>
-            </a:xfrm>
-          </p:grpSpPr>
-          <p:sp>
-            <p:nvSpPr>
-              <p:cNvPr id="9" name="Flowchart: Alternate Process 8">
-                <a:extLst>
-                  <a:ext uri="{FF2B5EF4-FFF2-40B4-BE49-F238E27FC236}">
-                    <a16:creationId xmlns:a16="http://schemas.microsoft.com/office/drawing/2014/main" id="{A63D1470-FBE3-48D4-8461-35122716F401}"/>
-                  </a:ext>
-                </a:extLst>
-              </p:cNvPr>
-              <p:cNvSpPr/>
-              <p:nvPr/>
-            </p:nvSpPr>
-            <p:spPr>
-              <a:xfrm>
-                <a:off x="3631062" y="4066893"/>
-                <a:ext cx="1262618" cy="836484"/>
-              </a:xfrm>
-              <a:prstGeom prst="flowChartAlternateProcess">
-                <a:avLst/>
-              </a:prstGeom>
-            </p:spPr>
-            <p:style>
-              <a:lnRef idx="2">
-                <a:schemeClr val="accent6">
-                  <a:shade val="50000"/>
-                </a:schemeClr>
-              </a:lnRef>
-              <a:fillRef idx="1">
-                <a:schemeClr val="accent6"/>
-              </a:fillRef>
-              <a:effectRef idx="0">
-                <a:schemeClr val="accent6"/>
-              </a:effectRef>
-              <a:fontRef idx="minor">
-                <a:schemeClr val="lt1"/>
-              </a:fontRef>
-            </p:style>
-            <p:txBody>
-              <a:bodyPr rot="0" spcFirstLastPara="0" vertOverflow="overflow" horzOverflow="overflow" vert="horz" wrap="square" lIns="0" tIns="0" rIns="0" bIns="0" numCol="1" spcCol="0" rtlCol="0" fromWordArt="0" anchor="ctr" anchorCtr="0" forceAA="0" compatLnSpc="1">
-                <a:prstTxWarp prst="textNoShape">
-                  <a:avLst/>
-                </a:prstTxWarp>
-                <a:noAutofit/>
-              </a:bodyPr>
-              <a:lstStyle/>
-              <a:p>
-                <a:pPr algn="ctr"/>
-                <a:r>
-                  <a:rPr lang="en-AU" sz="1050" dirty="0">
-                    <a:latin typeface="Consolas" panose="020B0609020204030204" pitchFamily="49" charset="0"/>
-                    <a:ea typeface="Yu Gothic" panose="020B0400000000000000" pitchFamily="34" charset="-128"/>
-                  </a:rPr>
-                  <a:t>Measure suit interaction with environment (force) </a:t>
-                </a:r>
-              </a:p>
-            </p:txBody>
-          </p:sp>
-          <p:sp>
-            <p:nvSpPr>
-              <p:cNvPr id="37" name="Flowchart: Alternate Process 36">
-                <a:extLst>
-                  <a:ext uri="{FF2B5EF4-FFF2-40B4-BE49-F238E27FC236}">
-                    <a16:creationId xmlns:a16="http://schemas.microsoft.com/office/drawing/2014/main" id="{619597F8-F93B-4AD4-A251-42D24A65AD9C}"/>
-                  </a:ext>
-                </a:extLst>
-              </p:cNvPr>
-              <p:cNvSpPr/>
-              <p:nvPr/>
-            </p:nvSpPr>
-            <p:spPr>
-              <a:xfrm>
-                <a:off x="3631062" y="5162939"/>
-                <a:ext cx="1262618" cy="836484"/>
-              </a:xfrm>
-              <a:prstGeom prst="flowChartAlternateProcess">
-                <a:avLst/>
-              </a:prstGeom>
-            </p:spPr>
-            <p:style>
-              <a:lnRef idx="2">
-                <a:schemeClr val="accent6">
-                  <a:shade val="50000"/>
-                </a:schemeClr>
-              </a:lnRef>
-              <a:fillRef idx="1">
-                <a:schemeClr val="accent6"/>
-              </a:fillRef>
-              <a:effectRef idx="0">
-                <a:schemeClr val="accent6"/>
-              </a:effectRef>
-              <a:fontRef idx="minor">
-                <a:schemeClr val="lt1"/>
-              </a:fontRef>
-            </p:style>
-            <p:txBody>
-              <a:bodyPr rot="0" spcFirstLastPara="0" vertOverflow="overflow" horzOverflow="overflow" vert="horz" wrap="square" lIns="0" tIns="0" rIns="0" bIns="0" numCol="1" spcCol="0" rtlCol="0" fromWordArt="0" anchor="ctr" anchorCtr="0" forceAA="0" compatLnSpc="1">
-                <a:prstTxWarp prst="textNoShape">
-                  <a:avLst/>
-                </a:prstTxWarp>
-                <a:noAutofit/>
-              </a:bodyPr>
-              <a:lstStyle/>
-              <a:p>
-                <a:pPr algn="ctr"/>
-                <a:r>
-                  <a:rPr lang="en-AU" sz="1050" dirty="0">
-                    <a:latin typeface="Consolas" panose="020B0609020204030204" pitchFamily="49" charset="0"/>
-                    <a:ea typeface="Yu Gothic" panose="020B0400000000000000" pitchFamily="34" charset="-128"/>
-                  </a:rPr>
-                  <a:t>Measure force applied at external contact points</a:t>
-                </a:r>
-              </a:p>
-            </p:txBody>
-          </p:sp>
-          <p:cxnSp>
-            <p:nvCxnSpPr>
-              <p:cNvPr id="96" name="Straight Arrow Connector 95">
-                <a:extLst>
-                  <a:ext uri="{FF2B5EF4-FFF2-40B4-BE49-F238E27FC236}">
-                    <a16:creationId xmlns:a16="http://schemas.microsoft.com/office/drawing/2014/main" id="{4AA6F09C-BB3F-4022-A512-BC7E80EC1695}"/>
-                  </a:ext>
-                </a:extLst>
-              </p:cNvPr>
-              <p:cNvCxnSpPr>
-                <a:stCxn id="9" idx="2"/>
-                <a:endCxn id="37" idx="0"/>
-              </p:cNvCxnSpPr>
-              <p:nvPr/>
-            </p:nvCxnSpPr>
-            <p:spPr>
-              <a:xfrm>
-                <a:off x="4262371" y="4903377"/>
-                <a:ext cx="0" cy="259562"/>
-              </a:xfrm>
-              <a:prstGeom prst="straightConnector1">
-                <a:avLst/>
-              </a:prstGeom>
-              <a:ln>
-                <a:tailEnd type="triangle"/>
-              </a:ln>
-            </p:spPr>
-            <p:style>
-              <a:lnRef idx="3">
-                <a:schemeClr val="accent6"/>
-              </a:lnRef>
-              <a:fillRef idx="0">
-                <a:schemeClr val="accent6"/>
-              </a:fillRef>
-              <a:effectRef idx="2">
-                <a:schemeClr val="accent6"/>
-              </a:effectRef>
-              <a:fontRef idx="minor">
-                <a:schemeClr val="tx1"/>
-              </a:fontRef>
-            </p:style>
-          </p:cxnSp>
-        </p:grpSp>
-        <p:grpSp>
-          <p:nvGrpSpPr>
-            <p:cNvPr id="202" name="Group 201">
-              <a:extLst>
-                <a:ext uri="{FF2B5EF4-FFF2-40B4-BE49-F238E27FC236}">
-                  <a16:creationId xmlns:a16="http://schemas.microsoft.com/office/drawing/2014/main" id="{7C7F0001-4DD6-49C4-B8ED-CFE13C7B3DF4}"/>
-                </a:ext>
-              </a:extLst>
-            </p:cNvPr>
-            <p:cNvGrpSpPr/>
-            <p:nvPr/>
-          </p:nvGrpSpPr>
-          <p:grpSpPr>
-            <a:xfrm>
-              <a:off x="5078028" y="2970848"/>
-              <a:ext cx="1262618" cy="3028575"/>
-              <a:chOff x="5385779" y="2970848"/>
-              <a:chExt cx="1262618" cy="3028575"/>
-            </a:xfrm>
-          </p:grpSpPr>
-          <p:sp>
-            <p:nvSpPr>
-              <p:cNvPr id="7" name="Flowchart: Alternate Process 6">
-                <a:extLst>
-                  <a:ext uri="{FF2B5EF4-FFF2-40B4-BE49-F238E27FC236}">
-                    <a16:creationId xmlns:a16="http://schemas.microsoft.com/office/drawing/2014/main" id="{D1A998BA-C071-44B5-962E-FE337498CFC8}"/>
-                  </a:ext>
-                </a:extLst>
-              </p:cNvPr>
-              <p:cNvSpPr/>
-              <p:nvPr/>
-            </p:nvSpPr>
-            <p:spPr>
-              <a:xfrm>
-                <a:off x="5385779" y="2970848"/>
-                <a:ext cx="1262618" cy="836484"/>
-              </a:xfrm>
-              <a:prstGeom prst="flowChartAlternateProcess">
-                <a:avLst/>
-              </a:prstGeom>
-            </p:spPr>
-            <p:style>
-              <a:lnRef idx="2">
-                <a:schemeClr val="accent4">
-                  <a:shade val="50000"/>
-                </a:schemeClr>
-              </a:lnRef>
-              <a:fillRef idx="1">
-                <a:schemeClr val="accent4"/>
-              </a:fillRef>
-              <a:effectRef idx="0">
-                <a:schemeClr val="accent4"/>
-              </a:effectRef>
-              <a:fontRef idx="minor">
-                <a:schemeClr val="lt1"/>
-              </a:fontRef>
-            </p:style>
-            <p:txBody>
-              <a:bodyPr rot="0" spcFirstLastPara="0" vertOverflow="overflow" horzOverflow="overflow" vert="horz" wrap="square" lIns="0" tIns="0" rIns="0" bIns="0" numCol="1" spcCol="0" rtlCol="0" fromWordArt="0" anchor="ctr" anchorCtr="0" forceAA="0" compatLnSpc="1">
-                <a:prstTxWarp prst="textNoShape">
-                  <a:avLst/>
-                </a:prstTxWarp>
-                <a:noAutofit/>
-              </a:bodyPr>
-              <a:lstStyle/>
-              <a:p>
-                <a:pPr algn="ctr"/>
-                <a:r>
-                  <a:rPr lang="en-AU" sz="1050" dirty="0">
-                    <a:latin typeface="Consolas" panose="020B0609020204030204" pitchFamily="49" charset="0"/>
-                    <a:ea typeface="Yu Gothic" panose="020B0400000000000000" pitchFamily="34" charset="-128"/>
-                  </a:rPr>
-                  <a:t>Observe current state of pilot/desired state of suit</a:t>
-                </a:r>
-              </a:p>
-            </p:txBody>
-          </p:sp>
-          <p:sp>
-            <p:nvSpPr>
-              <p:cNvPr id="30" name="Flowchart: Alternate Process 29">
-                <a:extLst>
-                  <a:ext uri="{FF2B5EF4-FFF2-40B4-BE49-F238E27FC236}">
-                    <a16:creationId xmlns:a16="http://schemas.microsoft.com/office/drawing/2014/main" id="{F1FD1449-71B5-4234-B68C-56B73E3B8CA2}"/>
-                  </a:ext>
-                </a:extLst>
-              </p:cNvPr>
-              <p:cNvSpPr/>
-              <p:nvPr/>
-            </p:nvSpPr>
-            <p:spPr>
-              <a:xfrm>
-                <a:off x="5385779" y="4066893"/>
-                <a:ext cx="1262618" cy="836484"/>
-              </a:xfrm>
-              <a:prstGeom prst="flowChartAlternateProcess">
-                <a:avLst/>
-              </a:prstGeom>
-            </p:spPr>
-            <p:style>
-              <a:lnRef idx="2">
-                <a:schemeClr val="accent4">
-                  <a:shade val="50000"/>
-                </a:schemeClr>
-              </a:lnRef>
-              <a:fillRef idx="1">
-                <a:schemeClr val="accent4"/>
-              </a:fillRef>
-              <a:effectRef idx="0">
-                <a:schemeClr val="accent4"/>
-              </a:effectRef>
-              <a:fontRef idx="minor">
-                <a:schemeClr val="lt1"/>
-              </a:fontRef>
-            </p:style>
-            <p:txBody>
-              <a:bodyPr rot="0" spcFirstLastPara="0" vertOverflow="overflow" horzOverflow="overflow" vert="horz" wrap="square" lIns="0" tIns="0" rIns="0" bIns="0" numCol="1" spcCol="0" rtlCol="0" fromWordArt="0" anchor="ctr" anchorCtr="0" forceAA="0" compatLnSpc="1">
-                <a:prstTxWarp prst="textNoShape">
-                  <a:avLst/>
-                </a:prstTxWarp>
-                <a:noAutofit/>
-              </a:bodyPr>
-              <a:lstStyle/>
-              <a:p>
-                <a:pPr algn="ctr"/>
-                <a:r>
-                  <a:rPr lang="en-AU" sz="1050" dirty="0">
-                    <a:latin typeface="Consolas" panose="020B0609020204030204" pitchFamily="49" charset="0"/>
-                    <a:ea typeface="Yu Gothic" panose="020B0400000000000000" pitchFamily="34" charset="-128"/>
-                  </a:rPr>
-                  <a:t>Measure position of limbs in relation to origin</a:t>
-                </a:r>
-              </a:p>
-            </p:txBody>
-          </p:sp>
-          <p:sp>
-            <p:nvSpPr>
-              <p:cNvPr id="31" name="Flowchart: Alternate Process 30">
-                <a:extLst>
-                  <a:ext uri="{FF2B5EF4-FFF2-40B4-BE49-F238E27FC236}">
-                    <a16:creationId xmlns:a16="http://schemas.microsoft.com/office/drawing/2014/main" id="{80AE8C24-5378-46D6-B0D1-7131000DBDEC}"/>
-                  </a:ext>
-                </a:extLst>
-              </p:cNvPr>
-              <p:cNvSpPr/>
-              <p:nvPr/>
-            </p:nvSpPr>
-            <p:spPr>
-              <a:xfrm>
-                <a:off x="5385779" y="5162939"/>
-                <a:ext cx="1262618" cy="836484"/>
-              </a:xfrm>
-              <a:prstGeom prst="flowChartAlternateProcess">
-                <a:avLst/>
-              </a:prstGeom>
-            </p:spPr>
-            <p:style>
-              <a:lnRef idx="2">
-                <a:schemeClr val="accent4">
-                  <a:shade val="50000"/>
-                </a:schemeClr>
-              </a:lnRef>
-              <a:fillRef idx="1">
-                <a:schemeClr val="accent4"/>
-              </a:fillRef>
-              <a:effectRef idx="0">
-                <a:schemeClr val="accent4"/>
-              </a:effectRef>
-              <a:fontRef idx="minor">
-                <a:schemeClr val="lt1"/>
-              </a:fontRef>
-            </p:style>
-            <p:txBody>
-              <a:bodyPr rot="0" spcFirstLastPara="0" vertOverflow="overflow" horzOverflow="overflow" vert="horz" wrap="square" lIns="0" tIns="0" rIns="0" bIns="0" numCol="1" spcCol="0" rtlCol="0" fromWordArt="0" anchor="ctr" anchorCtr="0" forceAA="0" compatLnSpc="1">
-                <a:prstTxWarp prst="textNoShape">
-                  <a:avLst/>
-                </a:prstTxWarp>
-                <a:noAutofit/>
-              </a:bodyPr>
-              <a:lstStyle/>
-              <a:p>
-                <a:pPr algn="ctr"/>
-                <a:r>
-                  <a:rPr lang="en-AU" sz="1050" dirty="0">
-                    <a:latin typeface="Consolas" panose="020B0609020204030204" pitchFamily="49" charset="0"/>
-                    <a:ea typeface="Yu Gothic" panose="020B0400000000000000" pitchFamily="34" charset="-128"/>
-                  </a:rPr>
-                  <a:t>Measure position of limbs in relation to fixed rotational axis on suit</a:t>
-                </a:r>
-              </a:p>
-            </p:txBody>
-          </p:sp>
-          <p:cxnSp>
-            <p:nvCxnSpPr>
-              <p:cNvPr id="98" name="Straight Arrow Connector 97">
-                <a:extLst>
-                  <a:ext uri="{FF2B5EF4-FFF2-40B4-BE49-F238E27FC236}">
-                    <a16:creationId xmlns:a16="http://schemas.microsoft.com/office/drawing/2014/main" id="{84867DBF-C3D2-4214-A485-E461A2D1DD1D}"/>
-                  </a:ext>
-                </a:extLst>
-              </p:cNvPr>
-              <p:cNvCxnSpPr>
-                <a:stCxn id="30" idx="2"/>
-                <a:endCxn id="31" idx="0"/>
-              </p:cNvCxnSpPr>
-              <p:nvPr/>
-            </p:nvCxnSpPr>
-            <p:spPr>
-              <a:xfrm>
-                <a:off x="6017088" y="4903377"/>
-                <a:ext cx="0" cy="259562"/>
-              </a:xfrm>
-              <a:prstGeom prst="straightConnector1">
-                <a:avLst/>
-              </a:prstGeom>
-              <a:ln>
-                <a:tailEnd type="triangle"/>
-              </a:ln>
-            </p:spPr>
-            <p:style>
-              <a:lnRef idx="3">
-                <a:schemeClr val="accent4"/>
-              </a:lnRef>
-              <a:fillRef idx="0">
-                <a:schemeClr val="accent4"/>
-              </a:fillRef>
-              <a:effectRef idx="2">
-                <a:schemeClr val="accent4"/>
-              </a:effectRef>
-              <a:fontRef idx="minor">
-                <a:schemeClr val="tx1"/>
-              </a:fontRef>
-            </p:style>
-          </p:cxnSp>
-          <p:cxnSp>
-            <p:nvCxnSpPr>
-              <p:cNvPr id="100" name="Straight Arrow Connector 99">
-                <a:extLst>
-                  <a:ext uri="{FF2B5EF4-FFF2-40B4-BE49-F238E27FC236}">
-                    <a16:creationId xmlns:a16="http://schemas.microsoft.com/office/drawing/2014/main" id="{E1410D38-A13F-4329-AB32-D6BE3EA4DA3B}"/>
-                  </a:ext>
-                </a:extLst>
-              </p:cNvPr>
-              <p:cNvCxnSpPr>
-                <a:stCxn id="7" idx="2"/>
-                <a:endCxn id="30" idx="0"/>
-              </p:cNvCxnSpPr>
-              <p:nvPr/>
-            </p:nvCxnSpPr>
-            <p:spPr>
-              <a:xfrm>
-                <a:off x="6017088" y="3807332"/>
-                <a:ext cx="0" cy="259561"/>
-              </a:xfrm>
-              <a:prstGeom prst="straightConnector1">
-                <a:avLst/>
-              </a:prstGeom>
-              <a:ln>
-                <a:tailEnd type="triangle"/>
-              </a:ln>
-            </p:spPr>
-            <p:style>
-              <a:lnRef idx="3">
-                <a:schemeClr val="accent4"/>
-              </a:lnRef>
-              <a:fillRef idx="0">
-                <a:schemeClr val="accent4"/>
-              </a:fillRef>
-              <a:effectRef idx="2">
-                <a:schemeClr val="accent4"/>
-              </a:effectRef>
-              <a:fontRef idx="minor">
-                <a:schemeClr val="tx1"/>
-              </a:fontRef>
-            </p:style>
-          </p:cxnSp>
-        </p:grpSp>
-        <p:grpSp>
-          <p:nvGrpSpPr>
-            <p:cNvPr id="203" name="Group 202">
-              <a:extLst>
-                <a:ext uri="{FF2B5EF4-FFF2-40B4-BE49-F238E27FC236}">
-                  <a16:creationId xmlns:a16="http://schemas.microsoft.com/office/drawing/2014/main" id="{0DB33AB7-C17D-4A37-89D6-BCEAD9F7C296}"/>
-                </a:ext>
-              </a:extLst>
-            </p:cNvPr>
-            <p:cNvGrpSpPr/>
-            <p:nvPr/>
-          </p:nvGrpSpPr>
-          <p:grpSpPr>
-            <a:xfrm>
-              <a:off x="6590704" y="2970848"/>
-              <a:ext cx="1262618" cy="3028575"/>
-              <a:chOff x="7140495" y="2970848"/>
-              <a:chExt cx="1262618" cy="3028575"/>
-            </a:xfrm>
-          </p:grpSpPr>
-          <p:sp>
-            <p:nvSpPr>
-              <p:cNvPr id="8" name="Flowchart: Alternate Process 7">
-                <a:extLst>
-                  <a:ext uri="{FF2B5EF4-FFF2-40B4-BE49-F238E27FC236}">
-                    <a16:creationId xmlns:a16="http://schemas.microsoft.com/office/drawing/2014/main" id="{E17CF2C8-8C53-48C7-9AD3-469A6F84215D}"/>
-                  </a:ext>
-                </a:extLst>
-              </p:cNvPr>
-              <p:cNvSpPr/>
-              <p:nvPr/>
-            </p:nvSpPr>
-            <p:spPr>
-              <a:xfrm>
-                <a:off x="7140495" y="2970848"/>
-                <a:ext cx="1262618" cy="836484"/>
-              </a:xfrm>
-              <a:prstGeom prst="flowChartAlternateProcess">
-                <a:avLst/>
-              </a:prstGeom>
-            </p:spPr>
-            <p:style>
-              <a:lnRef idx="2">
-                <a:schemeClr val="accent5">
-                  <a:shade val="50000"/>
-                </a:schemeClr>
-              </a:lnRef>
-              <a:fillRef idx="1">
-                <a:schemeClr val="accent5"/>
-              </a:fillRef>
-              <a:effectRef idx="0">
-                <a:schemeClr val="accent5"/>
-              </a:effectRef>
-              <a:fontRef idx="minor">
-                <a:schemeClr val="lt1"/>
-              </a:fontRef>
-            </p:style>
-            <p:txBody>
-              <a:bodyPr rot="0" spcFirstLastPara="0" vertOverflow="overflow" horzOverflow="overflow" vert="horz" wrap="square" lIns="0" tIns="0" rIns="0" bIns="0" numCol="1" spcCol="0" rtlCol="0" fromWordArt="0" anchor="ctr" anchorCtr="0" forceAA="0" compatLnSpc="1">
-                <a:prstTxWarp prst="textNoShape">
-                  <a:avLst/>
-                </a:prstTxWarp>
-                <a:noAutofit/>
-              </a:bodyPr>
-              <a:lstStyle/>
-              <a:p>
-                <a:pPr algn="ctr"/>
-                <a:r>
-                  <a:rPr lang="en-AU" sz="1050" dirty="0">
-                    <a:latin typeface="Consolas" panose="020B0609020204030204" pitchFamily="49" charset="0"/>
-                    <a:ea typeface="Yu Gothic" panose="020B0400000000000000" pitchFamily="34" charset="-128"/>
-                  </a:rPr>
-                  <a:t>Determine action required</a:t>
-                </a:r>
-              </a:p>
-            </p:txBody>
-          </p:sp>
-          <p:sp>
-            <p:nvSpPr>
-              <p:cNvPr id="32" name="Flowchart: Alternate Process 31">
-                <a:extLst>
-                  <a:ext uri="{FF2B5EF4-FFF2-40B4-BE49-F238E27FC236}">
-                    <a16:creationId xmlns:a16="http://schemas.microsoft.com/office/drawing/2014/main" id="{B0676973-EA72-4D5F-9A6D-2CAB38CC5F7A}"/>
-                  </a:ext>
-                </a:extLst>
-              </p:cNvPr>
-              <p:cNvSpPr/>
-              <p:nvPr/>
-            </p:nvSpPr>
-            <p:spPr>
-              <a:xfrm>
-                <a:off x="7140495" y="4066893"/>
-                <a:ext cx="1262618" cy="836484"/>
-              </a:xfrm>
-              <a:prstGeom prst="flowChartAlternateProcess">
-                <a:avLst/>
-              </a:prstGeom>
-            </p:spPr>
-            <p:style>
-              <a:lnRef idx="2">
-                <a:schemeClr val="accent5">
-                  <a:shade val="50000"/>
-                </a:schemeClr>
-              </a:lnRef>
-              <a:fillRef idx="1">
-                <a:schemeClr val="accent5"/>
-              </a:fillRef>
-              <a:effectRef idx="0">
-                <a:schemeClr val="accent5"/>
-              </a:effectRef>
-              <a:fontRef idx="minor">
-                <a:schemeClr val="lt1"/>
-              </a:fontRef>
-            </p:style>
-            <p:txBody>
-              <a:bodyPr rot="0" spcFirstLastPara="0" vertOverflow="overflow" horzOverflow="overflow" vert="horz" wrap="square" lIns="0" tIns="0" rIns="0" bIns="0" numCol="1" spcCol="0" rtlCol="0" fromWordArt="0" anchor="ctr" anchorCtr="0" forceAA="0" compatLnSpc="1">
-                <a:prstTxWarp prst="textNoShape">
-                  <a:avLst/>
-                </a:prstTxWarp>
-                <a:noAutofit/>
-              </a:bodyPr>
-              <a:lstStyle/>
-              <a:p>
-                <a:pPr algn="ctr"/>
-                <a:r>
-                  <a:rPr lang="en-AU" sz="1050" dirty="0">
-                    <a:latin typeface="Consolas" panose="020B0609020204030204" pitchFamily="49" charset="0"/>
-                    <a:ea typeface="Yu Gothic" panose="020B0400000000000000" pitchFamily="34" charset="-128"/>
-                  </a:rPr>
-                  <a:t>Develop control method based on kinematics of the suit</a:t>
-                </a:r>
-              </a:p>
-            </p:txBody>
-          </p:sp>
-          <p:sp>
-            <p:nvSpPr>
-              <p:cNvPr id="33" name="Flowchart: Alternate Process 32">
-                <a:extLst>
-                  <a:ext uri="{FF2B5EF4-FFF2-40B4-BE49-F238E27FC236}">
-                    <a16:creationId xmlns:a16="http://schemas.microsoft.com/office/drawing/2014/main" id="{B7FBCCD6-B5C4-43DD-A839-6974AB226413}"/>
-                  </a:ext>
-                </a:extLst>
-              </p:cNvPr>
-              <p:cNvSpPr/>
-              <p:nvPr/>
-            </p:nvSpPr>
-            <p:spPr>
-              <a:xfrm>
-                <a:off x="7140495" y="5162939"/>
-                <a:ext cx="1262618" cy="836484"/>
-              </a:xfrm>
-              <a:prstGeom prst="flowChartAlternateProcess">
-                <a:avLst/>
-              </a:prstGeom>
-            </p:spPr>
-            <p:style>
-              <a:lnRef idx="2">
-                <a:schemeClr val="accent5">
-                  <a:shade val="50000"/>
-                </a:schemeClr>
-              </a:lnRef>
-              <a:fillRef idx="1">
-                <a:schemeClr val="accent5"/>
-              </a:fillRef>
-              <a:effectRef idx="0">
-                <a:schemeClr val="accent5"/>
-              </a:effectRef>
-              <a:fontRef idx="minor">
-                <a:schemeClr val="lt1"/>
-              </a:fontRef>
-            </p:style>
-            <p:txBody>
-              <a:bodyPr rot="0" spcFirstLastPara="0" vertOverflow="overflow" horzOverflow="overflow" vert="horz" wrap="square" lIns="0" tIns="0" rIns="0" bIns="0" numCol="1" spcCol="0" rtlCol="0" fromWordArt="0" anchor="ctr" anchorCtr="0" forceAA="0" compatLnSpc="1">
-                <a:prstTxWarp prst="textNoShape">
-                  <a:avLst/>
-                </a:prstTxWarp>
-                <a:noAutofit/>
-              </a:bodyPr>
-              <a:lstStyle/>
-              <a:p>
-                <a:pPr algn="ctr"/>
-                <a:r>
-                  <a:rPr lang="en-AU" sz="1050" dirty="0">
-                    <a:latin typeface="Consolas" panose="020B0609020204030204" pitchFamily="49" charset="0"/>
-                    <a:ea typeface="Yu Gothic" panose="020B0400000000000000" pitchFamily="34" charset="-128"/>
-                  </a:rPr>
-                  <a:t>Derive required action of the suit from any given state</a:t>
-                </a:r>
-              </a:p>
-            </p:txBody>
-          </p:sp>
-          <p:cxnSp>
-            <p:nvCxnSpPr>
-              <p:cNvPr id="102" name="Straight Arrow Connector 101">
-                <a:extLst>
-                  <a:ext uri="{FF2B5EF4-FFF2-40B4-BE49-F238E27FC236}">
-                    <a16:creationId xmlns:a16="http://schemas.microsoft.com/office/drawing/2014/main" id="{11306568-23DE-464F-9ACF-79FDEEF8806E}"/>
-                  </a:ext>
-                </a:extLst>
-              </p:cNvPr>
-              <p:cNvCxnSpPr>
-                <a:stCxn id="8" idx="2"/>
-                <a:endCxn id="32" idx="0"/>
-              </p:cNvCxnSpPr>
-              <p:nvPr/>
-            </p:nvCxnSpPr>
-            <p:spPr>
-              <a:xfrm>
-                <a:off x="7771804" y="3807332"/>
-                <a:ext cx="0" cy="259561"/>
-              </a:xfrm>
-              <a:prstGeom prst="straightConnector1">
-                <a:avLst/>
-              </a:prstGeom>
-              <a:ln>
-                <a:tailEnd type="triangle"/>
-              </a:ln>
-            </p:spPr>
-            <p:style>
-              <a:lnRef idx="3">
-                <a:schemeClr val="accent5"/>
-              </a:lnRef>
-              <a:fillRef idx="0">
-                <a:schemeClr val="accent5"/>
-              </a:fillRef>
-              <a:effectRef idx="2">
-                <a:schemeClr val="accent5"/>
-              </a:effectRef>
-              <a:fontRef idx="minor">
-                <a:schemeClr val="tx1"/>
-              </a:fontRef>
-            </p:style>
-          </p:cxnSp>
-          <p:cxnSp>
-            <p:nvCxnSpPr>
-              <p:cNvPr id="104" name="Straight Arrow Connector 103">
-                <a:extLst>
-                  <a:ext uri="{FF2B5EF4-FFF2-40B4-BE49-F238E27FC236}">
-                    <a16:creationId xmlns:a16="http://schemas.microsoft.com/office/drawing/2014/main" id="{F3C3A891-028D-4096-9B5F-7A6462FA22C8}"/>
-                  </a:ext>
-                </a:extLst>
-              </p:cNvPr>
-              <p:cNvCxnSpPr>
-                <a:stCxn id="32" idx="2"/>
-                <a:endCxn id="33" idx="0"/>
-              </p:cNvCxnSpPr>
-              <p:nvPr/>
-            </p:nvCxnSpPr>
-            <p:spPr>
-              <a:xfrm>
-                <a:off x="7771804" y="4903377"/>
-                <a:ext cx="0" cy="259562"/>
-              </a:xfrm>
-              <a:prstGeom prst="straightConnector1">
-                <a:avLst/>
-              </a:prstGeom>
-              <a:ln>
-                <a:tailEnd type="triangle"/>
-              </a:ln>
-            </p:spPr>
-            <p:style>
-              <a:lnRef idx="3">
-                <a:schemeClr val="accent5"/>
-              </a:lnRef>
-              <a:fillRef idx="0">
-                <a:schemeClr val="accent5"/>
-              </a:fillRef>
-              <a:effectRef idx="2">
-                <a:schemeClr val="accent5"/>
-              </a:effectRef>
-              <a:fontRef idx="minor">
-                <a:schemeClr val="tx1"/>
-              </a:fontRef>
-            </p:style>
-          </p:cxnSp>
-        </p:grpSp>
-        <p:cxnSp>
-          <p:nvCxnSpPr>
-            <p:cNvPr id="106" name="Connector: Elbow 105">
-              <a:extLst>
-                <a:ext uri="{FF2B5EF4-FFF2-40B4-BE49-F238E27FC236}">
-                  <a16:creationId xmlns:a16="http://schemas.microsoft.com/office/drawing/2014/main" id="{865EC6A3-388A-44FC-A007-00118725D0A7}"/>
-                </a:ext>
-              </a:extLst>
-            </p:cNvPr>
-            <p:cNvCxnSpPr>
-              <a:stCxn id="5" idx="2"/>
-              <a:endCxn id="7" idx="0"/>
-            </p:cNvCxnSpPr>
-            <p:nvPr/>
-          </p:nvCxnSpPr>
-          <p:spPr>
-            <a:xfrm rot="16200000" flipH="1">
-              <a:off x="5201388" y="2462898"/>
-              <a:ext cx="259561" cy="756337"/>
-            </a:xfrm>
-            <a:prstGeom prst="bentConnector3">
-              <a:avLst/>
-            </a:prstGeom>
-            <a:ln>
-              <a:tailEnd type="triangle"/>
-            </a:ln>
-          </p:spPr>
-          <p:style>
-            <a:lnRef idx="3">
-              <a:schemeClr val="dk1"/>
-            </a:lnRef>
-            <a:fillRef idx="0">
-              <a:schemeClr val="dk1"/>
-            </a:fillRef>
-            <a:effectRef idx="2">
-              <a:schemeClr val="dk1"/>
-            </a:effectRef>
-            <a:fontRef idx="minor">
-              <a:schemeClr val="tx1"/>
-            </a:fontRef>
-          </p:style>
-        </p:cxnSp>
-        <p:cxnSp>
-          <p:nvCxnSpPr>
-            <p:cNvPr id="108" name="Connector: Elbow 107">
-              <a:extLst>
-                <a:ext uri="{FF2B5EF4-FFF2-40B4-BE49-F238E27FC236}">
-                  <a16:creationId xmlns:a16="http://schemas.microsoft.com/office/drawing/2014/main" id="{5CE10405-FDC2-4ED9-98ED-ADC07BAA19EE}"/>
-                </a:ext>
-              </a:extLst>
-            </p:cNvPr>
-            <p:cNvCxnSpPr>
-              <a:stCxn id="5" idx="2"/>
-              <a:endCxn id="8" idx="0"/>
-            </p:cNvCxnSpPr>
-            <p:nvPr/>
-          </p:nvCxnSpPr>
-          <p:spPr>
-            <a:xfrm rot="16200000" flipH="1">
-              <a:off x="5957726" y="1706560"/>
-              <a:ext cx="259561" cy="2269013"/>
-            </a:xfrm>
-            <a:prstGeom prst="bentConnector3">
-              <a:avLst/>
-            </a:prstGeom>
-            <a:ln>
-              <a:tailEnd type="triangle"/>
-            </a:ln>
-          </p:spPr>
-          <p:style>
-            <a:lnRef idx="3">
-              <a:schemeClr val="dk1"/>
-            </a:lnRef>
-            <a:fillRef idx="0">
-              <a:schemeClr val="dk1"/>
-            </a:fillRef>
-            <a:effectRef idx="2">
-              <a:schemeClr val="dk1"/>
-            </a:effectRef>
-            <a:fontRef idx="minor">
-              <a:schemeClr val="tx1"/>
-            </a:fontRef>
-          </p:style>
-        </p:cxnSp>
-        <p:cxnSp>
-          <p:nvCxnSpPr>
-            <p:cNvPr id="110" name="Connector: Elbow 109">
-              <a:extLst>
-                <a:ext uri="{FF2B5EF4-FFF2-40B4-BE49-F238E27FC236}">
-                  <a16:creationId xmlns:a16="http://schemas.microsoft.com/office/drawing/2014/main" id="{0BF5820B-3C29-4A67-AB2C-7ABE13DB28B4}"/>
-                </a:ext>
-              </a:extLst>
-            </p:cNvPr>
-            <p:cNvCxnSpPr>
-              <a:cxnSpLocks/>
-              <a:stCxn id="6" idx="3"/>
-              <a:endCxn id="9" idx="0"/>
+              <a:stCxn id="9" idx="2"/>
+              <a:endCxn id="37" idx="0"/>
             </p:cNvCxnSpPr>
             <p:nvPr/>
           </p:nvCxnSpPr>
           <p:spPr>
             <a:xfrm>
-              <a:off x="3315294" y="3389090"/>
-              <a:ext cx="881367" cy="677803"/>
+              <a:off x="4262371" y="4903377"/>
+              <a:ext cx="0" cy="259562"/>
             </a:xfrm>
-            <a:prstGeom prst="bentConnector2">
+            <a:prstGeom prst="straightConnector1">
               <a:avLst/>
             </a:prstGeom>
-            <a:ln>
+            <a:ln w="19050">
               <a:tailEnd type="triangle"/>
             </a:ln>
           </p:spPr>
@@ -4718,249 +3972,1445 @@
             </a:fontRef>
           </p:style>
         </p:cxnSp>
-        <p:cxnSp>
-          <p:nvCxnSpPr>
-            <p:cNvPr id="189" name="Connector: Elbow 188">
-              <a:extLst>
-                <a:ext uri="{FF2B5EF4-FFF2-40B4-BE49-F238E27FC236}">
-                  <a16:creationId xmlns:a16="http://schemas.microsoft.com/office/drawing/2014/main" id="{1317F2C0-1FAE-42D9-B199-AA0252E47BEF}"/>
-                </a:ext>
-              </a:extLst>
-            </p:cNvPr>
-            <p:cNvCxnSpPr>
-              <a:cxnSpLocks/>
-              <a:stCxn id="5" idx="2"/>
-              <a:endCxn id="188" idx="0"/>
-            </p:cNvCxnSpPr>
-            <p:nvPr/>
-          </p:nvCxnSpPr>
-          <p:spPr>
-            <a:xfrm rot="16200000" flipH="1">
-              <a:off x="6712676" y="951610"/>
-              <a:ext cx="262338" cy="3781691"/>
-            </a:xfrm>
-            <a:prstGeom prst="bentConnector3">
-              <a:avLst>
-                <a:gd name="adj1" fmla="val 50000"/>
-              </a:avLst>
-            </a:prstGeom>
-            <a:ln>
-              <a:tailEnd type="triangle"/>
-            </a:ln>
-          </p:spPr>
-          <p:style>
-            <a:lnRef idx="3">
-              <a:schemeClr val="dk1"/>
-            </a:lnRef>
-            <a:fillRef idx="0">
-              <a:schemeClr val="dk1"/>
-            </a:fillRef>
-            <a:effectRef idx="2">
-              <a:schemeClr val="dk1"/>
-            </a:effectRef>
-            <a:fontRef idx="minor">
-              <a:schemeClr val="tx1"/>
-            </a:fontRef>
-          </p:style>
-        </p:cxnSp>
-        <p:grpSp>
-          <p:nvGrpSpPr>
-            <p:cNvPr id="204" name="Group 203">
-              <a:extLst>
-                <a:ext uri="{FF2B5EF4-FFF2-40B4-BE49-F238E27FC236}">
-                  <a16:creationId xmlns:a16="http://schemas.microsoft.com/office/drawing/2014/main" id="{3BA6C8EE-CA36-42C9-AA62-73D16C6F54EA}"/>
-                </a:ext>
-              </a:extLst>
-            </p:cNvPr>
-            <p:cNvGrpSpPr/>
-            <p:nvPr/>
-          </p:nvGrpSpPr>
-          <p:grpSpPr>
-            <a:xfrm>
-              <a:off x="8103382" y="2973625"/>
-              <a:ext cx="1262618" cy="3025798"/>
-              <a:chOff x="8521753" y="2973625"/>
-              <a:chExt cx="1262618" cy="3025798"/>
-            </a:xfrm>
-          </p:grpSpPr>
-          <p:sp>
-            <p:nvSpPr>
-              <p:cNvPr id="187" name="Flowchart: Alternate Process 186">
-                <a:extLst>
-                  <a:ext uri="{FF2B5EF4-FFF2-40B4-BE49-F238E27FC236}">
-                    <a16:creationId xmlns:a16="http://schemas.microsoft.com/office/drawing/2014/main" id="{17975D41-8DC7-4055-949A-7231CCF688D6}"/>
-                  </a:ext>
-                </a:extLst>
-              </p:cNvPr>
-              <p:cNvSpPr/>
-              <p:nvPr/>
-            </p:nvSpPr>
-            <p:spPr>
-              <a:xfrm>
-                <a:off x="8521753" y="5162939"/>
-                <a:ext cx="1262618" cy="836484"/>
-              </a:xfrm>
-              <a:prstGeom prst="flowChartAlternateProcess">
-                <a:avLst/>
-              </a:prstGeom>
-              <a:solidFill>
-                <a:srgbClr val="AC75D5"/>
-              </a:solidFill>
-              <a:ln>
-                <a:solidFill>
-                  <a:srgbClr val="7030A0"/>
-                </a:solidFill>
-              </a:ln>
-            </p:spPr>
-            <p:style>
-              <a:lnRef idx="2">
-                <a:schemeClr val="accent5">
-                  <a:shade val="50000"/>
-                </a:schemeClr>
-              </a:lnRef>
-              <a:fillRef idx="1">
-                <a:schemeClr val="accent5"/>
-              </a:fillRef>
-              <a:effectRef idx="0">
-                <a:schemeClr val="accent5"/>
-              </a:effectRef>
-              <a:fontRef idx="minor">
-                <a:schemeClr val="lt1"/>
-              </a:fontRef>
-            </p:style>
-            <p:txBody>
-              <a:bodyPr rot="0" spcFirstLastPara="0" vertOverflow="overflow" horzOverflow="overflow" vert="horz" wrap="square" lIns="0" tIns="0" rIns="0" bIns="0" numCol="1" spcCol="0" rtlCol="0" fromWordArt="0" anchor="ctr" anchorCtr="0" forceAA="0" compatLnSpc="1">
-                <a:prstTxWarp prst="textNoShape">
-                  <a:avLst/>
-                </a:prstTxWarp>
-                <a:noAutofit/>
-              </a:bodyPr>
-              <a:lstStyle/>
-              <a:p>
-                <a:pPr algn="ctr"/>
-                <a:r>
-                  <a:rPr lang="en-AU" sz="1050" dirty="0">
-                    <a:latin typeface="Consolas" panose="020B0609020204030204" pitchFamily="49" charset="0"/>
-                    <a:ea typeface="Yu Gothic" panose="020B0400000000000000" pitchFamily="34" charset="-128"/>
-                  </a:rPr>
-                  <a:t>Transmit Message over communications system</a:t>
-                </a:r>
-              </a:p>
-            </p:txBody>
-          </p:sp>
-          <p:sp>
-            <p:nvSpPr>
-              <p:cNvPr id="188" name="Flowchart: Alternate Process 187">
-                <a:extLst>
-                  <a:ext uri="{FF2B5EF4-FFF2-40B4-BE49-F238E27FC236}">
-                    <a16:creationId xmlns:a16="http://schemas.microsoft.com/office/drawing/2014/main" id="{70ECDDF3-EE31-4BE2-BB26-E9F9CED294F8}"/>
-                  </a:ext>
-                </a:extLst>
-              </p:cNvPr>
-              <p:cNvSpPr/>
-              <p:nvPr/>
-            </p:nvSpPr>
-            <p:spPr>
-              <a:xfrm>
-                <a:off x="8521753" y="2973625"/>
-                <a:ext cx="1262618" cy="836484"/>
-              </a:xfrm>
-              <a:prstGeom prst="flowChartAlternateProcess">
-                <a:avLst/>
-              </a:prstGeom>
-              <a:solidFill>
-                <a:srgbClr val="AC75D5"/>
-              </a:solidFill>
-              <a:ln>
-                <a:solidFill>
-                  <a:srgbClr val="7030A0"/>
-                </a:solidFill>
-              </a:ln>
-            </p:spPr>
-            <p:style>
-              <a:lnRef idx="2">
-                <a:schemeClr val="accent5">
-                  <a:shade val="50000"/>
-                </a:schemeClr>
-              </a:lnRef>
-              <a:fillRef idx="1">
-                <a:schemeClr val="accent5"/>
-              </a:fillRef>
-              <a:effectRef idx="0">
-                <a:schemeClr val="accent5"/>
-              </a:effectRef>
-              <a:fontRef idx="minor">
-                <a:schemeClr val="lt1"/>
-              </a:fontRef>
-            </p:style>
-            <p:txBody>
-              <a:bodyPr rot="0" spcFirstLastPara="0" vertOverflow="overflow" horzOverflow="overflow" vert="horz" wrap="square" lIns="0" tIns="0" rIns="0" bIns="0" numCol="1" spcCol="0" rtlCol="0" fromWordArt="0" anchor="ctr" anchorCtr="0" forceAA="0" compatLnSpc="1">
-                <a:prstTxWarp prst="textNoShape">
-                  <a:avLst/>
-                </a:prstTxWarp>
-                <a:noAutofit/>
-              </a:bodyPr>
-              <a:lstStyle/>
-              <a:p>
-                <a:pPr algn="ctr"/>
-                <a:r>
-                  <a:rPr lang="en-AU" sz="1050" dirty="0">
-                    <a:latin typeface="Consolas" panose="020B0609020204030204" pitchFamily="49" charset="0"/>
-                    <a:ea typeface="Yu Gothic" panose="020B0400000000000000" pitchFamily="34" charset="-128"/>
-                  </a:rPr>
-                  <a:t>Communicate Desired Action</a:t>
-                </a:r>
-              </a:p>
-            </p:txBody>
-          </p:sp>
-          <p:cxnSp>
-            <p:nvCxnSpPr>
-              <p:cNvPr id="192" name="Straight Arrow Connector 191">
-                <a:extLst>
-                  <a:ext uri="{FF2B5EF4-FFF2-40B4-BE49-F238E27FC236}">
-                    <a16:creationId xmlns:a16="http://schemas.microsoft.com/office/drawing/2014/main" id="{C3BD6AC9-CC9C-484A-BCC9-A36B65FD4DB9}"/>
-                  </a:ext>
-                </a:extLst>
-              </p:cNvPr>
-              <p:cNvCxnSpPr>
-                <a:cxnSpLocks/>
-                <a:stCxn id="188" idx="2"/>
-                <a:endCxn id="187" idx="0"/>
-              </p:cNvCxnSpPr>
-              <p:nvPr/>
-            </p:nvCxnSpPr>
-            <p:spPr>
-              <a:xfrm>
-                <a:off x="9153062" y="3810109"/>
-                <a:ext cx="0" cy="1352830"/>
-              </a:xfrm>
-              <a:prstGeom prst="straightConnector1">
-                <a:avLst/>
-              </a:prstGeom>
-              <a:ln>
-                <a:solidFill>
-                  <a:srgbClr val="7030A0"/>
-                </a:solidFill>
-                <a:tailEnd type="triangle"/>
-              </a:ln>
-            </p:spPr>
-            <p:style>
-              <a:lnRef idx="3">
-                <a:schemeClr val="accent5"/>
-              </a:lnRef>
-              <a:fillRef idx="0">
-                <a:schemeClr val="accent5"/>
-              </a:fillRef>
-              <a:effectRef idx="2">
-                <a:schemeClr val="accent5"/>
-              </a:effectRef>
-              <a:fontRef idx="minor">
-                <a:schemeClr val="tx1"/>
-              </a:fontRef>
-            </p:style>
-          </p:cxnSp>
-        </p:grpSp>
       </p:grpSp>
+      <p:sp>
+        <p:nvSpPr>
+          <p:cNvPr id="7" name="Flowchart: Alternate Process 6">
+            <a:extLst>
+              <a:ext uri="{FF2B5EF4-FFF2-40B4-BE49-F238E27FC236}">
+                <a16:creationId xmlns:a16="http://schemas.microsoft.com/office/drawing/2014/main" id="{D1A998BA-C071-44B5-962E-FE337498CFC8}"/>
+              </a:ext>
+            </a:extLst>
+          </p:cNvPr>
+          <p:cNvSpPr/>
+          <p:nvPr/>
+        </p:nvSpPr>
+        <p:spPr>
+          <a:xfrm>
+            <a:off x="5078028" y="2970848"/>
+            <a:ext cx="1262618" cy="836484"/>
+          </a:xfrm>
+          <a:prstGeom prst="flowChartAlternateProcess">
+            <a:avLst/>
+          </a:prstGeom>
+          <a:ln w="19050"/>
+        </p:spPr>
+        <p:style>
+          <a:lnRef idx="2">
+            <a:schemeClr val="accent4">
+              <a:shade val="50000"/>
+            </a:schemeClr>
+          </a:lnRef>
+          <a:fillRef idx="1">
+            <a:schemeClr val="accent4"/>
+          </a:fillRef>
+          <a:effectRef idx="0">
+            <a:schemeClr val="accent4"/>
+          </a:effectRef>
+          <a:fontRef idx="minor">
+            <a:schemeClr val="lt1"/>
+          </a:fontRef>
+        </p:style>
+        <p:txBody>
+          <a:bodyPr rot="0" spcFirstLastPara="0" vertOverflow="overflow" horzOverflow="overflow" vert="horz" wrap="square" lIns="0" tIns="0" rIns="0" bIns="0" numCol="1" spcCol="0" rtlCol="0" fromWordArt="0" anchor="ctr" anchorCtr="0" forceAA="0" compatLnSpc="1">
+            <a:prstTxWarp prst="textNoShape">
+              <a:avLst/>
+            </a:prstTxWarp>
+            <a:noAutofit/>
+          </a:bodyPr>
+          <a:lstStyle/>
+          <a:p>
+            <a:pPr algn="ctr"/>
+            <a:r>
+              <a:rPr lang="en-AU" sz="1050" dirty="0">
+                <a:latin typeface="Consolas" panose="020B0609020204030204" pitchFamily="49" charset="0"/>
+                <a:ea typeface="Yu Gothic" panose="020B0400000000000000" pitchFamily="34" charset="-128"/>
+              </a:rPr>
+              <a:t>Observe current state of pilot/desired state of suit</a:t>
+            </a:r>
+          </a:p>
+        </p:txBody>
+      </p:sp>
+      <p:sp>
+        <p:nvSpPr>
+          <p:cNvPr id="30" name="Flowchart: Alternate Process 29">
+            <a:extLst>
+              <a:ext uri="{FF2B5EF4-FFF2-40B4-BE49-F238E27FC236}">
+                <a16:creationId xmlns:a16="http://schemas.microsoft.com/office/drawing/2014/main" id="{F1FD1449-71B5-4234-B68C-56B73E3B8CA2}"/>
+              </a:ext>
+            </a:extLst>
+          </p:cNvPr>
+          <p:cNvSpPr/>
+          <p:nvPr/>
+        </p:nvSpPr>
+        <p:spPr>
+          <a:xfrm>
+            <a:off x="5078028" y="4066893"/>
+            <a:ext cx="1262618" cy="836484"/>
+          </a:xfrm>
+          <a:prstGeom prst="flowChartAlternateProcess">
+            <a:avLst/>
+          </a:prstGeom>
+          <a:ln w="19050"/>
+        </p:spPr>
+        <p:style>
+          <a:lnRef idx="2">
+            <a:schemeClr val="accent4">
+              <a:shade val="50000"/>
+            </a:schemeClr>
+          </a:lnRef>
+          <a:fillRef idx="1">
+            <a:schemeClr val="accent4"/>
+          </a:fillRef>
+          <a:effectRef idx="0">
+            <a:schemeClr val="accent4"/>
+          </a:effectRef>
+          <a:fontRef idx="minor">
+            <a:schemeClr val="lt1"/>
+          </a:fontRef>
+        </p:style>
+        <p:txBody>
+          <a:bodyPr rot="0" spcFirstLastPara="0" vertOverflow="overflow" horzOverflow="overflow" vert="horz" wrap="square" lIns="0" tIns="0" rIns="0" bIns="0" numCol="1" spcCol="0" rtlCol="0" fromWordArt="0" anchor="ctr" anchorCtr="0" forceAA="0" compatLnSpc="1">
+            <a:prstTxWarp prst="textNoShape">
+              <a:avLst/>
+            </a:prstTxWarp>
+            <a:noAutofit/>
+          </a:bodyPr>
+          <a:lstStyle/>
+          <a:p>
+            <a:pPr algn="ctr"/>
+            <a:r>
+              <a:rPr lang="en-AU" sz="1050" dirty="0">
+                <a:latin typeface="Consolas" panose="020B0609020204030204" pitchFamily="49" charset="0"/>
+                <a:ea typeface="Yu Gothic" panose="020B0400000000000000" pitchFamily="34" charset="-128"/>
+              </a:rPr>
+              <a:t>Measure position of limbs in relation to origin</a:t>
+            </a:r>
+          </a:p>
+        </p:txBody>
+      </p:sp>
+      <p:sp>
+        <p:nvSpPr>
+          <p:cNvPr id="31" name="Flowchart: Alternate Process 30">
+            <a:extLst>
+              <a:ext uri="{FF2B5EF4-FFF2-40B4-BE49-F238E27FC236}">
+                <a16:creationId xmlns:a16="http://schemas.microsoft.com/office/drawing/2014/main" id="{80AE8C24-5378-46D6-B0D1-7131000DBDEC}"/>
+              </a:ext>
+            </a:extLst>
+          </p:cNvPr>
+          <p:cNvSpPr/>
+          <p:nvPr/>
+        </p:nvSpPr>
+        <p:spPr>
+          <a:xfrm>
+            <a:off x="5078028" y="5162939"/>
+            <a:ext cx="1262618" cy="836484"/>
+          </a:xfrm>
+          <a:prstGeom prst="flowChartAlternateProcess">
+            <a:avLst/>
+          </a:prstGeom>
+          <a:ln w="19050"/>
+        </p:spPr>
+        <p:style>
+          <a:lnRef idx="2">
+            <a:schemeClr val="accent4">
+              <a:shade val="50000"/>
+            </a:schemeClr>
+          </a:lnRef>
+          <a:fillRef idx="1">
+            <a:schemeClr val="accent4"/>
+          </a:fillRef>
+          <a:effectRef idx="0">
+            <a:schemeClr val="accent4"/>
+          </a:effectRef>
+          <a:fontRef idx="minor">
+            <a:schemeClr val="lt1"/>
+          </a:fontRef>
+        </p:style>
+        <p:txBody>
+          <a:bodyPr rot="0" spcFirstLastPara="0" vertOverflow="overflow" horzOverflow="overflow" vert="horz" wrap="square" lIns="0" tIns="0" rIns="0" bIns="0" numCol="1" spcCol="0" rtlCol="0" fromWordArt="0" anchor="ctr" anchorCtr="0" forceAA="0" compatLnSpc="1">
+            <a:prstTxWarp prst="textNoShape">
+              <a:avLst/>
+            </a:prstTxWarp>
+            <a:noAutofit/>
+          </a:bodyPr>
+          <a:lstStyle/>
+          <a:p>
+            <a:pPr algn="ctr"/>
+            <a:r>
+              <a:rPr lang="en-AU" sz="1050" dirty="0">
+                <a:latin typeface="Consolas" panose="020B0609020204030204" pitchFamily="49" charset="0"/>
+                <a:ea typeface="Yu Gothic" panose="020B0400000000000000" pitchFamily="34" charset="-128"/>
+              </a:rPr>
+              <a:t>Measure position of limbs in relation to fixed rotational axis on suit</a:t>
+            </a:r>
+          </a:p>
+        </p:txBody>
+      </p:sp>
+      <p:cxnSp>
+        <p:nvCxnSpPr>
+          <p:cNvPr id="98" name="Straight Arrow Connector 97">
+            <a:extLst>
+              <a:ext uri="{FF2B5EF4-FFF2-40B4-BE49-F238E27FC236}">
+                <a16:creationId xmlns:a16="http://schemas.microsoft.com/office/drawing/2014/main" id="{84867DBF-C3D2-4214-A485-E461A2D1DD1D}"/>
+              </a:ext>
+            </a:extLst>
+          </p:cNvPr>
+          <p:cNvCxnSpPr>
+            <a:stCxn id="30" idx="2"/>
+            <a:endCxn id="31" idx="0"/>
+          </p:cNvCxnSpPr>
+          <p:nvPr/>
+        </p:nvCxnSpPr>
+        <p:spPr>
+          <a:xfrm>
+            <a:off x="5709337" y="4903377"/>
+            <a:ext cx="0" cy="259562"/>
+          </a:xfrm>
+          <a:prstGeom prst="straightConnector1">
+            <a:avLst/>
+          </a:prstGeom>
+          <a:ln w="19050">
+            <a:tailEnd type="triangle"/>
+          </a:ln>
+        </p:spPr>
+        <p:style>
+          <a:lnRef idx="3">
+            <a:schemeClr val="accent4"/>
+          </a:lnRef>
+          <a:fillRef idx="0">
+            <a:schemeClr val="accent4"/>
+          </a:fillRef>
+          <a:effectRef idx="2">
+            <a:schemeClr val="accent4"/>
+          </a:effectRef>
+          <a:fontRef idx="minor">
+            <a:schemeClr val="tx1"/>
+          </a:fontRef>
+        </p:style>
+      </p:cxnSp>
+      <p:cxnSp>
+        <p:nvCxnSpPr>
+          <p:cNvPr id="100" name="Straight Arrow Connector 99">
+            <a:extLst>
+              <a:ext uri="{FF2B5EF4-FFF2-40B4-BE49-F238E27FC236}">
+                <a16:creationId xmlns:a16="http://schemas.microsoft.com/office/drawing/2014/main" id="{E1410D38-A13F-4329-AB32-D6BE3EA4DA3B}"/>
+              </a:ext>
+            </a:extLst>
+          </p:cNvPr>
+          <p:cNvCxnSpPr>
+            <a:stCxn id="7" idx="2"/>
+            <a:endCxn id="30" idx="0"/>
+          </p:cNvCxnSpPr>
+          <p:nvPr/>
+        </p:nvCxnSpPr>
+        <p:spPr>
+          <a:xfrm>
+            <a:off x="5709337" y="3807332"/>
+            <a:ext cx="0" cy="259561"/>
+          </a:xfrm>
+          <a:prstGeom prst="straightConnector1">
+            <a:avLst/>
+          </a:prstGeom>
+          <a:ln w="19050">
+            <a:tailEnd type="triangle"/>
+          </a:ln>
+        </p:spPr>
+        <p:style>
+          <a:lnRef idx="3">
+            <a:schemeClr val="accent4"/>
+          </a:lnRef>
+          <a:fillRef idx="0">
+            <a:schemeClr val="accent4"/>
+          </a:fillRef>
+          <a:effectRef idx="2">
+            <a:schemeClr val="accent4"/>
+          </a:effectRef>
+          <a:fontRef idx="minor">
+            <a:schemeClr val="tx1"/>
+          </a:fontRef>
+        </p:style>
+      </p:cxnSp>
+      <p:sp>
+        <p:nvSpPr>
+          <p:cNvPr id="8" name="Flowchart: Alternate Process 7">
+            <a:extLst>
+              <a:ext uri="{FF2B5EF4-FFF2-40B4-BE49-F238E27FC236}">
+                <a16:creationId xmlns:a16="http://schemas.microsoft.com/office/drawing/2014/main" id="{E17CF2C8-8C53-48C7-9AD3-469A6F84215D}"/>
+              </a:ext>
+            </a:extLst>
+          </p:cNvPr>
+          <p:cNvSpPr/>
+          <p:nvPr/>
+        </p:nvSpPr>
+        <p:spPr>
+          <a:xfrm>
+            <a:off x="6590704" y="2970848"/>
+            <a:ext cx="1262618" cy="836484"/>
+          </a:xfrm>
+          <a:prstGeom prst="flowChartAlternateProcess">
+            <a:avLst/>
+          </a:prstGeom>
+          <a:ln w="19050"/>
+        </p:spPr>
+        <p:style>
+          <a:lnRef idx="2">
+            <a:schemeClr val="accent5">
+              <a:shade val="50000"/>
+            </a:schemeClr>
+          </a:lnRef>
+          <a:fillRef idx="1">
+            <a:schemeClr val="accent5"/>
+          </a:fillRef>
+          <a:effectRef idx="0">
+            <a:schemeClr val="accent5"/>
+          </a:effectRef>
+          <a:fontRef idx="minor">
+            <a:schemeClr val="lt1"/>
+          </a:fontRef>
+        </p:style>
+        <p:txBody>
+          <a:bodyPr rot="0" spcFirstLastPara="0" vertOverflow="overflow" horzOverflow="overflow" vert="horz" wrap="square" lIns="0" tIns="0" rIns="0" bIns="0" numCol="1" spcCol="0" rtlCol="0" fromWordArt="0" anchor="ctr" anchorCtr="0" forceAA="0" compatLnSpc="1">
+            <a:prstTxWarp prst="textNoShape">
+              <a:avLst/>
+            </a:prstTxWarp>
+            <a:noAutofit/>
+          </a:bodyPr>
+          <a:lstStyle/>
+          <a:p>
+            <a:pPr algn="ctr"/>
+            <a:r>
+              <a:rPr lang="en-AU" sz="1050" dirty="0">
+                <a:latin typeface="Consolas" panose="020B0609020204030204" pitchFamily="49" charset="0"/>
+                <a:ea typeface="Yu Gothic" panose="020B0400000000000000" pitchFamily="34" charset="-128"/>
+              </a:rPr>
+              <a:t>Determine action required</a:t>
+            </a:r>
+          </a:p>
+        </p:txBody>
+      </p:sp>
+      <p:sp>
+        <p:nvSpPr>
+          <p:cNvPr id="32" name="Flowchart: Alternate Process 31">
+            <a:extLst>
+              <a:ext uri="{FF2B5EF4-FFF2-40B4-BE49-F238E27FC236}">
+                <a16:creationId xmlns:a16="http://schemas.microsoft.com/office/drawing/2014/main" id="{B0676973-EA72-4D5F-9A6D-2CAB38CC5F7A}"/>
+              </a:ext>
+            </a:extLst>
+          </p:cNvPr>
+          <p:cNvSpPr/>
+          <p:nvPr/>
+        </p:nvSpPr>
+        <p:spPr>
+          <a:xfrm>
+            <a:off x="6590704" y="4066893"/>
+            <a:ext cx="1262618" cy="836484"/>
+          </a:xfrm>
+          <a:prstGeom prst="flowChartAlternateProcess">
+            <a:avLst/>
+          </a:prstGeom>
+          <a:ln w="19050"/>
+        </p:spPr>
+        <p:style>
+          <a:lnRef idx="2">
+            <a:schemeClr val="accent5">
+              <a:shade val="50000"/>
+            </a:schemeClr>
+          </a:lnRef>
+          <a:fillRef idx="1">
+            <a:schemeClr val="accent5"/>
+          </a:fillRef>
+          <a:effectRef idx="0">
+            <a:schemeClr val="accent5"/>
+          </a:effectRef>
+          <a:fontRef idx="minor">
+            <a:schemeClr val="lt1"/>
+          </a:fontRef>
+        </p:style>
+        <p:txBody>
+          <a:bodyPr rot="0" spcFirstLastPara="0" vertOverflow="overflow" horzOverflow="overflow" vert="horz" wrap="square" lIns="0" tIns="0" rIns="0" bIns="0" numCol="1" spcCol="0" rtlCol="0" fromWordArt="0" anchor="ctr" anchorCtr="0" forceAA="0" compatLnSpc="1">
+            <a:prstTxWarp prst="textNoShape">
+              <a:avLst/>
+            </a:prstTxWarp>
+            <a:noAutofit/>
+          </a:bodyPr>
+          <a:lstStyle/>
+          <a:p>
+            <a:pPr algn="ctr"/>
+            <a:r>
+              <a:rPr lang="en-AU" sz="1050" dirty="0">
+                <a:latin typeface="Consolas" panose="020B0609020204030204" pitchFamily="49" charset="0"/>
+                <a:ea typeface="Yu Gothic" panose="020B0400000000000000" pitchFamily="34" charset="-128"/>
+              </a:rPr>
+              <a:t>Develop control method based on kinematics of the suit</a:t>
+            </a:r>
+          </a:p>
+        </p:txBody>
+      </p:sp>
+      <p:sp>
+        <p:nvSpPr>
+          <p:cNvPr id="33" name="Flowchart: Alternate Process 32">
+            <a:extLst>
+              <a:ext uri="{FF2B5EF4-FFF2-40B4-BE49-F238E27FC236}">
+                <a16:creationId xmlns:a16="http://schemas.microsoft.com/office/drawing/2014/main" id="{B7FBCCD6-B5C4-43DD-A839-6974AB226413}"/>
+              </a:ext>
+            </a:extLst>
+          </p:cNvPr>
+          <p:cNvSpPr/>
+          <p:nvPr/>
+        </p:nvSpPr>
+        <p:spPr>
+          <a:xfrm>
+            <a:off x="6590704" y="5162939"/>
+            <a:ext cx="1262618" cy="836484"/>
+          </a:xfrm>
+          <a:prstGeom prst="flowChartAlternateProcess">
+            <a:avLst/>
+          </a:prstGeom>
+          <a:ln w="19050"/>
+        </p:spPr>
+        <p:style>
+          <a:lnRef idx="2">
+            <a:schemeClr val="accent5">
+              <a:shade val="50000"/>
+            </a:schemeClr>
+          </a:lnRef>
+          <a:fillRef idx="1">
+            <a:schemeClr val="accent5"/>
+          </a:fillRef>
+          <a:effectRef idx="0">
+            <a:schemeClr val="accent5"/>
+          </a:effectRef>
+          <a:fontRef idx="minor">
+            <a:schemeClr val="lt1"/>
+          </a:fontRef>
+        </p:style>
+        <p:txBody>
+          <a:bodyPr rot="0" spcFirstLastPara="0" vertOverflow="overflow" horzOverflow="overflow" vert="horz" wrap="square" lIns="0" tIns="0" rIns="0" bIns="0" numCol="1" spcCol="0" rtlCol="0" fromWordArt="0" anchor="ctr" anchorCtr="0" forceAA="0" compatLnSpc="1">
+            <a:prstTxWarp prst="textNoShape">
+              <a:avLst/>
+            </a:prstTxWarp>
+            <a:noAutofit/>
+          </a:bodyPr>
+          <a:lstStyle/>
+          <a:p>
+            <a:pPr algn="ctr"/>
+            <a:r>
+              <a:rPr lang="en-AU" sz="1050" dirty="0">
+                <a:latin typeface="Consolas" panose="020B0609020204030204" pitchFamily="49" charset="0"/>
+                <a:ea typeface="Yu Gothic" panose="020B0400000000000000" pitchFamily="34" charset="-128"/>
+              </a:rPr>
+              <a:t>Derive required action of the suit from any given state</a:t>
+            </a:r>
+          </a:p>
+        </p:txBody>
+      </p:sp>
+      <p:cxnSp>
+        <p:nvCxnSpPr>
+          <p:cNvPr id="102" name="Straight Arrow Connector 101">
+            <a:extLst>
+              <a:ext uri="{FF2B5EF4-FFF2-40B4-BE49-F238E27FC236}">
+                <a16:creationId xmlns:a16="http://schemas.microsoft.com/office/drawing/2014/main" id="{11306568-23DE-464F-9ACF-79FDEEF8806E}"/>
+              </a:ext>
+            </a:extLst>
+          </p:cNvPr>
+          <p:cNvCxnSpPr>
+            <a:stCxn id="8" idx="2"/>
+            <a:endCxn id="32" idx="0"/>
+          </p:cNvCxnSpPr>
+          <p:nvPr/>
+        </p:nvCxnSpPr>
+        <p:spPr>
+          <a:xfrm>
+            <a:off x="7222013" y="3807332"/>
+            <a:ext cx="0" cy="259561"/>
+          </a:xfrm>
+          <a:prstGeom prst="straightConnector1">
+            <a:avLst/>
+          </a:prstGeom>
+          <a:ln w="19050">
+            <a:tailEnd type="triangle"/>
+          </a:ln>
+        </p:spPr>
+        <p:style>
+          <a:lnRef idx="3">
+            <a:schemeClr val="accent5"/>
+          </a:lnRef>
+          <a:fillRef idx="0">
+            <a:schemeClr val="accent5"/>
+          </a:fillRef>
+          <a:effectRef idx="2">
+            <a:schemeClr val="accent5"/>
+          </a:effectRef>
+          <a:fontRef idx="minor">
+            <a:schemeClr val="tx1"/>
+          </a:fontRef>
+        </p:style>
+      </p:cxnSp>
+      <p:cxnSp>
+        <p:nvCxnSpPr>
+          <p:cNvPr id="104" name="Straight Arrow Connector 103">
+            <a:extLst>
+              <a:ext uri="{FF2B5EF4-FFF2-40B4-BE49-F238E27FC236}">
+                <a16:creationId xmlns:a16="http://schemas.microsoft.com/office/drawing/2014/main" id="{F3C3A891-028D-4096-9B5F-7A6462FA22C8}"/>
+              </a:ext>
+            </a:extLst>
+          </p:cNvPr>
+          <p:cNvCxnSpPr>
+            <a:stCxn id="32" idx="2"/>
+            <a:endCxn id="33" idx="0"/>
+          </p:cNvCxnSpPr>
+          <p:nvPr/>
+        </p:nvCxnSpPr>
+        <p:spPr>
+          <a:xfrm>
+            <a:off x="7222013" y="4903377"/>
+            <a:ext cx="0" cy="259562"/>
+          </a:xfrm>
+          <a:prstGeom prst="straightConnector1">
+            <a:avLst/>
+          </a:prstGeom>
+          <a:ln w="19050">
+            <a:tailEnd type="triangle"/>
+          </a:ln>
+        </p:spPr>
+        <p:style>
+          <a:lnRef idx="3">
+            <a:schemeClr val="accent5"/>
+          </a:lnRef>
+          <a:fillRef idx="0">
+            <a:schemeClr val="accent5"/>
+          </a:fillRef>
+          <a:effectRef idx="2">
+            <a:schemeClr val="accent5"/>
+          </a:effectRef>
+          <a:fontRef idx="minor">
+            <a:schemeClr val="tx1"/>
+          </a:fontRef>
+        </p:style>
+      </p:cxnSp>
+      <p:cxnSp>
+        <p:nvCxnSpPr>
+          <p:cNvPr id="106" name="Connector: Elbow 105">
+            <a:extLst>
+              <a:ext uri="{FF2B5EF4-FFF2-40B4-BE49-F238E27FC236}">
+                <a16:creationId xmlns:a16="http://schemas.microsoft.com/office/drawing/2014/main" id="{865EC6A3-388A-44FC-A007-00118725D0A7}"/>
+              </a:ext>
+            </a:extLst>
+          </p:cNvPr>
+          <p:cNvCxnSpPr>
+            <a:stCxn id="5" idx="2"/>
+            <a:endCxn id="7" idx="0"/>
+          </p:cNvCxnSpPr>
+          <p:nvPr/>
+        </p:nvCxnSpPr>
+        <p:spPr>
+          <a:xfrm rot="16200000" flipH="1">
+            <a:off x="5201388" y="2462898"/>
+            <a:ext cx="259561" cy="756337"/>
+          </a:xfrm>
+          <a:prstGeom prst="bentConnector3">
+            <a:avLst/>
+          </a:prstGeom>
+          <a:ln>
+            <a:tailEnd type="triangle"/>
+          </a:ln>
+        </p:spPr>
+        <p:style>
+          <a:lnRef idx="3">
+            <a:schemeClr val="dk1"/>
+          </a:lnRef>
+          <a:fillRef idx="0">
+            <a:schemeClr val="dk1"/>
+          </a:fillRef>
+          <a:effectRef idx="2">
+            <a:schemeClr val="dk1"/>
+          </a:effectRef>
+          <a:fontRef idx="minor">
+            <a:schemeClr val="tx1"/>
+          </a:fontRef>
+        </p:style>
+      </p:cxnSp>
+      <p:cxnSp>
+        <p:nvCxnSpPr>
+          <p:cNvPr id="108" name="Connector: Elbow 107">
+            <a:extLst>
+              <a:ext uri="{FF2B5EF4-FFF2-40B4-BE49-F238E27FC236}">
+                <a16:creationId xmlns:a16="http://schemas.microsoft.com/office/drawing/2014/main" id="{5CE10405-FDC2-4ED9-98ED-ADC07BAA19EE}"/>
+              </a:ext>
+            </a:extLst>
+          </p:cNvPr>
+          <p:cNvCxnSpPr>
+            <a:stCxn id="5" idx="2"/>
+            <a:endCxn id="8" idx="0"/>
+          </p:cNvCxnSpPr>
+          <p:nvPr/>
+        </p:nvCxnSpPr>
+        <p:spPr>
+          <a:xfrm rot="16200000" flipH="1">
+            <a:off x="5957726" y="1706560"/>
+            <a:ext cx="259561" cy="2269013"/>
+          </a:xfrm>
+          <a:prstGeom prst="bentConnector3">
+            <a:avLst/>
+          </a:prstGeom>
+          <a:ln w="19050">
+            <a:tailEnd type="triangle"/>
+          </a:ln>
+        </p:spPr>
+        <p:style>
+          <a:lnRef idx="3">
+            <a:schemeClr val="dk1"/>
+          </a:lnRef>
+          <a:fillRef idx="0">
+            <a:schemeClr val="dk1"/>
+          </a:fillRef>
+          <a:effectRef idx="2">
+            <a:schemeClr val="dk1"/>
+          </a:effectRef>
+          <a:fontRef idx="minor">
+            <a:schemeClr val="tx1"/>
+          </a:fontRef>
+        </p:style>
+      </p:cxnSp>
+      <p:cxnSp>
+        <p:nvCxnSpPr>
+          <p:cNvPr id="110" name="Connector: Elbow 109">
+            <a:extLst>
+              <a:ext uri="{FF2B5EF4-FFF2-40B4-BE49-F238E27FC236}">
+                <a16:creationId xmlns:a16="http://schemas.microsoft.com/office/drawing/2014/main" id="{0BF5820B-3C29-4A67-AB2C-7ABE13DB28B4}"/>
+              </a:ext>
+            </a:extLst>
+          </p:cNvPr>
+          <p:cNvCxnSpPr>
+            <a:cxnSpLocks/>
+            <a:stCxn id="6" idx="3"/>
+            <a:endCxn id="9" idx="0"/>
+          </p:cNvCxnSpPr>
+          <p:nvPr/>
+        </p:nvCxnSpPr>
+        <p:spPr>
+          <a:xfrm>
+            <a:off x="3315294" y="3389090"/>
+            <a:ext cx="881367" cy="677803"/>
+          </a:xfrm>
+          <a:prstGeom prst="bentConnector2">
+            <a:avLst/>
+          </a:prstGeom>
+          <a:ln w="19050">
+            <a:tailEnd type="triangle"/>
+          </a:ln>
+        </p:spPr>
+        <p:style>
+          <a:lnRef idx="3">
+            <a:schemeClr val="accent6"/>
+          </a:lnRef>
+          <a:fillRef idx="0">
+            <a:schemeClr val="accent6"/>
+          </a:fillRef>
+          <a:effectRef idx="2">
+            <a:schemeClr val="accent6"/>
+          </a:effectRef>
+          <a:fontRef idx="minor">
+            <a:schemeClr val="tx1"/>
+          </a:fontRef>
+        </p:style>
+      </p:cxnSp>
+      <p:cxnSp>
+        <p:nvCxnSpPr>
+          <p:cNvPr id="189" name="Connector: Elbow 188">
+            <a:extLst>
+              <a:ext uri="{FF2B5EF4-FFF2-40B4-BE49-F238E27FC236}">
+                <a16:creationId xmlns:a16="http://schemas.microsoft.com/office/drawing/2014/main" id="{1317F2C0-1FAE-42D9-B199-AA0252E47BEF}"/>
+              </a:ext>
+            </a:extLst>
+          </p:cNvPr>
+          <p:cNvCxnSpPr>
+            <a:cxnSpLocks/>
+            <a:stCxn id="5" idx="2"/>
+            <a:endCxn id="188" idx="0"/>
+          </p:cNvCxnSpPr>
+          <p:nvPr/>
+        </p:nvCxnSpPr>
+        <p:spPr>
+          <a:xfrm rot="16200000" flipH="1">
+            <a:off x="6712676" y="951610"/>
+            <a:ext cx="262338" cy="3781691"/>
+          </a:xfrm>
+          <a:prstGeom prst="bentConnector3">
+            <a:avLst>
+              <a:gd name="adj1" fmla="val 50000"/>
+            </a:avLst>
+          </a:prstGeom>
+          <a:ln w="19050">
+            <a:tailEnd type="triangle"/>
+          </a:ln>
+        </p:spPr>
+        <p:style>
+          <a:lnRef idx="3">
+            <a:schemeClr val="dk1"/>
+          </a:lnRef>
+          <a:fillRef idx="0">
+            <a:schemeClr val="dk1"/>
+          </a:fillRef>
+          <a:effectRef idx="2">
+            <a:schemeClr val="dk1"/>
+          </a:effectRef>
+          <a:fontRef idx="minor">
+            <a:schemeClr val="tx1"/>
+          </a:fontRef>
+        </p:style>
+      </p:cxnSp>
+      <p:sp>
+        <p:nvSpPr>
+          <p:cNvPr id="187" name="Flowchart: Alternate Process 186">
+            <a:extLst>
+              <a:ext uri="{FF2B5EF4-FFF2-40B4-BE49-F238E27FC236}">
+                <a16:creationId xmlns:a16="http://schemas.microsoft.com/office/drawing/2014/main" id="{17975D41-8DC7-4055-949A-7231CCF688D6}"/>
+              </a:ext>
+            </a:extLst>
+          </p:cNvPr>
+          <p:cNvSpPr/>
+          <p:nvPr/>
+        </p:nvSpPr>
+        <p:spPr>
+          <a:xfrm>
+            <a:off x="8103382" y="5162939"/>
+            <a:ext cx="1262618" cy="836484"/>
+          </a:xfrm>
+          <a:prstGeom prst="flowChartAlternateProcess">
+            <a:avLst/>
+          </a:prstGeom>
+          <a:solidFill>
+            <a:srgbClr val="AC75D5"/>
+          </a:solidFill>
+          <a:ln w="19050">
+            <a:solidFill>
+              <a:srgbClr val="7030A0"/>
+            </a:solidFill>
+          </a:ln>
+        </p:spPr>
+        <p:style>
+          <a:lnRef idx="2">
+            <a:schemeClr val="accent5">
+              <a:shade val="50000"/>
+            </a:schemeClr>
+          </a:lnRef>
+          <a:fillRef idx="1">
+            <a:schemeClr val="accent5"/>
+          </a:fillRef>
+          <a:effectRef idx="0">
+            <a:schemeClr val="accent5"/>
+          </a:effectRef>
+          <a:fontRef idx="minor">
+            <a:schemeClr val="lt1"/>
+          </a:fontRef>
+        </p:style>
+        <p:txBody>
+          <a:bodyPr rot="0" spcFirstLastPara="0" vertOverflow="overflow" horzOverflow="overflow" vert="horz" wrap="square" lIns="0" tIns="0" rIns="0" bIns="0" numCol="1" spcCol="0" rtlCol="0" fromWordArt="0" anchor="ctr" anchorCtr="0" forceAA="0" compatLnSpc="1">
+            <a:prstTxWarp prst="textNoShape">
+              <a:avLst/>
+            </a:prstTxWarp>
+            <a:noAutofit/>
+          </a:bodyPr>
+          <a:lstStyle/>
+          <a:p>
+            <a:pPr algn="ctr"/>
+            <a:r>
+              <a:rPr lang="en-AU" sz="1050" dirty="0">
+                <a:latin typeface="Consolas" panose="020B0609020204030204" pitchFamily="49" charset="0"/>
+                <a:ea typeface="Yu Gothic" panose="020B0400000000000000" pitchFamily="34" charset="-128"/>
+              </a:rPr>
+              <a:t>Transmit Message over communications system</a:t>
+            </a:r>
+          </a:p>
+        </p:txBody>
+      </p:sp>
+      <p:sp>
+        <p:nvSpPr>
+          <p:cNvPr id="188" name="Flowchart: Alternate Process 187">
+            <a:extLst>
+              <a:ext uri="{FF2B5EF4-FFF2-40B4-BE49-F238E27FC236}">
+                <a16:creationId xmlns:a16="http://schemas.microsoft.com/office/drawing/2014/main" id="{70ECDDF3-EE31-4BE2-BB26-E9F9CED294F8}"/>
+              </a:ext>
+            </a:extLst>
+          </p:cNvPr>
+          <p:cNvSpPr/>
+          <p:nvPr/>
+        </p:nvSpPr>
+        <p:spPr>
+          <a:xfrm>
+            <a:off x="8103382" y="2973625"/>
+            <a:ext cx="1262618" cy="836484"/>
+          </a:xfrm>
+          <a:prstGeom prst="flowChartAlternateProcess">
+            <a:avLst/>
+          </a:prstGeom>
+          <a:solidFill>
+            <a:srgbClr val="AC75D5"/>
+          </a:solidFill>
+          <a:ln w="19050">
+            <a:solidFill>
+              <a:srgbClr val="7030A0"/>
+            </a:solidFill>
+          </a:ln>
+        </p:spPr>
+        <p:style>
+          <a:lnRef idx="2">
+            <a:schemeClr val="accent5">
+              <a:shade val="50000"/>
+            </a:schemeClr>
+          </a:lnRef>
+          <a:fillRef idx="1">
+            <a:schemeClr val="accent5"/>
+          </a:fillRef>
+          <a:effectRef idx="0">
+            <a:schemeClr val="accent5"/>
+          </a:effectRef>
+          <a:fontRef idx="minor">
+            <a:schemeClr val="lt1"/>
+          </a:fontRef>
+        </p:style>
+        <p:txBody>
+          <a:bodyPr rot="0" spcFirstLastPara="0" vertOverflow="overflow" horzOverflow="overflow" vert="horz" wrap="square" lIns="0" tIns="0" rIns="0" bIns="0" numCol="1" spcCol="0" rtlCol="0" fromWordArt="0" anchor="ctr" anchorCtr="0" forceAA="0" compatLnSpc="1">
+            <a:prstTxWarp prst="textNoShape">
+              <a:avLst/>
+            </a:prstTxWarp>
+            <a:noAutofit/>
+          </a:bodyPr>
+          <a:lstStyle/>
+          <a:p>
+            <a:pPr algn="ctr"/>
+            <a:r>
+              <a:rPr lang="en-AU" sz="1050" dirty="0">
+                <a:latin typeface="Consolas" panose="020B0609020204030204" pitchFamily="49" charset="0"/>
+                <a:ea typeface="Yu Gothic" panose="020B0400000000000000" pitchFamily="34" charset="-128"/>
+              </a:rPr>
+              <a:t>Communicate Desired Action</a:t>
+            </a:r>
+          </a:p>
+        </p:txBody>
+      </p:sp>
+      <p:cxnSp>
+        <p:nvCxnSpPr>
+          <p:cNvPr id="192" name="Straight Arrow Connector 191">
+            <a:extLst>
+              <a:ext uri="{FF2B5EF4-FFF2-40B4-BE49-F238E27FC236}">
+                <a16:creationId xmlns:a16="http://schemas.microsoft.com/office/drawing/2014/main" id="{C3BD6AC9-CC9C-484A-BCC9-A36B65FD4DB9}"/>
+              </a:ext>
+            </a:extLst>
+          </p:cNvPr>
+          <p:cNvCxnSpPr>
+            <a:cxnSpLocks/>
+            <a:stCxn id="188" idx="2"/>
+            <a:endCxn id="187" idx="0"/>
+          </p:cNvCxnSpPr>
+          <p:nvPr/>
+        </p:nvCxnSpPr>
+        <p:spPr>
+          <a:xfrm>
+            <a:off x="8734691" y="3810109"/>
+            <a:ext cx="0" cy="1352830"/>
+          </a:xfrm>
+          <a:prstGeom prst="straightConnector1">
+            <a:avLst/>
+          </a:prstGeom>
+          <a:ln w="19050">
+            <a:solidFill>
+              <a:srgbClr val="7030A0"/>
+            </a:solidFill>
+            <a:tailEnd type="triangle"/>
+          </a:ln>
+        </p:spPr>
+        <p:style>
+          <a:lnRef idx="3">
+            <a:schemeClr val="accent5"/>
+          </a:lnRef>
+          <a:fillRef idx="0">
+            <a:schemeClr val="accent5"/>
+          </a:fillRef>
+          <a:effectRef idx="2">
+            <a:schemeClr val="accent5"/>
+          </a:effectRef>
+          <a:fontRef idx="minor">
+            <a:schemeClr val="tx1"/>
+          </a:fontRef>
+        </p:style>
+      </p:cxnSp>
+      <p:sp>
+        <p:nvSpPr>
+          <p:cNvPr id="50" name="Flowchart: Alternate Process 49">
+            <a:extLst>
+              <a:ext uri="{FF2B5EF4-FFF2-40B4-BE49-F238E27FC236}">
+                <a16:creationId xmlns:a16="http://schemas.microsoft.com/office/drawing/2014/main" id="{F62EC9D9-9E4A-4FEB-95C0-97C3B23ABAE8}"/>
+              </a:ext>
+            </a:extLst>
+          </p:cNvPr>
+          <p:cNvSpPr/>
+          <p:nvPr/>
+        </p:nvSpPr>
+        <p:spPr>
+          <a:xfrm>
+            <a:off x="540000" y="1613852"/>
+            <a:ext cx="262800" cy="262339"/>
+          </a:xfrm>
+          <a:prstGeom prst="flowChartAlternateProcess">
+            <a:avLst/>
+          </a:prstGeom>
+          <a:ln w="19050"/>
+        </p:spPr>
+        <p:style>
+          <a:lnRef idx="2">
+            <a:schemeClr val="accent5">
+              <a:shade val="50000"/>
+            </a:schemeClr>
+          </a:lnRef>
+          <a:fillRef idx="1">
+            <a:schemeClr val="accent5"/>
+          </a:fillRef>
+          <a:effectRef idx="0">
+            <a:schemeClr val="accent5"/>
+          </a:effectRef>
+          <a:fontRef idx="minor">
+            <a:schemeClr val="lt1"/>
+          </a:fontRef>
+        </p:style>
+        <p:txBody>
+          <a:bodyPr rot="0" spcFirstLastPara="0" vertOverflow="overflow" horzOverflow="overflow" vert="horz" wrap="square" lIns="0" tIns="0" rIns="0" bIns="0" numCol="1" spcCol="0" rtlCol="0" fromWordArt="0" anchor="ctr" anchorCtr="0" forceAA="0" compatLnSpc="1">
+            <a:prstTxWarp prst="textNoShape">
+              <a:avLst/>
+            </a:prstTxWarp>
+            <a:noAutofit/>
+          </a:bodyPr>
+          <a:lstStyle/>
+          <a:p>
+            <a:pPr algn="ctr"/>
+            <a:endParaRPr lang="en-AU" sz="1050" dirty="0">
+              <a:latin typeface="Consolas" panose="020B0609020204030204" pitchFamily="49" charset="0"/>
+              <a:ea typeface="Yu Gothic" panose="020B0400000000000000" pitchFamily="34" charset="-128"/>
+            </a:endParaRPr>
+          </a:p>
+        </p:txBody>
+      </p:sp>
+      <p:sp>
+        <p:nvSpPr>
+          <p:cNvPr id="107" name="Flowchart: Alternate Process 106">
+            <a:extLst>
+              <a:ext uri="{FF2B5EF4-FFF2-40B4-BE49-F238E27FC236}">
+                <a16:creationId xmlns:a16="http://schemas.microsoft.com/office/drawing/2014/main" id="{E04B57C6-883C-46E9-97F8-8121F0226330}"/>
+              </a:ext>
+            </a:extLst>
+          </p:cNvPr>
+          <p:cNvSpPr/>
+          <p:nvPr/>
+        </p:nvSpPr>
+        <p:spPr>
+          <a:xfrm>
+            <a:off x="540000" y="2031399"/>
+            <a:ext cx="262800" cy="262339"/>
+          </a:xfrm>
+          <a:prstGeom prst="flowChartAlternateProcess">
+            <a:avLst/>
+          </a:prstGeom>
+          <a:solidFill>
+            <a:srgbClr val="AC75D5"/>
+          </a:solidFill>
+          <a:ln w="19050">
+            <a:solidFill>
+              <a:srgbClr val="7030A0"/>
+            </a:solidFill>
+          </a:ln>
+        </p:spPr>
+        <p:style>
+          <a:lnRef idx="2">
+            <a:schemeClr val="accent5">
+              <a:shade val="50000"/>
+            </a:schemeClr>
+          </a:lnRef>
+          <a:fillRef idx="1">
+            <a:schemeClr val="accent5"/>
+          </a:fillRef>
+          <a:effectRef idx="0">
+            <a:schemeClr val="accent5"/>
+          </a:effectRef>
+          <a:fontRef idx="minor">
+            <a:schemeClr val="lt1"/>
+          </a:fontRef>
+        </p:style>
+        <p:txBody>
+          <a:bodyPr rot="0" spcFirstLastPara="0" vertOverflow="overflow" horzOverflow="overflow" vert="horz" wrap="square" lIns="0" tIns="0" rIns="0" bIns="0" numCol="1" spcCol="0" rtlCol="0" fromWordArt="0" anchor="ctr" anchorCtr="0" forceAA="0" compatLnSpc="1">
+            <a:prstTxWarp prst="textNoShape">
+              <a:avLst/>
+            </a:prstTxWarp>
+            <a:noAutofit/>
+          </a:bodyPr>
+          <a:lstStyle/>
+          <a:p>
+            <a:pPr algn="ctr"/>
+            <a:endParaRPr lang="en-AU" sz="1050" dirty="0">
+              <a:latin typeface="Consolas" panose="020B0609020204030204" pitchFamily="49" charset="0"/>
+              <a:ea typeface="Yu Gothic" panose="020B0400000000000000" pitchFamily="34" charset="-128"/>
+            </a:endParaRPr>
+          </a:p>
+        </p:txBody>
+      </p:sp>
+      <p:sp>
+        <p:nvSpPr>
+          <p:cNvPr id="109" name="Flowchart: Alternate Process 108">
+            <a:extLst>
+              <a:ext uri="{FF2B5EF4-FFF2-40B4-BE49-F238E27FC236}">
+                <a16:creationId xmlns:a16="http://schemas.microsoft.com/office/drawing/2014/main" id="{9118EFF1-3CA2-47A5-9F02-672D9B02F57F}"/>
+              </a:ext>
+            </a:extLst>
+          </p:cNvPr>
+          <p:cNvSpPr/>
+          <p:nvPr/>
+        </p:nvSpPr>
+        <p:spPr>
+          <a:xfrm>
+            <a:off x="540000" y="2448947"/>
+            <a:ext cx="262800" cy="262339"/>
+          </a:xfrm>
+          <a:prstGeom prst="flowChartAlternateProcess">
+            <a:avLst/>
+          </a:prstGeom>
+          <a:solidFill>
+            <a:srgbClr val="FF5B5B"/>
+          </a:solidFill>
+          <a:ln w="19050">
+            <a:solidFill>
+              <a:srgbClr val="C00000"/>
+            </a:solidFill>
+          </a:ln>
+        </p:spPr>
+        <p:style>
+          <a:lnRef idx="2">
+            <a:schemeClr val="accent2">
+              <a:shade val="50000"/>
+            </a:schemeClr>
+          </a:lnRef>
+          <a:fillRef idx="1">
+            <a:schemeClr val="accent2"/>
+          </a:fillRef>
+          <a:effectRef idx="0">
+            <a:schemeClr val="accent2"/>
+          </a:effectRef>
+          <a:fontRef idx="minor">
+            <a:schemeClr val="lt1"/>
+          </a:fontRef>
+        </p:style>
+        <p:txBody>
+          <a:bodyPr rot="0" spcFirstLastPara="0" vertOverflow="overflow" horzOverflow="overflow" vert="horz" wrap="square" lIns="0" tIns="0" rIns="0" bIns="0" numCol="1" spcCol="0" rtlCol="0" fromWordArt="0" anchor="ctr" anchorCtr="0" forceAA="0" compatLnSpc="1">
+            <a:prstTxWarp prst="textNoShape">
+              <a:avLst/>
+            </a:prstTxWarp>
+            <a:noAutofit/>
+          </a:bodyPr>
+          <a:lstStyle/>
+          <a:p>
+            <a:pPr algn="ctr"/>
+            <a:endParaRPr lang="en-AU" sz="1050" b="1" dirty="0">
+              <a:latin typeface="Consolas" panose="020B0609020204030204" pitchFamily="49" charset="0"/>
+              <a:ea typeface="Yu Gothic" panose="020B0400000000000000" pitchFamily="34" charset="-128"/>
+            </a:endParaRPr>
+          </a:p>
+        </p:txBody>
+      </p:sp>
+      <p:sp>
+        <p:nvSpPr>
+          <p:cNvPr id="111" name="Flowchart: Alternate Process 110">
+            <a:extLst>
+              <a:ext uri="{FF2B5EF4-FFF2-40B4-BE49-F238E27FC236}">
+                <a16:creationId xmlns:a16="http://schemas.microsoft.com/office/drawing/2014/main" id="{111C510F-7A4F-4F9D-A0E9-5889D8E85153}"/>
+              </a:ext>
+            </a:extLst>
+          </p:cNvPr>
+          <p:cNvSpPr/>
+          <p:nvPr/>
+        </p:nvSpPr>
+        <p:spPr>
+          <a:xfrm>
+            <a:off x="540000" y="1196305"/>
+            <a:ext cx="262800" cy="262339"/>
+          </a:xfrm>
+          <a:prstGeom prst="flowChartAlternateProcess">
+            <a:avLst/>
+          </a:prstGeom>
+          <a:ln w="19050"/>
+        </p:spPr>
+        <p:style>
+          <a:lnRef idx="2">
+            <a:schemeClr val="accent6">
+              <a:shade val="50000"/>
+            </a:schemeClr>
+          </a:lnRef>
+          <a:fillRef idx="1">
+            <a:schemeClr val="accent6"/>
+          </a:fillRef>
+          <a:effectRef idx="0">
+            <a:schemeClr val="accent6"/>
+          </a:effectRef>
+          <a:fontRef idx="minor">
+            <a:schemeClr val="lt1"/>
+          </a:fontRef>
+        </p:style>
+        <p:txBody>
+          <a:bodyPr rot="0" spcFirstLastPara="0" vertOverflow="overflow" horzOverflow="overflow" vert="horz" wrap="square" lIns="0" tIns="0" rIns="0" bIns="0" numCol="1" spcCol="0" rtlCol="0" fromWordArt="0" anchor="ctr" anchorCtr="0" forceAA="0" compatLnSpc="1">
+            <a:prstTxWarp prst="textNoShape">
+              <a:avLst/>
+            </a:prstTxWarp>
+            <a:noAutofit/>
+          </a:bodyPr>
+          <a:lstStyle/>
+          <a:p>
+            <a:pPr algn="ctr"/>
+            <a:endParaRPr lang="en-AU" sz="1050" dirty="0">
+              <a:latin typeface="Consolas" panose="020B0609020204030204" pitchFamily="49" charset="0"/>
+              <a:ea typeface="Yu Gothic" panose="020B0400000000000000" pitchFamily="34" charset="-128"/>
+            </a:endParaRPr>
+          </a:p>
+        </p:txBody>
+      </p:sp>
+      <p:sp>
+        <p:nvSpPr>
+          <p:cNvPr id="115" name="Flowchart: Alternate Process 114">
+            <a:extLst>
+              <a:ext uri="{FF2B5EF4-FFF2-40B4-BE49-F238E27FC236}">
+                <a16:creationId xmlns:a16="http://schemas.microsoft.com/office/drawing/2014/main" id="{9886B81B-4A38-4133-982D-A195F7A44D21}"/>
+              </a:ext>
+            </a:extLst>
+          </p:cNvPr>
+          <p:cNvSpPr/>
+          <p:nvPr/>
+        </p:nvSpPr>
+        <p:spPr>
+          <a:xfrm>
+            <a:off x="540000" y="778758"/>
+            <a:ext cx="262800" cy="262339"/>
+          </a:xfrm>
+          <a:prstGeom prst="flowChartAlternateProcess">
+            <a:avLst/>
+          </a:prstGeom>
+          <a:ln w="19050"/>
+        </p:spPr>
+        <p:style>
+          <a:lnRef idx="2">
+            <a:schemeClr val="accent4">
+              <a:shade val="50000"/>
+            </a:schemeClr>
+          </a:lnRef>
+          <a:fillRef idx="1">
+            <a:schemeClr val="accent4"/>
+          </a:fillRef>
+          <a:effectRef idx="0">
+            <a:schemeClr val="accent4"/>
+          </a:effectRef>
+          <a:fontRef idx="minor">
+            <a:schemeClr val="lt1"/>
+          </a:fontRef>
+        </p:style>
+        <p:txBody>
+          <a:bodyPr rot="0" spcFirstLastPara="0" vertOverflow="overflow" horzOverflow="overflow" vert="horz" wrap="square" lIns="0" tIns="0" rIns="0" bIns="0" numCol="1" spcCol="0" rtlCol="0" fromWordArt="0" anchor="ctr" anchorCtr="0" forceAA="0" compatLnSpc="1">
+            <a:prstTxWarp prst="textNoShape">
+              <a:avLst/>
+            </a:prstTxWarp>
+            <a:noAutofit/>
+          </a:bodyPr>
+          <a:lstStyle/>
+          <a:p>
+            <a:pPr algn="ctr"/>
+            <a:endParaRPr lang="en-AU" sz="1050" dirty="0">
+              <a:latin typeface="Consolas" panose="020B0609020204030204" pitchFamily="49" charset="0"/>
+              <a:ea typeface="Yu Gothic" panose="020B0400000000000000" pitchFamily="34" charset="-128"/>
+            </a:endParaRPr>
+          </a:p>
+        </p:txBody>
+      </p:sp>
+      <p:sp>
+        <p:nvSpPr>
+          <p:cNvPr id="116" name="Flowchart: Alternate Process 115">
+            <a:extLst>
+              <a:ext uri="{FF2B5EF4-FFF2-40B4-BE49-F238E27FC236}">
+                <a16:creationId xmlns:a16="http://schemas.microsoft.com/office/drawing/2014/main" id="{86C688A5-79BD-4740-8B5F-3CD133CA2329}"/>
+              </a:ext>
+            </a:extLst>
+          </p:cNvPr>
+          <p:cNvSpPr/>
+          <p:nvPr/>
+        </p:nvSpPr>
+        <p:spPr>
+          <a:xfrm>
+            <a:off x="882589" y="1613852"/>
+            <a:ext cx="2740749" cy="262339"/>
+          </a:xfrm>
+          <a:prstGeom prst="flowChartAlternateProcess">
+            <a:avLst/>
+          </a:prstGeom>
+          <a:ln>
+            <a:noFill/>
+          </a:ln>
+        </p:spPr>
+        <p:style>
+          <a:lnRef idx="2">
+            <a:schemeClr val="dk1"/>
+          </a:lnRef>
+          <a:fillRef idx="1">
+            <a:schemeClr val="lt1"/>
+          </a:fillRef>
+          <a:effectRef idx="0">
+            <a:schemeClr val="dk1"/>
+          </a:effectRef>
+          <a:fontRef idx="minor">
+            <a:schemeClr val="dk1"/>
+          </a:fontRef>
+        </p:style>
+        <p:txBody>
+          <a:bodyPr rot="0" spcFirstLastPara="0" vertOverflow="overflow" horzOverflow="overflow" vert="horz" wrap="square" lIns="0" tIns="0" rIns="0" bIns="0" numCol="1" spcCol="0" rtlCol="0" fromWordArt="0" anchor="ctr" anchorCtr="0" forceAA="0" compatLnSpc="1">
+            <a:prstTxWarp prst="textNoShape">
+              <a:avLst/>
+            </a:prstTxWarp>
+            <a:noAutofit/>
+          </a:bodyPr>
+          <a:lstStyle/>
+          <a:p>
+            <a:r>
+              <a:rPr lang="en-AU" sz="1050" dirty="0">
+                <a:latin typeface="Consolas" panose="020B0609020204030204" pitchFamily="49" charset="0"/>
+                <a:ea typeface="Yu Gothic" panose="020B0400000000000000" pitchFamily="34" charset="-128"/>
+              </a:rPr>
+              <a:t>Controls and Decision Making</a:t>
+            </a:r>
+          </a:p>
+        </p:txBody>
+      </p:sp>
+      <p:sp>
+        <p:nvSpPr>
+          <p:cNvPr id="117" name="Flowchart: Alternate Process 116">
+            <a:extLst>
+              <a:ext uri="{FF2B5EF4-FFF2-40B4-BE49-F238E27FC236}">
+                <a16:creationId xmlns:a16="http://schemas.microsoft.com/office/drawing/2014/main" id="{8370B284-D352-4605-B4AA-F2DC58C96A38}"/>
+              </a:ext>
+            </a:extLst>
+          </p:cNvPr>
+          <p:cNvSpPr/>
+          <p:nvPr/>
+        </p:nvSpPr>
+        <p:spPr>
+          <a:xfrm>
+            <a:off x="882589" y="2031399"/>
+            <a:ext cx="2740749" cy="262339"/>
+          </a:xfrm>
+          <a:prstGeom prst="flowChartAlternateProcess">
+            <a:avLst/>
+          </a:prstGeom>
+          <a:ln>
+            <a:noFill/>
+          </a:ln>
+        </p:spPr>
+        <p:style>
+          <a:lnRef idx="2">
+            <a:schemeClr val="dk1"/>
+          </a:lnRef>
+          <a:fillRef idx="1">
+            <a:schemeClr val="lt1"/>
+          </a:fillRef>
+          <a:effectRef idx="0">
+            <a:schemeClr val="dk1"/>
+          </a:effectRef>
+          <a:fontRef idx="minor">
+            <a:schemeClr val="dk1"/>
+          </a:fontRef>
+        </p:style>
+        <p:txBody>
+          <a:bodyPr rot="0" spcFirstLastPara="0" vertOverflow="overflow" horzOverflow="overflow" vert="horz" wrap="square" lIns="0" tIns="0" rIns="0" bIns="0" numCol="1" spcCol="0" rtlCol="0" fromWordArt="0" anchor="ctr" anchorCtr="0" forceAA="0" compatLnSpc="1">
+            <a:prstTxWarp prst="textNoShape">
+              <a:avLst/>
+            </a:prstTxWarp>
+            <a:noAutofit/>
+          </a:bodyPr>
+          <a:lstStyle/>
+          <a:p>
+            <a:r>
+              <a:rPr lang="en-AU" sz="1050" dirty="0">
+                <a:latin typeface="Consolas" panose="020B0609020204030204" pitchFamily="49" charset="0"/>
+                <a:ea typeface="Yu Gothic" panose="020B0400000000000000" pitchFamily="34" charset="-128"/>
+              </a:rPr>
+              <a:t>Communications</a:t>
+            </a:r>
+          </a:p>
+        </p:txBody>
+      </p:sp>
+      <p:sp>
+        <p:nvSpPr>
+          <p:cNvPr id="118" name="Flowchart: Alternate Process 117">
+            <a:extLst>
+              <a:ext uri="{FF2B5EF4-FFF2-40B4-BE49-F238E27FC236}">
+                <a16:creationId xmlns:a16="http://schemas.microsoft.com/office/drawing/2014/main" id="{C4A680EC-8CFA-4435-B0D5-1D42C5281F6F}"/>
+              </a:ext>
+            </a:extLst>
+          </p:cNvPr>
+          <p:cNvSpPr/>
+          <p:nvPr/>
+        </p:nvSpPr>
+        <p:spPr>
+          <a:xfrm>
+            <a:off x="882589" y="2448947"/>
+            <a:ext cx="2740749" cy="262339"/>
+          </a:xfrm>
+          <a:prstGeom prst="flowChartAlternateProcess">
+            <a:avLst/>
+          </a:prstGeom>
+          <a:ln>
+            <a:noFill/>
+          </a:ln>
+        </p:spPr>
+        <p:style>
+          <a:lnRef idx="2">
+            <a:schemeClr val="dk1"/>
+          </a:lnRef>
+          <a:fillRef idx="1">
+            <a:schemeClr val="lt1"/>
+          </a:fillRef>
+          <a:effectRef idx="0">
+            <a:schemeClr val="dk1"/>
+          </a:effectRef>
+          <a:fontRef idx="minor">
+            <a:schemeClr val="dk1"/>
+          </a:fontRef>
+        </p:style>
+        <p:txBody>
+          <a:bodyPr rot="0" spcFirstLastPara="0" vertOverflow="overflow" horzOverflow="overflow" vert="horz" wrap="square" lIns="0" tIns="0" rIns="0" bIns="0" numCol="1" spcCol="0" rtlCol="0" fromWordArt="0" anchor="ctr" anchorCtr="0" forceAA="0" compatLnSpc="1">
+            <a:prstTxWarp prst="textNoShape">
+              <a:avLst/>
+            </a:prstTxWarp>
+            <a:noAutofit/>
+          </a:bodyPr>
+          <a:lstStyle/>
+          <a:p>
+            <a:r>
+              <a:rPr lang="en-AU" sz="1050" b="1" dirty="0">
+                <a:latin typeface="Consolas" panose="020B0609020204030204" pitchFamily="49" charset="0"/>
+                <a:ea typeface="Yu Gothic" panose="020B0400000000000000" pitchFamily="34" charset="-128"/>
+              </a:rPr>
+              <a:t>Outside of Scope</a:t>
+            </a:r>
+          </a:p>
+        </p:txBody>
+      </p:sp>
+      <p:sp>
+        <p:nvSpPr>
+          <p:cNvPr id="119" name="Flowchart: Alternate Process 118">
+            <a:extLst>
+              <a:ext uri="{FF2B5EF4-FFF2-40B4-BE49-F238E27FC236}">
+                <a16:creationId xmlns:a16="http://schemas.microsoft.com/office/drawing/2014/main" id="{4957598A-DED2-4468-80DD-2244A58967DD}"/>
+              </a:ext>
+            </a:extLst>
+          </p:cNvPr>
+          <p:cNvSpPr/>
+          <p:nvPr/>
+        </p:nvSpPr>
+        <p:spPr>
+          <a:xfrm>
+            <a:off x="882589" y="1196305"/>
+            <a:ext cx="2740749" cy="262339"/>
+          </a:xfrm>
+          <a:prstGeom prst="flowChartAlternateProcess">
+            <a:avLst/>
+          </a:prstGeom>
+          <a:ln>
+            <a:noFill/>
+          </a:ln>
+        </p:spPr>
+        <p:style>
+          <a:lnRef idx="2">
+            <a:schemeClr val="dk1"/>
+          </a:lnRef>
+          <a:fillRef idx="1">
+            <a:schemeClr val="lt1"/>
+          </a:fillRef>
+          <a:effectRef idx="0">
+            <a:schemeClr val="dk1"/>
+          </a:effectRef>
+          <a:fontRef idx="minor">
+            <a:schemeClr val="dk1"/>
+          </a:fontRef>
+        </p:style>
+        <p:txBody>
+          <a:bodyPr rot="0" spcFirstLastPara="0" vertOverflow="overflow" horzOverflow="overflow" vert="horz" wrap="square" lIns="0" tIns="0" rIns="0" bIns="0" numCol="1" spcCol="0" rtlCol="0" fromWordArt="0" anchor="ctr" anchorCtr="0" forceAA="0" compatLnSpc="1">
+            <a:prstTxWarp prst="textNoShape">
+              <a:avLst/>
+            </a:prstTxWarp>
+            <a:noAutofit/>
+          </a:bodyPr>
+          <a:lstStyle/>
+          <a:p>
+            <a:r>
+              <a:rPr lang="en-AU" sz="1050" dirty="0">
+                <a:latin typeface="Consolas" panose="020B0609020204030204" pitchFamily="49" charset="0"/>
+                <a:ea typeface="Yu Gothic" panose="020B0400000000000000" pitchFamily="34" charset="-128"/>
+              </a:rPr>
+              <a:t>Force applied by and to Exoskeleton </a:t>
+            </a:r>
+          </a:p>
+        </p:txBody>
+      </p:sp>
+      <p:sp>
+        <p:nvSpPr>
+          <p:cNvPr id="120" name="Flowchart: Alternate Process 119">
+            <a:extLst>
+              <a:ext uri="{FF2B5EF4-FFF2-40B4-BE49-F238E27FC236}">
+                <a16:creationId xmlns:a16="http://schemas.microsoft.com/office/drawing/2014/main" id="{805B0755-7490-4908-BDD0-A90D244A26A5}"/>
+              </a:ext>
+            </a:extLst>
+          </p:cNvPr>
+          <p:cNvSpPr/>
+          <p:nvPr/>
+        </p:nvSpPr>
+        <p:spPr>
+          <a:xfrm>
+            <a:off x="882589" y="778758"/>
+            <a:ext cx="2740749" cy="262339"/>
+          </a:xfrm>
+          <a:prstGeom prst="flowChartAlternateProcess">
+            <a:avLst/>
+          </a:prstGeom>
+          <a:ln>
+            <a:noFill/>
+          </a:ln>
+        </p:spPr>
+        <p:style>
+          <a:lnRef idx="2">
+            <a:schemeClr val="dk1"/>
+          </a:lnRef>
+          <a:fillRef idx="1">
+            <a:schemeClr val="lt1"/>
+          </a:fillRef>
+          <a:effectRef idx="0">
+            <a:schemeClr val="dk1"/>
+          </a:effectRef>
+          <a:fontRef idx="minor">
+            <a:schemeClr val="dk1"/>
+          </a:fontRef>
+        </p:style>
+        <p:txBody>
+          <a:bodyPr rot="0" spcFirstLastPara="0" vertOverflow="overflow" horzOverflow="overflow" vert="horz" wrap="square" lIns="0" tIns="0" rIns="0" bIns="0" numCol="1" spcCol="0" rtlCol="0" fromWordArt="0" anchor="ctr" anchorCtr="0" forceAA="0" compatLnSpc="1">
+            <a:prstTxWarp prst="textNoShape">
+              <a:avLst/>
+            </a:prstTxWarp>
+            <a:noAutofit/>
+          </a:bodyPr>
+          <a:lstStyle/>
+          <a:p>
+            <a:r>
+              <a:rPr lang="en-AU" sz="1050" dirty="0">
+                <a:latin typeface="Consolas" panose="020B0609020204030204" pitchFamily="49" charset="0"/>
+                <a:ea typeface="Yu Gothic" panose="020B0400000000000000" pitchFamily="34" charset="-128"/>
+              </a:rPr>
+              <a:t>Relative Position of Pilot </a:t>
+            </a:r>
+          </a:p>
+        </p:txBody>
+      </p:sp>
     </p:spTree>
     <p:extLst>
       <p:ext uri="{BB962C8B-B14F-4D97-AF65-F5344CB8AC3E}">

--- a/Documentation/FuncDecomp.pptx
+++ b/Documentation/FuncDecomp.pptx
@@ -6,6 +6,11 @@
   </p:sldMasterIdLst>
   <p:sldIdLst>
     <p:sldId id="256" r:id="rId2"/>
+    <p:sldId id="258" r:id="rId3"/>
+    <p:sldId id="257" r:id="rId4"/>
+    <p:sldId id="259" r:id="rId5"/>
+    <p:sldId id="260" r:id="rId6"/>
+    <p:sldId id="261" r:id="rId7"/>
   </p:sldIdLst>
   <p:sldSz cx="9906000" cy="6858000" type="A4"/>
   <p:notesSz cx="6858000" cy="9144000"/>
@@ -2997,7 +3002,7 @@
           </a:prstGeom>
           <a:ln w="19050">
             <a:solidFill>
-              <a:srgbClr val="C00000"/>
+              <a:srgbClr val="FF5B5B"/>
             </a:solidFill>
             <a:tailEnd type="triangle"/>
           </a:ln>
@@ -3043,7 +3048,7 @@
           </a:prstGeom>
           <a:ln w="19050">
             <a:solidFill>
-              <a:srgbClr val="C00000"/>
+              <a:srgbClr val="FF5B5B"/>
             </a:solidFill>
             <a:tailEnd type="triangle"/>
           </a:ln>
@@ -3063,262 +3068,6 @@
           </a:fontRef>
         </p:style>
       </p:cxnSp>
-      <p:sp>
-        <p:nvSpPr>
-          <p:cNvPr id="11" name="Flowchart: Alternate Process 10">
-            <a:extLst>
-              <a:ext uri="{FF2B5EF4-FFF2-40B4-BE49-F238E27FC236}">
-                <a16:creationId xmlns:a16="http://schemas.microsoft.com/office/drawing/2014/main" id="{443A859A-B689-42EF-9FCF-B7DE5F1E381D}"/>
-              </a:ext>
-            </a:extLst>
-          </p:cNvPr>
-          <p:cNvSpPr/>
-          <p:nvPr/>
-        </p:nvSpPr>
-        <p:spPr>
-          <a:xfrm>
-            <a:off x="540000" y="4066893"/>
-            <a:ext cx="1262618" cy="836484"/>
-          </a:xfrm>
-          <a:prstGeom prst="flowChartAlternateProcess">
-            <a:avLst/>
-          </a:prstGeom>
-          <a:solidFill>
-            <a:srgbClr val="FF5B5B"/>
-          </a:solidFill>
-          <a:ln w="19050">
-            <a:solidFill>
-              <a:srgbClr val="C00000"/>
-            </a:solidFill>
-          </a:ln>
-        </p:spPr>
-        <p:style>
-          <a:lnRef idx="2">
-            <a:schemeClr val="accent2">
-              <a:shade val="50000"/>
-            </a:schemeClr>
-          </a:lnRef>
-          <a:fillRef idx="1">
-            <a:schemeClr val="accent2"/>
-          </a:fillRef>
-          <a:effectRef idx="0">
-            <a:schemeClr val="accent2"/>
-          </a:effectRef>
-          <a:fontRef idx="minor">
-            <a:schemeClr val="lt1"/>
-          </a:fontRef>
-        </p:style>
-        <p:txBody>
-          <a:bodyPr rot="0" spcFirstLastPara="0" vertOverflow="overflow" horzOverflow="overflow" vert="horz" wrap="square" lIns="0" tIns="0" rIns="0" bIns="0" numCol="1" spcCol="0" rtlCol="0" fromWordArt="0" anchor="ctr" anchorCtr="0" forceAA="0" compatLnSpc="1">
-            <a:prstTxWarp prst="textNoShape">
-              <a:avLst/>
-            </a:prstTxWarp>
-            <a:noAutofit/>
-          </a:bodyPr>
-          <a:lstStyle/>
-          <a:p>
-            <a:pPr algn="ctr"/>
-            <a:r>
-              <a:rPr lang="en-AU" sz="1050" b="1" dirty="0">
-                <a:latin typeface="Consolas" panose="020B0609020204030204" pitchFamily="49" charset="0"/>
-                <a:ea typeface="Yu Gothic" panose="020B0400000000000000" pitchFamily="34" charset="-128"/>
-              </a:rPr>
-              <a:t>OUTSIDE OF SCOPE</a:t>
-            </a:r>
-            <a:r>
-              <a:rPr lang="en-AU" sz="1050" dirty="0">
-                <a:latin typeface="Consolas" panose="020B0609020204030204" pitchFamily="49" charset="0"/>
-                <a:ea typeface="Yu Gothic" panose="020B0400000000000000" pitchFamily="34" charset="-128"/>
-              </a:rPr>
-              <a:t>: Measure position of suit</a:t>
-            </a:r>
-          </a:p>
-        </p:txBody>
-      </p:sp>
-      <p:sp>
-        <p:nvSpPr>
-          <p:cNvPr id="42" name="Flowchart: Alternate Process 41">
-            <a:extLst>
-              <a:ext uri="{FF2B5EF4-FFF2-40B4-BE49-F238E27FC236}">
-                <a16:creationId xmlns:a16="http://schemas.microsoft.com/office/drawing/2014/main" id="{DE5AB3E2-694F-4518-A0AA-91EF6CF6D67E}"/>
-              </a:ext>
-            </a:extLst>
-          </p:cNvPr>
-          <p:cNvSpPr/>
-          <p:nvPr/>
-        </p:nvSpPr>
-        <p:spPr>
-          <a:xfrm>
-            <a:off x="540000" y="5162939"/>
-            <a:ext cx="1262618" cy="836484"/>
-          </a:xfrm>
-          <a:prstGeom prst="flowChartAlternateProcess">
-            <a:avLst/>
-          </a:prstGeom>
-          <a:solidFill>
-            <a:srgbClr val="FF5B5B"/>
-          </a:solidFill>
-          <a:ln w="19050">
-            <a:solidFill>
-              <a:srgbClr val="C00000"/>
-            </a:solidFill>
-          </a:ln>
-        </p:spPr>
-        <p:style>
-          <a:lnRef idx="2">
-            <a:schemeClr val="accent2">
-              <a:shade val="50000"/>
-            </a:schemeClr>
-          </a:lnRef>
-          <a:fillRef idx="1">
-            <a:schemeClr val="accent2"/>
-          </a:fillRef>
-          <a:effectRef idx="0">
-            <a:schemeClr val="accent2"/>
-          </a:effectRef>
-          <a:fontRef idx="minor">
-            <a:schemeClr val="lt1"/>
-          </a:fontRef>
-        </p:style>
-        <p:txBody>
-          <a:bodyPr rot="0" spcFirstLastPara="0" vertOverflow="overflow" horzOverflow="overflow" vert="horz" wrap="square" lIns="0" tIns="0" rIns="0" bIns="0" numCol="1" spcCol="0" rtlCol="0" fromWordArt="0" anchor="ctr" anchorCtr="0" forceAA="0" compatLnSpc="1">
-            <a:prstTxWarp prst="textNoShape">
-              <a:avLst/>
-            </a:prstTxWarp>
-            <a:noAutofit/>
-          </a:bodyPr>
-          <a:lstStyle/>
-          <a:p>
-            <a:pPr algn="ctr"/>
-            <a:r>
-              <a:rPr lang="en-AU" sz="1050" b="1" dirty="0">
-                <a:latin typeface="Consolas" panose="020B0609020204030204" pitchFamily="49" charset="0"/>
-                <a:ea typeface="Yu Gothic" panose="020B0400000000000000" pitchFamily="34" charset="-128"/>
-              </a:rPr>
-              <a:t>OUTSIDE OF SCOPE</a:t>
-            </a:r>
-            <a:r>
-              <a:rPr lang="en-AU" sz="1050" dirty="0">
-                <a:latin typeface="Consolas" panose="020B0609020204030204" pitchFamily="49" charset="0"/>
-                <a:ea typeface="Yu Gothic" panose="020B0400000000000000" pitchFamily="34" charset="-128"/>
-              </a:rPr>
-              <a:t>: Regulate torque output of actuators</a:t>
-            </a:r>
-          </a:p>
-        </p:txBody>
-      </p:sp>
-      <p:sp>
-        <p:nvSpPr>
-          <p:cNvPr id="4" name="Flowchart: Alternate Process 3">
-            <a:extLst>
-              <a:ext uri="{FF2B5EF4-FFF2-40B4-BE49-F238E27FC236}">
-                <a16:creationId xmlns:a16="http://schemas.microsoft.com/office/drawing/2014/main" id="{ED27B7A8-34C4-4CFF-B46F-55193AB8B3E3}"/>
-              </a:ext>
-            </a:extLst>
-          </p:cNvPr>
-          <p:cNvSpPr/>
-          <p:nvPr/>
-        </p:nvSpPr>
-        <p:spPr>
-          <a:xfrm>
-            <a:off x="4321691" y="778758"/>
-            <a:ext cx="1262618" cy="836484"/>
-          </a:xfrm>
-          <a:prstGeom prst="flowChartAlternateProcess">
-            <a:avLst/>
-          </a:prstGeom>
-          <a:ln w="19050"/>
-        </p:spPr>
-        <p:style>
-          <a:lnRef idx="2">
-            <a:schemeClr val="dk1"/>
-          </a:lnRef>
-          <a:fillRef idx="1">
-            <a:schemeClr val="lt1"/>
-          </a:fillRef>
-          <a:effectRef idx="0">
-            <a:schemeClr val="dk1"/>
-          </a:effectRef>
-          <a:fontRef idx="minor">
-            <a:schemeClr val="dk1"/>
-          </a:fontRef>
-        </p:style>
-        <p:txBody>
-          <a:bodyPr rot="0" spcFirstLastPara="0" vertOverflow="overflow" horzOverflow="overflow" vert="horz" wrap="square" lIns="0" tIns="0" rIns="0" bIns="0" numCol="1" spcCol="0" rtlCol="0" fromWordArt="0" anchor="ctr" anchorCtr="0" forceAA="0" compatLnSpc="1">
-            <a:prstTxWarp prst="textNoShape">
-              <a:avLst/>
-            </a:prstTxWarp>
-            <a:noAutofit/>
-          </a:bodyPr>
-          <a:lstStyle/>
-          <a:p>
-            <a:pPr algn="ctr"/>
-            <a:r>
-              <a:rPr lang="en-AU" sz="1050" dirty="0">
-                <a:latin typeface="Consolas" panose="020B0609020204030204" pitchFamily="49" charset="0"/>
-                <a:ea typeface="Yu Gothic" panose="020B0400000000000000" pitchFamily="34" charset="-128"/>
-              </a:rPr>
-              <a:t>Achieve/approach the desired position of the suit</a:t>
-            </a:r>
-          </a:p>
-        </p:txBody>
-      </p:sp>
-      <p:sp>
-        <p:nvSpPr>
-          <p:cNvPr id="5" name="Flowchart: Alternate Process 4">
-            <a:extLst>
-              <a:ext uri="{FF2B5EF4-FFF2-40B4-BE49-F238E27FC236}">
-                <a16:creationId xmlns:a16="http://schemas.microsoft.com/office/drawing/2014/main" id="{96A3839F-D4C5-4194-AC7C-84D6F95C7CF2}"/>
-              </a:ext>
-            </a:extLst>
-          </p:cNvPr>
-          <p:cNvSpPr/>
-          <p:nvPr/>
-        </p:nvSpPr>
-        <p:spPr>
-          <a:xfrm>
-            <a:off x="4321691" y="1874803"/>
-            <a:ext cx="1262618" cy="836484"/>
-          </a:xfrm>
-          <a:prstGeom prst="flowChartAlternateProcess">
-            <a:avLst/>
-          </a:prstGeom>
-          <a:ln w="19050"/>
-        </p:spPr>
-        <p:style>
-          <a:lnRef idx="2">
-            <a:schemeClr val="dk1"/>
-          </a:lnRef>
-          <a:fillRef idx="1">
-            <a:schemeClr val="lt1"/>
-          </a:fillRef>
-          <a:effectRef idx="0">
-            <a:schemeClr val="dk1"/>
-          </a:effectRef>
-          <a:fontRef idx="minor">
-            <a:schemeClr val="dk1"/>
-          </a:fontRef>
-        </p:style>
-        <p:txBody>
-          <a:bodyPr rot="0" spcFirstLastPara="0" vertOverflow="overflow" horzOverflow="overflow" vert="horz" wrap="square" lIns="0" tIns="0" rIns="0" bIns="0" numCol="1" spcCol="0" rtlCol="0" fromWordArt="0" anchor="ctr" anchorCtr="0" forceAA="0" compatLnSpc="1">
-            <a:prstTxWarp prst="textNoShape">
-              <a:avLst/>
-            </a:prstTxWarp>
-            <a:noAutofit/>
-          </a:bodyPr>
-          <a:lstStyle/>
-          <a:p>
-            <a:pPr algn="ctr"/>
-            <a:r>
-              <a:rPr lang="en-AU" sz="1050" dirty="0">
-                <a:latin typeface="Consolas" panose="020B0609020204030204" pitchFamily="49" charset="0"/>
-                <a:ea typeface="Yu Gothic" panose="020B0400000000000000" pitchFamily="34" charset="-128"/>
-              </a:rPr>
-              <a:t>Observe and apply currently required change in commands</a:t>
-            </a:r>
-          </a:p>
-        </p:txBody>
-      </p:sp>
       <p:cxnSp>
         <p:nvCxnSpPr>
           <p:cNvPr id="78" name="Straight Arrow Connector 77">
@@ -3535,180 +3284,6 @@
           </p:txBody>
         </p:sp>
       </p:grpSp>
-      <p:sp>
-        <p:nvSpPr>
-          <p:cNvPr id="6" name="Flowchart: Alternate Process 5">
-            <a:extLst>
-              <a:ext uri="{FF2B5EF4-FFF2-40B4-BE49-F238E27FC236}">
-                <a16:creationId xmlns:a16="http://schemas.microsoft.com/office/drawing/2014/main" id="{CBEC67C4-8145-4EDC-B6E6-4E3AB4BA141C}"/>
-              </a:ext>
-            </a:extLst>
-          </p:cNvPr>
-          <p:cNvSpPr/>
-          <p:nvPr/>
-        </p:nvSpPr>
-        <p:spPr>
-          <a:xfrm>
-            <a:off x="2052676" y="2970848"/>
-            <a:ext cx="1262618" cy="836484"/>
-          </a:xfrm>
-          <a:prstGeom prst="flowChartAlternateProcess">
-            <a:avLst/>
-          </a:prstGeom>
-          <a:ln w="19050"/>
-        </p:spPr>
-        <p:style>
-          <a:lnRef idx="2">
-            <a:schemeClr val="accent6">
-              <a:shade val="50000"/>
-            </a:schemeClr>
-          </a:lnRef>
-          <a:fillRef idx="1">
-            <a:schemeClr val="accent6"/>
-          </a:fillRef>
-          <a:effectRef idx="0">
-            <a:schemeClr val="accent6"/>
-          </a:effectRef>
-          <a:fontRef idx="minor">
-            <a:schemeClr val="lt1"/>
-          </a:fontRef>
-        </p:style>
-        <p:txBody>
-          <a:bodyPr rot="0" spcFirstLastPara="0" vertOverflow="overflow" horzOverflow="overflow" vert="horz" wrap="square" lIns="0" tIns="0" rIns="0" bIns="0" numCol="1" spcCol="0" rtlCol="0" fromWordArt="0" anchor="ctr" anchorCtr="0" forceAA="0" compatLnSpc="1">
-            <a:prstTxWarp prst="textNoShape">
-              <a:avLst/>
-            </a:prstTxWarp>
-            <a:noAutofit/>
-          </a:bodyPr>
-          <a:lstStyle/>
-          <a:p>
-            <a:pPr algn="ctr"/>
-            <a:r>
-              <a:rPr lang="en-AU" sz="1050" dirty="0">
-                <a:latin typeface="Consolas" panose="020B0609020204030204" pitchFamily="49" charset="0"/>
-                <a:ea typeface="Yu Gothic" panose="020B0400000000000000" pitchFamily="34" charset="-128"/>
-              </a:rPr>
-              <a:t>Observe current state of suit</a:t>
-            </a:r>
-          </a:p>
-        </p:txBody>
-      </p:sp>
-      <p:sp>
-        <p:nvSpPr>
-          <p:cNvPr id="10" name="Flowchart: Alternate Process 9">
-            <a:extLst>
-              <a:ext uri="{FF2B5EF4-FFF2-40B4-BE49-F238E27FC236}">
-                <a16:creationId xmlns:a16="http://schemas.microsoft.com/office/drawing/2014/main" id="{04E96D33-931D-41ED-B785-5AAC4836DA2B}"/>
-              </a:ext>
-            </a:extLst>
-          </p:cNvPr>
-          <p:cNvSpPr/>
-          <p:nvPr/>
-        </p:nvSpPr>
-        <p:spPr>
-          <a:xfrm>
-            <a:off x="2052676" y="4066893"/>
-            <a:ext cx="1262618" cy="836484"/>
-          </a:xfrm>
-          <a:prstGeom prst="flowChartAlternateProcess">
-            <a:avLst/>
-          </a:prstGeom>
-          <a:ln w="19050"/>
-        </p:spPr>
-        <p:style>
-          <a:lnRef idx="2">
-            <a:schemeClr val="accent6">
-              <a:shade val="50000"/>
-            </a:schemeClr>
-          </a:lnRef>
-          <a:fillRef idx="1">
-            <a:schemeClr val="accent6"/>
-          </a:fillRef>
-          <a:effectRef idx="0">
-            <a:schemeClr val="accent6"/>
-          </a:effectRef>
-          <a:fontRef idx="minor">
-            <a:schemeClr val="lt1"/>
-          </a:fontRef>
-        </p:style>
-        <p:txBody>
-          <a:bodyPr rot="0" spcFirstLastPara="0" vertOverflow="overflow" horzOverflow="overflow" vert="horz" wrap="square" lIns="0" tIns="0" rIns="0" bIns="0" numCol="1" spcCol="0" rtlCol="0" fromWordArt="0" anchor="ctr" anchorCtr="0" forceAA="0" compatLnSpc="1">
-            <a:prstTxWarp prst="textNoShape">
-              <a:avLst/>
-            </a:prstTxWarp>
-            <a:noAutofit/>
-          </a:bodyPr>
-          <a:lstStyle/>
-          <a:p>
-            <a:pPr algn="ctr"/>
-            <a:r>
-              <a:rPr lang="en-AU" sz="1050" dirty="0">
-                <a:latin typeface="Consolas" panose="020B0609020204030204" pitchFamily="49" charset="0"/>
-                <a:ea typeface="Yu Gothic" panose="020B0400000000000000" pitchFamily="34" charset="-128"/>
-              </a:rPr>
-              <a:t>Measure pilot interaction with suit (force) </a:t>
-            </a:r>
-          </a:p>
-        </p:txBody>
-      </p:sp>
-      <p:sp>
-        <p:nvSpPr>
-          <p:cNvPr id="35" name="Flowchart: Alternate Process 34">
-            <a:extLst>
-              <a:ext uri="{FF2B5EF4-FFF2-40B4-BE49-F238E27FC236}">
-                <a16:creationId xmlns:a16="http://schemas.microsoft.com/office/drawing/2014/main" id="{2BF16F38-5994-4A2C-9431-5E8CE547BC25}"/>
-              </a:ext>
-            </a:extLst>
-          </p:cNvPr>
-          <p:cNvSpPr/>
-          <p:nvPr/>
-        </p:nvSpPr>
-        <p:spPr>
-          <a:xfrm>
-            <a:off x="2052676" y="5162939"/>
-            <a:ext cx="1262618" cy="836484"/>
-          </a:xfrm>
-          <a:prstGeom prst="flowChartAlternateProcess">
-            <a:avLst/>
-          </a:prstGeom>
-          <a:ln w="19050"/>
-        </p:spPr>
-        <p:style>
-          <a:lnRef idx="2">
-            <a:schemeClr val="accent6">
-              <a:shade val="50000"/>
-            </a:schemeClr>
-          </a:lnRef>
-          <a:fillRef idx="1">
-            <a:schemeClr val="accent6"/>
-          </a:fillRef>
-          <a:effectRef idx="0">
-            <a:schemeClr val="accent6"/>
-          </a:effectRef>
-          <a:fontRef idx="minor">
-            <a:schemeClr val="lt1"/>
-          </a:fontRef>
-        </p:style>
-        <p:txBody>
-          <a:bodyPr rot="0" spcFirstLastPara="0" vertOverflow="overflow" horzOverflow="overflow" vert="horz" wrap="square" lIns="0" tIns="0" rIns="0" bIns="0" numCol="1" spcCol="0" rtlCol="0" fromWordArt="0" anchor="ctr" anchorCtr="0" forceAA="0" compatLnSpc="1">
-            <a:prstTxWarp prst="textNoShape">
-              <a:avLst/>
-            </a:prstTxWarp>
-            <a:noAutofit/>
-          </a:bodyPr>
-          <a:lstStyle/>
-          <a:p>
-            <a:pPr algn="ctr"/>
-            <a:r>
-              <a:rPr lang="en-AU" sz="1050" dirty="0">
-                <a:latin typeface="Consolas" panose="020B0609020204030204" pitchFamily="49" charset="0"/>
-                <a:ea typeface="Yu Gothic" panose="020B0400000000000000" pitchFamily="34" charset="-128"/>
-              </a:rPr>
-              <a:t>Measure force applied at internal contact points</a:t>
-            </a:r>
-          </a:p>
-        </p:txBody>
-      </p:sp>
       <p:cxnSp>
         <p:nvCxnSpPr>
           <p:cNvPr id="92" name="Straight Arrow Connector 91">
@@ -3794,359 +3369,48 @@
           </a:fontRef>
         </p:style>
       </p:cxnSp>
-      <p:grpSp>
-        <p:nvGrpSpPr>
-          <p:cNvPr id="201" name="Group 200">
+      <p:cxnSp>
+        <p:nvCxnSpPr>
+          <p:cNvPr id="96" name="Straight Arrow Connector 95">
             <a:extLst>
               <a:ext uri="{FF2B5EF4-FFF2-40B4-BE49-F238E27FC236}">
-                <a16:creationId xmlns:a16="http://schemas.microsoft.com/office/drawing/2014/main" id="{2C555C07-9DCD-48B4-BC14-AB69FF1C7D75}"/>
+                <a16:creationId xmlns:a16="http://schemas.microsoft.com/office/drawing/2014/main" id="{4AA6F09C-BB3F-4022-A512-BC7E80EC1695}"/>
               </a:ext>
             </a:extLst>
           </p:cNvPr>
-          <p:cNvGrpSpPr/>
+          <p:cNvCxnSpPr>
+            <a:stCxn id="9" idx="2"/>
+            <a:endCxn id="37" idx="0"/>
+          </p:cNvCxnSpPr>
           <p:nvPr/>
-        </p:nvGrpSpPr>
-        <p:grpSpPr>
+        </p:nvCxnSpPr>
+        <p:spPr>
           <a:xfrm>
-            <a:off x="3565352" y="4066893"/>
-            <a:ext cx="1262618" cy="1932530"/>
-            <a:chOff x="3631062" y="4066893"/>
-            <a:chExt cx="1262618" cy="1932530"/>
-          </a:xfrm>
-        </p:grpSpPr>
-        <p:sp>
-          <p:nvSpPr>
-            <p:cNvPr id="9" name="Flowchart: Alternate Process 8">
-              <a:extLst>
-                <a:ext uri="{FF2B5EF4-FFF2-40B4-BE49-F238E27FC236}">
-                  <a16:creationId xmlns:a16="http://schemas.microsoft.com/office/drawing/2014/main" id="{A63D1470-FBE3-48D4-8461-35122716F401}"/>
-                </a:ext>
-              </a:extLst>
-            </p:cNvPr>
-            <p:cNvSpPr/>
-            <p:nvPr/>
-          </p:nvSpPr>
-          <p:spPr>
-            <a:xfrm>
-              <a:off x="3631062" y="4066893"/>
-              <a:ext cx="1262618" cy="836484"/>
-            </a:xfrm>
-            <a:prstGeom prst="flowChartAlternateProcess">
-              <a:avLst/>
-            </a:prstGeom>
-            <a:ln w="19050"/>
-          </p:spPr>
-          <p:style>
-            <a:lnRef idx="2">
-              <a:schemeClr val="accent6">
-                <a:shade val="50000"/>
-              </a:schemeClr>
-            </a:lnRef>
-            <a:fillRef idx="1">
-              <a:schemeClr val="accent6"/>
-            </a:fillRef>
-            <a:effectRef idx="0">
-              <a:schemeClr val="accent6"/>
-            </a:effectRef>
-            <a:fontRef idx="minor">
-              <a:schemeClr val="lt1"/>
-            </a:fontRef>
-          </p:style>
-          <p:txBody>
-            <a:bodyPr rot="0" spcFirstLastPara="0" vertOverflow="overflow" horzOverflow="overflow" vert="horz" wrap="square" lIns="0" tIns="0" rIns="0" bIns="0" numCol="1" spcCol="0" rtlCol="0" fromWordArt="0" anchor="ctr" anchorCtr="0" forceAA="0" compatLnSpc="1">
-              <a:prstTxWarp prst="textNoShape">
-                <a:avLst/>
-              </a:prstTxWarp>
-              <a:noAutofit/>
-            </a:bodyPr>
-            <a:lstStyle/>
-            <a:p>
-              <a:pPr algn="ctr"/>
-              <a:r>
-                <a:rPr lang="en-AU" sz="1050" dirty="0">
-                  <a:latin typeface="Consolas" panose="020B0609020204030204" pitchFamily="49" charset="0"/>
-                  <a:ea typeface="Yu Gothic" panose="020B0400000000000000" pitchFamily="34" charset="-128"/>
-                </a:rPr>
-                <a:t>Measure suit interaction with environment (force) </a:t>
-              </a:r>
-            </a:p>
-          </p:txBody>
-        </p:sp>
-        <p:sp>
-          <p:nvSpPr>
-            <p:cNvPr id="37" name="Flowchart: Alternate Process 36">
-              <a:extLst>
-                <a:ext uri="{FF2B5EF4-FFF2-40B4-BE49-F238E27FC236}">
-                  <a16:creationId xmlns:a16="http://schemas.microsoft.com/office/drawing/2014/main" id="{619597F8-F93B-4AD4-A251-42D24A65AD9C}"/>
-                </a:ext>
-              </a:extLst>
-            </p:cNvPr>
-            <p:cNvSpPr/>
-            <p:nvPr/>
-          </p:nvSpPr>
-          <p:spPr>
-            <a:xfrm>
-              <a:off x="3631062" y="5162939"/>
-              <a:ext cx="1262618" cy="836484"/>
-            </a:xfrm>
-            <a:prstGeom prst="flowChartAlternateProcess">
-              <a:avLst/>
-            </a:prstGeom>
-            <a:ln w="19050"/>
-          </p:spPr>
-          <p:style>
-            <a:lnRef idx="2">
-              <a:schemeClr val="accent6">
-                <a:shade val="50000"/>
-              </a:schemeClr>
-            </a:lnRef>
-            <a:fillRef idx="1">
-              <a:schemeClr val="accent6"/>
-            </a:fillRef>
-            <a:effectRef idx="0">
-              <a:schemeClr val="accent6"/>
-            </a:effectRef>
-            <a:fontRef idx="minor">
-              <a:schemeClr val="lt1"/>
-            </a:fontRef>
-          </p:style>
-          <p:txBody>
-            <a:bodyPr rot="0" spcFirstLastPara="0" vertOverflow="overflow" horzOverflow="overflow" vert="horz" wrap="square" lIns="0" tIns="0" rIns="0" bIns="0" numCol="1" spcCol="0" rtlCol="0" fromWordArt="0" anchor="ctr" anchorCtr="0" forceAA="0" compatLnSpc="1">
-              <a:prstTxWarp prst="textNoShape">
-                <a:avLst/>
-              </a:prstTxWarp>
-              <a:noAutofit/>
-            </a:bodyPr>
-            <a:lstStyle/>
-            <a:p>
-              <a:pPr algn="ctr"/>
-              <a:r>
-                <a:rPr lang="en-AU" sz="1050" dirty="0">
-                  <a:latin typeface="Consolas" panose="020B0609020204030204" pitchFamily="49" charset="0"/>
-                  <a:ea typeface="Yu Gothic" panose="020B0400000000000000" pitchFamily="34" charset="-128"/>
-                </a:rPr>
-                <a:t>Measure force applied at external contact points</a:t>
-              </a:r>
-            </a:p>
-          </p:txBody>
-        </p:sp>
-        <p:cxnSp>
-          <p:nvCxnSpPr>
-            <p:cNvPr id="96" name="Straight Arrow Connector 95">
-              <a:extLst>
-                <a:ext uri="{FF2B5EF4-FFF2-40B4-BE49-F238E27FC236}">
-                  <a16:creationId xmlns:a16="http://schemas.microsoft.com/office/drawing/2014/main" id="{4AA6F09C-BB3F-4022-A512-BC7E80EC1695}"/>
-                </a:ext>
-              </a:extLst>
-            </p:cNvPr>
-            <p:cNvCxnSpPr>
-              <a:stCxn id="9" idx="2"/>
-              <a:endCxn id="37" idx="0"/>
-            </p:cNvCxnSpPr>
-            <p:nvPr/>
-          </p:nvCxnSpPr>
-          <p:spPr>
-            <a:xfrm>
-              <a:off x="4262371" y="4903377"/>
-              <a:ext cx="0" cy="259562"/>
-            </a:xfrm>
-            <a:prstGeom prst="straightConnector1">
-              <a:avLst/>
-            </a:prstGeom>
-            <a:ln w="19050">
-              <a:tailEnd type="triangle"/>
-            </a:ln>
-          </p:spPr>
-          <p:style>
-            <a:lnRef idx="3">
-              <a:schemeClr val="accent6"/>
-            </a:lnRef>
-            <a:fillRef idx="0">
-              <a:schemeClr val="accent6"/>
-            </a:fillRef>
-            <a:effectRef idx="2">
-              <a:schemeClr val="accent6"/>
-            </a:effectRef>
-            <a:fontRef idx="minor">
-              <a:schemeClr val="tx1"/>
-            </a:fontRef>
-          </p:style>
-        </p:cxnSp>
-      </p:grpSp>
-      <p:sp>
-        <p:nvSpPr>
-          <p:cNvPr id="7" name="Flowchart: Alternate Process 6">
-            <a:extLst>
-              <a:ext uri="{FF2B5EF4-FFF2-40B4-BE49-F238E27FC236}">
-                <a16:creationId xmlns:a16="http://schemas.microsoft.com/office/drawing/2014/main" id="{D1A998BA-C071-44B5-962E-FE337498CFC8}"/>
-              </a:ext>
-            </a:extLst>
-          </p:cNvPr>
-          <p:cNvSpPr/>
-          <p:nvPr/>
-        </p:nvSpPr>
-        <p:spPr>
-          <a:xfrm>
-            <a:off x="5078028" y="2970848"/>
-            <a:ext cx="1262618" cy="836484"/>
-          </a:xfrm>
-          <a:prstGeom prst="flowChartAlternateProcess">
+            <a:off x="4196661" y="4903377"/>
+            <a:ext cx="0" cy="259562"/>
+          </a:xfrm>
+          <a:prstGeom prst="straightConnector1">
             <a:avLst/>
           </a:prstGeom>
-          <a:ln w="19050"/>
+          <a:ln w="19050">
+            <a:tailEnd type="triangle"/>
+          </a:ln>
         </p:spPr>
         <p:style>
-          <a:lnRef idx="2">
-            <a:schemeClr val="accent4">
-              <a:shade val="50000"/>
-            </a:schemeClr>
+          <a:lnRef idx="3">
+            <a:schemeClr val="accent6"/>
           </a:lnRef>
-          <a:fillRef idx="1">
-            <a:schemeClr val="accent4"/>
+          <a:fillRef idx="0">
+            <a:schemeClr val="accent6"/>
           </a:fillRef>
-          <a:effectRef idx="0">
-            <a:schemeClr val="accent4"/>
+          <a:effectRef idx="2">
+            <a:schemeClr val="accent6"/>
           </a:effectRef>
           <a:fontRef idx="minor">
-            <a:schemeClr val="lt1"/>
+            <a:schemeClr val="tx1"/>
           </a:fontRef>
         </p:style>
-        <p:txBody>
-          <a:bodyPr rot="0" spcFirstLastPara="0" vertOverflow="overflow" horzOverflow="overflow" vert="horz" wrap="square" lIns="0" tIns="0" rIns="0" bIns="0" numCol="1" spcCol="0" rtlCol="0" fromWordArt="0" anchor="ctr" anchorCtr="0" forceAA="0" compatLnSpc="1">
-            <a:prstTxWarp prst="textNoShape">
-              <a:avLst/>
-            </a:prstTxWarp>
-            <a:noAutofit/>
-          </a:bodyPr>
-          <a:lstStyle/>
-          <a:p>
-            <a:pPr algn="ctr"/>
-            <a:r>
-              <a:rPr lang="en-AU" sz="1050" dirty="0">
-                <a:latin typeface="Consolas" panose="020B0609020204030204" pitchFamily="49" charset="0"/>
-                <a:ea typeface="Yu Gothic" panose="020B0400000000000000" pitchFamily="34" charset="-128"/>
-              </a:rPr>
-              <a:t>Observe current state of pilot/desired state of suit</a:t>
-            </a:r>
-          </a:p>
-        </p:txBody>
-      </p:sp>
-      <p:sp>
-        <p:nvSpPr>
-          <p:cNvPr id="30" name="Flowchart: Alternate Process 29">
-            <a:extLst>
-              <a:ext uri="{FF2B5EF4-FFF2-40B4-BE49-F238E27FC236}">
-                <a16:creationId xmlns:a16="http://schemas.microsoft.com/office/drawing/2014/main" id="{F1FD1449-71B5-4234-B68C-56B73E3B8CA2}"/>
-              </a:ext>
-            </a:extLst>
-          </p:cNvPr>
-          <p:cNvSpPr/>
-          <p:nvPr/>
-        </p:nvSpPr>
-        <p:spPr>
-          <a:xfrm>
-            <a:off x="5078028" y="4066893"/>
-            <a:ext cx="1262618" cy="836484"/>
-          </a:xfrm>
-          <a:prstGeom prst="flowChartAlternateProcess">
-            <a:avLst/>
-          </a:prstGeom>
-          <a:ln w="19050"/>
-        </p:spPr>
-        <p:style>
-          <a:lnRef idx="2">
-            <a:schemeClr val="accent4">
-              <a:shade val="50000"/>
-            </a:schemeClr>
-          </a:lnRef>
-          <a:fillRef idx="1">
-            <a:schemeClr val="accent4"/>
-          </a:fillRef>
-          <a:effectRef idx="0">
-            <a:schemeClr val="accent4"/>
-          </a:effectRef>
-          <a:fontRef idx="minor">
-            <a:schemeClr val="lt1"/>
-          </a:fontRef>
-        </p:style>
-        <p:txBody>
-          <a:bodyPr rot="0" spcFirstLastPara="0" vertOverflow="overflow" horzOverflow="overflow" vert="horz" wrap="square" lIns="0" tIns="0" rIns="0" bIns="0" numCol="1" spcCol="0" rtlCol="0" fromWordArt="0" anchor="ctr" anchorCtr="0" forceAA="0" compatLnSpc="1">
-            <a:prstTxWarp prst="textNoShape">
-              <a:avLst/>
-            </a:prstTxWarp>
-            <a:noAutofit/>
-          </a:bodyPr>
-          <a:lstStyle/>
-          <a:p>
-            <a:pPr algn="ctr"/>
-            <a:r>
-              <a:rPr lang="en-AU" sz="1050" dirty="0">
-                <a:latin typeface="Consolas" panose="020B0609020204030204" pitchFamily="49" charset="0"/>
-                <a:ea typeface="Yu Gothic" panose="020B0400000000000000" pitchFamily="34" charset="-128"/>
-              </a:rPr>
-              <a:t>Measure position of limbs in relation to origin</a:t>
-            </a:r>
-          </a:p>
-        </p:txBody>
-      </p:sp>
-      <p:sp>
-        <p:nvSpPr>
-          <p:cNvPr id="31" name="Flowchart: Alternate Process 30">
-            <a:extLst>
-              <a:ext uri="{FF2B5EF4-FFF2-40B4-BE49-F238E27FC236}">
-                <a16:creationId xmlns:a16="http://schemas.microsoft.com/office/drawing/2014/main" id="{80AE8C24-5378-46D6-B0D1-7131000DBDEC}"/>
-              </a:ext>
-            </a:extLst>
-          </p:cNvPr>
-          <p:cNvSpPr/>
-          <p:nvPr/>
-        </p:nvSpPr>
-        <p:spPr>
-          <a:xfrm>
-            <a:off x="5078028" y="5162939"/>
-            <a:ext cx="1262618" cy="836484"/>
-          </a:xfrm>
-          <a:prstGeom prst="flowChartAlternateProcess">
-            <a:avLst/>
-          </a:prstGeom>
-          <a:ln w="19050"/>
-        </p:spPr>
-        <p:style>
-          <a:lnRef idx="2">
-            <a:schemeClr val="accent4">
-              <a:shade val="50000"/>
-            </a:schemeClr>
-          </a:lnRef>
-          <a:fillRef idx="1">
-            <a:schemeClr val="accent4"/>
-          </a:fillRef>
-          <a:effectRef idx="0">
-            <a:schemeClr val="accent4"/>
-          </a:effectRef>
-          <a:fontRef idx="minor">
-            <a:schemeClr val="lt1"/>
-          </a:fontRef>
-        </p:style>
-        <p:txBody>
-          <a:bodyPr rot="0" spcFirstLastPara="0" vertOverflow="overflow" horzOverflow="overflow" vert="horz" wrap="square" lIns="0" tIns="0" rIns="0" bIns="0" numCol="1" spcCol="0" rtlCol="0" fromWordArt="0" anchor="ctr" anchorCtr="0" forceAA="0" compatLnSpc="1">
-            <a:prstTxWarp prst="textNoShape">
-              <a:avLst/>
-            </a:prstTxWarp>
-            <a:noAutofit/>
-          </a:bodyPr>
-          <a:lstStyle/>
-          <a:p>
-            <a:pPr algn="ctr"/>
-            <a:r>
-              <a:rPr lang="en-AU" sz="1050" dirty="0">
-                <a:latin typeface="Consolas" panose="020B0609020204030204" pitchFamily="49" charset="0"/>
-                <a:ea typeface="Yu Gothic" panose="020B0400000000000000" pitchFamily="34" charset="-128"/>
-              </a:rPr>
-              <a:t>Measure position of limbs in relation to fixed rotational axis on suit</a:t>
-            </a:r>
-          </a:p>
-        </p:txBody>
-      </p:sp>
+      </p:cxnSp>
       <p:cxnSp>
         <p:nvCxnSpPr>
           <p:cNvPr id="98" name="Straight Arrow Connector 97">
@@ -4231,180 +3495,6 @@
           </a:fontRef>
         </p:style>
       </p:cxnSp>
-      <p:sp>
-        <p:nvSpPr>
-          <p:cNvPr id="8" name="Flowchart: Alternate Process 7">
-            <a:extLst>
-              <a:ext uri="{FF2B5EF4-FFF2-40B4-BE49-F238E27FC236}">
-                <a16:creationId xmlns:a16="http://schemas.microsoft.com/office/drawing/2014/main" id="{E17CF2C8-8C53-48C7-9AD3-469A6F84215D}"/>
-              </a:ext>
-            </a:extLst>
-          </p:cNvPr>
-          <p:cNvSpPr/>
-          <p:nvPr/>
-        </p:nvSpPr>
-        <p:spPr>
-          <a:xfrm>
-            <a:off x="6590704" y="2970848"/>
-            <a:ext cx="1262618" cy="836484"/>
-          </a:xfrm>
-          <a:prstGeom prst="flowChartAlternateProcess">
-            <a:avLst/>
-          </a:prstGeom>
-          <a:ln w="19050"/>
-        </p:spPr>
-        <p:style>
-          <a:lnRef idx="2">
-            <a:schemeClr val="accent5">
-              <a:shade val="50000"/>
-            </a:schemeClr>
-          </a:lnRef>
-          <a:fillRef idx="1">
-            <a:schemeClr val="accent5"/>
-          </a:fillRef>
-          <a:effectRef idx="0">
-            <a:schemeClr val="accent5"/>
-          </a:effectRef>
-          <a:fontRef idx="minor">
-            <a:schemeClr val="lt1"/>
-          </a:fontRef>
-        </p:style>
-        <p:txBody>
-          <a:bodyPr rot="0" spcFirstLastPara="0" vertOverflow="overflow" horzOverflow="overflow" vert="horz" wrap="square" lIns="0" tIns="0" rIns="0" bIns="0" numCol="1" spcCol="0" rtlCol="0" fromWordArt="0" anchor="ctr" anchorCtr="0" forceAA="0" compatLnSpc="1">
-            <a:prstTxWarp prst="textNoShape">
-              <a:avLst/>
-            </a:prstTxWarp>
-            <a:noAutofit/>
-          </a:bodyPr>
-          <a:lstStyle/>
-          <a:p>
-            <a:pPr algn="ctr"/>
-            <a:r>
-              <a:rPr lang="en-AU" sz="1050" dirty="0">
-                <a:latin typeface="Consolas" panose="020B0609020204030204" pitchFamily="49" charset="0"/>
-                <a:ea typeface="Yu Gothic" panose="020B0400000000000000" pitchFamily="34" charset="-128"/>
-              </a:rPr>
-              <a:t>Determine action required</a:t>
-            </a:r>
-          </a:p>
-        </p:txBody>
-      </p:sp>
-      <p:sp>
-        <p:nvSpPr>
-          <p:cNvPr id="32" name="Flowchart: Alternate Process 31">
-            <a:extLst>
-              <a:ext uri="{FF2B5EF4-FFF2-40B4-BE49-F238E27FC236}">
-                <a16:creationId xmlns:a16="http://schemas.microsoft.com/office/drawing/2014/main" id="{B0676973-EA72-4D5F-9A6D-2CAB38CC5F7A}"/>
-              </a:ext>
-            </a:extLst>
-          </p:cNvPr>
-          <p:cNvSpPr/>
-          <p:nvPr/>
-        </p:nvSpPr>
-        <p:spPr>
-          <a:xfrm>
-            <a:off x="6590704" y="4066893"/>
-            <a:ext cx="1262618" cy="836484"/>
-          </a:xfrm>
-          <a:prstGeom prst="flowChartAlternateProcess">
-            <a:avLst/>
-          </a:prstGeom>
-          <a:ln w="19050"/>
-        </p:spPr>
-        <p:style>
-          <a:lnRef idx="2">
-            <a:schemeClr val="accent5">
-              <a:shade val="50000"/>
-            </a:schemeClr>
-          </a:lnRef>
-          <a:fillRef idx="1">
-            <a:schemeClr val="accent5"/>
-          </a:fillRef>
-          <a:effectRef idx="0">
-            <a:schemeClr val="accent5"/>
-          </a:effectRef>
-          <a:fontRef idx="minor">
-            <a:schemeClr val="lt1"/>
-          </a:fontRef>
-        </p:style>
-        <p:txBody>
-          <a:bodyPr rot="0" spcFirstLastPara="0" vertOverflow="overflow" horzOverflow="overflow" vert="horz" wrap="square" lIns="0" tIns="0" rIns="0" bIns="0" numCol="1" spcCol="0" rtlCol="0" fromWordArt="0" anchor="ctr" anchorCtr="0" forceAA="0" compatLnSpc="1">
-            <a:prstTxWarp prst="textNoShape">
-              <a:avLst/>
-            </a:prstTxWarp>
-            <a:noAutofit/>
-          </a:bodyPr>
-          <a:lstStyle/>
-          <a:p>
-            <a:pPr algn="ctr"/>
-            <a:r>
-              <a:rPr lang="en-AU" sz="1050" dirty="0">
-                <a:latin typeface="Consolas" panose="020B0609020204030204" pitchFamily="49" charset="0"/>
-                <a:ea typeface="Yu Gothic" panose="020B0400000000000000" pitchFamily="34" charset="-128"/>
-              </a:rPr>
-              <a:t>Develop control method based on kinematics of the suit</a:t>
-            </a:r>
-          </a:p>
-        </p:txBody>
-      </p:sp>
-      <p:sp>
-        <p:nvSpPr>
-          <p:cNvPr id="33" name="Flowchart: Alternate Process 32">
-            <a:extLst>
-              <a:ext uri="{FF2B5EF4-FFF2-40B4-BE49-F238E27FC236}">
-                <a16:creationId xmlns:a16="http://schemas.microsoft.com/office/drawing/2014/main" id="{B7FBCCD6-B5C4-43DD-A839-6974AB226413}"/>
-              </a:ext>
-            </a:extLst>
-          </p:cNvPr>
-          <p:cNvSpPr/>
-          <p:nvPr/>
-        </p:nvSpPr>
-        <p:spPr>
-          <a:xfrm>
-            <a:off x="6590704" y="5162939"/>
-            <a:ext cx="1262618" cy="836484"/>
-          </a:xfrm>
-          <a:prstGeom prst="flowChartAlternateProcess">
-            <a:avLst/>
-          </a:prstGeom>
-          <a:ln w="19050"/>
-        </p:spPr>
-        <p:style>
-          <a:lnRef idx="2">
-            <a:schemeClr val="accent5">
-              <a:shade val="50000"/>
-            </a:schemeClr>
-          </a:lnRef>
-          <a:fillRef idx="1">
-            <a:schemeClr val="accent5"/>
-          </a:fillRef>
-          <a:effectRef idx="0">
-            <a:schemeClr val="accent5"/>
-          </a:effectRef>
-          <a:fontRef idx="minor">
-            <a:schemeClr val="lt1"/>
-          </a:fontRef>
-        </p:style>
-        <p:txBody>
-          <a:bodyPr rot="0" spcFirstLastPara="0" vertOverflow="overflow" horzOverflow="overflow" vert="horz" wrap="square" lIns="0" tIns="0" rIns="0" bIns="0" numCol="1" spcCol="0" rtlCol="0" fromWordArt="0" anchor="ctr" anchorCtr="0" forceAA="0" compatLnSpc="1">
-            <a:prstTxWarp prst="textNoShape">
-              <a:avLst/>
-            </a:prstTxWarp>
-            <a:noAutofit/>
-          </a:bodyPr>
-          <a:lstStyle/>
-          <a:p>
-            <a:pPr algn="ctr"/>
-            <a:r>
-              <a:rPr lang="en-AU" sz="1050" dirty="0">
-                <a:latin typeface="Consolas" panose="020B0609020204030204" pitchFamily="49" charset="0"/>
-                <a:ea typeface="Yu Gothic" panose="020B0400000000000000" pitchFamily="34" charset="-128"/>
-              </a:rPr>
-              <a:t>Derive required action of the suit from any given state</a:t>
-            </a:r>
-          </a:p>
-        </p:txBody>
-      </p:sp>
       <p:cxnSp>
         <p:nvCxnSpPr>
           <p:cNvPr id="102" name="Straight Arrow Connector 101">
@@ -4584,14 +3674,14 @@
           </p:cNvPr>
           <p:cNvCxnSpPr>
             <a:cxnSpLocks/>
-            <a:stCxn id="6" idx="3"/>
+            <a:stCxn id="7" idx="1"/>
             <a:endCxn id="9" idx="0"/>
           </p:cNvCxnSpPr>
           <p:nvPr/>
         </p:nvCxnSpPr>
         <p:spPr>
-          <a:xfrm>
-            <a:off x="3315294" y="3389090"/>
+          <a:xfrm rot="10800000" flipV="1">
+            <a:off x="4196662" y="3389089"/>
             <a:ext cx="881367" cy="677803"/>
           </a:xfrm>
           <a:prstGeom prst="bentConnector2">
@@ -4603,13 +3693,13 @@
         </p:spPr>
         <p:style>
           <a:lnRef idx="3">
-            <a:schemeClr val="accent6"/>
+            <a:schemeClr val="accent4"/>
           </a:lnRef>
           <a:fillRef idx="0">
-            <a:schemeClr val="accent6"/>
+            <a:schemeClr val="accent4"/>
           </a:fillRef>
           <a:effectRef idx="2">
-            <a:schemeClr val="accent6"/>
+            <a:schemeClr val="accent4"/>
           </a:effectRef>
           <a:fontRef idx="minor">
             <a:schemeClr val="tx1"/>
@@ -4661,12 +3751,58 @@
           </a:fontRef>
         </p:style>
       </p:cxnSp>
-      <p:sp>
-        <p:nvSpPr>
-          <p:cNvPr id="187" name="Flowchart: Alternate Process 186">
+      <p:cxnSp>
+        <p:nvCxnSpPr>
+          <p:cNvPr id="192" name="Straight Arrow Connector 191">
             <a:extLst>
               <a:ext uri="{FF2B5EF4-FFF2-40B4-BE49-F238E27FC236}">
-                <a16:creationId xmlns:a16="http://schemas.microsoft.com/office/drawing/2014/main" id="{17975D41-8DC7-4055-949A-7231CCF688D6}"/>
+                <a16:creationId xmlns:a16="http://schemas.microsoft.com/office/drawing/2014/main" id="{C3BD6AC9-CC9C-484A-BCC9-A36B65FD4DB9}"/>
+              </a:ext>
+            </a:extLst>
+          </p:cNvPr>
+          <p:cNvCxnSpPr>
+            <a:cxnSpLocks/>
+            <a:stCxn id="188" idx="2"/>
+            <a:endCxn id="187" idx="0"/>
+          </p:cNvCxnSpPr>
+          <p:nvPr/>
+        </p:nvCxnSpPr>
+        <p:spPr>
+          <a:xfrm>
+            <a:off x="8734691" y="3810109"/>
+            <a:ext cx="0" cy="1352830"/>
+          </a:xfrm>
+          <a:prstGeom prst="straightConnector1">
+            <a:avLst/>
+          </a:prstGeom>
+          <a:ln w="19050">
+            <a:solidFill>
+              <a:srgbClr val="AC75D5"/>
+            </a:solidFill>
+            <a:tailEnd type="triangle"/>
+          </a:ln>
+        </p:spPr>
+        <p:style>
+          <a:lnRef idx="3">
+            <a:schemeClr val="accent5"/>
+          </a:lnRef>
+          <a:fillRef idx="0">
+            <a:schemeClr val="accent5"/>
+          </a:fillRef>
+          <a:effectRef idx="2">
+            <a:schemeClr val="accent5"/>
+          </a:effectRef>
+          <a:fontRef idx="minor">
+            <a:schemeClr val="tx1"/>
+          </a:fontRef>
+        </p:style>
+      </p:cxnSp>
+      <p:sp>
+        <p:nvSpPr>
+          <p:cNvPr id="50" name="Flowchart: Alternate Process 49">
+            <a:extLst>
+              <a:ext uri="{FF2B5EF4-FFF2-40B4-BE49-F238E27FC236}">
+                <a16:creationId xmlns:a16="http://schemas.microsoft.com/office/drawing/2014/main" id="{F62EC9D9-9E4A-4FEB-95C0-97C3B23ABAE8}"/>
               </a:ext>
             </a:extLst>
           </p:cNvPr>
@@ -4675,20 +3811,13 @@
         </p:nvSpPr>
         <p:spPr>
           <a:xfrm>
-            <a:off x="8103382" y="5162939"/>
-            <a:ext cx="1262618" cy="836484"/>
+            <a:off x="540000" y="1613852"/>
+            <a:ext cx="262800" cy="262339"/>
           </a:xfrm>
           <a:prstGeom prst="flowChartAlternateProcess">
             <a:avLst/>
           </a:prstGeom>
-          <a:solidFill>
-            <a:srgbClr val="AC75D5"/>
-          </a:solidFill>
-          <a:ln w="19050">
-            <a:solidFill>
-              <a:srgbClr val="7030A0"/>
-            </a:solidFill>
-          </a:ln>
+          <a:ln w="19050"/>
         </p:spPr>
         <p:style>
           <a:lnRef idx="2">
@@ -4716,22 +3845,19 @@
           <a:lstStyle/>
           <a:p>
             <a:pPr algn="ctr"/>
-            <a:r>
-              <a:rPr lang="en-AU" sz="1050" dirty="0">
-                <a:latin typeface="Consolas" panose="020B0609020204030204" pitchFamily="49" charset="0"/>
-                <a:ea typeface="Yu Gothic" panose="020B0400000000000000" pitchFamily="34" charset="-128"/>
-              </a:rPr>
-              <a:t>Transmit Message over communications system</a:t>
-            </a:r>
-          </a:p>
-        </p:txBody>
-      </p:sp>
-      <p:sp>
-        <p:nvSpPr>
-          <p:cNvPr id="188" name="Flowchart: Alternate Process 187">
+            <a:endParaRPr lang="en-AU" sz="1050" dirty="0">
+              <a:latin typeface="Consolas" panose="020B0609020204030204" pitchFamily="49" charset="0"/>
+              <a:ea typeface="Yu Gothic" panose="020B0400000000000000" pitchFamily="34" charset="-128"/>
+            </a:endParaRPr>
+          </a:p>
+        </p:txBody>
+      </p:sp>
+      <p:sp>
+        <p:nvSpPr>
+          <p:cNvPr id="107" name="Flowchart: Alternate Process 106">
             <a:extLst>
               <a:ext uri="{FF2B5EF4-FFF2-40B4-BE49-F238E27FC236}">
-                <a16:creationId xmlns:a16="http://schemas.microsoft.com/office/drawing/2014/main" id="{70ECDDF3-EE31-4BE2-BB26-E9F9CED294F8}"/>
+                <a16:creationId xmlns:a16="http://schemas.microsoft.com/office/drawing/2014/main" id="{E04B57C6-883C-46E9-97F8-8121F0226330}"/>
               </a:ext>
             </a:extLst>
           </p:cNvPr>
@@ -4740,8 +3866,8 @@
         </p:nvSpPr>
         <p:spPr>
           <a:xfrm>
-            <a:off x="8103382" y="2973625"/>
-            <a:ext cx="1262618" cy="836484"/>
+            <a:off x="540000" y="2031399"/>
+            <a:ext cx="262800" cy="262339"/>
           </a:xfrm>
           <a:prstGeom prst="flowChartAlternateProcess">
             <a:avLst/>
@@ -4781,68 +3907,19 @@
           <a:lstStyle/>
           <a:p>
             <a:pPr algn="ctr"/>
-            <a:r>
-              <a:rPr lang="en-AU" sz="1050" dirty="0">
-                <a:latin typeface="Consolas" panose="020B0609020204030204" pitchFamily="49" charset="0"/>
-                <a:ea typeface="Yu Gothic" panose="020B0400000000000000" pitchFamily="34" charset="-128"/>
-              </a:rPr>
-              <a:t>Communicate Desired Action</a:t>
-            </a:r>
-          </a:p>
-        </p:txBody>
-      </p:sp>
-      <p:cxnSp>
-        <p:nvCxnSpPr>
-          <p:cNvPr id="192" name="Straight Arrow Connector 191">
+            <a:endParaRPr lang="en-AU" sz="1050" dirty="0">
+              <a:latin typeface="Consolas" panose="020B0609020204030204" pitchFamily="49" charset="0"/>
+              <a:ea typeface="Yu Gothic" panose="020B0400000000000000" pitchFamily="34" charset="-128"/>
+            </a:endParaRPr>
+          </a:p>
+        </p:txBody>
+      </p:sp>
+      <p:sp>
+        <p:nvSpPr>
+          <p:cNvPr id="109" name="Flowchart: Alternate Process 108">
             <a:extLst>
               <a:ext uri="{FF2B5EF4-FFF2-40B4-BE49-F238E27FC236}">
-                <a16:creationId xmlns:a16="http://schemas.microsoft.com/office/drawing/2014/main" id="{C3BD6AC9-CC9C-484A-BCC9-A36B65FD4DB9}"/>
-              </a:ext>
-            </a:extLst>
-          </p:cNvPr>
-          <p:cNvCxnSpPr>
-            <a:cxnSpLocks/>
-            <a:stCxn id="188" idx="2"/>
-            <a:endCxn id="187" idx="0"/>
-          </p:cNvCxnSpPr>
-          <p:nvPr/>
-        </p:nvCxnSpPr>
-        <p:spPr>
-          <a:xfrm>
-            <a:off x="8734691" y="3810109"/>
-            <a:ext cx="0" cy="1352830"/>
-          </a:xfrm>
-          <a:prstGeom prst="straightConnector1">
-            <a:avLst/>
-          </a:prstGeom>
-          <a:ln w="19050">
-            <a:solidFill>
-              <a:srgbClr val="7030A0"/>
-            </a:solidFill>
-            <a:tailEnd type="triangle"/>
-          </a:ln>
-        </p:spPr>
-        <p:style>
-          <a:lnRef idx="3">
-            <a:schemeClr val="accent5"/>
-          </a:lnRef>
-          <a:fillRef idx="0">
-            <a:schemeClr val="accent5"/>
-          </a:fillRef>
-          <a:effectRef idx="2">
-            <a:schemeClr val="accent5"/>
-          </a:effectRef>
-          <a:fontRef idx="minor">
-            <a:schemeClr val="tx1"/>
-          </a:fontRef>
-        </p:style>
-      </p:cxnSp>
-      <p:sp>
-        <p:nvSpPr>
-          <p:cNvPr id="50" name="Flowchart: Alternate Process 49">
-            <a:extLst>
-              <a:ext uri="{FF2B5EF4-FFF2-40B4-BE49-F238E27FC236}">
-                <a16:creationId xmlns:a16="http://schemas.microsoft.com/office/drawing/2014/main" id="{F62EC9D9-9E4A-4FEB-95C0-97C3B23ABAE8}"/>
+                <a16:creationId xmlns:a16="http://schemas.microsoft.com/office/drawing/2014/main" id="{9118EFF1-3CA2-47A5-9F02-672D9B02F57F}"/>
               </a:ext>
             </a:extLst>
           </p:cNvPr>
@@ -4851,8 +3928,1195 @@
         </p:nvSpPr>
         <p:spPr>
           <a:xfrm>
-            <a:off x="540000" y="1613852"/>
+            <a:off x="540000" y="2448947"/>
             <a:ext cx="262800" cy="262339"/>
+          </a:xfrm>
+          <a:prstGeom prst="flowChartAlternateProcess">
+            <a:avLst/>
+          </a:prstGeom>
+          <a:solidFill>
+            <a:srgbClr val="FF5B5B"/>
+          </a:solidFill>
+          <a:ln w="19050">
+            <a:solidFill>
+              <a:srgbClr val="C00000"/>
+            </a:solidFill>
+          </a:ln>
+        </p:spPr>
+        <p:style>
+          <a:lnRef idx="2">
+            <a:schemeClr val="accent2">
+              <a:shade val="50000"/>
+            </a:schemeClr>
+          </a:lnRef>
+          <a:fillRef idx="1">
+            <a:schemeClr val="accent2"/>
+          </a:fillRef>
+          <a:effectRef idx="0">
+            <a:schemeClr val="accent2"/>
+          </a:effectRef>
+          <a:fontRef idx="minor">
+            <a:schemeClr val="lt1"/>
+          </a:fontRef>
+        </p:style>
+        <p:txBody>
+          <a:bodyPr rot="0" spcFirstLastPara="0" vertOverflow="overflow" horzOverflow="overflow" vert="horz" wrap="square" lIns="0" tIns="0" rIns="0" bIns="0" numCol="1" spcCol="0" rtlCol="0" fromWordArt="0" anchor="ctr" anchorCtr="0" forceAA="0" compatLnSpc="1">
+            <a:prstTxWarp prst="textNoShape">
+              <a:avLst/>
+            </a:prstTxWarp>
+            <a:noAutofit/>
+          </a:bodyPr>
+          <a:lstStyle/>
+          <a:p>
+            <a:pPr algn="ctr"/>
+            <a:endParaRPr lang="en-AU" sz="1050" b="1" dirty="0">
+              <a:latin typeface="Consolas" panose="020B0609020204030204" pitchFamily="49" charset="0"/>
+              <a:ea typeface="Yu Gothic" panose="020B0400000000000000" pitchFamily="34" charset="-128"/>
+            </a:endParaRPr>
+          </a:p>
+        </p:txBody>
+      </p:sp>
+      <p:sp>
+        <p:nvSpPr>
+          <p:cNvPr id="111" name="Flowchart: Alternate Process 110">
+            <a:extLst>
+              <a:ext uri="{FF2B5EF4-FFF2-40B4-BE49-F238E27FC236}">
+                <a16:creationId xmlns:a16="http://schemas.microsoft.com/office/drawing/2014/main" id="{111C510F-7A4F-4F9D-A0E9-5889D8E85153}"/>
+              </a:ext>
+            </a:extLst>
+          </p:cNvPr>
+          <p:cNvSpPr/>
+          <p:nvPr/>
+        </p:nvSpPr>
+        <p:spPr>
+          <a:xfrm>
+            <a:off x="540000" y="1196305"/>
+            <a:ext cx="262800" cy="262339"/>
+          </a:xfrm>
+          <a:prstGeom prst="flowChartAlternateProcess">
+            <a:avLst/>
+          </a:prstGeom>
+          <a:ln w="19050"/>
+        </p:spPr>
+        <p:style>
+          <a:lnRef idx="2">
+            <a:schemeClr val="accent6">
+              <a:shade val="50000"/>
+            </a:schemeClr>
+          </a:lnRef>
+          <a:fillRef idx="1">
+            <a:schemeClr val="accent6"/>
+          </a:fillRef>
+          <a:effectRef idx="0">
+            <a:schemeClr val="accent6"/>
+          </a:effectRef>
+          <a:fontRef idx="minor">
+            <a:schemeClr val="lt1"/>
+          </a:fontRef>
+        </p:style>
+        <p:txBody>
+          <a:bodyPr rot="0" spcFirstLastPara="0" vertOverflow="overflow" horzOverflow="overflow" vert="horz" wrap="square" lIns="0" tIns="0" rIns="0" bIns="0" numCol="1" spcCol="0" rtlCol="0" fromWordArt="0" anchor="ctr" anchorCtr="0" forceAA="0" compatLnSpc="1">
+            <a:prstTxWarp prst="textNoShape">
+              <a:avLst/>
+            </a:prstTxWarp>
+            <a:noAutofit/>
+          </a:bodyPr>
+          <a:lstStyle/>
+          <a:p>
+            <a:pPr algn="ctr"/>
+            <a:endParaRPr lang="en-AU" sz="1050" dirty="0">
+              <a:latin typeface="Consolas" panose="020B0609020204030204" pitchFamily="49" charset="0"/>
+              <a:ea typeface="Yu Gothic" panose="020B0400000000000000" pitchFamily="34" charset="-128"/>
+            </a:endParaRPr>
+          </a:p>
+        </p:txBody>
+      </p:sp>
+      <p:sp>
+        <p:nvSpPr>
+          <p:cNvPr id="115" name="Flowchart: Alternate Process 114">
+            <a:extLst>
+              <a:ext uri="{FF2B5EF4-FFF2-40B4-BE49-F238E27FC236}">
+                <a16:creationId xmlns:a16="http://schemas.microsoft.com/office/drawing/2014/main" id="{9886B81B-4A38-4133-982D-A195F7A44D21}"/>
+              </a:ext>
+            </a:extLst>
+          </p:cNvPr>
+          <p:cNvSpPr/>
+          <p:nvPr/>
+        </p:nvSpPr>
+        <p:spPr>
+          <a:xfrm>
+            <a:off x="540000" y="778758"/>
+            <a:ext cx="262800" cy="262339"/>
+          </a:xfrm>
+          <a:prstGeom prst="flowChartAlternateProcess">
+            <a:avLst/>
+          </a:prstGeom>
+          <a:ln w="19050"/>
+        </p:spPr>
+        <p:style>
+          <a:lnRef idx="2">
+            <a:schemeClr val="accent4">
+              <a:shade val="50000"/>
+            </a:schemeClr>
+          </a:lnRef>
+          <a:fillRef idx="1">
+            <a:schemeClr val="accent4"/>
+          </a:fillRef>
+          <a:effectRef idx="0">
+            <a:schemeClr val="accent4"/>
+          </a:effectRef>
+          <a:fontRef idx="minor">
+            <a:schemeClr val="lt1"/>
+          </a:fontRef>
+        </p:style>
+        <p:txBody>
+          <a:bodyPr rot="0" spcFirstLastPara="0" vertOverflow="overflow" horzOverflow="overflow" vert="horz" wrap="square" lIns="0" tIns="0" rIns="0" bIns="0" numCol="1" spcCol="0" rtlCol="0" fromWordArt="0" anchor="ctr" anchorCtr="0" forceAA="0" compatLnSpc="1">
+            <a:prstTxWarp prst="textNoShape">
+              <a:avLst/>
+            </a:prstTxWarp>
+            <a:noAutofit/>
+          </a:bodyPr>
+          <a:lstStyle/>
+          <a:p>
+            <a:pPr algn="ctr"/>
+            <a:endParaRPr lang="en-AU" sz="1050" dirty="0">
+              <a:latin typeface="Consolas" panose="020B0609020204030204" pitchFamily="49" charset="0"/>
+              <a:ea typeface="Yu Gothic" panose="020B0400000000000000" pitchFamily="34" charset="-128"/>
+            </a:endParaRPr>
+          </a:p>
+        </p:txBody>
+      </p:sp>
+      <p:sp>
+        <p:nvSpPr>
+          <p:cNvPr id="116" name="Flowchart: Alternate Process 115">
+            <a:extLst>
+              <a:ext uri="{FF2B5EF4-FFF2-40B4-BE49-F238E27FC236}">
+                <a16:creationId xmlns:a16="http://schemas.microsoft.com/office/drawing/2014/main" id="{86C688A5-79BD-4740-8B5F-3CD133CA2329}"/>
+              </a:ext>
+            </a:extLst>
+          </p:cNvPr>
+          <p:cNvSpPr/>
+          <p:nvPr/>
+        </p:nvSpPr>
+        <p:spPr>
+          <a:xfrm>
+            <a:off x="882589" y="1613852"/>
+            <a:ext cx="2740749" cy="262339"/>
+          </a:xfrm>
+          <a:prstGeom prst="flowChartAlternateProcess">
+            <a:avLst/>
+          </a:prstGeom>
+          <a:ln>
+            <a:noFill/>
+          </a:ln>
+        </p:spPr>
+        <p:style>
+          <a:lnRef idx="2">
+            <a:schemeClr val="dk1"/>
+          </a:lnRef>
+          <a:fillRef idx="1">
+            <a:schemeClr val="lt1"/>
+          </a:fillRef>
+          <a:effectRef idx="0">
+            <a:schemeClr val="dk1"/>
+          </a:effectRef>
+          <a:fontRef idx="minor">
+            <a:schemeClr val="dk1"/>
+          </a:fontRef>
+        </p:style>
+        <p:txBody>
+          <a:bodyPr rot="0" spcFirstLastPara="0" vertOverflow="overflow" horzOverflow="overflow" vert="horz" wrap="square" lIns="0" tIns="0" rIns="0" bIns="0" numCol="1" spcCol="0" rtlCol="0" fromWordArt="0" anchor="ctr" anchorCtr="0" forceAA="0" compatLnSpc="1">
+            <a:prstTxWarp prst="textNoShape">
+              <a:avLst/>
+            </a:prstTxWarp>
+            <a:noAutofit/>
+          </a:bodyPr>
+          <a:lstStyle/>
+          <a:p>
+            <a:r>
+              <a:rPr lang="en-AU" sz="1050" dirty="0">
+                <a:latin typeface="Consolas" panose="020B0609020204030204" pitchFamily="49" charset="0"/>
+                <a:ea typeface="Yu Gothic" panose="020B0400000000000000" pitchFamily="34" charset="-128"/>
+              </a:rPr>
+              <a:t>Controls and Decision Making</a:t>
+            </a:r>
+          </a:p>
+        </p:txBody>
+      </p:sp>
+      <p:sp>
+        <p:nvSpPr>
+          <p:cNvPr id="117" name="Flowchart: Alternate Process 116">
+            <a:extLst>
+              <a:ext uri="{FF2B5EF4-FFF2-40B4-BE49-F238E27FC236}">
+                <a16:creationId xmlns:a16="http://schemas.microsoft.com/office/drawing/2014/main" id="{8370B284-D352-4605-B4AA-F2DC58C96A38}"/>
+              </a:ext>
+            </a:extLst>
+          </p:cNvPr>
+          <p:cNvSpPr/>
+          <p:nvPr/>
+        </p:nvSpPr>
+        <p:spPr>
+          <a:xfrm>
+            <a:off x="882589" y="2031399"/>
+            <a:ext cx="2740749" cy="262339"/>
+          </a:xfrm>
+          <a:prstGeom prst="flowChartAlternateProcess">
+            <a:avLst/>
+          </a:prstGeom>
+          <a:ln>
+            <a:noFill/>
+          </a:ln>
+        </p:spPr>
+        <p:style>
+          <a:lnRef idx="2">
+            <a:schemeClr val="dk1"/>
+          </a:lnRef>
+          <a:fillRef idx="1">
+            <a:schemeClr val="lt1"/>
+          </a:fillRef>
+          <a:effectRef idx="0">
+            <a:schemeClr val="dk1"/>
+          </a:effectRef>
+          <a:fontRef idx="minor">
+            <a:schemeClr val="dk1"/>
+          </a:fontRef>
+        </p:style>
+        <p:txBody>
+          <a:bodyPr rot="0" spcFirstLastPara="0" vertOverflow="overflow" horzOverflow="overflow" vert="horz" wrap="square" lIns="0" tIns="0" rIns="0" bIns="0" numCol="1" spcCol="0" rtlCol="0" fromWordArt="0" anchor="ctr" anchorCtr="0" forceAA="0" compatLnSpc="1">
+            <a:prstTxWarp prst="textNoShape">
+              <a:avLst/>
+            </a:prstTxWarp>
+            <a:noAutofit/>
+          </a:bodyPr>
+          <a:lstStyle/>
+          <a:p>
+            <a:r>
+              <a:rPr lang="en-AU" sz="1050" dirty="0">
+                <a:latin typeface="Consolas" panose="020B0609020204030204" pitchFamily="49" charset="0"/>
+                <a:ea typeface="Yu Gothic" panose="020B0400000000000000" pitchFamily="34" charset="-128"/>
+              </a:rPr>
+              <a:t>Communications</a:t>
+            </a:r>
+          </a:p>
+        </p:txBody>
+      </p:sp>
+      <p:sp>
+        <p:nvSpPr>
+          <p:cNvPr id="118" name="Flowchart: Alternate Process 117">
+            <a:extLst>
+              <a:ext uri="{FF2B5EF4-FFF2-40B4-BE49-F238E27FC236}">
+                <a16:creationId xmlns:a16="http://schemas.microsoft.com/office/drawing/2014/main" id="{C4A680EC-8CFA-4435-B0D5-1D42C5281F6F}"/>
+              </a:ext>
+            </a:extLst>
+          </p:cNvPr>
+          <p:cNvSpPr/>
+          <p:nvPr/>
+        </p:nvSpPr>
+        <p:spPr>
+          <a:xfrm>
+            <a:off x="882589" y="2448947"/>
+            <a:ext cx="2740749" cy="262339"/>
+          </a:xfrm>
+          <a:prstGeom prst="flowChartAlternateProcess">
+            <a:avLst/>
+          </a:prstGeom>
+          <a:ln>
+            <a:noFill/>
+          </a:ln>
+        </p:spPr>
+        <p:style>
+          <a:lnRef idx="2">
+            <a:schemeClr val="dk1"/>
+          </a:lnRef>
+          <a:fillRef idx="1">
+            <a:schemeClr val="lt1"/>
+          </a:fillRef>
+          <a:effectRef idx="0">
+            <a:schemeClr val="dk1"/>
+          </a:effectRef>
+          <a:fontRef idx="minor">
+            <a:schemeClr val="dk1"/>
+          </a:fontRef>
+        </p:style>
+        <p:txBody>
+          <a:bodyPr rot="0" spcFirstLastPara="0" vertOverflow="overflow" horzOverflow="overflow" vert="horz" wrap="square" lIns="0" tIns="0" rIns="0" bIns="0" numCol="1" spcCol="0" rtlCol="0" fromWordArt="0" anchor="ctr" anchorCtr="0" forceAA="0" compatLnSpc="1">
+            <a:prstTxWarp prst="textNoShape">
+              <a:avLst/>
+            </a:prstTxWarp>
+            <a:noAutofit/>
+          </a:bodyPr>
+          <a:lstStyle/>
+          <a:p>
+            <a:r>
+              <a:rPr lang="en-AU" sz="1050" dirty="0">
+                <a:latin typeface="Consolas" panose="020B0609020204030204" pitchFamily="49" charset="0"/>
+                <a:ea typeface="Yu Gothic" panose="020B0400000000000000" pitchFamily="34" charset="-128"/>
+              </a:rPr>
+              <a:t>Outside of Scope</a:t>
+            </a:r>
+          </a:p>
+        </p:txBody>
+      </p:sp>
+      <p:sp>
+        <p:nvSpPr>
+          <p:cNvPr id="119" name="Flowchart: Alternate Process 118">
+            <a:extLst>
+              <a:ext uri="{FF2B5EF4-FFF2-40B4-BE49-F238E27FC236}">
+                <a16:creationId xmlns:a16="http://schemas.microsoft.com/office/drawing/2014/main" id="{4957598A-DED2-4468-80DD-2244A58967DD}"/>
+              </a:ext>
+            </a:extLst>
+          </p:cNvPr>
+          <p:cNvSpPr/>
+          <p:nvPr/>
+        </p:nvSpPr>
+        <p:spPr>
+          <a:xfrm>
+            <a:off x="882589" y="1196305"/>
+            <a:ext cx="2740749" cy="262339"/>
+          </a:xfrm>
+          <a:prstGeom prst="flowChartAlternateProcess">
+            <a:avLst/>
+          </a:prstGeom>
+          <a:ln>
+            <a:noFill/>
+          </a:ln>
+        </p:spPr>
+        <p:style>
+          <a:lnRef idx="2">
+            <a:schemeClr val="dk1"/>
+          </a:lnRef>
+          <a:fillRef idx="1">
+            <a:schemeClr val="lt1"/>
+          </a:fillRef>
+          <a:effectRef idx="0">
+            <a:schemeClr val="dk1"/>
+          </a:effectRef>
+          <a:fontRef idx="minor">
+            <a:schemeClr val="dk1"/>
+          </a:fontRef>
+        </p:style>
+        <p:txBody>
+          <a:bodyPr rot="0" spcFirstLastPara="0" vertOverflow="overflow" horzOverflow="overflow" vert="horz" wrap="square" lIns="0" tIns="0" rIns="0" bIns="0" numCol="1" spcCol="0" rtlCol="0" fromWordArt="0" anchor="ctr" anchorCtr="0" forceAA="0" compatLnSpc="1">
+            <a:prstTxWarp prst="textNoShape">
+              <a:avLst/>
+            </a:prstTxWarp>
+            <a:noAutofit/>
+          </a:bodyPr>
+          <a:lstStyle/>
+          <a:p>
+            <a:r>
+              <a:rPr lang="en-AU" sz="1050" dirty="0">
+                <a:latin typeface="Consolas" panose="020B0609020204030204" pitchFamily="49" charset="0"/>
+                <a:ea typeface="Yu Gothic" panose="020B0400000000000000" pitchFamily="34" charset="-128"/>
+              </a:rPr>
+              <a:t>Force applied by &amp; to Exoskeleton </a:t>
+            </a:r>
+          </a:p>
+        </p:txBody>
+      </p:sp>
+      <p:sp>
+        <p:nvSpPr>
+          <p:cNvPr id="120" name="Flowchart: Alternate Process 119">
+            <a:extLst>
+              <a:ext uri="{FF2B5EF4-FFF2-40B4-BE49-F238E27FC236}">
+                <a16:creationId xmlns:a16="http://schemas.microsoft.com/office/drawing/2014/main" id="{805B0755-7490-4908-BDD0-A90D244A26A5}"/>
+              </a:ext>
+            </a:extLst>
+          </p:cNvPr>
+          <p:cNvSpPr/>
+          <p:nvPr/>
+        </p:nvSpPr>
+        <p:spPr>
+          <a:xfrm>
+            <a:off x="882589" y="778758"/>
+            <a:ext cx="2740749" cy="262339"/>
+          </a:xfrm>
+          <a:prstGeom prst="flowChartAlternateProcess">
+            <a:avLst/>
+          </a:prstGeom>
+          <a:ln>
+            <a:noFill/>
+          </a:ln>
+        </p:spPr>
+        <p:style>
+          <a:lnRef idx="2">
+            <a:schemeClr val="dk1"/>
+          </a:lnRef>
+          <a:fillRef idx="1">
+            <a:schemeClr val="lt1"/>
+          </a:fillRef>
+          <a:effectRef idx="0">
+            <a:schemeClr val="dk1"/>
+          </a:effectRef>
+          <a:fontRef idx="minor">
+            <a:schemeClr val="dk1"/>
+          </a:fontRef>
+        </p:style>
+        <p:txBody>
+          <a:bodyPr rot="0" spcFirstLastPara="0" vertOverflow="overflow" horzOverflow="overflow" vert="horz" wrap="square" lIns="0" tIns="0" rIns="0" bIns="0" numCol="1" spcCol="0" rtlCol="0" fromWordArt="0" anchor="ctr" anchorCtr="0" forceAA="0" compatLnSpc="1">
+            <a:prstTxWarp prst="textNoShape">
+              <a:avLst/>
+            </a:prstTxWarp>
+            <a:noAutofit/>
+          </a:bodyPr>
+          <a:lstStyle/>
+          <a:p>
+            <a:r>
+              <a:rPr lang="en-AU" sz="1050" dirty="0">
+                <a:latin typeface="Consolas" panose="020B0609020204030204" pitchFamily="49" charset="0"/>
+                <a:ea typeface="Yu Gothic" panose="020B0400000000000000" pitchFamily="34" charset="-128"/>
+              </a:rPr>
+              <a:t>Relative Position of Pilot </a:t>
+            </a:r>
+          </a:p>
+        </p:txBody>
+      </p:sp>
+      <p:sp>
+        <p:nvSpPr>
+          <p:cNvPr id="11" name="Flowchart: Alternate Process 10">
+            <a:extLst>
+              <a:ext uri="{FF2B5EF4-FFF2-40B4-BE49-F238E27FC236}">
+                <a16:creationId xmlns:a16="http://schemas.microsoft.com/office/drawing/2014/main" id="{443A859A-B689-42EF-9FCF-B7DE5F1E381D}"/>
+              </a:ext>
+            </a:extLst>
+          </p:cNvPr>
+          <p:cNvSpPr/>
+          <p:nvPr/>
+        </p:nvSpPr>
+        <p:spPr>
+          <a:xfrm>
+            <a:off x="540000" y="4066893"/>
+            <a:ext cx="1262618" cy="836484"/>
+          </a:xfrm>
+          <a:prstGeom prst="flowChartAlternateProcess">
+            <a:avLst/>
+          </a:prstGeom>
+          <a:solidFill>
+            <a:srgbClr val="FF5B5B"/>
+          </a:solidFill>
+          <a:ln w="19050">
+            <a:solidFill>
+              <a:srgbClr val="C00000"/>
+            </a:solidFill>
+          </a:ln>
+        </p:spPr>
+        <p:style>
+          <a:lnRef idx="2">
+            <a:schemeClr val="accent2">
+              <a:shade val="50000"/>
+            </a:schemeClr>
+          </a:lnRef>
+          <a:fillRef idx="1">
+            <a:schemeClr val="accent2"/>
+          </a:fillRef>
+          <a:effectRef idx="0">
+            <a:schemeClr val="accent2"/>
+          </a:effectRef>
+          <a:fontRef idx="minor">
+            <a:schemeClr val="lt1"/>
+          </a:fontRef>
+        </p:style>
+        <p:txBody>
+          <a:bodyPr rot="0" spcFirstLastPara="0" vertOverflow="overflow" horzOverflow="overflow" vert="horz" wrap="square" lIns="0" tIns="0" rIns="0" bIns="0" numCol="1" spcCol="0" rtlCol="0" fromWordArt="0" anchor="ctr" anchorCtr="0" forceAA="0" compatLnSpc="1">
+            <a:prstTxWarp prst="textNoShape">
+              <a:avLst/>
+            </a:prstTxWarp>
+            <a:noAutofit/>
+          </a:bodyPr>
+          <a:lstStyle/>
+          <a:p>
+            <a:pPr algn="ctr"/>
+            <a:r>
+              <a:rPr lang="en-AU" sz="1050" b="1" u="sng" dirty="0">
+                <a:latin typeface="Consolas" panose="020B0609020204030204" pitchFamily="49" charset="0"/>
+                <a:ea typeface="Yu Gothic" panose="020B0400000000000000" pitchFamily="34" charset="-128"/>
+              </a:rPr>
+              <a:t>OUTSIDE OF SCOPE</a:t>
+            </a:r>
+            <a:endParaRPr lang="en-AU" sz="1050" dirty="0">
+              <a:latin typeface="Consolas" panose="020B0609020204030204" pitchFamily="49" charset="0"/>
+              <a:ea typeface="Yu Gothic" panose="020B0400000000000000" pitchFamily="34" charset="-128"/>
+            </a:endParaRPr>
+          </a:p>
+          <a:p>
+            <a:pPr algn="ctr"/>
+            <a:r>
+              <a:rPr lang="en-AU" sz="1050" dirty="0">
+                <a:latin typeface="Consolas" panose="020B0609020204030204" pitchFamily="49" charset="0"/>
+                <a:ea typeface="Yu Gothic" panose="020B0400000000000000" pitchFamily="34" charset="-128"/>
+              </a:rPr>
+              <a:t>Measure position of suit</a:t>
+            </a:r>
+          </a:p>
+        </p:txBody>
+      </p:sp>
+      <p:sp>
+        <p:nvSpPr>
+          <p:cNvPr id="42" name="Flowchart: Alternate Process 41">
+            <a:extLst>
+              <a:ext uri="{FF2B5EF4-FFF2-40B4-BE49-F238E27FC236}">
+                <a16:creationId xmlns:a16="http://schemas.microsoft.com/office/drawing/2014/main" id="{DE5AB3E2-694F-4518-A0AA-91EF6CF6D67E}"/>
+              </a:ext>
+            </a:extLst>
+          </p:cNvPr>
+          <p:cNvSpPr/>
+          <p:nvPr/>
+        </p:nvSpPr>
+        <p:spPr>
+          <a:xfrm>
+            <a:off x="540000" y="5162939"/>
+            <a:ext cx="1262618" cy="836484"/>
+          </a:xfrm>
+          <a:prstGeom prst="flowChartAlternateProcess">
+            <a:avLst/>
+          </a:prstGeom>
+          <a:solidFill>
+            <a:srgbClr val="FF5B5B"/>
+          </a:solidFill>
+          <a:ln w="19050">
+            <a:solidFill>
+              <a:srgbClr val="C00000"/>
+            </a:solidFill>
+          </a:ln>
+        </p:spPr>
+        <p:style>
+          <a:lnRef idx="2">
+            <a:schemeClr val="accent2">
+              <a:shade val="50000"/>
+            </a:schemeClr>
+          </a:lnRef>
+          <a:fillRef idx="1">
+            <a:schemeClr val="accent2"/>
+          </a:fillRef>
+          <a:effectRef idx="0">
+            <a:schemeClr val="accent2"/>
+          </a:effectRef>
+          <a:fontRef idx="minor">
+            <a:schemeClr val="lt1"/>
+          </a:fontRef>
+        </p:style>
+        <p:txBody>
+          <a:bodyPr rot="0" spcFirstLastPara="0" vertOverflow="overflow" horzOverflow="overflow" vert="horz" wrap="square" lIns="0" tIns="0" rIns="0" bIns="0" numCol="1" spcCol="0" rtlCol="0" fromWordArt="0" anchor="ctr" anchorCtr="0" forceAA="0" compatLnSpc="1">
+            <a:prstTxWarp prst="textNoShape">
+              <a:avLst/>
+            </a:prstTxWarp>
+            <a:noAutofit/>
+          </a:bodyPr>
+          <a:lstStyle/>
+          <a:p>
+            <a:pPr algn="ctr"/>
+            <a:r>
+              <a:rPr lang="en-AU" sz="1050" b="1" u="sng" dirty="0">
+                <a:latin typeface="Consolas" panose="020B0609020204030204" pitchFamily="49" charset="0"/>
+                <a:ea typeface="Yu Gothic" panose="020B0400000000000000" pitchFamily="34" charset="-128"/>
+              </a:rPr>
+              <a:t>OUTSIDE OF SCOPE</a:t>
+            </a:r>
+          </a:p>
+          <a:p>
+            <a:pPr algn="ctr"/>
+            <a:r>
+              <a:rPr lang="en-AU" sz="1050" dirty="0">
+                <a:latin typeface="Consolas" panose="020B0609020204030204" pitchFamily="49" charset="0"/>
+                <a:ea typeface="Yu Gothic" panose="020B0400000000000000" pitchFamily="34" charset="-128"/>
+              </a:rPr>
+              <a:t>Regulate torque output of actuators</a:t>
+            </a:r>
+          </a:p>
+        </p:txBody>
+      </p:sp>
+      <p:sp>
+        <p:nvSpPr>
+          <p:cNvPr id="4" name="Flowchart: Alternate Process 3">
+            <a:extLst>
+              <a:ext uri="{FF2B5EF4-FFF2-40B4-BE49-F238E27FC236}">
+                <a16:creationId xmlns:a16="http://schemas.microsoft.com/office/drawing/2014/main" id="{ED27B7A8-34C4-4CFF-B46F-55193AB8B3E3}"/>
+              </a:ext>
+            </a:extLst>
+          </p:cNvPr>
+          <p:cNvSpPr/>
+          <p:nvPr/>
+        </p:nvSpPr>
+        <p:spPr>
+          <a:xfrm>
+            <a:off x="4321691" y="778758"/>
+            <a:ext cx="1262618" cy="836484"/>
+          </a:xfrm>
+          <a:prstGeom prst="flowChartAlternateProcess">
+            <a:avLst/>
+          </a:prstGeom>
+          <a:ln w="19050"/>
+        </p:spPr>
+        <p:style>
+          <a:lnRef idx="2">
+            <a:schemeClr val="dk1"/>
+          </a:lnRef>
+          <a:fillRef idx="1">
+            <a:schemeClr val="lt1"/>
+          </a:fillRef>
+          <a:effectRef idx="0">
+            <a:schemeClr val="dk1"/>
+          </a:effectRef>
+          <a:fontRef idx="minor">
+            <a:schemeClr val="dk1"/>
+          </a:fontRef>
+        </p:style>
+        <p:txBody>
+          <a:bodyPr rot="0" spcFirstLastPara="0" vertOverflow="overflow" horzOverflow="overflow" vert="horz" wrap="square" lIns="0" tIns="0" rIns="0" bIns="0" numCol="1" spcCol="0" rtlCol="0" fromWordArt="0" anchor="ctr" anchorCtr="0" forceAA="0" compatLnSpc="1">
+            <a:prstTxWarp prst="textNoShape">
+              <a:avLst/>
+            </a:prstTxWarp>
+            <a:noAutofit/>
+          </a:bodyPr>
+          <a:lstStyle/>
+          <a:p>
+            <a:pPr algn="ctr"/>
+            <a:r>
+              <a:rPr lang="en-AU" sz="1050" dirty="0">
+                <a:latin typeface="Consolas" panose="020B0609020204030204" pitchFamily="49" charset="0"/>
+                <a:ea typeface="Yu Gothic" panose="020B0400000000000000" pitchFamily="34" charset="-128"/>
+              </a:rPr>
+              <a:t>Achieve/approach the desired position of the suit</a:t>
+            </a:r>
+          </a:p>
+        </p:txBody>
+      </p:sp>
+      <p:sp>
+        <p:nvSpPr>
+          <p:cNvPr id="5" name="Flowchart: Alternate Process 4">
+            <a:extLst>
+              <a:ext uri="{FF2B5EF4-FFF2-40B4-BE49-F238E27FC236}">
+                <a16:creationId xmlns:a16="http://schemas.microsoft.com/office/drawing/2014/main" id="{96A3839F-D4C5-4194-AC7C-84D6F95C7CF2}"/>
+              </a:ext>
+            </a:extLst>
+          </p:cNvPr>
+          <p:cNvSpPr/>
+          <p:nvPr/>
+        </p:nvSpPr>
+        <p:spPr>
+          <a:xfrm>
+            <a:off x="4321691" y="1874803"/>
+            <a:ext cx="1262618" cy="836484"/>
+          </a:xfrm>
+          <a:prstGeom prst="flowChartAlternateProcess">
+            <a:avLst/>
+          </a:prstGeom>
+          <a:ln w="19050"/>
+        </p:spPr>
+        <p:style>
+          <a:lnRef idx="2">
+            <a:schemeClr val="dk1"/>
+          </a:lnRef>
+          <a:fillRef idx="1">
+            <a:schemeClr val="lt1"/>
+          </a:fillRef>
+          <a:effectRef idx="0">
+            <a:schemeClr val="dk1"/>
+          </a:effectRef>
+          <a:fontRef idx="minor">
+            <a:schemeClr val="dk1"/>
+          </a:fontRef>
+        </p:style>
+        <p:txBody>
+          <a:bodyPr rot="0" spcFirstLastPara="0" vertOverflow="overflow" horzOverflow="overflow" vert="horz" wrap="square" lIns="0" tIns="0" rIns="0" bIns="0" numCol="1" spcCol="0" rtlCol="0" fromWordArt="0" anchor="ctr" anchorCtr="0" forceAA="0" compatLnSpc="1">
+            <a:prstTxWarp prst="textNoShape">
+              <a:avLst/>
+            </a:prstTxWarp>
+            <a:noAutofit/>
+          </a:bodyPr>
+          <a:lstStyle/>
+          <a:p>
+            <a:pPr algn="ctr"/>
+            <a:r>
+              <a:rPr lang="en-AU" sz="1050" dirty="0">
+                <a:latin typeface="Consolas" panose="020B0609020204030204" pitchFamily="49" charset="0"/>
+                <a:ea typeface="Yu Gothic" panose="020B0400000000000000" pitchFamily="34" charset="-128"/>
+              </a:rPr>
+              <a:t>Observe and apply currently required change in commands</a:t>
+            </a:r>
+          </a:p>
+        </p:txBody>
+      </p:sp>
+      <p:sp>
+        <p:nvSpPr>
+          <p:cNvPr id="6" name="Flowchart: Alternate Process 5">
+            <a:extLst>
+              <a:ext uri="{FF2B5EF4-FFF2-40B4-BE49-F238E27FC236}">
+                <a16:creationId xmlns:a16="http://schemas.microsoft.com/office/drawing/2014/main" id="{CBEC67C4-8145-4EDC-B6E6-4E3AB4BA141C}"/>
+              </a:ext>
+            </a:extLst>
+          </p:cNvPr>
+          <p:cNvSpPr/>
+          <p:nvPr/>
+        </p:nvSpPr>
+        <p:spPr>
+          <a:xfrm>
+            <a:off x="2052676" y="2970848"/>
+            <a:ext cx="1262618" cy="836484"/>
+          </a:xfrm>
+          <a:prstGeom prst="flowChartAlternateProcess">
+            <a:avLst/>
+          </a:prstGeom>
+          <a:ln w="19050"/>
+        </p:spPr>
+        <p:style>
+          <a:lnRef idx="2">
+            <a:schemeClr val="accent6">
+              <a:shade val="50000"/>
+            </a:schemeClr>
+          </a:lnRef>
+          <a:fillRef idx="1">
+            <a:schemeClr val="accent6"/>
+          </a:fillRef>
+          <a:effectRef idx="0">
+            <a:schemeClr val="accent6"/>
+          </a:effectRef>
+          <a:fontRef idx="minor">
+            <a:schemeClr val="lt1"/>
+          </a:fontRef>
+        </p:style>
+        <p:txBody>
+          <a:bodyPr rot="0" spcFirstLastPara="0" vertOverflow="overflow" horzOverflow="overflow" vert="horz" wrap="square" lIns="0" tIns="0" rIns="0" bIns="0" numCol="1" spcCol="0" rtlCol="0" fromWordArt="0" anchor="ctr" anchorCtr="0" forceAA="0" compatLnSpc="1">
+            <a:prstTxWarp prst="textNoShape">
+              <a:avLst/>
+            </a:prstTxWarp>
+            <a:noAutofit/>
+          </a:bodyPr>
+          <a:lstStyle/>
+          <a:p>
+            <a:pPr algn="ctr"/>
+            <a:r>
+              <a:rPr lang="en-AU" sz="1050" dirty="0">
+                <a:latin typeface="Consolas" panose="020B0609020204030204" pitchFamily="49" charset="0"/>
+                <a:ea typeface="Yu Gothic" panose="020B0400000000000000" pitchFamily="34" charset="-128"/>
+              </a:rPr>
+              <a:t>Observe current state of suit</a:t>
+            </a:r>
+          </a:p>
+        </p:txBody>
+      </p:sp>
+      <p:sp>
+        <p:nvSpPr>
+          <p:cNvPr id="10" name="Flowchart: Alternate Process 9">
+            <a:extLst>
+              <a:ext uri="{FF2B5EF4-FFF2-40B4-BE49-F238E27FC236}">
+                <a16:creationId xmlns:a16="http://schemas.microsoft.com/office/drawing/2014/main" id="{04E96D33-931D-41ED-B785-5AAC4836DA2B}"/>
+              </a:ext>
+            </a:extLst>
+          </p:cNvPr>
+          <p:cNvSpPr/>
+          <p:nvPr/>
+        </p:nvSpPr>
+        <p:spPr>
+          <a:xfrm>
+            <a:off x="2052676" y="4066893"/>
+            <a:ext cx="1262618" cy="836484"/>
+          </a:xfrm>
+          <a:prstGeom prst="flowChartAlternateProcess">
+            <a:avLst/>
+          </a:prstGeom>
+          <a:ln w="19050"/>
+        </p:spPr>
+        <p:style>
+          <a:lnRef idx="2">
+            <a:schemeClr val="accent6">
+              <a:shade val="50000"/>
+            </a:schemeClr>
+          </a:lnRef>
+          <a:fillRef idx="1">
+            <a:schemeClr val="accent6"/>
+          </a:fillRef>
+          <a:effectRef idx="0">
+            <a:schemeClr val="accent6"/>
+          </a:effectRef>
+          <a:fontRef idx="minor">
+            <a:schemeClr val="lt1"/>
+          </a:fontRef>
+        </p:style>
+        <p:txBody>
+          <a:bodyPr rot="0" spcFirstLastPara="0" vertOverflow="overflow" horzOverflow="overflow" vert="horz" wrap="square" lIns="0" tIns="0" rIns="0" bIns="0" numCol="1" spcCol="0" rtlCol="0" fromWordArt="0" anchor="ctr" anchorCtr="0" forceAA="0" compatLnSpc="1">
+            <a:prstTxWarp prst="textNoShape">
+              <a:avLst/>
+            </a:prstTxWarp>
+            <a:noAutofit/>
+          </a:bodyPr>
+          <a:lstStyle/>
+          <a:p>
+            <a:pPr algn="ctr"/>
+            <a:r>
+              <a:rPr lang="en-AU" sz="1050" dirty="0">
+                <a:latin typeface="Consolas" panose="020B0609020204030204" pitchFamily="49" charset="0"/>
+                <a:ea typeface="Yu Gothic" panose="020B0400000000000000" pitchFamily="34" charset="-128"/>
+              </a:rPr>
+              <a:t>Measure suit interaction with environment (force) </a:t>
+            </a:r>
+          </a:p>
+        </p:txBody>
+      </p:sp>
+      <p:sp>
+        <p:nvSpPr>
+          <p:cNvPr id="35" name="Flowchart: Alternate Process 34">
+            <a:extLst>
+              <a:ext uri="{FF2B5EF4-FFF2-40B4-BE49-F238E27FC236}">
+                <a16:creationId xmlns:a16="http://schemas.microsoft.com/office/drawing/2014/main" id="{2BF16F38-5994-4A2C-9431-5E8CE547BC25}"/>
+              </a:ext>
+            </a:extLst>
+          </p:cNvPr>
+          <p:cNvSpPr/>
+          <p:nvPr/>
+        </p:nvSpPr>
+        <p:spPr>
+          <a:xfrm>
+            <a:off x="2052676" y="5162939"/>
+            <a:ext cx="1262618" cy="836484"/>
+          </a:xfrm>
+          <a:prstGeom prst="flowChartAlternateProcess">
+            <a:avLst/>
+          </a:prstGeom>
+          <a:ln w="19050"/>
+        </p:spPr>
+        <p:style>
+          <a:lnRef idx="2">
+            <a:schemeClr val="accent6">
+              <a:shade val="50000"/>
+            </a:schemeClr>
+          </a:lnRef>
+          <a:fillRef idx="1">
+            <a:schemeClr val="accent6"/>
+          </a:fillRef>
+          <a:effectRef idx="0">
+            <a:schemeClr val="accent6"/>
+          </a:effectRef>
+          <a:fontRef idx="minor">
+            <a:schemeClr val="lt1"/>
+          </a:fontRef>
+        </p:style>
+        <p:txBody>
+          <a:bodyPr rot="0" spcFirstLastPara="0" vertOverflow="overflow" horzOverflow="overflow" vert="horz" wrap="square" lIns="0" tIns="0" rIns="0" bIns="0" numCol="1" spcCol="0" rtlCol="0" fromWordArt="0" anchor="ctr" anchorCtr="0" forceAA="0" compatLnSpc="1">
+            <a:prstTxWarp prst="textNoShape">
+              <a:avLst/>
+            </a:prstTxWarp>
+            <a:noAutofit/>
+          </a:bodyPr>
+          <a:lstStyle/>
+          <a:p>
+            <a:pPr algn="ctr"/>
+            <a:r>
+              <a:rPr lang="en-AU" sz="1050" dirty="0">
+                <a:latin typeface="Consolas" panose="020B0609020204030204" pitchFamily="49" charset="0"/>
+                <a:ea typeface="Yu Gothic" panose="020B0400000000000000" pitchFamily="34" charset="-128"/>
+              </a:rPr>
+              <a:t>Measure force applied at external contact points</a:t>
+            </a:r>
+          </a:p>
+        </p:txBody>
+      </p:sp>
+      <p:sp>
+        <p:nvSpPr>
+          <p:cNvPr id="9" name="Flowchart: Alternate Process 8">
+            <a:extLst>
+              <a:ext uri="{FF2B5EF4-FFF2-40B4-BE49-F238E27FC236}">
+                <a16:creationId xmlns:a16="http://schemas.microsoft.com/office/drawing/2014/main" id="{A63D1470-FBE3-48D4-8461-35122716F401}"/>
+              </a:ext>
+            </a:extLst>
+          </p:cNvPr>
+          <p:cNvSpPr/>
+          <p:nvPr/>
+        </p:nvSpPr>
+        <p:spPr>
+          <a:xfrm>
+            <a:off x="3565352" y="4066893"/>
+            <a:ext cx="1262618" cy="836484"/>
+          </a:xfrm>
+          <a:prstGeom prst="flowChartAlternateProcess">
+            <a:avLst/>
+          </a:prstGeom>
+          <a:ln w="19050"/>
+        </p:spPr>
+        <p:style>
+          <a:lnRef idx="2">
+            <a:schemeClr val="accent6">
+              <a:shade val="50000"/>
+            </a:schemeClr>
+          </a:lnRef>
+          <a:fillRef idx="1">
+            <a:schemeClr val="accent6"/>
+          </a:fillRef>
+          <a:effectRef idx="0">
+            <a:schemeClr val="accent6"/>
+          </a:effectRef>
+          <a:fontRef idx="minor">
+            <a:schemeClr val="lt1"/>
+          </a:fontRef>
+        </p:style>
+        <p:txBody>
+          <a:bodyPr rot="0" spcFirstLastPara="0" vertOverflow="overflow" horzOverflow="overflow" vert="horz" wrap="square" lIns="0" tIns="0" rIns="0" bIns="0" numCol="1" spcCol="0" rtlCol="0" fromWordArt="0" anchor="ctr" anchorCtr="0" forceAA="0" compatLnSpc="1">
+            <a:prstTxWarp prst="textNoShape">
+              <a:avLst/>
+            </a:prstTxWarp>
+            <a:noAutofit/>
+          </a:bodyPr>
+          <a:lstStyle/>
+          <a:p>
+            <a:pPr algn="ctr"/>
+            <a:r>
+              <a:rPr lang="en-AU" sz="1050" dirty="0">
+                <a:latin typeface="Consolas" panose="020B0609020204030204" pitchFamily="49" charset="0"/>
+                <a:ea typeface="Yu Gothic" panose="020B0400000000000000" pitchFamily="34" charset="-128"/>
+              </a:rPr>
+              <a:t>Measure pilot interaction with suit (force)</a:t>
+            </a:r>
+          </a:p>
+        </p:txBody>
+      </p:sp>
+      <p:sp>
+        <p:nvSpPr>
+          <p:cNvPr id="37" name="Flowchart: Alternate Process 36">
+            <a:extLst>
+              <a:ext uri="{FF2B5EF4-FFF2-40B4-BE49-F238E27FC236}">
+                <a16:creationId xmlns:a16="http://schemas.microsoft.com/office/drawing/2014/main" id="{619597F8-F93B-4AD4-A251-42D24A65AD9C}"/>
+              </a:ext>
+            </a:extLst>
+          </p:cNvPr>
+          <p:cNvSpPr/>
+          <p:nvPr/>
+        </p:nvSpPr>
+        <p:spPr>
+          <a:xfrm>
+            <a:off x="3565352" y="5162939"/>
+            <a:ext cx="1262618" cy="836484"/>
+          </a:xfrm>
+          <a:prstGeom prst="flowChartAlternateProcess">
+            <a:avLst/>
+          </a:prstGeom>
+          <a:ln w="19050"/>
+        </p:spPr>
+        <p:style>
+          <a:lnRef idx="2">
+            <a:schemeClr val="accent6">
+              <a:shade val="50000"/>
+            </a:schemeClr>
+          </a:lnRef>
+          <a:fillRef idx="1">
+            <a:schemeClr val="accent6"/>
+          </a:fillRef>
+          <a:effectRef idx="0">
+            <a:schemeClr val="accent6"/>
+          </a:effectRef>
+          <a:fontRef idx="minor">
+            <a:schemeClr val="lt1"/>
+          </a:fontRef>
+        </p:style>
+        <p:txBody>
+          <a:bodyPr rot="0" spcFirstLastPara="0" vertOverflow="overflow" horzOverflow="overflow" vert="horz" wrap="square" lIns="0" tIns="0" rIns="0" bIns="0" numCol="1" spcCol="0" rtlCol="0" fromWordArt="0" anchor="ctr" anchorCtr="0" forceAA="0" compatLnSpc="1">
+            <a:prstTxWarp prst="textNoShape">
+              <a:avLst/>
+            </a:prstTxWarp>
+            <a:noAutofit/>
+          </a:bodyPr>
+          <a:lstStyle/>
+          <a:p>
+            <a:pPr algn="ctr"/>
+            <a:r>
+              <a:rPr lang="en-AU" sz="1050" dirty="0">
+                <a:latin typeface="Consolas" panose="020B0609020204030204" pitchFamily="49" charset="0"/>
+                <a:ea typeface="Yu Gothic" panose="020B0400000000000000" pitchFamily="34" charset="-128"/>
+              </a:rPr>
+              <a:t>Measure force applied at internal contact points</a:t>
+            </a:r>
+          </a:p>
+        </p:txBody>
+      </p:sp>
+      <p:sp>
+        <p:nvSpPr>
+          <p:cNvPr id="7" name="Flowchart: Alternate Process 6">
+            <a:extLst>
+              <a:ext uri="{FF2B5EF4-FFF2-40B4-BE49-F238E27FC236}">
+                <a16:creationId xmlns:a16="http://schemas.microsoft.com/office/drawing/2014/main" id="{D1A998BA-C071-44B5-962E-FE337498CFC8}"/>
+              </a:ext>
+            </a:extLst>
+          </p:cNvPr>
+          <p:cNvSpPr/>
+          <p:nvPr/>
+        </p:nvSpPr>
+        <p:spPr>
+          <a:xfrm>
+            <a:off x="5078028" y="2970848"/>
+            <a:ext cx="1262618" cy="836484"/>
+          </a:xfrm>
+          <a:prstGeom prst="flowChartAlternateProcess">
+            <a:avLst/>
+          </a:prstGeom>
+          <a:ln w="19050"/>
+        </p:spPr>
+        <p:style>
+          <a:lnRef idx="2">
+            <a:schemeClr val="accent4">
+              <a:shade val="50000"/>
+            </a:schemeClr>
+          </a:lnRef>
+          <a:fillRef idx="1">
+            <a:schemeClr val="accent4"/>
+          </a:fillRef>
+          <a:effectRef idx="0">
+            <a:schemeClr val="accent4"/>
+          </a:effectRef>
+          <a:fontRef idx="minor">
+            <a:schemeClr val="lt1"/>
+          </a:fontRef>
+        </p:style>
+        <p:txBody>
+          <a:bodyPr rot="0" spcFirstLastPara="0" vertOverflow="overflow" horzOverflow="overflow" vert="horz" wrap="square" lIns="0" tIns="0" rIns="0" bIns="0" numCol="1" spcCol="0" rtlCol="0" fromWordArt="0" anchor="ctr" anchorCtr="0" forceAA="0" compatLnSpc="1">
+            <a:prstTxWarp prst="textNoShape">
+              <a:avLst/>
+            </a:prstTxWarp>
+            <a:noAutofit/>
+          </a:bodyPr>
+          <a:lstStyle/>
+          <a:p>
+            <a:pPr algn="ctr"/>
+            <a:r>
+              <a:rPr lang="en-AU" sz="1050" dirty="0">
+                <a:latin typeface="Consolas" panose="020B0609020204030204" pitchFamily="49" charset="0"/>
+                <a:ea typeface="Yu Gothic" panose="020B0400000000000000" pitchFamily="34" charset="-128"/>
+              </a:rPr>
+              <a:t>Observe current state of pilot/desired state of suit</a:t>
+            </a:r>
+          </a:p>
+        </p:txBody>
+      </p:sp>
+      <p:sp>
+        <p:nvSpPr>
+          <p:cNvPr id="30" name="Flowchart: Alternate Process 29">
+            <a:extLst>
+              <a:ext uri="{FF2B5EF4-FFF2-40B4-BE49-F238E27FC236}">
+                <a16:creationId xmlns:a16="http://schemas.microsoft.com/office/drawing/2014/main" id="{F1FD1449-71B5-4234-B68C-56B73E3B8CA2}"/>
+              </a:ext>
+            </a:extLst>
+          </p:cNvPr>
+          <p:cNvSpPr/>
+          <p:nvPr/>
+        </p:nvSpPr>
+        <p:spPr>
+          <a:xfrm>
+            <a:off x="5078028" y="4066893"/>
+            <a:ext cx="1262618" cy="836484"/>
+          </a:xfrm>
+          <a:prstGeom prst="flowChartAlternateProcess">
+            <a:avLst/>
+          </a:prstGeom>
+          <a:ln w="19050"/>
+        </p:spPr>
+        <p:style>
+          <a:lnRef idx="2">
+            <a:schemeClr val="accent4">
+              <a:shade val="50000"/>
+            </a:schemeClr>
+          </a:lnRef>
+          <a:fillRef idx="1">
+            <a:schemeClr val="accent4"/>
+          </a:fillRef>
+          <a:effectRef idx="0">
+            <a:schemeClr val="accent4"/>
+          </a:effectRef>
+          <a:fontRef idx="minor">
+            <a:schemeClr val="lt1"/>
+          </a:fontRef>
+        </p:style>
+        <p:txBody>
+          <a:bodyPr rot="0" spcFirstLastPara="0" vertOverflow="overflow" horzOverflow="overflow" vert="horz" wrap="square" lIns="0" tIns="0" rIns="0" bIns="0" numCol="1" spcCol="0" rtlCol="0" fromWordArt="0" anchor="ctr" anchorCtr="0" forceAA="0" compatLnSpc="1">
+            <a:prstTxWarp prst="textNoShape">
+              <a:avLst/>
+            </a:prstTxWarp>
+            <a:noAutofit/>
+          </a:bodyPr>
+          <a:lstStyle/>
+          <a:p>
+            <a:pPr algn="ctr"/>
+            <a:r>
+              <a:rPr lang="en-AU" sz="1050" dirty="0">
+                <a:latin typeface="Consolas" panose="020B0609020204030204" pitchFamily="49" charset="0"/>
+                <a:ea typeface="Yu Gothic" panose="020B0400000000000000" pitchFamily="34" charset="-128"/>
+              </a:rPr>
+              <a:t>Measure position of limbs in relation to origin</a:t>
+            </a:r>
+          </a:p>
+        </p:txBody>
+      </p:sp>
+      <p:sp>
+        <p:nvSpPr>
+          <p:cNvPr id="31" name="Flowchart: Alternate Process 30">
+            <a:extLst>
+              <a:ext uri="{FF2B5EF4-FFF2-40B4-BE49-F238E27FC236}">
+                <a16:creationId xmlns:a16="http://schemas.microsoft.com/office/drawing/2014/main" id="{80AE8C24-5378-46D6-B0D1-7131000DBDEC}"/>
+              </a:ext>
+            </a:extLst>
+          </p:cNvPr>
+          <p:cNvSpPr/>
+          <p:nvPr/>
+        </p:nvSpPr>
+        <p:spPr>
+          <a:xfrm>
+            <a:off x="5078028" y="5162939"/>
+            <a:ext cx="1262618" cy="836484"/>
+          </a:xfrm>
+          <a:prstGeom prst="flowChartAlternateProcess">
+            <a:avLst/>
+          </a:prstGeom>
+          <a:ln w="19050"/>
+        </p:spPr>
+        <p:style>
+          <a:lnRef idx="2">
+            <a:schemeClr val="accent4">
+              <a:shade val="50000"/>
+            </a:schemeClr>
+          </a:lnRef>
+          <a:fillRef idx="1">
+            <a:schemeClr val="accent4"/>
+          </a:fillRef>
+          <a:effectRef idx="0">
+            <a:schemeClr val="accent4"/>
+          </a:effectRef>
+          <a:fontRef idx="minor">
+            <a:schemeClr val="lt1"/>
+          </a:fontRef>
+        </p:style>
+        <p:txBody>
+          <a:bodyPr rot="0" spcFirstLastPara="0" vertOverflow="overflow" horzOverflow="overflow" vert="horz" wrap="square" lIns="0" tIns="0" rIns="0" bIns="0" numCol="1" spcCol="0" rtlCol="0" fromWordArt="0" anchor="ctr" anchorCtr="0" forceAA="0" compatLnSpc="1">
+            <a:prstTxWarp prst="textNoShape">
+              <a:avLst/>
+            </a:prstTxWarp>
+            <a:noAutofit/>
+          </a:bodyPr>
+          <a:lstStyle/>
+          <a:p>
+            <a:pPr algn="ctr"/>
+            <a:r>
+              <a:rPr lang="en-AU" sz="1050" dirty="0">
+                <a:latin typeface="Consolas" panose="020B0609020204030204" pitchFamily="49" charset="0"/>
+                <a:ea typeface="Yu Gothic" panose="020B0400000000000000" pitchFamily="34" charset="-128"/>
+              </a:rPr>
+              <a:t>Measure position of limbs in relation to fixed rotational axis on suit</a:t>
+            </a:r>
+          </a:p>
+        </p:txBody>
+      </p:sp>
+      <p:sp>
+        <p:nvSpPr>
+          <p:cNvPr id="8" name="Flowchart: Alternate Process 7">
+            <a:extLst>
+              <a:ext uri="{FF2B5EF4-FFF2-40B4-BE49-F238E27FC236}">
+                <a16:creationId xmlns:a16="http://schemas.microsoft.com/office/drawing/2014/main" id="{E17CF2C8-8C53-48C7-9AD3-469A6F84215D}"/>
+              </a:ext>
+            </a:extLst>
+          </p:cNvPr>
+          <p:cNvSpPr/>
+          <p:nvPr/>
+        </p:nvSpPr>
+        <p:spPr>
+          <a:xfrm>
+            <a:off x="6590704" y="2970848"/>
+            <a:ext cx="1262618" cy="836484"/>
           </a:xfrm>
           <a:prstGeom prst="flowChartAlternateProcess">
             <a:avLst/>
@@ -4885,19 +5149,22 @@
           <a:lstStyle/>
           <a:p>
             <a:pPr algn="ctr"/>
-            <a:endParaRPr lang="en-AU" sz="1050" dirty="0">
-              <a:latin typeface="Consolas" panose="020B0609020204030204" pitchFamily="49" charset="0"/>
-              <a:ea typeface="Yu Gothic" panose="020B0400000000000000" pitchFamily="34" charset="-128"/>
-            </a:endParaRPr>
-          </a:p>
-        </p:txBody>
-      </p:sp>
-      <p:sp>
-        <p:nvSpPr>
-          <p:cNvPr id="107" name="Flowchart: Alternate Process 106">
+            <a:r>
+              <a:rPr lang="en-AU" sz="1050" dirty="0">
+                <a:latin typeface="Consolas" panose="020B0609020204030204" pitchFamily="49" charset="0"/>
+                <a:ea typeface="Yu Gothic" panose="020B0400000000000000" pitchFamily="34" charset="-128"/>
+              </a:rPr>
+              <a:t>Determine action required</a:t>
+            </a:r>
+          </a:p>
+        </p:txBody>
+      </p:sp>
+      <p:sp>
+        <p:nvSpPr>
+          <p:cNvPr id="32" name="Flowchart: Alternate Process 31">
             <a:extLst>
               <a:ext uri="{FF2B5EF4-FFF2-40B4-BE49-F238E27FC236}">
-                <a16:creationId xmlns:a16="http://schemas.microsoft.com/office/drawing/2014/main" id="{E04B57C6-883C-46E9-97F8-8121F0226330}"/>
+                <a16:creationId xmlns:a16="http://schemas.microsoft.com/office/drawing/2014/main" id="{B0676973-EA72-4D5F-9A6D-2CAB38CC5F7A}"/>
               </a:ext>
             </a:extLst>
           </p:cNvPr>
@@ -4906,20 +5173,13 @@
         </p:nvSpPr>
         <p:spPr>
           <a:xfrm>
-            <a:off x="540000" y="2031399"/>
-            <a:ext cx="262800" cy="262339"/>
+            <a:off x="6590704" y="4066893"/>
+            <a:ext cx="1262618" cy="836484"/>
           </a:xfrm>
           <a:prstGeom prst="flowChartAlternateProcess">
             <a:avLst/>
           </a:prstGeom>
-          <a:solidFill>
-            <a:srgbClr val="AC75D5"/>
-          </a:solidFill>
-          <a:ln w="19050">
-            <a:solidFill>
-              <a:srgbClr val="7030A0"/>
-            </a:solidFill>
-          </a:ln>
+          <a:ln w="19050"/>
         </p:spPr>
         <p:style>
           <a:lnRef idx="2">
@@ -4947,19 +5207,22 @@
           <a:lstStyle/>
           <a:p>
             <a:pPr algn="ctr"/>
-            <a:endParaRPr lang="en-AU" sz="1050" dirty="0">
-              <a:latin typeface="Consolas" panose="020B0609020204030204" pitchFamily="49" charset="0"/>
-              <a:ea typeface="Yu Gothic" panose="020B0400000000000000" pitchFamily="34" charset="-128"/>
-            </a:endParaRPr>
-          </a:p>
-        </p:txBody>
-      </p:sp>
-      <p:sp>
-        <p:nvSpPr>
-          <p:cNvPr id="109" name="Flowchart: Alternate Process 108">
+            <a:r>
+              <a:rPr lang="en-AU" sz="1050" dirty="0">
+                <a:latin typeface="Consolas" panose="020B0609020204030204" pitchFamily="49" charset="0"/>
+                <a:ea typeface="Yu Gothic" panose="020B0400000000000000" pitchFamily="34" charset="-128"/>
+              </a:rPr>
+              <a:t>Develop control method based on kinematics of the suit</a:t>
+            </a:r>
+          </a:p>
+        </p:txBody>
+      </p:sp>
+      <p:sp>
+        <p:nvSpPr>
+          <p:cNvPr id="33" name="Flowchart: Alternate Process 32">
             <a:extLst>
               <a:ext uri="{FF2B5EF4-FFF2-40B4-BE49-F238E27FC236}">
-                <a16:creationId xmlns:a16="http://schemas.microsoft.com/office/drawing/2014/main" id="{9118EFF1-3CA2-47A5-9F02-672D9B02F57F}"/>
+                <a16:creationId xmlns:a16="http://schemas.microsoft.com/office/drawing/2014/main" id="{B7FBCCD6-B5C4-43DD-A839-6974AB226413}"/>
               </a:ext>
             </a:extLst>
           </p:cNvPr>
@@ -4968,19 +5231,1407 @@
         </p:nvSpPr>
         <p:spPr>
           <a:xfrm>
-            <a:off x="540000" y="2448947"/>
-            <a:ext cx="262800" cy="262339"/>
+            <a:off x="6590704" y="5162939"/>
+            <a:ext cx="1262618" cy="836484"/>
+          </a:xfrm>
+          <a:prstGeom prst="flowChartAlternateProcess">
+            <a:avLst/>
+          </a:prstGeom>
+          <a:ln w="19050"/>
+        </p:spPr>
+        <p:style>
+          <a:lnRef idx="2">
+            <a:schemeClr val="accent5">
+              <a:shade val="50000"/>
+            </a:schemeClr>
+          </a:lnRef>
+          <a:fillRef idx="1">
+            <a:schemeClr val="accent5"/>
+          </a:fillRef>
+          <a:effectRef idx="0">
+            <a:schemeClr val="accent5"/>
+          </a:effectRef>
+          <a:fontRef idx="minor">
+            <a:schemeClr val="lt1"/>
+          </a:fontRef>
+        </p:style>
+        <p:txBody>
+          <a:bodyPr rot="0" spcFirstLastPara="0" vertOverflow="overflow" horzOverflow="overflow" vert="horz" wrap="square" lIns="0" tIns="0" rIns="0" bIns="0" numCol="1" spcCol="0" rtlCol="0" fromWordArt="0" anchor="ctr" anchorCtr="0" forceAA="0" compatLnSpc="1">
+            <a:prstTxWarp prst="textNoShape">
+              <a:avLst/>
+            </a:prstTxWarp>
+            <a:noAutofit/>
+          </a:bodyPr>
+          <a:lstStyle/>
+          <a:p>
+            <a:pPr algn="ctr"/>
+            <a:r>
+              <a:rPr lang="en-AU" sz="1050" dirty="0">
+                <a:latin typeface="Consolas" panose="020B0609020204030204" pitchFamily="49" charset="0"/>
+                <a:ea typeface="Yu Gothic" panose="020B0400000000000000" pitchFamily="34" charset="-128"/>
+              </a:rPr>
+              <a:t>Derive required action of the suit from any given state</a:t>
+            </a:r>
+          </a:p>
+        </p:txBody>
+      </p:sp>
+      <p:sp>
+        <p:nvSpPr>
+          <p:cNvPr id="187" name="Flowchart: Alternate Process 186">
+            <a:extLst>
+              <a:ext uri="{FF2B5EF4-FFF2-40B4-BE49-F238E27FC236}">
+                <a16:creationId xmlns:a16="http://schemas.microsoft.com/office/drawing/2014/main" id="{17975D41-8DC7-4055-949A-7231CCF688D6}"/>
+              </a:ext>
+            </a:extLst>
+          </p:cNvPr>
+          <p:cNvSpPr/>
+          <p:nvPr/>
+        </p:nvSpPr>
+        <p:spPr>
+          <a:xfrm>
+            <a:off x="8103382" y="5162939"/>
+            <a:ext cx="1262618" cy="836484"/>
           </a:xfrm>
           <a:prstGeom prst="flowChartAlternateProcess">
             <a:avLst/>
           </a:prstGeom>
           <a:solidFill>
-            <a:srgbClr val="FF5B5B"/>
+            <a:srgbClr val="AC75D5"/>
           </a:solidFill>
+          <a:ln w="19050">
+            <a:solidFill>
+              <a:srgbClr val="7030A0"/>
+            </a:solidFill>
+          </a:ln>
+        </p:spPr>
+        <p:style>
+          <a:lnRef idx="2">
+            <a:schemeClr val="accent5">
+              <a:shade val="50000"/>
+            </a:schemeClr>
+          </a:lnRef>
+          <a:fillRef idx="1">
+            <a:schemeClr val="accent5"/>
+          </a:fillRef>
+          <a:effectRef idx="0">
+            <a:schemeClr val="accent5"/>
+          </a:effectRef>
+          <a:fontRef idx="minor">
+            <a:schemeClr val="lt1"/>
+          </a:fontRef>
+        </p:style>
+        <p:txBody>
+          <a:bodyPr rot="0" spcFirstLastPara="0" vertOverflow="overflow" horzOverflow="overflow" vert="horz" wrap="square" lIns="0" tIns="0" rIns="0" bIns="0" numCol="1" spcCol="0" rtlCol="0" fromWordArt="0" anchor="ctr" anchorCtr="0" forceAA="0" compatLnSpc="1">
+            <a:prstTxWarp prst="textNoShape">
+              <a:avLst/>
+            </a:prstTxWarp>
+            <a:noAutofit/>
+          </a:bodyPr>
+          <a:lstStyle/>
+          <a:p>
+            <a:pPr algn="ctr"/>
+            <a:r>
+              <a:rPr lang="en-AU" sz="1050" dirty="0">
+                <a:latin typeface="Consolas" panose="020B0609020204030204" pitchFamily="49" charset="0"/>
+                <a:ea typeface="Yu Gothic" panose="020B0400000000000000" pitchFamily="34" charset="-128"/>
+              </a:rPr>
+              <a:t>Transmit Message over communications system</a:t>
+            </a:r>
+          </a:p>
+        </p:txBody>
+      </p:sp>
+      <p:sp>
+        <p:nvSpPr>
+          <p:cNvPr id="188" name="Flowchart: Alternate Process 187">
+            <a:extLst>
+              <a:ext uri="{FF2B5EF4-FFF2-40B4-BE49-F238E27FC236}">
+                <a16:creationId xmlns:a16="http://schemas.microsoft.com/office/drawing/2014/main" id="{70ECDDF3-EE31-4BE2-BB26-E9F9CED294F8}"/>
+              </a:ext>
+            </a:extLst>
+          </p:cNvPr>
+          <p:cNvSpPr/>
+          <p:nvPr/>
+        </p:nvSpPr>
+        <p:spPr>
+          <a:xfrm>
+            <a:off x="8103382" y="2973625"/>
+            <a:ext cx="1262618" cy="836484"/>
+          </a:xfrm>
+          <a:prstGeom prst="flowChartAlternateProcess">
+            <a:avLst/>
+          </a:prstGeom>
+          <a:solidFill>
+            <a:srgbClr val="AC75D5"/>
+          </a:solidFill>
+          <a:ln w="19050">
+            <a:solidFill>
+              <a:srgbClr val="7030A0"/>
+            </a:solidFill>
+          </a:ln>
+        </p:spPr>
+        <p:style>
+          <a:lnRef idx="2">
+            <a:schemeClr val="accent5">
+              <a:shade val="50000"/>
+            </a:schemeClr>
+          </a:lnRef>
+          <a:fillRef idx="1">
+            <a:schemeClr val="accent5"/>
+          </a:fillRef>
+          <a:effectRef idx="0">
+            <a:schemeClr val="accent5"/>
+          </a:effectRef>
+          <a:fontRef idx="minor">
+            <a:schemeClr val="lt1"/>
+          </a:fontRef>
+        </p:style>
+        <p:txBody>
+          <a:bodyPr rot="0" spcFirstLastPara="0" vertOverflow="overflow" horzOverflow="overflow" vert="horz" wrap="square" lIns="0" tIns="0" rIns="0" bIns="0" numCol="1" spcCol="0" rtlCol="0" fromWordArt="0" anchor="ctr" anchorCtr="0" forceAA="0" compatLnSpc="1">
+            <a:prstTxWarp prst="textNoShape">
+              <a:avLst/>
+            </a:prstTxWarp>
+            <a:noAutofit/>
+          </a:bodyPr>
+          <a:lstStyle/>
+          <a:p>
+            <a:pPr algn="ctr"/>
+            <a:r>
+              <a:rPr lang="en-AU" sz="1050" dirty="0">
+                <a:latin typeface="Consolas" panose="020B0609020204030204" pitchFamily="49" charset="0"/>
+                <a:ea typeface="Yu Gothic" panose="020B0400000000000000" pitchFamily="34" charset="-128"/>
+              </a:rPr>
+              <a:t>Communicate Desired Action</a:t>
+            </a:r>
+          </a:p>
+        </p:txBody>
+      </p:sp>
+    </p:spTree>
+    <p:extLst>
+      <p:ext uri="{BB962C8B-B14F-4D97-AF65-F5344CB8AC3E}">
+        <p14:creationId xmlns:p14="http://schemas.microsoft.com/office/powerpoint/2010/main" val="1637309550"/>
+      </p:ext>
+    </p:extLst>
+  </p:cSld>
+  <p:clrMapOvr>
+    <a:masterClrMapping/>
+  </p:clrMapOvr>
+</p:sld>
+</file>
+
+<file path=ppt/slides/slide2.xml><?xml version="1.0" encoding="utf-8"?>
+<p:sld xmlns:a="http://schemas.openxmlformats.org/drawingml/2006/main" xmlns:r="http://schemas.openxmlformats.org/officeDocument/2006/relationships" xmlns:p="http://schemas.openxmlformats.org/presentationml/2006/main">
+  <p:cSld>
+    <p:spTree>
+      <p:nvGrpSpPr>
+        <p:cNvPr id="1" name=""/>
+        <p:cNvGrpSpPr/>
+        <p:nvPr/>
+      </p:nvGrpSpPr>
+      <p:grpSpPr>
+        <a:xfrm>
+          <a:off x="0" y="0"/>
+          <a:ext cx="0" cy="0"/>
+          <a:chOff x="0" y="0"/>
+          <a:chExt cx="0" cy="0"/>
+        </a:xfrm>
+      </p:grpSpPr>
+      <p:grpSp>
+        <p:nvGrpSpPr>
+          <p:cNvPr id="53" name="Group 52">
+            <a:extLst>
+              <a:ext uri="{FF2B5EF4-FFF2-40B4-BE49-F238E27FC236}">
+                <a16:creationId xmlns:a16="http://schemas.microsoft.com/office/drawing/2014/main" id="{9BBE5F49-CD7E-4190-8DD7-B10387A2710F}"/>
+              </a:ext>
+            </a:extLst>
+          </p:cNvPr>
+          <p:cNvGrpSpPr/>
+          <p:nvPr/>
+        </p:nvGrpSpPr>
+        <p:grpSpPr>
+          <a:xfrm>
+            <a:off x="1820091" y="540000"/>
+            <a:ext cx="6265796" cy="4941516"/>
+            <a:chOff x="1820091" y="540000"/>
+            <a:chExt cx="6265796" cy="4941516"/>
+          </a:xfrm>
+        </p:grpSpPr>
+        <p:sp>
+          <p:nvSpPr>
+            <p:cNvPr id="7" name="Flowchart: Alternate Process 6">
+              <a:extLst>
+                <a:ext uri="{FF2B5EF4-FFF2-40B4-BE49-F238E27FC236}">
+                  <a16:creationId xmlns:a16="http://schemas.microsoft.com/office/drawing/2014/main" id="{BDC8CD1B-7783-44CD-BA33-6E26BA3F5FDD}"/>
+                </a:ext>
+              </a:extLst>
+            </p:cNvPr>
+            <p:cNvSpPr/>
+            <p:nvPr/>
+          </p:nvSpPr>
+          <p:spPr>
+            <a:xfrm>
+              <a:off x="3258498" y="540000"/>
+              <a:ext cx="3388984" cy="262339"/>
+            </a:xfrm>
+            <a:prstGeom prst="flowChartAlternateProcess">
+              <a:avLst/>
+            </a:prstGeom>
+            <a:noFill/>
+            <a:ln>
+              <a:noFill/>
+            </a:ln>
+          </p:spPr>
+          <p:style>
+            <a:lnRef idx="2">
+              <a:schemeClr val="dk1"/>
+            </a:lnRef>
+            <a:fillRef idx="1">
+              <a:schemeClr val="lt1"/>
+            </a:fillRef>
+            <a:effectRef idx="0">
+              <a:schemeClr val="dk1"/>
+            </a:effectRef>
+            <a:fontRef idx="minor">
+              <a:schemeClr val="dk1"/>
+            </a:fontRef>
+          </p:style>
+          <p:txBody>
+            <a:bodyPr rot="0" spcFirstLastPara="0" vertOverflow="overflow" horzOverflow="overflow" vert="horz" wrap="square" lIns="0" tIns="0" rIns="0" bIns="0" numCol="1" spcCol="0" rtlCol="0" fromWordArt="0" anchor="ctr" anchorCtr="0" forceAA="0" compatLnSpc="1">
+              <a:prstTxWarp prst="textNoShape">
+                <a:avLst/>
+              </a:prstTxWarp>
+              <a:noAutofit/>
+            </a:bodyPr>
+            <a:lstStyle/>
+            <a:p>
+              <a:pPr algn="ctr"/>
+              <a:r>
+                <a:rPr lang="en-AU" sz="1400" b="1" u="sng" dirty="0">
+                  <a:latin typeface="Consolas" panose="020B0609020204030204" pitchFamily="49" charset="0"/>
+                  <a:ea typeface="Yu Gothic" panose="020B0400000000000000" pitchFamily="34" charset="-128"/>
+                </a:rPr>
+                <a:t>SS1: Relative Position of Pilot </a:t>
+              </a:r>
+            </a:p>
+          </p:txBody>
+        </p:sp>
+        <p:sp>
+          <p:nvSpPr>
+            <p:cNvPr id="24" name="Flowchart: Alternate Process 23">
+              <a:extLst>
+                <a:ext uri="{FF2B5EF4-FFF2-40B4-BE49-F238E27FC236}">
+                  <a16:creationId xmlns:a16="http://schemas.microsoft.com/office/drawing/2014/main" id="{2DA2B122-C08F-43FA-9300-AE06F1C82B98}"/>
+                </a:ext>
+              </a:extLst>
+            </p:cNvPr>
+            <p:cNvSpPr/>
+            <p:nvPr/>
+          </p:nvSpPr>
+          <p:spPr>
+            <a:xfrm>
+              <a:off x="4321691" y="4383432"/>
+              <a:ext cx="1262618" cy="836484"/>
+            </a:xfrm>
+            <a:prstGeom prst="flowChartAlternateProcess">
+              <a:avLst/>
+            </a:prstGeom>
+            <a:ln/>
+          </p:spPr>
+          <p:style>
+            <a:lnRef idx="2">
+              <a:schemeClr val="dk1"/>
+            </a:lnRef>
+            <a:fillRef idx="1">
+              <a:schemeClr val="lt1"/>
+            </a:fillRef>
+            <a:effectRef idx="0">
+              <a:schemeClr val="dk1"/>
+            </a:effectRef>
+            <a:fontRef idx="minor">
+              <a:schemeClr val="dk1"/>
+            </a:fontRef>
+          </p:style>
+          <p:txBody>
+            <a:bodyPr rot="0" spcFirstLastPara="0" vertOverflow="overflow" horzOverflow="overflow" vert="horz" wrap="square" lIns="0" tIns="0" rIns="0" bIns="0" numCol="1" spcCol="0" rtlCol="0" fromWordArt="0" anchor="ctr" anchorCtr="0" forceAA="0" compatLnSpc="1">
+              <a:prstTxWarp prst="textNoShape">
+                <a:avLst/>
+              </a:prstTxWarp>
+              <a:noAutofit/>
+            </a:bodyPr>
+            <a:lstStyle/>
+            <a:p>
+              <a:pPr algn="ctr"/>
+              <a:r>
+                <a:rPr lang="en-AU" sz="1050" dirty="0">
+                  <a:latin typeface="Consolas" panose="020B0609020204030204" pitchFamily="49" charset="0"/>
+                  <a:ea typeface="Yu Gothic" panose="020B0400000000000000" pitchFamily="34" charset="-128"/>
+                </a:rPr>
+                <a:t>Define Origin</a:t>
+              </a:r>
+            </a:p>
+          </p:txBody>
+        </p:sp>
+        <p:sp>
+          <p:nvSpPr>
+            <p:cNvPr id="29" name="Flowchart: Alternate Process 28">
+              <a:extLst>
+                <a:ext uri="{FF2B5EF4-FFF2-40B4-BE49-F238E27FC236}">
+                  <a16:creationId xmlns:a16="http://schemas.microsoft.com/office/drawing/2014/main" id="{642B8AF3-139C-4DD2-999B-77467D9913C8}"/>
+                </a:ext>
+              </a:extLst>
+            </p:cNvPr>
+            <p:cNvSpPr/>
+            <p:nvPr/>
+          </p:nvSpPr>
+          <p:spPr>
+            <a:xfrm>
+              <a:off x="2430840" y="4383432"/>
+              <a:ext cx="1262618" cy="836484"/>
+            </a:xfrm>
+            <a:prstGeom prst="flowChartAlternateProcess">
+              <a:avLst/>
+            </a:prstGeom>
+            <a:ln/>
+          </p:spPr>
+          <p:style>
+            <a:lnRef idx="2">
+              <a:schemeClr val="dk1"/>
+            </a:lnRef>
+            <a:fillRef idx="1">
+              <a:schemeClr val="lt1"/>
+            </a:fillRef>
+            <a:effectRef idx="0">
+              <a:schemeClr val="dk1"/>
+            </a:effectRef>
+            <a:fontRef idx="minor">
+              <a:schemeClr val="dk1"/>
+            </a:fontRef>
+          </p:style>
+          <p:txBody>
+            <a:bodyPr rot="0" spcFirstLastPara="0" vertOverflow="overflow" horzOverflow="overflow" vert="horz" wrap="square" lIns="0" tIns="0" rIns="0" bIns="0" numCol="1" spcCol="0" rtlCol="0" fromWordArt="0" anchor="ctr" anchorCtr="0" forceAA="0" compatLnSpc="1">
+              <a:prstTxWarp prst="textNoShape">
+                <a:avLst/>
+              </a:prstTxWarp>
+              <a:noAutofit/>
+            </a:bodyPr>
+            <a:lstStyle/>
+            <a:p>
+              <a:pPr algn="ctr"/>
+              <a:r>
+                <a:rPr lang="en-AU" sz="1050" dirty="0">
+                  <a:latin typeface="Consolas" panose="020B0609020204030204" pitchFamily="49" charset="0"/>
+                  <a:ea typeface="Yu Gothic" panose="020B0400000000000000" pitchFamily="34" charset="-128"/>
+                </a:rPr>
+                <a:t>Detect distance / proximity</a:t>
+              </a:r>
+            </a:p>
+          </p:txBody>
+        </p:sp>
+        <p:sp>
+          <p:nvSpPr>
+            <p:cNvPr id="30" name="Flowchart: Alternate Process 29">
+              <a:extLst>
+                <a:ext uri="{FF2B5EF4-FFF2-40B4-BE49-F238E27FC236}">
+                  <a16:creationId xmlns:a16="http://schemas.microsoft.com/office/drawing/2014/main" id="{69ECF706-1FDA-4E1A-8C85-67EDF63C6058}"/>
+                </a:ext>
+              </a:extLst>
+            </p:cNvPr>
+            <p:cNvSpPr/>
+            <p:nvPr/>
+          </p:nvSpPr>
+          <p:spPr>
+            <a:xfrm>
+              <a:off x="6212518" y="4383432"/>
+              <a:ext cx="1262618" cy="836484"/>
+            </a:xfrm>
+            <a:prstGeom prst="flowChartAlternateProcess">
+              <a:avLst/>
+            </a:prstGeom>
+            <a:ln/>
+          </p:spPr>
+          <p:style>
+            <a:lnRef idx="2">
+              <a:schemeClr val="dk1"/>
+            </a:lnRef>
+            <a:fillRef idx="1">
+              <a:schemeClr val="lt1"/>
+            </a:fillRef>
+            <a:effectRef idx="0">
+              <a:schemeClr val="dk1"/>
+            </a:effectRef>
+            <a:fontRef idx="minor">
+              <a:schemeClr val="dk1"/>
+            </a:fontRef>
+          </p:style>
+          <p:txBody>
+            <a:bodyPr rot="0" spcFirstLastPara="0" vertOverflow="overflow" horzOverflow="overflow" vert="horz" wrap="square" lIns="0" tIns="0" rIns="0" bIns="0" numCol="1" spcCol="0" rtlCol="0" fromWordArt="0" anchor="ctr" anchorCtr="0" forceAA="0" compatLnSpc="1">
+              <a:prstTxWarp prst="textNoShape">
+                <a:avLst/>
+              </a:prstTxWarp>
+              <a:noAutofit/>
+            </a:bodyPr>
+            <a:lstStyle/>
+            <a:p>
+              <a:pPr algn="ctr"/>
+              <a:r>
+                <a:rPr lang="en-AU" sz="1050" dirty="0">
+                  <a:latin typeface="Consolas" panose="020B0609020204030204" pitchFamily="49" charset="0"/>
+                  <a:ea typeface="Yu Gothic" panose="020B0400000000000000" pitchFamily="34" charset="-128"/>
+                </a:rPr>
+                <a:t>Parse readings into useable data</a:t>
+              </a:r>
+            </a:p>
+          </p:txBody>
+        </p:sp>
+        <p:cxnSp>
+          <p:nvCxnSpPr>
+            <p:cNvPr id="34" name="Straight Arrow Connector 33">
+              <a:extLst>
+                <a:ext uri="{FF2B5EF4-FFF2-40B4-BE49-F238E27FC236}">
+                  <a16:creationId xmlns:a16="http://schemas.microsoft.com/office/drawing/2014/main" id="{59B84EE9-F805-4C24-80E0-883DD0CFC543}"/>
+                </a:ext>
+              </a:extLst>
+            </p:cNvPr>
+            <p:cNvCxnSpPr>
+              <a:stCxn id="37" idx="2"/>
+              <a:endCxn id="38" idx="0"/>
+            </p:cNvCxnSpPr>
+            <p:nvPr/>
+          </p:nvCxnSpPr>
+          <p:spPr>
+            <a:xfrm>
+              <a:off x="4953000" y="3023748"/>
+              <a:ext cx="0" cy="261600"/>
+            </a:xfrm>
+            <a:prstGeom prst="straightConnector1">
+              <a:avLst/>
+            </a:prstGeom>
+            <a:ln w="19050">
+              <a:tailEnd type="triangle"/>
+            </a:ln>
+          </p:spPr>
+          <p:style>
+            <a:lnRef idx="3">
+              <a:schemeClr val="accent4"/>
+            </a:lnRef>
+            <a:fillRef idx="0">
+              <a:schemeClr val="accent4"/>
+            </a:fillRef>
+            <a:effectRef idx="2">
+              <a:schemeClr val="accent4"/>
+            </a:effectRef>
+            <a:fontRef idx="minor">
+              <a:schemeClr val="tx1"/>
+            </a:fontRef>
+          </p:style>
+        </p:cxnSp>
+        <p:cxnSp>
+          <p:nvCxnSpPr>
+            <p:cNvPr id="35" name="Straight Arrow Connector 34">
+              <a:extLst>
+                <a:ext uri="{FF2B5EF4-FFF2-40B4-BE49-F238E27FC236}">
+                  <a16:creationId xmlns:a16="http://schemas.microsoft.com/office/drawing/2014/main" id="{C7E0C5AF-5A96-4056-ACE7-88BB922ABB18}"/>
+                </a:ext>
+              </a:extLst>
+            </p:cNvPr>
+            <p:cNvCxnSpPr>
+              <a:stCxn id="36" idx="2"/>
+              <a:endCxn id="37" idx="0"/>
+            </p:cNvCxnSpPr>
+            <p:nvPr/>
+          </p:nvCxnSpPr>
+          <p:spPr>
+            <a:xfrm>
+              <a:off x="4953000" y="1925664"/>
+              <a:ext cx="0" cy="261600"/>
+            </a:xfrm>
+            <a:prstGeom prst="straightConnector1">
+              <a:avLst/>
+            </a:prstGeom>
+            <a:ln w="19050">
+              <a:tailEnd type="triangle"/>
+            </a:ln>
+          </p:spPr>
+          <p:style>
+            <a:lnRef idx="3">
+              <a:schemeClr val="accent4"/>
+            </a:lnRef>
+            <a:fillRef idx="0">
+              <a:schemeClr val="accent4"/>
+            </a:fillRef>
+            <a:effectRef idx="2">
+              <a:schemeClr val="accent4"/>
+            </a:effectRef>
+            <a:fontRef idx="minor">
+              <a:schemeClr val="tx1"/>
+            </a:fontRef>
+          </p:style>
+        </p:cxnSp>
+        <p:sp>
+          <p:nvSpPr>
+            <p:cNvPr id="36" name="Flowchart: Alternate Process 35">
+              <a:extLst>
+                <a:ext uri="{FF2B5EF4-FFF2-40B4-BE49-F238E27FC236}">
+                  <a16:creationId xmlns:a16="http://schemas.microsoft.com/office/drawing/2014/main" id="{D92F409B-EDD8-46C5-A4D2-F93183E2606B}"/>
+                </a:ext>
+              </a:extLst>
+            </p:cNvPr>
+            <p:cNvSpPr/>
+            <p:nvPr/>
+          </p:nvSpPr>
+          <p:spPr>
+            <a:xfrm>
+              <a:off x="4321691" y="1089180"/>
+              <a:ext cx="1262618" cy="836484"/>
+            </a:xfrm>
+            <a:prstGeom prst="flowChartAlternateProcess">
+              <a:avLst/>
+            </a:prstGeom>
+            <a:ln w="19050"/>
+          </p:spPr>
+          <p:style>
+            <a:lnRef idx="2">
+              <a:schemeClr val="accent4">
+                <a:shade val="50000"/>
+              </a:schemeClr>
+            </a:lnRef>
+            <a:fillRef idx="1">
+              <a:schemeClr val="accent4"/>
+            </a:fillRef>
+            <a:effectRef idx="0">
+              <a:schemeClr val="accent4"/>
+            </a:effectRef>
+            <a:fontRef idx="minor">
+              <a:schemeClr val="lt1"/>
+            </a:fontRef>
+          </p:style>
+          <p:txBody>
+            <a:bodyPr rot="0" spcFirstLastPara="0" vertOverflow="overflow" horzOverflow="overflow" vert="horz" wrap="square" lIns="0" tIns="0" rIns="0" bIns="0" numCol="1" spcCol="0" rtlCol="0" fromWordArt="0" anchor="ctr" anchorCtr="0" forceAA="0" compatLnSpc="1">
+              <a:prstTxWarp prst="textNoShape">
+                <a:avLst/>
+              </a:prstTxWarp>
+              <a:noAutofit/>
+            </a:bodyPr>
+            <a:lstStyle/>
+            <a:p>
+              <a:pPr algn="ctr"/>
+              <a:r>
+                <a:rPr lang="en-AU" sz="1050" dirty="0">
+                  <a:latin typeface="Consolas" panose="020B0609020204030204" pitchFamily="49" charset="0"/>
+                  <a:ea typeface="Yu Gothic" panose="020B0400000000000000" pitchFamily="34" charset="-128"/>
+                </a:rPr>
+                <a:t>Observe current state of pilot/desired state of suit</a:t>
+              </a:r>
+            </a:p>
+          </p:txBody>
+        </p:sp>
+        <p:sp>
+          <p:nvSpPr>
+            <p:cNvPr id="37" name="Flowchart: Alternate Process 36">
+              <a:extLst>
+                <a:ext uri="{FF2B5EF4-FFF2-40B4-BE49-F238E27FC236}">
+                  <a16:creationId xmlns:a16="http://schemas.microsoft.com/office/drawing/2014/main" id="{50115687-D116-4ABA-A652-AD6EE015EF68}"/>
+                </a:ext>
+              </a:extLst>
+            </p:cNvPr>
+            <p:cNvSpPr/>
+            <p:nvPr/>
+          </p:nvSpPr>
+          <p:spPr>
+            <a:xfrm>
+              <a:off x="4321691" y="2187264"/>
+              <a:ext cx="1262618" cy="836484"/>
+            </a:xfrm>
+            <a:prstGeom prst="flowChartAlternateProcess">
+              <a:avLst/>
+            </a:prstGeom>
+            <a:ln w="19050"/>
+          </p:spPr>
+          <p:style>
+            <a:lnRef idx="2">
+              <a:schemeClr val="accent4">
+                <a:shade val="50000"/>
+              </a:schemeClr>
+            </a:lnRef>
+            <a:fillRef idx="1">
+              <a:schemeClr val="accent4"/>
+            </a:fillRef>
+            <a:effectRef idx="0">
+              <a:schemeClr val="accent4"/>
+            </a:effectRef>
+            <a:fontRef idx="minor">
+              <a:schemeClr val="lt1"/>
+            </a:fontRef>
+          </p:style>
+          <p:txBody>
+            <a:bodyPr rot="0" spcFirstLastPara="0" vertOverflow="overflow" horzOverflow="overflow" vert="horz" wrap="square" lIns="0" tIns="0" rIns="0" bIns="0" numCol="1" spcCol="0" rtlCol="0" fromWordArt="0" anchor="ctr" anchorCtr="0" forceAA="0" compatLnSpc="1">
+              <a:prstTxWarp prst="textNoShape">
+                <a:avLst/>
+              </a:prstTxWarp>
+              <a:noAutofit/>
+            </a:bodyPr>
+            <a:lstStyle/>
+            <a:p>
+              <a:pPr algn="ctr"/>
+              <a:r>
+                <a:rPr lang="en-AU" sz="1050" dirty="0">
+                  <a:latin typeface="Consolas" panose="020B0609020204030204" pitchFamily="49" charset="0"/>
+                  <a:ea typeface="Yu Gothic" panose="020B0400000000000000" pitchFamily="34" charset="-128"/>
+                </a:rPr>
+                <a:t>Measure position of limbs in relation to origin</a:t>
+              </a:r>
+            </a:p>
+          </p:txBody>
+        </p:sp>
+        <p:sp>
+          <p:nvSpPr>
+            <p:cNvPr id="38" name="Flowchart: Alternate Process 37">
+              <a:extLst>
+                <a:ext uri="{FF2B5EF4-FFF2-40B4-BE49-F238E27FC236}">
+                  <a16:creationId xmlns:a16="http://schemas.microsoft.com/office/drawing/2014/main" id="{36AFA404-2F42-45E1-A7C3-93CEEEC99AA4}"/>
+                </a:ext>
+              </a:extLst>
+            </p:cNvPr>
+            <p:cNvSpPr/>
+            <p:nvPr/>
+          </p:nvSpPr>
+          <p:spPr>
+            <a:xfrm>
+              <a:off x="4321691" y="3285348"/>
+              <a:ext cx="1262618" cy="836484"/>
+            </a:xfrm>
+            <a:prstGeom prst="flowChartAlternateProcess">
+              <a:avLst/>
+            </a:prstGeom>
+            <a:ln w="19050"/>
+          </p:spPr>
+          <p:style>
+            <a:lnRef idx="2">
+              <a:schemeClr val="accent4">
+                <a:shade val="50000"/>
+              </a:schemeClr>
+            </a:lnRef>
+            <a:fillRef idx="1">
+              <a:schemeClr val="accent4"/>
+            </a:fillRef>
+            <a:effectRef idx="0">
+              <a:schemeClr val="accent4"/>
+            </a:effectRef>
+            <a:fontRef idx="minor">
+              <a:schemeClr val="lt1"/>
+            </a:fontRef>
+          </p:style>
+          <p:txBody>
+            <a:bodyPr rot="0" spcFirstLastPara="0" vertOverflow="overflow" horzOverflow="overflow" vert="horz" wrap="square" lIns="0" tIns="0" rIns="0" bIns="0" numCol="1" spcCol="0" rtlCol="0" fromWordArt="0" anchor="ctr" anchorCtr="0" forceAA="0" compatLnSpc="1">
+              <a:prstTxWarp prst="textNoShape">
+                <a:avLst/>
+              </a:prstTxWarp>
+              <a:noAutofit/>
+            </a:bodyPr>
+            <a:lstStyle/>
+            <a:p>
+              <a:pPr algn="ctr"/>
+              <a:r>
+                <a:rPr lang="en-AU" sz="1050" dirty="0">
+                  <a:latin typeface="Consolas" panose="020B0609020204030204" pitchFamily="49" charset="0"/>
+                  <a:ea typeface="Yu Gothic" panose="020B0400000000000000" pitchFamily="34" charset="-128"/>
+                </a:rPr>
+                <a:t>Measure position of limbs in relation to fixed rotational axis on suit</a:t>
+              </a:r>
+            </a:p>
+          </p:txBody>
+        </p:sp>
+        <p:sp>
+          <p:nvSpPr>
+            <p:cNvPr id="40" name="Flowchart: Alternate Process 39">
+              <a:extLst>
+                <a:ext uri="{FF2B5EF4-FFF2-40B4-BE49-F238E27FC236}">
+                  <a16:creationId xmlns:a16="http://schemas.microsoft.com/office/drawing/2014/main" id="{AFA75523-7646-498B-9D65-2901DDEFD156}"/>
+                </a:ext>
+              </a:extLst>
+            </p:cNvPr>
+            <p:cNvSpPr/>
+            <p:nvPr/>
+          </p:nvSpPr>
+          <p:spPr>
+            <a:xfrm>
+              <a:off x="1820091" y="540000"/>
+              <a:ext cx="6265796" cy="4941516"/>
+            </a:xfrm>
+            <a:prstGeom prst="flowChartAlternateProcess">
+              <a:avLst/>
+            </a:prstGeom>
+            <a:noFill/>
+            <a:ln w="19050">
+              <a:prstDash val="lgDash"/>
+            </a:ln>
+          </p:spPr>
+          <p:style>
+            <a:lnRef idx="2">
+              <a:schemeClr val="accent4">
+                <a:shade val="50000"/>
+              </a:schemeClr>
+            </a:lnRef>
+            <a:fillRef idx="1">
+              <a:schemeClr val="accent4"/>
+            </a:fillRef>
+            <a:effectRef idx="0">
+              <a:schemeClr val="accent4"/>
+            </a:effectRef>
+            <a:fontRef idx="minor">
+              <a:schemeClr val="lt1"/>
+            </a:fontRef>
+          </p:style>
+          <p:txBody>
+            <a:bodyPr rot="0" spcFirstLastPara="0" vertOverflow="overflow" horzOverflow="overflow" vert="horz" wrap="square" lIns="0" tIns="0" rIns="0" bIns="0" numCol="1" spcCol="0" rtlCol="0" fromWordArt="0" anchor="ctr" anchorCtr="0" forceAA="0" compatLnSpc="1">
+              <a:prstTxWarp prst="textNoShape">
+                <a:avLst/>
+              </a:prstTxWarp>
+              <a:noAutofit/>
+            </a:bodyPr>
+            <a:lstStyle/>
+            <a:p>
+              <a:pPr algn="ctr"/>
+              <a:endParaRPr lang="en-AU" sz="1050" dirty="0">
+                <a:latin typeface="Consolas" panose="020B0609020204030204" pitchFamily="49" charset="0"/>
+                <a:ea typeface="Yu Gothic" panose="020B0400000000000000" pitchFamily="34" charset="-128"/>
+              </a:endParaRPr>
+            </a:p>
+          </p:txBody>
+        </p:sp>
+        <p:cxnSp>
+          <p:nvCxnSpPr>
+            <p:cNvPr id="44" name="Connector: Elbow 43">
+              <a:extLst>
+                <a:ext uri="{FF2B5EF4-FFF2-40B4-BE49-F238E27FC236}">
+                  <a16:creationId xmlns:a16="http://schemas.microsoft.com/office/drawing/2014/main" id="{F0C4FB97-E9EC-4E24-9D00-09656EC405CE}"/>
+                </a:ext>
+              </a:extLst>
+            </p:cNvPr>
+            <p:cNvCxnSpPr>
+              <a:cxnSpLocks/>
+              <a:stCxn id="38" idx="2"/>
+              <a:endCxn id="30" idx="0"/>
+            </p:cNvCxnSpPr>
+            <p:nvPr/>
+          </p:nvCxnSpPr>
+          <p:spPr>
+            <a:xfrm rot="16200000" flipH="1">
+              <a:off x="5767613" y="3307218"/>
+              <a:ext cx="261600" cy="1890827"/>
+            </a:xfrm>
+            <a:prstGeom prst="bentConnector3">
+              <a:avLst>
+                <a:gd name="adj1" fmla="val 50000"/>
+              </a:avLst>
+            </a:prstGeom>
+            <a:ln w="19050">
+              <a:tailEnd type="triangle"/>
+            </a:ln>
+          </p:spPr>
+          <p:style>
+            <a:lnRef idx="3">
+              <a:schemeClr val="accent4"/>
+            </a:lnRef>
+            <a:fillRef idx="0">
+              <a:schemeClr val="accent4"/>
+            </a:fillRef>
+            <a:effectRef idx="2">
+              <a:schemeClr val="accent4"/>
+            </a:effectRef>
+            <a:fontRef idx="minor">
+              <a:schemeClr val="tx1"/>
+            </a:fontRef>
+          </p:style>
+        </p:cxnSp>
+        <p:cxnSp>
+          <p:nvCxnSpPr>
+            <p:cNvPr id="45" name="Connector: Elbow 44">
+              <a:extLst>
+                <a:ext uri="{FF2B5EF4-FFF2-40B4-BE49-F238E27FC236}">
+                  <a16:creationId xmlns:a16="http://schemas.microsoft.com/office/drawing/2014/main" id="{F4B36599-2B96-4E4E-810B-2B818CC7D704}"/>
+                </a:ext>
+              </a:extLst>
+            </p:cNvPr>
+            <p:cNvCxnSpPr>
+              <a:cxnSpLocks/>
+              <a:stCxn id="38" idx="2"/>
+              <a:endCxn id="29" idx="0"/>
+            </p:cNvCxnSpPr>
+            <p:nvPr/>
+          </p:nvCxnSpPr>
+          <p:spPr>
+            <a:xfrm rot="5400000">
+              <a:off x="3876775" y="3307207"/>
+              <a:ext cx="261600" cy="1890851"/>
+            </a:xfrm>
+            <a:prstGeom prst="bentConnector3">
+              <a:avLst>
+                <a:gd name="adj1" fmla="val 50000"/>
+              </a:avLst>
+            </a:prstGeom>
+            <a:ln w="19050">
+              <a:tailEnd type="triangle"/>
+            </a:ln>
+          </p:spPr>
+          <p:style>
+            <a:lnRef idx="3">
+              <a:schemeClr val="accent4"/>
+            </a:lnRef>
+            <a:fillRef idx="0">
+              <a:schemeClr val="accent4"/>
+            </a:fillRef>
+            <a:effectRef idx="2">
+              <a:schemeClr val="accent4"/>
+            </a:effectRef>
+            <a:fontRef idx="minor">
+              <a:schemeClr val="tx1"/>
+            </a:fontRef>
+          </p:style>
+        </p:cxnSp>
+        <p:cxnSp>
+          <p:nvCxnSpPr>
+            <p:cNvPr id="50" name="Straight Arrow Connector 49">
+              <a:extLst>
+                <a:ext uri="{FF2B5EF4-FFF2-40B4-BE49-F238E27FC236}">
+                  <a16:creationId xmlns:a16="http://schemas.microsoft.com/office/drawing/2014/main" id="{C100FFAC-8701-4F77-936C-F0C8883DBBFB}"/>
+                </a:ext>
+              </a:extLst>
+            </p:cNvPr>
+            <p:cNvCxnSpPr>
+              <a:cxnSpLocks/>
+              <a:stCxn id="38" idx="2"/>
+              <a:endCxn id="24" idx="0"/>
+            </p:cNvCxnSpPr>
+            <p:nvPr/>
+          </p:nvCxnSpPr>
+          <p:spPr>
+            <a:xfrm>
+              <a:off x="4953000" y="4121832"/>
+              <a:ext cx="0" cy="261600"/>
+            </a:xfrm>
+            <a:prstGeom prst="straightConnector1">
+              <a:avLst/>
+            </a:prstGeom>
+            <a:ln w="19050">
+              <a:tailEnd type="triangle"/>
+            </a:ln>
+          </p:spPr>
+          <p:style>
+            <a:lnRef idx="3">
+              <a:schemeClr val="accent4"/>
+            </a:lnRef>
+            <a:fillRef idx="0">
+              <a:schemeClr val="accent4"/>
+            </a:fillRef>
+            <a:effectRef idx="2">
+              <a:schemeClr val="accent4"/>
+            </a:effectRef>
+            <a:fontRef idx="minor">
+              <a:schemeClr val="tx1"/>
+            </a:fontRef>
+          </p:style>
+        </p:cxnSp>
+      </p:grpSp>
+    </p:spTree>
+    <p:extLst>
+      <p:ext uri="{BB962C8B-B14F-4D97-AF65-F5344CB8AC3E}">
+        <p14:creationId xmlns:p14="http://schemas.microsoft.com/office/powerpoint/2010/main" val="3270092390"/>
+      </p:ext>
+    </p:extLst>
+  </p:cSld>
+  <p:clrMapOvr>
+    <a:masterClrMapping/>
+  </p:clrMapOvr>
+</p:sld>
+</file>
+
+<file path=ppt/slides/slide3.xml><?xml version="1.0" encoding="utf-8"?>
+<p:sld xmlns:a="http://schemas.openxmlformats.org/drawingml/2006/main" xmlns:r="http://schemas.openxmlformats.org/officeDocument/2006/relationships" xmlns:p="http://schemas.openxmlformats.org/presentationml/2006/main">
+  <p:cSld>
+    <p:spTree>
+      <p:nvGrpSpPr>
+        <p:cNvPr id="1" name=""/>
+        <p:cNvGrpSpPr/>
+        <p:nvPr/>
+      </p:nvGrpSpPr>
+      <p:grpSpPr>
+        <a:xfrm>
+          <a:off x="0" y="0"/>
+          <a:ext cx="0" cy="0"/>
+          <a:chOff x="0" y="0"/>
+          <a:chExt cx="0" cy="0"/>
+        </a:xfrm>
+      </p:grpSpPr>
+      <p:sp>
+        <p:nvSpPr>
+          <p:cNvPr id="52" name="Flowchart: Alternate Process 51">
+            <a:extLst>
+              <a:ext uri="{FF2B5EF4-FFF2-40B4-BE49-F238E27FC236}">
+                <a16:creationId xmlns:a16="http://schemas.microsoft.com/office/drawing/2014/main" id="{0AB426EE-2687-43AD-8C5C-8E0079F2D89C}"/>
+              </a:ext>
+            </a:extLst>
+          </p:cNvPr>
+          <p:cNvSpPr/>
+          <p:nvPr/>
+        </p:nvSpPr>
+        <p:spPr>
+          <a:xfrm>
+            <a:off x="540001" y="540000"/>
+            <a:ext cx="8825976" cy="5778000"/>
+          </a:xfrm>
+          <a:prstGeom prst="flowChartAlternateProcess">
+            <a:avLst/>
+          </a:prstGeom>
+          <a:noFill/>
+          <a:ln w="19050">
+            <a:prstDash val="lgDash"/>
+          </a:ln>
+        </p:spPr>
+        <p:style>
+          <a:lnRef idx="2">
+            <a:schemeClr val="accent6">
+              <a:shade val="50000"/>
+            </a:schemeClr>
+          </a:lnRef>
+          <a:fillRef idx="1">
+            <a:schemeClr val="accent6"/>
+          </a:fillRef>
+          <a:effectRef idx="0">
+            <a:schemeClr val="accent6"/>
+          </a:effectRef>
+          <a:fontRef idx="minor">
+            <a:schemeClr val="lt1"/>
+          </a:fontRef>
+        </p:style>
+        <p:txBody>
+          <a:bodyPr rot="0" spcFirstLastPara="0" vertOverflow="overflow" horzOverflow="overflow" vert="horz" wrap="square" lIns="0" tIns="0" rIns="0" bIns="0" numCol="1" spcCol="0" rtlCol="0" fromWordArt="0" anchor="ctr" anchorCtr="0" forceAA="0" compatLnSpc="1">
+            <a:prstTxWarp prst="textNoShape">
+              <a:avLst/>
+            </a:prstTxWarp>
+            <a:noAutofit/>
+          </a:bodyPr>
+          <a:lstStyle/>
+          <a:p>
+            <a:pPr algn="ctr"/>
+            <a:endParaRPr lang="en-AU" sz="1050" dirty="0">
+              <a:latin typeface="Consolas" panose="020B0609020204030204" pitchFamily="49" charset="0"/>
+              <a:ea typeface="Yu Gothic" panose="020B0400000000000000" pitchFamily="34" charset="-128"/>
+            </a:endParaRPr>
+          </a:p>
+        </p:txBody>
+      </p:sp>
+      <p:sp>
+        <p:nvSpPr>
+          <p:cNvPr id="9" name="Flowchart: Alternate Process 8">
+            <a:extLst>
+              <a:ext uri="{FF2B5EF4-FFF2-40B4-BE49-F238E27FC236}">
+                <a16:creationId xmlns:a16="http://schemas.microsoft.com/office/drawing/2014/main" id="{195575BC-8F92-4851-8524-DE33F3245025}"/>
+              </a:ext>
+            </a:extLst>
+          </p:cNvPr>
+          <p:cNvSpPr/>
+          <p:nvPr/>
+        </p:nvSpPr>
+        <p:spPr>
+          <a:xfrm>
+            <a:off x="3253446" y="540000"/>
+            <a:ext cx="3399088" cy="262339"/>
+          </a:xfrm>
+          <a:prstGeom prst="flowChartAlternateProcess">
+            <a:avLst/>
+          </a:prstGeom>
+          <a:noFill/>
+          <a:ln>
+            <a:noFill/>
+          </a:ln>
+        </p:spPr>
+        <p:style>
+          <a:lnRef idx="2">
+            <a:schemeClr val="dk1"/>
+          </a:lnRef>
+          <a:fillRef idx="1">
+            <a:schemeClr val="lt1"/>
+          </a:fillRef>
+          <a:effectRef idx="0">
+            <a:schemeClr val="dk1"/>
+          </a:effectRef>
+          <a:fontRef idx="minor">
+            <a:schemeClr val="dk1"/>
+          </a:fontRef>
+        </p:style>
+        <p:txBody>
+          <a:bodyPr rot="0" spcFirstLastPara="0" vertOverflow="overflow" horzOverflow="overflow" vert="horz" wrap="square" lIns="0" tIns="0" rIns="0" bIns="0" numCol="1" spcCol="0" rtlCol="0" fromWordArt="0" anchor="ctr" anchorCtr="0" forceAA="0" compatLnSpc="1">
+            <a:prstTxWarp prst="textNoShape">
+              <a:avLst/>
+            </a:prstTxWarp>
+            <a:noAutofit/>
+          </a:bodyPr>
+          <a:lstStyle/>
+          <a:p>
+            <a:pPr algn="ctr"/>
+            <a:r>
+              <a:rPr lang="en-AU" sz="1400" b="1" u="sng" dirty="0">
+                <a:latin typeface="Consolas" panose="020B0609020204030204" pitchFamily="49" charset="0"/>
+                <a:ea typeface="Yu Gothic" panose="020B0400000000000000" pitchFamily="34" charset="-128"/>
+              </a:rPr>
+              <a:t>Force applied by &amp; to Exoskeleton </a:t>
+            </a:r>
+          </a:p>
+        </p:txBody>
+      </p:sp>
+    </p:spTree>
+    <p:extLst>
+      <p:ext uri="{BB962C8B-B14F-4D97-AF65-F5344CB8AC3E}">
+        <p14:creationId xmlns:p14="http://schemas.microsoft.com/office/powerpoint/2010/main" val="136009869"/>
+      </p:ext>
+    </p:extLst>
+  </p:cSld>
+  <p:clrMapOvr>
+    <a:masterClrMapping/>
+  </p:clrMapOvr>
+</p:sld>
+</file>
+
+<file path=ppt/slides/slide4.xml><?xml version="1.0" encoding="utf-8"?>
+<p:sld xmlns:a="http://schemas.openxmlformats.org/drawingml/2006/main" xmlns:r="http://schemas.openxmlformats.org/officeDocument/2006/relationships" xmlns:p="http://schemas.openxmlformats.org/presentationml/2006/main">
+  <p:cSld>
+    <p:spTree>
+      <p:nvGrpSpPr>
+        <p:cNvPr id="1" name=""/>
+        <p:cNvGrpSpPr/>
+        <p:nvPr/>
+      </p:nvGrpSpPr>
+      <p:grpSpPr>
+        <a:xfrm>
+          <a:off x="0" y="0"/>
+          <a:ext cx="0" cy="0"/>
+          <a:chOff x="0" y="0"/>
+          <a:chExt cx="0" cy="0"/>
+        </a:xfrm>
+      </p:grpSpPr>
+      <p:sp>
+        <p:nvSpPr>
+          <p:cNvPr id="52" name="Flowchart: Alternate Process 51">
+            <a:extLst>
+              <a:ext uri="{FF2B5EF4-FFF2-40B4-BE49-F238E27FC236}">
+                <a16:creationId xmlns:a16="http://schemas.microsoft.com/office/drawing/2014/main" id="{0AB426EE-2687-43AD-8C5C-8E0079F2D89C}"/>
+              </a:ext>
+            </a:extLst>
+          </p:cNvPr>
+          <p:cNvSpPr/>
+          <p:nvPr/>
+        </p:nvSpPr>
+        <p:spPr>
+          <a:xfrm>
+            <a:off x="540001" y="540000"/>
+            <a:ext cx="8825976" cy="5778000"/>
+          </a:xfrm>
+          <a:prstGeom prst="flowChartAlternateProcess">
+            <a:avLst/>
+          </a:prstGeom>
+          <a:noFill/>
+          <a:ln w="19050">
+            <a:prstDash val="lgDash"/>
+          </a:ln>
+        </p:spPr>
+        <p:style>
+          <a:lnRef idx="2">
+            <a:schemeClr val="accent5">
+              <a:shade val="50000"/>
+            </a:schemeClr>
+          </a:lnRef>
+          <a:fillRef idx="1">
+            <a:schemeClr val="accent5"/>
+          </a:fillRef>
+          <a:effectRef idx="0">
+            <a:schemeClr val="accent5"/>
+          </a:effectRef>
+          <a:fontRef idx="minor">
+            <a:schemeClr val="lt1"/>
+          </a:fontRef>
+        </p:style>
+        <p:txBody>
+          <a:bodyPr rot="0" spcFirstLastPara="0" vertOverflow="overflow" horzOverflow="overflow" vert="horz" wrap="square" lIns="0" tIns="0" rIns="0" bIns="0" numCol="1" spcCol="0" rtlCol="0" fromWordArt="0" anchor="ctr" anchorCtr="0" forceAA="0" compatLnSpc="1">
+            <a:prstTxWarp prst="textNoShape">
+              <a:avLst/>
+            </a:prstTxWarp>
+            <a:noAutofit/>
+          </a:bodyPr>
+          <a:lstStyle/>
+          <a:p>
+            <a:pPr algn="ctr"/>
+            <a:endParaRPr lang="en-AU" sz="1050" dirty="0">
+              <a:latin typeface="Consolas" panose="020B0609020204030204" pitchFamily="49" charset="0"/>
+              <a:ea typeface="Yu Gothic" panose="020B0400000000000000" pitchFamily="34" charset="-128"/>
+            </a:endParaRPr>
+          </a:p>
+        </p:txBody>
+      </p:sp>
+      <p:sp>
+        <p:nvSpPr>
+          <p:cNvPr id="4" name="Flowchart: Alternate Process 3">
+            <a:extLst>
+              <a:ext uri="{FF2B5EF4-FFF2-40B4-BE49-F238E27FC236}">
+                <a16:creationId xmlns:a16="http://schemas.microsoft.com/office/drawing/2014/main" id="{A73C11AF-615F-46F6-8D61-77CA7C6CCF10}"/>
+              </a:ext>
+            </a:extLst>
+          </p:cNvPr>
+          <p:cNvSpPr/>
+          <p:nvPr/>
+        </p:nvSpPr>
+        <p:spPr>
+          <a:xfrm>
+            <a:off x="3500991" y="540000"/>
+            <a:ext cx="2903998" cy="262339"/>
+          </a:xfrm>
+          <a:prstGeom prst="flowChartAlternateProcess">
+            <a:avLst/>
+          </a:prstGeom>
+          <a:noFill/>
+          <a:ln>
+            <a:noFill/>
+          </a:ln>
+        </p:spPr>
+        <p:style>
+          <a:lnRef idx="2">
+            <a:schemeClr val="dk1"/>
+          </a:lnRef>
+          <a:fillRef idx="1">
+            <a:schemeClr val="lt1"/>
+          </a:fillRef>
+          <a:effectRef idx="0">
+            <a:schemeClr val="dk1"/>
+          </a:effectRef>
+          <a:fontRef idx="minor">
+            <a:schemeClr val="dk1"/>
+          </a:fontRef>
+        </p:style>
+        <p:txBody>
+          <a:bodyPr rot="0" spcFirstLastPara="0" vertOverflow="overflow" horzOverflow="overflow" vert="horz" wrap="square" lIns="0" tIns="0" rIns="0" bIns="0" numCol="1" spcCol="0" rtlCol="0" fromWordArt="0" anchor="ctr" anchorCtr="0" forceAA="0" compatLnSpc="1">
+            <a:prstTxWarp prst="textNoShape">
+              <a:avLst/>
+            </a:prstTxWarp>
+            <a:noAutofit/>
+          </a:bodyPr>
+          <a:lstStyle/>
+          <a:p>
+            <a:pPr algn="ctr"/>
+            <a:r>
+              <a:rPr lang="en-AU" sz="1400" b="1" u="sng" dirty="0">
+                <a:latin typeface="Consolas" panose="020B0609020204030204" pitchFamily="49" charset="0"/>
+                <a:ea typeface="Yu Gothic" panose="020B0400000000000000" pitchFamily="34" charset="-128"/>
+              </a:rPr>
+              <a:t>Controls &amp; Decision Making</a:t>
+            </a:r>
+          </a:p>
+        </p:txBody>
+      </p:sp>
+    </p:spTree>
+    <p:extLst>
+      <p:ext uri="{BB962C8B-B14F-4D97-AF65-F5344CB8AC3E}">
+        <p14:creationId xmlns:p14="http://schemas.microsoft.com/office/powerpoint/2010/main" val="2083440009"/>
+      </p:ext>
+    </p:extLst>
+  </p:cSld>
+  <p:clrMapOvr>
+    <a:masterClrMapping/>
+  </p:clrMapOvr>
+</p:sld>
+</file>
+
+<file path=ppt/slides/slide5.xml><?xml version="1.0" encoding="utf-8"?>
+<p:sld xmlns:a="http://schemas.openxmlformats.org/drawingml/2006/main" xmlns:r="http://schemas.openxmlformats.org/officeDocument/2006/relationships" xmlns:p="http://schemas.openxmlformats.org/presentationml/2006/main">
+  <p:cSld>
+    <p:spTree>
+      <p:nvGrpSpPr>
+        <p:cNvPr id="1" name=""/>
+        <p:cNvGrpSpPr/>
+        <p:nvPr/>
+      </p:nvGrpSpPr>
+      <p:grpSpPr>
+        <a:xfrm>
+          <a:off x="0" y="0"/>
+          <a:ext cx="0" cy="0"/>
+          <a:chOff x="0" y="0"/>
+          <a:chExt cx="0" cy="0"/>
+        </a:xfrm>
+      </p:grpSpPr>
+      <p:sp>
+        <p:nvSpPr>
+          <p:cNvPr id="52" name="Flowchart: Alternate Process 51">
+            <a:extLst>
+              <a:ext uri="{FF2B5EF4-FFF2-40B4-BE49-F238E27FC236}">
+                <a16:creationId xmlns:a16="http://schemas.microsoft.com/office/drawing/2014/main" id="{0AB426EE-2687-43AD-8C5C-8E0079F2D89C}"/>
+              </a:ext>
+            </a:extLst>
+          </p:cNvPr>
+          <p:cNvSpPr/>
+          <p:nvPr/>
+        </p:nvSpPr>
+        <p:spPr>
+          <a:xfrm>
+            <a:off x="540001" y="540000"/>
+            <a:ext cx="8825976" cy="5778000"/>
+          </a:xfrm>
+          <a:prstGeom prst="flowChartAlternateProcess">
+            <a:avLst/>
+          </a:prstGeom>
+          <a:noFill/>
+          <a:ln w="19050">
+            <a:solidFill>
+              <a:srgbClr val="7030A0"/>
+            </a:solidFill>
+            <a:prstDash val="lgDash"/>
+          </a:ln>
+        </p:spPr>
+        <p:style>
+          <a:lnRef idx="2">
+            <a:schemeClr val="accent5">
+              <a:shade val="50000"/>
+            </a:schemeClr>
+          </a:lnRef>
+          <a:fillRef idx="1">
+            <a:schemeClr val="accent5"/>
+          </a:fillRef>
+          <a:effectRef idx="0">
+            <a:schemeClr val="accent5"/>
+          </a:effectRef>
+          <a:fontRef idx="minor">
+            <a:schemeClr val="lt1"/>
+          </a:fontRef>
+        </p:style>
+        <p:txBody>
+          <a:bodyPr rot="0" spcFirstLastPara="0" vertOverflow="overflow" horzOverflow="overflow" vert="horz" wrap="square" lIns="0" tIns="0" rIns="0" bIns="0" numCol="1" spcCol="0" rtlCol="0" fromWordArt="0" anchor="ctr" anchorCtr="0" forceAA="0" compatLnSpc="1">
+            <a:prstTxWarp prst="textNoShape">
+              <a:avLst/>
+            </a:prstTxWarp>
+            <a:noAutofit/>
+          </a:bodyPr>
+          <a:lstStyle/>
+          <a:p>
+            <a:pPr algn="ctr"/>
+            <a:endParaRPr lang="en-AU" sz="1050" dirty="0">
+              <a:latin typeface="Consolas" panose="020B0609020204030204" pitchFamily="49" charset="0"/>
+              <a:ea typeface="Yu Gothic" panose="020B0400000000000000" pitchFamily="34" charset="-128"/>
+            </a:endParaRPr>
+          </a:p>
+        </p:txBody>
+      </p:sp>
+      <p:sp>
+        <p:nvSpPr>
+          <p:cNvPr id="4" name="Flowchart: Alternate Process 3">
+            <a:extLst>
+              <a:ext uri="{FF2B5EF4-FFF2-40B4-BE49-F238E27FC236}">
+                <a16:creationId xmlns:a16="http://schemas.microsoft.com/office/drawing/2014/main" id="{59A3ABBA-F0A3-4271-B886-512188A7F1FB}"/>
+              </a:ext>
+            </a:extLst>
+          </p:cNvPr>
+          <p:cNvSpPr/>
+          <p:nvPr/>
+        </p:nvSpPr>
+        <p:spPr>
+          <a:xfrm>
+            <a:off x="3582615" y="540000"/>
+            <a:ext cx="2740749" cy="262339"/>
+          </a:xfrm>
+          <a:prstGeom prst="flowChartAlternateProcess">
+            <a:avLst/>
+          </a:prstGeom>
+          <a:noFill/>
+          <a:ln>
+            <a:noFill/>
+          </a:ln>
+        </p:spPr>
+        <p:style>
+          <a:lnRef idx="2">
+            <a:schemeClr val="dk1"/>
+          </a:lnRef>
+          <a:fillRef idx="1">
+            <a:schemeClr val="lt1"/>
+          </a:fillRef>
+          <a:effectRef idx="0">
+            <a:schemeClr val="dk1"/>
+          </a:effectRef>
+          <a:fontRef idx="minor">
+            <a:schemeClr val="dk1"/>
+          </a:fontRef>
+        </p:style>
+        <p:txBody>
+          <a:bodyPr rot="0" spcFirstLastPara="0" vertOverflow="overflow" horzOverflow="overflow" vert="horz" wrap="square" lIns="0" tIns="0" rIns="0" bIns="0" numCol="1" spcCol="0" rtlCol="0" fromWordArt="0" anchor="ctr" anchorCtr="0" forceAA="0" compatLnSpc="1">
+            <a:prstTxWarp prst="textNoShape">
+              <a:avLst/>
+            </a:prstTxWarp>
+            <a:noAutofit/>
+          </a:bodyPr>
+          <a:lstStyle/>
+          <a:p>
+            <a:pPr algn="ctr"/>
+            <a:r>
+              <a:rPr lang="en-AU" sz="1400" b="1" u="sng" dirty="0">
+                <a:latin typeface="Consolas" panose="020B0609020204030204" pitchFamily="49" charset="0"/>
+                <a:ea typeface="Yu Gothic" panose="020B0400000000000000" pitchFamily="34" charset="-128"/>
+              </a:rPr>
+              <a:t>Communications</a:t>
+            </a:r>
+          </a:p>
+        </p:txBody>
+      </p:sp>
+    </p:spTree>
+    <p:extLst>
+      <p:ext uri="{BB962C8B-B14F-4D97-AF65-F5344CB8AC3E}">
+        <p14:creationId xmlns:p14="http://schemas.microsoft.com/office/powerpoint/2010/main" val="596619754"/>
+      </p:ext>
+    </p:extLst>
+  </p:cSld>
+  <p:clrMapOvr>
+    <a:masterClrMapping/>
+  </p:clrMapOvr>
+</p:sld>
+</file>
+
+<file path=ppt/slides/slide6.xml><?xml version="1.0" encoding="utf-8"?>
+<p:sld xmlns:a="http://schemas.openxmlformats.org/drawingml/2006/main" xmlns:r="http://schemas.openxmlformats.org/officeDocument/2006/relationships" xmlns:p="http://schemas.openxmlformats.org/presentationml/2006/main">
+  <p:cSld>
+    <p:spTree>
+      <p:nvGrpSpPr>
+        <p:cNvPr id="1" name=""/>
+        <p:cNvGrpSpPr/>
+        <p:nvPr/>
+      </p:nvGrpSpPr>
+      <p:grpSpPr>
+        <a:xfrm>
+          <a:off x="0" y="0"/>
+          <a:ext cx="0" cy="0"/>
+          <a:chOff x="0" y="0"/>
+          <a:chExt cx="0" cy="0"/>
+        </a:xfrm>
+      </p:grpSpPr>
+      <p:sp>
+        <p:nvSpPr>
+          <p:cNvPr id="52" name="Flowchart: Alternate Process 51">
+            <a:extLst>
+              <a:ext uri="{FF2B5EF4-FFF2-40B4-BE49-F238E27FC236}">
+                <a16:creationId xmlns:a16="http://schemas.microsoft.com/office/drawing/2014/main" id="{0AB426EE-2687-43AD-8C5C-8E0079F2D89C}"/>
+              </a:ext>
+            </a:extLst>
+          </p:cNvPr>
+          <p:cNvSpPr/>
+          <p:nvPr/>
+        </p:nvSpPr>
+        <p:spPr>
+          <a:xfrm>
+            <a:off x="540001" y="540000"/>
+            <a:ext cx="8825976" cy="5778000"/>
+          </a:xfrm>
+          <a:prstGeom prst="flowChartAlternateProcess">
+            <a:avLst/>
+          </a:prstGeom>
+          <a:noFill/>
           <a:ln w="19050">
             <a:solidFill>
               <a:srgbClr val="C00000"/>
             </a:solidFill>
+            <a:prstDash val="lgDash"/>
           </a:ln>
         </p:spPr>
         <p:style>
@@ -5009,7 +6660,7 @@
           <a:lstStyle/>
           <a:p>
             <a:pPr algn="ctr"/>
-            <a:endParaRPr lang="en-AU" sz="1050" b="1" dirty="0">
+            <a:endParaRPr lang="en-AU" sz="1050" b="1" u="sng" dirty="0">
               <a:latin typeface="Consolas" panose="020B0609020204030204" pitchFamily="49" charset="0"/>
               <a:ea typeface="Yu Gothic" panose="020B0400000000000000" pitchFamily="34" charset="-128"/>
             </a:endParaRPr>
@@ -5018,10 +6669,10 @@
       </p:sp>
       <p:sp>
         <p:nvSpPr>
-          <p:cNvPr id="111" name="Flowchart: Alternate Process 110">
+          <p:cNvPr id="4" name="Flowchart: Alternate Process 3">
             <a:extLst>
               <a:ext uri="{FF2B5EF4-FFF2-40B4-BE49-F238E27FC236}">
-                <a16:creationId xmlns:a16="http://schemas.microsoft.com/office/drawing/2014/main" id="{111C510F-7A4F-4F9D-A0E9-5889D8E85153}"/>
+                <a16:creationId xmlns:a16="http://schemas.microsoft.com/office/drawing/2014/main" id="{413AD214-52A1-4C78-A666-D2C72313C4FF}"/>
               </a:ext>
             </a:extLst>
           </p:cNvPr>
@@ -5030,117 +6681,7 @@
         </p:nvSpPr>
         <p:spPr>
           <a:xfrm>
-            <a:off x="540000" y="1196305"/>
-            <a:ext cx="262800" cy="262339"/>
-          </a:xfrm>
-          <a:prstGeom prst="flowChartAlternateProcess">
-            <a:avLst/>
-          </a:prstGeom>
-          <a:ln w="19050"/>
-        </p:spPr>
-        <p:style>
-          <a:lnRef idx="2">
-            <a:schemeClr val="accent6">
-              <a:shade val="50000"/>
-            </a:schemeClr>
-          </a:lnRef>
-          <a:fillRef idx="1">
-            <a:schemeClr val="accent6"/>
-          </a:fillRef>
-          <a:effectRef idx="0">
-            <a:schemeClr val="accent6"/>
-          </a:effectRef>
-          <a:fontRef idx="minor">
-            <a:schemeClr val="lt1"/>
-          </a:fontRef>
-        </p:style>
-        <p:txBody>
-          <a:bodyPr rot="0" spcFirstLastPara="0" vertOverflow="overflow" horzOverflow="overflow" vert="horz" wrap="square" lIns="0" tIns="0" rIns="0" bIns="0" numCol="1" spcCol="0" rtlCol="0" fromWordArt="0" anchor="ctr" anchorCtr="0" forceAA="0" compatLnSpc="1">
-            <a:prstTxWarp prst="textNoShape">
-              <a:avLst/>
-            </a:prstTxWarp>
-            <a:noAutofit/>
-          </a:bodyPr>
-          <a:lstStyle/>
-          <a:p>
-            <a:pPr algn="ctr"/>
-            <a:endParaRPr lang="en-AU" sz="1050" dirty="0">
-              <a:latin typeface="Consolas" panose="020B0609020204030204" pitchFamily="49" charset="0"/>
-              <a:ea typeface="Yu Gothic" panose="020B0400000000000000" pitchFamily="34" charset="-128"/>
-            </a:endParaRPr>
-          </a:p>
-        </p:txBody>
-      </p:sp>
-      <p:sp>
-        <p:nvSpPr>
-          <p:cNvPr id="115" name="Flowchart: Alternate Process 114">
-            <a:extLst>
-              <a:ext uri="{FF2B5EF4-FFF2-40B4-BE49-F238E27FC236}">
-                <a16:creationId xmlns:a16="http://schemas.microsoft.com/office/drawing/2014/main" id="{9886B81B-4A38-4133-982D-A195F7A44D21}"/>
-              </a:ext>
-            </a:extLst>
-          </p:cNvPr>
-          <p:cNvSpPr/>
-          <p:nvPr/>
-        </p:nvSpPr>
-        <p:spPr>
-          <a:xfrm>
-            <a:off x="540000" y="778758"/>
-            <a:ext cx="262800" cy="262339"/>
-          </a:xfrm>
-          <a:prstGeom prst="flowChartAlternateProcess">
-            <a:avLst/>
-          </a:prstGeom>
-          <a:ln w="19050"/>
-        </p:spPr>
-        <p:style>
-          <a:lnRef idx="2">
-            <a:schemeClr val="accent4">
-              <a:shade val="50000"/>
-            </a:schemeClr>
-          </a:lnRef>
-          <a:fillRef idx="1">
-            <a:schemeClr val="accent4"/>
-          </a:fillRef>
-          <a:effectRef idx="0">
-            <a:schemeClr val="accent4"/>
-          </a:effectRef>
-          <a:fontRef idx="minor">
-            <a:schemeClr val="lt1"/>
-          </a:fontRef>
-        </p:style>
-        <p:txBody>
-          <a:bodyPr rot="0" spcFirstLastPara="0" vertOverflow="overflow" horzOverflow="overflow" vert="horz" wrap="square" lIns="0" tIns="0" rIns="0" bIns="0" numCol="1" spcCol="0" rtlCol="0" fromWordArt="0" anchor="ctr" anchorCtr="0" forceAA="0" compatLnSpc="1">
-            <a:prstTxWarp prst="textNoShape">
-              <a:avLst/>
-            </a:prstTxWarp>
-            <a:noAutofit/>
-          </a:bodyPr>
-          <a:lstStyle/>
-          <a:p>
-            <a:pPr algn="ctr"/>
-            <a:endParaRPr lang="en-AU" sz="1050" dirty="0">
-              <a:latin typeface="Consolas" panose="020B0609020204030204" pitchFamily="49" charset="0"/>
-              <a:ea typeface="Yu Gothic" panose="020B0400000000000000" pitchFamily="34" charset="-128"/>
-            </a:endParaRPr>
-          </a:p>
-        </p:txBody>
-      </p:sp>
-      <p:sp>
-        <p:nvSpPr>
-          <p:cNvPr id="116" name="Flowchart: Alternate Process 115">
-            <a:extLst>
-              <a:ext uri="{FF2B5EF4-FFF2-40B4-BE49-F238E27FC236}">
-                <a16:creationId xmlns:a16="http://schemas.microsoft.com/office/drawing/2014/main" id="{86C688A5-79BD-4740-8B5F-3CD133CA2329}"/>
-              </a:ext>
-            </a:extLst>
-          </p:cNvPr>
-          <p:cNvSpPr/>
-          <p:nvPr/>
-        </p:nvSpPr>
-        <p:spPr>
-          <a:xfrm>
-            <a:off x="882589" y="1613852"/>
+            <a:off x="3582615" y="540000"/>
             <a:ext cx="2740749" cy="262339"/>
           </a:xfrm>
           <a:prstGeom prst="flowChartAlternateProcess">
@@ -5173,240 +6714,13 @@
           </a:bodyPr>
           <a:lstStyle/>
           <a:p>
-            <a:r>
-              <a:rPr lang="en-AU" sz="1050" dirty="0">
+            <a:pPr algn="ctr"/>
+            <a:r>
+              <a:rPr lang="en-AU" sz="1400" b="1" u="sng" dirty="0">
                 <a:latin typeface="Consolas" panose="020B0609020204030204" pitchFamily="49" charset="0"/>
                 <a:ea typeface="Yu Gothic" panose="020B0400000000000000" pitchFamily="34" charset="-128"/>
               </a:rPr>
-              <a:t>Controls and Decision Making</a:t>
-            </a:r>
-          </a:p>
-        </p:txBody>
-      </p:sp>
-      <p:sp>
-        <p:nvSpPr>
-          <p:cNvPr id="117" name="Flowchart: Alternate Process 116">
-            <a:extLst>
-              <a:ext uri="{FF2B5EF4-FFF2-40B4-BE49-F238E27FC236}">
-                <a16:creationId xmlns:a16="http://schemas.microsoft.com/office/drawing/2014/main" id="{8370B284-D352-4605-B4AA-F2DC58C96A38}"/>
-              </a:ext>
-            </a:extLst>
-          </p:cNvPr>
-          <p:cNvSpPr/>
-          <p:nvPr/>
-        </p:nvSpPr>
-        <p:spPr>
-          <a:xfrm>
-            <a:off x="882589" y="2031399"/>
-            <a:ext cx="2740749" cy="262339"/>
-          </a:xfrm>
-          <a:prstGeom prst="flowChartAlternateProcess">
-            <a:avLst/>
-          </a:prstGeom>
-          <a:ln>
-            <a:noFill/>
-          </a:ln>
-        </p:spPr>
-        <p:style>
-          <a:lnRef idx="2">
-            <a:schemeClr val="dk1"/>
-          </a:lnRef>
-          <a:fillRef idx="1">
-            <a:schemeClr val="lt1"/>
-          </a:fillRef>
-          <a:effectRef idx="0">
-            <a:schemeClr val="dk1"/>
-          </a:effectRef>
-          <a:fontRef idx="minor">
-            <a:schemeClr val="dk1"/>
-          </a:fontRef>
-        </p:style>
-        <p:txBody>
-          <a:bodyPr rot="0" spcFirstLastPara="0" vertOverflow="overflow" horzOverflow="overflow" vert="horz" wrap="square" lIns="0" tIns="0" rIns="0" bIns="0" numCol="1" spcCol="0" rtlCol="0" fromWordArt="0" anchor="ctr" anchorCtr="0" forceAA="0" compatLnSpc="1">
-            <a:prstTxWarp prst="textNoShape">
-              <a:avLst/>
-            </a:prstTxWarp>
-            <a:noAutofit/>
-          </a:bodyPr>
-          <a:lstStyle/>
-          <a:p>
-            <a:r>
-              <a:rPr lang="en-AU" sz="1050" dirty="0">
-                <a:latin typeface="Consolas" panose="020B0609020204030204" pitchFamily="49" charset="0"/>
-                <a:ea typeface="Yu Gothic" panose="020B0400000000000000" pitchFamily="34" charset="-128"/>
-              </a:rPr>
-              <a:t>Communications</a:t>
-            </a:r>
-          </a:p>
-        </p:txBody>
-      </p:sp>
-      <p:sp>
-        <p:nvSpPr>
-          <p:cNvPr id="118" name="Flowchart: Alternate Process 117">
-            <a:extLst>
-              <a:ext uri="{FF2B5EF4-FFF2-40B4-BE49-F238E27FC236}">
-                <a16:creationId xmlns:a16="http://schemas.microsoft.com/office/drawing/2014/main" id="{C4A680EC-8CFA-4435-B0D5-1D42C5281F6F}"/>
-              </a:ext>
-            </a:extLst>
-          </p:cNvPr>
-          <p:cNvSpPr/>
-          <p:nvPr/>
-        </p:nvSpPr>
-        <p:spPr>
-          <a:xfrm>
-            <a:off x="882589" y="2448947"/>
-            <a:ext cx="2740749" cy="262339"/>
-          </a:xfrm>
-          <a:prstGeom prst="flowChartAlternateProcess">
-            <a:avLst/>
-          </a:prstGeom>
-          <a:ln>
-            <a:noFill/>
-          </a:ln>
-        </p:spPr>
-        <p:style>
-          <a:lnRef idx="2">
-            <a:schemeClr val="dk1"/>
-          </a:lnRef>
-          <a:fillRef idx="1">
-            <a:schemeClr val="lt1"/>
-          </a:fillRef>
-          <a:effectRef idx="0">
-            <a:schemeClr val="dk1"/>
-          </a:effectRef>
-          <a:fontRef idx="minor">
-            <a:schemeClr val="dk1"/>
-          </a:fontRef>
-        </p:style>
-        <p:txBody>
-          <a:bodyPr rot="0" spcFirstLastPara="0" vertOverflow="overflow" horzOverflow="overflow" vert="horz" wrap="square" lIns="0" tIns="0" rIns="0" bIns="0" numCol="1" spcCol="0" rtlCol="0" fromWordArt="0" anchor="ctr" anchorCtr="0" forceAA="0" compatLnSpc="1">
-            <a:prstTxWarp prst="textNoShape">
-              <a:avLst/>
-            </a:prstTxWarp>
-            <a:noAutofit/>
-          </a:bodyPr>
-          <a:lstStyle/>
-          <a:p>
-            <a:r>
-              <a:rPr lang="en-AU" sz="1050" b="1" dirty="0">
-                <a:latin typeface="Consolas" panose="020B0609020204030204" pitchFamily="49" charset="0"/>
-                <a:ea typeface="Yu Gothic" panose="020B0400000000000000" pitchFamily="34" charset="-128"/>
-              </a:rPr>
-              <a:t>Outside of Scope</a:t>
-            </a:r>
-          </a:p>
-        </p:txBody>
-      </p:sp>
-      <p:sp>
-        <p:nvSpPr>
-          <p:cNvPr id="119" name="Flowchart: Alternate Process 118">
-            <a:extLst>
-              <a:ext uri="{FF2B5EF4-FFF2-40B4-BE49-F238E27FC236}">
-                <a16:creationId xmlns:a16="http://schemas.microsoft.com/office/drawing/2014/main" id="{4957598A-DED2-4468-80DD-2244A58967DD}"/>
-              </a:ext>
-            </a:extLst>
-          </p:cNvPr>
-          <p:cNvSpPr/>
-          <p:nvPr/>
-        </p:nvSpPr>
-        <p:spPr>
-          <a:xfrm>
-            <a:off x="882589" y="1196305"/>
-            <a:ext cx="2740749" cy="262339"/>
-          </a:xfrm>
-          <a:prstGeom prst="flowChartAlternateProcess">
-            <a:avLst/>
-          </a:prstGeom>
-          <a:ln>
-            <a:noFill/>
-          </a:ln>
-        </p:spPr>
-        <p:style>
-          <a:lnRef idx="2">
-            <a:schemeClr val="dk1"/>
-          </a:lnRef>
-          <a:fillRef idx="1">
-            <a:schemeClr val="lt1"/>
-          </a:fillRef>
-          <a:effectRef idx="0">
-            <a:schemeClr val="dk1"/>
-          </a:effectRef>
-          <a:fontRef idx="minor">
-            <a:schemeClr val="dk1"/>
-          </a:fontRef>
-        </p:style>
-        <p:txBody>
-          <a:bodyPr rot="0" spcFirstLastPara="0" vertOverflow="overflow" horzOverflow="overflow" vert="horz" wrap="square" lIns="0" tIns="0" rIns="0" bIns="0" numCol="1" spcCol="0" rtlCol="0" fromWordArt="0" anchor="ctr" anchorCtr="0" forceAA="0" compatLnSpc="1">
-            <a:prstTxWarp prst="textNoShape">
-              <a:avLst/>
-            </a:prstTxWarp>
-            <a:noAutofit/>
-          </a:bodyPr>
-          <a:lstStyle/>
-          <a:p>
-            <a:r>
-              <a:rPr lang="en-AU" sz="1050" dirty="0">
-                <a:latin typeface="Consolas" panose="020B0609020204030204" pitchFamily="49" charset="0"/>
-                <a:ea typeface="Yu Gothic" panose="020B0400000000000000" pitchFamily="34" charset="-128"/>
-              </a:rPr>
-              <a:t>Force applied by and to Exoskeleton </a:t>
-            </a:r>
-          </a:p>
-        </p:txBody>
-      </p:sp>
-      <p:sp>
-        <p:nvSpPr>
-          <p:cNvPr id="120" name="Flowchart: Alternate Process 119">
-            <a:extLst>
-              <a:ext uri="{FF2B5EF4-FFF2-40B4-BE49-F238E27FC236}">
-                <a16:creationId xmlns:a16="http://schemas.microsoft.com/office/drawing/2014/main" id="{805B0755-7490-4908-BDD0-A90D244A26A5}"/>
-              </a:ext>
-            </a:extLst>
-          </p:cNvPr>
-          <p:cNvSpPr/>
-          <p:nvPr/>
-        </p:nvSpPr>
-        <p:spPr>
-          <a:xfrm>
-            <a:off x="882589" y="778758"/>
-            <a:ext cx="2740749" cy="262339"/>
-          </a:xfrm>
-          <a:prstGeom prst="flowChartAlternateProcess">
-            <a:avLst/>
-          </a:prstGeom>
-          <a:ln>
-            <a:noFill/>
-          </a:ln>
-        </p:spPr>
-        <p:style>
-          <a:lnRef idx="2">
-            <a:schemeClr val="dk1"/>
-          </a:lnRef>
-          <a:fillRef idx="1">
-            <a:schemeClr val="lt1"/>
-          </a:fillRef>
-          <a:effectRef idx="0">
-            <a:schemeClr val="dk1"/>
-          </a:effectRef>
-          <a:fontRef idx="minor">
-            <a:schemeClr val="dk1"/>
-          </a:fontRef>
-        </p:style>
-        <p:txBody>
-          <a:bodyPr rot="0" spcFirstLastPara="0" vertOverflow="overflow" horzOverflow="overflow" vert="horz" wrap="square" lIns="0" tIns="0" rIns="0" bIns="0" numCol="1" spcCol="0" rtlCol="0" fromWordArt="0" anchor="ctr" anchorCtr="0" forceAA="0" compatLnSpc="1">
-            <a:prstTxWarp prst="textNoShape">
-              <a:avLst/>
-            </a:prstTxWarp>
-            <a:noAutofit/>
-          </a:bodyPr>
-          <a:lstStyle/>
-          <a:p>
-            <a:r>
-              <a:rPr lang="en-AU" sz="1050" dirty="0">
-                <a:latin typeface="Consolas" panose="020B0609020204030204" pitchFamily="49" charset="0"/>
-                <a:ea typeface="Yu Gothic" panose="020B0400000000000000" pitchFamily="34" charset="-128"/>
-              </a:rPr>
-              <a:t>Relative Position of Pilot </a:t>
+              <a:t>Actuation Systems</a:t>
             </a:r>
           </a:p>
         </p:txBody>
@@ -5414,7 +6728,7 @@
     </p:spTree>
     <p:extLst>
       <p:ext uri="{BB962C8B-B14F-4D97-AF65-F5344CB8AC3E}">
-        <p14:creationId xmlns:p14="http://schemas.microsoft.com/office/powerpoint/2010/main" val="1637309550"/>
+        <p14:creationId xmlns:p14="http://schemas.microsoft.com/office/powerpoint/2010/main" val="2829234979"/>
       </p:ext>
     </p:extLst>
   </p:cSld>

--- a/Documentation/FuncDecomp.pptx
+++ b/Documentation/FuncDecomp.pptx
@@ -248,7 +248,7 @@
           <a:p>
             <a:fld id="{B0718091-353A-4726-AFD1-15211AE32140}" type="datetimeFigureOut">
               <a:rPr lang="en-AU" smtClean="0"/>
-              <a:t>29/05/2018</a:t>
+              <a:t>30/05/2018</a:t>
             </a:fld>
             <a:endParaRPr lang="en-AU"/>
           </a:p>
@@ -418,7 +418,7 @@
           <a:p>
             <a:fld id="{B0718091-353A-4726-AFD1-15211AE32140}" type="datetimeFigureOut">
               <a:rPr lang="en-AU" smtClean="0"/>
-              <a:t>29/05/2018</a:t>
+              <a:t>30/05/2018</a:t>
             </a:fld>
             <a:endParaRPr lang="en-AU"/>
           </a:p>
@@ -598,7 +598,7 @@
           <a:p>
             <a:fld id="{B0718091-353A-4726-AFD1-15211AE32140}" type="datetimeFigureOut">
               <a:rPr lang="en-AU" smtClean="0"/>
-              <a:t>29/05/2018</a:t>
+              <a:t>30/05/2018</a:t>
             </a:fld>
             <a:endParaRPr lang="en-AU"/>
           </a:p>
@@ -768,7 +768,7 @@
           <a:p>
             <a:fld id="{B0718091-353A-4726-AFD1-15211AE32140}" type="datetimeFigureOut">
               <a:rPr lang="en-AU" smtClean="0"/>
-              <a:t>29/05/2018</a:t>
+              <a:t>30/05/2018</a:t>
             </a:fld>
             <a:endParaRPr lang="en-AU"/>
           </a:p>
@@ -1012,7 +1012,7 @@
           <a:p>
             <a:fld id="{B0718091-353A-4726-AFD1-15211AE32140}" type="datetimeFigureOut">
               <a:rPr lang="en-AU" smtClean="0"/>
-              <a:t>29/05/2018</a:t>
+              <a:t>30/05/2018</a:t>
             </a:fld>
             <a:endParaRPr lang="en-AU"/>
           </a:p>
@@ -1244,7 +1244,7 @@
           <a:p>
             <a:fld id="{B0718091-353A-4726-AFD1-15211AE32140}" type="datetimeFigureOut">
               <a:rPr lang="en-AU" smtClean="0"/>
-              <a:t>29/05/2018</a:t>
+              <a:t>30/05/2018</a:t>
             </a:fld>
             <a:endParaRPr lang="en-AU"/>
           </a:p>
@@ -1611,7 +1611,7 @@
           <a:p>
             <a:fld id="{B0718091-353A-4726-AFD1-15211AE32140}" type="datetimeFigureOut">
               <a:rPr lang="en-AU" smtClean="0"/>
-              <a:t>29/05/2018</a:t>
+              <a:t>30/05/2018</a:t>
             </a:fld>
             <a:endParaRPr lang="en-AU"/>
           </a:p>
@@ -1729,7 +1729,7 @@
           <a:p>
             <a:fld id="{B0718091-353A-4726-AFD1-15211AE32140}" type="datetimeFigureOut">
               <a:rPr lang="en-AU" smtClean="0"/>
-              <a:t>29/05/2018</a:t>
+              <a:t>30/05/2018</a:t>
             </a:fld>
             <a:endParaRPr lang="en-AU"/>
           </a:p>
@@ -1824,7 +1824,7 @@
           <a:p>
             <a:fld id="{B0718091-353A-4726-AFD1-15211AE32140}" type="datetimeFigureOut">
               <a:rPr lang="en-AU" smtClean="0"/>
-              <a:t>29/05/2018</a:t>
+              <a:t>30/05/2018</a:t>
             </a:fld>
             <a:endParaRPr lang="en-AU"/>
           </a:p>
@@ -2101,7 +2101,7 @@
           <a:p>
             <a:fld id="{B0718091-353A-4726-AFD1-15211AE32140}" type="datetimeFigureOut">
               <a:rPr lang="en-AU" smtClean="0"/>
-              <a:t>29/05/2018</a:t>
+              <a:t>30/05/2018</a:t>
             </a:fld>
             <a:endParaRPr lang="en-AU"/>
           </a:p>
@@ -2358,7 +2358,7 @@
           <a:p>
             <a:fld id="{B0718091-353A-4726-AFD1-15211AE32140}" type="datetimeFigureOut">
               <a:rPr lang="en-AU" smtClean="0"/>
-              <a:t>29/05/2018</a:t>
+              <a:t>30/05/2018</a:t>
             </a:fld>
             <a:endParaRPr lang="en-AU"/>
           </a:p>
@@ -2571,7 +2571,7 @@
           <a:p>
             <a:fld id="{B0718091-353A-4726-AFD1-15211AE32140}" type="datetimeFigureOut">
               <a:rPr lang="en-AU" smtClean="0"/>
-              <a:t>29/05/2018</a:t>
+              <a:t>30/05/2018</a:t>
             </a:fld>
             <a:endParaRPr lang="en-AU"/>
           </a:p>
@@ -3004,7 +3004,8 @@
             <a:solidFill>
               <a:srgbClr val="FF5B5B"/>
             </a:solidFill>
-            <a:tailEnd type="triangle"/>
+            <a:headEnd type="triangle" w="med" len="med"/>
+            <a:tailEnd type="none" w="med" len="med"/>
           </a:ln>
         </p:spPr>
         <p:style>
@@ -3050,7 +3051,8 @@
             <a:solidFill>
               <a:srgbClr val="FF5B5B"/>
             </a:solidFill>
-            <a:tailEnd type="triangle"/>
+            <a:headEnd type="triangle" w="med" len="med"/>
+            <a:tailEnd type="none" w="med" len="med"/>
           </a:ln>
         </p:spPr>
         <p:style>
@@ -3092,7 +3094,8 @@
             <a:avLst/>
           </a:prstGeom>
           <a:ln w="19050">
-            <a:tailEnd type="triangle"/>
+            <a:headEnd type="triangle" w="med" len="med"/>
+            <a:tailEnd type="none" w="med" len="med"/>
           </a:ln>
         </p:spPr>
         <p:style>
@@ -3134,7 +3137,8 @@
             <a:avLst/>
           </a:prstGeom>
           <a:ln w="19050">
-            <a:tailEnd type="triangle"/>
+            <a:headEnd type="triangle" w="med" len="med"/>
+            <a:tailEnd type="none" w="med" len="med"/>
           </a:ln>
         </p:spPr>
         <p:style>
@@ -3309,7 +3313,8 @@
             <a:avLst/>
           </a:prstGeom>
           <a:ln w="19050">
-            <a:tailEnd type="triangle"/>
+            <a:headEnd type="triangle" w="med" len="med"/>
+            <a:tailEnd type="none" w="med" len="med"/>
           </a:ln>
         </p:spPr>
         <p:style>
@@ -3351,7 +3356,8 @@
             <a:avLst/>
           </a:prstGeom>
           <a:ln w="19050">
-            <a:tailEnd type="triangle"/>
+            <a:headEnd type="triangle" w="med" len="med"/>
+            <a:tailEnd type="none" w="med" len="med"/>
           </a:ln>
         </p:spPr>
         <p:style>
@@ -3393,7 +3399,8 @@
             <a:avLst/>
           </a:prstGeom>
           <a:ln w="19050">
-            <a:tailEnd type="triangle"/>
+            <a:headEnd type="triangle" w="med" len="med"/>
+            <a:tailEnd type="none" w="med" len="med"/>
           </a:ln>
         </p:spPr>
         <p:style>
@@ -3435,7 +3442,8 @@
             <a:avLst/>
           </a:prstGeom>
           <a:ln w="19050">
-            <a:tailEnd type="triangle"/>
+            <a:headEnd type="triangle" w="med" len="med"/>
+            <a:tailEnd type="none" w="med" len="med"/>
           </a:ln>
         </p:spPr>
         <p:style>
@@ -3477,7 +3485,8 @@
             <a:avLst/>
           </a:prstGeom>
           <a:ln w="19050">
-            <a:tailEnd type="triangle"/>
+            <a:headEnd type="triangle" w="med" len="med"/>
+            <a:tailEnd type="none" w="med" len="med"/>
           </a:ln>
         </p:spPr>
         <p:style>
@@ -3519,7 +3528,8 @@
             <a:avLst/>
           </a:prstGeom>
           <a:ln w="19050">
-            <a:tailEnd type="triangle"/>
+            <a:headEnd type="triangle" w="med" len="med"/>
+            <a:tailEnd type="none" w="med" len="med"/>
           </a:ln>
         </p:spPr>
         <p:style>
@@ -3561,7 +3571,8 @@
             <a:avLst/>
           </a:prstGeom>
           <a:ln w="19050">
-            <a:tailEnd type="triangle"/>
+            <a:headEnd type="triangle" w="med" len="med"/>
+            <a:tailEnd type="none" w="med" len="med"/>
           </a:ln>
         </p:spPr>
         <p:style>
@@ -3603,7 +3614,8 @@
             <a:avLst/>
           </a:prstGeom>
           <a:ln>
-            <a:tailEnd type="triangle"/>
+            <a:headEnd type="triangle" w="med" len="med"/>
+            <a:tailEnd type="none" w="med" len="med"/>
           </a:ln>
         </p:spPr>
         <p:style>
@@ -3645,7 +3657,8 @@
             <a:avLst/>
           </a:prstGeom>
           <a:ln w="19050">
-            <a:tailEnd type="triangle"/>
+            <a:headEnd type="triangle" w="med" len="med"/>
+            <a:tailEnd type="none" w="med" len="med"/>
           </a:ln>
         </p:spPr>
         <p:style>
@@ -3688,7 +3701,8 @@
             <a:avLst/>
           </a:prstGeom>
           <a:ln w="19050">
-            <a:tailEnd type="triangle"/>
+            <a:headEnd type="triangle" w="med" len="med"/>
+            <a:tailEnd type="none" w="med" len="med"/>
           </a:ln>
         </p:spPr>
         <p:style>
@@ -3733,7 +3747,8 @@
             </a:avLst>
           </a:prstGeom>
           <a:ln w="19050">
-            <a:tailEnd type="triangle"/>
+            <a:headEnd type="triangle" w="med" len="med"/>
+            <a:tailEnd type="none" w="med" len="med"/>
           </a:ln>
         </p:spPr>
         <p:style>
@@ -3779,7 +3794,8 @@
             <a:solidFill>
               <a:srgbClr val="AC75D5"/>
             </a:solidFill>
-            <a:tailEnd type="triangle"/>
+            <a:headEnd type="triangle" w="med" len="med"/>
+            <a:tailEnd type="none" w="med" len="med"/>
           </a:ln>
         </p:spPr>
         <p:style>
@@ -5435,12 +5451,112 @@
           <a:chExt cx="0" cy="0"/>
         </a:xfrm>
       </p:grpSpPr>
+      <p:sp>
+        <p:nvSpPr>
+          <p:cNvPr id="64" name="Rectangle 63">
+            <a:extLst>
+              <a:ext uri="{FF2B5EF4-FFF2-40B4-BE49-F238E27FC236}">
+                <a16:creationId xmlns:a16="http://schemas.microsoft.com/office/drawing/2014/main" id="{DBADEB5B-1FA0-480F-B4B7-FA16E78E33A8}"/>
+              </a:ext>
+            </a:extLst>
+          </p:cNvPr>
+          <p:cNvSpPr/>
+          <p:nvPr/>
+        </p:nvSpPr>
+        <p:spPr>
+          <a:xfrm>
+            <a:off x="3745556" y="5117746"/>
+            <a:ext cx="127908" cy="418240"/>
+          </a:xfrm>
+          <a:prstGeom prst="rect">
+            <a:avLst/>
+          </a:prstGeom>
+          <a:noFill/>
+          <a:ln>
+            <a:noFill/>
+          </a:ln>
+        </p:spPr>
+        <p:style>
+          <a:lnRef idx="2">
+            <a:schemeClr val="accent1">
+              <a:shade val="50000"/>
+            </a:schemeClr>
+          </a:lnRef>
+          <a:fillRef idx="1">
+            <a:schemeClr val="accent1"/>
+          </a:fillRef>
+          <a:effectRef idx="0">
+            <a:schemeClr val="accent1"/>
+          </a:effectRef>
+          <a:fontRef idx="minor">
+            <a:schemeClr val="lt1"/>
+          </a:fontRef>
+        </p:style>
+        <p:txBody>
+          <a:bodyPr rtlCol="0" anchor="ctr"/>
+          <a:lstStyle/>
+          <a:p>
+            <a:pPr algn="ctr"/>
+            <a:endParaRPr lang="en-AU"/>
+          </a:p>
+        </p:txBody>
+      </p:sp>
+      <p:sp>
+        <p:nvSpPr>
+          <p:cNvPr id="183" name="Rectangle 182">
+            <a:extLst>
+              <a:ext uri="{FF2B5EF4-FFF2-40B4-BE49-F238E27FC236}">
+                <a16:creationId xmlns:a16="http://schemas.microsoft.com/office/drawing/2014/main" id="{C50A7802-8233-4992-B9BE-7091952E9771}"/>
+              </a:ext>
+            </a:extLst>
+          </p:cNvPr>
+          <p:cNvSpPr/>
+          <p:nvPr/>
+        </p:nvSpPr>
+        <p:spPr>
+          <a:xfrm>
+            <a:off x="5483376" y="5117746"/>
+            <a:ext cx="127908" cy="418240"/>
+          </a:xfrm>
+          <a:prstGeom prst="rect">
+            <a:avLst/>
+          </a:prstGeom>
+          <a:noFill/>
+          <a:ln>
+            <a:noFill/>
+          </a:ln>
+        </p:spPr>
+        <p:style>
+          <a:lnRef idx="2">
+            <a:schemeClr val="accent1">
+              <a:shade val="50000"/>
+            </a:schemeClr>
+          </a:lnRef>
+          <a:fillRef idx="1">
+            <a:schemeClr val="accent1"/>
+          </a:fillRef>
+          <a:effectRef idx="0">
+            <a:schemeClr val="accent1"/>
+          </a:effectRef>
+          <a:fontRef idx="minor">
+            <a:schemeClr val="lt1"/>
+          </a:fontRef>
+        </p:style>
+        <p:txBody>
+          <a:bodyPr rtlCol="0" anchor="ctr"/>
+          <a:lstStyle/>
+          <a:p>
+            <a:pPr algn="ctr"/>
+            <a:endParaRPr lang="en-AU"/>
+          </a:p>
+        </p:txBody>
+      </p:sp>
       <p:grpSp>
         <p:nvGrpSpPr>
-          <p:cNvPr id="53" name="Group 52">
+          <p:cNvPr id="98" name="Group 97">
             <a:extLst>
               <a:ext uri="{FF2B5EF4-FFF2-40B4-BE49-F238E27FC236}">
-                <a16:creationId xmlns:a16="http://schemas.microsoft.com/office/drawing/2014/main" id="{9BBE5F49-CD7E-4190-8DD7-B10387A2710F}"/>
+                <a16:creationId xmlns:a16="http://schemas.microsoft.com/office/drawing/2014/main" id="{752805B1-74E1-4FCB-9211-390D72069E4D}"/>
               </a:ext>
             </a:extLst>
           </p:cNvPr>
@@ -5449,18 +5565,18 @@
         </p:nvGrpSpPr>
         <p:grpSpPr>
           <a:xfrm>
-            <a:off x="1820091" y="540000"/>
-            <a:ext cx="6265796" cy="4941516"/>
-            <a:chOff x="1820091" y="540000"/>
-            <a:chExt cx="6265796" cy="4941516"/>
+            <a:off x="7156702" y="5274385"/>
+            <a:ext cx="127908" cy="836480"/>
+            <a:chOff x="8102122" y="5274385"/>
+            <a:chExt cx="127908" cy="836480"/>
           </a:xfrm>
         </p:grpSpPr>
         <p:sp>
           <p:nvSpPr>
-            <p:cNvPr id="7" name="Flowchart: Alternate Process 6">
+            <p:cNvPr id="84" name="Rectangle 83">
               <a:extLst>
                 <a:ext uri="{FF2B5EF4-FFF2-40B4-BE49-F238E27FC236}">
-                  <a16:creationId xmlns:a16="http://schemas.microsoft.com/office/drawing/2014/main" id="{BDC8CD1B-7783-44CD-BA33-6E26BA3F5FDD}"/>
+                  <a16:creationId xmlns:a16="http://schemas.microsoft.com/office/drawing/2014/main" id="{178352EE-89CB-431E-B0ED-D100A3BD1390}"/>
                 </a:ext>
               </a:extLst>
             </p:cNvPr>
@@ -5469,10 +5585,10 @@
           </p:nvSpPr>
           <p:spPr>
             <a:xfrm>
-              <a:off x="3258498" y="540000"/>
-              <a:ext cx="3388984" cy="262339"/>
+              <a:off x="8102122" y="5274385"/>
+              <a:ext cx="127908" cy="418240"/>
             </a:xfrm>
-            <a:prstGeom prst="flowChartAlternateProcess">
+            <a:prstGeom prst="rect">
               <a:avLst/>
             </a:prstGeom>
             <a:noFill/>
@@ -5482,44 +5598,35 @@
           </p:spPr>
           <p:style>
             <a:lnRef idx="2">
-              <a:schemeClr val="dk1"/>
+              <a:schemeClr val="accent1">
+                <a:shade val="50000"/>
+              </a:schemeClr>
             </a:lnRef>
             <a:fillRef idx="1">
-              <a:schemeClr val="lt1"/>
+              <a:schemeClr val="accent1"/>
             </a:fillRef>
             <a:effectRef idx="0">
-              <a:schemeClr val="dk1"/>
+              <a:schemeClr val="accent1"/>
             </a:effectRef>
             <a:fontRef idx="minor">
-              <a:schemeClr val="dk1"/>
+              <a:schemeClr val="lt1"/>
             </a:fontRef>
           </p:style>
           <p:txBody>
-            <a:bodyPr rot="0" spcFirstLastPara="0" vertOverflow="overflow" horzOverflow="overflow" vert="horz" wrap="square" lIns="0" tIns="0" rIns="0" bIns="0" numCol="1" spcCol="0" rtlCol="0" fromWordArt="0" anchor="ctr" anchorCtr="0" forceAA="0" compatLnSpc="1">
-              <a:prstTxWarp prst="textNoShape">
-                <a:avLst/>
-              </a:prstTxWarp>
-              <a:noAutofit/>
-            </a:bodyPr>
+            <a:bodyPr rtlCol="0" anchor="ctr"/>
             <a:lstStyle/>
             <a:p>
               <a:pPr algn="ctr"/>
-              <a:r>
-                <a:rPr lang="en-AU" sz="1400" b="1" u="sng" dirty="0">
-                  <a:latin typeface="Consolas" panose="020B0609020204030204" pitchFamily="49" charset="0"/>
-                  <a:ea typeface="Yu Gothic" panose="020B0400000000000000" pitchFamily="34" charset="-128"/>
-                </a:rPr>
-                <a:t>SS1: Relative Position of Pilot </a:t>
-              </a:r>
+              <a:endParaRPr lang="en-AU"/>
             </a:p>
           </p:txBody>
         </p:sp>
         <p:sp>
           <p:nvSpPr>
-            <p:cNvPr id="24" name="Flowchart: Alternate Process 23">
+            <p:cNvPr id="85" name="Rectangle 84">
               <a:extLst>
                 <a:ext uri="{FF2B5EF4-FFF2-40B4-BE49-F238E27FC236}">
-                  <a16:creationId xmlns:a16="http://schemas.microsoft.com/office/drawing/2014/main" id="{2DA2B122-C08F-43FA-9300-AE06F1C82B98}"/>
+                  <a16:creationId xmlns:a16="http://schemas.microsoft.com/office/drawing/2014/main" id="{AA83614D-8DAE-4B47-99AA-14062F9FFD8B}"/>
                 </a:ext>
               </a:extLst>
             </p:cNvPr>
@@ -5528,48 +5635,403 @@
           </p:nvSpPr>
           <p:spPr>
             <a:xfrm>
-              <a:off x="4321691" y="4383432"/>
-              <a:ext cx="1262618" cy="836484"/>
+              <a:off x="8102122" y="5692625"/>
+              <a:ext cx="127908" cy="418240"/>
             </a:xfrm>
-            <a:prstGeom prst="flowChartAlternateProcess">
+            <a:prstGeom prst="rect">
               <a:avLst/>
             </a:prstGeom>
-            <a:ln/>
+            <a:noFill/>
+            <a:ln>
+              <a:noFill/>
+            </a:ln>
           </p:spPr>
           <p:style>
             <a:lnRef idx="2">
-              <a:schemeClr val="dk1"/>
+              <a:schemeClr val="accent1">
+                <a:shade val="50000"/>
+              </a:schemeClr>
             </a:lnRef>
             <a:fillRef idx="1">
-              <a:schemeClr val="lt1"/>
+              <a:schemeClr val="accent1"/>
             </a:fillRef>
             <a:effectRef idx="0">
-              <a:schemeClr val="dk1"/>
+              <a:schemeClr val="accent1"/>
             </a:effectRef>
             <a:fontRef idx="minor">
-              <a:schemeClr val="dk1"/>
+              <a:schemeClr val="lt1"/>
             </a:fontRef>
           </p:style>
           <p:txBody>
-            <a:bodyPr rot="0" spcFirstLastPara="0" vertOverflow="overflow" horzOverflow="overflow" vert="horz" wrap="square" lIns="0" tIns="0" rIns="0" bIns="0" numCol="1" spcCol="0" rtlCol="0" fromWordArt="0" anchor="ctr" anchorCtr="0" forceAA="0" compatLnSpc="1">
-              <a:prstTxWarp prst="textNoShape">
-                <a:avLst/>
-              </a:prstTxWarp>
-              <a:noAutofit/>
-            </a:bodyPr>
+            <a:bodyPr rtlCol="0" anchor="ctr"/>
             <a:lstStyle/>
             <a:p>
               <a:pPr algn="ctr"/>
-              <a:r>
-                <a:rPr lang="en-AU" sz="1050" dirty="0">
-                  <a:latin typeface="Consolas" panose="020B0609020204030204" pitchFamily="49" charset="0"/>
-                  <a:ea typeface="Yu Gothic" panose="020B0400000000000000" pitchFamily="34" charset="-128"/>
-                </a:rPr>
-                <a:t>Define Origin</a:t>
-              </a:r>
+              <a:endParaRPr lang="en-AU"/>
             </a:p>
           </p:txBody>
         </p:sp>
+      </p:grpSp>
+      <p:sp>
+        <p:nvSpPr>
+          <p:cNvPr id="7" name="Flowchart: Alternate Process 6">
+            <a:extLst>
+              <a:ext uri="{FF2B5EF4-FFF2-40B4-BE49-F238E27FC236}">
+                <a16:creationId xmlns:a16="http://schemas.microsoft.com/office/drawing/2014/main" id="{BDC8CD1B-7783-44CD-BA33-6E26BA3F5FDD}"/>
+              </a:ext>
+            </a:extLst>
+          </p:cNvPr>
+          <p:cNvSpPr/>
+          <p:nvPr/>
+        </p:nvSpPr>
+        <p:spPr>
+          <a:xfrm>
+            <a:off x="3258498" y="540000"/>
+            <a:ext cx="3388984" cy="262339"/>
+          </a:xfrm>
+          <a:prstGeom prst="flowChartAlternateProcess">
+            <a:avLst/>
+          </a:prstGeom>
+          <a:noFill/>
+          <a:ln>
+            <a:noFill/>
+          </a:ln>
+        </p:spPr>
+        <p:style>
+          <a:lnRef idx="2">
+            <a:schemeClr val="dk1"/>
+          </a:lnRef>
+          <a:fillRef idx="1">
+            <a:schemeClr val="lt1"/>
+          </a:fillRef>
+          <a:effectRef idx="0">
+            <a:schemeClr val="dk1"/>
+          </a:effectRef>
+          <a:fontRef idx="minor">
+            <a:schemeClr val="dk1"/>
+          </a:fontRef>
+        </p:style>
+        <p:txBody>
+          <a:bodyPr rot="0" spcFirstLastPara="0" vertOverflow="overflow" horzOverflow="overflow" vert="horz" wrap="square" lIns="0" tIns="0" rIns="0" bIns="0" numCol="1" spcCol="0" rtlCol="0" fromWordArt="0" anchor="ctr" anchorCtr="0" forceAA="0" compatLnSpc="1">
+            <a:prstTxWarp prst="textNoShape">
+              <a:avLst/>
+            </a:prstTxWarp>
+            <a:noAutofit/>
+          </a:bodyPr>
+          <a:lstStyle/>
+          <a:p>
+            <a:pPr algn="ctr"/>
+            <a:r>
+              <a:rPr lang="en-AU" sz="1400" b="1" u="sng" dirty="0">
+                <a:latin typeface="Consolas" panose="020B0609020204030204" pitchFamily="49" charset="0"/>
+                <a:ea typeface="Yu Gothic" panose="020B0400000000000000" pitchFamily="34" charset="-128"/>
+              </a:rPr>
+              <a:t>SS1: Relative Position of Pilot </a:t>
+            </a:r>
+          </a:p>
+        </p:txBody>
+      </p:sp>
+      <p:sp>
+        <p:nvSpPr>
+          <p:cNvPr id="24" name="Flowchart: Alternate Process 23">
+            <a:extLst>
+              <a:ext uri="{FF2B5EF4-FFF2-40B4-BE49-F238E27FC236}">
+                <a16:creationId xmlns:a16="http://schemas.microsoft.com/office/drawing/2014/main" id="{2DA2B122-C08F-43FA-9300-AE06F1C82B98}"/>
+              </a:ext>
+            </a:extLst>
+          </p:cNvPr>
+          <p:cNvSpPr/>
+          <p:nvPr/>
+        </p:nvSpPr>
+        <p:spPr>
+          <a:xfrm>
+            <a:off x="1796455" y="3008872"/>
+            <a:ext cx="1262618" cy="836484"/>
+          </a:xfrm>
+          <a:prstGeom prst="flowChartAlternateProcess">
+            <a:avLst/>
+          </a:prstGeom>
+          <a:ln>
+            <a:solidFill>
+              <a:schemeClr val="tx1"/>
+            </a:solidFill>
+          </a:ln>
+        </p:spPr>
+        <p:style>
+          <a:lnRef idx="2">
+            <a:schemeClr val="dk1"/>
+          </a:lnRef>
+          <a:fillRef idx="1">
+            <a:schemeClr val="lt1"/>
+          </a:fillRef>
+          <a:effectRef idx="0">
+            <a:schemeClr val="dk1"/>
+          </a:effectRef>
+          <a:fontRef idx="minor">
+            <a:schemeClr val="dk1"/>
+          </a:fontRef>
+        </p:style>
+        <p:txBody>
+          <a:bodyPr rot="0" spcFirstLastPara="0" vertOverflow="overflow" horzOverflow="overflow" vert="horz" wrap="square" lIns="0" tIns="0" rIns="0" bIns="0" numCol="1" spcCol="0" rtlCol="0" fromWordArt="0" anchor="ctr" anchorCtr="0" forceAA="0" compatLnSpc="1">
+            <a:prstTxWarp prst="textNoShape">
+              <a:avLst/>
+            </a:prstTxWarp>
+            <a:noAutofit/>
+          </a:bodyPr>
+          <a:lstStyle/>
+          <a:p>
+            <a:pPr algn="ctr"/>
+            <a:r>
+              <a:rPr lang="en-AU" sz="1050" dirty="0">
+                <a:latin typeface="Consolas" panose="020B0609020204030204" pitchFamily="49" charset="0"/>
+                <a:ea typeface="Yu Gothic" panose="020B0400000000000000" pitchFamily="34" charset="-128"/>
+              </a:rPr>
+              <a:t>Define Origin / Rotational Axis</a:t>
+            </a:r>
+          </a:p>
+        </p:txBody>
+      </p:sp>
+      <p:grpSp>
+        <p:nvGrpSpPr>
+          <p:cNvPr id="215" name="Group 214">
+            <a:extLst>
+              <a:ext uri="{FF2B5EF4-FFF2-40B4-BE49-F238E27FC236}">
+                <a16:creationId xmlns:a16="http://schemas.microsoft.com/office/drawing/2014/main" id="{6E4977F6-5F00-494F-89EC-D630C7E2CDD0}"/>
+              </a:ext>
+            </a:extLst>
+          </p:cNvPr>
+          <p:cNvGrpSpPr/>
+          <p:nvPr/>
+        </p:nvGrpSpPr>
+        <p:grpSpPr>
+          <a:xfrm>
+            <a:off x="4321691" y="4063308"/>
+            <a:ext cx="1262618" cy="836484"/>
+            <a:chOff x="3466268" y="4063308"/>
+            <a:chExt cx="1262618" cy="836484"/>
+          </a:xfrm>
+        </p:grpSpPr>
+        <p:grpSp>
+          <p:nvGrpSpPr>
+            <p:cNvPr id="127" name="Group 126">
+              <a:extLst>
+                <a:ext uri="{FF2B5EF4-FFF2-40B4-BE49-F238E27FC236}">
+                  <a16:creationId xmlns:a16="http://schemas.microsoft.com/office/drawing/2014/main" id="{3193981C-E5FC-46A4-AD24-3EBF9F74A720}"/>
+                </a:ext>
+              </a:extLst>
+            </p:cNvPr>
+            <p:cNvGrpSpPr/>
+            <p:nvPr/>
+          </p:nvGrpSpPr>
+          <p:grpSpPr>
+            <a:xfrm>
+              <a:off x="3466268" y="4771881"/>
+              <a:ext cx="1262618" cy="127911"/>
+              <a:chOff x="2977867" y="3786795"/>
+              <a:chExt cx="1004845" cy="127911"/>
+            </a:xfrm>
+          </p:grpSpPr>
+          <p:sp>
+            <p:nvSpPr>
+              <p:cNvPr id="123" name="Rectangle 122">
+                <a:extLst>
+                  <a:ext uri="{FF2B5EF4-FFF2-40B4-BE49-F238E27FC236}">
+                    <a16:creationId xmlns:a16="http://schemas.microsoft.com/office/drawing/2014/main" id="{62BFDA6C-A730-42C2-91CB-ADF3CFF96A75}"/>
+                  </a:ext>
+                </a:extLst>
+              </p:cNvPr>
+              <p:cNvSpPr/>
+              <p:nvPr/>
+            </p:nvSpPr>
+            <p:spPr>
+              <a:xfrm rot="5400000">
+                <a:off x="3038787" y="3725875"/>
+                <a:ext cx="127908" cy="249747"/>
+              </a:xfrm>
+              <a:prstGeom prst="rect">
+                <a:avLst/>
+              </a:prstGeom>
+              <a:noFill/>
+              <a:ln>
+                <a:noFill/>
+              </a:ln>
+            </p:spPr>
+            <p:style>
+              <a:lnRef idx="2">
+                <a:schemeClr val="accent1">
+                  <a:shade val="50000"/>
+                </a:schemeClr>
+              </a:lnRef>
+              <a:fillRef idx="1">
+                <a:schemeClr val="accent1"/>
+              </a:fillRef>
+              <a:effectRef idx="0">
+                <a:schemeClr val="accent1"/>
+              </a:effectRef>
+              <a:fontRef idx="minor">
+                <a:schemeClr val="lt1"/>
+              </a:fontRef>
+            </p:style>
+            <p:txBody>
+              <a:bodyPr rtlCol="0" anchor="ctr"/>
+              <a:lstStyle/>
+              <a:p>
+                <a:pPr algn="ctr"/>
+                <a:endParaRPr lang="en-AU"/>
+              </a:p>
+            </p:txBody>
+          </p:sp>
+          <p:sp>
+            <p:nvSpPr>
+              <p:cNvPr id="124" name="Rectangle 123">
+                <a:extLst>
+                  <a:ext uri="{FF2B5EF4-FFF2-40B4-BE49-F238E27FC236}">
+                    <a16:creationId xmlns:a16="http://schemas.microsoft.com/office/drawing/2014/main" id="{6F913119-EB6E-4621-9A43-F98D67D58694}"/>
+                  </a:ext>
+                </a:extLst>
+              </p:cNvPr>
+              <p:cNvSpPr/>
+              <p:nvPr/>
+            </p:nvSpPr>
+            <p:spPr>
+              <a:xfrm rot="5400000">
+                <a:off x="3290484" y="3725876"/>
+                <a:ext cx="127908" cy="249747"/>
+              </a:xfrm>
+              <a:prstGeom prst="rect">
+                <a:avLst/>
+              </a:prstGeom>
+              <a:noFill/>
+              <a:ln>
+                <a:noFill/>
+              </a:ln>
+            </p:spPr>
+            <p:style>
+              <a:lnRef idx="2">
+                <a:schemeClr val="accent1">
+                  <a:shade val="50000"/>
+                </a:schemeClr>
+              </a:lnRef>
+              <a:fillRef idx="1">
+                <a:schemeClr val="accent1"/>
+              </a:fillRef>
+              <a:effectRef idx="0">
+                <a:schemeClr val="accent1"/>
+              </a:effectRef>
+              <a:fontRef idx="minor">
+                <a:schemeClr val="lt1"/>
+              </a:fontRef>
+            </p:style>
+            <p:txBody>
+              <a:bodyPr rtlCol="0" anchor="ctr"/>
+              <a:lstStyle/>
+              <a:p>
+                <a:pPr algn="ctr"/>
+                <a:endParaRPr lang="en-AU"/>
+              </a:p>
+            </p:txBody>
+          </p:sp>
+          <p:sp>
+            <p:nvSpPr>
+              <p:cNvPr id="125" name="Rectangle 124">
+                <a:extLst>
+                  <a:ext uri="{FF2B5EF4-FFF2-40B4-BE49-F238E27FC236}">
+                    <a16:creationId xmlns:a16="http://schemas.microsoft.com/office/drawing/2014/main" id="{A2E14582-77A3-43F5-8367-92D5F5EF04DB}"/>
+                  </a:ext>
+                </a:extLst>
+              </p:cNvPr>
+              <p:cNvSpPr/>
+              <p:nvPr/>
+            </p:nvSpPr>
+            <p:spPr>
+              <a:xfrm rot="5400000">
+                <a:off x="3542188" y="3725877"/>
+                <a:ext cx="127908" cy="249747"/>
+              </a:xfrm>
+              <a:prstGeom prst="rect">
+                <a:avLst/>
+              </a:prstGeom>
+              <a:noFill/>
+              <a:ln>
+                <a:noFill/>
+              </a:ln>
+            </p:spPr>
+            <p:style>
+              <a:lnRef idx="2">
+                <a:schemeClr val="accent1">
+                  <a:shade val="50000"/>
+                </a:schemeClr>
+              </a:lnRef>
+              <a:fillRef idx="1">
+                <a:schemeClr val="accent1"/>
+              </a:fillRef>
+              <a:effectRef idx="0">
+                <a:schemeClr val="accent1"/>
+              </a:effectRef>
+              <a:fontRef idx="minor">
+                <a:schemeClr val="lt1"/>
+              </a:fontRef>
+            </p:style>
+            <p:txBody>
+              <a:bodyPr rtlCol="0" anchor="ctr"/>
+              <a:lstStyle/>
+              <a:p>
+                <a:pPr algn="ctr"/>
+                <a:endParaRPr lang="en-AU"/>
+              </a:p>
+            </p:txBody>
+          </p:sp>
+          <p:sp>
+            <p:nvSpPr>
+              <p:cNvPr id="126" name="Rectangle 125">
+                <a:extLst>
+                  <a:ext uri="{FF2B5EF4-FFF2-40B4-BE49-F238E27FC236}">
+                    <a16:creationId xmlns:a16="http://schemas.microsoft.com/office/drawing/2014/main" id="{AE252E39-DB9F-45A2-B56B-419C70A6F4D7}"/>
+                  </a:ext>
+                </a:extLst>
+              </p:cNvPr>
+              <p:cNvSpPr/>
+              <p:nvPr/>
+            </p:nvSpPr>
+            <p:spPr>
+              <a:xfrm rot="5400000">
+                <a:off x="3793885" y="3725878"/>
+                <a:ext cx="127908" cy="249747"/>
+              </a:xfrm>
+              <a:prstGeom prst="rect">
+                <a:avLst/>
+              </a:prstGeom>
+              <a:noFill/>
+              <a:ln>
+                <a:noFill/>
+              </a:ln>
+            </p:spPr>
+            <p:style>
+              <a:lnRef idx="2">
+                <a:schemeClr val="accent1">
+                  <a:shade val="50000"/>
+                </a:schemeClr>
+              </a:lnRef>
+              <a:fillRef idx="1">
+                <a:schemeClr val="accent1"/>
+              </a:fillRef>
+              <a:effectRef idx="0">
+                <a:schemeClr val="accent1"/>
+              </a:effectRef>
+              <a:fontRef idx="minor">
+                <a:schemeClr val="lt1"/>
+              </a:fontRef>
+            </p:style>
+            <p:txBody>
+              <a:bodyPr rtlCol="0" anchor="ctr"/>
+              <a:lstStyle/>
+              <a:p>
+                <a:pPr algn="ctr"/>
+                <a:endParaRPr lang="en-AU"/>
+              </a:p>
+            </p:txBody>
+          </p:sp>
+        </p:grpSp>
         <p:sp>
           <p:nvSpPr>
             <p:cNvPr id="29" name="Flowchart: Alternate Process 28">
@@ -5584,13 +6046,17 @@
           </p:nvSpPr>
           <p:spPr>
             <a:xfrm>
-              <a:off x="2430840" y="4383432"/>
+              <a:off x="3466268" y="4063308"/>
               <a:ext cx="1262618" cy="836484"/>
             </a:xfrm>
             <a:prstGeom prst="flowChartAlternateProcess">
               <a:avLst/>
             </a:prstGeom>
-            <a:ln/>
+            <a:ln>
+              <a:solidFill>
+                <a:schemeClr val="tx1"/>
+              </a:solidFill>
+            </a:ln>
           </p:spPr>
           <p:style>
             <a:lnRef idx="2">
@@ -5626,6 +6092,1053 @@
             </a:p>
           </p:txBody>
         </p:sp>
+      </p:grpSp>
+      <p:cxnSp>
+        <p:nvCxnSpPr>
+          <p:cNvPr id="34" name="Straight Arrow Connector 33">
+            <a:extLst>
+              <a:ext uri="{FF2B5EF4-FFF2-40B4-BE49-F238E27FC236}">
+                <a16:creationId xmlns:a16="http://schemas.microsoft.com/office/drawing/2014/main" id="{59B84EE9-F805-4C24-80E0-883DD0CFC543}"/>
+              </a:ext>
+            </a:extLst>
+          </p:cNvPr>
+          <p:cNvCxnSpPr>
+            <a:stCxn id="37" idx="2"/>
+            <a:endCxn id="38" idx="0"/>
+          </p:cNvCxnSpPr>
+          <p:nvPr/>
+        </p:nvCxnSpPr>
+        <p:spPr>
+          <a:xfrm>
+            <a:off x="4953000" y="2790920"/>
+            <a:ext cx="0" cy="217952"/>
+          </a:xfrm>
+          <a:prstGeom prst="straightConnector1">
+            <a:avLst/>
+          </a:prstGeom>
+          <a:ln w="19050">
+            <a:solidFill>
+              <a:schemeClr val="tx1"/>
+            </a:solidFill>
+            <a:headEnd type="triangle" w="med" len="med"/>
+            <a:tailEnd type="none" w="med" len="med"/>
+          </a:ln>
+        </p:spPr>
+        <p:style>
+          <a:lnRef idx="3">
+            <a:schemeClr val="accent4"/>
+          </a:lnRef>
+          <a:fillRef idx="0">
+            <a:schemeClr val="accent4"/>
+          </a:fillRef>
+          <a:effectRef idx="2">
+            <a:schemeClr val="accent4"/>
+          </a:effectRef>
+          <a:fontRef idx="minor">
+            <a:schemeClr val="tx1"/>
+          </a:fontRef>
+        </p:style>
+      </p:cxnSp>
+      <p:cxnSp>
+        <p:nvCxnSpPr>
+          <p:cNvPr id="35" name="Straight Arrow Connector 34">
+            <a:extLst>
+              <a:ext uri="{FF2B5EF4-FFF2-40B4-BE49-F238E27FC236}">
+                <a16:creationId xmlns:a16="http://schemas.microsoft.com/office/drawing/2014/main" id="{C7E0C5AF-5A96-4056-ACE7-88BB922ABB18}"/>
+              </a:ext>
+            </a:extLst>
+          </p:cNvPr>
+          <p:cNvCxnSpPr>
+            <a:stCxn id="36" idx="2"/>
+            <a:endCxn id="37" idx="0"/>
+          </p:cNvCxnSpPr>
+          <p:nvPr/>
+        </p:nvCxnSpPr>
+        <p:spPr>
+          <a:xfrm>
+            <a:off x="4953000" y="1736484"/>
+            <a:ext cx="0" cy="217952"/>
+          </a:xfrm>
+          <a:prstGeom prst="straightConnector1">
+            <a:avLst/>
+          </a:prstGeom>
+          <a:ln w="19050">
+            <a:solidFill>
+              <a:schemeClr val="tx1"/>
+            </a:solidFill>
+            <a:headEnd type="triangle" w="med" len="med"/>
+            <a:tailEnd type="none" w="med" len="med"/>
+          </a:ln>
+        </p:spPr>
+        <p:style>
+          <a:lnRef idx="3">
+            <a:schemeClr val="accent4"/>
+          </a:lnRef>
+          <a:fillRef idx="0">
+            <a:schemeClr val="accent4"/>
+          </a:fillRef>
+          <a:effectRef idx="2">
+            <a:schemeClr val="accent4"/>
+          </a:effectRef>
+          <a:fontRef idx="minor">
+            <a:schemeClr val="tx1"/>
+          </a:fontRef>
+        </p:style>
+      </p:cxnSp>
+      <p:sp>
+        <p:nvSpPr>
+          <p:cNvPr id="36" name="Flowchart: Alternate Process 35">
+            <a:extLst>
+              <a:ext uri="{FF2B5EF4-FFF2-40B4-BE49-F238E27FC236}">
+                <a16:creationId xmlns:a16="http://schemas.microsoft.com/office/drawing/2014/main" id="{D92F409B-EDD8-46C5-A4D2-F93183E2606B}"/>
+              </a:ext>
+            </a:extLst>
+          </p:cNvPr>
+          <p:cNvSpPr/>
+          <p:nvPr/>
+        </p:nvSpPr>
+        <p:spPr>
+          <a:xfrm>
+            <a:off x="4321691" y="900000"/>
+            <a:ext cx="1262618" cy="836484"/>
+          </a:xfrm>
+          <a:prstGeom prst="flowChartAlternateProcess">
+            <a:avLst/>
+          </a:prstGeom>
+          <a:ln w="19050"/>
+        </p:spPr>
+        <p:style>
+          <a:lnRef idx="2">
+            <a:schemeClr val="dk1"/>
+          </a:lnRef>
+          <a:fillRef idx="1">
+            <a:schemeClr val="lt1"/>
+          </a:fillRef>
+          <a:effectRef idx="0">
+            <a:schemeClr val="dk1"/>
+          </a:effectRef>
+          <a:fontRef idx="minor">
+            <a:schemeClr val="dk1"/>
+          </a:fontRef>
+        </p:style>
+        <p:txBody>
+          <a:bodyPr rot="0" spcFirstLastPara="0" vertOverflow="overflow" horzOverflow="overflow" vert="horz" wrap="square" lIns="0" tIns="0" rIns="0" bIns="0" numCol="1" spcCol="0" rtlCol="0" fromWordArt="0" anchor="ctr" anchorCtr="0" forceAA="0" compatLnSpc="1">
+            <a:prstTxWarp prst="textNoShape">
+              <a:avLst/>
+            </a:prstTxWarp>
+            <a:noAutofit/>
+          </a:bodyPr>
+          <a:lstStyle/>
+          <a:p>
+            <a:pPr algn="ctr"/>
+            <a:r>
+              <a:rPr lang="en-AU" sz="1050" dirty="0">
+                <a:solidFill>
+                  <a:schemeClr val="dk1"/>
+                </a:solidFill>
+                <a:latin typeface="Consolas" panose="020B0609020204030204" pitchFamily="49" charset="0"/>
+                <a:ea typeface="Yu Gothic" panose="020B0400000000000000" pitchFamily="34" charset="-128"/>
+              </a:rPr>
+              <a:t>Observe current state of pilot/desired state of suit</a:t>
+            </a:r>
+          </a:p>
+        </p:txBody>
+      </p:sp>
+      <p:sp>
+        <p:nvSpPr>
+          <p:cNvPr id="37" name="Flowchart: Alternate Process 36">
+            <a:extLst>
+              <a:ext uri="{FF2B5EF4-FFF2-40B4-BE49-F238E27FC236}">
+                <a16:creationId xmlns:a16="http://schemas.microsoft.com/office/drawing/2014/main" id="{50115687-D116-4ABA-A652-AD6EE015EF68}"/>
+              </a:ext>
+            </a:extLst>
+          </p:cNvPr>
+          <p:cNvSpPr/>
+          <p:nvPr/>
+        </p:nvSpPr>
+        <p:spPr>
+          <a:xfrm>
+            <a:off x="4321691" y="1954436"/>
+            <a:ext cx="1262618" cy="836484"/>
+          </a:xfrm>
+          <a:prstGeom prst="flowChartAlternateProcess">
+            <a:avLst/>
+          </a:prstGeom>
+          <a:ln w="19050">
+            <a:solidFill>
+              <a:schemeClr val="tx1"/>
+            </a:solidFill>
+          </a:ln>
+        </p:spPr>
+        <p:style>
+          <a:lnRef idx="2">
+            <a:schemeClr val="dk1"/>
+          </a:lnRef>
+          <a:fillRef idx="1">
+            <a:schemeClr val="lt1"/>
+          </a:fillRef>
+          <a:effectRef idx="0">
+            <a:schemeClr val="dk1"/>
+          </a:effectRef>
+          <a:fontRef idx="minor">
+            <a:schemeClr val="dk1"/>
+          </a:fontRef>
+        </p:style>
+        <p:txBody>
+          <a:bodyPr rot="0" spcFirstLastPara="0" vertOverflow="overflow" horzOverflow="overflow" vert="horz" wrap="square" lIns="0" tIns="0" rIns="0" bIns="0" numCol="1" spcCol="0" rtlCol="0" fromWordArt="0" anchor="ctr" anchorCtr="0" forceAA="0" compatLnSpc="1">
+            <a:prstTxWarp prst="textNoShape">
+              <a:avLst/>
+            </a:prstTxWarp>
+            <a:noAutofit/>
+          </a:bodyPr>
+          <a:lstStyle/>
+          <a:p>
+            <a:pPr algn="ctr"/>
+            <a:r>
+              <a:rPr lang="en-AU" sz="1050" dirty="0">
+                <a:solidFill>
+                  <a:schemeClr val="dk1"/>
+                </a:solidFill>
+                <a:latin typeface="Consolas" panose="020B0609020204030204" pitchFamily="49" charset="0"/>
+                <a:ea typeface="Yu Gothic" panose="020B0400000000000000" pitchFamily="34" charset="-128"/>
+              </a:rPr>
+              <a:t>Measure position of limbs in relation to origin</a:t>
+            </a:r>
+          </a:p>
+        </p:txBody>
+      </p:sp>
+      <p:sp>
+        <p:nvSpPr>
+          <p:cNvPr id="38" name="Flowchart: Alternate Process 37">
+            <a:extLst>
+              <a:ext uri="{FF2B5EF4-FFF2-40B4-BE49-F238E27FC236}">
+                <a16:creationId xmlns:a16="http://schemas.microsoft.com/office/drawing/2014/main" id="{36AFA404-2F42-45E1-A7C3-93CEEEC99AA4}"/>
+              </a:ext>
+            </a:extLst>
+          </p:cNvPr>
+          <p:cNvSpPr/>
+          <p:nvPr/>
+        </p:nvSpPr>
+        <p:spPr>
+          <a:xfrm>
+            <a:off x="4321691" y="3008872"/>
+            <a:ext cx="1262618" cy="836484"/>
+          </a:xfrm>
+          <a:prstGeom prst="flowChartAlternateProcess">
+            <a:avLst/>
+          </a:prstGeom>
+          <a:ln w="19050">
+            <a:solidFill>
+              <a:schemeClr val="tx1"/>
+            </a:solidFill>
+          </a:ln>
+        </p:spPr>
+        <p:style>
+          <a:lnRef idx="2">
+            <a:schemeClr val="dk1"/>
+          </a:lnRef>
+          <a:fillRef idx="1">
+            <a:schemeClr val="lt1"/>
+          </a:fillRef>
+          <a:effectRef idx="0">
+            <a:schemeClr val="dk1"/>
+          </a:effectRef>
+          <a:fontRef idx="minor">
+            <a:schemeClr val="dk1"/>
+          </a:fontRef>
+        </p:style>
+        <p:txBody>
+          <a:bodyPr rot="0" spcFirstLastPara="0" vertOverflow="overflow" horzOverflow="overflow" vert="horz" wrap="square" lIns="0" tIns="0" rIns="0" bIns="0" numCol="1" spcCol="0" rtlCol="0" fromWordArt="0" anchor="ctr" anchorCtr="0" forceAA="0" compatLnSpc="1">
+            <a:prstTxWarp prst="textNoShape">
+              <a:avLst/>
+            </a:prstTxWarp>
+            <a:noAutofit/>
+          </a:bodyPr>
+          <a:lstStyle/>
+          <a:p>
+            <a:pPr algn="ctr"/>
+            <a:r>
+              <a:rPr lang="en-AU" sz="1050" dirty="0">
+                <a:solidFill>
+                  <a:schemeClr val="dk1"/>
+                </a:solidFill>
+                <a:latin typeface="Consolas" panose="020B0609020204030204" pitchFamily="49" charset="0"/>
+                <a:ea typeface="Yu Gothic" panose="020B0400000000000000" pitchFamily="34" charset="-128"/>
+              </a:rPr>
+              <a:t>Measure position of limbs in relation to fixed rotational axis on suit</a:t>
+            </a:r>
+          </a:p>
+        </p:txBody>
+      </p:sp>
+      <p:sp>
+        <p:nvSpPr>
+          <p:cNvPr id="20" name="Flowchart: Alternate Process 19">
+            <a:extLst>
+              <a:ext uri="{FF2B5EF4-FFF2-40B4-BE49-F238E27FC236}">
+                <a16:creationId xmlns:a16="http://schemas.microsoft.com/office/drawing/2014/main" id="{EE20DA8A-1203-4004-B796-1159A72D15A7}"/>
+              </a:ext>
+            </a:extLst>
+          </p:cNvPr>
+          <p:cNvSpPr/>
+          <p:nvPr/>
+        </p:nvSpPr>
+        <p:spPr>
+          <a:xfrm>
+            <a:off x="540001" y="540000"/>
+            <a:ext cx="8825976" cy="5778000"/>
+          </a:xfrm>
+          <a:prstGeom prst="flowChartAlternateProcess">
+            <a:avLst/>
+          </a:prstGeom>
+          <a:noFill/>
+          <a:ln w="19050">
+            <a:prstDash val="lgDash"/>
+          </a:ln>
+        </p:spPr>
+        <p:style>
+          <a:lnRef idx="2">
+            <a:schemeClr val="accent4">
+              <a:shade val="50000"/>
+            </a:schemeClr>
+          </a:lnRef>
+          <a:fillRef idx="1">
+            <a:schemeClr val="accent4"/>
+          </a:fillRef>
+          <a:effectRef idx="0">
+            <a:schemeClr val="accent4"/>
+          </a:effectRef>
+          <a:fontRef idx="minor">
+            <a:schemeClr val="lt1"/>
+          </a:fontRef>
+        </p:style>
+        <p:txBody>
+          <a:bodyPr rot="0" spcFirstLastPara="0" vertOverflow="overflow" horzOverflow="overflow" vert="horz" wrap="square" lIns="0" tIns="0" rIns="0" bIns="0" numCol="1" spcCol="0" rtlCol="0" fromWordArt="0" anchor="ctr" anchorCtr="0" forceAA="0" compatLnSpc="1">
+            <a:prstTxWarp prst="textNoShape">
+              <a:avLst/>
+            </a:prstTxWarp>
+            <a:noAutofit/>
+          </a:bodyPr>
+          <a:lstStyle/>
+          <a:p>
+            <a:pPr algn="ctr"/>
+            <a:endParaRPr lang="en-AU" sz="1050" dirty="0">
+              <a:latin typeface="Consolas" panose="020B0609020204030204" pitchFamily="49" charset="0"/>
+              <a:ea typeface="Yu Gothic" panose="020B0400000000000000" pitchFamily="34" charset="-128"/>
+            </a:endParaRPr>
+          </a:p>
+        </p:txBody>
+      </p:sp>
+      <p:cxnSp>
+        <p:nvCxnSpPr>
+          <p:cNvPr id="49" name="Connector: Elbow 48">
+            <a:extLst>
+              <a:ext uri="{FF2B5EF4-FFF2-40B4-BE49-F238E27FC236}">
+                <a16:creationId xmlns:a16="http://schemas.microsoft.com/office/drawing/2014/main" id="{C1A8A370-EA07-4435-A94A-5EB174BCE0D4}"/>
+              </a:ext>
+            </a:extLst>
+          </p:cNvPr>
+          <p:cNvCxnSpPr>
+            <a:cxnSpLocks/>
+            <a:stCxn id="29" idx="1"/>
+            <a:endCxn id="17" idx="0"/>
+          </p:cNvCxnSpPr>
+          <p:nvPr/>
+        </p:nvCxnSpPr>
+        <p:spPr>
+          <a:xfrm rot="10800000" flipV="1">
+            <a:off x="2435089" y="4481550"/>
+            <a:ext cx="1886602" cy="636196"/>
+          </a:xfrm>
+          <a:prstGeom prst="bentConnector2">
+            <a:avLst/>
+          </a:prstGeom>
+          <a:ln w="19050">
+            <a:solidFill>
+              <a:schemeClr val="tx1"/>
+            </a:solidFill>
+            <a:headEnd type="triangle" w="med" len="med"/>
+            <a:tailEnd type="none" w="med" len="med"/>
+          </a:ln>
+        </p:spPr>
+        <p:style>
+          <a:lnRef idx="3">
+            <a:schemeClr val="accent4"/>
+          </a:lnRef>
+          <a:fillRef idx="0">
+            <a:schemeClr val="accent4"/>
+          </a:fillRef>
+          <a:effectRef idx="2">
+            <a:schemeClr val="accent4"/>
+          </a:effectRef>
+          <a:fontRef idx="minor">
+            <a:schemeClr val="tx1"/>
+          </a:fontRef>
+        </p:style>
+      </p:cxnSp>
+      <p:cxnSp>
+        <p:nvCxnSpPr>
+          <p:cNvPr id="52" name="Connector: Elbow 51">
+            <a:extLst>
+              <a:ext uri="{FF2B5EF4-FFF2-40B4-BE49-F238E27FC236}">
+                <a16:creationId xmlns:a16="http://schemas.microsoft.com/office/drawing/2014/main" id="{74813D39-7903-430B-A115-CEDD44E3B1A0}"/>
+              </a:ext>
+            </a:extLst>
+          </p:cNvPr>
+          <p:cNvCxnSpPr>
+            <a:cxnSpLocks/>
+            <a:stCxn id="125" idx="3"/>
+            <a:endCxn id="19" idx="0"/>
+          </p:cNvCxnSpPr>
+          <p:nvPr/>
+        </p:nvCxnSpPr>
+        <p:spPr>
+          <a:xfrm rot="16200000" flipH="1">
+            <a:off x="5342744" y="4668184"/>
+            <a:ext cx="217955" cy="681168"/>
+          </a:xfrm>
+          <a:prstGeom prst="bentConnector3">
+            <a:avLst>
+              <a:gd name="adj1" fmla="val 50000"/>
+            </a:avLst>
+          </a:prstGeom>
+          <a:ln w="19050">
+            <a:solidFill>
+              <a:schemeClr val="tx1"/>
+            </a:solidFill>
+            <a:headEnd type="triangle" w="med" len="med"/>
+            <a:tailEnd type="none" w="med" len="med"/>
+          </a:ln>
+        </p:spPr>
+        <p:style>
+          <a:lnRef idx="3">
+            <a:schemeClr val="accent4"/>
+          </a:lnRef>
+          <a:fillRef idx="0">
+            <a:schemeClr val="accent4"/>
+          </a:fillRef>
+          <a:effectRef idx="2">
+            <a:schemeClr val="accent4"/>
+          </a:effectRef>
+          <a:fontRef idx="minor">
+            <a:schemeClr val="tx1"/>
+          </a:fontRef>
+        </p:style>
+      </p:cxnSp>
+      <p:cxnSp>
+        <p:nvCxnSpPr>
+          <p:cNvPr id="93" name="Connector: Elbow 92">
+            <a:extLst>
+              <a:ext uri="{FF2B5EF4-FFF2-40B4-BE49-F238E27FC236}">
+                <a16:creationId xmlns:a16="http://schemas.microsoft.com/office/drawing/2014/main" id="{91142E9F-B215-40BC-8FF0-61748BE44660}"/>
+              </a:ext>
+            </a:extLst>
+          </p:cNvPr>
+          <p:cNvCxnSpPr>
+            <a:cxnSpLocks/>
+            <a:stCxn id="29" idx="3"/>
+            <a:endCxn id="86" idx="0"/>
+          </p:cNvCxnSpPr>
+          <p:nvPr/>
+        </p:nvCxnSpPr>
+        <p:spPr>
+          <a:xfrm>
+            <a:off x="5584309" y="4481550"/>
+            <a:ext cx="1886603" cy="636196"/>
+          </a:xfrm>
+          <a:prstGeom prst="bentConnector2">
+            <a:avLst/>
+          </a:prstGeom>
+          <a:ln w="19050">
+            <a:solidFill>
+              <a:schemeClr val="tx1"/>
+            </a:solidFill>
+            <a:headEnd type="triangle" w="med" len="med"/>
+            <a:tailEnd type="none" w="med" len="med"/>
+          </a:ln>
+        </p:spPr>
+        <p:style>
+          <a:lnRef idx="3">
+            <a:schemeClr val="accent4"/>
+          </a:lnRef>
+          <a:fillRef idx="0">
+            <a:schemeClr val="accent4"/>
+          </a:fillRef>
+          <a:effectRef idx="2">
+            <a:schemeClr val="accent4"/>
+          </a:effectRef>
+          <a:fontRef idx="minor">
+            <a:schemeClr val="tx1"/>
+          </a:fontRef>
+        </p:style>
+      </p:cxnSp>
+      <p:sp>
+        <p:nvSpPr>
+          <p:cNvPr id="59" name="Rectangle 58">
+            <a:extLst>
+              <a:ext uri="{FF2B5EF4-FFF2-40B4-BE49-F238E27FC236}">
+                <a16:creationId xmlns:a16="http://schemas.microsoft.com/office/drawing/2014/main" id="{1E40D16B-0B0A-4291-8165-F0754E500AA0}"/>
+              </a:ext>
+            </a:extLst>
+          </p:cNvPr>
+          <p:cNvSpPr/>
+          <p:nvPr/>
+        </p:nvSpPr>
+        <p:spPr>
+          <a:xfrm>
+            <a:off x="2617054" y="5274385"/>
+            <a:ext cx="127908" cy="418240"/>
+          </a:xfrm>
+          <a:prstGeom prst="rect">
+            <a:avLst/>
+          </a:prstGeom>
+          <a:noFill/>
+          <a:ln>
+            <a:noFill/>
+          </a:ln>
+        </p:spPr>
+        <p:style>
+          <a:lnRef idx="2">
+            <a:schemeClr val="accent1">
+              <a:shade val="50000"/>
+            </a:schemeClr>
+          </a:lnRef>
+          <a:fillRef idx="1">
+            <a:schemeClr val="accent1"/>
+          </a:fillRef>
+          <a:effectRef idx="0">
+            <a:schemeClr val="accent1"/>
+          </a:effectRef>
+          <a:fontRef idx="minor">
+            <a:schemeClr val="lt1"/>
+          </a:fontRef>
+        </p:style>
+        <p:txBody>
+          <a:bodyPr rtlCol="0" anchor="ctr"/>
+          <a:lstStyle/>
+          <a:p>
+            <a:pPr algn="ctr"/>
+            <a:endParaRPr lang="en-AU"/>
+          </a:p>
+        </p:txBody>
+      </p:sp>
+      <p:sp>
+        <p:nvSpPr>
+          <p:cNvPr id="60" name="Rectangle 59">
+            <a:extLst>
+              <a:ext uri="{FF2B5EF4-FFF2-40B4-BE49-F238E27FC236}">
+                <a16:creationId xmlns:a16="http://schemas.microsoft.com/office/drawing/2014/main" id="{D7D8C76A-6CC5-408F-AC7F-69E1B59F0784}"/>
+              </a:ext>
+            </a:extLst>
+          </p:cNvPr>
+          <p:cNvSpPr/>
+          <p:nvPr/>
+        </p:nvSpPr>
+        <p:spPr>
+          <a:xfrm>
+            <a:off x="2617054" y="5692625"/>
+            <a:ext cx="127908" cy="418240"/>
+          </a:xfrm>
+          <a:prstGeom prst="rect">
+            <a:avLst/>
+          </a:prstGeom>
+          <a:noFill/>
+          <a:ln>
+            <a:noFill/>
+          </a:ln>
+        </p:spPr>
+        <p:style>
+          <a:lnRef idx="2">
+            <a:schemeClr val="accent1">
+              <a:shade val="50000"/>
+            </a:schemeClr>
+          </a:lnRef>
+          <a:fillRef idx="1">
+            <a:schemeClr val="accent1"/>
+          </a:fillRef>
+          <a:effectRef idx="0">
+            <a:schemeClr val="accent1"/>
+          </a:effectRef>
+          <a:fontRef idx="minor">
+            <a:schemeClr val="lt1"/>
+          </a:fontRef>
+        </p:style>
+        <p:txBody>
+          <a:bodyPr rtlCol="0" anchor="ctr"/>
+          <a:lstStyle/>
+          <a:p>
+            <a:pPr algn="ctr"/>
+            <a:endParaRPr lang="en-AU"/>
+          </a:p>
+        </p:txBody>
+      </p:sp>
+      <p:cxnSp>
+        <p:nvCxnSpPr>
+          <p:cNvPr id="43" name="Straight Arrow Connector 42">
+            <a:extLst>
+              <a:ext uri="{FF2B5EF4-FFF2-40B4-BE49-F238E27FC236}">
+                <a16:creationId xmlns:a16="http://schemas.microsoft.com/office/drawing/2014/main" id="{E35A7958-0784-4046-80BE-40798ACA78E8}"/>
+              </a:ext>
+            </a:extLst>
+          </p:cNvPr>
+          <p:cNvCxnSpPr>
+            <a:cxnSpLocks/>
+            <a:stCxn id="17" idx="3"/>
+            <a:endCxn id="18" idx="1"/>
+          </p:cNvCxnSpPr>
+          <p:nvPr/>
+        </p:nvCxnSpPr>
+        <p:spPr>
+          <a:xfrm>
+            <a:off x="3066398" y="5535988"/>
+            <a:ext cx="415990" cy="0"/>
+          </a:xfrm>
+          <a:prstGeom prst="straightConnector1">
+            <a:avLst/>
+          </a:prstGeom>
+          <a:ln w="19050">
+            <a:solidFill>
+              <a:schemeClr val="tx1"/>
+            </a:solidFill>
+            <a:tailEnd type="triangle"/>
+          </a:ln>
+        </p:spPr>
+        <p:style>
+          <a:lnRef idx="3">
+            <a:schemeClr val="accent4"/>
+          </a:lnRef>
+          <a:fillRef idx="0">
+            <a:schemeClr val="accent4"/>
+          </a:fillRef>
+          <a:effectRef idx="2">
+            <a:schemeClr val="accent4"/>
+          </a:effectRef>
+          <a:fontRef idx="minor">
+            <a:schemeClr val="tx1"/>
+          </a:fontRef>
+        </p:style>
+      </p:cxnSp>
+      <p:cxnSp>
+        <p:nvCxnSpPr>
+          <p:cNvPr id="46" name="Straight Arrow Connector 45">
+            <a:extLst>
+              <a:ext uri="{FF2B5EF4-FFF2-40B4-BE49-F238E27FC236}">
+                <a16:creationId xmlns:a16="http://schemas.microsoft.com/office/drawing/2014/main" id="{6DBD670E-EA2A-451E-850F-2ED7281F70E1}"/>
+              </a:ext>
+            </a:extLst>
+          </p:cNvPr>
+          <p:cNvCxnSpPr>
+            <a:cxnSpLocks/>
+            <a:stCxn id="18" idx="3"/>
+            <a:endCxn id="19" idx="1"/>
+          </p:cNvCxnSpPr>
+          <p:nvPr/>
+        </p:nvCxnSpPr>
+        <p:spPr>
+          <a:xfrm>
+            <a:off x="4745006" y="5535988"/>
+            <a:ext cx="415990" cy="0"/>
+          </a:xfrm>
+          <a:prstGeom prst="straightConnector1">
+            <a:avLst/>
+          </a:prstGeom>
+          <a:ln w="19050">
+            <a:solidFill>
+              <a:schemeClr val="tx1"/>
+            </a:solidFill>
+            <a:tailEnd type="triangle"/>
+          </a:ln>
+        </p:spPr>
+        <p:style>
+          <a:lnRef idx="3">
+            <a:schemeClr val="accent4"/>
+          </a:lnRef>
+          <a:fillRef idx="0">
+            <a:schemeClr val="accent4"/>
+          </a:fillRef>
+          <a:effectRef idx="2">
+            <a:schemeClr val="accent4"/>
+          </a:effectRef>
+          <a:fontRef idx="minor">
+            <a:schemeClr val="tx1"/>
+          </a:fontRef>
+        </p:style>
+      </p:cxnSp>
+      <p:cxnSp>
+        <p:nvCxnSpPr>
+          <p:cNvPr id="90" name="Straight Arrow Connector 89">
+            <a:extLst>
+              <a:ext uri="{FF2B5EF4-FFF2-40B4-BE49-F238E27FC236}">
+                <a16:creationId xmlns:a16="http://schemas.microsoft.com/office/drawing/2014/main" id="{60861DB6-7D6D-4711-BCCF-E83EC7481698}"/>
+              </a:ext>
+            </a:extLst>
+          </p:cNvPr>
+          <p:cNvCxnSpPr>
+            <a:cxnSpLocks/>
+            <a:stCxn id="19" idx="3"/>
+            <a:endCxn id="86" idx="1"/>
+          </p:cNvCxnSpPr>
+          <p:nvPr/>
+        </p:nvCxnSpPr>
+        <p:spPr>
+          <a:xfrm>
+            <a:off x="6423614" y="5535988"/>
+            <a:ext cx="415989" cy="0"/>
+          </a:xfrm>
+          <a:prstGeom prst="straightConnector1">
+            <a:avLst/>
+          </a:prstGeom>
+          <a:ln w="19050">
+            <a:solidFill>
+              <a:schemeClr val="tx1"/>
+            </a:solidFill>
+            <a:tailEnd type="triangle"/>
+          </a:ln>
+        </p:spPr>
+        <p:style>
+          <a:lnRef idx="3">
+            <a:schemeClr val="accent4"/>
+          </a:lnRef>
+          <a:fillRef idx="0">
+            <a:schemeClr val="accent4"/>
+          </a:fillRef>
+          <a:effectRef idx="2">
+            <a:schemeClr val="accent4"/>
+          </a:effectRef>
+          <a:fontRef idx="minor">
+            <a:schemeClr val="tx1"/>
+          </a:fontRef>
+        </p:style>
+      </p:cxnSp>
+      <p:cxnSp>
+        <p:nvCxnSpPr>
+          <p:cNvPr id="113" name="Connector: Elbow 112">
+            <a:extLst>
+              <a:ext uri="{FF2B5EF4-FFF2-40B4-BE49-F238E27FC236}">
+                <a16:creationId xmlns:a16="http://schemas.microsoft.com/office/drawing/2014/main" id="{9471340E-EC2C-4658-9D26-0C3E15A1296E}"/>
+              </a:ext>
+            </a:extLst>
+          </p:cNvPr>
+          <p:cNvCxnSpPr>
+            <a:cxnSpLocks/>
+            <a:stCxn id="124" idx="3"/>
+            <a:endCxn id="18" idx="0"/>
+          </p:cNvCxnSpPr>
+          <p:nvPr/>
+        </p:nvCxnSpPr>
+        <p:spPr>
+          <a:xfrm rot="5400000">
+            <a:off x="4345303" y="4668185"/>
+            <a:ext cx="217956" cy="681167"/>
+          </a:xfrm>
+          <a:prstGeom prst="bentConnector3">
+            <a:avLst>
+              <a:gd name="adj1" fmla="val 50000"/>
+            </a:avLst>
+          </a:prstGeom>
+          <a:ln w="19050">
+            <a:solidFill>
+              <a:schemeClr val="tx1"/>
+            </a:solidFill>
+            <a:headEnd type="triangle" w="med" len="med"/>
+            <a:tailEnd type="none" w="med" len="med"/>
+          </a:ln>
+        </p:spPr>
+        <p:style>
+          <a:lnRef idx="3">
+            <a:schemeClr val="accent4"/>
+          </a:lnRef>
+          <a:fillRef idx="0">
+            <a:schemeClr val="accent4"/>
+          </a:fillRef>
+          <a:effectRef idx="2">
+            <a:schemeClr val="accent4"/>
+          </a:effectRef>
+          <a:fontRef idx="minor">
+            <a:schemeClr val="tx1"/>
+          </a:fontRef>
+        </p:style>
+      </p:cxnSp>
+      <p:grpSp>
+        <p:nvGrpSpPr>
+          <p:cNvPr id="243" name="Group 242">
+            <a:extLst>
+              <a:ext uri="{FF2B5EF4-FFF2-40B4-BE49-F238E27FC236}">
+                <a16:creationId xmlns:a16="http://schemas.microsoft.com/office/drawing/2014/main" id="{2DED509C-61DE-4BD3-8180-306CE6B2DBBB}"/>
+              </a:ext>
+            </a:extLst>
+          </p:cNvPr>
+          <p:cNvGrpSpPr/>
+          <p:nvPr/>
+        </p:nvGrpSpPr>
+        <p:grpSpPr>
+          <a:xfrm>
+            <a:off x="1803780" y="5117746"/>
+            <a:ext cx="6298441" cy="836484"/>
+            <a:chOff x="1763424" y="5117746"/>
+            <a:chExt cx="6298441" cy="836484"/>
+          </a:xfrm>
+        </p:grpSpPr>
+        <p:sp>
+          <p:nvSpPr>
+            <p:cNvPr id="17" name="Flowchart: Alternate Process 16">
+              <a:extLst>
+                <a:ext uri="{FF2B5EF4-FFF2-40B4-BE49-F238E27FC236}">
+                  <a16:creationId xmlns:a16="http://schemas.microsoft.com/office/drawing/2014/main" id="{D6880F27-7869-44F4-BA18-C658D30CC6F6}"/>
+                </a:ext>
+              </a:extLst>
+            </p:cNvPr>
+            <p:cNvSpPr/>
+            <p:nvPr/>
+          </p:nvSpPr>
+          <p:spPr>
+            <a:xfrm>
+              <a:off x="1763424" y="5117746"/>
+              <a:ext cx="1262618" cy="836484"/>
+            </a:xfrm>
+            <a:prstGeom prst="flowChartAlternateProcess">
+              <a:avLst/>
+            </a:prstGeom>
+            <a:ln>
+              <a:solidFill>
+                <a:schemeClr val="tx1"/>
+              </a:solidFill>
+            </a:ln>
+          </p:spPr>
+          <p:style>
+            <a:lnRef idx="2">
+              <a:schemeClr val="dk1"/>
+            </a:lnRef>
+            <a:fillRef idx="1">
+              <a:schemeClr val="lt1"/>
+            </a:fillRef>
+            <a:effectRef idx="0">
+              <a:schemeClr val="dk1"/>
+            </a:effectRef>
+            <a:fontRef idx="minor">
+              <a:schemeClr val="dk1"/>
+            </a:fontRef>
+          </p:style>
+          <p:txBody>
+            <a:bodyPr rot="0" spcFirstLastPara="0" vertOverflow="overflow" horzOverflow="overflow" vert="horz" wrap="square" lIns="0" tIns="0" rIns="0" bIns="0" numCol="1" spcCol="0" rtlCol="0" fromWordArt="0" anchor="ctr" anchorCtr="0" forceAA="0" compatLnSpc="1">
+              <a:prstTxWarp prst="textNoShape">
+                <a:avLst/>
+              </a:prstTxWarp>
+              <a:noAutofit/>
+            </a:bodyPr>
+            <a:lstStyle/>
+            <a:p>
+              <a:pPr algn="ctr"/>
+              <a:r>
+                <a:rPr lang="en-AU" sz="1050" dirty="0">
+                  <a:latin typeface="Consolas" panose="020B0609020204030204" pitchFamily="49" charset="0"/>
+                  <a:ea typeface="Yu Gothic" panose="020B0400000000000000" pitchFamily="34" charset="-128"/>
+                </a:rPr>
+                <a:t>Detect Signal</a:t>
+              </a:r>
+            </a:p>
+          </p:txBody>
+        </p:sp>
+        <p:sp>
+          <p:nvSpPr>
+            <p:cNvPr id="18" name="Flowchart: Alternate Process 17">
+              <a:extLst>
+                <a:ext uri="{FF2B5EF4-FFF2-40B4-BE49-F238E27FC236}">
+                  <a16:creationId xmlns:a16="http://schemas.microsoft.com/office/drawing/2014/main" id="{507FB19F-0FFD-483C-9DDF-3FDD57B3763C}"/>
+                </a:ext>
+              </a:extLst>
+            </p:cNvPr>
+            <p:cNvSpPr/>
+            <p:nvPr/>
+          </p:nvSpPr>
+          <p:spPr>
+            <a:xfrm>
+              <a:off x="3442032" y="5117746"/>
+              <a:ext cx="1262618" cy="836484"/>
+            </a:xfrm>
+            <a:prstGeom prst="flowChartAlternateProcess">
+              <a:avLst/>
+            </a:prstGeom>
+            <a:ln>
+              <a:solidFill>
+                <a:schemeClr val="tx1"/>
+              </a:solidFill>
+            </a:ln>
+          </p:spPr>
+          <p:style>
+            <a:lnRef idx="2">
+              <a:schemeClr val="dk1"/>
+            </a:lnRef>
+            <a:fillRef idx="1">
+              <a:schemeClr val="lt1"/>
+            </a:fillRef>
+            <a:effectRef idx="0">
+              <a:schemeClr val="dk1"/>
+            </a:effectRef>
+            <a:fontRef idx="minor">
+              <a:schemeClr val="dk1"/>
+            </a:fontRef>
+          </p:style>
+          <p:txBody>
+            <a:bodyPr rot="0" spcFirstLastPara="0" vertOverflow="overflow" horzOverflow="overflow" vert="horz" wrap="square" lIns="0" tIns="0" rIns="0" bIns="0" numCol="1" spcCol="0" rtlCol="0" fromWordArt="0" anchor="ctr" anchorCtr="0" forceAA="0" compatLnSpc="1">
+              <a:prstTxWarp prst="textNoShape">
+                <a:avLst/>
+              </a:prstTxWarp>
+              <a:noAutofit/>
+            </a:bodyPr>
+            <a:lstStyle/>
+            <a:p>
+              <a:pPr algn="ctr"/>
+              <a:r>
+                <a:rPr lang="en-AU" sz="1050" dirty="0">
+                  <a:latin typeface="Consolas" panose="020B0609020204030204" pitchFamily="49" charset="0"/>
+                  <a:ea typeface="Yu Gothic" panose="020B0400000000000000" pitchFamily="34" charset="-128"/>
+                </a:rPr>
+                <a:t>Remove Noise</a:t>
+              </a:r>
+            </a:p>
+          </p:txBody>
+        </p:sp>
+        <p:sp>
+          <p:nvSpPr>
+            <p:cNvPr id="19" name="Flowchart: Alternate Process 18">
+              <a:extLst>
+                <a:ext uri="{FF2B5EF4-FFF2-40B4-BE49-F238E27FC236}">
+                  <a16:creationId xmlns:a16="http://schemas.microsoft.com/office/drawing/2014/main" id="{3217BC8F-77B9-4DBD-AD64-60D7FAAF745C}"/>
+                </a:ext>
+              </a:extLst>
+            </p:cNvPr>
+            <p:cNvSpPr/>
+            <p:nvPr/>
+          </p:nvSpPr>
+          <p:spPr>
+            <a:xfrm>
+              <a:off x="5120640" y="5117746"/>
+              <a:ext cx="1262618" cy="836484"/>
+            </a:xfrm>
+            <a:prstGeom prst="flowChartAlternateProcess">
+              <a:avLst/>
+            </a:prstGeom>
+            <a:ln>
+              <a:solidFill>
+                <a:schemeClr val="tx1"/>
+              </a:solidFill>
+            </a:ln>
+          </p:spPr>
+          <p:style>
+            <a:lnRef idx="2">
+              <a:schemeClr val="dk1"/>
+            </a:lnRef>
+            <a:fillRef idx="1">
+              <a:schemeClr val="lt1"/>
+            </a:fillRef>
+            <a:effectRef idx="0">
+              <a:schemeClr val="dk1"/>
+            </a:effectRef>
+            <a:fontRef idx="minor">
+              <a:schemeClr val="dk1"/>
+            </a:fontRef>
+          </p:style>
+          <p:txBody>
+            <a:bodyPr rot="0" spcFirstLastPara="0" vertOverflow="overflow" horzOverflow="overflow" vert="horz" wrap="square" lIns="0" tIns="0" rIns="0" bIns="0" numCol="1" spcCol="0" rtlCol="0" fromWordArt="0" anchor="ctr" anchorCtr="0" forceAA="0" compatLnSpc="1">
+              <a:prstTxWarp prst="textNoShape">
+                <a:avLst/>
+              </a:prstTxWarp>
+              <a:noAutofit/>
+            </a:bodyPr>
+            <a:lstStyle/>
+            <a:p>
+              <a:pPr algn="ctr"/>
+              <a:r>
+                <a:rPr lang="en-AU" sz="1050" dirty="0">
+                  <a:latin typeface="Consolas" panose="020B0609020204030204" pitchFamily="49" charset="0"/>
+                  <a:ea typeface="Yu Gothic" panose="020B0400000000000000" pitchFamily="34" charset="-128"/>
+                </a:rPr>
+                <a:t>Apply Sufficient Amplification</a:t>
+              </a:r>
+            </a:p>
+          </p:txBody>
+        </p:sp>
+        <p:sp>
+          <p:nvSpPr>
+            <p:cNvPr id="86" name="Flowchart: Alternate Process 85">
+              <a:extLst>
+                <a:ext uri="{FF2B5EF4-FFF2-40B4-BE49-F238E27FC236}">
+                  <a16:creationId xmlns:a16="http://schemas.microsoft.com/office/drawing/2014/main" id="{484A4846-31D9-46DC-A34A-EE6B8EDF80BE}"/>
+                </a:ext>
+              </a:extLst>
+            </p:cNvPr>
+            <p:cNvSpPr/>
+            <p:nvPr/>
+          </p:nvSpPr>
+          <p:spPr>
+            <a:xfrm>
+              <a:off x="6799247" y="5117746"/>
+              <a:ext cx="1262618" cy="836484"/>
+            </a:xfrm>
+            <a:prstGeom prst="flowChartAlternateProcess">
+              <a:avLst/>
+            </a:prstGeom>
+            <a:ln>
+              <a:solidFill>
+                <a:schemeClr val="tx1"/>
+              </a:solidFill>
+            </a:ln>
+          </p:spPr>
+          <p:style>
+            <a:lnRef idx="2">
+              <a:schemeClr val="dk1"/>
+            </a:lnRef>
+            <a:fillRef idx="1">
+              <a:schemeClr val="lt1"/>
+            </a:fillRef>
+            <a:effectRef idx="0">
+              <a:schemeClr val="dk1"/>
+            </a:effectRef>
+            <a:fontRef idx="minor">
+              <a:schemeClr val="dk1"/>
+            </a:fontRef>
+          </p:style>
+          <p:txBody>
+            <a:bodyPr rot="0" spcFirstLastPara="0" vertOverflow="overflow" horzOverflow="overflow" vert="horz" wrap="square" lIns="0" tIns="0" rIns="0" bIns="0" numCol="1" spcCol="0" rtlCol="0" fromWordArt="0" anchor="ctr" anchorCtr="0" forceAA="0" compatLnSpc="1">
+              <a:prstTxWarp prst="textNoShape">
+                <a:avLst/>
+              </a:prstTxWarp>
+              <a:noAutofit/>
+            </a:bodyPr>
+            <a:lstStyle/>
+            <a:p>
+              <a:pPr algn="ctr"/>
+              <a:r>
+                <a:rPr lang="en-AU" sz="1050" dirty="0">
+                  <a:latin typeface="Consolas" panose="020B0609020204030204" pitchFamily="49" charset="0"/>
+                  <a:ea typeface="Yu Gothic" panose="020B0400000000000000" pitchFamily="34" charset="-128"/>
+                </a:rPr>
+                <a:t>Read Signal</a:t>
+              </a:r>
+            </a:p>
+          </p:txBody>
+        </p:sp>
+      </p:grpSp>
+      <p:grpSp>
+        <p:nvGrpSpPr>
+          <p:cNvPr id="221" name="Group 220">
+            <a:extLst>
+              <a:ext uri="{FF2B5EF4-FFF2-40B4-BE49-F238E27FC236}">
+                <a16:creationId xmlns:a16="http://schemas.microsoft.com/office/drawing/2014/main" id="{739690BC-CF68-47F2-9A81-E7BAEF6B8F09}"/>
+              </a:ext>
+            </a:extLst>
+          </p:cNvPr>
+          <p:cNvGrpSpPr/>
+          <p:nvPr/>
+        </p:nvGrpSpPr>
+        <p:grpSpPr>
+          <a:xfrm>
+            <a:off x="7743380" y="3008872"/>
+            <a:ext cx="1262618" cy="1890922"/>
+            <a:chOff x="7743380" y="4063308"/>
+            <a:chExt cx="1262618" cy="1890922"/>
+          </a:xfrm>
+        </p:grpSpPr>
         <p:sp>
           <p:nvSpPr>
             <p:cNvPr id="30" name="Flowchart: Alternate Process 29">
@@ -5640,13 +7153,17 @@
           </p:nvSpPr>
           <p:spPr>
             <a:xfrm>
-              <a:off x="6212518" y="4383432"/>
+              <a:off x="7743380" y="4063308"/>
               <a:ext cx="1262618" cy="836484"/>
             </a:xfrm>
             <a:prstGeom prst="flowChartAlternateProcess">
               <a:avLst/>
             </a:prstGeom>
-            <a:ln/>
+            <a:ln>
+              <a:solidFill>
+                <a:schemeClr val="tx1"/>
+              </a:solidFill>
+            </a:ln>
           </p:spPr>
           <p:style>
             <a:lnRef idx="2">
@@ -5682,96 +7199,12 @@
             </a:p>
           </p:txBody>
         </p:sp>
-        <p:cxnSp>
-          <p:nvCxnSpPr>
-            <p:cNvPr id="34" name="Straight Arrow Connector 33">
+        <p:sp>
+          <p:nvSpPr>
+            <p:cNvPr id="143" name="Flowchart: Alternate Process 142">
               <a:extLst>
                 <a:ext uri="{FF2B5EF4-FFF2-40B4-BE49-F238E27FC236}">
-                  <a16:creationId xmlns:a16="http://schemas.microsoft.com/office/drawing/2014/main" id="{59B84EE9-F805-4C24-80E0-883DD0CFC543}"/>
-                </a:ext>
-              </a:extLst>
-            </p:cNvPr>
-            <p:cNvCxnSpPr>
-              <a:stCxn id="37" idx="2"/>
-              <a:endCxn id="38" idx="0"/>
-            </p:cNvCxnSpPr>
-            <p:nvPr/>
-          </p:nvCxnSpPr>
-          <p:spPr>
-            <a:xfrm>
-              <a:off x="4953000" y="3023748"/>
-              <a:ext cx="0" cy="261600"/>
-            </a:xfrm>
-            <a:prstGeom prst="straightConnector1">
-              <a:avLst/>
-            </a:prstGeom>
-            <a:ln w="19050">
-              <a:tailEnd type="triangle"/>
-            </a:ln>
-          </p:spPr>
-          <p:style>
-            <a:lnRef idx="3">
-              <a:schemeClr val="accent4"/>
-            </a:lnRef>
-            <a:fillRef idx="0">
-              <a:schemeClr val="accent4"/>
-            </a:fillRef>
-            <a:effectRef idx="2">
-              <a:schemeClr val="accent4"/>
-            </a:effectRef>
-            <a:fontRef idx="minor">
-              <a:schemeClr val="tx1"/>
-            </a:fontRef>
-          </p:style>
-        </p:cxnSp>
-        <p:cxnSp>
-          <p:nvCxnSpPr>
-            <p:cNvPr id="35" name="Straight Arrow Connector 34">
-              <a:extLst>
-                <a:ext uri="{FF2B5EF4-FFF2-40B4-BE49-F238E27FC236}">
-                  <a16:creationId xmlns:a16="http://schemas.microsoft.com/office/drawing/2014/main" id="{C7E0C5AF-5A96-4056-ACE7-88BB922ABB18}"/>
-                </a:ext>
-              </a:extLst>
-            </p:cNvPr>
-            <p:cNvCxnSpPr>
-              <a:stCxn id="36" idx="2"/>
-              <a:endCxn id="37" idx="0"/>
-            </p:cNvCxnSpPr>
-            <p:nvPr/>
-          </p:nvCxnSpPr>
-          <p:spPr>
-            <a:xfrm>
-              <a:off x="4953000" y="1925664"/>
-              <a:ext cx="0" cy="261600"/>
-            </a:xfrm>
-            <a:prstGeom prst="straightConnector1">
-              <a:avLst/>
-            </a:prstGeom>
-            <a:ln w="19050">
-              <a:tailEnd type="triangle"/>
-            </a:ln>
-          </p:spPr>
-          <p:style>
-            <a:lnRef idx="3">
-              <a:schemeClr val="accent4"/>
-            </a:lnRef>
-            <a:fillRef idx="0">
-              <a:schemeClr val="accent4"/>
-            </a:fillRef>
-            <a:effectRef idx="2">
-              <a:schemeClr val="accent4"/>
-            </a:effectRef>
-            <a:fontRef idx="minor">
-              <a:schemeClr val="tx1"/>
-            </a:fontRef>
-          </p:style>
-        </p:cxnSp>
-        <p:sp>
-          <p:nvSpPr>
-            <p:cNvPr id="36" name="Flowchart: Alternate Process 35">
-              <a:extLst>
-                <a:ext uri="{FF2B5EF4-FFF2-40B4-BE49-F238E27FC236}">
-                  <a16:creationId xmlns:a16="http://schemas.microsoft.com/office/drawing/2014/main" id="{D92F409B-EDD8-46C5-A4D2-F93183E2606B}"/>
+                  <a16:creationId xmlns:a16="http://schemas.microsoft.com/office/drawing/2014/main" id="{5EE8BAA9-0AB9-4D7E-B5B4-44B8316F3839}"/>
                 </a:ext>
               </a:extLst>
             </p:cNvPr>
@@ -5780,28 +7213,30 @@
           </p:nvSpPr>
           <p:spPr>
             <a:xfrm>
-              <a:off x="4321691" y="1089180"/>
+              <a:off x="7743380" y="5117746"/>
               <a:ext cx="1262618" cy="836484"/>
             </a:xfrm>
             <a:prstGeom prst="flowChartAlternateProcess">
               <a:avLst/>
             </a:prstGeom>
-            <a:ln w="19050"/>
+            <a:ln>
+              <a:solidFill>
+                <a:schemeClr val="tx1"/>
+              </a:solidFill>
+            </a:ln>
           </p:spPr>
           <p:style>
             <a:lnRef idx="2">
-              <a:schemeClr val="accent4">
-                <a:shade val="50000"/>
-              </a:schemeClr>
+              <a:schemeClr val="dk1"/>
             </a:lnRef>
             <a:fillRef idx="1">
-              <a:schemeClr val="accent4"/>
+              <a:schemeClr val="lt1"/>
             </a:fillRef>
             <a:effectRef idx="0">
-              <a:schemeClr val="accent4"/>
+              <a:schemeClr val="dk1"/>
             </a:effectRef>
             <a:fontRef idx="minor">
-              <a:schemeClr val="lt1"/>
+              <a:schemeClr val="dk1"/>
             </a:fontRef>
           </p:style>
           <p:txBody>
@@ -5819,319 +7254,197 @@
                   <a:latin typeface="Consolas" panose="020B0609020204030204" pitchFamily="49" charset="0"/>
                   <a:ea typeface="Yu Gothic" panose="020B0400000000000000" pitchFamily="34" charset="-128"/>
                 </a:rPr>
-                <a:t>Observe current state of pilot/desired state of suit</a:t>
+                <a:t>Map from ADC readings to meters</a:t>
               </a:r>
             </a:p>
           </p:txBody>
         </p:sp>
-        <p:sp>
-          <p:nvSpPr>
-            <p:cNvPr id="37" name="Flowchart: Alternate Process 36">
-              <a:extLst>
-                <a:ext uri="{FF2B5EF4-FFF2-40B4-BE49-F238E27FC236}">
-                  <a16:creationId xmlns:a16="http://schemas.microsoft.com/office/drawing/2014/main" id="{50115687-D116-4ABA-A652-AD6EE015EF68}"/>
-                </a:ext>
-              </a:extLst>
-            </p:cNvPr>
-            <p:cNvSpPr/>
-            <p:nvPr/>
-          </p:nvSpPr>
-          <p:spPr>
-            <a:xfrm>
-              <a:off x="4321691" y="2187264"/>
-              <a:ext cx="1262618" cy="836484"/>
-            </a:xfrm>
-            <a:prstGeom prst="flowChartAlternateProcess">
-              <a:avLst/>
-            </a:prstGeom>
-            <a:ln w="19050"/>
-          </p:spPr>
-          <p:style>
-            <a:lnRef idx="2">
-              <a:schemeClr val="accent4">
-                <a:shade val="50000"/>
-              </a:schemeClr>
-            </a:lnRef>
-            <a:fillRef idx="1">
-              <a:schemeClr val="accent4"/>
-            </a:fillRef>
-            <a:effectRef idx="0">
-              <a:schemeClr val="accent4"/>
-            </a:effectRef>
-            <a:fontRef idx="minor">
-              <a:schemeClr val="lt1"/>
-            </a:fontRef>
-          </p:style>
-          <p:txBody>
-            <a:bodyPr rot="0" spcFirstLastPara="0" vertOverflow="overflow" horzOverflow="overflow" vert="horz" wrap="square" lIns="0" tIns="0" rIns="0" bIns="0" numCol="1" spcCol="0" rtlCol="0" fromWordArt="0" anchor="ctr" anchorCtr="0" forceAA="0" compatLnSpc="1">
-              <a:prstTxWarp prst="textNoShape">
-                <a:avLst/>
-              </a:prstTxWarp>
-              <a:noAutofit/>
-            </a:bodyPr>
-            <a:lstStyle/>
-            <a:p>
-              <a:pPr algn="ctr"/>
-              <a:r>
-                <a:rPr lang="en-AU" sz="1050" dirty="0">
-                  <a:latin typeface="Consolas" panose="020B0609020204030204" pitchFamily="49" charset="0"/>
-                  <a:ea typeface="Yu Gothic" panose="020B0400000000000000" pitchFamily="34" charset="-128"/>
-                </a:rPr>
-                <a:t>Measure position of limbs in relation to origin</a:t>
-              </a:r>
-            </a:p>
-          </p:txBody>
-        </p:sp>
-        <p:sp>
-          <p:nvSpPr>
-            <p:cNvPr id="38" name="Flowchart: Alternate Process 37">
-              <a:extLst>
-                <a:ext uri="{FF2B5EF4-FFF2-40B4-BE49-F238E27FC236}">
-                  <a16:creationId xmlns:a16="http://schemas.microsoft.com/office/drawing/2014/main" id="{36AFA404-2F42-45E1-A7C3-93CEEEC99AA4}"/>
-                </a:ext>
-              </a:extLst>
-            </p:cNvPr>
-            <p:cNvSpPr/>
-            <p:nvPr/>
-          </p:nvSpPr>
-          <p:spPr>
-            <a:xfrm>
-              <a:off x="4321691" y="3285348"/>
-              <a:ext cx="1262618" cy="836484"/>
-            </a:xfrm>
-            <a:prstGeom prst="flowChartAlternateProcess">
-              <a:avLst/>
-            </a:prstGeom>
-            <a:ln w="19050"/>
-          </p:spPr>
-          <p:style>
-            <a:lnRef idx="2">
-              <a:schemeClr val="accent4">
-                <a:shade val="50000"/>
-              </a:schemeClr>
-            </a:lnRef>
-            <a:fillRef idx="1">
-              <a:schemeClr val="accent4"/>
-            </a:fillRef>
-            <a:effectRef idx="0">
-              <a:schemeClr val="accent4"/>
-            </a:effectRef>
-            <a:fontRef idx="minor">
-              <a:schemeClr val="lt1"/>
-            </a:fontRef>
-          </p:style>
-          <p:txBody>
-            <a:bodyPr rot="0" spcFirstLastPara="0" vertOverflow="overflow" horzOverflow="overflow" vert="horz" wrap="square" lIns="0" tIns="0" rIns="0" bIns="0" numCol="1" spcCol="0" rtlCol="0" fromWordArt="0" anchor="ctr" anchorCtr="0" forceAA="0" compatLnSpc="1">
-              <a:prstTxWarp prst="textNoShape">
-                <a:avLst/>
-              </a:prstTxWarp>
-              <a:noAutofit/>
-            </a:bodyPr>
-            <a:lstStyle/>
-            <a:p>
-              <a:pPr algn="ctr"/>
-              <a:r>
-                <a:rPr lang="en-AU" sz="1050" dirty="0">
-                  <a:latin typeface="Consolas" panose="020B0609020204030204" pitchFamily="49" charset="0"/>
-                  <a:ea typeface="Yu Gothic" panose="020B0400000000000000" pitchFamily="34" charset="-128"/>
-                </a:rPr>
-                <a:t>Measure position of limbs in relation to fixed rotational axis on suit</a:t>
-              </a:r>
-            </a:p>
-          </p:txBody>
-        </p:sp>
-        <p:sp>
-          <p:nvSpPr>
-            <p:cNvPr id="40" name="Flowchart: Alternate Process 39">
-              <a:extLst>
-                <a:ext uri="{FF2B5EF4-FFF2-40B4-BE49-F238E27FC236}">
-                  <a16:creationId xmlns:a16="http://schemas.microsoft.com/office/drawing/2014/main" id="{AFA75523-7646-498B-9D65-2901DDEFD156}"/>
-                </a:ext>
-              </a:extLst>
-            </p:cNvPr>
-            <p:cNvSpPr/>
-            <p:nvPr/>
-          </p:nvSpPr>
-          <p:spPr>
-            <a:xfrm>
-              <a:off x="1820091" y="540000"/>
-              <a:ext cx="6265796" cy="4941516"/>
-            </a:xfrm>
-            <a:prstGeom prst="flowChartAlternateProcess">
-              <a:avLst/>
-            </a:prstGeom>
-            <a:noFill/>
-            <a:ln w="19050">
-              <a:prstDash val="lgDash"/>
-            </a:ln>
-          </p:spPr>
-          <p:style>
-            <a:lnRef idx="2">
-              <a:schemeClr val="accent4">
-                <a:shade val="50000"/>
-              </a:schemeClr>
-            </a:lnRef>
-            <a:fillRef idx="1">
-              <a:schemeClr val="accent4"/>
-            </a:fillRef>
-            <a:effectRef idx="0">
-              <a:schemeClr val="accent4"/>
-            </a:effectRef>
-            <a:fontRef idx="minor">
-              <a:schemeClr val="lt1"/>
-            </a:fontRef>
-          </p:style>
-          <p:txBody>
-            <a:bodyPr rot="0" spcFirstLastPara="0" vertOverflow="overflow" horzOverflow="overflow" vert="horz" wrap="square" lIns="0" tIns="0" rIns="0" bIns="0" numCol="1" spcCol="0" rtlCol="0" fromWordArt="0" anchor="ctr" anchorCtr="0" forceAA="0" compatLnSpc="1">
-              <a:prstTxWarp prst="textNoShape">
-                <a:avLst/>
-              </a:prstTxWarp>
-              <a:noAutofit/>
-            </a:bodyPr>
-            <a:lstStyle/>
-            <a:p>
-              <a:pPr algn="ctr"/>
-              <a:endParaRPr lang="en-AU" sz="1050" dirty="0">
-                <a:latin typeface="Consolas" panose="020B0609020204030204" pitchFamily="49" charset="0"/>
-                <a:ea typeface="Yu Gothic" panose="020B0400000000000000" pitchFamily="34" charset="-128"/>
-              </a:endParaRPr>
-            </a:p>
-          </p:txBody>
-        </p:sp>
-        <p:cxnSp>
-          <p:nvCxnSpPr>
-            <p:cNvPr id="44" name="Connector: Elbow 43">
-              <a:extLst>
-                <a:ext uri="{FF2B5EF4-FFF2-40B4-BE49-F238E27FC236}">
-                  <a16:creationId xmlns:a16="http://schemas.microsoft.com/office/drawing/2014/main" id="{F0C4FB97-E9EC-4E24-9D00-09656EC405CE}"/>
-                </a:ext>
-              </a:extLst>
-            </p:cNvPr>
-            <p:cNvCxnSpPr>
-              <a:cxnSpLocks/>
-              <a:stCxn id="38" idx="2"/>
-              <a:endCxn id="30" idx="0"/>
-            </p:cNvCxnSpPr>
-            <p:nvPr/>
-          </p:nvCxnSpPr>
-          <p:spPr>
-            <a:xfrm rot="16200000" flipH="1">
-              <a:off x="5767613" y="3307218"/>
-              <a:ext cx="261600" cy="1890827"/>
-            </a:xfrm>
-            <a:prstGeom prst="bentConnector3">
-              <a:avLst>
-                <a:gd name="adj1" fmla="val 50000"/>
-              </a:avLst>
-            </a:prstGeom>
-            <a:ln w="19050">
-              <a:tailEnd type="triangle"/>
-            </a:ln>
-          </p:spPr>
-          <p:style>
-            <a:lnRef idx="3">
-              <a:schemeClr val="accent4"/>
-            </a:lnRef>
-            <a:fillRef idx="0">
-              <a:schemeClr val="accent4"/>
-            </a:fillRef>
-            <a:effectRef idx="2">
-              <a:schemeClr val="accent4"/>
-            </a:effectRef>
-            <a:fontRef idx="minor">
+      </p:grpSp>
+      <p:cxnSp>
+        <p:nvCxnSpPr>
+          <p:cNvPr id="169" name="Straight Arrow Connector 168">
+            <a:extLst>
+              <a:ext uri="{FF2B5EF4-FFF2-40B4-BE49-F238E27FC236}">
+                <a16:creationId xmlns:a16="http://schemas.microsoft.com/office/drawing/2014/main" id="{6D128C6B-9955-4001-86C9-79102CA0F7F0}"/>
+              </a:ext>
+            </a:extLst>
+          </p:cNvPr>
+          <p:cNvCxnSpPr>
+            <a:cxnSpLocks/>
+            <a:stCxn id="143" idx="0"/>
+            <a:endCxn id="30" idx="2"/>
+          </p:cNvCxnSpPr>
+          <p:nvPr/>
+        </p:nvCxnSpPr>
+        <p:spPr>
+          <a:xfrm flipV="1">
+            <a:off x="8374689" y="3845356"/>
+            <a:ext cx="0" cy="217954"/>
+          </a:xfrm>
+          <a:prstGeom prst="straightConnector1">
+            <a:avLst/>
+          </a:prstGeom>
+          <a:ln w="19050">
+            <a:solidFill>
               <a:schemeClr val="tx1"/>
-            </a:fontRef>
-          </p:style>
-        </p:cxnSp>
-        <p:cxnSp>
-          <p:nvCxnSpPr>
-            <p:cNvPr id="45" name="Connector: Elbow 44">
-              <a:extLst>
-                <a:ext uri="{FF2B5EF4-FFF2-40B4-BE49-F238E27FC236}">
-                  <a16:creationId xmlns:a16="http://schemas.microsoft.com/office/drawing/2014/main" id="{F4B36599-2B96-4E4E-810B-2B818CC7D704}"/>
-                </a:ext>
-              </a:extLst>
-            </p:cNvPr>
-            <p:cNvCxnSpPr>
-              <a:cxnSpLocks/>
-              <a:stCxn id="38" idx="2"/>
-              <a:endCxn id="29" idx="0"/>
-            </p:cNvCxnSpPr>
-            <p:nvPr/>
-          </p:nvCxnSpPr>
-          <p:spPr>
-            <a:xfrm rot="5400000">
-              <a:off x="3876775" y="3307207"/>
-              <a:ext cx="261600" cy="1890851"/>
-            </a:xfrm>
-            <a:prstGeom prst="bentConnector3">
-              <a:avLst>
-                <a:gd name="adj1" fmla="val 50000"/>
-              </a:avLst>
-            </a:prstGeom>
-            <a:ln w="19050">
-              <a:tailEnd type="triangle"/>
-            </a:ln>
-          </p:spPr>
-          <p:style>
-            <a:lnRef idx="3">
-              <a:schemeClr val="accent4"/>
-            </a:lnRef>
-            <a:fillRef idx="0">
-              <a:schemeClr val="accent4"/>
-            </a:fillRef>
-            <a:effectRef idx="2">
-              <a:schemeClr val="accent4"/>
-            </a:effectRef>
-            <a:fontRef idx="minor">
+            </a:solidFill>
+            <a:tailEnd type="triangle"/>
+          </a:ln>
+        </p:spPr>
+        <p:style>
+          <a:lnRef idx="3">
+            <a:schemeClr val="accent4"/>
+          </a:lnRef>
+          <a:fillRef idx="0">
+            <a:schemeClr val="accent4"/>
+          </a:fillRef>
+          <a:effectRef idx="2">
+            <a:schemeClr val="accent4"/>
+          </a:effectRef>
+          <a:fontRef idx="minor">
+            <a:schemeClr val="tx1"/>
+          </a:fontRef>
+        </p:style>
+      </p:cxnSp>
+      <p:cxnSp>
+        <p:nvCxnSpPr>
+          <p:cNvPr id="223" name="Straight Arrow Connector 222">
+            <a:extLst>
+              <a:ext uri="{FF2B5EF4-FFF2-40B4-BE49-F238E27FC236}">
+                <a16:creationId xmlns:a16="http://schemas.microsoft.com/office/drawing/2014/main" id="{A19DCC99-8431-4386-8813-1037B5401878}"/>
+              </a:ext>
+            </a:extLst>
+          </p:cNvPr>
+          <p:cNvCxnSpPr>
+            <a:cxnSpLocks/>
+            <a:stCxn id="30" idx="1"/>
+            <a:endCxn id="38" idx="3"/>
+          </p:cNvCxnSpPr>
+          <p:nvPr/>
+        </p:nvCxnSpPr>
+        <p:spPr>
+          <a:xfrm flipH="1">
+            <a:off x="5584309" y="3427114"/>
+            <a:ext cx="2159071" cy="0"/>
+          </a:xfrm>
+          <a:prstGeom prst="straightConnector1">
+            <a:avLst/>
+          </a:prstGeom>
+          <a:ln w="19050">
+            <a:solidFill>
               <a:schemeClr val="tx1"/>
-            </a:fontRef>
-          </p:style>
-        </p:cxnSp>
-        <p:cxnSp>
-          <p:nvCxnSpPr>
-            <p:cNvPr id="50" name="Straight Arrow Connector 49">
-              <a:extLst>
-                <a:ext uri="{FF2B5EF4-FFF2-40B4-BE49-F238E27FC236}">
-                  <a16:creationId xmlns:a16="http://schemas.microsoft.com/office/drawing/2014/main" id="{C100FFAC-8701-4F77-936C-F0C8883DBBFB}"/>
-                </a:ext>
-              </a:extLst>
-            </p:cNvPr>
-            <p:cNvCxnSpPr>
-              <a:cxnSpLocks/>
-              <a:stCxn id="38" idx="2"/>
-              <a:endCxn id="24" idx="0"/>
-            </p:cNvCxnSpPr>
-            <p:nvPr/>
-          </p:nvCxnSpPr>
-          <p:spPr>
-            <a:xfrm>
-              <a:off x="4953000" y="4121832"/>
-              <a:ext cx="0" cy="261600"/>
-            </a:xfrm>
-            <a:prstGeom prst="straightConnector1">
-              <a:avLst/>
-            </a:prstGeom>
-            <a:ln w="19050">
-              <a:tailEnd type="triangle"/>
-            </a:ln>
-          </p:spPr>
-          <p:style>
-            <a:lnRef idx="3">
-              <a:schemeClr val="accent4"/>
-            </a:lnRef>
-            <a:fillRef idx="0">
-              <a:schemeClr val="accent4"/>
-            </a:fillRef>
-            <a:effectRef idx="2">
-              <a:schemeClr val="accent4"/>
-            </a:effectRef>
-            <a:fontRef idx="minor">
+            </a:solidFill>
+            <a:tailEnd type="triangle"/>
+          </a:ln>
+        </p:spPr>
+        <p:style>
+          <a:lnRef idx="3">
+            <a:schemeClr val="accent4"/>
+          </a:lnRef>
+          <a:fillRef idx="0">
+            <a:schemeClr val="accent4"/>
+          </a:fillRef>
+          <a:effectRef idx="2">
+            <a:schemeClr val="accent4"/>
+          </a:effectRef>
+          <a:fontRef idx="minor">
+            <a:schemeClr val="tx1"/>
+          </a:fontRef>
+        </p:style>
+      </p:cxnSp>
+      <p:cxnSp>
+        <p:nvCxnSpPr>
+          <p:cNvPr id="224" name="Straight Arrow Connector 223">
+            <a:extLst>
+              <a:ext uri="{FF2B5EF4-FFF2-40B4-BE49-F238E27FC236}">
+                <a16:creationId xmlns:a16="http://schemas.microsoft.com/office/drawing/2014/main" id="{3B9B0590-AC4B-4E44-B224-2022D9E7D274}"/>
+              </a:ext>
+            </a:extLst>
+          </p:cNvPr>
+          <p:cNvCxnSpPr>
+            <a:cxnSpLocks/>
+            <a:stCxn id="24" idx="3"/>
+            <a:endCxn id="38" idx="1"/>
+          </p:cNvCxnSpPr>
+          <p:nvPr/>
+        </p:nvCxnSpPr>
+        <p:spPr>
+          <a:xfrm>
+            <a:off x="3059073" y="3427114"/>
+            <a:ext cx="1262618" cy="0"/>
+          </a:xfrm>
+          <a:prstGeom prst="straightConnector1">
+            <a:avLst/>
+          </a:prstGeom>
+          <a:ln w="19050">
+            <a:solidFill>
               <a:schemeClr val="tx1"/>
-            </a:fontRef>
-          </p:style>
-        </p:cxnSp>
-      </p:grpSp>
+            </a:solidFill>
+            <a:tailEnd type="triangle"/>
+          </a:ln>
+        </p:spPr>
+        <p:style>
+          <a:lnRef idx="3">
+            <a:schemeClr val="accent4"/>
+          </a:lnRef>
+          <a:fillRef idx="0">
+            <a:schemeClr val="accent4"/>
+          </a:fillRef>
+          <a:effectRef idx="2">
+            <a:schemeClr val="accent4"/>
+          </a:effectRef>
+          <a:fontRef idx="minor">
+            <a:schemeClr val="tx1"/>
+          </a:fontRef>
+        </p:style>
+      </p:cxnSp>
+      <p:cxnSp>
+        <p:nvCxnSpPr>
+          <p:cNvPr id="230" name="Straight Arrow Connector 229">
+            <a:extLst>
+              <a:ext uri="{FF2B5EF4-FFF2-40B4-BE49-F238E27FC236}">
+                <a16:creationId xmlns:a16="http://schemas.microsoft.com/office/drawing/2014/main" id="{29C0B52E-5589-47BF-8FDF-DB9B3E5FC9AC}"/>
+              </a:ext>
+            </a:extLst>
+          </p:cNvPr>
+          <p:cNvCxnSpPr>
+            <a:cxnSpLocks/>
+            <a:stCxn id="38" idx="2"/>
+            <a:endCxn id="29" idx="0"/>
+          </p:cNvCxnSpPr>
+          <p:nvPr/>
+        </p:nvCxnSpPr>
+        <p:spPr>
+          <a:xfrm>
+            <a:off x="4953000" y="3845356"/>
+            <a:ext cx="0" cy="217952"/>
+          </a:xfrm>
+          <a:prstGeom prst="straightConnector1">
+            <a:avLst/>
+          </a:prstGeom>
+          <a:ln w="19050">
+            <a:solidFill>
+              <a:schemeClr val="tx1"/>
+            </a:solidFill>
+            <a:headEnd type="triangle" w="med" len="med"/>
+            <a:tailEnd type="none" w="med" len="med"/>
+          </a:ln>
+        </p:spPr>
+        <p:style>
+          <a:lnRef idx="3">
+            <a:schemeClr val="accent4"/>
+          </a:lnRef>
+          <a:fillRef idx="0">
+            <a:schemeClr val="accent4"/>
+          </a:fillRef>
+          <a:effectRef idx="2">
+            <a:schemeClr val="accent4"/>
+          </a:effectRef>
+          <a:fontRef idx="minor">
+            <a:schemeClr val="tx1"/>
+          </a:fontRef>
+        </p:style>
+      </p:cxnSp>
     </p:spTree>
     <p:extLst>
       <p:ext uri="{BB962C8B-B14F-4D97-AF65-F5344CB8AC3E}">

--- a/Documentation/FuncDecomp.pptx
+++ b/Documentation/FuncDecomp.pptx
@@ -5451,112 +5451,12 @@
           <a:chExt cx="0" cy="0"/>
         </a:xfrm>
       </p:grpSpPr>
-      <p:sp>
-        <p:nvSpPr>
-          <p:cNvPr id="64" name="Rectangle 63">
+      <p:grpSp>
+        <p:nvGrpSpPr>
+          <p:cNvPr id="245" name="Group 244">
             <a:extLst>
               <a:ext uri="{FF2B5EF4-FFF2-40B4-BE49-F238E27FC236}">
-                <a16:creationId xmlns:a16="http://schemas.microsoft.com/office/drawing/2014/main" id="{DBADEB5B-1FA0-480F-B4B7-FA16E78E33A8}"/>
-              </a:ext>
-            </a:extLst>
-          </p:cNvPr>
-          <p:cNvSpPr/>
-          <p:nvPr/>
-        </p:nvSpPr>
-        <p:spPr>
-          <a:xfrm>
-            <a:off x="3745556" y="5117746"/>
-            <a:ext cx="127908" cy="418240"/>
-          </a:xfrm>
-          <a:prstGeom prst="rect">
-            <a:avLst/>
-          </a:prstGeom>
-          <a:noFill/>
-          <a:ln>
-            <a:noFill/>
-          </a:ln>
-        </p:spPr>
-        <p:style>
-          <a:lnRef idx="2">
-            <a:schemeClr val="accent1">
-              <a:shade val="50000"/>
-            </a:schemeClr>
-          </a:lnRef>
-          <a:fillRef idx="1">
-            <a:schemeClr val="accent1"/>
-          </a:fillRef>
-          <a:effectRef idx="0">
-            <a:schemeClr val="accent1"/>
-          </a:effectRef>
-          <a:fontRef idx="minor">
-            <a:schemeClr val="lt1"/>
-          </a:fontRef>
-        </p:style>
-        <p:txBody>
-          <a:bodyPr rtlCol="0" anchor="ctr"/>
-          <a:lstStyle/>
-          <a:p>
-            <a:pPr algn="ctr"/>
-            <a:endParaRPr lang="en-AU"/>
-          </a:p>
-        </p:txBody>
-      </p:sp>
-      <p:sp>
-        <p:nvSpPr>
-          <p:cNvPr id="183" name="Rectangle 182">
-            <a:extLst>
-              <a:ext uri="{FF2B5EF4-FFF2-40B4-BE49-F238E27FC236}">
-                <a16:creationId xmlns:a16="http://schemas.microsoft.com/office/drawing/2014/main" id="{C50A7802-8233-4992-B9BE-7091952E9771}"/>
-              </a:ext>
-            </a:extLst>
-          </p:cNvPr>
-          <p:cNvSpPr/>
-          <p:nvPr/>
-        </p:nvSpPr>
-        <p:spPr>
-          <a:xfrm>
-            <a:off x="5483376" y="5117746"/>
-            <a:ext cx="127908" cy="418240"/>
-          </a:xfrm>
-          <a:prstGeom prst="rect">
-            <a:avLst/>
-          </a:prstGeom>
-          <a:noFill/>
-          <a:ln>
-            <a:noFill/>
-          </a:ln>
-        </p:spPr>
-        <p:style>
-          <a:lnRef idx="2">
-            <a:schemeClr val="accent1">
-              <a:shade val="50000"/>
-            </a:schemeClr>
-          </a:lnRef>
-          <a:fillRef idx="1">
-            <a:schemeClr val="accent1"/>
-          </a:fillRef>
-          <a:effectRef idx="0">
-            <a:schemeClr val="accent1"/>
-          </a:effectRef>
-          <a:fontRef idx="minor">
-            <a:schemeClr val="lt1"/>
-          </a:fontRef>
-        </p:style>
-        <p:txBody>
-          <a:bodyPr rtlCol="0" anchor="ctr"/>
-          <a:lstStyle/>
-          <a:p>
-            <a:pPr algn="ctr"/>
-            <a:endParaRPr lang="en-AU"/>
-          </a:p>
-        </p:txBody>
-      </p:sp>
-      <p:grpSp>
-        <p:nvGrpSpPr>
-          <p:cNvPr id="98" name="Group 97">
-            <a:extLst>
-              <a:ext uri="{FF2B5EF4-FFF2-40B4-BE49-F238E27FC236}">
-                <a16:creationId xmlns:a16="http://schemas.microsoft.com/office/drawing/2014/main" id="{752805B1-74E1-4FCB-9211-390D72069E4D}"/>
+                <a16:creationId xmlns:a16="http://schemas.microsoft.com/office/drawing/2014/main" id="{A92100A1-F5A1-4709-B8D5-A11A90C9F0A0}"/>
               </a:ext>
             </a:extLst>
           </p:cNvPr>
@@ -5565,18 +5465,18 @@
         </p:nvGrpSpPr>
         <p:grpSpPr>
           <a:xfrm>
-            <a:off x="7156702" y="5274385"/>
-            <a:ext cx="127908" cy="836480"/>
-            <a:chOff x="8102122" y="5274385"/>
-            <a:chExt cx="127908" cy="836480"/>
+            <a:off x="540001" y="540000"/>
+            <a:ext cx="8825976" cy="5778000"/>
+            <a:chOff x="540001" y="540000"/>
+            <a:chExt cx="8825976" cy="5778000"/>
           </a:xfrm>
         </p:grpSpPr>
         <p:sp>
           <p:nvSpPr>
-            <p:cNvPr id="84" name="Rectangle 83">
+            <p:cNvPr id="64" name="Rectangle 63">
               <a:extLst>
                 <a:ext uri="{FF2B5EF4-FFF2-40B4-BE49-F238E27FC236}">
-                  <a16:creationId xmlns:a16="http://schemas.microsoft.com/office/drawing/2014/main" id="{178352EE-89CB-431E-B0ED-D100A3BD1390}"/>
+                  <a16:creationId xmlns:a16="http://schemas.microsoft.com/office/drawing/2014/main" id="{DBADEB5B-1FA0-480F-B4B7-FA16E78E33A8}"/>
                 </a:ext>
               </a:extLst>
             </p:cNvPr>
@@ -5585,7 +5485,7 @@
           </p:nvSpPr>
           <p:spPr>
             <a:xfrm>
-              <a:off x="8102122" y="5274385"/>
+              <a:off x="3745556" y="5117746"/>
               <a:ext cx="127908" cy="418240"/>
             </a:xfrm>
             <a:prstGeom prst="rect">
@@ -5623,10 +5523,10 @@
         </p:sp>
         <p:sp>
           <p:nvSpPr>
-            <p:cNvPr id="85" name="Rectangle 84">
+            <p:cNvPr id="183" name="Rectangle 182">
               <a:extLst>
                 <a:ext uri="{FF2B5EF4-FFF2-40B4-BE49-F238E27FC236}">
-                  <a16:creationId xmlns:a16="http://schemas.microsoft.com/office/drawing/2014/main" id="{AA83614D-8DAE-4B47-99AA-14062F9FFD8B}"/>
+                  <a16:creationId xmlns:a16="http://schemas.microsoft.com/office/drawing/2014/main" id="{C50A7802-8233-4992-B9BE-7091952E9771}"/>
                 </a:ext>
               </a:extLst>
             </p:cNvPr>
@@ -5635,7 +5535,7 @@
           </p:nvSpPr>
           <p:spPr>
             <a:xfrm>
-              <a:off x="8102122" y="5692625"/>
+              <a:off x="5483376" y="5117746"/>
               <a:ext cx="127908" cy="418240"/>
             </a:xfrm>
             <a:prstGeom prst="rect">
@@ -5671,152 +5571,12 @@
             </a:p>
           </p:txBody>
         </p:sp>
-      </p:grpSp>
-      <p:sp>
-        <p:nvSpPr>
-          <p:cNvPr id="7" name="Flowchart: Alternate Process 6">
-            <a:extLst>
-              <a:ext uri="{FF2B5EF4-FFF2-40B4-BE49-F238E27FC236}">
-                <a16:creationId xmlns:a16="http://schemas.microsoft.com/office/drawing/2014/main" id="{BDC8CD1B-7783-44CD-BA33-6E26BA3F5FDD}"/>
-              </a:ext>
-            </a:extLst>
-          </p:cNvPr>
-          <p:cNvSpPr/>
-          <p:nvPr/>
-        </p:nvSpPr>
-        <p:spPr>
-          <a:xfrm>
-            <a:off x="3258498" y="540000"/>
-            <a:ext cx="3388984" cy="262339"/>
-          </a:xfrm>
-          <a:prstGeom prst="flowChartAlternateProcess">
-            <a:avLst/>
-          </a:prstGeom>
-          <a:noFill/>
-          <a:ln>
-            <a:noFill/>
-          </a:ln>
-        </p:spPr>
-        <p:style>
-          <a:lnRef idx="2">
-            <a:schemeClr val="dk1"/>
-          </a:lnRef>
-          <a:fillRef idx="1">
-            <a:schemeClr val="lt1"/>
-          </a:fillRef>
-          <a:effectRef idx="0">
-            <a:schemeClr val="dk1"/>
-          </a:effectRef>
-          <a:fontRef idx="minor">
-            <a:schemeClr val="dk1"/>
-          </a:fontRef>
-        </p:style>
-        <p:txBody>
-          <a:bodyPr rot="0" spcFirstLastPara="0" vertOverflow="overflow" horzOverflow="overflow" vert="horz" wrap="square" lIns="0" tIns="0" rIns="0" bIns="0" numCol="1" spcCol="0" rtlCol="0" fromWordArt="0" anchor="ctr" anchorCtr="0" forceAA="0" compatLnSpc="1">
-            <a:prstTxWarp prst="textNoShape">
-              <a:avLst/>
-            </a:prstTxWarp>
-            <a:noAutofit/>
-          </a:bodyPr>
-          <a:lstStyle/>
-          <a:p>
-            <a:pPr algn="ctr"/>
-            <a:r>
-              <a:rPr lang="en-AU" sz="1400" b="1" u="sng" dirty="0">
-                <a:latin typeface="Consolas" panose="020B0609020204030204" pitchFamily="49" charset="0"/>
-                <a:ea typeface="Yu Gothic" panose="020B0400000000000000" pitchFamily="34" charset="-128"/>
-              </a:rPr>
-              <a:t>SS1: Relative Position of Pilot </a:t>
-            </a:r>
-          </a:p>
-        </p:txBody>
-      </p:sp>
-      <p:sp>
-        <p:nvSpPr>
-          <p:cNvPr id="24" name="Flowchart: Alternate Process 23">
-            <a:extLst>
-              <a:ext uri="{FF2B5EF4-FFF2-40B4-BE49-F238E27FC236}">
-                <a16:creationId xmlns:a16="http://schemas.microsoft.com/office/drawing/2014/main" id="{2DA2B122-C08F-43FA-9300-AE06F1C82B98}"/>
-              </a:ext>
-            </a:extLst>
-          </p:cNvPr>
-          <p:cNvSpPr/>
-          <p:nvPr/>
-        </p:nvSpPr>
-        <p:spPr>
-          <a:xfrm>
-            <a:off x="1796455" y="3008872"/>
-            <a:ext cx="1262618" cy="836484"/>
-          </a:xfrm>
-          <a:prstGeom prst="flowChartAlternateProcess">
-            <a:avLst/>
-          </a:prstGeom>
-          <a:ln>
-            <a:solidFill>
-              <a:schemeClr val="tx1"/>
-            </a:solidFill>
-          </a:ln>
-        </p:spPr>
-        <p:style>
-          <a:lnRef idx="2">
-            <a:schemeClr val="dk1"/>
-          </a:lnRef>
-          <a:fillRef idx="1">
-            <a:schemeClr val="lt1"/>
-          </a:fillRef>
-          <a:effectRef idx="0">
-            <a:schemeClr val="dk1"/>
-          </a:effectRef>
-          <a:fontRef idx="minor">
-            <a:schemeClr val="dk1"/>
-          </a:fontRef>
-        </p:style>
-        <p:txBody>
-          <a:bodyPr rot="0" spcFirstLastPara="0" vertOverflow="overflow" horzOverflow="overflow" vert="horz" wrap="square" lIns="0" tIns="0" rIns="0" bIns="0" numCol="1" spcCol="0" rtlCol="0" fromWordArt="0" anchor="ctr" anchorCtr="0" forceAA="0" compatLnSpc="1">
-            <a:prstTxWarp prst="textNoShape">
-              <a:avLst/>
-            </a:prstTxWarp>
-            <a:noAutofit/>
-          </a:bodyPr>
-          <a:lstStyle/>
-          <a:p>
-            <a:pPr algn="ctr"/>
-            <a:r>
-              <a:rPr lang="en-AU" sz="1050" dirty="0">
-                <a:latin typeface="Consolas" panose="020B0609020204030204" pitchFamily="49" charset="0"/>
-                <a:ea typeface="Yu Gothic" panose="020B0400000000000000" pitchFamily="34" charset="-128"/>
-              </a:rPr>
-              <a:t>Define Origin / Rotational Axis</a:t>
-            </a:r>
-          </a:p>
-        </p:txBody>
-      </p:sp>
-      <p:grpSp>
-        <p:nvGrpSpPr>
-          <p:cNvPr id="215" name="Group 214">
-            <a:extLst>
-              <a:ext uri="{FF2B5EF4-FFF2-40B4-BE49-F238E27FC236}">
-                <a16:creationId xmlns:a16="http://schemas.microsoft.com/office/drawing/2014/main" id="{6E4977F6-5F00-494F-89EC-D630C7E2CDD0}"/>
-              </a:ext>
-            </a:extLst>
-          </p:cNvPr>
-          <p:cNvGrpSpPr/>
-          <p:nvPr/>
-        </p:nvGrpSpPr>
-        <p:grpSpPr>
-          <a:xfrm>
-            <a:off x="4321691" y="4063308"/>
-            <a:ext cx="1262618" cy="836484"/>
-            <a:chOff x="3466268" y="4063308"/>
-            <a:chExt cx="1262618" cy="836484"/>
-          </a:xfrm>
-        </p:grpSpPr>
         <p:grpSp>
           <p:nvGrpSpPr>
-            <p:cNvPr id="127" name="Group 126">
+            <p:cNvPr id="98" name="Group 97">
               <a:extLst>
                 <a:ext uri="{FF2B5EF4-FFF2-40B4-BE49-F238E27FC236}">
-                  <a16:creationId xmlns:a16="http://schemas.microsoft.com/office/drawing/2014/main" id="{3193981C-E5FC-46A4-AD24-3EBF9F74A720}"/>
+                  <a16:creationId xmlns:a16="http://schemas.microsoft.com/office/drawing/2014/main" id="{752805B1-74E1-4FCB-9211-390D72069E4D}"/>
                 </a:ext>
               </a:extLst>
             </p:cNvPr>
@@ -5825,18 +5585,18 @@
           </p:nvGrpSpPr>
           <p:grpSpPr>
             <a:xfrm>
-              <a:off x="3466268" y="4771881"/>
-              <a:ext cx="1262618" cy="127911"/>
-              <a:chOff x="2977867" y="3786795"/>
-              <a:chExt cx="1004845" cy="127911"/>
+              <a:off x="7156702" y="5274385"/>
+              <a:ext cx="127908" cy="836480"/>
+              <a:chOff x="8102122" y="5274385"/>
+              <a:chExt cx="127908" cy="836480"/>
             </a:xfrm>
           </p:grpSpPr>
           <p:sp>
             <p:nvSpPr>
-              <p:cNvPr id="123" name="Rectangle 122">
+              <p:cNvPr id="84" name="Rectangle 83">
                 <a:extLst>
                   <a:ext uri="{FF2B5EF4-FFF2-40B4-BE49-F238E27FC236}">
-                    <a16:creationId xmlns:a16="http://schemas.microsoft.com/office/drawing/2014/main" id="{62BFDA6C-A730-42C2-91CB-ADF3CFF96A75}"/>
+                    <a16:creationId xmlns:a16="http://schemas.microsoft.com/office/drawing/2014/main" id="{178352EE-89CB-431E-B0ED-D100A3BD1390}"/>
                   </a:ext>
                 </a:extLst>
               </p:cNvPr>
@@ -5844,9 +5604,9 @@
               <p:nvPr/>
             </p:nvSpPr>
             <p:spPr>
-              <a:xfrm rot="5400000">
-                <a:off x="3038787" y="3725875"/>
-                <a:ext cx="127908" cy="249747"/>
+              <a:xfrm>
+                <a:off x="8102122" y="5274385"/>
+                <a:ext cx="127908" cy="418240"/>
               </a:xfrm>
               <a:prstGeom prst="rect">
                 <a:avLst/>
@@ -5883,10 +5643,10 @@
           </p:sp>
           <p:sp>
             <p:nvSpPr>
-              <p:cNvPr id="124" name="Rectangle 123">
+              <p:cNvPr id="85" name="Rectangle 84">
                 <a:extLst>
                   <a:ext uri="{FF2B5EF4-FFF2-40B4-BE49-F238E27FC236}">
-                    <a16:creationId xmlns:a16="http://schemas.microsoft.com/office/drawing/2014/main" id="{6F913119-EB6E-4621-9A43-F98D67D58694}"/>
+                    <a16:creationId xmlns:a16="http://schemas.microsoft.com/office/drawing/2014/main" id="{AA83614D-8DAE-4B47-99AA-14062F9FFD8B}"/>
                   </a:ext>
                 </a:extLst>
               </p:cNvPr>
@@ -5894,109 +5654,9 @@
               <p:nvPr/>
             </p:nvSpPr>
             <p:spPr>
-              <a:xfrm rot="5400000">
-                <a:off x="3290484" y="3725876"/>
-                <a:ext cx="127908" cy="249747"/>
-              </a:xfrm>
-              <a:prstGeom prst="rect">
-                <a:avLst/>
-              </a:prstGeom>
-              <a:noFill/>
-              <a:ln>
-                <a:noFill/>
-              </a:ln>
-            </p:spPr>
-            <p:style>
-              <a:lnRef idx="2">
-                <a:schemeClr val="accent1">
-                  <a:shade val="50000"/>
-                </a:schemeClr>
-              </a:lnRef>
-              <a:fillRef idx="1">
-                <a:schemeClr val="accent1"/>
-              </a:fillRef>
-              <a:effectRef idx="0">
-                <a:schemeClr val="accent1"/>
-              </a:effectRef>
-              <a:fontRef idx="minor">
-                <a:schemeClr val="lt1"/>
-              </a:fontRef>
-            </p:style>
-            <p:txBody>
-              <a:bodyPr rtlCol="0" anchor="ctr"/>
-              <a:lstStyle/>
-              <a:p>
-                <a:pPr algn="ctr"/>
-                <a:endParaRPr lang="en-AU"/>
-              </a:p>
-            </p:txBody>
-          </p:sp>
-          <p:sp>
-            <p:nvSpPr>
-              <p:cNvPr id="125" name="Rectangle 124">
-                <a:extLst>
-                  <a:ext uri="{FF2B5EF4-FFF2-40B4-BE49-F238E27FC236}">
-                    <a16:creationId xmlns:a16="http://schemas.microsoft.com/office/drawing/2014/main" id="{A2E14582-77A3-43F5-8367-92D5F5EF04DB}"/>
-                  </a:ext>
-                </a:extLst>
-              </p:cNvPr>
-              <p:cNvSpPr/>
-              <p:nvPr/>
-            </p:nvSpPr>
-            <p:spPr>
-              <a:xfrm rot="5400000">
-                <a:off x="3542188" y="3725877"/>
-                <a:ext cx="127908" cy="249747"/>
-              </a:xfrm>
-              <a:prstGeom prst="rect">
-                <a:avLst/>
-              </a:prstGeom>
-              <a:noFill/>
-              <a:ln>
-                <a:noFill/>
-              </a:ln>
-            </p:spPr>
-            <p:style>
-              <a:lnRef idx="2">
-                <a:schemeClr val="accent1">
-                  <a:shade val="50000"/>
-                </a:schemeClr>
-              </a:lnRef>
-              <a:fillRef idx="1">
-                <a:schemeClr val="accent1"/>
-              </a:fillRef>
-              <a:effectRef idx="0">
-                <a:schemeClr val="accent1"/>
-              </a:effectRef>
-              <a:fontRef idx="minor">
-                <a:schemeClr val="lt1"/>
-              </a:fontRef>
-            </p:style>
-            <p:txBody>
-              <a:bodyPr rtlCol="0" anchor="ctr"/>
-              <a:lstStyle/>
-              <a:p>
-                <a:pPr algn="ctr"/>
-                <a:endParaRPr lang="en-AU"/>
-              </a:p>
-            </p:txBody>
-          </p:sp>
-          <p:sp>
-            <p:nvSpPr>
-              <p:cNvPr id="126" name="Rectangle 125">
-                <a:extLst>
-                  <a:ext uri="{FF2B5EF4-FFF2-40B4-BE49-F238E27FC236}">
-                    <a16:creationId xmlns:a16="http://schemas.microsoft.com/office/drawing/2014/main" id="{AE252E39-DB9F-45A2-B56B-419C70A6F4D7}"/>
-                  </a:ext>
-                </a:extLst>
-              </p:cNvPr>
-              <p:cNvSpPr/>
-              <p:nvPr/>
-            </p:nvSpPr>
-            <p:spPr>
-              <a:xfrm rot="5400000">
-                <a:off x="3793885" y="3725878"/>
-                <a:ext cx="127908" cy="249747"/>
+              <a:xfrm>
+                <a:off x="8102122" y="5692625"/>
+                <a:ext cx="127908" cy="418240"/>
               </a:xfrm>
               <a:prstGeom prst="rect">
                 <a:avLst/>
@@ -6034,10 +5694,10 @@
         </p:grpSp>
         <p:sp>
           <p:nvSpPr>
-            <p:cNvPr id="29" name="Flowchart: Alternate Process 28">
+            <p:cNvPr id="7" name="Flowchart: Alternate Process 6">
               <a:extLst>
                 <a:ext uri="{FF2B5EF4-FFF2-40B4-BE49-F238E27FC236}">
-                  <a16:creationId xmlns:a16="http://schemas.microsoft.com/office/drawing/2014/main" id="{642B8AF3-139C-4DD2-999B-77467D9913C8}"/>
+                  <a16:creationId xmlns:a16="http://schemas.microsoft.com/office/drawing/2014/main" id="{BDC8CD1B-7783-44CD-BA33-6E26BA3F5FDD}"/>
                 </a:ext>
               </a:extLst>
             </p:cNvPr>
@@ -6046,7 +5706,66 @@
           </p:nvSpPr>
           <p:spPr>
             <a:xfrm>
-              <a:off x="3466268" y="4063308"/>
+              <a:off x="3258498" y="540000"/>
+              <a:ext cx="3388984" cy="262339"/>
+            </a:xfrm>
+            <a:prstGeom prst="flowChartAlternateProcess">
+              <a:avLst/>
+            </a:prstGeom>
+            <a:noFill/>
+            <a:ln>
+              <a:noFill/>
+            </a:ln>
+          </p:spPr>
+          <p:style>
+            <a:lnRef idx="2">
+              <a:schemeClr val="dk1"/>
+            </a:lnRef>
+            <a:fillRef idx="1">
+              <a:schemeClr val="lt1"/>
+            </a:fillRef>
+            <a:effectRef idx="0">
+              <a:schemeClr val="dk1"/>
+            </a:effectRef>
+            <a:fontRef idx="minor">
+              <a:schemeClr val="dk1"/>
+            </a:fontRef>
+          </p:style>
+          <p:txBody>
+            <a:bodyPr rot="0" spcFirstLastPara="0" vertOverflow="overflow" horzOverflow="overflow" vert="horz" wrap="square" lIns="0" tIns="0" rIns="0" bIns="0" numCol="1" spcCol="0" rtlCol="0" fromWordArt="0" anchor="ctr" anchorCtr="0" forceAA="0" compatLnSpc="1">
+              <a:prstTxWarp prst="textNoShape">
+                <a:avLst/>
+              </a:prstTxWarp>
+              <a:noAutofit/>
+            </a:bodyPr>
+            <a:lstStyle/>
+            <a:p>
+              <a:pPr algn="ctr"/>
+              <a:r>
+                <a:rPr lang="en-AU" sz="1400" b="1" u="sng" dirty="0">
+                  <a:latin typeface="Consolas" panose="020B0609020204030204" pitchFamily="49" charset="0"/>
+                  <a:ea typeface="Yu Gothic" panose="020B0400000000000000" pitchFamily="34" charset="-128"/>
+                </a:rPr>
+                <a:t>SS1: Relative Position of Pilot </a:t>
+              </a:r>
+            </a:p>
+          </p:txBody>
+        </p:sp>
+        <p:sp>
+          <p:nvSpPr>
+            <p:cNvPr id="24" name="Flowchart: Alternate Process 23">
+              <a:extLst>
+                <a:ext uri="{FF2B5EF4-FFF2-40B4-BE49-F238E27FC236}">
+                  <a16:creationId xmlns:a16="http://schemas.microsoft.com/office/drawing/2014/main" id="{2DA2B122-C08F-43FA-9300-AE06F1C82B98}"/>
+                </a:ext>
+              </a:extLst>
+            </p:cNvPr>
+            <p:cNvSpPr/>
+            <p:nvPr/>
+          </p:nvSpPr>
+          <p:spPr>
+            <a:xfrm>
+              <a:off x="1796455" y="3008872"/>
               <a:ext cx="1262618" cy="836484"/>
             </a:xfrm>
             <a:prstGeom prst="flowChartAlternateProcess">
@@ -6087,803 +5806,411 @@
                   <a:latin typeface="Consolas" panose="020B0609020204030204" pitchFamily="49" charset="0"/>
                   <a:ea typeface="Yu Gothic" panose="020B0400000000000000" pitchFamily="34" charset="-128"/>
                 </a:rPr>
-                <a:t>Detect distance / proximity</a:t>
+                <a:t>Define Origin / Rotational Axis</a:t>
               </a:r>
             </a:p>
           </p:txBody>
         </p:sp>
-      </p:grpSp>
-      <p:cxnSp>
-        <p:nvCxnSpPr>
-          <p:cNvPr id="34" name="Straight Arrow Connector 33">
-            <a:extLst>
-              <a:ext uri="{FF2B5EF4-FFF2-40B4-BE49-F238E27FC236}">
-                <a16:creationId xmlns:a16="http://schemas.microsoft.com/office/drawing/2014/main" id="{59B84EE9-F805-4C24-80E0-883DD0CFC543}"/>
-              </a:ext>
-            </a:extLst>
-          </p:cNvPr>
-          <p:cNvCxnSpPr>
-            <a:stCxn id="37" idx="2"/>
-            <a:endCxn id="38" idx="0"/>
-          </p:cNvCxnSpPr>
-          <p:nvPr/>
-        </p:nvCxnSpPr>
-        <p:spPr>
-          <a:xfrm>
-            <a:off x="4953000" y="2790920"/>
-            <a:ext cx="0" cy="217952"/>
-          </a:xfrm>
-          <a:prstGeom prst="straightConnector1">
-            <a:avLst/>
-          </a:prstGeom>
-          <a:ln w="19050">
-            <a:solidFill>
+        <p:grpSp>
+          <p:nvGrpSpPr>
+            <p:cNvPr id="215" name="Group 214">
+              <a:extLst>
+                <a:ext uri="{FF2B5EF4-FFF2-40B4-BE49-F238E27FC236}">
+                  <a16:creationId xmlns:a16="http://schemas.microsoft.com/office/drawing/2014/main" id="{6E4977F6-5F00-494F-89EC-D630C7E2CDD0}"/>
+                </a:ext>
+              </a:extLst>
+            </p:cNvPr>
+            <p:cNvGrpSpPr/>
+            <p:nvPr/>
+          </p:nvGrpSpPr>
+          <p:grpSpPr>
+            <a:xfrm>
+              <a:off x="4321691" y="4063308"/>
+              <a:ext cx="1262618" cy="836484"/>
+              <a:chOff x="3466268" y="4063308"/>
+              <a:chExt cx="1262618" cy="836484"/>
+            </a:xfrm>
+          </p:grpSpPr>
+          <p:grpSp>
+            <p:nvGrpSpPr>
+              <p:cNvPr id="127" name="Group 126">
+                <a:extLst>
+                  <a:ext uri="{FF2B5EF4-FFF2-40B4-BE49-F238E27FC236}">
+                    <a16:creationId xmlns:a16="http://schemas.microsoft.com/office/drawing/2014/main" id="{3193981C-E5FC-46A4-AD24-3EBF9F74A720}"/>
+                  </a:ext>
+                </a:extLst>
+              </p:cNvPr>
+              <p:cNvGrpSpPr/>
+              <p:nvPr/>
+            </p:nvGrpSpPr>
+            <p:grpSpPr>
+              <a:xfrm>
+                <a:off x="3466268" y="4771881"/>
+                <a:ext cx="1262618" cy="127911"/>
+                <a:chOff x="2977867" y="3786795"/>
+                <a:chExt cx="1004845" cy="127911"/>
+              </a:xfrm>
+            </p:grpSpPr>
+            <p:sp>
+              <p:nvSpPr>
+                <p:cNvPr id="123" name="Rectangle 122">
+                  <a:extLst>
+                    <a:ext uri="{FF2B5EF4-FFF2-40B4-BE49-F238E27FC236}">
+                      <a16:creationId xmlns:a16="http://schemas.microsoft.com/office/drawing/2014/main" id="{62BFDA6C-A730-42C2-91CB-ADF3CFF96A75}"/>
+                    </a:ext>
+                  </a:extLst>
+                </p:cNvPr>
+                <p:cNvSpPr/>
+                <p:nvPr/>
+              </p:nvSpPr>
+              <p:spPr>
+                <a:xfrm rot="5400000">
+                  <a:off x="3038787" y="3725875"/>
+                  <a:ext cx="127908" cy="249747"/>
+                </a:xfrm>
+                <a:prstGeom prst="rect">
+                  <a:avLst/>
+                </a:prstGeom>
+                <a:noFill/>
+                <a:ln>
+                  <a:noFill/>
+                </a:ln>
+              </p:spPr>
+              <p:style>
+                <a:lnRef idx="2">
+                  <a:schemeClr val="accent1">
+                    <a:shade val="50000"/>
+                  </a:schemeClr>
+                </a:lnRef>
+                <a:fillRef idx="1">
+                  <a:schemeClr val="accent1"/>
+                </a:fillRef>
+                <a:effectRef idx="0">
+                  <a:schemeClr val="accent1"/>
+                </a:effectRef>
+                <a:fontRef idx="minor">
+                  <a:schemeClr val="lt1"/>
+                </a:fontRef>
+              </p:style>
+              <p:txBody>
+                <a:bodyPr rtlCol="0" anchor="ctr"/>
+                <a:lstStyle/>
+                <a:p>
+                  <a:pPr algn="ctr"/>
+                  <a:endParaRPr lang="en-AU"/>
+                </a:p>
+              </p:txBody>
+            </p:sp>
+            <p:sp>
+              <p:nvSpPr>
+                <p:cNvPr id="124" name="Rectangle 123">
+                  <a:extLst>
+                    <a:ext uri="{FF2B5EF4-FFF2-40B4-BE49-F238E27FC236}">
+                      <a16:creationId xmlns:a16="http://schemas.microsoft.com/office/drawing/2014/main" id="{6F913119-EB6E-4621-9A43-F98D67D58694}"/>
+                    </a:ext>
+                  </a:extLst>
+                </p:cNvPr>
+                <p:cNvSpPr/>
+                <p:nvPr/>
+              </p:nvSpPr>
+              <p:spPr>
+                <a:xfrm rot="5400000">
+                  <a:off x="3290484" y="3725876"/>
+                  <a:ext cx="127908" cy="249747"/>
+                </a:xfrm>
+                <a:prstGeom prst="rect">
+                  <a:avLst/>
+                </a:prstGeom>
+                <a:noFill/>
+                <a:ln>
+                  <a:noFill/>
+                </a:ln>
+              </p:spPr>
+              <p:style>
+                <a:lnRef idx="2">
+                  <a:schemeClr val="accent1">
+                    <a:shade val="50000"/>
+                  </a:schemeClr>
+                </a:lnRef>
+                <a:fillRef idx="1">
+                  <a:schemeClr val="accent1"/>
+                </a:fillRef>
+                <a:effectRef idx="0">
+                  <a:schemeClr val="accent1"/>
+                </a:effectRef>
+                <a:fontRef idx="minor">
+                  <a:schemeClr val="lt1"/>
+                </a:fontRef>
+              </p:style>
+              <p:txBody>
+                <a:bodyPr rtlCol="0" anchor="ctr"/>
+                <a:lstStyle/>
+                <a:p>
+                  <a:pPr algn="ctr"/>
+                  <a:endParaRPr lang="en-AU"/>
+                </a:p>
+              </p:txBody>
+            </p:sp>
+            <p:sp>
+              <p:nvSpPr>
+                <p:cNvPr id="125" name="Rectangle 124">
+                  <a:extLst>
+                    <a:ext uri="{FF2B5EF4-FFF2-40B4-BE49-F238E27FC236}">
+                      <a16:creationId xmlns:a16="http://schemas.microsoft.com/office/drawing/2014/main" id="{A2E14582-77A3-43F5-8367-92D5F5EF04DB}"/>
+                    </a:ext>
+                  </a:extLst>
+                </p:cNvPr>
+                <p:cNvSpPr/>
+                <p:nvPr/>
+              </p:nvSpPr>
+              <p:spPr>
+                <a:xfrm rot="5400000">
+                  <a:off x="3542188" y="3725877"/>
+                  <a:ext cx="127908" cy="249747"/>
+                </a:xfrm>
+                <a:prstGeom prst="rect">
+                  <a:avLst/>
+                </a:prstGeom>
+                <a:noFill/>
+                <a:ln>
+                  <a:noFill/>
+                </a:ln>
+              </p:spPr>
+              <p:style>
+                <a:lnRef idx="2">
+                  <a:schemeClr val="accent1">
+                    <a:shade val="50000"/>
+                  </a:schemeClr>
+                </a:lnRef>
+                <a:fillRef idx="1">
+                  <a:schemeClr val="accent1"/>
+                </a:fillRef>
+                <a:effectRef idx="0">
+                  <a:schemeClr val="accent1"/>
+                </a:effectRef>
+                <a:fontRef idx="minor">
+                  <a:schemeClr val="lt1"/>
+                </a:fontRef>
+              </p:style>
+              <p:txBody>
+                <a:bodyPr rtlCol="0" anchor="ctr"/>
+                <a:lstStyle/>
+                <a:p>
+                  <a:pPr algn="ctr"/>
+                  <a:endParaRPr lang="en-AU"/>
+                </a:p>
+              </p:txBody>
+            </p:sp>
+            <p:sp>
+              <p:nvSpPr>
+                <p:cNvPr id="126" name="Rectangle 125">
+                  <a:extLst>
+                    <a:ext uri="{FF2B5EF4-FFF2-40B4-BE49-F238E27FC236}">
+                      <a16:creationId xmlns:a16="http://schemas.microsoft.com/office/drawing/2014/main" id="{AE252E39-DB9F-45A2-B56B-419C70A6F4D7}"/>
+                    </a:ext>
+                  </a:extLst>
+                </p:cNvPr>
+                <p:cNvSpPr/>
+                <p:nvPr/>
+              </p:nvSpPr>
+              <p:spPr>
+                <a:xfrm rot="5400000">
+                  <a:off x="3793885" y="3725878"/>
+                  <a:ext cx="127908" cy="249747"/>
+                </a:xfrm>
+                <a:prstGeom prst="rect">
+                  <a:avLst/>
+                </a:prstGeom>
+                <a:noFill/>
+                <a:ln>
+                  <a:noFill/>
+                </a:ln>
+              </p:spPr>
+              <p:style>
+                <a:lnRef idx="2">
+                  <a:schemeClr val="accent1">
+                    <a:shade val="50000"/>
+                  </a:schemeClr>
+                </a:lnRef>
+                <a:fillRef idx="1">
+                  <a:schemeClr val="accent1"/>
+                </a:fillRef>
+                <a:effectRef idx="0">
+                  <a:schemeClr val="accent1"/>
+                </a:effectRef>
+                <a:fontRef idx="minor">
+                  <a:schemeClr val="lt1"/>
+                </a:fontRef>
+              </p:style>
+              <p:txBody>
+                <a:bodyPr rtlCol="0" anchor="ctr"/>
+                <a:lstStyle/>
+                <a:p>
+                  <a:pPr algn="ctr"/>
+                  <a:endParaRPr lang="en-AU"/>
+                </a:p>
+              </p:txBody>
+            </p:sp>
+          </p:grpSp>
+          <p:sp>
+            <p:nvSpPr>
+              <p:cNvPr id="29" name="Flowchart: Alternate Process 28">
+                <a:extLst>
+                  <a:ext uri="{FF2B5EF4-FFF2-40B4-BE49-F238E27FC236}">
+                    <a16:creationId xmlns:a16="http://schemas.microsoft.com/office/drawing/2014/main" id="{642B8AF3-139C-4DD2-999B-77467D9913C8}"/>
+                  </a:ext>
+                </a:extLst>
+              </p:cNvPr>
+              <p:cNvSpPr/>
+              <p:nvPr/>
+            </p:nvSpPr>
+            <p:spPr>
+              <a:xfrm>
+                <a:off x="3466268" y="4063308"/>
+                <a:ext cx="1262618" cy="836484"/>
+              </a:xfrm>
+              <a:prstGeom prst="flowChartAlternateProcess">
+                <a:avLst/>
+              </a:prstGeom>
+              <a:ln>
+                <a:solidFill>
+                  <a:schemeClr val="tx1"/>
+                </a:solidFill>
+              </a:ln>
+            </p:spPr>
+            <p:style>
+              <a:lnRef idx="2">
+                <a:schemeClr val="dk1"/>
+              </a:lnRef>
+              <a:fillRef idx="1">
+                <a:schemeClr val="lt1"/>
+              </a:fillRef>
+              <a:effectRef idx="0">
+                <a:schemeClr val="dk1"/>
+              </a:effectRef>
+              <a:fontRef idx="minor">
+                <a:schemeClr val="dk1"/>
+              </a:fontRef>
+            </p:style>
+            <p:txBody>
+              <a:bodyPr rot="0" spcFirstLastPara="0" vertOverflow="overflow" horzOverflow="overflow" vert="horz" wrap="square" lIns="0" tIns="0" rIns="0" bIns="0" numCol="1" spcCol="0" rtlCol="0" fromWordArt="0" anchor="ctr" anchorCtr="0" forceAA="0" compatLnSpc="1">
+                <a:prstTxWarp prst="textNoShape">
+                  <a:avLst/>
+                </a:prstTxWarp>
+                <a:noAutofit/>
+              </a:bodyPr>
+              <a:lstStyle/>
+              <a:p>
+                <a:pPr algn="ctr"/>
+                <a:r>
+                  <a:rPr lang="en-AU" sz="1050" dirty="0">
+                    <a:latin typeface="Consolas" panose="020B0609020204030204" pitchFamily="49" charset="0"/>
+                    <a:ea typeface="Yu Gothic" panose="020B0400000000000000" pitchFamily="34" charset="-128"/>
+                  </a:rPr>
+                  <a:t>Detect distance / proximity</a:t>
+                </a:r>
+              </a:p>
+            </p:txBody>
+          </p:sp>
+        </p:grpSp>
+        <p:cxnSp>
+          <p:nvCxnSpPr>
+            <p:cNvPr id="34" name="Straight Arrow Connector 33">
+              <a:extLst>
+                <a:ext uri="{FF2B5EF4-FFF2-40B4-BE49-F238E27FC236}">
+                  <a16:creationId xmlns:a16="http://schemas.microsoft.com/office/drawing/2014/main" id="{59B84EE9-F805-4C24-80E0-883DD0CFC543}"/>
+                </a:ext>
+              </a:extLst>
+            </p:cNvPr>
+            <p:cNvCxnSpPr>
+              <a:stCxn id="37" idx="2"/>
+              <a:endCxn id="38" idx="0"/>
+            </p:cNvCxnSpPr>
+            <p:nvPr/>
+          </p:nvCxnSpPr>
+          <p:spPr>
+            <a:xfrm>
+              <a:off x="4953000" y="2790920"/>
+              <a:ext cx="0" cy="217952"/>
+            </a:xfrm>
+            <a:prstGeom prst="straightConnector1">
+              <a:avLst/>
+            </a:prstGeom>
+            <a:ln w="19050">
+              <a:solidFill>
+                <a:schemeClr val="tx1"/>
+              </a:solidFill>
+              <a:headEnd type="triangle" w="med" len="med"/>
+              <a:tailEnd type="none" w="med" len="med"/>
+            </a:ln>
+          </p:spPr>
+          <p:style>
+            <a:lnRef idx="3">
+              <a:schemeClr val="accent4"/>
+            </a:lnRef>
+            <a:fillRef idx="0">
+              <a:schemeClr val="accent4"/>
+            </a:fillRef>
+            <a:effectRef idx="2">
+              <a:schemeClr val="accent4"/>
+            </a:effectRef>
+            <a:fontRef idx="minor">
               <a:schemeClr val="tx1"/>
-            </a:solidFill>
-            <a:headEnd type="triangle" w="med" len="med"/>
-            <a:tailEnd type="none" w="med" len="med"/>
-          </a:ln>
-        </p:spPr>
-        <p:style>
-          <a:lnRef idx="3">
-            <a:schemeClr val="accent4"/>
-          </a:lnRef>
-          <a:fillRef idx="0">
-            <a:schemeClr val="accent4"/>
-          </a:fillRef>
-          <a:effectRef idx="2">
-            <a:schemeClr val="accent4"/>
-          </a:effectRef>
-          <a:fontRef idx="minor">
-            <a:schemeClr val="tx1"/>
-          </a:fontRef>
-        </p:style>
-      </p:cxnSp>
-      <p:cxnSp>
-        <p:nvCxnSpPr>
-          <p:cNvPr id="35" name="Straight Arrow Connector 34">
-            <a:extLst>
-              <a:ext uri="{FF2B5EF4-FFF2-40B4-BE49-F238E27FC236}">
-                <a16:creationId xmlns:a16="http://schemas.microsoft.com/office/drawing/2014/main" id="{C7E0C5AF-5A96-4056-ACE7-88BB922ABB18}"/>
-              </a:ext>
-            </a:extLst>
-          </p:cNvPr>
-          <p:cNvCxnSpPr>
-            <a:stCxn id="36" idx="2"/>
-            <a:endCxn id="37" idx="0"/>
-          </p:cNvCxnSpPr>
-          <p:nvPr/>
-        </p:nvCxnSpPr>
-        <p:spPr>
-          <a:xfrm>
-            <a:off x="4953000" y="1736484"/>
-            <a:ext cx="0" cy="217952"/>
-          </a:xfrm>
-          <a:prstGeom prst="straightConnector1">
-            <a:avLst/>
-          </a:prstGeom>
-          <a:ln w="19050">
-            <a:solidFill>
+            </a:fontRef>
+          </p:style>
+        </p:cxnSp>
+        <p:cxnSp>
+          <p:nvCxnSpPr>
+            <p:cNvPr id="35" name="Straight Arrow Connector 34">
+              <a:extLst>
+                <a:ext uri="{FF2B5EF4-FFF2-40B4-BE49-F238E27FC236}">
+                  <a16:creationId xmlns:a16="http://schemas.microsoft.com/office/drawing/2014/main" id="{C7E0C5AF-5A96-4056-ACE7-88BB922ABB18}"/>
+                </a:ext>
+              </a:extLst>
+            </p:cNvPr>
+            <p:cNvCxnSpPr>
+              <a:stCxn id="36" idx="2"/>
+              <a:endCxn id="37" idx="0"/>
+            </p:cNvCxnSpPr>
+            <p:nvPr/>
+          </p:nvCxnSpPr>
+          <p:spPr>
+            <a:xfrm>
+              <a:off x="4953000" y="1736484"/>
+              <a:ext cx="0" cy="217952"/>
+            </a:xfrm>
+            <a:prstGeom prst="straightConnector1">
+              <a:avLst/>
+            </a:prstGeom>
+            <a:ln w="19050">
+              <a:solidFill>
+                <a:schemeClr val="tx1"/>
+              </a:solidFill>
+              <a:headEnd type="triangle" w="med" len="med"/>
+              <a:tailEnd type="none" w="med" len="med"/>
+            </a:ln>
+          </p:spPr>
+          <p:style>
+            <a:lnRef idx="3">
+              <a:schemeClr val="accent4"/>
+            </a:lnRef>
+            <a:fillRef idx="0">
+              <a:schemeClr val="accent4"/>
+            </a:fillRef>
+            <a:effectRef idx="2">
+              <a:schemeClr val="accent4"/>
+            </a:effectRef>
+            <a:fontRef idx="minor">
               <a:schemeClr val="tx1"/>
-            </a:solidFill>
-            <a:headEnd type="triangle" w="med" len="med"/>
-            <a:tailEnd type="none" w="med" len="med"/>
-          </a:ln>
-        </p:spPr>
-        <p:style>
-          <a:lnRef idx="3">
-            <a:schemeClr val="accent4"/>
-          </a:lnRef>
-          <a:fillRef idx="0">
-            <a:schemeClr val="accent4"/>
-          </a:fillRef>
-          <a:effectRef idx="2">
-            <a:schemeClr val="accent4"/>
-          </a:effectRef>
-          <a:fontRef idx="minor">
-            <a:schemeClr val="tx1"/>
-          </a:fontRef>
-        </p:style>
-      </p:cxnSp>
-      <p:sp>
-        <p:nvSpPr>
-          <p:cNvPr id="36" name="Flowchart: Alternate Process 35">
-            <a:extLst>
-              <a:ext uri="{FF2B5EF4-FFF2-40B4-BE49-F238E27FC236}">
-                <a16:creationId xmlns:a16="http://schemas.microsoft.com/office/drawing/2014/main" id="{D92F409B-EDD8-46C5-A4D2-F93183E2606B}"/>
-              </a:ext>
-            </a:extLst>
-          </p:cNvPr>
-          <p:cNvSpPr/>
-          <p:nvPr/>
-        </p:nvSpPr>
-        <p:spPr>
-          <a:xfrm>
-            <a:off x="4321691" y="900000"/>
-            <a:ext cx="1262618" cy="836484"/>
-          </a:xfrm>
-          <a:prstGeom prst="flowChartAlternateProcess">
-            <a:avLst/>
-          </a:prstGeom>
-          <a:ln w="19050"/>
-        </p:spPr>
-        <p:style>
-          <a:lnRef idx="2">
-            <a:schemeClr val="dk1"/>
-          </a:lnRef>
-          <a:fillRef idx="1">
-            <a:schemeClr val="lt1"/>
-          </a:fillRef>
-          <a:effectRef idx="0">
-            <a:schemeClr val="dk1"/>
-          </a:effectRef>
-          <a:fontRef idx="minor">
-            <a:schemeClr val="dk1"/>
-          </a:fontRef>
-        </p:style>
-        <p:txBody>
-          <a:bodyPr rot="0" spcFirstLastPara="0" vertOverflow="overflow" horzOverflow="overflow" vert="horz" wrap="square" lIns="0" tIns="0" rIns="0" bIns="0" numCol="1" spcCol="0" rtlCol="0" fromWordArt="0" anchor="ctr" anchorCtr="0" forceAA="0" compatLnSpc="1">
-            <a:prstTxWarp prst="textNoShape">
-              <a:avLst/>
-            </a:prstTxWarp>
-            <a:noAutofit/>
-          </a:bodyPr>
-          <a:lstStyle/>
-          <a:p>
-            <a:pPr algn="ctr"/>
-            <a:r>
-              <a:rPr lang="en-AU" sz="1050" dirty="0">
-                <a:solidFill>
-                  <a:schemeClr val="dk1"/>
-                </a:solidFill>
-                <a:latin typeface="Consolas" panose="020B0609020204030204" pitchFamily="49" charset="0"/>
-                <a:ea typeface="Yu Gothic" panose="020B0400000000000000" pitchFamily="34" charset="-128"/>
-              </a:rPr>
-              <a:t>Observe current state of pilot/desired state of suit</a:t>
-            </a:r>
-          </a:p>
-        </p:txBody>
-      </p:sp>
-      <p:sp>
-        <p:nvSpPr>
-          <p:cNvPr id="37" name="Flowchart: Alternate Process 36">
-            <a:extLst>
-              <a:ext uri="{FF2B5EF4-FFF2-40B4-BE49-F238E27FC236}">
-                <a16:creationId xmlns:a16="http://schemas.microsoft.com/office/drawing/2014/main" id="{50115687-D116-4ABA-A652-AD6EE015EF68}"/>
-              </a:ext>
-            </a:extLst>
-          </p:cNvPr>
-          <p:cNvSpPr/>
-          <p:nvPr/>
-        </p:nvSpPr>
-        <p:spPr>
-          <a:xfrm>
-            <a:off x="4321691" y="1954436"/>
-            <a:ext cx="1262618" cy="836484"/>
-          </a:xfrm>
-          <a:prstGeom prst="flowChartAlternateProcess">
-            <a:avLst/>
-          </a:prstGeom>
-          <a:ln w="19050">
-            <a:solidFill>
-              <a:schemeClr val="tx1"/>
-            </a:solidFill>
-          </a:ln>
-        </p:spPr>
-        <p:style>
-          <a:lnRef idx="2">
-            <a:schemeClr val="dk1"/>
-          </a:lnRef>
-          <a:fillRef idx="1">
-            <a:schemeClr val="lt1"/>
-          </a:fillRef>
-          <a:effectRef idx="0">
-            <a:schemeClr val="dk1"/>
-          </a:effectRef>
-          <a:fontRef idx="minor">
-            <a:schemeClr val="dk1"/>
-          </a:fontRef>
-        </p:style>
-        <p:txBody>
-          <a:bodyPr rot="0" spcFirstLastPara="0" vertOverflow="overflow" horzOverflow="overflow" vert="horz" wrap="square" lIns="0" tIns="0" rIns="0" bIns="0" numCol="1" spcCol="0" rtlCol="0" fromWordArt="0" anchor="ctr" anchorCtr="0" forceAA="0" compatLnSpc="1">
-            <a:prstTxWarp prst="textNoShape">
-              <a:avLst/>
-            </a:prstTxWarp>
-            <a:noAutofit/>
-          </a:bodyPr>
-          <a:lstStyle/>
-          <a:p>
-            <a:pPr algn="ctr"/>
-            <a:r>
-              <a:rPr lang="en-AU" sz="1050" dirty="0">
-                <a:solidFill>
-                  <a:schemeClr val="dk1"/>
-                </a:solidFill>
-                <a:latin typeface="Consolas" panose="020B0609020204030204" pitchFamily="49" charset="0"/>
-                <a:ea typeface="Yu Gothic" panose="020B0400000000000000" pitchFamily="34" charset="-128"/>
-              </a:rPr>
-              <a:t>Measure position of limbs in relation to origin</a:t>
-            </a:r>
-          </a:p>
-        </p:txBody>
-      </p:sp>
-      <p:sp>
-        <p:nvSpPr>
-          <p:cNvPr id="38" name="Flowchart: Alternate Process 37">
-            <a:extLst>
-              <a:ext uri="{FF2B5EF4-FFF2-40B4-BE49-F238E27FC236}">
-                <a16:creationId xmlns:a16="http://schemas.microsoft.com/office/drawing/2014/main" id="{36AFA404-2F42-45E1-A7C3-93CEEEC99AA4}"/>
-              </a:ext>
-            </a:extLst>
-          </p:cNvPr>
-          <p:cNvSpPr/>
-          <p:nvPr/>
-        </p:nvSpPr>
-        <p:spPr>
-          <a:xfrm>
-            <a:off x="4321691" y="3008872"/>
-            <a:ext cx="1262618" cy="836484"/>
-          </a:xfrm>
-          <a:prstGeom prst="flowChartAlternateProcess">
-            <a:avLst/>
-          </a:prstGeom>
-          <a:ln w="19050">
-            <a:solidFill>
-              <a:schemeClr val="tx1"/>
-            </a:solidFill>
-          </a:ln>
-        </p:spPr>
-        <p:style>
-          <a:lnRef idx="2">
-            <a:schemeClr val="dk1"/>
-          </a:lnRef>
-          <a:fillRef idx="1">
-            <a:schemeClr val="lt1"/>
-          </a:fillRef>
-          <a:effectRef idx="0">
-            <a:schemeClr val="dk1"/>
-          </a:effectRef>
-          <a:fontRef idx="minor">
-            <a:schemeClr val="dk1"/>
-          </a:fontRef>
-        </p:style>
-        <p:txBody>
-          <a:bodyPr rot="0" spcFirstLastPara="0" vertOverflow="overflow" horzOverflow="overflow" vert="horz" wrap="square" lIns="0" tIns="0" rIns="0" bIns="0" numCol="1" spcCol="0" rtlCol="0" fromWordArt="0" anchor="ctr" anchorCtr="0" forceAA="0" compatLnSpc="1">
-            <a:prstTxWarp prst="textNoShape">
-              <a:avLst/>
-            </a:prstTxWarp>
-            <a:noAutofit/>
-          </a:bodyPr>
-          <a:lstStyle/>
-          <a:p>
-            <a:pPr algn="ctr"/>
-            <a:r>
-              <a:rPr lang="en-AU" sz="1050" dirty="0">
-                <a:solidFill>
-                  <a:schemeClr val="dk1"/>
-                </a:solidFill>
-                <a:latin typeface="Consolas" panose="020B0609020204030204" pitchFamily="49" charset="0"/>
-                <a:ea typeface="Yu Gothic" panose="020B0400000000000000" pitchFamily="34" charset="-128"/>
-              </a:rPr>
-              <a:t>Measure position of limbs in relation to fixed rotational axis on suit</a:t>
-            </a:r>
-          </a:p>
-        </p:txBody>
-      </p:sp>
-      <p:sp>
-        <p:nvSpPr>
-          <p:cNvPr id="20" name="Flowchart: Alternate Process 19">
-            <a:extLst>
-              <a:ext uri="{FF2B5EF4-FFF2-40B4-BE49-F238E27FC236}">
-                <a16:creationId xmlns:a16="http://schemas.microsoft.com/office/drawing/2014/main" id="{EE20DA8A-1203-4004-B796-1159A72D15A7}"/>
-              </a:ext>
-            </a:extLst>
-          </p:cNvPr>
-          <p:cNvSpPr/>
-          <p:nvPr/>
-        </p:nvSpPr>
-        <p:spPr>
-          <a:xfrm>
-            <a:off x="540001" y="540000"/>
-            <a:ext cx="8825976" cy="5778000"/>
-          </a:xfrm>
-          <a:prstGeom prst="flowChartAlternateProcess">
-            <a:avLst/>
-          </a:prstGeom>
-          <a:noFill/>
-          <a:ln w="19050">
-            <a:prstDash val="lgDash"/>
-          </a:ln>
-        </p:spPr>
-        <p:style>
-          <a:lnRef idx="2">
-            <a:schemeClr val="accent4">
-              <a:shade val="50000"/>
-            </a:schemeClr>
-          </a:lnRef>
-          <a:fillRef idx="1">
-            <a:schemeClr val="accent4"/>
-          </a:fillRef>
-          <a:effectRef idx="0">
-            <a:schemeClr val="accent4"/>
-          </a:effectRef>
-          <a:fontRef idx="minor">
-            <a:schemeClr val="lt1"/>
-          </a:fontRef>
-        </p:style>
-        <p:txBody>
-          <a:bodyPr rot="0" spcFirstLastPara="0" vertOverflow="overflow" horzOverflow="overflow" vert="horz" wrap="square" lIns="0" tIns="0" rIns="0" bIns="0" numCol="1" spcCol="0" rtlCol="0" fromWordArt="0" anchor="ctr" anchorCtr="0" forceAA="0" compatLnSpc="1">
-            <a:prstTxWarp prst="textNoShape">
-              <a:avLst/>
-            </a:prstTxWarp>
-            <a:noAutofit/>
-          </a:bodyPr>
-          <a:lstStyle/>
-          <a:p>
-            <a:pPr algn="ctr"/>
-            <a:endParaRPr lang="en-AU" sz="1050" dirty="0">
-              <a:latin typeface="Consolas" panose="020B0609020204030204" pitchFamily="49" charset="0"/>
-              <a:ea typeface="Yu Gothic" panose="020B0400000000000000" pitchFamily="34" charset="-128"/>
-            </a:endParaRPr>
-          </a:p>
-        </p:txBody>
-      </p:sp>
-      <p:cxnSp>
-        <p:nvCxnSpPr>
-          <p:cNvPr id="49" name="Connector: Elbow 48">
-            <a:extLst>
-              <a:ext uri="{FF2B5EF4-FFF2-40B4-BE49-F238E27FC236}">
-                <a16:creationId xmlns:a16="http://schemas.microsoft.com/office/drawing/2014/main" id="{C1A8A370-EA07-4435-A94A-5EB174BCE0D4}"/>
-              </a:ext>
-            </a:extLst>
-          </p:cNvPr>
-          <p:cNvCxnSpPr>
-            <a:cxnSpLocks/>
-            <a:stCxn id="29" idx="1"/>
-            <a:endCxn id="17" idx="0"/>
-          </p:cNvCxnSpPr>
-          <p:nvPr/>
-        </p:nvCxnSpPr>
-        <p:spPr>
-          <a:xfrm rot="10800000" flipV="1">
-            <a:off x="2435089" y="4481550"/>
-            <a:ext cx="1886602" cy="636196"/>
-          </a:xfrm>
-          <a:prstGeom prst="bentConnector2">
-            <a:avLst/>
-          </a:prstGeom>
-          <a:ln w="19050">
-            <a:solidFill>
-              <a:schemeClr val="tx1"/>
-            </a:solidFill>
-            <a:headEnd type="triangle" w="med" len="med"/>
-            <a:tailEnd type="none" w="med" len="med"/>
-          </a:ln>
-        </p:spPr>
-        <p:style>
-          <a:lnRef idx="3">
-            <a:schemeClr val="accent4"/>
-          </a:lnRef>
-          <a:fillRef idx="0">
-            <a:schemeClr val="accent4"/>
-          </a:fillRef>
-          <a:effectRef idx="2">
-            <a:schemeClr val="accent4"/>
-          </a:effectRef>
-          <a:fontRef idx="minor">
-            <a:schemeClr val="tx1"/>
-          </a:fontRef>
-        </p:style>
-      </p:cxnSp>
-      <p:cxnSp>
-        <p:nvCxnSpPr>
-          <p:cNvPr id="52" name="Connector: Elbow 51">
-            <a:extLst>
-              <a:ext uri="{FF2B5EF4-FFF2-40B4-BE49-F238E27FC236}">
-                <a16:creationId xmlns:a16="http://schemas.microsoft.com/office/drawing/2014/main" id="{74813D39-7903-430B-A115-CEDD44E3B1A0}"/>
-              </a:ext>
-            </a:extLst>
-          </p:cNvPr>
-          <p:cNvCxnSpPr>
-            <a:cxnSpLocks/>
-            <a:stCxn id="125" idx="3"/>
-            <a:endCxn id="19" idx="0"/>
-          </p:cNvCxnSpPr>
-          <p:nvPr/>
-        </p:nvCxnSpPr>
-        <p:spPr>
-          <a:xfrm rot="16200000" flipH="1">
-            <a:off x="5342744" y="4668184"/>
-            <a:ext cx="217955" cy="681168"/>
-          </a:xfrm>
-          <a:prstGeom prst="bentConnector3">
-            <a:avLst>
-              <a:gd name="adj1" fmla="val 50000"/>
-            </a:avLst>
-          </a:prstGeom>
-          <a:ln w="19050">
-            <a:solidFill>
-              <a:schemeClr val="tx1"/>
-            </a:solidFill>
-            <a:headEnd type="triangle" w="med" len="med"/>
-            <a:tailEnd type="none" w="med" len="med"/>
-          </a:ln>
-        </p:spPr>
-        <p:style>
-          <a:lnRef idx="3">
-            <a:schemeClr val="accent4"/>
-          </a:lnRef>
-          <a:fillRef idx="0">
-            <a:schemeClr val="accent4"/>
-          </a:fillRef>
-          <a:effectRef idx="2">
-            <a:schemeClr val="accent4"/>
-          </a:effectRef>
-          <a:fontRef idx="minor">
-            <a:schemeClr val="tx1"/>
-          </a:fontRef>
-        </p:style>
-      </p:cxnSp>
-      <p:cxnSp>
-        <p:nvCxnSpPr>
-          <p:cNvPr id="93" name="Connector: Elbow 92">
-            <a:extLst>
-              <a:ext uri="{FF2B5EF4-FFF2-40B4-BE49-F238E27FC236}">
-                <a16:creationId xmlns:a16="http://schemas.microsoft.com/office/drawing/2014/main" id="{91142E9F-B215-40BC-8FF0-61748BE44660}"/>
-              </a:ext>
-            </a:extLst>
-          </p:cNvPr>
-          <p:cNvCxnSpPr>
-            <a:cxnSpLocks/>
-            <a:stCxn id="29" idx="3"/>
-            <a:endCxn id="86" idx="0"/>
-          </p:cNvCxnSpPr>
-          <p:nvPr/>
-        </p:nvCxnSpPr>
-        <p:spPr>
-          <a:xfrm>
-            <a:off x="5584309" y="4481550"/>
-            <a:ext cx="1886603" cy="636196"/>
-          </a:xfrm>
-          <a:prstGeom prst="bentConnector2">
-            <a:avLst/>
-          </a:prstGeom>
-          <a:ln w="19050">
-            <a:solidFill>
-              <a:schemeClr val="tx1"/>
-            </a:solidFill>
-            <a:headEnd type="triangle" w="med" len="med"/>
-            <a:tailEnd type="none" w="med" len="med"/>
-          </a:ln>
-        </p:spPr>
-        <p:style>
-          <a:lnRef idx="3">
-            <a:schemeClr val="accent4"/>
-          </a:lnRef>
-          <a:fillRef idx="0">
-            <a:schemeClr val="accent4"/>
-          </a:fillRef>
-          <a:effectRef idx="2">
-            <a:schemeClr val="accent4"/>
-          </a:effectRef>
-          <a:fontRef idx="minor">
-            <a:schemeClr val="tx1"/>
-          </a:fontRef>
-        </p:style>
-      </p:cxnSp>
-      <p:sp>
-        <p:nvSpPr>
-          <p:cNvPr id="59" name="Rectangle 58">
-            <a:extLst>
-              <a:ext uri="{FF2B5EF4-FFF2-40B4-BE49-F238E27FC236}">
-                <a16:creationId xmlns:a16="http://schemas.microsoft.com/office/drawing/2014/main" id="{1E40D16B-0B0A-4291-8165-F0754E500AA0}"/>
-              </a:ext>
-            </a:extLst>
-          </p:cNvPr>
-          <p:cNvSpPr/>
-          <p:nvPr/>
-        </p:nvSpPr>
-        <p:spPr>
-          <a:xfrm>
-            <a:off x="2617054" y="5274385"/>
-            <a:ext cx="127908" cy="418240"/>
-          </a:xfrm>
-          <a:prstGeom prst="rect">
-            <a:avLst/>
-          </a:prstGeom>
-          <a:noFill/>
-          <a:ln>
-            <a:noFill/>
-          </a:ln>
-        </p:spPr>
-        <p:style>
-          <a:lnRef idx="2">
-            <a:schemeClr val="accent1">
-              <a:shade val="50000"/>
-            </a:schemeClr>
-          </a:lnRef>
-          <a:fillRef idx="1">
-            <a:schemeClr val="accent1"/>
-          </a:fillRef>
-          <a:effectRef idx="0">
-            <a:schemeClr val="accent1"/>
-          </a:effectRef>
-          <a:fontRef idx="minor">
-            <a:schemeClr val="lt1"/>
-          </a:fontRef>
-        </p:style>
-        <p:txBody>
-          <a:bodyPr rtlCol="0" anchor="ctr"/>
-          <a:lstStyle/>
-          <a:p>
-            <a:pPr algn="ctr"/>
-            <a:endParaRPr lang="en-AU"/>
-          </a:p>
-        </p:txBody>
-      </p:sp>
-      <p:sp>
-        <p:nvSpPr>
-          <p:cNvPr id="60" name="Rectangle 59">
-            <a:extLst>
-              <a:ext uri="{FF2B5EF4-FFF2-40B4-BE49-F238E27FC236}">
-                <a16:creationId xmlns:a16="http://schemas.microsoft.com/office/drawing/2014/main" id="{D7D8C76A-6CC5-408F-AC7F-69E1B59F0784}"/>
-              </a:ext>
-            </a:extLst>
-          </p:cNvPr>
-          <p:cNvSpPr/>
-          <p:nvPr/>
-        </p:nvSpPr>
-        <p:spPr>
-          <a:xfrm>
-            <a:off x="2617054" y="5692625"/>
-            <a:ext cx="127908" cy="418240"/>
-          </a:xfrm>
-          <a:prstGeom prst="rect">
-            <a:avLst/>
-          </a:prstGeom>
-          <a:noFill/>
-          <a:ln>
-            <a:noFill/>
-          </a:ln>
-        </p:spPr>
-        <p:style>
-          <a:lnRef idx="2">
-            <a:schemeClr val="accent1">
-              <a:shade val="50000"/>
-            </a:schemeClr>
-          </a:lnRef>
-          <a:fillRef idx="1">
-            <a:schemeClr val="accent1"/>
-          </a:fillRef>
-          <a:effectRef idx="0">
-            <a:schemeClr val="accent1"/>
-          </a:effectRef>
-          <a:fontRef idx="minor">
-            <a:schemeClr val="lt1"/>
-          </a:fontRef>
-        </p:style>
-        <p:txBody>
-          <a:bodyPr rtlCol="0" anchor="ctr"/>
-          <a:lstStyle/>
-          <a:p>
-            <a:pPr algn="ctr"/>
-            <a:endParaRPr lang="en-AU"/>
-          </a:p>
-        </p:txBody>
-      </p:sp>
-      <p:cxnSp>
-        <p:nvCxnSpPr>
-          <p:cNvPr id="43" name="Straight Arrow Connector 42">
-            <a:extLst>
-              <a:ext uri="{FF2B5EF4-FFF2-40B4-BE49-F238E27FC236}">
-                <a16:creationId xmlns:a16="http://schemas.microsoft.com/office/drawing/2014/main" id="{E35A7958-0784-4046-80BE-40798ACA78E8}"/>
-              </a:ext>
-            </a:extLst>
-          </p:cNvPr>
-          <p:cNvCxnSpPr>
-            <a:cxnSpLocks/>
-            <a:stCxn id="17" idx="3"/>
-            <a:endCxn id="18" idx="1"/>
-          </p:cNvCxnSpPr>
-          <p:nvPr/>
-        </p:nvCxnSpPr>
-        <p:spPr>
-          <a:xfrm>
-            <a:off x="3066398" y="5535988"/>
-            <a:ext cx="415990" cy="0"/>
-          </a:xfrm>
-          <a:prstGeom prst="straightConnector1">
-            <a:avLst/>
-          </a:prstGeom>
-          <a:ln w="19050">
-            <a:solidFill>
-              <a:schemeClr val="tx1"/>
-            </a:solidFill>
-            <a:tailEnd type="triangle"/>
-          </a:ln>
-        </p:spPr>
-        <p:style>
-          <a:lnRef idx="3">
-            <a:schemeClr val="accent4"/>
-          </a:lnRef>
-          <a:fillRef idx="0">
-            <a:schemeClr val="accent4"/>
-          </a:fillRef>
-          <a:effectRef idx="2">
-            <a:schemeClr val="accent4"/>
-          </a:effectRef>
-          <a:fontRef idx="minor">
-            <a:schemeClr val="tx1"/>
-          </a:fontRef>
-        </p:style>
-      </p:cxnSp>
-      <p:cxnSp>
-        <p:nvCxnSpPr>
-          <p:cNvPr id="46" name="Straight Arrow Connector 45">
-            <a:extLst>
-              <a:ext uri="{FF2B5EF4-FFF2-40B4-BE49-F238E27FC236}">
-                <a16:creationId xmlns:a16="http://schemas.microsoft.com/office/drawing/2014/main" id="{6DBD670E-EA2A-451E-850F-2ED7281F70E1}"/>
-              </a:ext>
-            </a:extLst>
-          </p:cNvPr>
-          <p:cNvCxnSpPr>
-            <a:cxnSpLocks/>
-            <a:stCxn id="18" idx="3"/>
-            <a:endCxn id="19" idx="1"/>
-          </p:cNvCxnSpPr>
-          <p:nvPr/>
-        </p:nvCxnSpPr>
-        <p:spPr>
-          <a:xfrm>
-            <a:off x="4745006" y="5535988"/>
-            <a:ext cx="415990" cy="0"/>
-          </a:xfrm>
-          <a:prstGeom prst="straightConnector1">
-            <a:avLst/>
-          </a:prstGeom>
-          <a:ln w="19050">
-            <a:solidFill>
-              <a:schemeClr val="tx1"/>
-            </a:solidFill>
-            <a:tailEnd type="triangle"/>
-          </a:ln>
-        </p:spPr>
-        <p:style>
-          <a:lnRef idx="3">
-            <a:schemeClr val="accent4"/>
-          </a:lnRef>
-          <a:fillRef idx="0">
-            <a:schemeClr val="accent4"/>
-          </a:fillRef>
-          <a:effectRef idx="2">
-            <a:schemeClr val="accent4"/>
-          </a:effectRef>
-          <a:fontRef idx="minor">
-            <a:schemeClr val="tx1"/>
-          </a:fontRef>
-        </p:style>
-      </p:cxnSp>
-      <p:cxnSp>
-        <p:nvCxnSpPr>
-          <p:cNvPr id="90" name="Straight Arrow Connector 89">
-            <a:extLst>
-              <a:ext uri="{FF2B5EF4-FFF2-40B4-BE49-F238E27FC236}">
-                <a16:creationId xmlns:a16="http://schemas.microsoft.com/office/drawing/2014/main" id="{60861DB6-7D6D-4711-BCCF-E83EC7481698}"/>
-              </a:ext>
-            </a:extLst>
-          </p:cNvPr>
-          <p:cNvCxnSpPr>
-            <a:cxnSpLocks/>
-            <a:stCxn id="19" idx="3"/>
-            <a:endCxn id="86" idx="1"/>
-          </p:cNvCxnSpPr>
-          <p:nvPr/>
-        </p:nvCxnSpPr>
-        <p:spPr>
-          <a:xfrm>
-            <a:off x="6423614" y="5535988"/>
-            <a:ext cx="415989" cy="0"/>
-          </a:xfrm>
-          <a:prstGeom prst="straightConnector1">
-            <a:avLst/>
-          </a:prstGeom>
-          <a:ln w="19050">
-            <a:solidFill>
-              <a:schemeClr val="tx1"/>
-            </a:solidFill>
-            <a:tailEnd type="triangle"/>
-          </a:ln>
-        </p:spPr>
-        <p:style>
-          <a:lnRef idx="3">
-            <a:schemeClr val="accent4"/>
-          </a:lnRef>
-          <a:fillRef idx="0">
-            <a:schemeClr val="accent4"/>
-          </a:fillRef>
-          <a:effectRef idx="2">
-            <a:schemeClr val="accent4"/>
-          </a:effectRef>
-          <a:fontRef idx="minor">
-            <a:schemeClr val="tx1"/>
-          </a:fontRef>
-        </p:style>
-      </p:cxnSp>
-      <p:cxnSp>
-        <p:nvCxnSpPr>
-          <p:cNvPr id="113" name="Connector: Elbow 112">
-            <a:extLst>
-              <a:ext uri="{FF2B5EF4-FFF2-40B4-BE49-F238E27FC236}">
-                <a16:creationId xmlns:a16="http://schemas.microsoft.com/office/drawing/2014/main" id="{9471340E-EC2C-4658-9D26-0C3E15A1296E}"/>
-              </a:ext>
-            </a:extLst>
-          </p:cNvPr>
-          <p:cNvCxnSpPr>
-            <a:cxnSpLocks/>
-            <a:stCxn id="124" idx="3"/>
-            <a:endCxn id="18" idx="0"/>
-          </p:cNvCxnSpPr>
-          <p:nvPr/>
-        </p:nvCxnSpPr>
-        <p:spPr>
-          <a:xfrm rot="5400000">
-            <a:off x="4345303" y="4668185"/>
-            <a:ext cx="217956" cy="681167"/>
-          </a:xfrm>
-          <a:prstGeom prst="bentConnector3">
-            <a:avLst>
-              <a:gd name="adj1" fmla="val 50000"/>
-            </a:avLst>
-          </a:prstGeom>
-          <a:ln w="19050">
-            <a:solidFill>
-              <a:schemeClr val="tx1"/>
-            </a:solidFill>
-            <a:headEnd type="triangle" w="med" len="med"/>
-            <a:tailEnd type="none" w="med" len="med"/>
-          </a:ln>
-        </p:spPr>
-        <p:style>
-          <a:lnRef idx="3">
-            <a:schemeClr val="accent4"/>
-          </a:lnRef>
-          <a:fillRef idx="0">
-            <a:schemeClr val="accent4"/>
-          </a:fillRef>
-          <a:effectRef idx="2">
-            <a:schemeClr val="accent4"/>
-          </a:effectRef>
-          <a:fontRef idx="minor">
-            <a:schemeClr val="tx1"/>
-          </a:fontRef>
-        </p:style>
-      </p:cxnSp>
-      <p:grpSp>
-        <p:nvGrpSpPr>
-          <p:cNvPr id="243" name="Group 242">
-            <a:extLst>
-              <a:ext uri="{FF2B5EF4-FFF2-40B4-BE49-F238E27FC236}">
-                <a16:creationId xmlns:a16="http://schemas.microsoft.com/office/drawing/2014/main" id="{2DED509C-61DE-4BD3-8180-306CE6B2DBBB}"/>
-              </a:ext>
-            </a:extLst>
-          </p:cNvPr>
-          <p:cNvGrpSpPr/>
-          <p:nvPr/>
-        </p:nvGrpSpPr>
-        <p:grpSpPr>
-          <a:xfrm>
-            <a:off x="1803780" y="5117746"/>
-            <a:ext cx="6298441" cy="836484"/>
-            <a:chOff x="1763424" y="5117746"/>
-            <a:chExt cx="6298441" cy="836484"/>
-          </a:xfrm>
-        </p:grpSpPr>
+            </a:fontRef>
+          </p:style>
+        </p:cxnSp>
         <p:sp>
           <p:nvSpPr>
-            <p:cNvPr id="17" name="Flowchart: Alternate Process 16">
+            <p:cNvPr id="36" name="Flowchart: Alternate Process 35">
               <a:extLst>
                 <a:ext uri="{FF2B5EF4-FFF2-40B4-BE49-F238E27FC236}">
-                  <a16:creationId xmlns:a16="http://schemas.microsoft.com/office/drawing/2014/main" id="{D6880F27-7869-44F4-BA18-C658D30CC6F6}"/>
+                  <a16:creationId xmlns:a16="http://schemas.microsoft.com/office/drawing/2014/main" id="{D92F409B-EDD8-46C5-A4D2-F93183E2606B}"/>
                 </a:ext>
               </a:extLst>
             </p:cNvPr>
@@ -6892,13 +6219,72 @@
           </p:nvSpPr>
           <p:spPr>
             <a:xfrm>
-              <a:off x="1763424" y="5117746"/>
+              <a:off x="4321691" y="900000"/>
               <a:ext cx="1262618" cy="836484"/>
             </a:xfrm>
             <a:prstGeom prst="flowChartAlternateProcess">
               <a:avLst/>
             </a:prstGeom>
-            <a:ln>
+            <a:ln w="19050"/>
+          </p:spPr>
+          <p:style>
+            <a:lnRef idx="2">
+              <a:schemeClr val="dk1"/>
+            </a:lnRef>
+            <a:fillRef idx="1">
+              <a:schemeClr val="lt1"/>
+            </a:fillRef>
+            <a:effectRef idx="0">
+              <a:schemeClr val="dk1"/>
+            </a:effectRef>
+            <a:fontRef idx="minor">
+              <a:schemeClr val="dk1"/>
+            </a:fontRef>
+          </p:style>
+          <p:txBody>
+            <a:bodyPr rot="0" spcFirstLastPara="0" vertOverflow="overflow" horzOverflow="overflow" vert="horz" wrap="square" lIns="0" tIns="0" rIns="0" bIns="0" numCol="1" spcCol="0" rtlCol="0" fromWordArt="0" anchor="ctr" anchorCtr="0" forceAA="0" compatLnSpc="1">
+              <a:prstTxWarp prst="textNoShape">
+                <a:avLst/>
+              </a:prstTxWarp>
+              <a:noAutofit/>
+            </a:bodyPr>
+            <a:lstStyle/>
+            <a:p>
+              <a:pPr algn="ctr"/>
+              <a:r>
+                <a:rPr lang="en-AU" sz="1050" dirty="0">
+                  <a:solidFill>
+                    <a:schemeClr val="dk1"/>
+                  </a:solidFill>
+                  <a:latin typeface="Consolas" panose="020B0609020204030204" pitchFamily="49" charset="0"/>
+                  <a:ea typeface="Yu Gothic" panose="020B0400000000000000" pitchFamily="34" charset="-128"/>
+                </a:rPr>
+                <a:t>Observe current state of pilot/desired state of suit</a:t>
+              </a:r>
+            </a:p>
+          </p:txBody>
+        </p:sp>
+        <p:sp>
+          <p:nvSpPr>
+            <p:cNvPr id="37" name="Flowchart: Alternate Process 36">
+              <a:extLst>
+                <a:ext uri="{FF2B5EF4-FFF2-40B4-BE49-F238E27FC236}">
+                  <a16:creationId xmlns:a16="http://schemas.microsoft.com/office/drawing/2014/main" id="{50115687-D116-4ABA-A652-AD6EE015EF68}"/>
+                </a:ext>
+              </a:extLst>
+            </p:cNvPr>
+            <p:cNvSpPr/>
+            <p:nvPr/>
+          </p:nvSpPr>
+          <p:spPr>
+            <a:xfrm>
+              <a:off x="4321691" y="1954436"/>
+              <a:ext cx="1262618" cy="836484"/>
+            </a:xfrm>
+            <a:prstGeom prst="flowChartAlternateProcess">
+              <a:avLst/>
+            </a:prstGeom>
+            <a:ln w="19050">
               <a:solidFill>
                 <a:schemeClr val="tx1"/>
               </a:solidFill>
@@ -6930,20 +6316,23 @@
               <a:pPr algn="ctr"/>
               <a:r>
                 <a:rPr lang="en-AU" sz="1050" dirty="0">
+                  <a:solidFill>
+                    <a:schemeClr val="dk1"/>
+                  </a:solidFill>
                   <a:latin typeface="Consolas" panose="020B0609020204030204" pitchFamily="49" charset="0"/>
                   <a:ea typeface="Yu Gothic" panose="020B0400000000000000" pitchFamily="34" charset="-128"/>
                 </a:rPr>
-                <a:t>Detect Signal</a:t>
+                <a:t>Measure position of limbs in relation to origin</a:t>
               </a:r>
             </a:p>
           </p:txBody>
         </p:sp>
         <p:sp>
           <p:nvSpPr>
-            <p:cNvPr id="18" name="Flowchart: Alternate Process 17">
+            <p:cNvPr id="38" name="Flowchart: Alternate Process 37">
               <a:extLst>
                 <a:ext uri="{FF2B5EF4-FFF2-40B4-BE49-F238E27FC236}">
-                  <a16:creationId xmlns:a16="http://schemas.microsoft.com/office/drawing/2014/main" id="{507FB19F-0FFD-483C-9DDF-3FDD57B3763C}"/>
+                  <a16:creationId xmlns:a16="http://schemas.microsoft.com/office/drawing/2014/main" id="{36AFA404-2F42-45E1-A7C3-93CEEEC99AA4}"/>
                 </a:ext>
               </a:extLst>
             </p:cNvPr>
@@ -6952,13 +6341,13 @@
           </p:nvSpPr>
           <p:spPr>
             <a:xfrm>
-              <a:off x="3442032" y="5117746"/>
+              <a:off x="4321691" y="3008872"/>
               <a:ext cx="1262618" cy="836484"/>
             </a:xfrm>
             <a:prstGeom prst="flowChartAlternateProcess">
               <a:avLst/>
             </a:prstGeom>
-            <a:ln>
+            <a:ln w="19050">
               <a:solidFill>
                 <a:schemeClr val="tx1"/>
               </a:solidFill>
@@ -6990,20 +6379,23 @@
               <a:pPr algn="ctr"/>
               <a:r>
                 <a:rPr lang="en-AU" sz="1050" dirty="0">
+                  <a:solidFill>
+                    <a:schemeClr val="dk1"/>
+                  </a:solidFill>
                   <a:latin typeface="Consolas" panose="020B0609020204030204" pitchFamily="49" charset="0"/>
                   <a:ea typeface="Yu Gothic" panose="020B0400000000000000" pitchFamily="34" charset="-128"/>
                 </a:rPr>
-                <a:t>Remove Noise</a:t>
+                <a:t>Measure position of limbs in relation to fixed rotational axis on suit</a:t>
               </a:r>
             </a:p>
           </p:txBody>
         </p:sp>
         <p:sp>
           <p:nvSpPr>
-            <p:cNvPr id="19" name="Flowchart: Alternate Process 18">
+            <p:cNvPr id="20" name="Flowchart: Alternate Process 19">
               <a:extLst>
                 <a:ext uri="{FF2B5EF4-FFF2-40B4-BE49-F238E27FC236}">
-                  <a16:creationId xmlns:a16="http://schemas.microsoft.com/office/drawing/2014/main" id="{3217BC8F-77B9-4DBD-AD64-60D7FAAF745C}"/>
+                  <a16:creationId xmlns:a16="http://schemas.microsoft.com/office/drawing/2014/main" id="{EE20DA8A-1203-4004-B796-1159A72D15A7}"/>
                 </a:ext>
               </a:extLst>
             </p:cNvPr>
@@ -7012,30 +6404,31 @@
           </p:nvSpPr>
           <p:spPr>
             <a:xfrm>
-              <a:off x="5120640" y="5117746"/>
-              <a:ext cx="1262618" cy="836484"/>
+              <a:off x="540001" y="540000"/>
+              <a:ext cx="8825976" cy="5778000"/>
             </a:xfrm>
             <a:prstGeom prst="flowChartAlternateProcess">
               <a:avLst/>
             </a:prstGeom>
-            <a:ln>
-              <a:solidFill>
-                <a:schemeClr val="tx1"/>
-              </a:solidFill>
+            <a:noFill/>
+            <a:ln w="19050">
+              <a:prstDash val="lgDash"/>
             </a:ln>
           </p:spPr>
           <p:style>
             <a:lnRef idx="2">
-              <a:schemeClr val="dk1"/>
+              <a:schemeClr val="accent4">
+                <a:shade val="50000"/>
+              </a:schemeClr>
             </a:lnRef>
             <a:fillRef idx="1">
-              <a:schemeClr val="lt1"/>
+              <a:schemeClr val="accent4"/>
             </a:fillRef>
             <a:effectRef idx="0">
-              <a:schemeClr val="dk1"/>
+              <a:schemeClr val="accent4"/>
             </a:effectRef>
             <a:fontRef idx="minor">
-              <a:schemeClr val="dk1"/>
+              <a:schemeClr val="lt1"/>
             </a:fontRef>
           </p:style>
           <p:txBody>
@@ -7048,22 +6441,162 @@
             <a:lstStyle/>
             <a:p>
               <a:pPr algn="ctr"/>
-              <a:r>
-                <a:rPr lang="en-AU" sz="1050" dirty="0">
-                  <a:latin typeface="Consolas" panose="020B0609020204030204" pitchFamily="49" charset="0"/>
-                  <a:ea typeface="Yu Gothic" panose="020B0400000000000000" pitchFamily="34" charset="-128"/>
-                </a:rPr>
-                <a:t>Apply Sufficient Amplification</a:t>
-              </a:r>
+              <a:endParaRPr lang="en-AU" sz="1050" dirty="0">
+                <a:latin typeface="Consolas" panose="020B0609020204030204" pitchFamily="49" charset="0"/>
+                <a:ea typeface="Yu Gothic" panose="020B0400000000000000" pitchFamily="34" charset="-128"/>
+              </a:endParaRPr>
             </a:p>
           </p:txBody>
         </p:sp>
+        <p:cxnSp>
+          <p:nvCxnSpPr>
+            <p:cNvPr id="49" name="Connector: Elbow 48">
+              <a:extLst>
+                <a:ext uri="{FF2B5EF4-FFF2-40B4-BE49-F238E27FC236}">
+                  <a16:creationId xmlns:a16="http://schemas.microsoft.com/office/drawing/2014/main" id="{C1A8A370-EA07-4435-A94A-5EB174BCE0D4}"/>
+                </a:ext>
+              </a:extLst>
+            </p:cNvPr>
+            <p:cNvCxnSpPr>
+              <a:cxnSpLocks/>
+              <a:stCxn id="29" idx="1"/>
+              <a:endCxn id="17" idx="0"/>
+            </p:cNvCxnSpPr>
+            <p:nvPr/>
+          </p:nvCxnSpPr>
+          <p:spPr>
+            <a:xfrm rot="10800000" flipV="1">
+              <a:off x="2435089" y="4481550"/>
+              <a:ext cx="1886602" cy="636196"/>
+            </a:xfrm>
+            <a:prstGeom prst="bentConnector2">
+              <a:avLst/>
+            </a:prstGeom>
+            <a:ln w="19050">
+              <a:solidFill>
+                <a:schemeClr val="tx1"/>
+              </a:solidFill>
+              <a:headEnd type="triangle" w="med" len="med"/>
+              <a:tailEnd type="none" w="med" len="med"/>
+            </a:ln>
+          </p:spPr>
+          <p:style>
+            <a:lnRef idx="3">
+              <a:schemeClr val="accent4"/>
+            </a:lnRef>
+            <a:fillRef idx="0">
+              <a:schemeClr val="accent4"/>
+            </a:fillRef>
+            <a:effectRef idx="2">
+              <a:schemeClr val="accent4"/>
+            </a:effectRef>
+            <a:fontRef idx="minor">
+              <a:schemeClr val="tx1"/>
+            </a:fontRef>
+          </p:style>
+        </p:cxnSp>
+        <p:cxnSp>
+          <p:nvCxnSpPr>
+            <p:cNvPr id="52" name="Connector: Elbow 51">
+              <a:extLst>
+                <a:ext uri="{FF2B5EF4-FFF2-40B4-BE49-F238E27FC236}">
+                  <a16:creationId xmlns:a16="http://schemas.microsoft.com/office/drawing/2014/main" id="{74813D39-7903-430B-A115-CEDD44E3B1A0}"/>
+                </a:ext>
+              </a:extLst>
+            </p:cNvPr>
+            <p:cNvCxnSpPr>
+              <a:cxnSpLocks/>
+              <a:stCxn id="125" idx="3"/>
+              <a:endCxn id="19" idx="0"/>
+            </p:cNvCxnSpPr>
+            <p:nvPr/>
+          </p:nvCxnSpPr>
+          <p:spPr>
+            <a:xfrm rot="16200000" flipH="1">
+              <a:off x="5342744" y="4668184"/>
+              <a:ext cx="217955" cy="681168"/>
+            </a:xfrm>
+            <a:prstGeom prst="bentConnector3">
+              <a:avLst>
+                <a:gd name="adj1" fmla="val 50000"/>
+              </a:avLst>
+            </a:prstGeom>
+            <a:ln w="19050">
+              <a:solidFill>
+                <a:schemeClr val="tx1"/>
+              </a:solidFill>
+              <a:headEnd type="triangle" w="med" len="med"/>
+              <a:tailEnd type="none" w="med" len="med"/>
+            </a:ln>
+          </p:spPr>
+          <p:style>
+            <a:lnRef idx="3">
+              <a:schemeClr val="accent4"/>
+            </a:lnRef>
+            <a:fillRef idx="0">
+              <a:schemeClr val="accent4"/>
+            </a:fillRef>
+            <a:effectRef idx="2">
+              <a:schemeClr val="accent4"/>
+            </a:effectRef>
+            <a:fontRef idx="minor">
+              <a:schemeClr val="tx1"/>
+            </a:fontRef>
+          </p:style>
+        </p:cxnSp>
+        <p:cxnSp>
+          <p:nvCxnSpPr>
+            <p:cNvPr id="93" name="Connector: Elbow 92">
+              <a:extLst>
+                <a:ext uri="{FF2B5EF4-FFF2-40B4-BE49-F238E27FC236}">
+                  <a16:creationId xmlns:a16="http://schemas.microsoft.com/office/drawing/2014/main" id="{91142E9F-B215-40BC-8FF0-61748BE44660}"/>
+                </a:ext>
+              </a:extLst>
+            </p:cNvPr>
+            <p:cNvCxnSpPr>
+              <a:cxnSpLocks/>
+              <a:stCxn id="29" idx="3"/>
+              <a:endCxn id="86" idx="0"/>
+            </p:cNvCxnSpPr>
+            <p:nvPr/>
+          </p:nvCxnSpPr>
+          <p:spPr>
+            <a:xfrm>
+              <a:off x="5584309" y="4481550"/>
+              <a:ext cx="1886603" cy="636196"/>
+            </a:xfrm>
+            <a:prstGeom prst="bentConnector2">
+              <a:avLst/>
+            </a:prstGeom>
+            <a:ln w="19050">
+              <a:solidFill>
+                <a:schemeClr val="tx1"/>
+              </a:solidFill>
+              <a:headEnd type="triangle" w="med" len="med"/>
+              <a:tailEnd type="none" w="med" len="med"/>
+            </a:ln>
+          </p:spPr>
+          <p:style>
+            <a:lnRef idx="3">
+              <a:schemeClr val="accent4"/>
+            </a:lnRef>
+            <a:fillRef idx="0">
+              <a:schemeClr val="accent4"/>
+            </a:fillRef>
+            <a:effectRef idx="2">
+              <a:schemeClr val="accent4"/>
+            </a:effectRef>
+            <a:fontRef idx="minor">
+              <a:schemeClr val="tx1"/>
+            </a:fontRef>
+          </p:style>
+        </p:cxnSp>
         <p:sp>
           <p:nvSpPr>
-            <p:cNvPr id="86" name="Flowchart: Alternate Process 85">
+            <p:cNvPr id="59" name="Rectangle 58">
               <a:extLst>
                 <a:ext uri="{FF2B5EF4-FFF2-40B4-BE49-F238E27FC236}">
-                  <a16:creationId xmlns:a16="http://schemas.microsoft.com/office/drawing/2014/main" id="{484A4846-31D9-46DC-A34A-EE6B8EDF80BE}"/>
+                  <a16:creationId xmlns:a16="http://schemas.microsoft.com/office/drawing/2014/main" id="{1E40D16B-0B0A-4291-8165-F0754E500AA0}"/>
                 </a:ext>
               </a:extLst>
             </p:cNvPr>
@@ -7072,79 +6605,48 @@
           </p:nvSpPr>
           <p:spPr>
             <a:xfrm>
-              <a:off x="6799247" y="5117746"/>
-              <a:ext cx="1262618" cy="836484"/>
+              <a:off x="2617054" y="5274385"/>
+              <a:ext cx="127908" cy="418240"/>
             </a:xfrm>
-            <a:prstGeom prst="flowChartAlternateProcess">
+            <a:prstGeom prst="rect">
               <a:avLst/>
             </a:prstGeom>
+            <a:noFill/>
             <a:ln>
-              <a:solidFill>
-                <a:schemeClr val="tx1"/>
-              </a:solidFill>
+              <a:noFill/>
             </a:ln>
           </p:spPr>
           <p:style>
             <a:lnRef idx="2">
-              <a:schemeClr val="dk1"/>
+              <a:schemeClr val="accent1">
+                <a:shade val="50000"/>
+              </a:schemeClr>
             </a:lnRef>
             <a:fillRef idx="1">
-              <a:schemeClr val="lt1"/>
+              <a:schemeClr val="accent1"/>
             </a:fillRef>
             <a:effectRef idx="0">
-              <a:schemeClr val="dk1"/>
+              <a:schemeClr val="accent1"/>
             </a:effectRef>
             <a:fontRef idx="minor">
-              <a:schemeClr val="dk1"/>
+              <a:schemeClr val="lt1"/>
             </a:fontRef>
           </p:style>
           <p:txBody>
-            <a:bodyPr rot="0" spcFirstLastPara="0" vertOverflow="overflow" horzOverflow="overflow" vert="horz" wrap="square" lIns="0" tIns="0" rIns="0" bIns="0" numCol="1" spcCol="0" rtlCol="0" fromWordArt="0" anchor="ctr" anchorCtr="0" forceAA="0" compatLnSpc="1">
-              <a:prstTxWarp prst="textNoShape">
-                <a:avLst/>
-              </a:prstTxWarp>
-              <a:noAutofit/>
-            </a:bodyPr>
+            <a:bodyPr rtlCol="0" anchor="ctr"/>
             <a:lstStyle/>
             <a:p>
               <a:pPr algn="ctr"/>
-              <a:r>
-                <a:rPr lang="en-AU" sz="1050" dirty="0">
-                  <a:latin typeface="Consolas" panose="020B0609020204030204" pitchFamily="49" charset="0"/>
-                  <a:ea typeface="Yu Gothic" panose="020B0400000000000000" pitchFamily="34" charset="-128"/>
-                </a:rPr>
-                <a:t>Read Signal</a:t>
-              </a:r>
+              <a:endParaRPr lang="en-AU"/>
             </a:p>
           </p:txBody>
         </p:sp>
-      </p:grpSp>
-      <p:grpSp>
-        <p:nvGrpSpPr>
-          <p:cNvPr id="221" name="Group 220">
-            <a:extLst>
-              <a:ext uri="{FF2B5EF4-FFF2-40B4-BE49-F238E27FC236}">
-                <a16:creationId xmlns:a16="http://schemas.microsoft.com/office/drawing/2014/main" id="{739690BC-CF68-47F2-9A81-E7BAEF6B8F09}"/>
-              </a:ext>
-            </a:extLst>
-          </p:cNvPr>
-          <p:cNvGrpSpPr/>
-          <p:nvPr/>
-        </p:nvGrpSpPr>
-        <p:grpSpPr>
-          <a:xfrm>
-            <a:off x="7743380" y="3008872"/>
-            <a:ext cx="1262618" cy="1890922"/>
-            <a:chOff x="7743380" y="4063308"/>
-            <a:chExt cx="1262618" cy="1890922"/>
-          </a:xfrm>
-        </p:grpSpPr>
         <p:sp>
           <p:nvSpPr>
-            <p:cNvPr id="30" name="Flowchart: Alternate Process 29">
+            <p:cNvPr id="60" name="Rectangle 59">
               <a:extLst>
                 <a:ext uri="{FF2B5EF4-FFF2-40B4-BE49-F238E27FC236}">
-                  <a16:creationId xmlns:a16="http://schemas.microsoft.com/office/drawing/2014/main" id="{69ECF706-1FDA-4E1A-8C85-67EDF63C6058}"/>
+                  <a16:creationId xmlns:a16="http://schemas.microsoft.com/office/drawing/2014/main" id="{D7D8C76A-6CC5-408F-AC7F-69E1B59F0784}"/>
                 </a:ext>
               </a:extLst>
             </p:cNvPr>
@@ -7153,298 +6655,817 @@
           </p:nvSpPr>
           <p:spPr>
             <a:xfrm>
-              <a:off x="7743380" y="4063308"/>
-              <a:ext cx="1262618" cy="836484"/>
+              <a:off x="2617054" y="5692625"/>
+              <a:ext cx="127908" cy="418240"/>
             </a:xfrm>
-            <a:prstGeom prst="flowChartAlternateProcess">
+            <a:prstGeom prst="rect">
               <a:avLst/>
             </a:prstGeom>
+            <a:noFill/>
             <a:ln>
-              <a:solidFill>
-                <a:schemeClr val="tx1"/>
-              </a:solidFill>
+              <a:noFill/>
             </a:ln>
           </p:spPr>
           <p:style>
             <a:lnRef idx="2">
-              <a:schemeClr val="dk1"/>
+              <a:schemeClr val="accent1">
+                <a:shade val="50000"/>
+              </a:schemeClr>
             </a:lnRef>
             <a:fillRef idx="1">
-              <a:schemeClr val="lt1"/>
+              <a:schemeClr val="accent1"/>
             </a:fillRef>
             <a:effectRef idx="0">
-              <a:schemeClr val="dk1"/>
+              <a:schemeClr val="accent1"/>
             </a:effectRef>
             <a:fontRef idx="minor">
-              <a:schemeClr val="dk1"/>
+              <a:schemeClr val="lt1"/>
             </a:fontRef>
           </p:style>
           <p:txBody>
-            <a:bodyPr rot="0" spcFirstLastPara="0" vertOverflow="overflow" horzOverflow="overflow" vert="horz" wrap="square" lIns="0" tIns="0" rIns="0" bIns="0" numCol="1" spcCol="0" rtlCol="0" fromWordArt="0" anchor="ctr" anchorCtr="0" forceAA="0" compatLnSpc="1">
-              <a:prstTxWarp prst="textNoShape">
-                <a:avLst/>
-              </a:prstTxWarp>
-              <a:noAutofit/>
-            </a:bodyPr>
+            <a:bodyPr rtlCol="0" anchor="ctr"/>
             <a:lstStyle/>
             <a:p>
               <a:pPr algn="ctr"/>
-              <a:r>
-                <a:rPr lang="en-AU" sz="1050" dirty="0">
-                  <a:latin typeface="Consolas" panose="020B0609020204030204" pitchFamily="49" charset="0"/>
-                  <a:ea typeface="Yu Gothic" panose="020B0400000000000000" pitchFamily="34" charset="-128"/>
-                </a:rPr>
-                <a:t>Parse readings into useable data</a:t>
-              </a:r>
+              <a:endParaRPr lang="en-AU"/>
             </a:p>
           </p:txBody>
         </p:sp>
-        <p:sp>
-          <p:nvSpPr>
-            <p:cNvPr id="143" name="Flowchart: Alternate Process 142">
+        <p:cxnSp>
+          <p:nvCxnSpPr>
+            <p:cNvPr id="43" name="Straight Arrow Connector 42">
               <a:extLst>
                 <a:ext uri="{FF2B5EF4-FFF2-40B4-BE49-F238E27FC236}">
-                  <a16:creationId xmlns:a16="http://schemas.microsoft.com/office/drawing/2014/main" id="{5EE8BAA9-0AB9-4D7E-B5B4-44B8316F3839}"/>
+                  <a16:creationId xmlns:a16="http://schemas.microsoft.com/office/drawing/2014/main" id="{E35A7958-0784-4046-80BE-40798ACA78E8}"/>
                 </a:ext>
               </a:extLst>
             </p:cNvPr>
-            <p:cNvSpPr/>
+            <p:cNvCxnSpPr>
+              <a:cxnSpLocks/>
+              <a:stCxn id="17" idx="3"/>
+              <a:endCxn id="18" idx="1"/>
+            </p:cNvCxnSpPr>
             <p:nvPr/>
-          </p:nvSpPr>
+          </p:nvCxnSpPr>
           <p:spPr>
             <a:xfrm>
-              <a:off x="7743380" y="5117746"/>
-              <a:ext cx="1262618" cy="836484"/>
+              <a:off x="3066398" y="5535988"/>
+              <a:ext cx="415990" cy="0"/>
             </a:xfrm>
-            <a:prstGeom prst="flowChartAlternateProcess">
+            <a:prstGeom prst="straightConnector1">
               <a:avLst/>
             </a:prstGeom>
-            <a:ln>
+            <a:ln w="19050">
               <a:solidFill>
                 <a:schemeClr val="tx1"/>
               </a:solidFill>
+              <a:tailEnd type="triangle"/>
             </a:ln>
           </p:spPr>
           <p:style>
-            <a:lnRef idx="2">
-              <a:schemeClr val="dk1"/>
+            <a:lnRef idx="3">
+              <a:schemeClr val="accent4"/>
             </a:lnRef>
-            <a:fillRef idx="1">
-              <a:schemeClr val="lt1"/>
+            <a:fillRef idx="0">
+              <a:schemeClr val="accent4"/>
             </a:fillRef>
-            <a:effectRef idx="0">
-              <a:schemeClr val="dk1"/>
+            <a:effectRef idx="2">
+              <a:schemeClr val="accent4"/>
             </a:effectRef>
             <a:fontRef idx="minor">
-              <a:schemeClr val="dk1"/>
+              <a:schemeClr val="tx1"/>
             </a:fontRef>
           </p:style>
-          <p:txBody>
-            <a:bodyPr rot="0" spcFirstLastPara="0" vertOverflow="overflow" horzOverflow="overflow" vert="horz" wrap="square" lIns="0" tIns="0" rIns="0" bIns="0" numCol="1" spcCol="0" rtlCol="0" fromWordArt="0" anchor="ctr" anchorCtr="0" forceAA="0" compatLnSpc="1">
-              <a:prstTxWarp prst="textNoShape">
+        </p:cxnSp>
+        <p:cxnSp>
+          <p:nvCxnSpPr>
+            <p:cNvPr id="46" name="Straight Arrow Connector 45">
+              <a:extLst>
+                <a:ext uri="{FF2B5EF4-FFF2-40B4-BE49-F238E27FC236}">
+                  <a16:creationId xmlns:a16="http://schemas.microsoft.com/office/drawing/2014/main" id="{6DBD670E-EA2A-451E-850F-2ED7281F70E1}"/>
+                </a:ext>
+              </a:extLst>
+            </p:cNvPr>
+            <p:cNvCxnSpPr>
+              <a:cxnSpLocks/>
+              <a:stCxn id="18" idx="3"/>
+              <a:endCxn id="19" idx="1"/>
+            </p:cNvCxnSpPr>
+            <p:nvPr/>
+          </p:nvCxnSpPr>
+          <p:spPr>
+            <a:xfrm>
+              <a:off x="4745006" y="5535988"/>
+              <a:ext cx="415990" cy="0"/>
+            </a:xfrm>
+            <a:prstGeom prst="straightConnector1">
+              <a:avLst/>
+            </a:prstGeom>
+            <a:ln w="19050">
+              <a:solidFill>
+                <a:schemeClr val="tx1"/>
+              </a:solidFill>
+              <a:tailEnd type="triangle"/>
+            </a:ln>
+          </p:spPr>
+          <p:style>
+            <a:lnRef idx="3">
+              <a:schemeClr val="accent4"/>
+            </a:lnRef>
+            <a:fillRef idx="0">
+              <a:schemeClr val="accent4"/>
+            </a:fillRef>
+            <a:effectRef idx="2">
+              <a:schemeClr val="accent4"/>
+            </a:effectRef>
+            <a:fontRef idx="minor">
+              <a:schemeClr val="tx1"/>
+            </a:fontRef>
+          </p:style>
+        </p:cxnSp>
+        <p:cxnSp>
+          <p:nvCxnSpPr>
+            <p:cNvPr id="90" name="Straight Arrow Connector 89">
+              <a:extLst>
+                <a:ext uri="{FF2B5EF4-FFF2-40B4-BE49-F238E27FC236}">
+                  <a16:creationId xmlns:a16="http://schemas.microsoft.com/office/drawing/2014/main" id="{60861DB6-7D6D-4711-BCCF-E83EC7481698}"/>
+                </a:ext>
+              </a:extLst>
+            </p:cNvPr>
+            <p:cNvCxnSpPr>
+              <a:cxnSpLocks/>
+              <a:stCxn id="19" idx="3"/>
+              <a:endCxn id="86" idx="1"/>
+            </p:cNvCxnSpPr>
+            <p:nvPr/>
+          </p:nvCxnSpPr>
+          <p:spPr>
+            <a:xfrm>
+              <a:off x="6423614" y="5535988"/>
+              <a:ext cx="415989" cy="0"/>
+            </a:xfrm>
+            <a:prstGeom prst="straightConnector1">
+              <a:avLst/>
+            </a:prstGeom>
+            <a:ln w="19050">
+              <a:solidFill>
+                <a:schemeClr val="tx1"/>
+              </a:solidFill>
+              <a:tailEnd type="triangle"/>
+            </a:ln>
+          </p:spPr>
+          <p:style>
+            <a:lnRef idx="3">
+              <a:schemeClr val="accent4"/>
+            </a:lnRef>
+            <a:fillRef idx="0">
+              <a:schemeClr val="accent4"/>
+            </a:fillRef>
+            <a:effectRef idx="2">
+              <a:schemeClr val="accent4"/>
+            </a:effectRef>
+            <a:fontRef idx="minor">
+              <a:schemeClr val="tx1"/>
+            </a:fontRef>
+          </p:style>
+        </p:cxnSp>
+        <p:cxnSp>
+          <p:nvCxnSpPr>
+            <p:cNvPr id="113" name="Connector: Elbow 112">
+              <a:extLst>
+                <a:ext uri="{FF2B5EF4-FFF2-40B4-BE49-F238E27FC236}">
+                  <a16:creationId xmlns:a16="http://schemas.microsoft.com/office/drawing/2014/main" id="{9471340E-EC2C-4658-9D26-0C3E15A1296E}"/>
+                </a:ext>
+              </a:extLst>
+            </p:cNvPr>
+            <p:cNvCxnSpPr>
+              <a:cxnSpLocks/>
+              <a:stCxn id="124" idx="3"/>
+              <a:endCxn id="18" idx="0"/>
+            </p:cNvCxnSpPr>
+            <p:nvPr/>
+          </p:nvCxnSpPr>
+          <p:spPr>
+            <a:xfrm rot="5400000">
+              <a:off x="4345303" y="4668185"/>
+              <a:ext cx="217956" cy="681167"/>
+            </a:xfrm>
+            <a:prstGeom prst="bentConnector3">
+              <a:avLst>
+                <a:gd name="adj1" fmla="val 50000"/>
+              </a:avLst>
+            </a:prstGeom>
+            <a:ln w="19050">
+              <a:solidFill>
+                <a:schemeClr val="tx1"/>
+              </a:solidFill>
+              <a:headEnd type="triangle" w="med" len="med"/>
+              <a:tailEnd type="none" w="med" len="med"/>
+            </a:ln>
+          </p:spPr>
+          <p:style>
+            <a:lnRef idx="3">
+              <a:schemeClr val="accent4"/>
+            </a:lnRef>
+            <a:fillRef idx="0">
+              <a:schemeClr val="accent4"/>
+            </a:fillRef>
+            <a:effectRef idx="2">
+              <a:schemeClr val="accent4"/>
+            </a:effectRef>
+            <a:fontRef idx="minor">
+              <a:schemeClr val="tx1"/>
+            </a:fontRef>
+          </p:style>
+        </p:cxnSp>
+        <p:grpSp>
+          <p:nvGrpSpPr>
+            <p:cNvPr id="243" name="Group 242">
+              <a:extLst>
+                <a:ext uri="{FF2B5EF4-FFF2-40B4-BE49-F238E27FC236}">
+                  <a16:creationId xmlns:a16="http://schemas.microsoft.com/office/drawing/2014/main" id="{2DED509C-61DE-4BD3-8180-306CE6B2DBBB}"/>
+                </a:ext>
+              </a:extLst>
+            </p:cNvPr>
+            <p:cNvGrpSpPr/>
+            <p:nvPr/>
+          </p:nvGrpSpPr>
+          <p:grpSpPr>
+            <a:xfrm>
+              <a:off x="1803780" y="5117746"/>
+              <a:ext cx="6298441" cy="836484"/>
+              <a:chOff x="1763424" y="5117746"/>
+              <a:chExt cx="6298441" cy="836484"/>
+            </a:xfrm>
+          </p:grpSpPr>
+          <p:sp>
+            <p:nvSpPr>
+              <p:cNvPr id="17" name="Flowchart: Alternate Process 16">
+                <a:extLst>
+                  <a:ext uri="{FF2B5EF4-FFF2-40B4-BE49-F238E27FC236}">
+                    <a16:creationId xmlns:a16="http://schemas.microsoft.com/office/drawing/2014/main" id="{D6880F27-7869-44F4-BA18-C658D30CC6F6}"/>
+                  </a:ext>
+                </a:extLst>
+              </p:cNvPr>
+              <p:cNvSpPr/>
+              <p:nvPr/>
+            </p:nvSpPr>
+            <p:spPr>
+              <a:xfrm>
+                <a:off x="1763424" y="5117746"/>
+                <a:ext cx="1262618" cy="836484"/>
+              </a:xfrm>
+              <a:prstGeom prst="flowChartAlternateProcess">
                 <a:avLst/>
-              </a:prstTxWarp>
-              <a:noAutofit/>
-            </a:bodyPr>
-            <a:lstStyle/>
-            <a:p>
-              <a:pPr algn="ctr"/>
-              <a:r>
-                <a:rPr lang="en-AU" sz="1050" dirty="0">
-                  <a:latin typeface="Consolas" panose="020B0609020204030204" pitchFamily="49" charset="0"/>
-                  <a:ea typeface="Yu Gothic" panose="020B0400000000000000" pitchFamily="34" charset="-128"/>
-                </a:rPr>
-                <a:t>Map from ADC readings to meters</a:t>
-              </a:r>
-            </a:p>
-          </p:txBody>
-        </p:sp>
+              </a:prstGeom>
+              <a:ln>
+                <a:solidFill>
+                  <a:schemeClr val="tx1"/>
+                </a:solidFill>
+              </a:ln>
+            </p:spPr>
+            <p:style>
+              <a:lnRef idx="2">
+                <a:schemeClr val="dk1"/>
+              </a:lnRef>
+              <a:fillRef idx="1">
+                <a:schemeClr val="lt1"/>
+              </a:fillRef>
+              <a:effectRef idx="0">
+                <a:schemeClr val="dk1"/>
+              </a:effectRef>
+              <a:fontRef idx="minor">
+                <a:schemeClr val="dk1"/>
+              </a:fontRef>
+            </p:style>
+            <p:txBody>
+              <a:bodyPr rot="0" spcFirstLastPara="0" vertOverflow="overflow" horzOverflow="overflow" vert="horz" wrap="square" lIns="0" tIns="0" rIns="0" bIns="0" numCol="1" spcCol="0" rtlCol="0" fromWordArt="0" anchor="ctr" anchorCtr="0" forceAA="0" compatLnSpc="1">
+                <a:prstTxWarp prst="textNoShape">
+                  <a:avLst/>
+                </a:prstTxWarp>
+                <a:noAutofit/>
+              </a:bodyPr>
+              <a:lstStyle/>
+              <a:p>
+                <a:pPr algn="ctr"/>
+                <a:r>
+                  <a:rPr lang="en-AU" sz="1050" dirty="0">
+                    <a:latin typeface="Consolas" panose="020B0609020204030204" pitchFamily="49" charset="0"/>
+                    <a:ea typeface="Yu Gothic" panose="020B0400000000000000" pitchFamily="34" charset="-128"/>
+                  </a:rPr>
+                  <a:t>Detect Signal</a:t>
+                </a:r>
+              </a:p>
+            </p:txBody>
+          </p:sp>
+          <p:sp>
+            <p:nvSpPr>
+              <p:cNvPr id="18" name="Flowchart: Alternate Process 17">
+                <a:extLst>
+                  <a:ext uri="{FF2B5EF4-FFF2-40B4-BE49-F238E27FC236}">
+                    <a16:creationId xmlns:a16="http://schemas.microsoft.com/office/drawing/2014/main" id="{507FB19F-0FFD-483C-9DDF-3FDD57B3763C}"/>
+                  </a:ext>
+                </a:extLst>
+              </p:cNvPr>
+              <p:cNvSpPr/>
+              <p:nvPr/>
+            </p:nvSpPr>
+            <p:spPr>
+              <a:xfrm>
+                <a:off x="3442032" y="5117746"/>
+                <a:ext cx="1262618" cy="836484"/>
+              </a:xfrm>
+              <a:prstGeom prst="flowChartAlternateProcess">
+                <a:avLst/>
+              </a:prstGeom>
+              <a:ln>
+                <a:solidFill>
+                  <a:schemeClr val="tx1"/>
+                </a:solidFill>
+              </a:ln>
+            </p:spPr>
+            <p:style>
+              <a:lnRef idx="2">
+                <a:schemeClr val="dk1"/>
+              </a:lnRef>
+              <a:fillRef idx="1">
+                <a:schemeClr val="lt1"/>
+              </a:fillRef>
+              <a:effectRef idx="0">
+                <a:schemeClr val="dk1"/>
+              </a:effectRef>
+              <a:fontRef idx="minor">
+                <a:schemeClr val="dk1"/>
+              </a:fontRef>
+            </p:style>
+            <p:txBody>
+              <a:bodyPr rot="0" spcFirstLastPara="0" vertOverflow="overflow" horzOverflow="overflow" vert="horz" wrap="square" lIns="0" tIns="0" rIns="0" bIns="0" numCol="1" spcCol="0" rtlCol="0" fromWordArt="0" anchor="ctr" anchorCtr="0" forceAA="0" compatLnSpc="1">
+                <a:prstTxWarp prst="textNoShape">
+                  <a:avLst/>
+                </a:prstTxWarp>
+                <a:noAutofit/>
+              </a:bodyPr>
+              <a:lstStyle/>
+              <a:p>
+                <a:pPr algn="ctr"/>
+                <a:r>
+                  <a:rPr lang="en-AU" sz="1050" dirty="0">
+                    <a:latin typeface="Consolas" panose="020B0609020204030204" pitchFamily="49" charset="0"/>
+                    <a:ea typeface="Yu Gothic" panose="020B0400000000000000" pitchFamily="34" charset="-128"/>
+                  </a:rPr>
+                  <a:t>Remove Noise</a:t>
+                </a:r>
+              </a:p>
+            </p:txBody>
+          </p:sp>
+          <p:sp>
+            <p:nvSpPr>
+              <p:cNvPr id="19" name="Flowchart: Alternate Process 18">
+                <a:extLst>
+                  <a:ext uri="{FF2B5EF4-FFF2-40B4-BE49-F238E27FC236}">
+                    <a16:creationId xmlns:a16="http://schemas.microsoft.com/office/drawing/2014/main" id="{3217BC8F-77B9-4DBD-AD64-60D7FAAF745C}"/>
+                  </a:ext>
+                </a:extLst>
+              </p:cNvPr>
+              <p:cNvSpPr/>
+              <p:nvPr/>
+            </p:nvSpPr>
+            <p:spPr>
+              <a:xfrm>
+                <a:off x="5120640" y="5117746"/>
+                <a:ext cx="1262618" cy="836484"/>
+              </a:xfrm>
+              <a:prstGeom prst="flowChartAlternateProcess">
+                <a:avLst/>
+              </a:prstGeom>
+              <a:ln>
+                <a:solidFill>
+                  <a:schemeClr val="tx1"/>
+                </a:solidFill>
+              </a:ln>
+            </p:spPr>
+            <p:style>
+              <a:lnRef idx="2">
+                <a:schemeClr val="dk1"/>
+              </a:lnRef>
+              <a:fillRef idx="1">
+                <a:schemeClr val="lt1"/>
+              </a:fillRef>
+              <a:effectRef idx="0">
+                <a:schemeClr val="dk1"/>
+              </a:effectRef>
+              <a:fontRef idx="minor">
+                <a:schemeClr val="dk1"/>
+              </a:fontRef>
+            </p:style>
+            <p:txBody>
+              <a:bodyPr rot="0" spcFirstLastPara="0" vertOverflow="overflow" horzOverflow="overflow" vert="horz" wrap="square" lIns="0" tIns="0" rIns="0" bIns="0" numCol="1" spcCol="0" rtlCol="0" fromWordArt="0" anchor="ctr" anchorCtr="0" forceAA="0" compatLnSpc="1">
+                <a:prstTxWarp prst="textNoShape">
+                  <a:avLst/>
+                </a:prstTxWarp>
+                <a:noAutofit/>
+              </a:bodyPr>
+              <a:lstStyle/>
+              <a:p>
+                <a:pPr algn="ctr"/>
+                <a:r>
+                  <a:rPr lang="en-AU" sz="1050" dirty="0">
+                    <a:latin typeface="Consolas" panose="020B0609020204030204" pitchFamily="49" charset="0"/>
+                    <a:ea typeface="Yu Gothic" panose="020B0400000000000000" pitchFamily="34" charset="-128"/>
+                  </a:rPr>
+                  <a:t>Apply Sufficient Amplification</a:t>
+                </a:r>
+              </a:p>
+            </p:txBody>
+          </p:sp>
+          <p:sp>
+            <p:nvSpPr>
+              <p:cNvPr id="86" name="Flowchart: Alternate Process 85">
+                <a:extLst>
+                  <a:ext uri="{FF2B5EF4-FFF2-40B4-BE49-F238E27FC236}">
+                    <a16:creationId xmlns:a16="http://schemas.microsoft.com/office/drawing/2014/main" id="{484A4846-31D9-46DC-A34A-EE6B8EDF80BE}"/>
+                  </a:ext>
+                </a:extLst>
+              </p:cNvPr>
+              <p:cNvSpPr/>
+              <p:nvPr/>
+            </p:nvSpPr>
+            <p:spPr>
+              <a:xfrm>
+                <a:off x="6799247" y="5117746"/>
+                <a:ext cx="1262618" cy="836484"/>
+              </a:xfrm>
+              <a:prstGeom prst="flowChartAlternateProcess">
+                <a:avLst/>
+              </a:prstGeom>
+              <a:ln>
+                <a:solidFill>
+                  <a:schemeClr val="tx1"/>
+                </a:solidFill>
+              </a:ln>
+            </p:spPr>
+            <p:style>
+              <a:lnRef idx="2">
+                <a:schemeClr val="dk1"/>
+              </a:lnRef>
+              <a:fillRef idx="1">
+                <a:schemeClr val="lt1"/>
+              </a:fillRef>
+              <a:effectRef idx="0">
+                <a:schemeClr val="dk1"/>
+              </a:effectRef>
+              <a:fontRef idx="minor">
+                <a:schemeClr val="dk1"/>
+              </a:fontRef>
+            </p:style>
+            <p:txBody>
+              <a:bodyPr rot="0" spcFirstLastPara="0" vertOverflow="overflow" horzOverflow="overflow" vert="horz" wrap="square" lIns="0" tIns="0" rIns="0" bIns="0" numCol="1" spcCol="0" rtlCol="0" fromWordArt="0" anchor="ctr" anchorCtr="0" forceAA="0" compatLnSpc="1">
+                <a:prstTxWarp prst="textNoShape">
+                  <a:avLst/>
+                </a:prstTxWarp>
+                <a:noAutofit/>
+              </a:bodyPr>
+              <a:lstStyle/>
+              <a:p>
+                <a:pPr algn="ctr"/>
+                <a:r>
+                  <a:rPr lang="en-AU" sz="1050" dirty="0">
+                    <a:latin typeface="Consolas" panose="020B0609020204030204" pitchFamily="49" charset="0"/>
+                    <a:ea typeface="Yu Gothic" panose="020B0400000000000000" pitchFamily="34" charset="-128"/>
+                  </a:rPr>
+                  <a:t>Read Signal</a:t>
+                </a:r>
+              </a:p>
+            </p:txBody>
+          </p:sp>
+        </p:grpSp>
+        <p:grpSp>
+          <p:nvGrpSpPr>
+            <p:cNvPr id="221" name="Group 220">
+              <a:extLst>
+                <a:ext uri="{FF2B5EF4-FFF2-40B4-BE49-F238E27FC236}">
+                  <a16:creationId xmlns:a16="http://schemas.microsoft.com/office/drawing/2014/main" id="{739690BC-CF68-47F2-9A81-E7BAEF6B8F09}"/>
+                </a:ext>
+              </a:extLst>
+            </p:cNvPr>
+            <p:cNvGrpSpPr/>
+            <p:nvPr/>
+          </p:nvGrpSpPr>
+          <p:grpSpPr>
+            <a:xfrm>
+              <a:off x="7743380" y="3008872"/>
+              <a:ext cx="1262618" cy="1890922"/>
+              <a:chOff x="7743380" y="4063308"/>
+              <a:chExt cx="1262618" cy="1890922"/>
+            </a:xfrm>
+          </p:grpSpPr>
+          <p:sp>
+            <p:nvSpPr>
+              <p:cNvPr id="30" name="Flowchart: Alternate Process 29">
+                <a:extLst>
+                  <a:ext uri="{FF2B5EF4-FFF2-40B4-BE49-F238E27FC236}">
+                    <a16:creationId xmlns:a16="http://schemas.microsoft.com/office/drawing/2014/main" id="{69ECF706-1FDA-4E1A-8C85-67EDF63C6058}"/>
+                  </a:ext>
+                </a:extLst>
+              </p:cNvPr>
+              <p:cNvSpPr/>
+              <p:nvPr/>
+            </p:nvSpPr>
+            <p:spPr>
+              <a:xfrm>
+                <a:off x="7743380" y="4063308"/>
+                <a:ext cx="1262618" cy="836484"/>
+              </a:xfrm>
+              <a:prstGeom prst="flowChartAlternateProcess">
+                <a:avLst/>
+              </a:prstGeom>
+              <a:ln>
+                <a:solidFill>
+                  <a:schemeClr val="tx1"/>
+                </a:solidFill>
+              </a:ln>
+            </p:spPr>
+            <p:style>
+              <a:lnRef idx="2">
+                <a:schemeClr val="dk1"/>
+              </a:lnRef>
+              <a:fillRef idx="1">
+                <a:schemeClr val="lt1"/>
+              </a:fillRef>
+              <a:effectRef idx="0">
+                <a:schemeClr val="dk1"/>
+              </a:effectRef>
+              <a:fontRef idx="minor">
+                <a:schemeClr val="dk1"/>
+              </a:fontRef>
+            </p:style>
+            <p:txBody>
+              <a:bodyPr rot="0" spcFirstLastPara="0" vertOverflow="overflow" horzOverflow="overflow" vert="horz" wrap="square" lIns="0" tIns="0" rIns="0" bIns="0" numCol="1" spcCol="0" rtlCol="0" fromWordArt="0" anchor="ctr" anchorCtr="0" forceAA="0" compatLnSpc="1">
+                <a:prstTxWarp prst="textNoShape">
+                  <a:avLst/>
+                </a:prstTxWarp>
+                <a:noAutofit/>
+              </a:bodyPr>
+              <a:lstStyle/>
+              <a:p>
+                <a:pPr algn="ctr"/>
+                <a:r>
+                  <a:rPr lang="en-AU" sz="1050" dirty="0">
+                    <a:latin typeface="Consolas" panose="020B0609020204030204" pitchFamily="49" charset="0"/>
+                    <a:ea typeface="Yu Gothic" panose="020B0400000000000000" pitchFamily="34" charset="-128"/>
+                  </a:rPr>
+                  <a:t>Parse readings into useable data</a:t>
+                </a:r>
+              </a:p>
+            </p:txBody>
+          </p:sp>
+          <p:sp>
+            <p:nvSpPr>
+              <p:cNvPr id="143" name="Flowchart: Alternate Process 142">
+                <a:extLst>
+                  <a:ext uri="{FF2B5EF4-FFF2-40B4-BE49-F238E27FC236}">
+                    <a16:creationId xmlns:a16="http://schemas.microsoft.com/office/drawing/2014/main" id="{5EE8BAA9-0AB9-4D7E-B5B4-44B8316F3839}"/>
+                  </a:ext>
+                </a:extLst>
+              </p:cNvPr>
+              <p:cNvSpPr/>
+              <p:nvPr/>
+            </p:nvSpPr>
+            <p:spPr>
+              <a:xfrm>
+                <a:off x="7743380" y="5117746"/>
+                <a:ext cx="1262618" cy="836484"/>
+              </a:xfrm>
+              <a:prstGeom prst="flowChartAlternateProcess">
+                <a:avLst/>
+              </a:prstGeom>
+              <a:ln>
+                <a:solidFill>
+                  <a:schemeClr val="tx1"/>
+                </a:solidFill>
+              </a:ln>
+            </p:spPr>
+            <p:style>
+              <a:lnRef idx="2">
+                <a:schemeClr val="dk1"/>
+              </a:lnRef>
+              <a:fillRef idx="1">
+                <a:schemeClr val="lt1"/>
+              </a:fillRef>
+              <a:effectRef idx="0">
+                <a:schemeClr val="dk1"/>
+              </a:effectRef>
+              <a:fontRef idx="minor">
+                <a:schemeClr val="dk1"/>
+              </a:fontRef>
+            </p:style>
+            <p:txBody>
+              <a:bodyPr rot="0" spcFirstLastPara="0" vertOverflow="overflow" horzOverflow="overflow" vert="horz" wrap="square" lIns="0" tIns="0" rIns="0" bIns="0" numCol="1" spcCol="0" rtlCol="0" fromWordArt="0" anchor="ctr" anchorCtr="0" forceAA="0" compatLnSpc="1">
+                <a:prstTxWarp prst="textNoShape">
+                  <a:avLst/>
+                </a:prstTxWarp>
+                <a:noAutofit/>
+              </a:bodyPr>
+              <a:lstStyle/>
+              <a:p>
+                <a:pPr algn="ctr"/>
+                <a:r>
+                  <a:rPr lang="en-AU" sz="1050" dirty="0">
+                    <a:latin typeface="Consolas" panose="020B0609020204030204" pitchFamily="49" charset="0"/>
+                    <a:ea typeface="Yu Gothic" panose="020B0400000000000000" pitchFamily="34" charset="-128"/>
+                  </a:rPr>
+                  <a:t>Map from ADC readings to meters</a:t>
+                </a:r>
+              </a:p>
+            </p:txBody>
+          </p:sp>
+        </p:grpSp>
+        <p:cxnSp>
+          <p:nvCxnSpPr>
+            <p:cNvPr id="169" name="Straight Arrow Connector 168">
+              <a:extLst>
+                <a:ext uri="{FF2B5EF4-FFF2-40B4-BE49-F238E27FC236}">
+                  <a16:creationId xmlns:a16="http://schemas.microsoft.com/office/drawing/2014/main" id="{6D128C6B-9955-4001-86C9-79102CA0F7F0}"/>
+                </a:ext>
+              </a:extLst>
+            </p:cNvPr>
+            <p:cNvCxnSpPr>
+              <a:cxnSpLocks/>
+              <a:stCxn id="143" idx="0"/>
+              <a:endCxn id="30" idx="2"/>
+            </p:cNvCxnSpPr>
+            <p:nvPr/>
+          </p:nvCxnSpPr>
+          <p:spPr>
+            <a:xfrm flipV="1">
+              <a:off x="8374689" y="3845356"/>
+              <a:ext cx="0" cy="217954"/>
+            </a:xfrm>
+            <a:prstGeom prst="straightConnector1">
+              <a:avLst/>
+            </a:prstGeom>
+            <a:ln w="19050">
+              <a:solidFill>
+                <a:schemeClr val="tx1"/>
+              </a:solidFill>
+              <a:tailEnd type="triangle"/>
+            </a:ln>
+          </p:spPr>
+          <p:style>
+            <a:lnRef idx="3">
+              <a:schemeClr val="accent4"/>
+            </a:lnRef>
+            <a:fillRef idx="0">
+              <a:schemeClr val="accent4"/>
+            </a:fillRef>
+            <a:effectRef idx="2">
+              <a:schemeClr val="accent4"/>
+            </a:effectRef>
+            <a:fontRef idx="minor">
+              <a:schemeClr val="tx1"/>
+            </a:fontRef>
+          </p:style>
+        </p:cxnSp>
+        <p:cxnSp>
+          <p:nvCxnSpPr>
+            <p:cNvPr id="223" name="Straight Arrow Connector 222">
+              <a:extLst>
+                <a:ext uri="{FF2B5EF4-FFF2-40B4-BE49-F238E27FC236}">
+                  <a16:creationId xmlns:a16="http://schemas.microsoft.com/office/drawing/2014/main" id="{A19DCC99-8431-4386-8813-1037B5401878}"/>
+                </a:ext>
+              </a:extLst>
+            </p:cNvPr>
+            <p:cNvCxnSpPr>
+              <a:cxnSpLocks/>
+              <a:stCxn id="30" idx="1"/>
+              <a:endCxn id="38" idx="3"/>
+            </p:cNvCxnSpPr>
+            <p:nvPr/>
+          </p:nvCxnSpPr>
+          <p:spPr>
+            <a:xfrm flipH="1">
+              <a:off x="5584309" y="3427114"/>
+              <a:ext cx="2159071" cy="0"/>
+            </a:xfrm>
+            <a:prstGeom prst="straightConnector1">
+              <a:avLst/>
+            </a:prstGeom>
+            <a:ln w="19050">
+              <a:solidFill>
+                <a:schemeClr val="tx1"/>
+              </a:solidFill>
+              <a:tailEnd type="triangle"/>
+            </a:ln>
+          </p:spPr>
+          <p:style>
+            <a:lnRef idx="3">
+              <a:schemeClr val="accent4"/>
+            </a:lnRef>
+            <a:fillRef idx="0">
+              <a:schemeClr val="accent4"/>
+            </a:fillRef>
+            <a:effectRef idx="2">
+              <a:schemeClr val="accent4"/>
+            </a:effectRef>
+            <a:fontRef idx="minor">
+              <a:schemeClr val="tx1"/>
+            </a:fontRef>
+          </p:style>
+        </p:cxnSp>
+        <p:cxnSp>
+          <p:nvCxnSpPr>
+            <p:cNvPr id="224" name="Straight Arrow Connector 223">
+              <a:extLst>
+                <a:ext uri="{FF2B5EF4-FFF2-40B4-BE49-F238E27FC236}">
+                  <a16:creationId xmlns:a16="http://schemas.microsoft.com/office/drawing/2014/main" id="{3B9B0590-AC4B-4E44-B224-2022D9E7D274}"/>
+                </a:ext>
+              </a:extLst>
+            </p:cNvPr>
+            <p:cNvCxnSpPr>
+              <a:cxnSpLocks/>
+              <a:stCxn id="24" idx="3"/>
+              <a:endCxn id="38" idx="1"/>
+            </p:cNvCxnSpPr>
+            <p:nvPr/>
+          </p:nvCxnSpPr>
+          <p:spPr>
+            <a:xfrm>
+              <a:off x="3059073" y="3427114"/>
+              <a:ext cx="1262618" cy="0"/>
+            </a:xfrm>
+            <a:prstGeom prst="straightConnector1">
+              <a:avLst/>
+            </a:prstGeom>
+            <a:ln w="19050">
+              <a:solidFill>
+                <a:schemeClr val="tx1"/>
+              </a:solidFill>
+              <a:tailEnd type="triangle"/>
+            </a:ln>
+          </p:spPr>
+          <p:style>
+            <a:lnRef idx="3">
+              <a:schemeClr val="accent4"/>
+            </a:lnRef>
+            <a:fillRef idx="0">
+              <a:schemeClr val="accent4"/>
+            </a:fillRef>
+            <a:effectRef idx="2">
+              <a:schemeClr val="accent4"/>
+            </a:effectRef>
+            <a:fontRef idx="minor">
+              <a:schemeClr val="tx1"/>
+            </a:fontRef>
+          </p:style>
+        </p:cxnSp>
+        <p:cxnSp>
+          <p:nvCxnSpPr>
+            <p:cNvPr id="230" name="Straight Arrow Connector 229">
+              <a:extLst>
+                <a:ext uri="{FF2B5EF4-FFF2-40B4-BE49-F238E27FC236}">
+                  <a16:creationId xmlns:a16="http://schemas.microsoft.com/office/drawing/2014/main" id="{29C0B52E-5589-47BF-8FDF-DB9B3E5FC9AC}"/>
+                </a:ext>
+              </a:extLst>
+            </p:cNvPr>
+            <p:cNvCxnSpPr>
+              <a:cxnSpLocks/>
+              <a:stCxn id="38" idx="2"/>
+              <a:endCxn id="29" idx="0"/>
+            </p:cNvCxnSpPr>
+            <p:nvPr/>
+          </p:nvCxnSpPr>
+          <p:spPr>
+            <a:xfrm>
+              <a:off x="4953000" y="3845356"/>
+              <a:ext cx="0" cy="217952"/>
+            </a:xfrm>
+            <a:prstGeom prst="straightConnector1">
+              <a:avLst/>
+            </a:prstGeom>
+            <a:ln w="19050">
+              <a:solidFill>
+                <a:schemeClr val="tx1"/>
+              </a:solidFill>
+              <a:headEnd type="triangle" w="med" len="med"/>
+              <a:tailEnd type="none" w="med" len="med"/>
+            </a:ln>
+          </p:spPr>
+          <p:style>
+            <a:lnRef idx="3">
+              <a:schemeClr val="accent4"/>
+            </a:lnRef>
+            <a:fillRef idx="0">
+              <a:schemeClr val="accent4"/>
+            </a:fillRef>
+            <a:effectRef idx="2">
+              <a:schemeClr val="accent4"/>
+            </a:effectRef>
+            <a:fontRef idx="minor">
+              <a:schemeClr val="tx1"/>
+            </a:fontRef>
+          </p:style>
+        </p:cxnSp>
       </p:grpSp>
-      <p:cxnSp>
-        <p:nvCxnSpPr>
-          <p:cNvPr id="169" name="Straight Arrow Connector 168">
-            <a:extLst>
-              <a:ext uri="{FF2B5EF4-FFF2-40B4-BE49-F238E27FC236}">
-                <a16:creationId xmlns:a16="http://schemas.microsoft.com/office/drawing/2014/main" id="{6D128C6B-9955-4001-86C9-79102CA0F7F0}"/>
-              </a:ext>
-            </a:extLst>
-          </p:cNvPr>
-          <p:cNvCxnSpPr>
-            <a:cxnSpLocks/>
-            <a:stCxn id="143" idx="0"/>
-            <a:endCxn id="30" idx="2"/>
-          </p:cNvCxnSpPr>
-          <p:nvPr/>
-        </p:nvCxnSpPr>
-        <p:spPr>
-          <a:xfrm flipV="1">
-            <a:off x="8374689" y="3845356"/>
-            <a:ext cx="0" cy="217954"/>
-          </a:xfrm>
-          <a:prstGeom prst="straightConnector1">
-            <a:avLst/>
-          </a:prstGeom>
-          <a:ln w="19050">
-            <a:solidFill>
-              <a:schemeClr val="tx1"/>
-            </a:solidFill>
-            <a:tailEnd type="triangle"/>
-          </a:ln>
-        </p:spPr>
-        <p:style>
-          <a:lnRef idx="3">
-            <a:schemeClr val="accent4"/>
-          </a:lnRef>
-          <a:fillRef idx="0">
-            <a:schemeClr val="accent4"/>
-          </a:fillRef>
-          <a:effectRef idx="2">
-            <a:schemeClr val="accent4"/>
-          </a:effectRef>
-          <a:fontRef idx="minor">
-            <a:schemeClr val="tx1"/>
-          </a:fontRef>
-        </p:style>
-      </p:cxnSp>
-      <p:cxnSp>
-        <p:nvCxnSpPr>
-          <p:cNvPr id="223" name="Straight Arrow Connector 222">
-            <a:extLst>
-              <a:ext uri="{FF2B5EF4-FFF2-40B4-BE49-F238E27FC236}">
-                <a16:creationId xmlns:a16="http://schemas.microsoft.com/office/drawing/2014/main" id="{A19DCC99-8431-4386-8813-1037B5401878}"/>
-              </a:ext>
-            </a:extLst>
-          </p:cNvPr>
-          <p:cNvCxnSpPr>
-            <a:cxnSpLocks/>
-            <a:stCxn id="30" idx="1"/>
-            <a:endCxn id="38" idx="3"/>
-          </p:cNvCxnSpPr>
-          <p:nvPr/>
-        </p:nvCxnSpPr>
-        <p:spPr>
-          <a:xfrm flipH="1">
-            <a:off x="5584309" y="3427114"/>
-            <a:ext cx="2159071" cy="0"/>
-          </a:xfrm>
-          <a:prstGeom prst="straightConnector1">
-            <a:avLst/>
-          </a:prstGeom>
-          <a:ln w="19050">
-            <a:solidFill>
-              <a:schemeClr val="tx1"/>
-            </a:solidFill>
-            <a:tailEnd type="triangle"/>
-          </a:ln>
-        </p:spPr>
-        <p:style>
-          <a:lnRef idx="3">
-            <a:schemeClr val="accent4"/>
-          </a:lnRef>
-          <a:fillRef idx="0">
-            <a:schemeClr val="accent4"/>
-          </a:fillRef>
-          <a:effectRef idx="2">
-            <a:schemeClr val="accent4"/>
-          </a:effectRef>
-          <a:fontRef idx="minor">
-            <a:schemeClr val="tx1"/>
-          </a:fontRef>
-        </p:style>
-      </p:cxnSp>
-      <p:cxnSp>
-        <p:nvCxnSpPr>
-          <p:cNvPr id="224" name="Straight Arrow Connector 223">
-            <a:extLst>
-              <a:ext uri="{FF2B5EF4-FFF2-40B4-BE49-F238E27FC236}">
-                <a16:creationId xmlns:a16="http://schemas.microsoft.com/office/drawing/2014/main" id="{3B9B0590-AC4B-4E44-B224-2022D9E7D274}"/>
-              </a:ext>
-            </a:extLst>
-          </p:cNvPr>
-          <p:cNvCxnSpPr>
-            <a:cxnSpLocks/>
-            <a:stCxn id="24" idx="3"/>
-            <a:endCxn id="38" idx="1"/>
-          </p:cNvCxnSpPr>
-          <p:nvPr/>
-        </p:nvCxnSpPr>
-        <p:spPr>
-          <a:xfrm>
-            <a:off x="3059073" y="3427114"/>
-            <a:ext cx="1262618" cy="0"/>
-          </a:xfrm>
-          <a:prstGeom prst="straightConnector1">
-            <a:avLst/>
-          </a:prstGeom>
-          <a:ln w="19050">
-            <a:solidFill>
-              <a:schemeClr val="tx1"/>
-            </a:solidFill>
-            <a:tailEnd type="triangle"/>
-          </a:ln>
-        </p:spPr>
-        <p:style>
-          <a:lnRef idx="3">
-            <a:schemeClr val="accent4"/>
-          </a:lnRef>
-          <a:fillRef idx="0">
-            <a:schemeClr val="accent4"/>
-          </a:fillRef>
-          <a:effectRef idx="2">
-            <a:schemeClr val="accent4"/>
-          </a:effectRef>
-          <a:fontRef idx="minor">
-            <a:schemeClr val="tx1"/>
-          </a:fontRef>
-        </p:style>
-      </p:cxnSp>
-      <p:cxnSp>
-        <p:nvCxnSpPr>
-          <p:cNvPr id="230" name="Straight Arrow Connector 229">
-            <a:extLst>
-              <a:ext uri="{FF2B5EF4-FFF2-40B4-BE49-F238E27FC236}">
-                <a16:creationId xmlns:a16="http://schemas.microsoft.com/office/drawing/2014/main" id="{29C0B52E-5589-47BF-8FDF-DB9B3E5FC9AC}"/>
-              </a:ext>
-            </a:extLst>
-          </p:cNvPr>
-          <p:cNvCxnSpPr>
-            <a:cxnSpLocks/>
-            <a:stCxn id="38" idx="2"/>
-            <a:endCxn id="29" idx="0"/>
-          </p:cNvCxnSpPr>
-          <p:nvPr/>
-        </p:nvCxnSpPr>
-        <p:spPr>
-          <a:xfrm>
-            <a:off x="4953000" y="3845356"/>
-            <a:ext cx="0" cy="217952"/>
-          </a:xfrm>
-          <a:prstGeom prst="straightConnector1">
-            <a:avLst/>
-          </a:prstGeom>
-          <a:ln w="19050">
-            <a:solidFill>
-              <a:schemeClr val="tx1"/>
-            </a:solidFill>
-            <a:headEnd type="triangle" w="med" len="med"/>
-            <a:tailEnd type="none" w="med" len="med"/>
-          </a:ln>
-        </p:spPr>
-        <p:style>
-          <a:lnRef idx="3">
-            <a:schemeClr val="accent4"/>
-          </a:lnRef>
-          <a:fillRef idx="0">
-            <a:schemeClr val="accent4"/>
-          </a:fillRef>
-          <a:effectRef idx="2">
-            <a:schemeClr val="accent4"/>
-          </a:effectRef>
-          <a:fontRef idx="minor">
-            <a:schemeClr val="tx1"/>
-          </a:fontRef>
-        </p:style>
-      </p:cxnSp>
     </p:spTree>
     <p:extLst>
       <p:ext uri="{BB962C8B-B14F-4D97-AF65-F5344CB8AC3E}">

--- a/Documentation/FuncDecomp.pptx
+++ b/Documentation/FuncDecomp.pptx
@@ -2976,192 +2976,12 @@
           <a:chExt cx="0" cy="0"/>
         </a:xfrm>
       </p:grpSpPr>
-      <p:cxnSp>
-        <p:nvCxnSpPr>
-          <p:cNvPr id="86" name="Connector: Elbow 85">
+      <p:grpSp>
+        <p:nvGrpSpPr>
+          <p:cNvPr id="2" name="Group 1">
             <a:extLst>
               <a:ext uri="{FF2B5EF4-FFF2-40B4-BE49-F238E27FC236}">
-                <a16:creationId xmlns:a16="http://schemas.microsoft.com/office/drawing/2014/main" id="{E4AEEE63-9158-4B06-8DDE-CAF19F822FA9}"/>
-              </a:ext>
-            </a:extLst>
-          </p:cNvPr>
-          <p:cNvCxnSpPr>
-            <a:cxnSpLocks/>
-            <a:stCxn id="113" idx="1"/>
-            <a:endCxn id="42" idx="3"/>
-          </p:cNvCxnSpPr>
-          <p:nvPr/>
-        </p:nvCxnSpPr>
-        <p:spPr>
-          <a:xfrm rot="10800000" flipV="1">
-            <a:off x="1802618" y="3594367"/>
-            <a:ext cx="250058" cy="1986813"/>
-          </a:xfrm>
-          <a:prstGeom prst="bentConnector3">
-            <a:avLst/>
-          </a:prstGeom>
-          <a:ln w="19050">
-            <a:solidFill>
-              <a:srgbClr val="FF5B5B"/>
-            </a:solidFill>
-            <a:headEnd type="triangle" w="med" len="med"/>
-            <a:tailEnd type="none" w="med" len="med"/>
-          </a:ln>
-        </p:spPr>
-        <p:style>
-          <a:lnRef idx="3">
-            <a:schemeClr val="accent2"/>
-          </a:lnRef>
-          <a:fillRef idx="0">
-            <a:schemeClr val="accent2"/>
-          </a:fillRef>
-          <a:effectRef idx="2">
-            <a:schemeClr val="accent2"/>
-          </a:effectRef>
-          <a:fontRef idx="minor">
-            <a:schemeClr val="tx1"/>
-          </a:fontRef>
-        </p:style>
-      </p:cxnSp>
-      <p:cxnSp>
-        <p:nvCxnSpPr>
-          <p:cNvPr id="88" name="Connector: Elbow 87">
-            <a:extLst>
-              <a:ext uri="{FF2B5EF4-FFF2-40B4-BE49-F238E27FC236}">
-                <a16:creationId xmlns:a16="http://schemas.microsoft.com/office/drawing/2014/main" id="{78AAF38D-7A97-4511-BB1C-95F1C3906987}"/>
-              </a:ext>
-            </a:extLst>
-          </p:cNvPr>
-          <p:cNvCxnSpPr>
-            <a:cxnSpLocks/>
-            <a:stCxn id="112" idx="1"/>
-            <a:endCxn id="11" idx="0"/>
-          </p:cNvCxnSpPr>
-          <p:nvPr/>
-        </p:nvCxnSpPr>
-        <p:spPr>
-          <a:xfrm rot="10800000" flipV="1">
-            <a:off x="1171310" y="3183811"/>
-            <a:ext cx="881367" cy="883082"/>
-          </a:xfrm>
-          <a:prstGeom prst="bentConnector2">
-            <a:avLst/>
-          </a:prstGeom>
-          <a:ln w="19050">
-            <a:solidFill>
-              <a:srgbClr val="FF5B5B"/>
-            </a:solidFill>
-            <a:headEnd type="triangle" w="med" len="med"/>
-            <a:tailEnd type="none" w="med" len="med"/>
-          </a:ln>
-        </p:spPr>
-        <p:style>
-          <a:lnRef idx="3">
-            <a:schemeClr val="accent2"/>
-          </a:lnRef>
-          <a:fillRef idx="0">
-            <a:schemeClr val="accent2"/>
-          </a:fillRef>
-          <a:effectRef idx="2">
-            <a:schemeClr val="accent2"/>
-          </a:effectRef>
-          <a:fontRef idx="minor">
-            <a:schemeClr val="tx1"/>
-          </a:fontRef>
-        </p:style>
-      </p:cxnSp>
-      <p:cxnSp>
-        <p:nvCxnSpPr>
-          <p:cNvPr id="78" name="Straight Arrow Connector 77">
-            <a:extLst>
-              <a:ext uri="{FF2B5EF4-FFF2-40B4-BE49-F238E27FC236}">
-                <a16:creationId xmlns:a16="http://schemas.microsoft.com/office/drawing/2014/main" id="{5E9D6C18-D9A6-44AD-99BE-7EB24A364A28}"/>
-              </a:ext>
-            </a:extLst>
-          </p:cNvPr>
-          <p:cNvCxnSpPr>
-            <a:stCxn id="4" idx="2"/>
-            <a:endCxn id="5" idx="0"/>
-          </p:cNvCxnSpPr>
-          <p:nvPr/>
-        </p:nvCxnSpPr>
-        <p:spPr>
-          <a:xfrm>
-            <a:off x="4953000" y="1615242"/>
-            <a:ext cx="0" cy="259561"/>
-          </a:xfrm>
-          <a:prstGeom prst="straightConnector1">
-            <a:avLst/>
-          </a:prstGeom>
-          <a:ln w="19050">
-            <a:headEnd type="triangle" w="med" len="med"/>
-            <a:tailEnd type="none" w="med" len="med"/>
-          </a:ln>
-        </p:spPr>
-        <p:style>
-          <a:lnRef idx="3">
-            <a:schemeClr val="dk1"/>
-          </a:lnRef>
-          <a:fillRef idx="0">
-            <a:schemeClr val="dk1"/>
-          </a:fillRef>
-          <a:effectRef idx="2">
-            <a:schemeClr val="dk1"/>
-          </a:effectRef>
-          <a:fontRef idx="minor">
-            <a:schemeClr val="tx1"/>
-          </a:fontRef>
-        </p:style>
-      </p:cxnSp>
-      <p:cxnSp>
-        <p:nvCxnSpPr>
-          <p:cNvPr id="80" name="Connector: Elbow 79">
-            <a:extLst>
-              <a:ext uri="{FF2B5EF4-FFF2-40B4-BE49-F238E27FC236}">
-                <a16:creationId xmlns:a16="http://schemas.microsoft.com/office/drawing/2014/main" id="{DFD8453C-50C0-4997-94E8-F81FBA46AA3E}"/>
-              </a:ext>
-            </a:extLst>
-          </p:cNvPr>
-          <p:cNvCxnSpPr>
-            <a:stCxn id="5" idx="2"/>
-            <a:endCxn id="6" idx="0"/>
-          </p:cNvCxnSpPr>
-          <p:nvPr/>
-        </p:nvCxnSpPr>
-        <p:spPr>
-          <a:xfrm rot="5400000">
-            <a:off x="3688713" y="1706560"/>
-            <a:ext cx="259561" cy="2269015"/>
-          </a:xfrm>
-          <a:prstGeom prst="bentConnector3">
-            <a:avLst/>
-          </a:prstGeom>
-          <a:ln w="19050">
-            <a:headEnd type="triangle" w="med" len="med"/>
-            <a:tailEnd type="none" w="med" len="med"/>
-          </a:ln>
-        </p:spPr>
-        <p:style>
-          <a:lnRef idx="3">
-            <a:schemeClr val="dk1"/>
-          </a:lnRef>
-          <a:fillRef idx="0">
-            <a:schemeClr val="dk1"/>
-          </a:fillRef>
-          <a:effectRef idx="2">
-            <a:schemeClr val="dk1"/>
-          </a:effectRef>
-          <a:fontRef idx="minor">
-            <a:schemeClr val="tx1"/>
-          </a:fontRef>
-        </p:style>
-      </p:cxnSp>
-      <p:grpSp>
-        <p:nvGrpSpPr>
-          <p:cNvPr id="114" name="Group 113">
-            <a:extLst>
-              <a:ext uri="{FF2B5EF4-FFF2-40B4-BE49-F238E27FC236}">
-                <a16:creationId xmlns:a16="http://schemas.microsoft.com/office/drawing/2014/main" id="{1A76706A-3602-4CF2-B7F6-5A6479D79223}"/>
+                <a16:creationId xmlns:a16="http://schemas.microsoft.com/office/drawing/2014/main" id="{9773A8FA-2876-45B2-A3EB-3D8A48B5E44F}"/>
               </a:ext>
             </a:extLst>
           </p:cNvPr>
@@ -3170,19 +2990,855 @@
         </p:nvGrpSpPr>
         <p:grpSpPr>
           <a:xfrm>
-            <a:off x="2052676" y="2970847"/>
-            <a:ext cx="157843" cy="836484"/>
-            <a:chOff x="2419349" y="3068411"/>
-            <a:chExt cx="157843" cy="320678"/>
+            <a:off x="540000" y="778758"/>
+            <a:ext cx="8826000" cy="5220665"/>
+            <a:chOff x="540000" y="778758"/>
+            <a:chExt cx="8826000" cy="5220665"/>
           </a:xfrm>
-          <a:noFill/>
         </p:grpSpPr>
+        <p:cxnSp>
+          <p:nvCxnSpPr>
+            <p:cNvPr id="86" name="Connector: Elbow 85">
+              <a:extLst>
+                <a:ext uri="{FF2B5EF4-FFF2-40B4-BE49-F238E27FC236}">
+                  <a16:creationId xmlns:a16="http://schemas.microsoft.com/office/drawing/2014/main" id="{E4AEEE63-9158-4B06-8DDE-CAF19F822FA9}"/>
+                </a:ext>
+              </a:extLst>
+            </p:cNvPr>
+            <p:cNvCxnSpPr>
+              <a:cxnSpLocks/>
+              <a:stCxn id="113" idx="1"/>
+              <a:endCxn id="42" idx="3"/>
+            </p:cNvCxnSpPr>
+            <p:nvPr/>
+          </p:nvCxnSpPr>
+          <p:spPr>
+            <a:xfrm rot="10800000" flipV="1">
+              <a:off x="1802618" y="3594367"/>
+              <a:ext cx="250058" cy="1986813"/>
+            </a:xfrm>
+            <a:prstGeom prst="bentConnector3">
+              <a:avLst/>
+            </a:prstGeom>
+            <a:ln w="19050">
+              <a:solidFill>
+                <a:srgbClr val="FF5B5B"/>
+              </a:solidFill>
+              <a:headEnd type="triangle" w="med" len="med"/>
+              <a:tailEnd type="none" w="med" len="med"/>
+            </a:ln>
+          </p:spPr>
+          <p:style>
+            <a:lnRef idx="3">
+              <a:schemeClr val="accent2"/>
+            </a:lnRef>
+            <a:fillRef idx="0">
+              <a:schemeClr val="accent2"/>
+            </a:fillRef>
+            <a:effectRef idx="2">
+              <a:schemeClr val="accent2"/>
+            </a:effectRef>
+            <a:fontRef idx="minor">
+              <a:schemeClr val="tx1"/>
+            </a:fontRef>
+          </p:style>
+        </p:cxnSp>
+        <p:cxnSp>
+          <p:nvCxnSpPr>
+            <p:cNvPr id="88" name="Connector: Elbow 87">
+              <a:extLst>
+                <a:ext uri="{FF2B5EF4-FFF2-40B4-BE49-F238E27FC236}">
+                  <a16:creationId xmlns:a16="http://schemas.microsoft.com/office/drawing/2014/main" id="{78AAF38D-7A97-4511-BB1C-95F1C3906987}"/>
+                </a:ext>
+              </a:extLst>
+            </p:cNvPr>
+            <p:cNvCxnSpPr>
+              <a:cxnSpLocks/>
+              <a:stCxn id="112" idx="1"/>
+              <a:endCxn id="11" idx="0"/>
+            </p:cNvCxnSpPr>
+            <p:nvPr/>
+          </p:nvCxnSpPr>
+          <p:spPr>
+            <a:xfrm rot="10800000" flipV="1">
+              <a:off x="1171310" y="3183811"/>
+              <a:ext cx="881367" cy="883082"/>
+            </a:xfrm>
+            <a:prstGeom prst="bentConnector2">
+              <a:avLst/>
+            </a:prstGeom>
+            <a:ln w="19050">
+              <a:solidFill>
+                <a:srgbClr val="FF5B5B"/>
+              </a:solidFill>
+              <a:headEnd type="triangle" w="med" len="med"/>
+              <a:tailEnd type="none" w="med" len="med"/>
+            </a:ln>
+          </p:spPr>
+          <p:style>
+            <a:lnRef idx="3">
+              <a:schemeClr val="accent2"/>
+            </a:lnRef>
+            <a:fillRef idx="0">
+              <a:schemeClr val="accent2"/>
+            </a:fillRef>
+            <a:effectRef idx="2">
+              <a:schemeClr val="accent2"/>
+            </a:effectRef>
+            <a:fontRef idx="minor">
+              <a:schemeClr val="tx1"/>
+            </a:fontRef>
+          </p:style>
+        </p:cxnSp>
+        <p:cxnSp>
+          <p:nvCxnSpPr>
+            <p:cNvPr id="78" name="Straight Arrow Connector 77">
+              <a:extLst>
+                <a:ext uri="{FF2B5EF4-FFF2-40B4-BE49-F238E27FC236}">
+                  <a16:creationId xmlns:a16="http://schemas.microsoft.com/office/drawing/2014/main" id="{5E9D6C18-D9A6-44AD-99BE-7EB24A364A28}"/>
+                </a:ext>
+              </a:extLst>
+            </p:cNvPr>
+            <p:cNvCxnSpPr>
+              <a:stCxn id="4" idx="2"/>
+              <a:endCxn id="5" idx="0"/>
+            </p:cNvCxnSpPr>
+            <p:nvPr/>
+          </p:nvCxnSpPr>
+          <p:spPr>
+            <a:xfrm>
+              <a:off x="4953000" y="1615242"/>
+              <a:ext cx="0" cy="259561"/>
+            </a:xfrm>
+            <a:prstGeom prst="straightConnector1">
+              <a:avLst/>
+            </a:prstGeom>
+            <a:ln w="19050">
+              <a:headEnd type="triangle" w="med" len="med"/>
+              <a:tailEnd type="none" w="med" len="med"/>
+            </a:ln>
+          </p:spPr>
+          <p:style>
+            <a:lnRef idx="3">
+              <a:schemeClr val="dk1"/>
+            </a:lnRef>
+            <a:fillRef idx="0">
+              <a:schemeClr val="dk1"/>
+            </a:fillRef>
+            <a:effectRef idx="2">
+              <a:schemeClr val="dk1"/>
+            </a:effectRef>
+            <a:fontRef idx="minor">
+              <a:schemeClr val="tx1"/>
+            </a:fontRef>
+          </p:style>
+        </p:cxnSp>
+        <p:cxnSp>
+          <p:nvCxnSpPr>
+            <p:cNvPr id="80" name="Connector: Elbow 79">
+              <a:extLst>
+                <a:ext uri="{FF2B5EF4-FFF2-40B4-BE49-F238E27FC236}">
+                  <a16:creationId xmlns:a16="http://schemas.microsoft.com/office/drawing/2014/main" id="{DFD8453C-50C0-4997-94E8-F81FBA46AA3E}"/>
+                </a:ext>
+              </a:extLst>
+            </p:cNvPr>
+            <p:cNvCxnSpPr>
+              <a:stCxn id="5" idx="2"/>
+              <a:endCxn id="6" idx="0"/>
+            </p:cNvCxnSpPr>
+            <p:nvPr/>
+          </p:nvCxnSpPr>
+          <p:spPr>
+            <a:xfrm rot="5400000">
+              <a:off x="3688713" y="1706560"/>
+              <a:ext cx="259561" cy="2269015"/>
+            </a:xfrm>
+            <a:prstGeom prst="bentConnector3">
+              <a:avLst/>
+            </a:prstGeom>
+            <a:ln w="19050">
+              <a:headEnd type="triangle" w="med" len="med"/>
+              <a:tailEnd type="none" w="med" len="med"/>
+            </a:ln>
+          </p:spPr>
+          <p:style>
+            <a:lnRef idx="3">
+              <a:schemeClr val="dk1"/>
+            </a:lnRef>
+            <a:fillRef idx="0">
+              <a:schemeClr val="dk1"/>
+            </a:fillRef>
+            <a:effectRef idx="2">
+              <a:schemeClr val="dk1"/>
+            </a:effectRef>
+            <a:fontRef idx="minor">
+              <a:schemeClr val="tx1"/>
+            </a:fontRef>
+          </p:style>
+        </p:cxnSp>
+        <p:grpSp>
+          <p:nvGrpSpPr>
+            <p:cNvPr id="114" name="Group 113">
+              <a:extLst>
+                <a:ext uri="{FF2B5EF4-FFF2-40B4-BE49-F238E27FC236}">
+                  <a16:creationId xmlns:a16="http://schemas.microsoft.com/office/drawing/2014/main" id="{1A76706A-3602-4CF2-B7F6-5A6479D79223}"/>
+                </a:ext>
+              </a:extLst>
+            </p:cNvPr>
+            <p:cNvGrpSpPr/>
+            <p:nvPr/>
+          </p:nvGrpSpPr>
+          <p:grpSpPr>
+            <a:xfrm>
+              <a:off x="2052676" y="2970847"/>
+              <a:ext cx="157843" cy="836484"/>
+              <a:chOff x="2419349" y="3068411"/>
+              <a:chExt cx="157843" cy="320678"/>
+            </a:xfrm>
+            <a:noFill/>
+          </p:grpSpPr>
+          <p:sp>
+            <p:nvSpPr>
+              <p:cNvPr id="112" name="Rectangle 111">
+                <a:extLst>
+                  <a:ext uri="{FF2B5EF4-FFF2-40B4-BE49-F238E27FC236}">
+                    <a16:creationId xmlns:a16="http://schemas.microsoft.com/office/drawing/2014/main" id="{53F8E949-1C74-4447-986C-AB538FC5CDE9}"/>
+                  </a:ext>
+                </a:extLst>
+              </p:cNvPr>
+              <p:cNvSpPr/>
+              <p:nvPr/>
+            </p:nvSpPr>
+            <p:spPr>
+              <a:xfrm>
+                <a:off x="2419349" y="3068411"/>
+                <a:ext cx="157843" cy="163285"/>
+              </a:xfrm>
+              <a:prstGeom prst="rect">
+                <a:avLst/>
+              </a:prstGeom>
+              <a:grpFill/>
+              <a:ln w="19050">
+                <a:solidFill>
+                  <a:schemeClr val="bg1"/>
+                </a:solidFill>
+              </a:ln>
+            </p:spPr>
+            <p:style>
+              <a:lnRef idx="2">
+                <a:schemeClr val="accent1">
+                  <a:shade val="50000"/>
+                </a:schemeClr>
+              </a:lnRef>
+              <a:fillRef idx="1">
+                <a:schemeClr val="accent1"/>
+              </a:fillRef>
+              <a:effectRef idx="0">
+                <a:schemeClr val="accent1"/>
+              </a:effectRef>
+              <a:fontRef idx="minor">
+                <a:schemeClr val="lt1"/>
+              </a:fontRef>
+            </p:style>
+            <p:txBody>
+              <a:bodyPr rtlCol="0" anchor="ctr"/>
+              <a:lstStyle/>
+              <a:p>
+                <a:pPr algn="ctr"/>
+                <a:endParaRPr lang="en-AU" sz="1400">
+                  <a:latin typeface="Consolas" panose="020B0609020204030204" pitchFamily="49" charset="0"/>
+                  <a:ea typeface="Yu Gothic" panose="020B0400000000000000" pitchFamily="34" charset="-128"/>
+                </a:endParaRPr>
+              </a:p>
+            </p:txBody>
+          </p:sp>
+          <p:sp>
+            <p:nvSpPr>
+              <p:cNvPr id="113" name="Rectangle 112">
+                <a:extLst>
+                  <a:ext uri="{FF2B5EF4-FFF2-40B4-BE49-F238E27FC236}">
+                    <a16:creationId xmlns:a16="http://schemas.microsoft.com/office/drawing/2014/main" id="{9163A485-A12A-4F9F-BA85-0375E4CF9F6C}"/>
+                  </a:ext>
+                </a:extLst>
+              </p:cNvPr>
+              <p:cNvSpPr/>
+              <p:nvPr/>
+            </p:nvSpPr>
+            <p:spPr>
+              <a:xfrm>
+                <a:off x="2419349" y="3225804"/>
+                <a:ext cx="157843" cy="163285"/>
+              </a:xfrm>
+              <a:prstGeom prst="rect">
+                <a:avLst/>
+              </a:prstGeom>
+              <a:grpFill/>
+              <a:ln w="19050">
+                <a:solidFill>
+                  <a:schemeClr val="bg1"/>
+                </a:solidFill>
+              </a:ln>
+            </p:spPr>
+            <p:style>
+              <a:lnRef idx="2">
+                <a:schemeClr val="accent1">
+                  <a:shade val="50000"/>
+                </a:schemeClr>
+              </a:lnRef>
+              <a:fillRef idx="1">
+                <a:schemeClr val="accent1"/>
+              </a:fillRef>
+              <a:effectRef idx="0">
+                <a:schemeClr val="accent1"/>
+              </a:effectRef>
+              <a:fontRef idx="minor">
+                <a:schemeClr val="lt1"/>
+              </a:fontRef>
+            </p:style>
+            <p:txBody>
+              <a:bodyPr rtlCol="0" anchor="ctr"/>
+              <a:lstStyle/>
+              <a:p>
+                <a:pPr algn="ctr"/>
+                <a:endParaRPr lang="en-AU" sz="1400">
+                  <a:latin typeface="Consolas" panose="020B0609020204030204" pitchFamily="49" charset="0"/>
+                  <a:ea typeface="Yu Gothic" panose="020B0400000000000000" pitchFamily="34" charset="-128"/>
+                </a:endParaRPr>
+              </a:p>
+            </p:txBody>
+          </p:sp>
+        </p:grpSp>
+        <p:cxnSp>
+          <p:nvCxnSpPr>
+            <p:cNvPr id="92" name="Straight Arrow Connector 91">
+              <a:extLst>
+                <a:ext uri="{FF2B5EF4-FFF2-40B4-BE49-F238E27FC236}">
+                  <a16:creationId xmlns:a16="http://schemas.microsoft.com/office/drawing/2014/main" id="{604D561D-C08F-4568-B5CB-80734F1C374C}"/>
+                </a:ext>
+              </a:extLst>
+            </p:cNvPr>
+            <p:cNvCxnSpPr>
+              <a:cxnSpLocks/>
+              <a:stCxn id="6" idx="2"/>
+              <a:endCxn id="10" idx="0"/>
+            </p:cNvCxnSpPr>
+            <p:nvPr/>
+          </p:nvCxnSpPr>
+          <p:spPr>
+            <a:xfrm>
+              <a:off x="2683985" y="3807332"/>
+              <a:ext cx="0" cy="259561"/>
+            </a:xfrm>
+            <a:prstGeom prst="straightConnector1">
+              <a:avLst/>
+            </a:prstGeom>
+            <a:ln w="19050">
+              <a:headEnd type="triangle" w="med" len="med"/>
+              <a:tailEnd type="none" w="med" len="med"/>
+            </a:ln>
+          </p:spPr>
+          <p:style>
+            <a:lnRef idx="3">
+              <a:schemeClr val="accent6"/>
+            </a:lnRef>
+            <a:fillRef idx="0">
+              <a:schemeClr val="accent6"/>
+            </a:fillRef>
+            <a:effectRef idx="2">
+              <a:schemeClr val="accent6"/>
+            </a:effectRef>
+            <a:fontRef idx="minor">
+              <a:schemeClr val="tx1"/>
+            </a:fontRef>
+          </p:style>
+        </p:cxnSp>
+        <p:cxnSp>
+          <p:nvCxnSpPr>
+            <p:cNvPr id="94" name="Straight Arrow Connector 93">
+              <a:extLst>
+                <a:ext uri="{FF2B5EF4-FFF2-40B4-BE49-F238E27FC236}">
+                  <a16:creationId xmlns:a16="http://schemas.microsoft.com/office/drawing/2014/main" id="{272341C1-977A-4E94-9973-05C97153776E}"/>
+                </a:ext>
+              </a:extLst>
+            </p:cNvPr>
+            <p:cNvCxnSpPr>
+              <a:stCxn id="10" idx="2"/>
+              <a:endCxn id="35" idx="0"/>
+            </p:cNvCxnSpPr>
+            <p:nvPr/>
+          </p:nvCxnSpPr>
+          <p:spPr>
+            <a:xfrm>
+              <a:off x="2683985" y="4903377"/>
+              <a:ext cx="0" cy="259562"/>
+            </a:xfrm>
+            <a:prstGeom prst="straightConnector1">
+              <a:avLst/>
+            </a:prstGeom>
+            <a:ln w="19050">
+              <a:headEnd type="triangle" w="med" len="med"/>
+              <a:tailEnd type="none" w="med" len="med"/>
+            </a:ln>
+          </p:spPr>
+          <p:style>
+            <a:lnRef idx="3">
+              <a:schemeClr val="accent6"/>
+            </a:lnRef>
+            <a:fillRef idx="0">
+              <a:schemeClr val="accent6"/>
+            </a:fillRef>
+            <a:effectRef idx="2">
+              <a:schemeClr val="accent6"/>
+            </a:effectRef>
+            <a:fontRef idx="minor">
+              <a:schemeClr val="tx1"/>
+            </a:fontRef>
+          </p:style>
+        </p:cxnSp>
+        <p:cxnSp>
+          <p:nvCxnSpPr>
+            <p:cNvPr id="96" name="Straight Arrow Connector 95">
+              <a:extLst>
+                <a:ext uri="{FF2B5EF4-FFF2-40B4-BE49-F238E27FC236}">
+                  <a16:creationId xmlns:a16="http://schemas.microsoft.com/office/drawing/2014/main" id="{4AA6F09C-BB3F-4022-A512-BC7E80EC1695}"/>
+                </a:ext>
+              </a:extLst>
+            </p:cNvPr>
+            <p:cNvCxnSpPr>
+              <a:stCxn id="9" idx="2"/>
+              <a:endCxn id="37" idx="0"/>
+            </p:cNvCxnSpPr>
+            <p:nvPr/>
+          </p:nvCxnSpPr>
+          <p:spPr>
+            <a:xfrm>
+              <a:off x="4196661" y="4903377"/>
+              <a:ext cx="0" cy="259562"/>
+            </a:xfrm>
+            <a:prstGeom prst="straightConnector1">
+              <a:avLst/>
+            </a:prstGeom>
+            <a:ln w="19050">
+              <a:headEnd type="triangle" w="med" len="med"/>
+              <a:tailEnd type="none" w="med" len="med"/>
+            </a:ln>
+          </p:spPr>
+          <p:style>
+            <a:lnRef idx="3">
+              <a:schemeClr val="accent6"/>
+            </a:lnRef>
+            <a:fillRef idx="0">
+              <a:schemeClr val="accent6"/>
+            </a:fillRef>
+            <a:effectRef idx="2">
+              <a:schemeClr val="accent6"/>
+            </a:effectRef>
+            <a:fontRef idx="minor">
+              <a:schemeClr val="tx1"/>
+            </a:fontRef>
+          </p:style>
+        </p:cxnSp>
+        <p:cxnSp>
+          <p:nvCxnSpPr>
+            <p:cNvPr id="98" name="Straight Arrow Connector 97">
+              <a:extLst>
+                <a:ext uri="{FF2B5EF4-FFF2-40B4-BE49-F238E27FC236}">
+                  <a16:creationId xmlns:a16="http://schemas.microsoft.com/office/drawing/2014/main" id="{84867DBF-C3D2-4214-A485-E461A2D1DD1D}"/>
+                </a:ext>
+              </a:extLst>
+            </p:cNvPr>
+            <p:cNvCxnSpPr>
+              <a:stCxn id="30" idx="2"/>
+              <a:endCxn id="31" idx="0"/>
+            </p:cNvCxnSpPr>
+            <p:nvPr/>
+          </p:nvCxnSpPr>
+          <p:spPr>
+            <a:xfrm>
+              <a:off x="5709337" y="4903377"/>
+              <a:ext cx="0" cy="259562"/>
+            </a:xfrm>
+            <a:prstGeom prst="straightConnector1">
+              <a:avLst/>
+            </a:prstGeom>
+            <a:ln w="19050">
+              <a:headEnd type="triangle" w="med" len="med"/>
+              <a:tailEnd type="none" w="med" len="med"/>
+            </a:ln>
+          </p:spPr>
+          <p:style>
+            <a:lnRef idx="3">
+              <a:schemeClr val="accent4"/>
+            </a:lnRef>
+            <a:fillRef idx="0">
+              <a:schemeClr val="accent4"/>
+            </a:fillRef>
+            <a:effectRef idx="2">
+              <a:schemeClr val="accent4"/>
+            </a:effectRef>
+            <a:fontRef idx="minor">
+              <a:schemeClr val="tx1"/>
+            </a:fontRef>
+          </p:style>
+        </p:cxnSp>
+        <p:cxnSp>
+          <p:nvCxnSpPr>
+            <p:cNvPr id="100" name="Straight Arrow Connector 99">
+              <a:extLst>
+                <a:ext uri="{FF2B5EF4-FFF2-40B4-BE49-F238E27FC236}">
+                  <a16:creationId xmlns:a16="http://schemas.microsoft.com/office/drawing/2014/main" id="{E1410D38-A13F-4329-AB32-D6BE3EA4DA3B}"/>
+                </a:ext>
+              </a:extLst>
+            </p:cNvPr>
+            <p:cNvCxnSpPr>
+              <a:stCxn id="7" idx="2"/>
+              <a:endCxn id="30" idx="0"/>
+            </p:cNvCxnSpPr>
+            <p:nvPr/>
+          </p:nvCxnSpPr>
+          <p:spPr>
+            <a:xfrm>
+              <a:off x="5709337" y="3807332"/>
+              <a:ext cx="0" cy="259561"/>
+            </a:xfrm>
+            <a:prstGeom prst="straightConnector1">
+              <a:avLst/>
+            </a:prstGeom>
+            <a:ln w="19050">
+              <a:headEnd type="triangle" w="med" len="med"/>
+              <a:tailEnd type="none" w="med" len="med"/>
+            </a:ln>
+          </p:spPr>
+          <p:style>
+            <a:lnRef idx="3">
+              <a:schemeClr val="accent4"/>
+            </a:lnRef>
+            <a:fillRef idx="0">
+              <a:schemeClr val="accent4"/>
+            </a:fillRef>
+            <a:effectRef idx="2">
+              <a:schemeClr val="accent4"/>
+            </a:effectRef>
+            <a:fontRef idx="minor">
+              <a:schemeClr val="tx1"/>
+            </a:fontRef>
+          </p:style>
+        </p:cxnSp>
+        <p:cxnSp>
+          <p:nvCxnSpPr>
+            <p:cNvPr id="102" name="Straight Arrow Connector 101">
+              <a:extLst>
+                <a:ext uri="{FF2B5EF4-FFF2-40B4-BE49-F238E27FC236}">
+                  <a16:creationId xmlns:a16="http://schemas.microsoft.com/office/drawing/2014/main" id="{11306568-23DE-464F-9ACF-79FDEEF8806E}"/>
+                </a:ext>
+              </a:extLst>
+            </p:cNvPr>
+            <p:cNvCxnSpPr>
+              <a:stCxn id="8" idx="2"/>
+              <a:endCxn id="32" idx="0"/>
+            </p:cNvCxnSpPr>
+            <p:nvPr/>
+          </p:nvCxnSpPr>
+          <p:spPr>
+            <a:xfrm>
+              <a:off x="7222013" y="3807332"/>
+              <a:ext cx="0" cy="259561"/>
+            </a:xfrm>
+            <a:prstGeom prst="straightConnector1">
+              <a:avLst/>
+            </a:prstGeom>
+            <a:ln w="19050">
+              <a:headEnd type="triangle" w="med" len="med"/>
+              <a:tailEnd type="none" w="med" len="med"/>
+            </a:ln>
+          </p:spPr>
+          <p:style>
+            <a:lnRef idx="3">
+              <a:schemeClr val="accent5"/>
+            </a:lnRef>
+            <a:fillRef idx="0">
+              <a:schemeClr val="accent5"/>
+            </a:fillRef>
+            <a:effectRef idx="2">
+              <a:schemeClr val="accent5"/>
+            </a:effectRef>
+            <a:fontRef idx="minor">
+              <a:schemeClr val="tx1"/>
+            </a:fontRef>
+          </p:style>
+        </p:cxnSp>
+        <p:cxnSp>
+          <p:nvCxnSpPr>
+            <p:cNvPr id="104" name="Straight Arrow Connector 103">
+              <a:extLst>
+                <a:ext uri="{FF2B5EF4-FFF2-40B4-BE49-F238E27FC236}">
+                  <a16:creationId xmlns:a16="http://schemas.microsoft.com/office/drawing/2014/main" id="{F3C3A891-028D-4096-9B5F-7A6462FA22C8}"/>
+                </a:ext>
+              </a:extLst>
+            </p:cNvPr>
+            <p:cNvCxnSpPr>
+              <a:stCxn id="32" idx="2"/>
+              <a:endCxn id="33" idx="0"/>
+            </p:cNvCxnSpPr>
+            <p:nvPr/>
+          </p:nvCxnSpPr>
+          <p:spPr>
+            <a:xfrm>
+              <a:off x="7222013" y="4903377"/>
+              <a:ext cx="0" cy="259562"/>
+            </a:xfrm>
+            <a:prstGeom prst="straightConnector1">
+              <a:avLst/>
+            </a:prstGeom>
+            <a:ln w="19050">
+              <a:headEnd type="triangle" w="med" len="med"/>
+              <a:tailEnd type="none" w="med" len="med"/>
+            </a:ln>
+          </p:spPr>
+          <p:style>
+            <a:lnRef idx="3">
+              <a:schemeClr val="accent5"/>
+            </a:lnRef>
+            <a:fillRef idx="0">
+              <a:schemeClr val="accent5"/>
+            </a:fillRef>
+            <a:effectRef idx="2">
+              <a:schemeClr val="accent5"/>
+            </a:effectRef>
+            <a:fontRef idx="minor">
+              <a:schemeClr val="tx1"/>
+            </a:fontRef>
+          </p:style>
+        </p:cxnSp>
+        <p:cxnSp>
+          <p:nvCxnSpPr>
+            <p:cNvPr id="106" name="Connector: Elbow 105">
+              <a:extLst>
+                <a:ext uri="{FF2B5EF4-FFF2-40B4-BE49-F238E27FC236}">
+                  <a16:creationId xmlns:a16="http://schemas.microsoft.com/office/drawing/2014/main" id="{865EC6A3-388A-44FC-A007-00118725D0A7}"/>
+                </a:ext>
+              </a:extLst>
+            </p:cNvPr>
+            <p:cNvCxnSpPr>
+              <a:stCxn id="5" idx="2"/>
+              <a:endCxn id="7" idx="0"/>
+            </p:cNvCxnSpPr>
+            <p:nvPr/>
+          </p:nvCxnSpPr>
+          <p:spPr>
+            <a:xfrm rot="16200000" flipH="1">
+              <a:off x="5201388" y="2462898"/>
+              <a:ext cx="259561" cy="756337"/>
+            </a:xfrm>
+            <a:prstGeom prst="bentConnector3">
+              <a:avLst/>
+            </a:prstGeom>
+            <a:ln>
+              <a:headEnd type="triangle" w="med" len="med"/>
+              <a:tailEnd type="none" w="med" len="med"/>
+            </a:ln>
+          </p:spPr>
+          <p:style>
+            <a:lnRef idx="3">
+              <a:schemeClr val="dk1"/>
+            </a:lnRef>
+            <a:fillRef idx="0">
+              <a:schemeClr val="dk1"/>
+            </a:fillRef>
+            <a:effectRef idx="2">
+              <a:schemeClr val="dk1"/>
+            </a:effectRef>
+            <a:fontRef idx="minor">
+              <a:schemeClr val="tx1"/>
+            </a:fontRef>
+          </p:style>
+        </p:cxnSp>
+        <p:cxnSp>
+          <p:nvCxnSpPr>
+            <p:cNvPr id="108" name="Connector: Elbow 107">
+              <a:extLst>
+                <a:ext uri="{FF2B5EF4-FFF2-40B4-BE49-F238E27FC236}">
+                  <a16:creationId xmlns:a16="http://schemas.microsoft.com/office/drawing/2014/main" id="{5CE10405-FDC2-4ED9-98ED-ADC07BAA19EE}"/>
+                </a:ext>
+              </a:extLst>
+            </p:cNvPr>
+            <p:cNvCxnSpPr>
+              <a:stCxn id="5" idx="2"/>
+              <a:endCxn id="8" idx="0"/>
+            </p:cNvCxnSpPr>
+            <p:nvPr/>
+          </p:nvCxnSpPr>
+          <p:spPr>
+            <a:xfrm rot="16200000" flipH="1">
+              <a:off x="5957726" y="1706560"/>
+              <a:ext cx="259561" cy="2269013"/>
+            </a:xfrm>
+            <a:prstGeom prst="bentConnector3">
+              <a:avLst/>
+            </a:prstGeom>
+            <a:ln w="19050">
+              <a:headEnd type="triangle" w="med" len="med"/>
+              <a:tailEnd type="none" w="med" len="med"/>
+            </a:ln>
+          </p:spPr>
+          <p:style>
+            <a:lnRef idx="3">
+              <a:schemeClr val="dk1"/>
+            </a:lnRef>
+            <a:fillRef idx="0">
+              <a:schemeClr val="dk1"/>
+            </a:fillRef>
+            <a:effectRef idx="2">
+              <a:schemeClr val="dk1"/>
+            </a:effectRef>
+            <a:fontRef idx="minor">
+              <a:schemeClr val="tx1"/>
+            </a:fontRef>
+          </p:style>
+        </p:cxnSp>
+        <p:cxnSp>
+          <p:nvCxnSpPr>
+            <p:cNvPr id="110" name="Connector: Elbow 109">
+              <a:extLst>
+                <a:ext uri="{FF2B5EF4-FFF2-40B4-BE49-F238E27FC236}">
+                  <a16:creationId xmlns:a16="http://schemas.microsoft.com/office/drawing/2014/main" id="{0BF5820B-3C29-4A67-AB2C-7ABE13DB28B4}"/>
+                </a:ext>
+              </a:extLst>
+            </p:cNvPr>
+            <p:cNvCxnSpPr>
+              <a:cxnSpLocks/>
+              <a:stCxn id="7" idx="1"/>
+              <a:endCxn id="9" idx="0"/>
+            </p:cNvCxnSpPr>
+            <p:nvPr/>
+          </p:nvCxnSpPr>
+          <p:spPr>
+            <a:xfrm rot="10800000" flipV="1">
+              <a:off x="4196662" y="3389089"/>
+              <a:ext cx="881367" cy="677803"/>
+            </a:xfrm>
+            <a:prstGeom prst="bentConnector2">
+              <a:avLst/>
+            </a:prstGeom>
+            <a:ln w="19050">
+              <a:headEnd type="triangle" w="med" len="med"/>
+              <a:tailEnd type="none" w="med" len="med"/>
+            </a:ln>
+          </p:spPr>
+          <p:style>
+            <a:lnRef idx="3">
+              <a:schemeClr val="accent4"/>
+            </a:lnRef>
+            <a:fillRef idx="0">
+              <a:schemeClr val="accent4"/>
+            </a:fillRef>
+            <a:effectRef idx="2">
+              <a:schemeClr val="accent4"/>
+            </a:effectRef>
+            <a:fontRef idx="minor">
+              <a:schemeClr val="tx1"/>
+            </a:fontRef>
+          </p:style>
+        </p:cxnSp>
+        <p:cxnSp>
+          <p:nvCxnSpPr>
+            <p:cNvPr id="189" name="Connector: Elbow 188">
+              <a:extLst>
+                <a:ext uri="{FF2B5EF4-FFF2-40B4-BE49-F238E27FC236}">
+                  <a16:creationId xmlns:a16="http://schemas.microsoft.com/office/drawing/2014/main" id="{1317F2C0-1FAE-42D9-B199-AA0252E47BEF}"/>
+                </a:ext>
+              </a:extLst>
+            </p:cNvPr>
+            <p:cNvCxnSpPr>
+              <a:cxnSpLocks/>
+              <a:stCxn id="5" idx="2"/>
+              <a:endCxn id="188" idx="0"/>
+            </p:cNvCxnSpPr>
+            <p:nvPr/>
+          </p:nvCxnSpPr>
+          <p:spPr>
+            <a:xfrm rot="16200000" flipH="1">
+              <a:off x="6712676" y="951610"/>
+              <a:ext cx="262338" cy="3781691"/>
+            </a:xfrm>
+            <a:prstGeom prst="bentConnector3">
+              <a:avLst>
+                <a:gd name="adj1" fmla="val 50000"/>
+              </a:avLst>
+            </a:prstGeom>
+            <a:ln w="19050">
+              <a:headEnd type="triangle" w="med" len="med"/>
+              <a:tailEnd type="none" w="med" len="med"/>
+            </a:ln>
+          </p:spPr>
+          <p:style>
+            <a:lnRef idx="3">
+              <a:schemeClr val="dk1"/>
+            </a:lnRef>
+            <a:fillRef idx="0">
+              <a:schemeClr val="dk1"/>
+            </a:fillRef>
+            <a:effectRef idx="2">
+              <a:schemeClr val="dk1"/>
+            </a:effectRef>
+            <a:fontRef idx="minor">
+              <a:schemeClr val="tx1"/>
+            </a:fontRef>
+          </p:style>
+        </p:cxnSp>
+        <p:cxnSp>
+          <p:nvCxnSpPr>
+            <p:cNvPr id="192" name="Straight Arrow Connector 191">
+              <a:extLst>
+                <a:ext uri="{FF2B5EF4-FFF2-40B4-BE49-F238E27FC236}">
+                  <a16:creationId xmlns:a16="http://schemas.microsoft.com/office/drawing/2014/main" id="{C3BD6AC9-CC9C-484A-BCC9-A36B65FD4DB9}"/>
+                </a:ext>
+              </a:extLst>
+            </p:cNvPr>
+            <p:cNvCxnSpPr>
+              <a:cxnSpLocks/>
+              <a:stCxn id="188" idx="2"/>
+              <a:endCxn id="187" idx="0"/>
+            </p:cNvCxnSpPr>
+            <p:nvPr/>
+          </p:nvCxnSpPr>
+          <p:spPr>
+            <a:xfrm>
+              <a:off x="8734691" y="3810109"/>
+              <a:ext cx="0" cy="1352830"/>
+            </a:xfrm>
+            <a:prstGeom prst="straightConnector1">
+              <a:avLst/>
+            </a:prstGeom>
+            <a:ln w="19050">
+              <a:solidFill>
+                <a:srgbClr val="AC75D5"/>
+              </a:solidFill>
+              <a:headEnd type="triangle" w="med" len="med"/>
+              <a:tailEnd type="none" w="med" len="med"/>
+            </a:ln>
+          </p:spPr>
+          <p:style>
+            <a:lnRef idx="3">
+              <a:schemeClr val="accent5"/>
+            </a:lnRef>
+            <a:fillRef idx="0">
+              <a:schemeClr val="accent5"/>
+            </a:fillRef>
+            <a:effectRef idx="2">
+              <a:schemeClr val="accent5"/>
+            </a:effectRef>
+            <a:fontRef idx="minor">
+              <a:schemeClr val="tx1"/>
+            </a:fontRef>
+          </p:style>
+        </p:cxnSp>
         <p:sp>
           <p:nvSpPr>
-            <p:cNvPr id="112" name="Rectangle 111">
+            <p:cNvPr id="50" name="Flowchart: Alternate Process 49">
               <a:extLst>
                 <a:ext uri="{FF2B5EF4-FFF2-40B4-BE49-F238E27FC236}">
-                  <a16:creationId xmlns:a16="http://schemas.microsoft.com/office/drawing/2014/main" id="{53F8E949-1C74-4447-986C-AB538FC5CDE9}"/>
+                  <a16:creationId xmlns:a16="http://schemas.microsoft.com/office/drawing/2014/main" id="{F62EC9D9-9E4A-4FEB-95C0-97C3B23ABAE8}"/>
                 </a:ext>
               </a:extLst>
             </p:cNvPr>
@@ -3191,41 +3847,41 @@
           </p:nvSpPr>
           <p:spPr>
             <a:xfrm>
-              <a:off x="2419349" y="3068411"/>
-              <a:ext cx="157843" cy="163285"/>
+              <a:off x="540000" y="1613852"/>
+              <a:ext cx="262800" cy="262339"/>
             </a:xfrm>
-            <a:prstGeom prst="rect">
+            <a:prstGeom prst="flowChartAlternateProcess">
               <a:avLst/>
             </a:prstGeom>
-            <a:grpFill/>
-            <a:ln w="19050">
-              <a:solidFill>
-                <a:schemeClr val="bg1"/>
-              </a:solidFill>
-            </a:ln>
+            <a:ln w="19050"/>
           </p:spPr>
           <p:style>
             <a:lnRef idx="2">
-              <a:schemeClr val="accent1">
+              <a:schemeClr val="accent5">
                 <a:shade val="50000"/>
               </a:schemeClr>
             </a:lnRef>
             <a:fillRef idx="1">
-              <a:schemeClr val="accent1"/>
+              <a:schemeClr val="accent5"/>
             </a:fillRef>
             <a:effectRef idx="0">
-              <a:schemeClr val="accent1"/>
+              <a:schemeClr val="accent5"/>
             </a:effectRef>
             <a:fontRef idx="minor">
               <a:schemeClr val="lt1"/>
             </a:fontRef>
           </p:style>
           <p:txBody>
-            <a:bodyPr rtlCol="0" anchor="ctr"/>
+            <a:bodyPr rot="0" spcFirstLastPara="0" vertOverflow="overflow" horzOverflow="overflow" vert="horz" wrap="square" lIns="0" tIns="0" rIns="0" bIns="0" numCol="1" spcCol="0" rtlCol="0" fromWordArt="0" anchor="ctr" anchorCtr="0" forceAA="0" compatLnSpc="1">
+              <a:prstTxWarp prst="textNoShape">
+                <a:avLst/>
+              </a:prstTxWarp>
+              <a:noAutofit/>
+            </a:bodyPr>
             <a:lstStyle/>
             <a:p>
               <a:pPr algn="ctr"/>
-              <a:endParaRPr lang="en-AU" sz="1400">
+              <a:endParaRPr lang="en-AU" sz="1050" dirty="0">
                 <a:latin typeface="Consolas" panose="020B0609020204030204" pitchFamily="49" charset="0"/>
                 <a:ea typeface="Yu Gothic" panose="020B0400000000000000" pitchFamily="34" charset="-128"/>
               </a:endParaRPr>
@@ -3234,10 +3890,10 @@
         </p:sp>
         <p:sp>
           <p:nvSpPr>
-            <p:cNvPr id="113" name="Rectangle 112">
+            <p:cNvPr id="107" name="Flowchart: Alternate Process 106">
               <a:extLst>
                 <a:ext uri="{FF2B5EF4-FFF2-40B4-BE49-F238E27FC236}">
-                  <a16:creationId xmlns:a16="http://schemas.microsoft.com/office/drawing/2014/main" id="{9163A485-A12A-4F9F-BA85-0375E4CF9F6C}"/>
+                  <a16:creationId xmlns:a16="http://schemas.microsoft.com/office/drawing/2014/main" id="{E04B57C6-883C-46E9-97F8-8121F0226330}"/>
                 </a:ext>
               </a:extLst>
             </p:cNvPr>
@@ -3246,2181 +3902,1553 @@
           </p:nvSpPr>
           <p:spPr>
             <a:xfrm>
-              <a:off x="2419349" y="3225804"/>
-              <a:ext cx="157843" cy="163285"/>
+              <a:off x="540000" y="2031399"/>
+              <a:ext cx="262800" cy="262339"/>
             </a:xfrm>
-            <a:prstGeom prst="rect">
+            <a:prstGeom prst="flowChartAlternateProcess">
               <a:avLst/>
             </a:prstGeom>
-            <a:grpFill/>
+            <a:solidFill>
+              <a:srgbClr val="AC75D5"/>
+            </a:solidFill>
             <a:ln w="19050">
               <a:solidFill>
-                <a:schemeClr val="bg1"/>
+                <a:srgbClr val="7030A0"/>
               </a:solidFill>
             </a:ln>
           </p:spPr>
           <p:style>
             <a:lnRef idx="2">
-              <a:schemeClr val="accent1">
+              <a:schemeClr val="accent5">
                 <a:shade val="50000"/>
               </a:schemeClr>
             </a:lnRef>
             <a:fillRef idx="1">
-              <a:schemeClr val="accent1"/>
+              <a:schemeClr val="accent5"/>
             </a:fillRef>
             <a:effectRef idx="0">
-              <a:schemeClr val="accent1"/>
+              <a:schemeClr val="accent5"/>
             </a:effectRef>
             <a:fontRef idx="minor">
               <a:schemeClr val="lt1"/>
             </a:fontRef>
           </p:style>
           <p:txBody>
-            <a:bodyPr rtlCol="0" anchor="ctr"/>
+            <a:bodyPr rot="0" spcFirstLastPara="0" vertOverflow="overflow" horzOverflow="overflow" vert="horz" wrap="square" lIns="0" tIns="0" rIns="0" bIns="0" numCol="1" spcCol="0" rtlCol="0" fromWordArt="0" anchor="ctr" anchorCtr="0" forceAA="0" compatLnSpc="1">
+              <a:prstTxWarp prst="textNoShape">
+                <a:avLst/>
+              </a:prstTxWarp>
+              <a:noAutofit/>
+            </a:bodyPr>
             <a:lstStyle/>
             <a:p>
               <a:pPr algn="ctr"/>
-              <a:endParaRPr lang="en-AU" sz="1400">
+              <a:endParaRPr lang="en-AU" sz="1050" dirty="0">
                 <a:latin typeface="Consolas" panose="020B0609020204030204" pitchFamily="49" charset="0"/>
                 <a:ea typeface="Yu Gothic" panose="020B0400000000000000" pitchFamily="34" charset="-128"/>
               </a:endParaRPr>
             </a:p>
           </p:txBody>
         </p:sp>
-      </p:grpSp>
-      <p:cxnSp>
-        <p:nvCxnSpPr>
-          <p:cNvPr id="92" name="Straight Arrow Connector 91">
-            <a:extLst>
-              <a:ext uri="{FF2B5EF4-FFF2-40B4-BE49-F238E27FC236}">
-                <a16:creationId xmlns:a16="http://schemas.microsoft.com/office/drawing/2014/main" id="{604D561D-C08F-4568-B5CB-80734F1C374C}"/>
-              </a:ext>
-            </a:extLst>
-          </p:cNvPr>
-          <p:cNvCxnSpPr>
-            <a:cxnSpLocks/>
-            <a:stCxn id="6" idx="2"/>
-            <a:endCxn id="10" idx="0"/>
-          </p:cNvCxnSpPr>
-          <p:nvPr/>
-        </p:nvCxnSpPr>
-        <p:spPr>
-          <a:xfrm>
-            <a:off x="2683985" y="3807332"/>
-            <a:ext cx="0" cy="259561"/>
-          </a:xfrm>
-          <a:prstGeom prst="straightConnector1">
-            <a:avLst/>
-          </a:prstGeom>
-          <a:ln w="19050">
-            <a:headEnd type="triangle" w="med" len="med"/>
-            <a:tailEnd type="none" w="med" len="med"/>
-          </a:ln>
-        </p:spPr>
-        <p:style>
-          <a:lnRef idx="3">
-            <a:schemeClr val="accent6"/>
-          </a:lnRef>
-          <a:fillRef idx="0">
-            <a:schemeClr val="accent6"/>
-          </a:fillRef>
-          <a:effectRef idx="2">
-            <a:schemeClr val="accent6"/>
-          </a:effectRef>
-          <a:fontRef idx="minor">
-            <a:schemeClr val="tx1"/>
-          </a:fontRef>
-        </p:style>
-      </p:cxnSp>
-      <p:cxnSp>
-        <p:nvCxnSpPr>
-          <p:cNvPr id="94" name="Straight Arrow Connector 93">
-            <a:extLst>
-              <a:ext uri="{FF2B5EF4-FFF2-40B4-BE49-F238E27FC236}">
-                <a16:creationId xmlns:a16="http://schemas.microsoft.com/office/drawing/2014/main" id="{272341C1-977A-4E94-9973-05C97153776E}"/>
-              </a:ext>
-            </a:extLst>
-          </p:cNvPr>
-          <p:cNvCxnSpPr>
-            <a:stCxn id="10" idx="2"/>
-            <a:endCxn id="35" idx="0"/>
-          </p:cNvCxnSpPr>
-          <p:nvPr/>
-        </p:nvCxnSpPr>
-        <p:spPr>
-          <a:xfrm>
-            <a:off x="2683985" y="4903377"/>
-            <a:ext cx="0" cy="259562"/>
-          </a:xfrm>
-          <a:prstGeom prst="straightConnector1">
-            <a:avLst/>
-          </a:prstGeom>
-          <a:ln w="19050">
-            <a:headEnd type="triangle" w="med" len="med"/>
-            <a:tailEnd type="none" w="med" len="med"/>
-          </a:ln>
-        </p:spPr>
-        <p:style>
-          <a:lnRef idx="3">
-            <a:schemeClr val="accent6"/>
-          </a:lnRef>
-          <a:fillRef idx="0">
-            <a:schemeClr val="accent6"/>
-          </a:fillRef>
-          <a:effectRef idx="2">
-            <a:schemeClr val="accent6"/>
-          </a:effectRef>
-          <a:fontRef idx="minor">
-            <a:schemeClr val="tx1"/>
-          </a:fontRef>
-        </p:style>
-      </p:cxnSp>
-      <p:cxnSp>
-        <p:nvCxnSpPr>
-          <p:cNvPr id="96" name="Straight Arrow Connector 95">
-            <a:extLst>
-              <a:ext uri="{FF2B5EF4-FFF2-40B4-BE49-F238E27FC236}">
-                <a16:creationId xmlns:a16="http://schemas.microsoft.com/office/drawing/2014/main" id="{4AA6F09C-BB3F-4022-A512-BC7E80EC1695}"/>
-              </a:ext>
-            </a:extLst>
-          </p:cNvPr>
-          <p:cNvCxnSpPr>
-            <a:stCxn id="9" idx="2"/>
-            <a:endCxn id="37" idx="0"/>
-          </p:cNvCxnSpPr>
-          <p:nvPr/>
-        </p:nvCxnSpPr>
-        <p:spPr>
-          <a:xfrm>
-            <a:off x="4196661" y="4903377"/>
-            <a:ext cx="0" cy="259562"/>
-          </a:xfrm>
-          <a:prstGeom prst="straightConnector1">
-            <a:avLst/>
-          </a:prstGeom>
-          <a:ln w="19050">
-            <a:headEnd type="triangle" w="med" len="med"/>
-            <a:tailEnd type="none" w="med" len="med"/>
-          </a:ln>
-        </p:spPr>
-        <p:style>
-          <a:lnRef idx="3">
-            <a:schemeClr val="accent6"/>
-          </a:lnRef>
-          <a:fillRef idx="0">
-            <a:schemeClr val="accent6"/>
-          </a:fillRef>
-          <a:effectRef idx="2">
-            <a:schemeClr val="accent6"/>
-          </a:effectRef>
-          <a:fontRef idx="minor">
-            <a:schemeClr val="tx1"/>
-          </a:fontRef>
-        </p:style>
-      </p:cxnSp>
-      <p:cxnSp>
-        <p:nvCxnSpPr>
-          <p:cNvPr id="98" name="Straight Arrow Connector 97">
-            <a:extLst>
-              <a:ext uri="{FF2B5EF4-FFF2-40B4-BE49-F238E27FC236}">
-                <a16:creationId xmlns:a16="http://schemas.microsoft.com/office/drawing/2014/main" id="{84867DBF-C3D2-4214-A485-E461A2D1DD1D}"/>
-              </a:ext>
-            </a:extLst>
-          </p:cNvPr>
-          <p:cNvCxnSpPr>
-            <a:stCxn id="30" idx="2"/>
-            <a:endCxn id="31" idx="0"/>
-          </p:cNvCxnSpPr>
-          <p:nvPr/>
-        </p:nvCxnSpPr>
-        <p:spPr>
-          <a:xfrm>
-            <a:off x="5709337" y="4903377"/>
-            <a:ext cx="0" cy="259562"/>
-          </a:xfrm>
-          <a:prstGeom prst="straightConnector1">
-            <a:avLst/>
-          </a:prstGeom>
-          <a:ln w="19050">
-            <a:headEnd type="triangle" w="med" len="med"/>
-            <a:tailEnd type="none" w="med" len="med"/>
-          </a:ln>
-        </p:spPr>
-        <p:style>
-          <a:lnRef idx="3">
-            <a:schemeClr val="accent4"/>
-          </a:lnRef>
-          <a:fillRef idx="0">
-            <a:schemeClr val="accent4"/>
-          </a:fillRef>
-          <a:effectRef idx="2">
-            <a:schemeClr val="accent4"/>
-          </a:effectRef>
-          <a:fontRef idx="minor">
-            <a:schemeClr val="tx1"/>
-          </a:fontRef>
-        </p:style>
-      </p:cxnSp>
-      <p:cxnSp>
-        <p:nvCxnSpPr>
-          <p:cNvPr id="100" name="Straight Arrow Connector 99">
-            <a:extLst>
-              <a:ext uri="{FF2B5EF4-FFF2-40B4-BE49-F238E27FC236}">
-                <a16:creationId xmlns:a16="http://schemas.microsoft.com/office/drawing/2014/main" id="{E1410D38-A13F-4329-AB32-D6BE3EA4DA3B}"/>
-              </a:ext>
-            </a:extLst>
-          </p:cNvPr>
-          <p:cNvCxnSpPr>
-            <a:stCxn id="7" idx="2"/>
-            <a:endCxn id="30" idx="0"/>
-          </p:cNvCxnSpPr>
-          <p:nvPr/>
-        </p:nvCxnSpPr>
-        <p:spPr>
-          <a:xfrm>
-            <a:off x="5709337" y="3807332"/>
-            <a:ext cx="0" cy="259561"/>
-          </a:xfrm>
-          <a:prstGeom prst="straightConnector1">
-            <a:avLst/>
-          </a:prstGeom>
-          <a:ln w="19050">
-            <a:headEnd type="triangle" w="med" len="med"/>
-            <a:tailEnd type="none" w="med" len="med"/>
-          </a:ln>
-        </p:spPr>
-        <p:style>
-          <a:lnRef idx="3">
-            <a:schemeClr val="accent4"/>
-          </a:lnRef>
-          <a:fillRef idx="0">
-            <a:schemeClr val="accent4"/>
-          </a:fillRef>
-          <a:effectRef idx="2">
-            <a:schemeClr val="accent4"/>
-          </a:effectRef>
-          <a:fontRef idx="minor">
-            <a:schemeClr val="tx1"/>
-          </a:fontRef>
-        </p:style>
-      </p:cxnSp>
-      <p:cxnSp>
-        <p:nvCxnSpPr>
-          <p:cNvPr id="102" name="Straight Arrow Connector 101">
-            <a:extLst>
-              <a:ext uri="{FF2B5EF4-FFF2-40B4-BE49-F238E27FC236}">
-                <a16:creationId xmlns:a16="http://schemas.microsoft.com/office/drawing/2014/main" id="{11306568-23DE-464F-9ACF-79FDEEF8806E}"/>
-              </a:ext>
-            </a:extLst>
-          </p:cNvPr>
-          <p:cNvCxnSpPr>
-            <a:stCxn id="8" idx="2"/>
-            <a:endCxn id="32" idx="0"/>
-          </p:cNvCxnSpPr>
-          <p:nvPr/>
-        </p:nvCxnSpPr>
-        <p:spPr>
-          <a:xfrm>
-            <a:off x="7222013" y="3807332"/>
-            <a:ext cx="0" cy="259561"/>
-          </a:xfrm>
-          <a:prstGeom prst="straightConnector1">
-            <a:avLst/>
-          </a:prstGeom>
-          <a:ln w="19050">
-            <a:headEnd type="triangle" w="med" len="med"/>
-            <a:tailEnd type="none" w="med" len="med"/>
-          </a:ln>
-        </p:spPr>
-        <p:style>
-          <a:lnRef idx="3">
-            <a:schemeClr val="accent5"/>
-          </a:lnRef>
-          <a:fillRef idx="0">
-            <a:schemeClr val="accent5"/>
-          </a:fillRef>
-          <a:effectRef idx="2">
-            <a:schemeClr val="accent5"/>
-          </a:effectRef>
-          <a:fontRef idx="minor">
-            <a:schemeClr val="tx1"/>
-          </a:fontRef>
-        </p:style>
-      </p:cxnSp>
-      <p:cxnSp>
-        <p:nvCxnSpPr>
-          <p:cNvPr id="104" name="Straight Arrow Connector 103">
-            <a:extLst>
-              <a:ext uri="{FF2B5EF4-FFF2-40B4-BE49-F238E27FC236}">
-                <a16:creationId xmlns:a16="http://schemas.microsoft.com/office/drawing/2014/main" id="{F3C3A891-028D-4096-9B5F-7A6462FA22C8}"/>
-              </a:ext>
-            </a:extLst>
-          </p:cNvPr>
-          <p:cNvCxnSpPr>
-            <a:stCxn id="32" idx="2"/>
-            <a:endCxn id="33" idx="0"/>
-          </p:cNvCxnSpPr>
-          <p:nvPr/>
-        </p:nvCxnSpPr>
-        <p:spPr>
-          <a:xfrm>
-            <a:off x="7222013" y="4903377"/>
-            <a:ext cx="0" cy="259562"/>
-          </a:xfrm>
-          <a:prstGeom prst="straightConnector1">
-            <a:avLst/>
-          </a:prstGeom>
-          <a:ln w="19050">
-            <a:headEnd type="triangle" w="med" len="med"/>
-            <a:tailEnd type="none" w="med" len="med"/>
-          </a:ln>
-        </p:spPr>
-        <p:style>
-          <a:lnRef idx="3">
-            <a:schemeClr val="accent5"/>
-          </a:lnRef>
-          <a:fillRef idx="0">
-            <a:schemeClr val="accent5"/>
-          </a:fillRef>
-          <a:effectRef idx="2">
-            <a:schemeClr val="accent5"/>
-          </a:effectRef>
-          <a:fontRef idx="minor">
-            <a:schemeClr val="tx1"/>
-          </a:fontRef>
-        </p:style>
-      </p:cxnSp>
-      <p:cxnSp>
-        <p:nvCxnSpPr>
-          <p:cNvPr id="106" name="Connector: Elbow 105">
-            <a:extLst>
-              <a:ext uri="{FF2B5EF4-FFF2-40B4-BE49-F238E27FC236}">
-                <a16:creationId xmlns:a16="http://schemas.microsoft.com/office/drawing/2014/main" id="{865EC6A3-388A-44FC-A007-00118725D0A7}"/>
-              </a:ext>
-            </a:extLst>
-          </p:cNvPr>
-          <p:cNvCxnSpPr>
-            <a:stCxn id="5" idx="2"/>
-            <a:endCxn id="7" idx="0"/>
-          </p:cNvCxnSpPr>
-          <p:nvPr/>
-        </p:nvCxnSpPr>
-        <p:spPr>
-          <a:xfrm rot="16200000" flipH="1">
-            <a:off x="5201388" y="2462898"/>
-            <a:ext cx="259561" cy="756337"/>
-          </a:xfrm>
-          <a:prstGeom prst="bentConnector3">
-            <a:avLst/>
-          </a:prstGeom>
-          <a:ln>
-            <a:headEnd type="triangle" w="med" len="med"/>
-            <a:tailEnd type="none" w="med" len="med"/>
-          </a:ln>
-        </p:spPr>
-        <p:style>
-          <a:lnRef idx="3">
-            <a:schemeClr val="dk1"/>
-          </a:lnRef>
-          <a:fillRef idx="0">
-            <a:schemeClr val="dk1"/>
-          </a:fillRef>
-          <a:effectRef idx="2">
-            <a:schemeClr val="dk1"/>
-          </a:effectRef>
-          <a:fontRef idx="minor">
-            <a:schemeClr val="tx1"/>
-          </a:fontRef>
-        </p:style>
-      </p:cxnSp>
-      <p:cxnSp>
-        <p:nvCxnSpPr>
-          <p:cNvPr id="108" name="Connector: Elbow 107">
-            <a:extLst>
-              <a:ext uri="{FF2B5EF4-FFF2-40B4-BE49-F238E27FC236}">
-                <a16:creationId xmlns:a16="http://schemas.microsoft.com/office/drawing/2014/main" id="{5CE10405-FDC2-4ED9-98ED-ADC07BAA19EE}"/>
-              </a:ext>
-            </a:extLst>
-          </p:cNvPr>
-          <p:cNvCxnSpPr>
-            <a:stCxn id="5" idx="2"/>
-            <a:endCxn id="8" idx="0"/>
-          </p:cNvCxnSpPr>
-          <p:nvPr/>
-        </p:nvCxnSpPr>
-        <p:spPr>
-          <a:xfrm rot="16200000" flipH="1">
-            <a:off x="5957726" y="1706560"/>
-            <a:ext cx="259561" cy="2269013"/>
-          </a:xfrm>
-          <a:prstGeom prst="bentConnector3">
-            <a:avLst/>
-          </a:prstGeom>
-          <a:ln w="19050">
-            <a:headEnd type="triangle" w="med" len="med"/>
-            <a:tailEnd type="none" w="med" len="med"/>
-          </a:ln>
-        </p:spPr>
-        <p:style>
-          <a:lnRef idx="3">
-            <a:schemeClr val="dk1"/>
-          </a:lnRef>
-          <a:fillRef idx="0">
-            <a:schemeClr val="dk1"/>
-          </a:fillRef>
-          <a:effectRef idx="2">
-            <a:schemeClr val="dk1"/>
-          </a:effectRef>
-          <a:fontRef idx="minor">
-            <a:schemeClr val="tx1"/>
-          </a:fontRef>
-        </p:style>
-      </p:cxnSp>
-      <p:cxnSp>
-        <p:nvCxnSpPr>
-          <p:cNvPr id="110" name="Connector: Elbow 109">
-            <a:extLst>
-              <a:ext uri="{FF2B5EF4-FFF2-40B4-BE49-F238E27FC236}">
-                <a16:creationId xmlns:a16="http://schemas.microsoft.com/office/drawing/2014/main" id="{0BF5820B-3C29-4A67-AB2C-7ABE13DB28B4}"/>
-              </a:ext>
-            </a:extLst>
-          </p:cNvPr>
-          <p:cNvCxnSpPr>
-            <a:cxnSpLocks/>
-            <a:stCxn id="7" idx="1"/>
-            <a:endCxn id="9" idx="0"/>
-          </p:cNvCxnSpPr>
-          <p:nvPr/>
-        </p:nvCxnSpPr>
-        <p:spPr>
-          <a:xfrm rot="10800000" flipV="1">
-            <a:off x="4196662" y="3389089"/>
-            <a:ext cx="881367" cy="677803"/>
-          </a:xfrm>
-          <a:prstGeom prst="bentConnector2">
-            <a:avLst/>
-          </a:prstGeom>
-          <a:ln w="19050">
-            <a:headEnd type="triangle" w="med" len="med"/>
-            <a:tailEnd type="none" w="med" len="med"/>
-          </a:ln>
-        </p:spPr>
-        <p:style>
-          <a:lnRef idx="3">
-            <a:schemeClr val="accent4"/>
-          </a:lnRef>
-          <a:fillRef idx="0">
-            <a:schemeClr val="accent4"/>
-          </a:fillRef>
-          <a:effectRef idx="2">
-            <a:schemeClr val="accent4"/>
-          </a:effectRef>
-          <a:fontRef idx="minor">
-            <a:schemeClr val="tx1"/>
-          </a:fontRef>
-        </p:style>
-      </p:cxnSp>
-      <p:cxnSp>
-        <p:nvCxnSpPr>
-          <p:cNvPr id="189" name="Connector: Elbow 188">
-            <a:extLst>
-              <a:ext uri="{FF2B5EF4-FFF2-40B4-BE49-F238E27FC236}">
-                <a16:creationId xmlns:a16="http://schemas.microsoft.com/office/drawing/2014/main" id="{1317F2C0-1FAE-42D9-B199-AA0252E47BEF}"/>
-              </a:ext>
-            </a:extLst>
-          </p:cNvPr>
-          <p:cNvCxnSpPr>
-            <a:cxnSpLocks/>
-            <a:stCxn id="5" idx="2"/>
-            <a:endCxn id="188" idx="0"/>
-          </p:cNvCxnSpPr>
-          <p:nvPr/>
-        </p:nvCxnSpPr>
-        <p:spPr>
-          <a:xfrm rot="16200000" flipH="1">
-            <a:off x="6712676" y="951610"/>
-            <a:ext cx="262338" cy="3781691"/>
-          </a:xfrm>
-          <a:prstGeom prst="bentConnector3">
-            <a:avLst>
-              <a:gd name="adj1" fmla="val 50000"/>
-            </a:avLst>
-          </a:prstGeom>
-          <a:ln w="19050">
-            <a:headEnd type="triangle" w="med" len="med"/>
-            <a:tailEnd type="none" w="med" len="med"/>
-          </a:ln>
-        </p:spPr>
-        <p:style>
-          <a:lnRef idx="3">
-            <a:schemeClr val="dk1"/>
-          </a:lnRef>
-          <a:fillRef idx="0">
-            <a:schemeClr val="dk1"/>
-          </a:fillRef>
-          <a:effectRef idx="2">
-            <a:schemeClr val="dk1"/>
-          </a:effectRef>
-          <a:fontRef idx="minor">
-            <a:schemeClr val="tx1"/>
-          </a:fontRef>
-        </p:style>
-      </p:cxnSp>
-      <p:cxnSp>
-        <p:nvCxnSpPr>
-          <p:cNvPr id="192" name="Straight Arrow Connector 191">
-            <a:extLst>
-              <a:ext uri="{FF2B5EF4-FFF2-40B4-BE49-F238E27FC236}">
-                <a16:creationId xmlns:a16="http://schemas.microsoft.com/office/drawing/2014/main" id="{C3BD6AC9-CC9C-484A-BCC9-A36B65FD4DB9}"/>
-              </a:ext>
-            </a:extLst>
-          </p:cNvPr>
-          <p:cNvCxnSpPr>
-            <a:cxnSpLocks/>
-            <a:stCxn id="188" idx="2"/>
-            <a:endCxn id="187" idx="0"/>
-          </p:cNvCxnSpPr>
-          <p:nvPr/>
-        </p:nvCxnSpPr>
-        <p:spPr>
-          <a:xfrm>
-            <a:off x="8734691" y="3810109"/>
-            <a:ext cx="0" cy="1352830"/>
-          </a:xfrm>
-          <a:prstGeom prst="straightConnector1">
-            <a:avLst/>
-          </a:prstGeom>
-          <a:ln w="19050">
+        <p:sp>
+          <p:nvSpPr>
+            <p:cNvPr id="109" name="Flowchart: Alternate Process 108">
+              <a:extLst>
+                <a:ext uri="{FF2B5EF4-FFF2-40B4-BE49-F238E27FC236}">
+                  <a16:creationId xmlns:a16="http://schemas.microsoft.com/office/drawing/2014/main" id="{9118EFF1-3CA2-47A5-9F02-672D9B02F57F}"/>
+                </a:ext>
+              </a:extLst>
+            </p:cNvPr>
+            <p:cNvSpPr/>
+            <p:nvPr/>
+          </p:nvSpPr>
+          <p:spPr>
+            <a:xfrm>
+              <a:off x="540000" y="2448947"/>
+              <a:ext cx="262800" cy="262339"/>
+            </a:xfrm>
+            <a:prstGeom prst="flowChartAlternateProcess">
+              <a:avLst/>
+            </a:prstGeom>
+            <a:solidFill>
+              <a:srgbClr val="FF5B5B"/>
+            </a:solidFill>
+            <a:ln w="19050">
+              <a:solidFill>
+                <a:srgbClr val="C00000"/>
+              </a:solidFill>
+            </a:ln>
+          </p:spPr>
+          <p:style>
+            <a:lnRef idx="2">
+              <a:schemeClr val="accent2">
+                <a:shade val="50000"/>
+              </a:schemeClr>
+            </a:lnRef>
+            <a:fillRef idx="1">
+              <a:schemeClr val="accent2"/>
+            </a:fillRef>
+            <a:effectRef idx="0">
+              <a:schemeClr val="accent2"/>
+            </a:effectRef>
+            <a:fontRef idx="minor">
+              <a:schemeClr val="lt1"/>
+            </a:fontRef>
+          </p:style>
+          <p:txBody>
+            <a:bodyPr rot="0" spcFirstLastPara="0" vertOverflow="overflow" horzOverflow="overflow" vert="horz" wrap="square" lIns="0" tIns="0" rIns="0" bIns="0" numCol="1" spcCol="0" rtlCol="0" fromWordArt="0" anchor="ctr" anchorCtr="0" forceAA="0" compatLnSpc="1">
+              <a:prstTxWarp prst="textNoShape">
+                <a:avLst/>
+              </a:prstTxWarp>
+              <a:noAutofit/>
+            </a:bodyPr>
+            <a:lstStyle/>
+            <a:p>
+              <a:pPr algn="ctr"/>
+              <a:endParaRPr lang="en-AU" sz="1050" b="1" dirty="0">
+                <a:latin typeface="Consolas" panose="020B0609020204030204" pitchFamily="49" charset="0"/>
+                <a:ea typeface="Yu Gothic" panose="020B0400000000000000" pitchFamily="34" charset="-128"/>
+              </a:endParaRPr>
+            </a:p>
+          </p:txBody>
+        </p:sp>
+        <p:sp>
+          <p:nvSpPr>
+            <p:cNvPr id="111" name="Flowchart: Alternate Process 110">
+              <a:extLst>
+                <a:ext uri="{FF2B5EF4-FFF2-40B4-BE49-F238E27FC236}">
+                  <a16:creationId xmlns:a16="http://schemas.microsoft.com/office/drawing/2014/main" id="{111C510F-7A4F-4F9D-A0E9-5889D8E85153}"/>
+                </a:ext>
+              </a:extLst>
+            </p:cNvPr>
+            <p:cNvSpPr/>
+            <p:nvPr/>
+          </p:nvSpPr>
+          <p:spPr>
+            <a:xfrm>
+              <a:off x="540000" y="1196305"/>
+              <a:ext cx="262800" cy="262339"/>
+            </a:xfrm>
+            <a:prstGeom prst="flowChartAlternateProcess">
+              <a:avLst/>
+            </a:prstGeom>
+            <a:ln w="19050"/>
+          </p:spPr>
+          <p:style>
+            <a:lnRef idx="2">
+              <a:schemeClr val="accent6">
+                <a:shade val="50000"/>
+              </a:schemeClr>
+            </a:lnRef>
+            <a:fillRef idx="1">
+              <a:schemeClr val="accent6"/>
+            </a:fillRef>
+            <a:effectRef idx="0">
+              <a:schemeClr val="accent6"/>
+            </a:effectRef>
+            <a:fontRef idx="minor">
+              <a:schemeClr val="lt1"/>
+            </a:fontRef>
+          </p:style>
+          <p:txBody>
+            <a:bodyPr rot="0" spcFirstLastPara="0" vertOverflow="overflow" horzOverflow="overflow" vert="horz" wrap="square" lIns="0" tIns="0" rIns="0" bIns="0" numCol="1" spcCol="0" rtlCol="0" fromWordArt="0" anchor="ctr" anchorCtr="0" forceAA="0" compatLnSpc="1">
+              <a:prstTxWarp prst="textNoShape">
+                <a:avLst/>
+              </a:prstTxWarp>
+              <a:noAutofit/>
+            </a:bodyPr>
+            <a:lstStyle/>
+            <a:p>
+              <a:pPr algn="ctr"/>
+              <a:endParaRPr lang="en-AU" sz="1050" dirty="0">
+                <a:latin typeface="Consolas" panose="020B0609020204030204" pitchFamily="49" charset="0"/>
+                <a:ea typeface="Yu Gothic" panose="020B0400000000000000" pitchFamily="34" charset="-128"/>
+              </a:endParaRPr>
+            </a:p>
+          </p:txBody>
+        </p:sp>
+        <p:sp>
+          <p:nvSpPr>
+            <p:cNvPr id="115" name="Flowchart: Alternate Process 114">
+              <a:extLst>
+                <a:ext uri="{FF2B5EF4-FFF2-40B4-BE49-F238E27FC236}">
+                  <a16:creationId xmlns:a16="http://schemas.microsoft.com/office/drawing/2014/main" id="{9886B81B-4A38-4133-982D-A195F7A44D21}"/>
+                </a:ext>
+              </a:extLst>
+            </p:cNvPr>
+            <p:cNvSpPr/>
+            <p:nvPr/>
+          </p:nvSpPr>
+          <p:spPr>
+            <a:xfrm>
+              <a:off x="540000" y="778758"/>
+              <a:ext cx="262800" cy="262339"/>
+            </a:xfrm>
+            <a:prstGeom prst="flowChartAlternateProcess">
+              <a:avLst/>
+            </a:prstGeom>
+            <a:ln w="19050"/>
+          </p:spPr>
+          <p:style>
+            <a:lnRef idx="2">
+              <a:schemeClr val="accent4">
+                <a:shade val="50000"/>
+              </a:schemeClr>
+            </a:lnRef>
+            <a:fillRef idx="1">
+              <a:schemeClr val="accent4"/>
+            </a:fillRef>
+            <a:effectRef idx="0">
+              <a:schemeClr val="accent4"/>
+            </a:effectRef>
+            <a:fontRef idx="minor">
+              <a:schemeClr val="lt1"/>
+            </a:fontRef>
+          </p:style>
+          <p:txBody>
+            <a:bodyPr rot="0" spcFirstLastPara="0" vertOverflow="overflow" horzOverflow="overflow" vert="horz" wrap="square" lIns="0" tIns="0" rIns="0" bIns="0" numCol="1" spcCol="0" rtlCol="0" fromWordArt="0" anchor="ctr" anchorCtr="0" forceAA="0" compatLnSpc="1">
+              <a:prstTxWarp prst="textNoShape">
+                <a:avLst/>
+              </a:prstTxWarp>
+              <a:noAutofit/>
+            </a:bodyPr>
+            <a:lstStyle/>
+            <a:p>
+              <a:pPr algn="ctr"/>
+              <a:endParaRPr lang="en-AU" sz="1050" dirty="0">
+                <a:latin typeface="Consolas" panose="020B0609020204030204" pitchFamily="49" charset="0"/>
+                <a:ea typeface="Yu Gothic" panose="020B0400000000000000" pitchFamily="34" charset="-128"/>
+              </a:endParaRPr>
+            </a:p>
+          </p:txBody>
+        </p:sp>
+        <p:sp>
+          <p:nvSpPr>
+            <p:cNvPr id="116" name="Flowchart: Alternate Process 115">
+              <a:extLst>
+                <a:ext uri="{FF2B5EF4-FFF2-40B4-BE49-F238E27FC236}">
+                  <a16:creationId xmlns:a16="http://schemas.microsoft.com/office/drawing/2014/main" id="{86C688A5-79BD-4740-8B5F-3CD133CA2329}"/>
+                </a:ext>
+              </a:extLst>
+            </p:cNvPr>
+            <p:cNvSpPr/>
+            <p:nvPr/>
+          </p:nvSpPr>
+          <p:spPr>
+            <a:xfrm>
+              <a:off x="882589" y="1613852"/>
+              <a:ext cx="2740749" cy="262339"/>
+            </a:xfrm>
+            <a:prstGeom prst="flowChartAlternateProcess">
+              <a:avLst/>
+            </a:prstGeom>
+            <a:ln>
+              <a:noFill/>
+            </a:ln>
+          </p:spPr>
+          <p:style>
+            <a:lnRef idx="2">
+              <a:schemeClr val="dk1"/>
+            </a:lnRef>
+            <a:fillRef idx="1">
+              <a:schemeClr val="lt1"/>
+            </a:fillRef>
+            <a:effectRef idx="0">
+              <a:schemeClr val="dk1"/>
+            </a:effectRef>
+            <a:fontRef idx="minor">
+              <a:schemeClr val="dk1"/>
+            </a:fontRef>
+          </p:style>
+          <p:txBody>
+            <a:bodyPr rot="0" spcFirstLastPara="0" vertOverflow="overflow" horzOverflow="overflow" vert="horz" wrap="square" lIns="0" tIns="0" rIns="0" bIns="0" numCol="1" spcCol="0" rtlCol="0" fromWordArt="0" anchor="ctr" anchorCtr="0" forceAA="0" compatLnSpc="1">
+              <a:prstTxWarp prst="textNoShape">
+                <a:avLst/>
+              </a:prstTxWarp>
+              <a:noAutofit/>
+            </a:bodyPr>
+            <a:lstStyle/>
+            <a:p>
+              <a:r>
+                <a:rPr lang="en-AU" sz="1050" dirty="0">
+                  <a:latin typeface="Consolas" panose="020B0609020204030204" pitchFamily="49" charset="0"/>
+                  <a:ea typeface="Yu Gothic" panose="020B0400000000000000" pitchFamily="34" charset="-128"/>
+                </a:rPr>
+                <a:t>Controls and Decision Making</a:t>
+              </a:r>
+            </a:p>
+          </p:txBody>
+        </p:sp>
+        <p:sp>
+          <p:nvSpPr>
+            <p:cNvPr id="117" name="Flowchart: Alternate Process 116">
+              <a:extLst>
+                <a:ext uri="{FF2B5EF4-FFF2-40B4-BE49-F238E27FC236}">
+                  <a16:creationId xmlns:a16="http://schemas.microsoft.com/office/drawing/2014/main" id="{8370B284-D352-4605-B4AA-F2DC58C96A38}"/>
+                </a:ext>
+              </a:extLst>
+            </p:cNvPr>
+            <p:cNvSpPr/>
+            <p:nvPr/>
+          </p:nvSpPr>
+          <p:spPr>
+            <a:xfrm>
+              <a:off x="882589" y="2031399"/>
+              <a:ext cx="2740749" cy="262339"/>
+            </a:xfrm>
+            <a:prstGeom prst="flowChartAlternateProcess">
+              <a:avLst/>
+            </a:prstGeom>
+            <a:ln>
+              <a:noFill/>
+            </a:ln>
+          </p:spPr>
+          <p:style>
+            <a:lnRef idx="2">
+              <a:schemeClr val="dk1"/>
+            </a:lnRef>
+            <a:fillRef idx="1">
+              <a:schemeClr val="lt1"/>
+            </a:fillRef>
+            <a:effectRef idx="0">
+              <a:schemeClr val="dk1"/>
+            </a:effectRef>
+            <a:fontRef idx="minor">
+              <a:schemeClr val="dk1"/>
+            </a:fontRef>
+          </p:style>
+          <p:txBody>
+            <a:bodyPr rot="0" spcFirstLastPara="0" vertOverflow="overflow" horzOverflow="overflow" vert="horz" wrap="square" lIns="0" tIns="0" rIns="0" bIns="0" numCol="1" spcCol="0" rtlCol="0" fromWordArt="0" anchor="ctr" anchorCtr="0" forceAA="0" compatLnSpc="1">
+              <a:prstTxWarp prst="textNoShape">
+                <a:avLst/>
+              </a:prstTxWarp>
+              <a:noAutofit/>
+            </a:bodyPr>
+            <a:lstStyle/>
+            <a:p>
+              <a:r>
+                <a:rPr lang="en-AU" sz="1050" dirty="0">
+                  <a:latin typeface="Consolas" panose="020B0609020204030204" pitchFamily="49" charset="0"/>
+                  <a:ea typeface="Yu Gothic" panose="020B0400000000000000" pitchFamily="34" charset="-128"/>
+                </a:rPr>
+                <a:t>Communications</a:t>
+              </a:r>
+            </a:p>
+          </p:txBody>
+        </p:sp>
+        <p:sp>
+          <p:nvSpPr>
+            <p:cNvPr id="118" name="Flowchart: Alternate Process 117">
+              <a:extLst>
+                <a:ext uri="{FF2B5EF4-FFF2-40B4-BE49-F238E27FC236}">
+                  <a16:creationId xmlns:a16="http://schemas.microsoft.com/office/drawing/2014/main" id="{C4A680EC-8CFA-4435-B0D5-1D42C5281F6F}"/>
+                </a:ext>
+              </a:extLst>
+            </p:cNvPr>
+            <p:cNvSpPr/>
+            <p:nvPr/>
+          </p:nvSpPr>
+          <p:spPr>
+            <a:xfrm>
+              <a:off x="882589" y="2448947"/>
+              <a:ext cx="2740749" cy="262339"/>
+            </a:xfrm>
+            <a:prstGeom prst="flowChartAlternateProcess">
+              <a:avLst/>
+            </a:prstGeom>
+            <a:ln>
+              <a:noFill/>
+            </a:ln>
+          </p:spPr>
+          <p:style>
+            <a:lnRef idx="2">
+              <a:schemeClr val="dk1"/>
+            </a:lnRef>
+            <a:fillRef idx="1">
+              <a:schemeClr val="lt1"/>
+            </a:fillRef>
+            <a:effectRef idx="0">
+              <a:schemeClr val="dk1"/>
+            </a:effectRef>
+            <a:fontRef idx="minor">
+              <a:schemeClr val="dk1"/>
+            </a:fontRef>
+          </p:style>
+          <p:txBody>
+            <a:bodyPr rot="0" spcFirstLastPara="0" vertOverflow="overflow" horzOverflow="overflow" vert="horz" wrap="square" lIns="0" tIns="0" rIns="0" bIns="0" numCol="1" spcCol="0" rtlCol="0" fromWordArt="0" anchor="ctr" anchorCtr="0" forceAA="0" compatLnSpc="1">
+              <a:prstTxWarp prst="textNoShape">
+                <a:avLst/>
+              </a:prstTxWarp>
+              <a:noAutofit/>
+            </a:bodyPr>
+            <a:lstStyle/>
+            <a:p>
+              <a:r>
+                <a:rPr lang="en-AU" sz="1050" dirty="0">
+                  <a:latin typeface="Consolas" panose="020B0609020204030204" pitchFamily="49" charset="0"/>
+                  <a:ea typeface="Yu Gothic" panose="020B0400000000000000" pitchFamily="34" charset="-128"/>
+                </a:rPr>
+                <a:t>Outside of Scope</a:t>
+              </a:r>
+            </a:p>
+          </p:txBody>
+        </p:sp>
+        <p:sp>
+          <p:nvSpPr>
+            <p:cNvPr id="119" name="Flowchart: Alternate Process 118">
+              <a:extLst>
+                <a:ext uri="{FF2B5EF4-FFF2-40B4-BE49-F238E27FC236}">
+                  <a16:creationId xmlns:a16="http://schemas.microsoft.com/office/drawing/2014/main" id="{4957598A-DED2-4468-80DD-2244A58967DD}"/>
+                </a:ext>
+              </a:extLst>
+            </p:cNvPr>
+            <p:cNvSpPr/>
+            <p:nvPr/>
+          </p:nvSpPr>
+          <p:spPr>
+            <a:xfrm>
+              <a:off x="882589" y="1196305"/>
+              <a:ext cx="2740749" cy="262339"/>
+            </a:xfrm>
+            <a:prstGeom prst="flowChartAlternateProcess">
+              <a:avLst/>
+            </a:prstGeom>
+            <a:ln>
+              <a:noFill/>
+            </a:ln>
+          </p:spPr>
+          <p:style>
+            <a:lnRef idx="2">
+              <a:schemeClr val="dk1"/>
+            </a:lnRef>
+            <a:fillRef idx="1">
+              <a:schemeClr val="lt1"/>
+            </a:fillRef>
+            <a:effectRef idx="0">
+              <a:schemeClr val="dk1"/>
+            </a:effectRef>
+            <a:fontRef idx="minor">
+              <a:schemeClr val="dk1"/>
+            </a:fontRef>
+          </p:style>
+          <p:txBody>
+            <a:bodyPr rot="0" spcFirstLastPara="0" vertOverflow="overflow" horzOverflow="overflow" vert="horz" wrap="square" lIns="0" tIns="0" rIns="0" bIns="0" numCol="1" spcCol="0" rtlCol="0" fromWordArt="0" anchor="ctr" anchorCtr="0" forceAA="0" compatLnSpc="1">
+              <a:prstTxWarp prst="textNoShape">
+                <a:avLst/>
+              </a:prstTxWarp>
+              <a:noAutofit/>
+            </a:bodyPr>
+            <a:lstStyle/>
+            <a:p>
+              <a:r>
+                <a:rPr lang="en-AU" sz="1050" dirty="0">
+                  <a:latin typeface="Consolas" panose="020B0609020204030204" pitchFamily="49" charset="0"/>
+                  <a:ea typeface="Yu Gothic" panose="020B0400000000000000" pitchFamily="34" charset="-128"/>
+                </a:rPr>
+                <a:t>Force applied by &amp; to Exoskeleton </a:t>
+              </a:r>
+            </a:p>
+          </p:txBody>
+        </p:sp>
+        <p:sp>
+          <p:nvSpPr>
+            <p:cNvPr id="120" name="Flowchart: Alternate Process 119">
+              <a:extLst>
+                <a:ext uri="{FF2B5EF4-FFF2-40B4-BE49-F238E27FC236}">
+                  <a16:creationId xmlns:a16="http://schemas.microsoft.com/office/drawing/2014/main" id="{805B0755-7490-4908-BDD0-A90D244A26A5}"/>
+                </a:ext>
+              </a:extLst>
+            </p:cNvPr>
+            <p:cNvSpPr/>
+            <p:nvPr/>
+          </p:nvSpPr>
+          <p:spPr>
+            <a:xfrm>
+              <a:off x="882589" y="778758"/>
+              <a:ext cx="2740749" cy="262339"/>
+            </a:xfrm>
+            <a:prstGeom prst="flowChartAlternateProcess">
+              <a:avLst/>
+            </a:prstGeom>
+            <a:ln>
+              <a:noFill/>
+            </a:ln>
+          </p:spPr>
+          <p:style>
+            <a:lnRef idx="2">
+              <a:schemeClr val="dk1"/>
+            </a:lnRef>
+            <a:fillRef idx="1">
+              <a:schemeClr val="lt1"/>
+            </a:fillRef>
+            <a:effectRef idx="0">
+              <a:schemeClr val="dk1"/>
+            </a:effectRef>
+            <a:fontRef idx="minor">
+              <a:schemeClr val="dk1"/>
+            </a:fontRef>
+          </p:style>
+          <p:txBody>
+            <a:bodyPr rot="0" spcFirstLastPara="0" vertOverflow="overflow" horzOverflow="overflow" vert="horz" wrap="square" lIns="0" tIns="0" rIns="0" bIns="0" numCol="1" spcCol="0" rtlCol="0" fromWordArt="0" anchor="ctr" anchorCtr="0" forceAA="0" compatLnSpc="1">
+              <a:prstTxWarp prst="textNoShape">
+                <a:avLst/>
+              </a:prstTxWarp>
+              <a:noAutofit/>
+            </a:bodyPr>
+            <a:lstStyle/>
+            <a:p>
+              <a:r>
+                <a:rPr lang="en-AU" sz="1050" dirty="0">
+                  <a:latin typeface="Consolas" panose="020B0609020204030204" pitchFamily="49" charset="0"/>
+                  <a:ea typeface="Yu Gothic" panose="020B0400000000000000" pitchFamily="34" charset="-128"/>
+                </a:rPr>
+                <a:t>Relative Position of Pilot </a:t>
+              </a:r>
+            </a:p>
+          </p:txBody>
+        </p:sp>
+        <p:sp>
+          <p:nvSpPr>
+            <p:cNvPr id="11" name="Flowchart: Alternate Process 10">
+              <a:extLst>
+                <a:ext uri="{FF2B5EF4-FFF2-40B4-BE49-F238E27FC236}">
+                  <a16:creationId xmlns:a16="http://schemas.microsoft.com/office/drawing/2014/main" id="{443A859A-B689-42EF-9FCF-B7DE5F1E381D}"/>
+                </a:ext>
+              </a:extLst>
+            </p:cNvPr>
+            <p:cNvSpPr/>
+            <p:nvPr/>
+          </p:nvSpPr>
+          <p:spPr>
+            <a:xfrm>
+              <a:off x="540000" y="4066893"/>
+              <a:ext cx="1262618" cy="836484"/>
+            </a:xfrm>
+            <a:prstGeom prst="flowChartAlternateProcess">
+              <a:avLst/>
+            </a:prstGeom>
+            <a:solidFill>
+              <a:srgbClr val="FF5B5B"/>
+            </a:solidFill>
+            <a:ln w="19050">
+              <a:solidFill>
+                <a:srgbClr val="C00000"/>
+              </a:solidFill>
+            </a:ln>
+          </p:spPr>
+          <p:style>
+            <a:lnRef idx="2">
+              <a:schemeClr val="accent2">
+                <a:shade val="50000"/>
+              </a:schemeClr>
+            </a:lnRef>
+            <a:fillRef idx="1">
+              <a:schemeClr val="accent2"/>
+            </a:fillRef>
+            <a:effectRef idx="0">
+              <a:schemeClr val="accent2"/>
+            </a:effectRef>
+            <a:fontRef idx="minor">
+              <a:schemeClr val="lt1"/>
+            </a:fontRef>
+          </p:style>
+          <p:txBody>
+            <a:bodyPr rot="0" spcFirstLastPara="0" vertOverflow="overflow" horzOverflow="overflow" vert="horz" wrap="square" lIns="0" tIns="0" rIns="0" bIns="0" numCol="1" spcCol="0" rtlCol="0" fromWordArt="0" anchor="ctr" anchorCtr="0" forceAA="0" compatLnSpc="1">
+              <a:prstTxWarp prst="textNoShape">
+                <a:avLst/>
+              </a:prstTxWarp>
+              <a:noAutofit/>
+            </a:bodyPr>
+            <a:lstStyle/>
+            <a:p>
+              <a:pPr algn="ctr"/>
+              <a:r>
+                <a:rPr lang="en-AU" sz="1050" b="1" u="sng" dirty="0">
+                  <a:latin typeface="Consolas" panose="020B0609020204030204" pitchFamily="49" charset="0"/>
+                  <a:ea typeface="Yu Gothic" panose="020B0400000000000000" pitchFamily="34" charset="-128"/>
+                </a:rPr>
+                <a:t>OUTSIDE OF SCOPE</a:t>
+              </a:r>
+              <a:endParaRPr lang="en-AU" sz="1050" dirty="0">
+                <a:latin typeface="Consolas" panose="020B0609020204030204" pitchFamily="49" charset="0"/>
+                <a:ea typeface="Yu Gothic" panose="020B0400000000000000" pitchFamily="34" charset="-128"/>
+              </a:endParaRPr>
+            </a:p>
+            <a:p>
+              <a:pPr algn="ctr"/>
+              <a:r>
+                <a:rPr lang="en-AU" sz="1050" dirty="0">
+                  <a:latin typeface="Consolas" panose="020B0609020204030204" pitchFamily="49" charset="0"/>
+                  <a:ea typeface="Yu Gothic" panose="020B0400000000000000" pitchFamily="34" charset="-128"/>
+                </a:rPr>
+                <a:t>Measure position of suit</a:t>
+              </a:r>
+            </a:p>
+          </p:txBody>
+        </p:sp>
+        <p:sp>
+          <p:nvSpPr>
+            <p:cNvPr id="42" name="Flowchart: Alternate Process 41">
+              <a:extLst>
+                <a:ext uri="{FF2B5EF4-FFF2-40B4-BE49-F238E27FC236}">
+                  <a16:creationId xmlns:a16="http://schemas.microsoft.com/office/drawing/2014/main" id="{DE5AB3E2-694F-4518-A0AA-91EF6CF6D67E}"/>
+                </a:ext>
+              </a:extLst>
+            </p:cNvPr>
+            <p:cNvSpPr/>
+            <p:nvPr/>
+          </p:nvSpPr>
+          <p:spPr>
+            <a:xfrm>
+              <a:off x="540000" y="5162939"/>
+              <a:ext cx="1262618" cy="836484"/>
+            </a:xfrm>
+            <a:prstGeom prst="flowChartAlternateProcess">
+              <a:avLst/>
+            </a:prstGeom>
+            <a:solidFill>
+              <a:srgbClr val="FF5B5B"/>
+            </a:solidFill>
+            <a:ln w="19050">
+              <a:solidFill>
+                <a:srgbClr val="C00000"/>
+              </a:solidFill>
+            </a:ln>
+          </p:spPr>
+          <p:style>
+            <a:lnRef idx="2">
+              <a:schemeClr val="accent2">
+                <a:shade val="50000"/>
+              </a:schemeClr>
+            </a:lnRef>
+            <a:fillRef idx="1">
+              <a:schemeClr val="accent2"/>
+            </a:fillRef>
+            <a:effectRef idx="0">
+              <a:schemeClr val="accent2"/>
+            </a:effectRef>
+            <a:fontRef idx="minor">
+              <a:schemeClr val="lt1"/>
+            </a:fontRef>
+          </p:style>
+          <p:txBody>
+            <a:bodyPr rot="0" spcFirstLastPara="0" vertOverflow="overflow" horzOverflow="overflow" vert="horz" wrap="square" lIns="0" tIns="0" rIns="0" bIns="0" numCol="1" spcCol="0" rtlCol="0" fromWordArt="0" anchor="ctr" anchorCtr="0" forceAA="0" compatLnSpc="1">
+              <a:prstTxWarp prst="textNoShape">
+                <a:avLst/>
+              </a:prstTxWarp>
+              <a:noAutofit/>
+            </a:bodyPr>
+            <a:lstStyle/>
+            <a:p>
+              <a:pPr algn="ctr"/>
+              <a:r>
+                <a:rPr lang="en-AU" sz="1050" b="1" u="sng" dirty="0">
+                  <a:latin typeface="Consolas" panose="020B0609020204030204" pitchFamily="49" charset="0"/>
+                  <a:ea typeface="Yu Gothic" panose="020B0400000000000000" pitchFamily="34" charset="-128"/>
+                </a:rPr>
+                <a:t>OUTSIDE OF SCOPE</a:t>
+              </a:r>
+            </a:p>
+            <a:p>
+              <a:pPr algn="ctr"/>
+              <a:r>
+                <a:rPr lang="en-AU" sz="1050" dirty="0">
+                  <a:latin typeface="Consolas" panose="020B0609020204030204" pitchFamily="49" charset="0"/>
+                  <a:ea typeface="Yu Gothic" panose="020B0400000000000000" pitchFamily="34" charset="-128"/>
+                </a:rPr>
+                <a:t>Regulate torque output of actuators</a:t>
+              </a:r>
+            </a:p>
+          </p:txBody>
+        </p:sp>
+        <p:sp>
+          <p:nvSpPr>
+            <p:cNvPr id="4" name="Flowchart: Alternate Process 3">
+              <a:extLst>
+                <a:ext uri="{FF2B5EF4-FFF2-40B4-BE49-F238E27FC236}">
+                  <a16:creationId xmlns:a16="http://schemas.microsoft.com/office/drawing/2014/main" id="{ED27B7A8-34C4-4CFF-B46F-55193AB8B3E3}"/>
+                </a:ext>
+              </a:extLst>
+            </p:cNvPr>
+            <p:cNvSpPr/>
+            <p:nvPr/>
+          </p:nvSpPr>
+          <p:spPr>
+            <a:xfrm>
+              <a:off x="4321691" y="778758"/>
+              <a:ext cx="1262618" cy="836484"/>
+            </a:xfrm>
+            <a:prstGeom prst="flowChartAlternateProcess">
+              <a:avLst/>
+            </a:prstGeom>
+            <a:ln w="19050"/>
+          </p:spPr>
+          <p:style>
+            <a:lnRef idx="2">
+              <a:schemeClr val="dk1"/>
+            </a:lnRef>
+            <a:fillRef idx="1">
+              <a:schemeClr val="lt1"/>
+            </a:fillRef>
+            <a:effectRef idx="0">
+              <a:schemeClr val="dk1"/>
+            </a:effectRef>
+            <a:fontRef idx="minor">
+              <a:schemeClr val="dk1"/>
+            </a:fontRef>
+          </p:style>
+          <p:txBody>
+            <a:bodyPr rot="0" spcFirstLastPara="0" vertOverflow="overflow" horzOverflow="overflow" vert="horz" wrap="square" lIns="0" tIns="0" rIns="0" bIns="0" numCol="1" spcCol="0" rtlCol="0" fromWordArt="0" anchor="ctr" anchorCtr="0" forceAA="0" compatLnSpc="1">
+              <a:prstTxWarp prst="textNoShape">
+                <a:avLst/>
+              </a:prstTxWarp>
+              <a:noAutofit/>
+            </a:bodyPr>
+            <a:lstStyle/>
+            <a:p>
+              <a:pPr algn="ctr"/>
+              <a:r>
+                <a:rPr lang="en-AU" sz="1050" dirty="0">
+                  <a:latin typeface="Consolas" panose="020B0609020204030204" pitchFamily="49" charset="0"/>
+                  <a:ea typeface="Yu Gothic" panose="020B0400000000000000" pitchFamily="34" charset="-128"/>
+                </a:rPr>
+                <a:t>Achieve/approach the desired position of the suit</a:t>
+              </a:r>
+            </a:p>
+          </p:txBody>
+        </p:sp>
+        <p:sp>
+          <p:nvSpPr>
+            <p:cNvPr id="5" name="Flowchart: Alternate Process 4">
+              <a:extLst>
+                <a:ext uri="{FF2B5EF4-FFF2-40B4-BE49-F238E27FC236}">
+                  <a16:creationId xmlns:a16="http://schemas.microsoft.com/office/drawing/2014/main" id="{96A3839F-D4C5-4194-AC7C-84D6F95C7CF2}"/>
+                </a:ext>
+              </a:extLst>
+            </p:cNvPr>
+            <p:cNvSpPr/>
+            <p:nvPr/>
+          </p:nvSpPr>
+          <p:spPr>
+            <a:xfrm>
+              <a:off x="4321691" y="1874803"/>
+              <a:ext cx="1262618" cy="836484"/>
+            </a:xfrm>
+            <a:prstGeom prst="flowChartAlternateProcess">
+              <a:avLst/>
+            </a:prstGeom>
+            <a:ln w="19050"/>
+          </p:spPr>
+          <p:style>
+            <a:lnRef idx="2">
+              <a:schemeClr val="dk1"/>
+            </a:lnRef>
+            <a:fillRef idx="1">
+              <a:schemeClr val="lt1"/>
+            </a:fillRef>
+            <a:effectRef idx="0">
+              <a:schemeClr val="dk1"/>
+            </a:effectRef>
+            <a:fontRef idx="minor">
+              <a:schemeClr val="dk1"/>
+            </a:fontRef>
+          </p:style>
+          <p:txBody>
+            <a:bodyPr rot="0" spcFirstLastPara="0" vertOverflow="overflow" horzOverflow="overflow" vert="horz" wrap="square" lIns="0" tIns="0" rIns="0" bIns="0" numCol="1" spcCol="0" rtlCol="0" fromWordArt="0" anchor="ctr" anchorCtr="0" forceAA="0" compatLnSpc="1">
+              <a:prstTxWarp prst="textNoShape">
+                <a:avLst/>
+              </a:prstTxWarp>
+              <a:noAutofit/>
+            </a:bodyPr>
+            <a:lstStyle/>
+            <a:p>
+              <a:pPr algn="ctr"/>
+              <a:r>
+                <a:rPr lang="en-AU" sz="1050" dirty="0">
+                  <a:latin typeface="Consolas" panose="020B0609020204030204" pitchFamily="49" charset="0"/>
+                  <a:ea typeface="Yu Gothic" panose="020B0400000000000000" pitchFamily="34" charset="-128"/>
+                </a:rPr>
+                <a:t>Observe and apply currently required change in commands</a:t>
+              </a:r>
+            </a:p>
+          </p:txBody>
+        </p:sp>
+        <p:sp>
+          <p:nvSpPr>
+            <p:cNvPr id="6" name="Flowchart: Alternate Process 5">
+              <a:extLst>
+                <a:ext uri="{FF2B5EF4-FFF2-40B4-BE49-F238E27FC236}">
+                  <a16:creationId xmlns:a16="http://schemas.microsoft.com/office/drawing/2014/main" id="{CBEC67C4-8145-4EDC-B6E6-4E3AB4BA141C}"/>
+                </a:ext>
+              </a:extLst>
+            </p:cNvPr>
+            <p:cNvSpPr/>
+            <p:nvPr/>
+          </p:nvSpPr>
+          <p:spPr>
+            <a:xfrm>
+              <a:off x="2052676" y="2970848"/>
+              <a:ext cx="1262618" cy="836484"/>
+            </a:xfrm>
+            <a:prstGeom prst="flowChartAlternateProcess">
+              <a:avLst/>
+            </a:prstGeom>
+            <a:ln w="19050"/>
+          </p:spPr>
+          <p:style>
+            <a:lnRef idx="2">
+              <a:schemeClr val="accent6">
+                <a:shade val="50000"/>
+              </a:schemeClr>
+            </a:lnRef>
+            <a:fillRef idx="1">
+              <a:schemeClr val="accent6"/>
+            </a:fillRef>
+            <a:effectRef idx="0">
+              <a:schemeClr val="accent6"/>
+            </a:effectRef>
+            <a:fontRef idx="minor">
+              <a:schemeClr val="lt1"/>
+            </a:fontRef>
+          </p:style>
+          <p:txBody>
+            <a:bodyPr rot="0" spcFirstLastPara="0" vertOverflow="overflow" horzOverflow="overflow" vert="horz" wrap="square" lIns="0" tIns="0" rIns="0" bIns="0" numCol="1" spcCol="0" rtlCol="0" fromWordArt="0" anchor="ctr" anchorCtr="0" forceAA="0" compatLnSpc="1">
+              <a:prstTxWarp prst="textNoShape">
+                <a:avLst/>
+              </a:prstTxWarp>
+              <a:noAutofit/>
+            </a:bodyPr>
+            <a:lstStyle/>
+            <a:p>
+              <a:pPr algn="ctr"/>
+              <a:r>
+                <a:rPr lang="en-AU" sz="1050" dirty="0">
+                  <a:latin typeface="Consolas" panose="020B0609020204030204" pitchFamily="49" charset="0"/>
+                  <a:ea typeface="Yu Gothic" panose="020B0400000000000000" pitchFamily="34" charset="-128"/>
+                </a:rPr>
+                <a:t>Observe current state of suit</a:t>
+              </a:r>
+            </a:p>
+          </p:txBody>
+        </p:sp>
+        <p:sp>
+          <p:nvSpPr>
+            <p:cNvPr id="10" name="Flowchart: Alternate Process 9">
+              <a:extLst>
+                <a:ext uri="{FF2B5EF4-FFF2-40B4-BE49-F238E27FC236}">
+                  <a16:creationId xmlns:a16="http://schemas.microsoft.com/office/drawing/2014/main" id="{04E96D33-931D-41ED-B785-5AAC4836DA2B}"/>
+                </a:ext>
+              </a:extLst>
+            </p:cNvPr>
+            <p:cNvSpPr/>
+            <p:nvPr/>
+          </p:nvSpPr>
+          <p:spPr>
+            <a:xfrm>
+              <a:off x="2052676" y="4066893"/>
+              <a:ext cx="1262618" cy="836484"/>
+            </a:xfrm>
+            <a:prstGeom prst="flowChartAlternateProcess">
+              <a:avLst/>
+            </a:prstGeom>
+            <a:ln w="19050"/>
+          </p:spPr>
+          <p:style>
+            <a:lnRef idx="2">
+              <a:schemeClr val="accent6">
+                <a:shade val="50000"/>
+              </a:schemeClr>
+            </a:lnRef>
+            <a:fillRef idx="1">
+              <a:schemeClr val="accent6"/>
+            </a:fillRef>
+            <a:effectRef idx="0">
+              <a:schemeClr val="accent6"/>
+            </a:effectRef>
+            <a:fontRef idx="minor">
+              <a:schemeClr val="lt1"/>
+            </a:fontRef>
+          </p:style>
+          <p:txBody>
+            <a:bodyPr rot="0" spcFirstLastPara="0" vertOverflow="overflow" horzOverflow="overflow" vert="horz" wrap="square" lIns="0" tIns="0" rIns="0" bIns="0" numCol="1" spcCol="0" rtlCol="0" fromWordArt="0" anchor="ctr" anchorCtr="0" forceAA="0" compatLnSpc="1">
+              <a:prstTxWarp prst="textNoShape">
+                <a:avLst/>
+              </a:prstTxWarp>
+              <a:noAutofit/>
+            </a:bodyPr>
+            <a:lstStyle/>
+            <a:p>
+              <a:pPr algn="ctr"/>
+              <a:r>
+                <a:rPr lang="en-AU" sz="1050" dirty="0">
+                  <a:latin typeface="Consolas" panose="020B0609020204030204" pitchFamily="49" charset="0"/>
+                  <a:ea typeface="Yu Gothic" panose="020B0400000000000000" pitchFamily="34" charset="-128"/>
+                </a:rPr>
+                <a:t>Measure suit interaction with environment (force) </a:t>
+              </a:r>
+            </a:p>
+          </p:txBody>
+        </p:sp>
+        <p:sp>
+          <p:nvSpPr>
+            <p:cNvPr id="35" name="Flowchart: Alternate Process 34">
+              <a:extLst>
+                <a:ext uri="{FF2B5EF4-FFF2-40B4-BE49-F238E27FC236}">
+                  <a16:creationId xmlns:a16="http://schemas.microsoft.com/office/drawing/2014/main" id="{2BF16F38-5994-4A2C-9431-5E8CE547BC25}"/>
+                </a:ext>
+              </a:extLst>
+            </p:cNvPr>
+            <p:cNvSpPr/>
+            <p:nvPr/>
+          </p:nvSpPr>
+          <p:spPr>
+            <a:xfrm>
+              <a:off x="2052676" y="5162939"/>
+              <a:ext cx="1262618" cy="836484"/>
+            </a:xfrm>
+            <a:prstGeom prst="flowChartAlternateProcess">
+              <a:avLst/>
+            </a:prstGeom>
+            <a:ln w="19050"/>
+          </p:spPr>
+          <p:style>
+            <a:lnRef idx="2">
+              <a:schemeClr val="accent6">
+                <a:shade val="50000"/>
+              </a:schemeClr>
+            </a:lnRef>
+            <a:fillRef idx="1">
+              <a:schemeClr val="accent6"/>
+            </a:fillRef>
+            <a:effectRef idx="0">
+              <a:schemeClr val="accent6"/>
+            </a:effectRef>
+            <a:fontRef idx="minor">
+              <a:schemeClr val="lt1"/>
+            </a:fontRef>
+          </p:style>
+          <p:txBody>
+            <a:bodyPr rot="0" spcFirstLastPara="0" vertOverflow="overflow" horzOverflow="overflow" vert="horz" wrap="square" lIns="0" tIns="0" rIns="0" bIns="0" numCol="1" spcCol="0" rtlCol="0" fromWordArt="0" anchor="ctr" anchorCtr="0" forceAA="0" compatLnSpc="1">
+              <a:prstTxWarp prst="textNoShape">
+                <a:avLst/>
+              </a:prstTxWarp>
+              <a:noAutofit/>
+            </a:bodyPr>
+            <a:lstStyle/>
+            <a:p>
+              <a:pPr algn="ctr"/>
+              <a:r>
+                <a:rPr lang="en-AU" sz="1050" dirty="0">
+                  <a:latin typeface="Consolas" panose="020B0609020204030204" pitchFamily="49" charset="0"/>
+                  <a:ea typeface="Yu Gothic" panose="020B0400000000000000" pitchFamily="34" charset="-128"/>
+                </a:rPr>
+                <a:t>Measure force applied at external contact points</a:t>
+              </a:r>
+            </a:p>
+          </p:txBody>
+        </p:sp>
+        <p:sp>
+          <p:nvSpPr>
+            <p:cNvPr id="9" name="Flowchart: Alternate Process 8">
+              <a:extLst>
+                <a:ext uri="{FF2B5EF4-FFF2-40B4-BE49-F238E27FC236}">
+                  <a16:creationId xmlns:a16="http://schemas.microsoft.com/office/drawing/2014/main" id="{A63D1470-FBE3-48D4-8461-35122716F401}"/>
+                </a:ext>
+              </a:extLst>
+            </p:cNvPr>
+            <p:cNvSpPr/>
+            <p:nvPr/>
+          </p:nvSpPr>
+          <p:spPr>
+            <a:xfrm>
+              <a:off x="3565352" y="4066893"/>
+              <a:ext cx="1262618" cy="836484"/>
+            </a:xfrm>
+            <a:prstGeom prst="flowChartAlternateProcess">
+              <a:avLst/>
+            </a:prstGeom>
+            <a:ln w="19050"/>
+          </p:spPr>
+          <p:style>
+            <a:lnRef idx="2">
+              <a:schemeClr val="accent6">
+                <a:shade val="50000"/>
+              </a:schemeClr>
+            </a:lnRef>
+            <a:fillRef idx="1">
+              <a:schemeClr val="accent6"/>
+            </a:fillRef>
+            <a:effectRef idx="0">
+              <a:schemeClr val="accent6"/>
+            </a:effectRef>
+            <a:fontRef idx="minor">
+              <a:schemeClr val="lt1"/>
+            </a:fontRef>
+          </p:style>
+          <p:txBody>
+            <a:bodyPr rot="0" spcFirstLastPara="0" vertOverflow="overflow" horzOverflow="overflow" vert="horz" wrap="square" lIns="0" tIns="0" rIns="0" bIns="0" numCol="1" spcCol="0" rtlCol="0" fromWordArt="0" anchor="ctr" anchorCtr="0" forceAA="0" compatLnSpc="1">
+              <a:prstTxWarp prst="textNoShape">
+                <a:avLst/>
+              </a:prstTxWarp>
+              <a:noAutofit/>
+            </a:bodyPr>
+            <a:lstStyle/>
+            <a:p>
+              <a:pPr algn="ctr"/>
+              <a:r>
+                <a:rPr lang="en-AU" sz="1050" dirty="0">
+                  <a:latin typeface="Consolas" panose="020B0609020204030204" pitchFamily="49" charset="0"/>
+                  <a:ea typeface="Yu Gothic" panose="020B0400000000000000" pitchFamily="34" charset="-128"/>
+                </a:rPr>
+                <a:t>Measure pilot interaction with suit (force)</a:t>
+              </a:r>
+            </a:p>
+          </p:txBody>
+        </p:sp>
+        <p:sp>
+          <p:nvSpPr>
+            <p:cNvPr id="37" name="Flowchart: Alternate Process 36">
+              <a:extLst>
+                <a:ext uri="{FF2B5EF4-FFF2-40B4-BE49-F238E27FC236}">
+                  <a16:creationId xmlns:a16="http://schemas.microsoft.com/office/drawing/2014/main" id="{619597F8-F93B-4AD4-A251-42D24A65AD9C}"/>
+                </a:ext>
+              </a:extLst>
+            </p:cNvPr>
+            <p:cNvSpPr/>
+            <p:nvPr/>
+          </p:nvSpPr>
+          <p:spPr>
+            <a:xfrm>
+              <a:off x="3565352" y="5162939"/>
+              <a:ext cx="1262618" cy="836484"/>
+            </a:xfrm>
+            <a:prstGeom prst="flowChartAlternateProcess">
+              <a:avLst/>
+            </a:prstGeom>
+            <a:ln w="19050"/>
+          </p:spPr>
+          <p:style>
+            <a:lnRef idx="2">
+              <a:schemeClr val="accent6">
+                <a:shade val="50000"/>
+              </a:schemeClr>
+            </a:lnRef>
+            <a:fillRef idx="1">
+              <a:schemeClr val="accent6"/>
+            </a:fillRef>
+            <a:effectRef idx="0">
+              <a:schemeClr val="accent6"/>
+            </a:effectRef>
+            <a:fontRef idx="minor">
+              <a:schemeClr val="lt1"/>
+            </a:fontRef>
+          </p:style>
+          <p:txBody>
+            <a:bodyPr rot="0" spcFirstLastPara="0" vertOverflow="overflow" horzOverflow="overflow" vert="horz" wrap="square" lIns="0" tIns="0" rIns="0" bIns="0" numCol="1" spcCol="0" rtlCol="0" fromWordArt="0" anchor="ctr" anchorCtr="0" forceAA="0" compatLnSpc="1">
+              <a:prstTxWarp prst="textNoShape">
+                <a:avLst/>
+              </a:prstTxWarp>
+              <a:noAutofit/>
+            </a:bodyPr>
+            <a:lstStyle/>
+            <a:p>
+              <a:pPr algn="ctr"/>
+              <a:r>
+                <a:rPr lang="en-AU" sz="1050" dirty="0">
+                  <a:latin typeface="Consolas" panose="020B0609020204030204" pitchFamily="49" charset="0"/>
+                  <a:ea typeface="Yu Gothic" panose="020B0400000000000000" pitchFamily="34" charset="-128"/>
+                </a:rPr>
+                <a:t>Measure force applied at internal contact points</a:t>
+              </a:r>
+            </a:p>
+          </p:txBody>
+        </p:sp>
+        <p:sp>
+          <p:nvSpPr>
+            <p:cNvPr id="7" name="Flowchart: Alternate Process 6">
+              <a:extLst>
+                <a:ext uri="{FF2B5EF4-FFF2-40B4-BE49-F238E27FC236}">
+                  <a16:creationId xmlns:a16="http://schemas.microsoft.com/office/drawing/2014/main" id="{D1A998BA-C071-44B5-962E-FE337498CFC8}"/>
+                </a:ext>
+              </a:extLst>
+            </p:cNvPr>
+            <p:cNvSpPr/>
+            <p:nvPr/>
+          </p:nvSpPr>
+          <p:spPr>
+            <a:xfrm>
+              <a:off x="5078028" y="2970848"/>
+              <a:ext cx="1262618" cy="836484"/>
+            </a:xfrm>
+            <a:prstGeom prst="flowChartAlternateProcess">
+              <a:avLst/>
+            </a:prstGeom>
+            <a:ln w="19050"/>
+          </p:spPr>
+          <p:style>
+            <a:lnRef idx="2">
+              <a:schemeClr val="accent4">
+                <a:shade val="50000"/>
+              </a:schemeClr>
+            </a:lnRef>
+            <a:fillRef idx="1">
+              <a:schemeClr val="accent4"/>
+            </a:fillRef>
+            <a:effectRef idx="0">
+              <a:schemeClr val="accent4"/>
+            </a:effectRef>
+            <a:fontRef idx="minor">
+              <a:schemeClr val="lt1"/>
+            </a:fontRef>
+          </p:style>
+          <p:txBody>
+            <a:bodyPr rot="0" spcFirstLastPara="0" vertOverflow="overflow" horzOverflow="overflow" vert="horz" wrap="square" lIns="0" tIns="0" rIns="0" bIns="0" numCol="1" spcCol="0" rtlCol="0" fromWordArt="0" anchor="ctr" anchorCtr="0" forceAA="0" compatLnSpc="1">
+              <a:prstTxWarp prst="textNoShape">
+                <a:avLst/>
+              </a:prstTxWarp>
+              <a:noAutofit/>
+            </a:bodyPr>
+            <a:lstStyle/>
+            <a:p>
+              <a:pPr algn="ctr"/>
+              <a:r>
+                <a:rPr lang="en-AU" sz="1050" dirty="0">
+                  <a:latin typeface="Consolas" panose="020B0609020204030204" pitchFamily="49" charset="0"/>
+                  <a:ea typeface="Yu Gothic" panose="020B0400000000000000" pitchFamily="34" charset="-128"/>
+                </a:rPr>
+                <a:t>Observe current state of pilot/desired state of suit</a:t>
+              </a:r>
+            </a:p>
+          </p:txBody>
+        </p:sp>
+        <p:sp>
+          <p:nvSpPr>
+            <p:cNvPr id="30" name="Flowchart: Alternate Process 29">
+              <a:extLst>
+                <a:ext uri="{FF2B5EF4-FFF2-40B4-BE49-F238E27FC236}">
+                  <a16:creationId xmlns:a16="http://schemas.microsoft.com/office/drawing/2014/main" id="{F1FD1449-71B5-4234-B68C-56B73E3B8CA2}"/>
+                </a:ext>
+              </a:extLst>
+            </p:cNvPr>
+            <p:cNvSpPr/>
+            <p:nvPr/>
+          </p:nvSpPr>
+          <p:spPr>
+            <a:xfrm>
+              <a:off x="5078028" y="4066893"/>
+              <a:ext cx="1262618" cy="836484"/>
+            </a:xfrm>
+            <a:prstGeom prst="flowChartAlternateProcess">
+              <a:avLst/>
+            </a:prstGeom>
+            <a:ln w="19050"/>
+          </p:spPr>
+          <p:style>
+            <a:lnRef idx="2">
+              <a:schemeClr val="accent4">
+                <a:shade val="50000"/>
+              </a:schemeClr>
+            </a:lnRef>
+            <a:fillRef idx="1">
+              <a:schemeClr val="accent4"/>
+            </a:fillRef>
+            <a:effectRef idx="0">
+              <a:schemeClr val="accent4"/>
+            </a:effectRef>
+            <a:fontRef idx="minor">
+              <a:schemeClr val="lt1"/>
+            </a:fontRef>
+          </p:style>
+          <p:txBody>
+            <a:bodyPr rot="0" spcFirstLastPara="0" vertOverflow="overflow" horzOverflow="overflow" vert="horz" wrap="square" lIns="0" tIns="0" rIns="0" bIns="0" numCol="1" spcCol="0" rtlCol="0" fromWordArt="0" anchor="ctr" anchorCtr="0" forceAA="0" compatLnSpc="1">
+              <a:prstTxWarp prst="textNoShape">
+                <a:avLst/>
+              </a:prstTxWarp>
+              <a:noAutofit/>
+            </a:bodyPr>
+            <a:lstStyle/>
+            <a:p>
+              <a:pPr algn="ctr"/>
+              <a:r>
+                <a:rPr lang="en-AU" sz="1050" dirty="0">
+                  <a:latin typeface="Consolas" panose="020B0609020204030204" pitchFamily="49" charset="0"/>
+                  <a:ea typeface="Yu Gothic" panose="020B0400000000000000" pitchFamily="34" charset="-128"/>
+                </a:rPr>
+                <a:t>Measure position of limbs in relation to origin</a:t>
+              </a:r>
+            </a:p>
+          </p:txBody>
+        </p:sp>
+        <p:sp>
+          <p:nvSpPr>
+            <p:cNvPr id="31" name="Flowchart: Alternate Process 30">
+              <a:extLst>
+                <a:ext uri="{FF2B5EF4-FFF2-40B4-BE49-F238E27FC236}">
+                  <a16:creationId xmlns:a16="http://schemas.microsoft.com/office/drawing/2014/main" id="{80AE8C24-5378-46D6-B0D1-7131000DBDEC}"/>
+                </a:ext>
+              </a:extLst>
+            </p:cNvPr>
+            <p:cNvSpPr/>
+            <p:nvPr/>
+          </p:nvSpPr>
+          <p:spPr>
+            <a:xfrm>
+              <a:off x="5078028" y="5162939"/>
+              <a:ext cx="1262618" cy="836484"/>
+            </a:xfrm>
+            <a:prstGeom prst="flowChartAlternateProcess">
+              <a:avLst/>
+            </a:prstGeom>
+            <a:ln w="19050"/>
+          </p:spPr>
+          <p:style>
+            <a:lnRef idx="2">
+              <a:schemeClr val="accent4">
+                <a:shade val="50000"/>
+              </a:schemeClr>
+            </a:lnRef>
+            <a:fillRef idx="1">
+              <a:schemeClr val="accent4"/>
+            </a:fillRef>
+            <a:effectRef idx="0">
+              <a:schemeClr val="accent4"/>
+            </a:effectRef>
+            <a:fontRef idx="minor">
+              <a:schemeClr val="lt1"/>
+            </a:fontRef>
+          </p:style>
+          <p:txBody>
+            <a:bodyPr rot="0" spcFirstLastPara="0" vertOverflow="overflow" horzOverflow="overflow" vert="horz" wrap="square" lIns="0" tIns="0" rIns="0" bIns="0" numCol="1" spcCol="0" rtlCol="0" fromWordArt="0" anchor="ctr" anchorCtr="0" forceAA="0" compatLnSpc="1">
+              <a:prstTxWarp prst="textNoShape">
+                <a:avLst/>
+              </a:prstTxWarp>
+              <a:noAutofit/>
+            </a:bodyPr>
+            <a:lstStyle/>
+            <a:p>
+              <a:pPr algn="ctr"/>
+              <a:r>
+                <a:rPr lang="en-AU" sz="1050" dirty="0">
+                  <a:latin typeface="Consolas" panose="020B0609020204030204" pitchFamily="49" charset="0"/>
+                  <a:ea typeface="Yu Gothic" panose="020B0400000000000000" pitchFamily="34" charset="-128"/>
+                </a:rPr>
+                <a:t>Measure position of limbs in relation to fixed rotational axis on suit</a:t>
+              </a:r>
+            </a:p>
+          </p:txBody>
+        </p:sp>
+        <p:sp>
+          <p:nvSpPr>
+            <p:cNvPr id="8" name="Flowchart: Alternate Process 7">
+              <a:extLst>
+                <a:ext uri="{FF2B5EF4-FFF2-40B4-BE49-F238E27FC236}">
+                  <a16:creationId xmlns:a16="http://schemas.microsoft.com/office/drawing/2014/main" id="{E17CF2C8-8C53-48C7-9AD3-469A6F84215D}"/>
+                </a:ext>
+              </a:extLst>
+            </p:cNvPr>
+            <p:cNvSpPr/>
+            <p:nvPr/>
+          </p:nvSpPr>
+          <p:spPr>
+            <a:xfrm>
+              <a:off x="6590704" y="2970848"/>
+              <a:ext cx="1262618" cy="836484"/>
+            </a:xfrm>
+            <a:prstGeom prst="flowChartAlternateProcess">
+              <a:avLst/>
+            </a:prstGeom>
+            <a:ln w="19050"/>
+          </p:spPr>
+          <p:style>
+            <a:lnRef idx="2">
+              <a:schemeClr val="accent5">
+                <a:shade val="50000"/>
+              </a:schemeClr>
+            </a:lnRef>
+            <a:fillRef idx="1">
+              <a:schemeClr val="accent5"/>
+            </a:fillRef>
+            <a:effectRef idx="0">
+              <a:schemeClr val="accent5"/>
+            </a:effectRef>
+            <a:fontRef idx="minor">
+              <a:schemeClr val="lt1"/>
+            </a:fontRef>
+          </p:style>
+          <p:txBody>
+            <a:bodyPr rot="0" spcFirstLastPara="0" vertOverflow="overflow" horzOverflow="overflow" vert="horz" wrap="square" lIns="0" tIns="0" rIns="0" bIns="0" numCol="1" spcCol="0" rtlCol="0" fromWordArt="0" anchor="ctr" anchorCtr="0" forceAA="0" compatLnSpc="1">
+              <a:prstTxWarp prst="textNoShape">
+                <a:avLst/>
+              </a:prstTxWarp>
+              <a:noAutofit/>
+            </a:bodyPr>
+            <a:lstStyle/>
+            <a:p>
+              <a:pPr algn="ctr"/>
+              <a:r>
+                <a:rPr lang="en-AU" sz="1050" dirty="0">
+                  <a:latin typeface="Consolas" panose="020B0609020204030204" pitchFamily="49" charset="0"/>
+                  <a:ea typeface="Yu Gothic" panose="020B0400000000000000" pitchFamily="34" charset="-128"/>
+                </a:rPr>
+                <a:t>Determine action required</a:t>
+              </a:r>
+            </a:p>
+          </p:txBody>
+        </p:sp>
+        <p:sp>
+          <p:nvSpPr>
+            <p:cNvPr id="32" name="Flowchart: Alternate Process 31">
+              <a:extLst>
+                <a:ext uri="{FF2B5EF4-FFF2-40B4-BE49-F238E27FC236}">
+                  <a16:creationId xmlns:a16="http://schemas.microsoft.com/office/drawing/2014/main" id="{B0676973-EA72-4D5F-9A6D-2CAB38CC5F7A}"/>
+                </a:ext>
+              </a:extLst>
+            </p:cNvPr>
+            <p:cNvSpPr/>
+            <p:nvPr/>
+          </p:nvSpPr>
+          <p:spPr>
+            <a:xfrm>
+              <a:off x="6590704" y="4066893"/>
+              <a:ext cx="1262618" cy="836484"/>
+            </a:xfrm>
+            <a:prstGeom prst="flowChartAlternateProcess">
+              <a:avLst/>
+            </a:prstGeom>
+            <a:ln w="19050"/>
+          </p:spPr>
+          <p:style>
+            <a:lnRef idx="2">
+              <a:schemeClr val="accent5">
+                <a:shade val="50000"/>
+              </a:schemeClr>
+            </a:lnRef>
+            <a:fillRef idx="1">
+              <a:schemeClr val="accent5"/>
+            </a:fillRef>
+            <a:effectRef idx="0">
+              <a:schemeClr val="accent5"/>
+            </a:effectRef>
+            <a:fontRef idx="minor">
+              <a:schemeClr val="lt1"/>
+            </a:fontRef>
+          </p:style>
+          <p:txBody>
+            <a:bodyPr rot="0" spcFirstLastPara="0" vertOverflow="overflow" horzOverflow="overflow" vert="horz" wrap="square" lIns="0" tIns="0" rIns="0" bIns="0" numCol="1" spcCol="0" rtlCol="0" fromWordArt="0" anchor="ctr" anchorCtr="0" forceAA="0" compatLnSpc="1">
+              <a:prstTxWarp prst="textNoShape">
+                <a:avLst/>
+              </a:prstTxWarp>
+              <a:noAutofit/>
+            </a:bodyPr>
+            <a:lstStyle/>
+            <a:p>
+              <a:pPr algn="ctr"/>
+              <a:r>
+                <a:rPr lang="en-AU" sz="1050" dirty="0">
+                  <a:latin typeface="Consolas" panose="020B0609020204030204" pitchFamily="49" charset="0"/>
+                  <a:ea typeface="Yu Gothic" panose="020B0400000000000000" pitchFamily="34" charset="-128"/>
+                </a:rPr>
+                <a:t>Derive required action of the suit from any given state</a:t>
+              </a:r>
+            </a:p>
+          </p:txBody>
+        </p:sp>
+        <p:sp>
+          <p:nvSpPr>
+            <p:cNvPr id="33" name="Flowchart: Alternate Process 32">
+              <a:extLst>
+                <a:ext uri="{FF2B5EF4-FFF2-40B4-BE49-F238E27FC236}">
+                  <a16:creationId xmlns:a16="http://schemas.microsoft.com/office/drawing/2014/main" id="{B7FBCCD6-B5C4-43DD-A839-6974AB226413}"/>
+                </a:ext>
+              </a:extLst>
+            </p:cNvPr>
+            <p:cNvSpPr/>
+            <p:nvPr/>
+          </p:nvSpPr>
+          <p:spPr>
+            <a:xfrm>
+              <a:off x="6590704" y="5162939"/>
+              <a:ext cx="1262618" cy="836484"/>
+            </a:xfrm>
+            <a:prstGeom prst="flowChartAlternateProcess">
+              <a:avLst/>
+            </a:prstGeom>
+            <a:ln w="19050"/>
+          </p:spPr>
+          <p:style>
+            <a:lnRef idx="2">
+              <a:schemeClr val="accent5">
+                <a:shade val="50000"/>
+              </a:schemeClr>
+            </a:lnRef>
+            <a:fillRef idx="1">
+              <a:schemeClr val="accent5"/>
+            </a:fillRef>
+            <a:effectRef idx="0">
+              <a:schemeClr val="accent5"/>
+            </a:effectRef>
+            <a:fontRef idx="minor">
+              <a:schemeClr val="lt1"/>
+            </a:fontRef>
+          </p:style>
+          <p:txBody>
+            <a:bodyPr rot="0" spcFirstLastPara="0" vertOverflow="overflow" horzOverflow="overflow" vert="horz" wrap="square" lIns="0" tIns="0" rIns="0" bIns="0" numCol="1" spcCol="0" rtlCol="0" fromWordArt="0" anchor="ctr" anchorCtr="0" forceAA="0" compatLnSpc="1">
+              <a:prstTxWarp prst="textNoShape">
+                <a:avLst/>
+              </a:prstTxWarp>
+              <a:noAutofit/>
+            </a:bodyPr>
+            <a:lstStyle/>
+            <a:p>
+              <a:pPr algn="ctr"/>
+              <a:r>
+                <a:rPr lang="en-AU" sz="1050" dirty="0">
+                  <a:latin typeface="Consolas" panose="020B0609020204030204" pitchFamily="49" charset="0"/>
+                  <a:ea typeface="Yu Gothic" panose="020B0400000000000000" pitchFamily="34" charset="-128"/>
+                </a:rPr>
+                <a:t>Develop control method based on kinematics of the suit</a:t>
+              </a:r>
+            </a:p>
+            <a:p>
+              <a:pPr algn="ctr"/>
+              <a:endParaRPr lang="en-AU" sz="1050" dirty="0">
+                <a:latin typeface="Consolas" panose="020B0609020204030204" pitchFamily="49" charset="0"/>
+                <a:ea typeface="Yu Gothic" panose="020B0400000000000000" pitchFamily="34" charset="-128"/>
+              </a:endParaRPr>
+            </a:p>
+          </p:txBody>
+        </p:sp>
+        <p:sp>
+          <p:nvSpPr>
+            <p:cNvPr id="187" name="Flowchart: Alternate Process 186">
+              <a:extLst>
+                <a:ext uri="{FF2B5EF4-FFF2-40B4-BE49-F238E27FC236}">
+                  <a16:creationId xmlns:a16="http://schemas.microsoft.com/office/drawing/2014/main" id="{17975D41-8DC7-4055-949A-7231CCF688D6}"/>
+                </a:ext>
+              </a:extLst>
+            </p:cNvPr>
+            <p:cNvSpPr/>
+            <p:nvPr/>
+          </p:nvSpPr>
+          <p:spPr>
+            <a:xfrm>
+              <a:off x="8103382" y="5162939"/>
+              <a:ext cx="1262618" cy="836484"/>
+            </a:xfrm>
+            <a:prstGeom prst="flowChartAlternateProcess">
+              <a:avLst/>
+            </a:prstGeom>
             <a:solidFill>
               <a:srgbClr val="AC75D5"/>
             </a:solidFill>
-            <a:headEnd type="triangle" w="med" len="med"/>
-            <a:tailEnd type="none" w="med" len="med"/>
-          </a:ln>
-        </p:spPr>
-        <p:style>
-          <a:lnRef idx="3">
-            <a:schemeClr val="accent5"/>
-          </a:lnRef>
-          <a:fillRef idx="0">
-            <a:schemeClr val="accent5"/>
-          </a:fillRef>
-          <a:effectRef idx="2">
-            <a:schemeClr val="accent5"/>
-          </a:effectRef>
-          <a:fontRef idx="minor">
-            <a:schemeClr val="tx1"/>
-          </a:fontRef>
-        </p:style>
-      </p:cxnSp>
-      <p:sp>
-        <p:nvSpPr>
-          <p:cNvPr id="50" name="Flowchart: Alternate Process 49">
-            <a:extLst>
-              <a:ext uri="{FF2B5EF4-FFF2-40B4-BE49-F238E27FC236}">
-                <a16:creationId xmlns:a16="http://schemas.microsoft.com/office/drawing/2014/main" id="{F62EC9D9-9E4A-4FEB-95C0-97C3B23ABAE8}"/>
-              </a:ext>
-            </a:extLst>
-          </p:cNvPr>
-          <p:cNvSpPr/>
-          <p:nvPr/>
-        </p:nvSpPr>
-        <p:spPr>
-          <a:xfrm>
-            <a:off x="540000" y="1613852"/>
-            <a:ext cx="262800" cy="262339"/>
-          </a:xfrm>
-          <a:prstGeom prst="flowChartAlternateProcess">
-            <a:avLst/>
-          </a:prstGeom>
-          <a:ln w="19050"/>
-        </p:spPr>
-        <p:style>
-          <a:lnRef idx="2">
-            <a:schemeClr val="accent5">
-              <a:shade val="50000"/>
-            </a:schemeClr>
-          </a:lnRef>
-          <a:fillRef idx="1">
-            <a:schemeClr val="accent5"/>
-          </a:fillRef>
-          <a:effectRef idx="0">
-            <a:schemeClr val="accent5"/>
-          </a:effectRef>
-          <a:fontRef idx="minor">
-            <a:schemeClr val="lt1"/>
-          </a:fontRef>
-        </p:style>
-        <p:txBody>
-          <a:bodyPr rot="0" spcFirstLastPara="0" vertOverflow="overflow" horzOverflow="overflow" vert="horz" wrap="square" lIns="0" tIns="0" rIns="0" bIns="0" numCol="1" spcCol="0" rtlCol="0" fromWordArt="0" anchor="ctr" anchorCtr="0" forceAA="0" compatLnSpc="1">
-            <a:prstTxWarp prst="textNoShape">
+            <a:ln w="19050">
+              <a:solidFill>
+                <a:srgbClr val="7030A0"/>
+              </a:solidFill>
+            </a:ln>
+          </p:spPr>
+          <p:style>
+            <a:lnRef idx="2">
+              <a:schemeClr val="accent5">
+                <a:shade val="50000"/>
+              </a:schemeClr>
+            </a:lnRef>
+            <a:fillRef idx="1">
+              <a:schemeClr val="accent5"/>
+            </a:fillRef>
+            <a:effectRef idx="0">
+              <a:schemeClr val="accent5"/>
+            </a:effectRef>
+            <a:fontRef idx="minor">
+              <a:schemeClr val="lt1"/>
+            </a:fontRef>
+          </p:style>
+          <p:txBody>
+            <a:bodyPr rot="0" spcFirstLastPara="0" vertOverflow="overflow" horzOverflow="overflow" vert="horz" wrap="square" lIns="0" tIns="0" rIns="0" bIns="0" numCol="1" spcCol="0" rtlCol="0" fromWordArt="0" anchor="ctr" anchorCtr="0" forceAA="0" compatLnSpc="1">
+              <a:prstTxWarp prst="textNoShape">
+                <a:avLst/>
+              </a:prstTxWarp>
+              <a:noAutofit/>
+            </a:bodyPr>
+            <a:lstStyle/>
+            <a:p>
+              <a:pPr algn="ctr"/>
+              <a:r>
+                <a:rPr lang="en-AU" sz="1050" dirty="0">
+                  <a:latin typeface="Consolas" panose="020B0609020204030204" pitchFamily="49" charset="0"/>
+                  <a:ea typeface="Yu Gothic" panose="020B0400000000000000" pitchFamily="34" charset="-128"/>
+                </a:rPr>
+                <a:t>Transmit Message over communications system</a:t>
+              </a:r>
+            </a:p>
+          </p:txBody>
+        </p:sp>
+        <p:sp>
+          <p:nvSpPr>
+            <p:cNvPr id="188" name="Flowchart: Alternate Process 187">
+              <a:extLst>
+                <a:ext uri="{FF2B5EF4-FFF2-40B4-BE49-F238E27FC236}">
+                  <a16:creationId xmlns:a16="http://schemas.microsoft.com/office/drawing/2014/main" id="{70ECDDF3-EE31-4BE2-BB26-E9F9CED294F8}"/>
+                </a:ext>
+              </a:extLst>
+            </p:cNvPr>
+            <p:cNvSpPr/>
+            <p:nvPr/>
+          </p:nvSpPr>
+          <p:spPr>
+            <a:xfrm>
+              <a:off x="8103382" y="2973625"/>
+              <a:ext cx="1262618" cy="836484"/>
+            </a:xfrm>
+            <a:prstGeom prst="flowChartAlternateProcess">
               <a:avLst/>
-            </a:prstTxWarp>
-            <a:noAutofit/>
-          </a:bodyPr>
-          <a:lstStyle/>
-          <a:p>
-            <a:pPr algn="ctr"/>
-            <a:endParaRPr lang="en-AU" sz="1050" dirty="0">
-              <a:latin typeface="Consolas" panose="020B0609020204030204" pitchFamily="49" charset="0"/>
-              <a:ea typeface="Yu Gothic" panose="020B0400000000000000" pitchFamily="34" charset="-128"/>
-            </a:endParaRPr>
-          </a:p>
-        </p:txBody>
-      </p:sp>
-      <p:sp>
-        <p:nvSpPr>
-          <p:cNvPr id="107" name="Flowchart: Alternate Process 106">
-            <a:extLst>
-              <a:ext uri="{FF2B5EF4-FFF2-40B4-BE49-F238E27FC236}">
-                <a16:creationId xmlns:a16="http://schemas.microsoft.com/office/drawing/2014/main" id="{E04B57C6-883C-46E9-97F8-8121F0226330}"/>
-              </a:ext>
-            </a:extLst>
-          </p:cNvPr>
-          <p:cNvSpPr/>
-          <p:nvPr/>
-        </p:nvSpPr>
-        <p:spPr>
-          <a:xfrm>
-            <a:off x="540000" y="2031399"/>
-            <a:ext cx="262800" cy="262339"/>
-          </a:xfrm>
-          <a:prstGeom prst="flowChartAlternateProcess">
-            <a:avLst/>
-          </a:prstGeom>
-          <a:solidFill>
-            <a:srgbClr val="AC75D5"/>
-          </a:solidFill>
-          <a:ln w="19050">
+            </a:prstGeom>
             <a:solidFill>
-              <a:srgbClr val="7030A0"/>
+              <a:srgbClr val="AC75D5"/>
             </a:solidFill>
-          </a:ln>
-        </p:spPr>
-        <p:style>
-          <a:lnRef idx="2">
-            <a:schemeClr val="accent5">
-              <a:shade val="50000"/>
-            </a:schemeClr>
-          </a:lnRef>
-          <a:fillRef idx="1">
-            <a:schemeClr val="accent5"/>
-          </a:fillRef>
-          <a:effectRef idx="0">
-            <a:schemeClr val="accent5"/>
-          </a:effectRef>
-          <a:fontRef idx="minor">
-            <a:schemeClr val="lt1"/>
-          </a:fontRef>
-        </p:style>
-        <p:txBody>
-          <a:bodyPr rot="0" spcFirstLastPara="0" vertOverflow="overflow" horzOverflow="overflow" vert="horz" wrap="square" lIns="0" tIns="0" rIns="0" bIns="0" numCol="1" spcCol="0" rtlCol="0" fromWordArt="0" anchor="ctr" anchorCtr="0" forceAA="0" compatLnSpc="1">
-            <a:prstTxWarp prst="textNoShape">
-              <a:avLst/>
-            </a:prstTxWarp>
-            <a:noAutofit/>
-          </a:bodyPr>
-          <a:lstStyle/>
-          <a:p>
-            <a:pPr algn="ctr"/>
-            <a:endParaRPr lang="en-AU" sz="1050" dirty="0">
-              <a:latin typeface="Consolas" panose="020B0609020204030204" pitchFamily="49" charset="0"/>
-              <a:ea typeface="Yu Gothic" panose="020B0400000000000000" pitchFamily="34" charset="-128"/>
-            </a:endParaRPr>
-          </a:p>
-        </p:txBody>
-      </p:sp>
-      <p:sp>
-        <p:nvSpPr>
-          <p:cNvPr id="109" name="Flowchart: Alternate Process 108">
-            <a:extLst>
-              <a:ext uri="{FF2B5EF4-FFF2-40B4-BE49-F238E27FC236}">
-                <a16:creationId xmlns:a16="http://schemas.microsoft.com/office/drawing/2014/main" id="{9118EFF1-3CA2-47A5-9F02-672D9B02F57F}"/>
-              </a:ext>
-            </a:extLst>
-          </p:cNvPr>
-          <p:cNvSpPr/>
-          <p:nvPr/>
-        </p:nvSpPr>
-        <p:spPr>
-          <a:xfrm>
-            <a:off x="540000" y="2448947"/>
-            <a:ext cx="262800" cy="262339"/>
-          </a:xfrm>
-          <a:prstGeom prst="flowChartAlternateProcess">
-            <a:avLst/>
-          </a:prstGeom>
-          <a:solidFill>
-            <a:srgbClr val="FF5B5B"/>
-          </a:solidFill>
-          <a:ln w="19050">
-            <a:solidFill>
-              <a:srgbClr val="C00000"/>
-            </a:solidFill>
-          </a:ln>
-        </p:spPr>
-        <p:style>
-          <a:lnRef idx="2">
-            <a:schemeClr val="accent2">
-              <a:shade val="50000"/>
-            </a:schemeClr>
-          </a:lnRef>
-          <a:fillRef idx="1">
-            <a:schemeClr val="accent2"/>
-          </a:fillRef>
-          <a:effectRef idx="0">
-            <a:schemeClr val="accent2"/>
-          </a:effectRef>
-          <a:fontRef idx="minor">
-            <a:schemeClr val="lt1"/>
-          </a:fontRef>
-        </p:style>
-        <p:txBody>
-          <a:bodyPr rot="0" spcFirstLastPara="0" vertOverflow="overflow" horzOverflow="overflow" vert="horz" wrap="square" lIns="0" tIns="0" rIns="0" bIns="0" numCol="1" spcCol="0" rtlCol="0" fromWordArt="0" anchor="ctr" anchorCtr="0" forceAA="0" compatLnSpc="1">
-            <a:prstTxWarp prst="textNoShape">
-              <a:avLst/>
-            </a:prstTxWarp>
-            <a:noAutofit/>
-          </a:bodyPr>
-          <a:lstStyle/>
-          <a:p>
-            <a:pPr algn="ctr"/>
-            <a:endParaRPr lang="en-AU" sz="1050" b="1" dirty="0">
-              <a:latin typeface="Consolas" panose="020B0609020204030204" pitchFamily="49" charset="0"/>
-              <a:ea typeface="Yu Gothic" panose="020B0400000000000000" pitchFamily="34" charset="-128"/>
-            </a:endParaRPr>
-          </a:p>
-        </p:txBody>
-      </p:sp>
-      <p:sp>
-        <p:nvSpPr>
-          <p:cNvPr id="111" name="Flowchart: Alternate Process 110">
-            <a:extLst>
-              <a:ext uri="{FF2B5EF4-FFF2-40B4-BE49-F238E27FC236}">
-                <a16:creationId xmlns:a16="http://schemas.microsoft.com/office/drawing/2014/main" id="{111C510F-7A4F-4F9D-A0E9-5889D8E85153}"/>
-              </a:ext>
-            </a:extLst>
-          </p:cNvPr>
-          <p:cNvSpPr/>
-          <p:nvPr/>
-        </p:nvSpPr>
-        <p:spPr>
-          <a:xfrm>
-            <a:off x="540000" y="1196305"/>
-            <a:ext cx="262800" cy="262339"/>
-          </a:xfrm>
-          <a:prstGeom prst="flowChartAlternateProcess">
-            <a:avLst/>
-          </a:prstGeom>
-          <a:ln w="19050"/>
-        </p:spPr>
-        <p:style>
-          <a:lnRef idx="2">
-            <a:schemeClr val="accent6">
-              <a:shade val="50000"/>
-            </a:schemeClr>
-          </a:lnRef>
-          <a:fillRef idx="1">
-            <a:schemeClr val="accent6"/>
-          </a:fillRef>
-          <a:effectRef idx="0">
-            <a:schemeClr val="accent6"/>
-          </a:effectRef>
-          <a:fontRef idx="minor">
-            <a:schemeClr val="lt1"/>
-          </a:fontRef>
-        </p:style>
-        <p:txBody>
-          <a:bodyPr rot="0" spcFirstLastPara="0" vertOverflow="overflow" horzOverflow="overflow" vert="horz" wrap="square" lIns="0" tIns="0" rIns="0" bIns="0" numCol="1" spcCol="0" rtlCol="0" fromWordArt="0" anchor="ctr" anchorCtr="0" forceAA="0" compatLnSpc="1">
-            <a:prstTxWarp prst="textNoShape">
-              <a:avLst/>
-            </a:prstTxWarp>
-            <a:noAutofit/>
-          </a:bodyPr>
-          <a:lstStyle/>
-          <a:p>
-            <a:pPr algn="ctr"/>
-            <a:endParaRPr lang="en-AU" sz="1050" dirty="0">
-              <a:latin typeface="Consolas" panose="020B0609020204030204" pitchFamily="49" charset="0"/>
-              <a:ea typeface="Yu Gothic" panose="020B0400000000000000" pitchFamily="34" charset="-128"/>
-            </a:endParaRPr>
-          </a:p>
-        </p:txBody>
-      </p:sp>
-      <p:sp>
-        <p:nvSpPr>
-          <p:cNvPr id="115" name="Flowchart: Alternate Process 114">
-            <a:extLst>
-              <a:ext uri="{FF2B5EF4-FFF2-40B4-BE49-F238E27FC236}">
-                <a16:creationId xmlns:a16="http://schemas.microsoft.com/office/drawing/2014/main" id="{9886B81B-4A38-4133-982D-A195F7A44D21}"/>
-              </a:ext>
-            </a:extLst>
-          </p:cNvPr>
-          <p:cNvSpPr/>
-          <p:nvPr/>
-        </p:nvSpPr>
-        <p:spPr>
-          <a:xfrm>
-            <a:off x="540000" y="778758"/>
-            <a:ext cx="262800" cy="262339"/>
-          </a:xfrm>
-          <a:prstGeom prst="flowChartAlternateProcess">
-            <a:avLst/>
-          </a:prstGeom>
-          <a:ln w="19050"/>
-        </p:spPr>
-        <p:style>
-          <a:lnRef idx="2">
-            <a:schemeClr val="accent4">
-              <a:shade val="50000"/>
-            </a:schemeClr>
-          </a:lnRef>
-          <a:fillRef idx="1">
-            <a:schemeClr val="accent4"/>
-          </a:fillRef>
-          <a:effectRef idx="0">
-            <a:schemeClr val="accent4"/>
-          </a:effectRef>
-          <a:fontRef idx="minor">
-            <a:schemeClr val="lt1"/>
-          </a:fontRef>
-        </p:style>
-        <p:txBody>
-          <a:bodyPr rot="0" spcFirstLastPara="0" vertOverflow="overflow" horzOverflow="overflow" vert="horz" wrap="square" lIns="0" tIns="0" rIns="0" bIns="0" numCol="1" spcCol="0" rtlCol="0" fromWordArt="0" anchor="ctr" anchorCtr="0" forceAA="0" compatLnSpc="1">
-            <a:prstTxWarp prst="textNoShape">
-              <a:avLst/>
-            </a:prstTxWarp>
-            <a:noAutofit/>
-          </a:bodyPr>
-          <a:lstStyle/>
-          <a:p>
-            <a:pPr algn="ctr"/>
-            <a:endParaRPr lang="en-AU" sz="1050" dirty="0">
-              <a:latin typeface="Consolas" panose="020B0609020204030204" pitchFamily="49" charset="0"/>
-              <a:ea typeface="Yu Gothic" panose="020B0400000000000000" pitchFamily="34" charset="-128"/>
-            </a:endParaRPr>
-          </a:p>
-        </p:txBody>
-      </p:sp>
-      <p:sp>
-        <p:nvSpPr>
-          <p:cNvPr id="116" name="Flowchart: Alternate Process 115">
-            <a:extLst>
-              <a:ext uri="{FF2B5EF4-FFF2-40B4-BE49-F238E27FC236}">
-                <a16:creationId xmlns:a16="http://schemas.microsoft.com/office/drawing/2014/main" id="{86C688A5-79BD-4740-8B5F-3CD133CA2329}"/>
-              </a:ext>
-            </a:extLst>
-          </p:cNvPr>
-          <p:cNvSpPr/>
-          <p:nvPr/>
-        </p:nvSpPr>
-        <p:spPr>
-          <a:xfrm>
-            <a:off x="882589" y="1613852"/>
-            <a:ext cx="2740749" cy="262339"/>
-          </a:xfrm>
-          <a:prstGeom prst="flowChartAlternateProcess">
-            <a:avLst/>
-          </a:prstGeom>
-          <a:ln>
-            <a:noFill/>
-          </a:ln>
-        </p:spPr>
-        <p:style>
-          <a:lnRef idx="2">
-            <a:schemeClr val="dk1"/>
-          </a:lnRef>
-          <a:fillRef idx="1">
-            <a:schemeClr val="lt1"/>
-          </a:fillRef>
-          <a:effectRef idx="0">
-            <a:schemeClr val="dk1"/>
-          </a:effectRef>
-          <a:fontRef idx="minor">
-            <a:schemeClr val="dk1"/>
-          </a:fontRef>
-        </p:style>
-        <p:txBody>
-          <a:bodyPr rot="0" spcFirstLastPara="0" vertOverflow="overflow" horzOverflow="overflow" vert="horz" wrap="square" lIns="0" tIns="0" rIns="0" bIns="0" numCol="1" spcCol="0" rtlCol="0" fromWordArt="0" anchor="ctr" anchorCtr="0" forceAA="0" compatLnSpc="1">
-            <a:prstTxWarp prst="textNoShape">
-              <a:avLst/>
-            </a:prstTxWarp>
-            <a:noAutofit/>
-          </a:bodyPr>
-          <a:lstStyle/>
-          <a:p>
-            <a:r>
-              <a:rPr lang="en-AU" sz="1050" dirty="0">
-                <a:latin typeface="Consolas" panose="020B0609020204030204" pitchFamily="49" charset="0"/>
-                <a:ea typeface="Yu Gothic" panose="020B0400000000000000" pitchFamily="34" charset="-128"/>
-              </a:rPr>
-              <a:t>Controls and Decision Making</a:t>
-            </a:r>
-          </a:p>
-        </p:txBody>
-      </p:sp>
-      <p:sp>
-        <p:nvSpPr>
-          <p:cNvPr id="117" name="Flowchart: Alternate Process 116">
-            <a:extLst>
-              <a:ext uri="{FF2B5EF4-FFF2-40B4-BE49-F238E27FC236}">
-                <a16:creationId xmlns:a16="http://schemas.microsoft.com/office/drawing/2014/main" id="{8370B284-D352-4605-B4AA-F2DC58C96A38}"/>
-              </a:ext>
-            </a:extLst>
-          </p:cNvPr>
-          <p:cNvSpPr/>
-          <p:nvPr/>
-        </p:nvSpPr>
-        <p:spPr>
-          <a:xfrm>
-            <a:off x="882589" y="2031399"/>
-            <a:ext cx="2740749" cy="262339"/>
-          </a:xfrm>
-          <a:prstGeom prst="flowChartAlternateProcess">
-            <a:avLst/>
-          </a:prstGeom>
-          <a:ln>
-            <a:noFill/>
-          </a:ln>
-        </p:spPr>
-        <p:style>
-          <a:lnRef idx="2">
-            <a:schemeClr val="dk1"/>
-          </a:lnRef>
-          <a:fillRef idx="1">
-            <a:schemeClr val="lt1"/>
-          </a:fillRef>
-          <a:effectRef idx="0">
-            <a:schemeClr val="dk1"/>
-          </a:effectRef>
-          <a:fontRef idx="minor">
-            <a:schemeClr val="dk1"/>
-          </a:fontRef>
-        </p:style>
-        <p:txBody>
-          <a:bodyPr rot="0" spcFirstLastPara="0" vertOverflow="overflow" horzOverflow="overflow" vert="horz" wrap="square" lIns="0" tIns="0" rIns="0" bIns="0" numCol="1" spcCol="0" rtlCol="0" fromWordArt="0" anchor="ctr" anchorCtr="0" forceAA="0" compatLnSpc="1">
-            <a:prstTxWarp prst="textNoShape">
-              <a:avLst/>
-            </a:prstTxWarp>
-            <a:noAutofit/>
-          </a:bodyPr>
-          <a:lstStyle/>
-          <a:p>
-            <a:r>
-              <a:rPr lang="en-AU" sz="1050" dirty="0">
-                <a:latin typeface="Consolas" panose="020B0609020204030204" pitchFamily="49" charset="0"/>
-                <a:ea typeface="Yu Gothic" panose="020B0400000000000000" pitchFamily="34" charset="-128"/>
-              </a:rPr>
-              <a:t>Communications</a:t>
-            </a:r>
-          </a:p>
-        </p:txBody>
-      </p:sp>
-      <p:sp>
-        <p:nvSpPr>
-          <p:cNvPr id="118" name="Flowchart: Alternate Process 117">
-            <a:extLst>
-              <a:ext uri="{FF2B5EF4-FFF2-40B4-BE49-F238E27FC236}">
-                <a16:creationId xmlns:a16="http://schemas.microsoft.com/office/drawing/2014/main" id="{C4A680EC-8CFA-4435-B0D5-1D42C5281F6F}"/>
-              </a:ext>
-            </a:extLst>
-          </p:cNvPr>
-          <p:cNvSpPr/>
-          <p:nvPr/>
-        </p:nvSpPr>
-        <p:spPr>
-          <a:xfrm>
-            <a:off x="882589" y="2448947"/>
-            <a:ext cx="2740749" cy="262339"/>
-          </a:xfrm>
-          <a:prstGeom prst="flowChartAlternateProcess">
-            <a:avLst/>
-          </a:prstGeom>
-          <a:ln>
-            <a:noFill/>
-          </a:ln>
-        </p:spPr>
-        <p:style>
-          <a:lnRef idx="2">
-            <a:schemeClr val="dk1"/>
-          </a:lnRef>
-          <a:fillRef idx="1">
-            <a:schemeClr val="lt1"/>
-          </a:fillRef>
-          <a:effectRef idx="0">
-            <a:schemeClr val="dk1"/>
-          </a:effectRef>
-          <a:fontRef idx="minor">
-            <a:schemeClr val="dk1"/>
-          </a:fontRef>
-        </p:style>
-        <p:txBody>
-          <a:bodyPr rot="0" spcFirstLastPara="0" vertOverflow="overflow" horzOverflow="overflow" vert="horz" wrap="square" lIns="0" tIns="0" rIns="0" bIns="0" numCol="1" spcCol="0" rtlCol="0" fromWordArt="0" anchor="ctr" anchorCtr="0" forceAA="0" compatLnSpc="1">
-            <a:prstTxWarp prst="textNoShape">
-              <a:avLst/>
-            </a:prstTxWarp>
-            <a:noAutofit/>
-          </a:bodyPr>
-          <a:lstStyle/>
-          <a:p>
-            <a:r>
-              <a:rPr lang="en-AU" sz="1050" dirty="0">
-                <a:latin typeface="Consolas" panose="020B0609020204030204" pitchFamily="49" charset="0"/>
-                <a:ea typeface="Yu Gothic" panose="020B0400000000000000" pitchFamily="34" charset="-128"/>
-              </a:rPr>
-              <a:t>Outside of Scope</a:t>
-            </a:r>
-          </a:p>
-        </p:txBody>
-      </p:sp>
-      <p:sp>
-        <p:nvSpPr>
-          <p:cNvPr id="119" name="Flowchart: Alternate Process 118">
-            <a:extLst>
-              <a:ext uri="{FF2B5EF4-FFF2-40B4-BE49-F238E27FC236}">
-                <a16:creationId xmlns:a16="http://schemas.microsoft.com/office/drawing/2014/main" id="{4957598A-DED2-4468-80DD-2244A58967DD}"/>
-              </a:ext>
-            </a:extLst>
-          </p:cNvPr>
-          <p:cNvSpPr/>
-          <p:nvPr/>
-        </p:nvSpPr>
-        <p:spPr>
-          <a:xfrm>
-            <a:off x="882589" y="1196305"/>
-            <a:ext cx="2740749" cy="262339"/>
-          </a:xfrm>
-          <a:prstGeom prst="flowChartAlternateProcess">
-            <a:avLst/>
-          </a:prstGeom>
-          <a:ln>
-            <a:noFill/>
-          </a:ln>
-        </p:spPr>
-        <p:style>
-          <a:lnRef idx="2">
-            <a:schemeClr val="dk1"/>
-          </a:lnRef>
-          <a:fillRef idx="1">
-            <a:schemeClr val="lt1"/>
-          </a:fillRef>
-          <a:effectRef idx="0">
-            <a:schemeClr val="dk1"/>
-          </a:effectRef>
-          <a:fontRef idx="minor">
-            <a:schemeClr val="dk1"/>
-          </a:fontRef>
-        </p:style>
-        <p:txBody>
-          <a:bodyPr rot="0" spcFirstLastPara="0" vertOverflow="overflow" horzOverflow="overflow" vert="horz" wrap="square" lIns="0" tIns="0" rIns="0" bIns="0" numCol="1" spcCol="0" rtlCol="0" fromWordArt="0" anchor="ctr" anchorCtr="0" forceAA="0" compatLnSpc="1">
-            <a:prstTxWarp prst="textNoShape">
-              <a:avLst/>
-            </a:prstTxWarp>
-            <a:noAutofit/>
-          </a:bodyPr>
-          <a:lstStyle/>
-          <a:p>
-            <a:r>
-              <a:rPr lang="en-AU" sz="1050" dirty="0">
-                <a:latin typeface="Consolas" panose="020B0609020204030204" pitchFamily="49" charset="0"/>
-                <a:ea typeface="Yu Gothic" panose="020B0400000000000000" pitchFamily="34" charset="-128"/>
-              </a:rPr>
-              <a:t>Force applied by &amp; to Exoskeleton </a:t>
-            </a:r>
-          </a:p>
-        </p:txBody>
-      </p:sp>
-      <p:sp>
-        <p:nvSpPr>
-          <p:cNvPr id="120" name="Flowchart: Alternate Process 119">
-            <a:extLst>
-              <a:ext uri="{FF2B5EF4-FFF2-40B4-BE49-F238E27FC236}">
-                <a16:creationId xmlns:a16="http://schemas.microsoft.com/office/drawing/2014/main" id="{805B0755-7490-4908-BDD0-A90D244A26A5}"/>
-              </a:ext>
-            </a:extLst>
-          </p:cNvPr>
-          <p:cNvSpPr/>
-          <p:nvPr/>
-        </p:nvSpPr>
-        <p:spPr>
-          <a:xfrm>
-            <a:off x="882589" y="778758"/>
-            <a:ext cx="2740749" cy="262339"/>
-          </a:xfrm>
-          <a:prstGeom prst="flowChartAlternateProcess">
-            <a:avLst/>
-          </a:prstGeom>
-          <a:ln>
-            <a:noFill/>
-          </a:ln>
-        </p:spPr>
-        <p:style>
-          <a:lnRef idx="2">
-            <a:schemeClr val="dk1"/>
-          </a:lnRef>
-          <a:fillRef idx="1">
-            <a:schemeClr val="lt1"/>
-          </a:fillRef>
-          <a:effectRef idx="0">
-            <a:schemeClr val="dk1"/>
-          </a:effectRef>
-          <a:fontRef idx="minor">
-            <a:schemeClr val="dk1"/>
-          </a:fontRef>
-        </p:style>
-        <p:txBody>
-          <a:bodyPr rot="0" spcFirstLastPara="0" vertOverflow="overflow" horzOverflow="overflow" vert="horz" wrap="square" lIns="0" tIns="0" rIns="0" bIns="0" numCol="1" spcCol="0" rtlCol="0" fromWordArt="0" anchor="ctr" anchorCtr="0" forceAA="0" compatLnSpc="1">
-            <a:prstTxWarp prst="textNoShape">
-              <a:avLst/>
-            </a:prstTxWarp>
-            <a:noAutofit/>
-          </a:bodyPr>
-          <a:lstStyle/>
-          <a:p>
-            <a:r>
-              <a:rPr lang="en-AU" sz="1050" dirty="0">
-                <a:latin typeface="Consolas" panose="020B0609020204030204" pitchFamily="49" charset="0"/>
-                <a:ea typeface="Yu Gothic" panose="020B0400000000000000" pitchFamily="34" charset="-128"/>
-              </a:rPr>
-              <a:t>Relative Position of Pilot </a:t>
-            </a:r>
-          </a:p>
-        </p:txBody>
-      </p:sp>
-      <p:sp>
-        <p:nvSpPr>
-          <p:cNvPr id="11" name="Flowchart: Alternate Process 10">
-            <a:extLst>
-              <a:ext uri="{FF2B5EF4-FFF2-40B4-BE49-F238E27FC236}">
-                <a16:creationId xmlns:a16="http://schemas.microsoft.com/office/drawing/2014/main" id="{443A859A-B689-42EF-9FCF-B7DE5F1E381D}"/>
-              </a:ext>
-            </a:extLst>
-          </p:cNvPr>
-          <p:cNvSpPr/>
-          <p:nvPr/>
-        </p:nvSpPr>
-        <p:spPr>
-          <a:xfrm>
-            <a:off x="540000" y="4066893"/>
-            <a:ext cx="1262618" cy="836484"/>
-          </a:xfrm>
-          <a:prstGeom prst="flowChartAlternateProcess">
-            <a:avLst/>
-          </a:prstGeom>
-          <a:solidFill>
-            <a:srgbClr val="FF5B5B"/>
-          </a:solidFill>
-          <a:ln w="19050">
-            <a:solidFill>
-              <a:srgbClr val="C00000"/>
-            </a:solidFill>
-          </a:ln>
-        </p:spPr>
-        <p:style>
-          <a:lnRef idx="2">
-            <a:schemeClr val="accent2">
-              <a:shade val="50000"/>
-            </a:schemeClr>
-          </a:lnRef>
-          <a:fillRef idx="1">
-            <a:schemeClr val="accent2"/>
-          </a:fillRef>
-          <a:effectRef idx="0">
-            <a:schemeClr val="accent2"/>
-          </a:effectRef>
-          <a:fontRef idx="minor">
-            <a:schemeClr val="lt1"/>
-          </a:fontRef>
-        </p:style>
-        <p:txBody>
-          <a:bodyPr rot="0" spcFirstLastPara="0" vertOverflow="overflow" horzOverflow="overflow" vert="horz" wrap="square" lIns="0" tIns="0" rIns="0" bIns="0" numCol="1" spcCol="0" rtlCol="0" fromWordArt="0" anchor="ctr" anchorCtr="0" forceAA="0" compatLnSpc="1">
-            <a:prstTxWarp prst="textNoShape">
-              <a:avLst/>
-            </a:prstTxWarp>
-            <a:noAutofit/>
-          </a:bodyPr>
-          <a:lstStyle/>
-          <a:p>
-            <a:pPr algn="ctr"/>
-            <a:r>
-              <a:rPr lang="en-AU" sz="1050" b="1" u="sng" dirty="0">
-                <a:latin typeface="Consolas" panose="020B0609020204030204" pitchFamily="49" charset="0"/>
-                <a:ea typeface="Yu Gothic" panose="020B0400000000000000" pitchFamily="34" charset="-128"/>
-              </a:rPr>
-              <a:t>OUTSIDE OF SCOPE</a:t>
-            </a:r>
-            <a:endParaRPr lang="en-AU" sz="1050" dirty="0">
-              <a:latin typeface="Consolas" panose="020B0609020204030204" pitchFamily="49" charset="0"/>
-              <a:ea typeface="Yu Gothic" panose="020B0400000000000000" pitchFamily="34" charset="-128"/>
-            </a:endParaRPr>
-          </a:p>
-          <a:p>
-            <a:pPr algn="ctr"/>
-            <a:r>
-              <a:rPr lang="en-AU" sz="1050" dirty="0">
-                <a:latin typeface="Consolas" panose="020B0609020204030204" pitchFamily="49" charset="0"/>
-                <a:ea typeface="Yu Gothic" panose="020B0400000000000000" pitchFamily="34" charset="-128"/>
-              </a:rPr>
-              <a:t>Measure position of suit</a:t>
-            </a:r>
-          </a:p>
-        </p:txBody>
-      </p:sp>
-      <p:sp>
-        <p:nvSpPr>
-          <p:cNvPr id="42" name="Flowchart: Alternate Process 41">
-            <a:extLst>
-              <a:ext uri="{FF2B5EF4-FFF2-40B4-BE49-F238E27FC236}">
-                <a16:creationId xmlns:a16="http://schemas.microsoft.com/office/drawing/2014/main" id="{DE5AB3E2-694F-4518-A0AA-91EF6CF6D67E}"/>
-              </a:ext>
-            </a:extLst>
-          </p:cNvPr>
-          <p:cNvSpPr/>
-          <p:nvPr/>
-        </p:nvSpPr>
-        <p:spPr>
-          <a:xfrm>
-            <a:off x="540000" y="5162939"/>
-            <a:ext cx="1262618" cy="836484"/>
-          </a:xfrm>
-          <a:prstGeom prst="flowChartAlternateProcess">
-            <a:avLst/>
-          </a:prstGeom>
-          <a:solidFill>
-            <a:srgbClr val="FF5B5B"/>
-          </a:solidFill>
-          <a:ln w="19050">
-            <a:solidFill>
-              <a:srgbClr val="C00000"/>
-            </a:solidFill>
-          </a:ln>
-        </p:spPr>
-        <p:style>
-          <a:lnRef idx="2">
-            <a:schemeClr val="accent2">
-              <a:shade val="50000"/>
-            </a:schemeClr>
-          </a:lnRef>
-          <a:fillRef idx="1">
-            <a:schemeClr val="accent2"/>
-          </a:fillRef>
-          <a:effectRef idx="0">
-            <a:schemeClr val="accent2"/>
-          </a:effectRef>
-          <a:fontRef idx="minor">
-            <a:schemeClr val="lt1"/>
-          </a:fontRef>
-        </p:style>
-        <p:txBody>
-          <a:bodyPr rot="0" spcFirstLastPara="0" vertOverflow="overflow" horzOverflow="overflow" vert="horz" wrap="square" lIns="0" tIns="0" rIns="0" bIns="0" numCol="1" spcCol="0" rtlCol="0" fromWordArt="0" anchor="ctr" anchorCtr="0" forceAA="0" compatLnSpc="1">
-            <a:prstTxWarp prst="textNoShape">
-              <a:avLst/>
-            </a:prstTxWarp>
-            <a:noAutofit/>
-          </a:bodyPr>
-          <a:lstStyle/>
-          <a:p>
-            <a:pPr algn="ctr"/>
-            <a:r>
-              <a:rPr lang="en-AU" sz="1050" b="1" u="sng" dirty="0">
-                <a:latin typeface="Consolas" panose="020B0609020204030204" pitchFamily="49" charset="0"/>
-                <a:ea typeface="Yu Gothic" panose="020B0400000000000000" pitchFamily="34" charset="-128"/>
-              </a:rPr>
-              <a:t>OUTSIDE OF SCOPE</a:t>
-            </a:r>
-          </a:p>
-          <a:p>
-            <a:pPr algn="ctr"/>
-            <a:r>
-              <a:rPr lang="en-AU" sz="1050" dirty="0">
-                <a:latin typeface="Consolas" panose="020B0609020204030204" pitchFamily="49" charset="0"/>
-                <a:ea typeface="Yu Gothic" panose="020B0400000000000000" pitchFamily="34" charset="-128"/>
-              </a:rPr>
-              <a:t>Regulate torque output of actuators</a:t>
-            </a:r>
-          </a:p>
-        </p:txBody>
-      </p:sp>
-      <p:sp>
-        <p:nvSpPr>
-          <p:cNvPr id="4" name="Flowchart: Alternate Process 3">
-            <a:extLst>
-              <a:ext uri="{FF2B5EF4-FFF2-40B4-BE49-F238E27FC236}">
-                <a16:creationId xmlns:a16="http://schemas.microsoft.com/office/drawing/2014/main" id="{ED27B7A8-34C4-4CFF-B46F-55193AB8B3E3}"/>
-              </a:ext>
-            </a:extLst>
-          </p:cNvPr>
-          <p:cNvSpPr/>
-          <p:nvPr/>
-        </p:nvSpPr>
-        <p:spPr>
-          <a:xfrm>
-            <a:off x="4321691" y="778758"/>
-            <a:ext cx="1262618" cy="836484"/>
-          </a:xfrm>
-          <a:prstGeom prst="flowChartAlternateProcess">
-            <a:avLst/>
-          </a:prstGeom>
-          <a:ln w="19050"/>
-        </p:spPr>
-        <p:style>
-          <a:lnRef idx="2">
-            <a:schemeClr val="dk1"/>
-          </a:lnRef>
-          <a:fillRef idx="1">
-            <a:schemeClr val="lt1"/>
-          </a:fillRef>
-          <a:effectRef idx="0">
-            <a:schemeClr val="dk1"/>
-          </a:effectRef>
-          <a:fontRef idx="minor">
-            <a:schemeClr val="dk1"/>
-          </a:fontRef>
-        </p:style>
-        <p:txBody>
-          <a:bodyPr rot="0" spcFirstLastPara="0" vertOverflow="overflow" horzOverflow="overflow" vert="horz" wrap="square" lIns="0" tIns="0" rIns="0" bIns="0" numCol="1" spcCol="0" rtlCol="0" fromWordArt="0" anchor="ctr" anchorCtr="0" forceAA="0" compatLnSpc="1">
-            <a:prstTxWarp prst="textNoShape">
-              <a:avLst/>
-            </a:prstTxWarp>
-            <a:noAutofit/>
-          </a:bodyPr>
-          <a:lstStyle/>
-          <a:p>
-            <a:pPr algn="ctr"/>
-            <a:r>
-              <a:rPr lang="en-AU" sz="1050" dirty="0">
-                <a:latin typeface="Consolas" panose="020B0609020204030204" pitchFamily="49" charset="0"/>
-                <a:ea typeface="Yu Gothic" panose="020B0400000000000000" pitchFamily="34" charset="-128"/>
-              </a:rPr>
-              <a:t>Achieve/approach the desired position of the suit</a:t>
-            </a:r>
-          </a:p>
-        </p:txBody>
-      </p:sp>
-      <p:sp>
-        <p:nvSpPr>
-          <p:cNvPr id="5" name="Flowchart: Alternate Process 4">
-            <a:extLst>
-              <a:ext uri="{FF2B5EF4-FFF2-40B4-BE49-F238E27FC236}">
-                <a16:creationId xmlns:a16="http://schemas.microsoft.com/office/drawing/2014/main" id="{96A3839F-D4C5-4194-AC7C-84D6F95C7CF2}"/>
-              </a:ext>
-            </a:extLst>
-          </p:cNvPr>
-          <p:cNvSpPr/>
-          <p:nvPr/>
-        </p:nvSpPr>
-        <p:spPr>
-          <a:xfrm>
-            <a:off x="4321691" y="1874803"/>
-            <a:ext cx="1262618" cy="836484"/>
-          </a:xfrm>
-          <a:prstGeom prst="flowChartAlternateProcess">
-            <a:avLst/>
-          </a:prstGeom>
-          <a:ln w="19050"/>
-        </p:spPr>
-        <p:style>
-          <a:lnRef idx="2">
-            <a:schemeClr val="dk1"/>
-          </a:lnRef>
-          <a:fillRef idx="1">
-            <a:schemeClr val="lt1"/>
-          </a:fillRef>
-          <a:effectRef idx="0">
-            <a:schemeClr val="dk1"/>
-          </a:effectRef>
-          <a:fontRef idx="minor">
-            <a:schemeClr val="dk1"/>
-          </a:fontRef>
-        </p:style>
-        <p:txBody>
-          <a:bodyPr rot="0" spcFirstLastPara="0" vertOverflow="overflow" horzOverflow="overflow" vert="horz" wrap="square" lIns="0" tIns="0" rIns="0" bIns="0" numCol="1" spcCol="0" rtlCol="0" fromWordArt="0" anchor="ctr" anchorCtr="0" forceAA="0" compatLnSpc="1">
-            <a:prstTxWarp prst="textNoShape">
-              <a:avLst/>
-            </a:prstTxWarp>
-            <a:noAutofit/>
-          </a:bodyPr>
-          <a:lstStyle/>
-          <a:p>
-            <a:pPr algn="ctr"/>
-            <a:r>
-              <a:rPr lang="en-AU" sz="1050" dirty="0">
-                <a:latin typeface="Consolas" panose="020B0609020204030204" pitchFamily="49" charset="0"/>
-                <a:ea typeface="Yu Gothic" panose="020B0400000000000000" pitchFamily="34" charset="-128"/>
-              </a:rPr>
-              <a:t>Observe and apply currently required change in commands</a:t>
-            </a:r>
-          </a:p>
-        </p:txBody>
-      </p:sp>
-      <p:sp>
-        <p:nvSpPr>
-          <p:cNvPr id="6" name="Flowchart: Alternate Process 5">
-            <a:extLst>
-              <a:ext uri="{FF2B5EF4-FFF2-40B4-BE49-F238E27FC236}">
-                <a16:creationId xmlns:a16="http://schemas.microsoft.com/office/drawing/2014/main" id="{CBEC67C4-8145-4EDC-B6E6-4E3AB4BA141C}"/>
-              </a:ext>
-            </a:extLst>
-          </p:cNvPr>
-          <p:cNvSpPr/>
-          <p:nvPr/>
-        </p:nvSpPr>
-        <p:spPr>
-          <a:xfrm>
-            <a:off x="2052676" y="2970848"/>
-            <a:ext cx="1262618" cy="836484"/>
-          </a:xfrm>
-          <a:prstGeom prst="flowChartAlternateProcess">
-            <a:avLst/>
-          </a:prstGeom>
-          <a:ln w="19050"/>
-        </p:spPr>
-        <p:style>
-          <a:lnRef idx="2">
-            <a:schemeClr val="accent6">
-              <a:shade val="50000"/>
-            </a:schemeClr>
-          </a:lnRef>
-          <a:fillRef idx="1">
-            <a:schemeClr val="accent6"/>
-          </a:fillRef>
-          <a:effectRef idx="0">
-            <a:schemeClr val="accent6"/>
-          </a:effectRef>
-          <a:fontRef idx="minor">
-            <a:schemeClr val="lt1"/>
-          </a:fontRef>
-        </p:style>
-        <p:txBody>
-          <a:bodyPr rot="0" spcFirstLastPara="0" vertOverflow="overflow" horzOverflow="overflow" vert="horz" wrap="square" lIns="0" tIns="0" rIns="0" bIns="0" numCol="1" spcCol="0" rtlCol="0" fromWordArt="0" anchor="ctr" anchorCtr="0" forceAA="0" compatLnSpc="1">
-            <a:prstTxWarp prst="textNoShape">
-              <a:avLst/>
-            </a:prstTxWarp>
-            <a:noAutofit/>
-          </a:bodyPr>
-          <a:lstStyle/>
-          <a:p>
-            <a:pPr algn="ctr"/>
-            <a:r>
-              <a:rPr lang="en-AU" sz="1050" dirty="0">
-                <a:latin typeface="Consolas" panose="020B0609020204030204" pitchFamily="49" charset="0"/>
-                <a:ea typeface="Yu Gothic" panose="020B0400000000000000" pitchFamily="34" charset="-128"/>
-              </a:rPr>
-              <a:t>Observe current state of suit</a:t>
-            </a:r>
-          </a:p>
-        </p:txBody>
-      </p:sp>
-      <p:sp>
-        <p:nvSpPr>
-          <p:cNvPr id="10" name="Flowchart: Alternate Process 9">
-            <a:extLst>
-              <a:ext uri="{FF2B5EF4-FFF2-40B4-BE49-F238E27FC236}">
-                <a16:creationId xmlns:a16="http://schemas.microsoft.com/office/drawing/2014/main" id="{04E96D33-931D-41ED-B785-5AAC4836DA2B}"/>
-              </a:ext>
-            </a:extLst>
-          </p:cNvPr>
-          <p:cNvSpPr/>
-          <p:nvPr/>
-        </p:nvSpPr>
-        <p:spPr>
-          <a:xfrm>
-            <a:off x="2052676" y="4066893"/>
-            <a:ext cx="1262618" cy="836484"/>
-          </a:xfrm>
-          <a:prstGeom prst="flowChartAlternateProcess">
-            <a:avLst/>
-          </a:prstGeom>
-          <a:ln w="19050"/>
-        </p:spPr>
-        <p:style>
-          <a:lnRef idx="2">
-            <a:schemeClr val="accent6">
-              <a:shade val="50000"/>
-            </a:schemeClr>
-          </a:lnRef>
-          <a:fillRef idx="1">
-            <a:schemeClr val="accent6"/>
-          </a:fillRef>
-          <a:effectRef idx="0">
-            <a:schemeClr val="accent6"/>
-          </a:effectRef>
-          <a:fontRef idx="minor">
-            <a:schemeClr val="lt1"/>
-          </a:fontRef>
-        </p:style>
-        <p:txBody>
-          <a:bodyPr rot="0" spcFirstLastPara="0" vertOverflow="overflow" horzOverflow="overflow" vert="horz" wrap="square" lIns="0" tIns="0" rIns="0" bIns="0" numCol="1" spcCol="0" rtlCol="0" fromWordArt="0" anchor="ctr" anchorCtr="0" forceAA="0" compatLnSpc="1">
-            <a:prstTxWarp prst="textNoShape">
-              <a:avLst/>
-            </a:prstTxWarp>
-            <a:noAutofit/>
-          </a:bodyPr>
-          <a:lstStyle/>
-          <a:p>
-            <a:pPr algn="ctr"/>
-            <a:r>
-              <a:rPr lang="en-AU" sz="1050" dirty="0">
-                <a:latin typeface="Consolas" panose="020B0609020204030204" pitchFamily="49" charset="0"/>
-                <a:ea typeface="Yu Gothic" panose="020B0400000000000000" pitchFamily="34" charset="-128"/>
-              </a:rPr>
-              <a:t>Measure suit interaction with environment (force) </a:t>
-            </a:r>
-          </a:p>
-        </p:txBody>
-      </p:sp>
-      <p:sp>
-        <p:nvSpPr>
-          <p:cNvPr id="35" name="Flowchart: Alternate Process 34">
-            <a:extLst>
-              <a:ext uri="{FF2B5EF4-FFF2-40B4-BE49-F238E27FC236}">
-                <a16:creationId xmlns:a16="http://schemas.microsoft.com/office/drawing/2014/main" id="{2BF16F38-5994-4A2C-9431-5E8CE547BC25}"/>
-              </a:ext>
-            </a:extLst>
-          </p:cNvPr>
-          <p:cNvSpPr/>
-          <p:nvPr/>
-        </p:nvSpPr>
-        <p:spPr>
-          <a:xfrm>
-            <a:off x="2052676" y="5162939"/>
-            <a:ext cx="1262618" cy="836484"/>
-          </a:xfrm>
-          <a:prstGeom prst="flowChartAlternateProcess">
-            <a:avLst/>
-          </a:prstGeom>
-          <a:ln w="19050"/>
-        </p:spPr>
-        <p:style>
-          <a:lnRef idx="2">
-            <a:schemeClr val="accent6">
-              <a:shade val="50000"/>
-            </a:schemeClr>
-          </a:lnRef>
-          <a:fillRef idx="1">
-            <a:schemeClr val="accent6"/>
-          </a:fillRef>
-          <a:effectRef idx="0">
-            <a:schemeClr val="accent6"/>
-          </a:effectRef>
-          <a:fontRef idx="minor">
-            <a:schemeClr val="lt1"/>
-          </a:fontRef>
-        </p:style>
-        <p:txBody>
-          <a:bodyPr rot="0" spcFirstLastPara="0" vertOverflow="overflow" horzOverflow="overflow" vert="horz" wrap="square" lIns="0" tIns="0" rIns="0" bIns="0" numCol="1" spcCol="0" rtlCol="0" fromWordArt="0" anchor="ctr" anchorCtr="0" forceAA="0" compatLnSpc="1">
-            <a:prstTxWarp prst="textNoShape">
-              <a:avLst/>
-            </a:prstTxWarp>
-            <a:noAutofit/>
-          </a:bodyPr>
-          <a:lstStyle/>
-          <a:p>
-            <a:pPr algn="ctr"/>
-            <a:r>
-              <a:rPr lang="en-AU" sz="1050" dirty="0">
-                <a:latin typeface="Consolas" panose="020B0609020204030204" pitchFamily="49" charset="0"/>
-                <a:ea typeface="Yu Gothic" panose="020B0400000000000000" pitchFamily="34" charset="-128"/>
-              </a:rPr>
-              <a:t>Measure force applied at external contact points</a:t>
-            </a:r>
-          </a:p>
-        </p:txBody>
-      </p:sp>
-      <p:sp>
-        <p:nvSpPr>
-          <p:cNvPr id="9" name="Flowchart: Alternate Process 8">
-            <a:extLst>
-              <a:ext uri="{FF2B5EF4-FFF2-40B4-BE49-F238E27FC236}">
-                <a16:creationId xmlns:a16="http://schemas.microsoft.com/office/drawing/2014/main" id="{A63D1470-FBE3-48D4-8461-35122716F401}"/>
-              </a:ext>
-            </a:extLst>
-          </p:cNvPr>
-          <p:cNvSpPr/>
-          <p:nvPr/>
-        </p:nvSpPr>
-        <p:spPr>
-          <a:xfrm>
-            <a:off x="3565352" y="4066893"/>
-            <a:ext cx="1262618" cy="836484"/>
-          </a:xfrm>
-          <a:prstGeom prst="flowChartAlternateProcess">
-            <a:avLst/>
-          </a:prstGeom>
-          <a:ln w="19050"/>
-        </p:spPr>
-        <p:style>
-          <a:lnRef idx="2">
-            <a:schemeClr val="accent6">
-              <a:shade val="50000"/>
-            </a:schemeClr>
-          </a:lnRef>
-          <a:fillRef idx="1">
-            <a:schemeClr val="accent6"/>
-          </a:fillRef>
-          <a:effectRef idx="0">
-            <a:schemeClr val="accent6"/>
-          </a:effectRef>
-          <a:fontRef idx="minor">
-            <a:schemeClr val="lt1"/>
-          </a:fontRef>
-        </p:style>
-        <p:txBody>
-          <a:bodyPr rot="0" spcFirstLastPara="0" vertOverflow="overflow" horzOverflow="overflow" vert="horz" wrap="square" lIns="0" tIns="0" rIns="0" bIns="0" numCol="1" spcCol="0" rtlCol="0" fromWordArt="0" anchor="ctr" anchorCtr="0" forceAA="0" compatLnSpc="1">
-            <a:prstTxWarp prst="textNoShape">
-              <a:avLst/>
-            </a:prstTxWarp>
-            <a:noAutofit/>
-          </a:bodyPr>
-          <a:lstStyle/>
-          <a:p>
-            <a:pPr algn="ctr"/>
-            <a:r>
-              <a:rPr lang="en-AU" sz="1050" dirty="0">
-                <a:latin typeface="Consolas" panose="020B0609020204030204" pitchFamily="49" charset="0"/>
-                <a:ea typeface="Yu Gothic" panose="020B0400000000000000" pitchFamily="34" charset="-128"/>
-              </a:rPr>
-              <a:t>Measure pilot interaction with suit (force)</a:t>
-            </a:r>
-          </a:p>
-        </p:txBody>
-      </p:sp>
-      <p:sp>
-        <p:nvSpPr>
-          <p:cNvPr id="37" name="Flowchart: Alternate Process 36">
-            <a:extLst>
-              <a:ext uri="{FF2B5EF4-FFF2-40B4-BE49-F238E27FC236}">
-                <a16:creationId xmlns:a16="http://schemas.microsoft.com/office/drawing/2014/main" id="{619597F8-F93B-4AD4-A251-42D24A65AD9C}"/>
-              </a:ext>
-            </a:extLst>
-          </p:cNvPr>
-          <p:cNvSpPr/>
-          <p:nvPr/>
-        </p:nvSpPr>
-        <p:spPr>
-          <a:xfrm>
-            <a:off x="3565352" y="5162939"/>
-            <a:ext cx="1262618" cy="836484"/>
-          </a:xfrm>
-          <a:prstGeom prst="flowChartAlternateProcess">
-            <a:avLst/>
-          </a:prstGeom>
-          <a:ln w="19050"/>
-        </p:spPr>
-        <p:style>
-          <a:lnRef idx="2">
-            <a:schemeClr val="accent6">
-              <a:shade val="50000"/>
-            </a:schemeClr>
-          </a:lnRef>
-          <a:fillRef idx="1">
-            <a:schemeClr val="accent6"/>
-          </a:fillRef>
-          <a:effectRef idx="0">
-            <a:schemeClr val="accent6"/>
-          </a:effectRef>
-          <a:fontRef idx="minor">
-            <a:schemeClr val="lt1"/>
-          </a:fontRef>
-        </p:style>
-        <p:txBody>
-          <a:bodyPr rot="0" spcFirstLastPara="0" vertOverflow="overflow" horzOverflow="overflow" vert="horz" wrap="square" lIns="0" tIns="0" rIns="0" bIns="0" numCol="1" spcCol="0" rtlCol="0" fromWordArt="0" anchor="ctr" anchorCtr="0" forceAA="0" compatLnSpc="1">
-            <a:prstTxWarp prst="textNoShape">
-              <a:avLst/>
-            </a:prstTxWarp>
-            <a:noAutofit/>
-          </a:bodyPr>
-          <a:lstStyle/>
-          <a:p>
-            <a:pPr algn="ctr"/>
-            <a:r>
-              <a:rPr lang="en-AU" sz="1050" dirty="0">
-                <a:latin typeface="Consolas" panose="020B0609020204030204" pitchFamily="49" charset="0"/>
-                <a:ea typeface="Yu Gothic" panose="020B0400000000000000" pitchFamily="34" charset="-128"/>
-              </a:rPr>
-              <a:t>Measure force applied at internal contact points</a:t>
-            </a:r>
-          </a:p>
-        </p:txBody>
-      </p:sp>
-      <p:sp>
-        <p:nvSpPr>
-          <p:cNvPr id="7" name="Flowchart: Alternate Process 6">
-            <a:extLst>
-              <a:ext uri="{FF2B5EF4-FFF2-40B4-BE49-F238E27FC236}">
-                <a16:creationId xmlns:a16="http://schemas.microsoft.com/office/drawing/2014/main" id="{D1A998BA-C071-44B5-962E-FE337498CFC8}"/>
-              </a:ext>
-            </a:extLst>
-          </p:cNvPr>
-          <p:cNvSpPr/>
-          <p:nvPr/>
-        </p:nvSpPr>
-        <p:spPr>
-          <a:xfrm>
-            <a:off x="5078028" y="2970848"/>
-            <a:ext cx="1262618" cy="836484"/>
-          </a:xfrm>
-          <a:prstGeom prst="flowChartAlternateProcess">
-            <a:avLst/>
-          </a:prstGeom>
-          <a:ln w="19050"/>
-        </p:spPr>
-        <p:style>
-          <a:lnRef idx="2">
-            <a:schemeClr val="accent4">
-              <a:shade val="50000"/>
-            </a:schemeClr>
-          </a:lnRef>
-          <a:fillRef idx="1">
-            <a:schemeClr val="accent4"/>
-          </a:fillRef>
-          <a:effectRef idx="0">
-            <a:schemeClr val="accent4"/>
-          </a:effectRef>
-          <a:fontRef idx="minor">
-            <a:schemeClr val="lt1"/>
-          </a:fontRef>
-        </p:style>
-        <p:txBody>
-          <a:bodyPr rot="0" spcFirstLastPara="0" vertOverflow="overflow" horzOverflow="overflow" vert="horz" wrap="square" lIns="0" tIns="0" rIns="0" bIns="0" numCol="1" spcCol="0" rtlCol="0" fromWordArt="0" anchor="ctr" anchorCtr="0" forceAA="0" compatLnSpc="1">
-            <a:prstTxWarp prst="textNoShape">
-              <a:avLst/>
-            </a:prstTxWarp>
-            <a:noAutofit/>
-          </a:bodyPr>
-          <a:lstStyle/>
-          <a:p>
-            <a:pPr algn="ctr"/>
-            <a:r>
-              <a:rPr lang="en-AU" sz="1050" dirty="0">
-                <a:latin typeface="Consolas" panose="020B0609020204030204" pitchFamily="49" charset="0"/>
-                <a:ea typeface="Yu Gothic" panose="020B0400000000000000" pitchFamily="34" charset="-128"/>
-              </a:rPr>
-              <a:t>Observe current state of pilot/desired state of suit</a:t>
-            </a:r>
-          </a:p>
-        </p:txBody>
-      </p:sp>
-      <p:sp>
-        <p:nvSpPr>
-          <p:cNvPr id="30" name="Flowchart: Alternate Process 29">
-            <a:extLst>
-              <a:ext uri="{FF2B5EF4-FFF2-40B4-BE49-F238E27FC236}">
-                <a16:creationId xmlns:a16="http://schemas.microsoft.com/office/drawing/2014/main" id="{F1FD1449-71B5-4234-B68C-56B73E3B8CA2}"/>
-              </a:ext>
-            </a:extLst>
-          </p:cNvPr>
-          <p:cNvSpPr/>
-          <p:nvPr/>
-        </p:nvSpPr>
-        <p:spPr>
-          <a:xfrm>
-            <a:off x="5078028" y="4066893"/>
-            <a:ext cx="1262618" cy="836484"/>
-          </a:xfrm>
-          <a:prstGeom prst="flowChartAlternateProcess">
-            <a:avLst/>
-          </a:prstGeom>
-          <a:ln w="19050"/>
-        </p:spPr>
-        <p:style>
-          <a:lnRef idx="2">
-            <a:schemeClr val="accent4">
-              <a:shade val="50000"/>
-            </a:schemeClr>
-          </a:lnRef>
-          <a:fillRef idx="1">
-            <a:schemeClr val="accent4"/>
-          </a:fillRef>
-          <a:effectRef idx="0">
-            <a:schemeClr val="accent4"/>
-          </a:effectRef>
-          <a:fontRef idx="minor">
-            <a:schemeClr val="lt1"/>
-          </a:fontRef>
-        </p:style>
-        <p:txBody>
-          <a:bodyPr rot="0" spcFirstLastPara="0" vertOverflow="overflow" horzOverflow="overflow" vert="horz" wrap="square" lIns="0" tIns="0" rIns="0" bIns="0" numCol="1" spcCol="0" rtlCol="0" fromWordArt="0" anchor="ctr" anchorCtr="0" forceAA="0" compatLnSpc="1">
-            <a:prstTxWarp prst="textNoShape">
-              <a:avLst/>
-            </a:prstTxWarp>
-            <a:noAutofit/>
-          </a:bodyPr>
-          <a:lstStyle/>
-          <a:p>
-            <a:pPr algn="ctr"/>
-            <a:r>
-              <a:rPr lang="en-AU" sz="1050" dirty="0">
-                <a:latin typeface="Consolas" panose="020B0609020204030204" pitchFamily="49" charset="0"/>
-                <a:ea typeface="Yu Gothic" panose="020B0400000000000000" pitchFamily="34" charset="-128"/>
-              </a:rPr>
-              <a:t>Measure position of limbs in relation to origin</a:t>
-            </a:r>
-          </a:p>
-        </p:txBody>
-      </p:sp>
-      <p:sp>
-        <p:nvSpPr>
-          <p:cNvPr id="31" name="Flowchart: Alternate Process 30">
-            <a:extLst>
-              <a:ext uri="{FF2B5EF4-FFF2-40B4-BE49-F238E27FC236}">
-                <a16:creationId xmlns:a16="http://schemas.microsoft.com/office/drawing/2014/main" id="{80AE8C24-5378-46D6-B0D1-7131000DBDEC}"/>
-              </a:ext>
-            </a:extLst>
-          </p:cNvPr>
-          <p:cNvSpPr/>
-          <p:nvPr/>
-        </p:nvSpPr>
-        <p:spPr>
-          <a:xfrm>
-            <a:off x="5078028" y="5162939"/>
-            <a:ext cx="1262618" cy="836484"/>
-          </a:xfrm>
-          <a:prstGeom prst="flowChartAlternateProcess">
-            <a:avLst/>
-          </a:prstGeom>
-          <a:ln w="19050"/>
-        </p:spPr>
-        <p:style>
-          <a:lnRef idx="2">
-            <a:schemeClr val="accent4">
-              <a:shade val="50000"/>
-            </a:schemeClr>
-          </a:lnRef>
-          <a:fillRef idx="1">
-            <a:schemeClr val="accent4"/>
-          </a:fillRef>
-          <a:effectRef idx="0">
-            <a:schemeClr val="accent4"/>
-          </a:effectRef>
-          <a:fontRef idx="minor">
-            <a:schemeClr val="lt1"/>
-          </a:fontRef>
-        </p:style>
-        <p:txBody>
-          <a:bodyPr rot="0" spcFirstLastPara="0" vertOverflow="overflow" horzOverflow="overflow" vert="horz" wrap="square" lIns="0" tIns="0" rIns="0" bIns="0" numCol="1" spcCol="0" rtlCol="0" fromWordArt="0" anchor="ctr" anchorCtr="0" forceAA="0" compatLnSpc="1">
-            <a:prstTxWarp prst="textNoShape">
-              <a:avLst/>
-            </a:prstTxWarp>
-            <a:noAutofit/>
-          </a:bodyPr>
-          <a:lstStyle/>
-          <a:p>
-            <a:pPr algn="ctr"/>
-            <a:r>
-              <a:rPr lang="en-AU" sz="1050" dirty="0">
-                <a:latin typeface="Consolas" panose="020B0609020204030204" pitchFamily="49" charset="0"/>
-                <a:ea typeface="Yu Gothic" panose="020B0400000000000000" pitchFamily="34" charset="-128"/>
-              </a:rPr>
-              <a:t>Measure position of limbs in relation to fixed rotational axis on suit</a:t>
-            </a:r>
-          </a:p>
-        </p:txBody>
-      </p:sp>
-      <p:sp>
-        <p:nvSpPr>
-          <p:cNvPr id="8" name="Flowchart: Alternate Process 7">
-            <a:extLst>
-              <a:ext uri="{FF2B5EF4-FFF2-40B4-BE49-F238E27FC236}">
-                <a16:creationId xmlns:a16="http://schemas.microsoft.com/office/drawing/2014/main" id="{E17CF2C8-8C53-48C7-9AD3-469A6F84215D}"/>
-              </a:ext>
-            </a:extLst>
-          </p:cNvPr>
-          <p:cNvSpPr/>
-          <p:nvPr/>
-        </p:nvSpPr>
-        <p:spPr>
-          <a:xfrm>
-            <a:off x="6590704" y="2970848"/>
-            <a:ext cx="1262618" cy="836484"/>
-          </a:xfrm>
-          <a:prstGeom prst="flowChartAlternateProcess">
-            <a:avLst/>
-          </a:prstGeom>
-          <a:ln w="19050"/>
-        </p:spPr>
-        <p:style>
-          <a:lnRef idx="2">
-            <a:schemeClr val="accent5">
-              <a:shade val="50000"/>
-            </a:schemeClr>
-          </a:lnRef>
-          <a:fillRef idx="1">
-            <a:schemeClr val="accent5"/>
-          </a:fillRef>
-          <a:effectRef idx="0">
-            <a:schemeClr val="accent5"/>
-          </a:effectRef>
-          <a:fontRef idx="minor">
-            <a:schemeClr val="lt1"/>
-          </a:fontRef>
-        </p:style>
-        <p:txBody>
-          <a:bodyPr rot="0" spcFirstLastPara="0" vertOverflow="overflow" horzOverflow="overflow" vert="horz" wrap="square" lIns="0" tIns="0" rIns="0" bIns="0" numCol="1" spcCol="0" rtlCol="0" fromWordArt="0" anchor="ctr" anchorCtr="0" forceAA="0" compatLnSpc="1">
-            <a:prstTxWarp prst="textNoShape">
-              <a:avLst/>
-            </a:prstTxWarp>
-            <a:noAutofit/>
-          </a:bodyPr>
-          <a:lstStyle/>
-          <a:p>
-            <a:pPr algn="ctr"/>
-            <a:r>
-              <a:rPr lang="en-AU" sz="1050" dirty="0">
-                <a:latin typeface="Consolas" panose="020B0609020204030204" pitchFamily="49" charset="0"/>
-                <a:ea typeface="Yu Gothic" panose="020B0400000000000000" pitchFamily="34" charset="-128"/>
-              </a:rPr>
-              <a:t>Determine action required</a:t>
-            </a:r>
-          </a:p>
-        </p:txBody>
-      </p:sp>
-      <p:sp>
-        <p:nvSpPr>
-          <p:cNvPr id="32" name="Flowchart: Alternate Process 31">
-            <a:extLst>
-              <a:ext uri="{FF2B5EF4-FFF2-40B4-BE49-F238E27FC236}">
-                <a16:creationId xmlns:a16="http://schemas.microsoft.com/office/drawing/2014/main" id="{B0676973-EA72-4D5F-9A6D-2CAB38CC5F7A}"/>
-              </a:ext>
-            </a:extLst>
-          </p:cNvPr>
-          <p:cNvSpPr/>
-          <p:nvPr/>
-        </p:nvSpPr>
-        <p:spPr>
-          <a:xfrm>
-            <a:off x="6590704" y="4066893"/>
-            <a:ext cx="1262618" cy="836484"/>
-          </a:xfrm>
-          <a:prstGeom prst="flowChartAlternateProcess">
-            <a:avLst/>
-          </a:prstGeom>
-          <a:ln w="19050"/>
-        </p:spPr>
-        <p:style>
-          <a:lnRef idx="2">
-            <a:schemeClr val="accent5">
-              <a:shade val="50000"/>
-            </a:schemeClr>
-          </a:lnRef>
-          <a:fillRef idx="1">
-            <a:schemeClr val="accent5"/>
-          </a:fillRef>
-          <a:effectRef idx="0">
-            <a:schemeClr val="accent5"/>
-          </a:effectRef>
-          <a:fontRef idx="minor">
-            <a:schemeClr val="lt1"/>
-          </a:fontRef>
-        </p:style>
-        <p:txBody>
-          <a:bodyPr rot="0" spcFirstLastPara="0" vertOverflow="overflow" horzOverflow="overflow" vert="horz" wrap="square" lIns="0" tIns="0" rIns="0" bIns="0" numCol="1" spcCol="0" rtlCol="0" fromWordArt="0" anchor="ctr" anchorCtr="0" forceAA="0" compatLnSpc="1">
-            <a:prstTxWarp prst="textNoShape">
-              <a:avLst/>
-            </a:prstTxWarp>
-            <a:noAutofit/>
-          </a:bodyPr>
-          <a:lstStyle/>
-          <a:p>
-            <a:pPr algn="ctr"/>
-            <a:r>
-              <a:rPr lang="en-AU" sz="1050" dirty="0">
-                <a:latin typeface="Consolas" panose="020B0609020204030204" pitchFamily="49" charset="0"/>
-                <a:ea typeface="Yu Gothic" panose="020B0400000000000000" pitchFamily="34" charset="-128"/>
-              </a:rPr>
-              <a:t>Develop control method based on kinematics of the suit</a:t>
-            </a:r>
-          </a:p>
-        </p:txBody>
-      </p:sp>
-      <p:sp>
-        <p:nvSpPr>
-          <p:cNvPr id="33" name="Flowchart: Alternate Process 32">
-            <a:extLst>
-              <a:ext uri="{FF2B5EF4-FFF2-40B4-BE49-F238E27FC236}">
-                <a16:creationId xmlns:a16="http://schemas.microsoft.com/office/drawing/2014/main" id="{B7FBCCD6-B5C4-43DD-A839-6974AB226413}"/>
-              </a:ext>
-            </a:extLst>
-          </p:cNvPr>
-          <p:cNvSpPr/>
-          <p:nvPr/>
-        </p:nvSpPr>
-        <p:spPr>
-          <a:xfrm>
-            <a:off x="6590704" y="5162939"/>
-            <a:ext cx="1262618" cy="836484"/>
-          </a:xfrm>
-          <a:prstGeom prst="flowChartAlternateProcess">
-            <a:avLst/>
-          </a:prstGeom>
-          <a:ln w="19050"/>
-        </p:spPr>
-        <p:style>
-          <a:lnRef idx="2">
-            <a:schemeClr val="accent5">
-              <a:shade val="50000"/>
-            </a:schemeClr>
-          </a:lnRef>
-          <a:fillRef idx="1">
-            <a:schemeClr val="accent5"/>
-          </a:fillRef>
-          <a:effectRef idx="0">
-            <a:schemeClr val="accent5"/>
-          </a:effectRef>
-          <a:fontRef idx="minor">
-            <a:schemeClr val="lt1"/>
-          </a:fontRef>
-        </p:style>
-        <p:txBody>
-          <a:bodyPr rot="0" spcFirstLastPara="0" vertOverflow="overflow" horzOverflow="overflow" vert="horz" wrap="square" lIns="0" tIns="0" rIns="0" bIns="0" numCol="1" spcCol="0" rtlCol="0" fromWordArt="0" anchor="ctr" anchorCtr="0" forceAA="0" compatLnSpc="1">
-            <a:prstTxWarp prst="textNoShape">
-              <a:avLst/>
-            </a:prstTxWarp>
-            <a:noAutofit/>
-          </a:bodyPr>
-          <a:lstStyle/>
-          <a:p>
-            <a:pPr algn="ctr"/>
-            <a:r>
-              <a:rPr lang="en-AU" sz="1050" dirty="0">
-                <a:latin typeface="Consolas" panose="020B0609020204030204" pitchFamily="49" charset="0"/>
-                <a:ea typeface="Yu Gothic" panose="020B0400000000000000" pitchFamily="34" charset="-128"/>
-              </a:rPr>
-              <a:t>Derive required action of the suit from any given state</a:t>
-            </a:r>
-          </a:p>
-        </p:txBody>
-      </p:sp>
-      <p:sp>
-        <p:nvSpPr>
-          <p:cNvPr id="187" name="Flowchart: Alternate Process 186">
-            <a:extLst>
-              <a:ext uri="{FF2B5EF4-FFF2-40B4-BE49-F238E27FC236}">
-                <a16:creationId xmlns:a16="http://schemas.microsoft.com/office/drawing/2014/main" id="{17975D41-8DC7-4055-949A-7231CCF688D6}"/>
-              </a:ext>
-            </a:extLst>
-          </p:cNvPr>
-          <p:cNvSpPr/>
-          <p:nvPr/>
-        </p:nvSpPr>
-        <p:spPr>
-          <a:xfrm>
-            <a:off x="8103382" y="5162939"/>
-            <a:ext cx="1262618" cy="836484"/>
-          </a:xfrm>
-          <a:prstGeom prst="flowChartAlternateProcess">
-            <a:avLst/>
-          </a:prstGeom>
-          <a:solidFill>
-            <a:srgbClr val="AC75D5"/>
-          </a:solidFill>
-          <a:ln w="19050">
-            <a:solidFill>
-              <a:srgbClr val="7030A0"/>
-            </a:solidFill>
-          </a:ln>
-        </p:spPr>
-        <p:style>
-          <a:lnRef idx="2">
-            <a:schemeClr val="accent5">
-              <a:shade val="50000"/>
-            </a:schemeClr>
-          </a:lnRef>
-          <a:fillRef idx="1">
-            <a:schemeClr val="accent5"/>
-          </a:fillRef>
-          <a:effectRef idx="0">
-            <a:schemeClr val="accent5"/>
-          </a:effectRef>
-          <a:fontRef idx="minor">
-            <a:schemeClr val="lt1"/>
-          </a:fontRef>
-        </p:style>
-        <p:txBody>
-          <a:bodyPr rot="0" spcFirstLastPara="0" vertOverflow="overflow" horzOverflow="overflow" vert="horz" wrap="square" lIns="0" tIns="0" rIns="0" bIns="0" numCol="1" spcCol="0" rtlCol="0" fromWordArt="0" anchor="ctr" anchorCtr="0" forceAA="0" compatLnSpc="1">
-            <a:prstTxWarp prst="textNoShape">
-              <a:avLst/>
-            </a:prstTxWarp>
-            <a:noAutofit/>
-          </a:bodyPr>
-          <a:lstStyle/>
-          <a:p>
-            <a:pPr algn="ctr"/>
-            <a:r>
-              <a:rPr lang="en-AU" sz="1050" dirty="0">
-                <a:latin typeface="Consolas" panose="020B0609020204030204" pitchFamily="49" charset="0"/>
-                <a:ea typeface="Yu Gothic" panose="020B0400000000000000" pitchFamily="34" charset="-128"/>
-              </a:rPr>
-              <a:t>Transmit Message over communications system</a:t>
-            </a:r>
-          </a:p>
-        </p:txBody>
-      </p:sp>
-      <p:sp>
-        <p:nvSpPr>
-          <p:cNvPr id="188" name="Flowchart: Alternate Process 187">
-            <a:extLst>
-              <a:ext uri="{FF2B5EF4-FFF2-40B4-BE49-F238E27FC236}">
-                <a16:creationId xmlns:a16="http://schemas.microsoft.com/office/drawing/2014/main" id="{70ECDDF3-EE31-4BE2-BB26-E9F9CED294F8}"/>
-              </a:ext>
-            </a:extLst>
-          </p:cNvPr>
-          <p:cNvSpPr/>
-          <p:nvPr/>
-        </p:nvSpPr>
-        <p:spPr>
-          <a:xfrm>
-            <a:off x="8103382" y="2973625"/>
-            <a:ext cx="1262618" cy="836484"/>
-          </a:xfrm>
-          <a:prstGeom prst="flowChartAlternateProcess">
-            <a:avLst/>
-          </a:prstGeom>
-          <a:solidFill>
-            <a:srgbClr val="AC75D5"/>
-          </a:solidFill>
-          <a:ln w="19050">
-            <a:solidFill>
-              <a:srgbClr val="7030A0"/>
-            </a:solidFill>
-          </a:ln>
-        </p:spPr>
-        <p:style>
-          <a:lnRef idx="2">
-            <a:schemeClr val="accent5">
-              <a:shade val="50000"/>
-            </a:schemeClr>
-          </a:lnRef>
-          <a:fillRef idx="1">
-            <a:schemeClr val="accent5"/>
-          </a:fillRef>
-          <a:effectRef idx="0">
-            <a:schemeClr val="accent5"/>
-          </a:effectRef>
-          <a:fontRef idx="minor">
-            <a:schemeClr val="lt1"/>
-          </a:fontRef>
-        </p:style>
-        <p:txBody>
-          <a:bodyPr rot="0" spcFirstLastPara="0" vertOverflow="overflow" horzOverflow="overflow" vert="horz" wrap="square" lIns="0" tIns="0" rIns="0" bIns="0" numCol="1" spcCol="0" rtlCol="0" fromWordArt="0" anchor="ctr" anchorCtr="0" forceAA="0" compatLnSpc="1">
-            <a:prstTxWarp prst="textNoShape">
-              <a:avLst/>
-            </a:prstTxWarp>
-            <a:noAutofit/>
-          </a:bodyPr>
-          <a:lstStyle/>
-          <a:p>
-            <a:pPr algn="ctr"/>
-            <a:r>
-              <a:rPr lang="en-AU" sz="1050" dirty="0">
-                <a:latin typeface="Consolas" panose="020B0609020204030204" pitchFamily="49" charset="0"/>
-                <a:ea typeface="Yu Gothic" panose="020B0400000000000000" pitchFamily="34" charset="-128"/>
-              </a:rPr>
-              <a:t>Communicate Desired Action</a:t>
-            </a:r>
-          </a:p>
-        </p:txBody>
-      </p:sp>
+            <a:ln w="19050">
+              <a:solidFill>
+                <a:srgbClr val="7030A0"/>
+              </a:solidFill>
+            </a:ln>
+          </p:spPr>
+          <p:style>
+            <a:lnRef idx="2">
+              <a:schemeClr val="accent5">
+                <a:shade val="50000"/>
+              </a:schemeClr>
+            </a:lnRef>
+            <a:fillRef idx="1">
+              <a:schemeClr val="accent5"/>
+            </a:fillRef>
+            <a:effectRef idx="0">
+              <a:schemeClr val="accent5"/>
+            </a:effectRef>
+            <a:fontRef idx="minor">
+              <a:schemeClr val="lt1"/>
+            </a:fontRef>
+          </p:style>
+          <p:txBody>
+            <a:bodyPr rot="0" spcFirstLastPara="0" vertOverflow="overflow" horzOverflow="overflow" vert="horz" wrap="square" lIns="0" tIns="0" rIns="0" bIns="0" numCol="1" spcCol="0" rtlCol="0" fromWordArt="0" anchor="ctr" anchorCtr="0" forceAA="0" compatLnSpc="1">
+              <a:prstTxWarp prst="textNoShape">
+                <a:avLst/>
+              </a:prstTxWarp>
+              <a:noAutofit/>
+            </a:bodyPr>
+            <a:lstStyle/>
+            <a:p>
+              <a:pPr algn="ctr"/>
+              <a:r>
+                <a:rPr lang="en-AU" sz="1050" dirty="0">
+                  <a:latin typeface="Consolas" panose="020B0609020204030204" pitchFamily="49" charset="0"/>
+                  <a:ea typeface="Yu Gothic" panose="020B0400000000000000" pitchFamily="34" charset="-128"/>
+                </a:rPr>
+                <a:t>Communicate Desired Action</a:t>
+              </a:r>
+            </a:p>
+          </p:txBody>
+        </p:sp>
+      </p:grpSp>
     </p:spTree>
     <p:extLst>
       <p:ext uri="{BB962C8B-B14F-4D97-AF65-F5344CB8AC3E}">

--- a/Documentation/FuncDecomp.pptx
+++ b/Documentation/FuncDecomp.pptx
@@ -7,10 +7,12 @@
   <p:sldIdLst>
     <p:sldId id="256" r:id="rId2"/>
     <p:sldId id="258" r:id="rId3"/>
-    <p:sldId id="257" r:id="rId4"/>
-    <p:sldId id="259" r:id="rId5"/>
-    <p:sldId id="260" r:id="rId6"/>
-    <p:sldId id="261" r:id="rId7"/>
+    <p:sldId id="262" r:id="rId4"/>
+    <p:sldId id="263" r:id="rId5"/>
+    <p:sldId id="257" r:id="rId6"/>
+    <p:sldId id="259" r:id="rId7"/>
+    <p:sldId id="260" r:id="rId8"/>
+    <p:sldId id="261" r:id="rId9"/>
   </p:sldIdLst>
   <p:sldSz cx="9906000" cy="6858000" type="A4"/>
   <p:notesSz cx="6858000" cy="9144000"/>
@@ -248,7 +250,7 @@
           <a:p>
             <a:fld id="{B0718091-353A-4726-AFD1-15211AE32140}" type="datetimeFigureOut">
               <a:rPr lang="en-AU" smtClean="0"/>
-              <a:t>30/05/2018</a:t>
+              <a:t>31/05/2018</a:t>
             </a:fld>
             <a:endParaRPr lang="en-AU"/>
           </a:p>
@@ -418,7 +420,7 @@
           <a:p>
             <a:fld id="{B0718091-353A-4726-AFD1-15211AE32140}" type="datetimeFigureOut">
               <a:rPr lang="en-AU" smtClean="0"/>
-              <a:t>30/05/2018</a:t>
+              <a:t>31/05/2018</a:t>
             </a:fld>
             <a:endParaRPr lang="en-AU"/>
           </a:p>
@@ -598,7 +600,7 @@
           <a:p>
             <a:fld id="{B0718091-353A-4726-AFD1-15211AE32140}" type="datetimeFigureOut">
               <a:rPr lang="en-AU" smtClean="0"/>
-              <a:t>30/05/2018</a:t>
+              <a:t>31/05/2018</a:t>
             </a:fld>
             <a:endParaRPr lang="en-AU"/>
           </a:p>
@@ -768,7 +770,7 @@
           <a:p>
             <a:fld id="{B0718091-353A-4726-AFD1-15211AE32140}" type="datetimeFigureOut">
               <a:rPr lang="en-AU" smtClean="0"/>
-              <a:t>30/05/2018</a:t>
+              <a:t>31/05/2018</a:t>
             </a:fld>
             <a:endParaRPr lang="en-AU"/>
           </a:p>
@@ -1012,7 +1014,7 @@
           <a:p>
             <a:fld id="{B0718091-353A-4726-AFD1-15211AE32140}" type="datetimeFigureOut">
               <a:rPr lang="en-AU" smtClean="0"/>
-              <a:t>30/05/2018</a:t>
+              <a:t>31/05/2018</a:t>
             </a:fld>
             <a:endParaRPr lang="en-AU"/>
           </a:p>
@@ -1244,7 +1246,7 @@
           <a:p>
             <a:fld id="{B0718091-353A-4726-AFD1-15211AE32140}" type="datetimeFigureOut">
               <a:rPr lang="en-AU" smtClean="0"/>
-              <a:t>30/05/2018</a:t>
+              <a:t>31/05/2018</a:t>
             </a:fld>
             <a:endParaRPr lang="en-AU"/>
           </a:p>
@@ -1611,7 +1613,7 @@
           <a:p>
             <a:fld id="{B0718091-353A-4726-AFD1-15211AE32140}" type="datetimeFigureOut">
               <a:rPr lang="en-AU" smtClean="0"/>
-              <a:t>30/05/2018</a:t>
+              <a:t>31/05/2018</a:t>
             </a:fld>
             <a:endParaRPr lang="en-AU"/>
           </a:p>
@@ -1729,7 +1731,7 @@
           <a:p>
             <a:fld id="{B0718091-353A-4726-AFD1-15211AE32140}" type="datetimeFigureOut">
               <a:rPr lang="en-AU" smtClean="0"/>
-              <a:t>30/05/2018</a:t>
+              <a:t>31/05/2018</a:t>
             </a:fld>
             <a:endParaRPr lang="en-AU"/>
           </a:p>
@@ -1824,7 +1826,7 @@
           <a:p>
             <a:fld id="{B0718091-353A-4726-AFD1-15211AE32140}" type="datetimeFigureOut">
               <a:rPr lang="en-AU" smtClean="0"/>
-              <a:t>30/05/2018</a:t>
+              <a:t>31/05/2018</a:t>
             </a:fld>
             <a:endParaRPr lang="en-AU"/>
           </a:p>
@@ -2101,7 +2103,7 @@
           <a:p>
             <a:fld id="{B0718091-353A-4726-AFD1-15211AE32140}" type="datetimeFigureOut">
               <a:rPr lang="en-AU" smtClean="0"/>
-              <a:t>30/05/2018</a:t>
+              <a:t>31/05/2018</a:t>
             </a:fld>
             <a:endParaRPr lang="en-AU"/>
           </a:p>
@@ -2358,7 +2360,7 @@
           <a:p>
             <a:fld id="{B0718091-353A-4726-AFD1-15211AE32140}" type="datetimeFigureOut">
               <a:rPr lang="en-AU" smtClean="0"/>
-              <a:t>30/05/2018</a:t>
+              <a:t>31/05/2018</a:t>
             </a:fld>
             <a:endParaRPr lang="en-AU"/>
           </a:p>
@@ -2571,7 +2573,7 @@
           <a:p>
             <a:fld id="{B0718091-353A-4726-AFD1-15211AE32140}" type="datetimeFigureOut">
               <a:rPr lang="en-AU" smtClean="0"/>
-              <a:t>30/05/2018</a:t>
+              <a:t>31/05/2018</a:t>
             </a:fld>
             <a:endParaRPr lang="en-AU"/>
           </a:p>
@@ -5479,12 +5481,112 @@
           <a:chExt cx="0" cy="0"/>
         </a:xfrm>
       </p:grpSpPr>
+      <p:sp>
+        <p:nvSpPr>
+          <p:cNvPr id="64" name="Rectangle 63">
+            <a:extLst>
+              <a:ext uri="{FF2B5EF4-FFF2-40B4-BE49-F238E27FC236}">
+                <a16:creationId xmlns:a16="http://schemas.microsoft.com/office/drawing/2014/main" id="{DBADEB5B-1FA0-480F-B4B7-FA16E78E33A8}"/>
+              </a:ext>
+            </a:extLst>
+          </p:cNvPr>
+          <p:cNvSpPr/>
+          <p:nvPr/>
+        </p:nvSpPr>
+        <p:spPr>
+          <a:xfrm>
+            <a:off x="3745556" y="5117746"/>
+            <a:ext cx="127908" cy="418240"/>
+          </a:xfrm>
+          <a:prstGeom prst="rect">
+            <a:avLst/>
+          </a:prstGeom>
+          <a:noFill/>
+          <a:ln>
+            <a:noFill/>
+          </a:ln>
+        </p:spPr>
+        <p:style>
+          <a:lnRef idx="2">
+            <a:schemeClr val="accent1">
+              <a:shade val="50000"/>
+            </a:schemeClr>
+          </a:lnRef>
+          <a:fillRef idx="1">
+            <a:schemeClr val="accent1"/>
+          </a:fillRef>
+          <a:effectRef idx="0">
+            <a:schemeClr val="accent1"/>
+          </a:effectRef>
+          <a:fontRef idx="minor">
+            <a:schemeClr val="lt1"/>
+          </a:fontRef>
+        </p:style>
+        <p:txBody>
+          <a:bodyPr rtlCol="0" anchor="ctr"/>
+          <a:lstStyle/>
+          <a:p>
+            <a:pPr algn="ctr"/>
+            <a:endParaRPr lang="en-AU"/>
+          </a:p>
+        </p:txBody>
+      </p:sp>
+      <p:sp>
+        <p:nvSpPr>
+          <p:cNvPr id="183" name="Rectangle 182">
+            <a:extLst>
+              <a:ext uri="{FF2B5EF4-FFF2-40B4-BE49-F238E27FC236}">
+                <a16:creationId xmlns:a16="http://schemas.microsoft.com/office/drawing/2014/main" id="{C50A7802-8233-4992-B9BE-7091952E9771}"/>
+              </a:ext>
+            </a:extLst>
+          </p:cNvPr>
+          <p:cNvSpPr/>
+          <p:nvPr/>
+        </p:nvSpPr>
+        <p:spPr>
+          <a:xfrm>
+            <a:off x="5483376" y="5117746"/>
+            <a:ext cx="127908" cy="418240"/>
+          </a:xfrm>
+          <a:prstGeom prst="rect">
+            <a:avLst/>
+          </a:prstGeom>
+          <a:noFill/>
+          <a:ln>
+            <a:noFill/>
+          </a:ln>
+        </p:spPr>
+        <p:style>
+          <a:lnRef idx="2">
+            <a:schemeClr val="accent1">
+              <a:shade val="50000"/>
+            </a:schemeClr>
+          </a:lnRef>
+          <a:fillRef idx="1">
+            <a:schemeClr val="accent1"/>
+          </a:fillRef>
+          <a:effectRef idx="0">
+            <a:schemeClr val="accent1"/>
+          </a:effectRef>
+          <a:fontRef idx="minor">
+            <a:schemeClr val="lt1"/>
+          </a:fontRef>
+        </p:style>
+        <p:txBody>
+          <a:bodyPr rtlCol="0" anchor="ctr"/>
+          <a:lstStyle/>
+          <a:p>
+            <a:pPr algn="ctr"/>
+            <a:endParaRPr lang="en-AU"/>
+          </a:p>
+        </p:txBody>
+      </p:sp>
       <p:grpSp>
         <p:nvGrpSpPr>
-          <p:cNvPr id="245" name="Group 244">
+          <p:cNvPr id="98" name="Group 97">
             <a:extLst>
               <a:ext uri="{FF2B5EF4-FFF2-40B4-BE49-F238E27FC236}">
-                <a16:creationId xmlns:a16="http://schemas.microsoft.com/office/drawing/2014/main" id="{A92100A1-F5A1-4709-B8D5-A11A90C9F0A0}"/>
+                <a16:creationId xmlns:a16="http://schemas.microsoft.com/office/drawing/2014/main" id="{752805B1-74E1-4FCB-9211-390D72069E4D}"/>
               </a:ext>
             </a:extLst>
           </p:cNvPr>
@@ -5493,18 +5595,18 @@
         </p:nvGrpSpPr>
         <p:grpSpPr>
           <a:xfrm>
-            <a:off x="540001" y="540000"/>
-            <a:ext cx="8825976" cy="5778000"/>
-            <a:chOff x="540001" y="540000"/>
-            <a:chExt cx="8825976" cy="5778000"/>
+            <a:off x="7156702" y="5274385"/>
+            <a:ext cx="127908" cy="836480"/>
+            <a:chOff x="8102122" y="5274385"/>
+            <a:chExt cx="127908" cy="836480"/>
           </a:xfrm>
         </p:grpSpPr>
         <p:sp>
           <p:nvSpPr>
-            <p:cNvPr id="64" name="Rectangle 63">
+            <p:cNvPr id="84" name="Rectangle 83">
               <a:extLst>
                 <a:ext uri="{FF2B5EF4-FFF2-40B4-BE49-F238E27FC236}">
-                  <a16:creationId xmlns:a16="http://schemas.microsoft.com/office/drawing/2014/main" id="{DBADEB5B-1FA0-480F-B4B7-FA16E78E33A8}"/>
+                  <a16:creationId xmlns:a16="http://schemas.microsoft.com/office/drawing/2014/main" id="{178352EE-89CB-431E-B0ED-D100A3BD1390}"/>
                 </a:ext>
               </a:extLst>
             </p:cNvPr>
@@ -5513,7 +5615,7 @@
           </p:nvSpPr>
           <p:spPr>
             <a:xfrm>
-              <a:off x="3745556" y="5117746"/>
+              <a:off x="8102122" y="5274385"/>
               <a:ext cx="127908" cy="418240"/>
             </a:xfrm>
             <a:prstGeom prst="rect">
@@ -5551,10 +5653,10 @@
         </p:sp>
         <p:sp>
           <p:nvSpPr>
-            <p:cNvPr id="183" name="Rectangle 182">
+            <p:cNvPr id="85" name="Rectangle 84">
               <a:extLst>
                 <a:ext uri="{FF2B5EF4-FFF2-40B4-BE49-F238E27FC236}">
-                  <a16:creationId xmlns:a16="http://schemas.microsoft.com/office/drawing/2014/main" id="{C50A7802-8233-4992-B9BE-7091952E9771}"/>
+                  <a16:creationId xmlns:a16="http://schemas.microsoft.com/office/drawing/2014/main" id="{AA83614D-8DAE-4B47-99AA-14062F9FFD8B}"/>
                 </a:ext>
               </a:extLst>
             </p:cNvPr>
@@ -5563,7 +5665,7 @@
           </p:nvSpPr>
           <p:spPr>
             <a:xfrm>
-              <a:off x="5483376" y="5117746"/>
+              <a:off x="8102122" y="5692625"/>
               <a:ext cx="127908" cy="418240"/>
             </a:xfrm>
             <a:prstGeom prst="rect">
@@ -5599,12 +5701,152 @@
             </a:p>
           </p:txBody>
         </p:sp>
+      </p:grpSp>
+      <p:sp>
+        <p:nvSpPr>
+          <p:cNvPr id="7" name="Flowchart: Alternate Process 6">
+            <a:extLst>
+              <a:ext uri="{FF2B5EF4-FFF2-40B4-BE49-F238E27FC236}">
+                <a16:creationId xmlns:a16="http://schemas.microsoft.com/office/drawing/2014/main" id="{BDC8CD1B-7783-44CD-BA33-6E26BA3F5FDD}"/>
+              </a:ext>
+            </a:extLst>
+          </p:cNvPr>
+          <p:cNvSpPr/>
+          <p:nvPr/>
+        </p:nvSpPr>
+        <p:spPr>
+          <a:xfrm>
+            <a:off x="3258498" y="540000"/>
+            <a:ext cx="3388984" cy="262339"/>
+          </a:xfrm>
+          <a:prstGeom prst="flowChartAlternateProcess">
+            <a:avLst/>
+          </a:prstGeom>
+          <a:noFill/>
+          <a:ln>
+            <a:noFill/>
+          </a:ln>
+        </p:spPr>
+        <p:style>
+          <a:lnRef idx="2">
+            <a:schemeClr val="dk1"/>
+          </a:lnRef>
+          <a:fillRef idx="1">
+            <a:schemeClr val="lt1"/>
+          </a:fillRef>
+          <a:effectRef idx="0">
+            <a:schemeClr val="dk1"/>
+          </a:effectRef>
+          <a:fontRef idx="minor">
+            <a:schemeClr val="dk1"/>
+          </a:fontRef>
+        </p:style>
+        <p:txBody>
+          <a:bodyPr rot="0" spcFirstLastPara="0" vertOverflow="overflow" horzOverflow="overflow" vert="horz" wrap="square" lIns="0" tIns="0" rIns="0" bIns="0" numCol="1" spcCol="0" rtlCol="0" fromWordArt="0" anchor="ctr" anchorCtr="0" forceAA="0" compatLnSpc="1">
+            <a:prstTxWarp prst="textNoShape">
+              <a:avLst/>
+            </a:prstTxWarp>
+            <a:noAutofit/>
+          </a:bodyPr>
+          <a:lstStyle/>
+          <a:p>
+            <a:pPr algn="ctr"/>
+            <a:r>
+              <a:rPr lang="en-AU" sz="1400" b="1" u="sng" dirty="0">
+                <a:latin typeface="Consolas" panose="020B0609020204030204" pitchFamily="49" charset="0"/>
+                <a:ea typeface="Yu Gothic" panose="020B0400000000000000" pitchFamily="34" charset="-128"/>
+              </a:rPr>
+              <a:t>SS1: Relative Position of Pilot </a:t>
+            </a:r>
+          </a:p>
+        </p:txBody>
+      </p:sp>
+      <p:sp>
+        <p:nvSpPr>
+          <p:cNvPr id="24" name="Flowchart: Alternate Process 23">
+            <a:extLst>
+              <a:ext uri="{FF2B5EF4-FFF2-40B4-BE49-F238E27FC236}">
+                <a16:creationId xmlns:a16="http://schemas.microsoft.com/office/drawing/2014/main" id="{2DA2B122-C08F-43FA-9300-AE06F1C82B98}"/>
+              </a:ext>
+            </a:extLst>
+          </p:cNvPr>
+          <p:cNvSpPr/>
+          <p:nvPr/>
+        </p:nvSpPr>
+        <p:spPr>
+          <a:xfrm>
+            <a:off x="900001" y="3008872"/>
+            <a:ext cx="1262618" cy="836484"/>
+          </a:xfrm>
+          <a:prstGeom prst="flowChartAlternateProcess">
+            <a:avLst/>
+          </a:prstGeom>
+          <a:ln>
+            <a:solidFill>
+              <a:schemeClr val="tx1"/>
+            </a:solidFill>
+          </a:ln>
+        </p:spPr>
+        <p:style>
+          <a:lnRef idx="2">
+            <a:schemeClr val="dk1"/>
+          </a:lnRef>
+          <a:fillRef idx="1">
+            <a:schemeClr val="lt1"/>
+          </a:fillRef>
+          <a:effectRef idx="0">
+            <a:schemeClr val="dk1"/>
+          </a:effectRef>
+          <a:fontRef idx="minor">
+            <a:schemeClr val="dk1"/>
+          </a:fontRef>
+        </p:style>
+        <p:txBody>
+          <a:bodyPr rot="0" spcFirstLastPara="0" vertOverflow="overflow" horzOverflow="overflow" vert="horz" wrap="square" lIns="0" tIns="0" rIns="0" bIns="0" numCol="1" spcCol="0" rtlCol="0" fromWordArt="0" anchor="ctr" anchorCtr="0" forceAA="0" compatLnSpc="1">
+            <a:prstTxWarp prst="textNoShape">
+              <a:avLst/>
+            </a:prstTxWarp>
+            <a:noAutofit/>
+          </a:bodyPr>
+          <a:lstStyle/>
+          <a:p>
+            <a:pPr algn="ctr"/>
+            <a:r>
+              <a:rPr lang="en-AU" sz="1050" dirty="0">
+                <a:latin typeface="Consolas" panose="020B0609020204030204" pitchFamily="49" charset="0"/>
+                <a:ea typeface="Yu Gothic" panose="020B0400000000000000" pitchFamily="34" charset="-128"/>
+              </a:rPr>
+              <a:t>Define Origin / Rotational Axis</a:t>
+            </a:r>
+          </a:p>
+        </p:txBody>
+      </p:sp>
+      <p:grpSp>
+        <p:nvGrpSpPr>
+          <p:cNvPr id="215" name="Group 214">
+            <a:extLst>
+              <a:ext uri="{FF2B5EF4-FFF2-40B4-BE49-F238E27FC236}">
+                <a16:creationId xmlns:a16="http://schemas.microsoft.com/office/drawing/2014/main" id="{6E4977F6-5F00-494F-89EC-D630C7E2CDD0}"/>
+              </a:ext>
+            </a:extLst>
+          </p:cNvPr>
+          <p:cNvGrpSpPr/>
+          <p:nvPr/>
+        </p:nvGrpSpPr>
+        <p:grpSpPr>
+          <a:xfrm>
+            <a:off x="4321691" y="4063308"/>
+            <a:ext cx="1262618" cy="836484"/>
+            <a:chOff x="3466268" y="4063308"/>
+            <a:chExt cx="1262618" cy="836484"/>
+          </a:xfrm>
+        </p:grpSpPr>
         <p:grpSp>
           <p:nvGrpSpPr>
-            <p:cNvPr id="98" name="Group 97">
+            <p:cNvPr id="127" name="Group 126">
               <a:extLst>
                 <a:ext uri="{FF2B5EF4-FFF2-40B4-BE49-F238E27FC236}">
-                  <a16:creationId xmlns:a16="http://schemas.microsoft.com/office/drawing/2014/main" id="{752805B1-74E1-4FCB-9211-390D72069E4D}"/>
+                  <a16:creationId xmlns:a16="http://schemas.microsoft.com/office/drawing/2014/main" id="{3193981C-E5FC-46A4-AD24-3EBF9F74A720}"/>
                 </a:ext>
               </a:extLst>
             </p:cNvPr>
@@ -5613,18 +5855,18 @@
           </p:nvGrpSpPr>
           <p:grpSpPr>
             <a:xfrm>
-              <a:off x="7156702" y="5274385"/>
-              <a:ext cx="127908" cy="836480"/>
-              <a:chOff x="8102122" y="5274385"/>
-              <a:chExt cx="127908" cy="836480"/>
+              <a:off x="3466268" y="4771881"/>
+              <a:ext cx="1262618" cy="127911"/>
+              <a:chOff x="2977867" y="3786795"/>
+              <a:chExt cx="1004845" cy="127911"/>
             </a:xfrm>
           </p:grpSpPr>
           <p:sp>
             <p:nvSpPr>
-              <p:cNvPr id="84" name="Rectangle 83">
+              <p:cNvPr id="123" name="Rectangle 122">
                 <a:extLst>
                   <a:ext uri="{FF2B5EF4-FFF2-40B4-BE49-F238E27FC236}">
-                    <a16:creationId xmlns:a16="http://schemas.microsoft.com/office/drawing/2014/main" id="{178352EE-89CB-431E-B0ED-D100A3BD1390}"/>
+                    <a16:creationId xmlns:a16="http://schemas.microsoft.com/office/drawing/2014/main" id="{62BFDA6C-A730-42C2-91CB-ADF3CFF96A75}"/>
                   </a:ext>
                 </a:extLst>
               </p:cNvPr>
@@ -5632,9 +5874,9 @@
               <p:nvPr/>
             </p:nvSpPr>
             <p:spPr>
-              <a:xfrm>
-                <a:off x="8102122" y="5274385"/>
-                <a:ext cx="127908" cy="418240"/>
+              <a:xfrm rot="5400000">
+                <a:off x="3038787" y="3725875"/>
+                <a:ext cx="127908" cy="249747"/>
               </a:xfrm>
               <a:prstGeom prst="rect">
                 <a:avLst/>
@@ -5671,10 +5913,10 @@
           </p:sp>
           <p:sp>
             <p:nvSpPr>
-              <p:cNvPr id="85" name="Rectangle 84">
+              <p:cNvPr id="124" name="Rectangle 123">
                 <a:extLst>
                   <a:ext uri="{FF2B5EF4-FFF2-40B4-BE49-F238E27FC236}">
-                    <a16:creationId xmlns:a16="http://schemas.microsoft.com/office/drawing/2014/main" id="{AA83614D-8DAE-4B47-99AA-14062F9FFD8B}"/>
+                    <a16:creationId xmlns:a16="http://schemas.microsoft.com/office/drawing/2014/main" id="{6F913119-EB6E-4621-9A43-F98D67D58694}"/>
                   </a:ext>
                 </a:extLst>
               </p:cNvPr>
@@ -5682,9 +5924,109 @@
               <p:nvPr/>
             </p:nvSpPr>
             <p:spPr>
-              <a:xfrm>
-                <a:off x="8102122" y="5692625"/>
-                <a:ext cx="127908" cy="418240"/>
+              <a:xfrm rot="5400000">
+                <a:off x="3290484" y="3725876"/>
+                <a:ext cx="127908" cy="249747"/>
+              </a:xfrm>
+              <a:prstGeom prst="rect">
+                <a:avLst/>
+              </a:prstGeom>
+              <a:noFill/>
+              <a:ln>
+                <a:noFill/>
+              </a:ln>
+            </p:spPr>
+            <p:style>
+              <a:lnRef idx="2">
+                <a:schemeClr val="accent1">
+                  <a:shade val="50000"/>
+                </a:schemeClr>
+              </a:lnRef>
+              <a:fillRef idx="1">
+                <a:schemeClr val="accent1"/>
+              </a:fillRef>
+              <a:effectRef idx="0">
+                <a:schemeClr val="accent1"/>
+              </a:effectRef>
+              <a:fontRef idx="minor">
+                <a:schemeClr val="lt1"/>
+              </a:fontRef>
+            </p:style>
+            <p:txBody>
+              <a:bodyPr rtlCol="0" anchor="ctr"/>
+              <a:lstStyle/>
+              <a:p>
+                <a:pPr algn="ctr"/>
+                <a:endParaRPr lang="en-AU"/>
+              </a:p>
+            </p:txBody>
+          </p:sp>
+          <p:sp>
+            <p:nvSpPr>
+              <p:cNvPr id="125" name="Rectangle 124">
+                <a:extLst>
+                  <a:ext uri="{FF2B5EF4-FFF2-40B4-BE49-F238E27FC236}">
+                    <a16:creationId xmlns:a16="http://schemas.microsoft.com/office/drawing/2014/main" id="{A2E14582-77A3-43F5-8367-92D5F5EF04DB}"/>
+                  </a:ext>
+                </a:extLst>
+              </p:cNvPr>
+              <p:cNvSpPr/>
+              <p:nvPr/>
+            </p:nvSpPr>
+            <p:spPr>
+              <a:xfrm rot="5400000">
+                <a:off x="3542188" y="3725877"/>
+                <a:ext cx="127908" cy="249747"/>
+              </a:xfrm>
+              <a:prstGeom prst="rect">
+                <a:avLst/>
+              </a:prstGeom>
+              <a:noFill/>
+              <a:ln>
+                <a:noFill/>
+              </a:ln>
+            </p:spPr>
+            <p:style>
+              <a:lnRef idx="2">
+                <a:schemeClr val="accent1">
+                  <a:shade val="50000"/>
+                </a:schemeClr>
+              </a:lnRef>
+              <a:fillRef idx="1">
+                <a:schemeClr val="accent1"/>
+              </a:fillRef>
+              <a:effectRef idx="0">
+                <a:schemeClr val="accent1"/>
+              </a:effectRef>
+              <a:fontRef idx="minor">
+                <a:schemeClr val="lt1"/>
+              </a:fontRef>
+            </p:style>
+            <p:txBody>
+              <a:bodyPr rtlCol="0" anchor="ctr"/>
+              <a:lstStyle/>
+              <a:p>
+                <a:pPr algn="ctr"/>
+                <a:endParaRPr lang="en-AU"/>
+              </a:p>
+            </p:txBody>
+          </p:sp>
+          <p:sp>
+            <p:nvSpPr>
+              <p:cNvPr id="126" name="Rectangle 125">
+                <a:extLst>
+                  <a:ext uri="{FF2B5EF4-FFF2-40B4-BE49-F238E27FC236}">
+                    <a16:creationId xmlns:a16="http://schemas.microsoft.com/office/drawing/2014/main" id="{AE252E39-DB9F-45A2-B56B-419C70A6F4D7}"/>
+                  </a:ext>
+                </a:extLst>
+              </p:cNvPr>
+              <p:cNvSpPr/>
+              <p:nvPr/>
+            </p:nvSpPr>
+            <p:spPr>
+              <a:xfrm rot="5400000">
+                <a:off x="3793885" y="3725878"/>
+                <a:ext cx="127908" cy="249747"/>
               </a:xfrm>
               <a:prstGeom prst="rect">
                 <a:avLst/>
@@ -5722,10 +6064,10 @@
         </p:grpSp>
         <p:sp>
           <p:nvSpPr>
-            <p:cNvPr id="7" name="Flowchart: Alternate Process 6">
+            <p:cNvPr id="29" name="Flowchart: Alternate Process 28">
               <a:extLst>
                 <a:ext uri="{FF2B5EF4-FFF2-40B4-BE49-F238E27FC236}">
-                  <a16:creationId xmlns:a16="http://schemas.microsoft.com/office/drawing/2014/main" id="{BDC8CD1B-7783-44CD-BA33-6E26BA3F5FDD}"/>
+                  <a16:creationId xmlns:a16="http://schemas.microsoft.com/office/drawing/2014/main" id="{642B8AF3-139C-4DD2-999B-77467D9913C8}"/>
                 </a:ext>
               </a:extLst>
             </p:cNvPr>
@@ -5734,66 +6076,7 @@
           </p:nvSpPr>
           <p:spPr>
             <a:xfrm>
-              <a:off x="3258498" y="540000"/>
-              <a:ext cx="3388984" cy="262339"/>
-            </a:xfrm>
-            <a:prstGeom prst="flowChartAlternateProcess">
-              <a:avLst/>
-            </a:prstGeom>
-            <a:noFill/>
-            <a:ln>
-              <a:noFill/>
-            </a:ln>
-          </p:spPr>
-          <p:style>
-            <a:lnRef idx="2">
-              <a:schemeClr val="dk1"/>
-            </a:lnRef>
-            <a:fillRef idx="1">
-              <a:schemeClr val="lt1"/>
-            </a:fillRef>
-            <a:effectRef idx="0">
-              <a:schemeClr val="dk1"/>
-            </a:effectRef>
-            <a:fontRef idx="minor">
-              <a:schemeClr val="dk1"/>
-            </a:fontRef>
-          </p:style>
-          <p:txBody>
-            <a:bodyPr rot="0" spcFirstLastPara="0" vertOverflow="overflow" horzOverflow="overflow" vert="horz" wrap="square" lIns="0" tIns="0" rIns="0" bIns="0" numCol="1" spcCol="0" rtlCol="0" fromWordArt="0" anchor="ctr" anchorCtr="0" forceAA="0" compatLnSpc="1">
-              <a:prstTxWarp prst="textNoShape">
-                <a:avLst/>
-              </a:prstTxWarp>
-              <a:noAutofit/>
-            </a:bodyPr>
-            <a:lstStyle/>
-            <a:p>
-              <a:pPr algn="ctr"/>
-              <a:r>
-                <a:rPr lang="en-AU" sz="1400" b="1" u="sng" dirty="0">
-                  <a:latin typeface="Consolas" panose="020B0609020204030204" pitchFamily="49" charset="0"/>
-                  <a:ea typeface="Yu Gothic" panose="020B0400000000000000" pitchFamily="34" charset="-128"/>
-                </a:rPr>
-                <a:t>SS1: Relative Position of Pilot </a:t>
-              </a:r>
-            </a:p>
-          </p:txBody>
-        </p:sp>
-        <p:sp>
-          <p:nvSpPr>
-            <p:cNvPr id="24" name="Flowchart: Alternate Process 23">
-              <a:extLst>
-                <a:ext uri="{FF2B5EF4-FFF2-40B4-BE49-F238E27FC236}">
-                  <a16:creationId xmlns:a16="http://schemas.microsoft.com/office/drawing/2014/main" id="{2DA2B122-C08F-43FA-9300-AE06F1C82B98}"/>
-                </a:ext>
-              </a:extLst>
-            </p:cNvPr>
-            <p:cNvSpPr/>
-            <p:nvPr/>
-          </p:nvSpPr>
-          <p:spPr>
-            <a:xfrm>
-              <a:off x="1796455" y="3008872"/>
+              <a:off x="3466268" y="4063308"/>
               <a:ext cx="1262618" cy="836484"/>
             </a:xfrm>
             <a:prstGeom prst="flowChartAlternateProcess">
@@ -5834,411 +6117,803 @@
                   <a:latin typeface="Consolas" panose="020B0609020204030204" pitchFamily="49" charset="0"/>
                   <a:ea typeface="Yu Gothic" panose="020B0400000000000000" pitchFamily="34" charset="-128"/>
                 </a:rPr>
-                <a:t>Define Origin / Rotational Axis</a:t>
+                <a:t>Detect distance / proximity</a:t>
               </a:r>
             </a:p>
           </p:txBody>
         </p:sp>
-        <p:grpSp>
-          <p:nvGrpSpPr>
-            <p:cNvPr id="215" name="Group 214">
+      </p:grpSp>
+      <p:cxnSp>
+        <p:nvCxnSpPr>
+          <p:cNvPr id="34" name="Straight Arrow Connector 33">
+            <a:extLst>
+              <a:ext uri="{FF2B5EF4-FFF2-40B4-BE49-F238E27FC236}">
+                <a16:creationId xmlns:a16="http://schemas.microsoft.com/office/drawing/2014/main" id="{59B84EE9-F805-4C24-80E0-883DD0CFC543}"/>
+              </a:ext>
+            </a:extLst>
+          </p:cNvPr>
+          <p:cNvCxnSpPr>
+            <a:stCxn id="37" idx="2"/>
+            <a:endCxn id="38" idx="0"/>
+          </p:cNvCxnSpPr>
+          <p:nvPr/>
+        </p:nvCxnSpPr>
+        <p:spPr>
+          <a:xfrm>
+            <a:off x="4953000" y="2790920"/>
+            <a:ext cx="0" cy="217952"/>
+          </a:xfrm>
+          <a:prstGeom prst="straightConnector1">
+            <a:avLst/>
+          </a:prstGeom>
+          <a:ln w="19050">
+            <a:solidFill>
+              <a:schemeClr val="tx1"/>
+            </a:solidFill>
+            <a:headEnd type="triangle" w="med" len="med"/>
+            <a:tailEnd type="none" w="med" len="med"/>
+          </a:ln>
+        </p:spPr>
+        <p:style>
+          <a:lnRef idx="3">
+            <a:schemeClr val="accent4"/>
+          </a:lnRef>
+          <a:fillRef idx="0">
+            <a:schemeClr val="accent4"/>
+          </a:fillRef>
+          <a:effectRef idx="2">
+            <a:schemeClr val="accent4"/>
+          </a:effectRef>
+          <a:fontRef idx="minor">
+            <a:schemeClr val="tx1"/>
+          </a:fontRef>
+        </p:style>
+      </p:cxnSp>
+      <p:cxnSp>
+        <p:nvCxnSpPr>
+          <p:cNvPr id="35" name="Straight Arrow Connector 34">
+            <a:extLst>
+              <a:ext uri="{FF2B5EF4-FFF2-40B4-BE49-F238E27FC236}">
+                <a16:creationId xmlns:a16="http://schemas.microsoft.com/office/drawing/2014/main" id="{C7E0C5AF-5A96-4056-ACE7-88BB922ABB18}"/>
+              </a:ext>
+            </a:extLst>
+          </p:cNvPr>
+          <p:cNvCxnSpPr>
+            <a:stCxn id="36" idx="2"/>
+            <a:endCxn id="37" idx="0"/>
+          </p:cNvCxnSpPr>
+          <p:nvPr/>
+        </p:nvCxnSpPr>
+        <p:spPr>
+          <a:xfrm>
+            <a:off x="4953000" y="1736484"/>
+            <a:ext cx="0" cy="217952"/>
+          </a:xfrm>
+          <a:prstGeom prst="straightConnector1">
+            <a:avLst/>
+          </a:prstGeom>
+          <a:ln w="19050">
+            <a:solidFill>
+              <a:schemeClr val="tx1"/>
+            </a:solidFill>
+            <a:headEnd type="triangle" w="med" len="med"/>
+            <a:tailEnd type="none" w="med" len="med"/>
+          </a:ln>
+        </p:spPr>
+        <p:style>
+          <a:lnRef idx="3">
+            <a:schemeClr val="accent4"/>
+          </a:lnRef>
+          <a:fillRef idx="0">
+            <a:schemeClr val="accent4"/>
+          </a:fillRef>
+          <a:effectRef idx="2">
+            <a:schemeClr val="accent4"/>
+          </a:effectRef>
+          <a:fontRef idx="minor">
+            <a:schemeClr val="tx1"/>
+          </a:fontRef>
+        </p:style>
+      </p:cxnSp>
+      <p:sp>
+        <p:nvSpPr>
+          <p:cNvPr id="36" name="Flowchart: Alternate Process 35">
+            <a:extLst>
+              <a:ext uri="{FF2B5EF4-FFF2-40B4-BE49-F238E27FC236}">
+                <a16:creationId xmlns:a16="http://schemas.microsoft.com/office/drawing/2014/main" id="{D92F409B-EDD8-46C5-A4D2-F93183E2606B}"/>
+              </a:ext>
+            </a:extLst>
+          </p:cNvPr>
+          <p:cNvSpPr/>
+          <p:nvPr/>
+        </p:nvSpPr>
+        <p:spPr>
+          <a:xfrm>
+            <a:off x="4321691" y="900000"/>
+            <a:ext cx="1262618" cy="836484"/>
+          </a:xfrm>
+          <a:prstGeom prst="flowChartAlternateProcess">
+            <a:avLst/>
+          </a:prstGeom>
+          <a:ln w="19050"/>
+        </p:spPr>
+        <p:style>
+          <a:lnRef idx="2">
+            <a:schemeClr val="dk1"/>
+          </a:lnRef>
+          <a:fillRef idx="1">
+            <a:schemeClr val="lt1"/>
+          </a:fillRef>
+          <a:effectRef idx="0">
+            <a:schemeClr val="dk1"/>
+          </a:effectRef>
+          <a:fontRef idx="minor">
+            <a:schemeClr val="dk1"/>
+          </a:fontRef>
+        </p:style>
+        <p:txBody>
+          <a:bodyPr rot="0" spcFirstLastPara="0" vertOverflow="overflow" horzOverflow="overflow" vert="horz" wrap="square" lIns="0" tIns="0" rIns="0" bIns="0" numCol="1" spcCol="0" rtlCol="0" fromWordArt="0" anchor="ctr" anchorCtr="0" forceAA="0" compatLnSpc="1">
+            <a:prstTxWarp prst="textNoShape">
+              <a:avLst/>
+            </a:prstTxWarp>
+            <a:noAutofit/>
+          </a:bodyPr>
+          <a:lstStyle/>
+          <a:p>
+            <a:pPr algn="ctr"/>
+            <a:r>
+              <a:rPr lang="en-AU" sz="1050" dirty="0">
+                <a:solidFill>
+                  <a:schemeClr val="dk1"/>
+                </a:solidFill>
+                <a:latin typeface="Consolas" panose="020B0609020204030204" pitchFamily="49" charset="0"/>
+                <a:ea typeface="Yu Gothic" panose="020B0400000000000000" pitchFamily="34" charset="-128"/>
+              </a:rPr>
+              <a:t>Observe current state of pilot/desired state of suit</a:t>
+            </a:r>
+          </a:p>
+        </p:txBody>
+      </p:sp>
+      <p:sp>
+        <p:nvSpPr>
+          <p:cNvPr id="37" name="Flowchart: Alternate Process 36">
+            <a:extLst>
+              <a:ext uri="{FF2B5EF4-FFF2-40B4-BE49-F238E27FC236}">
+                <a16:creationId xmlns:a16="http://schemas.microsoft.com/office/drawing/2014/main" id="{50115687-D116-4ABA-A652-AD6EE015EF68}"/>
+              </a:ext>
+            </a:extLst>
+          </p:cNvPr>
+          <p:cNvSpPr/>
+          <p:nvPr/>
+        </p:nvSpPr>
+        <p:spPr>
+          <a:xfrm>
+            <a:off x="4321691" y="1954436"/>
+            <a:ext cx="1262618" cy="836484"/>
+          </a:xfrm>
+          <a:prstGeom prst="flowChartAlternateProcess">
+            <a:avLst/>
+          </a:prstGeom>
+          <a:ln w="19050">
+            <a:solidFill>
+              <a:schemeClr val="tx1"/>
+            </a:solidFill>
+          </a:ln>
+        </p:spPr>
+        <p:style>
+          <a:lnRef idx="2">
+            <a:schemeClr val="dk1"/>
+          </a:lnRef>
+          <a:fillRef idx="1">
+            <a:schemeClr val="lt1"/>
+          </a:fillRef>
+          <a:effectRef idx="0">
+            <a:schemeClr val="dk1"/>
+          </a:effectRef>
+          <a:fontRef idx="minor">
+            <a:schemeClr val="dk1"/>
+          </a:fontRef>
+        </p:style>
+        <p:txBody>
+          <a:bodyPr rot="0" spcFirstLastPara="0" vertOverflow="overflow" horzOverflow="overflow" vert="horz" wrap="square" lIns="0" tIns="0" rIns="0" bIns="0" numCol="1" spcCol="0" rtlCol="0" fromWordArt="0" anchor="ctr" anchorCtr="0" forceAA="0" compatLnSpc="1">
+            <a:prstTxWarp prst="textNoShape">
+              <a:avLst/>
+            </a:prstTxWarp>
+            <a:noAutofit/>
+          </a:bodyPr>
+          <a:lstStyle/>
+          <a:p>
+            <a:pPr algn="ctr"/>
+            <a:r>
+              <a:rPr lang="en-AU" sz="1050" dirty="0">
+                <a:solidFill>
+                  <a:schemeClr val="dk1"/>
+                </a:solidFill>
+                <a:latin typeface="Consolas" panose="020B0609020204030204" pitchFamily="49" charset="0"/>
+                <a:ea typeface="Yu Gothic" panose="020B0400000000000000" pitchFamily="34" charset="-128"/>
+              </a:rPr>
+              <a:t>Measure position of limbs in relation to origin</a:t>
+            </a:r>
+          </a:p>
+        </p:txBody>
+      </p:sp>
+      <p:sp>
+        <p:nvSpPr>
+          <p:cNvPr id="38" name="Flowchart: Alternate Process 37">
+            <a:extLst>
+              <a:ext uri="{FF2B5EF4-FFF2-40B4-BE49-F238E27FC236}">
+                <a16:creationId xmlns:a16="http://schemas.microsoft.com/office/drawing/2014/main" id="{36AFA404-2F42-45E1-A7C3-93CEEEC99AA4}"/>
+              </a:ext>
+            </a:extLst>
+          </p:cNvPr>
+          <p:cNvSpPr/>
+          <p:nvPr/>
+        </p:nvSpPr>
+        <p:spPr>
+          <a:xfrm>
+            <a:off x="4321691" y="3008872"/>
+            <a:ext cx="1262618" cy="836484"/>
+          </a:xfrm>
+          <a:prstGeom prst="flowChartAlternateProcess">
+            <a:avLst/>
+          </a:prstGeom>
+          <a:ln w="19050">
+            <a:solidFill>
+              <a:schemeClr val="tx1"/>
+            </a:solidFill>
+          </a:ln>
+        </p:spPr>
+        <p:style>
+          <a:lnRef idx="2">
+            <a:schemeClr val="dk1"/>
+          </a:lnRef>
+          <a:fillRef idx="1">
+            <a:schemeClr val="lt1"/>
+          </a:fillRef>
+          <a:effectRef idx="0">
+            <a:schemeClr val="dk1"/>
+          </a:effectRef>
+          <a:fontRef idx="minor">
+            <a:schemeClr val="dk1"/>
+          </a:fontRef>
+        </p:style>
+        <p:txBody>
+          <a:bodyPr rot="0" spcFirstLastPara="0" vertOverflow="overflow" horzOverflow="overflow" vert="horz" wrap="square" lIns="0" tIns="0" rIns="0" bIns="0" numCol="1" spcCol="0" rtlCol="0" fromWordArt="0" anchor="ctr" anchorCtr="0" forceAA="0" compatLnSpc="1">
+            <a:prstTxWarp prst="textNoShape">
+              <a:avLst/>
+            </a:prstTxWarp>
+            <a:noAutofit/>
+          </a:bodyPr>
+          <a:lstStyle/>
+          <a:p>
+            <a:pPr algn="ctr"/>
+            <a:r>
+              <a:rPr lang="en-AU" sz="1050" dirty="0">
+                <a:solidFill>
+                  <a:schemeClr val="dk1"/>
+                </a:solidFill>
+                <a:latin typeface="Consolas" panose="020B0609020204030204" pitchFamily="49" charset="0"/>
+                <a:ea typeface="Yu Gothic" panose="020B0400000000000000" pitchFamily="34" charset="-128"/>
+              </a:rPr>
+              <a:t>Measure position of limbs in relation to fixed rotational axis on suit</a:t>
+            </a:r>
+          </a:p>
+        </p:txBody>
+      </p:sp>
+      <p:sp>
+        <p:nvSpPr>
+          <p:cNvPr id="20" name="Flowchart: Alternate Process 19">
+            <a:extLst>
+              <a:ext uri="{FF2B5EF4-FFF2-40B4-BE49-F238E27FC236}">
+                <a16:creationId xmlns:a16="http://schemas.microsoft.com/office/drawing/2014/main" id="{EE20DA8A-1203-4004-B796-1159A72D15A7}"/>
+              </a:ext>
+            </a:extLst>
+          </p:cNvPr>
+          <p:cNvSpPr/>
+          <p:nvPr/>
+        </p:nvSpPr>
+        <p:spPr>
+          <a:xfrm>
+            <a:off x="540001" y="540000"/>
+            <a:ext cx="8825976" cy="5778000"/>
+          </a:xfrm>
+          <a:prstGeom prst="flowChartAlternateProcess">
+            <a:avLst/>
+          </a:prstGeom>
+          <a:noFill/>
+          <a:ln w="19050">
+            <a:prstDash val="lgDash"/>
+          </a:ln>
+        </p:spPr>
+        <p:style>
+          <a:lnRef idx="2">
+            <a:schemeClr val="accent4">
+              <a:shade val="50000"/>
+            </a:schemeClr>
+          </a:lnRef>
+          <a:fillRef idx="1">
+            <a:schemeClr val="accent4"/>
+          </a:fillRef>
+          <a:effectRef idx="0">
+            <a:schemeClr val="accent4"/>
+          </a:effectRef>
+          <a:fontRef idx="minor">
+            <a:schemeClr val="lt1"/>
+          </a:fontRef>
+        </p:style>
+        <p:txBody>
+          <a:bodyPr rot="0" spcFirstLastPara="0" vertOverflow="overflow" horzOverflow="overflow" vert="horz" wrap="square" lIns="0" tIns="0" rIns="0" bIns="0" numCol="1" spcCol="0" rtlCol="0" fromWordArt="0" anchor="ctr" anchorCtr="0" forceAA="0" compatLnSpc="1">
+            <a:prstTxWarp prst="textNoShape">
+              <a:avLst/>
+            </a:prstTxWarp>
+            <a:noAutofit/>
+          </a:bodyPr>
+          <a:lstStyle/>
+          <a:p>
+            <a:pPr algn="ctr"/>
+            <a:endParaRPr lang="en-AU" sz="1050" dirty="0">
+              <a:latin typeface="Consolas" panose="020B0609020204030204" pitchFamily="49" charset="0"/>
+              <a:ea typeface="Yu Gothic" panose="020B0400000000000000" pitchFamily="34" charset="-128"/>
+            </a:endParaRPr>
+          </a:p>
+        </p:txBody>
+      </p:sp>
+      <p:cxnSp>
+        <p:nvCxnSpPr>
+          <p:cNvPr id="49" name="Connector: Elbow 48">
+            <a:extLst>
+              <a:ext uri="{FF2B5EF4-FFF2-40B4-BE49-F238E27FC236}">
+                <a16:creationId xmlns:a16="http://schemas.microsoft.com/office/drawing/2014/main" id="{C1A8A370-EA07-4435-A94A-5EB174BCE0D4}"/>
+              </a:ext>
+            </a:extLst>
+          </p:cNvPr>
+          <p:cNvCxnSpPr>
+            <a:cxnSpLocks/>
+            <a:stCxn id="29" idx="1"/>
+            <a:endCxn id="17" idx="0"/>
+          </p:cNvCxnSpPr>
+          <p:nvPr/>
+        </p:nvCxnSpPr>
+        <p:spPr>
+          <a:xfrm rot="10800000" flipV="1">
+            <a:off x="2435089" y="4481550"/>
+            <a:ext cx="1886602" cy="636196"/>
+          </a:xfrm>
+          <a:prstGeom prst="bentConnector2">
+            <a:avLst/>
+          </a:prstGeom>
+          <a:ln w="19050">
+            <a:solidFill>
+              <a:schemeClr val="tx1"/>
+            </a:solidFill>
+            <a:headEnd type="triangle" w="med" len="med"/>
+            <a:tailEnd type="none" w="med" len="med"/>
+          </a:ln>
+        </p:spPr>
+        <p:style>
+          <a:lnRef idx="3">
+            <a:schemeClr val="accent4"/>
+          </a:lnRef>
+          <a:fillRef idx="0">
+            <a:schemeClr val="accent4"/>
+          </a:fillRef>
+          <a:effectRef idx="2">
+            <a:schemeClr val="accent4"/>
+          </a:effectRef>
+          <a:fontRef idx="minor">
+            <a:schemeClr val="tx1"/>
+          </a:fontRef>
+        </p:style>
+      </p:cxnSp>
+      <p:cxnSp>
+        <p:nvCxnSpPr>
+          <p:cNvPr id="52" name="Connector: Elbow 51">
+            <a:extLst>
+              <a:ext uri="{FF2B5EF4-FFF2-40B4-BE49-F238E27FC236}">
+                <a16:creationId xmlns:a16="http://schemas.microsoft.com/office/drawing/2014/main" id="{74813D39-7903-430B-A115-CEDD44E3B1A0}"/>
+              </a:ext>
+            </a:extLst>
+          </p:cNvPr>
+          <p:cNvCxnSpPr>
+            <a:cxnSpLocks/>
+            <a:stCxn id="125" idx="3"/>
+            <a:endCxn id="19" idx="0"/>
+          </p:cNvCxnSpPr>
+          <p:nvPr/>
+        </p:nvCxnSpPr>
+        <p:spPr>
+          <a:xfrm rot="16200000" flipH="1">
+            <a:off x="5342744" y="4668184"/>
+            <a:ext cx="217955" cy="681168"/>
+          </a:xfrm>
+          <a:prstGeom prst="bentConnector3">
+            <a:avLst>
+              <a:gd name="adj1" fmla="val 50000"/>
+            </a:avLst>
+          </a:prstGeom>
+          <a:ln w="19050">
+            <a:solidFill>
+              <a:schemeClr val="tx1"/>
+            </a:solidFill>
+            <a:headEnd type="triangle" w="med" len="med"/>
+            <a:tailEnd type="none" w="med" len="med"/>
+          </a:ln>
+        </p:spPr>
+        <p:style>
+          <a:lnRef idx="3">
+            <a:schemeClr val="accent4"/>
+          </a:lnRef>
+          <a:fillRef idx="0">
+            <a:schemeClr val="accent4"/>
+          </a:fillRef>
+          <a:effectRef idx="2">
+            <a:schemeClr val="accent4"/>
+          </a:effectRef>
+          <a:fontRef idx="minor">
+            <a:schemeClr val="tx1"/>
+          </a:fontRef>
+        </p:style>
+      </p:cxnSp>
+      <p:cxnSp>
+        <p:nvCxnSpPr>
+          <p:cNvPr id="93" name="Connector: Elbow 92">
+            <a:extLst>
+              <a:ext uri="{FF2B5EF4-FFF2-40B4-BE49-F238E27FC236}">
+                <a16:creationId xmlns:a16="http://schemas.microsoft.com/office/drawing/2014/main" id="{91142E9F-B215-40BC-8FF0-61748BE44660}"/>
+              </a:ext>
+            </a:extLst>
+          </p:cNvPr>
+          <p:cNvCxnSpPr>
+            <a:cxnSpLocks/>
+            <a:stCxn id="29" idx="3"/>
+            <a:endCxn id="86" idx="0"/>
+          </p:cNvCxnSpPr>
+          <p:nvPr/>
+        </p:nvCxnSpPr>
+        <p:spPr>
+          <a:xfrm>
+            <a:off x="5584309" y="4481550"/>
+            <a:ext cx="1886603" cy="636196"/>
+          </a:xfrm>
+          <a:prstGeom prst="bentConnector2">
+            <a:avLst/>
+          </a:prstGeom>
+          <a:ln w="19050">
+            <a:solidFill>
+              <a:schemeClr val="tx1"/>
+            </a:solidFill>
+            <a:headEnd type="triangle" w="med" len="med"/>
+            <a:tailEnd type="none" w="med" len="med"/>
+          </a:ln>
+        </p:spPr>
+        <p:style>
+          <a:lnRef idx="3">
+            <a:schemeClr val="accent4"/>
+          </a:lnRef>
+          <a:fillRef idx="0">
+            <a:schemeClr val="accent4"/>
+          </a:fillRef>
+          <a:effectRef idx="2">
+            <a:schemeClr val="accent4"/>
+          </a:effectRef>
+          <a:fontRef idx="minor">
+            <a:schemeClr val="tx1"/>
+          </a:fontRef>
+        </p:style>
+      </p:cxnSp>
+      <p:sp>
+        <p:nvSpPr>
+          <p:cNvPr id="59" name="Rectangle 58">
+            <a:extLst>
+              <a:ext uri="{FF2B5EF4-FFF2-40B4-BE49-F238E27FC236}">
+                <a16:creationId xmlns:a16="http://schemas.microsoft.com/office/drawing/2014/main" id="{1E40D16B-0B0A-4291-8165-F0754E500AA0}"/>
+              </a:ext>
+            </a:extLst>
+          </p:cNvPr>
+          <p:cNvSpPr/>
+          <p:nvPr/>
+        </p:nvSpPr>
+        <p:spPr>
+          <a:xfrm>
+            <a:off x="2617054" y="5274385"/>
+            <a:ext cx="127908" cy="418240"/>
+          </a:xfrm>
+          <a:prstGeom prst="rect">
+            <a:avLst/>
+          </a:prstGeom>
+          <a:noFill/>
+          <a:ln>
+            <a:noFill/>
+          </a:ln>
+        </p:spPr>
+        <p:style>
+          <a:lnRef idx="2">
+            <a:schemeClr val="accent1">
+              <a:shade val="50000"/>
+            </a:schemeClr>
+          </a:lnRef>
+          <a:fillRef idx="1">
+            <a:schemeClr val="accent1"/>
+          </a:fillRef>
+          <a:effectRef idx="0">
+            <a:schemeClr val="accent1"/>
+          </a:effectRef>
+          <a:fontRef idx="minor">
+            <a:schemeClr val="lt1"/>
+          </a:fontRef>
+        </p:style>
+        <p:txBody>
+          <a:bodyPr rtlCol="0" anchor="ctr"/>
+          <a:lstStyle/>
+          <a:p>
+            <a:pPr algn="ctr"/>
+            <a:endParaRPr lang="en-AU"/>
+          </a:p>
+        </p:txBody>
+      </p:sp>
+      <p:sp>
+        <p:nvSpPr>
+          <p:cNvPr id="60" name="Rectangle 59">
+            <a:extLst>
+              <a:ext uri="{FF2B5EF4-FFF2-40B4-BE49-F238E27FC236}">
+                <a16:creationId xmlns:a16="http://schemas.microsoft.com/office/drawing/2014/main" id="{D7D8C76A-6CC5-408F-AC7F-69E1B59F0784}"/>
+              </a:ext>
+            </a:extLst>
+          </p:cNvPr>
+          <p:cNvSpPr/>
+          <p:nvPr/>
+        </p:nvSpPr>
+        <p:spPr>
+          <a:xfrm>
+            <a:off x="2617054" y="5692625"/>
+            <a:ext cx="127908" cy="418240"/>
+          </a:xfrm>
+          <a:prstGeom prst="rect">
+            <a:avLst/>
+          </a:prstGeom>
+          <a:noFill/>
+          <a:ln>
+            <a:noFill/>
+          </a:ln>
+        </p:spPr>
+        <p:style>
+          <a:lnRef idx="2">
+            <a:schemeClr val="accent1">
+              <a:shade val="50000"/>
+            </a:schemeClr>
+          </a:lnRef>
+          <a:fillRef idx="1">
+            <a:schemeClr val="accent1"/>
+          </a:fillRef>
+          <a:effectRef idx="0">
+            <a:schemeClr val="accent1"/>
+          </a:effectRef>
+          <a:fontRef idx="minor">
+            <a:schemeClr val="lt1"/>
+          </a:fontRef>
+        </p:style>
+        <p:txBody>
+          <a:bodyPr rtlCol="0" anchor="ctr"/>
+          <a:lstStyle/>
+          <a:p>
+            <a:pPr algn="ctr"/>
+            <a:endParaRPr lang="en-AU"/>
+          </a:p>
+        </p:txBody>
+      </p:sp>
+      <p:cxnSp>
+        <p:nvCxnSpPr>
+          <p:cNvPr id="43" name="Straight Arrow Connector 42">
+            <a:extLst>
+              <a:ext uri="{FF2B5EF4-FFF2-40B4-BE49-F238E27FC236}">
+                <a16:creationId xmlns:a16="http://schemas.microsoft.com/office/drawing/2014/main" id="{E35A7958-0784-4046-80BE-40798ACA78E8}"/>
+              </a:ext>
+            </a:extLst>
+          </p:cNvPr>
+          <p:cNvCxnSpPr>
+            <a:cxnSpLocks/>
+            <a:stCxn id="17" idx="3"/>
+            <a:endCxn id="18" idx="1"/>
+          </p:cNvCxnSpPr>
+          <p:nvPr/>
+        </p:nvCxnSpPr>
+        <p:spPr>
+          <a:xfrm>
+            <a:off x="3066398" y="5535988"/>
+            <a:ext cx="415990" cy="0"/>
+          </a:xfrm>
+          <a:prstGeom prst="straightConnector1">
+            <a:avLst/>
+          </a:prstGeom>
+          <a:ln w="19050">
+            <a:solidFill>
+              <a:schemeClr val="tx1"/>
+            </a:solidFill>
+            <a:tailEnd type="triangle"/>
+          </a:ln>
+        </p:spPr>
+        <p:style>
+          <a:lnRef idx="3">
+            <a:schemeClr val="accent4"/>
+          </a:lnRef>
+          <a:fillRef idx="0">
+            <a:schemeClr val="accent4"/>
+          </a:fillRef>
+          <a:effectRef idx="2">
+            <a:schemeClr val="accent4"/>
+          </a:effectRef>
+          <a:fontRef idx="minor">
+            <a:schemeClr val="tx1"/>
+          </a:fontRef>
+        </p:style>
+      </p:cxnSp>
+      <p:cxnSp>
+        <p:nvCxnSpPr>
+          <p:cNvPr id="46" name="Straight Arrow Connector 45">
+            <a:extLst>
+              <a:ext uri="{FF2B5EF4-FFF2-40B4-BE49-F238E27FC236}">
+                <a16:creationId xmlns:a16="http://schemas.microsoft.com/office/drawing/2014/main" id="{6DBD670E-EA2A-451E-850F-2ED7281F70E1}"/>
+              </a:ext>
+            </a:extLst>
+          </p:cNvPr>
+          <p:cNvCxnSpPr>
+            <a:cxnSpLocks/>
+            <a:stCxn id="18" idx="3"/>
+            <a:endCxn id="19" idx="1"/>
+          </p:cNvCxnSpPr>
+          <p:nvPr/>
+        </p:nvCxnSpPr>
+        <p:spPr>
+          <a:xfrm>
+            <a:off x="4745006" y="5535988"/>
+            <a:ext cx="415990" cy="0"/>
+          </a:xfrm>
+          <a:prstGeom prst="straightConnector1">
+            <a:avLst/>
+          </a:prstGeom>
+          <a:ln w="19050">
+            <a:solidFill>
+              <a:schemeClr val="tx1"/>
+            </a:solidFill>
+            <a:tailEnd type="triangle"/>
+          </a:ln>
+        </p:spPr>
+        <p:style>
+          <a:lnRef idx="3">
+            <a:schemeClr val="accent4"/>
+          </a:lnRef>
+          <a:fillRef idx="0">
+            <a:schemeClr val="accent4"/>
+          </a:fillRef>
+          <a:effectRef idx="2">
+            <a:schemeClr val="accent4"/>
+          </a:effectRef>
+          <a:fontRef idx="minor">
+            <a:schemeClr val="tx1"/>
+          </a:fontRef>
+        </p:style>
+      </p:cxnSp>
+      <p:cxnSp>
+        <p:nvCxnSpPr>
+          <p:cNvPr id="90" name="Straight Arrow Connector 89">
+            <a:extLst>
+              <a:ext uri="{FF2B5EF4-FFF2-40B4-BE49-F238E27FC236}">
+                <a16:creationId xmlns:a16="http://schemas.microsoft.com/office/drawing/2014/main" id="{60861DB6-7D6D-4711-BCCF-E83EC7481698}"/>
+              </a:ext>
+            </a:extLst>
+          </p:cNvPr>
+          <p:cNvCxnSpPr>
+            <a:cxnSpLocks/>
+            <a:stCxn id="19" idx="3"/>
+            <a:endCxn id="86" idx="1"/>
+          </p:cNvCxnSpPr>
+          <p:nvPr/>
+        </p:nvCxnSpPr>
+        <p:spPr>
+          <a:xfrm>
+            <a:off x="6423614" y="5535988"/>
+            <a:ext cx="415989" cy="0"/>
+          </a:xfrm>
+          <a:prstGeom prst="straightConnector1">
+            <a:avLst/>
+          </a:prstGeom>
+          <a:ln w="19050">
+            <a:solidFill>
+              <a:schemeClr val="tx1"/>
+            </a:solidFill>
+            <a:tailEnd type="triangle"/>
+          </a:ln>
+        </p:spPr>
+        <p:style>
+          <a:lnRef idx="3">
+            <a:schemeClr val="accent4"/>
+          </a:lnRef>
+          <a:fillRef idx="0">
+            <a:schemeClr val="accent4"/>
+          </a:fillRef>
+          <a:effectRef idx="2">
+            <a:schemeClr val="accent4"/>
+          </a:effectRef>
+          <a:fontRef idx="minor">
+            <a:schemeClr val="tx1"/>
+          </a:fontRef>
+        </p:style>
+      </p:cxnSp>
+      <p:cxnSp>
+        <p:nvCxnSpPr>
+          <p:cNvPr id="113" name="Connector: Elbow 112">
+            <a:extLst>
+              <a:ext uri="{FF2B5EF4-FFF2-40B4-BE49-F238E27FC236}">
+                <a16:creationId xmlns:a16="http://schemas.microsoft.com/office/drawing/2014/main" id="{9471340E-EC2C-4658-9D26-0C3E15A1296E}"/>
+              </a:ext>
+            </a:extLst>
+          </p:cNvPr>
+          <p:cNvCxnSpPr>
+            <a:cxnSpLocks/>
+            <a:stCxn id="124" idx="3"/>
+            <a:endCxn id="18" idx="0"/>
+          </p:cNvCxnSpPr>
+          <p:nvPr/>
+        </p:nvCxnSpPr>
+        <p:spPr>
+          <a:xfrm rot="5400000">
+            <a:off x="4345303" y="4668185"/>
+            <a:ext cx="217956" cy="681167"/>
+          </a:xfrm>
+          <a:prstGeom prst="bentConnector3">
+            <a:avLst>
+              <a:gd name="adj1" fmla="val 50000"/>
+            </a:avLst>
+          </a:prstGeom>
+          <a:ln w="19050">
+            <a:solidFill>
+              <a:schemeClr val="tx1"/>
+            </a:solidFill>
+            <a:headEnd type="triangle" w="med" len="med"/>
+            <a:tailEnd type="none" w="med" len="med"/>
+          </a:ln>
+        </p:spPr>
+        <p:style>
+          <a:lnRef idx="3">
+            <a:schemeClr val="accent4"/>
+          </a:lnRef>
+          <a:fillRef idx="0">
+            <a:schemeClr val="accent4"/>
+          </a:fillRef>
+          <a:effectRef idx="2">
+            <a:schemeClr val="accent4"/>
+          </a:effectRef>
+          <a:fontRef idx="minor">
+            <a:schemeClr val="tx1"/>
+          </a:fontRef>
+        </p:style>
+      </p:cxnSp>
+      <p:grpSp>
+        <p:nvGrpSpPr>
+          <p:cNvPr id="243" name="Group 242">
+            <a:extLst>
+              <a:ext uri="{FF2B5EF4-FFF2-40B4-BE49-F238E27FC236}">
+                <a16:creationId xmlns:a16="http://schemas.microsoft.com/office/drawing/2014/main" id="{2DED509C-61DE-4BD3-8180-306CE6B2DBBB}"/>
+              </a:ext>
+            </a:extLst>
+          </p:cNvPr>
+          <p:cNvGrpSpPr/>
+          <p:nvPr/>
+        </p:nvGrpSpPr>
+        <p:grpSpPr>
+          <a:xfrm>
+            <a:off x="1803780" y="5117746"/>
+            <a:ext cx="6298441" cy="836484"/>
+            <a:chOff x="1763424" y="5117746"/>
+            <a:chExt cx="6298441" cy="836484"/>
+          </a:xfrm>
+        </p:grpSpPr>
+        <p:sp>
+          <p:nvSpPr>
+            <p:cNvPr id="17" name="Flowchart: Alternate Process 16">
               <a:extLst>
                 <a:ext uri="{FF2B5EF4-FFF2-40B4-BE49-F238E27FC236}">
-                  <a16:creationId xmlns:a16="http://schemas.microsoft.com/office/drawing/2014/main" id="{6E4977F6-5F00-494F-89EC-D630C7E2CDD0}"/>
-                </a:ext>
-              </a:extLst>
-            </p:cNvPr>
-            <p:cNvGrpSpPr/>
-            <p:nvPr/>
-          </p:nvGrpSpPr>
-          <p:grpSpPr>
-            <a:xfrm>
-              <a:off x="4321691" y="4063308"/>
-              <a:ext cx="1262618" cy="836484"/>
-              <a:chOff x="3466268" y="4063308"/>
-              <a:chExt cx="1262618" cy="836484"/>
-            </a:xfrm>
-          </p:grpSpPr>
-          <p:grpSp>
-            <p:nvGrpSpPr>
-              <p:cNvPr id="127" name="Group 126">
-                <a:extLst>
-                  <a:ext uri="{FF2B5EF4-FFF2-40B4-BE49-F238E27FC236}">
-                    <a16:creationId xmlns:a16="http://schemas.microsoft.com/office/drawing/2014/main" id="{3193981C-E5FC-46A4-AD24-3EBF9F74A720}"/>
-                  </a:ext>
-                </a:extLst>
-              </p:cNvPr>
-              <p:cNvGrpSpPr/>
-              <p:nvPr/>
-            </p:nvGrpSpPr>
-            <p:grpSpPr>
-              <a:xfrm>
-                <a:off x="3466268" y="4771881"/>
-                <a:ext cx="1262618" cy="127911"/>
-                <a:chOff x="2977867" y="3786795"/>
-                <a:chExt cx="1004845" cy="127911"/>
-              </a:xfrm>
-            </p:grpSpPr>
-            <p:sp>
-              <p:nvSpPr>
-                <p:cNvPr id="123" name="Rectangle 122">
-                  <a:extLst>
-                    <a:ext uri="{FF2B5EF4-FFF2-40B4-BE49-F238E27FC236}">
-                      <a16:creationId xmlns:a16="http://schemas.microsoft.com/office/drawing/2014/main" id="{62BFDA6C-A730-42C2-91CB-ADF3CFF96A75}"/>
-                    </a:ext>
-                  </a:extLst>
-                </p:cNvPr>
-                <p:cNvSpPr/>
-                <p:nvPr/>
-              </p:nvSpPr>
-              <p:spPr>
-                <a:xfrm rot="5400000">
-                  <a:off x="3038787" y="3725875"/>
-                  <a:ext cx="127908" cy="249747"/>
-                </a:xfrm>
-                <a:prstGeom prst="rect">
-                  <a:avLst/>
-                </a:prstGeom>
-                <a:noFill/>
-                <a:ln>
-                  <a:noFill/>
-                </a:ln>
-              </p:spPr>
-              <p:style>
-                <a:lnRef idx="2">
-                  <a:schemeClr val="accent1">
-                    <a:shade val="50000"/>
-                  </a:schemeClr>
-                </a:lnRef>
-                <a:fillRef idx="1">
-                  <a:schemeClr val="accent1"/>
-                </a:fillRef>
-                <a:effectRef idx="0">
-                  <a:schemeClr val="accent1"/>
-                </a:effectRef>
-                <a:fontRef idx="minor">
-                  <a:schemeClr val="lt1"/>
-                </a:fontRef>
-              </p:style>
-              <p:txBody>
-                <a:bodyPr rtlCol="0" anchor="ctr"/>
-                <a:lstStyle/>
-                <a:p>
-                  <a:pPr algn="ctr"/>
-                  <a:endParaRPr lang="en-AU"/>
-                </a:p>
-              </p:txBody>
-            </p:sp>
-            <p:sp>
-              <p:nvSpPr>
-                <p:cNvPr id="124" name="Rectangle 123">
-                  <a:extLst>
-                    <a:ext uri="{FF2B5EF4-FFF2-40B4-BE49-F238E27FC236}">
-                      <a16:creationId xmlns:a16="http://schemas.microsoft.com/office/drawing/2014/main" id="{6F913119-EB6E-4621-9A43-F98D67D58694}"/>
-                    </a:ext>
-                  </a:extLst>
-                </p:cNvPr>
-                <p:cNvSpPr/>
-                <p:nvPr/>
-              </p:nvSpPr>
-              <p:spPr>
-                <a:xfrm rot="5400000">
-                  <a:off x="3290484" y="3725876"/>
-                  <a:ext cx="127908" cy="249747"/>
-                </a:xfrm>
-                <a:prstGeom prst="rect">
-                  <a:avLst/>
-                </a:prstGeom>
-                <a:noFill/>
-                <a:ln>
-                  <a:noFill/>
-                </a:ln>
-              </p:spPr>
-              <p:style>
-                <a:lnRef idx="2">
-                  <a:schemeClr val="accent1">
-                    <a:shade val="50000"/>
-                  </a:schemeClr>
-                </a:lnRef>
-                <a:fillRef idx="1">
-                  <a:schemeClr val="accent1"/>
-                </a:fillRef>
-                <a:effectRef idx="0">
-                  <a:schemeClr val="accent1"/>
-                </a:effectRef>
-                <a:fontRef idx="minor">
-                  <a:schemeClr val="lt1"/>
-                </a:fontRef>
-              </p:style>
-              <p:txBody>
-                <a:bodyPr rtlCol="0" anchor="ctr"/>
-                <a:lstStyle/>
-                <a:p>
-                  <a:pPr algn="ctr"/>
-                  <a:endParaRPr lang="en-AU"/>
-                </a:p>
-              </p:txBody>
-            </p:sp>
-            <p:sp>
-              <p:nvSpPr>
-                <p:cNvPr id="125" name="Rectangle 124">
-                  <a:extLst>
-                    <a:ext uri="{FF2B5EF4-FFF2-40B4-BE49-F238E27FC236}">
-                      <a16:creationId xmlns:a16="http://schemas.microsoft.com/office/drawing/2014/main" id="{A2E14582-77A3-43F5-8367-92D5F5EF04DB}"/>
-                    </a:ext>
-                  </a:extLst>
-                </p:cNvPr>
-                <p:cNvSpPr/>
-                <p:nvPr/>
-              </p:nvSpPr>
-              <p:spPr>
-                <a:xfrm rot="5400000">
-                  <a:off x="3542188" y="3725877"/>
-                  <a:ext cx="127908" cy="249747"/>
-                </a:xfrm>
-                <a:prstGeom prst="rect">
-                  <a:avLst/>
-                </a:prstGeom>
-                <a:noFill/>
-                <a:ln>
-                  <a:noFill/>
-                </a:ln>
-              </p:spPr>
-              <p:style>
-                <a:lnRef idx="2">
-                  <a:schemeClr val="accent1">
-                    <a:shade val="50000"/>
-                  </a:schemeClr>
-                </a:lnRef>
-                <a:fillRef idx="1">
-                  <a:schemeClr val="accent1"/>
-                </a:fillRef>
-                <a:effectRef idx="0">
-                  <a:schemeClr val="accent1"/>
-                </a:effectRef>
-                <a:fontRef idx="minor">
-                  <a:schemeClr val="lt1"/>
-                </a:fontRef>
-              </p:style>
-              <p:txBody>
-                <a:bodyPr rtlCol="0" anchor="ctr"/>
-                <a:lstStyle/>
-                <a:p>
-                  <a:pPr algn="ctr"/>
-                  <a:endParaRPr lang="en-AU"/>
-                </a:p>
-              </p:txBody>
-            </p:sp>
-            <p:sp>
-              <p:nvSpPr>
-                <p:cNvPr id="126" name="Rectangle 125">
-                  <a:extLst>
-                    <a:ext uri="{FF2B5EF4-FFF2-40B4-BE49-F238E27FC236}">
-                      <a16:creationId xmlns:a16="http://schemas.microsoft.com/office/drawing/2014/main" id="{AE252E39-DB9F-45A2-B56B-419C70A6F4D7}"/>
-                    </a:ext>
-                  </a:extLst>
-                </p:cNvPr>
-                <p:cNvSpPr/>
-                <p:nvPr/>
-              </p:nvSpPr>
-              <p:spPr>
-                <a:xfrm rot="5400000">
-                  <a:off x="3793885" y="3725878"/>
-                  <a:ext cx="127908" cy="249747"/>
-                </a:xfrm>
-                <a:prstGeom prst="rect">
-                  <a:avLst/>
-                </a:prstGeom>
-                <a:noFill/>
-                <a:ln>
-                  <a:noFill/>
-                </a:ln>
-              </p:spPr>
-              <p:style>
-                <a:lnRef idx="2">
-                  <a:schemeClr val="accent1">
-                    <a:shade val="50000"/>
-                  </a:schemeClr>
-                </a:lnRef>
-                <a:fillRef idx="1">
-                  <a:schemeClr val="accent1"/>
-                </a:fillRef>
-                <a:effectRef idx="0">
-                  <a:schemeClr val="accent1"/>
-                </a:effectRef>
-                <a:fontRef idx="minor">
-                  <a:schemeClr val="lt1"/>
-                </a:fontRef>
-              </p:style>
-              <p:txBody>
-                <a:bodyPr rtlCol="0" anchor="ctr"/>
-                <a:lstStyle/>
-                <a:p>
-                  <a:pPr algn="ctr"/>
-                  <a:endParaRPr lang="en-AU"/>
-                </a:p>
-              </p:txBody>
-            </p:sp>
-          </p:grpSp>
-          <p:sp>
-            <p:nvSpPr>
-              <p:cNvPr id="29" name="Flowchart: Alternate Process 28">
-                <a:extLst>
-                  <a:ext uri="{FF2B5EF4-FFF2-40B4-BE49-F238E27FC236}">
-                    <a16:creationId xmlns:a16="http://schemas.microsoft.com/office/drawing/2014/main" id="{642B8AF3-139C-4DD2-999B-77467D9913C8}"/>
-                  </a:ext>
-                </a:extLst>
-              </p:cNvPr>
-              <p:cNvSpPr/>
-              <p:nvPr/>
-            </p:nvSpPr>
-            <p:spPr>
-              <a:xfrm>
-                <a:off x="3466268" y="4063308"/>
-                <a:ext cx="1262618" cy="836484"/>
-              </a:xfrm>
-              <a:prstGeom prst="flowChartAlternateProcess">
-                <a:avLst/>
-              </a:prstGeom>
-              <a:ln>
-                <a:solidFill>
-                  <a:schemeClr val="tx1"/>
-                </a:solidFill>
-              </a:ln>
-            </p:spPr>
-            <p:style>
-              <a:lnRef idx="2">
-                <a:schemeClr val="dk1"/>
-              </a:lnRef>
-              <a:fillRef idx="1">
-                <a:schemeClr val="lt1"/>
-              </a:fillRef>
-              <a:effectRef idx="0">
-                <a:schemeClr val="dk1"/>
-              </a:effectRef>
-              <a:fontRef idx="minor">
-                <a:schemeClr val="dk1"/>
-              </a:fontRef>
-            </p:style>
-            <p:txBody>
-              <a:bodyPr rot="0" spcFirstLastPara="0" vertOverflow="overflow" horzOverflow="overflow" vert="horz" wrap="square" lIns="0" tIns="0" rIns="0" bIns="0" numCol="1" spcCol="0" rtlCol="0" fromWordArt="0" anchor="ctr" anchorCtr="0" forceAA="0" compatLnSpc="1">
-                <a:prstTxWarp prst="textNoShape">
-                  <a:avLst/>
-                </a:prstTxWarp>
-                <a:noAutofit/>
-              </a:bodyPr>
-              <a:lstStyle/>
-              <a:p>
-                <a:pPr algn="ctr"/>
-                <a:r>
-                  <a:rPr lang="en-AU" sz="1050" dirty="0">
-                    <a:latin typeface="Consolas" panose="020B0609020204030204" pitchFamily="49" charset="0"/>
-                    <a:ea typeface="Yu Gothic" panose="020B0400000000000000" pitchFamily="34" charset="-128"/>
-                  </a:rPr>
-                  <a:t>Detect distance / proximity</a:t>
-                </a:r>
-              </a:p>
-            </p:txBody>
-          </p:sp>
-        </p:grpSp>
-        <p:cxnSp>
-          <p:nvCxnSpPr>
-            <p:cNvPr id="34" name="Straight Arrow Connector 33">
-              <a:extLst>
-                <a:ext uri="{FF2B5EF4-FFF2-40B4-BE49-F238E27FC236}">
-                  <a16:creationId xmlns:a16="http://schemas.microsoft.com/office/drawing/2014/main" id="{59B84EE9-F805-4C24-80E0-883DD0CFC543}"/>
-                </a:ext>
-              </a:extLst>
-            </p:cNvPr>
-            <p:cNvCxnSpPr>
-              <a:stCxn id="37" idx="2"/>
-              <a:endCxn id="38" idx="0"/>
-            </p:cNvCxnSpPr>
-            <p:nvPr/>
-          </p:nvCxnSpPr>
-          <p:spPr>
-            <a:xfrm>
-              <a:off x="4953000" y="2790920"/>
-              <a:ext cx="0" cy="217952"/>
-            </a:xfrm>
-            <a:prstGeom prst="straightConnector1">
-              <a:avLst/>
-            </a:prstGeom>
-            <a:ln w="19050">
-              <a:solidFill>
-                <a:schemeClr val="tx1"/>
-              </a:solidFill>
-              <a:headEnd type="triangle" w="med" len="med"/>
-              <a:tailEnd type="none" w="med" len="med"/>
-            </a:ln>
-          </p:spPr>
-          <p:style>
-            <a:lnRef idx="3">
-              <a:schemeClr val="accent4"/>
-            </a:lnRef>
-            <a:fillRef idx="0">
-              <a:schemeClr val="accent4"/>
-            </a:fillRef>
-            <a:effectRef idx="2">
-              <a:schemeClr val="accent4"/>
-            </a:effectRef>
-            <a:fontRef idx="minor">
-              <a:schemeClr val="tx1"/>
-            </a:fontRef>
-          </p:style>
-        </p:cxnSp>
-        <p:cxnSp>
-          <p:nvCxnSpPr>
-            <p:cNvPr id="35" name="Straight Arrow Connector 34">
-              <a:extLst>
-                <a:ext uri="{FF2B5EF4-FFF2-40B4-BE49-F238E27FC236}">
-                  <a16:creationId xmlns:a16="http://schemas.microsoft.com/office/drawing/2014/main" id="{C7E0C5AF-5A96-4056-ACE7-88BB922ABB18}"/>
-                </a:ext>
-              </a:extLst>
-            </p:cNvPr>
-            <p:cNvCxnSpPr>
-              <a:stCxn id="36" idx="2"/>
-              <a:endCxn id="37" idx="0"/>
-            </p:cNvCxnSpPr>
-            <p:nvPr/>
-          </p:nvCxnSpPr>
-          <p:spPr>
-            <a:xfrm>
-              <a:off x="4953000" y="1736484"/>
-              <a:ext cx="0" cy="217952"/>
-            </a:xfrm>
-            <a:prstGeom prst="straightConnector1">
-              <a:avLst/>
-            </a:prstGeom>
-            <a:ln w="19050">
-              <a:solidFill>
-                <a:schemeClr val="tx1"/>
-              </a:solidFill>
-              <a:headEnd type="triangle" w="med" len="med"/>
-              <a:tailEnd type="none" w="med" len="med"/>
-            </a:ln>
-          </p:spPr>
-          <p:style>
-            <a:lnRef idx="3">
-              <a:schemeClr val="accent4"/>
-            </a:lnRef>
-            <a:fillRef idx="0">
-              <a:schemeClr val="accent4"/>
-            </a:fillRef>
-            <a:effectRef idx="2">
-              <a:schemeClr val="accent4"/>
-            </a:effectRef>
-            <a:fontRef idx="minor">
-              <a:schemeClr val="tx1"/>
-            </a:fontRef>
-          </p:style>
-        </p:cxnSp>
-        <p:sp>
-          <p:nvSpPr>
-            <p:cNvPr id="36" name="Flowchart: Alternate Process 35">
-              <a:extLst>
-                <a:ext uri="{FF2B5EF4-FFF2-40B4-BE49-F238E27FC236}">
-                  <a16:creationId xmlns:a16="http://schemas.microsoft.com/office/drawing/2014/main" id="{D92F409B-EDD8-46C5-A4D2-F93183E2606B}"/>
+                  <a16:creationId xmlns:a16="http://schemas.microsoft.com/office/drawing/2014/main" id="{D6880F27-7869-44F4-BA18-C658D30CC6F6}"/>
                 </a:ext>
               </a:extLst>
             </p:cNvPr>
@@ -6247,72 +6922,13 @@
           </p:nvSpPr>
           <p:spPr>
             <a:xfrm>
-              <a:off x="4321691" y="900000"/>
+              <a:off x="1763424" y="5117746"/>
               <a:ext cx="1262618" cy="836484"/>
             </a:xfrm>
             <a:prstGeom prst="flowChartAlternateProcess">
               <a:avLst/>
             </a:prstGeom>
-            <a:ln w="19050"/>
-          </p:spPr>
-          <p:style>
-            <a:lnRef idx="2">
-              <a:schemeClr val="dk1"/>
-            </a:lnRef>
-            <a:fillRef idx="1">
-              <a:schemeClr val="lt1"/>
-            </a:fillRef>
-            <a:effectRef idx="0">
-              <a:schemeClr val="dk1"/>
-            </a:effectRef>
-            <a:fontRef idx="minor">
-              <a:schemeClr val="dk1"/>
-            </a:fontRef>
-          </p:style>
-          <p:txBody>
-            <a:bodyPr rot="0" spcFirstLastPara="0" vertOverflow="overflow" horzOverflow="overflow" vert="horz" wrap="square" lIns="0" tIns="0" rIns="0" bIns="0" numCol="1" spcCol="0" rtlCol="0" fromWordArt="0" anchor="ctr" anchorCtr="0" forceAA="0" compatLnSpc="1">
-              <a:prstTxWarp prst="textNoShape">
-                <a:avLst/>
-              </a:prstTxWarp>
-              <a:noAutofit/>
-            </a:bodyPr>
-            <a:lstStyle/>
-            <a:p>
-              <a:pPr algn="ctr"/>
-              <a:r>
-                <a:rPr lang="en-AU" sz="1050" dirty="0">
-                  <a:solidFill>
-                    <a:schemeClr val="dk1"/>
-                  </a:solidFill>
-                  <a:latin typeface="Consolas" panose="020B0609020204030204" pitchFamily="49" charset="0"/>
-                  <a:ea typeface="Yu Gothic" panose="020B0400000000000000" pitchFamily="34" charset="-128"/>
-                </a:rPr>
-                <a:t>Observe current state of pilot/desired state of suit</a:t>
-              </a:r>
-            </a:p>
-          </p:txBody>
-        </p:sp>
-        <p:sp>
-          <p:nvSpPr>
-            <p:cNvPr id="37" name="Flowchart: Alternate Process 36">
-              <a:extLst>
-                <a:ext uri="{FF2B5EF4-FFF2-40B4-BE49-F238E27FC236}">
-                  <a16:creationId xmlns:a16="http://schemas.microsoft.com/office/drawing/2014/main" id="{50115687-D116-4ABA-A652-AD6EE015EF68}"/>
-                </a:ext>
-              </a:extLst>
-            </p:cNvPr>
-            <p:cNvSpPr/>
-            <p:nvPr/>
-          </p:nvSpPr>
-          <p:spPr>
-            <a:xfrm>
-              <a:off x="4321691" y="1954436"/>
-              <a:ext cx="1262618" cy="836484"/>
-            </a:xfrm>
-            <a:prstGeom prst="flowChartAlternateProcess">
-              <a:avLst/>
-            </a:prstGeom>
-            <a:ln w="19050">
+            <a:ln>
               <a:solidFill>
                 <a:schemeClr val="tx1"/>
               </a:solidFill>
@@ -6344,23 +6960,20 @@
               <a:pPr algn="ctr"/>
               <a:r>
                 <a:rPr lang="en-AU" sz="1050" dirty="0">
-                  <a:solidFill>
-                    <a:schemeClr val="dk1"/>
-                  </a:solidFill>
                   <a:latin typeface="Consolas" panose="020B0609020204030204" pitchFamily="49" charset="0"/>
                   <a:ea typeface="Yu Gothic" panose="020B0400000000000000" pitchFamily="34" charset="-128"/>
                 </a:rPr>
-                <a:t>Measure position of limbs in relation to origin</a:t>
+                <a:t>Detect Signal</a:t>
               </a:r>
             </a:p>
           </p:txBody>
         </p:sp>
         <p:sp>
           <p:nvSpPr>
-            <p:cNvPr id="38" name="Flowchart: Alternate Process 37">
+            <p:cNvPr id="18" name="Flowchart: Alternate Process 17">
               <a:extLst>
                 <a:ext uri="{FF2B5EF4-FFF2-40B4-BE49-F238E27FC236}">
-                  <a16:creationId xmlns:a16="http://schemas.microsoft.com/office/drawing/2014/main" id="{36AFA404-2F42-45E1-A7C3-93CEEEC99AA4}"/>
+                  <a16:creationId xmlns:a16="http://schemas.microsoft.com/office/drawing/2014/main" id="{507FB19F-0FFD-483C-9DDF-3FDD57B3763C}"/>
                 </a:ext>
               </a:extLst>
             </p:cNvPr>
@@ -6369,13 +6982,13 @@
           </p:nvSpPr>
           <p:spPr>
             <a:xfrm>
-              <a:off x="4321691" y="3008872"/>
+              <a:off x="3442032" y="5117746"/>
               <a:ext cx="1262618" cy="836484"/>
             </a:xfrm>
             <a:prstGeom prst="flowChartAlternateProcess">
               <a:avLst/>
             </a:prstGeom>
-            <a:ln w="19050">
+            <a:ln>
               <a:solidFill>
                 <a:schemeClr val="tx1"/>
               </a:solidFill>
@@ -6407,23 +7020,20 @@
               <a:pPr algn="ctr"/>
               <a:r>
                 <a:rPr lang="en-AU" sz="1050" dirty="0">
-                  <a:solidFill>
-                    <a:schemeClr val="dk1"/>
-                  </a:solidFill>
                   <a:latin typeface="Consolas" panose="020B0609020204030204" pitchFamily="49" charset="0"/>
                   <a:ea typeface="Yu Gothic" panose="020B0400000000000000" pitchFamily="34" charset="-128"/>
                 </a:rPr>
-                <a:t>Measure position of limbs in relation to fixed rotational axis on suit</a:t>
+                <a:t>Remove Noise</a:t>
               </a:r>
             </a:p>
           </p:txBody>
         </p:sp>
         <p:sp>
           <p:nvSpPr>
-            <p:cNvPr id="20" name="Flowchart: Alternate Process 19">
+            <p:cNvPr id="19" name="Flowchart: Alternate Process 18">
               <a:extLst>
                 <a:ext uri="{FF2B5EF4-FFF2-40B4-BE49-F238E27FC236}">
-                  <a16:creationId xmlns:a16="http://schemas.microsoft.com/office/drawing/2014/main" id="{EE20DA8A-1203-4004-B796-1159A72D15A7}"/>
+                  <a16:creationId xmlns:a16="http://schemas.microsoft.com/office/drawing/2014/main" id="{3217BC8F-77B9-4DBD-AD64-60D7FAAF745C}"/>
                 </a:ext>
               </a:extLst>
             </p:cNvPr>
@@ -6432,31 +7042,30 @@
           </p:nvSpPr>
           <p:spPr>
             <a:xfrm>
-              <a:off x="540001" y="540000"/>
-              <a:ext cx="8825976" cy="5778000"/>
+              <a:off x="5120640" y="5117746"/>
+              <a:ext cx="1262618" cy="836484"/>
             </a:xfrm>
             <a:prstGeom prst="flowChartAlternateProcess">
               <a:avLst/>
             </a:prstGeom>
-            <a:noFill/>
-            <a:ln w="19050">
-              <a:prstDash val="lgDash"/>
+            <a:ln>
+              <a:solidFill>
+                <a:schemeClr val="tx1"/>
+              </a:solidFill>
             </a:ln>
           </p:spPr>
           <p:style>
             <a:lnRef idx="2">
-              <a:schemeClr val="accent4">
-                <a:shade val="50000"/>
-              </a:schemeClr>
+              <a:schemeClr val="dk1"/>
             </a:lnRef>
             <a:fillRef idx="1">
-              <a:schemeClr val="accent4"/>
+              <a:schemeClr val="lt1"/>
             </a:fillRef>
             <a:effectRef idx="0">
-              <a:schemeClr val="accent4"/>
+              <a:schemeClr val="dk1"/>
             </a:effectRef>
             <a:fontRef idx="minor">
-              <a:schemeClr val="lt1"/>
+              <a:schemeClr val="dk1"/>
             </a:fontRef>
           </p:style>
           <p:txBody>
@@ -6469,162 +7078,22 @@
             <a:lstStyle/>
             <a:p>
               <a:pPr algn="ctr"/>
-              <a:endParaRPr lang="en-AU" sz="1050" dirty="0">
-                <a:latin typeface="Consolas" panose="020B0609020204030204" pitchFamily="49" charset="0"/>
-                <a:ea typeface="Yu Gothic" panose="020B0400000000000000" pitchFamily="34" charset="-128"/>
-              </a:endParaRPr>
+              <a:r>
+                <a:rPr lang="en-AU" sz="1050" dirty="0">
+                  <a:latin typeface="Consolas" panose="020B0609020204030204" pitchFamily="49" charset="0"/>
+                  <a:ea typeface="Yu Gothic" panose="020B0400000000000000" pitchFamily="34" charset="-128"/>
+                </a:rPr>
+                <a:t>Apply Sufficient Amplification</a:t>
+              </a:r>
             </a:p>
           </p:txBody>
         </p:sp>
-        <p:cxnSp>
-          <p:nvCxnSpPr>
-            <p:cNvPr id="49" name="Connector: Elbow 48">
+        <p:sp>
+          <p:nvSpPr>
+            <p:cNvPr id="86" name="Flowchart: Alternate Process 85">
               <a:extLst>
                 <a:ext uri="{FF2B5EF4-FFF2-40B4-BE49-F238E27FC236}">
-                  <a16:creationId xmlns:a16="http://schemas.microsoft.com/office/drawing/2014/main" id="{C1A8A370-EA07-4435-A94A-5EB174BCE0D4}"/>
-                </a:ext>
-              </a:extLst>
-            </p:cNvPr>
-            <p:cNvCxnSpPr>
-              <a:cxnSpLocks/>
-              <a:stCxn id="29" idx="1"/>
-              <a:endCxn id="17" idx="0"/>
-            </p:cNvCxnSpPr>
-            <p:nvPr/>
-          </p:nvCxnSpPr>
-          <p:spPr>
-            <a:xfrm rot="10800000" flipV="1">
-              <a:off x="2435089" y="4481550"/>
-              <a:ext cx="1886602" cy="636196"/>
-            </a:xfrm>
-            <a:prstGeom prst="bentConnector2">
-              <a:avLst/>
-            </a:prstGeom>
-            <a:ln w="19050">
-              <a:solidFill>
-                <a:schemeClr val="tx1"/>
-              </a:solidFill>
-              <a:headEnd type="triangle" w="med" len="med"/>
-              <a:tailEnd type="none" w="med" len="med"/>
-            </a:ln>
-          </p:spPr>
-          <p:style>
-            <a:lnRef idx="3">
-              <a:schemeClr val="accent4"/>
-            </a:lnRef>
-            <a:fillRef idx="0">
-              <a:schemeClr val="accent4"/>
-            </a:fillRef>
-            <a:effectRef idx="2">
-              <a:schemeClr val="accent4"/>
-            </a:effectRef>
-            <a:fontRef idx="minor">
-              <a:schemeClr val="tx1"/>
-            </a:fontRef>
-          </p:style>
-        </p:cxnSp>
-        <p:cxnSp>
-          <p:nvCxnSpPr>
-            <p:cNvPr id="52" name="Connector: Elbow 51">
-              <a:extLst>
-                <a:ext uri="{FF2B5EF4-FFF2-40B4-BE49-F238E27FC236}">
-                  <a16:creationId xmlns:a16="http://schemas.microsoft.com/office/drawing/2014/main" id="{74813D39-7903-430B-A115-CEDD44E3B1A0}"/>
-                </a:ext>
-              </a:extLst>
-            </p:cNvPr>
-            <p:cNvCxnSpPr>
-              <a:cxnSpLocks/>
-              <a:stCxn id="125" idx="3"/>
-              <a:endCxn id="19" idx="0"/>
-            </p:cNvCxnSpPr>
-            <p:nvPr/>
-          </p:nvCxnSpPr>
-          <p:spPr>
-            <a:xfrm rot="16200000" flipH="1">
-              <a:off x="5342744" y="4668184"/>
-              <a:ext cx="217955" cy="681168"/>
-            </a:xfrm>
-            <a:prstGeom prst="bentConnector3">
-              <a:avLst>
-                <a:gd name="adj1" fmla="val 50000"/>
-              </a:avLst>
-            </a:prstGeom>
-            <a:ln w="19050">
-              <a:solidFill>
-                <a:schemeClr val="tx1"/>
-              </a:solidFill>
-              <a:headEnd type="triangle" w="med" len="med"/>
-              <a:tailEnd type="none" w="med" len="med"/>
-            </a:ln>
-          </p:spPr>
-          <p:style>
-            <a:lnRef idx="3">
-              <a:schemeClr val="accent4"/>
-            </a:lnRef>
-            <a:fillRef idx="0">
-              <a:schemeClr val="accent4"/>
-            </a:fillRef>
-            <a:effectRef idx="2">
-              <a:schemeClr val="accent4"/>
-            </a:effectRef>
-            <a:fontRef idx="minor">
-              <a:schemeClr val="tx1"/>
-            </a:fontRef>
-          </p:style>
-        </p:cxnSp>
-        <p:cxnSp>
-          <p:nvCxnSpPr>
-            <p:cNvPr id="93" name="Connector: Elbow 92">
-              <a:extLst>
-                <a:ext uri="{FF2B5EF4-FFF2-40B4-BE49-F238E27FC236}">
-                  <a16:creationId xmlns:a16="http://schemas.microsoft.com/office/drawing/2014/main" id="{91142E9F-B215-40BC-8FF0-61748BE44660}"/>
-                </a:ext>
-              </a:extLst>
-            </p:cNvPr>
-            <p:cNvCxnSpPr>
-              <a:cxnSpLocks/>
-              <a:stCxn id="29" idx="3"/>
-              <a:endCxn id="86" idx="0"/>
-            </p:cNvCxnSpPr>
-            <p:nvPr/>
-          </p:nvCxnSpPr>
-          <p:spPr>
-            <a:xfrm>
-              <a:off x="5584309" y="4481550"/>
-              <a:ext cx="1886603" cy="636196"/>
-            </a:xfrm>
-            <a:prstGeom prst="bentConnector2">
-              <a:avLst/>
-            </a:prstGeom>
-            <a:ln w="19050">
-              <a:solidFill>
-                <a:schemeClr val="tx1"/>
-              </a:solidFill>
-              <a:headEnd type="triangle" w="med" len="med"/>
-              <a:tailEnd type="none" w="med" len="med"/>
-            </a:ln>
-          </p:spPr>
-          <p:style>
-            <a:lnRef idx="3">
-              <a:schemeClr val="accent4"/>
-            </a:lnRef>
-            <a:fillRef idx="0">
-              <a:schemeClr val="accent4"/>
-            </a:fillRef>
-            <a:effectRef idx="2">
-              <a:schemeClr val="accent4"/>
-            </a:effectRef>
-            <a:fontRef idx="minor">
-              <a:schemeClr val="tx1"/>
-            </a:fontRef>
-          </p:style>
-        </p:cxnSp>
-        <p:sp>
-          <p:nvSpPr>
-            <p:cNvPr id="59" name="Rectangle 58">
-              <a:extLst>
-                <a:ext uri="{FF2B5EF4-FFF2-40B4-BE49-F238E27FC236}">
-                  <a16:creationId xmlns:a16="http://schemas.microsoft.com/office/drawing/2014/main" id="{1E40D16B-0B0A-4291-8165-F0754E500AA0}"/>
+                  <a16:creationId xmlns:a16="http://schemas.microsoft.com/office/drawing/2014/main" id="{484A4846-31D9-46DC-A34A-EE6B8EDF80BE}"/>
                 </a:ext>
               </a:extLst>
             </p:cNvPr>
@@ -6633,13 +7102,537 @@
           </p:nvSpPr>
           <p:spPr>
             <a:xfrm>
-              <a:off x="2617054" y="5274385"/>
-              <a:ext cx="127908" cy="418240"/>
+              <a:off x="6799247" y="5117746"/>
+              <a:ext cx="1262618" cy="836484"/>
+            </a:xfrm>
+            <a:prstGeom prst="flowChartAlternateProcess">
+              <a:avLst/>
+            </a:prstGeom>
+            <a:ln>
+              <a:solidFill>
+                <a:schemeClr val="tx1"/>
+              </a:solidFill>
+            </a:ln>
+          </p:spPr>
+          <p:style>
+            <a:lnRef idx="2">
+              <a:schemeClr val="dk1"/>
+            </a:lnRef>
+            <a:fillRef idx="1">
+              <a:schemeClr val="lt1"/>
+            </a:fillRef>
+            <a:effectRef idx="0">
+              <a:schemeClr val="dk1"/>
+            </a:effectRef>
+            <a:fontRef idx="minor">
+              <a:schemeClr val="dk1"/>
+            </a:fontRef>
+          </p:style>
+          <p:txBody>
+            <a:bodyPr rot="0" spcFirstLastPara="0" vertOverflow="overflow" horzOverflow="overflow" vert="horz" wrap="square" lIns="0" tIns="0" rIns="0" bIns="0" numCol="1" spcCol="0" rtlCol="0" fromWordArt="0" anchor="ctr" anchorCtr="0" forceAA="0" compatLnSpc="1">
+              <a:prstTxWarp prst="textNoShape">
+                <a:avLst/>
+              </a:prstTxWarp>
+              <a:noAutofit/>
+            </a:bodyPr>
+            <a:lstStyle/>
+            <a:p>
+              <a:pPr algn="ctr"/>
+              <a:r>
+                <a:rPr lang="en-AU" sz="1050" dirty="0">
+                  <a:latin typeface="Consolas" panose="020B0609020204030204" pitchFamily="49" charset="0"/>
+                  <a:ea typeface="Yu Gothic" panose="020B0400000000000000" pitchFamily="34" charset="-128"/>
+                </a:rPr>
+                <a:t>Read Signal</a:t>
+              </a:r>
+            </a:p>
+          </p:txBody>
+        </p:sp>
+      </p:grpSp>
+      <p:sp>
+        <p:nvSpPr>
+          <p:cNvPr id="30" name="Flowchart: Alternate Process 29">
+            <a:extLst>
+              <a:ext uri="{FF2B5EF4-FFF2-40B4-BE49-F238E27FC236}">
+                <a16:creationId xmlns:a16="http://schemas.microsoft.com/office/drawing/2014/main" id="{69ECF706-1FDA-4E1A-8C85-67EDF63C6058}"/>
+              </a:ext>
+            </a:extLst>
+          </p:cNvPr>
+          <p:cNvSpPr/>
+          <p:nvPr/>
+        </p:nvSpPr>
+        <p:spPr>
+          <a:xfrm>
+            <a:off x="7743380" y="3008872"/>
+            <a:ext cx="1262618" cy="836484"/>
+          </a:xfrm>
+          <a:prstGeom prst="flowChartAlternateProcess">
+            <a:avLst/>
+          </a:prstGeom>
+          <a:ln>
+            <a:solidFill>
+              <a:schemeClr val="tx1"/>
+            </a:solidFill>
+          </a:ln>
+        </p:spPr>
+        <p:style>
+          <a:lnRef idx="2">
+            <a:schemeClr val="dk1"/>
+          </a:lnRef>
+          <a:fillRef idx="1">
+            <a:schemeClr val="lt1"/>
+          </a:fillRef>
+          <a:effectRef idx="0">
+            <a:schemeClr val="dk1"/>
+          </a:effectRef>
+          <a:fontRef idx="minor">
+            <a:schemeClr val="dk1"/>
+          </a:fontRef>
+        </p:style>
+        <p:txBody>
+          <a:bodyPr rot="0" spcFirstLastPara="0" vertOverflow="overflow" horzOverflow="overflow" vert="horz" wrap="square" lIns="0" tIns="0" rIns="0" bIns="0" numCol="1" spcCol="0" rtlCol="0" fromWordArt="0" anchor="ctr" anchorCtr="0" forceAA="0" compatLnSpc="1">
+            <a:prstTxWarp prst="textNoShape">
+              <a:avLst/>
+            </a:prstTxWarp>
+            <a:noAutofit/>
+          </a:bodyPr>
+          <a:lstStyle/>
+          <a:p>
+            <a:pPr algn="ctr"/>
+            <a:r>
+              <a:rPr lang="en-AU" sz="1050" dirty="0">
+                <a:latin typeface="Consolas" panose="020B0609020204030204" pitchFamily="49" charset="0"/>
+                <a:ea typeface="Yu Gothic" panose="020B0400000000000000" pitchFamily="34" charset="-128"/>
+              </a:rPr>
+              <a:t>Parse readings into useable data</a:t>
+            </a:r>
+          </a:p>
+        </p:txBody>
+      </p:sp>
+      <p:sp>
+        <p:nvSpPr>
+          <p:cNvPr id="143" name="Flowchart: Alternate Process 142">
+            <a:extLst>
+              <a:ext uri="{FF2B5EF4-FFF2-40B4-BE49-F238E27FC236}">
+                <a16:creationId xmlns:a16="http://schemas.microsoft.com/office/drawing/2014/main" id="{5EE8BAA9-0AB9-4D7E-B5B4-44B8316F3839}"/>
+              </a:ext>
+            </a:extLst>
+          </p:cNvPr>
+          <p:cNvSpPr/>
+          <p:nvPr/>
+        </p:nvSpPr>
+        <p:spPr>
+          <a:xfrm>
+            <a:off x="7743380" y="4063310"/>
+            <a:ext cx="1262618" cy="836484"/>
+          </a:xfrm>
+          <a:prstGeom prst="flowChartAlternateProcess">
+            <a:avLst/>
+          </a:prstGeom>
+          <a:ln>
+            <a:solidFill>
+              <a:schemeClr val="tx1"/>
+            </a:solidFill>
+          </a:ln>
+        </p:spPr>
+        <p:style>
+          <a:lnRef idx="2">
+            <a:schemeClr val="dk1"/>
+          </a:lnRef>
+          <a:fillRef idx="1">
+            <a:schemeClr val="lt1"/>
+          </a:fillRef>
+          <a:effectRef idx="0">
+            <a:schemeClr val="dk1"/>
+          </a:effectRef>
+          <a:fontRef idx="minor">
+            <a:schemeClr val="dk1"/>
+          </a:fontRef>
+        </p:style>
+        <p:txBody>
+          <a:bodyPr rot="0" spcFirstLastPara="0" vertOverflow="overflow" horzOverflow="overflow" vert="horz" wrap="square" lIns="0" tIns="0" rIns="0" bIns="0" numCol="1" spcCol="0" rtlCol="0" fromWordArt="0" anchor="ctr" anchorCtr="0" forceAA="0" compatLnSpc="1">
+            <a:prstTxWarp prst="textNoShape">
+              <a:avLst/>
+            </a:prstTxWarp>
+            <a:noAutofit/>
+          </a:bodyPr>
+          <a:lstStyle/>
+          <a:p>
+            <a:pPr algn="ctr"/>
+            <a:r>
+              <a:rPr lang="en-AU" sz="1050" dirty="0">
+                <a:latin typeface="Consolas" panose="020B0609020204030204" pitchFamily="49" charset="0"/>
+                <a:ea typeface="Yu Gothic" panose="020B0400000000000000" pitchFamily="34" charset="-128"/>
+              </a:rPr>
+              <a:t>Map from ADC readings to meters</a:t>
+            </a:r>
+          </a:p>
+        </p:txBody>
+      </p:sp>
+      <p:cxnSp>
+        <p:nvCxnSpPr>
+          <p:cNvPr id="169" name="Straight Arrow Connector 168">
+            <a:extLst>
+              <a:ext uri="{FF2B5EF4-FFF2-40B4-BE49-F238E27FC236}">
+                <a16:creationId xmlns:a16="http://schemas.microsoft.com/office/drawing/2014/main" id="{6D128C6B-9955-4001-86C9-79102CA0F7F0}"/>
+              </a:ext>
+            </a:extLst>
+          </p:cNvPr>
+          <p:cNvCxnSpPr>
+            <a:cxnSpLocks/>
+            <a:stCxn id="143" idx="0"/>
+            <a:endCxn id="30" idx="2"/>
+          </p:cNvCxnSpPr>
+          <p:nvPr/>
+        </p:nvCxnSpPr>
+        <p:spPr>
+          <a:xfrm flipV="1">
+            <a:off x="8374689" y="3845356"/>
+            <a:ext cx="0" cy="217954"/>
+          </a:xfrm>
+          <a:prstGeom prst="straightConnector1">
+            <a:avLst/>
+          </a:prstGeom>
+          <a:ln w="19050">
+            <a:solidFill>
+              <a:schemeClr val="tx1"/>
+            </a:solidFill>
+            <a:tailEnd type="triangle"/>
+          </a:ln>
+        </p:spPr>
+        <p:style>
+          <a:lnRef idx="3">
+            <a:schemeClr val="accent4"/>
+          </a:lnRef>
+          <a:fillRef idx="0">
+            <a:schemeClr val="accent4"/>
+          </a:fillRef>
+          <a:effectRef idx="2">
+            <a:schemeClr val="accent4"/>
+          </a:effectRef>
+          <a:fontRef idx="minor">
+            <a:schemeClr val="tx1"/>
+          </a:fontRef>
+        </p:style>
+      </p:cxnSp>
+      <p:cxnSp>
+        <p:nvCxnSpPr>
+          <p:cNvPr id="223" name="Straight Arrow Connector 222">
+            <a:extLst>
+              <a:ext uri="{FF2B5EF4-FFF2-40B4-BE49-F238E27FC236}">
+                <a16:creationId xmlns:a16="http://schemas.microsoft.com/office/drawing/2014/main" id="{A19DCC99-8431-4386-8813-1037B5401878}"/>
+              </a:ext>
+            </a:extLst>
+          </p:cNvPr>
+          <p:cNvCxnSpPr>
+            <a:cxnSpLocks/>
+            <a:stCxn id="30" idx="1"/>
+            <a:endCxn id="38" idx="3"/>
+          </p:cNvCxnSpPr>
+          <p:nvPr/>
+        </p:nvCxnSpPr>
+        <p:spPr>
+          <a:xfrm flipH="1">
+            <a:off x="5584309" y="3427114"/>
+            <a:ext cx="2159071" cy="0"/>
+          </a:xfrm>
+          <a:prstGeom prst="straightConnector1">
+            <a:avLst/>
+          </a:prstGeom>
+          <a:ln w="19050">
+            <a:solidFill>
+              <a:schemeClr val="tx1"/>
+            </a:solidFill>
+            <a:tailEnd type="triangle"/>
+          </a:ln>
+        </p:spPr>
+        <p:style>
+          <a:lnRef idx="3">
+            <a:schemeClr val="accent4"/>
+          </a:lnRef>
+          <a:fillRef idx="0">
+            <a:schemeClr val="accent4"/>
+          </a:fillRef>
+          <a:effectRef idx="2">
+            <a:schemeClr val="accent4"/>
+          </a:effectRef>
+          <a:fontRef idx="minor">
+            <a:schemeClr val="tx1"/>
+          </a:fontRef>
+        </p:style>
+      </p:cxnSp>
+      <p:cxnSp>
+        <p:nvCxnSpPr>
+          <p:cNvPr id="224" name="Straight Arrow Connector 223">
+            <a:extLst>
+              <a:ext uri="{FF2B5EF4-FFF2-40B4-BE49-F238E27FC236}">
+                <a16:creationId xmlns:a16="http://schemas.microsoft.com/office/drawing/2014/main" id="{3B9B0590-AC4B-4E44-B224-2022D9E7D274}"/>
+              </a:ext>
+            </a:extLst>
+          </p:cNvPr>
+          <p:cNvCxnSpPr>
+            <a:cxnSpLocks/>
+            <a:stCxn id="24" idx="3"/>
+            <a:endCxn id="38" idx="1"/>
+          </p:cNvCxnSpPr>
+          <p:nvPr/>
+        </p:nvCxnSpPr>
+        <p:spPr>
+          <a:xfrm>
+            <a:off x="2162619" y="3427114"/>
+            <a:ext cx="2159072" cy="0"/>
+          </a:xfrm>
+          <a:prstGeom prst="straightConnector1">
+            <a:avLst/>
+          </a:prstGeom>
+          <a:ln w="19050">
+            <a:solidFill>
+              <a:schemeClr val="tx1"/>
+            </a:solidFill>
+            <a:tailEnd type="triangle"/>
+          </a:ln>
+        </p:spPr>
+        <p:style>
+          <a:lnRef idx="3">
+            <a:schemeClr val="accent4"/>
+          </a:lnRef>
+          <a:fillRef idx="0">
+            <a:schemeClr val="accent4"/>
+          </a:fillRef>
+          <a:effectRef idx="2">
+            <a:schemeClr val="accent4"/>
+          </a:effectRef>
+          <a:fontRef idx="minor">
+            <a:schemeClr val="tx1"/>
+          </a:fontRef>
+        </p:style>
+      </p:cxnSp>
+      <p:cxnSp>
+        <p:nvCxnSpPr>
+          <p:cNvPr id="230" name="Straight Arrow Connector 229">
+            <a:extLst>
+              <a:ext uri="{FF2B5EF4-FFF2-40B4-BE49-F238E27FC236}">
+                <a16:creationId xmlns:a16="http://schemas.microsoft.com/office/drawing/2014/main" id="{29C0B52E-5589-47BF-8FDF-DB9B3E5FC9AC}"/>
+              </a:ext>
+            </a:extLst>
+          </p:cNvPr>
+          <p:cNvCxnSpPr>
+            <a:cxnSpLocks/>
+            <a:stCxn id="38" idx="2"/>
+            <a:endCxn id="29" idx="0"/>
+          </p:cNvCxnSpPr>
+          <p:nvPr/>
+        </p:nvCxnSpPr>
+        <p:spPr>
+          <a:xfrm>
+            <a:off x="4953000" y="3845356"/>
+            <a:ext cx="0" cy="217952"/>
+          </a:xfrm>
+          <a:prstGeom prst="straightConnector1">
+            <a:avLst/>
+          </a:prstGeom>
+          <a:ln w="19050">
+            <a:solidFill>
+              <a:schemeClr val="tx1"/>
+            </a:solidFill>
+            <a:headEnd type="triangle" w="med" len="med"/>
+            <a:tailEnd type="none" w="med" len="med"/>
+          </a:ln>
+        </p:spPr>
+        <p:style>
+          <a:lnRef idx="3">
+            <a:schemeClr val="accent4"/>
+          </a:lnRef>
+          <a:fillRef idx="0">
+            <a:schemeClr val="accent4"/>
+          </a:fillRef>
+          <a:effectRef idx="2">
+            <a:schemeClr val="accent4"/>
+          </a:effectRef>
+          <a:fontRef idx="minor">
+            <a:schemeClr val="tx1"/>
+          </a:fontRef>
+        </p:style>
+      </p:cxnSp>
+      <p:sp>
+        <p:nvSpPr>
+          <p:cNvPr id="47" name="Flowchart: Alternate Process 46">
+            <a:extLst>
+              <a:ext uri="{FF2B5EF4-FFF2-40B4-BE49-F238E27FC236}">
+                <a16:creationId xmlns:a16="http://schemas.microsoft.com/office/drawing/2014/main" id="{CC017A0B-5B42-4E30-BE82-50B4D305FAFC}"/>
+              </a:ext>
+            </a:extLst>
+          </p:cNvPr>
+          <p:cNvSpPr/>
+          <p:nvPr/>
+        </p:nvSpPr>
+        <p:spPr>
+          <a:xfrm>
+            <a:off x="900001" y="4063310"/>
+            <a:ext cx="1262618" cy="836484"/>
+          </a:xfrm>
+          <a:prstGeom prst="flowChartAlternateProcess">
+            <a:avLst/>
+          </a:prstGeom>
+          <a:ln>
+            <a:solidFill>
+              <a:schemeClr val="tx1"/>
+            </a:solidFill>
+          </a:ln>
+        </p:spPr>
+        <p:style>
+          <a:lnRef idx="2">
+            <a:schemeClr val="dk1"/>
+          </a:lnRef>
+          <a:fillRef idx="1">
+            <a:schemeClr val="lt1"/>
+          </a:fillRef>
+          <a:effectRef idx="0">
+            <a:schemeClr val="dk1"/>
+          </a:effectRef>
+          <a:fontRef idx="minor">
+            <a:schemeClr val="dk1"/>
+          </a:fontRef>
+        </p:style>
+        <p:txBody>
+          <a:bodyPr rot="0" spcFirstLastPara="0" vertOverflow="overflow" horzOverflow="overflow" vert="horz" wrap="square" lIns="0" tIns="0" rIns="0" bIns="0" numCol="1" spcCol="0" rtlCol="0" fromWordArt="0" anchor="ctr" anchorCtr="0" forceAA="0" compatLnSpc="1">
+            <a:prstTxWarp prst="textNoShape">
+              <a:avLst/>
+            </a:prstTxWarp>
+            <a:noAutofit/>
+          </a:bodyPr>
+          <a:lstStyle/>
+          <a:p>
+            <a:pPr algn="ctr"/>
+            <a:r>
+              <a:rPr lang="en-AU" sz="1050" dirty="0">
+                <a:latin typeface="Consolas" panose="020B0609020204030204" pitchFamily="49" charset="0"/>
+                <a:ea typeface="Yu Gothic" panose="020B0400000000000000" pitchFamily="34" charset="-128"/>
+              </a:rPr>
+              <a:t>Create fixed measurement point</a:t>
+            </a:r>
+          </a:p>
+        </p:txBody>
+      </p:sp>
+      <p:cxnSp>
+        <p:nvCxnSpPr>
+          <p:cNvPr id="48" name="Straight Arrow Connector 47">
+            <a:extLst>
+              <a:ext uri="{FF2B5EF4-FFF2-40B4-BE49-F238E27FC236}">
+                <a16:creationId xmlns:a16="http://schemas.microsoft.com/office/drawing/2014/main" id="{9FC219AF-DDB2-4F24-8344-3C79CA687518}"/>
+              </a:ext>
+            </a:extLst>
+          </p:cNvPr>
+          <p:cNvCxnSpPr>
+            <a:cxnSpLocks/>
+            <a:stCxn id="47" idx="0"/>
+            <a:endCxn id="24" idx="2"/>
+          </p:cNvCxnSpPr>
+          <p:nvPr/>
+        </p:nvCxnSpPr>
+        <p:spPr>
+          <a:xfrm flipV="1">
+            <a:off x="1531310" y="3845356"/>
+            <a:ext cx="0" cy="217954"/>
+          </a:xfrm>
+          <a:prstGeom prst="straightConnector1">
+            <a:avLst/>
+          </a:prstGeom>
+          <a:ln w="19050">
+            <a:solidFill>
+              <a:schemeClr val="tx1"/>
+            </a:solidFill>
+            <a:tailEnd type="triangle"/>
+          </a:ln>
+        </p:spPr>
+        <p:style>
+          <a:lnRef idx="3">
+            <a:schemeClr val="accent4"/>
+          </a:lnRef>
+          <a:fillRef idx="0">
+            <a:schemeClr val="accent4"/>
+          </a:fillRef>
+          <a:effectRef idx="2">
+            <a:schemeClr val="accent4"/>
+          </a:effectRef>
+          <a:fontRef idx="minor">
+            <a:schemeClr val="tx1"/>
+          </a:fontRef>
+        </p:style>
+      </p:cxnSp>
+    </p:spTree>
+    <p:extLst>
+      <p:ext uri="{BB962C8B-B14F-4D97-AF65-F5344CB8AC3E}">
+        <p14:creationId xmlns:p14="http://schemas.microsoft.com/office/powerpoint/2010/main" val="3270092390"/>
+      </p:ext>
+    </p:extLst>
+  </p:cSld>
+  <p:clrMapOvr>
+    <a:masterClrMapping/>
+  </p:clrMapOvr>
+</p:sld>
+</file>
+
+<file path=ppt/slides/slide3.xml><?xml version="1.0" encoding="utf-8"?>
+<p:sld xmlns:a="http://schemas.openxmlformats.org/drawingml/2006/main" xmlns:r="http://schemas.openxmlformats.org/officeDocument/2006/relationships" xmlns:p="http://schemas.openxmlformats.org/presentationml/2006/main">
+  <p:cSld>
+    <p:spTree>
+      <p:nvGrpSpPr>
+        <p:cNvPr id="1" name=""/>
+        <p:cNvGrpSpPr/>
+        <p:nvPr/>
+      </p:nvGrpSpPr>
+      <p:grpSpPr>
+        <a:xfrm>
+          <a:off x="0" y="0"/>
+          <a:ext cx="0" cy="0"/>
+          <a:chOff x="0" y="0"/>
+          <a:chExt cx="0" cy="0"/>
+        </a:xfrm>
+      </p:grpSpPr>
+      <p:grpSp>
+        <p:nvGrpSpPr>
+          <p:cNvPr id="44" name="Group 43">
+            <a:extLst>
+              <a:ext uri="{FF2B5EF4-FFF2-40B4-BE49-F238E27FC236}">
+                <a16:creationId xmlns:a16="http://schemas.microsoft.com/office/drawing/2014/main" id="{9B321606-344F-49D5-B586-AE839FDCADEE}"/>
+              </a:ext>
+            </a:extLst>
+          </p:cNvPr>
+          <p:cNvGrpSpPr/>
+          <p:nvPr/>
+        </p:nvGrpSpPr>
+        <p:grpSpPr>
+          <a:xfrm>
+            <a:off x="1470112" y="749494"/>
+            <a:ext cx="5400000" cy="2625198"/>
+            <a:chOff x="1470112" y="749494"/>
+            <a:chExt cx="5400000" cy="2625198"/>
+          </a:xfrm>
+        </p:grpSpPr>
+        <p:sp>
+          <p:nvSpPr>
+            <p:cNvPr id="17" name="Rectangle 16">
+              <a:extLst>
+                <a:ext uri="{FF2B5EF4-FFF2-40B4-BE49-F238E27FC236}">
+                  <a16:creationId xmlns:a16="http://schemas.microsoft.com/office/drawing/2014/main" id="{1ACF73A6-7E4D-4CA2-88B9-FB11C41399B5}"/>
+                </a:ext>
+              </a:extLst>
+            </p:cNvPr>
+            <p:cNvSpPr/>
+            <p:nvPr/>
+          </p:nvSpPr>
+          <p:spPr>
+            <a:xfrm>
+              <a:off x="2561331" y="1495372"/>
+              <a:ext cx="116194" cy="116194"/>
             </a:xfrm>
             <a:prstGeom prst="rect">
               <a:avLst/>
             </a:prstGeom>
-            <a:noFill/>
+            <a:solidFill>
+              <a:schemeClr val="bg1"/>
+            </a:solidFill>
             <a:ln>
               <a:noFill/>
             </a:ln>
@@ -6671,10 +7664,10 @@
         </p:sp>
         <p:sp>
           <p:nvSpPr>
-            <p:cNvPr id="60" name="Rectangle 59">
+            <p:cNvPr id="18" name="Rectangle 17">
               <a:extLst>
                 <a:ext uri="{FF2B5EF4-FFF2-40B4-BE49-F238E27FC236}">
-                  <a16:creationId xmlns:a16="http://schemas.microsoft.com/office/drawing/2014/main" id="{D7D8C76A-6CC5-408F-AC7F-69E1B59F0784}"/>
+                  <a16:creationId xmlns:a16="http://schemas.microsoft.com/office/drawing/2014/main" id="{82D957C2-13F4-4417-8BE5-EAD60E449C2F}"/>
                 </a:ext>
               </a:extLst>
             </p:cNvPr>
@@ -6683,13 +7676,15 @@
           </p:nvSpPr>
           <p:spPr>
             <a:xfrm>
-              <a:off x="2617054" y="5692625"/>
-              <a:ext cx="127908" cy="418240"/>
+              <a:off x="1909632" y="1495372"/>
+              <a:ext cx="116194" cy="116194"/>
             </a:xfrm>
             <a:prstGeom prst="rect">
               <a:avLst/>
             </a:prstGeom>
-            <a:noFill/>
+            <a:solidFill>
+              <a:schemeClr val="bg1"/>
+            </a:solidFill>
             <a:ln>
               <a:noFill/>
             </a:ln>
@@ -6719,46 +7714,455 @@
             </a:p>
           </p:txBody>
         </p:sp>
+        <p:grpSp>
+          <p:nvGrpSpPr>
+            <p:cNvPr id="9" name="Group 8">
+              <a:extLst>
+                <a:ext uri="{FF2B5EF4-FFF2-40B4-BE49-F238E27FC236}">
+                  <a16:creationId xmlns:a16="http://schemas.microsoft.com/office/drawing/2014/main" id="{47E2B501-4E4E-4D7C-98D0-3F486DA17FA5}"/>
+                </a:ext>
+              </a:extLst>
+            </p:cNvPr>
+            <p:cNvGrpSpPr/>
+            <p:nvPr/>
+          </p:nvGrpSpPr>
+          <p:grpSpPr>
+            <a:xfrm>
+              <a:off x="1470112" y="2475448"/>
+              <a:ext cx="5400000" cy="899244"/>
+              <a:chOff x="1470112" y="2475448"/>
+              <a:chExt cx="5400000" cy="1692398"/>
+            </a:xfrm>
+          </p:grpSpPr>
+          <p:sp>
+            <p:nvSpPr>
+              <p:cNvPr id="4" name="Rectangle 3">
+                <a:extLst>
+                  <a:ext uri="{FF2B5EF4-FFF2-40B4-BE49-F238E27FC236}">
+                    <a16:creationId xmlns:a16="http://schemas.microsoft.com/office/drawing/2014/main" id="{E1409F64-197A-49FF-82C5-16A4ACF6EF75}"/>
+                  </a:ext>
+                </a:extLst>
+              </p:cNvPr>
+              <p:cNvSpPr/>
+              <p:nvPr/>
+            </p:nvSpPr>
+            <p:spPr>
+              <a:xfrm>
+                <a:off x="1470112" y="2475448"/>
+                <a:ext cx="5400000" cy="1692398"/>
+              </a:xfrm>
+              <a:prstGeom prst="rect">
+                <a:avLst/>
+              </a:prstGeom>
+              <a:gradFill flip="none" rotWithShape="1">
+                <a:gsLst>
+                  <a:gs pos="0">
+                    <a:schemeClr val="accent1"/>
+                  </a:gs>
+                  <a:gs pos="74000">
+                    <a:schemeClr val="bg1"/>
+                  </a:gs>
+                </a:gsLst>
+                <a:lin ang="5400000" scaled="1"/>
+                <a:tileRect/>
+              </a:gradFill>
+              <a:ln>
+                <a:noFill/>
+              </a:ln>
+            </p:spPr>
+            <p:style>
+              <a:lnRef idx="2">
+                <a:schemeClr val="accent1">
+                  <a:shade val="50000"/>
+                </a:schemeClr>
+              </a:lnRef>
+              <a:fillRef idx="1">
+                <a:schemeClr val="accent1"/>
+              </a:fillRef>
+              <a:effectRef idx="0">
+                <a:schemeClr val="accent1"/>
+              </a:effectRef>
+              <a:fontRef idx="minor">
+                <a:schemeClr val="lt1"/>
+              </a:fontRef>
+            </p:style>
+            <p:txBody>
+              <a:bodyPr rtlCol="0" anchor="ctr"/>
+              <a:lstStyle/>
+              <a:p>
+                <a:pPr algn="ctr"/>
+                <a:endParaRPr lang="en-AU"/>
+              </a:p>
+            </p:txBody>
+          </p:sp>
+          <p:cxnSp>
+            <p:nvCxnSpPr>
+              <p:cNvPr id="6" name="Straight Connector 5">
+                <a:extLst>
+                  <a:ext uri="{FF2B5EF4-FFF2-40B4-BE49-F238E27FC236}">
+                    <a16:creationId xmlns:a16="http://schemas.microsoft.com/office/drawing/2014/main" id="{45AF71B6-F3E5-4322-AE00-0D4D5AEC1577}"/>
+                  </a:ext>
+                </a:extLst>
+              </p:cNvPr>
+              <p:cNvCxnSpPr>
+                <a:cxnSpLocks/>
+              </p:cNvCxnSpPr>
+              <p:nvPr/>
+            </p:nvCxnSpPr>
+            <p:spPr>
+              <a:xfrm flipH="1">
+                <a:off x="1470112" y="2475448"/>
+                <a:ext cx="5400000" cy="0"/>
+              </a:xfrm>
+              <a:prstGeom prst="line">
+                <a:avLst/>
+              </a:prstGeom>
+            </p:spPr>
+            <p:style>
+              <a:lnRef idx="2">
+                <a:schemeClr val="accent1">
+                  <a:shade val="50000"/>
+                </a:schemeClr>
+              </a:lnRef>
+              <a:fillRef idx="1">
+                <a:schemeClr val="accent1"/>
+              </a:fillRef>
+              <a:effectRef idx="0">
+                <a:schemeClr val="accent1"/>
+              </a:effectRef>
+              <a:fontRef idx="minor">
+                <a:schemeClr val="lt1"/>
+              </a:fontRef>
+            </p:style>
+          </p:cxnSp>
+        </p:grpSp>
+        <p:grpSp>
+          <p:nvGrpSpPr>
+            <p:cNvPr id="13" name="Group 12">
+              <a:extLst>
+                <a:ext uri="{FF2B5EF4-FFF2-40B4-BE49-F238E27FC236}">
+                  <a16:creationId xmlns:a16="http://schemas.microsoft.com/office/drawing/2014/main" id="{36CA9137-696B-417B-BDA8-BEBA90BBDBE9}"/>
+                </a:ext>
+              </a:extLst>
+            </p:cNvPr>
+            <p:cNvGrpSpPr/>
+            <p:nvPr/>
+          </p:nvGrpSpPr>
+          <p:grpSpPr>
+            <a:xfrm>
+              <a:off x="1881716" y="1579994"/>
+              <a:ext cx="4576792" cy="801993"/>
+              <a:chOff x="1879320" y="1579994"/>
+              <a:chExt cx="4576792" cy="801993"/>
+            </a:xfrm>
+          </p:grpSpPr>
+          <p:sp>
+            <p:nvSpPr>
+              <p:cNvPr id="7" name="Rectangle 6">
+                <a:extLst>
+                  <a:ext uri="{FF2B5EF4-FFF2-40B4-BE49-F238E27FC236}">
+                    <a16:creationId xmlns:a16="http://schemas.microsoft.com/office/drawing/2014/main" id="{148B75C9-73DC-48E0-97BA-5DC00147C153}"/>
+                  </a:ext>
+                </a:extLst>
+              </p:cNvPr>
+              <p:cNvSpPr/>
+              <p:nvPr/>
+            </p:nvSpPr>
+            <p:spPr>
+              <a:xfrm>
+                <a:off x="1884112" y="1816171"/>
+                <a:ext cx="4572000" cy="565816"/>
+              </a:xfrm>
+              <a:prstGeom prst="rect">
+                <a:avLst/>
+              </a:prstGeom>
+              <a:ln>
+                <a:noFill/>
+              </a:ln>
+            </p:spPr>
+            <p:style>
+              <a:lnRef idx="2">
+                <a:schemeClr val="dk1">
+                  <a:shade val="50000"/>
+                </a:schemeClr>
+              </a:lnRef>
+              <a:fillRef idx="1">
+                <a:schemeClr val="dk1"/>
+              </a:fillRef>
+              <a:effectRef idx="0">
+                <a:schemeClr val="dk1"/>
+              </a:effectRef>
+              <a:fontRef idx="minor">
+                <a:schemeClr val="lt1"/>
+              </a:fontRef>
+            </p:style>
+            <p:txBody>
+              <a:bodyPr rtlCol="0" anchor="ctr"/>
+              <a:lstStyle/>
+              <a:p>
+                <a:pPr algn="ctr"/>
+                <a:endParaRPr lang="en-AU"/>
+              </a:p>
+            </p:txBody>
+          </p:sp>
+          <p:sp>
+            <p:nvSpPr>
+              <p:cNvPr id="11" name="Rectangle 10">
+                <a:extLst>
+                  <a:ext uri="{FF2B5EF4-FFF2-40B4-BE49-F238E27FC236}">
+                    <a16:creationId xmlns:a16="http://schemas.microsoft.com/office/drawing/2014/main" id="{364F1E5F-3569-459B-83C0-2EFCADBCEDBB}"/>
+                  </a:ext>
+                </a:extLst>
+              </p:cNvPr>
+              <p:cNvSpPr/>
+              <p:nvPr/>
+            </p:nvSpPr>
+            <p:spPr>
+              <a:xfrm>
+                <a:off x="2561331" y="1579994"/>
+                <a:ext cx="3212770" cy="565816"/>
+              </a:xfrm>
+              <a:prstGeom prst="rect">
+                <a:avLst/>
+              </a:prstGeom>
+              <a:ln>
+                <a:noFill/>
+              </a:ln>
+            </p:spPr>
+            <p:style>
+              <a:lnRef idx="2">
+                <a:schemeClr val="dk1">
+                  <a:shade val="50000"/>
+                </a:schemeClr>
+              </a:lnRef>
+              <a:fillRef idx="1">
+                <a:schemeClr val="dk1"/>
+              </a:fillRef>
+              <a:effectRef idx="0">
+                <a:schemeClr val="dk1"/>
+              </a:effectRef>
+              <a:fontRef idx="minor">
+                <a:schemeClr val="lt1"/>
+              </a:fontRef>
+            </p:style>
+            <p:txBody>
+              <a:bodyPr rtlCol="0" anchor="ctr"/>
+              <a:lstStyle/>
+              <a:p>
+                <a:pPr algn="ctr"/>
+                <a:endParaRPr lang="en-AU"/>
+              </a:p>
+            </p:txBody>
+          </p:sp>
+          <p:sp>
+            <p:nvSpPr>
+              <p:cNvPr id="12" name="Rectangle 11">
+                <a:extLst>
+                  <a:ext uri="{FF2B5EF4-FFF2-40B4-BE49-F238E27FC236}">
+                    <a16:creationId xmlns:a16="http://schemas.microsoft.com/office/drawing/2014/main" id="{10B0208C-1F75-446D-9839-5DBE916F4517}"/>
+                  </a:ext>
+                </a:extLst>
+              </p:cNvPr>
+              <p:cNvSpPr/>
+              <p:nvPr/>
+            </p:nvSpPr>
+            <p:spPr>
+              <a:xfrm>
+                <a:off x="6284606" y="1579994"/>
+                <a:ext cx="171506" cy="565816"/>
+              </a:xfrm>
+              <a:prstGeom prst="rect">
+                <a:avLst/>
+              </a:prstGeom>
+              <a:ln>
+                <a:noFill/>
+              </a:ln>
+            </p:spPr>
+            <p:style>
+              <a:lnRef idx="2">
+                <a:schemeClr val="dk1">
+                  <a:shade val="50000"/>
+                </a:schemeClr>
+              </a:lnRef>
+              <a:fillRef idx="1">
+                <a:schemeClr val="dk1"/>
+              </a:fillRef>
+              <a:effectRef idx="0">
+                <a:schemeClr val="dk1"/>
+              </a:effectRef>
+              <a:fontRef idx="minor">
+                <a:schemeClr val="lt1"/>
+              </a:fontRef>
+            </p:style>
+            <p:txBody>
+              <a:bodyPr rtlCol="0" anchor="ctr"/>
+              <a:lstStyle/>
+              <a:p>
+                <a:pPr algn="ctr"/>
+                <a:endParaRPr lang="en-AU"/>
+              </a:p>
+            </p:txBody>
+          </p:sp>
+          <p:sp>
+            <p:nvSpPr>
+              <p:cNvPr id="14" name="Rectangle 13">
+                <a:extLst>
+                  <a:ext uri="{FF2B5EF4-FFF2-40B4-BE49-F238E27FC236}">
+                    <a16:creationId xmlns:a16="http://schemas.microsoft.com/office/drawing/2014/main" id="{735F1E1E-C1A4-43AC-8110-D2237F262446}"/>
+                  </a:ext>
+                </a:extLst>
+              </p:cNvPr>
+              <p:cNvSpPr/>
+              <p:nvPr/>
+            </p:nvSpPr>
+            <p:spPr>
+              <a:xfrm>
+                <a:off x="1879320" y="1579994"/>
+                <a:ext cx="171506" cy="565816"/>
+              </a:xfrm>
+              <a:prstGeom prst="rect">
+                <a:avLst/>
+              </a:prstGeom>
+              <a:ln>
+                <a:noFill/>
+              </a:ln>
+            </p:spPr>
+            <p:style>
+              <a:lnRef idx="2">
+                <a:schemeClr val="dk1">
+                  <a:shade val="50000"/>
+                </a:schemeClr>
+              </a:lnRef>
+              <a:fillRef idx="1">
+                <a:schemeClr val="dk1"/>
+              </a:fillRef>
+              <a:effectRef idx="0">
+                <a:schemeClr val="dk1"/>
+              </a:effectRef>
+              <a:fontRef idx="minor">
+                <a:schemeClr val="lt1"/>
+              </a:fontRef>
+            </p:style>
+            <p:txBody>
+              <a:bodyPr rtlCol="0" anchor="ctr"/>
+              <a:lstStyle/>
+              <a:p>
+                <a:pPr algn="ctr"/>
+                <a:endParaRPr lang="en-AU"/>
+              </a:p>
+            </p:txBody>
+          </p:sp>
+        </p:grpSp>
+        <p:sp>
+          <p:nvSpPr>
+            <p:cNvPr id="15" name="TextBox 14">
+              <a:extLst>
+                <a:ext uri="{FF2B5EF4-FFF2-40B4-BE49-F238E27FC236}">
+                  <a16:creationId xmlns:a16="http://schemas.microsoft.com/office/drawing/2014/main" id="{D1A8FE3B-3D6F-4420-9F16-E19A93B8E66E}"/>
+                </a:ext>
+              </a:extLst>
+            </p:cNvPr>
+            <p:cNvSpPr txBox="1"/>
+            <p:nvPr/>
+          </p:nvSpPr>
+          <p:spPr>
+            <a:xfrm>
+              <a:off x="2147220" y="1421580"/>
+              <a:ext cx="311304" cy="369332"/>
+            </a:xfrm>
+            <a:prstGeom prst="rect">
+              <a:avLst/>
+            </a:prstGeom>
+            <a:noFill/>
+          </p:spPr>
+          <p:txBody>
+            <a:bodyPr wrap="none" rtlCol="0">
+              <a:spAutoFit/>
+            </a:bodyPr>
+            <a:lstStyle/>
+            <a:p>
+              <a:r>
+                <a:rPr lang="en-AU" dirty="0">
+                  <a:latin typeface="Consolas" panose="020B0609020204030204" pitchFamily="49" charset="0"/>
+                </a:rPr>
+                <a:t>B</a:t>
+              </a:r>
+            </a:p>
+          </p:txBody>
+        </p:sp>
+        <p:sp>
+          <p:nvSpPr>
+            <p:cNvPr id="16" name="TextBox 15">
+              <a:extLst>
+                <a:ext uri="{FF2B5EF4-FFF2-40B4-BE49-F238E27FC236}">
+                  <a16:creationId xmlns:a16="http://schemas.microsoft.com/office/drawing/2014/main" id="{73DE5BCA-1315-413B-9F79-887A2CEEB86D}"/>
+                </a:ext>
+              </a:extLst>
+            </p:cNvPr>
+            <p:cNvSpPr txBox="1"/>
+            <p:nvPr/>
+          </p:nvSpPr>
+          <p:spPr>
+            <a:xfrm>
+              <a:off x="2147220" y="749494"/>
+              <a:ext cx="317716" cy="369332"/>
+            </a:xfrm>
+            <a:prstGeom prst="rect">
+              <a:avLst/>
+            </a:prstGeom>
+            <a:noFill/>
+          </p:spPr>
+          <p:txBody>
+            <a:bodyPr wrap="none" rtlCol="0">
+              <a:spAutoFit/>
+            </a:bodyPr>
+            <a:lstStyle/>
+            <a:p>
+              <a:r>
+                <a:rPr lang="en-AU" dirty="0">
+                  <a:latin typeface="Consolas" panose="020B0609020204030204" pitchFamily="49" charset="0"/>
+                </a:rPr>
+                <a:t>C</a:t>
+              </a:r>
+            </a:p>
+          </p:txBody>
+        </p:sp>
         <p:cxnSp>
           <p:nvCxnSpPr>
-            <p:cNvPr id="43" name="Straight Arrow Connector 42">
+            <p:cNvPr id="20" name="Connector: Elbow 19">
               <a:extLst>
                 <a:ext uri="{FF2B5EF4-FFF2-40B4-BE49-F238E27FC236}">
-                  <a16:creationId xmlns:a16="http://schemas.microsoft.com/office/drawing/2014/main" id="{E35A7958-0784-4046-80BE-40798ACA78E8}"/>
+                  <a16:creationId xmlns:a16="http://schemas.microsoft.com/office/drawing/2014/main" id="{4684EED5-3564-4605-BBAB-CDB5524AFD4D}"/>
                 </a:ext>
               </a:extLst>
             </p:cNvPr>
             <p:cNvCxnSpPr>
-              <a:cxnSpLocks/>
-              <a:stCxn id="17" idx="3"/>
-              <a:endCxn id="18" idx="1"/>
+              <a:stCxn id="16" idx="1"/>
+              <a:endCxn id="18" idx="0"/>
             </p:cNvCxnSpPr>
             <p:nvPr/>
           </p:nvCxnSpPr>
           <p:spPr>
-            <a:xfrm>
-              <a:off x="3066398" y="5535988"/>
-              <a:ext cx="415990" cy="0"/>
+            <a:xfrm rot="10800000" flipV="1">
+              <a:off x="1967730" y="934160"/>
+              <a:ext cx="179491" cy="561212"/>
             </a:xfrm>
-            <a:prstGeom prst="straightConnector1">
+            <a:prstGeom prst="bentConnector2">
               <a:avLst/>
             </a:prstGeom>
-            <a:ln w="19050">
-              <a:solidFill>
-                <a:schemeClr val="tx1"/>
-              </a:solidFill>
+            <a:ln>
               <a:tailEnd type="triangle"/>
             </a:ln>
           </p:spPr>
           <p:style>
             <a:lnRef idx="3">
-              <a:schemeClr val="accent4"/>
+              <a:schemeClr val="accent2"/>
             </a:lnRef>
             <a:fillRef idx="0">
-              <a:schemeClr val="accent4"/>
+              <a:schemeClr val="accent2"/>
             </a:fillRef>
             <a:effectRef idx="2">
-              <a:schemeClr val="accent4"/>
+              <a:schemeClr val="accent2"/>
             </a:effectRef>
             <a:fontRef idx="minor">
               <a:schemeClr val="tx1"/>
@@ -6767,44 +8171,319 @@
         </p:cxnSp>
         <p:cxnSp>
           <p:nvCxnSpPr>
-            <p:cNvPr id="46" name="Straight Arrow Connector 45">
+            <p:cNvPr id="22" name="Connector: Elbow 21">
               <a:extLst>
                 <a:ext uri="{FF2B5EF4-FFF2-40B4-BE49-F238E27FC236}">
-                  <a16:creationId xmlns:a16="http://schemas.microsoft.com/office/drawing/2014/main" id="{6DBD670E-EA2A-451E-850F-2ED7281F70E1}"/>
+                  <a16:creationId xmlns:a16="http://schemas.microsoft.com/office/drawing/2014/main" id="{666F1DBE-1D07-4C08-9DE3-3EF4F26C6679}"/>
+                </a:ext>
+              </a:extLst>
+            </p:cNvPr>
+            <p:cNvCxnSpPr>
+              <a:stCxn id="16" idx="3"/>
+              <a:endCxn id="17" idx="0"/>
+            </p:cNvCxnSpPr>
+            <p:nvPr/>
+          </p:nvCxnSpPr>
+          <p:spPr>
+            <a:xfrm>
+              <a:off x="2464936" y="934160"/>
+              <a:ext cx="154492" cy="561212"/>
+            </a:xfrm>
+            <a:prstGeom prst="bentConnector2">
+              <a:avLst/>
+            </a:prstGeom>
+            <a:ln>
+              <a:tailEnd type="triangle"/>
+            </a:ln>
+          </p:spPr>
+          <p:style>
+            <a:lnRef idx="3">
+              <a:schemeClr val="accent2"/>
+            </a:lnRef>
+            <a:fillRef idx="0">
+              <a:schemeClr val="accent2"/>
+            </a:fillRef>
+            <a:effectRef idx="2">
+              <a:schemeClr val="accent2"/>
+            </a:effectRef>
+            <a:fontRef idx="minor">
+              <a:schemeClr val="tx1"/>
+            </a:fontRef>
+          </p:style>
+        </p:cxnSp>
+        <p:sp>
+          <p:nvSpPr>
+            <p:cNvPr id="25" name="TextBox 24">
+              <a:extLst>
+                <a:ext uri="{FF2B5EF4-FFF2-40B4-BE49-F238E27FC236}">
+                  <a16:creationId xmlns:a16="http://schemas.microsoft.com/office/drawing/2014/main" id="{B0C09977-9D79-4D6D-8FBE-D5D89121F794}"/>
+                </a:ext>
+              </a:extLst>
+            </p:cNvPr>
+            <p:cNvSpPr txBox="1"/>
+            <p:nvPr/>
+          </p:nvSpPr>
+          <p:spPr>
+            <a:xfrm>
+              <a:off x="4011254" y="1249544"/>
+              <a:ext cx="317716" cy="369332"/>
+            </a:xfrm>
+            <a:prstGeom prst="rect">
+              <a:avLst/>
+            </a:prstGeom>
+            <a:noFill/>
+          </p:spPr>
+          <p:txBody>
+            <a:bodyPr wrap="none" rtlCol="0">
+              <a:spAutoFit/>
+            </a:bodyPr>
+            <a:lstStyle/>
+            <a:p>
+              <a:r>
+                <a:rPr lang="en-AU" dirty="0">
+                  <a:latin typeface="Consolas" panose="020B0609020204030204" pitchFamily="49" charset="0"/>
+                </a:rPr>
+                <a:t>D</a:t>
+              </a:r>
+            </a:p>
+          </p:txBody>
+        </p:sp>
+        <p:sp>
+          <p:nvSpPr>
+            <p:cNvPr id="26" name="TextBox 25">
+              <a:extLst>
+                <a:ext uri="{FF2B5EF4-FFF2-40B4-BE49-F238E27FC236}">
+                  <a16:creationId xmlns:a16="http://schemas.microsoft.com/office/drawing/2014/main" id="{3C54379B-0A9A-49E0-893F-7469A3D15EC3}"/>
+                </a:ext>
+              </a:extLst>
+            </p:cNvPr>
+            <p:cNvSpPr txBox="1"/>
+            <p:nvPr/>
+          </p:nvSpPr>
+          <p:spPr>
+            <a:xfrm>
+              <a:off x="4011254" y="2606978"/>
+              <a:ext cx="317716" cy="369332"/>
+            </a:xfrm>
+            <a:prstGeom prst="rect">
+              <a:avLst/>
+            </a:prstGeom>
+            <a:noFill/>
+          </p:spPr>
+          <p:txBody>
+            <a:bodyPr wrap="none" rtlCol="0">
+              <a:spAutoFit/>
+            </a:bodyPr>
+            <a:lstStyle/>
+            <a:p>
+              <a:r>
+                <a:rPr lang="en-AU" dirty="0">
+                  <a:latin typeface="Consolas" panose="020B0609020204030204" pitchFamily="49" charset="0"/>
+                </a:rPr>
+                <a:t>E</a:t>
+              </a:r>
+            </a:p>
+          </p:txBody>
+        </p:sp>
+        <p:grpSp>
+          <p:nvGrpSpPr>
+            <p:cNvPr id="30" name="Group 29">
+              <a:extLst>
+                <a:ext uri="{FF2B5EF4-FFF2-40B4-BE49-F238E27FC236}">
+                  <a16:creationId xmlns:a16="http://schemas.microsoft.com/office/drawing/2014/main" id="{EA9C4DC6-E331-4408-9570-B9019E8EBB68}"/>
+                </a:ext>
+              </a:extLst>
+            </p:cNvPr>
+            <p:cNvGrpSpPr/>
+            <p:nvPr/>
+          </p:nvGrpSpPr>
+          <p:grpSpPr>
+            <a:xfrm>
+              <a:off x="3388827" y="2232954"/>
+              <a:ext cx="1562571" cy="149033"/>
+              <a:chOff x="3223134" y="2232954"/>
+              <a:chExt cx="1562571" cy="149033"/>
+            </a:xfrm>
+          </p:grpSpPr>
+          <p:sp>
+            <p:nvSpPr>
+              <p:cNvPr id="28" name="Rectangle 27">
+                <a:extLst>
+                  <a:ext uri="{FF2B5EF4-FFF2-40B4-BE49-F238E27FC236}">
+                    <a16:creationId xmlns:a16="http://schemas.microsoft.com/office/drawing/2014/main" id="{518F3E86-1D8F-447A-A016-C59B4F024745}"/>
+                  </a:ext>
+                </a:extLst>
+              </p:cNvPr>
+              <p:cNvSpPr/>
+              <p:nvPr/>
+            </p:nvSpPr>
+            <p:spPr>
+              <a:xfrm>
+                <a:off x="3223134" y="2232954"/>
+                <a:ext cx="149033" cy="149033"/>
+              </a:xfrm>
+              <a:prstGeom prst="rect">
+                <a:avLst/>
+              </a:prstGeom>
+              <a:solidFill>
+                <a:schemeClr val="bg1"/>
+              </a:solidFill>
+              <a:ln>
+                <a:noFill/>
+              </a:ln>
+            </p:spPr>
+            <p:style>
+              <a:lnRef idx="2">
+                <a:schemeClr val="accent1">
+                  <a:shade val="50000"/>
+                </a:schemeClr>
+              </a:lnRef>
+              <a:fillRef idx="1">
+                <a:schemeClr val="accent1"/>
+              </a:fillRef>
+              <a:effectRef idx="0">
+                <a:schemeClr val="accent1"/>
+              </a:effectRef>
+              <a:fontRef idx="minor">
+                <a:schemeClr val="lt1"/>
+              </a:fontRef>
+            </p:style>
+            <p:txBody>
+              <a:bodyPr rtlCol="0" anchor="ctr"/>
+              <a:lstStyle/>
+              <a:p>
+                <a:pPr algn="ctr"/>
+                <a:endParaRPr lang="en-AU"/>
+              </a:p>
+            </p:txBody>
+          </p:sp>
+          <p:sp>
+            <p:nvSpPr>
+              <p:cNvPr id="29" name="Rectangle 28">
+                <a:extLst>
+                  <a:ext uri="{FF2B5EF4-FFF2-40B4-BE49-F238E27FC236}">
+                    <a16:creationId xmlns:a16="http://schemas.microsoft.com/office/drawing/2014/main" id="{C49890CB-DB42-4ABA-89EE-514AFDAAF10F}"/>
+                  </a:ext>
+                </a:extLst>
+              </p:cNvPr>
+              <p:cNvSpPr/>
+              <p:nvPr/>
+            </p:nvSpPr>
+            <p:spPr>
+              <a:xfrm>
+                <a:off x="4636672" y="2232954"/>
+                <a:ext cx="149033" cy="149033"/>
+              </a:xfrm>
+              <a:prstGeom prst="rect">
+                <a:avLst/>
+              </a:prstGeom>
+              <a:solidFill>
+                <a:schemeClr val="bg1"/>
+              </a:solidFill>
+              <a:ln>
+                <a:noFill/>
+              </a:ln>
+            </p:spPr>
+            <p:style>
+              <a:lnRef idx="2">
+                <a:schemeClr val="accent1">
+                  <a:shade val="50000"/>
+                </a:schemeClr>
+              </a:lnRef>
+              <a:fillRef idx="1">
+                <a:schemeClr val="accent1"/>
+              </a:fillRef>
+              <a:effectRef idx="0">
+                <a:schemeClr val="accent1"/>
+              </a:effectRef>
+              <a:fontRef idx="minor">
+                <a:schemeClr val="lt1"/>
+              </a:fontRef>
+            </p:style>
+            <p:txBody>
+              <a:bodyPr rtlCol="0" anchor="ctr"/>
+              <a:lstStyle/>
+              <a:p>
+                <a:pPr algn="ctr"/>
+                <a:endParaRPr lang="en-AU"/>
+              </a:p>
+            </p:txBody>
+          </p:sp>
+        </p:grpSp>
+        <p:sp>
+          <p:nvSpPr>
+            <p:cNvPr id="31" name="TextBox 30">
+              <a:extLst>
+                <a:ext uri="{FF2B5EF4-FFF2-40B4-BE49-F238E27FC236}">
+                  <a16:creationId xmlns:a16="http://schemas.microsoft.com/office/drawing/2014/main" id="{14CC6700-94D5-4997-9112-AF5D26B26139}"/>
+                </a:ext>
+              </a:extLst>
+            </p:cNvPr>
+            <p:cNvSpPr txBox="1"/>
+            <p:nvPr/>
+          </p:nvSpPr>
+          <p:spPr>
+            <a:xfrm>
+              <a:off x="1525703" y="2606978"/>
+              <a:ext cx="317716" cy="369332"/>
+            </a:xfrm>
+            <a:prstGeom prst="rect">
+              <a:avLst/>
+            </a:prstGeom>
+            <a:noFill/>
+          </p:spPr>
+          <p:txBody>
+            <a:bodyPr wrap="none" rtlCol="0">
+              <a:spAutoFit/>
+            </a:bodyPr>
+            <a:lstStyle/>
+            <a:p>
+              <a:r>
+                <a:rPr lang="en-AU" dirty="0">
+                  <a:latin typeface="Consolas" panose="020B0609020204030204" pitchFamily="49" charset="0"/>
+                </a:rPr>
+                <a:t>A</a:t>
+              </a:r>
+            </a:p>
+          </p:txBody>
+        </p:sp>
+        <p:cxnSp>
+          <p:nvCxnSpPr>
+            <p:cNvPr id="34" name="Connector: Elbow 33">
+              <a:extLst>
+                <a:ext uri="{FF2B5EF4-FFF2-40B4-BE49-F238E27FC236}">
+                  <a16:creationId xmlns:a16="http://schemas.microsoft.com/office/drawing/2014/main" id="{D6F57BBA-51B3-4137-9916-05C354D10724}"/>
                 </a:ext>
               </a:extLst>
             </p:cNvPr>
             <p:cNvCxnSpPr>
               <a:cxnSpLocks/>
-              <a:stCxn id="18" idx="3"/>
-              <a:endCxn id="19" idx="1"/>
+              <a:stCxn id="26" idx="1"/>
+              <a:endCxn id="28" idx="2"/>
             </p:cNvCxnSpPr>
             <p:nvPr/>
           </p:nvCxnSpPr>
           <p:spPr>
-            <a:xfrm>
-              <a:off x="4745006" y="5535988"/>
-              <a:ext cx="415990" cy="0"/>
+            <a:xfrm rot="10800000">
+              <a:off x="3463344" y="2381988"/>
+              <a:ext cx="547910" cy="409657"/>
             </a:xfrm>
-            <a:prstGeom prst="straightConnector1">
+            <a:prstGeom prst="bentConnector2">
               <a:avLst/>
             </a:prstGeom>
-            <a:ln w="19050">
-              <a:solidFill>
-                <a:schemeClr val="tx1"/>
-              </a:solidFill>
+            <a:ln>
               <a:tailEnd type="triangle"/>
             </a:ln>
           </p:spPr>
           <p:style>
             <a:lnRef idx="3">
-              <a:schemeClr val="accent4"/>
+              <a:schemeClr val="accent2"/>
             </a:lnRef>
             <a:fillRef idx="0">
-              <a:schemeClr val="accent4"/>
+              <a:schemeClr val="accent2"/>
             </a:fillRef>
             <a:effectRef idx="2">
-              <a:schemeClr val="accent4"/>
+              <a:schemeClr val="accent2"/>
             </a:effectRef>
             <a:fontRef idx="minor">
               <a:schemeClr val="tx1"/>
@@ -6813,680 +8492,41 @@
         </p:cxnSp>
         <p:cxnSp>
           <p:nvCxnSpPr>
-            <p:cNvPr id="90" name="Straight Arrow Connector 89">
+            <p:cNvPr id="35" name="Connector: Elbow 34">
               <a:extLst>
                 <a:ext uri="{FF2B5EF4-FFF2-40B4-BE49-F238E27FC236}">
-                  <a16:creationId xmlns:a16="http://schemas.microsoft.com/office/drawing/2014/main" id="{60861DB6-7D6D-4711-BCCF-E83EC7481698}"/>
+                  <a16:creationId xmlns:a16="http://schemas.microsoft.com/office/drawing/2014/main" id="{C7CEE7C3-5ACF-465D-9B1B-1AEE2423F396}"/>
                 </a:ext>
               </a:extLst>
             </p:cNvPr>
             <p:cNvCxnSpPr>
               <a:cxnSpLocks/>
-              <a:stCxn id="19" idx="3"/>
-              <a:endCxn id="86" idx="1"/>
+              <a:stCxn id="26" idx="3"/>
+              <a:endCxn id="29" idx="2"/>
             </p:cNvCxnSpPr>
             <p:nvPr/>
           </p:nvCxnSpPr>
           <p:spPr>
-            <a:xfrm>
-              <a:off x="6423614" y="5535988"/>
-              <a:ext cx="415989" cy="0"/>
+            <a:xfrm flipV="1">
+              <a:off x="4328970" y="2381987"/>
+              <a:ext cx="547912" cy="409657"/>
             </a:xfrm>
-            <a:prstGeom prst="straightConnector1">
+            <a:prstGeom prst="bentConnector2">
               <a:avLst/>
             </a:prstGeom>
-            <a:ln w="19050">
-              <a:solidFill>
-                <a:schemeClr val="tx1"/>
-              </a:solidFill>
+            <a:ln>
               <a:tailEnd type="triangle"/>
             </a:ln>
           </p:spPr>
           <p:style>
             <a:lnRef idx="3">
-              <a:schemeClr val="accent4"/>
+              <a:schemeClr val="accent2"/>
             </a:lnRef>
             <a:fillRef idx="0">
-              <a:schemeClr val="accent4"/>
+              <a:schemeClr val="accent2"/>
             </a:fillRef>
             <a:effectRef idx="2">
-              <a:schemeClr val="accent4"/>
-            </a:effectRef>
-            <a:fontRef idx="minor">
-              <a:schemeClr val="tx1"/>
-            </a:fontRef>
-          </p:style>
-        </p:cxnSp>
-        <p:cxnSp>
-          <p:nvCxnSpPr>
-            <p:cNvPr id="113" name="Connector: Elbow 112">
-              <a:extLst>
-                <a:ext uri="{FF2B5EF4-FFF2-40B4-BE49-F238E27FC236}">
-                  <a16:creationId xmlns:a16="http://schemas.microsoft.com/office/drawing/2014/main" id="{9471340E-EC2C-4658-9D26-0C3E15A1296E}"/>
-                </a:ext>
-              </a:extLst>
-            </p:cNvPr>
-            <p:cNvCxnSpPr>
-              <a:cxnSpLocks/>
-              <a:stCxn id="124" idx="3"/>
-              <a:endCxn id="18" idx="0"/>
-            </p:cNvCxnSpPr>
-            <p:nvPr/>
-          </p:nvCxnSpPr>
-          <p:spPr>
-            <a:xfrm rot="5400000">
-              <a:off x="4345303" y="4668185"/>
-              <a:ext cx="217956" cy="681167"/>
-            </a:xfrm>
-            <a:prstGeom prst="bentConnector3">
-              <a:avLst>
-                <a:gd name="adj1" fmla="val 50000"/>
-              </a:avLst>
-            </a:prstGeom>
-            <a:ln w="19050">
-              <a:solidFill>
-                <a:schemeClr val="tx1"/>
-              </a:solidFill>
-              <a:headEnd type="triangle" w="med" len="med"/>
-              <a:tailEnd type="none" w="med" len="med"/>
-            </a:ln>
-          </p:spPr>
-          <p:style>
-            <a:lnRef idx="3">
-              <a:schemeClr val="accent4"/>
-            </a:lnRef>
-            <a:fillRef idx="0">
-              <a:schemeClr val="accent4"/>
-            </a:fillRef>
-            <a:effectRef idx="2">
-              <a:schemeClr val="accent4"/>
-            </a:effectRef>
-            <a:fontRef idx="minor">
-              <a:schemeClr val="tx1"/>
-            </a:fontRef>
-          </p:style>
-        </p:cxnSp>
-        <p:grpSp>
-          <p:nvGrpSpPr>
-            <p:cNvPr id="243" name="Group 242">
-              <a:extLst>
-                <a:ext uri="{FF2B5EF4-FFF2-40B4-BE49-F238E27FC236}">
-                  <a16:creationId xmlns:a16="http://schemas.microsoft.com/office/drawing/2014/main" id="{2DED509C-61DE-4BD3-8180-306CE6B2DBBB}"/>
-                </a:ext>
-              </a:extLst>
-            </p:cNvPr>
-            <p:cNvGrpSpPr/>
-            <p:nvPr/>
-          </p:nvGrpSpPr>
-          <p:grpSpPr>
-            <a:xfrm>
-              <a:off x="1803780" y="5117746"/>
-              <a:ext cx="6298441" cy="836484"/>
-              <a:chOff x="1763424" y="5117746"/>
-              <a:chExt cx="6298441" cy="836484"/>
-            </a:xfrm>
-          </p:grpSpPr>
-          <p:sp>
-            <p:nvSpPr>
-              <p:cNvPr id="17" name="Flowchart: Alternate Process 16">
-                <a:extLst>
-                  <a:ext uri="{FF2B5EF4-FFF2-40B4-BE49-F238E27FC236}">
-                    <a16:creationId xmlns:a16="http://schemas.microsoft.com/office/drawing/2014/main" id="{D6880F27-7869-44F4-BA18-C658D30CC6F6}"/>
-                  </a:ext>
-                </a:extLst>
-              </p:cNvPr>
-              <p:cNvSpPr/>
-              <p:nvPr/>
-            </p:nvSpPr>
-            <p:spPr>
-              <a:xfrm>
-                <a:off x="1763424" y="5117746"/>
-                <a:ext cx="1262618" cy="836484"/>
-              </a:xfrm>
-              <a:prstGeom prst="flowChartAlternateProcess">
-                <a:avLst/>
-              </a:prstGeom>
-              <a:ln>
-                <a:solidFill>
-                  <a:schemeClr val="tx1"/>
-                </a:solidFill>
-              </a:ln>
-            </p:spPr>
-            <p:style>
-              <a:lnRef idx="2">
-                <a:schemeClr val="dk1"/>
-              </a:lnRef>
-              <a:fillRef idx="1">
-                <a:schemeClr val="lt1"/>
-              </a:fillRef>
-              <a:effectRef idx="0">
-                <a:schemeClr val="dk1"/>
-              </a:effectRef>
-              <a:fontRef idx="minor">
-                <a:schemeClr val="dk1"/>
-              </a:fontRef>
-            </p:style>
-            <p:txBody>
-              <a:bodyPr rot="0" spcFirstLastPara="0" vertOverflow="overflow" horzOverflow="overflow" vert="horz" wrap="square" lIns="0" tIns="0" rIns="0" bIns="0" numCol="1" spcCol="0" rtlCol="0" fromWordArt="0" anchor="ctr" anchorCtr="0" forceAA="0" compatLnSpc="1">
-                <a:prstTxWarp prst="textNoShape">
-                  <a:avLst/>
-                </a:prstTxWarp>
-                <a:noAutofit/>
-              </a:bodyPr>
-              <a:lstStyle/>
-              <a:p>
-                <a:pPr algn="ctr"/>
-                <a:r>
-                  <a:rPr lang="en-AU" sz="1050" dirty="0">
-                    <a:latin typeface="Consolas" panose="020B0609020204030204" pitchFamily="49" charset="0"/>
-                    <a:ea typeface="Yu Gothic" panose="020B0400000000000000" pitchFamily="34" charset="-128"/>
-                  </a:rPr>
-                  <a:t>Detect Signal</a:t>
-                </a:r>
-              </a:p>
-            </p:txBody>
-          </p:sp>
-          <p:sp>
-            <p:nvSpPr>
-              <p:cNvPr id="18" name="Flowchart: Alternate Process 17">
-                <a:extLst>
-                  <a:ext uri="{FF2B5EF4-FFF2-40B4-BE49-F238E27FC236}">
-                    <a16:creationId xmlns:a16="http://schemas.microsoft.com/office/drawing/2014/main" id="{507FB19F-0FFD-483C-9DDF-3FDD57B3763C}"/>
-                  </a:ext>
-                </a:extLst>
-              </p:cNvPr>
-              <p:cNvSpPr/>
-              <p:nvPr/>
-            </p:nvSpPr>
-            <p:spPr>
-              <a:xfrm>
-                <a:off x="3442032" y="5117746"/>
-                <a:ext cx="1262618" cy="836484"/>
-              </a:xfrm>
-              <a:prstGeom prst="flowChartAlternateProcess">
-                <a:avLst/>
-              </a:prstGeom>
-              <a:ln>
-                <a:solidFill>
-                  <a:schemeClr val="tx1"/>
-                </a:solidFill>
-              </a:ln>
-            </p:spPr>
-            <p:style>
-              <a:lnRef idx="2">
-                <a:schemeClr val="dk1"/>
-              </a:lnRef>
-              <a:fillRef idx="1">
-                <a:schemeClr val="lt1"/>
-              </a:fillRef>
-              <a:effectRef idx="0">
-                <a:schemeClr val="dk1"/>
-              </a:effectRef>
-              <a:fontRef idx="minor">
-                <a:schemeClr val="dk1"/>
-              </a:fontRef>
-            </p:style>
-            <p:txBody>
-              <a:bodyPr rot="0" spcFirstLastPara="0" vertOverflow="overflow" horzOverflow="overflow" vert="horz" wrap="square" lIns="0" tIns="0" rIns="0" bIns="0" numCol="1" spcCol="0" rtlCol="0" fromWordArt="0" anchor="ctr" anchorCtr="0" forceAA="0" compatLnSpc="1">
-                <a:prstTxWarp prst="textNoShape">
-                  <a:avLst/>
-                </a:prstTxWarp>
-                <a:noAutofit/>
-              </a:bodyPr>
-              <a:lstStyle/>
-              <a:p>
-                <a:pPr algn="ctr"/>
-                <a:r>
-                  <a:rPr lang="en-AU" sz="1050" dirty="0">
-                    <a:latin typeface="Consolas" panose="020B0609020204030204" pitchFamily="49" charset="0"/>
-                    <a:ea typeface="Yu Gothic" panose="020B0400000000000000" pitchFamily="34" charset="-128"/>
-                  </a:rPr>
-                  <a:t>Remove Noise</a:t>
-                </a:r>
-              </a:p>
-            </p:txBody>
-          </p:sp>
-          <p:sp>
-            <p:nvSpPr>
-              <p:cNvPr id="19" name="Flowchart: Alternate Process 18">
-                <a:extLst>
-                  <a:ext uri="{FF2B5EF4-FFF2-40B4-BE49-F238E27FC236}">
-                    <a16:creationId xmlns:a16="http://schemas.microsoft.com/office/drawing/2014/main" id="{3217BC8F-77B9-4DBD-AD64-60D7FAAF745C}"/>
-                  </a:ext>
-                </a:extLst>
-              </p:cNvPr>
-              <p:cNvSpPr/>
-              <p:nvPr/>
-            </p:nvSpPr>
-            <p:spPr>
-              <a:xfrm>
-                <a:off x="5120640" y="5117746"/>
-                <a:ext cx="1262618" cy="836484"/>
-              </a:xfrm>
-              <a:prstGeom prst="flowChartAlternateProcess">
-                <a:avLst/>
-              </a:prstGeom>
-              <a:ln>
-                <a:solidFill>
-                  <a:schemeClr val="tx1"/>
-                </a:solidFill>
-              </a:ln>
-            </p:spPr>
-            <p:style>
-              <a:lnRef idx="2">
-                <a:schemeClr val="dk1"/>
-              </a:lnRef>
-              <a:fillRef idx="1">
-                <a:schemeClr val="lt1"/>
-              </a:fillRef>
-              <a:effectRef idx="0">
-                <a:schemeClr val="dk1"/>
-              </a:effectRef>
-              <a:fontRef idx="minor">
-                <a:schemeClr val="dk1"/>
-              </a:fontRef>
-            </p:style>
-            <p:txBody>
-              <a:bodyPr rot="0" spcFirstLastPara="0" vertOverflow="overflow" horzOverflow="overflow" vert="horz" wrap="square" lIns="0" tIns="0" rIns="0" bIns="0" numCol="1" spcCol="0" rtlCol="0" fromWordArt="0" anchor="ctr" anchorCtr="0" forceAA="0" compatLnSpc="1">
-                <a:prstTxWarp prst="textNoShape">
-                  <a:avLst/>
-                </a:prstTxWarp>
-                <a:noAutofit/>
-              </a:bodyPr>
-              <a:lstStyle/>
-              <a:p>
-                <a:pPr algn="ctr"/>
-                <a:r>
-                  <a:rPr lang="en-AU" sz="1050" dirty="0">
-                    <a:latin typeface="Consolas" panose="020B0609020204030204" pitchFamily="49" charset="0"/>
-                    <a:ea typeface="Yu Gothic" panose="020B0400000000000000" pitchFamily="34" charset="-128"/>
-                  </a:rPr>
-                  <a:t>Apply Sufficient Amplification</a:t>
-                </a:r>
-              </a:p>
-            </p:txBody>
-          </p:sp>
-          <p:sp>
-            <p:nvSpPr>
-              <p:cNvPr id="86" name="Flowchart: Alternate Process 85">
-                <a:extLst>
-                  <a:ext uri="{FF2B5EF4-FFF2-40B4-BE49-F238E27FC236}">
-                    <a16:creationId xmlns:a16="http://schemas.microsoft.com/office/drawing/2014/main" id="{484A4846-31D9-46DC-A34A-EE6B8EDF80BE}"/>
-                  </a:ext>
-                </a:extLst>
-              </p:cNvPr>
-              <p:cNvSpPr/>
-              <p:nvPr/>
-            </p:nvSpPr>
-            <p:spPr>
-              <a:xfrm>
-                <a:off x="6799247" y="5117746"/>
-                <a:ext cx="1262618" cy="836484"/>
-              </a:xfrm>
-              <a:prstGeom prst="flowChartAlternateProcess">
-                <a:avLst/>
-              </a:prstGeom>
-              <a:ln>
-                <a:solidFill>
-                  <a:schemeClr val="tx1"/>
-                </a:solidFill>
-              </a:ln>
-            </p:spPr>
-            <p:style>
-              <a:lnRef idx="2">
-                <a:schemeClr val="dk1"/>
-              </a:lnRef>
-              <a:fillRef idx="1">
-                <a:schemeClr val="lt1"/>
-              </a:fillRef>
-              <a:effectRef idx="0">
-                <a:schemeClr val="dk1"/>
-              </a:effectRef>
-              <a:fontRef idx="minor">
-                <a:schemeClr val="dk1"/>
-              </a:fontRef>
-            </p:style>
-            <p:txBody>
-              <a:bodyPr rot="0" spcFirstLastPara="0" vertOverflow="overflow" horzOverflow="overflow" vert="horz" wrap="square" lIns="0" tIns="0" rIns="0" bIns="0" numCol="1" spcCol="0" rtlCol="0" fromWordArt="0" anchor="ctr" anchorCtr="0" forceAA="0" compatLnSpc="1">
-                <a:prstTxWarp prst="textNoShape">
-                  <a:avLst/>
-                </a:prstTxWarp>
-                <a:noAutofit/>
-              </a:bodyPr>
-              <a:lstStyle/>
-              <a:p>
-                <a:pPr algn="ctr"/>
-                <a:r>
-                  <a:rPr lang="en-AU" sz="1050" dirty="0">
-                    <a:latin typeface="Consolas" panose="020B0609020204030204" pitchFamily="49" charset="0"/>
-                    <a:ea typeface="Yu Gothic" panose="020B0400000000000000" pitchFamily="34" charset="-128"/>
-                  </a:rPr>
-                  <a:t>Read Signal</a:t>
-                </a:r>
-              </a:p>
-            </p:txBody>
-          </p:sp>
-        </p:grpSp>
-        <p:grpSp>
-          <p:nvGrpSpPr>
-            <p:cNvPr id="221" name="Group 220">
-              <a:extLst>
-                <a:ext uri="{FF2B5EF4-FFF2-40B4-BE49-F238E27FC236}">
-                  <a16:creationId xmlns:a16="http://schemas.microsoft.com/office/drawing/2014/main" id="{739690BC-CF68-47F2-9A81-E7BAEF6B8F09}"/>
-                </a:ext>
-              </a:extLst>
-            </p:cNvPr>
-            <p:cNvGrpSpPr/>
-            <p:nvPr/>
-          </p:nvGrpSpPr>
-          <p:grpSpPr>
-            <a:xfrm>
-              <a:off x="7743380" y="3008872"/>
-              <a:ext cx="1262618" cy="1890922"/>
-              <a:chOff x="7743380" y="4063308"/>
-              <a:chExt cx="1262618" cy="1890922"/>
-            </a:xfrm>
-          </p:grpSpPr>
-          <p:sp>
-            <p:nvSpPr>
-              <p:cNvPr id="30" name="Flowchart: Alternate Process 29">
-                <a:extLst>
-                  <a:ext uri="{FF2B5EF4-FFF2-40B4-BE49-F238E27FC236}">
-                    <a16:creationId xmlns:a16="http://schemas.microsoft.com/office/drawing/2014/main" id="{69ECF706-1FDA-4E1A-8C85-67EDF63C6058}"/>
-                  </a:ext>
-                </a:extLst>
-              </p:cNvPr>
-              <p:cNvSpPr/>
-              <p:nvPr/>
-            </p:nvSpPr>
-            <p:spPr>
-              <a:xfrm>
-                <a:off x="7743380" y="4063308"/>
-                <a:ext cx="1262618" cy="836484"/>
-              </a:xfrm>
-              <a:prstGeom prst="flowChartAlternateProcess">
-                <a:avLst/>
-              </a:prstGeom>
-              <a:ln>
-                <a:solidFill>
-                  <a:schemeClr val="tx1"/>
-                </a:solidFill>
-              </a:ln>
-            </p:spPr>
-            <p:style>
-              <a:lnRef idx="2">
-                <a:schemeClr val="dk1"/>
-              </a:lnRef>
-              <a:fillRef idx="1">
-                <a:schemeClr val="lt1"/>
-              </a:fillRef>
-              <a:effectRef idx="0">
-                <a:schemeClr val="dk1"/>
-              </a:effectRef>
-              <a:fontRef idx="minor">
-                <a:schemeClr val="dk1"/>
-              </a:fontRef>
-            </p:style>
-            <p:txBody>
-              <a:bodyPr rot="0" spcFirstLastPara="0" vertOverflow="overflow" horzOverflow="overflow" vert="horz" wrap="square" lIns="0" tIns="0" rIns="0" bIns="0" numCol="1" spcCol="0" rtlCol="0" fromWordArt="0" anchor="ctr" anchorCtr="0" forceAA="0" compatLnSpc="1">
-                <a:prstTxWarp prst="textNoShape">
-                  <a:avLst/>
-                </a:prstTxWarp>
-                <a:noAutofit/>
-              </a:bodyPr>
-              <a:lstStyle/>
-              <a:p>
-                <a:pPr algn="ctr"/>
-                <a:r>
-                  <a:rPr lang="en-AU" sz="1050" dirty="0">
-                    <a:latin typeface="Consolas" panose="020B0609020204030204" pitchFamily="49" charset="0"/>
-                    <a:ea typeface="Yu Gothic" panose="020B0400000000000000" pitchFamily="34" charset="-128"/>
-                  </a:rPr>
-                  <a:t>Parse readings into useable data</a:t>
-                </a:r>
-              </a:p>
-            </p:txBody>
-          </p:sp>
-          <p:sp>
-            <p:nvSpPr>
-              <p:cNvPr id="143" name="Flowchart: Alternate Process 142">
-                <a:extLst>
-                  <a:ext uri="{FF2B5EF4-FFF2-40B4-BE49-F238E27FC236}">
-                    <a16:creationId xmlns:a16="http://schemas.microsoft.com/office/drawing/2014/main" id="{5EE8BAA9-0AB9-4D7E-B5B4-44B8316F3839}"/>
-                  </a:ext>
-                </a:extLst>
-              </p:cNvPr>
-              <p:cNvSpPr/>
-              <p:nvPr/>
-            </p:nvSpPr>
-            <p:spPr>
-              <a:xfrm>
-                <a:off x="7743380" y="5117746"/>
-                <a:ext cx="1262618" cy="836484"/>
-              </a:xfrm>
-              <a:prstGeom prst="flowChartAlternateProcess">
-                <a:avLst/>
-              </a:prstGeom>
-              <a:ln>
-                <a:solidFill>
-                  <a:schemeClr val="tx1"/>
-                </a:solidFill>
-              </a:ln>
-            </p:spPr>
-            <p:style>
-              <a:lnRef idx="2">
-                <a:schemeClr val="dk1"/>
-              </a:lnRef>
-              <a:fillRef idx="1">
-                <a:schemeClr val="lt1"/>
-              </a:fillRef>
-              <a:effectRef idx="0">
-                <a:schemeClr val="dk1"/>
-              </a:effectRef>
-              <a:fontRef idx="minor">
-                <a:schemeClr val="dk1"/>
-              </a:fontRef>
-            </p:style>
-            <p:txBody>
-              <a:bodyPr rot="0" spcFirstLastPara="0" vertOverflow="overflow" horzOverflow="overflow" vert="horz" wrap="square" lIns="0" tIns="0" rIns="0" bIns="0" numCol="1" spcCol="0" rtlCol="0" fromWordArt="0" anchor="ctr" anchorCtr="0" forceAA="0" compatLnSpc="1">
-                <a:prstTxWarp prst="textNoShape">
-                  <a:avLst/>
-                </a:prstTxWarp>
-                <a:noAutofit/>
-              </a:bodyPr>
-              <a:lstStyle/>
-              <a:p>
-                <a:pPr algn="ctr"/>
-                <a:r>
-                  <a:rPr lang="en-AU" sz="1050" dirty="0">
-                    <a:latin typeface="Consolas" panose="020B0609020204030204" pitchFamily="49" charset="0"/>
-                    <a:ea typeface="Yu Gothic" panose="020B0400000000000000" pitchFamily="34" charset="-128"/>
-                  </a:rPr>
-                  <a:t>Map from ADC readings to meters</a:t>
-                </a:r>
-              </a:p>
-            </p:txBody>
-          </p:sp>
-        </p:grpSp>
-        <p:cxnSp>
-          <p:nvCxnSpPr>
-            <p:cNvPr id="169" name="Straight Arrow Connector 168">
-              <a:extLst>
-                <a:ext uri="{FF2B5EF4-FFF2-40B4-BE49-F238E27FC236}">
-                  <a16:creationId xmlns:a16="http://schemas.microsoft.com/office/drawing/2014/main" id="{6D128C6B-9955-4001-86C9-79102CA0F7F0}"/>
-                </a:ext>
-              </a:extLst>
-            </p:cNvPr>
-            <p:cNvCxnSpPr>
-              <a:cxnSpLocks/>
-              <a:stCxn id="143" idx="0"/>
-              <a:endCxn id="30" idx="2"/>
-            </p:cNvCxnSpPr>
-            <p:nvPr/>
-          </p:nvCxnSpPr>
-          <p:spPr>
-            <a:xfrm flipV="1">
-              <a:off x="8374689" y="3845356"/>
-              <a:ext cx="0" cy="217954"/>
-            </a:xfrm>
-            <a:prstGeom prst="straightConnector1">
-              <a:avLst/>
-            </a:prstGeom>
-            <a:ln w="19050">
-              <a:solidFill>
-                <a:schemeClr val="tx1"/>
-              </a:solidFill>
-              <a:tailEnd type="triangle"/>
-            </a:ln>
-          </p:spPr>
-          <p:style>
-            <a:lnRef idx="3">
-              <a:schemeClr val="accent4"/>
-            </a:lnRef>
-            <a:fillRef idx="0">
-              <a:schemeClr val="accent4"/>
-            </a:fillRef>
-            <a:effectRef idx="2">
-              <a:schemeClr val="accent4"/>
-            </a:effectRef>
-            <a:fontRef idx="minor">
-              <a:schemeClr val="tx1"/>
-            </a:fontRef>
-          </p:style>
-        </p:cxnSp>
-        <p:cxnSp>
-          <p:nvCxnSpPr>
-            <p:cNvPr id="223" name="Straight Arrow Connector 222">
-              <a:extLst>
-                <a:ext uri="{FF2B5EF4-FFF2-40B4-BE49-F238E27FC236}">
-                  <a16:creationId xmlns:a16="http://schemas.microsoft.com/office/drawing/2014/main" id="{A19DCC99-8431-4386-8813-1037B5401878}"/>
-                </a:ext>
-              </a:extLst>
-            </p:cNvPr>
-            <p:cNvCxnSpPr>
-              <a:cxnSpLocks/>
-              <a:stCxn id="30" idx="1"/>
-              <a:endCxn id="38" idx="3"/>
-            </p:cNvCxnSpPr>
-            <p:nvPr/>
-          </p:nvCxnSpPr>
-          <p:spPr>
-            <a:xfrm flipH="1">
-              <a:off x="5584309" y="3427114"/>
-              <a:ext cx="2159071" cy="0"/>
-            </a:xfrm>
-            <a:prstGeom prst="straightConnector1">
-              <a:avLst/>
-            </a:prstGeom>
-            <a:ln w="19050">
-              <a:solidFill>
-                <a:schemeClr val="tx1"/>
-              </a:solidFill>
-              <a:tailEnd type="triangle"/>
-            </a:ln>
-          </p:spPr>
-          <p:style>
-            <a:lnRef idx="3">
-              <a:schemeClr val="accent4"/>
-            </a:lnRef>
-            <a:fillRef idx="0">
-              <a:schemeClr val="accent4"/>
-            </a:fillRef>
-            <a:effectRef idx="2">
-              <a:schemeClr val="accent4"/>
-            </a:effectRef>
-            <a:fontRef idx="minor">
-              <a:schemeClr val="tx1"/>
-            </a:fontRef>
-          </p:style>
-        </p:cxnSp>
-        <p:cxnSp>
-          <p:nvCxnSpPr>
-            <p:cNvPr id="224" name="Straight Arrow Connector 223">
-              <a:extLst>
-                <a:ext uri="{FF2B5EF4-FFF2-40B4-BE49-F238E27FC236}">
-                  <a16:creationId xmlns:a16="http://schemas.microsoft.com/office/drawing/2014/main" id="{3B9B0590-AC4B-4E44-B224-2022D9E7D274}"/>
-                </a:ext>
-              </a:extLst>
-            </p:cNvPr>
-            <p:cNvCxnSpPr>
-              <a:cxnSpLocks/>
-              <a:stCxn id="24" idx="3"/>
-              <a:endCxn id="38" idx="1"/>
-            </p:cNvCxnSpPr>
-            <p:nvPr/>
-          </p:nvCxnSpPr>
-          <p:spPr>
-            <a:xfrm>
-              <a:off x="3059073" y="3427114"/>
-              <a:ext cx="1262618" cy="0"/>
-            </a:xfrm>
-            <a:prstGeom prst="straightConnector1">
-              <a:avLst/>
-            </a:prstGeom>
-            <a:ln w="19050">
-              <a:solidFill>
-                <a:schemeClr val="tx1"/>
-              </a:solidFill>
-              <a:tailEnd type="triangle"/>
-            </a:ln>
-          </p:spPr>
-          <p:style>
-            <a:lnRef idx="3">
-              <a:schemeClr val="accent4"/>
-            </a:lnRef>
-            <a:fillRef idx="0">
-              <a:schemeClr val="accent4"/>
-            </a:fillRef>
-            <a:effectRef idx="2">
-              <a:schemeClr val="accent4"/>
-            </a:effectRef>
-            <a:fontRef idx="minor">
-              <a:schemeClr val="tx1"/>
-            </a:fontRef>
-          </p:style>
-        </p:cxnSp>
-        <p:cxnSp>
-          <p:nvCxnSpPr>
-            <p:cNvPr id="230" name="Straight Arrow Connector 229">
-              <a:extLst>
-                <a:ext uri="{FF2B5EF4-FFF2-40B4-BE49-F238E27FC236}">
-                  <a16:creationId xmlns:a16="http://schemas.microsoft.com/office/drawing/2014/main" id="{29C0B52E-5589-47BF-8FDF-DB9B3E5FC9AC}"/>
-                </a:ext>
-              </a:extLst>
-            </p:cNvPr>
-            <p:cNvCxnSpPr>
-              <a:cxnSpLocks/>
-              <a:stCxn id="38" idx="2"/>
-              <a:endCxn id="29" idx="0"/>
-            </p:cNvCxnSpPr>
-            <p:nvPr/>
-          </p:nvCxnSpPr>
-          <p:spPr>
-            <a:xfrm>
-              <a:off x="4953000" y="3845356"/>
-              <a:ext cx="0" cy="217952"/>
-            </a:xfrm>
-            <a:prstGeom prst="straightConnector1">
-              <a:avLst/>
-            </a:prstGeom>
-            <a:ln w="19050">
-              <a:solidFill>
-                <a:schemeClr val="tx1"/>
-              </a:solidFill>
-              <a:headEnd type="triangle" w="med" len="med"/>
-              <a:tailEnd type="none" w="med" len="med"/>
-            </a:ln>
-          </p:spPr>
-          <p:style>
-            <a:lnRef idx="3">
-              <a:schemeClr val="accent4"/>
-            </a:lnRef>
-            <a:fillRef idx="0">
-              <a:schemeClr val="accent4"/>
-            </a:fillRef>
-            <a:effectRef idx="2">
-              <a:schemeClr val="accent4"/>
+              <a:schemeClr val="accent2"/>
             </a:effectRef>
             <a:fontRef idx="minor">
               <a:schemeClr val="tx1"/>
@@ -7497,7 +8537,7 @@
     </p:spTree>
     <p:extLst>
       <p:ext uri="{BB962C8B-B14F-4D97-AF65-F5344CB8AC3E}">
-        <p14:creationId xmlns:p14="http://schemas.microsoft.com/office/powerpoint/2010/main" val="3270092390"/>
+        <p14:creationId xmlns:p14="http://schemas.microsoft.com/office/powerpoint/2010/main" val="3579020387"/>
       </p:ext>
     </p:extLst>
   </p:cSld>
@@ -7507,7 +8547,274 @@
 </p:sld>
 </file>
 
-<file path=ppt/slides/slide3.xml><?xml version="1.0" encoding="utf-8"?>
+<file path=ppt/slides/slide4.xml><?xml version="1.0" encoding="utf-8"?>
+<p:sld xmlns:a="http://schemas.openxmlformats.org/drawingml/2006/main" xmlns:r="http://schemas.openxmlformats.org/officeDocument/2006/relationships" xmlns:p="http://schemas.openxmlformats.org/presentationml/2006/main">
+  <p:cSld>
+    <p:spTree>
+      <p:nvGrpSpPr>
+        <p:cNvPr id="1" name=""/>
+        <p:cNvGrpSpPr/>
+        <p:nvPr/>
+      </p:nvGrpSpPr>
+      <p:grpSpPr>
+        <a:xfrm>
+          <a:off x="0" y="0"/>
+          <a:ext cx="0" cy="0"/>
+          <a:chOff x="0" y="0"/>
+          <a:chExt cx="0" cy="0"/>
+        </a:xfrm>
+      </p:grpSpPr>
+      <p:grpSp>
+        <p:nvGrpSpPr>
+          <p:cNvPr id="19" name="Group 18">
+            <a:extLst>
+              <a:ext uri="{FF2B5EF4-FFF2-40B4-BE49-F238E27FC236}">
+                <a16:creationId xmlns:a16="http://schemas.microsoft.com/office/drawing/2014/main" id="{021E2866-A64D-4F4C-A749-3E619A009108}"/>
+              </a:ext>
+            </a:extLst>
+          </p:cNvPr>
+          <p:cNvGrpSpPr/>
+          <p:nvPr/>
+        </p:nvGrpSpPr>
+        <p:grpSpPr>
+          <a:xfrm>
+            <a:off x="0" y="1219501"/>
+            <a:ext cx="9906000" cy="5327492"/>
+            <a:chOff x="0" y="1219501"/>
+            <a:chExt cx="9906000" cy="5327492"/>
+          </a:xfrm>
+        </p:grpSpPr>
+        <p:pic>
+          <p:nvPicPr>
+            <p:cNvPr id="2" name="Picture 1">
+              <a:extLst>
+                <a:ext uri="{FF2B5EF4-FFF2-40B4-BE49-F238E27FC236}">
+                  <a16:creationId xmlns:a16="http://schemas.microsoft.com/office/drawing/2014/main" id="{3DF03E2A-1899-48FD-919D-FE52ADEDAC48}"/>
+                </a:ext>
+              </a:extLst>
+            </p:cNvPr>
+            <p:cNvPicPr>
+              <a:picLocks noChangeAspect="1"/>
+            </p:cNvPicPr>
+            <p:nvPr/>
+          </p:nvPicPr>
+          <p:blipFill rotWithShape="1">
+            <a:blip r:embed="rId2"/>
+            <a:srcRect l="30183" t="28161" r="20807" b="12088"/>
+            <a:stretch/>
+          </p:blipFill>
+          <p:spPr>
+            <a:xfrm rot="16200000">
+              <a:off x="-828079" y="2416914"/>
+              <a:ext cx="4958158" cy="3301999"/>
+            </a:xfrm>
+            <a:prstGeom prst="rect">
+              <a:avLst/>
+            </a:prstGeom>
+            <a:ln>
+              <a:solidFill>
+                <a:schemeClr val="tx1"/>
+              </a:solidFill>
+            </a:ln>
+          </p:spPr>
+        </p:pic>
+        <p:pic>
+          <p:nvPicPr>
+            <p:cNvPr id="3" name="Picture 2">
+              <a:extLst>
+                <a:ext uri="{FF2B5EF4-FFF2-40B4-BE49-F238E27FC236}">
+                  <a16:creationId xmlns:a16="http://schemas.microsoft.com/office/drawing/2014/main" id="{C77E08CF-0BC1-4334-8CEB-CE7C7C283C09}"/>
+                </a:ext>
+              </a:extLst>
+            </p:cNvPr>
+            <p:cNvPicPr>
+              <a:picLocks noChangeAspect="1"/>
+            </p:cNvPicPr>
+            <p:nvPr/>
+          </p:nvPicPr>
+          <p:blipFill rotWithShape="1">
+            <a:blip r:embed="rId3"/>
+            <a:srcRect l="30183" t="28161" r="20807" b="12088"/>
+            <a:stretch/>
+          </p:blipFill>
+          <p:spPr>
+            <a:xfrm rot="16200000">
+              <a:off x="2473921" y="2416913"/>
+              <a:ext cx="4958158" cy="3301999"/>
+            </a:xfrm>
+            <a:prstGeom prst="rect">
+              <a:avLst/>
+            </a:prstGeom>
+            <a:ln>
+              <a:solidFill>
+                <a:schemeClr val="tx1"/>
+              </a:solidFill>
+            </a:ln>
+          </p:spPr>
+        </p:pic>
+        <p:pic>
+          <p:nvPicPr>
+            <p:cNvPr id="5" name="Picture 4">
+              <a:extLst>
+                <a:ext uri="{FF2B5EF4-FFF2-40B4-BE49-F238E27FC236}">
+                  <a16:creationId xmlns:a16="http://schemas.microsoft.com/office/drawing/2014/main" id="{A1BC366C-8DA2-4A2A-B1E7-FBEA8E30842B}"/>
+                </a:ext>
+              </a:extLst>
+            </p:cNvPr>
+            <p:cNvPicPr>
+              <a:picLocks noChangeAspect="1"/>
+            </p:cNvPicPr>
+            <p:nvPr/>
+          </p:nvPicPr>
+          <p:blipFill rotWithShape="1">
+            <a:blip r:embed="rId4"/>
+            <a:srcRect l="30181" t="28161" r="20808" b="12087"/>
+            <a:stretch/>
+          </p:blipFill>
+          <p:spPr>
+            <a:xfrm rot="16200000">
+              <a:off x="5775922" y="2416914"/>
+              <a:ext cx="4958158" cy="3301999"/>
+            </a:xfrm>
+            <a:prstGeom prst="rect">
+              <a:avLst/>
+            </a:prstGeom>
+            <a:ln>
+              <a:solidFill>
+                <a:schemeClr val="tx1"/>
+              </a:solidFill>
+            </a:ln>
+          </p:spPr>
+        </p:pic>
+        <p:sp>
+          <p:nvSpPr>
+            <p:cNvPr id="10" name="TextBox 9">
+              <a:extLst>
+                <a:ext uri="{FF2B5EF4-FFF2-40B4-BE49-F238E27FC236}">
+                  <a16:creationId xmlns:a16="http://schemas.microsoft.com/office/drawing/2014/main" id="{98F2CFF8-B7FD-484F-BC12-B07294EEFCEF}"/>
+                </a:ext>
+              </a:extLst>
+            </p:cNvPr>
+            <p:cNvSpPr txBox="1"/>
+            <p:nvPr/>
+          </p:nvSpPr>
+          <p:spPr>
+            <a:xfrm>
+              <a:off x="1114026" y="1219501"/>
+              <a:ext cx="1324402" cy="369332"/>
+            </a:xfrm>
+            <a:prstGeom prst="rect">
+              <a:avLst/>
+            </a:prstGeom>
+            <a:noFill/>
+          </p:spPr>
+          <p:txBody>
+            <a:bodyPr wrap="none" rtlCol="0">
+              <a:spAutoFit/>
+            </a:bodyPr>
+            <a:lstStyle/>
+            <a:p>
+              <a:pPr algn="ctr"/>
+              <a:r>
+                <a:rPr lang="en-AU" dirty="0">
+                  <a:latin typeface="Consolas" panose="020B0609020204030204" pitchFamily="49" charset="0"/>
+                </a:rPr>
+                <a:t>Top Layer</a:t>
+              </a:r>
+            </a:p>
+          </p:txBody>
+        </p:sp>
+        <p:sp>
+          <p:nvSpPr>
+            <p:cNvPr id="32" name="TextBox 31">
+              <a:extLst>
+                <a:ext uri="{FF2B5EF4-FFF2-40B4-BE49-F238E27FC236}">
+                  <a16:creationId xmlns:a16="http://schemas.microsoft.com/office/drawing/2014/main" id="{65FCDC37-A58C-4F44-BAD3-9B2B1F011A2C}"/>
+                </a:ext>
+              </a:extLst>
+            </p:cNvPr>
+            <p:cNvSpPr txBox="1"/>
+            <p:nvPr/>
+          </p:nvSpPr>
+          <p:spPr>
+            <a:xfrm>
+              <a:off x="4232995" y="1219501"/>
+              <a:ext cx="1704313" cy="369332"/>
+            </a:xfrm>
+            <a:prstGeom prst="rect">
+              <a:avLst/>
+            </a:prstGeom>
+            <a:noFill/>
+          </p:spPr>
+          <p:txBody>
+            <a:bodyPr wrap="none" rtlCol="0">
+              <a:spAutoFit/>
+            </a:bodyPr>
+            <a:lstStyle/>
+            <a:p>
+              <a:pPr algn="ctr"/>
+              <a:r>
+                <a:rPr lang="en-AU" dirty="0">
+                  <a:latin typeface="Consolas" panose="020B0609020204030204" pitchFamily="49" charset="0"/>
+                </a:rPr>
+                <a:t>Bottom Layer</a:t>
+              </a:r>
+            </a:p>
+          </p:txBody>
+        </p:sp>
+        <p:sp>
+          <p:nvSpPr>
+            <p:cNvPr id="33" name="TextBox 32">
+              <a:extLst>
+                <a:ext uri="{FF2B5EF4-FFF2-40B4-BE49-F238E27FC236}">
+                  <a16:creationId xmlns:a16="http://schemas.microsoft.com/office/drawing/2014/main" id="{73B54B51-A92C-4A29-8BC5-FBA57B017907}"/>
+                </a:ext>
+              </a:extLst>
+            </p:cNvPr>
+            <p:cNvSpPr txBox="1"/>
+            <p:nvPr/>
+          </p:nvSpPr>
+          <p:spPr>
+            <a:xfrm>
+              <a:off x="7353761" y="1219501"/>
+              <a:ext cx="2210862" cy="369332"/>
+            </a:xfrm>
+            <a:prstGeom prst="rect">
+              <a:avLst/>
+            </a:prstGeom>
+            <a:noFill/>
+          </p:spPr>
+          <p:txBody>
+            <a:bodyPr wrap="none" rtlCol="0">
+              <a:spAutoFit/>
+            </a:bodyPr>
+            <a:lstStyle/>
+            <a:p>
+              <a:pPr algn="ctr"/>
+              <a:r>
+                <a:rPr lang="en-AU" dirty="0">
+                  <a:latin typeface="Consolas" panose="020B0609020204030204" pitchFamily="49" charset="0"/>
+                </a:rPr>
+                <a:t>Top Layer Render</a:t>
+              </a:r>
+            </a:p>
+          </p:txBody>
+        </p:sp>
+      </p:grpSp>
+    </p:spTree>
+    <p:extLst>
+      <p:ext uri="{BB962C8B-B14F-4D97-AF65-F5344CB8AC3E}">
+        <p14:creationId xmlns:p14="http://schemas.microsoft.com/office/powerpoint/2010/main" val="3737468489"/>
+      </p:ext>
+    </p:extLst>
+  </p:cSld>
+  <p:clrMapOvr>
+    <a:masterClrMapping/>
+  </p:clrMapOvr>
+</p:sld>
+</file>
+
+<file path=ppt/slides/slide5.xml><?xml version="1.0" encoding="utf-8"?>
 <p:sld xmlns:a="http://schemas.openxmlformats.org/drawingml/2006/main" xmlns:r="http://schemas.openxmlformats.org/officeDocument/2006/relationships" xmlns:p="http://schemas.openxmlformats.org/presentationml/2006/main">
   <p:cSld>
     <p:spTree>
@@ -7654,7 +8961,7 @@
 </p:sld>
 </file>
 
-<file path=ppt/slides/slide4.xml><?xml version="1.0" encoding="utf-8"?>
+<file path=ppt/slides/slide6.xml><?xml version="1.0" encoding="utf-8"?>
 <p:sld xmlns:a="http://schemas.openxmlformats.org/drawingml/2006/main" xmlns:r="http://schemas.openxmlformats.org/officeDocument/2006/relationships" xmlns:p="http://schemas.openxmlformats.org/presentationml/2006/main">
   <p:cSld>
     <p:spTree>
@@ -7801,7 +9108,7 @@
 </p:sld>
 </file>
 
-<file path=ppt/slides/slide5.xml><?xml version="1.0" encoding="utf-8"?>
+<file path=ppt/slides/slide7.xml><?xml version="1.0" encoding="utf-8"?>
 <p:sld xmlns:a="http://schemas.openxmlformats.org/drawingml/2006/main" xmlns:r="http://schemas.openxmlformats.org/officeDocument/2006/relationships" xmlns:p="http://schemas.openxmlformats.org/presentationml/2006/main">
   <p:cSld>
     <p:spTree>
@@ -7951,7 +9258,7 @@
 </p:sld>
 </file>
 
-<file path=ppt/slides/slide6.xml><?xml version="1.0" encoding="utf-8"?>
+<file path=ppt/slides/slide8.xml><?xml version="1.0" encoding="utf-8"?>
 <p:sld xmlns:a="http://schemas.openxmlformats.org/drawingml/2006/main" xmlns:r="http://schemas.openxmlformats.org/officeDocument/2006/relationships" xmlns:p="http://schemas.openxmlformats.org/presentationml/2006/main">
   <p:cSld>
     <p:spTree>

--- a/Documentation/FuncDecomp.pptx
+++ b/Documentation/FuncDecomp.pptx
@@ -5462,12 +5462,471 @@
           <a:chExt cx="0" cy="0"/>
         </a:xfrm>
       </p:grpSpPr>
+      <p:sp>
+        <p:nvSpPr>
+          <p:cNvPr id="52" name="Flowchart: Alternate Process 51">
+            <a:extLst>
+              <a:ext uri="{FF2B5EF4-FFF2-40B4-BE49-F238E27FC236}">
+                <a16:creationId xmlns:a16="http://schemas.microsoft.com/office/drawing/2014/main" id="{0AB426EE-2687-43AD-8C5C-8E0079F2D89C}"/>
+              </a:ext>
+            </a:extLst>
+          </p:cNvPr>
+          <p:cNvSpPr/>
+          <p:nvPr/>
+        </p:nvSpPr>
+        <p:spPr>
+          <a:xfrm>
+            <a:off x="540001" y="540000"/>
+            <a:ext cx="8825976" cy="5778000"/>
+          </a:xfrm>
+          <a:prstGeom prst="flowChartAlternateProcess">
+            <a:avLst/>
+          </a:prstGeom>
+          <a:noFill/>
+          <a:ln w="19050">
+            <a:solidFill>
+              <a:srgbClr val="C00000"/>
+            </a:solidFill>
+            <a:prstDash val="lgDash"/>
+          </a:ln>
+        </p:spPr>
+        <p:style>
+          <a:lnRef idx="2">
+            <a:schemeClr val="accent2">
+              <a:shade val="50000"/>
+            </a:schemeClr>
+          </a:lnRef>
+          <a:fillRef idx="1">
+            <a:schemeClr val="accent2"/>
+          </a:fillRef>
+          <a:effectRef idx="0">
+            <a:schemeClr val="accent2"/>
+          </a:effectRef>
+          <a:fontRef idx="minor">
+            <a:schemeClr val="lt1"/>
+          </a:fontRef>
+        </p:style>
+        <p:txBody>
+          <a:bodyPr rot="0" spcFirstLastPara="0" vertOverflow="overflow" horzOverflow="overflow" vert="horz" wrap="square" lIns="0" tIns="0" rIns="0" bIns="0" numCol="1" spcCol="0" rtlCol="0" fromWordArt="0" anchor="ctr" anchorCtr="0" forceAA="0" compatLnSpc="1">
+            <a:prstTxWarp prst="textNoShape">
+              <a:avLst/>
+            </a:prstTxWarp>
+            <a:noAutofit/>
+          </a:bodyPr>
+          <a:lstStyle/>
+          <a:p>
+            <a:pPr algn="ctr"/>
+            <a:endParaRPr lang="en-AU" sz="1050" b="1" u="sng" dirty="0">
+              <a:latin typeface="Consolas" panose="020B0609020204030204" pitchFamily="49" charset="0"/>
+              <a:ea typeface="Yu Gothic" panose="020B0400000000000000" pitchFamily="34" charset="-128"/>
+            </a:endParaRPr>
+          </a:p>
+        </p:txBody>
+      </p:sp>
+      <p:sp>
+        <p:nvSpPr>
+          <p:cNvPr id="4" name="Flowchart: Alternate Process 3">
+            <a:extLst>
+              <a:ext uri="{FF2B5EF4-FFF2-40B4-BE49-F238E27FC236}">
+                <a16:creationId xmlns:a16="http://schemas.microsoft.com/office/drawing/2014/main" id="{413AD214-52A1-4C78-A666-D2C72313C4FF}"/>
+              </a:ext>
+            </a:extLst>
+          </p:cNvPr>
+          <p:cNvSpPr/>
+          <p:nvPr/>
+        </p:nvSpPr>
+        <p:spPr>
+          <a:xfrm>
+            <a:off x="3582615" y="540000"/>
+            <a:ext cx="2740749" cy="262339"/>
+          </a:xfrm>
+          <a:prstGeom prst="flowChartAlternateProcess">
+            <a:avLst/>
+          </a:prstGeom>
+          <a:noFill/>
+          <a:ln>
+            <a:noFill/>
+          </a:ln>
+        </p:spPr>
+        <p:style>
+          <a:lnRef idx="2">
+            <a:schemeClr val="dk1"/>
+          </a:lnRef>
+          <a:fillRef idx="1">
+            <a:schemeClr val="lt1"/>
+          </a:fillRef>
+          <a:effectRef idx="0">
+            <a:schemeClr val="dk1"/>
+          </a:effectRef>
+          <a:fontRef idx="minor">
+            <a:schemeClr val="dk1"/>
+          </a:fontRef>
+        </p:style>
+        <p:txBody>
+          <a:bodyPr rot="0" spcFirstLastPara="0" vertOverflow="overflow" horzOverflow="overflow" vert="horz" wrap="square" lIns="0" tIns="0" rIns="0" bIns="0" numCol="1" spcCol="0" rtlCol="0" fromWordArt="0" anchor="ctr" anchorCtr="0" forceAA="0" compatLnSpc="1">
+            <a:prstTxWarp prst="textNoShape">
+              <a:avLst/>
+            </a:prstTxWarp>
+            <a:noAutofit/>
+          </a:bodyPr>
+          <a:lstStyle/>
+          <a:p>
+            <a:pPr algn="ctr"/>
+            <a:r>
+              <a:rPr lang="en-AU" sz="1400" b="1" u="sng" dirty="0">
+                <a:latin typeface="Consolas" panose="020B0609020204030204" pitchFamily="49" charset="0"/>
+                <a:ea typeface="Yu Gothic" panose="020B0400000000000000" pitchFamily="34" charset="-128"/>
+              </a:rPr>
+              <a:t>Actuation Systems</a:t>
+            </a:r>
+          </a:p>
+        </p:txBody>
+      </p:sp>
+      <p:sp>
+        <p:nvSpPr>
+          <p:cNvPr id="19" name="Rectangle 18">
+            <a:extLst>
+              <a:ext uri="{FF2B5EF4-FFF2-40B4-BE49-F238E27FC236}">
+                <a16:creationId xmlns:a16="http://schemas.microsoft.com/office/drawing/2014/main" id="{2A3195B4-9345-4056-B987-8BAC561F50AF}"/>
+              </a:ext>
+            </a:extLst>
+          </p:cNvPr>
+          <p:cNvSpPr/>
+          <p:nvPr/>
+        </p:nvSpPr>
+        <p:spPr>
+          <a:xfrm rot="5400000">
+            <a:off x="5155053" y="1265820"/>
+            <a:ext cx="227182" cy="631309"/>
+          </a:xfrm>
+          <a:prstGeom prst="rect">
+            <a:avLst/>
+          </a:prstGeom>
+          <a:noFill/>
+          <a:ln>
+            <a:noFill/>
+          </a:ln>
+        </p:spPr>
+        <p:style>
+          <a:lnRef idx="2">
+            <a:schemeClr val="accent1">
+              <a:shade val="50000"/>
+            </a:schemeClr>
+          </a:lnRef>
+          <a:fillRef idx="1">
+            <a:schemeClr val="accent1"/>
+          </a:fillRef>
+          <a:effectRef idx="0">
+            <a:schemeClr val="accent1"/>
+          </a:effectRef>
+          <a:fontRef idx="minor">
+            <a:schemeClr val="lt1"/>
+          </a:fontRef>
+        </p:style>
+        <p:txBody>
+          <a:bodyPr rtlCol="0" anchor="ctr"/>
+          <a:lstStyle/>
+          <a:p>
+            <a:pPr algn="ctr"/>
+            <a:endParaRPr lang="en-AU" dirty="0"/>
+          </a:p>
+        </p:txBody>
+      </p:sp>
+      <p:sp>
+        <p:nvSpPr>
+          <p:cNvPr id="20" name="Rectangle 19">
+            <a:extLst>
+              <a:ext uri="{FF2B5EF4-FFF2-40B4-BE49-F238E27FC236}">
+                <a16:creationId xmlns:a16="http://schemas.microsoft.com/office/drawing/2014/main" id="{9554B7DA-D138-4BB7-B67F-69F4211E8889}"/>
+              </a:ext>
+            </a:extLst>
+          </p:cNvPr>
+          <p:cNvSpPr/>
+          <p:nvPr/>
+        </p:nvSpPr>
+        <p:spPr>
+          <a:xfrm rot="5400000">
+            <a:off x="4523744" y="1265820"/>
+            <a:ext cx="227182" cy="631309"/>
+          </a:xfrm>
+          <a:prstGeom prst="rect">
+            <a:avLst/>
+          </a:prstGeom>
+          <a:noFill/>
+          <a:ln>
+            <a:noFill/>
+          </a:ln>
+        </p:spPr>
+        <p:style>
+          <a:lnRef idx="2">
+            <a:schemeClr val="accent1">
+              <a:shade val="50000"/>
+            </a:schemeClr>
+          </a:lnRef>
+          <a:fillRef idx="1">
+            <a:schemeClr val="accent1"/>
+          </a:fillRef>
+          <a:effectRef idx="0">
+            <a:schemeClr val="accent1"/>
+          </a:effectRef>
+          <a:fontRef idx="minor">
+            <a:schemeClr val="lt1"/>
+          </a:fontRef>
+        </p:style>
+        <p:txBody>
+          <a:bodyPr rtlCol="0" anchor="ctr"/>
+          <a:lstStyle/>
+          <a:p>
+            <a:pPr algn="ctr"/>
+            <a:endParaRPr lang="en-AU" dirty="0"/>
+          </a:p>
+        </p:txBody>
+      </p:sp>
+      <p:sp>
+        <p:nvSpPr>
+          <p:cNvPr id="5" name="Flowchart: Alternate Process 4">
+            <a:extLst>
+              <a:ext uri="{FF2B5EF4-FFF2-40B4-BE49-F238E27FC236}">
+                <a16:creationId xmlns:a16="http://schemas.microsoft.com/office/drawing/2014/main" id="{30547A5D-F79B-4D23-AC40-154B00958AA1}"/>
+              </a:ext>
+            </a:extLst>
+          </p:cNvPr>
+          <p:cNvSpPr/>
+          <p:nvPr/>
+        </p:nvSpPr>
+        <p:spPr>
+          <a:xfrm>
+            <a:off x="4321680" y="858580"/>
+            <a:ext cx="1262618" cy="836484"/>
+          </a:xfrm>
+          <a:prstGeom prst="flowChartAlternateProcess">
+            <a:avLst/>
+          </a:prstGeom>
+          <a:ln w="19050"/>
+        </p:spPr>
+        <p:style>
+          <a:lnRef idx="2">
+            <a:schemeClr val="dk1"/>
+          </a:lnRef>
+          <a:fillRef idx="1">
+            <a:schemeClr val="lt1"/>
+          </a:fillRef>
+          <a:effectRef idx="0">
+            <a:schemeClr val="dk1"/>
+          </a:effectRef>
+          <a:fontRef idx="minor">
+            <a:schemeClr val="dk1"/>
+          </a:fontRef>
+        </p:style>
+        <p:txBody>
+          <a:bodyPr rot="0" spcFirstLastPara="0" vertOverflow="overflow" horzOverflow="overflow" vert="horz" wrap="square" lIns="0" tIns="0" rIns="0" bIns="0" numCol="1" spcCol="0" rtlCol="0" fromWordArt="0" anchor="ctr" anchorCtr="0" forceAA="0" compatLnSpc="1">
+            <a:prstTxWarp prst="textNoShape">
+              <a:avLst/>
+            </a:prstTxWarp>
+            <a:noAutofit/>
+          </a:bodyPr>
+          <a:lstStyle/>
+          <a:p>
+            <a:pPr algn="ctr"/>
+            <a:r>
+              <a:rPr lang="en-AU" sz="1050" dirty="0">
+                <a:solidFill>
+                  <a:schemeClr val="dk1"/>
+                </a:solidFill>
+                <a:latin typeface="Consolas" panose="020B0609020204030204" pitchFamily="49" charset="0"/>
+                <a:ea typeface="Yu Gothic" panose="020B0400000000000000" pitchFamily="34" charset="-128"/>
+              </a:rPr>
+              <a:t>Demonstrate functionality of subsystems</a:t>
+            </a:r>
+          </a:p>
+        </p:txBody>
+      </p:sp>
+      <p:cxnSp>
+        <p:nvCxnSpPr>
+          <p:cNvPr id="12" name="Connector: Elbow 11">
+            <a:extLst>
+              <a:ext uri="{FF2B5EF4-FFF2-40B4-BE49-F238E27FC236}">
+                <a16:creationId xmlns:a16="http://schemas.microsoft.com/office/drawing/2014/main" id="{7BE17700-6379-4511-8F48-582F91A7F111}"/>
+              </a:ext>
+            </a:extLst>
+          </p:cNvPr>
+          <p:cNvCxnSpPr>
+            <a:cxnSpLocks/>
+            <a:stCxn id="6" idx="0"/>
+            <a:endCxn id="5" idx="1"/>
+          </p:cNvCxnSpPr>
+          <p:nvPr/>
+        </p:nvCxnSpPr>
+        <p:spPr>
+          <a:xfrm rot="5400000" flipH="1" flipV="1">
+            <a:off x="2814420" y="390059"/>
+            <a:ext cx="620497" cy="2394024"/>
+          </a:xfrm>
+          <a:prstGeom prst="bentConnector2">
+            <a:avLst/>
+          </a:prstGeom>
+          <a:ln w="19050">
+            <a:headEnd type="none" w="med" len="med"/>
+            <a:tailEnd type="triangle" w="med" len="med"/>
+          </a:ln>
+        </p:spPr>
+        <p:style>
+          <a:lnRef idx="3">
+            <a:schemeClr val="dk1"/>
+          </a:lnRef>
+          <a:fillRef idx="0">
+            <a:schemeClr val="dk1"/>
+          </a:fillRef>
+          <a:effectRef idx="2">
+            <a:schemeClr val="dk1"/>
+          </a:effectRef>
+          <a:fontRef idx="minor">
+            <a:schemeClr val="tx1"/>
+          </a:fontRef>
+        </p:style>
+      </p:cxnSp>
+      <p:cxnSp>
+        <p:nvCxnSpPr>
+          <p:cNvPr id="14" name="Connector: Elbow 13">
+            <a:extLst>
+              <a:ext uri="{FF2B5EF4-FFF2-40B4-BE49-F238E27FC236}">
+                <a16:creationId xmlns:a16="http://schemas.microsoft.com/office/drawing/2014/main" id="{8B932A30-30DC-460A-9DF8-41D2A6C771DE}"/>
+              </a:ext>
+            </a:extLst>
+          </p:cNvPr>
+          <p:cNvCxnSpPr>
+            <a:cxnSpLocks/>
+            <a:stCxn id="7" idx="0"/>
+            <a:endCxn id="20" idx="3"/>
+          </p:cNvCxnSpPr>
+          <p:nvPr/>
+        </p:nvCxnSpPr>
+        <p:spPr>
+          <a:xfrm rot="5400000" flipH="1" flipV="1">
+            <a:off x="3937705" y="1197690"/>
+            <a:ext cx="202253" cy="1197007"/>
+          </a:xfrm>
+          <a:prstGeom prst="bentConnector3">
+            <a:avLst>
+              <a:gd name="adj1" fmla="val 50000"/>
+            </a:avLst>
+          </a:prstGeom>
+          <a:ln w="19050">
+            <a:headEnd type="none" w="med" len="med"/>
+            <a:tailEnd type="triangle" w="med" len="med"/>
+          </a:ln>
+        </p:spPr>
+        <p:style>
+          <a:lnRef idx="3">
+            <a:schemeClr val="dk1"/>
+          </a:lnRef>
+          <a:fillRef idx="0">
+            <a:schemeClr val="dk1"/>
+          </a:fillRef>
+          <a:effectRef idx="2">
+            <a:schemeClr val="dk1"/>
+          </a:effectRef>
+          <a:fontRef idx="minor">
+            <a:schemeClr val="tx1"/>
+          </a:fontRef>
+        </p:style>
+      </p:cxnSp>
+      <p:cxnSp>
+        <p:nvCxnSpPr>
+          <p:cNvPr id="22" name="Connector: Elbow 21">
+            <a:extLst>
+              <a:ext uri="{FF2B5EF4-FFF2-40B4-BE49-F238E27FC236}">
+                <a16:creationId xmlns:a16="http://schemas.microsoft.com/office/drawing/2014/main" id="{93295E7B-8A94-4E3C-9FA6-D5A9A366EEF9}"/>
+              </a:ext>
+            </a:extLst>
+          </p:cNvPr>
+          <p:cNvCxnSpPr>
+            <a:cxnSpLocks/>
+            <a:stCxn id="8" idx="0"/>
+            <a:endCxn id="19" idx="3"/>
+          </p:cNvCxnSpPr>
+          <p:nvPr/>
+        </p:nvCxnSpPr>
+        <p:spPr>
+          <a:xfrm rot="5400000" flipH="1" flipV="1">
+            <a:off x="5009696" y="1638371"/>
+            <a:ext cx="202253" cy="315644"/>
+          </a:xfrm>
+          <a:prstGeom prst="bentConnector3">
+            <a:avLst>
+              <a:gd name="adj1" fmla="val 50000"/>
+            </a:avLst>
+          </a:prstGeom>
+          <a:ln w="19050">
+            <a:headEnd type="none" w="med" len="med"/>
+            <a:tailEnd type="triangle" w="med" len="med"/>
+          </a:ln>
+        </p:spPr>
+        <p:style>
+          <a:lnRef idx="3">
+            <a:schemeClr val="dk1"/>
+          </a:lnRef>
+          <a:fillRef idx="0">
+            <a:schemeClr val="dk1"/>
+          </a:fillRef>
+          <a:effectRef idx="2">
+            <a:schemeClr val="dk1"/>
+          </a:effectRef>
+          <a:fontRef idx="minor">
+            <a:schemeClr val="tx1"/>
+          </a:fontRef>
+        </p:style>
+      </p:cxnSp>
+      <p:cxnSp>
+        <p:nvCxnSpPr>
+          <p:cNvPr id="27" name="Connector: Elbow 26">
+            <a:extLst>
+              <a:ext uri="{FF2B5EF4-FFF2-40B4-BE49-F238E27FC236}">
+                <a16:creationId xmlns:a16="http://schemas.microsoft.com/office/drawing/2014/main" id="{11C14182-6245-485E-A9DB-134A2174C615}"/>
+              </a:ext>
+            </a:extLst>
+          </p:cNvPr>
+          <p:cNvCxnSpPr>
+            <a:cxnSpLocks/>
+            <a:stCxn id="9" idx="0"/>
+            <a:endCxn id="5" idx="3"/>
+          </p:cNvCxnSpPr>
+          <p:nvPr/>
+        </p:nvCxnSpPr>
+        <p:spPr>
+          <a:xfrm rot="16200000" flipV="1">
+            <a:off x="5714737" y="1146384"/>
+            <a:ext cx="620497" cy="881374"/>
+          </a:xfrm>
+          <a:prstGeom prst="bentConnector2">
+            <a:avLst/>
+          </a:prstGeom>
+          <a:ln w="19050">
+            <a:headEnd type="none" w="med" len="med"/>
+            <a:tailEnd type="triangle" w="med" len="med"/>
+          </a:ln>
+        </p:spPr>
+        <p:style>
+          <a:lnRef idx="3">
+            <a:schemeClr val="dk1"/>
+          </a:lnRef>
+          <a:fillRef idx="0">
+            <a:schemeClr val="dk1"/>
+          </a:fillRef>
+          <a:effectRef idx="2">
+            <a:schemeClr val="dk1"/>
+          </a:effectRef>
+          <a:fontRef idx="minor">
+            <a:schemeClr val="tx1"/>
+          </a:fontRef>
+        </p:style>
+      </p:cxnSp>
       <p:grpSp>
         <p:nvGrpSpPr>
-          <p:cNvPr id="111" name="Group 110">
+          <p:cNvPr id="75" name="Group 74">
             <a:extLst>
               <a:ext uri="{FF2B5EF4-FFF2-40B4-BE49-F238E27FC236}">
-                <a16:creationId xmlns:a16="http://schemas.microsoft.com/office/drawing/2014/main" id="{0BEF1947-C079-4924-B222-B619A49BF7A4}"/>
+                <a16:creationId xmlns:a16="http://schemas.microsoft.com/office/drawing/2014/main" id="{AD8AF392-FE28-4196-9DD1-705AFD14B4F3}"/>
               </a:ext>
             </a:extLst>
           </p:cNvPr>
@@ -5476,18 +5935,19 @@
         </p:nvGrpSpPr>
         <p:grpSpPr>
           <a:xfrm>
-            <a:off x="540001" y="540000"/>
-            <a:ext cx="8825976" cy="5778000"/>
-            <a:chOff x="540001" y="540000"/>
-            <a:chExt cx="8825976" cy="5778000"/>
+            <a:off x="4446730" y="3412831"/>
+            <a:ext cx="1012540" cy="332014"/>
+            <a:chOff x="985157" y="4125686"/>
+            <a:chExt cx="664028" cy="332014"/>
           </a:xfrm>
+          <a:noFill/>
         </p:grpSpPr>
         <p:sp>
           <p:nvSpPr>
-            <p:cNvPr id="52" name="Flowchart: Alternate Process 51">
+            <p:cNvPr id="76" name="Rectangle 75">
               <a:extLst>
                 <a:ext uri="{FF2B5EF4-FFF2-40B4-BE49-F238E27FC236}">
-                  <a16:creationId xmlns:a16="http://schemas.microsoft.com/office/drawing/2014/main" id="{0AB426EE-2687-43AD-8C5C-8E0079F2D89C}"/>
+                  <a16:creationId xmlns:a16="http://schemas.microsoft.com/office/drawing/2014/main" id="{5B6CE44F-A7EE-4F3F-A808-06E0A83CCE03}"/>
                 </a:ext>
               </a:extLst>
             </p:cNvPr>
@@ -5496,59 +5956,50 @@
           </p:nvSpPr>
           <p:spPr>
             <a:xfrm>
-              <a:off x="540001" y="540000"/>
-              <a:ext cx="8825976" cy="5778000"/>
+              <a:off x="985157" y="4125686"/>
+              <a:ext cx="332014" cy="332014"/>
             </a:xfrm>
-            <a:prstGeom prst="flowChartAlternateProcess">
+            <a:prstGeom prst="rect">
               <a:avLst/>
             </a:prstGeom>
-            <a:noFill/>
-            <a:ln w="19050">
+            <a:grpFill/>
+            <a:ln>
               <a:solidFill>
-                <a:srgbClr val="C00000"/>
+                <a:schemeClr val="accent1"/>
               </a:solidFill>
-              <a:prstDash val="lgDash"/>
             </a:ln>
           </p:spPr>
           <p:style>
             <a:lnRef idx="2">
-              <a:schemeClr val="accent2">
+              <a:schemeClr val="accent1">
                 <a:shade val="50000"/>
               </a:schemeClr>
             </a:lnRef>
             <a:fillRef idx="1">
-              <a:schemeClr val="accent2"/>
+              <a:schemeClr val="accent1"/>
             </a:fillRef>
             <a:effectRef idx="0">
-              <a:schemeClr val="accent2"/>
+              <a:schemeClr val="accent1"/>
             </a:effectRef>
             <a:fontRef idx="minor">
               <a:schemeClr val="lt1"/>
             </a:fontRef>
           </p:style>
           <p:txBody>
-            <a:bodyPr rot="0" spcFirstLastPara="0" vertOverflow="overflow" horzOverflow="overflow" vert="horz" wrap="square" lIns="0" tIns="0" rIns="0" bIns="0" numCol="1" spcCol="0" rtlCol="0" fromWordArt="0" anchor="ctr" anchorCtr="0" forceAA="0" compatLnSpc="1">
-              <a:prstTxWarp prst="textNoShape">
-                <a:avLst/>
-              </a:prstTxWarp>
-              <a:noAutofit/>
-            </a:bodyPr>
+            <a:bodyPr rtlCol="0" anchor="ctr"/>
             <a:lstStyle/>
             <a:p>
               <a:pPr algn="ctr"/>
-              <a:endParaRPr lang="en-AU" sz="1050" b="1" u="sng" dirty="0">
-                <a:latin typeface="Consolas" panose="020B0609020204030204" pitchFamily="49" charset="0"/>
-                <a:ea typeface="Yu Gothic" panose="020B0400000000000000" pitchFamily="34" charset="-128"/>
-              </a:endParaRPr>
+              <a:endParaRPr lang="en-AU"/>
             </a:p>
           </p:txBody>
         </p:sp>
         <p:sp>
           <p:nvSpPr>
-            <p:cNvPr id="4" name="Flowchart: Alternate Process 3">
+            <p:cNvPr id="77" name="Rectangle 76">
               <a:extLst>
                 <a:ext uri="{FF2B5EF4-FFF2-40B4-BE49-F238E27FC236}">
-                  <a16:creationId xmlns:a16="http://schemas.microsoft.com/office/drawing/2014/main" id="{413AD214-52A1-4C78-A666-D2C72313C4FF}"/>
+                  <a16:creationId xmlns:a16="http://schemas.microsoft.com/office/drawing/2014/main" id="{63202DD3-ECE9-44B2-9BA9-0F9B443ECDBC}"/>
                 </a:ext>
               </a:extLst>
             </p:cNvPr>
@@ -5557,57 +6008,705 @@
           </p:nvSpPr>
           <p:spPr>
             <a:xfrm>
-              <a:off x="3582615" y="540000"/>
-              <a:ext cx="2740749" cy="262339"/>
+              <a:off x="1317171" y="4125686"/>
+              <a:ext cx="332014" cy="332014"/>
             </a:xfrm>
-            <a:prstGeom prst="flowChartAlternateProcess">
+            <a:prstGeom prst="rect">
               <a:avLst/>
             </a:prstGeom>
-            <a:noFill/>
+            <a:grpFill/>
             <a:ln>
-              <a:noFill/>
+              <a:solidFill>
+                <a:schemeClr val="accent1"/>
+              </a:solidFill>
             </a:ln>
           </p:spPr>
           <p:style>
             <a:lnRef idx="2">
-              <a:schemeClr val="dk1"/>
+              <a:schemeClr val="accent1">
+                <a:shade val="50000"/>
+              </a:schemeClr>
             </a:lnRef>
             <a:fillRef idx="1">
-              <a:schemeClr val="lt1"/>
+              <a:schemeClr val="accent1"/>
             </a:fillRef>
             <a:effectRef idx="0">
-              <a:schemeClr val="dk1"/>
+              <a:schemeClr val="accent1"/>
             </a:effectRef>
             <a:fontRef idx="minor">
-              <a:schemeClr val="dk1"/>
+              <a:schemeClr val="lt1"/>
             </a:fontRef>
           </p:style>
           <p:txBody>
-            <a:bodyPr rot="0" spcFirstLastPara="0" vertOverflow="overflow" horzOverflow="overflow" vert="horz" wrap="square" lIns="0" tIns="0" rIns="0" bIns="0" numCol="1" spcCol="0" rtlCol="0" fromWordArt="0" anchor="ctr" anchorCtr="0" forceAA="0" compatLnSpc="1">
-              <a:prstTxWarp prst="textNoShape">
-                <a:avLst/>
-              </a:prstTxWarp>
-              <a:noAutofit/>
-            </a:bodyPr>
+            <a:bodyPr rtlCol="0" anchor="ctr"/>
             <a:lstStyle/>
             <a:p>
               <a:pPr algn="ctr"/>
-              <a:r>
-                <a:rPr lang="en-AU" sz="1400" b="1" u="sng" dirty="0">
-                  <a:latin typeface="Consolas" panose="020B0609020204030204" pitchFamily="49" charset="0"/>
-                  <a:ea typeface="Yu Gothic" panose="020B0400000000000000" pitchFamily="34" charset="-128"/>
-                </a:rPr>
-                <a:t>Actuation Systems</a:t>
-              </a:r>
+              <a:endParaRPr lang="en-AU"/>
             </a:p>
           </p:txBody>
         </p:sp>
+      </p:grpSp>
+      <p:cxnSp>
+        <p:nvCxnSpPr>
+          <p:cNvPr id="40" name="Connector: Elbow 39">
+            <a:extLst>
+              <a:ext uri="{FF2B5EF4-FFF2-40B4-BE49-F238E27FC236}">
+                <a16:creationId xmlns:a16="http://schemas.microsoft.com/office/drawing/2014/main" id="{8A2A684B-C3C4-4723-B8E9-A4DA7C0C13B6}"/>
+              </a:ext>
+            </a:extLst>
+          </p:cNvPr>
+          <p:cNvCxnSpPr>
+            <a:cxnSpLocks/>
+            <a:stCxn id="71" idx="2"/>
+            <a:endCxn id="39" idx="2"/>
+          </p:cNvCxnSpPr>
+          <p:nvPr/>
+        </p:nvCxnSpPr>
+        <p:spPr>
+          <a:xfrm rot="10800000">
+            <a:off x="3440328" y="3742461"/>
+            <a:ext cx="1637700" cy="1255017"/>
+          </a:xfrm>
+          <a:prstGeom prst="bentConnector2">
+            <a:avLst/>
+          </a:prstGeom>
+          <a:ln w="19050">
+            <a:headEnd type="none" w="med" len="med"/>
+            <a:tailEnd type="triangle" w="med" len="med"/>
+          </a:ln>
+        </p:spPr>
+        <p:style>
+          <a:lnRef idx="3">
+            <a:schemeClr val="dk1"/>
+          </a:lnRef>
+          <a:fillRef idx="0">
+            <a:schemeClr val="dk1"/>
+          </a:fillRef>
+          <a:effectRef idx="2">
+            <a:schemeClr val="dk1"/>
+          </a:effectRef>
+          <a:fontRef idx="minor">
+            <a:schemeClr val="tx1"/>
+          </a:fontRef>
+        </p:style>
+      </p:cxnSp>
+      <p:cxnSp>
+        <p:nvCxnSpPr>
+          <p:cNvPr id="44" name="Connector: Elbow 43">
+            <a:extLst>
+              <a:ext uri="{FF2B5EF4-FFF2-40B4-BE49-F238E27FC236}">
+                <a16:creationId xmlns:a16="http://schemas.microsoft.com/office/drawing/2014/main" id="{6999982A-63B0-47E4-9062-CF3138599D23}"/>
+              </a:ext>
+            </a:extLst>
+          </p:cNvPr>
+          <p:cNvCxnSpPr>
+            <a:cxnSpLocks/>
+            <a:stCxn id="59" idx="0"/>
+            <a:endCxn id="47" idx="2"/>
+          </p:cNvCxnSpPr>
+          <p:nvPr/>
+        </p:nvCxnSpPr>
+        <p:spPr>
+          <a:xfrm flipV="1">
+            <a:off x="6340646" y="3742460"/>
+            <a:ext cx="1637698" cy="1255017"/>
+          </a:xfrm>
+          <a:prstGeom prst="bentConnector2">
+            <a:avLst/>
+          </a:prstGeom>
+          <a:ln w="19050">
+            <a:headEnd type="none" w="med" len="med"/>
+            <a:tailEnd type="triangle" w="med" len="med"/>
+          </a:ln>
+        </p:spPr>
+        <p:style>
+          <a:lnRef idx="3">
+            <a:schemeClr val="dk1"/>
+          </a:lnRef>
+          <a:fillRef idx="0">
+            <a:schemeClr val="dk1"/>
+          </a:fillRef>
+          <a:effectRef idx="2">
+            <a:schemeClr val="dk1"/>
+          </a:effectRef>
+          <a:fontRef idx="minor">
+            <a:schemeClr val="tx1"/>
+          </a:fontRef>
+        </p:style>
+      </p:cxnSp>
+      <p:cxnSp>
+        <p:nvCxnSpPr>
+          <p:cNvPr id="48" name="Straight Arrow Connector 47">
+            <a:extLst>
+              <a:ext uri="{FF2B5EF4-FFF2-40B4-BE49-F238E27FC236}">
+                <a16:creationId xmlns:a16="http://schemas.microsoft.com/office/drawing/2014/main" id="{65DCA816-98C2-40C1-A97A-924F22A77657}"/>
+              </a:ext>
+            </a:extLst>
+          </p:cNvPr>
+          <p:cNvCxnSpPr>
+            <a:cxnSpLocks/>
+            <a:stCxn id="31" idx="0"/>
+            <a:endCxn id="9" idx="2"/>
+          </p:cNvCxnSpPr>
+          <p:nvPr/>
+        </p:nvCxnSpPr>
+        <p:spPr>
+          <a:xfrm flipV="1">
+            <a:off x="6465672" y="2733803"/>
+            <a:ext cx="0" cy="174558"/>
+          </a:xfrm>
+          <a:prstGeom prst="straightConnector1">
+            <a:avLst/>
+          </a:prstGeom>
+          <a:ln w="19050">
+            <a:headEnd type="none" w="med" len="med"/>
+            <a:tailEnd type="triangle" w="med" len="med"/>
+          </a:ln>
+        </p:spPr>
+        <p:style>
+          <a:lnRef idx="3">
+            <a:schemeClr val="dk1"/>
+          </a:lnRef>
+          <a:fillRef idx="0">
+            <a:schemeClr val="dk1"/>
+          </a:fillRef>
+          <a:effectRef idx="2">
+            <a:schemeClr val="dk1"/>
+          </a:effectRef>
+          <a:fontRef idx="minor">
+            <a:schemeClr val="tx1"/>
+          </a:fontRef>
+        </p:style>
+      </p:cxnSp>
+      <p:cxnSp>
+        <p:nvCxnSpPr>
+          <p:cNvPr id="50" name="Straight Arrow Connector 49">
+            <a:extLst>
+              <a:ext uri="{FF2B5EF4-FFF2-40B4-BE49-F238E27FC236}">
+                <a16:creationId xmlns:a16="http://schemas.microsoft.com/office/drawing/2014/main" id="{CA61959F-842F-47AF-8A49-13D2C5BC91AB}"/>
+              </a:ext>
+            </a:extLst>
+          </p:cNvPr>
+          <p:cNvCxnSpPr>
+            <a:cxnSpLocks/>
+            <a:stCxn id="37" idx="0"/>
+            <a:endCxn id="8" idx="2"/>
+          </p:cNvCxnSpPr>
+          <p:nvPr/>
+        </p:nvCxnSpPr>
+        <p:spPr>
+          <a:xfrm flipV="1">
+            <a:off x="4953000" y="2733803"/>
+            <a:ext cx="0" cy="174558"/>
+          </a:xfrm>
+          <a:prstGeom prst="straightConnector1">
+            <a:avLst/>
+          </a:prstGeom>
+          <a:ln w="19050">
+            <a:headEnd type="none" w="med" len="med"/>
+            <a:tailEnd type="triangle" w="med" len="med"/>
+          </a:ln>
+        </p:spPr>
+        <p:style>
+          <a:lnRef idx="3">
+            <a:schemeClr val="dk1"/>
+          </a:lnRef>
+          <a:fillRef idx="0">
+            <a:schemeClr val="dk1"/>
+          </a:fillRef>
+          <a:effectRef idx="2">
+            <a:schemeClr val="dk1"/>
+          </a:effectRef>
+          <a:fontRef idx="minor">
+            <a:schemeClr val="tx1"/>
+          </a:fontRef>
+        </p:style>
+      </p:cxnSp>
+      <p:cxnSp>
+        <p:nvCxnSpPr>
+          <p:cNvPr id="53" name="Straight Arrow Connector 52">
+            <a:extLst>
+              <a:ext uri="{FF2B5EF4-FFF2-40B4-BE49-F238E27FC236}">
+                <a16:creationId xmlns:a16="http://schemas.microsoft.com/office/drawing/2014/main" id="{DFD144A9-6A06-487B-A747-BC37086CD013}"/>
+              </a:ext>
+            </a:extLst>
+          </p:cNvPr>
+          <p:cNvCxnSpPr>
+            <a:cxnSpLocks/>
+            <a:stCxn id="39" idx="0"/>
+            <a:endCxn id="7" idx="2"/>
+          </p:cNvCxnSpPr>
+          <p:nvPr/>
+        </p:nvCxnSpPr>
+        <p:spPr>
+          <a:xfrm flipV="1">
+            <a:off x="3440328" y="2733803"/>
+            <a:ext cx="0" cy="172173"/>
+          </a:xfrm>
+          <a:prstGeom prst="straightConnector1">
+            <a:avLst/>
+          </a:prstGeom>
+          <a:ln w="19050">
+            <a:headEnd type="none" w="med" len="med"/>
+            <a:tailEnd type="triangle" w="med" len="med"/>
+          </a:ln>
+        </p:spPr>
+        <p:style>
+          <a:lnRef idx="3">
+            <a:schemeClr val="dk1"/>
+          </a:lnRef>
+          <a:fillRef idx="0">
+            <a:schemeClr val="dk1"/>
+          </a:fillRef>
+          <a:effectRef idx="2">
+            <a:schemeClr val="dk1"/>
+          </a:effectRef>
+          <a:fontRef idx="minor">
+            <a:schemeClr val="tx1"/>
+          </a:fontRef>
+        </p:style>
+      </p:cxnSp>
+      <p:cxnSp>
+        <p:nvCxnSpPr>
+          <p:cNvPr id="67" name="Straight Arrow Connector 66">
+            <a:extLst>
+              <a:ext uri="{FF2B5EF4-FFF2-40B4-BE49-F238E27FC236}">
+                <a16:creationId xmlns:a16="http://schemas.microsoft.com/office/drawing/2014/main" id="{2F072769-64CD-493F-865C-F7787897098F}"/>
+              </a:ext>
+            </a:extLst>
+          </p:cNvPr>
+          <p:cNvCxnSpPr>
+            <a:cxnSpLocks/>
+            <a:stCxn id="63" idx="0"/>
+            <a:endCxn id="6" idx="2"/>
+          </p:cNvCxnSpPr>
+          <p:nvPr/>
+        </p:nvCxnSpPr>
+        <p:spPr>
+          <a:xfrm flipV="1">
+            <a:off x="1927656" y="2733803"/>
+            <a:ext cx="0" cy="1727181"/>
+          </a:xfrm>
+          <a:prstGeom prst="straightConnector1">
+            <a:avLst/>
+          </a:prstGeom>
+          <a:ln w="19050">
+            <a:headEnd type="none" w="med" len="med"/>
+            <a:tailEnd type="triangle" w="med" len="med"/>
+          </a:ln>
+        </p:spPr>
+        <p:style>
+          <a:lnRef idx="3">
+            <a:schemeClr val="dk1"/>
+          </a:lnRef>
+          <a:fillRef idx="0">
+            <a:schemeClr val="dk1"/>
+          </a:fillRef>
+          <a:effectRef idx="2">
+            <a:schemeClr val="dk1"/>
+          </a:effectRef>
+          <a:fontRef idx="minor">
+            <a:schemeClr val="tx1"/>
+          </a:fontRef>
+        </p:style>
+      </p:cxnSp>
+      <p:cxnSp>
+        <p:nvCxnSpPr>
+          <p:cNvPr id="72" name="Connector: Elbow 71">
+            <a:extLst>
+              <a:ext uri="{FF2B5EF4-FFF2-40B4-BE49-F238E27FC236}">
+                <a16:creationId xmlns:a16="http://schemas.microsoft.com/office/drawing/2014/main" id="{66010647-F8B8-4BE0-8AC4-4D3A48B05A75}"/>
+              </a:ext>
+            </a:extLst>
+          </p:cNvPr>
+          <p:cNvCxnSpPr>
+            <a:cxnSpLocks/>
+            <a:stCxn id="69" idx="0"/>
+            <a:endCxn id="76" idx="2"/>
+          </p:cNvCxnSpPr>
+          <p:nvPr/>
+        </p:nvCxnSpPr>
+        <p:spPr>
+          <a:xfrm rot="5400000" flipH="1" flipV="1">
+            <a:off x="3038695" y="2799814"/>
+            <a:ext cx="716139" cy="2606202"/>
+          </a:xfrm>
+          <a:prstGeom prst="bentConnector3">
+            <a:avLst>
+              <a:gd name="adj1" fmla="val 50000"/>
+            </a:avLst>
+          </a:prstGeom>
+          <a:ln w="19050">
+            <a:headEnd type="none" w="med" len="med"/>
+            <a:tailEnd type="triangle" w="med" len="med"/>
+          </a:ln>
+        </p:spPr>
+        <p:style>
+          <a:lnRef idx="3">
+            <a:schemeClr val="dk1"/>
+          </a:lnRef>
+          <a:fillRef idx="0">
+            <a:schemeClr val="dk1"/>
+          </a:fillRef>
+          <a:effectRef idx="2">
+            <a:schemeClr val="dk1"/>
+          </a:effectRef>
+          <a:fontRef idx="minor">
+            <a:schemeClr val="tx1"/>
+          </a:fontRef>
+        </p:style>
+      </p:cxnSp>
+      <p:cxnSp>
+        <p:nvCxnSpPr>
+          <p:cNvPr id="105" name="Connector: Elbow 104">
+            <a:extLst>
+              <a:ext uri="{FF2B5EF4-FFF2-40B4-BE49-F238E27FC236}">
+                <a16:creationId xmlns:a16="http://schemas.microsoft.com/office/drawing/2014/main" id="{AED79074-9BD2-4549-88CB-E337D5413FCD}"/>
+              </a:ext>
+            </a:extLst>
+          </p:cNvPr>
+          <p:cNvCxnSpPr>
+            <a:cxnSpLocks/>
+            <a:stCxn id="88" idx="3"/>
+            <a:endCxn id="33" idx="2"/>
+          </p:cNvCxnSpPr>
+          <p:nvPr/>
+        </p:nvCxnSpPr>
+        <p:spPr>
+          <a:xfrm flipV="1">
+            <a:off x="4071636" y="5297468"/>
+            <a:ext cx="1637700" cy="510891"/>
+          </a:xfrm>
+          <a:prstGeom prst="bentConnector2">
+            <a:avLst/>
+          </a:prstGeom>
+          <a:ln w="19050">
+            <a:headEnd type="none" w="med" len="med"/>
+            <a:tailEnd type="triangle" w="med" len="med"/>
+          </a:ln>
+        </p:spPr>
+        <p:style>
+          <a:lnRef idx="3">
+            <a:schemeClr val="dk1"/>
+          </a:lnRef>
+          <a:fillRef idx="0">
+            <a:schemeClr val="dk1"/>
+          </a:fillRef>
+          <a:effectRef idx="2">
+            <a:schemeClr val="dk1"/>
+          </a:effectRef>
+          <a:fontRef idx="minor">
+            <a:schemeClr val="tx1"/>
+          </a:fontRef>
+        </p:style>
+      </p:cxnSp>
+      <p:cxnSp>
+        <p:nvCxnSpPr>
+          <p:cNvPr id="106" name="Connector: Elbow 105">
+            <a:extLst>
+              <a:ext uri="{FF2B5EF4-FFF2-40B4-BE49-F238E27FC236}">
+                <a16:creationId xmlns:a16="http://schemas.microsoft.com/office/drawing/2014/main" id="{4D81E34B-CEF6-4353-9DC1-F1649ABF0CE8}"/>
+              </a:ext>
+            </a:extLst>
+          </p:cNvPr>
+          <p:cNvCxnSpPr>
+            <a:cxnSpLocks/>
+            <a:stCxn id="88" idx="1"/>
+            <a:endCxn id="63" idx="2"/>
+          </p:cNvCxnSpPr>
+          <p:nvPr/>
+        </p:nvCxnSpPr>
+        <p:spPr>
+          <a:xfrm rot="10800000">
+            <a:off x="1927656" y="5297469"/>
+            <a:ext cx="881362" cy="510891"/>
+          </a:xfrm>
+          <a:prstGeom prst="bentConnector2">
+            <a:avLst/>
+          </a:prstGeom>
+          <a:ln w="19050">
+            <a:headEnd type="none" w="med" len="med"/>
+            <a:tailEnd type="triangle" w="med" len="med"/>
+          </a:ln>
+        </p:spPr>
+        <p:style>
+          <a:lnRef idx="3">
+            <a:schemeClr val="dk1"/>
+          </a:lnRef>
+          <a:fillRef idx="0">
+            <a:schemeClr val="dk1"/>
+          </a:fillRef>
+          <a:effectRef idx="2">
+            <a:schemeClr val="dk1"/>
+          </a:effectRef>
+          <a:fontRef idx="minor">
+            <a:schemeClr val="tx1"/>
+          </a:fontRef>
+        </p:style>
+      </p:cxnSp>
+      <p:sp>
+        <p:nvSpPr>
+          <p:cNvPr id="6" name="Flowchart: Alternate Process 5">
+            <a:extLst>
+              <a:ext uri="{FF2B5EF4-FFF2-40B4-BE49-F238E27FC236}">
+                <a16:creationId xmlns:a16="http://schemas.microsoft.com/office/drawing/2014/main" id="{A3833883-BDAC-42B0-94AC-F4E45D51F49E}"/>
+              </a:ext>
+            </a:extLst>
+          </p:cNvPr>
+          <p:cNvSpPr/>
+          <p:nvPr/>
+        </p:nvSpPr>
+        <p:spPr>
+          <a:xfrm>
+            <a:off x="1296347" y="1897319"/>
+            <a:ext cx="1262618" cy="836484"/>
+          </a:xfrm>
+          <a:prstGeom prst="flowChartAlternateProcess">
+            <a:avLst/>
+          </a:prstGeom>
+          <a:ln w="19050"/>
+        </p:spPr>
+        <p:style>
+          <a:lnRef idx="2">
+            <a:schemeClr val="dk1"/>
+          </a:lnRef>
+          <a:fillRef idx="1">
+            <a:schemeClr val="lt1"/>
+          </a:fillRef>
+          <a:effectRef idx="0">
+            <a:schemeClr val="dk1"/>
+          </a:effectRef>
+          <a:fontRef idx="minor">
+            <a:schemeClr val="dk1"/>
+          </a:fontRef>
+        </p:style>
+        <p:txBody>
+          <a:bodyPr rot="0" spcFirstLastPara="0" vertOverflow="overflow" horzOverflow="overflow" vert="horz" wrap="square" lIns="0" tIns="0" rIns="0" bIns="0" numCol="1" spcCol="0" rtlCol="0" fromWordArt="0" anchor="ctr" anchorCtr="0" forceAA="0" compatLnSpc="1">
+            <a:prstTxWarp prst="textNoShape">
+              <a:avLst/>
+            </a:prstTxWarp>
+            <a:noAutofit/>
+          </a:bodyPr>
+          <a:lstStyle/>
+          <a:p>
+            <a:pPr algn="ctr"/>
+            <a:r>
+              <a:rPr lang="en-AU" sz="1050" dirty="0">
+                <a:solidFill>
+                  <a:schemeClr val="dk1"/>
+                </a:solidFill>
+                <a:latin typeface="Consolas" panose="020B0609020204030204" pitchFamily="49" charset="0"/>
+                <a:ea typeface="Yu Gothic" panose="020B0400000000000000" pitchFamily="34" charset="-128"/>
+              </a:rPr>
+              <a:t>Demonstrate functionality of distance measurement (SS1)</a:t>
+            </a:r>
+          </a:p>
+        </p:txBody>
+      </p:sp>
+      <p:sp>
+        <p:nvSpPr>
+          <p:cNvPr id="7" name="Flowchart: Alternate Process 6">
+            <a:extLst>
+              <a:ext uri="{FF2B5EF4-FFF2-40B4-BE49-F238E27FC236}">
+                <a16:creationId xmlns:a16="http://schemas.microsoft.com/office/drawing/2014/main" id="{C6527608-FB20-4452-BDAA-B940B19EF720}"/>
+              </a:ext>
+            </a:extLst>
+          </p:cNvPr>
+          <p:cNvSpPr/>
+          <p:nvPr/>
+        </p:nvSpPr>
+        <p:spPr>
+          <a:xfrm>
+            <a:off x="2809019" y="1897319"/>
+            <a:ext cx="1262618" cy="836484"/>
+          </a:xfrm>
+          <a:prstGeom prst="flowChartAlternateProcess">
+            <a:avLst/>
+          </a:prstGeom>
+          <a:ln w="19050"/>
+        </p:spPr>
+        <p:style>
+          <a:lnRef idx="2">
+            <a:schemeClr val="dk1"/>
+          </a:lnRef>
+          <a:fillRef idx="1">
+            <a:schemeClr val="lt1"/>
+          </a:fillRef>
+          <a:effectRef idx="0">
+            <a:schemeClr val="dk1"/>
+          </a:effectRef>
+          <a:fontRef idx="minor">
+            <a:schemeClr val="dk1"/>
+          </a:fontRef>
+        </p:style>
+        <p:txBody>
+          <a:bodyPr rot="0" spcFirstLastPara="0" vertOverflow="overflow" horzOverflow="overflow" vert="horz" wrap="square" lIns="0" tIns="0" rIns="0" bIns="0" numCol="1" spcCol="0" rtlCol="0" fromWordArt="0" anchor="ctr" anchorCtr="0" forceAA="0" compatLnSpc="1">
+            <a:prstTxWarp prst="textNoShape">
+              <a:avLst/>
+            </a:prstTxWarp>
+            <a:noAutofit/>
+          </a:bodyPr>
+          <a:lstStyle/>
+          <a:p>
+            <a:pPr algn="ctr"/>
+            <a:r>
+              <a:rPr lang="en-AU" sz="1050" dirty="0">
+                <a:solidFill>
+                  <a:schemeClr val="dk1"/>
+                </a:solidFill>
+                <a:latin typeface="Consolas" panose="020B0609020204030204" pitchFamily="49" charset="0"/>
+                <a:ea typeface="Yu Gothic" panose="020B0400000000000000" pitchFamily="34" charset="-128"/>
+              </a:rPr>
+              <a:t>Demonstrate functionality of force measurement (SS2)</a:t>
+            </a:r>
+          </a:p>
+        </p:txBody>
+      </p:sp>
+      <p:sp>
+        <p:nvSpPr>
+          <p:cNvPr id="8" name="Flowchart: Alternate Process 7">
+            <a:extLst>
+              <a:ext uri="{FF2B5EF4-FFF2-40B4-BE49-F238E27FC236}">
+                <a16:creationId xmlns:a16="http://schemas.microsoft.com/office/drawing/2014/main" id="{071BCC8B-43FF-4409-B53F-0BADFFA70F35}"/>
+              </a:ext>
+            </a:extLst>
+          </p:cNvPr>
+          <p:cNvSpPr/>
+          <p:nvPr/>
+        </p:nvSpPr>
+        <p:spPr>
+          <a:xfrm>
+            <a:off x="4321691" y="1897319"/>
+            <a:ext cx="1262618" cy="836484"/>
+          </a:xfrm>
+          <a:prstGeom prst="flowChartAlternateProcess">
+            <a:avLst/>
+          </a:prstGeom>
+          <a:ln w="19050"/>
+        </p:spPr>
+        <p:style>
+          <a:lnRef idx="2">
+            <a:schemeClr val="dk1"/>
+          </a:lnRef>
+          <a:fillRef idx="1">
+            <a:schemeClr val="lt1"/>
+          </a:fillRef>
+          <a:effectRef idx="0">
+            <a:schemeClr val="dk1"/>
+          </a:effectRef>
+          <a:fontRef idx="minor">
+            <a:schemeClr val="dk1"/>
+          </a:fontRef>
+        </p:style>
+        <p:txBody>
+          <a:bodyPr rot="0" spcFirstLastPara="0" vertOverflow="overflow" horzOverflow="overflow" vert="horz" wrap="square" lIns="0" tIns="0" rIns="0" bIns="0" numCol="1" spcCol="0" rtlCol="0" fromWordArt="0" anchor="ctr" anchorCtr="0" forceAA="0" compatLnSpc="1">
+            <a:prstTxWarp prst="textNoShape">
+              <a:avLst/>
+            </a:prstTxWarp>
+            <a:noAutofit/>
+          </a:bodyPr>
+          <a:lstStyle/>
+          <a:p>
+            <a:pPr algn="ctr"/>
+            <a:r>
+              <a:rPr lang="en-AU" sz="1050" dirty="0">
+                <a:solidFill>
+                  <a:schemeClr val="dk1"/>
+                </a:solidFill>
+                <a:latin typeface="Consolas" panose="020B0609020204030204" pitchFamily="49" charset="0"/>
+                <a:ea typeface="Yu Gothic" panose="020B0400000000000000" pitchFamily="34" charset="-128"/>
+              </a:rPr>
+              <a:t>Demonstrate functionality of control system (SS3)</a:t>
+            </a:r>
+          </a:p>
+        </p:txBody>
+      </p:sp>
+      <p:sp>
+        <p:nvSpPr>
+          <p:cNvPr id="9" name="Flowchart: Alternate Process 8">
+            <a:extLst>
+              <a:ext uri="{FF2B5EF4-FFF2-40B4-BE49-F238E27FC236}">
+                <a16:creationId xmlns:a16="http://schemas.microsoft.com/office/drawing/2014/main" id="{544D3F81-CFB1-457D-A92F-657A1906BFFB}"/>
+              </a:ext>
+            </a:extLst>
+          </p:cNvPr>
+          <p:cNvSpPr/>
+          <p:nvPr/>
+        </p:nvSpPr>
+        <p:spPr>
+          <a:xfrm>
+            <a:off x="5834363" y="1897319"/>
+            <a:ext cx="1262618" cy="836484"/>
+          </a:xfrm>
+          <a:prstGeom prst="flowChartAlternateProcess">
+            <a:avLst/>
+          </a:prstGeom>
+          <a:ln w="19050"/>
+        </p:spPr>
+        <p:style>
+          <a:lnRef idx="2">
+            <a:schemeClr val="dk1"/>
+          </a:lnRef>
+          <a:fillRef idx="1">
+            <a:schemeClr val="lt1"/>
+          </a:fillRef>
+          <a:effectRef idx="0">
+            <a:schemeClr val="dk1"/>
+          </a:effectRef>
+          <a:fontRef idx="minor">
+            <a:schemeClr val="dk1"/>
+          </a:fontRef>
+        </p:style>
+        <p:txBody>
+          <a:bodyPr rot="0" spcFirstLastPara="0" vertOverflow="overflow" horzOverflow="overflow" vert="horz" wrap="square" lIns="0" tIns="0" rIns="0" bIns="0" numCol="1" spcCol="0" rtlCol="0" fromWordArt="0" anchor="ctr" anchorCtr="0" forceAA="0" compatLnSpc="1">
+            <a:prstTxWarp prst="textNoShape">
+              <a:avLst/>
+            </a:prstTxWarp>
+            <a:noAutofit/>
+          </a:bodyPr>
+          <a:lstStyle/>
+          <a:p>
+            <a:pPr algn="ctr"/>
+            <a:r>
+              <a:rPr lang="en-AU" sz="1050" dirty="0">
+                <a:solidFill>
+                  <a:schemeClr val="dk1"/>
+                </a:solidFill>
+                <a:latin typeface="Consolas" panose="020B0609020204030204" pitchFamily="49" charset="0"/>
+                <a:ea typeface="Yu Gothic" panose="020B0400000000000000" pitchFamily="34" charset="-128"/>
+              </a:rPr>
+              <a:t>Demonstrate functionality of communication (SS4)</a:t>
+            </a:r>
+          </a:p>
+        </p:txBody>
+      </p:sp>
+      <p:grpSp>
+        <p:nvGrpSpPr>
+          <p:cNvPr id="35" name="Group 34">
+            <a:extLst>
+              <a:ext uri="{FF2B5EF4-FFF2-40B4-BE49-F238E27FC236}">
+                <a16:creationId xmlns:a16="http://schemas.microsoft.com/office/drawing/2014/main" id="{C9CF2157-F0EC-4D53-A742-C4E7C02B3266}"/>
+              </a:ext>
+            </a:extLst>
+          </p:cNvPr>
+          <p:cNvGrpSpPr/>
+          <p:nvPr/>
+        </p:nvGrpSpPr>
+        <p:grpSpPr>
+          <a:xfrm>
+            <a:off x="5078027" y="4460984"/>
+            <a:ext cx="1262618" cy="836484"/>
+            <a:chOff x="5078027" y="4460984"/>
+            <a:chExt cx="1262618" cy="836484"/>
+          </a:xfrm>
+        </p:grpSpPr>
         <p:grpSp>
           <p:nvGrpSpPr>
-            <p:cNvPr id="29" name="Group 28">
+            <p:cNvPr id="65" name="Group 64">
               <a:extLst>
                 <a:ext uri="{FF2B5EF4-FFF2-40B4-BE49-F238E27FC236}">
-                  <a16:creationId xmlns:a16="http://schemas.microsoft.com/office/drawing/2014/main" id="{7783FAA3-FE7E-49D5-96CE-8CA7F7214D1D}"/>
+                  <a16:creationId xmlns:a16="http://schemas.microsoft.com/office/drawing/2014/main" id="{26A2B32B-1610-4635-96C2-09E19FA2CD58}"/>
                 </a:ext>
               </a:extLst>
             </p:cNvPr>
@@ -5615,141 +6714,19 @@
             <p:nvPr/>
           </p:nvGrpSpPr>
           <p:grpSpPr>
-            <a:xfrm>
-              <a:off x="4321680" y="858580"/>
-              <a:ext cx="1262618" cy="836485"/>
-              <a:chOff x="4321680" y="858580"/>
-              <a:chExt cx="1262618" cy="836485"/>
+            <a:xfrm rot="5400000">
+              <a:off x="5007535" y="4713219"/>
+              <a:ext cx="472998" cy="332014"/>
+              <a:chOff x="985157" y="4125686"/>
+              <a:chExt cx="664028" cy="332014"/>
             </a:xfrm>
           </p:grpSpPr>
-          <p:grpSp>
-            <p:nvGrpSpPr>
-              <p:cNvPr id="18" name="Group 17">
+          <p:sp>
+            <p:nvSpPr>
+              <p:cNvPr id="66" name="Rectangle 65">
                 <a:extLst>
                   <a:ext uri="{FF2B5EF4-FFF2-40B4-BE49-F238E27FC236}">
-                    <a16:creationId xmlns:a16="http://schemas.microsoft.com/office/drawing/2014/main" id="{2A2E0F8E-D24D-44D0-A624-F6D41D1C7CE5}"/>
-                  </a:ext>
-                </a:extLst>
-              </p:cNvPr>
-              <p:cNvGrpSpPr/>
-              <p:nvPr/>
-            </p:nvGrpSpPr>
-            <p:grpSpPr>
-              <a:xfrm rot="5400000">
-                <a:off x="4839398" y="950165"/>
-                <a:ext cx="227182" cy="1262618"/>
-                <a:chOff x="6278121" y="1158240"/>
-                <a:chExt cx="227182" cy="454364"/>
-              </a:xfrm>
-              <a:noFill/>
-            </p:grpSpPr>
-            <p:sp>
-              <p:nvSpPr>
-                <p:cNvPr id="19" name="Rectangle 18">
-                  <a:extLst>
-                    <a:ext uri="{FF2B5EF4-FFF2-40B4-BE49-F238E27FC236}">
-                      <a16:creationId xmlns:a16="http://schemas.microsoft.com/office/drawing/2014/main" id="{2A3195B4-9345-4056-B987-8BAC561F50AF}"/>
-                    </a:ext>
-                  </a:extLst>
-                </p:cNvPr>
-                <p:cNvSpPr/>
-                <p:nvPr/>
-              </p:nvSpPr>
-              <p:spPr>
-                <a:xfrm>
-                  <a:off x="6278121" y="1158240"/>
-                  <a:ext cx="227182" cy="227182"/>
-                </a:xfrm>
-                <a:prstGeom prst="rect">
-                  <a:avLst/>
-                </a:prstGeom>
-                <a:grpFill/>
-                <a:ln>
-                  <a:noFill/>
-                </a:ln>
-              </p:spPr>
-              <p:style>
-                <a:lnRef idx="2">
-                  <a:schemeClr val="accent1">
-                    <a:shade val="50000"/>
-                  </a:schemeClr>
-                </a:lnRef>
-                <a:fillRef idx="1">
-                  <a:schemeClr val="accent1"/>
-                </a:fillRef>
-                <a:effectRef idx="0">
-                  <a:schemeClr val="accent1"/>
-                </a:effectRef>
-                <a:fontRef idx="minor">
-                  <a:schemeClr val="lt1"/>
-                </a:fontRef>
-              </p:style>
-              <p:txBody>
-                <a:bodyPr rtlCol="0" anchor="ctr"/>
-                <a:lstStyle/>
-                <a:p>
-                  <a:pPr algn="ctr"/>
-                  <a:endParaRPr lang="en-AU" dirty="0"/>
-                </a:p>
-              </p:txBody>
-            </p:sp>
-            <p:sp>
-              <p:nvSpPr>
-                <p:cNvPr id="20" name="Rectangle 19">
-                  <a:extLst>
-                    <a:ext uri="{FF2B5EF4-FFF2-40B4-BE49-F238E27FC236}">
-                      <a16:creationId xmlns:a16="http://schemas.microsoft.com/office/drawing/2014/main" id="{9554B7DA-D138-4BB7-B67F-69F4211E8889}"/>
-                    </a:ext>
-                  </a:extLst>
-                </p:cNvPr>
-                <p:cNvSpPr/>
-                <p:nvPr/>
-              </p:nvSpPr>
-              <p:spPr>
-                <a:xfrm>
-                  <a:off x="6278121" y="1385422"/>
-                  <a:ext cx="227182" cy="227182"/>
-                </a:xfrm>
-                <a:prstGeom prst="rect">
-                  <a:avLst/>
-                </a:prstGeom>
-                <a:grpFill/>
-                <a:ln>
-                  <a:noFill/>
-                </a:ln>
-              </p:spPr>
-              <p:style>
-                <a:lnRef idx="2">
-                  <a:schemeClr val="accent1">
-                    <a:shade val="50000"/>
-                  </a:schemeClr>
-                </a:lnRef>
-                <a:fillRef idx="1">
-                  <a:schemeClr val="accent1"/>
-                </a:fillRef>
-                <a:effectRef idx="0">
-                  <a:schemeClr val="accent1"/>
-                </a:effectRef>
-                <a:fontRef idx="minor">
-                  <a:schemeClr val="lt1"/>
-                </a:fontRef>
-              </p:style>
-              <p:txBody>
-                <a:bodyPr rtlCol="0" anchor="ctr"/>
-                <a:lstStyle/>
-                <a:p>
-                  <a:pPr algn="ctr"/>
-                  <a:endParaRPr lang="en-AU" dirty="0"/>
-                </a:p>
-              </p:txBody>
-            </p:sp>
-          </p:grpSp>
-          <p:sp>
-            <p:nvSpPr>
-              <p:cNvPr id="5" name="Flowchart: Alternate Process 4">
-                <a:extLst>
-                  <a:ext uri="{FF2B5EF4-FFF2-40B4-BE49-F238E27FC236}">
-                    <a16:creationId xmlns:a16="http://schemas.microsoft.com/office/drawing/2014/main" id="{30547A5D-F79B-4D23-AC40-154B00958AA1}"/>
+                    <a16:creationId xmlns:a16="http://schemas.microsoft.com/office/drawing/2014/main" id="{883F24C0-8CB7-4BFF-ACEC-B1413547BAB3}"/>
                   </a:ext>
                 </a:extLst>
               </p:cNvPr>
@@ -5758,78 +6735,44 @@
             </p:nvSpPr>
             <p:spPr>
               <a:xfrm>
-                <a:off x="4321680" y="858580"/>
-                <a:ext cx="1262618" cy="836484"/>
+                <a:off x="985157" y="4125686"/>
+                <a:ext cx="332014" cy="332014"/>
               </a:xfrm>
-              <a:prstGeom prst="flowChartAlternateProcess">
+              <a:prstGeom prst="rect">
                 <a:avLst/>
               </a:prstGeom>
-              <a:ln w="19050"/>
             </p:spPr>
             <p:style>
               <a:lnRef idx="2">
-                <a:schemeClr val="dk1"/>
+                <a:schemeClr val="accent1">
+                  <a:shade val="50000"/>
+                </a:schemeClr>
               </a:lnRef>
               <a:fillRef idx="1">
-                <a:schemeClr val="lt1"/>
+                <a:schemeClr val="accent1"/>
               </a:fillRef>
               <a:effectRef idx="0">
-                <a:schemeClr val="dk1"/>
+                <a:schemeClr val="accent1"/>
               </a:effectRef>
               <a:fontRef idx="minor">
-                <a:schemeClr val="dk1"/>
+                <a:schemeClr val="lt1"/>
               </a:fontRef>
             </p:style>
             <p:txBody>
-              <a:bodyPr rot="0" spcFirstLastPara="0" vertOverflow="overflow" horzOverflow="overflow" vert="horz" wrap="square" lIns="0" tIns="0" rIns="0" bIns="0" numCol="1" spcCol="0" rtlCol="0" fromWordArt="0" anchor="ctr" anchorCtr="0" forceAA="0" compatLnSpc="1">
-                <a:prstTxWarp prst="textNoShape">
-                  <a:avLst/>
-                </a:prstTxWarp>
-                <a:noAutofit/>
-              </a:bodyPr>
+              <a:bodyPr rtlCol="0" anchor="ctr"/>
               <a:lstStyle/>
               <a:p>
                 <a:pPr algn="ctr"/>
-                <a:r>
-                  <a:rPr lang="en-AU" sz="1050" dirty="0">
-                    <a:solidFill>
-                      <a:schemeClr val="dk1"/>
-                    </a:solidFill>
-                    <a:latin typeface="Consolas" panose="020B0609020204030204" pitchFamily="49" charset="0"/>
-                    <a:ea typeface="Yu Gothic" panose="020B0400000000000000" pitchFamily="34" charset="-128"/>
-                  </a:rPr>
-                  <a:t>Demonstrate functionality of subsystems</a:t>
-                </a:r>
+                <a:endParaRPr lang="en-AU"/>
               </a:p>
             </p:txBody>
           </p:sp>
-        </p:grpSp>
-        <p:grpSp>
-          <p:nvGrpSpPr>
-            <p:cNvPr id="98" name="Group 97">
-              <a:extLst>
-                <a:ext uri="{FF2B5EF4-FFF2-40B4-BE49-F238E27FC236}">
-                  <a16:creationId xmlns:a16="http://schemas.microsoft.com/office/drawing/2014/main" id="{BD54C702-1E73-41A3-9C51-2FFDBAE2295E}"/>
-                </a:ext>
-              </a:extLst>
-            </p:cNvPr>
-            <p:cNvGrpSpPr/>
-            <p:nvPr/>
-          </p:nvGrpSpPr>
-          <p:grpSpPr>
-            <a:xfrm>
-              <a:off x="2052673" y="1897319"/>
-              <a:ext cx="5800634" cy="836484"/>
-              <a:chOff x="2052673" y="1973670"/>
-              <a:chExt cx="5800634" cy="836484"/>
-            </a:xfrm>
-          </p:grpSpPr>
           <p:sp>
             <p:nvSpPr>
-              <p:cNvPr id="6" name="Flowchart: Alternate Process 5">
+              <p:cNvPr id="71" name="Rectangle 70">
                 <a:extLst>
                   <a:ext uri="{FF2B5EF4-FFF2-40B4-BE49-F238E27FC236}">
-                    <a16:creationId xmlns:a16="http://schemas.microsoft.com/office/drawing/2014/main" id="{A3833883-BDAC-42B0-94AC-F4E45D51F49E}"/>
+                    <a16:creationId xmlns:a16="http://schemas.microsoft.com/office/drawing/2014/main" id="{E3B97C72-5B1C-42FE-87FA-56B28A0219DF}"/>
                   </a:ext>
                 </a:extLst>
               </p:cNvPr>
@@ -5838,57 +6781,65 @@
             </p:nvSpPr>
             <p:spPr>
               <a:xfrm>
-                <a:off x="2052673" y="1973670"/>
-                <a:ext cx="1262618" cy="836484"/>
+                <a:off x="1317171" y="4125686"/>
+                <a:ext cx="332014" cy="332014"/>
               </a:xfrm>
-              <a:prstGeom prst="flowChartAlternateProcess">
+              <a:prstGeom prst="rect">
                 <a:avLst/>
               </a:prstGeom>
-              <a:ln w="19050"/>
             </p:spPr>
             <p:style>
               <a:lnRef idx="2">
-                <a:schemeClr val="dk1"/>
+                <a:schemeClr val="accent1">
+                  <a:shade val="50000"/>
+                </a:schemeClr>
               </a:lnRef>
               <a:fillRef idx="1">
-                <a:schemeClr val="lt1"/>
+                <a:schemeClr val="accent1"/>
               </a:fillRef>
               <a:effectRef idx="0">
-                <a:schemeClr val="dk1"/>
+                <a:schemeClr val="accent1"/>
               </a:effectRef>
               <a:fontRef idx="minor">
-                <a:schemeClr val="dk1"/>
+                <a:schemeClr val="lt1"/>
               </a:fontRef>
             </p:style>
             <p:txBody>
-              <a:bodyPr rot="0" spcFirstLastPara="0" vertOverflow="overflow" horzOverflow="overflow" vert="horz" wrap="square" lIns="0" tIns="0" rIns="0" bIns="0" numCol="1" spcCol="0" rtlCol="0" fromWordArt="0" anchor="ctr" anchorCtr="0" forceAA="0" compatLnSpc="1">
-                <a:prstTxWarp prst="textNoShape">
-                  <a:avLst/>
-                </a:prstTxWarp>
-                <a:noAutofit/>
-              </a:bodyPr>
+              <a:bodyPr rtlCol="0" anchor="ctr"/>
               <a:lstStyle/>
               <a:p>
                 <a:pPr algn="ctr"/>
-                <a:r>
-                  <a:rPr lang="en-AU" sz="1050" dirty="0">
-                    <a:solidFill>
-                      <a:schemeClr val="dk1"/>
-                    </a:solidFill>
-                    <a:latin typeface="Consolas" panose="020B0609020204030204" pitchFamily="49" charset="0"/>
-                    <a:ea typeface="Yu Gothic" panose="020B0400000000000000" pitchFamily="34" charset="-128"/>
-                  </a:rPr>
-                  <a:t>Demonstrate functionality of distance measurement (SS1)</a:t>
-                </a:r>
+                <a:endParaRPr lang="en-AU"/>
               </a:p>
             </p:txBody>
           </p:sp>
+        </p:grpSp>
+        <p:grpSp>
+          <p:nvGrpSpPr>
+            <p:cNvPr id="57" name="Group 56">
+              <a:extLst>
+                <a:ext uri="{FF2B5EF4-FFF2-40B4-BE49-F238E27FC236}">
+                  <a16:creationId xmlns:a16="http://schemas.microsoft.com/office/drawing/2014/main" id="{E0641B32-72C9-40C4-AEA3-0D0188041774}"/>
+                </a:ext>
+              </a:extLst>
+            </p:cNvPr>
+            <p:cNvGrpSpPr/>
+            <p:nvPr/>
+          </p:nvGrpSpPr>
+          <p:grpSpPr>
+            <a:xfrm rot="5400000">
+              <a:off x="5938139" y="4713219"/>
+              <a:ext cx="472998" cy="332014"/>
+              <a:chOff x="985157" y="4125686"/>
+              <a:chExt cx="664028" cy="332014"/>
+            </a:xfrm>
+          </p:grpSpPr>
           <p:sp>
             <p:nvSpPr>
-              <p:cNvPr id="7" name="Flowchart: Alternate Process 6">
+              <p:cNvPr id="58" name="Rectangle 57">
                 <a:extLst>
                   <a:ext uri="{FF2B5EF4-FFF2-40B4-BE49-F238E27FC236}">
-                    <a16:creationId xmlns:a16="http://schemas.microsoft.com/office/drawing/2014/main" id="{C6527608-FB20-4452-BDAA-B940B19EF720}"/>
+                    <a16:creationId xmlns:a16="http://schemas.microsoft.com/office/drawing/2014/main" id="{80D59877-7EF1-4E21-86CB-4E2459AB6AA6}"/>
                   </a:ext>
                 </a:extLst>
               </p:cNvPr>
@@ -5897,57 +6848,44 @@
             </p:nvSpPr>
             <p:spPr>
               <a:xfrm>
-                <a:off x="3565345" y="1973670"/>
-                <a:ext cx="1262618" cy="836484"/>
+                <a:off x="985157" y="4125686"/>
+                <a:ext cx="332014" cy="332014"/>
               </a:xfrm>
-              <a:prstGeom prst="flowChartAlternateProcess">
+              <a:prstGeom prst="rect">
                 <a:avLst/>
               </a:prstGeom>
-              <a:ln w="19050"/>
             </p:spPr>
             <p:style>
               <a:lnRef idx="2">
-                <a:schemeClr val="dk1"/>
+                <a:schemeClr val="accent1">
+                  <a:shade val="50000"/>
+                </a:schemeClr>
               </a:lnRef>
               <a:fillRef idx="1">
-                <a:schemeClr val="lt1"/>
+                <a:schemeClr val="accent1"/>
               </a:fillRef>
               <a:effectRef idx="0">
-                <a:schemeClr val="dk1"/>
+                <a:schemeClr val="accent1"/>
               </a:effectRef>
               <a:fontRef idx="minor">
-                <a:schemeClr val="dk1"/>
+                <a:schemeClr val="lt1"/>
               </a:fontRef>
             </p:style>
             <p:txBody>
-              <a:bodyPr rot="0" spcFirstLastPara="0" vertOverflow="overflow" horzOverflow="overflow" vert="horz" wrap="square" lIns="0" tIns="0" rIns="0" bIns="0" numCol="1" spcCol="0" rtlCol="0" fromWordArt="0" anchor="ctr" anchorCtr="0" forceAA="0" compatLnSpc="1">
-                <a:prstTxWarp prst="textNoShape">
-                  <a:avLst/>
-                </a:prstTxWarp>
-                <a:noAutofit/>
-              </a:bodyPr>
+              <a:bodyPr rtlCol="0" anchor="ctr"/>
               <a:lstStyle/>
               <a:p>
                 <a:pPr algn="ctr"/>
-                <a:r>
-                  <a:rPr lang="en-AU" sz="1050" dirty="0">
-                    <a:solidFill>
-                      <a:schemeClr val="dk1"/>
-                    </a:solidFill>
-                    <a:latin typeface="Consolas" panose="020B0609020204030204" pitchFamily="49" charset="0"/>
-                    <a:ea typeface="Yu Gothic" panose="020B0400000000000000" pitchFamily="34" charset="-128"/>
-                  </a:rPr>
-                  <a:t>Demonstrate functionality of force measurement (SS2)</a:t>
-                </a:r>
+                <a:endParaRPr lang="en-AU"/>
               </a:p>
             </p:txBody>
           </p:sp>
           <p:sp>
             <p:nvSpPr>
-              <p:cNvPr id="8" name="Flowchart: Alternate Process 7">
+              <p:cNvPr id="59" name="Rectangle 58">
                 <a:extLst>
                   <a:ext uri="{FF2B5EF4-FFF2-40B4-BE49-F238E27FC236}">
-                    <a16:creationId xmlns:a16="http://schemas.microsoft.com/office/drawing/2014/main" id="{071BCC8B-43FF-4409-B53F-0BADFFA70F35}"/>
+                    <a16:creationId xmlns:a16="http://schemas.microsoft.com/office/drawing/2014/main" id="{8981F8E8-1F0A-4B74-9D4F-8BF5809304D0}"/>
                   </a:ext>
                 </a:extLst>
               </p:cNvPr>
@@ -5956,297 +6894,45 @@
             </p:nvSpPr>
             <p:spPr>
               <a:xfrm>
-                <a:off x="5078017" y="1973670"/>
-                <a:ext cx="1262618" cy="836484"/>
+                <a:off x="1317171" y="4125686"/>
+                <a:ext cx="332014" cy="332014"/>
               </a:xfrm>
-              <a:prstGeom prst="flowChartAlternateProcess">
+              <a:prstGeom prst="rect">
                 <a:avLst/>
               </a:prstGeom>
-              <a:ln w="19050"/>
             </p:spPr>
             <p:style>
               <a:lnRef idx="2">
-                <a:schemeClr val="dk1"/>
+                <a:schemeClr val="accent1">
+                  <a:shade val="50000"/>
+                </a:schemeClr>
               </a:lnRef>
               <a:fillRef idx="1">
-                <a:schemeClr val="lt1"/>
+                <a:schemeClr val="accent1"/>
               </a:fillRef>
               <a:effectRef idx="0">
-                <a:schemeClr val="dk1"/>
+                <a:schemeClr val="accent1"/>
               </a:effectRef>
               <a:fontRef idx="minor">
-                <a:schemeClr val="dk1"/>
+                <a:schemeClr val="lt1"/>
               </a:fontRef>
             </p:style>
             <p:txBody>
-              <a:bodyPr rot="0" spcFirstLastPara="0" vertOverflow="overflow" horzOverflow="overflow" vert="horz" wrap="square" lIns="0" tIns="0" rIns="0" bIns="0" numCol="1" spcCol="0" rtlCol="0" fromWordArt="0" anchor="ctr" anchorCtr="0" forceAA="0" compatLnSpc="1">
-                <a:prstTxWarp prst="textNoShape">
-                  <a:avLst/>
-                </a:prstTxWarp>
-                <a:noAutofit/>
-              </a:bodyPr>
+              <a:bodyPr rtlCol="0" anchor="ctr"/>
               <a:lstStyle/>
               <a:p>
                 <a:pPr algn="ctr"/>
-                <a:r>
-                  <a:rPr lang="en-AU" sz="1050" dirty="0">
-                    <a:solidFill>
-                      <a:schemeClr val="dk1"/>
-                    </a:solidFill>
-                    <a:latin typeface="Consolas" panose="020B0609020204030204" pitchFamily="49" charset="0"/>
-                    <a:ea typeface="Yu Gothic" panose="020B0400000000000000" pitchFamily="34" charset="-128"/>
-                  </a:rPr>
-                  <a:t>Demonstrate functionality of control system (SS3)</a:t>
-                </a:r>
-              </a:p>
-            </p:txBody>
-          </p:sp>
-          <p:sp>
-            <p:nvSpPr>
-              <p:cNvPr id="9" name="Flowchart: Alternate Process 8">
-                <a:extLst>
-                  <a:ext uri="{FF2B5EF4-FFF2-40B4-BE49-F238E27FC236}">
-                    <a16:creationId xmlns:a16="http://schemas.microsoft.com/office/drawing/2014/main" id="{544D3F81-CFB1-457D-A92F-657A1906BFFB}"/>
-                  </a:ext>
-                </a:extLst>
-              </p:cNvPr>
-              <p:cNvSpPr/>
-              <p:nvPr/>
-            </p:nvSpPr>
-            <p:spPr>
-              <a:xfrm>
-                <a:off x="6590689" y="1973670"/>
-                <a:ext cx="1262618" cy="836484"/>
-              </a:xfrm>
-              <a:prstGeom prst="flowChartAlternateProcess">
-                <a:avLst/>
-              </a:prstGeom>
-              <a:ln w="19050"/>
-            </p:spPr>
-            <p:style>
-              <a:lnRef idx="2">
-                <a:schemeClr val="dk1"/>
-              </a:lnRef>
-              <a:fillRef idx="1">
-                <a:schemeClr val="lt1"/>
-              </a:fillRef>
-              <a:effectRef idx="0">
-                <a:schemeClr val="dk1"/>
-              </a:effectRef>
-              <a:fontRef idx="minor">
-                <a:schemeClr val="dk1"/>
-              </a:fontRef>
-            </p:style>
-            <p:txBody>
-              <a:bodyPr rot="0" spcFirstLastPara="0" vertOverflow="overflow" horzOverflow="overflow" vert="horz" wrap="square" lIns="0" tIns="0" rIns="0" bIns="0" numCol="1" spcCol="0" rtlCol="0" fromWordArt="0" anchor="ctr" anchorCtr="0" forceAA="0" compatLnSpc="1">
-                <a:prstTxWarp prst="textNoShape">
-                  <a:avLst/>
-                </a:prstTxWarp>
-                <a:noAutofit/>
-              </a:bodyPr>
-              <a:lstStyle/>
-              <a:p>
-                <a:pPr algn="ctr"/>
-                <a:r>
-                  <a:rPr lang="en-AU" sz="1050" dirty="0">
-                    <a:solidFill>
-                      <a:schemeClr val="dk1"/>
-                    </a:solidFill>
-                    <a:latin typeface="Consolas" panose="020B0609020204030204" pitchFamily="49" charset="0"/>
-                    <a:ea typeface="Yu Gothic" panose="020B0400000000000000" pitchFamily="34" charset="-128"/>
-                  </a:rPr>
-                  <a:t>Demonstrate functionality of communication (SS4)</a:t>
-                </a:r>
+                <a:endParaRPr lang="en-AU"/>
               </a:p>
             </p:txBody>
           </p:sp>
         </p:grpSp>
-        <p:cxnSp>
-          <p:nvCxnSpPr>
-            <p:cNvPr id="12" name="Connector: Elbow 11">
+        <p:sp>
+          <p:nvSpPr>
+            <p:cNvPr id="33" name="Flowchart: Alternate Process 32">
               <a:extLst>
                 <a:ext uri="{FF2B5EF4-FFF2-40B4-BE49-F238E27FC236}">
-                  <a16:creationId xmlns:a16="http://schemas.microsoft.com/office/drawing/2014/main" id="{7BE17700-6379-4511-8F48-582F91A7F111}"/>
-                </a:ext>
-              </a:extLst>
-            </p:cNvPr>
-            <p:cNvCxnSpPr>
-              <a:cxnSpLocks/>
-              <a:stCxn id="6" idx="0"/>
-              <a:endCxn id="5" idx="1"/>
-            </p:cNvCxnSpPr>
-            <p:nvPr/>
-          </p:nvCxnSpPr>
-          <p:spPr>
-            <a:xfrm rot="5400000" flipH="1" flipV="1">
-              <a:off x="3192583" y="768222"/>
-              <a:ext cx="620497" cy="1637698"/>
-            </a:xfrm>
-            <a:prstGeom prst="bentConnector2">
-              <a:avLst/>
-            </a:prstGeom>
-            <a:ln w="19050">
-              <a:headEnd type="none" w="med" len="med"/>
-              <a:tailEnd type="triangle" w="med" len="med"/>
-            </a:ln>
-          </p:spPr>
-          <p:style>
-            <a:lnRef idx="3">
-              <a:schemeClr val="dk1"/>
-            </a:lnRef>
-            <a:fillRef idx="0">
-              <a:schemeClr val="dk1"/>
-            </a:fillRef>
-            <a:effectRef idx="2">
-              <a:schemeClr val="dk1"/>
-            </a:effectRef>
-            <a:fontRef idx="minor">
-              <a:schemeClr val="tx1"/>
-            </a:fontRef>
-          </p:style>
-        </p:cxnSp>
-        <p:cxnSp>
-          <p:nvCxnSpPr>
-            <p:cNvPr id="14" name="Connector: Elbow 13">
-              <a:extLst>
-                <a:ext uri="{FF2B5EF4-FFF2-40B4-BE49-F238E27FC236}">
-                  <a16:creationId xmlns:a16="http://schemas.microsoft.com/office/drawing/2014/main" id="{8B932A30-30DC-460A-9DF8-41D2A6C771DE}"/>
-                </a:ext>
-              </a:extLst>
-            </p:cNvPr>
-            <p:cNvCxnSpPr>
-              <a:cxnSpLocks/>
-              <a:stCxn id="7" idx="0"/>
-              <a:endCxn id="20" idx="3"/>
-            </p:cNvCxnSpPr>
-            <p:nvPr/>
-          </p:nvCxnSpPr>
-          <p:spPr>
-            <a:xfrm rot="5400000" flipH="1" flipV="1">
-              <a:off x="4315868" y="1575853"/>
-              <a:ext cx="202253" cy="440681"/>
-            </a:xfrm>
-            <a:prstGeom prst="bentConnector3">
-              <a:avLst>
-                <a:gd name="adj1" fmla="val 50000"/>
-              </a:avLst>
-            </a:prstGeom>
-            <a:ln w="19050">
-              <a:headEnd type="none" w="med" len="med"/>
-              <a:tailEnd type="triangle" w="med" len="med"/>
-            </a:ln>
-          </p:spPr>
-          <p:style>
-            <a:lnRef idx="3">
-              <a:schemeClr val="dk1"/>
-            </a:lnRef>
-            <a:fillRef idx="0">
-              <a:schemeClr val="dk1"/>
-            </a:fillRef>
-            <a:effectRef idx="2">
-              <a:schemeClr val="dk1"/>
-            </a:effectRef>
-            <a:fontRef idx="minor">
-              <a:schemeClr val="tx1"/>
-            </a:fontRef>
-          </p:style>
-        </p:cxnSp>
-        <p:cxnSp>
-          <p:nvCxnSpPr>
-            <p:cNvPr id="22" name="Connector: Elbow 21">
-              <a:extLst>
-                <a:ext uri="{FF2B5EF4-FFF2-40B4-BE49-F238E27FC236}">
-                  <a16:creationId xmlns:a16="http://schemas.microsoft.com/office/drawing/2014/main" id="{93295E7B-8A94-4E3C-9FA6-D5A9A366EEF9}"/>
-                </a:ext>
-              </a:extLst>
-            </p:cNvPr>
-            <p:cNvCxnSpPr>
-              <a:cxnSpLocks/>
-              <a:stCxn id="8" idx="0"/>
-              <a:endCxn id="19" idx="3"/>
-            </p:cNvCxnSpPr>
-            <p:nvPr/>
-          </p:nvCxnSpPr>
-          <p:spPr>
-            <a:xfrm rot="16200000" flipV="1">
-              <a:off x="5387859" y="1575852"/>
-              <a:ext cx="202253" cy="440682"/>
-            </a:xfrm>
-            <a:prstGeom prst="bentConnector3">
-              <a:avLst>
-                <a:gd name="adj1" fmla="val 50000"/>
-              </a:avLst>
-            </a:prstGeom>
-            <a:ln w="19050">
-              <a:headEnd type="none" w="med" len="med"/>
-              <a:tailEnd type="triangle" w="med" len="med"/>
-            </a:ln>
-          </p:spPr>
-          <p:style>
-            <a:lnRef idx="3">
-              <a:schemeClr val="dk1"/>
-            </a:lnRef>
-            <a:fillRef idx="0">
-              <a:schemeClr val="dk1"/>
-            </a:fillRef>
-            <a:effectRef idx="2">
-              <a:schemeClr val="dk1"/>
-            </a:effectRef>
-            <a:fontRef idx="minor">
-              <a:schemeClr val="tx1"/>
-            </a:fontRef>
-          </p:style>
-        </p:cxnSp>
-        <p:cxnSp>
-          <p:nvCxnSpPr>
-            <p:cNvPr id="27" name="Connector: Elbow 26">
-              <a:extLst>
-                <a:ext uri="{FF2B5EF4-FFF2-40B4-BE49-F238E27FC236}">
-                  <a16:creationId xmlns:a16="http://schemas.microsoft.com/office/drawing/2014/main" id="{11C14182-6245-485E-A9DB-134A2174C615}"/>
-                </a:ext>
-              </a:extLst>
-            </p:cNvPr>
-            <p:cNvCxnSpPr>
-              <a:cxnSpLocks/>
-              <a:stCxn id="9" idx="0"/>
-              <a:endCxn id="5" idx="3"/>
-            </p:cNvCxnSpPr>
-            <p:nvPr/>
-          </p:nvCxnSpPr>
-          <p:spPr>
-            <a:xfrm rot="16200000" flipV="1">
-              <a:off x="6092900" y="768221"/>
-              <a:ext cx="620497" cy="1637700"/>
-            </a:xfrm>
-            <a:prstGeom prst="bentConnector2">
-              <a:avLst/>
-            </a:prstGeom>
-            <a:ln w="19050">
-              <a:headEnd type="none" w="med" len="med"/>
-              <a:tailEnd type="triangle" w="med" len="med"/>
-            </a:ln>
-          </p:spPr>
-          <p:style>
-            <a:lnRef idx="3">
-              <a:schemeClr val="dk1"/>
-            </a:lnRef>
-            <a:fillRef idx="0">
-              <a:schemeClr val="dk1"/>
-            </a:fillRef>
-            <a:effectRef idx="2">
-              <a:schemeClr val="dk1"/>
-            </a:effectRef>
-            <a:fontRef idx="minor">
-              <a:schemeClr val="tx1"/>
-            </a:fontRef>
-          </p:style>
-        </p:cxnSp>
-        <p:sp>
-          <p:nvSpPr>
-            <p:cNvPr id="32" name="Flowchart: Alternate Process 31">
-              <a:extLst>
-                <a:ext uri="{FF2B5EF4-FFF2-40B4-BE49-F238E27FC236}">
-                  <a16:creationId xmlns:a16="http://schemas.microsoft.com/office/drawing/2014/main" id="{A9AA2234-FD5B-4B8B-976D-79B7033B83CE}"/>
+                  <a16:creationId xmlns:a16="http://schemas.microsoft.com/office/drawing/2014/main" id="{4163DF66-86CE-4486-8FD7-36BD3D64EF28}"/>
                 </a:ext>
               </a:extLst>
             </p:cNvPr>
@@ -6255,7 +6941,7 @@
           </p:nvSpPr>
           <p:spPr>
             <a:xfrm>
-              <a:off x="6590689" y="3919403"/>
+              <a:off x="5078027" y="4460984"/>
               <a:ext cx="1262618" cy="836484"/>
             </a:xfrm>
             <a:prstGeom prst="flowChartAlternateProcess">
@@ -6295,17 +6981,38 @@
                   <a:latin typeface="Consolas" panose="020B0609020204030204" pitchFamily="49" charset="0"/>
                   <a:ea typeface="Yu Gothic" panose="020B0400000000000000" pitchFamily="34" charset="-128"/>
                 </a:rPr>
-                <a:t>Demonstrate system behaviour being adjusted via UART</a:t>
+                <a:t>Show sensor readings adjusting actuator over UART</a:t>
               </a:r>
             </a:p>
           </p:txBody>
         </p:sp>
+      </p:grpSp>
+      <p:grpSp>
+        <p:nvGrpSpPr>
+          <p:cNvPr id="16" name="Group 15">
+            <a:extLst>
+              <a:ext uri="{FF2B5EF4-FFF2-40B4-BE49-F238E27FC236}">
+                <a16:creationId xmlns:a16="http://schemas.microsoft.com/office/drawing/2014/main" id="{E530C9F4-DF47-4116-9E0C-3F3763BE48F0}"/>
+              </a:ext>
+            </a:extLst>
+          </p:cNvPr>
+          <p:cNvGrpSpPr/>
+          <p:nvPr/>
+        </p:nvGrpSpPr>
+        <p:grpSpPr>
+          <a:xfrm>
+            <a:off x="1296347" y="4460984"/>
+            <a:ext cx="1262618" cy="836484"/>
+            <a:chOff x="1296347" y="4460984"/>
+            <a:chExt cx="1262618" cy="836484"/>
+          </a:xfrm>
+        </p:grpSpPr>
         <p:grpSp>
           <p:nvGrpSpPr>
-            <p:cNvPr id="99" name="Group 98">
+            <p:cNvPr id="70" name="Group 69">
               <a:extLst>
                 <a:ext uri="{FF2B5EF4-FFF2-40B4-BE49-F238E27FC236}">
-                  <a16:creationId xmlns:a16="http://schemas.microsoft.com/office/drawing/2014/main" id="{61EB5303-2A82-4002-B0C0-97DC915385CD}"/>
+                  <a16:creationId xmlns:a16="http://schemas.microsoft.com/office/drawing/2014/main" id="{27E4E1FA-11AC-46F2-8D2D-D60249DB118D}"/>
                 </a:ext>
               </a:extLst>
             </p:cNvPr>
@@ -6314,18 +7021,18 @@
           </p:nvGrpSpPr>
           <p:grpSpPr>
             <a:xfrm>
-              <a:off x="3565345" y="2905976"/>
-              <a:ext cx="4287962" cy="838869"/>
-              <a:chOff x="3565345" y="3086374"/>
-              <a:chExt cx="4287962" cy="838869"/>
+              <a:off x="1595642" y="4460984"/>
+              <a:ext cx="664028" cy="332014"/>
+              <a:chOff x="985157" y="4125686"/>
+              <a:chExt cx="664028" cy="332014"/>
             </a:xfrm>
           </p:grpSpPr>
           <p:sp>
             <p:nvSpPr>
-              <p:cNvPr id="31" name="Flowchart: Alternate Process 30">
+              <p:cNvPr id="68" name="Rectangle 67">
                 <a:extLst>
                   <a:ext uri="{FF2B5EF4-FFF2-40B4-BE49-F238E27FC236}">
-                    <a16:creationId xmlns:a16="http://schemas.microsoft.com/office/drawing/2014/main" id="{679DD8B0-32A4-4F41-A7DC-81054579EBF4}"/>
+                    <a16:creationId xmlns:a16="http://schemas.microsoft.com/office/drawing/2014/main" id="{F4252B57-3E1E-4BDB-B75A-AED55038E90A}"/>
                   </a:ext>
                 </a:extLst>
               </p:cNvPr>
@@ -6334,259 +7041,44 @@
             </p:nvSpPr>
             <p:spPr>
               <a:xfrm>
-                <a:off x="6590689" y="3088759"/>
-                <a:ext cx="1262618" cy="836484"/>
+                <a:off x="985157" y="4125686"/>
+                <a:ext cx="332014" cy="332014"/>
               </a:xfrm>
-              <a:prstGeom prst="flowChartAlternateProcess">
+              <a:prstGeom prst="rect">
                 <a:avLst/>
               </a:prstGeom>
-              <a:ln w="19050"/>
             </p:spPr>
             <p:style>
               <a:lnRef idx="2">
-                <a:schemeClr val="dk1"/>
+                <a:schemeClr val="accent1">
+                  <a:shade val="50000"/>
+                </a:schemeClr>
               </a:lnRef>
               <a:fillRef idx="1">
-                <a:schemeClr val="lt1"/>
+                <a:schemeClr val="accent1"/>
               </a:fillRef>
               <a:effectRef idx="0">
-                <a:schemeClr val="dk1"/>
+                <a:schemeClr val="accent1"/>
               </a:effectRef>
               <a:fontRef idx="minor">
-                <a:schemeClr val="dk1"/>
+                <a:schemeClr val="lt1"/>
               </a:fontRef>
             </p:style>
             <p:txBody>
-              <a:bodyPr rot="0" spcFirstLastPara="0" vertOverflow="overflow" horzOverflow="overflow" vert="horz" wrap="square" lIns="0" tIns="0" rIns="0" bIns="0" numCol="1" spcCol="0" rtlCol="0" fromWordArt="0" anchor="ctr" anchorCtr="0" forceAA="0" compatLnSpc="1">
-                <a:prstTxWarp prst="textNoShape">
-                  <a:avLst/>
-                </a:prstTxWarp>
-                <a:noAutofit/>
-              </a:bodyPr>
+              <a:bodyPr rtlCol="0" anchor="ctr"/>
               <a:lstStyle/>
               <a:p>
                 <a:pPr algn="ctr"/>
-                <a:r>
-                  <a:rPr lang="en-AU" sz="1050" dirty="0">
-                    <a:solidFill>
-                      <a:schemeClr val="dk1"/>
-                    </a:solidFill>
-                    <a:latin typeface="Consolas" panose="020B0609020204030204" pitchFamily="49" charset="0"/>
-                    <a:ea typeface="Yu Gothic" panose="020B0400000000000000" pitchFamily="34" charset="-128"/>
-                  </a:rPr>
-                  <a:t>Demonstrate messages being transmitted over UART</a:t>
-                </a:r>
+                <a:endParaRPr lang="en-AU"/>
               </a:p>
             </p:txBody>
           </p:sp>
-          <p:grpSp>
-            <p:nvGrpSpPr>
-              <p:cNvPr id="80" name="Group 79">
+          <p:sp>
+            <p:nvSpPr>
+              <p:cNvPr id="69" name="Rectangle 68">
                 <a:extLst>
                   <a:ext uri="{FF2B5EF4-FFF2-40B4-BE49-F238E27FC236}">
-                    <a16:creationId xmlns:a16="http://schemas.microsoft.com/office/drawing/2014/main" id="{36FC6986-3B83-4CFE-A501-5C6B8423CD88}"/>
-                  </a:ext>
-                </a:extLst>
-              </p:cNvPr>
-              <p:cNvGrpSpPr/>
-              <p:nvPr/>
-            </p:nvGrpSpPr>
-            <p:grpSpPr>
-              <a:xfrm>
-                <a:off x="5078017" y="3088759"/>
-                <a:ext cx="1262618" cy="836484"/>
-                <a:chOff x="5078017" y="3088759"/>
-                <a:chExt cx="1262618" cy="836484"/>
-              </a:xfrm>
-            </p:grpSpPr>
-            <p:grpSp>
-              <p:nvGrpSpPr>
-                <p:cNvPr id="75" name="Group 74">
-                  <a:extLst>
-                    <a:ext uri="{FF2B5EF4-FFF2-40B4-BE49-F238E27FC236}">
-                      <a16:creationId xmlns:a16="http://schemas.microsoft.com/office/drawing/2014/main" id="{AD8AF392-FE28-4196-9DD1-705AFD14B4F3}"/>
-                    </a:ext>
-                  </a:extLst>
-                </p:cNvPr>
-                <p:cNvGrpSpPr/>
-                <p:nvPr/>
-              </p:nvGrpSpPr>
-              <p:grpSpPr>
-                <a:xfrm>
-                  <a:off x="5377312" y="3593229"/>
-                  <a:ext cx="664028" cy="332014"/>
-                  <a:chOff x="985157" y="4125686"/>
-                  <a:chExt cx="664028" cy="332014"/>
-                </a:xfrm>
-                <a:noFill/>
-              </p:grpSpPr>
-              <p:sp>
-                <p:nvSpPr>
-                  <p:cNvPr id="76" name="Rectangle 75">
-                    <a:extLst>
-                      <a:ext uri="{FF2B5EF4-FFF2-40B4-BE49-F238E27FC236}">
-                        <a16:creationId xmlns:a16="http://schemas.microsoft.com/office/drawing/2014/main" id="{5B6CE44F-A7EE-4F3F-A808-06E0A83CCE03}"/>
-                      </a:ext>
-                    </a:extLst>
-                  </p:cNvPr>
-                  <p:cNvSpPr/>
-                  <p:nvPr/>
-                </p:nvSpPr>
-                <p:spPr>
-                  <a:xfrm>
-                    <a:off x="985157" y="4125686"/>
-                    <a:ext cx="332014" cy="332014"/>
-                  </a:xfrm>
-                  <a:prstGeom prst="rect">
-                    <a:avLst/>
-                  </a:prstGeom>
-                  <a:grpFill/>
-                  <a:ln>
-                    <a:noFill/>
-                  </a:ln>
-                </p:spPr>
-                <p:style>
-                  <a:lnRef idx="2">
-                    <a:schemeClr val="accent1">
-                      <a:shade val="50000"/>
-                    </a:schemeClr>
-                  </a:lnRef>
-                  <a:fillRef idx="1">
-                    <a:schemeClr val="accent1"/>
-                  </a:fillRef>
-                  <a:effectRef idx="0">
-                    <a:schemeClr val="accent1"/>
-                  </a:effectRef>
-                  <a:fontRef idx="minor">
-                    <a:schemeClr val="lt1"/>
-                  </a:fontRef>
-                </p:style>
-                <p:txBody>
-                  <a:bodyPr rtlCol="0" anchor="ctr"/>
-                  <a:lstStyle/>
-                  <a:p>
-                    <a:pPr algn="ctr"/>
-                    <a:endParaRPr lang="en-AU"/>
-                  </a:p>
-                </p:txBody>
-              </p:sp>
-              <p:sp>
-                <p:nvSpPr>
-                  <p:cNvPr id="77" name="Rectangle 76">
-                    <a:extLst>
-                      <a:ext uri="{FF2B5EF4-FFF2-40B4-BE49-F238E27FC236}">
-                        <a16:creationId xmlns:a16="http://schemas.microsoft.com/office/drawing/2014/main" id="{63202DD3-ECE9-44B2-9BA9-0F9B443ECDBC}"/>
-                      </a:ext>
-                    </a:extLst>
-                  </p:cNvPr>
-                  <p:cNvSpPr/>
-                  <p:nvPr/>
-                </p:nvSpPr>
-                <p:spPr>
-                  <a:xfrm>
-                    <a:off x="1317171" y="4125686"/>
-                    <a:ext cx="332014" cy="332014"/>
-                  </a:xfrm>
-                  <a:prstGeom prst="rect">
-                    <a:avLst/>
-                  </a:prstGeom>
-                  <a:grpFill/>
-                  <a:ln>
-                    <a:noFill/>
-                  </a:ln>
-                </p:spPr>
-                <p:style>
-                  <a:lnRef idx="2">
-                    <a:schemeClr val="accent1">
-                      <a:shade val="50000"/>
-                    </a:schemeClr>
-                  </a:lnRef>
-                  <a:fillRef idx="1">
-                    <a:schemeClr val="accent1"/>
-                  </a:fillRef>
-                  <a:effectRef idx="0">
-                    <a:schemeClr val="accent1"/>
-                  </a:effectRef>
-                  <a:fontRef idx="minor">
-                    <a:schemeClr val="lt1"/>
-                  </a:fontRef>
-                </p:style>
-                <p:txBody>
-                  <a:bodyPr rtlCol="0" anchor="ctr"/>
-                  <a:lstStyle/>
-                  <a:p>
-                    <a:pPr algn="ctr"/>
-                    <a:endParaRPr lang="en-AU"/>
-                  </a:p>
-                </p:txBody>
-              </p:sp>
-            </p:grpSp>
-            <p:sp>
-              <p:nvSpPr>
-                <p:cNvPr id="37" name="Flowchart: Alternate Process 36">
-                  <a:extLst>
-                    <a:ext uri="{FF2B5EF4-FFF2-40B4-BE49-F238E27FC236}">
-                      <a16:creationId xmlns:a16="http://schemas.microsoft.com/office/drawing/2014/main" id="{974CF804-4DA0-4BDC-AE5B-D754AC91E944}"/>
-                    </a:ext>
-                  </a:extLst>
-                </p:cNvPr>
-                <p:cNvSpPr/>
-                <p:nvPr/>
-              </p:nvSpPr>
-              <p:spPr>
-                <a:xfrm>
-                  <a:off x="5078017" y="3088759"/>
-                  <a:ext cx="1262618" cy="836484"/>
-                </a:xfrm>
-                <a:prstGeom prst="flowChartAlternateProcess">
-                  <a:avLst/>
-                </a:prstGeom>
-                <a:ln w="19050"/>
-              </p:spPr>
-              <p:style>
-                <a:lnRef idx="2">
-                  <a:schemeClr val="dk1"/>
-                </a:lnRef>
-                <a:fillRef idx="1">
-                  <a:schemeClr val="lt1"/>
-                </a:fillRef>
-                <a:effectRef idx="0">
-                  <a:schemeClr val="dk1"/>
-                </a:effectRef>
-                <a:fontRef idx="minor">
-                  <a:schemeClr val="dk1"/>
-                </a:fontRef>
-              </p:style>
-              <p:txBody>
-                <a:bodyPr rot="0" spcFirstLastPara="0" vertOverflow="overflow" horzOverflow="overflow" vert="horz" wrap="square" lIns="0" tIns="0" rIns="0" bIns="0" numCol="1" spcCol="0" rtlCol="0" fromWordArt="0" anchor="ctr" anchorCtr="0" forceAA="0" compatLnSpc="1">
-                  <a:prstTxWarp prst="textNoShape">
-                    <a:avLst/>
-                  </a:prstTxWarp>
-                  <a:noAutofit/>
-                </a:bodyPr>
-                <a:lstStyle/>
-                <a:p>
-                  <a:pPr algn="ctr"/>
-                  <a:r>
-                    <a:rPr lang="en-AU" sz="1050" dirty="0">
-                      <a:solidFill>
-                        <a:schemeClr val="dk1"/>
-                      </a:solidFill>
-                      <a:latin typeface="Consolas" panose="020B0609020204030204" pitchFamily="49" charset="0"/>
-                      <a:ea typeface="Yu Gothic" panose="020B0400000000000000" pitchFamily="34" charset="-128"/>
-                    </a:rPr>
-                    <a:t>Demonstrate system responding appropriately to stimulus</a:t>
-                  </a:r>
-                </a:p>
-              </p:txBody>
-            </p:sp>
-          </p:grpSp>
-          <p:sp>
-            <p:nvSpPr>
-              <p:cNvPr id="39" name="Flowchart: Alternate Process 38">
-                <a:extLst>
-                  <a:ext uri="{FF2B5EF4-FFF2-40B4-BE49-F238E27FC236}">
-                    <a16:creationId xmlns:a16="http://schemas.microsoft.com/office/drawing/2014/main" id="{B58093C0-4F77-4E41-8FD5-45BE1A84929C}"/>
+                    <a16:creationId xmlns:a16="http://schemas.microsoft.com/office/drawing/2014/main" id="{2DCF4CA2-160B-4F92-A433-4F7E43D2F2F7}"/>
                   </a:ext>
                 </a:extLst>
               </p:cNvPr>
@@ -6595,728 +7087,45 @@
             </p:nvSpPr>
             <p:spPr>
               <a:xfrm>
-                <a:off x="3565345" y="3086374"/>
-                <a:ext cx="1262618" cy="836484"/>
+                <a:off x="1317171" y="4125686"/>
+                <a:ext cx="332014" cy="332014"/>
               </a:xfrm>
-              <a:prstGeom prst="flowChartAlternateProcess">
+              <a:prstGeom prst="rect">
                 <a:avLst/>
               </a:prstGeom>
-              <a:ln w="19050"/>
             </p:spPr>
             <p:style>
               <a:lnRef idx="2">
-                <a:schemeClr val="dk1"/>
+                <a:schemeClr val="accent1">
+                  <a:shade val="50000"/>
+                </a:schemeClr>
               </a:lnRef>
               <a:fillRef idx="1">
-                <a:schemeClr val="lt1"/>
+                <a:schemeClr val="accent1"/>
               </a:fillRef>
               <a:effectRef idx="0">
-                <a:schemeClr val="dk1"/>
+                <a:schemeClr val="accent1"/>
               </a:effectRef>
               <a:fontRef idx="minor">
-                <a:schemeClr val="dk1"/>
+                <a:schemeClr val="lt1"/>
               </a:fontRef>
             </p:style>
             <p:txBody>
-              <a:bodyPr rot="0" spcFirstLastPara="0" vertOverflow="overflow" horzOverflow="overflow" vert="horz" wrap="square" lIns="0" tIns="0" rIns="0" bIns="0" numCol="1" spcCol="0" rtlCol="0" fromWordArt="0" anchor="ctr" anchorCtr="0" forceAA="0" compatLnSpc="1">
-                <a:prstTxWarp prst="textNoShape">
-                  <a:avLst/>
-                </a:prstTxWarp>
-                <a:noAutofit/>
-              </a:bodyPr>
+              <a:bodyPr rtlCol="0" anchor="ctr"/>
               <a:lstStyle/>
               <a:p>
                 <a:pPr algn="ctr"/>
-                <a:r>
-                  <a:rPr lang="en-AU" sz="1050" dirty="0">
-                    <a:solidFill>
-                      <a:schemeClr val="dk1"/>
-                    </a:solidFill>
-                    <a:latin typeface="Consolas" panose="020B0609020204030204" pitchFamily="49" charset="0"/>
-                    <a:ea typeface="Yu Gothic" panose="020B0400000000000000" pitchFamily="34" charset="-128"/>
-                  </a:rPr>
-                  <a:t>Demonstrate force application trigger safety stop</a:t>
-                </a:r>
+                <a:endParaRPr lang="en-AU"/>
               </a:p>
             </p:txBody>
           </p:sp>
         </p:grpSp>
-        <p:cxnSp>
-          <p:nvCxnSpPr>
-            <p:cNvPr id="40" name="Connector: Elbow 39">
+        <p:sp>
+          <p:nvSpPr>
+            <p:cNvPr id="63" name="Flowchart: Alternate Process 62">
               <a:extLst>
                 <a:ext uri="{FF2B5EF4-FFF2-40B4-BE49-F238E27FC236}">
-                  <a16:creationId xmlns:a16="http://schemas.microsoft.com/office/drawing/2014/main" id="{8A2A684B-C3C4-4723-B8E9-A4DA7C0C13B6}"/>
-                </a:ext>
-              </a:extLst>
-            </p:cNvPr>
-            <p:cNvCxnSpPr>
-              <a:cxnSpLocks/>
-              <a:stCxn id="33" idx="1"/>
-              <a:endCxn id="39" idx="2"/>
-            </p:cNvCxnSpPr>
-            <p:nvPr/>
-          </p:nvCxnSpPr>
-          <p:spPr>
-            <a:xfrm rot="10800000">
-              <a:off x="4196655" y="3742460"/>
-              <a:ext cx="881363" cy="1136766"/>
-            </a:xfrm>
-            <a:prstGeom prst="bentConnector2">
-              <a:avLst/>
-            </a:prstGeom>
-            <a:ln w="19050">
-              <a:headEnd type="none" w="med" len="med"/>
-              <a:tailEnd type="triangle" w="med" len="med"/>
-            </a:ln>
-          </p:spPr>
-          <p:style>
-            <a:lnRef idx="3">
-              <a:schemeClr val="dk1"/>
-            </a:lnRef>
-            <a:fillRef idx="0">
-              <a:schemeClr val="dk1"/>
-            </a:fillRef>
-            <a:effectRef idx="2">
-              <a:schemeClr val="dk1"/>
-            </a:effectRef>
-            <a:fontRef idx="minor">
-              <a:schemeClr val="tx1"/>
-            </a:fontRef>
-          </p:style>
-        </p:cxnSp>
-        <p:cxnSp>
-          <p:nvCxnSpPr>
-            <p:cNvPr id="44" name="Connector: Elbow 43">
-              <a:extLst>
-                <a:ext uri="{FF2B5EF4-FFF2-40B4-BE49-F238E27FC236}">
-                  <a16:creationId xmlns:a16="http://schemas.microsoft.com/office/drawing/2014/main" id="{6999982A-63B0-47E4-9062-CF3138599D23}"/>
-                </a:ext>
-              </a:extLst>
-            </p:cNvPr>
-            <p:cNvCxnSpPr>
-              <a:stCxn id="33" idx="3"/>
-              <a:endCxn id="32" idx="2"/>
-            </p:cNvCxnSpPr>
-            <p:nvPr/>
-          </p:nvCxnSpPr>
-          <p:spPr>
-            <a:xfrm flipV="1">
-              <a:off x="6340635" y="4755887"/>
-              <a:ext cx="881363" cy="123339"/>
-            </a:xfrm>
-            <a:prstGeom prst="bentConnector2">
-              <a:avLst/>
-            </a:prstGeom>
-            <a:ln w="19050">
-              <a:headEnd type="none" w="med" len="med"/>
-              <a:tailEnd type="triangle" w="med" len="med"/>
-            </a:ln>
-          </p:spPr>
-          <p:style>
-            <a:lnRef idx="3">
-              <a:schemeClr val="dk1"/>
-            </a:lnRef>
-            <a:fillRef idx="0">
-              <a:schemeClr val="dk1"/>
-            </a:fillRef>
-            <a:effectRef idx="2">
-              <a:schemeClr val="dk1"/>
-            </a:effectRef>
-            <a:fontRef idx="minor">
-              <a:schemeClr val="tx1"/>
-            </a:fontRef>
-          </p:style>
-        </p:cxnSp>
-        <p:cxnSp>
-          <p:nvCxnSpPr>
-            <p:cNvPr id="46" name="Straight Arrow Connector 45">
-              <a:extLst>
-                <a:ext uri="{FF2B5EF4-FFF2-40B4-BE49-F238E27FC236}">
-                  <a16:creationId xmlns:a16="http://schemas.microsoft.com/office/drawing/2014/main" id="{E9283E11-0BAF-4CD9-AF7C-4BD535104CBF}"/>
-                </a:ext>
-              </a:extLst>
-            </p:cNvPr>
-            <p:cNvCxnSpPr>
-              <a:cxnSpLocks/>
-              <a:stCxn id="33" idx="0"/>
-              <a:endCxn id="37" idx="2"/>
-            </p:cNvCxnSpPr>
-            <p:nvPr/>
-          </p:nvCxnSpPr>
-          <p:spPr>
-            <a:xfrm flipV="1">
-              <a:off x="5709326" y="3744845"/>
-              <a:ext cx="0" cy="716139"/>
-            </a:xfrm>
-            <a:prstGeom prst="straightConnector1">
-              <a:avLst/>
-            </a:prstGeom>
-            <a:ln w="19050">
-              <a:headEnd type="none" w="med" len="med"/>
-              <a:tailEnd type="triangle" w="med" len="med"/>
-            </a:ln>
-          </p:spPr>
-          <p:style>
-            <a:lnRef idx="3">
-              <a:schemeClr val="dk1"/>
-            </a:lnRef>
-            <a:fillRef idx="0">
-              <a:schemeClr val="dk1"/>
-            </a:fillRef>
-            <a:effectRef idx="2">
-              <a:schemeClr val="dk1"/>
-            </a:effectRef>
-            <a:fontRef idx="minor">
-              <a:schemeClr val="tx1"/>
-            </a:fontRef>
-          </p:style>
-        </p:cxnSp>
-        <p:cxnSp>
-          <p:nvCxnSpPr>
-            <p:cNvPr id="48" name="Straight Arrow Connector 47">
-              <a:extLst>
-                <a:ext uri="{FF2B5EF4-FFF2-40B4-BE49-F238E27FC236}">
-                  <a16:creationId xmlns:a16="http://schemas.microsoft.com/office/drawing/2014/main" id="{65DCA816-98C2-40C1-A97A-924F22A77657}"/>
-                </a:ext>
-              </a:extLst>
-            </p:cNvPr>
-            <p:cNvCxnSpPr>
-              <a:cxnSpLocks/>
-              <a:stCxn id="31" idx="0"/>
-              <a:endCxn id="9" idx="2"/>
-            </p:cNvCxnSpPr>
-            <p:nvPr/>
-          </p:nvCxnSpPr>
-          <p:spPr>
-            <a:xfrm flipV="1">
-              <a:off x="7221998" y="2733803"/>
-              <a:ext cx="0" cy="174558"/>
-            </a:xfrm>
-            <a:prstGeom prst="straightConnector1">
-              <a:avLst/>
-            </a:prstGeom>
-            <a:ln w="19050">
-              <a:headEnd type="none" w="med" len="med"/>
-              <a:tailEnd type="triangle" w="med" len="med"/>
-            </a:ln>
-          </p:spPr>
-          <p:style>
-            <a:lnRef idx="3">
-              <a:schemeClr val="dk1"/>
-            </a:lnRef>
-            <a:fillRef idx="0">
-              <a:schemeClr val="dk1"/>
-            </a:fillRef>
-            <a:effectRef idx="2">
-              <a:schemeClr val="dk1"/>
-            </a:effectRef>
-            <a:fontRef idx="minor">
-              <a:schemeClr val="tx1"/>
-            </a:fontRef>
-          </p:style>
-        </p:cxnSp>
-        <p:cxnSp>
-          <p:nvCxnSpPr>
-            <p:cNvPr id="50" name="Straight Arrow Connector 49">
-              <a:extLst>
-                <a:ext uri="{FF2B5EF4-FFF2-40B4-BE49-F238E27FC236}">
-                  <a16:creationId xmlns:a16="http://schemas.microsoft.com/office/drawing/2014/main" id="{CA61959F-842F-47AF-8A49-13D2C5BC91AB}"/>
-                </a:ext>
-              </a:extLst>
-            </p:cNvPr>
-            <p:cNvCxnSpPr>
-              <a:cxnSpLocks/>
-              <a:stCxn id="37" idx="0"/>
-              <a:endCxn id="8" idx="2"/>
-            </p:cNvCxnSpPr>
-            <p:nvPr/>
-          </p:nvCxnSpPr>
-          <p:spPr>
-            <a:xfrm flipV="1">
-              <a:off x="5709326" y="2733803"/>
-              <a:ext cx="0" cy="174558"/>
-            </a:xfrm>
-            <a:prstGeom prst="straightConnector1">
-              <a:avLst/>
-            </a:prstGeom>
-            <a:ln w="19050">
-              <a:headEnd type="none" w="med" len="med"/>
-              <a:tailEnd type="triangle" w="med" len="med"/>
-            </a:ln>
-          </p:spPr>
-          <p:style>
-            <a:lnRef idx="3">
-              <a:schemeClr val="dk1"/>
-            </a:lnRef>
-            <a:fillRef idx="0">
-              <a:schemeClr val="dk1"/>
-            </a:fillRef>
-            <a:effectRef idx="2">
-              <a:schemeClr val="dk1"/>
-            </a:effectRef>
-            <a:fontRef idx="minor">
-              <a:schemeClr val="tx1"/>
-            </a:fontRef>
-          </p:style>
-        </p:cxnSp>
-        <p:cxnSp>
-          <p:nvCxnSpPr>
-            <p:cNvPr id="53" name="Straight Arrow Connector 52">
-              <a:extLst>
-                <a:ext uri="{FF2B5EF4-FFF2-40B4-BE49-F238E27FC236}">
-                  <a16:creationId xmlns:a16="http://schemas.microsoft.com/office/drawing/2014/main" id="{DFD144A9-6A06-487B-A747-BC37086CD013}"/>
-                </a:ext>
-              </a:extLst>
-            </p:cNvPr>
-            <p:cNvCxnSpPr>
-              <a:cxnSpLocks/>
-              <a:stCxn id="39" idx="0"/>
-              <a:endCxn id="7" idx="2"/>
-            </p:cNvCxnSpPr>
-            <p:nvPr/>
-          </p:nvCxnSpPr>
-          <p:spPr>
-            <a:xfrm flipV="1">
-              <a:off x="4196654" y="2733803"/>
-              <a:ext cx="0" cy="172173"/>
-            </a:xfrm>
-            <a:prstGeom prst="straightConnector1">
-              <a:avLst/>
-            </a:prstGeom>
-            <a:ln w="19050">
-              <a:headEnd type="none" w="med" len="med"/>
-              <a:tailEnd type="triangle" w="med" len="med"/>
-            </a:ln>
-          </p:spPr>
-          <p:style>
-            <a:lnRef idx="3">
-              <a:schemeClr val="dk1"/>
-            </a:lnRef>
-            <a:fillRef idx="0">
-              <a:schemeClr val="dk1"/>
-            </a:fillRef>
-            <a:effectRef idx="2">
-              <a:schemeClr val="dk1"/>
-            </a:effectRef>
-            <a:fontRef idx="minor">
-              <a:schemeClr val="tx1"/>
-            </a:fontRef>
-          </p:style>
-        </p:cxnSp>
-        <p:cxnSp>
-          <p:nvCxnSpPr>
-            <p:cNvPr id="54" name="Straight Arrow Connector 53">
-              <a:extLst>
-                <a:ext uri="{FF2B5EF4-FFF2-40B4-BE49-F238E27FC236}">
-                  <a16:creationId xmlns:a16="http://schemas.microsoft.com/office/drawing/2014/main" id="{5068796F-CA76-433E-849A-F9BA3A40E512}"/>
-                </a:ext>
-              </a:extLst>
-            </p:cNvPr>
-            <p:cNvCxnSpPr>
-              <a:cxnSpLocks/>
-              <a:stCxn id="32" idx="0"/>
-              <a:endCxn id="31" idx="2"/>
-            </p:cNvCxnSpPr>
-            <p:nvPr/>
-          </p:nvCxnSpPr>
-          <p:spPr>
-            <a:xfrm flipV="1">
-              <a:off x="7221998" y="3744845"/>
-              <a:ext cx="0" cy="174558"/>
-            </a:xfrm>
-            <a:prstGeom prst="straightConnector1">
-              <a:avLst/>
-            </a:prstGeom>
-            <a:ln w="19050">
-              <a:headEnd type="none" w="med" len="med"/>
-              <a:tailEnd type="triangle" w="med" len="med"/>
-            </a:ln>
-          </p:spPr>
-          <p:style>
-            <a:lnRef idx="3">
-              <a:schemeClr val="dk1"/>
-            </a:lnRef>
-            <a:fillRef idx="0">
-              <a:schemeClr val="dk1"/>
-            </a:fillRef>
-            <a:effectRef idx="2">
-              <a:schemeClr val="dk1"/>
-            </a:effectRef>
-            <a:fontRef idx="minor">
-              <a:schemeClr val="tx1"/>
-            </a:fontRef>
-          </p:style>
-        </p:cxnSp>
-        <p:grpSp>
-          <p:nvGrpSpPr>
-            <p:cNvPr id="100" name="Group 99">
-              <a:extLst>
-                <a:ext uri="{FF2B5EF4-FFF2-40B4-BE49-F238E27FC236}">
-                  <a16:creationId xmlns:a16="http://schemas.microsoft.com/office/drawing/2014/main" id="{CA0986DF-803D-4007-B32A-0BF5BD204821}"/>
-                </a:ext>
-              </a:extLst>
-            </p:cNvPr>
-            <p:cNvGrpSpPr/>
-            <p:nvPr/>
-          </p:nvGrpSpPr>
-          <p:grpSpPr>
-            <a:xfrm>
-              <a:off x="2052673" y="4460984"/>
-              <a:ext cx="4287962" cy="836484"/>
-              <a:chOff x="2052673" y="5318936"/>
-              <a:chExt cx="4287962" cy="836484"/>
-            </a:xfrm>
-          </p:grpSpPr>
-          <p:sp>
-            <p:nvSpPr>
-              <p:cNvPr id="33" name="Flowchart: Alternate Process 32">
-                <a:extLst>
-                  <a:ext uri="{FF2B5EF4-FFF2-40B4-BE49-F238E27FC236}">
-                    <a16:creationId xmlns:a16="http://schemas.microsoft.com/office/drawing/2014/main" id="{4163DF66-86CE-4486-8FD7-36BD3D64EF28}"/>
-                  </a:ext>
-                </a:extLst>
-              </p:cNvPr>
-              <p:cNvSpPr/>
-              <p:nvPr/>
-            </p:nvSpPr>
-            <p:spPr>
-              <a:xfrm>
-                <a:off x="5078017" y="5318936"/>
-                <a:ext cx="1262618" cy="836484"/>
-              </a:xfrm>
-              <a:prstGeom prst="flowChartAlternateProcess">
-                <a:avLst/>
-              </a:prstGeom>
-              <a:ln w="19050"/>
-            </p:spPr>
-            <p:style>
-              <a:lnRef idx="2">
-                <a:schemeClr val="dk1"/>
-              </a:lnRef>
-              <a:fillRef idx="1">
-                <a:schemeClr val="lt1"/>
-              </a:fillRef>
-              <a:effectRef idx="0">
-                <a:schemeClr val="dk1"/>
-              </a:effectRef>
-              <a:fontRef idx="minor">
-                <a:schemeClr val="dk1"/>
-              </a:fontRef>
-            </p:style>
-            <p:txBody>
-              <a:bodyPr rot="0" spcFirstLastPara="0" vertOverflow="overflow" horzOverflow="overflow" vert="horz" wrap="square" lIns="0" tIns="0" rIns="0" bIns="0" numCol="1" spcCol="0" rtlCol="0" fromWordArt="0" anchor="ctr" anchorCtr="0" forceAA="0" compatLnSpc="1">
-                <a:prstTxWarp prst="textNoShape">
-                  <a:avLst/>
-                </a:prstTxWarp>
-                <a:noAutofit/>
-              </a:bodyPr>
-              <a:lstStyle/>
-              <a:p>
-                <a:pPr algn="ctr"/>
-                <a:r>
-                  <a:rPr lang="en-AU" sz="1050" dirty="0">
-                    <a:solidFill>
-                      <a:schemeClr val="dk1"/>
-                    </a:solidFill>
-                    <a:latin typeface="Consolas" panose="020B0609020204030204" pitchFamily="49" charset="0"/>
-                    <a:ea typeface="Yu Gothic" panose="020B0400000000000000" pitchFamily="34" charset="-128"/>
-                  </a:rPr>
-                  <a:t>Show sensor readings adjusting actuator over UART</a:t>
-                </a:r>
-              </a:p>
-            </p:txBody>
-          </p:sp>
-          <p:grpSp>
-            <p:nvGrpSpPr>
-              <p:cNvPr id="86" name="Group 85">
-                <a:extLst>
-                  <a:ext uri="{FF2B5EF4-FFF2-40B4-BE49-F238E27FC236}">
-                    <a16:creationId xmlns:a16="http://schemas.microsoft.com/office/drawing/2014/main" id="{D65ECB88-7C4A-4801-9FA0-3C62B672EF7E}"/>
-                  </a:ext>
-                </a:extLst>
-              </p:cNvPr>
-              <p:cNvGrpSpPr/>
-              <p:nvPr/>
-            </p:nvGrpSpPr>
-            <p:grpSpPr>
-              <a:xfrm>
-                <a:off x="2052673" y="5318936"/>
-                <a:ext cx="1262618" cy="836484"/>
-                <a:chOff x="2052673" y="5318936"/>
-                <a:chExt cx="1262618" cy="836484"/>
-              </a:xfrm>
-            </p:grpSpPr>
-            <p:grpSp>
-              <p:nvGrpSpPr>
-                <p:cNvPr id="70" name="Group 69">
-                  <a:extLst>
-                    <a:ext uri="{FF2B5EF4-FFF2-40B4-BE49-F238E27FC236}">
-                      <a16:creationId xmlns:a16="http://schemas.microsoft.com/office/drawing/2014/main" id="{27E4E1FA-11AC-46F2-8D2D-D60249DB118D}"/>
-                    </a:ext>
-                  </a:extLst>
-                </p:cNvPr>
-                <p:cNvGrpSpPr/>
-                <p:nvPr/>
-              </p:nvGrpSpPr>
-              <p:grpSpPr>
-                <a:xfrm>
-                  <a:off x="2351968" y="5318936"/>
-                  <a:ext cx="664028" cy="332014"/>
-                  <a:chOff x="985157" y="4125686"/>
-                  <a:chExt cx="664028" cy="332014"/>
-                </a:xfrm>
-              </p:grpSpPr>
-              <p:sp>
-                <p:nvSpPr>
-                  <p:cNvPr id="68" name="Rectangle 67">
-                    <a:extLst>
-                      <a:ext uri="{FF2B5EF4-FFF2-40B4-BE49-F238E27FC236}">
-                        <a16:creationId xmlns:a16="http://schemas.microsoft.com/office/drawing/2014/main" id="{F4252B57-3E1E-4BDB-B75A-AED55038E90A}"/>
-                      </a:ext>
-                    </a:extLst>
-                  </p:cNvPr>
-                  <p:cNvSpPr/>
-                  <p:nvPr/>
-                </p:nvSpPr>
-                <p:spPr>
-                  <a:xfrm>
-                    <a:off x="985157" y="4125686"/>
-                    <a:ext cx="332014" cy="332014"/>
-                  </a:xfrm>
-                  <a:prstGeom prst="rect">
-                    <a:avLst/>
-                  </a:prstGeom>
-                </p:spPr>
-                <p:style>
-                  <a:lnRef idx="2">
-                    <a:schemeClr val="accent1">
-                      <a:shade val="50000"/>
-                    </a:schemeClr>
-                  </a:lnRef>
-                  <a:fillRef idx="1">
-                    <a:schemeClr val="accent1"/>
-                  </a:fillRef>
-                  <a:effectRef idx="0">
-                    <a:schemeClr val="accent1"/>
-                  </a:effectRef>
-                  <a:fontRef idx="minor">
-                    <a:schemeClr val="lt1"/>
-                  </a:fontRef>
-                </p:style>
-                <p:txBody>
-                  <a:bodyPr rtlCol="0" anchor="ctr"/>
-                  <a:lstStyle/>
-                  <a:p>
-                    <a:pPr algn="ctr"/>
-                    <a:endParaRPr lang="en-AU"/>
-                  </a:p>
-                </p:txBody>
-              </p:sp>
-              <p:sp>
-                <p:nvSpPr>
-                  <p:cNvPr id="69" name="Rectangle 68">
-                    <a:extLst>
-                      <a:ext uri="{FF2B5EF4-FFF2-40B4-BE49-F238E27FC236}">
-                        <a16:creationId xmlns:a16="http://schemas.microsoft.com/office/drawing/2014/main" id="{2DCF4CA2-160B-4F92-A433-4F7E43D2F2F7}"/>
-                      </a:ext>
-                    </a:extLst>
-                  </p:cNvPr>
-                  <p:cNvSpPr/>
-                  <p:nvPr/>
-                </p:nvSpPr>
-                <p:spPr>
-                  <a:xfrm>
-                    <a:off x="1317171" y="4125686"/>
-                    <a:ext cx="332014" cy="332014"/>
-                  </a:xfrm>
-                  <a:prstGeom prst="rect">
-                    <a:avLst/>
-                  </a:prstGeom>
-                </p:spPr>
-                <p:style>
-                  <a:lnRef idx="2">
-                    <a:schemeClr val="accent1">
-                      <a:shade val="50000"/>
-                    </a:schemeClr>
-                  </a:lnRef>
-                  <a:fillRef idx="1">
-                    <a:schemeClr val="accent1"/>
-                  </a:fillRef>
-                  <a:effectRef idx="0">
-                    <a:schemeClr val="accent1"/>
-                  </a:effectRef>
-                  <a:fontRef idx="minor">
-                    <a:schemeClr val="lt1"/>
-                  </a:fontRef>
-                </p:style>
-                <p:txBody>
-                  <a:bodyPr rtlCol="0" anchor="ctr"/>
-                  <a:lstStyle/>
-                  <a:p>
-                    <a:pPr algn="ctr"/>
-                    <a:endParaRPr lang="en-AU"/>
-                  </a:p>
-                </p:txBody>
-              </p:sp>
-            </p:grpSp>
-            <p:sp>
-              <p:nvSpPr>
-                <p:cNvPr id="63" name="Flowchart: Alternate Process 62">
-                  <a:extLst>
-                    <a:ext uri="{FF2B5EF4-FFF2-40B4-BE49-F238E27FC236}">
-                      <a16:creationId xmlns:a16="http://schemas.microsoft.com/office/drawing/2014/main" id="{D9B136AE-C3EB-463F-B896-8E998188D051}"/>
-                    </a:ext>
-                  </a:extLst>
-                </p:cNvPr>
-                <p:cNvSpPr/>
-                <p:nvPr/>
-              </p:nvSpPr>
-              <p:spPr>
-                <a:xfrm>
-                  <a:off x="2052673" y="5318936"/>
-                  <a:ext cx="1262618" cy="836484"/>
-                </a:xfrm>
-                <a:prstGeom prst="flowChartAlternateProcess">
-                  <a:avLst/>
-                </a:prstGeom>
-                <a:ln w="19050"/>
-              </p:spPr>
-              <p:style>
-                <a:lnRef idx="2">
-                  <a:schemeClr val="dk1"/>
-                </a:lnRef>
-                <a:fillRef idx="1">
-                  <a:schemeClr val="lt1"/>
-                </a:fillRef>
-                <a:effectRef idx="0">
-                  <a:schemeClr val="dk1"/>
-                </a:effectRef>
-                <a:fontRef idx="minor">
-                  <a:schemeClr val="dk1"/>
-                </a:fontRef>
-              </p:style>
-              <p:txBody>
-                <a:bodyPr rot="0" spcFirstLastPara="0" vertOverflow="overflow" horzOverflow="overflow" vert="horz" wrap="square" lIns="0" tIns="0" rIns="0" bIns="0" numCol="1" spcCol="0" rtlCol="0" fromWordArt="0" anchor="ctr" anchorCtr="0" forceAA="0" compatLnSpc="1">
-                  <a:prstTxWarp prst="textNoShape">
-                    <a:avLst/>
-                  </a:prstTxWarp>
-                  <a:noAutofit/>
-                </a:bodyPr>
-                <a:lstStyle/>
-                <a:p>
-                  <a:pPr algn="ctr"/>
-                  <a:r>
-                    <a:rPr lang="en-AU" sz="1050" dirty="0">
-                      <a:solidFill>
-                        <a:schemeClr val="dk1"/>
-                      </a:solidFill>
-                      <a:latin typeface="Consolas" panose="020B0609020204030204" pitchFamily="49" charset="0"/>
-                      <a:ea typeface="Yu Gothic" panose="020B0400000000000000" pitchFamily="34" charset="-128"/>
-                    </a:rPr>
-                    <a:t>Show actuator position adjusting due to distance measurement</a:t>
-                  </a:r>
-                </a:p>
-              </p:txBody>
-            </p:sp>
-          </p:grpSp>
-        </p:grpSp>
-        <p:cxnSp>
-          <p:nvCxnSpPr>
-            <p:cNvPr id="67" name="Straight Arrow Connector 66">
-              <a:extLst>
-                <a:ext uri="{FF2B5EF4-FFF2-40B4-BE49-F238E27FC236}">
-                  <a16:creationId xmlns:a16="http://schemas.microsoft.com/office/drawing/2014/main" id="{2F072769-64CD-493F-865C-F7787897098F}"/>
-                </a:ext>
-              </a:extLst>
-            </p:cNvPr>
-            <p:cNvCxnSpPr>
-              <a:cxnSpLocks/>
-              <a:stCxn id="63" idx="0"/>
-              <a:endCxn id="6" idx="2"/>
-            </p:cNvCxnSpPr>
-            <p:nvPr/>
-          </p:nvCxnSpPr>
-          <p:spPr>
-            <a:xfrm flipV="1">
-              <a:off x="2683982" y="2733803"/>
-              <a:ext cx="0" cy="1727181"/>
-            </a:xfrm>
-            <a:prstGeom prst="straightConnector1">
-              <a:avLst/>
-            </a:prstGeom>
-            <a:ln w="19050">
-              <a:headEnd type="none" w="med" len="med"/>
-              <a:tailEnd type="triangle" w="med" len="med"/>
-            </a:ln>
-          </p:spPr>
-          <p:style>
-            <a:lnRef idx="3">
-              <a:schemeClr val="dk1"/>
-            </a:lnRef>
-            <a:fillRef idx="0">
-              <a:schemeClr val="dk1"/>
-            </a:fillRef>
-            <a:effectRef idx="2">
-              <a:schemeClr val="dk1"/>
-            </a:effectRef>
-            <a:fontRef idx="minor">
-              <a:schemeClr val="tx1"/>
-            </a:fontRef>
-          </p:style>
-        </p:cxnSp>
-        <p:cxnSp>
-          <p:nvCxnSpPr>
-            <p:cNvPr id="72" name="Connector: Elbow 71">
-              <a:extLst>
-                <a:ext uri="{FF2B5EF4-FFF2-40B4-BE49-F238E27FC236}">
-                  <a16:creationId xmlns:a16="http://schemas.microsoft.com/office/drawing/2014/main" id="{66010647-F8B8-4BE0-8AC4-4D3A48B05A75}"/>
-                </a:ext>
-              </a:extLst>
-            </p:cNvPr>
-            <p:cNvCxnSpPr>
-              <a:cxnSpLocks/>
-              <a:stCxn id="69" idx="0"/>
-              <a:endCxn id="76" idx="2"/>
-            </p:cNvCxnSpPr>
-            <p:nvPr/>
-          </p:nvCxnSpPr>
-          <p:spPr>
-            <a:xfrm rot="5400000" flipH="1" flipV="1">
-              <a:off x="3838585" y="2756250"/>
-              <a:ext cx="716139" cy="2693330"/>
-            </a:xfrm>
-            <a:prstGeom prst="bentConnector3">
-              <a:avLst>
-                <a:gd name="adj1" fmla="val 50000"/>
-              </a:avLst>
-            </a:prstGeom>
-            <a:ln w="19050">
-              <a:headEnd type="none" w="med" len="med"/>
-              <a:tailEnd type="triangle" w="med" len="med"/>
-            </a:ln>
-          </p:spPr>
-          <p:style>
-            <a:lnRef idx="3">
-              <a:schemeClr val="dk1"/>
-            </a:lnRef>
-            <a:fillRef idx="0">
-              <a:schemeClr val="dk1"/>
-            </a:fillRef>
-            <a:effectRef idx="2">
-              <a:schemeClr val="dk1"/>
-            </a:effectRef>
-            <a:fontRef idx="minor">
-              <a:schemeClr val="tx1"/>
-            </a:fontRef>
-          </p:style>
-        </p:cxnSp>
-        <p:sp>
-          <p:nvSpPr>
-            <p:cNvPr id="88" name="Flowchart: Alternate Process 87">
-              <a:extLst>
-                <a:ext uri="{FF2B5EF4-FFF2-40B4-BE49-F238E27FC236}">
-                  <a16:creationId xmlns:a16="http://schemas.microsoft.com/office/drawing/2014/main" id="{8424E895-381E-4037-A814-E4DE02DC2D20}"/>
+                  <a16:creationId xmlns:a16="http://schemas.microsoft.com/office/drawing/2014/main" id="{D9B136AE-C3EB-463F-B896-8E998188D051}"/>
                 </a:ext>
               </a:extLst>
             </p:cNvPr>
@@ -7325,7 +7134,7 @@
           </p:nvSpPr>
           <p:spPr>
             <a:xfrm>
-              <a:off x="3565344" y="5390117"/>
+              <a:off x="1296347" y="4460984"/>
               <a:ext cx="1262618" cy="836484"/>
             </a:xfrm>
             <a:prstGeom prst="flowChartAlternateProcess">
@@ -7365,100 +7174,439 @@
                   <a:latin typeface="Consolas" panose="020B0609020204030204" pitchFamily="49" charset="0"/>
                   <a:ea typeface="Yu Gothic" panose="020B0400000000000000" pitchFamily="34" charset="-128"/>
                 </a:rPr>
-                <a:t>Adjust actuator position in response to system command</a:t>
+                <a:t>Show actuator position adjusting due to distance measurement</a:t>
               </a:r>
             </a:p>
           </p:txBody>
         </p:sp>
-        <p:cxnSp>
-          <p:nvCxnSpPr>
-            <p:cNvPr id="105" name="Connector: Elbow 104">
-              <a:extLst>
-                <a:ext uri="{FF2B5EF4-FFF2-40B4-BE49-F238E27FC236}">
-                  <a16:creationId xmlns:a16="http://schemas.microsoft.com/office/drawing/2014/main" id="{AED79074-9BD2-4549-88CB-E337D5413FCD}"/>
-                </a:ext>
-              </a:extLst>
-            </p:cNvPr>
-            <p:cNvCxnSpPr>
-              <a:cxnSpLocks/>
-              <a:stCxn id="88" idx="3"/>
-              <a:endCxn id="33" idx="2"/>
-            </p:cNvCxnSpPr>
-            <p:nvPr/>
-          </p:nvCxnSpPr>
-          <p:spPr>
-            <a:xfrm flipV="1">
-              <a:off x="4827962" y="5297468"/>
-              <a:ext cx="881364" cy="510891"/>
-            </a:xfrm>
-            <a:prstGeom prst="bentConnector2">
+      </p:grpSp>
+      <p:sp>
+        <p:nvSpPr>
+          <p:cNvPr id="88" name="Flowchart: Alternate Process 87">
+            <a:extLst>
+              <a:ext uri="{FF2B5EF4-FFF2-40B4-BE49-F238E27FC236}">
+                <a16:creationId xmlns:a16="http://schemas.microsoft.com/office/drawing/2014/main" id="{8424E895-381E-4037-A814-E4DE02DC2D20}"/>
+              </a:ext>
+            </a:extLst>
+          </p:cNvPr>
+          <p:cNvSpPr/>
+          <p:nvPr/>
+        </p:nvSpPr>
+        <p:spPr>
+          <a:xfrm>
+            <a:off x="2809018" y="5390117"/>
+            <a:ext cx="1262618" cy="836484"/>
+          </a:xfrm>
+          <a:prstGeom prst="flowChartAlternateProcess">
+            <a:avLst/>
+          </a:prstGeom>
+          <a:ln w="19050"/>
+        </p:spPr>
+        <p:style>
+          <a:lnRef idx="2">
+            <a:schemeClr val="dk1"/>
+          </a:lnRef>
+          <a:fillRef idx="1">
+            <a:schemeClr val="lt1"/>
+          </a:fillRef>
+          <a:effectRef idx="0">
+            <a:schemeClr val="dk1"/>
+          </a:effectRef>
+          <a:fontRef idx="minor">
+            <a:schemeClr val="dk1"/>
+          </a:fontRef>
+        </p:style>
+        <p:txBody>
+          <a:bodyPr rot="0" spcFirstLastPara="0" vertOverflow="overflow" horzOverflow="overflow" vert="horz" wrap="square" lIns="0" tIns="0" rIns="0" bIns="0" numCol="1" spcCol="0" rtlCol="0" fromWordArt="0" anchor="ctr" anchorCtr="0" forceAA="0" compatLnSpc="1">
+            <a:prstTxWarp prst="textNoShape">
               <a:avLst/>
-            </a:prstGeom>
-            <a:ln w="19050">
-              <a:headEnd type="none" w="med" len="med"/>
-              <a:tailEnd type="triangle" w="med" len="med"/>
-            </a:ln>
-          </p:spPr>
-          <p:style>
-            <a:lnRef idx="3">
-              <a:schemeClr val="dk1"/>
-            </a:lnRef>
-            <a:fillRef idx="0">
-              <a:schemeClr val="dk1"/>
-            </a:fillRef>
-            <a:effectRef idx="2">
-              <a:schemeClr val="dk1"/>
-            </a:effectRef>
-            <a:fontRef idx="minor">
-              <a:schemeClr val="tx1"/>
-            </a:fontRef>
-          </p:style>
-        </p:cxnSp>
-        <p:cxnSp>
-          <p:nvCxnSpPr>
-            <p:cNvPr id="106" name="Connector: Elbow 105">
-              <a:extLst>
-                <a:ext uri="{FF2B5EF4-FFF2-40B4-BE49-F238E27FC236}">
-                  <a16:creationId xmlns:a16="http://schemas.microsoft.com/office/drawing/2014/main" id="{4D81E34B-CEF6-4353-9DC1-F1649ABF0CE8}"/>
-                </a:ext>
-              </a:extLst>
-            </p:cNvPr>
-            <p:cNvCxnSpPr>
-              <a:cxnSpLocks/>
-              <a:stCxn id="88" idx="1"/>
-              <a:endCxn id="63" idx="2"/>
-            </p:cNvCxnSpPr>
-            <p:nvPr/>
-          </p:nvCxnSpPr>
-          <p:spPr>
-            <a:xfrm rot="10800000">
-              <a:off x="2683982" y="5297469"/>
-              <a:ext cx="881362" cy="510891"/>
-            </a:xfrm>
-            <a:prstGeom prst="bentConnector2">
+            </a:prstTxWarp>
+            <a:noAutofit/>
+          </a:bodyPr>
+          <a:lstStyle/>
+          <a:p>
+            <a:pPr algn="ctr"/>
+            <a:r>
+              <a:rPr lang="en-AU" sz="1050" dirty="0">
+                <a:solidFill>
+                  <a:schemeClr val="dk1"/>
+                </a:solidFill>
+                <a:latin typeface="Consolas" panose="020B0609020204030204" pitchFamily="49" charset="0"/>
+                <a:ea typeface="Yu Gothic" panose="020B0400000000000000" pitchFamily="34" charset="-128"/>
+              </a:rPr>
+              <a:t>Adjust actuator position in response to system command</a:t>
+            </a:r>
+          </a:p>
+        </p:txBody>
+      </p:sp>
+      <p:sp>
+        <p:nvSpPr>
+          <p:cNvPr id="31" name="Flowchart: Alternate Process 30">
+            <a:extLst>
+              <a:ext uri="{FF2B5EF4-FFF2-40B4-BE49-F238E27FC236}">
+                <a16:creationId xmlns:a16="http://schemas.microsoft.com/office/drawing/2014/main" id="{679DD8B0-32A4-4F41-A7DC-81054579EBF4}"/>
+              </a:ext>
+            </a:extLst>
+          </p:cNvPr>
+          <p:cNvSpPr/>
+          <p:nvPr/>
+        </p:nvSpPr>
+        <p:spPr>
+          <a:xfrm>
+            <a:off x="5834363" y="2908361"/>
+            <a:ext cx="1262618" cy="836484"/>
+          </a:xfrm>
+          <a:prstGeom prst="flowChartAlternateProcess">
+            <a:avLst/>
+          </a:prstGeom>
+          <a:ln w="19050"/>
+        </p:spPr>
+        <p:style>
+          <a:lnRef idx="2">
+            <a:schemeClr val="dk1"/>
+          </a:lnRef>
+          <a:fillRef idx="1">
+            <a:schemeClr val="lt1"/>
+          </a:fillRef>
+          <a:effectRef idx="0">
+            <a:schemeClr val="dk1"/>
+          </a:effectRef>
+          <a:fontRef idx="minor">
+            <a:schemeClr val="dk1"/>
+          </a:fontRef>
+        </p:style>
+        <p:txBody>
+          <a:bodyPr rot="0" spcFirstLastPara="0" vertOverflow="overflow" horzOverflow="overflow" vert="horz" wrap="square" lIns="0" tIns="0" rIns="0" bIns="0" numCol="1" spcCol="0" rtlCol="0" fromWordArt="0" anchor="ctr" anchorCtr="0" forceAA="0" compatLnSpc="1">
+            <a:prstTxWarp prst="textNoShape">
               <a:avLst/>
-            </a:prstGeom>
-            <a:ln w="19050">
-              <a:headEnd type="none" w="med" len="med"/>
-              <a:tailEnd type="triangle" w="med" len="med"/>
-            </a:ln>
-          </p:spPr>
-          <p:style>
-            <a:lnRef idx="3">
-              <a:schemeClr val="dk1"/>
-            </a:lnRef>
-            <a:fillRef idx="0">
-              <a:schemeClr val="dk1"/>
-            </a:fillRef>
-            <a:effectRef idx="2">
-              <a:schemeClr val="dk1"/>
-            </a:effectRef>
-            <a:fontRef idx="minor">
-              <a:schemeClr val="tx1"/>
-            </a:fontRef>
-          </p:style>
-        </p:cxnSp>
-      </p:grpSp>
+            </a:prstTxWarp>
+            <a:noAutofit/>
+          </a:bodyPr>
+          <a:lstStyle/>
+          <a:p>
+            <a:pPr algn="ctr"/>
+            <a:r>
+              <a:rPr lang="en-AU" sz="1050" dirty="0">
+                <a:solidFill>
+                  <a:schemeClr val="dk1"/>
+                </a:solidFill>
+                <a:latin typeface="Consolas" panose="020B0609020204030204" pitchFamily="49" charset="0"/>
+                <a:ea typeface="Yu Gothic" panose="020B0400000000000000" pitchFamily="34" charset="-128"/>
+              </a:rPr>
+              <a:t>Demonstrate messages being transmitted over UART</a:t>
+            </a:r>
+          </a:p>
+        </p:txBody>
+      </p:sp>
+      <p:sp>
+        <p:nvSpPr>
+          <p:cNvPr id="37" name="Flowchart: Alternate Process 36">
+            <a:extLst>
+              <a:ext uri="{FF2B5EF4-FFF2-40B4-BE49-F238E27FC236}">
+                <a16:creationId xmlns:a16="http://schemas.microsoft.com/office/drawing/2014/main" id="{974CF804-4DA0-4BDC-AE5B-D754AC91E944}"/>
+              </a:ext>
+            </a:extLst>
+          </p:cNvPr>
+          <p:cNvSpPr/>
+          <p:nvPr/>
+        </p:nvSpPr>
+        <p:spPr>
+          <a:xfrm>
+            <a:off x="4321691" y="2908361"/>
+            <a:ext cx="1262618" cy="836484"/>
+          </a:xfrm>
+          <a:prstGeom prst="flowChartAlternateProcess">
+            <a:avLst/>
+          </a:prstGeom>
+          <a:ln w="19050"/>
+        </p:spPr>
+        <p:style>
+          <a:lnRef idx="2">
+            <a:schemeClr val="dk1"/>
+          </a:lnRef>
+          <a:fillRef idx="1">
+            <a:schemeClr val="lt1"/>
+          </a:fillRef>
+          <a:effectRef idx="0">
+            <a:schemeClr val="dk1"/>
+          </a:effectRef>
+          <a:fontRef idx="minor">
+            <a:schemeClr val="dk1"/>
+          </a:fontRef>
+        </p:style>
+        <p:txBody>
+          <a:bodyPr rot="0" spcFirstLastPara="0" vertOverflow="overflow" horzOverflow="overflow" vert="horz" wrap="square" lIns="0" tIns="0" rIns="0" bIns="0" numCol="1" spcCol="0" rtlCol="0" fromWordArt="0" anchor="ctr" anchorCtr="0" forceAA="0" compatLnSpc="1">
+            <a:prstTxWarp prst="textNoShape">
+              <a:avLst/>
+            </a:prstTxWarp>
+            <a:noAutofit/>
+          </a:bodyPr>
+          <a:lstStyle/>
+          <a:p>
+            <a:pPr algn="ctr"/>
+            <a:r>
+              <a:rPr lang="en-AU" sz="1050" dirty="0">
+                <a:solidFill>
+                  <a:schemeClr val="dk1"/>
+                </a:solidFill>
+                <a:latin typeface="Consolas" panose="020B0609020204030204" pitchFamily="49" charset="0"/>
+                <a:ea typeface="Yu Gothic" panose="020B0400000000000000" pitchFamily="34" charset="-128"/>
+              </a:rPr>
+              <a:t>Demonstrate system responding appropriately to stimulus</a:t>
+            </a:r>
+          </a:p>
+        </p:txBody>
+      </p:sp>
+      <p:sp>
+        <p:nvSpPr>
+          <p:cNvPr id="39" name="Flowchart: Alternate Process 38">
+            <a:extLst>
+              <a:ext uri="{FF2B5EF4-FFF2-40B4-BE49-F238E27FC236}">
+                <a16:creationId xmlns:a16="http://schemas.microsoft.com/office/drawing/2014/main" id="{B58093C0-4F77-4E41-8FD5-45BE1A84929C}"/>
+              </a:ext>
+            </a:extLst>
+          </p:cNvPr>
+          <p:cNvSpPr/>
+          <p:nvPr/>
+        </p:nvSpPr>
+        <p:spPr>
+          <a:xfrm>
+            <a:off x="2809019" y="2905976"/>
+            <a:ext cx="1262618" cy="836484"/>
+          </a:xfrm>
+          <a:prstGeom prst="flowChartAlternateProcess">
+            <a:avLst/>
+          </a:prstGeom>
+          <a:ln w="19050"/>
+        </p:spPr>
+        <p:style>
+          <a:lnRef idx="2">
+            <a:schemeClr val="dk1"/>
+          </a:lnRef>
+          <a:fillRef idx="1">
+            <a:schemeClr val="lt1"/>
+          </a:fillRef>
+          <a:effectRef idx="0">
+            <a:schemeClr val="dk1"/>
+          </a:effectRef>
+          <a:fontRef idx="minor">
+            <a:schemeClr val="dk1"/>
+          </a:fontRef>
+        </p:style>
+        <p:txBody>
+          <a:bodyPr rot="0" spcFirstLastPara="0" vertOverflow="overflow" horzOverflow="overflow" vert="horz" wrap="square" lIns="0" tIns="0" rIns="0" bIns="0" numCol="1" spcCol="0" rtlCol="0" fromWordArt="0" anchor="ctr" anchorCtr="0" forceAA="0" compatLnSpc="1">
+            <a:prstTxWarp prst="textNoShape">
+              <a:avLst/>
+            </a:prstTxWarp>
+            <a:noAutofit/>
+          </a:bodyPr>
+          <a:lstStyle/>
+          <a:p>
+            <a:pPr algn="ctr"/>
+            <a:r>
+              <a:rPr lang="en-AU" sz="1050" dirty="0">
+                <a:solidFill>
+                  <a:schemeClr val="dk1"/>
+                </a:solidFill>
+                <a:latin typeface="Consolas" panose="020B0609020204030204" pitchFamily="49" charset="0"/>
+                <a:ea typeface="Yu Gothic" panose="020B0400000000000000" pitchFamily="34" charset="-128"/>
+              </a:rPr>
+              <a:t>Demonstrate force application trigger safety stop</a:t>
+            </a:r>
+          </a:p>
+        </p:txBody>
+      </p:sp>
+      <p:sp>
+        <p:nvSpPr>
+          <p:cNvPr id="47" name="Flowchart: Alternate Process 46">
+            <a:extLst>
+              <a:ext uri="{FF2B5EF4-FFF2-40B4-BE49-F238E27FC236}">
+                <a16:creationId xmlns:a16="http://schemas.microsoft.com/office/drawing/2014/main" id="{28E446BA-5A73-4A03-B0D4-C456B237B1B5}"/>
+              </a:ext>
+            </a:extLst>
+          </p:cNvPr>
+          <p:cNvSpPr/>
+          <p:nvPr/>
+        </p:nvSpPr>
+        <p:spPr>
+          <a:xfrm>
+            <a:off x="7347035" y="2905976"/>
+            <a:ext cx="1262618" cy="836484"/>
+          </a:xfrm>
+          <a:prstGeom prst="flowChartAlternateProcess">
+            <a:avLst/>
+          </a:prstGeom>
+          <a:ln w="19050"/>
+        </p:spPr>
+        <p:style>
+          <a:lnRef idx="2">
+            <a:schemeClr val="dk1"/>
+          </a:lnRef>
+          <a:fillRef idx="1">
+            <a:schemeClr val="lt1"/>
+          </a:fillRef>
+          <a:effectRef idx="0">
+            <a:schemeClr val="dk1"/>
+          </a:effectRef>
+          <a:fontRef idx="minor">
+            <a:schemeClr val="dk1"/>
+          </a:fontRef>
+        </p:style>
+        <p:txBody>
+          <a:bodyPr rot="0" spcFirstLastPara="0" vertOverflow="overflow" horzOverflow="overflow" vert="horz" wrap="square" lIns="0" tIns="0" rIns="0" bIns="0" numCol="1" spcCol="0" rtlCol="0" fromWordArt="0" anchor="ctr" anchorCtr="0" forceAA="0" compatLnSpc="1">
+            <a:prstTxWarp prst="textNoShape">
+              <a:avLst/>
+            </a:prstTxWarp>
+            <a:noAutofit/>
+          </a:bodyPr>
+          <a:lstStyle/>
+          <a:p>
+            <a:pPr algn="ctr"/>
+            <a:r>
+              <a:rPr lang="en-AU" sz="1050" dirty="0">
+                <a:solidFill>
+                  <a:schemeClr val="dk1"/>
+                </a:solidFill>
+                <a:latin typeface="Consolas" panose="020B0609020204030204" pitchFamily="49" charset="0"/>
+                <a:ea typeface="Yu Gothic" panose="020B0400000000000000" pitchFamily="34" charset="-128"/>
+              </a:rPr>
+              <a:t>Demonstrate system behaviour being adjusted via comms</a:t>
+            </a:r>
+          </a:p>
+        </p:txBody>
+      </p:sp>
+      <p:cxnSp>
+        <p:nvCxnSpPr>
+          <p:cNvPr id="51" name="Connector: Elbow 50">
+            <a:extLst>
+              <a:ext uri="{FF2B5EF4-FFF2-40B4-BE49-F238E27FC236}">
+                <a16:creationId xmlns:a16="http://schemas.microsoft.com/office/drawing/2014/main" id="{6363852A-279F-4082-85DE-599343E7C61F}"/>
+              </a:ext>
+            </a:extLst>
+          </p:cNvPr>
+          <p:cNvCxnSpPr>
+            <a:cxnSpLocks/>
+            <a:stCxn id="47" idx="0"/>
+            <a:endCxn id="9" idx="3"/>
+          </p:cNvCxnSpPr>
+          <p:nvPr/>
+        </p:nvCxnSpPr>
+        <p:spPr>
+          <a:xfrm rot="16200000" flipV="1">
+            <a:off x="7242456" y="2170087"/>
+            <a:ext cx="590415" cy="881363"/>
+          </a:xfrm>
+          <a:prstGeom prst="bentConnector2">
+            <a:avLst/>
+          </a:prstGeom>
+          <a:ln w="19050">
+            <a:headEnd type="none" w="med" len="med"/>
+            <a:tailEnd type="triangle" w="med" len="med"/>
+          </a:ln>
+        </p:spPr>
+        <p:style>
+          <a:lnRef idx="3">
+            <a:schemeClr val="dk1"/>
+          </a:lnRef>
+          <a:fillRef idx="0">
+            <a:schemeClr val="dk1"/>
+          </a:fillRef>
+          <a:effectRef idx="2">
+            <a:schemeClr val="dk1"/>
+          </a:effectRef>
+          <a:fontRef idx="minor">
+            <a:schemeClr val="tx1"/>
+          </a:fontRef>
+        </p:style>
+      </p:cxnSp>
+      <p:cxnSp>
+        <p:nvCxnSpPr>
+          <p:cNvPr id="55" name="Connector: Elbow 54">
+            <a:extLst>
+              <a:ext uri="{FF2B5EF4-FFF2-40B4-BE49-F238E27FC236}">
+                <a16:creationId xmlns:a16="http://schemas.microsoft.com/office/drawing/2014/main" id="{FB7677A4-D3F8-478A-AF0C-64728EF138BB}"/>
+              </a:ext>
+            </a:extLst>
+          </p:cNvPr>
+          <p:cNvCxnSpPr>
+            <a:cxnSpLocks/>
+            <a:stCxn id="58" idx="0"/>
+            <a:endCxn id="31" idx="2"/>
+          </p:cNvCxnSpPr>
+          <p:nvPr/>
+        </p:nvCxnSpPr>
+        <p:spPr>
+          <a:xfrm flipV="1">
+            <a:off x="6340646" y="3744845"/>
+            <a:ext cx="125026" cy="1016133"/>
+          </a:xfrm>
+          <a:prstGeom prst="bentConnector2">
+            <a:avLst/>
+          </a:prstGeom>
+          <a:ln w="19050">
+            <a:headEnd type="none" w="med" len="med"/>
+            <a:tailEnd type="triangle" w="med" len="med"/>
+          </a:ln>
+        </p:spPr>
+        <p:style>
+          <a:lnRef idx="3">
+            <a:schemeClr val="dk1"/>
+          </a:lnRef>
+          <a:fillRef idx="0">
+            <a:schemeClr val="dk1"/>
+          </a:fillRef>
+          <a:effectRef idx="2">
+            <a:schemeClr val="dk1"/>
+          </a:effectRef>
+          <a:fontRef idx="minor">
+            <a:schemeClr val="tx1"/>
+          </a:fontRef>
+        </p:style>
+      </p:cxnSp>
+      <p:cxnSp>
+        <p:nvCxnSpPr>
+          <p:cNvPr id="74" name="Connector: Elbow 73">
+            <a:extLst>
+              <a:ext uri="{FF2B5EF4-FFF2-40B4-BE49-F238E27FC236}">
+                <a16:creationId xmlns:a16="http://schemas.microsoft.com/office/drawing/2014/main" id="{EE2420EE-CC34-4743-BBA5-0F83C221A917}"/>
+              </a:ext>
+            </a:extLst>
+          </p:cNvPr>
+          <p:cNvCxnSpPr>
+            <a:cxnSpLocks/>
+            <a:stCxn id="66" idx="2"/>
+            <a:endCxn id="37" idx="2"/>
+          </p:cNvCxnSpPr>
+          <p:nvPr/>
+        </p:nvCxnSpPr>
+        <p:spPr>
+          <a:xfrm rot="10800000">
+            <a:off x="4953000" y="3744846"/>
+            <a:ext cx="125028" cy="1016133"/>
+          </a:xfrm>
+          <a:prstGeom prst="bentConnector2">
+            <a:avLst/>
+          </a:prstGeom>
+          <a:ln w="19050">
+            <a:headEnd type="none" w="med" len="med"/>
+            <a:tailEnd type="triangle" w="med" len="med"/>
+          </a:ln>
+        </p:spPr>
+        <p:style>
+          <a:lnRef idx="3">
+            <a:schemeClr val="dk1"/>
+          </a:lnRef>
+          <a:fillRef idx="0">
+            <a:schemeClr val="dk1"/>
+          </a:fillRef>
+          <a:effectRef idx="2">
+            <a:schemeClr val="dk1"/>
+          </a:effectRef>
+          <a:fontRef idx="minor">
+            <a:schemeClr val="tx1"/>
+          </a:fontRef>
+        </p:style>
+      </p:cxnSp>
     </p:spTree>
     <p:extLst>
       <p:ext uri="{BB962C8B-B14F-4D97-AF65-F5344CB8AC3E}">

--- a/Documentation/FuncDecomp.pptx
+++ b/Documentation/FuncDecomp.pptx
@@ -5462,471 +5462,12 @@
           <a:chExt cx="0" cy="0"/>
         </a:xfrm>
       </p:grpSpPr>
-      <p:sp>
-        <p:nvSpPr>
-          <p:cNvPr id="52" name="Flowchart: Alternate Process 51">
+      <p:grpSp>
+        <p:nvGrpSpPr>
+          <p:cNvPr id="38" name="Group 37">
             <a:extLst>
               <a:ext uri="{FF2B5EF4-FFF2-40B4-BE49-F238E27FC236}">
-                <a16:creationId xmlns:a16="http://schemas.microsoft.com/office/drawing/2014/main" id="{0AB426EE-2687-43AD-8C5C-8E0079F2D89C}"/>
-              </a:ext>
-            </a:extLst>
-          </p:cNvPr>
-          <p:cNvSpPr/>
-          <p:nvPr/>
-        </p:nvSpPr>
-        <p:spPr>
-          <a:xfrm>
-            <a:off x="540001" y="540000"/>
-            <a:ext cx="8825976" cy="5778000"/>
-          </a:xfrm>
-          <a:prstGeom prst="flowChartAlternateProcess">
-            <a:avLst/>
-          </a:prstGeom>
-          <a:noFill/>
-          <a:ln w="19050">
-            <a:solidFill>
-              <a:srgbClr val="C00000"/>
-            </a:solidFill>
-            <a:prstDash val="lgDash"/>
-          </a:ln>
-        </p:spPr>
-        <p:style>
-          <a:lnRef idx="2">
-            <a:schemeClr val="accent2">
-              <a:shade val="50000"/>
-            </a:schemeClr>
-          </a:lnRef>
-          <a:fillRef idx="1">
-            <a:schemeClr val="accent2"/>
-          </a:fillRef>
-          <a:effectRef idx="0">
-            <a:schemeClr val="accent2"/>
-          </a:effectRef>
-          <a:fontRef idx="minor">
-            <a:schemeClr val="lt1"/>
-          </a:fontRef>
-        </p:style>
-        <p:txBody>
-          <a:bodyPr rot="0" spcFirstLastPara="0" vertOverflow="overflow" horzOverflow="overflow" vert="horz" wrap="square" lIns="0" tIns="0" rIns="0" bIns="0" numCol="1" spcCol="0" rtlCol="0" fromWordArt="0" anchor="ctr" anchorCtr="0" forceAA="0" compatLnSpc="1">
-            <a:prstTxWarp prst="textNoShape">
-              <a:avLst/>
-            </a:prstTxWarp>
-            <a:noAutofit/>
-          </a:bodyPr>
-          <a:lstStyle/>
-          <a:p>
-            <a:pPr algn="ctr"/>
-            <a:endParaRPr lang="en-AU" sz="1050" b="1" u="sng" dirty="0">
-              <a:latin typeface="Consolas" panose="020B0609020204030204" pitchFamily="49" charset="0"/>
-              <a:ea typeface="Yu Gothic" panose="020B0400000000000000" pitchFamily="34" charset="-128"/>
-            </a:endParaRPr>
-          </a:p>
-        </p:txBody>
-      </p:sp>
-      <p:sp>
-        <p:nvSpPr>
-          <p:cNvPr id="4" name="Flowchart: Alternate Process 3">
-            <a:extLst>
-              <a:ext uri="{FF2B5EF4-FFF2-40B4-BE49-F238E27FC236}">
-                <a16:creationId xmlns:a16="http://schemas.microsoft.com/office/drawing/2014/main" id="{413AD214-52A1-4C78-A666-D2C72313C4FF}"/>
-              </a:ext>
-            </a:extLst>
-          </p:cNvPr>
-          <p:cNvSpPr/>
-          <p:nvPr/>
-        </p:nvSpPr>
-        <p:spPr>
-          <a:xfrm>
-            <a:off x="3582615" y="540000"/>
-            <a:ext cx="2740749" cy="262339"/>
-          </a:xfrm>
-          <a:prstGeom prst="flowChartAlternateProcess">
-            <a:avLst/>
-          </a:prstGeom>
-          <a:noFill/>
-          <a:ln>
-            <a:noFill/>
-          </a:ln>
-        </p:spPr>
-        <p:style>
-          <a:lnRef idx="2">
-            <a:schemeClr val="dk1"/>
-          </a:lnRef>
-          <a:fillRef idx="1">
-            <a:schemeClr val="lt1"/>
-          </a:fillRef>
-          <a:effectRef idx="0">
-            <a:schemeClr val="dk1"/>
-          </a:effectRef>
-          <a:fontRef idx="minor">
-            <a:schemeClr val="dk1"/>
-          </a:fontRef>
-        </p:style>
-        <p:txBody>
-          <a:bodyPr rot="0" spcFirstLastPara="0" vertOverflow="overflow" horzOverflow="overflow" vert="horz" wrap="square" lIns="0" tIns="0" rIns="0" bIns="0" numCol="1" spcCol="0" rtlCol="0" fromWordArt="0" anchor="ctr" anchorCtr="0" forceAA="0" compatLnSpc="1">
-            <a:prstTxWarp prst="textNoShape">
-              <a:avLst/>
-            </a:prstTxWarp>
-            <a:noAutofit/>
-          </a:bodyPr>
-          <a:lstStyle/>
-          <a:p>
-            <a:pPr algn="ctr"/>
-            <a:r>
-              <a:rPr lang="en-AU" sz="1400" b="1" u="sng" dirty="0">
-                <a:latin typeface="Consolas" panose="020B0609020204030204" pitchFamily="49" charset="0"/>
-                <a:ea typeface="Yu Gothic" panose="020B0400000000000000" pitchFamily="34" charset="-128"/>
-              </a:rPr>
-              <a:t>Actuation Systems</a:t>
-            </a:r>
-          </a:p>
-        </p:txBody>
-      </p:sp>
-      <p:sp>
-        <p:nvSpPr>
-          <p:cNvPr id="19" name="Rectangle 18">
-            <a:extLst>
-              <a:ext uri="{FF2B5EF4-FFF2-40B4-BE49-F238E27FC236}">
-                <a16:creationId xmlns:a16="http://schemas.microsoft.com/office/drawing/2014/main" id="{2A3195B4-9345-4056-B987-8BAC561F50AF}"/>
-              </a:ext>
-            </a:extLst>
-          </p:cNvPr>
-          <p:cNvSpPr/>
-          <p:nvPr/>
-        </p:nvSpPr>
-        <p:spPr>
-          <a:xfrm rot="5400000">
-            <a:off x="5155053" y="1265820"/>
-            <a:ext cx="227182" cy="631309"/>
-          </a:xfrm>
-          <a:prstGeom prst="rect">
-            <a:avLst/>
-          </a:prstGeom>
-          <a:noFill/>
-          <a:ln>
-            <a:noFill/>
-          </a:ln>
-        </p:spPr>
-        <p:style>
-          <a:lnRef idx="2">
-            <a:schemeClr val="accent1">
-              <a:shade val="50000"/>
-            </a:schemeClr>
-          </a:lnRef>
-          <a:fillRef idx="1">
-            <a:schemeClr val="accent1"/>
-          </a:fillRef>
-          <a:effectRef idx="0">
-            <a:schemeClr val="accent1"/>
-          </a:effectRef>
-          <a:fontRef idx="minor">
-            <a:schemeClr val="lt1"/>
-          </a:fontRef>
-        </p:style>
-        <p:txBody>
-          <a:bodyPr rtlCol="0" anchor="ctr"/>
-          <a:lstStyle/>
-          <a:p>
-            <a:pPr algn="ctr"/>
-            <a:endParaRPr lang="en-AU" dirty="0"/>
-          </a:p>
-        </p:txBody>
-      </p:sp>
-      <p:sp>
-        <p:nvSpPr>
-          <p:cNvPr id="20" name="Rectangle 19">
-            <a:extLst>
-              <a:ext uri="{FF2B5EF4-FFF2-40B4-BE49-F238E27FC236}">
-                <a16:creationId xmlns:a16="http://schemas.microsoft.com/office/drawing/2014/main" id="{9554B7DA-D138-4BB7-B67F-69F4211E8889}"/>
-              </a:ext>
-            </a:extLst>
-          </p:cNvPr>
-          <p:cNvSpPr/>
-          <p:nvPr/>
-        </p:nvSpPr>
-        <p:spPr>
-          <a:xfrm rot="5400000">
-            <a:off x="4523744" y="1265820"/>
-            <a:ext cx="227182" cy="631309"/>
-          </a:xfrm>
-          <a:prstGeom prst="rect">
-            <a:avLst/>
-          </a:prstGeom>
-          <a:noFill/>
-          <a:ln>
-            <a:noFill/>
-          </a:ln>
-        </p:spPr>
-        <p:style>
-          <a:lnRef idx="2">
-            <a:schemeClr val="accent1">
-              <a:shade val="50000"/>
-            </a:schemeClr>
-          </a:lnRef>
-          <a:fillRef idx="1">
-            <a:schemeClr val="accent1"/>
-          </a:fillRef>
-          <a:effectRef idx="0">
-            <a:schemeClr val="accent1"/>
-          </a:effectRef>
-          <a:fontRef idx="minor">
-            <a:schemeClr val="lt1"/>
-          </a:fontRef>
-        </p:style>
-        <p:txBody>
-          <a:bodyPr rtlCol="0" anchor="ctr"/>
-          <a:lstStyle/>
-          <a:p>
-            <a:pPr algn="ctr"/>
-            <a:endParaRPr lang="en-AU" dirty="0"/>
-          </a:p>
-        </p:txBody>
-      </p:sp>
-      <p:sp>
-        <p:nvSpPr>
-          <p:cNvPr id="5" name="Flowchart: Alternate Process 4">
-            <a:extLst>
-              <a:ext uri="{FF2B5EF4-FFF2-40B4-BE49-F238E27FC236}">
-                <a16:creationId xmlns:a16="http://schemas.microsoft.com/office/drawing/2014/main" id="{30547A5D-F79B-4D23-AC40-154B00958AA1}"/>
-              </a:ext>
-            </a:extLst>
-          </p:cNvPr>
-          <p:cNvSpPr/>
-          <p:nvPr/>
-        </p:nvSpPr>
-        <p:spPr>
-          <a:xfrm>
-            <a:off x="4321680" y="858580"/>
-            <a:ext cx="1262618" cy="836484"/>
-          </a:xfrm>
-          <a:prstGeom prst="flowChartAlternateProcess">
-            <a:avLst/>
-          </a:prstGeom>
-          <a:ln w="19050"/>
-        </p:spPr>
-        <p:style>
-          <a:lnRef idx="2">
-            <a:schemeClr val="dk1"/>
-          </a:lnRef>
-          <a:fillRef idx="1">
-            <a:schemeClr val="lt1"/>
-          </a:fillRef>
-          <a:effectRef idx="0">
-            <a:schemeClr val="dk1"/>
-          </a:effectRef>
-          <a:fontRef idx="minor">
-            <a:schemeClr val="dk1"/>
-          </a:fontRef>
-        </p:style>
-        <p:txBody>
-          <a:bodyPr rot="0" spcFirstLastPara="0" vertOverflow="overflow" horzOverflow="overflow" vert="horz" wrap="square" lIns="0" tIns="0" rIns="0" bIns="0" numCol="1" spcCol="0" rtlCol="0" fromWordArt="0" anchor="ctr" anchorCtr="0" forceAA="0" compatLnSpc="1">
-            <a:prstTxWarp prst="textNoShape">
-              <a:avLst/>
-            </a:prstTxWarp>
-            <a:noAutofit/>
-          </a:bodyPr>
-          <a:lstStyle/>
-          <a:p>
-            <a:pPr algn="ctr"/>
-            <a:r>
-              <a:rPr lang="en-AU" sz="1050" dirty="0">
-                <a:solidFill>
-                  <a:schemeClr val="dk1"/>
-                </a:solidFill>
-                <a:latin typeface="Consolas" panose="020B0609020204030204" pitchFamily="49" charset="0"/>
-                <a:ea typeface="Yu Gothic" panose="020B0400000000000000" pitchFamily="34" charset="-128"/>
-              </a:rPr>
-              <a:t>Demonstrate functionality of subsystems</a:t>
-            </a:r>
-          </a:p>
-        </p:txBody>
-      </p:sp>
-      <p:cxnSp>
-        <p:nvCxnSpPr>
-          <p:cNvPr id="12" name="Connector: Elbow 11">
-            <a:extLst>
-              <a:ext uri="{FF2B5EF4-FFF2-40B4-BE49-F238E27FC236}">
-                <a16:creationId xmlns:a16="http://schemas.microsoft.com/office/drawing/2014/main" id="{7BE17700-6379-4511-8F48-582F91A7F111}"/>
-              </a:ext>
-            </a:extLst>
-          </p:cNvPr>
-          <p:cNvCxnSpPr>
-            <a:cxnSpLocks/>
-            <a:stCxn id="6" idx="0"/>
-            <a:endCxn id="5" idx="1"/>
-          </p:cNvCxnSpPr>
-          <p:nvPr/>
-        </p:nvCxnSpPr>
-        <p:spPr>
-          <a:xfrm rot="5400000" flipH="1" flipV="1">
-            <a:off x="2814420" y="390059"/>
-            <a:ext cx="620497" cy="2394024"/>
-          </a:xfrm>
-          <a:prstGeom prst="bentConnector2">
-            <a:avLst/>
-          </a:prstGeom>
-          <a:ln w="19050">
-            <a:headEnd type="none" w="med" len="med"/>
-            <a:tailEnd type="triangle" w="med" len="med"/>
-          </a:ln>
-        </p:spPr>
-        <p:style>
-          <a:lnRef idx="3">
-            <a:schemeClr val="dk1"/>
-          </a:lnRef>
-          <a:fillRef idx="0">
-            <a:schemeClr val="dk1"/>
-          </a:fillRef>
-          <a:effectRef idx="2">
-            <a:schemeClr val="dk1"/>
-          </a:effectRef>
-          <a:fontRef idx="minor">
-            <a:schemeClr val="tx1"/>
-          </a:fontRef>
-        </p:style>
-      </p:cxnSp>
-      <p:cxnSp>
-        <p:nvCxnSpPr>
-          <p:cNvPr id="14" name="Connector: Elbow 13">
-            <a:extLst>
-              <a:ext uri="{FF2B5EF4-FFF2-40B4-BE49-F238E27FC236}">
-                <a16:creationId xmlns:a16="http://schemas.microsoft.com/office/drawing/2014/main" id="{8B932A30-30DC-460A-9DF8-41D2A6C771DE}"/>
-              </a:ext>
-            </a:extLst>
-          </p:cNvPr>
-          <p:cNvCxnSpPr>
-            <a:cxnSpLocks/>
-            <a:stCxn id="7" idx="0"/>
-            <a:endCxn id="20" idx="3"/>
-          </p:cNvCxnSpPr>
-          <p:nvPr/>
-        </p:nvCxnSpPr>
-        <p:spPr>
-          <a:xfrm rot="5400000" flipH="1" flipV="1">
-            <a:off x="3937705" y="1197690"/>
-            <a:ext cx="202253" cy="1197007"/>
-          </a:xfrm>
-          <a:prstGeom prst="bentConnector3">
-            <a:avLst>
-              <a:gd name="adj1" fmla="val 50000"/>
-            </a:avLst>
-          </a:prstGeom>
-          <a:ln w="19050">
-            <a:headEnd type="none" w="med" len="med"/>
-            <a:tailEnd type="triangle" w="med" len="med"/>
-          </a:ln>
-        </p:spPr>
-        <p:style>
-          <a:lnRef idx="3">
-            <a:schemeClr val="dk1"/>
-          </a:lnRef>
-          <a:fillRef idx="0">
-            <a:schemeClr val="dk1"/>
-          </a:fillRef>
-          <a:effectRef idx="2">
-            <a:schemeClr val="dk1"/>
-          </a:effectRef>
-          <a:fontRef idx="minor">
-            <a:schemeClr val="tx1"/>
-          </a:fontRef>
-        </p:style>
-      </p:cxnSp>
-      <p:cxnSp>
-        <p:nvCxnSpPr>
-          <p:cNvPr id="22" name="Connector: Elbow 21">
-            <a:extLst>
-              <a:ext uri="{FF2B5EF4-FFF2-40B4-BE49-F238E27FC236}">
-                <a16:creationId xmlns:a16="http://schemas.microsoft.com/office/drawing/2014/main" id="{93295E7B-8A94-4E3C-9FA6-D5A9A366EEF9}"/>
-              </a:ext>
-            </a:extLst>
-          </p:cNvPr>
-          <p:cNvCxnSpPr>
-            <a:cxnSpLocks/>
-            <a:stCxn id="8" idx="0"/>
-            <a:endCxn id="19" idx="3"/>
-          </p:cNvCxnSpPr>
-          <p:nvPr/>
-        </p:nvCxnSpPr>
-        <p:spPr>
-          <a:xfrm rot="5400000" flipH="1" flipV="1">
-            <a:off x="5009696" y="1638371"/>
-            <a:ext cx="202253" cy="315644"/>
-          </a:xfrm>
-          <a:prstGeom prst="bentConnector3">
-            <a:avLst>
-              <a:gd name="adj1" fmla="val 50000"/>
-            </a:avLst>
-          </a:prstGeom>
-          <a:ln w="19050">
-            <a:headEnd type="none" w="med" len="med"/>
-            <a:tailEnd type="triangle" w="med" len="med"/>
-          </a:ln>
-        </p:spPr>
-        <p:style>
-          <a:lnRef idx="3">
-            <a:schemeClr val="dk1"/>
-          </a:lnRef>
-          <a:fillRef idx="0">
-            <a:schemeClr val="dk1"/>
-          </a:fillRef>
-          <a:effectRef idx="2">
-            <a:schemeClr val="dk1"/>
-          </a:effectRef>
-          <a:fontRef idx="minor">
-            <a:schemeClr val="tx1"/>
-          </a:fontRef>
-        </p:style>
-      </p:cxnSp>
-      <p:cxnSp>
-        <p:nvCxnSpPr>
-          <p:cNvPr id="27" name="Connector: Elbow 26">
-            <a:extLst>
-              <a:ext uri="{FF2B5EF4-FFF2-40B4-BE49-F238E27FC236}">
-                <a16:creationId xmlns:a16="http://schemas.microsoft.com/office/drawing/2014/main" id="{11C14182-6245-485E-A9DB-134A2174C615}"/>
-              </a:ext>
-            </a:extLst>
-          </p:cNvPr>
-          <p:cNvCxnSpPr>
-            <a:cxnSpLocks/>
-            <a:stCxn id="9" idx="0"/>
-            <a:endCxn id="5" idx="3"/>
-          </p:cNvCxnSpPr>
-          <p:nvPr/>
-        </p:nvCxnSpPr>
-        <p:spPr>
-          <a:xfrm rot="16200000" flipV="1">
-            <a:off x="5714737" y="1146384"/>
-            <a:ext cx="620497" cy="881374"/>
-          </a:xfrm>
-          <a:prstGeom prst="bentConnector2">
-            <a:avLst/>
-          </a:prstGeom>
-          <a:ln w="19050">
-            <a:headEnd type="none" w="med" len="med"/>
-            <a:tailEnd type="triangle" w="med" len="med"/>
-          </a:ln>
-        </p:spPr>
-        <p:style>
-          <a:lnRef idx="3">
-            <a:schemeClr val="dk1"/>
-          </a:lnRef>
-          <a:fillRef idx="0">
-            <a:schemeClr val="dk1"/>
-          </a:fillRef>
-          <a:effectRef idx="2">
-            <a:schemeClr val="dk1"/>
-          </a:effectRef>
-          <a:fontRef idx="minor">
-            <a:schemeClr val="tx1"/>
-          </a:fontRef>
-        </p:style>
-      </p:cxnSp>
-      <p:grpSp>
-        <p:nvGrpSpPr>
-          <p:cNvPr id="75" name="Group 74">
-            <a:extLst>
-              <a:ext uri="{FF2B5EF4-FFF2-40B4-BE49-F238E27FC236}">
-                <a16:creationId xmlns:a16="http://schemas.microsoft.com/office/drawing/2014/main" id="{AD8AF392-FE28-4196-9DD1-705AFD14B4F3}"/>
+                <a16:creationId xmlns:a16="http://schemas.microsoft.com/office/drawing/2014/main" id="{D125AD27-FAAB-4550-BF3A-CD33B83C2AC9}"/>
               </a:ext>
             </a:extLst>
           </p:cNvPr>
@@ -5935,19 +5476,18 @@
         </p:nvGrpSpPr>
         <p:grpSpPr>
           <a:xfrm>
-            <a:off x="4446730" y="3412831"/>
-            <a:ext cx="1012540" cy="332014"/>
-            <a:chOff x="985157" y="4125686"/>
-            <a:chExt cx="664028" cy="332014"/>
+            <a:off x="540001" y="540000"/>
+            <a:ext cx="8825976" cy="5778000"/>
+            <a:chOff x="540001" y="540000"/>
+            <a:chExt cx="8825976" cy="5778000"/>
           </a:xfrm>
-          <a:noFill/>
         </p:grpSpPr>
         <p:sp>
           <p:nvSpPr>
-            <p:cNvPr id="76" name="Rectangle 75">
+            <p:cNvPr id="52" name="Flowchart: Alternate Process 51">
               <a:extLst>
                 <a:ext uri="{FF2B5EF4-FFF2-40B4-BE49-F238E27FC236}">
-                  <a16:creationId xmlns:a16="http://schemas.microsoft.com/office/drawing/2014/main" id="{5B6CE44F-A7EE-4F3F-A808-06E0A83CCE03}"/>
+                  <a16:creationId xmlns:a16="http://schemas.microsoft.com/office/drawing/2014/main" id="{0AB426EE-2687-43AD-8C5C-8E0079F2D89C}"/>
                 </a:ext>
               </a:extLst>
             </p:cNvPr>
@@ -5956,17 +5496,135 @@
           </p:nvSpPr>
           <p:spPr>
             <a:xfrm>
-              <a:off x="985157" y="4125686"/>
-              <a:ext cx="332014" cy="332014"/>
+              <a:off x="540001" y="540000"/>
+              <a:ext cx="8825976" cy="5778000"/>
+            </a:xfrm>
+            <a:prstGeom prst="flowChartAlternateProcess">
+              <a:avLst/>
+            </a:prstGeom>
+            <a:noFill/>
+            <a:ln w="19050">
+              <a:solidFill>
+                <a:srgbClr val="C00000"/>
+              </a:solidFill>
+              <a:prstDash val="lgDash"/>
+            </a:ln>
+          </p:spPr>
+          <p:style>
+            <a:lnRef idx="2">
+              <a:schemeClr val="accent2">
+                <a:shade val="50000"/>
+              </a:schemeClr>
+            </a:lnRef>
+            <a:fillRef idx="1">
+              <a:schemeClr val="accent2"/>
+            </a:fillRef>
+            <a:effectRef idx="0">
+              <a:schemeClr val="accent2"/>
+            </a:effectRef>
+            <a:fontRef idx="minor">
+              <a:schemeClr val="lt1"/>
+            </a:fontRef>
+          </p:style>
+          <p:txBody>
+            <a:bodyPr rot="0" spcFirstLastPara="0" vertOverflow="overflow" horzOverflow="overflow" vert="horz" wrap="square" lIns="0" tIns="0" rIns="0" bIns="0" numCol="1" spcCol="0" rtlCol="0" fromWordArt="0" anchor="ctr" anchorCtr="0" forceAA="0" compatLnSpc="1">
+              <a:prstTxWarp prst="textNoShape">
+                <a:avLst/>
+              </a:prstTxWarp>
+              <a:noAutofit/>
+            </a:bodyPr>
+            <a:lstStyle/>
+            <a:p>
+              <a:pPr algn="ctr"/>
+              <a:endParaRPr lang="en-AU" sz="1050" b="1" u="sng" dirty="0">
+                <a:latin typeface="Consolas" panose="020B0609020204030204" pitchFamily="49" charset="0"/>
+                <a:ea typeface="Yu Gothic" panose="020B0400000000000000" pitchFamily="34" charset="-128"/>
+              </a:endParaRPr>
+            </a:p>
+          </p:txBody>
+        </p:sp>
+        <p:sp>
+          <p:nvSpPr>
+            <p:cNvPr id="4" name="Flowchart: Alternate Process 3">
+              <a:extLst>
+                <a:ext uri="{FF2B5EF4-FFF2-40B4-BE49-F238E27FC236}">
+                  <a16:creationId xmlns:a16="http://schemas.microsoft.com/office/drawing/2014/main" id="{413AD214-52A1-4C78-A666-D2C72313C4FF}"/>
+                </a:ext>
+              </a:extLst>
+            </p:cNvPr>
+            <p:cNvSpPr/>
+            <p:nvPr/>
+          </p:nvSpPr>
+          <p:spPr>
+            <a:xfrm>
+              <a:off x="3582615" y="540000"/>
+              <a:ext cx="2740749" cy="262339"/>
+            </a:xfrm>
+            <a:prstGeom prst="flowChartAlternateProcess">
+              <a:avLst/>
+            </a:prstGeom>
+            <a:noFill/>
+            <a:ln>
+              <a:noFill/>
+            </a:ln>
+          </p:spPr>
+          <p:style>
+            <a:lnRef idx="2">
+              <a:schemeClr val="dk1"/>
+            </a:lnRef>
+            <a:fillRef idx="1">
+              <a:schemeClr val="lt1"/>
+            </a:fillRef>
+            <a:effectRef idx="0">
+              <a:schemeClr val="dk1"/>
+            </a:effectRef>
+            <a:fontRef idx="minor">
+              <a:schemeClr val="dk1"/>
+            </a:fontRef>
+          </p:style>
+          <p:txBody>
+            <a:bodyPr rot="0" spcFirstLastPara="0" vertOverflow="overflow" horzOverflow="overflow" vert="horz" wrap="square" lIns="0" tIns="0" rIns="0" bIns="0" numCol="1" spcCol="0" rtlCol="0" fromWordArt="0" anchor="ctr" anchorCtr="0" forceAA="0" compatLnSpc="1">
+              <a:prstTxWarp prst="textNoShape">
+                <a:avLst/>
+              </a:prstTxWarp>
+              <a:noAutofit/>
+            </a:bodyPr>
+            <a:lstStyle/>
+            <a:p>
+              <a:pPr algn="ctr"/>
+              <a:r>
+                <a:rPr lang="en-AU" sz="1400" b="1" u="sng" dirty="0">
+                  <a:latin typeface="Consolas" panose="020B0609020204030204" pitchFamily="49" charset="0"/>
+                  <a:ea typeface="Yu Gothic" panose="020B0400000000000000" pitchFamily="34" charset="-128"/>
+                </a:rPr>
+                <a:t>Actuation Systems</a:t>
+              </a:r>
+            </a:p>
+          </p:txBody>
+        </p:sp>
+        <p:sp>
+          <p:nvSpPr>
+            <p:cNvPr id="19" name="Rectangle 18">
+              <a:extLst>
+                <a:ext uri="{FF2B5EF4-FFF2-40B4-BE49-F238E27FC236}">
+                  <a16:creationId xmlns:a16="http://schemas.microsoft.com/office/drawing/2014/main" id="{2A3195B4-9345-4056-B987-8BAC561F50AF}"/>
+                </a:ext>
+              </a:extLst>
+            </p:cNvPr>
+            <p:cNvSpPr/>
+            <p:nvPr/>
+          </p:nvSpPr>
+          <p:spPr>
+            <a:xfrm rot="5400000">
+              <a:off x="5155053" y="1265820"/>
+              <a:ext cx="227182" cy="631309"/>
             </a:xfrm>
             <a:prstGeom prst="rect">
               <a:avLst/>
             </a:prstGeom>
-            <a:grpFill/>
+            <a:noFill/>
             <a:ln>
-              <a:solidFill>
-                <a:schemeClr val="accent1"/>
-              </a:solidFill>
+              <a:noFill/>
             </a:ln>
           </p:spPr>
           <p:style>
@@ -5990,16 +5648,16 @@
             <a:lstStyle/>
             <a:p>
               <a:pPr algn="ctr"/>
-              <a:endParaRPr lang="en-AU"/>
+              <a:endParaRPr lang="en-AU" dirty="0"/>
             </a:p>
           </p:txBody>
         </p:sp>
         <p:sp>
           <p:nvSpPr>
-            <p:cNvPr id="77" name="Rectangle 76">
+            <p:cNvPr id="20" name="Rectangle 19">
               <a:extLst>
                 <a:ext uri="{FF2B5EF4-FFF2-40B4-BE49-F238E27FC236}">
-                  <a16:creationId xmlns:a16="http://schemas.microsoft.com/office/drawing/2014/main" id="{63202DD3-ECE9-44B2-9BA9-0F9B443ECDBC}"/>
+                  <a16:creationId xmlns:a16="http://schemas.microsoft.com/office/drawing/2014/main" id="{9554B7DA-D138-4BB7-B67F-69F4211E8889}"/>
                 </a:ext>
               </a:extLst>
             </p:cNvPr>
@@ -6007,18 +5665,16 @@
             <p:nvPr/>
           </p:nvSpPr>
           <p:spPr>
-            <a:xfrm>
-              <a:off x="1317171" y="4125686"/>
-              <a:ext cx="332014" cy="332014"/>
+            <a:xfrm rot="5400000">
+              <a:off x="4523744" y="1265820"/>
+              <a:ext cx="227182" cy="631309"/>
             </a:xfrm>
             <a:prstGeom prst="rect">
               <a:avLst/>
             </a:prstGeom>
-            <a:grpFill/>
+            <a:noFill/>
             <a:ln>
-              <a:solidFill>
-                <a:schemeClr val="accent1"/>
-              </a:solidFill>
+              <a:noFill/>
             </a:ln>
           </p:spPr>
           <p:style>
@@ -6042,897 +5698,16 @@
             <a:lstStyle/>
             <a:p>
               <a:pPr algn="ctr"/>
-              <a:endParaRPr lang="en-AU"/>
+              <a:endParaRPr lang="en-AU" dirty="0"/>
             </a:p>
           </p:txBody>
         </p:sp>
-      </p:grpSp>
-      <p:cxnSp>
-        <p:nvCxnSpPr>
-          <p:cNvPr id="40" name="Connector: Elbow 39">
-            <a:extLst>
-              <a:ext uri="{FF2B5EF4-FFF2-40B4-BE49-F238E27FC236}">
-                <a16:creationId xmlns:a16="http://schemas.microsoft.com/office/drawing/2014/main" id="{8A2A684B-C3C4-4723-B8E9-A4DA7C0C13B6}"/>
-              </a:ext>
-            </a:extLst>
-          </p:cNvPr>
-          <p:cNvCxnSpPr>
-            <a:cxnSpLocks/>
-            <a:stCxn id="71" idx="2"/>
-            <a:endCxn id="39" idx="2"/>
-          </p:cNvCxnSpPr>
-          <p:nvPr/>
-        </p:nvCxnSpPr>
-        <p:spPr>
-          <a:xfrm rot="10800000">
-            <a:off x="3440328" y="3742461"/>
-            <a:ext cx="1637700" cy="1255017"/>
-          </a:xfrm>
-          <a:prstGeom prst="bentConnector2">
-            <a:avLst/>
-          </a:prstGeom>
-          <a:ln w="19050">
-            <a:headEnd type="none" w="med" len="med"/>
-            <a:tailEnd type="triangle" w="med" len="med"/>
-          </a:ln>
-        </p:spPr>
-        <p:style>
-          <a:lnRef idx="3">
-            <a:schemeClr val="dk1"/>
-          </a:lnRef>
-          <a:fillRef idx="0">
-            <a:schemeClr val="dk1"/>
-          </a:fillRef>
-          <a:effectRef idx="2">
-            <a:schemeClr val="dk1"/>
-          </a:effectRef>
-          <a:fontRef idx="minor">
-            <a:schemeClr val="tx1"/>
-          </a:fontRef>
-        </p:style>
-      </p:cxnSp>
-      <p:cxnSp>
-        <p:nvCxnSpPr>
-          <p:cNvPr id="44" name="Connector: Elbow 43">
-            <a:extLst>
-              <a:ext uri="{FF2B5EF4-FFF2-40B4-BE49-F238E27FC236}">
-                <a16:creationId xmlns:a16="http://schemas.microsoft.com/office/drawing/2014/main" id="{6999982A-63B0-47E4-9062-CF3138599D23}"/>
-              </a:ext>
-            </a:extLst>
-          </p:cNvPr>
-          <p:cNvCxnSpPr>
-            <a:cxnSpLocks/>
-            <a:stCxn id="59" idx="0"/>
-            <a:endCxn id="47" idx="2"/>
-          </p:cNvCxnSpPr>
-          <p:nvPr/>
-        </p:nvCxnSpPr>
-        <p:spPr>
-          <a:xfrm flipV="1">
-            <a:off x="6340646" y="3742460"/>
-            <a:ext cx="1637698" cy="1255017"/>
-          </a:xfrm>
-          <a:prstGeom prst="bentConnector2">
-            <a:avLst/>
-          </a:prstGeom>
-          <a:ln w="19050">
-            <a:headEnd type="none" w="med" len="med"/>
-            <a:tailEnd type="triangle" w="med" len="med"/>
-          </a:ln>
-        </p:spPr>
-        <p:style>
-          <a:lnRef idx="3">
-            <a:schemeClr val="dk1"/>
-          </a:lnRef>
-          <a:fillRef idx="0">
-            <a:schemeClr val="dk1"/>
-          </a:fillRef>
-          <a:effectRef idx="2">
-            <a:schemeClr val="dk1"/>
-          </a:effectRef>
-          <a:fontRef idx="minor">
-            <a:schemeClr val="tx1"/>
-          </a:fontRef>
-        </p:style>
-      </p:cxnSp>
-      <p:cxnSp>
-        <p:nvCxnSpPr>
-          <p:cNvPr id="48" name="Straight Arrow Connector 47">
-            <a:extLst>
-              <a:ext uri="{FF2B5EF4-FFF2-40B4-BE49-F238E27FC236}">
-                <a16:creationId xmlns:a16="http://schemas.microsoft.com/office/drawing/2014/main" id="{65DCA816-98C2-40C1-A97A-924F22A77657}"/>
-              </a:ext>
-            </a:extLst>
-          </p:cNvPr>
-          <p:cNvCxnSpPr>
-            <a:cxnSpLocks/>
-            <a:stCxn id="31" idx="0"/>
-            <a:endCxn id="9" idx="2"/>
-          </p:cNvCxnSpPr>
-          <p:nvPr/>
-        </p:nvCxnSpPr>
-        <p:spPr>
-          <a:xfrm flipV="1">
-            <a:off x="6465672" y="2733803"/>
-            <a:ext cx="0" cy="174558"/>
-          </a:xfrm>
-          <a:prstGeom prst="straightConnector1">
-            <a:avLst/>
-          </a:prstGeom>
-          <a:ln w="19050">
-            <a:headEnd type="none" w="med" len="med"/>
-            <a:tailEnd type="triangle" w="med" len="med"/>
-          </a:ln>
-        </p:spPr>
-        <p:style>
-          <a:lnRef idx="3">
-            <a:schemeClr val="dk1"/>
-          </a:lnRef>
-          <a:fillRef idx="0">
-            <a:schemeClr val="dk1"/>
-          </a:fillRef>
-          <a:effectRef idx="2">
-            <a:schemeClr val="dk1"/>
-          </a:effectRef>
-          <a:fontRef idx="minor">
-            <a:schemeClr val="tx1"/>
-          </a:fontRef>
-        </p:style>
-      </p:cxnSp>
-      <p:cxnSp>
-        <p:nvCxnSpPr>
-          <p:cNvPr id="50" name="Straight Arrow Connector 49">
-            <a:extLst>
-              <a:ext uri="{FF2B5EF4-FFF2-40B4-BE49-F238E27FC236}">
-                <a16:creationId xmlns:a16="http://schemas.microsoft.com/office/drawing/2014/main" id="{CA61959F-842F-47AF-8A49-13D2C5BC91AB}"/>
-              </a:ext>
-            </a:extLst>
-          </p:cNvPr>
-          <p:cNvCxnSpPr>
-            <a:cxnSpLocks/>
-            <a:stCxn id="37" idx="0"/>
-            <a:endCxn id="8" idx="2"/>
-          </p:cNvCxnSpPr>
-          <p:nvPr/>
-        </p:nvCxnSpPr>
-        <p:spPr>
-          <a:xfrm flipV="1">
-            <a:off x="4953000" y="2733803"/>
-            <a:ext cx="0" cy="174558"/>
-          </a:xfrm>
-          <a:prstGeom prst="straightConnector1">
-            <a:avLst/>
-          </a:prstGeom>
-          <a:ln w="19050">
-            <a:headEnd type="none" w="med" len="med"/>
-            <a:tailEnd type="triangle" w="med" len="med"/>
-          </a:ln>
-        </p:spPr>
-        <p:style>
-          <a:lnRef idx="3">
-            <a:schemeClr val="dk1"/>
-          </a:lnRef>
-          <a:fillRef idx="0">
-            <a:schemeClr val="dk1"/>
-          </a:fillRef>
-          <a:effectRef idx="2">
-            <a:schemeClr val="dk1"/>
-          </a:effectRef>
-          <a:fontRef idx="minor">
-            <a:schemeClr val="tx1"/>
-          </a:fontRef>
-        </p:style>
-      </p:cxnSp>
-      <p:cxnSp>
-        <p:nvCxnSpPr>
-          <p:cNvPr id="53" name="Straight Arrow Connector 52">
-            <a:extLst>
-              <a:ext uri="{FF2B5EF4-FFF2-40B4-BE49-F238E27FC236}">
-                <a16:creationId xmlns:a16="http://schemas.microsoft.com/office/drawing/2014/main" id="{DFD144A9-6A06-487B-A747-BC37086CD013}"/>
-              </a:ext>
-            </a:extLst>
-          </p:cNvPr>
-          <p:cNvCxnSpPr>
-            <a:cxnSpLocks/>
-            <a:stCxn id="39" idx="0"/>
-            <a:endCxn id="7" idx="2"/>
-          </p:cNvCxnSpPr>
-          <p:nvPr/>
-        </p:nvCxnSpPr>
-        <p:spPr>
-          <a:xfrm flipV="1">
-            <a:off x="3440328" y="2733803"/>
-            <a:ext cx="0" cy="172173"/>
-          </a:xfrm>
-          <a:prstGeom prst="straightConnector1">
-            <a:avLst/>
-          </a:prstGeom>
-          <a:ln w="19050">
-            <a:headEnd type="none" w="med" len="med"/>
-            <a:tailEnd type="triangle" w="med" len="med"/>
-          </a:ln>
-        </p:spPr>
-        <p:style>
-          <a:lnRef idx="3">
-            <a:schemeClr val="dk1"/>
-          </a:lnRef>
-          <a:fillRef idx="0">
-            <a:schemeClr val="dk1"/>
-          </a:fillRef>
-          <a:effectRef idx="2">
-            <a:schemeClr val="dk1"/>
-          </a:effectRef>
-          <a:fontRef idx="minor">
-            <a:schemeClr val="tx1"/>
-          </a:fontRef>
-        </p:style>
-      </p:cxnSp>
-      <p:cxnSp>
-        <p:nvCxnSpPr>
-          <p:cNvPr id="67" name="Straight Arrow Connector 66">
-            <a:extLst>
-              <a:ext uri="{FF2B5EF4-FFF2-40B4-BE49-F238E27FC236}">
-                <a16:creationId xmlns:a16="http://schemas.microsoft.com/office/drawing/2014/main" id="{2F072769-64CD-493F-865C-F7787897098F}"/>
-              </a:ext>
-            </a:extLst>
-          </p:cNvPr>
-          <p:cNvCxnSpPr>
-            <a:cxnSpLocks/>
-            <a:stCxn id="63" idx="0"/>
-            <a:endCxn id="6" idx="2"/>
-          </p:cNvCxnSpPr>
-          <p:nvPr/>
-        </p:nvCxnSpPr>
-        <p:spPr>
-          <a:xfrm flipV="1">
-            <a:off x="1927656" y="2733803"/>
-            <a:ext cx="0" cy="1727181"/>
-          </a:xfrm>
-          <a:prstGeom prst="straightConnector1">
-            <a:avLst/>
-          </a:prstGeom>
-          <a:ln w="19050">
-            <a:headEnd type="none" w="med" len="med"/>
-            <a:tailEnd type="triangle" w="med" len="med"/>
-          </a:ln>
-        </p:spPr>
-        <p:style>
-          <a:lnRef idx="3">
-            <a:schemeClr val="dk1"/>
-          </a:lnRef>
-          <a:fillRef idx="0">
-            <a:schemeClr val="dk1"/>
-          </a:fillRef>
-          <a:effectRef idx="2">
-            <a:schemeClr val="dk1"/>
-          </a:effectRef>
-          <a:fontRef idx="minor">
-            <a:schemeClr val="tx1"/>
-          </a:fontRef>
-        </p:style>
-      </p:cxnSp>
-      <p:cxnSp>
-        <p:nvCxnSpPr>
-          <p:cNvPr id="72" name="Connector: Elbow 71">
-            <a:extLst>
-              <a:ext uri="{FF2B5EF4-FFF2-40B4-BE49-F238E27FC236}">
-                <a16:creationId xmlns:a16="http://schemas.microsoft.com/office/drawing/2014/main" id="{66010647-F8B8-4BE0-8AC4-4D3A48B05A75}"/>
-              </a:ext>
-            </a:extLst>
-          </p:cNvPr>
-          <p:cNvCxnSpPr>
-            <a:cxnSpLocks/>
-            <a:stCxn id="69" idx="0"/>
-            <a:endCxn id="76" idx="2"/>
-          </p:cNvCxnSpPr>
-          <p:nvPr/>
-        </p:nvCxnSpPr>
-        <p:spPr>
-          <a:xfrm rot="5400000" flipH="1" flipV="1">
-            <a:off x="3038695" y="2799814"/>
-            <a:ext cx="716139" cy="2606202"/>
-          </a:xfrm>
-          <a:prstGeom prst="bentConnector3">
-            <a:avLst>
-              <a:gd name="adj1" fmla="val 50000"/>
-            </a:avLst>
-          </a:prstGeom>
-          <a:ln w="19050">
-            <a:headEnd type="none" w="med" len="med"/>
-            <a:tailEnd type="triangle" w="med" len="med"/>
-          </a:ln>
-        </p:spPr>
-        <p:style>
-          <a:lnRef idx="3">
-            <a:schemeClr val="dk1"/>
-          </a:lnRef>
-          <a:fillRef idx="0">
-            <a:schemeClr val="dk1"/>
-          </a:fillRef>
-          <a:effectRef idx="2">
-            <a:schemeClr val="dk1"/>
-          </a:effectRef>
-          <a:fontRef idx="minor">
-            <a:schemeClr val="tx1"/>
-          </a:fontRef>
-        </p:style>
-      </p:cxnSp>
-      <p:cxnSp>
-        <p:nvCxnSpPr>
-          <p:cNvPr id="105" name="Connector: Elbow 104">
-            <a:extLst>
-              <a:ext uri="{FF2B5EF4-FFF2-40B4-BE49-F238E27FC236}">
-                <a16:creationId xmlns:a16="http://schemas.microsoft.com/office/drawing/2014/main" id="{AED79074-9BD2-4549-88CB-E337D5413FCD}"/>
-              </a:ext>
-            </a:extLst>
-          </p:cNvPr>
-          <p:cNvCxnSpPr>
-            <a:cxnSpLocks/>
-            <a:stCxn id="88" idx="3"/>
-            <a:endCxn id="33" idx="2"/>
-          </p:cNvCxnSpPr>
-          <p:nvPr/>
-        </p:nvCxnSpPr>
-        <p:spPr>
-          <a:xfrm flipV="1">
-            <a:off x="4071636" y="5297468"/>
-            <a:ext cx="1637700" cy="510891"/>
-          </a:xfrm>
-          <a:prstGeom prst="bentConnector2">
-            <a:avLst/>
-          </a:prstGeom>
-          <a:ln w="19050">
-            <a:headEnd type="none" w="med" len="med"/>
-            <a:tailEnd type="triangle" w="med" len="med"/>
-          </a:ln>
-        </p:spPr>
-        <p:style>
-          <a:lnRef idx="3">
-            <a:schemeClr val="dk1"/>
-          </a:lnRef>
-          <a:fillRef idx="0">
-            <a:schemeClr val="dk1"/>
-          </a:fillRef>
-          <a:effectRef idx="2">
-            <a:schemeClr val="dk1"/>
-          </a:effectRef>
-          <a:fontRef idx="minor">
-            <a:schemeClr val="tx1"/>
-          </a:fontRef>
-        </p:style>
-      </p:cxnSp>
-      <p:cxnSp>
-        <p:nvCxnSpPr>
-          <p:cNvPr id="106" name="Connector: Elbow 105">
-            <a:extLst>
-              <a:ext uri="{FF2B5EF4-FFF2-40B4-BE49-F238E27FC236}">
-                <a16:creationId xmlns:a16="http://schemas.microsoft.com/office/drawing/2014/main" id="{4D81E34B-CEF6-4353-9DC1-F1649ABF0CE8}"/>
-              </a:ext>
-            </a:extLst>
-          </p:cNvPr>
-          <p:cNvCxnSpPr>
-            <a:cxnSpLocks/>
-            <a:stCxn id="88" idx="1"/>
-            <a:endCxn id="63" idx="2"/>
-          </p:cNvCxnSpPr>
-          <p:nvPr/>
-        </p:nvCxnSpPr>
-        <p:spPr>
-          <a:xfrm rot="10800000">
-            <a:off x="1927656" y="5297469"/>
-            <a:ext cx="881362" cy="510891"/>
-          </a:xfrm>
-          <a:prstGeom prst="bentConnector2">
-            <a:avLst/>
-          </a:prstGeom>
-          <a:ln w="19050">
-            <a:headEnd type="none" w="med" len="med"/>
-            <a:tailEnd type="triangle" w="med" len="med"/>
-          </a:ln>
-        </p:spPr>
-        <p:style>
-          <a:lnRef idx="3">
-            <a:schemeClr val="dk1"/>
-          </a:lnRef>
-          <a:fillRef idx="0">
-            <a:schemeClr val="dk1"/>
-          </a:fillRef>
-          <a:effectRef idx="2">
-            <a:schemeClr val="dk1"/>
-          </a:effectRef>
-          <a:fontRef idx="minor">
-            <a:schemeClr val="tx1"/>
-          </a:fontRef>
-        </p:style>
-      </p:cxnSp>
-      <p:sp>
-        <p:nvSpPr>
-          <p:cNvPr id="6" name="Flowchart: Alternate Process 5">
-            <a:extLst>
-              <a:ext uri="{FF2B5EF4-FFF2-40B4-BE49-F238E27FC236}">
-                <a16:creationId xmlns:a16="http://schemas.microsoft.com/office/drawing/2014/main" id="{A3833883-BDAC-42B0-94AC-F4E45D51F49E}"/>
-              </a:ext>
-            </a:extLst>
-          </p:cNvPr>
-          <p:cNvSpPr/>
-          <p:nvPr/>
-        </p:nvSpPr>
-        <p:spPr>
-          <a:xfrm>
-            <a:off x="1296347" y="1897319"/>
-            <a:ext cx="1262618" cy="836484"/>
-          </a:xfrm>
-          <a:prstGeom prst="flowChartAlternateProcess">
-            <a:avLst/>
-          </a:prstGeom>
-          <a:ln w="19050"/>
-        </p:spPr>
-        <p:style>
-          <a:lnRef idx="2">
-            <a:schemeClr val="dk1"/>
-          </a:lnRef>
-          <a:fillRef idx="1">
-            <a:schemeClr val="lt1"/>
-          </a:fillRef>
-          <a:effectRef idx="0">
-            <a:schemeClr val="dk1"/>
-          </a:effectRef>
-          <a:fontRef idx="minor">
-            <a:schemeClr val="dk1"/>
-          </a:fontRef>
-        </p:style>
-        <p:txBody>
-          <a:bodyPr rot="0" spcFirstLastPara="0" vertOverflow="overflow" horzOverflow="overflow" vert="horz" wrap="square" lIns="0" tIns="0" rIns="0" bIns="0" numCol="1" spcCol="0" rtlCol="0" fromWordArt="0" anchor="ctr" anchorCtr="0" forceAA="0" compatLnSpc="1">
-            <a:prstTxWarp prst="textNoShape">
-              <a:avLst/>
-            </a:prstTxWarp>
-            <a:noAutofit/>
-          </a:bodyPr>
-          <a:lstStyle/>
-          <a:p>
-            <a:pPr algn="ctr"/>
-            <a:r>
-              <a:rPr lang="en-AU" sz="1050" dirty="0">
-                <a:solidFill>
-                  <a:schemeClr val="dk1"/>
-                </a:solidFill>
-                <a:latin typeface="Consolas" panose="020B0609020204030204" pitchFamily="49" charset="0"/>
-                <a:ea typeface="Yu Gothic" panose="020B0400000000000000" pitchFamily="34" charset="-128"/>
-              </a:rPr>
-              <a:t>Demonstrate functionality of distance measurement (SS1)</a:t>
-            </a:r>
-          </a:p>
-        </p:txBody>
-      </p:sp>
-      <p:sp>
-        <p:nvSpPr>
-          <p:cNvPr id="7" name="Flowchart: Alternate Process 6">
-            <a:extLst>
-              <a:ext uri="{FF2B5EF4-FFF2-40B4-BE49-F238E27FC236}">
-                <a16:creationId xmlns:a16="http://schemas.microsoft.com/office/drawing/2014/main" id="{C6527608-FB20-4452-BDAA-B940B19EF720}"/>
-              </a:ext>
-            </a:extLst>
-          </p:cNvPr>
-          <p:cNvSpPr/>
-          <p:nvPr/>
-        </p:nvSpPr>
-        <p:spPr>
-          <a:xfrm>
-            <a:off x="2809019" y="1897319"/>
-            <a:ext cx="1262618" cy="836484"/>
-          </a:xfrm>
-          <a:prstGeom prst="flowChartAlternateProcess">
-            <a:avLst/>
-          </a:prstGeom>
-          <a:ln w="19050"/>
-        </p:spPr>
-        <p:style>
-          <a:lnRef idx="2">
-            <a:schemeClr val="dk1"/>
-          </a:lnRef>
-          <a:fillRef idx="1">
-            <a:schemeClr val="lt1"/>
-          </a:fillRef>
-          <a:effectRef idx="0">
-            <a:schemeClr val="dk1"/>
-          </a:effectRef>
-          <a:fontRef idx="minor">
-            <a:schemeClr val="dk1"/>
-          </a:fontRef>
-        </p:style>
-        <p:txBody>
-          <a:bodyPr rot="0" spcFirstLastPara="0" vertOverflow="overflow" horzOverflow="overflow" vert="horz" wrap="square" lIns="0" tIns="0" rIns="0" bIns="0" numCol="1" spcCol="0" rtlCol="0" fromWordArt="0" anchor="ctr" anchorCtr="0" forceAA="0" compatLnSpc="1">
-            <a:prstTxWarp prst="textNoShape">
-              <a:avLst/>
-            </a:prstTxWarp>
-            <a:noAutofit/>
-          </a:bodyPr>
-          <a:lstStyle/>
-          <a:p>
-            <a:pPr algn="ctr"/>
-            <a:r>
-              <a:rPr lang="en-AU" sz="1050" dirty="0">
-                <a:solidFill>
-                  <a:schemeClr val="dk1"/>
-                </a:solidFill>
-                <a:latin typeface="Consolas" panose="020B0609020204030204" pitchFamily="49" charset="0"/>
-                <a:ea typeface="Yu Gothic" panose="020B0400000000000000" pitchFamily="34" charset="-128"/>
-              </a:rPr>
-              <a:t>Demonstrate functionality of force measurement (SS2)</a:t>
-            </a:r>
-          </a:p>
-        </p:txBody>
-      </p:sp>
-      <p:sp>
-        <p:nvSpPr>
-          <p:cNvPr id="8" name="Flowchart: Alternate Process 7">
-            <a:extLst>
-              <a:ext uri="{FF2B5EF4-FFF2-40B4-BE49-F238E27FC236}">
-                <a16:creationId xmlns:a16="http://schemas.microsoft.com/office/drawing/2014/main" id="{071BCC8B-43FF-4409-B53F-0BADFFA70F35}"/>
-              </a:ext>
-            </a:extLst>
-          </p:cNvPr>
-          <p:cNvSpPr/>
-          <p:nvPr/>
-        </p:nvSpPr>
-        <p:spPr>
-          <a:xfrm>
-            <a:off x="4321691" y="1897319"/>
-            <a:ext cx="1262618" cy="836484"/>
-          </a:xfrm>
-          <a:prstGeom prst="flowChartAlternateProcess">
-            <a:avLst/>
-          </a:prstGeom>
-          <a:ln w="19050"/>
-        </p:spPr>
-        <p:style>
-          <a:lnRef idx="2">
-            <a:schemeClr val="dk1"/>
-          </a:lnRef>
-          <a:fillRef idx="1">
-            <a:schemeClr val="lt1"/>
-          </a:fillRef>
-          <a:effectRef idx="0">
-            <a:schemeClr val="dk1"/>
-          </a:effectRef>
-          <a:fontRef idx="minor">
-            <a:schemeClr val="dk1"/>
-          </a:fontRef>
-        </p:style>
-        <p:txBody>
-          <a:bodyPr rot="0" spcFirstLastPara="0" vertOverflow="overflow" horzOverflow="overflow" vert="horz" wrap="square" lIns="0" tIns="0" rIns="0" bIns="0" numCol="1" spcCol="0" rtlCol="0" fromWordArt="0" anchor="ctr" anchorCtr="0" forceAA="0" compatLnSpc="1">
-            <a:prstTxWarp prst="textNoShape">
-              <a:avLst/>
-            </a:prstTxWarp>
-            <a:noAutofit/>
-          </a:bodyPr>
-          <a:lstStyle/>
-          <a:p>
-            <a:pPr algn="ctr"/>
-            <a:r>
-              <a:rPr lang="en-AU" sz="1050" dirty="0">
-                <a:solidFill>
-                  <a:schemeClr val="dk1"/>
-                </a:solidFill>
-                <a:latin typeface="Consolas" panose="020B0609020204030204" pitchFamily="49" charset="0"/>
-                <a:ea typeface="Yu Gothic" panose="020B0400000000000000" pitchFamily="34" charset="-128"/>
-              </a:rPr>
-              <a:t>Demonstrate functionality of control system (SS3)</a:t>
-            </a:r>
-          </a:p>
-        </p:txBody>
-      </p:sp>
-      <p:sp>
-        <p:nvSpPr>
-          <p:cNvPr id="9" name="Flowchart: Alternate Process 8">
-            <a:extLst>
-              <a:ext uri="{FF2B5EF4-FFF2-40B4-BE49-F238E27FC236}">
-                <a16:creationId xmlns:a16="http://schemas.microsoft.com/office/drawing/2014/main" id="{544D3F81-CFB1-457D-A92F-657A1906BFFB}"/>
-              </a:ext>
-            </a:extLst>
-          </p:cNvPr>
-          <p:cNvSpPr/>
-          <p:nvPr/>
-        </p:nvSpPr>
-        <p:spPr>
-          <a:xfrm>
-            <a:off x="5834363" y="1897319"/>
-            <a:ext cx="1262618" cy="836484"/>
-          </a:xfrm>
-          <a:prstGeom prst="flowChartAlternateProcess">
-            <a:avLst/>
-          </a:prstGeom>
-          <a:ln w="19050"/>
-        </p:spPr>
-        <p:style>
-          <a:lnRef idx="2">
-            <a:schemeClr val="dk1"/>
-          </a:lnRef>
-          <a:fillRef idx="1">
-            <a:schemeClr val="lt1"/>
-          </a:fillRef>
-          <a:effectRef idx="0">
-            <a:schemeClr val="dk1"/>
-          </a:effectRef>
-          <a:fontRef idx="minor">
-            <a:schemeClr val="dk1"/>
-          </a:fontRef>
-        </p:style>
-        <p:txBody>
-          <a:bodyPr rot="0" spcFirstLastPara="0" vertOverflow="overflow" horzOverflow="overflow" vert="horz" wrap="square" lIns="0" tIns="0" rIns="0" bIns="0" numCol="1" spcCol="0" rtlCol="0" fromWordArt="0" anchor="ctr" anchorCtr="0" forceAA="0" compatLnSpc="1">
-            <a:prstTxWarp prst="textNoShape">
-              <a:avLst/>
-            </a:prstTxWarp>
-            <a:noAutofit/>
-          </a:bodyPr>
-          <a:lstStyle/>
-          <a:p>
-            <a:pPr algn="ctr"/>
-            <a:r>
-              <a:rPr lang="en-AU" sz="1050" dirty="0">
-                <a:solidFill>
-                  <a:schemeClr val="dk1"/>
-                </a:solidFill>
-                <a:latin typeface="Consolas" panose="020B0609020204030204" pitchFamily="49" charset="0"/>
-                <a:ea typeface="Yu Gothic" panose="020B0400000000000000" pitchFamily="34" charset="-128"/>
-              </a:rPr>
-              <a:t>Demonstrate functionality of communication (SS4)</a:t>
-            </a:r>
-          </a:p>
-        </p:txBody>
-      </p:sp>
-      <p:grpSp>
-        <p:nvGrpSpPr>
-          <p:cNvPr id="35" name="Group 34">
-            <a:extLst>
-              <a:ext uri="{FF2B5EF4-FFF2-40B4-BE49-F238E27FC236}">
-                <a16:creationId xmlns:a16="http://schemas.microsoft.com/office/drawing/2014/main" id="{C9CF2157-F0EC-4D53-A742-C4E7C02B3266}"/>
-              </a:ext>
-            </a:extLst>
-          </p:cNvPr>
-          <p:cNvGrpSpPr/>
-          <p:nvPr/>
-        </p:nvGrpSpPr>
-        <p:grpSpPr>
-          <a:xfrm>
-            <a:off x="5078027" y="4460984"/>
-            <a:ext cx="1262618" cy="836484"/>
-            <a:chOff x="5078027" y="4460984"/>
-            <a:chExt cx="1262618" cy="836484"/>
-          </a:xfrm>
-        </p:grpSpPr>
-        <p:grpSp>
-          <p:nvGrpSpPr>
-            <p:cNvPr id="65" name="Group 64">
+        <p:sp>
+          <p:nvSpPr>
+            <p:cNvPr id="5" name="Flowchart: Alternate Process 4">
               <a:extLst>
                 <a:ext uri="{FF2B5EF4-FFF2-40B4-BE49-F238E27FC236}">
-                  <a16:creationId xmlns:a16="http://schemas.microsoft.com/office/drawing/2014/main" id="{26A2B32B-1610-4635-96C2-09E19FA2CD58}"/>
-                </a:ext>
-              </a:extLst>
-            </p:cNvPr>
-            <p:cNvGrpSpPr/>
-            <p:nvPr/>
-          </p:nvGrpSpPr>
-          <p:grpSpPr>
-            <a:xfrm rot="5400000">
-              <a:off x="5007535" y="4713219"/>
-              <a:ext cx="472998" cy="332014"/>
-              <a:chOff x="985157" y="4125686"/>
-              <a:chExt cx="664028" cy="332014"/>
-            </a:xfrm>
-          </p:grpSpPr>
-          <p:sp>
-            <p:nvSpPr>
-              <p:cNvPr id="66" name="Rectangle 65">
-                <a:extLst>
-                  <a:ext uri="{FF2B5EF4-FFF2-40B4-BE49-F238E27FC236}">
-                    <a16:creationId xmlns:a16="http://schemas.microsoft.com/office/drawing/2014/main" id="{883F24C0-8CB7-4BFF-ACEC-B1413547BAB3}"/>
-                  </a:ext>
-                </a:extLst>
-              </p:cNvPr>
-              <p:cNvSpPr/>
-              <p:nvPr/>
-            </p:nvSpPr>
-            <p:spPr>
-              <a:xfrm>
-                <a:off x="985157" y="4125686"/>
-                <a:ext cx="332014" cy="332014"/>
-              </a:xfrm>
-              <a:prstGeom prst="rect">
-                <a:avLst/>
-              </a:prstGeom>
-            </p:spPr>
-            <p:style>
-              <a:lnRef idx="2">
-                <a:schemeClr val="accent1">
-                  <a:shade val="50000"/>
-                </a:schemeClr>
-              </a:lnRef>
-              <a:fillRef idx="1">
-                <a:schemeClr val="accent1"/>
-              </a:fillRef>
-              <a:effectRef idx="0">
-                <a:schemeClr val="accent1"/>
-              </a:effectRef>
-              <a:fontRef idx="minor">
-                <a:schemeClr val="lt1"/>
-              </a:fontRef>
-            </p:style>
-            <p:txBody>
-              <a:bodyPr rtlCol="0" anchor="ctr"/>
-              <a:lstStyle/>
-              <a:p>
-                <a:pPr algn="ctr"/>
-                <a:endParaRPr lang="en-AU"/>
-              </a:p>
-            </p:txBody>
-          </p:sp>
-          <p:sp>
-            <p:nvSpPr>
-              <p:cNvPr id="71" name="Rectangle 70">
-                <a:extLst>
-                  <a:ext uri="{FF2B5EF4-FFF2-40B4-BE49-F238E27FC236}">
-                    <a16:creationId xmlns:a16="http://schemas.microsoft.com/office/drawing/2014/main" id="{E3B97C72-5B1C-42FE-87FA-56B28A0219DF}"/>
-                  </a:ext>
-                </a:extLst>
-              </p:cNvPr>
-              <p:cNvSpPr/>
-              <p:nvPr/>
-            </p:nvSpPr>
-            <p:spPr>
-              <a:xfrm>
-                <a:off x="1317171" y="4125686"/>
-                <a:ext cx="332014" cy="332014"/>
-              </a:xfrm>
-              <a:prstGeom prst="rect">
-                <a:avLst/>
-              </a:prstGeom>
-            </p:spPr>
-            <p:style>
-              <a:lnRef idx="2">
-                <a:schemeClr val="accent1">
-                  <a:shade val="50000"/>
-                </a:schemeClr>
-              </a:lnRef>
-              <a:fillRef idx="1">
-                <a:schemeClr val="accent1"/>
-              </a:fillRef>
-              <a:effectRef idx="0">
-                <a:schemeClr val="accent1"/>
-              </a:effectRef>
-              <a:fontRef idx="minor">
-                <a:schemeClr val="lt1"/>
-              </a:fontRef>
-            </p:style>
-            <p:txBody>
-              <a:bodyPr rtlCol="0" anchor="ctr"/>
-              <a:lstStyle/>
-              <a:p>
-                <a:pPr algn="ctr"/>
-                <a:endParaRPr lang="en-AU"/>
-              </a:p>
-            </p:txBody>
-          </p:sp>
-        </p:grpSp>
-        <p:grpSp>
-          <p:nvGrpSpPr>
-            <p:cNvPr id="57" name="Group 56">
-              <a:extLst>
-                <a:ext uri="{FF2B5EF4-FFF2-40B4-BE49-F238E27FC236}">
-                  <a16:creationId xmlns:a16="http://schemas.microsoft.com/office/drawing/2014/main" id="{E0641B32-72C9-40C4-AEA3-0D0188041774}"/>
-                </a:ext>
-              </a:extLst>
-            </p:cNvPr>
-            <p:cNvGrpSpPr/>
-            <p:nvPr/>
-          </p:nvGrpSpPr>
-          <p:grpSpPr>
-            <a:xfrm rot="5400000">
-              <a:off x="5938139" y="4713219"/>
-              <a:ext cx="472998" cy="332014"/>
-              <a:chOff x="985157" y="4125686"/>
-              <a:chExt cx="664028" cy="332014"/>
-            </a:xfrm>
-          </p:grpSpPr>
-          <p:sp>
-            <p:nvSpPr>
-              <p:cNvPr id="58" name="Rectangle 57">
-                <a:extLst>
-                  <a:ext uri="{FF2B5EF4-FFF2-40B4-BE49-F238E27FC236}">
-                    <a16:creationId xmlns:a16="http://schemas.microsoft.com/office/drawing/2014/main" id="{80D59877-7EF1-4E21-86CB-4E2459AB6AA6}"/>
-                  </a:ext>
-                </a:extLst>
-              </p:cNvPr>
-              <p:cNvSpPr/>
-              <p:nvPr/>
-            </p:nvSpPr>
-            <p:spPr>
-              <a:xfrm>
-                <a:off x="985157" y="4125686"/>
-                <a:ext cx="332014" cy="332014"/>
-              </a:xfrm>
-              <a:prstGeom prst="rect">
-                <a:avLst/>
-              </a:prstGeom>
-            </p:spPr>
-            <p:style>
-              <a:lnRef idx="2">
-                <a:schemeClr val="accent1">
-                  <a:shade val="50000"/>
-                </a:schemeClr>
-              </a:lnRef>
-              <a:fillRef idx="1">
-                <a:schemeClr val="accent1"/>
-              </a:fillRef>
-              <a:effectRef idx="0">
-                <a:schemeClr val="accent1"/>
-              </a:effectRef>
-              <a:fontRef idx="minor">
-                <a:schemeClr val="lt1"/>
-              </a:fontRef>
-            </p:style>
-            <p:txBody>
-              <a:bodyPr rtlCol="0" anchor="ctr"/>
-              <a:lstStyle/>
-              <a:p>
-                <a:pPr algn="ctr"/>
-                <a:endParaRPr lang="en-AU"/>
-              </a:p>
-            </p:txBody>
-          </p:sp>
-          <p:sp>
-            <p:nvSpPr>
-              <p:cNvPr id="59" name="Rectangle 58">
-                <a:extLst>
-                  <a:ext uri="{FF2B5EF4-FFF2-40B4-BE49-F238E27FC236}">
-                    <a16:creationId xmlns:a16="http://schemas.microsoft.com/office/drawing/2014/main" id="{8981F8E8-1F0A-4B74-9D4F-8BF5809304D0}"/>
-                  </a:ext>
-                </a:extLst>
-              </p:cNvPr>
-              <p:cNvSpPr/>
-              <p:nvPr/>
-            </p:nvSpPr>
-            <p:spPr>
-              <a:xfrm>
-                <a:off x="1317171" y="4125686"/>
-                <a:ext cx="332014" cy="332014"/>
-              </a:xfrm>
-              <a:prstGeom prst="rect">
-                <a:avLst/>
-              </a:prstGeom>
-            </p:spPr>
-            <p:style>
-              <a:lnRef idx="2">
-                <a:schemeClr val="accent1">
-                  <a:shade val="50000"/>
-                </a:schemeClr>
-              </a:lnRef>
-              <a:fillRef idx="1">
-                <a:schemeClr val="accent1"/>
-              </a:fillRef>
-              <a:effectRef idx="0">
-                <a:schemeClr val="accent1"/>
-              </a:effectRef>
-              <a:fontRef idx="minor">
-                <a:schemeClr val="lt1"/>
-              </a:fontRef>
-            </p:style>
-            <p:txBody>
-              <a:bodyPr rtlCol="0" anchor="ctr"/>
-              <a:lstStyle/>
-              <a:p>
-                <a:pPr algn="ctr"/>
-                <a:endParaRPr lang="en-AU"/>
-              </a:p>
-            </p:txBody>
-          </p:sp>
-        </p:grpSp>
-        <p:sp>
-          <p:nvSpPr>
-            <p:cNvPr id="33" name="Flowchart: Alternate Process 32">
-              <a:extLst>
-                <a:ext uri="{FF2B5EF4-FFF2-40B4-BE49-F238E27FC236}">
-                  <a16:creationId xmlns:a16="http://schemas.microsoft.com/office/drawing/2014/main" id="{4163DF66-86CE-4486-8FD7-36BD3D64EF28}"/>
+                  <a16:creationId xmlns:a16="http://schemas.microsoft.com/office/drawing/2014/main" id="{30547A5D-F79B-4D23-AC40-154B00958AA1}"/>
                 </a:ext>
               </a:extLst>
             </p:cNvPr>
@@ -6941,7 +5716,7 @@
           </p:nvSpPr>
           <p:spPr>
             <a:xfrm>
-              <a:off x="5078027" y="4460984"/>
+              <a:off x="4321680" y="858580"/>
               <a:ext cx="1262618" cy="836484"/>
             </a:xfrm>
             <a:prstGeom prst="flowChartAlternateProcess">
@@ -6981,38 +5756,197 @@
                   <a:latin typeface="Consolas" panose="020B0609020204030204" pitchFamily="49" charset="0"/>
                   <a:ea typeface="Yu Gothic" panose="020B0400000000000000" pitchFamily="34" charset="-128"/>
                 </a:rPr>
-                <a:t>Show sensor readings adjusting actuator over UART</a:t>
+                <a:t>Demonstrate functionality of subsystems</a:t>
               </a:r>
             </a:p>
           </p:txBody>
         </p:sp>
-      </p:grpSp>
-      <p:grpSp>
-        <p:nvGrpSpPr>
-          <p:cNvPr id="16" name="Group 15">
-            <a:extLst>
-              <a:ext uri="{FF2B5EF4-FFF2-40B4-BE49-F238E27FC236}">
-                <a16:creationId xmlns:a16="http://schemas.microsoft.com/office/drawing/2014/main" id="{E530C9F4-DF47-4116-9E0C-3F3763BE48F0}"/>
-              </a:ext>
-            </a:extLst>
-          </p:cNvPr>
-          <p:cNvGrpSpPr/>
-          <p:nvPr/>
-        </p:nvGrpSpPr>
-        <p:grpSpPr>
-          <a:xfrm>
-            <a:off x="1296347" y="4460984"/>
-            <a:ext cx="1262618" cy="836484"/>
-            <a:chOff x="1296347" y="4460984"/>
-            <a:chExt cx="1262618" cy="836484"/>
-          </a:xfrm>
-        </p:grpSpPr>
+        <p:cxnSp>
+          <p:nvCxnSpPr>
+            <p:cNvPr id="12" name="Connector: Elbow 11">
+              <a:extLst>
+                <a:ext uri="{FF2B5EF4-FFF2-40B4-BE49-F238E27FC236}">
+                  <a16:creationId xmlns:a16="http://schemas.microsoft.com/office/drawing/2014/main" id="{7BE17700-6379-4511-8F48-582F91A7F111}"/>
+                </a:ext>
+              </a:extLst>
+            </p:cNvPr>
+            <p:cNvCxnSpPr>
+              <a:cxnSpLocks/>
+              <a:stCxn id="6" idx="0"/>
+              <a:endCxn id="5" idx="1"/>
+            </p:cNvCxnSpPr>
+            <p:nvPr/>
+          </p:nvCxnSpPr>
+          <p:spPr>
+            <a:xfrm rot="5400000" flipH="1" flipV="1">
+              <a:off x="2814420" y="390059"/>
+              <a:ext cx="620497" cy="2394024"/>
+            </a:xfrm>
+            <a:prstGeom prst="bentConnector2">
+              <a:avLst/>
+            </a:prstGeom>
+            <a:ln w="19050">
+              <a:headEnd type="none" w="med" len="med"/>
+              <a:tailEnd type="triangle" w="med" len="med"/>
+            </a:ln>
+          </p:spPr>
+          <p:style>
+            <a:lnRef idx="3">
+              <a:schemeClr val="dk1"/>
+            </a:lnRef>
+            <a:fillRef idx="0">
+              <a:schemeClr val="dk1"/>
+            </a:fillRef>
+            <a:effectRef idx="2">
+              <a:schemeClr val="dk1"/>
+            </a:effectRef>
+            <a:fontRef idx="minor">
+              <a:schemeClr val="tx1"/>
+            </a:fontRef>
+          </p:style>
+        </p:cxnSp>
+        <p:cxnSp>
+          <p:nvCxnSpPr>
+            <p:cNvPr id="14" name="Connector: Elbow 13">
+              <a:extLst>
+                <a:ext uri="{FF2B5EF4-FFF2-40B4-BE49-F238E27FC236}">
+                  <a16:creationId xmlns:a16="http://schemas.microsoft.com/office/drawing/2014/main" id="{8B932A30-30DC-460A-9DF8-41D2A6C771DE}"/>
+                </a:ext>
+              </a:extLst>
+            </p:cNvPr>
+            <p:cNvCxnSpPr>
+              <a:cxnSpLocks/>
+              <a:stCxn id="7" idx="0"/>
+              <a:endCxn id="20" idx="3"/>
+            </p:cNvCxnSpPr>
+            <p:nvPr/>
+          </p:nvCxnSpPr>
+          <p:spPr>
+            <a:xfrm rot="5400000" flipH="1" flipV="1">
+              <a:off x="3937705" y="1197690"/>
+              <a:ext cx="202253" cy="1197007"/>
+            </a:xfrm>
+            <a:prstGeom prst="bentConnector3">
+              <a:avLst>
+                <a:gd name="adj1" fmla="val 50000"/>
+              </a:avLst>
+            </a:prstGeom>
+            <a:ln w="19050">
+              <a:headEnd type="none" w="med" len="med"/>
+              <a:tailEnd type="triangle" w="med" len="med"/>
+            </a:ln>
+          </p:spPr>
+          <p:style>
+            <a:lnRef idx="3">
+              <a:schemeClr val="dk1"/>
+            </a:lnRef>
+            <a:fillRef idx="0">
+              <a:schemeClr val="dk1"/>
+            </a:fillRef>
+            <a:effectRef idx="2">
+              <a:schemeClr val="dk1"/>
+            </a:effectRef>
+            <a:fontRef idx="minor">
+              <a:schemeClr val="tx1"/>
+            </a:fontRef>
+          </p:style>
+        </p:cxnSp>
+        <p:cxnSp>
+          <p:nvCxnSpPr>
+            <p:cNvPr id="22" name="Connector: Elbow 21">
+              <a:extLst>
+                <a:ext uri="{FF2B5EF4-FFF2-40B4-BE49-F238E27FC236}">
+                  <a16:creationId xmlns:a16="http://schemas.microsoft.com/office/drawing/2014/main" id="{93295E7B-8A94-4E3C-9FA6-D5A9A366EEF9}"/>
+                </a:ext>
+              </a:extLst>
+            </p:cNvPr>
+            <p:cNvCxnSpPr>
+              <a:cxnSpLocks/>
+              <a:stCxn id="8" idx="0"/>
+              <a:endCxn id="19" idx="3"/>
+            </p:cNvCxnSpPr>
+            <p:nvPr/>
+          </p:nvCxnSpPr>
+          <p:spPr>
+            <a:xfrm rot="5400000" flipH="1" flipV="1">
+              <a:off x="5009696" y="1638371"/>
+              <a:ext cx="202253" cy="315644"/>
+            </a:xfrm>
+            <a:prstGeom prst="bentConnector3">
+              <a:avLst>
+                <a:gd name="adj1" fmla="val 50000"/>
+              </a:avLst>
+            </a:prstGeom>
+            <a:ln w="19050">
+              <a:headEnd type="none" w="med" len="med"/>
+              <a:tailEnd type="triangle" w="med" len="med"/>
+            </a:ln>
+          </p:spPr>
+          <p:style>
+            <a:lnRef idx="3">
+              <a:schemeClr val="dk1"/>
+            </a:lnRef>
+            <a:fillRef idx="0">
+              <a:schemeClr val="dk1"/>
+            </a:fillRef>
+            <a:effectRef idx="2">
+              <a:schemeClr val="dk1"/>
+            </a:effectRef>
+            <a:fontRef idx="minor">
+              <a:schemeClr val="tx1"/>
+            </a:fontRef>
+          </p:style>
+        </p:cxnSp>
+        <p:cxnSp>
+          <p:nvCxnSpPr>
+            <p:cNvPr id="27" name="Connector: Elbow 26">
+              <a:extLst>
+                <a:ext uri="{FF2B5EF4-FFF2-40B4-BE49-F238E27FC236}">
+                  <a16:creationId xmlns:a16="http://schemas.microsoft.com/office/drawing/2014/main" id="{11C14182-6245-485E-A9DB-134A2174C615}"/>
+                </a:ext>
+              </a:extLst>
+            </p:cNvPr>
+            <p:cNvCxnSpPr>
+              <a:cxnSpLocks/>
+              <a:stCxn id="9" idx="0"/>
+              <a:endCxn id="5" idx="3"/>
+            </p:cNvCxnSpPr>
+            <p:nvPr/>
+          </p:nvCxnSpPr>
+          <p:spPr>
+            <a:xfrm rot="16200000" flipV="1">
+              <a:off x="5714737" y="1146384"/>
+              <a:ext cx="620497" cy="881374"/>
+            </a:xfrm>
+            <a:prstGeom prst="bentConnector2">
+              <a:avLst/>
+            </a:prstGeom>
+            <a:ln w="19050">
+              <a:headEnd type="none" w="med" len="med"/>
+              <a:tailEnd type="triangle" w="med" len="med"/>
+            </a:ln>
+          </p:spPr>
+          <p:style>
+            <a:lnRef idx="3">
+              <a:schemeClr val="dk1"/>
+            </a:lnRef>
+            <a:fillRef idx="0">
+              <a:schemeClr val="dk1"/>
+            </a:fillRef>
+            <a:effectRef idx="2">
+              <a:schemeClr val="dk1"/>
+            </a:effectRef>
+            <a:fontRef idx="minor">
+              <a:schemeClr val="tx1"/>
+            </a:fontRef>
+          </p:style>
+        </p:cxnSp>
         <p:grpSp>
           <p:nvGrpSpPr>
-            <p:cNvPr id="70" name="Group 69">
+            <p:cNvPr id="75" name="Group 74">
               <a:extLst>
                 <a:ext uri="{FF2B5EF4-FFF2-40B4-BE49-F238E27FC236}">
-                  <a16:creationId xmlns:a16="http://schemas.microsoft.com/office/drawing/2014/main" id="{27E4E1FA-11AC-46F2-8D2D-D60249DB118D}"/>
+                  <a16:creationId xmlns:a16="http://schemas.microsoft.com/office/drawing/2014/main" id="{AD8AF392-FE28-4196-9DD1-705AFD14B4F3}"/>
                 </a:ext>
               </a:extLst>
             </p:cNvPr>
@@ -7021,18 +5955,19 @@
           </p:nvGrpSpPr>
           <p:grpSpPr>
             <a:xfrm>
-              <a:off x="1595642" y="4460984"/>
-              <a:ext cx="664028" cy="332014"/>
+              <a:off x="4446730" y="3412831"/>
+              <a:ext cx="1012540" cy="332014"/>
               <a:chOff x="985157" y="4125686"/>
               <a:chExt cx="664028" cy="332014"/>
             </a:xfrm>
+            <a:noFill/>
           </p:grpSpPr>
           <p:sp>
             <p:nvSpPr>
-              <p:cNvPr id="68" name="Rectangle 67">
+              <p:cNvPr id="76" name="Rectangle 75">
                 <a:extLst>
                   <a:ext uri="{FF2B5EF4-FFF2-40B4-BE49-F238E27FC236}">
-                    <a16:creationId xmlns:a16="http://schemas.microsoft.com/office/drawing/2014/main" id="{F4252B57-3E1E-4BDB-B75A-AED55038E90A}"/>
+                    <a16:creationId xmlns:a16="http://schemas.microsoft.com/office/drawing/2014/main" id="{5B6CE44F-A7EE-4F3F-A808-06E0A83CCE03}"/>
                   </a:ext>
                 </a:extLst>
               </p:cNvPr>
@@ -7047,6 +5982,12 @@
               <a:prstGeom prst="rect">
                 <a:avLst/>
               </a:prstGeom>
+              <a:grpFill/>
+              <a:ln>
+                <a:solidFill>
+                  <a:schemeClr val="accent1"/>
+                </a:solidFill>
+              </a:ln>
             </p:spPr>
             <p:style>
               <a:lnRef idx="2">
@@ -7075,10 +6016,10 @@
           </p:sp>
           <p:sp>
             <p:nvSpPr>
-              <p:cNvPr id="69" name="Rectangle 68">
+              <p:cNvPr id="77" name="Rectangle 76">
                 <a:extLst>
                   <a:ext uri="{FF2B5EF4-FFF2-40B4-BE49-F238E27FC236}">
-                    <a16:creationId xmlns:a16="http://schemas.microsoft.com/office/drawing/2014/main" id="{2DCF4CA2-160B-4F92-A433-4F7E43D2F2F7}"/>
+                    <a16:creationId xmlns:a16="http://schemas.microsoft.com/office/drawing/2014/main" id="{63202DD3-ECE9-44B2-9BA9-0F9B443ECDBC}"/>
                   </a:ext>
                 </a:extLst>
               </p:cNvPr>
@@ -7093,6 +6034,12 @@
               <a:prstGeom prst="rect">
                 <a:avLst/>
               </a:prstGeom>
+              <a:grpFill/>
+              <a:ln>
+                <a:solidFill>
+                  <a:schemeClr val="accent1"/>
+                </a:solidFill>
+              </a:ln>
             </p:spPr>
             <p:style>
               <a:lnRef idx="2">
@@ -7120,12 +6067,410 @@
             </p:txBody>
           </p:sp>
         </p:grpSp>
+        <p:cxnSp>
+          <p:nvCxnSpPr>
+            <p:cNvPr id="40" name="Connector: Elbow 39">
+              <a:extLst>
+                <a:ext uri="{FF2B5EF4-FFF2-40B4-BE49-F238E27FC236}">
+                  <a16:creationId xmlns:a16="http://schemas.microsoft.com/office/drawing/2014/main" id="{8A2A684B-C3C4-4723-B8E9-A4DA7C0C13B6}"/>
+                </a:ext>
+              </a:extLst>
+            </p:cNvPr>
+            <p:cNvCxnSpPr>
+              <a:cxnSpLocks/>
+              <a:stCxn id="71" idx="2"/>
+              <a:endCxn id="39" idx="2"/>
+            </p:cNvCxnSpPr>
+            <p:nvPr/>
+          </p:nvCxnSpPr>
+          <p:spPr>
+            <a:xfrm rot="10800000">
+              <a:off x="3440328" y="3742461"/>
+              <a:ext cx="1637700" cy="1255017"/>
+            </a:xfrm>
+            <a:prstGeom prst="bentConnector2">
+              <a:avLst/>
+            </a:prstGeom>
+            <a:ln w="19050">
+              <a:headEnd type="none" w="med" len="med"/>
+              <a:tailEnd type="triangle" w="med" len="med"/>
+            </a:ln>
+          </p:spPr>
+          <p:style>
+            <a:lnRef idx="3">
+              <a:schemeClr val="dk1"/>
+            </a:lnRef>
+            <a:fillRef idx="0">
+              <a:schemeClr val="dk1"/>
+            </a:fillRef>
+            <a:effectRef idx="2">
+              <a:schemeClr val="dk1"/>
+            </a:effectRef>
+            <a:fontRef idx="minor">
+              <a:schemeClr val="tx1"/>
+            </a:fontRef>
+          </p:style>
+        </p:cxnSp>
+        <p:cxnSp>
+          <p:nvCxnSpPr>
+            <p:cNvPr id="44" name="Connector: Elbow 43">
+              <a:extLst>
+                <a:ext uri="{FF2B5EF4-FFF2-40B4-BE49-F238E27FC236}">
+                  <a16:creationId xmlns:a16="http://schemas.microsoft.com/office/drawing/2014/main" id="{6999982A-63B0-47E4-9062-CF3138599D23}"/>
+                </a:ext>
+              </a:extLst>
+            </p:cNvPr>
+            <p:cNvCxnSpPr>
+              <a:cxnSpLocks/>
+              <a:stCxn id="59" idx="0"/>
+              <a:endCxn id="47" idx="2"/>
+            </p:cNvCxnSpPr>
+            <p:nvPr/>
+          </p:nvCxnSpPr>
+          <p:spPr>
+            <a:xfrm flipV="1">
+              <a:off x="6340646" y="3742460"/>
+              <a:ext cx="1637698" cy="1255017"/>
+            </a:xfrm>
+            <a:prstGeom prst="bentConnector2">
+              <a:avLst/>
+            </a:prstGeom>
+            <a:ln w="19050">
+              <a:headEnd type="none" w="med" len="med"/>
+              <a:tailEnd type="triangle" w="med" len="med"/>
+            </a:ln>
+          </p:spPr>
+          <p:style>
+            <a:lnRef idx="3">
+              <a:schemeClr val="dk1"/>
+            </a:lnRef>
+            <a:fillRef idx="0">
+              <a:schemeClr val="dk1"/>
+            </a:fillRef>
+            <a:effectRef idx="2">
+              <a:schemeClr val="dk1"/>
+            </a:effectRef>
+            <a:fontRef idx="minor">
+              <a:schemeClr val="tx1"/>
+            </a:fontRef>
+          </p:style>
+        </p:cxnSp>
+        <p:cxnSp>
+          <p:nvCxnSpPr>
+            <p:cNvPr id="48" name="Straight Arrow Connector 47">
+              <a:extLst>
+                <a:ext uri="{FF2B5EF4-FFF2-40B4-BE49-F238E27FC236}">
+                  <a16:creationId xmlns:a16="http://schemas.microsoft.com/office/drawing/2014/main" id="{65DCA816-98C2-40C1-A97A-924F22A77657}"/>
+                </a:ext>
+              </a:extLst>
+            </p:cNvPr>
+            <p:cNvCxnSpPr>
+              <a:cxnSpLocks/>
+              <a:stCxn id="31" idx="0"/>
+              <a:endCxn id="9" idx="2"/>
+            </p:cNvCxnSpPr>
+            <p:nvPr/>
+          </p:nvCxnSpPr>
+          <p:spPr>
+            <a:xfrm flipV="1">
+              <a:off x="6465672" y="2733803"/>
+              <a:ext cx="0" cy="174558"/>
+            </a:xfrm>
+            <a:prstGeom prst="straightConnector1">
+              <a:avLst/>
+            </a:prstGeom>
+            <a:ln w="19050">
+              <a:headEnd type="none" w="med" len="med"/>
+              <a:tailEnd type="triangle" w="med" len="med"/>
+            </a:ln>
+          </p:spPr>
+          <p:style>
+            <a:lnRef idx="3">
+              <a:schemeClr val="dk1"/>
+            </a:lnRef>
+            <a:fillRef idx="0">
+              <a:schemeClr val="dk1"/>
+            </a:fillRef>
+            <a:effectRef idx="2">
+              <a:schemeClr val="dk1"/>
+            </a:effectRef>
+            <a:fontRef idx="minor">
+              <a:schemeClr val="tx1"/>
+            </a:fontRef>
+          </p:style>
+        </p:cxnSp>
+        <p:cxnSp>
+          <p:nvCxnSpPr>
+            <p:cNvPr id="50" name="Straight Arrow Connector 49">
+              <a:extLst>
+                <a:ext uri="{FF2B5EF4-FFF2-40B4-BE49-F238E27FC236}">
+                  <a16:creationId xmlns:a16="http://schemas.microsoft.com/office/drawing/2014/main" id="{CA61959F-842F-47AF-8A49-13D2C5BC91AB}"/>
+                </a:ext>
+              </a:extLst>
+            </p:cNvPr>
+            <p:cNvCxnSpPr>
+              <a:cxnSpLocks/>
+              <a:stCxn id="37" idx="0"/>
+              <a:endCxn id="8" idx="2"/>
+            </p:cNvCxnSpPr>
+            <p:nvPr/>
+          </p:nvCxnSpPr>
+          <p:spPr>
+            <a:xfrm flipV="1">
+              <a:off x="4953000" y="2733803"/>
+              <a:ext cx="0" cy="174558"/>
+            </a:xfrm>
+            <a:prstGeom prst="straightConnector1">
+              <a:avLst/>
+            </a:prstGeom>
+            <a:ln w="19050">
+              <a:headEnd type="none" w="med" len="med"/>
+              <a:tailEnd type="triangle" w="med" len="med"/>
+            </a:ln>
+          </p:spPr>
+          <p:style>
+            <a:lnRef idx="3">
+              <a:schemeClr val="dk1"/>
+            </a:lnRef>
+            <a:fillRef idx="0">
+              <a:schemeClr val="dk1"/>
+            </a:fillRef>
+            <a:effectRef idx="2">
+              <a:schemeClr val="dk1"/>
+            </a:effectRef>
+            <a:fontRef idx="minor">
+              <a:schemeClr val="tx1"/>
+            </a:fontRef>
+          </p:style>
+        </p:cxnSp>
+        <p:cxnSp>
+          <p:nvCxnSpPr>
+            <p:cNvPr id="53" name="Straight Arrow Connector 52">
+              <a:extLst>
+                <a:ext uri="{FF2B5EF4-FFF2-40B4-BE49-F238E27FC236}">
+                  <a16:creationId xmlns:a16="http://schemas.microsoft.com/office/drawing/2014/main" id="{DFD144A9-6A06-487B-A747-BC37086CD013}"/>
+                </a:ext>
+              </a:extLst>
+            </p:cNvPr>
+            <p:cNvCxnSpPr>
+              <a:cxnSpLocks/>
+              <a:stCxn id="39" idx="0"/>
+              <a:endCxn id="7" idx="2"/>
+            </p:cNvCxnSpPr>
+            <p:nvPr/>
+          </p:nvCxnSpPr>
+          <p:spPr>
+            <a:xfrm flipV="1">
+              <a:off x="3440328" y="2733803"/>
+              <a:ext cx="0" cy="172173"/>
+            </a:xfrm>
+            <a:prstGeom prst="straightConnector1">
+              <a:avLst/>
+            </a:prstGeom>
+            <a:ln w="19050">
+              <a:headEnd type="none" w="med" len="med"/>
+              <a:tailEnd type="triangle" w="med" len="med"/>
+            </a:ln>
+          </p:spPr>
+          <p:style>
+            <a:lnRef idx="3">
+              <a:schemeClr val="dk1"/>
+            </a:lnRef>
+            <a:fillRef idx="0">
+              <a:schemeClr val="dk1"/>
+            </a:fillRef>
+            <a:effectRef idx="2">
+              <a:schemeClr val="dk1"/>
+            </a:effectRef>
+            <a:fontRef idx="minor">
+              <a:schemeClr val="tx1"/>
+            </a:fontRef>
+          </p:style>
+        </p:cxnSp>
+        <p:cxnSp>
+          <p:nvCxnSpPr>
+            <p:cNvPr id="67" name="Straight Arrow Connector 66">
+              <a:extLst>
+                <a:ext uri="{FF2B5EF4-FFF2-40B4-BE49-F238E27FC236}">
+                  <a16:creationId xmlns:a16="http://schemas.microsoft.com/office/drawing/2014/main" id="{2F072769-64CD-493F-865C-F7787897098F}"/>
+                </a:ext>
+              </a:extLst>
+            </p:cNvPr>
+            <p:cNvCxnSpPr>
+              <a:cxnSpLocks/>
+              <a:stCxn id="63" idx="0"/>
+              <a:endCxn id="6" idx="2"/>
+            </p:cNvCxnSpPr>
+            <p:nvPr/>
+          </p:nvCxnSpPr>
+          <p:spPr>
+            <a:xfrm flipV="1">
+              <a:off x="1927656" y="2733803"/>
+              <a:ext cx="0" cy="1727181"/>
+            </a:xfrm>
+            <a:prstGeom prst="straightConnector1">
+              <a:avLst/>
+            </a:prstGeom>
+            <a:ln w="19050">
+              <a:headEnd type="none" w="med" len="med"/>
+              <a:tailEnd type="triangle" w="med" len="med"/>
+            </a:ln>
+          </p:spPr>
+          <p:style>
+            <a:lnRef idx="3">
+              <a:schemeClr val="dk1"/>
+            </a:lnRef>
+            <a:fillRef idx="0">
+              <a:schemeClr val="dk1"/>
+            </a:fillRef>
+            <a:effectRef idx="2">
+              <a:schemeClr val="dk1"/>
+            </a:effectRef>
+            <a:fontRef idx="minor">
+              <a:schemeClr val="tx1"/>
+            </a:fontRef>
+          </p:style>
+        </p:cxnSp>
+        <p:cxnSp>
+          <p:nvCxnSpPr>
+            <p:cNvPr id="72" name="Connector: Elbow 71">
+              <a:extLst>
+                <a:ext uri="{FF2B5EF4-FFF2-40B4-BE49-F238E27FC236}">
+                  <a16:creationId xmlns:a16="http://schemas.microsoft.com/office/drawing/2014/main" id="{66010647-F8B8-4BE0-8AC4-4D3A48B05A75}"/>
+                </a:ext>
+              </a:extLst>
+            </p:cNvPr>
+            <p:cNvCxnSpPr>
+              <a:cxnSpLocks/>
+              <a:stCxn id="69" idx="0"/>
+              <a:endCxn id="76" idx="2"/>
+            </p:cNvCxnSpPr>
+            <p:nvPr/>
+          </p:nvCxnSpPr>
+          <p:spPr>
+            <a:xfrm rot="5400000" flipH="1" flipV="1">
+              <a:off x="3038695" y="2799814"/>
+              <a:ext cx="716139" cy="2606202"/>
+            </a:xfrm>
+            <a:prstGeom prst="bentConnector3">
+              <a:avLst>
+                <a:gd name="adj1" fmla="val 50000"/>
+              </a:avLst>
+            </a:prstGeom>
+            <a:ln w="19050">
+              <a:headEnd type="none" w="med" len="med"/>
+              <a:tailEnd type="triangle" w="med" len="med"/>
+            </a:ln>
+          </p:spPr>
+          <p:style>
+            <a:lnRef idx="3">
+              <a:schemeClr val="dk1"/>
+            </a:lnRef>
+            <a:fillRef idx="0">
+              <a:schemeClr val="dk1"/>
+            </a:fillRef>
+            <a:effectRef idx="2">
+              <a:schemeClr val="dk1"/>
+            </a:effectRef>
+            <a:fontRef idx="minor">
+              <a:schemeClr val="tx1"/>
+            </a:fontRef>
+          </p:style>
+        </p:cxnSp>
+        <p:cxnSp>
+          <p:nvCxnSpPr>
+            <p:cNvPr id="105" name="Connector: Elbow 104">
+              <a:extLst>
+                <a:ext uri="{FF2B5EF4-FFF2-40B4-BE49-F238E27FC236}">
+                  <a16:creationId xmlns:a16="http://schemas.microsoft.com/office/drawing/2014/main" id="{AED79074-9BD2-4549-88CB-E337D5413FCD}"/>
+                </a:ext>
+              </a:extLst>
+            </p:cNvPr>
+            <p:cNvCxnSpPr>
+              <a:cxnSpLocks/>
+              <a:stCxn id="88" idx="3"/>
+              <a:endCxn id="33" idx="2"/>
+            </p:cNvCxnSpPr>
+            <p:nvPr/>
+          </p:nvCxnSpPr>
+          <p:spPr>
+            <a:xfrm flipV="1">
+              <a:off x="4071636" y="5297468"/>
+              <a:ext cx="1637700" cy="510891"/>
+            </a:xfrm>
+            <a:prstGeom prst="bentConnector2">
+              <a:avLst/>
+            </a:prstGeom>
+            <a:ln w="19050">
+              <a:headEnd type="none" w="med" len="med"/>
+              <a:tailEnd type="triangle" w="med" len="med"/>
+            </a:ln>
+          </p:spPr>
+          <p:style>
+            <a:lnRef idx="3">
+              <a:schemeClr val="dk1"/>
+            </a:lnRef>
+            <a:fillRef idx="0">
+              <a:schemeClr val="dk1"/>
+            </a:fillRef>
+            <a:effectRef idx="2">
+              <a:schemeClr val="dk1"/>
+            </a:effectRef>
+            <a:fontRef idx="minor">
+              <a:schemeClr val="tx1"/>
+            </a:fontRef>
+          </p:style>
+        </p:cxnSp>
+        <p:cxnSp>
+          <p:nvCxnSpPr>
+            <p:cNvPr id="106" name="Connector: Elbow 105">
+              <a:extLst>
+                <a:ext uri="{FF2B5EF4-FFF2-40B4-BE49-F238E27FC236}">
+                  <a16:creationId xmlns:a16="http://schemas.microsoft.com/office/drawing/2014/main" id="{4D81E34B-CEF6-4353-9DC1-F1649ABF0CE8}"/>
+                </a:ext>
+              </a:extLst>
+            </p:cNvPr>
+            <p:cNvCxnSpPr>
+              <a:cxnSpLocks/>
+              <a:stCxn id="88" idx="1"/>
+              <a:endCxn id="63" idx="2"/>
+            </p:cNvCxnSpPr>
+            <p:nvPr/>
+          </p:nvCxnSpPr>
+          <p:spPr>
+            <a:xfrm rot="10800000">
+              <a:off x="1927656" y="5297469"/>
+              <a:ext cx="881362" cy="510891"/>
+            </a:xfrm>
+            <a:prstGeom prst="bentConnector2">
+              <a:avLst/>
+            </a:prstGeom>
+            <a:ln w="19050">
+              <a:headEnd type="none" w="med" len="med"/>
+              <a:tailEnd type="triangle" w="med" len="med"/>
+            </a:ln>
+          </p:spPr>
+          <p:style>
+            <a:lnRef idx="3">
+              <a:schemeClr val="dk1"/>
+            </a:lnRef>
+            <a:fillRef idx="0">
+              <a:schemeClr val="dk1"/>
+            </a:fillRef>
+            <a:effectRef idx="2">
+              <a:schemeClr val="dk1"/>
+            </a:effectRef>
+            <a:fontRef idx="minor">
+              <a:schemeClr val="tx1"/>
+            </a:fontRef>
+          </p:style>
+        </p:cxnSp>
         <p:sp>
           <p:nvSpPr>
-            <p:cNvPr id="63" name="Flowchart: Alternate Process 62">
+            <p:cNvPr id="6" name="Flowchart: Alternate Process 5">
               <a:extLst>
                 <a:ext uri="{FF2B5EF4-FFF2-40B4-BE49-F238E27FC236}">
-                  <a16:creationId xmlns:a16="http://schemas.microsoft.com/office/drawing/2014/main" id="{D9B136AE-C3EB-463F-B896-8E998188D051}"/>
+                  <a16:creationId xmlns:a16="http://schemas.microsoft.com/office/drawing/2014/main" id="{A3833883-BDAC-42B0-94AC-F4E45D51F49E}"/>
                 </a:ext>
               </a:extLst>
             </p:cNvPr>
@@ -7134,7 +6479,7 @@
           </p:nvSpPr>
           <p:spPr>
             <a:xfrm>
-              <a:off x="1296347" y="4460984"/>
+              <a:off x="1296347" y="1897319"/>
               <a:ext cx="1262618" cy="836484"/>
             </a:xfrm>
             <a:prstGeom prst="flowChartAlternateProcess">
@@ -7174,439 +6519,1115 @@
                   <a:latin typeface="Consolas" panose="020B0609020204030204" pitchFamily="49" charset="0"/>
                   <a:ea typeface="Yu Gothic" panose="020B0400000000000000" pitchFamily="34" charset="-128"/>
                 </a:rPr>
-                <a:t>Show actuator position adjusting due to distance measurement</a:t>
+                <a:t>Demonstrate functionality of distance measurement (SS1)</a:t>
               </a:r>
             </a:p>
           </p:txBody>
         </p:sp>
+        <p:sp>
+          <p:nvSpPr>
+            <p:cNvPr id="7" name="Flowchart: Alternate Process 6">
+              <a:extLst>
+                <a:ext uri="{FF2B5EF4-FFF2-40B4-BE49-F238E27FC236}">
+                  <a16:creationId xmlns:a16="http://schemas.microsoft.com/office/drawing/2014/main" id="{C6527608-FB20-4452-BDAA-B940B19EF720}"/>
+                </a:ext>
+              </a:extLst>
+            </p:cNvPr>
+            <p:cNvSpPr/>
+            <p:nvPr/>
+          </p:nvSpPr>
+          <p:spPr>
+            <a:xfrm>
+              <a:off x="2809019" y="1897319"/>
+              <a:ext cx="1262618" cy="836484"/>
+            </a:xfrm>
+            <a:prstGeom prst="flowChartAlternateProcess">
+              <a:avLst/>
+            </a:prstGeom>
+            <a:ln w="19050"/>
+          </p:spPr>
+          <p:style>
+            <a:lnRef idx="2">
+              <a:schemeClr val="dk1"/>
+            </a:lnRef>
+            <a:fillRef idx="1">
+              <a:schemeClr val="lt1"/>
+            </a:fillRef>
+            <a:effectRef idx="0">
+              <a:schemeClr val="dk1"/>
+            </a:effectRef>
+            <a:fontRef idx="minor">
+              <a:schemeClr val="dk1"/>
+            </a:fontRef>
+          </p:style>
+          <p:txBody>
+            <a:bodyPr rot="0" spcFirstLastPara="0" vertOverflow="overflow" horzOverflow="overflow" vert="horz" wrap="square" lIns="0" tIns="0" rIns="0" bIns="0" numCol="1" spcCol="0" rtlCol="0" fromWordArt="0" anchor="ctr" anchorCtr="0" forceAA="0" compatLnSpc="1">
+              <a:prstTxWarp prst="textNoShape">
+                <a:avLst/>
+              </a:prstTxWarp>
+              <a:noAutofit/>
+            </a:bodyPr>
+            <a:lstStyle/>
+            <a:p>
+              <a:pPr algn="ctr"/>
+              <a:r>
+                <a:rPr lang="en-AU" sz="1050" dirty="0">
+                  <a:solidFill>
+                    <a:schemeClr val="dk1"/>
+                  </a:solidFill>
+                  <a:latin typeface="Consolas" panose="020B0609020204030204" pitchFamily="49" charset="0"/>
+                  <a:ea typeface="Yu Gothic" panose="020B0400000000000000" pitchFamily="34" charset="-128"/>
+                </a:rPr>
+                <a:t>Demonstrate functionality of force measurement (SS2)</a:t>
+              </a:r>
+            </a:p>
+          </p:txBody>
+        </p:sp>
+        <p:sp>
+          <p:nvSpPr>
+            <p:cNvPr id="8" name="Flowchart: Alternate Process 7">
+              <a:extLst>
+                <a:ext uri="{FF2B5EF4-FFF2-40B4-BE49-F238E27FC236}">
+                  <a16:creationId xmlns:a16="http://schemas.microsoft.com/office/drawing/2014/main" id="{071BCC8B-43FF-4409-B53F-0BADFFA70F35}"/>
+                </a:ext>
+              </a:extLst>
+            </p:cNvPr>
+            <p:cNvSpPr/>
+            <p:nvPr/>
+          </p:nvSpPr>
+          <p:spPr>
+            <a:xfrm>
+              <a:off x="4321691" y="1897319"/>
+              <a:ext cx="1262618" cy="836484"/>
+            </a:xfrm>
+            <a:prstGeom prst="flowChartAlternateProcess">
+              <a:avLst/>
+            </a:prstGeom>
+            <a:ln w="19050"/>
+          </p:spPr>
+          <p:style>
+            <a:lnRef idx="2">
+              <a:schemeClr val="dk1"/>
+            </a:lnRef>
+            <a:fillRef idx="1">
+              <a:schemeClr val="lt1"/>
+            </a:fillRef>
+            <a:effectRef idx="0">
+              <a:schemeClr val="dk1"/>
+            </a:effectRef>
+            <a:fontRef idx="minor">
+              <a:schemeClr val="dk1"/>
+            </a:fontRef>
+          </p:style>
+          <p:txBody>
+            <a:bodyPr rot="0" spcFirstLastPara="0" vertOverflow="overflow" horzOverflow="overflow" vert="horz" wrap="square" lIns="0" tIns="0" rIns="0" bIns="0" numCol="1" spcCol="0" rtlCol="0" fromWordArt="0" anchor="ctr" anchorCtr="0" forceAA="0" compatLnSpc="1">
+              <a:prstTxWarp prst="textNoShape">
+                <a:avLst/>
+              </a:prstTxWarp>
+              <a:noAutofit/>
+            </a:bodyPr>
+            <a:lstStyle/>
+            <a:p>
+              <a:pPr algn="ctr"/>
+              <a:r>
+                <a:rPr lang="en-AU" sz="1050" dirty="0">
+                  <a:solidFill>
+                    <a:schemeClr val="dk1"/>
+                  </a:solidFill>
+                  <a:latin typeface="Consolas" panose="020B0609020204030204" pitchFamily="49" charset="0"/>
+                  <a:ea typeface="Yu Gothic" panose="020B0400000000000000" pitchFamily="34" charset="-128"/>
+                </a:rPr>
+                <a:t>Demonstrate functionality of control system (SS3)</a:t>
+              </a:r>
+            </a:p>
+          </p:txBody>
+        </p:sp>
+        <p:sp>
+          <p:nvSpPr>
+            <p:cNvPr id="9" name="Flowchart: Alternate Process 8">
+              <a:extLst>
+                <a:ext uri="{FF2B5EF4-FFF2-40B4-BE49-F238E27FC236}">
+                  <a16:creationId xmlns:a16="http://schemas.microsoft.com/office/drawing/2014/main" id="{544D3F81-CFB1-457D-A92F-657A1906BFFB}"/>
+                </a:ext>
+              </a:extLst>
+            </p:cNvPr>
+            <p:cNvSpPr/>
+            <p:nvPr/>
+          </p:nvSpPr>
+          <p:spPr>
+            <a:xfrm>
+              <a:off x="5834363" y="1897319"/>
+              <a:ext cx="1262618" cy="836484"/>
+            </a:xfrm>
+            <a:prstGeom prst="flowChartAlternateProcess">
+              <a:avLst/>
+            </a:prstGeom>
+            <a:ln w="19050"/>
+          </p:spPr>
+          <p:style>
+            <a:lnRef idx="2">
+              <a:schemeClr val="dk1"/>
+            </a:lnRef>
+            <a:fillRef idx="1">
+              <a:schemeClr val="lt1"/>
+            </a:fillRef>
+            <a:effectRef idx="0">
+              <a:schemeClr val="dk1"/>
+            </a:effectRef>
+            <a:fontRef idx="minor">
+              <a:schemeClr val="dk1"/>
+            </a:fontRef>
+          </p:style>
+          <p:txBody>
+            <a:bodyPr rot="0" spcFirstLastPara="0" vertOverflow="overflow" horzOverflow="overflow" vert="horz" wrap="square" lIns="0" tIns="0" rIns="0" bIns="0" numCol="1" spcCol="0" rtlCol="0" fromWordArt="0" anchor="ctr" anchorCtr="0" forceAA="0" compatLnSpc="1">
+              <a:prstTxWarp prst="textNoShape">
+                <a:avLst/>
+              </a:prstTxWarp>
+              <a:noAutofit/>
+            </a:bodyPr>
+            <a:lstStyle/>
+            <a:p>
+              <a:pPr algn="ctr"/>
+              <a:r>
+                <a:rPr lang="en-AU" sz="1050" dirty="0">
+                  <a:solidFill>
+                    <a:schemeClr val="dk1"/>
+                  </a:solidFill>
+                  <a:latin typeface="Consolas" panose="020B0609020204030204" pitchFamily="49" charset="0"/>
+                  <a:ea typeface="Yu Gothic" panose="020B0400000000000000" pitchFamily="34" charset="-128"/>
+                </a:rPr>
+                <a:t>Demonstrate functionality of communication (SS4)</a:t>
+              </a:r>
+            </a:p>
+          </p:txBody>
+        </p:sp>
+        <p:grpSp>
+          <p:nvGrpSpPr>
+            <p:cNvPr id="35" name="Group 34">
+              <a:extLst>
+                <a:ext uri="{FF2B5EF4-FFF2-40B4-BE49-F238E27FC236}">
+                  <a16:creationId xmlns:a16="http://schemas.microsoft.com/office/drawing/2014/main" id="{C9CF2157-F0EC-4D53-A742-C4E7C02B3266}"/>
+                </a:ext>
+              </a:extLst>
+            </p:cNvPr>
+            <p:cNvGrpSpPr/>
+            <p:nvPr/>
+          </p:nvGrpSpPr>
+          <p:grpSpPr>
+            <a:xfrm>
+              <a:off x="5078027" y="4460984"/>
+              <a:ext cx="1262618" cy="836484"/>
+              <a:chOff x="5078027" y="4460984"/>
+              <a:chExt cx="1262618" cy="836484"/>
+            </a:xfrm>
+          </p:grpSpPr>
+          <p:grpSp>
+            <p:nvGrpSpPr>
+              <p:cNvPr id="65" name="Group 64">
+                <a:extLst>
+                  <a:ext uri="{FF2B5EF4-FFF2-40B4-BE49-F238E27FC236}">
+                    <a16:creationId xmlns:a16="http://schemas.microsoft.com/office/drawing/2014/main" id="{26A2B32B-1610-4635-96C2-09E19FA2CD58}"/>
+                  </a:ext>
+                </a:extLst>
+              </p:cNvPr>
+              <p:cNvGrpSpPr/>
+              <p:nvPr/>
+            </p:nvGrpSpPr>
+            <p:grpSpPr>
+              <a:xfrm rot="5400000">
+                <a:off x="5007535" y="4713219"/>
+                <a:ext cx="472998" cy="332014"/>
+                <a:chOff x="985157" y="4125686"/>
+                <a:chExt cx="664028" cy="332014"/>
+              </a:xfrm>
+            </p:grpSpPr>
+            <p:sp>
+              <p:nvSpPr>
+                <p:cNvPr id="66" name="Rectangle 65">
+                  <a:extLst>
+                    <a:ext uri="{FF2B5EF4-FFF2-40B4-BE49-F238E27FC236}">
+                      <a16:creationId xmlns:a16="http://schemas.microsoft.com/office/drawing/2014/main" id="{883F24C0-8CB7-4BFF-ACEC-B1413547BAB3}"/>
+                    </a:ext>
+                  </a:extLst>
+                </p:cNvPr>
+                <p:cNvSpPr/>
+                <p:nvPr/>
+              </p:nvSpPr>
+              <p:spPr>
+                <a:xfrm>
+                  <a:off x="985157" y="4125686"/>
+                  <a:ext cx="332014" cy="332014"/>
+                </a:xfrm>
+                <a:prstGeom prst="rect">
+                  <a:avLst/>
+                </a:prstGeom>
+              </p:spPr>
+              <p:style>
+                <a:lnRef idx="2">
+                  <a:schemeClr val="accent1">
+                    <a:shade val="50000"/>
+                  </a:schemeClr>
+                </a:lnRef>
+                <a:fillRef idx="1">
+                  <a:schemeClr val="accent1"/>
+                </a:fillRef>
+                <a:effectRef idx="0">
+                  <a:schemeClr val="accent1"/>
+                </a:effectRef>
+                <a:fontRef idx="minor">
+                  <a:schemeClr val="lt1"/>
+                </a:fontRef>
+              </p:style>
+              <p:txBody>
+                <a:bodyPr rtlCol="0" anchor="ctr"/>
+                <a:lstStyle/>
+                <a:p>
+                  <a:pPr algn="ctr"/>
+                  <a:endParaRPr lang="en-AU"/>
+                </a:p>
+              </p:txBody>
+            </p:sp>
+            <p:sp>
+              <p:nvSpPr>
+                <p:cNvPr id="71" name="Rectangle 70">
+                  <a:extLst>
+                    <a:ext uri="{FF2B5EF4-FFF2-40B4-BE49-F238E27FC236}">
+                      <a16:creationId xmlns:a16="http://schemas.microsoft.com/office/drawing/2014/main" id="{E3B97C72-5B1C-42FE-87FA-56B28A0219DF}"/>
+                    </a:ext>
+                  </a:extLst>
+                </p:cNvPr>
+                <p:cNvSpPr/>
+                <p:nvPr/>
+              </p:nvSpPr>
+              <p:spPr>
+                <a:xfrm>
+                  <a:off x="1317171" y="4125686"/>
+                  <a:ext cx="332014" cy="332014"/>
+                </a:xfrm>
+                <a:prstGeom prst="rect">
+                  <a:avLst/>
+                </a:prstGeom>
+              </p:spPr>
+              <p:style>
+                <a:lnRef idx="2">
+                  <a:schemeClr val="accent1">
+                    <a:shade val="50000"/>
+                  </a:schemeClr>
+                </a:lnRef>
+                <a:fillRef idx="1">
+                  <a:schemeClr val="accent1"/>
+                </a:fillRef>
+                <a:effectRef idx="0">
+                  <a:schemeClr val="accent1"/>
+                </a:effectRef>
+                <a:fontRef idx="minor">
+                  <a:schemeClr val="lt1"/>
+                </a:fontRef>
+              </p:style>
+              <p:txBody>
+                <a:bodyPr rtlCol="0" anchor="ctr"/>
+                <a:lstStyle/>
+                <a:p>
+                  <a:pPr algn="ctr"/>
+                  <a:endParaRPr lang="en-AU"/>
+                </a:p>
+              </p:txBody>
+            </p:sp>
+          </p:grpSp>
+          <p:grpSp>
+            <p:nvGrpSpPr>
+              <p:cNvPr id="57" name="Group 56">
+                <a:extLst>
+                  <a:ext uri="{FF2B5EF4-FFF2-40B4-BE49-F238E27FC236}">
+                    <a16:creationId xmlns:a16="http://schemas.microsoft.com/office/drawing/2014/main" id="{E0641B32-72C9-40C4-AEA3-0D0188041774}"/>
+                  </a:ext>
+                </a:extLst>
+              </p:cNvPr>
+              <p:cNvGrpSpPr/>
+              <p:nvPr/>
+            </p:nvGrpSpPr>
+            <p:grpSpPr>
+              <a:xfrm rot="5400000">
+                <a:off x="5938139" y="4713219"/>
+                <a:ext cx="472998" cy="332014"/>
+                <a:chOff x="985157" y="4125686"/>
+                <a:chExt cx="664028" cy="332014"/>
+              </a:xfrm>
+            </p:grpSpPr>
+            <p:sp>
+              <p:nvSpPr>
+                <p:cNvPr id="58" name="Rectangle 57">
+                  <a:extLst>
+                    <a:ext uri="{FF2B5EF4-FFF2-40B4-BE49-F238E27FC236}">
+                      <a16:creationId xmlns:a16="http://schemas.microsoft.com/office/drawing/2014/main" id="{80D59877-7EF1-4E21-86CB-4E2459AB6AA6}"/>
+                    </a:ext>
+                  </a:extLst>
+                </p:cNvPr>
+                <p:cNvSpPr/>
+                <p:nvPr/>
+              </p:nvSpPr>
+              <p:spPr>
+                <a:xfrm>
+                  <a:off x="985157" y="4125686"/>
+                  <a:ext cx="332014" cy="332014"/>
+                </a:xfrm>
+                <a:prstGeom prst="rect">
+                  <a:avLst/>
+                </a:prstGeom>
+              </p:spPr>
+              <p:style>
+                <a:lnRef idx="2">
+                  <a:schemeClr val="accent1">
+                    <a:shade val="50000"/>
+                  </a:schemeClr>
+                </a:lnRef>
+                <a:fillRef idx="1">
+                  <a:schemeClr val="accent1"/>
+                </a:fillRef>
+                <a:effectRef idx="0">
+                  <a:schemeClr val="accent1"/>
+                </a:effectRef>
+                <a:fontRef idx="minor">
+                  <a:schemeClr val="lt1"/>
+                </a:fontRef>
+              </p:style>
+              <p:txBody>
+                <a:bodyPr rtlCol="0" anchor="ctr"/>
+                <a:lstStyle/>
+                <a:p>
+                  <a:pPr algn="ctr"/>
+                  <a:endParaRPr lang="en-AU"/>
+                </a:p>
+              </p:txBody>
+            </p:sp>
+            <p:sp>
+              <p:nvSpPr>
+                <p:cNvPr id="59" name="Rectangle 58">
+                  <a:extLst>
+                    <a:ext uri="{FF2B5EF4-FFF2-40B4-BE49-F238E27FC236}">
+                      <a16:creationId xmlns:a16="http://schemas.microsoft.com/office/drawing/2014/main" id="{8981F8E8-1F0A-4B74-9D4F-8BF5809304D0}"/>
+                    </a:ext>
+                  </a:extLst>
+                </p:cNvPr>
+                <p:cNvSpPr/>
+                <p:nvPr/>
+              </p:nvSpPr>
+              <p:spPr>
+                <a:xfrm>
+                  <a:off x="1317171" y="4125686"/>
+                  <a:ext cx="332014" cy="332014"/>
+                </a:xfrm>
+                <a:prstGeom prst="rect">
+                  <a:avLst/>
+                </a:prstGeom>
+              </p:spPr>
+              <p:style>
+                <a:lnRef idx="2">
+                  <a:schemeClr val="accent1">
+                    <a:shade val="50000"/>
+                  </a:schemeClr>
+                </a:lnRef>
+                <a:fillRef idx="1">
+                  <a:schemeClr val="accent1"/>
+                </a:fillRef>
+                <a:effectRef idx="0">
+                  <a:schemeClr val="accent1"/>
+                </a:effectRef>
+                <a:fontRef idx="minor">
+                  <a:schemeClr val="lt1"/>
+                </a:fontRef>
+              </p:style>
+              <p:txBody>
+                <a:bodyPr rtlCol="0" anchor="ctr"/>
+                <a:lstStyle/>
+                <a:p>
+                  <a:pPr algn="ctr"/>
+                  <a:endParaRPr lang="en-AU"/>
+                </a:p>
+              </p:txBody>
+            </p:sp>
+          </p:grpSp>
+          <p:sp>
+            <p:nvSpPr>
+              <p:cNvPr id="33" name="Flowchart: Alternate Process 32">
+                <a:extLst>
+                  <a:ext uri="{FF2B5EF4-FFF2-40B4-BE49-F238E27FC236}">
+                    <a16:creationId xmlns:a16="http://schemas.microsoft.com/office/drawing/2014/main" id="{4163DF66-86CE-4486-8FD7-36BD3D64EF28}"/>
+                  </a:ext>
+                </a:extLst>
+              </p:cNvPr>
+              <p:cNvSpPr/>
+              <p:nvPr/>
+            </p:nvSpPr>
+            <p:spPr>
+              <a:xfrm>
+                <a:off x="5078027" y="4460984"/>
+                <a:ext cx="1262618" cy="836484"/>
+              </a:xfrm>
+              <a:prstGeom prst="flowChartAlternateProcess">
+                <a:avLst/>
+              </a:prstGeom>
+              <a:ln w="19050"/>
+            </p:spPr>
+            <p:style>
+              <a:lnRef idx="2">
+                <a:schemeClr val="dk1"/>
+              </a:lnRef>
+              <a:fillRef idx="1">
+                <a:schemeClr val="lt1"/>
+              </a:fillRef>
+              <a:effectRef idx="0">
+                <a:schemeClr val="dk1"/>
+              </a:effectRef>
+              <a:fontRef idx="minor">
+                <a:schemeClr val="dk1"/>
+              </a:fontRef>
+            </p:style>
+            <p:txBody>
+              <a:bodyPr rot="0" spcFirstLastPara="0" vertOverflow="overflow" horzOverflow="overflow" vert="horz" wrap="square" lIns="0" tIns="0" rIns="0" bIns="0" numCol="1" spcCol="0" rtlCol="0" fromWordArt="0" anchor="ctr" anchorCtr="0" forceAA="0" compatLnSpc="1">
+                <a:prstTxWarp prst="textNoShape">
+                  <a:avLst/>
+                </a:prstTxWarp>
+                <a:noAutofit/>
+              </a:bodyPr>
+              <a:lstStyle/>
+              <a:p>
+                <a:pPr algn="ctr"/>
+                <a:r>
+                  <a:rPr lang="en-AU" sz="1050" dirty="0">
+                    <a:solidFill>
+                      <a:schemeClr val="dk1"/>
+                    </a:solidFill>
+                    <a:latin typeface="Consolas" panose="020B0609020204030204" pitchFamily="49" charset="0"/>
+                    <a:ea typeface="Yu Gothic" panose="020B0400000000000000" pitchFamily="34" charset="-128"/>
+                  </a:rPr>
+                  <a:t>Show sensor readings adjusting actuator over UART</a:t>
+                </a:r>
+              </a:p>
+            </p:txBody>
+          </p:sp>
+        </p:grpSp>
+        <p:grpSp>
+          <p:nvGrpSpPr>
+            <p:cNvPr id="16" name="Group 15">
+              <a:extLst>
+                <a:ext uri="{FF2B5EF4-FFF2-40B4-BE49-F238E27FC236}">
+                  <a16:creationId xmlns:a16="http://schemas.microsoft.com/office/drawing/2014/main" id="{E530C9F4-DF47-4116-9E0C-3F3763BE48F0}"/>
+                </a:ext>
+              </a:extLst>
+            </p:cNvPr>
+            <p:cNvGrpSpPr/>
+            <p:nvPr/>
+          </p:nvGrpSpPr>
+          <p:grpSpPr>
+            <a:xfrm>
+              <a:off x="1296347" y="4460984"/>
+              <a:ext cx="1262618" cy="836484"/>
+              <a:chOff x="1296347" y="4460984"/>
+              <a:chExt cx="1262618" cy="836484"/>
+            </a:xfrm>
+          </p:grpSpPr>
+          <p:grpSp>
+            <p:nvGrpSpPr>
+              <p:cNvPr id="70" name="Group 69">
+                <a:extLst>
+                  <a:ext uri="{FF2B5EF4-FFF2-40B4-BE49-F238E27FC236}">
+                    <a16:creationId xmlns:a16="http://schemas.microsoft.com/office/drawing/2014/main" id="{27E4E1FA-11AC-46F2-8D2D-D60249DB118D}"/>
+                  </a:ext>
+                </a:extLst>
+              </p:cNvPr>
+              <p:cNvGrpSpPr/>
+              <p:nvPr/>
+            </p:nvGrpSpPr>
+            <p:grpSpPr>
+              <a:xfrm>
+                <a:off x="1595642" y="4460984"/>
+                <a:ext cx="664028" cy="332014"/>
+                <a:chOff x="985157" y="4125686"/>
+                <a:chExt cx="664028" cy="332014"/>
+              </a:xfrm>
+            </p:grpSpPr>
+            <p:sp>
+              <p:nvSpPr>
+                <p:cNvPr id="68" name="Rectangle 67">
+                  <a:extLst>
+                    <a:ext uri="{FF2B5EF4-FFF2-40B4-BE49-F238E27FC236}">
+                      <a16:creationId xmlns:a16="http://schemas.microsoft.com/office/drawing/2014/main" id="{F4252B57-3E1E-4BDB-B75A-AED55038E90A}"/>
+                    </a:ext>
+                  </a:extLst>
+                </p:cNvPr>
+                <p:cNvSpPr/>
+                <p:nvPr/>
+              </p:nvSpPr>
+              <p:spPr>
+                <a:xfrm>
+                  <a:off x="985157" y="4125686"/>
+                  <a:ext cx="332014" cy="332014"/>
+                </a:xfrm>
+                <a:prstGeom prst="rect">
+                  <a:avLst/>
+                </a:prstGeom>
+              </p:spPr>
+              <p:style>
+                <a:lnRef idx="2">
+                  <a:schemeClr val="accent1">
+                    <a:shade val="50000"/>
+                  </a:schemeClr>
+                </a:lnRef>
+                <a:fillRef idx="1">
+                  <a:schemeClr val="accent1"/>
+                </a:fillRef>
+                <a:effectRef idx="0">
+                  <a:schemeClr val="accent1"/>
+                </a:effectRef>
+                <a:fontRef idx="minor">
+                  <a:schemeClr val="lt1"/>
+                </a:fontRef>
+              </p:style>
+              <p:txBody>
+                <a:bodyPr rtlCol="0" anchor="ctr"/>
+                <a:lstStyle/>
+                <a:p>
+                  <a:pPr algn="ctr"/>
+                  <a:endParaRPr lang="en-AU"/>
+                </a:p>
+              </p:txBody>
+            </p:sp>
+            <p:sp>
+              <p:nvSpPr>
+                <p:cNvPr id="69" name="Rectangle 68">
+                  <a:extLst>
+                    <a:ext uri="{FF2B5EF4-FFF2-40B4-BE49-F238E27FC236}">
+                      <a16:creationId xmlns:a16="http://schemas.microsoft.com/office/drawing/2014/main" id="{2DCF4CA2-160B-4F92-A433-4F7E43D2F2F7}"/>
+                    </a:ext>
+                  </a:extLst>
+                </p:cNvPr>
+                <p:cNvSpPr/>
+                <p:nvPr/>
+              </p:nvSpPr>
+              <p:spPr>
+                <a:xfrm>
+                  <a:off x="1317171" y="4125686"/>
+                  <a:ext cx="332014" cy="332014"/>
+                </a:xfrm>
+                <a:prstGeom prst="rect">
+                  <a:avLst/>
+                </a:prstGeom>
+              </p:spPr>
+              <p:style>
+                <a:lnRef idx="2">
+                  <a:schemeClr val="accent1">
+                    <a:shade val="50000"/>
+                  </a:schemeClr>
+                </a:lnRef>
+                <a:fillRef idx="1">
+                  <a:schemeClr val="accent1"/>
+                </a:fillRef>
+                <a:effectRef idx="0">
+                  <a:schemeClr val="accent1"/>
+                </a:effectRef>
+                <a:fontRef idx="minor">
+                  <a:schemeClr val="lt1"/>
+                </a:fontRef>
+              </p:style>
+              <p:txBody>
+                <a:bodyPr rtlCol="0" anchor="ctr"/>
+                <a:lstStyle/>
+                <a:p>
+                  <a:pPr algn="ctr"/>
+                  <a:endParaRPr lang="en-AU"/>
+                </a:p>
+              </p:txBody>
+            </p:sp>
+          </p:grpSp>
+          <p:sp>
+            <p:nvSpPr>
+              <p:cNvPr id="63" name="Flowchart: Alternate Process 62">
+                <a:extLst>
+                  <a:ext uri="{FF2B5EF4-FFF2-40B4-BE49-F238E27FC236}">
+                    <a16:creationId xmlns:a16="http://schemas.microsoft.com/office/drawing/2014/main" id="{D9B136AE-C3EB-463F-B896-8E998188D051}"/>
+                  </a:ext>
+                </a:extLst>
+              </p:cNvPr>
+              <p:cNvSpPr/>
+              <p:nvPr/>
+            </p:nvSpPr>
+            <p:spPr>
+              <a:xfrm>
+                <a:off x="1296347" y="4460984"/>
+                <a:ext cx="1262618" cy="836484"/>
+              </a:xfrm>
+              <a:prstGeom prst="flowChartAlternateProcess">
+                <a:avLst/>
+              </a:prstGeom>
+              <a:ln w="19050"/>
+            </p:spPr>
+            <p:style>
+              <a:lnRef idx="2">
+                <a:schemeClr val="dk1"/>
+              </a:lnRef>
+              <a:fillRef idx="1">
+                <a:schemeClr val="lt1"/>
+              </a:fillRef>
+              <a:effectRef idx="0">
+                <a:schemeClr val="dk1"/>
+              </a:effectRef>
+              <a:fontRef idx="minor">
+                <a:schemeClr val="dk1"/>
+              </a:fontRef>
+            </p:style>
+            <p:txBody>
+              <a:bodyPr rot="0" spcFirstLastPara="0" vertOverflow="overflow" horzOverflow="overflow" vert="horz" wrap="square" lIns="0" tIns="0" rIns="0" bIns="0" numCol="1" spcCol="0" rtlCol="0" fromWordArt="0" anchor="ctr" anchorCtr="0" forceAA="0" compatLnSpc="1">
+                <a:prstTxWarp prst="textNoShape">
+                  <a:avLst/>
+                </a:prstTxWarp>
+                <a:noAutofit/>
+              </a:bodyPr>
+              <a:lstStyle/>
+              <a:p>
+                <a:pPr algn="ctr"/>
+                <a:r>
+                  <a:rPr lang="en-AU" sz="1050" dirty="0">
+                    <a:solidFill>
+                      <a:schemeClr val="dk1"/>
+                    </a:solidFill>
+                    <a:latin typeface="Consolas" panose="020B0609020204030204" pitchFamily="49" charset="0"/>
+                    <a:ea typeface="Yu Gothic" panose="020B0400000000000000" pitchFamily="34" charset="-128"/>
+                  </a:rPr>
+                  <a:t>Show actuator position adjusting due to distance measurement</a:t>
+                </a:r>
+              </a:p>
+            </p:txBody>
+          </p:sp>
+        </p:grpSp>
+        <p:sp>
+          <p:nvSpPr>
+            <p:cNvPr id="88" name="Flowchart: Alternate Process 87">
+              <a:extLst>
+                <a:ext uri="{FF2B5EF4-FFF2-40B4-BE49-F238E27FC236}">
+                  <a16:creationId xmlns:a16="http://schemas.microsoft.com/office/drawing/2014/main" id="{8424E895-381E-4037-A814-E4DE02DC2D20}"/>
+                </a:ext>
+              </a:extLst>
+            </p:cNvPr>
+            <p:cNvSpPr/>
+            <p:nvPr/>
+          </p:nvSpPr>
+          <p:spPr>
+            <a:xfrm>
+              <a:off x="2809018" y="5390117"/>
+              <a:ext cx="1262618" cy="836484"/>
+            </a:xfrm>
+            <a:prstGeom prst="flowChartAlternateProcess">
+              <a:avLst/>
+            </a:prstGeom>
+            <a:ln w="19050"/>
+          </p:spPr>
+          <p:style>
+            <a:lnRef idx="2">
+              <a:schemeClr val="dk1"/>
+            </a:lnRef>
+            <a:fillRef idx="1">
+              <a:schemeClr val="lt1"/>
+            </a:fillRef>
+            <a:effectRef idx="0">
+              <a:schemeClr val="dk1"/>
+            </a:effectRef>
+            <a:fontRef idx="minor">
+              <a:schemeClr val="dk1"/>
+            </a:fontRef>
+          </p:style>
+          <p:txBody>
+            <a:bodyPr rot="0" spcFirstLastPara="0" vertOverflow="overflow" horzOverflow="overflow" vert="horz" wrap="square" lIns="0" tIns="0" rIns="0" bIns="0" numCol="1" spcCol="0" rtlCol="0" fromWordArt="0" anchor="ctr" anchorCtr="0" forceAA="0" compatLnSpc="1">
+              <a:prstTxWarp prst="textNoShape">
+                <a:avLst/>
+              </a:prstTxWarp>
+              <a:noAutofit/>
+            </a:bodyPr>
+            <a:lstStyle/>
+            <a:p>
+              <a:pPr algn="ctr"/>
+              <a:r>
+                <a:rPr lang="en-AU" sz="1050" dirty="0">
+                  <a:solidFill>
+                    <a:schemeClr val="dk1"/>
+                  </a:solidFill>
+                  <a:latin typeface="Consolas" panose="020B0609020204030204" pitchFamily="49" charset="0"/>
+                  <a:ea typeface="Yu Gothic" panose="020B0400000000000000" pitchFamily="34" charset="-128"/>
+                </a:rPr>
+                <a:t>Adjust actuator position in response to system command</a:t>
+              </a:r>
+            </a:p>
+          </p:txBody>
+        </p:sp>
+        <p:sp>
+          <p:nvSpPr>
+            <p:cNvPr id="31" name="Flowchart: Alternate Process 30">
+              <a:extLst>
+                <a:ext uri="{FF2B5EF4-FFF2-40B4-BE49-F238E27FC236}">
+                  <a16:creationId xmlns:a16="http://schemas.microsoft.com/office/drawing/2014/main" id="{679DD8B0-32A4-4F41-A7DC-81054579EBF4}"/>
+                </a:ext>
+              </a:extLst>
+            </p:cNvPr>
+            <p:cNvSpPr/>
+            <p:nvPr/>
+          </p:nvSpPr>
+          <p:spPr>
+            <a:xfrm>
+              <a:off x="5834363" y="2908361"/>
+              <a:ext cx="1262618" cy="836484"/>
+            </a:xfrm>
+            <a:prstGeom prst="flowChartAlternateProcess">
+              <a:avLst/>
+            </a:prstGeom>
+            <a:ln w="19050"/>
+          </p:spPr>
+          <p:style>
+            <a:lnRef idx="2">
+              <a:schemeClr val="dk1"/>
+            </a:lnRef>
+            <a:fillRef idx="1">
+              <a:schemeClr val="lt1"/>
+            </a:fillRef>
+            <a:effectRef idx="0">
+              <a:schemeClr val="dk1"/>
+            </a:effectRef>
+            <a:fontRef idx="minor">
+              <a:schemeClr val="dk1"/>
+            </a:fontRef>
+          </p:style>
+          <p:txBody>
+            <a:bodyPr rot="0" spcFirstLastPara="0" vertOverflow="overflow" horzOverflow="overflow" vert="horz" wrap="square" lIns="0" tIns="0" rIns="0" bIns="0" numCol="1" spcCol="0" rtlCol="0" fromWordArt="0" anchor="ctr" anchorCtr="0" forceAA="0" compatLnSpc="1">
+              <a:prstTxWarp prst="textNoShape">
+                <a:avLst/>
+              </a:prstTxWarp>
+              <a:noAutofit/>
+            </a:bodyPr>
+            <a:lstStyle/>
+            <a:p>
+              <a:pPr algn="ctr"/>
+              <a:r>
+                <a:rPr lang="en-AU" sz="1050" dirty="0">
+                  <a:solidFill>
+                    <a:schemeClr val="dk1"/>
+                  </a:solidFill>
+                  <a:latin typeface="Consolas" panose="020B0609020204030204" pitchFamily="49" charset="0"/>
+                  <a:ea typeface="Yu Gothic" panose="020B0400000000000000" pitchFamily="34" charset="-128"/>
+                </a:rPr>
+                <a:t>Demonstrate messages being transmitted over UART</a:t>
+              </a:r>
+            </a:p>
+          </p:txBody>
+        </p:sp>
+        <p:sp>
+          <p:nvSpPr>
+            <p:cNvPr id="37" name="Flowchart: Alternate Process 36">
+              <a:extLst>
+                <a:ext uri="{FF2B5EF4-FFF2-40B4-BE49-F238E27FC236}">
+                  <a16:creationId xmlns:a16="http://schemas.microsoft.com/office/drawing/2014/main" id="{974CF804-4DA0-4BDC-AE5B-D754AC91E944}"/>
+                </a:ext>
+              </a:extLst>
+            </p:cNvPr>
+            <p:cNvSpPr/>
+            <p:nvPr/>
+          </p:nvSpPr>
+          <p:spPr>
+            <a:xfrm>
+              <a:off x="4321691" y="2908361"/>
+              <a:ext cx="1262618" cy="836484"/>
+            </a:xfrm>
+            <a:prstGeom prst="flowChartAlternateProcess">
+              <a:avLst/>
+            </a:prstGeom>
+            <a:ln w="19050"/>
+          </p:spPr>
+          <p:style>
+            <a:lnRef idx="2">
+              <a:schemeClr val="dk1"/>
+            </a:lnRef>
+            <a:fillRef idx="1">
+              <a:schemeClr val="lt1"/>
+            </a:fillRef>
+            <a:effectRef idx="0">
+              <a:schemeClr val="dk1"/>
+            </a:effectRef>
+            <a:fontRef idx="minor">
+              <a:schemeClr val="dk1"/>
+            </a:fontRef>
+          </p:style>
+          <p:txBody>
+            <a:bodyPr rot="0" spcFirstLastPara="0" vertOverflow="overflow" horzOverflow="overflow" vert="horz" wrap="square" lIns="0" tIns="0" rIns="0" bIns="0" numCol="1" spcCol="0" rtlCol="0" fromWordArt="0" anchor="ctr" anchorCtr="0" forceAA="0" compatLnSpc="1">
+              <a:prstTxWarp prst="textNoShape">
+                <a:avLst/>
+              </a:prstTxWarp>
+              <a:noAutofit/>
+            </a:bodyPr>
+            <a:lstStyle/>
+            <a:p>
+              <a:pPr algn="ctr"/>
+              <a:r>
+                <a:rPr lang="en-AU" sz="1050" dirty="0">
+                  <a:solidFill>
+                    <a:schemeClr val="dk1"/>
+                  </a:solidFill>
+                  <a:latin typeface="Consolas" panose="020B0609020204030204" pitchFamily="49" charset="0"/>
+                  <a:ea typeface="Yu Gothic" panose="020B0400000000000000" pitchFamily="34" charset="-128"/>
+                </a:rPr>
+                <a:t>Demonstrate system responding appropriately to stimulus</a:t>
+              </a:r>
+            </a:p>
+          </p:txBody>
+        </p:sp>
+        <p:sp>
+          <p:nvSpPr>
+            <p:cNvPr id="39" name="Flowchart: Alternate Process 38">
+              <a:extLst>
+                <a:ext uri="{FF2B5EF4-FFF2-40B4-BE49-F238E27FC236}">
+                  <a16:creationId xmlns:a16="http://schemas.microsoft.com/office/drawing/2014/main" id="{B58093C0-4F77-4E41-8FD5-45BE1A84929C}"/>
+                </a:ext>
+              </a:extLst>
+            </p:cNvPr>
+            <p:cNvSpPr/>
+            <p:nvPr/>
+          </p:nvSpPr>
+          <p:spPr>
+            <a:xfrm>
+              <a:off x="2809019" y="2905976"/>
+              <a:ext cx="1262618" cy="836484"/>
+            </a:xfrm>
+            <a:prstGeom prst="flowChartAlternateProcess">
+              <a:avLst/>
+            </a:prstGeom>
+            <a:ln w="19050"/>
+          </p:spPr>
+          <p:style>
+            <a:lnRef idx="2">
+              <a:schemeClr val="dk1"/>
+            </a:lnRef>
+            <a:fillRef idx="1">
+              <a:schemeClr val="lt1"/>
+            </a:fillRef>
+            <a:effectRef idx="0">
+              <a:schemeClr val="dk1"/>
+            </a:effectRef>
+            <a:fontRef idx="minor">
+              <a:schemeClr val="dk1"/>
+            </a:fontRef>
+          </p:style>
+          <p:txBody>
+            <a:bodyPr rot="0" spcFirstLastPara="0" vertOverflow="overflow" horzOverflow="overflow" vert="horz" wrap="square" lIns="0" tIns="0" rIns="0" bIns="0" numCol="1" spcCol="0" rtlCol="0" fromWordArt="0" anchor="ctr" anchorCtr="0" forceAA="0" compatLnSpc="1">
+              <a:prstTxWarp prst="textNoShape">
+                <a:avLst/>
+              </a:prstTxWarp>
+              <a:noAutofit/>
+            </a:bodyPr>
+            <a:lstStyle/>
+            <a:p>
+              <a:pPr algn="ctr"/>
+              <a:r>
+                <a:rPr lang="en-AU" sz="1050" dirty="0">
+                  <a:solidFill>
+                    <a:schemeClr val="dk1"/>
+                  </a:solidFill>
+                  <a:latin typeface="Consolas" panose="020B0609020204030204" pitchFamily="49" charset="0"/>
+                  <a:ea typeface="Yu Gothic" panose="020B0400000000000000" pitchFamily="34" charset="-128"/>
+                </a:rPr>
+                <a:t>Demonstrate force application trigger safety stop</a:t>
+              </a:r>
+            </a:p>
+          </p:txBody>
+        </p:sp>
+        <p:sp>
+          <p:nvSpPr>
+            <p:cNvPr id="47" name="Flowchart: Alternate Process 46">
+              <a:extLst>
+                <a:ext uri="{FF2B5EF4-FFF2-40B4-BE49-F238E27FC236}">
+                  <a16:creationId xmlns:a16="http://schemas.microsoft.com/office/drawing/2014/main" id="{28E446BA-5A73-4A03-B0D4-C456B237B1B5}"/>
+                </a:ext>
+              </a:extLst>
+            </p:cNvPr>
+            <p:cNvSpPr/>
+            <p:nvPr/>
+          </p:nvSpPr>
+          <p:spPr>
+            <a:xfrm>
+              <a:off x="7347035" y="2905976"/>
+              <a:ext cx="1262618" cy="836484"/>
+            </a:xfrm>
+            <a:prstGeom prst="flowChartAlternateProcess">
+              <a:avLst/>
+            </a:prstGeom>
+            <a:ln w="19050"/>
+          </p:spPr>
+          <p:style>
+            <a:lnRef idx="2">
+              <a:schemeClr val="dk1"/>
+            </a:lnRef>
+            <a:fillRef idx="1">
+              <a:schemeClr val="lt1"/>
+            </a:fillRef>
+            <a:effectRef idx="0">
+              <a:schemeClr val="dk1"/>
+            </a:effectRef>
+            <a:fontRef idx="minor">
+              <a:schemeClr val="dk1"/>
+            </a:fontRef>
+          </p:style>
+          <p:txBody>
+            <a:bodyPr rot="0" spcFirstLastPara="0" vertOverflow="overflow" horzOverflow="overflow" vert="horz" wrap="square" lIns="0" tIns="0" rIns="0" bIns="0" numCol="1" spcCol="0" rtlCol="0" fromWordArt="0" anchor="ctr" anchorCtr="0" forceAA="0" compatLnSpc="1">
+              <a:prstTxWarp prst="textNoShape">
+                <a:avLst/>
+              </a:prstTxWarp>
+              <a:noAutofit/>
+            </a:bodyPr>
+            <a:lstStyle/>
+            <a:p>
+              <a:pPr algn="ctr"/>
+              <a:r>
+                <a:rPr lang="en-AU" sz="1050" dirty="0">
+                  <a:solidFill>
+                    <a:schemeClr val="dk1"/>
+                  </a:solidFill>
+                  <a:latin typeface="Consolas" panose="020B0609020204030204" pitchFamily="49" charset="0"/>
+                  <a:ea typeface="Yu Gothic" panose="020B0400000000000000" pitchFamily="34" charset="-128"/>
+                </a:rPr>
+                <a:t>Demonstrate system behaviour being adjusted via comms</a:t>
+              </a:r>
+            </a:p>
+          </p:txBody>
+        </p:sp>
+        <p:cxnSp>
+          <p:nvCxnSpPr>
+            <p:cNvPr id="51" name="Connector: Elbow 50">
+              <a:extLst>
+                <a:ext uri="{FF2B5EF4-FFF2-40B4-BE49-F238E27FC236}">
+                  <a16:creationId xmlns:a16="http://schemas.microsoft.com/office/drawing/2014/main" id="{6363852A-279F-4082-85DE-599343E7C61F}"/>
+                </a:ext>
+              </a:extLst>
+            </p:cNvPr>
+            <p:cNvCxnSpPr>
+              <a:cxnSpLocks/>
+              <a:stCxn id="47" idx="0"/>
+              <a:endCxn id="9" idx="3"/>
+            </p:cNvCxnSpPr>
+            <p:nvPr/>
+          </p:nvCxnSpPr>
+          <p:spPr>
+            <a:xfrm rot="16200000" flipV="1">
+              <a:off x="7242456" y="2170087"/>
+              <a:ext cx="590415" cy="881363"/>
+            </a:xfrm>
+            <a:prstGeom prst="bentConnector2">
+              <a:avLst/>
+            </a:prstGeom>
+            <a:ln w="19050">
+              <a:headEnd type="none" w="med" len="med"/>
+              <a:tailEnd type="triangle" w="med" len="med"/>
+            </a:ln>
+          </p:spPr>
+          <p:style>
+            <a:lnRef idx="3">
+              <a:schemeClr val="dk1"/>
+            </a:lnRef>
+            <a:fillRef idx="0">
+              <a:schemeClr val="dk1"/>
+            </a:fillRef>
+            <a:effectRef idx="2">
+              <a:schemeClr val="dk1"/>
+            </a:effectRef>
+            <a:fontRef idx="minor">
+              <a:schemeClr val="tx1"/>
+            </a:fontRef>
+          </p:style>
+        </p:cxnSp>
+        <p:cxnSp>
+          <p:nvCxnSpPr>
+            <p:cNvPr id="55" name="Connector: Elbow 54">
+              <a:extLst>
+                <a:ext uri="{FF2B5EF4-FFF2-40B4-BE49-F238E27FC236}">
+                  <a16:creationId xmlns:a16="http://schemas.microsoft.com/office/drawing/2014/main" id="{FB7677A4-D3F8-478A-AF0C-64728EF138BB}"/>
+                </a:ext>
+              </a:extLst>
+            </p:cNvPr>
+            <p:cNvCxnSpPr>
+              <a:cxnSpLocks/>
+              <a:stCxn id="58" idx="0"/>
+              <a:endCxn id="31" idx="2"/>
+            </p:cNvCxnSpPr>
+            <p:nvPr/>
+          </p:nvCxnSpPr>
+          <p:spPr>
+            <a:xfrm flipV="1">
+              <a:off x="6340646" y="3744845"/>
+              <a:ext cx="125026" cy="1016133"/>
+            </a:xfrm>
+            <a:prstGeom prst="bentConnector2">
+              <a:avLst/>
+            </a:prstGeom>
+            <a:ln w="19050">
+              <a:headEnd type="none" w="med" len="med"/>
+              <a:tailEnd type="triangle" w="med" len="med"/>
+            </a:ln>
+          </p:spPr>
+          <p:style>
+            <a:lnRef idx="3">
+              <a:schemeClr val="dk1"/>
+            </a:lnRef>
+            <a:fillRef idx="0">
+              <a:schemeClr val="dk1"/>
+            </a:fillRef>
+            <a:effectRef idx="2">
+              <a:schemeClr val="dk1"/>
+            </a:effectRef>
+            <a:fontRef idx="minor">
+              <a:schemeClr val="tx1"/>
+            </a:fontRef>
+          </p:style>
+        </p:cxnSp>
+        <p:cxnSp>
+          <p:nvCxnSpPr>
+            <p:cNvPr id="74" name="Connector: Elbow 73">
+              <a:extLst>
+                <a:ext uri="{FF2B5EF4-FFF2-40B4-BE49-F238E27FC236}">
+                  <a16:creationId xmlns:a16="http://schemas.microsoft.com/office/drawing/2014/main" id="{EE2420EE-CC34-4743-BBA5-0F83C221A917}"/>
+                </a:ext>
+              </a:extLst>
+            </p:cNvPr>
+            <p:cNvCxnSpPr>
+              <a:cxnSpLocks/>
+              <a:stCxn id="66" idx="2"/>
+              <a:endCxn id="37" idx="2"/>
+            </p:cNvCxnSpPr>
+            <p:nvPr/>
+          </p:nvCxnSpPr>
+          <p:spPr>
+            <a:xfrm rot="10800000">
+              <a:off x="4953000" y="3744846"/>
+              <a:ext cx="125028" cy="1016133"/>
+            </a:xfrm>
+            <a:prstGeom prst="bentConnector2">
+              <a:avLst/>
+            </a:prstGeom>
+            <a:ln w="19050">
+              <a:headEnd type="none" w="med" len="med"/>
+              <a:tailEnd type="triangle" w="med" len="med"/>
+            </a:ln>
+          </p:spPr>
+          <p:style>
+            <a:lnRef idx="3">
+              <a:schemeClr val="dk1"/>
+            </a:lnRef>
+            <a:fillRef idx="0">
+              <a:schemeClr val="dk1"/>
+            </a:fillRef>
+            <a:effectRef idx="2">
+              <a:schemeClr val="dk1"/>
+            </a:effectRef>
+            <a:fontRef idx="minor">
+              <a:schemeClr val="tx1"/>
+            </a:fontRef>
+          </p:style>
+        </p:cxnSp>
       </p:grpSp>
-      <p:sp>
-        <p:nvSpPr>
-          <p:cNvPr id="88" name="Flowchart: Alternate Process 87">
-            <a:extLst>
-              <a:ext uri="{FF2B5EF4-FFF2-40B4-BE49-F238E27FC236}">
-                <a16:creationId xmlns:a16="http://schemas.microsoft.com/office/drawing/2014/main" id="{8424E895-381E-4037-A814-E4DE02DC2D20}"/>
-              </a:ext>
-            </a:extLst>
-          </p:cNvPr>
-          <p:cNvSpPr/>
-          <p:nvPr/>
-        </p:nvSpPr>
-        <p:spPr>
-          <a:xfrm>
-            <a:off x="2809018" y="5390117"/>
-            <a:ext cx="1262618" cy="836484"/>
-          </a:xfrm>
-          <a:prstGeom prst="flowChartAlternateProcess">
-            <a:avLst/>
-          </a:prstGeom>
-          <a:ln w="19050"/>
-        </p:spPr>
-        <p:style>
-          <a:lnRef idx="2">
-            <a:schemeClr val="dk1"/>
-          </a:lnRef>
-          <a:fillRef idx="1">
-            <a:schemeClr val="lt1"/>
-          </a:fillRef>
-          <a:effectRef idx="0">
-            <a:schemeClr val="dk1"/>
-          </a:effectRef>
-          <a:fontRef idx="minor">
-            <a:schemeClr val="dk1"/>
-          </a:fontRef>
-        </p:style>
-        <p:txBody>
-          <a:bodyPr rot="0" spcFirstLastPara="0" vertOverflow="overflow" horzOverflow="overflow" vert="horz" wrap="square" lIns="0" tIns="0" rIns="0" bIns="0" numCol="1" spcCol="0" rtlCol="0" fromWordArt="0" anchor="ctr" anchorCtr="0" forceAA="0" compatLnSpc="1">
-            <a:prstTxWarp prst="textNoShape">
-              <a:avLst/>
-            </a:prstTxWarp>
-            <a:noAutofit/>
-          </a:bodyPr>
-          <a:lstStyle/>
-          <a:p>
-            <a:pPr algn="ctr"/>
-            <a:r>
-              <a:rPr lang="en-AU" sz="1050" dirty="0">
-                <a:solidFill>
-                  <a:schemeClr val="dk1"/>
-                </a:solidFill>
-                <a:latin typeface="Consolas" panose="020B0609020204030204" pitchFamily="49" charset="0"/>
-                <a:ea typeface="Yu Gothic" panose="020B0400000000000000" pitchFamily="34" charset="-128"/>
-              </a:rPr>
-              <a:t>Adjust actuator position in response to system command</a:t>
-            </a:r>
-          </a:p>
-        </p:txBody>
-      </p:sp>
-      <p:sp>
-        <p:nvSpPr>
-          <p:cNvPr id="31" name="Flowchart: Alternate Process 30">
-            <a:extLst>
-              <a:ext uri="{FF2B5EF4-FFF2-40B4-BE49-F238E27FC236}">
-                <a16:creationId xmlns:a16="http://schemas.microsoft.com/office/drawing/2014/main" id="{679DD8B0-32A4-4F41-A7DC-81054579EBF4}"/>
-              </a:ext>
-            </a:extLst>
-          </p:cNvPr>
-          <p:cNvSpPr/>
-          <p:nvPr/>
-        </p:nvSpPr>
-        <p:spPr>
-          <a:xfrm>
-            <a:off x="5834363" y="2908361"/>
-            <a:ext cx="1262618" cy="836484"/>
-          </a:xfrm>
-          <a:prstGeom prst="flowChartAlternateProcess">
-            <a:avLst/>
-          </a:prstGeom>
-          <a:ln w="19050"/>
-        </p:spPr>
-        <p:style>
-          <a:lnRef idx="2">
-            <a:schemeClr val="dk1"/>
-          </a:lnRef>
-          <a:fillRef idx="1">
-            <a:schemeClr val="lt1"/>
-          </a:fillRef>
-          <a:effectRef idx="0">
-            <a:schemeClr val="dk1"/>
-          </a:effectRef>
-          <a:fontRef idx="minor">
-            <a:schemeClr val="dk1"/>
-          </a:fontRef>
-        </p:style>
-        <p:txBody>
-          <a:bodyPr rot="0" spcFirstLastPara="0" vertOverflow="overflow" horzOverflow="overflow" vert="horz" wrap="square" lIns="0" tIns="0" rIns="0" bIns="0" numCol="1" spcCol="0" rtlCol="0" fromWordArt="0" anchor="ctr" anchorCtr="0" forceAA="0" compatLnSpc="1">
-            <a:prstTxWarp prst="textNoShape">
-              <a:avLst/>
-            </a:prstTxWarp>
-            <a:noAutofit/>
-          </a:bodyPr>
-          <a:lstStyle/>
-          <a:p>
-            <a:pPr algn="ctr"/>
-            <a:r>
-              <a:rPr lang="en-AU" sz="1050" dirty="0">
-                <a:solidFill>
-                  <a:schemeClr val="dk1"/>
-                </a:solidFill>
-                <a:latin typeface="Consolas" panose="020B0609020204030204" pitchFamily="49" charset="0"/>
-                <a:ea typeface="Yu Gothic" panose="020B0400000000000000" pitchFamily="34" charset="-128"/>
-              </a:rPr>
-              <a:t>Demonstrate messages being transmitted over UART</a:t>
-            </a:r>
-          </a:p>
-        </p:txBody>
-      </p:sp>
-      <p:sp>
-        <p:nvSpPr>
-          <p:cNvPr id="37" name="Flowchart: Alternate Process 36">
-            <a:extLst>
-              <a:ext uri="{FF2B5EF4-FFF2-40B4-BE49-F238E27FC236}">
-                <a16:creationId xmlns:a16="http://schemas.microsoft.com/office/drawing/2014/main" id="{974CF804-4DA0-4BDC-AE5B-D754AC91E944}"/>
-              </a:ext>
-            </a:extLst>
-          </p:cNvPr>
-          <p:cNvSpPr/>
-          <p:nvPr/>
-        </p:nvSpPr>
-        <p:spPr>
-          <a:xfrm>
-            <a:off x="4321691" y="2908361"/>
-            <a:ext cx="1262618" cy="836484"/>
-          </a:xfrm>
-          <a:prstGeom prst="flowChartAlternateProcess">
-            <a:avLst/>
-          </a:prstGeom>
-          <a:ln w="19050"/>
-        </p:spPr>
-        <p:style>
-          <a:lnRef idx="2">
-            <a:schemeClr val="dk1"/>
-          </a:lnRef>
-          <a:fillRef idx="1">
-            <a:schemeClr val="lt1"/>
-          </a:fillRef>
-          <a:effectRef idx="0">
-            <a:schemeClr val="dk1"/>
-          </a:effectRef>
-          <a:fontRef idx="minor">
-            <a:schemeClr val="dk1"/>
-          </a:fontRef>
-        </p:style>
-        <p:txBody>
-          <a:bodyPr rot="0" spcFirstLastPara="0" vertOverflow="overflow" horzOverflow="overflow" vert="horz" wrap="square" lIns="0" tIns="0" rIns="0" bIns="0" numCol="1" spcCol="0" rtlCol="0" fromWordArt="0" anchor="ctr" anchorCtr="0" forceAA="0" compatLnSpc="1">
-            <a:prstTxWarp prst="textNoShape">
-              <a:avLst/>
-            </a:prstTxWarp>
-            <a:noAutofit/>
-          </a:bodyPr>
-          <a:lstStyle/>
-          <a:p>
-            <a:pPr algn="ctr"/>
-            <a:r>
-              <a:rPr lang="en-AU" sz="1050" dirty="0">
-                <a:solidFill>
-                  <a:schemeClr val="dk1"/>
-                </a:solidFill>
-                <a:latin typeface="Consolas" panose="020B0609020204030204" pitchFamily="49" charset="0"/>
-                <a:ea typeface="Yu Gothic" panose="020B0400000000000000" pitchFamily="34" charset="-128"/>
-              </a:rPr>
-              <a:t>Demonstrate system responding appropriately to stimulus</a:t>
-            </a:r>
-          </a:p>
-        </p:txBody>
-      </p:sp>
-      <p:sp>
-        <p:nvSpPr>
-          <p:cNvPr id="39" name="Flowchart: Alternate Process 38">
-            <a:extLst>
-              <a:ext uri="{FF2B5EF4-FFF2-40B4-BE49-F238E27FC236}">
-                <a16:creationId xmlns:a16="http://schemas.microsoft.com/office/drawing/2014/main" id="{B58093C0-4F77-4E41-8FD5-45BE1A84929C}"/>
-              </a:ext>
-            </a:extLst>
-          </p:cNvPr>
-          <p:cNvSpPr/>
-          <p:nvPr/>
-        </p:nvSpPr>
-        <p:spPr>
-          <a:xfrm>
-            <a:off x="2809019" y="2905976"/>
-            <a:ext cx="1262618" cy="836484"/>
-          </a:xfrm>
-          <a:prstGeom prst="flowChartAlternateProcess">
-            <a:avLst/>
-          </a:prstGeom>
-          <a:ln w="19050"/>
-        </p:spPr>
-        <p:style>
-          <a:lnRef idx="2">
-            <a:schemeClr val="dk1"/>
-          </a:lnRef>
-          <a:fillRef idx="1">
-            <a:schemeClr val="lt1"/>
-          </a:fillRef>
-          <a:effectRef idx="0">
-            <a:schemeClr val="dk1"/>
-          </a:effectRef>
-          <a:fontRef idx="minor">
-            <a:schemeClr val="dk1"/>
-          </a:fontRef>
-        </p:style>
-        <p:txBody>
-          <a:bodyPr rot="0" spcFirstLastPara="0" vertOverflow="overflow" horzOverflow="overflow" vert="horz" wrap="square" lIns="0" tIns="0" rIns="0" bIns="0" numCol="1" spcCol="0" rtlCol="0" fromWordArt="0" anchor="ctr" anchorCtr="0" forceAA="0" compatLnSpc="1">
-            <a:prstTxWarp prst="textNoShape">
-              <a:avLst/>
-            </a:prstTxWarp>
-            <a:noAutofit/>
-          </a:bodyPr>
-          <a:lstStyle/>
-          <a:p>
-            <a:pPr algn="ctr"/>
-            <a:r>
-              <a:rPr lang="en-AU" sz="1050" dirty="0">
-                <a:solidFill>
-                  <a:schemeClr val="dk1"/>
-                </a:solidFill>
-                <a:latin typeface="Consolas" panose="020B0609020204030204" pitchFamily="49" charset="0"/>
-                <a:ea typeface="Yu Gothic" panose="020B0400000000000000" pitchFamily="34" charset="-128"/>
-              </a:rPr>
-              <a:t>Demonstrate force application trigger safety stop</a:t>
-            </a:r>
-          </a:p>
-        </p:txBody>
-      </p:sp>
-      <p:sp>
-        <p:nvSpPr>
-          <p:cNvPr id="47" name="Flowchart: Alternate Process 46">
-            <a:extLst>
-              <a:ext uri="{FF2B5EF4-FFF2-40B4-BE49-F238E27FC236}">
-                <a16:creationId xmlns:a16="http://schemas.microsoft.com/office/drawing/2014/main" id="{28E446BA-5A73-4A03-B0D4-C456B237B1B5}"/>
-              </a:ext>
-            </a:extLst>
-          </p:cNvPr>
-          <p:cNvSpPr/>
-          <p:nvPr/>
-        </p:nvSpPr>
-        <p:spPr>
-          <a:xfrm>
-            <a:off x="7347035" y="2905976"/>
-            <a:ext cx="1262618" cy="836484"/>
-          </a:xfrm>
-          <a:prstGeom prst="flowChartAlternateProcess">
-            <a:avLst/>
-          </a:prstGeom>
-          <a:ln w="19050"/>
-        </p:spPr>
-        <p:style>
-          <a:lnRef idx="2">
-            <a:schemeClr val="dk1"/>
-          </a:lnRef>
-          <a:fillRef idx="1">
-            <a:schemeClr val="lt1"/>
-          </a:fillRef>
-          <a:effectRef idx="0">
-            <a:schemeClr val="dk1"/>
-          </a:effectRef>
-          <a:fontRef idx="minor">
-            <a:schemeClr val="dk1"/>
-          </a:fontRef>
-        </p:style>
-        <p:txBody>
-          <a:bodyPr rot="0" spcFirstLastPara="0" vertOverflow="overflow" horzOverflow="overflow" vert="horz" wrap="square" lIns="0" tIns="0" rIns="0" bIns="0" numCol="1" spcCol="0" rtlCol="0" fromWordArt="0" anchor="ctr" anchorCtr="0" forceAA="0" compatLnSpc="1">
-            <a:prstTxWarp prst="textNoShape">
-              <a:avLst/>
-            </a:prstTxWarp>
-            <a:noAutofit/>
-          </a:bodyPr>
-          <a:lstStyle/>
-          <a:p>
-            <a:pPr algn="ctr"/>
-            <a:r>
-              <a:rPr lang="en-AU" sz="1050" dirty="0">
-                <a:solidFill>
-                  <a:schemeClr val="dk1"/>
-                </a:solidFill>
-                <a:latin typeface="Consolas" panose="020B0609020204030204" pitchFamily="49" charset="0"/>
-                <a:ea typeface="Yu Gothic" panose="020B0400000000000000" pitchFamily="34" charset="-128"/>
-              </a:rPr>
-              <a:t>Demonstrate system behaviour being adjusted via comms</a:t>
-            </a:r>
-          </a:p>
-        </p:txBody>
-      </p:sp>
-      <p:cxnSp>
-        <p:nvCxnSpPr>
-          <p:cNvPr id="51" name="Connector: Elbow 50">
-            <a:extLst>
-              <a:ext uri="{FF2B5EF4-FFF2-40B4-BE49-F238E27FC236}">
-                <a16:creationId xmlns:a16="http://schemas.microsoft.com/office/drawing/2014/main" id="{6363852A-279F-4082-85DE-599343E7C61F}"/>
-              </a:ext>
-            </a:extLst>
-          </p:cNvPr>
-          <p:cNvCxnSpPr>
-            <a:cxnSpLocks/>
-            <a:stCxn id="47" idx="0"/>
-            <a:endCxn id="9" idx="3"/>
-          </p:cNvCxnSpPr>
-          <p:nvPr/>
-        </p:nvCxnSpPr>
-        <p:spPr>
-          <a:xfrm rot="16200000" flipV="1">
-            <a:off x="7242456" y="2170087"/>
-            <a:ext cx="590415" cy="881363"/>
-          </a:xfrm>
-          <a:prstGeom prst="bentConnector2">
-            <a:avLst/>
-          </a:prstGeom>
-          <a:ln w="19050">
-            <a:headEnd type="none" w="med" len="med"/>
-            <a:tailEnd type="triangle" w="med" len="med"/>
-          </a:ln>
-        </p:spPr>
-        <p:style>
-          <a:lnRef idx="3">
-            <a:schemeClr val="dk1"/>
-          </a:lnRef>
-          <a:fillRef idx="0">
-            <a:schemeClr val="dk1"/>
-          </a:fillRef>
-          <a:effectRef idx="2">
-            <a:schemeClr val="dk1"/>
-          </a:effectRef>
-          <a:fontRef idx="minor">
-            <a:schemeClr val="tx1"/>
-          </a:fontRef>
-        </p:style>
-      </p:cxnSp>
-      <p:cxnSp>
-        <p:nvCxnSpPr>
-          <p:cNvPr id="55" name="Connector: Elbow 54">
-            <a:extLst>
-              <a:ext uri="{FF2B5EF4-FFF2-40B4-BE49-F238E27FC236}">
-                <a16:creationId xmlns:a16="http://schemas.microsoft.com/office/drawing/2014/main" id="{FB7677A4-D3F8-478A-AF0C-64728EF138BB}"/>
-              </a:ext>
-            </a:extLst>
-          </p:cNvPr>
-          <p:cNvCxnSpPr>
-            <a:cxnSpLocks/>
-            <a:stCxn id="58" idx="0"/>
-            <a:endCxn id="31" idx="2"/>
-          </p:cNvCxnSpPr>
-          <p:nvPr/>
-        </p:nvCxnSpPr>
-        <p:spPr>
-          <a:xfrm flipV="1">
-            <a:off x="6340646" y="3744845"/>
-            <a:ext cx="125026" cy="1016133"/>
-          </a:xfrm>
-          <a:prstGeom prst="bentConnector2">
-            <a:avLst/>
-          </a:prstGeom>
-          <a:ln w="19050">
-            <a:headEnd type="none" w="med" len="med"/>
-            <a:tailEnd type="triangle" w="med" len="med"/>
-          </a:ln>
-        </p:spPr>
-        <p:style>
-          <a:lnRef idx="3">
-            <a:schemeClr val="dk1"/>
-          </a:lnRef>
-          <a:fillRef idx="0">
-            <a:schemeClr val="dk1"/>
-          </a:fillRef>
-          <a:effectRef idx="2">
-            <a:schemeClr val="dk1"/>
-          </a:effectRef>
-          <a:fontRef idx="minor">
-            <a:schemeClr val="tx1"/>
-          </a:fontRef>
-        </p:style>
-      </p:cxnSp>
-      <p:cxnSp>
-        <p:nvCxnSpPr>
-          <p:cNvPr id="74" name="Connector: Elbow 73">
-            <a:extLst>
-              <a:ext uri="{FF2B5EF4-FFF2-40B4-BE49-F238E27FC236}">
-                <a16:creationId xmlns:a16="http://schemas.microsoft.com/office/drawing/2014/main" id="{EE2420EE-CC34-4743-BBA5-0F83C221A917}"/>
-              </a:ext>
-            </a:extLst>
-          </p:cNvPr>
-          <p:cNvCxnSpPr>
-            <a:cxnSpLocks/>
-            <a:stCxn id="66" idx="2"/>
-            <a:endCxn id="37" idx="2"/>
-          </p:cNvCxnSpPr>
-          <p:nvPr/>
-        </p:nvCxnSpPr>
-        <p:spPr>
-          <a:xfrm rot="10800000">
-            <a:off x="4953000" y="3744846"/>
-            <a:ext cx="125028" cy="1016133"/>
-          </a:xfrm>
-          <a:prstGeom prst="bentConnector2">
-            <a:avLst/>
-          </a:prstGeom>
-          <a:ln w="19050">
-            <a:headEnd type="none" w="med" len="med"/>
-            <a:tailEnd type="triangle" w="med" len="med"/>
-          </a:ln>
-        </p:spPr>
-        <p:style>
-          <a:lnRef idx="3">
-            <a:schemeClr val="dk1"/>
-          </a:lnRef>
-          <a:fillRef idx="0">
-            <a:schemeClr val="dk1"/>
-          </a:fillRef>
-          <a:effectRef idx="2">
-            <a:schemeClr val="dk1"/>
-          </a:effectRef>
-          <a:fontRef idx="minor">
-            <a:schemeClr val="tx1"/>
-          </a:fontRef>
-        </p:style>
-      </p:cxnSp>
     </p:spTree>
     <p:extLst>
       <p:ext uri="{BB962C8B-B14F-4D97-AF65-F5344CB8AC3E}">

--- a/Documentation/FuncDecomp.pptx
+++ b/Documentation/FuncDecomp.pptx
@@ -15,7 +15,9 @@
     <p:sldId id="260" r:id="rId9"/>
     <p:sldId id="266" r:id="rId10"/>
     <p:sldId id="261" r:id="rId11"/>
-    <p:sldId id="265" r:id="rId12"/>
+    <p:sldId id="267" r:id="rId12"/>
+    <p:sldId id="268" r:id="rId13"/>
+    <p:sldId id="265" r:id="rId14"/>
   </p:sldIdLst>
   <p:sldSz cx="9906000" cy="6858000" type="A4"/>
   <p:notesSz cx="6858000" cy="9144000"/>
@@ -253,7 +255,7 @@
           <a:p>
             <a:fld id="{B0718091-353A-4726-AFD1-15211AE32140}" type="datetimeFigureOut">
               <a:rPr lang="en-AU" smtClean="0"/>
-              <a:t>31/05/2018</a:t>
+              <a:t>1/06/2018</a:t>
             </a:fld>
             <a:endParaRPr lang="en-AU" dirty="0"/>
           </a:p>
@@ -423,7 +425,7 @@
           <a:p>
             <a:fld id="{B0718091-353A-4726-AFD1-15211AE32140}" type="datetimeFigureOut">
               <a:rPr lang="en-AU" smtClean="0"/>
-              <a:t>31/05/2018</a:t>
+              <a:t>1/06/2018</a:t>
             </a:fld>
             <a:endParaRPr lang="en-AU" dirty="0"/>
           </a:p>
@@ -603,7 +605,7 @@
           <a:p>
             <a:fld id="{B0718091-353A-4726-AFD1-15211AE32140}" type="datetimeFigureOut">
               <a:rPr lang="en-AU" smtClean="0"/>
-              <a:t>31/05/2018</a:t>
+              <a:t>1/06/2018</a:t>
             </a:fld>
             <a:endParaRPr lang="en-AU" dirty="0"/>
           </a:p>
@@ -773,7 +775,7 @@
           <a:p>
             <a:fld id="{B0718091-353A-4726-AFD1-15211AE32140}" type="datetimeFigureOut">
               <a:rPr lang="en-AU" smtClean="0"/>
-              <a:t>31/05/2018</a:t>
+              <a:t>1/06/2018</a:t>
             </a:fld>
             <a:endParaRPr lang="en-AU" dirty="0"/>
           </a:p>
@@ -1017,7 +1019,7 @@
           <a:p>
             <a:fld id="{B0718091-353A-4726-AFD1-15211AE32140}" type="datetimeFigureOut">
               <a:rPr lang="en-AU" smtClean="0"/>
-              <a:t>31/05/2018</a:t>
+              <a:t>1/06/2018</a:t>
             </a:fld>
             <a:endParaRPr lang="en-AU" dirty="0"/>
           </a:p>
@@ -1249,7 +1251,7 @@
           <a:p>
             <a:fld id="{B0718091-353A-4726-AFD1-15211AE32140}" type="datetimeFigureOut">
               <a:rPr lang="en-AU" smtClean="0"/>
-              <a:t>31/05/2018</a:t>
+              <a:t>1/06/2018</a:t>
             </a:fld>
             <a:endParaRPr lang="en-AU" dirty="0"/>
           </a:p>
@@ -1616,7 +1618,7 @@
           <a:p>
             <a:fld id="{B0718091-353A-4726-AFD1-15211AE32140}" type="datetimeFigureOut">
               <a:rPr lang="en-AU" smtClean="0"/>
-              <a:t>31/05/2018</a:t>
+              <a:t>1/06/2018</a:t>
             </a:fld>
             <a:endParaRPr lang="en-AU" dirty="0"/>
           </a:p>
@@ -1734,7 +1736,7 @@
           <a:p>
             <a:fld id="{B0718091-353A-4726-AFD1-15211AE32140}" type="datetimeFigureOut">
               <a:rPr lang="en-AU" smtClean="0"/>
-              <a:t>31/05/2018</a:t>
+              <a:t>1/06/2018</a:t>
             </a:fld>
             <a:endParaRPr lang="en-AU" dirty="0"/>
           </a:p>
@@ -1829,7 +1831,7 @@
           <a:p>
             <a:fld id="{B0718091-353A-4726-AFD1-15211AE32140}" type="datetimeFigureOut">
               <a:rPr lang="en-AU" smtClean="0"/>
-              <a:t>31/05/2018</a:t>
+              <a:t>1/06/2018</a:t>
             </a:fld>
             <a:endParaRPr lang="en-AU" dirty="0"/>
           </a:p>
@@ -2106,7 +2108,7 @@
           <a:p>
             <a:fld id="{B0718091-353A-4726-AFD1-15211AE32140}" type="datetimeFigureOut">
               <a:rPr lang="en-AU" smtClean="0"/>
-              <a:t>31/05/2018</a:t>
+              <a:t>1/06/2018</a:t>
             </a:fld>
             <a:endParaRPr lang="en-AU" dirty="0"/>
           </a:p>
@@ -2362,7 +2364,7 @@
           <a:p>
             <a:fld id="{B0718091-353A-4726-AFD1-15211AE32140}" type="datetimeFigureOut">
               <a:rPr lang="en-AU" smtClean="0"/>
-              <a:t>31/05/2018</a:t>
+              <a:t>1/06/2018</a:t>
             </a:fld>
             <a:endParaRPr lang="en-AU" dirty="0"/>
           </a:p>
@@ -2575,7 +2577,7 @@
           <a:p>
             <a:fld id="{B0718091-353A-4726-AFD1-15211AE32140}" type="datetimeFigureOut">
               <a:rPr lang="en-AU" smtClean="0"/>
-              <a:t>31/05/2018</a:t>
+              <a:t>1/06/2018</a:t>
             </a:fld>
             <a:endParaRPr lang="en-AU" dirty="0"/>
           </a:p>
@@ -7642,6 +7644,2516 @@
 </file>
 
 <file path=ppt/slides/slide11.xml><?xml version="1.0" encoding="utf-8"?>
+<p:sld xmlns:a="http://schemas.openxmlformats.org/drawingml/2006/main" xmlns:r="http://schemas.openxmlformats.org/officeDocument/2006/relationships" xmlns:p="http://schemas.openxmlformats.org/presentationml/2006/main">
+  <p:cSld>
+    <p:spTree>
+      <p:nvGrpSpPr>
+        <p:cNvPr id="1" name=""/>
+        <p:cNvGrpSpPr/>
+        <p:nvPr/>
+      </p:nvGrpSpPr>
+      <p:grpSpPr>
+        <a:xfrm>
+          <a:off x="0" y="0"/>
+          <a:ext cx="0" cy="0"/>
+          <a:chOff x="0" y="0"/>
+          <a:chExt cx="0" cy="0"/>
+        </a:xfrm>
+      </p:grpSpPr>
+      <p:sp>
+        <p:nvSpPr>
+          <p:cNvPr id="4" name="Rectangle 3">
+            <a:extLst>
+              <a:ext uri="{FF2B5EF4-FFF2-40B4-BE49-F238E27FC236}">
+                <a16:creationId xmlns:a16="http://schemas.microsoft.com/office/drawing/2014/main" id="{145F008C-07B8-4C2D-BCAB-0CA52517A41B}"/>
+              </a:ext>
+            </a:extLst>
+          </p:cNvPr>
+          <p:cNvSpPr/>
+          <p:nvPr/>
+        </p:nvSpPr>
+        <p:spPr>
+          <a:xfrm>
+            <a:off x="3854625" y="2248110"/>
+            <a:ext cx="2126865" cy="161662"/>
+          </a:xfrm>
+          <a:prstGeom prst="rect">
+            <a:avLst/>
+          </a:prstGeom>
+        </p:spPr>
+        <p:style>
+          <a:lnRef idx="2">
+            <a:schemeClr val="accent1">
+              <a:shade val="50000"/>
+            </a:schemeClr>
+          </a:lnRef>
+          <a:fillRef idx="1">
+            <a:schemeClr val="accent1"/>
+          </a:fillRef>
+          <a:effectRef idx="0">
+            <a:schemeClr val="accent1"/>
+          </a:effectRef>
+          <a:fontRef idx="minor">
+            <a:schemeClr val="lt1"/>
+          </a:fontRef>
+        </p:style>
+        <p:txBody>
+          <a:bodyPr rtlCol="0" anchor="ctr"/>
+          <a:lstStyle/>
+          <a:p>
+            <a:pPr algn="ctr"/>
+            <a:endParaRPr lang="en-AU" sz="1400">
+              <a:latin typeface="Consolas" panose="020B0609020204030204" pitchFamily="49" charset="0"/>
+            </a:endParaRPr>
+          </a:p>
+        </p:txBody>
+      </p:sp>
+      <p:sp>
+        <p:nvSpPr>
+          <p:cNvPr id="5" name="Rectangle 4">
+            <a:extLst>
+              <a:ext uri="{FF2B5EF4-FFF2-40B4-BE49-F238E27FC236}">
+                <a16:creationId xmlns:a16="http://schemas.microsoft.com/office/drawing/2014/main" id="{2B65C4FF-0E5F-4AA4-B6DB-00C1385C83BF}"/>
+              </a:ext>
+            </a:extLst>
+          </p:cNvPr>
+          <p:cNvSpPr/>
+          <p:nvPr/>
+        </p:nvSpPr>
+        <p:spPr>
+          <a:xfrm rot="18000000">
+            <a:off x="2189475" y="3209484"/>
+            <a:ext cx="2126865" cy="161662"/>
+          </a:xfrm>
+          <a:prstGeom prst="rect">
+            <a:avLst/>
+          </a:prstGeom>
+        </p:spPr>
+        <p:style>
+          <a:lnRef idx="2">
+            <a:schemeClr val="accent1">
+              <a:shade val="50000"/>
+            </a:schemeClr>
+          </a:lnRef>
+          <a:fillRef idx="1">
+            <a:schemeClr val="accent1"/>
+          </a:fillRef>
+          <a:effectRef idx="0">
+            <a:schemeClr val="accent1"/>
+          </a:effectRef>
+          <a:fontRef idx="minor">
+            <a:schemeClr val="lt1"/>
+          </a:fontRef>
+        </p:style>
+        <p:txBody>
+          <a:bodyPr rtlCol="0" anchor="ctr"/>
+          <a:lstStyle/>
+          <a:p>
+            <a:pPr algn="ctr"/>
+            <a:endParaRPr lang="en-AU" sz="1400">
+              <a:latin typeface="Consolas" panose="020B0609020204030204" pitchFamily="49" charset="0"/>
+            </a:endParaRPr>
+          </a:p>
+        </p:txBody>
+      </p:sp>
+      <p:sp>
+        <p:nvSpPr>
+          <p:cNvPr id="6" name="Oval 5">
+            <a:extLst>
+              <a:ext uri="{FF2B5EF4-FFF2-40B4-BE49-F238E27FC236}">
+                <a16:creationId xmlns:a16="http://schemas.microsoft.com/office/drawing/2014/main" id="{E541ABC0-D114-4C54-BDF3-CBC214879F37}"/>
+              </a:ext>
+            </a:extLst>
+          </p:cNvPr>
+          <p:cNvSpPr/>
+          <p:nvPr/>
+        </p:nvSpPr>
+        <p:spPr>
+          <a:xfrm>
+            <a:off x="3500989" y="2058660"/>
+            <a:ext cx="540557" cy="540557"/>
+          </a:xfrm>
+          <a:prstGeom prst="ellipse">
+            <a:avLst/>
+          </a:prstGeom>
+        </p:spPr>
+        <p:style>
+          <a:lnRef idx="2">
+            <a:schemeClr val="accent6">
+              <a:shade val="50000"/>
+            </a:schemeClr>
+          </a:lnRef>
+          <a:fillRef idx="1">
+            <a:schemeClr val="accent6"/>
+          </a:fillRef>
+          <a:effectRef idx="0">
+            <a:schemeClr val="accent6"/>
+          </a:effectRef>
+          <a:fontRef idx="minor">
+            <a:schemeClr val="lt1"/>
+          </a:fontRef>
+        </p:style>
+        <p:txBody>
+          <a:bodyPr rtlCol="0" anchor="ctr"/>
+          <a:lstStyle/>
+          <a:p>
+            <a:pPr algn="ctr"/>
+            <a:r>
+              <a:rPr lang="en-AU" sz="1400" dirty="0">
+                <a:latin typeface="Consolas" panose="020B0609020204030204" pitchFamily="49" charset="0"/>
+              </a:rPr>
+              <a:t>S</a:t>
+            </a:r>
+          </a:p>
+        </p:txBody>
+      </p:sp>
+      <p:sp>
+        <p:nvSpPr>
+          <p:cNvPr id="7" name="Arrow: Circular 6">
+            <a:extLst>
+              <a:ext uri="{FF2B5EF4-FFF2-40B4-BE49-F238E27FC236}">
+                <a16:creationId xmlns:a16="http://schemas.microsoft.com/office/drawing/2014/main" id="{EAA1FD4C-89CE-4462-BFAB-0D5BB3D81A68}"/>
+              </a:ext>
+            </a:extLst>
+          </p:cNvPr>
+          <p:cNvSpPr/>
+          <p:nvPr/>
+        </p:nvSpPr>
+        <p:spPr>
+          <a:xfrm>
+            <a:off x="3151330" y="1709001"/>
+            <a:ext cx="1239874" cy="1239874"/>
+          </a:xfrm>
+          <a:prstGeom prst="circularArrow">
+            <a:avLst>
+              <a:gd name="adj1" fmla="val 3933"/>
+              <a:gd name="adj2" fmla="val 1142319"/>
+              <a:gd name="adj3" fmla="val 20457683"/>
+              <a:gd name="adj4" fmla="val 10800000"/>
+              <a:gd name="adj5" fmla="val 12500"/>
+            </a:avLst>
+          </a:prstGeom>
+        </p:spPr>
+        <p:style>
+          <a:lnRef idx="2">
+            <a:schemeClr val="accent6">
+              <a:shade val="50000"/>
+            </a:schemeClr>
+          </a:lnRef>
+          <a:fillRef idx="1">
+            <a:schemeClr val="accent6"/>
+          </a:fillRef>
+          <a:effectRef idx="0">
+            <a:schemeClr val="accent6"/>
+          </a:effectRef>
+          <a:fontRef idx="minor">
+            <a:schemeClr val="lt1"/>
+          </a:fontRef>
+        </p:style>
+        <p:txBody>
+          <a:bodyPr rtlCol="0" anchor="ctr"/>
+          <a:lstStyle/>
+          <a:p>
+            <a:pPr algn="ctr"/>
+            <a:endParaRPr lang="en-AU" sz="1400">
+              <a:solidFill>
+                <a:schemeClr val="tx1"/>
+              </a:solidFill>
+              <a:latin typeface="Consolas" panose="020B0609020204030204" pitchFamily="49" charset="0"/>
+            </a:endParaRPr>
+          </a:p>
+        </p:txBody>
+      </p:sp>
+      <p:grpSp>
+        <p:nvGrpSpPr>
+          <p:cNvPr id="22" name="Group 21">
+            <a:extLst>
+              <a:ext uri="{FF2B5EF4-FFF2-40B4-BE49-F238E27FC236}">
+                <a16:creationId xmlns:a16="http://schemas.microsoft.com/office/drawing/2014/main" id="{BB11DDC2-6E49-44B0-A8EE-1C3B9D655AF1}"/>
+              </a:ext>
+            </a:extLst>
+          </p:cNvPr>
+          <p:cNvGrpSpPr/>
+          <p:nvPr/>
+        </p:nvGrpSpPr>
+        <p:grpSpPr>
+          <a:xfrm rot="18000000">
+            <a:off x="5618644" y="3405739"/>
+            <a:ext cx="262700" cy="976265"/>
+            <a:chOff x="4891345" y="1826464"/>
+            <a:chExt cx="262700" cy="976265"/>
+          </a:xfrm>
+        </p:grpSpPr>
+        <p:grpSp>
+          <p:nvGrpSpPr>
+            <p:cNvPr id="15" name="Group 14">
+              <a:extLst>
+                <a:ext uri="{FF2B5EF4-FFF2-40B4-BE49-F238E27FC236}">
+                  <a16:creationId xmlns:a16="http://schemas.microsoft.com/office/drawing/2014/main" id="{9573812E-D96C-465A-AD94-0C6D5592C649}"/>
+                </a:ext>
+              </a:extLst>
+            </p:cNvPr>
+            <p:cNvGrpSpPr/>
+            <p:nvPr/>
+          </p:nvGrpSpPr>
+          <p:grpSpPr>
+            <a:xfrm>
+              <a:off x="4891345" y="1826464"/>
+              <a:ext cx="262700" cy="326921"/>
+              <a:chOff x="3895041" y="3982378"/>
+              <a:chExt cx="262700" cy="326921"/>
+            </a:xfrm>
+          </p:grpSpPr>
+          <p:sp>
+            <p:nvSpPr>
+              <p:cNvPr id="13" name="Isosceles Triangle 12">
+                <a:extLst>
+                  <a:ext uri="{FF2B5EF4-FFF2-40B4-BE49-F238E27FC236}">
+                    <a16:creationId xmlns:a16="http://schemas.microsoft.com/office/drawing/2014/main" id="{8A8948F9-9B14-4BEC-9A6F-97EC7F71B546}"/>
+                  </a:ext>
+                </a:extLst>
+              </p:cNvPr>
+              <p:cNvSpPr/>
+              <p:nvPr/>
+            </p:nvSpPr>
+            <p:spPr>
+              <a:xfrm>
+                <a:off x="3895041" y="4112274"/>
+                <a:ext cx="262700" cy="197025"/>
+              </a:xfrm>
+              <a:prstGeom prst="triangle">
+                <a:avLst/>
+              </a:prstGeom>
+            </p:spPr>
+            <p:style>
+              <a:lnRef idx="2">
+                <a:schemeClr val="accent4">
+                  <a:shade val="50000"/>
+                </a:schemeClr>
+              </a:lnRef>
+              <a:fillRef idx="1">
+                <a:schemeClr val="accent4"/>
+              </a:fillRef>
+              <a:effectRef idx="0">
+                <a:schemeClr val="accent4"/>
+              </a:effectRef>
+              <a:fontRef idx="minor">
+                <a:schemeClr val="lt1"/>
+              </a:fontRef>
+            </p:style>
+            <p:txBody>
+              <a:bodyPr rtlCol="0" anchor="ctr"/>
+              <a:lstStyle/>
+              <a:p>
+                <a:pPr algn="ctr"/>
+                <a:endParaRPr lang="en-AU" sz="1400">
+                  <a:latin typeface="Consolas" panose="020B0609020204030204" pitchFamily="49" charset="0"/>
+                </a:endParaRPr>
+              </a:p>
+            </p:txBody>
+          </p:sp>
+          <p:sp>
+            <p:nvSpPr>
+              <p:cNvPr id="14" name="Rectangle 13">
+                <a:extLst>
+                  <a:ext uri="{FF2B5EF4-FFF2-40B4-BE49-F238E27FC236}">
+                    <a16:creationId xmlns:a16="http://schemas.microsoft.com/office/drawing/2014/main" id="{62167628-9C40-41ED-9327-9EEDA5E06273}"/>
+                  </a:ext>
+                </a:extLst>
+              </p:cNvPr>
+              <p:cNvSpPr/>
+              <p:nvPr/>
+            </p:nvSpPr>
+            <p:spPr>
+              <a:xfrm>
+                <a:off x="3953138" y="3982378"/>
+                <a:ext cx="146505" cy="146505"/>
+              </a:xfrm>
+              <a:prstGeom prst="rect">
+                <a:avLst/>
+              </a:prstGeom>
+            </p:spPr>
+            <p:style>
+              <a:lnRef idx="2">
+                <a:schemeClr val="accent4">
+                  <a:shade val="50000"/>
+                </a:schemeClr>
+              </a:lnRef>
+              <a:fillRef idx="1">
+                <a:schemeClr val="accent4"/>
+              </a:fillRef>
+              <a:effectRef idx="0">
+                <a:schemeClr val="accent4"/>
+              </a:effectRef>
+              <a:fontRef idx="minor">
+                <a:schemeClr val="lt1"/>
+              </a:fontRef>
+            </p:style>
+            <p:txBody>
+              <a:bodyPr rtlCol="0" anchor="ctr"/>
+              <a:lstStyle/>
+              <a:p>
+                <a:pPr algn="ctr"/>
+                <a:endParaRPr lang="en-AU" sz="1400">
+                  <a:latin typeface="Consolas" panose="020B0609020204030204" pitchFamily="49" charset="0"/>
+                </a:endParaRPr>
+              </a:p>
+            </p:txBody>
+          </p:sp>
+        </p:grpSp>
+        <p:grpSp>
+          <p:nvGrpSpPr>
+            <p:cNvPr id="19" name="Group 18">
+              <a:extLst>
+                <a:ext uri="{FF2B5EF4-FFF2-40B4-BE49-F238E27FC236}">
+                  <a16:creationId xmlns:a16="http://schemas.microsoft.com/office/drawing/2014/main" id="{2A1B6E8F-FE85-4B0F-9F90-58ED8E6F244C}"/>
+                </a:ext>
+              </a:extLst>
+            </p:cNvPr>
+            <p:cNvGrpSpPr/>
+            <p:nvPr/>
+          </p:nvGrpSpPr>
+          <p:grpSpPr>
+            <a:xfrm rot="10800000">
+              <a:off x="4891345" y="2475808"/>
+              <a:ext cx="262700" cy="326921"/>
+              <a:chOff x="3895041" y="3982378"/>
+              <a:chExt cx="262700" cy="326921"/>
+            </a:xfrm>
+          </p:grpSpPr>
+          <p:sp>
+            <p:nvSpPr>
+              <p:cNvPr id="20" name="Isosceles Triangle 19">
+                <a:extLst>
+                  <a:ext uri="{FF2B5EF4-FFF2-40B4-BE49-F238E27FC236}">
+                    <a16:creationId xmlns:a16="http://schemas.microsoft.com/office/drawing/2014/main" id="{DF2625D4-DE3E-446A-9EB5-8976FF41B6C3}"/>
+                  </a:ext>
+                </a:extLst>
+              </p:cNvPr>
+              <p:cNvSpPr/>
+              <p:nvPr/>
+            </p:nvSpPr>
+            <p:spPr>
+              <a:xfrm>
+                <a:off x="3895041" y="4112274"/>
+                <a:ext cx="262700" cy="197025"/>
+              </a:xfrm>
+              <a:prstGeom prst="triangle">
+                <a:avLst/>
+              </a:prstGeom>
+            </p:spPr>
+            <p:style>
+              <a:lnRef idx="2">
+                <a:schemeClr val="accent4">
+                  <a:shade val="50000"/>
+                </a:schemeClr>
+              </a:lnRef>
+              <a:fillRef idx="1">
+                <a:schemeClr val="accent4"/>
+              </a:fillRef>
+              <a:effectRef idx="0">
+                <a:schemeClr val="accent4"/>
+              </a:effectRef>
+              <a:fontRef idx="minor">
+                <a:schemeClr val="lt1"/>
+              </a:fontRef>
+            </p:style>
+            <p:txBody>
+              <a:bodyPr rtlCol="0" anchor="ctr"/>
+              <a:lstStyle/>
+              <a:p>
+                <a:pPr algn="ctr"/>
+                <a:endParaRPr lang="en-AU" sz="1400">
+                  <a:latin typeface="Consolas" panose="020B0609020204030204" pitchFamily="49" charset="0"/>
+                </a:endParaRPr>
+              </a:p>
+            </p:txBody>
+          </p:sp>
+          <p:sp>
+            <p:nvSpPr>
+              <p:cNvPr id="21" name="Rectangle 20">
+                <a:extLst>
+                  <a:ext uri="{FF2B5EF4-FFF2-40B4-BE49-F238E27FC236}">
+                    <a16:creationId xmlns:a16="http://schemas.microsoft.com/office/drawing/2014/main" id="{4BB57EE3-42FD-4632-BF13-69A8B36B6C95}"/>
+                  </a:ext>
+                </a:extLst>
+              </p:cNvPr>
+              <p:cNvSpPr/>
+              <p:nvPr/>
+            </p:nvSpPr>
+            <p:spPr>
+              <a:xfrm>
+                <a:off x="3953138" y="3982378"/>
+                <a:ext cx="146505" cy="146505"/>
+              </a:xfrm>
+              <a:prstGeom prst="rect">
+                <a:avLst/>
+              </a:prstGeom>
+            </p:spPr>
+            <p:style>
+              <a:lnRef idx="2">
+                <a:schemeClr val="accent4">
+                  <a:shade val="50000"/>
+                </a:schemeClr>
+              </a:lnRef>
+              <a:fillRef idx="1">
+                <a:schemeClr val="accent4"/>
+              </a:fillRef>
+              <a:effectRef idx="0">
+                <a:schemeClr val="accent4"/>
+              </a:effectRef>
+              <a:fontRef idx="minor">
+                <a:schemeClr val="lt1"/>
+              </a:fontRef>
+            </p:style>
+            <p:txBody>
+              <a:bodyPr rtlCol="0" anchor="ctr"/>
+              <a:lstStyle/>
+              <a:p>
+                <a:pPr algn="ctr"/>
+                <a:endParaRPr lang="en-AU" sz="1400">
+                  <a:latin typeface="Consolas" panose="020B0609020204030204" pitchFamily="49" charset="0"/>
+                </a:endParaRPr>
+              </a:p>
+            </p:txBody>
+          </p:sp>
+        </p:grpSp>
+      </p:grpSp>
+      <p:sp>
+        <p:nvSpPr>
+          <p:cNvPr id="23" name="Rectangle 22">
+            <a:extLst>
+              <a:ext uri="{FF2B5EF4-FFF2-40B4-BE49-F238E27FC236}">
+                <a16:creationId xmlns:a16="http://schemas.microsoft.com/office/drawing/2014/main" id="{3E72EE4D-E6BC-4D5F-BDEC-64981063BC61}"/>
+              </a:ext>
+            </a:extLst>
+          </p:cNvPr>
+          <p:cNvSpPr/>
+          <p:nvPr/>
+        </p:nvSpPr>
+        <p:spPr>
+          <a:xfrm>
+            <a:off x="6706392" y="2248110"/>
+            <a:ext cx="2126865" cy="161662"/>
+          </a:xfrm>
+          <a:prstGeom prst="rect">
+            <a:avLst/>
+          </a:prstGeom>
+          <a:solidFill>
+            <a:schemeClr val="tx1"/>
+          </a:solidFill>
+          <a:ln>
+            <a:solidFill>
+              <a:schemeClr val="tx1"/>
+            </a:solidFill>
+          </a:ln>
+        </p:spPr>
+        <p:style>
+          <a:lnRef idx="2">
+            <a:schemeClr val="dk1"/>
+          </a:lnRef>
+          <a:fillRef idx="1">
+            <a:schemeClr val="lt1"/>
+          </a:fillRef>
+          <a:effectRef idx="0">
+            <a:schemeClr val="dk1"/>
+          </a:effectRef>
+          <a:fontRef idx="minor">
+            <a:schemeClr val="dk1"/>
+          </a:fontRef>
+        </p:style>
+        <p:txBody>
+          <a:bodyPr rtlCol="0" anchor="ctr"/>
+          <a:lstStyle/>
+          <a:p>
+            <a:pPr algn="ctr"/>
+            <a:endParaRPr lang="en-AU" sz="1400">
+              <a:latin typeface="Consolas" panose="020B0609020204030204" pitchFamily="49" charset="0"/>
+            </a:endParaRPr>
+          </a:p>
+        </p:txBody>
+      </p:sp>
+      <p:sp>
+        <p:nvSpPr>
+          <p:cNvPr id="24" name="Rectangle 23">
+            <a:extLst>
+              <a:ext uri="{FF2B5EF4-FFF2-40B4-BE49-F238E27FC236}">
+                <a16:creationId xmlns:a16="http://schemas.microsoft.com/office/drawing/2014/main" id="{B4A92AE4-7DDA-4318-A7F7-48E49730DFCB}"/>
+              </a:ext>
+            </a:extLst>
+          </p:cNvPr>
+          <p:cNvSpPr/>
+          <p:nvPr/>
+        </p:nvSpPr>
+        <p:spPr>
+          <a:xfrm rot="18000000">
+            <a:off x="5041242" y="3209484"/>
+            <a:ext cx="2126865" cy="161662"/>
+          </a:xfrm>
+          <a:prstGeom prst="rect">
+            <a:avLst/>
+          </a:prstGeom>
+          <a:solidFill>
+            <a:schemeClr val="tx1"/>
+          </a:solidFill>
+          <a:ln>
+            <a:solidFill>
+              <a:schemeClr val="tx1"/>
+            </a:solidFill>
+          </a:ln>
+        </p:spPr>
+        <p:style>
+          <a:lnRef idx="2">
+            <a:schemeClr val="dk1"/>
+          </a:lnRef>
+          <a:fillRef idx="1">
+            <a:schemeClr val="lt1"/>
+          </a:fillRef>
+          <a:effectRef idx="0">
+            <a:schemeClr val="dk1"/>
+          </a:effectRef>
+          <a:fontRef idx="minor">
+            <a:schemeClr val="dk1"/>
+          </a:fontRef>
+        </p:style>
+        <p:txBody>
+          <a:bodyPr rtlCol="0" anchor="ctr"/>
+          <a:lstStyle/>
+          <a:p>
+            <a:pPr algn="ctr"/>
+            <a:endParaRPr lang="en-AU" sz="1400">
+              <a:latin typeface="Consolas" panose="020B0609020204030204" pitchFamily="49" charset="0"/>
+            </a:endParaRPr>
+          </a:p>
+        </p:txBody>
+      </p:sp>
+      <p:sp>
+        <p:nvSpPr>
+          <p:cNvPr id="31" name="Rectangle 30">
+            <a:extLst>
+              <a:ext uri="{FF2B5EF4-FFF2-40B4-BE49-F238E27FC236}">
+                <a16:creationId xmlns:a16="http://schemas.microsoft.com/office/drawing/2014/main" id="{A589A7C9-646B-41B5-9A1B-7A1CA1660A7E}"/>
+              </a:ext>
+            </a:extLst>
+          </p:cNvPr>
+          <p:cNvSpPr/>
+          <p:nvPr/>
+        </p:nvSpPr>
+        <p:spPr>
+          <a:xfrm rot="18000000">
+            <a:off x="2811118" y="3405740"/>
+            <a:ext cx="146505" cy="976265"/>
+          </a:xfrm>
+          <a:prstGeom prst="rect">
+            <a:avLst/>
+          </a:prstGeom>
+        </p:spPr>
+        <p:style>
+          <a:lnRef idx="2">
+            <a:schemeClr val="accent4">
+              <a:shade val="50000"/>
+            </a:schemeClr>
+          </a:lnRef>
+          <a:fillRef idx="1">
+            <a:schemeClr val="accent4"/>
+          </a:fillRef>
+          <a:effectRef idx="0">
+            <a:schemeClr val="accent4"/>
+          </a:effectRef>
+          <a:fontRef idx="minor">
+            <a:schemeClr val="lt1"/>
+          </a:fontRef>
+        </p:style>
+        <p:txBody>
+          <a:bodyPr rtlCol="0" anchor="ctr"/>
+          <a:lstStyle/>
+          <a:p>
+            <a:pPr algn="ctr"/>
+            <a:endParaRPr lang="en-AU" sz="1400">
+              <a:latin typeface="Consolas" panose="020B0609020204030204" pitchFamily="49" charset="0"/>
+            </a:endParaRPr>
+          </a:p>
+        </p:txBody>
+      </p:sp>
+      <p:sp>
+        <p:nvSpPr>
+          <p:cNvPr id="32" name="Oval 31">
+            <a:extLst>
+              <a:ext uri="{FF2B5EF4-FFF2-40B4-BE49-F238E27FC236}">
+                <a16:creationId xmlns:a16="http://schemas.microsoft.com/office/drawing/2014/main" id="{E0189CED-3EC5-48AB-A1E8-12F6CDBE328D}"/>
+              </a:ext>
+            </a:extLst>
+          </p:cNvPr>
+          <p:cNvSpPr/>
+          <p:nvPr/>
+        </p:nvSpPr>
+        <p:spPr>
+          <a:xfrm>
+            <a:off x="6479099" y="2154298"/>
+            <a:ext cx="341688" cy="341688"/>
+          </a:xfrm>
+          <a:prstGeom prst="ellipse">
+            <a:avLst/>
+          </a:prstGeom>
+          <a:solidFill>
+            <a:schemeClr val="tx1"/>
+          </a:solidFill>
+          <a:ln>
+            <a:solidFill>
+              <a:schemeClr val="tx1"/>
+            </a:solidFill>
+          </a:ln>
+        </p:spPr>
+        <p:style>
+          <a:lnRef idx="2">
+            <a:schemeClr val="dk1"/>
+          </a:lnRef>
+          <a:fillRef idx="1">
+            <a:schemeClr val="lt1"/>
+          </a:fillRef>
+          <a:effectRef idx="0">
+            <a:schemeClr val="dk1"/>
+          </a:effectRef>
+          <a:fontRef idx="minor">
+            <a:schemeClr val="dk1"/>
+          </a:fontRef>
+        </p:style>
+        <p:txBody>
+          <a:bodyPr rtlCol="0" anchor="ctr"/>
+          <a:lstStyle/>
+          <a:p>
+            <a:pPr algn="ctr"/>
+            <a:endParaRPr lang="en-AU"/>
+          </a:p>
+        </p:txBody>
+      </p:sp>
+      <p:sp>
+        <p:nvSpPr>
+          <p:cNvPr id="33" name="Flowchart: Alternate Process 32">
+            <a:extLst>
+              <a:ext uri="{FF2B5EF4-FFF2-40B4-BE49-F238E27FC236}">
+                <a16:creationId xmlns:a16="http://schemas.microsoft.com/office/drawing/2014/main" id="{FFFF84BE-6645-4799-80C8-F49F101E533B}"/>
+              </a:ext>
+            </a:extLst>
+          </p:cNvPr>
+          <p:cNvSpPr/>
+          <p:nvPr/>
+        </p:nvSpPr>
+        <p:spPr>
+          <a:xfrm>
+            <a:off x="6820787" y="1811928"/>
+            <a:ext cx="1898076" cy="272678"/>
+          </a:xfrm>
+          <a:prstGeom prst="flowChartAlternateProcess">
+            <a:avLst/>
+          </a:prstGeom>
+          <a:noFill/>
+          <a:ln>
+            <a:noFill/>
+          </a:ln>
+        </p:spPr>
+        <p:style>
+          <a:lnRef idx="2">
+            <a:schemeClr val="dk1"/>
+          </a:lnRef>
+          <a:fillRef idx="1">
+            <a:schemeClr val="lt1"/>
+          </a:fillRef>
+          <a:effectRef idx="0">
+            <a:schemeClr val="dk1"/>
+          </a:effectRef>
+          <a:fontRef idx="minor">
+            <a:schemeClr val="dk1"/>
+          </a:fontRef>
+        </p:style>
+        <p:txBody>
+          <a:bodyPr rot="0" spcFirstLastPara="0" vertOverflow="overflow" horzOverflow="overflow" vert="horz" wrap="square" lIns="0" tIns="0" rIns="0" bIns="0" numCol="1" spcCol="0" rtlCol="0" fromWordArt="0" anchor="ctr" anchorCtr="0" forceAA="0" compatLnSpc="1">
+            <a:prstTxWarp prst="textNoShape">
+              <a:avLst/>
+            </a:prstTxWarp>
+            <a:noAutofit/>
+          </a:bodyPr>
+          <a:lstStyle/>
+          <a:p>
+            <a:pPr algn="ctr"/>
+            <a:r>
+              <a:rPr lang="en-AU" sz="1400" dirty="0">
+                <a:latin typeface="Consolas" panose="020B0609020204030204" pitchFamily="49" charset="0"/>
+                <a:ea typeface="Yu Gothic" panose="020B0400000000000000" pitchFamily="34" charset="-128"/>
+              </a:rPr>
+              <a:t>B</a:t>
+            </a:r>
+          </a:p>
+        </p:txBody>
+      </p:sp>
+      <p:sp>
+        <p:nvSpPr>
+          <p:cNvPr id="34" name="Flowchart: Alternate Process 33">
+            <a:extLst>
+              <a:ext uri="{FF2B5EF4-FFF2-40B4-BE49-F238E27FC236}">
+                <a16:creationId xmlns:a16="http://schemas.microsoft.com/office/drawing/2014/main" id="{E1F6AE24-25B2-4C2F-9864-25E36DC12718}"/>
+              </a:ext>
+            </a:extLst>
+          </p:cNvPr>
+          <p:cNvSpPr/>
+          <p:nvPr/>
+        </p:nvSpPr>
+        <p:spPr>
+          <a:xfrm>
+            <a:off x="6354111" y="3234098"/>
+            <a:ext cx="249976" cy="194901"/>
+          </a:xfrm>
+          <a:prstGeom prst="flowChartAlternateProcess">
+            <a:avLst/>
+          </a:prstGeom>
+          <a:noFill/>
+          <a:ln>
+            <a:noFill/>
+          </a:ln>
+        </p:spPr>
+        <p:style>
+          <a:lnRef idx="2">
+            <a:schemeClr val="dk1"/>
+          </a:lnRef>
+          <a:fillRef idx="1">
+            <a:schemeClr val="lt1"/>
+          </a:fillRef>
+          <a:effectRef idx="0">
+            <a:schemeClr val="dk1"/>
+          </a:effectRef>
+          <a:fontRef idx="minor">
+            <a:schemeClr val="dk1"/>
+          </a:fontRef>
+        </p:style>
+        <p:txBody>
+          <a:bodyPr rot="0" spcFirstLastPara="0" vertOverflow="overflow" horzOverflow="overflow" vert="horz" wrap="square" lIns="0" tIns="0" rIns="0" bIns="0" numCol="1" spcCol="0" rtlCol="0" fromWordArt="0" anchor="ctr" anchorCtr="0" forceAA="0" compatLnSpc="1">
+            <a:prstTxWarp prst="textNoShape">
+              <a:avLst/>
+            </a:prstTxWarp>
+            <a:noAutofit/>
+          </a:bodyPr>
+          <a:lstStyle/>
+          <a:p>
+            <a:pPr algn="ctr"/>
+            <a:r>
+              <a:rPr lang="en-AU" sz="1400" dirty="0">
+                <a:latin typeface="Consolas" panose="020B0609020204030204" pitchFamily="49" charset="0"/>
+                <a:ea typeface="Yu Gothic" panose="020B0400000000000000" pitchFamily="34" charset="-128"/>
+              </a:rPr>
+              <a:t>D</a:t>
+            </a:r>
+          </a:p>
+        </p:txBody>
+      </p:sp>
+      <p:sp>
+        <p:nvSpPr>
+          <p:cNvPr id="35" name="Flowchart: Alternate Process 34">
+            <a:extLst>
+              <a:ext uri="{FF2B5EF4-FFF2-40B4-BE49-F238E27FC236}">
+                <a16:creationId xmlns:a16="http://schemas.microsoft.com/office/drawing/2014/main" id="{85C6B5FA-850F-4E13-B2B9-B783E6AC3D78}"/>
+              </a:ext>
+            </a:extLst>
+          </p:cNvPr>
+          <p:cNvSpPr/>
+          <p:nvPr/>
+        </p:nvSpPr>
+        <p:spPr>
+          <a:xfrm>
+            <a:off x="4946741" y="3112975"/>
+            <a:ext cx="257973" cy="265410"/>
+          </a:xfrm>
+          <a:prstGeom prst="flowChartAlternateProcess">
+            <a:avLst/>
+          </a:prstGeom>
+          <a:noFill/>
+          <a:ln>
+            <a:noFill/>
+          </a:ln>
+        </p:spPr>
+        <p:style>
+          <a:lnRef idx="2">
+            <a:schemeClr val="dk1"/>
+          </a:lnRef>
+          <a:fillRef idx="1">
+            <a:schemeClr val="lt1"/>
+          </a:fillRef>
+          <a:effectRef idx="0">
+            <a:schemeClr val="dk1"/>
+          </a:effectRef>
+          <a:fontRef idx="minor">
+            <a:schemeClr val="dk1"/>
+          </a:fontRef>
+        </p:style>
+        <p:txBody>
+          <a:bodyPr rot="0" spcFirstLastPara="0" vertOverflow="overflow" horzOverflow="overflow" vert="horz" wrap="square" lIns="0" tIns="0" rIns="0" bIns="0" numCol="1" spcCol="0" rtlCol="0" fromWordArt="0" anchor="ctr" anchorCtr="0" forceAA="0" compatLnSpc="1">
+            <a:prstTxWarp prst="textNoShape">
+              <a:avLst/>
+            </a:prstTxWarp>
+            <a:noAutofit/>
+          </a:bodyPr>
+          <a:lstStyle/>
+          <a:p>
+            <a:pPr algn="ctr"/>
+            <a:r>
+              <a:rPr lang="en-AU" sz="1400" dirty="0">
+                <a:latin typeface="Consolas" panose="020B0609020204030204" pitchFamily="49" charset="0"/>
+                <a:ea typeface="Yu Gothic" panose="020B0400000000000000" pitchFamily="34" charset="-128"/>
+              </a:rPr>
+              <a:t>F</a:t>
+            </a:r>
+          </a:p>
+        </p:txBody>
+      </p:sp>
+      <p:sp>
+        <p:nvSpPr>
+          <p:cNvPr id="36" name="Flowchart: Alternate Process 35">
+            <a:extLst>
+              <a:ext uri="{FF2B5EF4-FFF2-40B4-BE49-F238E27FC236}">
+                <a16:creationId xmlns:a16="http://schemas.microsoft.com/office/drawing/2014/main" id="{6E71456A-0DAA-4344-8EC0-5045BC98EB62}"/>
+              </a:ext>
+            </a:extLst>
+          </p:cNvPr>
+          <p:cNvSpPr/>
+          <p:nvPr/>
+        </p:nvSpPr>
+        <p:spPr>
+          <a:xfrm>
+            <a:off x="2009111" y="3156858"/>
+            <a:ext cx="491142" cy="221528"/>
+          </a:xfrm>
+          <a:prstGeom prst="flowChartAlternateProcess">
+            <a:avLst/>
+          </a:prstGeom>
+          <a:noFill/>
+          <a:ln>
+            <a:noFill/>
+          </a:ln>
+        </p:spPr>
+        <p:style>
+          <a:lnRef idx="2">
+            <a:schemeClr val="dk1"/>
+          </a:lnRef>
+          <a:fillRef idx="1">
+            <a:schemeClr val="lt1"/>
+          </a:fillRef>
+          <a:effectRef idx="0">
+            <a:schemeClr val="dk1"/>
+          </a:effectRef>
+          <a:fontRef idx="minor">
+            <a:schemeClr val="dk1"/>
+          </a:fontRef>
+        </p:style>
+        <p:txBody>
+          <a:bodyPr rot="0" spcFirstLastPara="0" vertOverflow="overflow" horzOverflow="overflow" vert="horz" wrap="square" lIns="0" tIns="0" rIns="0" bIns="0" numCol="1" spcCol="0" rtlCol="0" fromWordArt="0" anchor="ctr" anchorCtr="0" forceAA="0" compatLnSpc="1">
+            <a:prstTxWarp prst="textNoShape">
+              <a:avLst/>
+            </a:prstTxWarp>
+            <a:noAutofit/>
+          </a:bodyPr>
+          <a:lstStyle/>
+          <a:p>
+            <a:pPr algn="ctr"/>
+            <a:r>
+              <a:rPr lang="en-AU" sz="1400" dirty="0">
+                <a:latin typeface="Consolas" panose="020B0609020204030204" pitchFamily="49" charset="0"/>
+                <a:ea typeface="Yu Gothic" panose="020B0400000000000000" pitchFamily="34" charset="-128"/>
+              </a:rPr>
+              <a:t>E</a:t>
+            </a:r>
+          </a:p>
+        </p:txBody>
+      </p:sp>
+      <p:sp>
+        <p:nvSpPr>
+          <p:cNvPr id="37" name="Flowchart: Alternate Process 36">
+            <a:extLst>
+              <a:ext uri="{FF2B5EF4-FFF2-40B4-BE49-F238E27FC236}">
+                <a16:creationId xmlns:a16="http://schemas.microsoft.com/office/drawing/2014/main" id="{2E012F9F-7B2E-4353-B221-1B9EFDD2C955}"/>
+              </a:ext>
+            </a:extLst>
+          </p:cNvPr>
+          <p:cNvSpPr/>
+          <p:nvPr/>
+        </p:nvSpPr>
+        <p:spPr>
+          <a:xfrm>
+            <a:off x="3556384" y="3208910"/>
+            <a:ext cx="235810" cy="243639"/>
+          </a:xfrm>
+          <a:prstGeom prst="flowChartAlternateProcess">
+            <a:avLst/>
+          </a:prstGeom>
+          <a:noFill/>
+          <a:ln>
+            <a:noFill/>
+          </a:ln>
+        </p:spPr>
+        <p:style>
+          <a:lnRef idx="2">
+            <a:schemeClr val="dk1"/>
+          </a:lnRef>
+          <a:fillRef idx="1">
+            <a:schemeClr val="lt1"/>
+          </a:fillRef>
+          <a:effectRef idx="0">
+            <a:schemeClr val="dk1"/>
+          </a:effectRef>
+          <a:fontRef idx="minor">
+            <a:schemeClr val="dk1"/>
+          </a:fontRef>
+        </p:style>
+        <p:txBody>
+          <a:bodyPr rot="0" spcFirstLastPara="0" vertOverflow="overflow" horzOverflow="overflow" vert="horz" wrap="square" lIns="0" tIns="0" rIns="0" bIns="0" numCol="1" spcCol="0" rtlCol="0" fromWordArt="0" anchor="ctr" anchorCtr="0" forceAA="0" compatLnSpc="1">
+            <a:prstTxWarp prst="textNoShape">
+              <a:avLst/>
+            </a:prstTxWarp>
+            <a:noAutofit/>
+          </a:bodyPr>
+          <a:lstStyle/>
+          <a:p>
+            <a:pPr algn="ctr"/>
+            <a:r>
+              <a:rPr lang="en-AU" sz="1400" dirty="0">
+                <a:latin typeface="Consolas" panose="020B0609020204030204" pitchFamily="49" charset="0"/>
+                <a:ea typeface="Yu Gothic" panose="020B0400000000000000" pitchFamily="34" charset="-128"/>
+              </a:rPr>
+              <a:t>C</a:t>
+            </a:r>
+          </a:p>
+        </p:txBody>
+      </p:sp>
+      <p:cxnSp>
+        <p:nvCxnSpPr>
+          <p:cNvPr id="52" name="Connector: Elbow 51">
+            <a:extLst>
+              <a:ext uri="{FF2B5EF4-FFF2-40B4-BE49-F238E27FC236}">
+                <a16:creationId xmlns:a16="http://schemas.microsoft.com/office/drawing/2014/main" id="{59616345-53B9-45F1-98A7-B3AE4A35ADE9}"/>
+              </a:ext>
+            </a:extLst>
+          </p:cNvPr>
+          <p:cNvCxnSpPr>
+            <a:cxnSpLocks/>
+            <a:stCxn id="36" idx="2"/>
+            <a:endCxn id="31" idx="0"/>
+          </p:cNvCxnSpPr>
+          <p:nvPr/>
+        </p:nvCxnSpPr>
+        <p:spPr>
+          <a:xfrm rot="16200000" flipH="1">
+            <a:off x="2222449" y="3410619"/>
+            <a:ext cx="271420" cy="206954"/>
+          </a:xfrm>
+          <a:prstGeom prst="bentConnector2">
+            <a:avLst/>
+          </a:prstGeom>
+          <a:ln>
+            <a:tailEnd type="triangle"/>
+          </a:ln>
+        </p:spPr>
+        <p:style>
+          <a:lnRef idx="3">
+            <a:schemeClr val="accent2"/>
+          </a:lnRef>
+          <a:fillRef idx="0">
+            <a:schemeClr val="accent2"/>
+          </a:fillRef>
+          <a:effectRef idx="2">
+            <a:schemeClr val="accent2"/>
+          </a:effectRef>
+          <a:fontRef idx="minor">
+            <a:schemeClr val="tx1"/>
+          </a:fontRef>
+        </p:style>
+      </p:cxnSp>
+      <p:cxnSp>
+        <p:nvCxnSpPr>
+          <p:cNvPr id="58" name="Connector: Elbow 57">
+            <a:extLst>
+              <a:ext uri="{FF2B5EF4-FFF2-40B4-BE49-F238E27FC236}">
+                <a16:creationId xmlns:a16="http://schemas.microsoft.com/office/drawing/2014/main" id="{1D0846AA-EF54-4B3B-8500-E3F0800A8170}"/>
+              </a:ext>
+            </a:extLst>
+          </p:cNvPr>
+          <p:cNvCxnSpPr>
+            <a:cxnSpLocks/>
+            <a:stCxn id="35" idx="2"/>
+            <a:endCxn id="14" idx="0"/>
+          </p:cNvCxnSpPr>
+          <p:nvPr/>
+        </p:nvCxnSpPr>
+        <p:spPr>
+          <a:xfrm rot="16200000" flipH="1">
+            <a:off x="5065783" y="3388329"/>
+            <a:ext cx="271420" cy="251531"/>
+          </a:xfrm>
+          <a:prstGeom prst="bentConnector2">
+            <a:avLst/>
+          </a:prstGeom>
+          <a:ln>
+            <a:tailEnd type="triangle"/>
+          </a:ln>
+        </p:spPr>
+        <p:style>
+          <a:lnRef idx="3">
+            <a:schemeClr val="accent2"/>
+          </a:lnRef>
+          <a:fillRef idx="0">
+            <a:schemeClr val="accent2"/>
+          </a:fillRef>
+          <a:effectRef idx="2">
+            <a:schemeClr val="accent2"/>
+          </a:effectRef>
+          <a:fontRef idx="minor">
+            <a:schemeClr val="tx1"/>
+          </a:fontRef>
+        </p:style>
+      </p:cxnSp>
+      <p:cxnSp>
+        <p:nvCxnSpPr>
+          <p:cNvPr id="68" name="Straight Arrow Connector 67">
+            <a:extLst>
+              <a:ext uri="{FF2B5EF4-FFF2-40B4-BE49-F238E27FC236}">
+                <a16:creationId xmlns:a16="http://schemas.microsoft.com/office/drawing/2014/main" id="{5A57486A-7CEE-4EB2-8548-6B3C62118D1C}"/>
+              </a:ext>
+            </a:extLst>
+          </p:cNvPr>
+          <p:cNvCxnSpPr>
+            <a:cxnSpLocks/>
+            <a:stCxn id="37" idx="1"/>
+            <a:endCxn id="5" idx="2"/>
+          </p:cNvCxnSpPr>
+          <p:nvPr/>
+        </p:nvCxnSpPr>
+        <p:spPr>
+          <a:xfrm flipH="1">
+            <a:off x="3322909" y="3330730"/>
+            <a:ext cx="233475" cy="0"/>
+          </a:xfrm>
+          <a:prstGeom prst="straightConnector1">
+            <a:avLst/>
+          </a:prstGeom>
+          <a:ln>
+            <a:tailEnd type="triangle"/>
+          </a:ln>
+        </p:spPr>
+        <p:style>
+          <a:lnRef idx="3">
+            <a:schemeClr val="accent2"/>
+          </a:lnRef>
+          <a:fillRef idx="0">
+            <a:schemeClr val="accent2"/>
+          </a:fillRef>
+          <a:effectRef idx="2">
+            <a:schemeClr val="accent2"/>
+          </a:effectRef>
+          <a:fontRef idx="minor">
+            <a:schemeClr val="tx1"/>
+          </a:fontRef>
+        </p:style>
+      </p:cxnSp>
+      <p:cxnSp>
+        <p:nvCxnSpPr>
+          <p:cNvPr id="72" name="Straight Arrow Connector 71">
+            <a:extLst>
+              <a:ext uri="{FF2B5EF4-FFF2-40B4-BE49-F238E27FC236}">
+                <a16:creationId xmlns:a16="http://schemas.microsoft.com/office/drawing/2014/main" id="{DE908FBB-57AD-4E89-8CC6-EC17540CAC52}"/>
+              </a:ext>
+            </a:extLst>
+          </p:cNvPr>
+          <p:cNvCxnSpPr>
+            <a:cxnSpLocks/>
+            <a:stCxn id="34" idx="1"/>
+            <a:endCxn id="24" idx="2"/>
+          </p:cNvCxnSpPr>
+          <p:nvPr/>
+        </p:nvCxnSpPr>
+        <p:spPr>
+          <a:xfrm flipH="1" flipV="1">
+            <a:off x="6174676" y="3330730"/>
+            <a:ext cx="179435" cy="819"/>
+          </a:xfrm>
+          <a:prstGeom prst="straightConnector1">
+            <a:avLst/>
+          </a:prstGeom>
+          <a:ln>
+            <a:tailEnd type="triangle"/>
+          </a:ln>
+        </p:spPr>
+        <p:style>
+          <a:lnRef idx="3">
+            <a:schemeClr val="accent2"/>
+          </a:lnRef>
+          <a:fillRef idx="0">
+            <a:schemeClr val="accent2"/>
+          </a:fillRef>
+          <a:effectRef idx="2">
+            <a:schemeClr val="accent2"/>
+          </a:effectRef>
+          <a:fontRef idx="minor">
+            <a:schemeClr val="tx1"/>
+          </a:fontRef>
+        </p:style>
+      </p:cxnSp>
+      <p:cxnSp>
+        <p:nvCxnSpPr>
+          <p:cNvPr id="78" name="Straight Arrow Connector 77">
+            <a:extLst>
+              <a:ext uri="{FF2B5EF4-FFF2-40B4-BE49-F238E27FC236}">
+                <a16:creationId xmlns:a16="http://schemas.microsoft.com/office/drawing/2014/main" id="{7C8671D5-81C1-4083-8C5B-41F2E39C8250}"/>
+              </a:ext>
+            </a:extLst>
+          </p:cNvPr>
+          <p:cNvCxnSpPr>
+            <a:cxnSpLocks/>
+            <a:stCxn id="33" idx="2"/>
+            <a:endCxn id="23" idx="0"/>
+          </p:cNvCxnSpPr>
+          <p:nvPr/>
+        </p:nvCxnSpPr>
+        <p:spPr>
+          <a:xfrm>
+            <a:off x="7769825" y="2084606"/>
+            <a:ext cx="0" cy="163504"/>
+          </a:xfrm>
+          <a:prstGeom prst="straightConnector1">
+            <a:avLst/>
+          </a:prstGeom>
+          <a:ln>
+            <a:tailEnd type="triangle"/>
+          </a:ln>
+        </p:spPr>
+        <p:style>
+          <a:lnRef idx="3">
+            <a:schemeClr val="accent2"/>
+          </a:lnRef>
+          <a:fillRef idx="0">
+            <a:schemeClr val="accent2"/>
+          </a:fillRef>
+          <a:effectRef idx="2">
+            <a:schemeClr val="accent2"/>
+          </a:effectRef>
+          <a:fontRef idx="minor">
+            <a:schemeClr val="tx1"/>
+          </a:fontRef>
+        </p:style>
+      </p:cxnSp>
+      <p:sp>
+        <p:nvSpPr>
+          <p:cNvPr id="101" name="Flowchart: Alternate Process 100">
+            <a:extLst>
+              <a:ext uri="{FF2B5EF4-FFF2-40B4-BE49-F238E27FC236}">
+                <a16:creationId xmlns:a16="http://schemas.microsoft.com/office/drawing/2014/main" id="{DA0930EB-1BCD-4E08-BE7B-55ADB6E14C84}"/>
+              </a:ext>
+            </a:extLst>
+          </p:cNvPr>
+          <p:cNvSpPr/>
+          <p:nvPr/>
+        </p:nvSpPr>
+        <p:spPr>
+          <a:xfrm>
+            <a:off x="3726474" y="1811928"/>
+            <a:ext cx="1898076" cy="272678"/>
+          </a:xfrm>
+          <a:prstGeom prst="flowChartAlternateProcess">
+            <a:avLst/>
+          </a:prstGeom>
+          <a:noFill/>
+          <a:ln>
+            <a:noFill/>
+          </a:ln>
+        </p:spPr>
+        <p:style>
+          <a:lnRef idx="2">
+            <a:schemeClr val="dk1"/>
+          </a:lnRef>
+          <a:fillRef idx="1">
+            <a:schemeClr val="lt1"/>
+          </a:fillRef>
+          <a:effectRef idx="0">
+            <a:schemeClr val="dk1"/>
+          </a:effectRef>
+          <a:fontRef idx="minor">
+            <a:schemeClr val="dk1"/>
+          </a:fontRef>
+        </p:style>
+        <p:txBody>
+          <a:bodyPr rot="0" spcFirstLastPara="0" vertOverflow="overflow" horzOverflow="overflow" vert="horz" wrap="square" lIns="0" tIns="0" rIns="0" bIns="0" numCol="1" spcCol="0" rtlCol="0" fromWordArt="0" anchor="ctr" anchorCtr="0" forceAA="0" compatLnSpc="1">
+            <a:prstTxWarp prst="textNoShape">
+              <a:avLst/>
+            </a:prstTxWarp>
+            <a:noAutofit/>
+          </a:bodyPr>
+          <a:lstStyle/>
+          <a:p>
+            <a:pPr algn="ctr"/>
+            <a:r>
+              <a:rPr lang="en-AU" sz="1400" dirty="0">
+                <a:latin typeface="Consolas" panose="020B0609020204030204" pitchFamily="49" charset="0"/>
+                <a:ea typeface="Yu Gothic" panose="020B0400000000000000" pitchFamily="34" charset="-128"/>
+              </a:rPr>
+              <a:t>A</a:t>
+            </a:r>
+          </a:p>
+        </p:txBody>
+      </p:sp>
+      <p:cxnSp>
+        <p:nvCxnSpPr>
+          <p:cNvPr id="102" name="Straight Arrow Connector 101">
+            <a:extLst>
+              <a:ext uri="{FF2B5EF4-FFF2-40B4-BE49-F238E27FC236}">
+                <a16:creationId xmlns:a16="http://schemas.microsoft.com/office/drawing/2014/main" id="{928BB33E-5B7F-48AA-8FF8-DC601E833709}"/>
+              </a:ext>
+            </a:extLst>
+          </p:cNvPr>
+          <p:cNvCxnSpPr>
+            <a:cxnSpLocks/>
+            <a:stCxn id="101" idx="2"/>
+          </p:cNvCxnSpPr>
+          <p:nvPr/>
+        </p:nvCxnSpPr>
+        <p:spPr>
+          <a:xfrm>
+            <a:off x="4675512" y="2084606"/>
+            <a:ext cx="0" cy="163504"/>
+          </a:xfrm>
+          <a:prstGeom prst="straightConnector1">
+            <a:avLst/>
+          </a:prstGeom>
+          <a:ln>
+            <a:tailEnd type="triangle"/>
+          </a:ln>
+        </p:spPr>
+        <p:style>
+          <a:lnRef idx="3">
+            <a:schemeClr val="accent2"/>
+          </a:lnRef>
+          <a:fillRef idx="0">
+            <a:schemeClr val="accent2"/>
+          </a:fillRef>
+          <a:effectRef idx="2">
+            <a:schemeClr val="accent2"/>
+          </a:effectRef>
+          <a:fontRef idx="minor">
+            <a:schemeClr val="tx1"/>
+          </a:fontRef>
+        </p:style>
+      </p:cxnSp>
+    </p:spTree>
+    <p:extLst>
+      <p:ext uri="{BB962C8B-B14F-4D97-AF65-F5344CB8AC3E}">
+        <p14:creationId xmlns:p14="http://schemas.microsoft.com/office/powerpoint/2010/main" val="2749352943"/>
+      </p:ext>
+    </p:extLst>
+  </p:cSld>
+  <p:clrMapOvr>
+    <a:masterClrMapping/>
+  </p:clrMapOvr>
+</p:sld>
+</file>
+
+<file path=ppt/slides/slide12.xml><?xml version="1.0" encoding="utf-8"?>
+<p:sld xmlns:a="http://schemas.openxmlformats.org/drawingml/2006/main" xmlns:r="http://schemas.openxmlformats.org/officeDocument/2006/relationships" xmlns:p="http://schemas.openxmlformats.org/presentationml/2006/main">
+  <p:cSld>
+    <p:spTree>
+      <p:nvGrpSpPr>
+        <p:cNvPr id="1" name=""/>
+        <p:cNvGrpSpPr/>
+        <p:nvPr/>
+      </p:nvGrpSpPr>
+      <p:grpSpPr>
+        <a:xfrm>
+          <a:off x="0" y="0"/>
+          <a:ext cx="0" cy="0"/>
+          <a:chOff x="0" y="0"/>
+          <a:chExt cx="0" cy="0"/>
+        </a:xfrm>
+      </p:grpSpPr>
+      <p:grpSp>
+        <p:nvGrpSpPr>
+          <p:cNvPr id="62" name="Group 61">
+            <a:extLst>
+              <a:ext uri="{FF2B5EF4-FFF2-40B4-BE49-F238E27FC236}">
+                <a16:creationId xmlns:a16="http://schemas.microsoft.com/office/drawing/2014/main" id="{1657ED89-1D08-42D0-8E30-42A5C0C6C779}"/>
+              </a:ext>
+            </a:extLst>
+          </p:cNvPr>
+          <p:cNvGrpSpPr/>
+          <p:nvPr/>
+        </p:nvGrpSpPr>
+        <p:grpSpPr>
+          <a:xfrm>
+            <a:off x="6419932" y="3478160"/>
+            <a:ext cx="1239874" cy="1239874"/>
+            <a:chOff x="3151330" y="1709001"/>
+            <a:chExt cx="1239874" cy="1239874"/>
+          </a:xfrm>
+        </p:grpSpPr>
+        <p:sp>
+          <p:nvSpPr>
+            <p:cNvPr id="60" name="Oval 59">
+              <a:extLst>
+                <a:ext uri="{FF2B5EF4-FFF2-40B4-BE49-F238E27FC236}">
+                  <a16:creationId xmlns:a16="http://schemas.microsoft.com/office/drawing/2014/main" id="{0DAC5D4A-27B8-4075-AB59-AB34894CF720}"/>
+                </a:ext>
+              </a:extLst>
+            </p:cNvPr>
+            <p:cNvSpPr/>
+            <p:nvPr/>
+          </p:nvSpPr>
+          <p:spPr>
+            <a:xfrm>
+              <a:off x="3500989" y="2058660"/>
+              <a:ext cx="540557" cy="540557"/>
+            </a:xfrm>
+            <a:prstGeom prst="ellipse">
+              <a:avLst/>
+            </a:prstGeom>
+          </p:spPr>
+          <p:style>
+            <a:lnRef idx="2">
+              <a:schemeClr val="accent6">
+                <a:shade val="50000"/>
+              </a:schemeClr>
+            </a:lnRef>
+            <a:fillRef idx="1">
+              <a:schemeClr val="accent6"/>
+            </a:fillRef>
+            <a:effectRef idx="0">
+              <a:schemeClr val="accent6"/>
+            </a:effectRef>
+            <a:fontRef idx="minor">
+              <a:schemeClr val="lt1"/>
+            </a:fontRef>
+          </p:style>
+          <p:txBody>
+            <a:bodyPr rtlCol="0" anchor="ctr"/>
+            <a:lstStyle/>
+            <a:p>
+              <a:pPr algn="ctr"/>
+              <a:r>
+                <a:rPr lang="en-AU" sz="1400" dirty="0">
+                  <a:latin typeface="Consolas" panose="020B0609020204030204" pitchFamily="49" charset="0"/>
+                </a:rPr>
+                <a:t>S</a:t>
+              </a:r>
+            </a:p>
+          </p:txBody>
+        </p:sp>
+        <p:sp>
+          <p:nvSpPr>
+            <p:cNvPr id="61" name="Arrow: Circular 60">
+              <a:extLst>
+                <a:ext uri="{FF2B5EF4-FFF2-40B4-BE49-F238E27FC236}">
+                  <a16:creationId xmlns:a16="http://schemas.microsoft.com/office/drawing/2014/main" id="{71273272-994D-44F3-AF36-E43B4FF07AB9}"/>
+                </a:ext>
+              </a:extLst>
+            </p:cNvPr>
+            <p:cNvSpPr/>
+            <p:nvPr/>
+          </p:nvSpPr>
+          <p:spPr>
+            <a:xfrm>
+              <a:off x="3151330" y="1709001"/>
+              <a:ext cx="1239874" cy="1239874"/>
+            </a:xfrm>
+            <a:prstGeom prst="circularArrow">
+              <a:avLst>
+                <a:gd name="adj1" fmla="val 3933"/>
+                <a:gd name="adj2" fmla="val 1142319"/>
+                <a:gd name="adj3" fmla="val 20457683"/>
+                <a:gd name="adj4" fmla="val 10800000"/>
+                <a:gd name="adj5" fmla="val 12500"/>
+              </a:avLst>
+            </a:prstGeom>
+          </p:spPr>
+          <p:style>
+            <a:lnRef idx="2">
+              <a:schemeClr val="accent6">
+                <a:shade val="50000"/>
+              </a:schemeClr>
+            </a:lnRef>
+            <a:fillRef idx="1">
+              <a:schemeClr val="accent6"/>
+            </a:fillRef>
+            <a:effectRef idx="0">
+              <a:schemeClr val="accent6"/>
+            </a:effectRef>
+            <a:fontRef idx="minor">
+              <a:schemeClr val="lt1"/>
+            </a:fontRef>
+          </p:style>
+          <p:txBody>
+            <a:bodyPr rtlCol="0" anchor="ctr"/>
+            <a:lstStyle/>
+            <a:p>
+              <a:pPr algn="ctr"/>
+              <a:endParaRPr lang="en-AU" sz="1400">
+                <a:solidFill>
+                  <a:schemeClr val="tx1"/>
+                </a:solidFill>
+                <a:latin typeface="Consolas" panose="020B0609020204030204" pitchFamily="49" charset="0"/>
+              </a:endParaRPr>
+            </a:p>
+          </p:txBody>
+        </p:sp>
+      </p:grpSp>
+      <p:cxnSp>
+        <p:nvCxnSpPr>
+          <p:cNvPr id="64" name="Connector: Curved 63">
+            <a:extLst>
+              <a:ext uri="{FF2B5EF4-FFF2-40B4-BE49-F238E27FC236}">
+                <a16:creationId xmlns:a16="http://schemas.microsoft.com/office/drawing/2014/main" id="{499A8BBB-E29F-47C0-915F-385AFACA7493}"/>
+              </a:ext>
+            </a:extLst>
+          </p:cNvPr>
+          <p:cNvCxnSpPr>
+            <a:stCxn id="4" idx="0"/>
+            <a:endCxn id="5" idx="0"/>
+          </p:cNvCxnSpPr>
+          <p:nvPr/>
+        </p:nvCxnSpPr>
+        <p:spPr>
+          <a:xfrm rot="5400000" flipH="1" flipV="1">
+            <a:off x="5842561" y="262701"/>
+            <a:ext cx="12700" cy="2394616"/>
+          </a:xfrm>
+          <a:prstGeom prst="curvedConnector3">
+            <a:avLst>
+              <a:gd name="adj1" fmla="val 5857465"/>
+            </a:avLst>
+          </a:prstGeom>
+          <a:ln w="254000">
+            <a:solidFill>
+              <a:schemeClr val="accent4"/>
+            </a:solidFill>
+          </a:ln>
+        </p:spPr>
+        <p:style>
+          <a:lnRef idx="1">
+            <a:schemeClr val="accent1"/>
+          </a:lnRef>
+          <a:fillRef idx="0">
+            <a:schemeClr val="accent1"/>
+          </a:fillRef>
+          <a:effectRef idx="0">
+            <a:schemeClr val="accent1"/>
+          </a:effectRef>
+          <a:fontRef idx="minor">
+            <a:schemeClr val="tx1"/>
+          </a:fontRef>
+        </p:style>
+      </p:cxnSp>
+      <p:sp>
+        <p:nvSpPr>
+          <p:cNvPr id="4" name="Rectangle 3">
+            <a:extLst>
+              <a:ext uri="{FF2B5EF4-FFF2-40B4-BE49-F238E27FC236}">
+                <a16:creationId xmlns:a16="http://schemas.microsoft.com/office/drawing/2014/main" id="{DAED2A1F-D015-42BC-897A-C58EC650749B}"/>
+              </a:ext>
+            </a:extLst>
+          </p:cNvPr>
+          <p:cNvSpPr/>
+          <p:nvPr/>
+        </p:nvSpPr>
+        <p:spPr>
+          <a:xfrm>
+            <a:off x="4102170" y="1460009"/>
+            <a:ext cx="1086166" cy="1086166"/>
+          </a:xfrm>
+          <a:prstGeom prst="rect">
+            <a:avLst/>
+          </a:prstGeom>
+        </p:spPr>
+        <p:style>
+          <a:lnRef idx="2">
+            <a:schemeClr val="accent1">
+              <a:shade val="50000"/>
+            </a:schemeClr>
+          </a:lnRef>
+          <a:fillRef idx="1">
+            <a:schemeClr val="accent1"/>
+          </a:fillRef>
+          <a:effectRef idx="0">
+            <a:schemeClr val="accent1"/>
+          </a:effectRef>
+          <a:fontRef idx="minor">
+            <a:schemeClr val="lt1"/>
+          </a:fontRef>
+        </p:style>
+        <p:txBody>
+          <a:bodyPr rtlCol="0" anchor="ctr"/>
+          <a:lstStyle/>
+          <a:p>
+            <a:pPr algn="ctr"/>
+            <a:endParaRPr lang="en-AU"/>
+          </a:p>
+        </p:txBody>
+      </p:sp>
+      <p:sp>
+        <p:nvSpPr>
+          <p:cNvPr id="5" name="Rectangle 4">
+            <a:extLst>
+              <a:ext uri="{FF2B5EF4-FFF2-40B4-BE49-F238E27FC236}">
+                <a16:creationId xmlns:a16="http://schemas.microsoft.com/office/drawing/2014/main" id="{EE268271-C25B-4541-9A56-8E639BBC018A}"/>
+              </a:ext>
+            </a:extLst>
+          </p:cNvPr>
+          <p:cNvSpPr/>
+          <p:nvPr/>
+        </p:nvSpPr>
+        <p:spPr>
+          <a:xfrm>
+            <a:off x="6496786" y="1460009"/>
+            <a:ext cx="1086166" cy="1086166"/>
+          </a:xfrm>
+          <a:prstGeom prst="rect">
+            <a:avLst/>
+          </a:prstGeom>
+        </p:spPr>
+        <p:style>
+          <a:lnRef idx="2">
+            <a:schemeClr val="accent1">
+              <a:shade val="50000"/>
+            </a:schemeClr>
+          </a:lnRef>
+          <a:fillRef idx="1">
+            <a:schemeClr val="accent1"/>
+          </a:fillRef>
+          <a:effectRef idx="0">
+            <a:schemeClr val="accent1"/>
+          </a:effectRef>
+          <a:fontRef idx="minor">
+            <a:schemeClr val="lt1"/>
+          </a:fontRef>
+        </p:style>
+        <p:txBody>
+          <a:bodyPr rtlCol="0" anchor="ctr"/>
+          <a:lstStyle/>
+          <a:p>
+            <a:pPr algn="ctr"/>
+            <a:endParaRPr lang="en-AU"/>
+          </a:p>
+        </p:txBody>
+      </p:sp>
+      <p:grpSp>
+        <p:nvGrpSpPr>
+          <p:cNvPr id="72" name="Group 71">
+            <a:extLst>
+              <a:ext uri="{FF2B5EF4-FFF2-40B4-BE49-F238E27FC236}">
+                <a16:creationId xmlns:a16="http://schemas.microsoft.com/office/drawing/2014/main" id="{AEC337A8-0B62-4D25-896C-68DAC2FD4ED7}"/>
+              </a:ext>
+            </a:extLst>
+          </p:cNvPr>
+          <p:cNvGrpSpPr/>
+          <p:nvPr/>
+        </p:nvGrpSpPr>
+        <p:grpSpPr>
+          <a:xfrm>
+            <a:off x="3849573" y="3671420"/>
+            <a:ext cx="1591359" cy="608548"/>
+            <a:chOff x="3819262" y="3788950"/>
+            <a:chExt cx="1591359" cy="608548"/>
+          </a:xfrm>
+        </p:grpSpPr>
+        <p:grpSp>
+          <p:nvGrpSpPr>
+            <p:cNvPr id="66" name="Group 65">
+              <a:extLst>
+                <a:ext uri="{FF2B5EF4-FFF2-40B4-BE49-F238E27FC236}">
+                  <a16:creationId xmlns:a16="http://schemas.microsoft.com/office/drawing/2014/main" id="{1F6D47E2-192C-4258-B45E-1A20A337D354}"/>
+                </a:ext>
+              </a:extLst>
+            </p:cNvPr>
+            <p:cNvGrpSpPr/>
+            <p:nvPr/>
+          </p:nvGrpSpPr>
+          <p:grpSpPr>
+            <a:xfrm>
+              <a:off x="3978561" y="3879496"/>
+              <a:ext cx="1272761" cy="427457"/>
+              <a:chOff x="3985330" y="3884369"/>
+              <a:chExt cx="1272761" cy="427457"/>
+            </a:xfrm>
+          </p:grpSpPr>
+          <p:grpSp>
+            <p:nvGrpSpPr>
+              <p:cNvPr id="8" name="Group 7">
+                <a:extLst>
+                  <a:ext uri="{FF2B5EF4-FFF2-40B4-BE49-F238E27FC236}">
+                    <a16:creationId xmlns:a16="http://schemas.microsoft.com/office/drawing/2014/main" id="{844AC5F1-5564-48B7-B194-979B26D90497}"/>
+                  </a:ext>
+                </a:extLst>
+              </p:cNvPr>
+              <p:cNvGrpSpPr/>
+              <p:nvPr/>
+            </p:nvGrpSpPr>
+            <p:grpSpPr>
+              <a:xfrm>
+                <a:off x="3985330" y="3884369"/>
+                <a:ext cx="1272761" cy="152176"/>
+                <a:chOff x="619066" y="1709531"/>
+                <a:chExt cx="1448273" cy="252739"/>
+              </a:xfrm>
+            </p:grpSpPr>
+            <p:cxnSp>
+              <p:nvCxnSpPr>
+                <p:cNvPr id="32" name="Straight Arrow Connector 31">
+                  <a:extLst>
+                    <a:ext uri="{FF2B5EF4-FFF2-40B4-BE49-F238E27FC236}">
+                      <a16:creationId xmlns:a16="http://schemas.microsoft.com/office/drawing/2014/main" id="{323B8EE9-E9DC-43B0-8A48-5A15EB6B8452}"/>
+                    </a:ext>
+                  </a:extLst>
+                </p:cNvPr>
+                <p:cNvCxnSpPr>
+                  <a:cxnSpLocks/>
+                </p:cNvCxnSpPr>
+                <p:nvPr/>
+              </p:nvCxnSpPr>
+              <p:spPr>
+                <a:xfrm>
+                  <a:off x="619066" y="1709531"/>
+                  <a:ext cx="0" cy="252739"/>
+                </a:xfrm>
+                <a:prstGeom prst="straightConnector1">
+                  <a:avLst/>
+                </a:prstGeom>
+                <a:noFill/>
+                <a:ln w="19050" cap="flat" cmpd="sng" algn="ctr">
+                  <a:solidFill>
+                    <a:srgbClr val="70AD47"/>
+                  </a:solidFill>
+                  <a:prstDash val="solid"/>
+                  <a:miter lim="800000"/>
+                  <a:tailEnd type="triangle"/>
+                </a:ln>
+                <a:effectLst/>
+              </p:spPr>
+            </p:cxnSp>
+            <p:cxnSp>
+              <p:nvCxnSpPr>
+                <p:cNvPr id="33" name="Straight Arrow Connector 32">
+                  <a:extLst>
+                    <a:ext uri="{FF2B5EF4-FFF2-40B4-BE49-F238E27FC236}">
+                      <a16:creationId xmlns:a16="http://schemas.microsoft.com/office/drawing/2014/main" id="{AD588BAD-0D60-41DB-8D21-45510942A380}"/>
+                    </a:ext>
+                  </a:extLst>
+                </p:cNvPr>
+                <p:cNvCxnSpPr>
+                  <a:cxnSpLocks/>
+                </p:cNvCxnSpPr>
+                <p:nvPr/>
+              </p:nvCxnSpPr>
+              <p:spPr>
+                <a:xfrm>
+                  <a:off x="825962" y="1709531"/>
+                  <a:ext cx="0" cy="252739"/>
+                </a:xfrm>
+                <a:prstGeom prst="straightConnector1">
+                  <a:avLst/>
+                </a:prstGeom>
+                <a:noFill/>
+                <a:ln w="19050" cap="flat" cmpd="sng" algn="ctr">
+                  <a:solidFill>
+                    <a:srgbClr val="70AD47"/>
+                  </a:solidFill>
+                  <a:prstDash val="solid"/>
+                  <a:miter lim="800000"/>
+                  <a:tailEnd type="triangle"/>
+                </a:ln>
+                <a:effectLst/>
+              </p:spPr>
+            </p:cxnSp>
+            <p:cxnSp>
+              <p:nvCxnSpPr>
+                <p:cNvPr id="34" name="Straight Arrow Connector 33">
+                  <a:extLst>
+                    <a:ext uri="{FF2B5EF4-FFF2-40B4-BE49-F238E27FC236}">
+                      <a16:creationId xmlns:a16="http://schemas.microsoft.com/office/drawing/2014/main" id="{45614AFA-1920-45AB-AA56-19F674CCD2DD}"/>
+                    </a:ext>
+                  </a:extLst>
+                </p:cNvPr>
+                <p:cNvCxnSpPr>
+                  <a:cxnSpLocks/>
+                </p:cNvCxnSpPr>
+                <p:nvPr/>
+              </p:nvCxnSpPr>
+              <p:spPr>
+                <a:xfrm>
+                  <a:off x="1032858" y="1709531"/>
+                  <a:ext cx="0" cy="252739"/>
+                </a:xfrm>
+                <a:prstGeom prst="straightConnector1">
+                  <a:avLst/>
+                </a:prstGeom>
+                <a:noFill/>
+                <a:ln w="19050" cap="flat" cmpd="sng" algn="ctr">
+                  <a:solidFill>
+                    <a:srgbClr val="70AD47"/>
+                  </a:solidFill>
+                  <a:prstDash val="solid"/>
+                  <a:miter lim="800000"/>
+                  <a:tailEnd type="triangle"/>
+                </a:ln>
+                <a:effectLst/>
+              </p:spPr>
+            </p:cxnSp>
+            <p:cxnSp>
+              <p:nvCxnSpPr>
+                <p:cNvPr id="35" name="Straight Arrow Connector 34">
+                  <a:extLst>
+                    <a:ext uri="{FF2B5EF4-FFF2-40B4-BE49-F238E27FC236}">
+                      <a16:creationId xmlns:a16="http://schemas.microsoft.com/office/drawing/2014/main" id="{7D459428-9A38-4DCE-B705-1B1D22805C5C}"/>
+                    </a:ext>
+                  </a:extLst>
+                </p:cNvPr>
+                <p:cNvCxnSpPr>
+                  <a:cxnSpLocks/>
+                </p:cNvCxnSpPr>
+                <p:nvPr/>
+              </p:nvCxnSpPr>
+              <p:spPr>
+                <a:xfrm>
+                  <a:off x="1239754" y="1709531"/>
+                  <a:ext cx="0" cy="252739"/>
+                </a:xfrm>
+                <a:prstGeom prst="straightConnector1">
+                  <a:avLst/>
+                </a:prstGeom>
+                <a:noFill/>
+                <a:ln w="19050" cap="flat" cmpd="sng" algn="ctr">
+                  <a:solidFill>
+                    <a:srgbClr val="70AD47"/>
+                  </a:solidFill>
+                  <a:prstDash val="solid"/>
+                  <a:miter lim="800000"/>
+                  <a:tailEnd type="triangle"/>
+                </a:ln>
+                <a:effectLst/>
+              </p:spPr>
+            </p:cxnSp>
+            <p:cxnSp>
+              <p:nvCxnSpPr>
+                <p:cNvPr id="36" name="Straight Arrow Connector 35">
+                  <a:extLst>
+                    <a:ext uri="{FF2B5EF4-FFF2-40B4-BE49-F238E27FC236}">
+                      <a16:creationId xmlns:a16="http://schemas.microsoft.com/office/drawing/2014/main" id="{F3EB0BF2-B96C-4DEB-9E6E-A3142C5D3AB8}"/>
+                    </a:ext>
+                  </a:extLst>
+                </p:cNvPr>
+                <p:cNvCxnSpPr>
+                  <a:cxnSpLocks/>
+                </p:cNvCxnSpPr>
+                <p:nvPr/>
+              </p:nvCxnSpPr>
+              <p:spPr>
+                <a:xfrm>
+                  <a:off x="1446650" y="1709531"/>
+                  <a:ext cx="0" cy="252739"/>
+                </a:xfrm>
+                <a:prstGeom prst="straightConnector1">
+                  <a:avLst/>
+                </a:prstGeom>
+                <a:noFill/>
+                <a:ln w="19050" cap="flat" cmpd="sng" algn="ctr">
+                  <a:solidFill>
+                    <a:srgbClr val="70AD47"/>
+                  </a:solidFill>
+                  <a:prstDash val="solid"/>
+                  <a:miter lim="800000"/>
+                  <a:tailEnd type="triangle"/>
+                </a:ln>
+                <a:effectLst/>
+              </p:spPr>
+            </p:cxnSp>
+            <p:cxnSp>
+              <p:nvCxnSpPr>
+                <p:cNvPr id="37" name="Straight Arrow Connector 36">
+                  <a:extLst>
+                    <a:ext uri="{FF2B5EF4-FFF2-40B4-BE49-F238E27FC236}">
+                      <a16:creationId xmlns:a16="http://schemas.microsoft.com/office/drawing/2014/main" id="{8571739C-D4DA-4440-A428-5024535E21BB}"/>
+                    </a:ext>
+                  </a:extLst>
+                </p:cNvPr>
+                <p:cNvCxnSpPr>
+                  <a:cxnSpLocks/>
+                </p:cNvCxnSpPr>
+                <p:nvPr/>
+              </p:nvCxnSpPr>
+              <p:spPr>
+                <a:xfrm>
+                  <a:off x="1653546" y="1709531"/>
+                  <a:ext cx="0" cy="252739"/>
+                </a:xfrm>
+                <a:prstGeom prst="straightConnector1">
+                  <a:avLst/>
+                </a:prstGeom>
+                <a:noFill/>
+                <a:ln w="19050" cap="flat" cmpd="sng" algn="ctr">
+                  <a:solidFill>
+                    <a:srgbClr val="70AD47"/>
+                  </a:solidFill>
+                  <a:prstDash val="solid"/>
+                  <a:miter lim="800000"/>
+                  <a:tailEnd type="triangle"/>
+                </a:ln>
+                <a:effectLst/>
+              </p:spPr>
+            </p:cxnSp>
+            <p:cxnSp>
+              <p:nvCxnSpPr>
+                <p:cNvPr id="38" name="Straight Arrow Connector 37">
+                  <a:extLst>
+                    <a:ext uri="{FF2B5EF4-FFF2-40B4-BE49-F238E27FC236}">
+                      <a16:creationId xmlns:a16="http://schemas.microsoft.com/office/drawing/2014/main" id="{848C8C8F-5FD3-4926-BFB0-A8BE7D65C083}"/>
+                    </a:ext>
+                  </a:extLst>
+                </p:cNvPr>
+                <p:cNvCxnSpPr>
+                  <a:cxnSpLocks/>
+                </p:cNvCxnSpPr>
+                <p:nvPr/>
+              </p:nvCxnSpPr>
+              <p:spPr>
+                <a:xfrm>
+                  <a:off x="1860442" y="1709531"/>
+                  <a:ext cx="0" cy="252739"/>
+                </a:xfrm>
+                <a:prstGeom prst="straightConnector1">
+                  <a:avLst/>
+                </a:prstGeom>
+                <a:noFill/>
+                <a:ln w="19050" cap="flat" cmpd="sng" algn="ctr">
+                  <a:solidFill>
+                    <a:srgbClr val="70AD47"/>
+                  </a:solidFill>
+                  <a:prstDash val="solid"/>
+                  <a:miter lim="800000"/>
+                  <a:tailEnd type="triangle"/>
+                </a:ln>
+                <a:effectLst/>
+              </p:spPr>
+            </p:cxnSp>
+            <p:cxnSp>
+              <p:nvCxnSpPr>
+                <p:cNvPr id="39" name="Straight Arrow Connector 38">
+                  <a:extLst>
+                    <a:ext uri="{FF2B5EF4-FFF2-40B4-BE49-F238E27FC236}">
+                      <a16:creationId xmlns:a16="http://schemas.microsoft.com/office/drawing/2014/main" id="{6E88BC54-3353-41A2-81F4-354966491C23}"/>
+                    </a:ext>
+                  </a:extLst>
+                </p:cNvPr>
+                <p:cNvCxnSpPr>
+                  <a:cxnSpLocks/>
+                </p:cNvCxnSpPr>
+                <p:nvPr/>
+              </p:nvCxnSpPr>
+              <p:spPr>
+                <a:xfrm>
+                  <a:off x="2067339" y="1709531"/>
+                  <a:ext cx="0" cy="252739"/>
+                </a:xfrm>
+                <a:prstGeom prst="straightConnector1">
+                  <a:avLst/>
+                </a:prstGeom>
+                <a:noFill/>
+                <a:ln w="19050" cap="flat" cmpd="sng" algn="ctr">
+                  <a:solidFill>
+                    <a:srgbClr val="70AD47"/>
+                  </a:solidFill>
+                  <a:prstDash val="solid"/>
+                  <a:miter lim="800000"/>
+                  <a:tailEnd type="triangle"/>
+                </a:ln>
+                <a:effectLst/>
+              </p:spPr>
+            </p:cxnSp>
+          </p:grpSp>
+          <p:grpSp>
+            <p:nvGrpSpPr>
+              <p:cNvPr id="9" name="Group 8">
+                <a:extLst>
+                  <a:ext uri="{FF2B5EF4-FFF2-40B4-BE49-F238E27FC236}">
+                    <a16:creationId xmlns:a16="http://schemas.microsoft.com/office/drawing/2014/main" id="{ABCC86A1-DABF-4167-BCFF-BF8C51471345}"/>
+                  </a:ext>
+                </a:extLst>
+              </p:cNvPr>
+              <p:cNvGrpSpPr/>
+              <p:nvPr/>
+            </p:nvGrpSpPr>
+            <p:grpSpPr>
+              <a:xfrm rot="10800000">
+                <a:off x="3985330" y="4159650"/>
+                <a:ext cx="1272761" cy="152176"/>
+                <a:chOff x="619066" y="1709531"/>
+                <a:chExt cx="1448273" cy="252739"/>
+              </a:xfrm>
+              <a:solidFill>
+                <a:srgbClr val="0070C0"/>
+              </a:solidFill>
+            </p:grpSpPr>
+            <p:cxnSp>
+              <p:nvCxnSpPr>
+                <p:cNvPr id="24" name="Straight Arrow Connector 23">
+                  <a:extLst>
+                    <a:ext uri="{FF2B5EF4-FFF2-40B4-BE49-F238E27FC236}">
+                      <a16:creationId xmlns:a16="http://schemas.microsoft.com/office/drawing/2014/main" id="{659BCDA4-D2C8-49D3-A1DC-D8ECD50F235A}"/>
+                    </a:ext>
+                  </a:extLst>
+                </p:cNvPr>
+                <p:cNvCxnSpPr>
+                  <a:cxnSpLocks/>
+                </p:cNvCxnSpPr>
+                <p:nvPr/>
+              </p:nvCxnSpPr>
+              <p:spPr>
+                <a:xfrm>
+                  <a:off x="619066" y="1709531"/>
+                  <a:ext cx="0" cy="252739"/>
+                </a:xfrm>
+                <a:prstGeom prst="straightConnector1">
+                  <a:avLst/>
+                </a:prstGeom>
+                <a:grpFill/>
+                <a:ln w="19050" cap="flat" cmpd="sng" algn="ctr">
+                  <a:solidFill>
+                    <a:srgbClr val="0070C0"/>
+                  </a:solidFill>
+                  <a:prstDash val="solid"/>
+                  <a:miter lim="800000"/>
+                  <a:tailEnd type="triangle"/>
+                </a:ln>
+                <a:effectLst/>
+              </p:spPr>
+            </p:cxnSp>
+            <p:cxnSp>
+              <p:nvCxnSpPr>
+                <p:cNvPr id="25" name="Straight Arrow Connector 24">
+                  <a:extLst>
+                    <a:ext uri="{FF2B5EF4-FFF2-40B4-BE49-F238E27FC236}">
+                      <a16:creationId xmlns:a16="http://schemas.microsoft.com/office/drawing/2014/main" id="{DEE0BCDF-7CF8-4C5F-BCEB-7FF1332095F6}"/>
+                    </a:ext>
+                  </a:extLst>
+                </p:cNvPr>
+                <p:cNvCxnSpPr>
+                  <a:cxnSpLocks/>
+                </p:cNvCxnSpPr>
+                <p:nvPr/>
+              </p:nvCxnSpPr>
+              <p:spPr>
+                <a:xfrm>
+                  <a:off x="825962" y="1709531"/>
+                  <a:ext cx="0" cy="252739"/>
+                </a:xfrm>
+                <a:prstGeom prst="straightConnector1">
+                  <a:avLst/>
+                </a:prstGeom>
+                <a:grpFill/>
+                <a:ln w="19050" cap="flat" cmpd="sng" algn="ctr">
+                  <a:solidFill>
+                    <a:srgbClr val="0070C0"/>
+                  </a:solidFill>
+                  <a:prstDash val="solid"/>
+                  <a:miter lim="800000"/>
+                  <a:tailEnd type="triangle"/>
+                </a:ln>
+                <a:effectLst/>
+              </p:spPr>
+            </p:cxnSp>
+            <p:cxnSp>
+              <p:nvCxnSpPr>
+                <p:cNvPr id="26" name="Straight Arrow Connector 25">
+                  <a:extLst>
+                    <a:ext uri="{FF2B5EF4-FFF2-40B4-BE49-F238E27FC236}">
+                      <a16:creationId xmlns:a16="http://schemas.microsoft.com/office/drawing/2014/main" id="{69D9A547-FF71-4473-8D52-94628153BD76}"/>
+                    </a:ext>
+                  </a:extLst>
+                </p:cNvPr>
+                <p:cNvCxnSpPr>
+                  <a:cxnSpLocks/>
+                </p:cNvCxnSpPr>
+                <p:nvPr/>
+              </p:nvCxnSpPr>
+              <p:spPr>
+                <a:xfrm>
+                  <a:off x="1032858" y="1709531"/>
+                  <a:ext cx="0" cy="252739"/>
+                </a:xfrm>
+                <a:prstGeom prst="straightConnector1">
+                  <a:avLst/>
+                </a:prstGeom>
+                <a:grpFill/>
+                <a:ln w="19050" cap="flat" cmpd="sng" algn="ctr">
+                  <a:solidFill>
+                    <a:srgbClr val="0070C0"/>
+                  </a:solidFill>
+                  <a:prstDash val="solid"/>
+                  <a:miter lim="800000"/>
+                  <a:tailEnd type="triangle"/>
+                </a:ln>
+                <a:effectLst/>
+              </p:spPr>
+            </p:cxnSp>
+            <p:cxnSp>
+              <p:nvCxnSpPr>
+                <p:cNvPr id="27" name="Straight Arrow Connector 26">
+                  <a:extLst>
+                    <a:ext uri="{FF2B5EF4-FFF2-40B4-BE49-F238E27FC236}">
+                      <a16:creationId xmlns:a16="http://schemas.microsoft.com/office/drawing/2014/main" id="{6AD5A5FD-CE09-4793-AA69-1CD5BA5A5C40}"/>
+                    </a:ext>
+                  </a:extLst>
+                </p:cNvPr>
+                <p:cNvCxnSpPr>
+                  <a:cxnSpLocks/>
+                </p:cNvCxnSpPr>
+                <p:nvPr/>
+              </p:nvCxnSpPr>
+              <p:spPr>
+                <a:xfrm>
+                  <a:off x="1239754" y="1709531"/>
+                  <a:ext cx="0" cy="252739"/>
+                </a:xfrm>
+                <a:prstGeom prst="straightConnector1">
+                  <a:avLst/>
+                </a:prstGeom>
+                <a:grpFill/>
+                <a:ln w="19050" cap="flat" cmpd="sng" algn="ctr">
+                  <a:solidFill>
+                    <a:srgbClr val="0070C0"/>
+                  </a:solidFill>
+                  <a:prstDash val="solid"/>
+                  <a:miter lim="800000"/>
+                  <a:tailEnd type="triangle"/>
+                </a:ln>
+                <a:effectLst/>
+              </p:spPr>
+            </p:cxnSp>
+            <p:cxnSp>
+              <p:nvCxnSpPr>
+                <p:cNvPr id="28" name="Straight Arrow Connector 27">
+                  <a:extLst>
+                    <a:ext uri="{FF2B5EF4-FFF2-40B4-BE49-F238E27FC236}">
+                      <a16:creationId xmlns:a16="http://schemas.microsoft.com/office/drawing/2014/main" id="{B79E4F55-146A-4C5E-BCA4-65967EF480E3}"/>
+                    </a:ext>
+                  </a:extLst>
+                </p:cNvPr>
+                <p:cNvCxnSpPr>
+                  <a:cxnSpLocks/>
+                </p:cNvCxnSpPr>
+                <p:nvPr/>
+              </p:nvCxnSpPr>
+              <p:spPr>
+                <a:xfrm>
+                  <a:off x="1446650" y="1709531"/>
+                  <a:ext cx="0" cy="252739"/>
+                </a:xfrm>
+                <a:prstGeom prst="straightConnector1">
+                  <a:avLst/>
+                </a:prstGeom>
+                <a:grpFill/>
+                <a:ln w="19050" cap="flat" cmpd="sng" algn="ctr">
+                  <a:solidFill>
+                    <a:srgbClr val="0070C0"/>
+                  </a:solidFill>
+                  <a:prstDash val="solid"/>
+                  <a:miter lim="800000"/>
+                  <a:tailEnd type="triangle"/>
+                </a:ln>
+                <a:effectLst/>
+              </p:spPr>
+            </p:cxnSp>
+            <p:cxnSp>
+              <p:nvCxnSpPr>
+                <p:cNvPr id="29" name="Straight Arrow Connector 28">
+                  <a:extLst>
+                    <a:ext uri="{FF2B5EF4-FFF2-40B4-BE49-F238E27FC236}">
+                      <a16:creationId xmlns:a16="http://schemas.microsoft.com/office/drawing/2014/main" id="{CE5796FA-EFBE-4023-AB9B-C50DA0071BC5}"/>
+                    </a:ext>
+                  </a:extLst>
+                </p:cNvPr>
+                <p:cNvCxnSpPr>
+                  <a:cxnSpLocks/>
+                </p:cNvCxnSpPr>
+                <p:nvPr/>
+              </p:nvCxnSpPr>
+              <p:spPr>
+                <a:xfrm>
+                  <a:off x="1653546" y="1709531"/>
+                  <a:ext cx="0" cy="252739"/>
+                </a:xfrm>
+                <a:prstGeom prst="straightConnector1">
+                  <a:avLst/>
+                </a:prstGeom>
+                <a:grpFill/>
+                <a:ln w="19050" cap="flat" cmpd="sng" algn="ctr">
+                  <a:solidFill>
+                    <a:srgbClr val="0070C0"/>
+                  </a:solidFill>
+                  <a:prstDash val="solid"/>
+                  <a:miter lim="800000"/>
+                  <a:tailEnd type="triangle"/>
+                </a:ln>
+                <a:effectLst/>
+              </p:spPr>
+            </p:cxnSp>
+            <p:cxnSp>
+              <p:nvCxnSpPr>
+                <p:cNvPr id="30" name="Straight Arrow Connector 29">
+                  <a:extLst>
+                    <a:ext uri="{FF2B5EF4-FFF2-40B4-BE49-F238E27FC236}">
+                      <a16:creationId xmlns:a16="http://schemas.microsoft.com/office/drawing/2014/main" id="{2AB4C51E-1336-404F-8915-CF296C0EA748}"/>
+                    </a:ext>
+                  </a:extLst>
+                </p:cNvPr>
+                <p:cNvCxnSpPr>
+                  <a:cxnSpLocks/>
+                </p:cNvCxnSpPr>
+                <p:nvPr/>
+              </p:nvCxnSpPr>
+              <p:spPr>
+                <a:xfrm>
+                  <a:off x="1860442" y="1709531"/>
+                  <a:ext cx="0" cy="252739"/>
+                </a:xfrm>
+                <a:prstGeom prst="straightConnector1">
+                  <a:avLst/>
+                </a:prstGeom>
+                <a:grpFill/>
+                <a:ln w="19050" cap="flat" cmpd="sng" algn="ctr">
+                  <a:solidFill>
+                    <a:srgbClr val="0070C0"/>
+                  </a:solidFill>
+                  <a:prstDash val="solid"/>
+                  <a:miter lim="800000"/>
+                  <a:tailEnd type="triangle"/>
+                </a:ln>
+                <a:effectLst/>
+              </p:spPr>
+            </p:cxnSp>
+            <p:cxnSp>
+              <p:nvCxnSpPr>
+                <p:cNvPr id="31" name="Straight Arrow Connector 30">
+                  <a:extLst>
+                    <a:ext uri="{FF2B5EF4-FFF2-40B4-BE49-F238E27FC236}">
+                      <a16:creationId xmlns:a16="http://schemas.microsoft.com/office/drawing/2014/main" id="{8C63026E-CBC4-4810-A298-0B67A9F2F795}"/>
+                    </a:ext>
+                  </a:extLst>
+                </p:cNvPr>
+                <p:cNvCxnSpPr>
+                  <a:cxnSpLocks/>
+                </p:cNvCxnSpPr>
+                <p:nvPr/>
+              </p:nvCxnSpPr>
+              <p:spPr>
+                <a:xfrm>
+                  <a:off x="2067339" y="1709531"/>
+                  <a:ext cx="0" cy="252739"/>
+                </a:xfrm>
+                <a:prstGeom prst="straightConnector1">
+                  <a:avLst/>
+                </a:prstGeom>
+                <a:grpFill/>
+                <a:ln w="19050" cap="flat" cmpd="sng" algn="ctr">
+                  <a:solidFill>
+                    <a:srgbClr val="0070C0"/>
+                  </a:solidFill>
+                  <a:prstDash val="solid"/>
+                  <a:miter lim="800000"/>
+                  <a:tailEnd type="triangle"/>
+                </a:ln>
+                <a:effectLst/>
+              </p:spPr>
+            </p:cxnSp>
+          </p:grpSp>
+          <p:sp>
+            <p:nvSpPr>
+              <p:cNvPr id="10" name="Rectangle 9">
+                <a:extLst>
+                  <a:ext uri="{FF2B5EF4-FFF2-40B4-BE49-F238E27FC236}">
+                    <a16:creationId xmlns:a16="http://schemas.microsoft.com/office/drawing/2014/main" id="{3F636F75-BE4C-4FC5-AFA3-07193A0F09CA}"/>
+                  </a:ext>
+                </a:extLst>
+              </p:cNvPr>
+              <p:cNvSpPr/>
+              <p:nvPr/>
+            </p:nvSpPr>
+            <p:spPr>
+              <a:xfrm>
+                <a:off x="3985330" y="4098098"/>
+                <a:ext cx="1272761" cy="61552"/>
+              </a:xfrm>
+              <a:prstGeom prst="rect">
+                <a:avLst/>
+              </a:prstGeom>
+              <a:solidFill>
+                <a:srgbClr val="0070C0"/>
+              </a:solidFill>
+              <a:ln w="12700" cap="flat" cmpd="sng" algn="ctr">
+                <a:solidFill>
+                  <a:srgbClr val="0070C0"/>
+                </a:solidFill>
+                <a:prstDash val="solid"/>
+                <a:miter lim="800000"/>
+              </a:ln>
+              <a:effectLst/>
+            </p:spPr>
+            <p:txBody>
+              <a:bodyPr rtlCol="0" anchor="ctr"/>
+              <a:lstStyle/>
+              <a:p>
+                <a:pPr marL="0" marR="0" lvl="0" indent="0" algn="ctr" defTabSz="457200" eaLnBrk="1" fontAlgn="auto" latinLnBrk="0" hangingPunct="1">
+                  <a:lnSpc>
+                    <a:spcPct val="100000"/>
+                  </a:lnSpc>
+                  <a:spcBef>
+                    <a:spcPts val="0"/>
+                  </a:spcBef>
+                  <a:spcAft>
+                    <a:spcPts val="0"/>
+                  </a:spcAft>
+                  <a:buClrTx/>
+                  <a:buSzTx/>
+                  <a:buFontTx/>
+                  <a:buNone/>
+                  <a:tabLst/>
+                  <a:defRPr/>
+                </a:pPr>
+                <a:endParaRPr kumimoji="0" lang="en-AU" sz="1400" b="0" i="0" u="none" strike="noStrike" kern="0" cap="none" spc="0" normalizeH="0" baseline="0" noProof="0">
+                  <a:ln>
+                    <a:noFill/>
+                  </a:ln>
+                  <a:solidFill>
+                    <a:srgbClr val="0070C0"/>
+                  </a:solidFill>
+                  <a:effectLst/>
+                  <a:uLnTx/>
+                  <a:uFillTx/>
+                  <a:latin typeface="Calibri" panose="020F0502020204030204"/>
+                  <a:ea typeface="+mn-ea"/>
+                  <a:cs typeface="+mn-cs"/>
+                </a:endParaRPr>
+              </a:p>
+            </p:txBody>
+          </p:sp>
+          <p:sp>
+            <p:nvSpPr>
+              <p:cNvPr id="11" name="Rectangle 10">
+                <a:extLst>
+                  <a:ext uri="{FF2B5EF4-FFF2-40B4-BE49-F238E27FC236}">
+                    <a16:creationId xmlns:a16="http://schemas.microsoft.com/office/drawing/2014/main" id="{8CF9A3B3-E400-4692-92E5-AC16BD609D1F}"/>
+                  </a:ext>
+                </a:extLst>
+              </p:cNvPr>
+              <p:cNvSpPr/>
+              <p:nvPr/>
+            </p:nvSpPr>
+            <p:spPr>
+              <a:xfrm>
+                <a:off x="3985330" y="4036545"/>
+                <a:ext cx="1272761" cy="61552"/>
+              </a:xfrm>
+              <a:prstGeom prst="rect">
+                <a:avLst/>
+              </a:prstGeom>
+              <a:solidFill>
+                <a:srgbClr val="70AD47"/>
+              </a:solidFill>
+              <a:ln w="12700" cap="flat" cmpd="sng" algn="ctr">
+                <a:solidFill>
+                  <a:srgbClr val="70AD47"/>
+                </a:solidFill>
+                <a:prstDash val="solid"/>
+                <a:miter lim="800000"/>
+              </a:ln>
+              <a:effectLst/>
+            </p:spPr>
+            <p:txBody>
+              <a:bodyPr rtlCol="0" anchor="ctr"/>
+              <a:lstStyle/>
+              <a:p>
+                <a:pPr marL="0" marR="0" lvl="0" indent="0" algn="ctr" defTabSz="457200" eaLnBrk="1" fontAlgn="auto" latinLnBrk="0" hangingPunct="1">
+                  <a:lnSpc>
+                    <a:spcPct val="100000"/>
+                  </a:lnSpc>
+                  <a:spcBef>
+                    <a:spcPts val="0"/>
+                  </a:spcBef>
+                  <a:spcAft>
+                    <a:spcPts val="0"/>
+                  </a:spcAft>
+                  <a:buClrTx/>
+                  <a:buSzTx/>
+                  <a:buFontTx/>
+                  <a:buNone/>
+                  <a:tabLst/>
+                  <a:defRPr/>
+                </a:pPr>
+                <a:endParaRPr kumimoji="0" lang="en-AU" sz="1400" b="0" i="0" u="none" strike="noStrike" kern="0" cap="none" spc="0" normalizeH="0" baseline="0" noProof="0">
+                  <a:ln>
+                    <a:noFill/>
+                  </a:ln>
+                  <a:solidFill>
+                    <a:srgbClr val="70AD47"/>
+                  </a:solidFill>
+                  <a:effectLst/>
+                  <a:uLnTx/>
+                  <a:uFillTx/>
+                  <a:latin typeface="Calibri" panose="020F0502020204030204"/>
+                  <a:ea typeface="+mn-ea"/>
+                  <a:cs typeface="+mn-cs"/>
+                </a:endParaRPr>
+              </a:p>
+            </p:txBody>
+          </p:sp>
+        </p:grpSp>
+        <p:sp>
+          <p:nvSpPr>
+            <p:cNvPr id="67" name="Rectangle 66">
+              <a:extLst>
+                <a:ext uri="{FF2B5EF4-FFF2-40B4-BE49-F238E27FC236}">
+                  <a16:creationId xmlns:a16="http://schemas.microsoft.com/office/drawing/2014/main" id="{E77336B2-0D21-495A-928B-2C68590682BF}"/>
+                </a:ext>
+              </a:extLst>
+            </p:cNvPr>
+            <p:cNvSpPr/>
+            <p:nvPr/>
+          </p:nvSpPr>
+          <p:spPr>
+            <a:xfrm>
+              <a:off x="3819262" y="3788950"/>
+              <a:ext cx="1591359" cy="608548"/>
+            </a:xfrm>
+            <a:prstGeom prst="rect">
+              <a:avLst/>
+            </a:prstGeom>
+            <a:noFill/>
+            <a:ln>
+              <a:noFill/>
+            </a:ln>
+          </p:spPr>
+          <p:style>
+            <a:lnRef idx="2">
+              <a:schemeClr val="accent1">
+                <a:shade val="50000"/>
+              </a:schemeClr>
+            </a:lnRef>
+            <a:fillRef idx="1">
+              <a:schemeClr val="accent1"/>
+            </a:fillRef>
+            <a:effectRef idx="0">
+              <a:schemeClr val="accent1"/>
+            </a:effectRef>
+            <a:fontRef idx="minor">
+              <a:schemeClr val="lt1"/>
+            </a:fontRef>
+          </p:style>
+          <p:txBody>
+            <a:bodyPr rtlCol="0" anchor="ctr"/>
+            <a:lstStyle/>
+            <a:p>
+              <a:pPr algn="ctr"/>
+              <a:endParaRPr lang="en-AU"/>
+            </a:p>
+          </p:txBody>
+        </p:sp>
+      </p:grpSp>
+      <p:cxnSp>
+        <p:nvCxnSpPr>
+          <p:cNvPr id="69" name="Straight Arrow Connector 68">
+            <a:extLst>
+              <a:ext uri="{FF2B5EF4-FFF2-40B4-BE49-F238E27FC236}">
+                <a16:creationId xmlns:a16="http://schemas.microsoft.com/office/drawing/2014/main" id="{1A714E0A-87B5-46E4-B052-35045D3A9220}"/>
+              </a:ext>
+            </a:extLst>
+          </p:cNvPr>
+          <p:cNvCxnSpPr>
+            <a:stCxn id="5" idx="2"/>
+            <a:endCxn id="60" idx="0"/>
+          </p:cNvCxnSpPr>
+          <p:nvPr/>
+        </p:nvCxnSpPr>
+        <p:spPr>
+          <a:xfrm>
+            <a:off x="7039869" y="2546175"/>
+            <a:ext cx="1" cy="1281644"/>
+          </a:xfrm>
+          <a:prstGeom prst="straightConnector1">
+            <a:avLst/>
+          </a:prstGeom>
+          <a:ln>
+            <a:tailEnd type="triangle"/>
+          </a:ln>
+        </p:spPr>
+        <p:style>
+          <a:lnRef idx="1">
+            <a:schemeClr val="accent1"/>
+          </a:lnRef>
+          <a:fillRef idx="0">
+            <a:schemeClr val="accent1"/>
+          </a:fillRef>
+          <a:effectRef idx="0">
+            <a:schemeClr val="accent1"/>
+          </a:effectRef>
+          <a:fontRef idx="minor">
+            <a:schemeClr val="tx1"/>
+          </a:fontRef>
+        </p:style>
+      </p:cxnSp>
+      <p:cxnSp>
+        <p:nvCxnSpPr>
+          <p:cNvPr id="71" name="Straight Arrow Connector 70">
+            <a:extLst>
+              <a:ext uri="{FF2B5EF4-FFF2-40B4-BE49-F238E27FC236}">
+                <a16:creationId xmlns:a16="http://schemas.microsoft.com/office/drawing/2014/main" id="{F452C379-1CB1-4600-895F-74F51982F327}"/>
+              </a:ext>
+            </a:extLst>
+          </p:cNvPr>
+          <p:cNvCxnSpPr>
+            <a:stCxn id="67" idx="0"/>
+            <a:endCxn id="4" idx="2"/>
+          </p:cNvCxnSpPr>
+          <p:nvPr/>
+        </p:nvCxnSpPr>
+        <p:spPr>
+          <a:xfrm flipV="1">
+            <a:off x="4645253" y="2546175"/>
+            <a:ext cx="0" cy="1125245"/>
+          </a:xfrm>
+          <a:prstGeom prst="straightConnector1">
+            <a:avLst/>
+          </a:prstGeom>
+          <a:ln>
+            <a:tailEnd type="triangle"/>
+          </a:ln>
+        </p:spPr>
+        <p:style>
+          <a:lnRef idx="1">
+            <a:schemeClr val="accent1"/>
+          </a:lnRef>
+          <a:fillRef idx="0">
+            <a:schemeClr val="accent1"/>
+          </a:fillRef>
+          <a:effectRef idx="0">
+            <a:schemeClr val="accent1"/>
+          </a:effectRef>
+          <a:fontRef idx="minor">
+            <a:schemeClr val="tx1"/>
+          </a:fontRef>
+        </p:style>
+      </p:cxnSp>
+    </p:spTree>
+    <p:extLst>
+      <p:ext uri="{BB962C8B-B14F-4D97-AF65-F5344CB8AC3E}">
+        <p14:creationId xmlns:p14="http://schemas.microsoft.com/office/powerpoint/2010/main" val="1908891163"/>
+      </p:ext>
+    </p:extLst>
+  </p:cSld>
+  <p:clrMapOvr>
+    <a:masterClrMapping/>
+  </p:clrMapOvr>
+</p:sld>
+</file>
+
+<file path=ppt/slides/slide13.xml><?xml version="1.0" encoding="utf-8"?>
 <p:sld xmlns:a="http://schemas.openxmlformats.org/drawingml/2006/main" xmlns:r="http://schemas.openxmlformats.org/officeDocument/2006/relationships" xmlns:p="http://schemas.openxmlformats.org/presentationml/2006/main">
   <p:cSld>
     <p:spTree>

--- a/Documentation/FuncDecomp.pptx
+++ b/Documentation/FuncDecomp.pptx
@@ -17857,8 +17857,8 @@
               </p:style>
             </p:cxnSp>
           </p:grpSp>
-          <mc:AlternateContent xmlns:mc="http://schemas.openxmlformats.org/markup-compatibility/2006">
-            <mc:Choice xmlns:a14="http://schemas.microsoft.com/office/drawing/2010/main" Requires="a14">
+          <mc:AlternateContent xmlns:mc="http://schemas.openxmlformats.org/markup-compatibility/2006" xmlns:a14="http://schemas.microsoft.com/office/drawing/2010/main">
+            <mc:Choice Requires="a14">
               <p:sp>
                 <p:nvSpPr>
                   <p:cNvPr id="39" name="TextBox 38">
@@ -17914,7 +17914,7 @@
                 </p:txBody>
               </p:sp>
             </mc:Choice>
-            <mc:Fallback>
+            <mc:Fallback xmlns="">
               <p:sp>
                 <p:nvSpPr>
                   <p:cNvPr id="39" name="TextBox 38">
@@ -18316,8 +18316,8 @@
               </a:fontRef>
             </p:style>
           </p:cxnSp>
-          <mc:AlternateContent xmlns:mc="http://schemas.openxmlformats.org/markup-compatibility/2006">
-            <mc:Choice xmlns:a14="http://schemas.microsoft.com/office/drawing/2010/main" Requires="a14">
+          <mc:AlternateContent xmlns:mc="http://schemas.openxmlformats.org/markup-compatibility/2006" xmlns:a14="http://schemas.microsoft.com/office/drawing/2010/main">
+            <mc:Choice Requires="a14">
               <p:sp>
                 <p:nvSpPr>
                   <p:cNvPr id="49" name="TextBox 48">
@@ -18373,7 +18373,7 @@
                 </p:txBody>
               </p:sp>
             </mc:Choice>
-            <mc:Fallback>
+            <mc:Fallback xmlns="">
               <p:sp>
                 <p:nvSpPr>
                   <p:cNvPr id="49" name="TextBox 48">
@@ -25631,6 +25631,1315 @@
           </a:p>
         </p:txBody>
       </p:sp>
+      <p:grpSp>
+        <p:nvGrpSpPr>
+          <p:cNvPr id="5" name="Group 4">
+            <a:extLst>
+              <a:ext uri="{FF2B5EF4-FFF2-40B4-BE49-F238E27FC236}">
+                <a16:creationId xmlns:a16="http://schemas.microsoft.com/office/drawing/2014/main" id="{0039705B-BF2E-423A-AE9E-8E09C6021E6E}"/>
+              </a:ext>
+            </a:extLst>
+          </p:cNvPr>
+          <p:cNvGrpSpPr/>
+          <p:nvPr/>
+        </p:nvGrpSpPr>
+        <p:grpSpPr>
+          <a:xfrm>
+            <a:off x="2052676" y="864191"/>
+            <a:ext cx="157843" cy="836484"/>
+            <a:chOff x="2419349" y="3068411"/>
+            <a:chExt cx="157843" cy="320678"/>
+          </a:xfrm>
+          <a:noFill/>
+        </p:grpSpPr>
+        <p:sp>
+          <p:nvSpPr>
+            <p:cNvPr id="6" name="Rectangle 5">
+              <a:extLst>
+                <a:ext uri="{FF2B5EF4-FFF2-40B4-BE49-F238E27FC236}">
+                  <a16:creationId xmlns:a16="http://schemas.microsoft.com/office/drawing/2014/main" id="{363FB20E-D705-4E78-A480-BE29DEA1C9E9}"/>
+                </a:ext>
+              </a:extLst>
+            </p:cNvPr>
+            <p:cNvSpPr/>
+            <p:nvPr/>
+          </p:nvSpPr>
+          <p:spPr>
+            <a:xfrm>
+              <a:off x="2419349" y="3068411"/>
+              <a:ext cx="157843" cy="163285"/>
+            </a:xfrm>
+            <a:prstGeom prst="rect">
+              <a:avLst/>
+            </a:prstGeom>
+            <a:grpFill/>
+            <a:ln w="19050">
+              <a:solidFill>
+                <a:schemeClr val="bg1"/>
+              </a:solidFill>
+            </a:ln>
+          </p:spPr>
+          <p:style>
+            <a:lnRef idx="2">
+              <a:schemeClr val="accent1">
+                <a:shade val="50000"/>
+              </a:schemeClr>
+            </a:lnRef>
+            <a:fillRef idx="1">
+              <a:schemeClr val="accent1"/>
+            </a:fillRef>
+            <a:effectRef idx="0">
+              <a:schemeClr val="accent1"/>
+            </a:effectRef>
+            <a:fontRef idx="minor">
+              <a:schemeClr val="lt1"/>
+            </a:fontRef>
+          </p:style>
+          <p:txBody>
+            <a:bodyPr rtlCol="0" anchor="ctr"/>
+            <a:lstStyle/>
+            <a:p>
+              <a:pPr algn="ctr"/>
+              <a:endParaRPr lang="en-AU" sz="1400" dirty="0">
+                <a:latin typeface="Consolas" panose="020B0609020204030204" pitchFamily="49" charset="0"/>
+                <a:ea typeface="Yu Gothic" panose="020B0400000000000000" pitchFamily="34" charset="-128"/>
+              </a:endParaRPr>
+            </a:p>
+          </p:txBody>
+        </p:sp>
+        <p:sp>
+          <p:nvSpPr>
+            <p:cNvPr id="7" name="Rectangle 6">
+              <a:extLst>
+                <a:ext uri="{FF2B5EF4-FFF2-40B4-BE49-F238E27FC236}">
+                  <a16:creationId xmlns:a16="http://schemas.microsoft.com/office/drawing/2014/main" id="{4A9AA588-43F3-49F2-9AAD-803A6A1D9743}"/>
+                </a:ext>
+              </a:extLst>
+            </p:cNvPr>
+            <p:cNvSpPr/>
+            <p:nvPr/>
+          </p:nvSpPr>
+          <p:spPr>
+            <a:xfrm>
+              <a:off x="2419349" y="3225804"/>
+              <a:ext cx="157843" cy="163285"/>
+            </a:xfrm>
+            <a:prstGeom prst="rect">
+              <a:avLst/>
+            </a:prstGeom>
+            <a:grpFill/>
+            <a:ln w="19050">
+              <a:solidFill>
+                <a:schemeClr val="bg1"/>
+              </a:solidFill>
+            </a:ln>
+          </p:spPr>
+          <p:style>
+            <a:lnRef idx="2">
+              <a:schemeClr val="accent1">
+                <a:shade val="50000"/>
+              </a:schemeClr>
+            </a:lnRef>
+            <a:fillRef idx="1">
+              <a:schemeClr val="accent1"/>
+            </a:fillRef>
+            <a:effectRef idx="0">
+              <a:schemeClr val="accent1"/>
+            </a:effectRef>
+            <a:fontRef idx="minor">
+              <a:schemeClr val="lt1"/>
+            </a:fontRef>
+          </p:style>
+          <p:txBody>
+            <a:bodyPr rtlCol="0" anchor="ctr"/>
+            <a:lstStyle/>
+            <a:p>
+              <a:pPr algn="ctr"/>
+              <a:endParaRPr lang="en-AU" sz="1400" dirty="0">
+                <a:latin typeface="Consolas" panose="020B0609020204030204" pitchFamily="49" charset="0"/>
+                <a:ea typeface="Yu Gothic" panose="020B0400000000000000" pitchFamily="34" charset="-128"/>
+              </a:endParaRPr>
+            </a:p>
+          </p:txBody>
+        </p:sp>
+      </p:grpSp>
+      <p:cxnSp>
+        <p:nvCxnSpPr>
+          <p:cNvPr id="3" name="Straight Arrow Connector 2">
+            <a:extLst>
+              <a:ext uri="{FF2B5EF4-FFF2-40B4-BE49-F238E27FC236}">
+                <a16:creationId xmlns:a16="http://schemas.microsoft.com/office/drawing/2014/main" id="{CA804A5F-809A-4781-B505-579BE8C6F3DE}"/>
+              </a:ext>
+            </a:extLst>
+          </p:cNvPr>
+          <p:cNvCxnSpPr>
+            <a:stCxn id="13" idx="0"/>
+            <a:endCxn id="12" idx="2"/>
+          </p:cNvCxnSpPr>
+          <p:nvPr/>
+        </p:nvCxnSpPr>
+        <p:spPr>
+          <a:xfrm flipV="1">
+            <a:off x="3440332" y="1755995"/>
+            <a:ext cx="0" cy="267671"/>
+          </a:xfrm>
+          <a:prstGeom prst="straightConnector1">
+            <a:avLst/>
+          </a:prstGeom>
+          <a:ln w="19050">
+            <a:headEnd type="none" w="med" len="med"/>
+            <a:tailEnd type="triangle" w="med" len="med"/>
+          </a:ln>
+        </p:spPr>
+        <p:style>
+          <a:lnRef idx="3">
+            <a:schemeClr val="dk1"/>
+          </a:lnRef>
+          <a:fillRef idx="0">
+            <a:schemeClr val="dk1"/>
+          </a:fillRef>
+          <a:effectRef idx="2">
+            <a:schemeClr val="dk1"/>
+          </a:effectRef>
+          <a:fontRef idx="minor">
+            <a:schemeClr val="tx1"/>
+          </a:fontRef>
+        </p:style>
+      </p:cxnSp>
+      <p:cxnSp>
+        <p:nvCxnSpPr>
+          <p:cNvPr id="21" name="Straight Arrow Connector 20">
+            <a:extLst>
+              <a:ext uri="{FF2B5EF4-FFF2-40B4-BE49-F238E27FC236}">
+                <a16:creationId xmlns:a16="http://schemas.microsoft.com/office/drawing/2014/main" id="{AAA99FE9-9B4E-407A-A339-C68014DCD71C}"/>
+              </a:ext>
+            </a:extLst>
+          </p:cNvPr>
+          <p:cNvCxnSpPr>
+            <a:stCxn id="14" idx="0"/>
+            <a:endCxn id="13" idx="2"/>
+          </p:cNvCxnSpPr>
+          <p:nvPr/>
+        </p:nvCxnSpPr>
+        <p:spPr>
+          <a:xfrm flipV="1">
+            <a:off x="3440332" y="2860150"/>
+            <a:ext cx="0" cy="267671"/>
+          </a:xfrm>
+          <a:prstGeom prst="straightConnector1">
+            <a:avLst/>
+          </a:prstGeom>
+          <a:ln w="19050">
+            <a:headEnd type="none" w="med" len="med"/>
+            <a:tailEnd type="triangle" w="med" len="med"/>
+          </a:ln>
+        </p:spPr>
+        <p:style>
+          <a:lnRef idx="3">
+            <a:schemeClr val="dk1"/>
+          </a:lnRef>
+          <a:fillRef idx="0">
+            <a:schemeClr val="dk1"/>
+          </a:fillRef>
+          <a:effectRef idx="2">
+            <a:schemeClr val="dk1"/>
+          </a:effectRef>
+          <a:fontRef idx="minor">
+            <a:schemeClr val="tx1"/>
+          </a:fontRef>
+        </p:style>
+      </p:cxnSp>
+      <p:sp>
+        <p:nvSpPr>
+          <p:cNvPr id="15" name="Flowchart: Alternate Process 14">
+            <a:extLst>
+              <a:ext uri="{FF2B5EF4-FFF2-40B4-BE49-F238E27FC236}">
+                <a16:creationId xmlns:a16="http://schemas.microsoft.com/office/drawing/2014/main" id="{EE507073-DCA9-48D1-8CD2-1A34DEB9591D}"/>
+              </a:ext>
+            </a:extLst>
+          </p:cNvPr>
+          <p:cNvSpPr/>
+          <p:nvPr/>
+        </p:nvSpPr>
+        <p:spPr>
+          <a:xfrm>
+            <a:off x="5834360" y="2023666"/>
+            <a:ext cx="1262618" cy="836484"/>
+          </a:xfrm>
+          <a:prstGeom prst="flowChartAlternateProcess">
+            <a:avLst/>
+          </a:prstGeom>
+          <a:ln w="19050">
+            <a:headEnd type="none" w="med" len="med"/>
+            <a:tailEnd type="triangle" w="med" len="med"/>
+          </a:ln>
+        </p:spPr>
+        <p:style>
+          <a:lnRef idx="2">
+            <a:schemeClr val="dk1"/>
+          </a:lnRef>
+          <a:fillRef idx="1">
+            <a:schemeClr val="lt1"/>
+          </a:fillRef>
+          <a:effectRef idx="0">
+            <a:schemeClr val="dk1"/>
+          </a:effectRef>
+          <a:fontRef idx="minor">
+            <a:schemeClr val="dk1"/>
+          </a:fontRef>
+        </p:style>
+        <p:txBody>
+          <a:bodyPr rot="0" spcFirstLastPara="0" vertOverflow="overflow" horzOverflow="overflow" vert="horz" wrap="square" lIns="0" tIns="0" rIns="0" bIns="0" numCol="1" spcCol="0" rtlCol="0" fromWordArt="0" anchor="ctr" anchorCtr="0" forceAA="0" compatLnSpc="1">
+            <a:prstTxWarp prst="textNoShape">
+              <a:avLst/>
+            </a:prstTxWarp>
+            <a:noAutofit/>
+          </a:bodyPr>
+          <a:lstStyle/>
+          <a:p>
+            <a:pPr algn="ctr"/>
+            <a:r>
+              <a:rPr lang="en-AU" sz="1050" dirty="0">
+                <a:solidFill>
+                  <a:schemeClr val="dk1"/>
+                </a:solidFill>
+                <a:latin typeface="Consolas" panose="020B0609020204030204" pitchFamily="49" charset="0"/>
+                <a:ea typeface="Yu Gothic" panose="020B0400000000000000" pitchFamily="34" charset="-128"/>
+              </a:rPr>
+              <a:t>Measure pilot interaction with suit (force)</a:t>
+            </a:r>
+          </a:p>
+        </p:txBody>
+      </p:sp>
+      <p:grpSp>
+        <p:nvGrpSpPr>
+          <p:cNvPr id="43" name="Group 42">
+            <a:extLst>
+              <a:ext uri="{FF2B5EF4-FFF2-40B4-BE49-F238E27FC236}">
+                <a16:creationId xmlns:a16="http://schemas.microsoft.com/office/drawing/2014/main" id="{A8ED2952-B2EF-418A-8190-9D510859906D}"/>
+              </a:ext>
+            </a:extLst>
+          </p:cNvPr>
+          <p:cNvGrpSpPr/>
+          <p:nvPr/>
+        </p:nvGrpSpPr>
+        <p:grpSpPr>
+          <a:xfrm>
+            <a:off x="2809023" y="919511"/>
+            <a:ext cx="1262618" cy="3044794"/>
+            <a:chOff x="2052676" y="919511"/>
+            <a:chExt cx="1262618" cy="3044794"/>
+          </a:xfrm>
+        </p:grpSpPr>
+        <p:sp>
+          <p:nvSpPr>
+            <p:cNvPr id="12" name="Flowchart: Alternate Process 11">
+              <a:extLst>
+                <a:ext uri="{FF2B5EF4-FFF2-40B4-BE49-F238E27FC236}">
+                  <a16:creationId xmlns:a16="http://schemas.microsoft.com/office/drawing/2014/main" id="{72BA877D-E7EE-4D7D-B78D-16E035BFA901}"/>
+                </a:ext>
+              </a:extLst>
+            </p:cNvPr>
+            <p:cNvSpPr/>
+            <p:nvPr/>
+          </p:nvSpPr>
+          <p:spPr>
+            <a:xfrm>
+              <a:off x="2052676" y="919511"/>
+              <a:ext cx="1262618" cy="836484"/>
+            </a:xfrm>
+            <a:prstGeom prst="flowChartAlternateProcess">
+              <a:avLst/>
+            </a:prstGeom>
+            <a:ln w="19050">
+              <a:headEnd type="none" w="med" len="med"/>
+              <a:tailEnd type="triangle" w="med" len="med"/>
+            </a:ln>
+          </p:spPr>
+          <p:style>
+            <a:lnRef idx="3">
+              <a:schemeClr val="dk1"/>
+            </a:lnRef>
+            <a:fillRef idx="0">
+              <a:schemeClr val="dk1"/>
+            </a:fillRef>
+            <a:effectRef idx="2">
+              <a:schemeClr val="dk1"/>
+            </a:effectRef>
+            <a:fontRef idx="minor">
+              <a:schemeClr val="tx1"/>
+            </a:fontRef>
+          </p:style>
+          <p:txBody>
+            <a:bodyPr rot="0" spcFirstLastPara="0" vertOverflow="overflow" horzOverflow="overflow" vert="horz" wrap="square" lIns="0" tIns="0" rIns="0" bIns="0" numCol="1" spcCol="0" rtlCol="0" fromWordArt="0" anchor="ctr" anchorCtr="0" forceAA="0" compatLnSpc="1">
+              <a:prstTxWarp prst="textNoShape">
+                <a:avLst/>
+              </a:prstTxWarp>
+              <a:noAutofit/>
+            </a:bodyPr>
+            <a:lstStyle/>
+            <a:p>
+              <a:pPr algn="ctr"/>
+              <a:r>
+                <a:rPr lang="en-AU" sz="1050" dirty="0">
+                  <a:solidFill>
+                    <a:schemeClr val="dk1"/>
+                  </a:solidFill>
+                  <a:latin typeface="Consolas" panose="020B0609020204030204" pitchFamily="49" charset="0"/>
+                  <a:ea typeface="Yu Gothic" panose="020B0400000000000000" pitchFamily="34" charset="-128"/>
+                </a:rPr>
+                <a:t>Observe current state of suit</a:t>
+              </a:r>
+            </a:p>
+          </p:txBody>
+        </p:sp>
+        <p:sp>
+          <p:nvSpPr>
+            <p:cNvPr id="13" name="Flowchart: Alternate Process 12">
+              <a:extLst>
+                <a:ext uri="{FF2B5EF4-FFF2-40B4-BE49-F238E27FC236}">
+                  <a16:creationId xmlns:a16="http://schemas.microsoft.com/office/drawing/2014/main" id="{C49020AA-0CF8-4C40-8B44-D0B2DFB2590D}"/>
+                </a:ext>
+              </a:extLst>
+            </p:cNvPr>
+            <p:cNvSpPr/>
+            <p:nvPr/>
+          </p:nvSpPr>
+          <p:spPr>
+            <a:xfrm>
+              <a:off x="2052676" y="2023666"/>
+              <a:ext cx="1262618" cy="836484"/>
+            </a:xfrm>
+            <a:prstGeom prst="flowChartAlternateProcess">
+              <a:avLst/>
+            </a:prstGeom>
+            <a:ln w="19050">
+              <a:headEnd type="none" w="med" len="med"/>
+              <a:tailEnd type="triangle" w="med" len="med"/>
+            </a:ln>
+          </p:spPr>
+          <p:style>
+            <a:lnRef idx="2">
+              <a:schemeClr val="dk1"/>
+            </a:lnRef>
+            <a:fillRef idx="1">
+              <a:schemeClr val="lt1"/>
+            </a:fillRef>
+            <a:effectRef idx="0">
+              <a:schemeClr val="dk1"/>
+            </a:effectRef>
+            <a:fontRef idx="minor">
+              <a:schemeClr val="dk1"/>
+            </a:fontRef>
+          </p:style>
+          <p:txBody>
+            <a:bodyPr rot="0" spcFirstLastPara="0" vertOverflow="overflow" horzOverflow="overflow" vert="horz" wrap="square" lIns="0" tIns="0" rIns="0" bIns="0" numCol="1" spcCol="0" rtlCol="0" fromWordArt="0" anchor="ctr" anchorCtr="0" forceAA="0" compatLnSpc="1">
+              <a:prstTxWarp prst="textNoShape">
+                <a:avLst/>
+              </a:prstTxWarp>
+              <a:noAutofit/>
+            </a:bodyPr>
+            <a:lstStyle/>
+            <a:p>
+              <a:pPr algn="ctr"/>
+              <a:r>
+                <a:rPr lang="en-AU" sz="1050" dirty="0">
+                  <a:solidFill>
+                    <a:schemeClr val="dk1"/>
+                  </a:solidFill>
+                  <a:latin typeface="Consolas" panose="020B0609020204030204" pitchFamily="49" charset="0"/>
+                  <a:ea typeface="Yu Gothic" panose="020B0400000000000000" pitchFamily="34" charset="-128"/>
+                </a:rPr>
+                <a:t>Measure suit interaction with environment (force) </a:t>
+              </a:r>
+            </a:p>
+          </p:txBody>
+        </p:sp>
+        <p:sp>
+          <p:nvSpPr>
+            <p:cNvPr id="14" name="Flowchart: Alternate Process 13">
+              <a:extLst>
+                <a:ext uri="{FF2B5EF4-FFF2-40B4-BE49-F238E27FC236}">
+                  <a16:creationId xmlns:a16="http://schemas.microsoft.com/office/drawing/2014/main" id="{1B19546C-DB84-4311-B872-2DC29E6575A5}"/>
+                </a:ext>
+              </a:extLst>
+            </p:cNvPr>
+            <p:cNvSpPr/>
+            <p:nvPr/>
+          </p:nvSpPr>
+          <p:spPr>
+            <a:xfrm>
+              <a:off x="2052676" y="3127821"/>
+              <a:ext cx="1262618" cy="836484"/>
+            </a:xfrm>
+            <a:prstGeom prst="flowChartAlternateProcess">
+              <a:avLst/>
+            </a:prstGeom>
+            <a:ln w="19050">
+              <a:headEnd type="none" w="med" len="med"/>
+              <a:tailEnd type="triangle" w="med" len="med"/>
+            </a:ln>
+          </p:spPr>
+          <p:style>
+            <a:lnRef idx="2">
+              <a:schemeClr val="dk1"/>
+            </a:lnRef>
+            <a:fillRef idx="1">
+              <a:schemeClr val="lt1"/>
+            </a:fillRef>
+            <a:effectRef idx="0">
+              <a:schemeClr val="dk1"/>
+            </a:effectRef>
+            <a:fontRef idx="minor">
+              <a:schemeClr val="dk1"/>
+            </a:fontRef>
+          </p:style>
+          <p:txBody>
+            <a:bodyPr rot="0" spcFirstLastPara="0" vertOverflow="overflow" horzOverflow="overflow" vert="horz" wrap="square" lIns="0" tIns="0" rIns="0" bIns="0" numCol="1" spcCol="0" rtlCol="0" fromWordArt="0" anchor="ctr" anchorCtr="0" forceAA="0" compatLnSpc="1">
+              <a:prstTxWarp prst="textNoShape">
+                <a:avLst/>
+              </a:prstTxWarp>
+              <a:noAutofit/>
+            </a:bodyPr>
+            <a:lstStyle/>
+            <a:p>
+              <a:pPr algn="ctr"/>
+              <a:r>
+                <a:rPr lang="en-AU" sz="1050" dirty="0">
+                  <a:solidFill>
+                    <a:schemeClr val="dk1"/>
+                  </a:solidFill>
+                  <a:latin typeface="Consolas" panose="020B0609020204030204" pitchFamily="49" charset="0"/>
+                  <a:ea typeface="Yu Gothic" panose="020B0400000000000000" pitchFamily="34" charset="-128"/>
+                </a:rPr>
+                <a:t>Measure force applied at external contact points</a:t>
+              </a:r>
+            </a:p>
+          </p:txBody>
+        </p:sp>
+      </p:grpSp>
+      <p:sp>
+        <p:nvSpPr>
+          <p:cNvPr id="16" name="Flowchart: Alternate Process 15">
+            <a:extLst>
+              <a:ext uri="{FF2B5EF4-FFF2-40B4-BE49-F238E27FC236}">
+                <a16:creationId xmlns:a16="http://schemas.microsoft.com/office/drawing/2014/main" id="{C6E616F9-88C8-43C1-AD6E-FCD8A3CA5860}"/>
+              </a:ext>
+            </a:extLst>
+          </p:cNvPr>
+          <p:cNvSpPr/>
+          <p:nvPr/>
+        </p:nvSpPr>
+        <p:spPr>
+          <a:xfrm>
+            <a:off x="5834360" y="3127821"/>
+            <a:ext cx="1262618" cy="836484"/>
+          </a:xfrm>
+          <a:prstGeom prst="flowChartAlternateProcess">
+            <a:avLst/>
+          </a:prstGeom>
+          <a:ln w="19050">
+            <a:headEnd type="none" w="med" len="med"/>
+            <a:tailEnd type="triangle" w="med" len="med"/>
+          </a:ln>
+        </p:spPr>
+        <p:style>
+          <a:lnRef idx="2">
+            <a:schemeClr val="dk1"/>
+          </a:lnRef>
+          <a:fillRef idx="1">
+            <a:schemeClr val="lt1"/>
+          </a:fillRef>
+          <a:effectRef idx="0">
+            <a:schemeClr val="dk1"/>
+          </a:effectRef>
+          <a:fontRef idx="minor">
+            <a:schemeClr val="dk1"/>
+          </a:fontRef>
+        </p:style>
+        <p:txBody>
+          <a:bodyPr rot="0" spcFirstLastPara="0" vertOverflow="overflow" horzOverflow="overflow" vert="horz" wrap="square" lIns="0" tIns="0" rIns="0" bIns="0" numCol="1" spcCol="0" rtlCol="0" fromWordArt="0" anchor="ctr" anchorCtr="0" forceAA="0" compatLnSpc="1">
+            <a:prstTxWarp prst="textNoShape">
+              <a:avLst/>
+            </a:prstTxWarp>
+            <a:noAutofit/>
+          </a:bodyPr>
+          <a:lstStyle/>
+          <a:p>
+            <a:pPr algn="ctr"/>
+            <a:r>
+              <a:rPr lang="en-AU" sz="1050" dirty="0">
+                <a:solidFill>
+                  <a:schemeClr val="dk1"/>
+                </a:solidFill>
+                <a:latin typeface="Consolas" panose="020B0609020204030204" pitchFamily="49" charset="0"/>
+                <a:ea typeface="Yu Gothic" panose="020B0400000000000000" pitchFamily="34" charset="-128"/>
+              </a:rPr>
+              <a:t>Measure force applied at internal contact points</a:t>
+            </a:r>
+          </a:p>
+        </p:txBody>
+      </p:sp>
+      <p:cxnSp>
+        <p:nvCxnSpPr>
+          <p:cNvPr id="23" name="Straight Arrow Connector 22">
+            <a:extLst>
+              <a:ext uri="{FF2B5EF4-FFF2-40B4-BE49-F238E27FC236}">
+                <a16:creationId xmlns:a16="http://schemas.microsoft.com/office/drawing/2014/main" id="{3C87D92A-D988-4D2E-B5E6-20407BA38F2A}"/>
+              </a:ext>
+            </a:extLst>
+          </p:cNvPr>
+          <p:cNvCxnSpPr>
+            <a:stCxn id="16" idx="0"/>
+            <a:endCxn id="15" idx="2"/>
+          </p:cNvCxnSpPr>
+          <p:nvPr/>
+        </p:nvCxnSpPr>
+        <p:spPr>
+          <a:xfrm flipV="1">
+            <a:off x="6465669" y="2860150"/>
+            <a:ext cx="0" cy="267671"/>
+          </a:xfrm>
+          <a:prstGeom prst="straightConnector1">
+            <a:avLst/>
+          </a:prstGeom>
+          <a:ln w="19050">
+            <a:headEnd type="none" w="med" len="med"/>
+            <a:tailEnd type="triangle" w="med" len="med"/>
+          </a:ln>
+        </p:spPr>
+        <p:style>
+          <a:lnRef idx="3">
+            <a:schemeClr val="dk1"/>
+          </a:lnRef>
+          <a:fillRef idx="0">
+            <a:schemeClr val="dk1"/>
+          </a:fillRef>
+          <a:effectRef idx="2">
+            <a:schemeClr val="dk1"/>
+          </a:effectRef>
+          <a:fontRef idx="minor">
+            <a:schemeClr val="tx1"/>
+          </a:fontRef>
+        </p:style>
+      </p:cxnSp>
+      <p:sp>
+        <p:nvSpPr>
+          <p:cNvPr id="27" name="Flowchart: Alternate Process 26">
+            <a:extLst>
+              <a:ext uri="{FF2B5EF4-FFF2-40B4-BE49-F238E27FC236}">
+                <a16:creationId xmlns:a16="http://schemas.microsoft.com/office/drawing/2014/main" id="{3D92C87B-4062-4F6E-80BD-39FC265DABDF}"/>
+              </a:ext>
+            </a:extLst>
+          </p:cNvPr>
+          <p:cNvSpPr/>
+          <p:nvPr/>
+        </p:nvSpPr>
+        <p:spPr>
+          <a:xfrm>
+            <a:off x="2809023" y="4231976"/>
+            <a:ext cx="1262618" cy="836484"/>
+          </a:xfrm>
+          <a:prstGeom prst="flowChartAlternateProcess">
+            <a:avLst/>
+          </a:prstGeom>
+          <a:ln w="19050">
+            <a:headEnd type="none" w="med" len="med"/>
+            <a:tailEnd type="triangle" w="med" len="med"/>
+          </a:ln>
+        </p:spPr>
+        <p:style>
+          <a:lnRef idx="2">
+            <a:schemeClr val="dk1"/>
+          </a:lnRef>
+          <a:fillRef idx="1">
+            <a:schemeClr val="lt1"/>
+          </a:fillRef>
+          <a:effectRef idx="0">
+            <a:schemeClr val="dk1"/>
+          </a:effectRef>
+          <a:fontRef idx="minor">
+            <a:schemeClr val="dk1"/>
+          </a:fontRef>
+        </p:style>
+        <p:txBody>
+          <a:bodyPr rot="0" spcFirstLastPara="0" vertOverflow="overflow" horzOverflow="overflow" vert="horz" wrap="square" lIns="0" tIns="0" rIns="0" bIns="0" numCol="1" spcCol="0" rtlCol="0" fromWordArt="0" anchor="ctr" anchorCtr="0" forceAA="0" compatLnSpc="1">
+            <a:prstTxWarp prst="textNoShape">
+              <a:avLst/>
+            </a:prstTxWarp>
+            <a:noAutofit/>
+          </a:bodyPr>
+          <a:lstStyle/>
+          <a:p>
+            <a:pPr algn="ctr"/>
+            <a:r>
+              <a:rPr lang="en-AU" sz="1050" dirty="0">
+                <a:solidFill>
+                  <a:schemeClr val="dk1"/>
+                </a:solidFill>
+                <a:latin typeface="Consolas" panose="020B0609020204030204" pitchFamily="49" charset="0"/>
+                <a:ea typeface="Yu Gothic" panose="020B0400000000000000" pitchFamily="34" charset="-128"/>
+              </a:rPr>
+              <a:t>Create rigid contact points</a:t>
+            </a:r>
+          </a:p>
+        </p:txBody>
+      </p:sp>
+      <p:sp>
+        <p:nvSpPr>
+          <p:cNvPr id="32" name="Flowchart: Alternate Process 31">
+            <a:extLst>
+              <a:ext uri="{FF2B5EF4-FFF2-40B4-BE49-F238E27FC236}">
+                <a16:creationId xmlns:a16="http://schemas.microsoft.com/office/drawing/2014/main" id="{1E8A005E-2A10-4692-84A2-75DE5EF83426}"/>
+              </a:ext>
+            </a:extLst>
+          </p:cNvPr>
+          <p:cNvSpPr/>
+          <p:nvPr/>
+        </p:nvSpPr>
+        <p:spPr>
+          <a:xfrm>
+            <a:off x="5834357" y="4231976"/>
+            <a:ext cx="1262618" cy="836484"/>
+          </a:xfrm>
+          <a:prstGeom prst="flowChartAlternateProcess">
+            <a:avLst/>
+          </a:prstGeom>
+          <a:ln w="19050">
+            <a:headEnd type="none" w="med" len="med"/>
+            <a:tailEnd type="triangle" w="med" len="med"/>
+          </a:ln>
+        </p:spPr>
+        <p:style>
+          <a:lnRef idx="2">
+            <a:schemeClr val="dk1"/>
+          </a:lnRef>
+          <a:fillRef idx="1">
+            <a:schemeClr val="lt1"/>
+          </a:fillRef>
+          <a:effectRef idx="0">
+            <a:schemeClr val="dk1"/>
+          </a:effectRef>
+          <a:fontRef idx="minor">
+            <a:schemeClr val="dk1"/>
+          </a:fontRef>
+        </p:style>
+        <p:txBody>
+          <a:bodyPr rot="0" spcFirstLastPara="0" vertOverflow="overflow" horzOverflow="overflow" vert="horz" wrap="square" lIns="0" tIns="0" rIns="0" bIns="0" numCol="1" spcCol="0" rtlCol="0" fromWordArt="0" anchor="ctr" anchorCtr="0" forceAA="0" compatLnSpc="1">
+            <a:prstTxWarp prst="textNoShape">
+              <a:avLst/>
+            </a:prstTxWarp>
+            <a:noAutofit/>
+          </a:bodyPr>
+          <a:lstStyle/>
+          <a:p>
+            <a:pPr algn="ctr"/>
+            <a:r>
+              <a:rPr lang="en-AU" sz="1050" dirty="0">
+                <a:solidFill>
+                  <a:schemeClr val="dk1"/>
+                </a:solidFill>
+                <a:latin typeface="Consolas" panose="020B0609020204030204" pitchFamily="49" charset="0"/>
+                <a:ea typeface="Yu Gothic" panose="020B0400000000000000" pitchFamily="34" charset="-128"/>
+              </a:rPr>
+              <a:t>Measure Force Applied</a:t>
+            </a:r>
+          </a:p>
+        </p:txBody>
+      </p:sp>
+      <p:sp>
+        <p:nvSpPr>
+          <p:cNvPr id="28" name="Flowchart: Alternate Process 27">
+            <a:extLst>
+              <a:ext uri="{FF2B5EF4-FFF2-40B4-BE49-F238E27FC236}">
+                <a16:creationId xmlns:a16="http://schemas.microsoft.com/office/drawing/2014/main" id="{D8743FB6-23A3-4A53-B61A-43A4669A5B50}"/>
+              </a:ext>
+            </a:extLst>
+          </p:cNvPr>
+          <p:cNvSpPr/>
+          <p:nvPr/>
+        </p:nvSpPr>
+        <p:spPr>
+          <a:xfrm>
+            <a:off x="2052690" y="5336131"/>
+            <a:ext cx="1262618" cy="836484"/>
+          </a:xfrm>
+          <a:prstGeom prst="flowChartAlternateProcess">
+            <a:avLst/>
+          </a:prstGeom>
+          <a:ln w="19050">
+            <a:headEnd type="none" w="med" len="med"/>
+            <a:tailEnd type="triangle" w="med" len="med"/>
+          </a:ln>
+        </p:spPr>
+        <p:style>
+          <a:lnRef idx="2">
+            <a:schemeClr val="dk1"/>
+          </a:lnRef>
+          <a:fillRef idx="1">
+            <a:schemeClr val="lt1"/>
+          </a:fillRef>
+          <a:effectRef idx="0">
+            <a:schemeClr val="dk1"/>
+          </a:effectRef>
+          <a:fontRef idx="minor">
+            <a:schemeClr val="dk1"/>
+          </a:fontRef>
+        </p:style>
+        <p:txBody>
+          <a:bodyPr rot="0" spcFirstLastPara="0" vertOverflow="overflow" horzOverflow="overflow" vert="horz" wrap="square" lIns="0" tIns="0" rIns="0" bIns="0" numCol="1" spcCol="0" rtlCol="0" fromWordArt="0" anchor="ctr" anchorCtr="0" forceAA="0" compatLnSpc="1">
+            <a:prstTxWarp prst="textNoShape">
+              <a:avLst/>
+            </a:prstTxWarp>
+            <a:noAutofit/>
+          </a:bodyPr>
+          <a:lstStyle/>
+          <a:p>
+            <a:pPr algn="ctr"/>
+            <a:r>
+              <a:rPr lang="en-AU" sz="1050" dirty="0">
+                <a:solidFill>
+                  <a:schemeClr val="dk1"/>
+                </a:solidFill>
+                <a:latin typeface="Consolas" panose="020B0609020204030204" pitchFamily="49" charset="0"/>
+                <a:ea typeface="Yu Gothic" panose="020B0400000000000000" pitchFamily="34" charset="-128"/>
+              </a:rPr>
+              <a:t>Create frame</a:t>
+            </a:r>
+          </a:p>
+        </p:txBody>
+      </p:sp>
+      <p:sp>
+        <p:nvSpPr>
+          <p:cNvPr id="29" name="Flowchart: Alternate Process 28">
+            <a:extLst>
+              <a:ext uri="{FF2B5EF4-FFF2-40B4-BE49-F238E27FC236}">
+                <a16:creationId xmlns:a16="http://schemas.microsoft.com/office/drawing/2014/main" id="{DF68CCF8-320C-4487-A177-08A48D980C2B}"/>
+              </a:ext>
+            </a:extLst>
+          </p:cNvPr>
+          <p:cNvSpPr/>
+          <p:nvPr/>
+        </p:nvSpPr>
+        <p:spPr>
+          <a:xfrm>
+            <a:off x="3565357" y="5336131"/>
+            <a:ext cx="1262618" cy="836484"/>
+          </a:xfrm>
+          <a:prstGeom prst="flowChartAlternateProcess">
+            <a:avLst/>
+          </a:prstGeom>
+          <a:ln w="19050">
+            <a:headEnd type="none" w="med" len="med"/>
+            <a:tailEnd type="triangle" w="med" len="med"/>
+          </a:ln>
+        </p:spPr>
+        <p:style>
+          <a:lnRef idx="2">
+            <a:schemeClr val="dk1"/>
+          </a:lnRef>
+          <a:fillRef idx="1">
+            <a:schemeClr val="lt1"/>
+          </a:fillRef>
+          <a:effectRef idx="0">
+            <a:schemeClr val="dk1"/>
+          </a:effectRef>
+          <a:fontRef idx="minor">
+            <a:schemeClr val="dk1"/>
+          </a:fontRef>
+        </p:style>
+        <p:txBody>
+          <a:bodyPr rot="0" spcFirstLastPara="0" vertOverflow="overflow" horzOverflow="overflow" vert="horz" wrap="square" lIns="0" tIns="0" rIns="0" bIns="0" numCol="1" spcCol="0" rtlCol="0" fromWordArt="0" anchor="ctr" anchorCtr="0" forceAA="0" compatLnSpc="1">
+            <a:prstTxWarp prst="textNoShape">
+              <a:avLst/>
+            </a:prstTxWarp>
+            <a:noAutofit/>
+          </a:bodyPr>
+          <a:lstStyle/>
+          <a:p>
+            <a:pPr algn="ctr"/>
+            <a:r>
+              <a:rPr lang="en-AU" sz="1050" dirty="0">
+                <a:solidFill>
+                  <a:schemeClr val="dk1"/>
+                </a:solidFill>
+                <a:latin typeface="Consolas" panose="020B0609020204030204" pitchFamily="49" charset="0"/>
+                <a:ea typeface="Yu Gothic" panose="020B0400000000000000" pitchFamily="34" charset="-128"/>
+              </a:rPr>
+              <a:t>Create Sensor Mount</a:t>
+            </a:r>
+          </a:p>
+        </p:txBody>
+      </p:sp>
+      <p:sp>
+        <p:nvSpPr>
+          <p:cNvPr id="33" name="Flowchart: Alternate Process 32">
+            <a:extLst>
+              <a:ext uri="{FF2B5EF4-FFF2-40B4-BE49-F238E27FC236}">
+                <a16:creationId xmlns:a16="http://schemas.microsoft.com/office/drawing/2014/main" id="{A89214B9-564C-4E82-9DE5-007103B21980}"/>
+              </a:ext>
+            </a:extLst>
+          </p:cNvPr>
+          <p:cNvSpPr/>
+          <p:nvPr/>
+        </p:nvSpPr>
+        <p:spPr>
+          <a:xfrm>
+            <a:off x="6590691" y="5336131"/>
+            <a:ext cx="1262618" cy="836484"/>
+          </a:xfrm>
+          <a:prstGeom prst="flowChartAlternateProcess">
+            <a:avLst/>
+          </a:prstGeom>
+          <a:ln w="19050">
+            <a:headEnd type="none" w="med" len="med"/>
+            <a:tailEnd type="triangle" w="med" len="med"/>
+          </a:ln>
+        </p:spPr>
+        <p:style>
+          <a:lnRef idx="2">
+            <a:schemeClr val="dk1"/>
+          </a:lnRef>
+          <a:fillRef idx="1">
+            <a:schemeClr val="lt1"/>
+          </a:fillRef>
+          <a:effectRef idx="0">
+            <a:schemeClr val="dk1"/>
+          </a:effectRef>
+          <a:fontRef idx="minor">
+            <a:schemeClr val="dk1"/>
+          </a:fontRef>
+        </p:style>
+        <p:txBody>
+          <a:bodyPr rot="0" spcFirstLastPara="0" vertOverflow="overflow" horzOverflow="overflow" vert="horz" wrap="square" lIns="0" tIns="0" rIns="0" bIns="0" numCol="1" spcCol="0" rtlCol="0" fromWordArt="0" anchor="ctr" anchorCtr="0" forceAA="0" compatLnSpc="1">
+            <a:prstTxWarp prst="textNoShape">
+              <a:avLst/>
+            </a:prstTxWarp>
+            <a:noAutofit/>
+          </a:bodyPr>
+          <a:lstStyle/>
+          <a:p>
+            <a:pPr algn="ctr"/>
+            <a:r>
+              <a:rPr lang="en-AU" sz="1050" dirty="0">
+                <a:latin typeface="Consolas" panose="020B0609020204030204" pitchFamily="49" charset="0"/>
+                <a:ea typeface="Yu Gothic" panose="020B0400000000000000" pitchFamily="34" charset="-128"/>
+              </a:rPr>
+              <a:t>Measure Force via Load Cell</a:t>
+            </a:r>
+            <a:endParaRPr lang="en-AU" sz="1050" dirty="0">
+              <a:solidFill>
+                <a:schemeClr val="dk1"/>
+              </a:solidFill>
+              <a:latin typeface="Consolas" panose="020B0609020204030204" pitchFamily="49" charset="0"/>
+              <a:ea typeface="Yu Gothic" panose="020B0400000000000000" pitchFamily="34" charset="-128"/>
+            </a:endParaRPr>
+          </a:p>
+        </p:txBody>
+      </p:sp>
+      <p:sp>
+        <p:nvSpPr>
+          <p:cNvPr id="34" name="Flowchart: Alternate Process 33">
+            <a:extLst>
+              <a:ext uri="{FF2B5EF4-FFF2-40B4-BE49-F238E27FC236}">
+                <a16:creationId xmlns:a16="http://schemas.microsoft.com/office/drawing/2014/main" id="{E385F986-C2D8-4CED-8A21-BA553AC35A0A}"/>
+              </a:ext>
+            </a:extLst>
+          </p:cNvPr>
+          <p:cNvSpPr/>
+          <p:nvPr/>
+        </p:nvSpPr>
+        <p:spPr>
+          <a:xfrm>
+            <a:off x="5078024" y="5336131"/>
+            <a:ext cx="1262618" cy="836484"/>
+          </a:xfrm>
+          <a:prstGeom prst="flowChartAlternateProcess">
+            <a:avLst/>
+          </a:prstGeom>
+          <a:ln w="19050">
+            <a:headEnd type="none" w="med" len="med"/>
+            <a:tailEnd type="triangle" w="med" len="med"/>
+          </a:ln>
+        </p:spPr>
+        <p:style>
+          <a:lnRef idx="2">
+            <a:schemeClr val="dk1"/>
+          </a:lnRef>
+          <a:fillRef idx="1">
+            <a:schemeClr val="lt1"/>
+          </a:fillRef>
+          <a:effectRef idx="0">
+            <a:schemeClr val="dk1"/>
+          </a:effectRef>
+          <a:fontRef idx="minor">
+            <a:schemeClr val="dk1"/>
+          </a:fontRef>
+        </p:style>
+        <p:txBody>
+          <a:bodyPr rot="0" spcFirstLastPara="0" vertOverflow="overflow" horzOverflow="overflow" vert="horz" wrap="square" lIns="0" tIns="0" rIns="0" bIns="0" numCol="1" spcCol="0" rtlCol="0" fromWordArt="0" anchor="ctr" anchorCtr="0" forceAA="0" compatLnSpc="1">
+            <a:prstTxWarp prst="textNoShape">
+              <a:avLst/>
+            </a:prstTxWarp>
+            <a:noAutofit/>
+          </a:bodyPr>
+          <a:lstStyle/>
+          <a:p>
+            <a:pPr algn="ctr"/>
+            <a:r>
+              <a:rPr lang="en-AU" sz="1050" dirty="0">
+                <a:latin typeface="Consolas" panose="020B0609020204030204" pitchFamily="49" charset="0"/>
+                <a:ea typeface="Yu Gothic" panose="020B0400000000000000" pitchFamily="34" charset="-128"/>
+              </a:rPr>
+              <a:t>Amplify Signal</a:t>
+            </a:r>
+          </a:p>
+        </p:txBody>
+      </p:sp>
+      <p:cxnSp>
+        <p:nvCxnSpPr>
+          <p:cNvPr id="71" name="Straight Arrow Connector 70">
+            <a:extLst>
+              <a:ext uri="{FF2B5EF4-FFF2-40B4-BE49-F238E27FC236}">
+                <a16:creationId xmlns:a16="http://schemas.microsoft.com/office/drawing/2014/main" id="{B016DA6E-C8E6-4D06-9C15-7A43F3CC26A2}"/>
+              </a:ext>
+            </a:extLst>
+          </p:cNvPr>
+          <p:cNvCxnSpPr>
+            <a:stCxn id="27" idx="0"/>
+            <a:endCxn id="14" idx="2"/>
+          </p:cNvCxnSpPr>
+          <p:nvPr/>
+        </p:nvCxnSpPr>
+        <p:spPr>
+          <a:xfrm flipV="1">
+            <a:off x="3440332" y="3964305"/>
+            <a:ext cx="0" cy="267671"/>
+          </a:xfrm>
+          <a:prstGeom prst="straightConnector1">
+            <a:avLst/>
+          </a:prstGeom>
+          <a:ln w="19050">
+            <a:headEnd type="none" w="med" len="med"/>
+            <a:tailEnd type="triangle" w="med" len="med"/>
+          </a:ln>
+        </p:spPr>
+        <p:style>
+          <a:lnRef idx="3">
+            <a:schemeClr val="dk1"/>
+          </a:lnRef>
+          <a:fillRef idx="0">
+            <a:schemeClr val="dk1"/>
+          </a:fillRef>
+          <a:effectRef idx="2">
+            <a:schemeClr val="dk1"/>
+          </a:effectRef>
+          <a:fontRef idx="minor">
+            <a:schemeClr val="tx1"/>
+          </a:fontRef>
+        </p:style>
+      </p:cxnSp>
+      <p:cxnSp>
+        <p:nvCxnSpPr>
+          <p:cNvPr id="73" name="Straight Arrow Connector 72">
+            <a:extLst>
+              <a:ext uri="{FF2B5EF4-FFF2-40B4-BE49-F238E27FC236}">
+                <a16:creationId xmlns:a16="http://schemas.microsoft.com/office/drawing/2014/main" id="{6476CDC9-02B6-4F87-A392-4E347067D241}"/>
+              </a:ext>
+            </a:extLst>
+          </p:cNvPr>
+          <p:cNvCxnSpPr>
+            <a:stCxn id="32" idx="0"/>
+            <a:endCxn id="16" idx="2"/>
+          </p:cNvCxnSpPr>
+          <p:nvPr/>
+        </p:nvCxnSpPr>
+        <p:spPr>
+          <a:xfrm flipV="1">
+            <a:off x="6465666" y="3964305"/>
+            <a:ext cx="3" cy="267671"/>
+          </a:xfrm>
+          <a:prstGeom prst="straightConnector1">
+            <a:avLst/>
+          </a:prstGeom>
+          <a:ln w="19050">
+            <a:headEnd type="none" w="med" len="med"/>
+            <a:tailEnd type="triangle" w="med" len="med"/>
+          </a:ln>
+        </p:spPr>
+        <p:style>
+          <a:lnRef idx="3">
+            <a:schemeClr val="dk1"/>
+          </a:lnRef>
+          <a:fillRef idx="0">
+            <a:schemeClr val="dk1"/>
+          </a:fillRef>
+          <a:effectRef idx="2">
+            <a:schemeClr val="dk1"/>
+          </a:effectRef>
+          <a:fontRef idx="minor">
+            <a:schemeClr val="tx1"/>
+          </a:fontRef>
+        </p:style>
+      </p:cxnSp>
+      <p:cxnSp>
+        <p:nvCxnSpPr>
+          <p:cNvPr id="79" name="Straight Arrow Connector 78">
+            <a:extLst>
+              <a:ext uri="{FF2B5EF4-FFF2-40B4-BE49-F238E27FC236}">
+                <a16:creationId xmlns:a16="http://schemas.microsoft.com/office/drawing/2014/main" id="{D7B09BB4-06E9-48BF-9596-F64923C41F95}"/>
+              </a:ext>
+            </a:extLst>
+          </p:cNvPr>
+          <p:cNvCxnSpPr>
+            <a:stCxn id="27" idx="3"/>
+            <a:endCxn id="16" idx="1"/>
+          </p:cNvCxnSpPr>
+          <p:nvPr/>
+        </p:nvCxnSpPr>
+        <p:spPr>
+          <a:xfrm flipV="1">
+            <a:off x="4071641" y="3546063"/>
+            <a:ext cx="1762719" cy="1104155"/>
+          </a:xfrm>
+          <a:prstGeom prst="straightConnector1">
+            <a:avLst/>
+          </a:prstGeom>
+          <a:ln w="19050">
+            <a:headEnd type="none" w="med" len="med"/>
+            <a:tailEnd type="triangle" w="med" len="med"/>
+          </a:ln>
+        </p:spPr>
+        <p:style>
+          <a:lnRef idx="3">
+            <a:schemeClr val="dk1"/>
+          </a:lnRef>
+          <a:fillRef idx="0">
+            <a:schemeClr val="dk1"/>
+          </a:fillRef>
+          <a:effectRef idx="2">
+            <a:schemeClr val="dk1"/>
+          </a:effectRef>
+          <a:fontRef idx="minor">
+            <a:schemeClr val="tx1"/>
+          </a:fontRef>
+        </p:style>
+      </p:cxnSp>
+      <p:cxnSp>
+        <p:nvCxnSpPr>
+          <p:cNvPr id="81" name="Straight Arrow Connector 80">
+            <a:extLst>
+              <a:ext uri="{FF2B5EF4-FFF2-40B4-BE49-F238E27FC236}">
+                <a16:creationId xmlns:a16="http://schemas.microsoft.com/office/drawing/2014/main" id="{4AFB82A5-6E2A-4D02-BB61-184C8AE1CDF4}"/>
+              </a:ext>
+            </a:extLst>
+          </p:cNvPr>
+          <p:cNvCxnSpPr>
+            <a:stCxn id="32" idx="1"/>
+            <a:endCxn id="14" idx="3"/>
+          </p:cNvCxnSpPr>
+          <p:nvPr/>
+        </p:nvCxnSpPr>
+        <p:spPr>
+          <a:xfrm flipH="1" flipV="1">
+            <a:off x="4071641" y="3546063"/>
+            <a:ext cx="1762716" cy="1104155"/>
+          </a:xfrm>
+          <a:prstGeom prst="straightConnector1">
+            <a:avLst/>
+          </a:prstGeom>
+          <a:ln w="19050">
+            <a:headEnd type="none" w="med" len="med"/>
+            <a:tailEnd type="triangle" w="med" len="med"/>
+          </a:ln>
+        </p:spPr>
+        <p:style>
+          <a:lnRef idx="3">
+            <a:schemeClr val="dk1"/>
+          </a:lnRef>
+          <a:fillRef idx="0">
+            <a:schemeClr val="dk1"/>
+          </a:fillRef>
+          <a:effectRef idx="2">
+            <a:schemeClr val="dk1"/>
+          </a:effectRef>
+          <a:fontRef idx="minor">
+            <a:schemeClr val="tx1"/>
+          </a:fontRef>
+        </p:style>
+      </p:cxnSp>
+      <p:cxnSp>
+        <p:nvCxnSpPr>
+          <p:cNvPr id="83" name="Connector: Elbow 82">
+            <a:extLst>
+              <a:ext uri="{FF2B5EF4-FFF2-40B4-BE49-F238E27FC236}">
+                <a16:creationId xmlns:a16="http://schemas.microsoft.com/office/drawing/2014/main" id="{90EFD39C-B487-4ED1-8198-751A67B5DED3}"/>
+              </a:ext>
+            </a:extLst>
+          </p:cNvPr>
+          <p:cNvCxnSpPr>
+            <a:stCxn id="28" idx="0"/>
+            <a:endCxn id="27" idx="1"/>
+          </p:cNvCxnSpPr>
+          <p:nvPr/>
+        </p:nvCxnSpPr>
+        <p:spPr>
+          <a:xfrm rot="5400000" flipH="1" flipV="1">
+            <a:off x="2403555" y="4930663"/>
+            <a:ext cx="685913" cy="125024"/>
+          </a:xfrm>
+          <a:prstGeom prst="bentConnector2">
+            <a:avLst/>
+          </a:prstGeom>
+          <a:ln w="19050">
+            <a:headEnd type="none" w="med" len="med"/>
+            <a:tailEnd type="triangle" w="med" len="med"/>
+          </a:ln>
+        </p:spPr>
+        <p:style>
+          <a:lnRef idx="3">
+            <a:schemeClr val="dk1"/>
+          </a:lnRef>
+          <a:fillRef idx="0">
+            <a:schemeClr val="dk1"/>
+          </a:fillRef>
+          <a:effectRef idx="2">
+            <a:schemeClr val="dk1"/>
+          </a:effectRef>
+          <a:fontRef idx="minor">
+            <a:schemeClr val="tx1"/>
+          </a:fontRef>
+        </p:style>
+      </p:cxnSp>
+      <p:cxnSp>
+        <p:nvCxnSpPr>
+          <p:cNvPr id="85" name="Connector: Elbow 84">
+            <a:extLst>
+              <a:ext uri="{FF2B5EF4-FFF2-40B4-BE49-F238E27FC236}">
+                <a16:creationId xmlns:a16="http://schemas.microsoft.com/office/drawing/2014/main" id="{53D32CB6-51FF-4A5A-B116-81E2BDA5495C}"/>
+              </a:ext>
+            </a:extLst>
+          </p:cNvPr>
+          <p:cNvCxnSpPr>
+            <a:stCxn id="33" idx="0"/>
+            <a:endCxn id="32" idx="3"/>
+          </p:cNvCxnSpPr>
+          <p:nvPr/>
+        </p:nvCxnSpPr>
+        <p:spPr>
+          <a:xfrm rot="16200000" flipV="1">
+            <a:off x="6816532" y="4930662"/>
+            <a:ext cx="685913" cy="125025"/>
+          </a:xfrm>
+          <a:prstGeom prst="bentConnector2">
+            <a:avLst/>
+          </a:prstGeom>
+          <a:ln w="19050">
+            <a:headEnd type="none" w="med" len="med"/>
+            <a:tailEnd type="triangle" w="med" len="med"/>
+          </a:ln>
+        </p:spPr>
+        <p:style>
+          <a:lnRef idx="3">
+            <a:schemeClr val="dk1"/>
+          </a:lnRef>
+          <a:fillRef idx="0">
+            <a:schemeClr val="dk1"/>
+          </a:fillRef>
+          <a:effectRef idx="2">
+            <a:schemeClr val="dk1"/>
+          </a:effectRef>
+          <a:fontRef idx="minor">
+            <a:schemeClr val="tx1"/>
+          </a:fontRef>
+        </p:style>
+      </p:cxnSp>
+      <p:cxnSp>
+        <p:nvCxnSpPr>
+          <p:cNvPr id="87" name="Connector: Elbow 86">
+            <a:extLst>
+              <a:ext uri="{FF2B5EF4-FFF2-40B4-BE49-F238E27FC236}">
+                <a16:creationId xmlns:a16="http://schemas.microsoft.com/office/drawing/2014/main" id="{E3C7F6AB-F714-405B-AD5A-0CA287ADDA12}"/>
+              </a:ext>
+            </a:extLst>
+          </p:cNvPr>
+          <p:cNvCxnSpPr>
+            <a:stCxn id="29" idx="0"/>
+            <a:endCxn id="27" idx="2"/>
+          </p:cNvCxnSpPr>
+          <p:nvPr/>
+        </p:nvCxnSpPr>
+        <p:spPr>
+          <a:xfrm rot="16200000" flipV="1">
+            <a:off x="3684664" y="4824129"/>
+            <a:ext cx="267671" cy="756334"/>
+          </a:xfrm>
+          <a:prstGeom prst="bentConnector3">
+            <a:avLst/>
+          </a:prstGeom>
+          <a:ln w="19050">
+            <a:headEnd type="none" w="med" len="med"/>
+            <a:tailEnd type="triangle" w="med" len="med"/>
+          </a:ln>
+        </p:spPr>
+        <p:style>
+          <a:lnRef idx="3">
+            <a:schemeClr val="dk1"/>
+          </a:lnRef>
+          <a:fillRef idx="0">
+            <a:schemeClr val="dk1"/>
+          </a:fillRef>
+          <a:effectRef idx="2">
+            <a:schemeClr val="dk1"/>
+          </a:effectRef>
+          <a:fontRef idx="minor">
+            <a:schemeClr val="tx1"/>
+          </a:fontRef>
+        </p:style>
+      </p:cxnSp>
+      <p:cxnSp>
+        <p:nvCxnSpPr>
+          <p:cNvPr id="89" name="Connector: Elbow 88">
+            <a:extLst>
+              <a:ext uri="{FF2B5EF4-FFF2-40B4-BE49-F238E27FC236}">
+                <a16:creationId xmlns:a16="http://schemas.microsoft.com/office/drawing/2014/main" id="{322E67F2-B232-46EB-932B-47579CA76049}"/>
+              </a:ext>
+            </a:extLst>
+          </p:cNvPr>
+          <p:cNvCxnSpPr>
+            <a:stCxn id="34" idx="0"/>
+            <a:endCxn id="32" idx="2"/>
+          </p:cNvCxnSpPr>
+          <p:nvPr/>
+        </p:nvCxnSpPr>
+        <p:spPr>
+          <a:xfrm rot="5400000" flipH="1" flipV="1">
+            <a:off x="5953664" y="4824130"/>
+            <a:ext cx="267671" cy="756333"/>
+          </a:xfrm>
+          <a:prstGeom prst="bentConnector3">
+            <a:avLst/>
+          </a:prstGeom>
+          <a:ln w="19050">
+            <a:headEnd type="none" w="med" len="med"/>
+            <a:tailEnd type="triangle" w="med" len="med"/>
+          </a:ln>
+        </p:spPr>
+        <p:style>
+          <a:lnRef idx="3">
+            <a:schemeClr val="dk1"/>
+          </a:lnRef>
+          <a:fillRef idx="0">
+            <a:schemeClr val="dk1"/>
+          </a:fillRef>
+          <a:effectRef idx="2">
+            <a:schemeClr val="dk1"/>
+          </a:effectRef>
+          <a:fontRef idx="minor">
+            <a:schemeClr val="tx1"/>
+          </a:fontRef>
+        </p:style>
+      </p:cxnSp>
     </p:spTree>
     <p:extLst>
       <p:ext uri="{BB962C8B-B14F-4D97-AF65-F5344CB8AC3E}">

--- a/Documentation/FuncDecomp.pptx
+++ b/Documentation/FuncDecomp.pptx
@@ -5111,7 +5111,7 @@
             <a:lstStyle/>
             <a:p>
               <a:r>
-                <a:rPr lang="en-AU">
+                <a:rPr lang="en-AU" dirty="0">
                   <a:solidFill>
                     <a:schemeClr val="accent2"/>
                   </a:solidFill>
@@ -5120,13 +5120,6 @@
                 </a:rPr>
                 <a:t>V 10 REF</a:t>
               </a:r>
-              <a:endParaRPr lang="en-AU" dirty="0">
-                <a:solidFill>
-                  <a:schemeClr val="accent2"/>
-                </a:solidFill>
-                <a:latin typeface="Consolas" panose="020B0609020204030204" pitchFamily="49" charset="0"/>
-                <a:ea typeface="Yu Gothic" panose="020B0400000000000000" pitchFamily="34" charset="-128"/>
-              </a:endParaRPr>
             </a:p>
           </p:txBody>
         </p:sp>

--- a/Documentation/FuncDecomp.pptx
+++ b/Documentation/FuncDecomp.pptx
@@ -15,13 +15,14 @@
     <p:sldId id="257" r:id="rId9"/>
     <p:sldId id="271" r:id="rId10"/>
     <p:sldId id="272" r:id="rId11"/>
-    <p:sldId id="259" r:id="rId12"/>
-    <p:sldId id="260" r:id="rId13"/>
-    <p:sldId id="266" r:id="rId14"/>
-    <p:sldId id="261" r:id="rId15"/>
-    <p:sldId id="267" r:id="rId16"/>
-    <p:sldId id="268" r:id="rId17"/>
-    <p:sldId id="265" r:id="rId18"/>
+    <p:sldId id="273" r:id="rId12"/>
+    <p:sldId id="259" r:id="rId13"/>
+    <p:sldId id="260" r:id="rId14"/>
+    <p:sldId id="266" r:id="rId15"/>
+    <p:sldId id="261" r:id="rId16"/>
+    <p:sldId id="267" r:id="rId17"/>
+    <p:sldId id="268" r:id="rId18"/>
+    <p:sldId id="265" r:id="rId19"/>
   </p:sldIdLst>
   <p:sldSz cx="9906000" cy="6858000" type="A4"/>
   <p:notesSz cx="6858000" cy="9144000"/>
@@ -259,7 +260,7 @@
           <a:p>
             <a:fld id="{B0718091-353A-4726-AFD1-15211AE32140}" type="datetimeFigureOut">
               <a:rPr lang="en-AU" smtClean="0"/>
-              <a:t>1/06/2018</a:t>
+              <a:t>2/06/2018</a:t>
             </a:fld>
             <a:endParaRPr lang="en-AU" dirty="0"/>
           </a:p>
@@ -429,7 +430,7 @@
           <a:p>
             <a:fld id="{B0718091-353A-4726-AFD1-15211AE32140}" type="datetimeFigureOut">
               <a:rPr lang="en-AU" smtClean="0"/>
-              <a:t>1/06/2018</a:t>
+              <a:t>2/06/2018</a:t>
             </a:fld>
             <a:endParaRPr lang="en-AU" dirty="0"/>
           </a:p>
@@ -609,7 +610,7 @@
           <a:p>
             <a:fld id="{B0718091-353A-4726-AFD1-15211AE32140}" type="datetimeFigureOut">
               <a:rPr lang="en-AU" smtClean="0"/>
-              <a:t>1/06/2018</a:t>
+              <a:t>2/06/2018</a:t>
             </a:fld>
             <a:endParaRPr lang="en-AU" dirty="0"/>
           </a:p>
@@ -779,7 +780,7 @@
           <a:p>
             <a:fld id="{B0718091-353A-4726-AFD1-15211AE32140}" type="datetimeFigureOut">
               <a:rPr lang="en-AU" smtClean="0"/>
-              <a:t>1/06/2018</a:t>
+              <a:t>2/06/2018</a:t>
             </a:fld>
             <a:endParaRPr lang="en-AU" dirty="0"/>
           </a:p>
@@ -1023,7 +1024,7 @@
           <a:p>
             <a:fld id="{B0718091-353A-4726-AFD1-15211AE32140}" type="datetimeFigureOut">
               <a:rPr lang="en-AU" smtClean="0"/>
-              <a:t>1/06/2018</a:t>
+              <a:t>2/06/2018</a:t>
             </a:fld>
             <a:endParaRPr lang="en-AU" dirty="0"/>
           </a:p>
@@ -1255,7 +1256,7 @@
           <a:p>
             <a:fld id="{B0718091-353A-4726-AFD1-15211AE32140}" type="datetimeFigureOut">
               <a:rPr lang="en-AU" smtClean="0"/>
-              <a:t>1/06/2018</a:t>
+              <a:t>2/06/2018</a:t>
             </a:fld>
             <a:endParaRPr lang="en-AU" dirty="0"/>
           </a:p>
@@ -1622,7 +1623,7 @@
           <a:p>
             <a:fld id="{B0718091-353A-4726-AFD1-15211AE32140}" type="datetimeFigureOut">
               <a:rPr lang="en-AU" smtClean="0"/>
-              <a:t>1/06/2018</a:t>
+              <a:t>2/06/2018</a:t>
             </a:fld>
             <a:endParaRPr lang="en-AU" dirty="0"/>
           </a:p>
@@ -1740,7 +1741,7 @@
           <a:p>
             <a:fld id="{B0718091-353A-4726-AFD1-15211AE32140}" type="datetimeFigureOut">
               <a:rPr lang="en-AU" smtClean="0"/>
-              <a:t>1/06/2018</a:t>
+              <a:t>2/06/2018</a:t>
             </a:fld>
             <a:endParaRPr lang="en-AU" dirty="0"/>
           </a:p>
@@ -1835,7 +1836,7 @@
           <a:p>
             <a:fld id="{B0718091-353A-4726-AFD1-15211AE32140}" type="datetimeFigureOut">
               <a:rPr lang="en-AU" smtClean="0"/>
-              <a:t>1/06/2018</a:t>
+              <a:t>2/06/2018</a:t>
             </a:fld>
             <a:endParaRPr lang="en-AU" dirty="0"/>
           </a:p>
@@ -2112,7 +2113,7 @@
           <a:p>
             <a:fld id="{B0718091-353A-4726-AFD1-15211AE32140}" type="datetimeFigureOut">
               <a:rPr lang="en-AU" smtClean="0"/>
-              <a:t>1/06/2018</a:t>
+              <a:t>2/06/2018</a:t>
             </a:fld>
             <a:endParaRPr lang="en-AU" dirty="0"/>
           </a:p>
@@ -2368,7 +2369,7 @@
           <a:p>
             <a:fld id="{B0718091-353A-4726-AFD1-15211AE32140}" type="datetimeFigureOut">
               <a:rPr lang="en-AU" smtClean="0"/>
-              <a:t>1/06/2018</a:t>
+              <a:t>2/06/2018</a:t>
             </a:fld>
             <a:endParaRPr lang="en-AU" dirty="0"/>
           </a:p>
@@ -2581,7 +2582,7 @@
           <a:p>
             <a:fld id="{B0718091-353A-4726-AFD1-15211AE32140}" type="datetimeFigureOut">
               <a:rPr lang="en-AU" smtClean="0"/>
-              <a:t>1/06/2018</a:t>
+              <a:t>2/06/2018</a:t>
             </a:fld>
             <a:endParaRPr lang="en-AU" dirty="0"/>
           </a:p>
@@ -6077,123 +6078,4247 @@
           <a:chExt cx="0" cy="0"/>
         </a:xfrm>
       </p:grpSpPr>
-      <p:sp>
-        <p:nvSpPr>
-          <p:cNvPr id="52" name="Flowchart: Alternate Process 51">
+      <p:grpSp>
+        <p:nvGrpSpPr>
+          <p:cNvPr id="185" name="Group 184">
             <a:extLst>
               <a:ext uri="{FF2B5EF4-FFF2-40B4-BE49-F238E27FC236}">
-                <a16:creationId xmlns:a16="http://schemas.microsoft.com/office/drawing/2014/main" id="{0AB426EE-2687-43AD-8C5C-8E0079F2D89C}"/>
+                <a16:creationId xmlns:a16="http://schemas.microsoft.com/office/drawing/2014/main" id="{BFA7731D-B19A-4D80-9549-4A74245C5390}"/>
               </a:ext>
             </a:extLst>
           </p:cNvPr>
-          <p:cNvSpPr/>
+          <p:cNvGrpSpPr/>
           <p:nvPr/>
-        </p:nvSpPr>
-        <p:spPr>
+        </p:nvGrpSpPr>
+        <p:grpSpPr>
+          <a:xfrm>
+            <a:off x="525400" y="1720594"/>
+            <a:ext cx="7488321" cy="1848683"/>
+            <a:chOff x="525400" y="1720594"/>
+            <a:chExt cx="7488321" cy="1848683"/>
+          </a:xfrm>
+        </p:grpSpPr>
+        <p:sp>
+          <p:nvSpPr>
+            <p:cNvPr id="149" name="Rectangle: Rounded Corners 148">
+              <a:extLst>
+                <a:ext uri="{FF2B5EF4-FFF2-40B4-BE49-F238E27FC236}">
+                  <a16:creationId xmlns:a16="http://schemas.microsoft.com/office/drawing/2014/main" id="{455C2E91-2865-461D-B2CB-82D2E5ABF5E9}"/>
+                </a:ext>
+              </a:extLst>
+            </p:cNvPr>
+            <p:cNvSpPr/>
+            <p:nvPr/>
+          </p:nvSpPr>
+          <p:spPr>
+            <a:xfrm>
+              <a:off x="3377045" y="2028371"/>
+              <a:ext cx="2270414" cy="1540906"/>
+            </a:xfrm>
+            <a:prstGeom prst="roundRect">
+              <a:avLst/>
+            </a:prstGeom>
+            <a:noFill/>
+            <a:ln>
+              <a:solidFill>
+                <a:schemeClr val="tx1"/>
+              </a:solidFill>
+            </a:ln>
+          </p:spPr>
+          <p:style>
+            <a:lnRef idx="2">
+              <a:schemeClr val="accent1">
+                <a:shade val="50000"/>
+              </a:schemeClr>
+            </a:lnRef>
+            <a:fillRef idx="1">
+              <a:schemeClr val="accent1"/>
+            </a:fillRef>
+            <a:effectRef idx="0">
+              <a:schemeClr val="accent1"/>
+            </a:effectRef>
+            <a:fontRef idx="minor">
+              <a:schemeClr val="lt1"/>
+            </a:fontRef>
+          </p:style>
+          <p:txBody>
+            <a:bodyPr rtlCol="0" anchor="ctr"/>
+            <a:lstStyle/>
+            <a:p>
+              <a:pPr algn="ctr"/>
+              <a:endParaRPr lang="en-AU"/>
+            </a:p>
+          </p:txBody>
+        </p:sp>
+        <p:cxnSp>
+          <p:nvCxnSpPr>
+            <p:cNvPr id="49" name="Connector: Elbow 48">
+              <a:extLst>
+                <a:ext uri="{FF2B5EF4-FFF2-40B4-BE49-F238E27FC236}">
+                  <a16:creationId xmlns:a16="http://schemas.microsoft.com/office/drawing/2014/main" id="{4972C7CC-4690-4A55-83C5-9FC9D9F6808A}"/>
+                </a:ext>
+              </a:extLst>
+            </p:cNvPr>
+            <p:cNvCxnSpPr>
+              <a:cxnSpLocks/>
+              <a:stCxn id="50" idx="1"/>
+              <a:endCxn id="45" idx="2"/>
+            </p:cNvCxnSpPr>
+            <p:nvPr/>
+          </p:nvCxnSpPr>
+          <p:spPr>
+            <a:xfrm rot="10800000">
+              <a:off x="1622663" y="3056525"/>
+              <a:ext cx="523327" cy="232990"/>
+            </a:xfrm>
+            <a:prstGeom prst="bentConnector2">
+              <a:avLst/>
+            </a:prstGeom>
+            <a:ln w="19050">
+              <a:solidFill>
+                <a:schemeClr val="accent2"/>
+              </a:solidFill>
+              <a:headEnd type="none" w="med" len="med"/>
+              <a:tailEnd type="triangle" w="med" len="med"/>
+            </a:ln>
+          </p:spPr>
+          <p:style>
+            <a:lnRef idx="3">
+              <a:schemeClr val="dk1"/>
+            </a:lnRef>
+            <a:fillRef idx="0">
+              <a:schemeClr val="dk1"/>
+            </a:fillRef>
+            <a:effectRef idx="2">
+              <a:schemeClr val="dk1"/>
+            </a:effectRef>
+            <a:fontRef idx="minor">
+              <a:schemeClr val="tx1"/>
+            </a:fontRef>
+          </p:style>
+        </p:cxnSp>
+        <p:sp>
+          <p:nvSpPr>
+            <p:cNvPr id="50" name="Flowchart: Alternate Process 49">
+              <a:extLst>
+                <a:ext uri="{FF2B5EF4-FFF2-40B4-BE49-F238E27FC236}">
+                  <a16:creationId xmlns:a16="http://schemas.microsoft.com/office/drawing/2014/main" id="{B01C7F94-2A2A-448F-A227-3326B865D2D7}"/>
+                </a:ext>
+              </a:extLst>
+            </p:cNvPr>
+            <p:cNvSpPr/>
+            <p:nvPr/>
+          </p:nvSpPr>
+          <p:spPr>
+            <a:xfrm>
+              <a:off x="2145989" y="3056024"/>
+              <a:ext cx="1087247" cy="466982"/>
+            </a:xfrm>
+            <a:prstGeom prst="flowChartAlternateProcess">
+              <a:avLst/>
+            </a:prstGeom>
+            <a:noFill/>
+            <a:ln>
+              <a:noFill/>
+            </a:ln>
+          </p:spPr>
+          <p:style>
+            <a:lnRef idx="2">
+              <a:schemeClr val="dk1"/>
+            </a:lnRef>
+            <a:fillRef idx="1">
+              <a:schemeClr val="lt1"/>
+            </a:fillRef>
+            <a:effectRef idx="0">
+              <a:schemeClr val="dk1"/>
+            </a:effectRef>
+            <a:fontRef idx="minor">
+              <a:schemeClr val="dk1"/>
+            </a:fontRef>
+          </p:style>
+          <p:txBody>
+            <a:bodyPr rot="0" spcFirstLastPara="0" vertOverflow="overflow" horzOverflow="overflow" vert="horz" wrap="square" lIns="0" tIns="0" rIns="0" bIns="0" numCol="1" spcCol="0" rtlCol="0" fromWordArt="0" anchor="ctr" anchorCtr="0" forceAA="0" compatLnSpc="1">
+              <a:prstTxWarp prst="textNoShape">
+                <a:avLst/>
+              </a:prstTxWarp>
+              <a:noAutofit/>
+            </a:bodyPr>
+            <a:lstStyle/>
+            <a:p>
+              <a:r>
+                <a:rPr lang="en-AU" sz="1400" dirty="0">
+                  <a:solidFill>
+                    <a:schemeClr val="accent2"/>
+                  </a:solidFill>
+                  <a:latin typeface="Consolas" panose="020B0609020204030204" pitchFamily="49" charset="0"/>
+                  <a:ea typeface="Yu Gothic" panose="020B0400000000000000" pitchFamily="34" charset="-128"/>
+                </a:rPr>
+                <a:t>External Load Cells</a:t>
+              </a:r>
+            </a:p>
+          </p:txBody>
+        </p:sp>
+        <p:sp>
+          <p:nvSpPr>
+            <p:cNvPr id="52" name="Flowchart: Alternate Process 51">
+              <a:extLst>
+                <a:ext uri="{FF2B5EF4-FFF2-40B4-BE49-F238E27FC236}">
+                  <a16:creationId xmlns:a16="http://schemas.microsoft.com/office/drawing/2014/main" id="{3F1D1532-2DA0-454D-B107-72D4A0DD9616}"/>
+                </a:ext>
+              </a:extLst>
+            </p:cNvPr>
+            <p:cNvSpPr/>
+            <p:nvPr/>
+          </p:nvSpPr>
+          <p:spPr>
+            <a:xfrm>
+              <a:off x="2145989" y="2150627"/>
+              <a:ext cx="1087247" cy="466982"/>
+            </a:xfrm>
+            <a:prstGeom prst="flowChartAlternateProcess">
+              <a:avLst/>
+            </a:prstGeom>
+            <a:noFill/>
+            <a:ln>
+              <a:noFill/>
+            </a:ln>
+          </p:spPr>
+          <p:style>
+            <a:lnRef idx="2">
+              <a:schemeClr val="dk1"/>
+            </a:lnRef>
+            <a:fillRef idx="1">
+              <a:schemeClr val="lt1"/>
+            </a:fillRef>
+            <a:effectRef idx="0">
+              <a:schemeClr val="dk1"/>
+            </a:effectRef>
+            <a:fontRef idx="minor">
+              <a:schemeClr val="dk1"/>
+            </a:fontRef>
+          </p:style>
+          <p:txBody>
+            <a:bodyPr rot="0" spcFirstLastPara="0" vertOverflow="overflow" horzOverflow="overflow" vert="horz" wrap="square" lIns="0" tIns="0" rIns="0" bIns="0" numCol="1" spcCol="0" rtlCol="0" fromWordArt="0" anchor="ctr" anchorCtr="0" forceAA="0" compatLnSpc="1">
+              <a:prstTxWarp prst="textNoShape">
+                <a:avLst/>
+              </a:prstTxWarp>
+              <a:noAutofit/>
+            </a:bodyPr>
+            <a:lstStyle/>
+            <a:p>
+              <a:r>
+                <a:rPr lang="en-AU" sz="1400" dirty="0">
+                  <a:solidFill>
+                    <a:schemeClr val="accent2"/>
+                  </a:solidFill>
+                  <a:latin typeface="Consolas" panose="020B0609020204030204" pitchFamily="49" charset="0"/>
+                  <a:ea typeface="Yu Gothic" panose="020B0400000000000000" pitchFamily="34" charset="-128"/>
+                </a:rPr>
+                <a:t>Internal Load Cells</a:t>
+              </a:r>
+            </a:p>
+          </p:txBody>
+        </p:sp>
+        <p:cxnSp>
+          <p:nvCxnSpPr>
+            <p:cNvPr id="54" name="Connector: Elbow 53">
+              <a:extLst>
+                <a:ext uri="{FF2B5EF4-FFF2-40B4-BE49-F238E27FC236}">
+                  <a16:creationId xmlns:a16="http://schemas.microsoft.com/office/drawing/2014/main" id="{49B52C78-7618-4B5A-A79D-5CEE94F38072}"/>
+                </a:ext>
+              </a:extLst>
+            </p:cNvPr>
+            <p:cNvCxnSpPr>
+              <a:cxnSpLocks/>
+              <a:stCxn id="55" idx="1"/>
+              <a:endCxn id="37" idx="1"/>
+            </p:cNvCxnSpPr>
+            <p:nvPr/>
+          </p:nvCxnSpPr>
+          <p:spPr>
+            <a:xfrm rot="10800000">
+              <a:off x="525400" y="2904967"/>
+              <a:ext cx="12700" cy="384548"/>
+            </a:xfrm>
+            <a:prstGeom prst="bentConnector3">
+              <a:avLst>
+                <a:gd name="adj1" fmla="val 1800000"/>
+              </a:avLst>
+            </a:prstGeom>
+            <a:ln w="19050">
+              <a:solidFill>
+                <a:schemeClr val="accent2"/>
+              </a:solidFill>
+              <a:headEnd type="none" w="med" len="med"/>
+              <a:tailEnd type="triangle" w="med" len="med"/>
+            </a:ln>
+          </p:spPr>
+          <p:style>
+            <a:lnRef idx="3">
+              <a:schemeClr val="dk1"/>
+            </a:lnRef>
+            <a:fillRef idx="0">
+              <a:schemeClr val="dk1"/>
+            </a:fillRef>
+            <a:effectRef idx="2">
+              <a:schemeClr val="dk1"/>
+            </a:effectRef>
+            <a:fontRef idx="minor">
+              <a:schemeClr val="tx1"/>
+            </a:fontRef>
+          </p:style>
+        </p:cxnSp>
+        <p:sp>
+          <p:nvSpPr>
+            <p:cNvPr id="55" name="Flowchart: Alternate Process 54">
+              <a:extLst>
+                <a:ext uri="{FF2B5EF4-FFF2-40B4-BE49-F238E27FC236}">
+                  <a16:creationId xmlns:a16="http://schemas.microsoft.com/office/drawing/2014/main" id="{9E217EF9-179C-4B2E-BAD9-16D5A241191E}"/>
+                </a:ext>
+              </a:extLst>
+            </p:cNvPr>
+            <p:cNvSpPr/>
+            <p:nvPr/>
+          </p:nvSpPr>
+          <p:spPr>
+            <a:xfrm>
+              <a:off x="525400" y="3056024"/>
+              <a:ext cx="1087247" cy="466982"/>
+            </a:xfrm>
+            <a:prstGeom prst="flowChartAlternateProcess">
+              <a:avLst/>
+            </a:prstGeom>
+            <a:noFill/>
+            <a:ln>
+              <a:noFill/>
+            </a:ln>
+          </p:spPr>
+          <p:style>
+            <a:lnRef idx="2">
+              <a:schemeClr val="dk1"/>
+            </a:lnRef>
+            <a:fillRef idx="1">
+              <a:schemeClr val="lt1"/>
+            </a:fillRef>
+            <a:effectRef idx="0">
+              <a:schemeClr val="dk1"/>
+            </a:effectRef>
+            <a:fontRef idx="minor">
+              <a:schemeClr val="dk1"/>
+            </a:fontRef>
+          </p:style>
+          <p:txBody>
+            <a:bodyPr rot="0" spcFirstLastPara="0" vertOverflow="overflow" horzOverflow="overflow" vert="horz" wrap="square" lIns="0" tIns="0" rIns="0" bIns="0" numCol="1" spcCol="0" rtlCol="0" fromWordArt="0" anchor="ctr" anchorCtr="0" forceAA="0" compatLnSpc="1">
+              <a:prstTxWarp prst="textNoShape">
+                <a:avLst/>
+              </a:prstTxWarp>
+              <a:noAutofit/>
+            </a:bodyPr>
+            <a:lstStyle/>
+            <a:p>
+              <a:r>
+                <a:rPr lang="en-AU" sz="1400" dirty="0">
+                  <a:solidFill>
+                    <a:schemeClr val="accent2"/>
+                  </a:solidFill>
+                  <a:latin typeface="Consolas" panose="020B0609020204030204" pitchFamily="49" charset="0"/>
+                  <a:ea typeface="Yu Gothic" panose="020B0400000000000000" pitchFamily="34" charset="-128"/>
+                </a:rPr>
+                <a:t>Centre Plate</a:t>
+              </a:r>
+            </a:p>
+          </p:txBody>
+        </p:sp>
+        <p:cxnSp>
+          <p:nvCxnSpPr>
+            <p:cNvPr id="56" name="Connector: Elbow 55">
+              <a:extLst>
+                <a:ext uri="{FF2B5EF4-FFF2-40B4-BE49-F238E27FC236}">
+                  <a16:creationId xmlns:a16="http://schemas.microsoft.com/office/drawing/2014/main" id="{14ECE0A1-02BD-4629-9394-0111D0F6D06B}"/>
+                </a:ext>
+              </a:extLst>
+            </p:cNvPr>
+            <p:cNvCxnSpPr>
+              <a:cxnSpLocks/>
+              <a:stCxn id="57" idx="1"/>
+              <a:endCxn id="48" idx="1"/>
+            </p:cNvCxnSpPr>
+            <p:nvPr/>
+          </p:nvCxnSpPr>
+          <p:spPr>
+            <a:xfrm rot="10800000" flipV="1">
+              <a:off x="525400" y="2384117"/>
+              <a:ext cx="12700" cy="333927"/>
+            </a:xfrm>
+            <a:prstGeom prst="bentConnector3">
+              <a:avLst>
+                <a:gd name="adj1" fmla="val 1800000"/>
+              </a:avLst>
+            </a:prstGeom>
+            <a:ln w="19050">
+              <a:solidFill>
+                <a:schemeClr val="accent2"/>
+              </a:solidFill>
+              <a:headEnd type="none" w="med" len="med"/>
+              <a:tailEnd type="triangle" w="med" len="med"/>
+            </a:ln>
+          </p:spPr>
+          <p:style>
+            <a:lnRef idx="3">
+              <a:schemeClr val="dk1"/>
+            </a:lnRef>
+            <a:fillRef idx="0">
+              <a:schemeClr val="dk1"/>
+            </a:fillRef>
+            <a:effectRef idx="2">
+              <a:schemeClr val="dk1"/>
+            </a:effectRef>
+            <a:fontRef idx="minor">
+              <a:schemeClr val="tx1"/>
+            </a:fontRef>
+          </p:style>
+        </p:cxnSp>
+        <p:sp>
+          <p:nvSpPr>
+            <p:cNvPr id="57" name="Flowchart: Alternate Process 56">
+              <a:extLst>
+                <a:ext uri="{FF2B5EF4-FFF2-40B4-BE49-F238E27FC236}">
+                  <a16:creationId xmlns:a16="http://schemas.microsoft.com/office/drawing/2014/main" id="{FA58E225-9BC2-4DBC-B145-EF2E12AFB5FB}"/>
+                </a:ext>
+              </a:extLst>
+            </p:cNvPr>
+            <p:cNvSpPr/>
+            <p:nvPr/>
+          </p:nvSpPr>
+          <p:spPr>
+            <a:xfrm>
+              <a:off x="525400" y="2150627"/>
+              <a:ext cx="1087247" cy="466982"/>
+            </a:xfrm>
+            <a:prstGeom prst="flowChartAlternateProcess">
+              <a:avLst/>
+            </a:prstGeom>
+            <a:noFill/>
+            <a:ln>
+              <a:noFill/>
+            </a:ln>
+          </p:spPr>
+          <p:style>
+            <a:lnRef idx="2">
+              <a:schemeClr val="dk1"/>
+            </a:lnRef>
+            <a:fillRef idx="1">
+              <a:schemeClr val="lt1"/>
+            </a:fillRef>
+            <a:effectRef idx="0">
+              <a:schemeClr val="dk1"/>
+            </a:effectRef>
+            <a:fontRef idx="minor">
+              <a:schemeClr val="dk1"/>
+            </a:fontRef>
+          </p:style>
+          <p:txBody>
+            <a:bodyPr rot="0" spcFirstLastPara="0" vertOverflow="overflow" horzOverflow="overflow" vert="horz" wrap="square" lIns="0" tIns="0" rIns="0" bIns="0" numCol="1" spcCol="0" rtlCol="0" fromWordArt="0" anchor="ctr" anchorCtr="0" forceAA="0" compatLnSpc="1">
+              <a:prstTxWarp prst="textNoShape">
+                <a:avLst/>
+              </a:prstTxWarp>
+              <a:noAutofit/>
+            </a:bodyPr>
+            <a:lstStyle/>
+            <a:p>
+              <a:r>
+                <a:rPr lang="en-AU" sz="1400" dirty="0">
+                  <a:solidFill>
+                    <a:schemeClr val="accent2"/>
+                  </a:solidFill>
+                  <a:latin typeface="Consolas" panose="020B0609020204030204" pitchFamily="49" charset="0"/>
+                  <a:ea typeface="Yu Gothic" panose="020B0400000000000000" pitchFamily="34" charset="-128"/>
+                </a:rPr>
+                <a:t>Top Plate</a:t>
+              </a:r>
+            </a:p>
+          </p:txBody>
+        </p:sp>
+        <p:grpSp>
+          <p:nvGrpSpPr>
+            <p:cNvPr id="93" name="Group 92">
+              <a:extLst>
+                <a:ext uri="{FF2B5EF4-FFF2-40B4-BE49-F238E27FC236}">
+                  <a16:creationId xmlns:a16="http://schemas.microsoft.com/office/drawing/2014/main" id="{03C05C3B-5967-44C1-8FBB-18384B2693DC}"/>
+                </a:ext>
+              </a:extLst>
+            </p:cNvPr>
+            <p:cNvGrpSpPr/>
+            <p:nvPr/>
+          </p:nvGrpSpPr>
+          <p:grpSpPr>
+            <a:xfrm>
+              <a:off x="525400" y="2682681"/>
+              <a:ext cx="2815277" cy="373844"/>
+              <a:chOff x="525400" y="2647213"/>
+              <a:chExt cx="2925070" cy="373844"/>
+            </a:xfrm>
+          </p:grpSpPr>
+          <p:sp>
+            <p:nvSpPr>
+              <p:cNvPr id="48" name="Rectangle 47">
+                <a:extLst>
+                  <a:ext uri="{FF2B5EF4-FFF2-40B4-BE49-F238E27FC236}">
+                    <a16:creationId xmlns:a16="http://schemas.microsoft.com/office/drawing/2014/main" id="{EFF8CF3A-EBA0-45A5-B9C4-CFE5FB7469AB}"/>
+                  </a:ext>
+                </a:extLst>
+              </p:cNvPr>
+              <p:cNvSpPr/>
+              <p:nvPr/>
+            </p:nvSpPr>
+            <p:spPr>
+              <a:xfrm>
+                <a:off x="525400" y="2647213"/>
+                <a:ext cx="2925070" cy="70727"/>
+              </a:xfrm>
+              <a:prstGeom prst="rect">
+                <a:avLst/>
+              </a:prstGeom>
+            </p:spPr>
+            <p:style>
+              <a:lnRef idx="2">
+                <a:schemeClr val="dk1">
+                  <a:shade val="50000"/>
+                </a:schemeClr>
+              </a:lnRef>
+              <a:fillRef idx="1">
+                <a:schemeClr val="dk1"/>
+              </a:fillRef>
+              <a:effectRef idx="0">
+                <a:schemeClr val="dk1"/>
+              </a:effectRef>
+              <a:fontRef idx="minor">
+                <a:schemeClr val="lt1"/>
+              </a:fontRef>
+            </p:style>
+            <p:txBody>
+              <a:bodyPr rtlCol="0" anchor="ctr"/>
+              <a:lstStyle/>
+              <a:p>
+                <a:pPr algn="ctr"/>
+                <a:endParaRPr lang="en-AU"/>
+              </a:p>
+            </p:txBody>
+          </p:sp>
+          <p:sp>
+            <p:nvSpPr>
+              <p:cNvPr id="37" name="Rectangle 36">
+                <a:extLst>
+                  <a:ext uri="{FF2B5EF4-FFF2-40B4-BE49-F238E27FC236}">
+                    <a16:creationId xmlns:a16="http://schemas.microsoft.com/office/drawing/2014/main" id="{4AD49675-B821-4C3E-A257-A1CDEFE5AB83}"/>
+                  </a:ext>
+                </a:extLst>
+              </p:cNvPr>
+              <p:cNvSpPr/>
+              <p:nvPr/>
+            </p:nvSpPr>
+            <p:spPr>
+              <a:xfrm>
+                <a:off x="525400" y="2834135"/>
+                <a:ext cx="2925070" cy="70727"/>
+              </a:xfrm>
+              <a:prstGeom prst="rect">
+                <a:avLst/>
+              </a:prstGeom>
+            </p:spPr>
+            <p:style>
+              <a:lnRef idx="2">
+                <a:schemeClr val="dk1">
+                  <a:shade val="50000"/>
+                </a:schemeClr>
+              </a:lnRef>
+              <a:fillRef idx="1">
+                <a:schemeClr val="dk1"/>
+              </a:fillRef>
+              <a:effectRef idx="0">
+                <a:schemeClr val="dk1"/>
+              </a:effectRef>
+              <a:fontRef idx="minor">
+                <a:schemeClr val="lt1"/>
+              </a:fontRef>
+            </p:style>
+            <p:txBody>
+              <a:bodyPr rtlCol="0" anchor="ctr"/>
+              <a:lstStyle/>
+              <a:p>
+                <a:pPr algn="ctr"/>
+                <a:endParaRPr lang="en-AU"/>
+              </a:p>
+            </p:txBody>
+          </p:sp>
+          <p:grpSp>
+            <p:nvGrpSpPr>
+              <p:cNvPr id="42" name="Group 41">
+                <a:extLst>
+                  <a:ext uri="{FF2B5EF4-FFF2-40B4-BE49-F238E27FC236}">
+                    <a16:creationId xmlns:a16="http://schemas.microsoft.com/office/drawing/2014/main" id="{573C291E-8619-48DD-8FA8-F300986F2135}"/>
+                  </a:ext>
+                </a:extLst>
+              </p:cNvPr>
+              <p:cNvGrpSpPr/>
+              <p:nvPr/>
+            </p:nvGrpSpPr>
+            <p:grpSpPr>
+              <a:xfrm>
+                <a:off x="793153" y="2717940"/>
+                <a:ext cx="2440083" cy="116195"/>
+                <a:chOff x="2374409" y="2642161"/>
+                <a:chExt cx="2440083" cy="116195"/>
+              </a:xfrm>
+            </p:grpSpPr>
+            <p:sp>
+              <p:nvSpPr>
+                <p:cNvPr id="38" name="Rectangle 37">
+                  <a:extLst>
+                    <a:ext uri="{FF2B5EF4-FFF2-40B4-BE49-F238E27FC236}">
+                      <a16:creationId xmlns:a16="http://schemas.microsoft.com/office/drawing/2014/main" id="{120E0138-BCD7-4CB8-8D7B-E5EC6E6F55D2}"/>
+                    </a:ext>
+                  </a:extLst>
+                </p:cNvPr>
+                <p:cNvSpPr/>
+                <p:nvPr/>
+              </p:nvSpPr>
+              <p:spPr>
+                <a:xfrm>
+                  <a:off x="2374409" y="2642161"/>
+                  <a:ext cx="353635" cy="116195"/>
+                </a:xfrm>
+                <a:prstGeom prst="rect">
+                  <a:avLst/>
+                </a:prstGeom>
+              </p:spPr>
+              <p:style>
+                <a:lnRef idx="2">
+                  <a:schemeClr val="accent6">
+                    <a:shade val="50000"/>
+                  </a:schemeClr>
+                </a:lnRef>
+                <a:fillRef idx="1">
+                  <a:schemeClr val="accent6"/>
+                </a:fillRef>
+                <a:effectRef idx="0">
+                  <a:schemeClr val="accent6"/>
+                </a:effectRef>
+                <a:fontRef idx="minor">
+                  <a:schemeClr val="lt1"/>
+                </a:fontRef>
+              </p:style>
+              <p:txBody>
+                <a:bodyPr rtlCol="0" anchor="ctr"/>
+                <a:lstStyle/>
+                <a:p>
+                  <a:pPr algn="ctr"/>
+                  <a:endParaRPr lang="en-AU"/>
+                </a:p>
+              </p:txBody>
+            </p:sp>
+            <p:sp>
+              <p:nvSpPr>
+                <p:cNvPr id="39" name="Rectangle 38">
+                  <a:extLst>
+                    <a:ext uri="{FF2B5EF4-FFF2-40B4-BE49-F238E27FC236}">
+                      <a16:creationId xmlns:a16="http://schemas.microsoft.com/office/drawing/2014/main" id="{89B886AD-6083-46CA-B0B8-D4BED46EF505}"/>
+                    </a:ext>
+                  </a:extLst>
+                </p:cNvPr>
+                <p:cNvSpPr/>
+                <p:nvPr/>
+              </p:nvSpPr>
+              <p:spPr>
+                <a:xfrm>
+                  <a:off x="3069892" y="2642161"/>
+                  <a:ext cx="353635" cy="116195"/>
+                </a:xfrm>
+                <a:prstGeom prst="rect">
+                  <a:avLst/>
+                </a:prstGeom>
+              </p:spPr>
+              <p:style>
+                <a:lnRef idx="2">
+                  <a:schemeClr val="accent6">
+                    <a:shade val="50000"/>
+                  </a:schemeClr>
+                </a:lnRef>
+                <a:fillRef idx="1">
+                  <a:schemeClr val="accent6"/>
+                </a:fillRef>
+                <a:effectRef idx="0">
+                  <a:schemeClr val="accent6"/>
+                </a:effectRef>
+                <a:fontRef idx="minor">
+                  <a:schemeClr val="lt1"/>
+                </a:fontRef>
+              </p:style>
+              <p:txBody>
+                <a:bodyPr rtlCol="0" anchor="ctr"/>
+                <a:lstStyle/>
+                <a:p>
+                  <a:pPr algn="ctr"/>
+                  <a:endParaRPr lang="en-AU"/>
+                </a:p>
+              </p:txBody>
+            </p:sp>
+            <p:sp>
+              <p:nvSpPr>
+                <p:cNvPr id="40" name="Rectangle 39">
+                  <a:extLst>
+                    <a:ext uri="{FF2B5EF4-FFF2-40B4-BE49-F238E27FC236}">
+                      <a16:creationId xmlns:a16="http://schemas.microsoft.com/office/drawing/2014/main" id="{695AB50D-10A4-4EE7-96AA-587583E9EFC0}"/>
+                    </a:ext>
+                  </a:extLst>
+                </p:cNvPr>
+                <p:cNvSpPr/>
+                <p:nvPr/>
+              </p:nvSpPr>
+              <p:spPr>
+                <a:xfrm>
+                  <a:off x="3765375" y="2642161"/>
+                  <a:ext cx="353635" cy="116195"/>
+                </a:xfrm>
+                <a:prstGeom prst="rect">
+                  <a:avLst/>
+                </a:prstGeom>
+              </p:spPr>
+              <p:style>
+                <a:lnRef idx="2">
+                  <a:schemeClr val="accent6">
+                    <a:shade val="50000"/>
+                  </a:schemeClr>
+                </a:lnRef>
+                <a:fillRef idx="1">
+                  <a:schemeClr val="accent6"/>
+                </a:fillRef>
+                <a:effectRef idx="0">
+                  <a:schemeClr val="accent6"/>
+                </a:effectRef>
+                <a:fontRef idx="minor">
+                  <a:schemeClr val="lt1"/>
+                </a:fontRef>
+              </p:style>
+              <p:txBody>
+                <a:bodyPr rtlCol="0" anchor="ctr"/>
+                <a:lstStyle/>
+                <a:p>
+                  <a:pPr algn="ctr"/>
+                  <a:endParaRPr lang="en-AU"/>
+                </a:p>
+              </p:txBody>
+            </p:sp>
+            <p:sp>
+              <p:nvSpPr>
+                <p:cNvPr id="41" name="Rectangle 40">
+                  <a:extLst>
+                    <a:ext uri="{FF2B5EF4-FFF2-40B4-BE49-F238E27FC236}">
+                      <a16:creationId xmlns:a16="http://schemas.microsoft.com/office/drawing/2014/main" id="{489116C1-531F-4D19-B5EF-F52432949F77}"/>
+                    </a:ext>
+                  </a:extLst>
+                </p:cNvPr>
+                <p:cNvSpPr/>
+                <p:nvPr/>
+              </p:nvSpPr>
+              <p:spPr>
+                <a:xfrm>
+                  <a:off x="4460857" y="2642161"/>
+                  <a:ext cx="353635" cy="116195"/>
+                </a:xfrm>
+                <a:prstGeom prst="rect">
+                  <a:avLst/>
+                </a:prstGeom>
+              </p:spPr>
+              <p:style>
+                <a:lnRef idx="2">
+                  <a:schemeClr val="accent6">
+                    <a:shade val="50000"/>
+                  </a:schemeClr>
+                </a:lnRef>
+                <a:fillRef idx="1">
+                  <a:schemeClr val="accent6"/>
+                </a:fillRef>
+                <a:effectRef idx="0">
+                  <a:schemeClr val="accent6"/>
+                </a:effectRef>
+                <a:fontRef idx="minor">
+                  <a:schemeClr val="lt1"/>
+                </a:fontRef>
+              </p:style>
+              <p:txBody>
+                <a:bodyPr rtlCol="0" anchor="ctr"/>
+                <a:lstStyle/>
+                <a:p>
+                  <a:pPr algn="ctr"/>
+                  <a:endParaRPr lang="en-AU"/>
+                </a:p>
+              </p:txBody>
+            </p:sp>
+          </p:grpSp>
+          <p:grpSp>
+            <p:nvGrpSpPr>
+              <p:cNvPr id="43" name="Group 42">
+                <a:extLst>
+                  <a:ext uri="{FF2B5EF4-FFF2-40B4-BE49-F238E27FC236}">
+                    <a16:creationId xmlns:a16="http://schemas.microsoft.com/office/drawing/2014/main" id="{2A7E0505-0217-4B48-BDCF-35A79A7FD4F0}"/>
+                  </a:ext>
+                </a:extLst>
+              </p:cNvPr>
+              <p:cNvGrpSpPr/>
+              <p:nvPr/>
+            </p:nvGrpSpPr>
+            <p:grpSpPr>
+              <a:xfrm>
+                <a:off x="793153" y="2904862"/>
+                <a:ext cx="2440083" cy="116195"/>
+                <a:chOff x="2374409" y="2642161"/>
+                <a:chExt cx="2440083" cy="116195"/>
+              </a:xfrm>
+            </p:grpSpPr>
+            <p:sp>
+              <p:nvSpPr>
+                <p:cNvPr id="44" name="Rectangle 43">
+                  <a:extLst>
+                    <a:ext uri="{FF2B5EF4-FFF2-40B4-BE49-F238E27FC236}">
+                      <a16:creationId xmlns:a16="http://schemas.microsoft.com/office/drawing/2014/main" id="{43473688-1959-4E9B-9A5F-9A0E886C9960}"/>
+                    </a:ext>
+                  </a:extLst>
+                </p:cNvPr>
+                <p:cNvSpPr/>
+                <p:nvPr/>
+              </p:nvSpPr>
+              <p:spPr>
+                <a:xfrm>
+                  <a:off x="2374409" y="2642161"/>
+                  <a:ext cx="353635" cy="116195"/>
+                </a:xfrm>
+                <a:prstGeom prst="rect">
+                  <a:avLst/>
+                </a:prstGeom>
+              </p:spPr>
+              <p:style>
+                <a:lnRef idx="2">
+                  <a:schemeClr val="accent5">
+                    <a:shade val="50000"/>
+                  </a:schemeClr>
+                </a:lnRef>
+                <a:fillRef idx="1">
+                  <a:schemeClr val="accent5"/>
+                </a:fillRef>
+                <a:effectRef idx="0">
+                  <a:schemeClr val="accent5"/>
+                </a:effectRef>
+                <a:fontRef idx="minor">
+                  <a:schemeClr val="lt1"/>
+                </a:fontRef>
+              </p:style>
+              <p:txBody>
+                <a:bodyPr rtlCol="0" anchor="ctr"/>
+                <a:lstStyle/>
+                <a:p>
+                  <a:pPr algn="ctr"/>
+                  <a:endParaRPr lang="en-AU"/>
+                </a:p>
+              </p:txBody>
+            </p:sp>
+            <p:sp>
+              <p:nvSpPr>
+                <p:cNvPr id="45" name="Rectangle 44">
+                  <a:extLst>
+                    <a:ext uri="{FF2B5EF4-FFF2-40B4-BE49-F238E27FC236}">
+                      <a16:creationId xmlns:a16="http://schemas.microsoft.com/office/drawing/2014/main" id="{12738091-5EE6-4192-923C-925688FC1C1F}"/>
+                    </a:ext>
+                  </a:extLst>
+                </p:cNvPr>
+                <p:cNvSpPr/>
+                <p:nvPr/>
+              </p:nvSpPr>
+              <p:spPr>
+                <a:xfrm>
+                  <a:off x="3069892" y="2642161"/>
+                  <a:ext cx="353635" cy="116195"/>
+                </a:xfrm>
+                <a:prstGeom prst="rect">
+                  <a:avLst/>
+                </a:prstGeom>
+              </p:spPr>
+              <p:style>
+                <a:lnRef idx="2">
+                  <a:schemeClr val="accent5">
+                    <a:shade val="50000"/>
+                  </a:schemeClr>
+                </a:lnRef>
+                <a:fillRef idx="1">
+                  <a:schemeClr val="accent5"/>
+                </a:fillRef>
+                <a:effectRef idx="0">
+                  <a:schemeClr val="accent5"/>
+                </a:effectRef>
+                <a:fontRef idx="minor">
+                  <a:schemeClr val="lt1"/>
+                </a:fontRef>
+              </p:style>
+              <p:txBody>
+                <a:bodyPr rtlCol="0" anchor="ctr"/>
+                <a:lstStyle/>
+                <a:p>
+                  <a:pPr algn="ctr"/>
+                  <a:endParaRPr lang="en-AU"/>
+                </a:p>
+              </p:txBody>
+            </p:sp>
+            <p:sp>
+              <p:nvSpPr>
+                <p:cNvPr id="46" name="Rectangle 45">
+                  <a:extLst>
+                    <a:ext uri="{FF2B5EF4-FFF2-40B4-BE49-F238E27FC236}">
+                      <a16:creationId xmlns:a16="http://schemas.microsoft.com/office/drawing/2014/main" id="{6A13B815-83CD-4125-988A-9E1C99EE5159}"/>
+                    </a:ext>
+                  </a:extLst>
+                </p:cNvPr>
+                <p:cNvSpPr/>
+                <p:nvPr/>
+              </p:nvSpPr>
+              <p:spPr>
+                <a:xfrm>
+                  <a:off x="3765375" y="2642161"/>
+                  <a:ext cx="353635" cy="116195"/>
+                </a:xfrm>
+                <a:prstGeom prst="rect">
+                  <a:avLst/>
+                </a:prstGeom>
+              </p:spPr>
+              <p:style>
+                <a:lnRef idx="2">
+                  <a:schemeClr val="accent5">
+                    <a:shade val="50000"/>
+                  </a:schemeClr>
+                </a:lnRef>
+                <a:fillRef idx="1">
+                  <a:schemeClr val="accent5"/>
+                </a:fillRef>
+                <a:effectRef idx="0">
+                  <a:schemeClr val="accent5"/>
+                </a:effectRef>
+                <a:fontRef idx="minor">
+                  <a:schemeClr val="lt1"/>
+                </a:fontRef>
+              </p:style>
+              <p:txBody>
+                <a:bodyPr rtlCol="0" anchor="ctr"/>
+                <a:lstStyle/>
+                <a:p>
+                  <a:pPr algn="ctr"/>
+                  <a:endParaRPr lang="en-AU"/>
+                </a:p>
+              </p:txBody>
+            </p:sp>
+            <p:sp>
+              <p:nvSpPr>
+                <p:cNvPr id="47" name="Rectangle 46">
+                  <a:extLst>
+                    <a:ext uri="{FF2B5EF4-FFF2-40B4-BE49-F238E27FC236}">
+                      <a16:creationId xmlns:a16="http://schemas.microsoft.com/office/drawing/2014/main" id="{B0FA6EF1-527C-4C25-B310-5D3B2DF2FD9B}"/>
+                    </a:ext>
+                  </a:extLst>
+                </p:cNvPr>
+                <p:cNvSpPr/>
+                <p:nvPr/>
+              </p:nvSpPr>
+              <p:spPr>
+                <a:xfrm>
+                  <a:off x="4460857" y="2642161"/>
+                  <a:ext cx="353635" cy="116195"/>
+                </a:xfrm>
+                <a:prstGeom prst="rect">
+                  <a:avLst/>
+                </a:prstGeom>
+              </p:spPr>
+              <p:style>
+                <a:lnRef idx="2">
+                  <a:schemeClr val="accent5">
+                    <a:shade val="50000"/>
+                  </a:schemeClr>
+                </a:lnRef>
+                <a:fillRef idx="1">
+                  <a:schemeClr val="accent5"/>
+                </a:fillRef>
+                <a:effectRef idx="0">
+                  <a:schemeClr val="accent5"/>
+                </a:effectRef>
+                <a:fontRef idx="minor">
+                  <a:schemeClr val="lt1"/>
+                </a:fontRef>
+              </p:style>
+              <p:txBody>
+                <a:bodyPr rtlCol="0" anchor="ctr"/>
+                <a:lstStyle/>
+                <a:p>
+                  <a:pPr algn="ctr"/>
+                  <a:endParaRPr lang="en-AU"/>
+                </a:p>
+              </p:txBody>
+            </p:sp>
+          </p:grpSp>
+        </p:grpSp>
+        <p:cxnSp>
+          <p:nvCxnSpPr>
+            <p:cNvPr id="51" name="Connector: Elbow 50">
+              <a:extLst>
+                <a:ext uri="{FF2B5EF4-FFF2-40B4-BE49-F238E27FC236}">
+                  <a16:creationId xmlns:a16="http://schemas.microsoft.com/office/drawing/2014/main" id="{316CA71F-13A4-4986-9A4D-77EA684AAC1F}"/>
+                </a:ext>
+              </a:extLst>
+            </p:cNvPr>
+            <p:cNvCxnSpPr>
+              <a:cxnSpLocks/>
+              <a:stCxn id="52" idx="1"/>
+              <a:endCxn id="39" idx="0"/>
+            </p:cNvCxnSpPr>
+            <p:nvPr/>
+          </p:nvCxnSpPr>
+          <p:spPr>
+            <a:xfrm rot="10800000" flipV="1">
+              <a:off x="1622663" y="2384118"/>
+              <a:ext cx="523327" cy="369290"/>
+            </a:xfrm>
+            <a:prstGeom prst="bentConnector2">
+              <a:avLst/>
+            </a:prstGeom>
+            <a:ln w="19050">
+              <a:solidFill>
+                <a:schemeClr val="accent2"/>
+              </a:solidFill>
+              <a:headEnd type="none" w="med" len="med"/>
+              <a:tailEnd type="triangle" w="med" len="med"/>
+            </a:ln>
+          </p:spPr>
+          <p:style>
+            <a:lnRef idx="3">
+              <a:schemeClr val="dk1"/>
+            </a:lnRef>
+            <a:fillRef idx="0">
+              <a:schemeClr val="dk1"/>
+            </a:fillRef>
+            <a:effectRef idx="2">
+              <a:schemeClr val="dk1"/>
+            </a:effectRef>
+            <a:fontRef idx="minor">
+              <a:schemeClr val="tx1"/>
+            </a:fontRef>
+          </p:style>
+        </p:cxnSp>
+        <p:grpSp>
+          <p:nvGrpSpPr>
+            <p:cNvPr id="153" name="Group 152">
+              <a:extLst>
+                <a:ext uri="{FF2B5EF4-FFF2-40B4-BE49-F238E27FC236}">
+                  <a16:creationId xmlns:a16="http://schemas.microsoft.com/office/drawing/2014/main" id="{3D84EE52-651C-49FE-9918-D2B73EFB1D0F}"/>
+                </a:ext>
+              </a:extLst>
+            </p:cNvPr>
+            <p:cNvGrpSpPr/>
+            <p:nvPr/>
+          </p:nvGrpSpPr>
+          <p:grpSpPr>
+            <a:xfrm>
+              <a:off x="3470722" y="2150627"/>
+              <a:ext cx="2083060" cy="1302580"/>
+              <a:chOff x="3505529" y="2150627"/>
+              <a:chExt cx="2083060" cy="1302580"/>
+            </a:xfrm>
+          </p:grpSpPr>
+          <p:grpSp>
+            <p:nvGrpSpPr>
+              <p:cNvPr id="150" name="Group 149">
+                <a:extLst>
+                  <a:ext uri="{FF2B5EF4-FFF2-40B4-BE49-F238E27FC236}">
+                    <a16:creationId xmlns:a16="http://schemas.microsoft.com/office/drawing/2014/main" id="{E18B0D75-B24E-4D1E-924E-AB9B8326B4CE}"/>
+                  </a:ext>
+                </a:extLst>
+              </p:cNvPr>
+              <p:cNvGrpSpPr/>
+              <p:nvPr/>
+            </p:nvGrpSpPr>
+            <p:grpSpPr>
+              <a:xfrm>
+                <a:off x="4113609" y="2286001"/>
+                <a:ext cx="231309" cy="1167206"/>
+                <a:chOff x="7382485" y="2122134"/>
+                <a:chExt cx="231309" cy="1436633"/>
+              </a:xfrm>
+            </p:grpSpPr>
+            <p:sp>
+              <p:nvSpPr>
+                <p:cNvPr id="151" name="Arrow: Down 150">
+                  <a:extLst>
+                    <a:ext uri="{FF2B5EF4-FFF2-40B4-BE49-F238E27FC236}">
+                      <a16:creationId xmlns:a16="http://schemas.microsoft.com/office/drawing/2014/main" id="{0FE6FA97-264B-4C55-AC4C-5533CC52377E}"/>
+                    </a:ext>
+                  </a:extLst>
+                </p:cNvPr>
+                <p:cNvSpPr/>
+                <p:nvPr/>
+              </p:nvSpPr>
+              <p:spPr>
+                <a:xfrm>
+                  <a:off x="7382485" y="2122134"/>
+                  <a:ext cx="231309" cy="466982"/>
+                </a:xfrm>
+                <a:prstGeom prst="downArrow">
+                  <a:avLst/>
+                </a:prstGeom>
+              </p:spPr>
+              <p:style>
+                <a:lnRef idx="2">
+                  <a:schemeClr val="accent1">
+                    <a:shade val="50000"/>
+                  </a:schemeClr>
+                </a:lnRef>
+                <a:fillRef idx="1">
+                  <a:schemeClr val="accent1"/>
+                </a:fillRef>
+                <a:effectRef idx="0">
+                  <a:schemeClr val="accent1"/>
+                </a:effectRef>
+                <a:fontRef idx="minor">
+                  <a:schemeClr val="lt1"/>
+                </a:fontRef>
+              </p:style>
+              <p:txBody>
+                <a:bodyPr rtlCol="0" anchor="ctr"/>
+                <a:lstStyle/>
+                <a:p>
+                  <a:pPr algn="ctr"/>
+                  <a:endParaRPr lang="en-AU"/>
+                </a:p>
+              </p:txBody>
+            </p:sp>
+            <p:sp>
+              <p:nvSpPr>
+                <p:cNvPr id="152" name="Arrow: Down 151">
+                  <a:extLst>
+                    <a:ext uri="{FF2B5EF4-FFF2-40B4-BE49-F238E27FC236}">
+                      <a16:creationId xmlns:a16="http://schemas.microsoft.com/office/drawing/2014/main" id="{E366A0F3-3A83-49DE-82D8-3799A2CCFF29}"/>
+                    </a:ext>
+                  </a:extLst>
+                </p:cNvPr>
+                <p:cNvSpPr/>
+                <p:nvPr/>
+              </p:nvSpPr>
+              <p:spPr>
+                <a:xfrm rot="10800000">
+                  <a:off x="7382485" y="3091785"/>
+                  <a:ext cx="231309" cy="466982"/>
+                </a:xfrm>
+                <a:prstGeom prst="downArrow">
+                  <a:avLst/>
+                </a:prstGeom>
+              </p:spPr>
+              <p:style>
+                <a:lnRef idx="2">
+                  <a:schemeClr val="accent1">
+                    <a:shade val="50000"/>
+                  </a:schemeClr>
+                </a:lnRef>
+                <a:fillRef idx="1">
+                  <a:schemeClr val="accent1"/>
+                </a:fillRef>
+                <a:effectRef idx="0">
+                  <a:schemeClr val="accent1"/>
+                </a:effectRef>
+                <a:fontRef idx="minor">
+                  <a:schemeClr val="lt1"/>
+                </a:fontRef>
+              </p:style>
+              <p:txBody>
+                <a:bodyPr rtlCol="0" anchor="ctr"/>
+                <a:lstStyle/>
+                <a:p>
+                  <a:pPr algn="ctr"/>
+                  <a:endParaRPr lang="en-AU"/>
+                </a:p>
+              </p:txBody>
+            </p:sp>
+          </p:grpSp>
+          <p:grpSp>
+            <p:nvGrpSpPr>
+              <p:cNvPr id="129" name="Group 128">
+                <a:extLst>
+                  <a:ext uri="{FF2B5EF4-FFF2-40B4-BE49-F238E27FC236}">
+                    <a16:creationId xmlns:a16="http://schemas.microsoft.com/office/drawing/2014/main" id="{5300B946-FF98-4C6F-9D46-A4C724ECF497}"/>
+                  </a:ext>
+                </a:extLst>
+              </p:cNvPr>
+              <p:cNvGrpSpPr/>
+              <p:nvPr/>
+            </p:nvGrpSpPr>
+            <p:grpSpPr>
+              <a:xfrm>
+                <a:off x="3505529" y="2682681"/>
+                <a:ext cx="1447471" cy="373844"/>
+                <a:chOff x="525400" y="2647213"/>
+                <a:chExt cx="2925070" cy="373844"/>
+              </a:xfrm>
+            </p:grpSpPr>
+            <p:sp>
+              <p:nvSpPr>
+                <p:cNvPr id="130" name="Rectangle 129">
+                  <a:extLst>
+                    <a:ext uri="{FF2B5EF4-FFF2-40B4-BE49-F238E27FC236}">
+                      <a16:creationId xmlns:a16="http://schemas.microsoft.com/office/drawing/2014/main" id="{73EAB453-BF86-463E-A9F0-D099A8D656BB}"/>
+                    </a:ext>
+                  </a:extLst>
+                </p:cNvPr>
+                <p:cNvSpPr/>
+                <p:nvPr/>
+              </p:nvSpPr>
+              <p:spPr>
+                <a:xfrm>
+                  <a:off x="525400" y="2647213"/>
+                  <a:ext cx="2925070" cy="70727"/>
+                </a:xfrm>
+                <a:prstGeom prst="rect">
+                  <a:avLst/>
+                </a:prstGeom>
+              </p:spPr>
+              <p:style>
+                <a:lnRef idx="2">
+                  <a:schemeClr val="dk1">
+                    <a:shade val="50000"/>
+                  </a:schemeClr>
+                </a:lnRef>
+                <a:fillRef idx="1">
+                  <a:schemeClr val="dk1"/>
+                </a:fillRef>
+                <a:effectRef idx="0">
+                  <a:schemeClr val="dk1"/>
+                </a:effectRef>
+                <a:fontRef idx="minor">
+                  <a:schemeClr val="lt1"/>
+                </a:fontRef>
+              </p:style>
+              <p:txBody>
+                <a:bodyPr rtlCol="0" anchor="ctr"/>
+                <a:lstStyle/>
+                <a:p>
+                  <a:pPr algn="ctr"/>
+                  <a:endParaRPr lang="en-AU"/>
+                </a:p>
+              </p:txBody>
+            </p:sp>
+            <p:sp>
+              <p:nvSpPr>
+                <p:cNvPr id="131" name="Rectangle 130">
+                  <a:extLst>
+                    <a:ext uri="{FF2B5EF4-FFF2-40B4-BE49-F238E27FC236}">
+                      <a16:creationId xmlns:a16="http://schemas.microsoft.com/office/drawing/2014/main" id="{F020C6D7-4059-4E15-AE13-C8270532BEF7}"/>
+                    </a:ext>
+                  </a:extLst>
+                </p:cNvPr>
+                <p:cNvSpPr/>
+                <p:nvPr/>
+              </p:nvSpPr>
+              <p:spPr>
+                <a:xfrm>
+                  <a:off x="525400" y="2834135"/>
+                  <a:ext cx="2925070" cy="70727"/>
+                </a:xfrm>
+                <a:prstGeom prst="rect">
+                  <a:avLst/>
+                </a:prstGeom>
+              </p:spPr>
+              <p:style>
+                <a:lnRef idx="2">
+                  <a:schemeClr val="dk1">
+                    <a:shade val="50000"/>
+                  </a:schemeClr>
+                </a:lnRef>
+                <a:fillRef idx="1">
+                  <a:schemeClr val="dk1"/>
+                </a:fillRef>
+                <a:effectRef idx="0">
+                  <a:schemeClr val="dk1"/>
+                </a:effectRef>
+                <a:fontRef idx="minor">
+                  <a:schemeClr val="lt1"/>
+                </a:fontRef>
+              </p:style>
+              <p:txBody>
+                <a:bodyPr rtlCol="0" anchor="ctr"/>
+                <a:lstStyle/>
+                <a:p>
+                  <a:pPr algn="ctr"/>
+                  <a:endParaRPr lang="en-AU"/>
+                </a:p>
+              </p:txBody>
+            </p:sp>
+            <p:grpSp>
+              <p:nvGrpSpPr>
+                <p:cNvPr id="132" name="Group 131">
+                  <a:extLst>
+                    <a:ext uri="{FF2B5EF4-FFF2-40B4-BE49-F238E27FC236}">
+                      <a16:creationId xmlns:a16="http://schemas.microsoft.com/office/drawing/2014/main" id="{3FB65BC5-817F-484C-8FB0-A54D040F57FE}"/>
+                    </a:ext>
+                  </a:extLst>
+                </p:cNvPr>
+                <p:cNvGrpSpPr/>
+                <p:nvPr/>
+              </p:nvGrpSpPr>
+              <p:grpSpPr>
+                <a:xfrm>
+                  <a:off x="793153" y="2717940"/>
+                  <a:ext cx="2440083" cy="116195"/>
+                  <a:chOff x="2374409" y="2642161"/>
+                  <a:chExt cx="2440083" cy="116195"/>
+                </a:xfrm>
+              </p:grpSpPr>
+              <p:sp>
+                <p:nvSpPr>
+                  <p:cNvPr id="138" name="Rectangle 137">
+                    <a:extLst>
+                      <a:ext uri="{FF2B5EF4-FFF2-40B4-BE49-F238E27FC236}">
+                        <a16:creationId xmlns:a16="http://schemas.microsoft.com/office/drawing/2014/main" id="{5541907F-2B26-4AD9-9AB8-E7255BFE5EC2}"/>
+                      </a:ext>
+                    </a:extLst>
+                  </p:cNvPr>
+                  <p:cNvSpPr/>
+                  <p:nvPr/>
+                </p:nvSpPr>
+                <p:spPr>
+                  <a:xfrm>
+                    <a:off x="2374409" y="2642161"/>
+                    <a:ext cx="353635" cy="116195"/>
+                  </a:xfrm>
+                  <a:prstGeom prst="rect">
+                    <a:avLst/>
+                  </a:prstGeom>
+                </p:spPr>
+                <p:style>
+                  <a:lnRef idx="2">
+                    <a:schemeClr val="accent6">
+                      <a:shade val="50000"/>
+                    </a:schemeClr>
+                  </a:lnRef>
+                  <a:fillRef idx="1">
+                    <a:schemeClr val="accent6"/>
+                  </a:fillRef>
+                  <a:effectRef idx="0">
+                    <a:schemeClr val="accent6"/>
+                  </a:effectRef>
+                  <a:fontRef idx="minor">
+                    <a:schemeClr val="lt1"/>
+                  </a:fontRef>
+                </p:style>
+                <p:txBody>
+                  <a:bodyPr rtlCol="0" anchor="ctr"/>
+                  <a:lstStyle/>
+                  <a:p>
+                    <a:pPr algn="ctr"/>
+                    <a:endParaRPr lang="en-AU"/>
+                  </a:p>
+                </p:txBody>
+              </p:sp>
+              <p:sp>
+                <p:nvSpPr>
+                  <p:cNvPr id="139" name="Rectangle 138">
+                    <a:extLst>
+                      <a:ext uri="{FF2B5EF4-FFF2-40B4-BE49-F238E27FC236}">
+                        <a16:creationId xmlns:a16="http://schemas.microsoft.com/office/drawing/2014/main" id="{B985EAF6-F436-4D46-B69D-B3F13C2975E0}"/>
+                      </a:ext>
+                    </a:extLst>
+                  </p:cNvPr>
+                  <p:cNvSpPr/>
+                  <p:nvPr/>
+                </p:nvSpPr>
+                <p:spPr>
+                  <a:xfrm>
+                    <a:off x="3069892" y="2642161"/>
+                    <a:ext cx="353635" cy="116195"/>
+                  </a:xfrm>
+                  <a:prstGeom prst="rect">
+                    <a:avLst/>
+                  </a:prstGeom>
+                </p:spPr>
+                <p:style>
+                  <a:lnRef idx="2">
+                    <a:schemeClr val="accent6">
+                      <a:shade val="50000"/>
+                    </a:schemeClr>
+                  </a:lnRef>
+                  <a:fillRef idx="1">
+                    <a:schemeClr val="accent6"/>
+                  </a:fillRef>
+                  <a:effectRef idx="0">
+                    <a:schemeClr val="accent6"/>
+                  </a:effectRef>
+                  <a:fontRef idx="minor">
+                    <a:schemeClr val="lt1"/>
+                  </a:fontRef>
+                </p:style>
+                <p:txBody>
+                  <a:bodyPr rtlCol="0" anchor="ctr"/>
+                  <a:lstStyle/>
+                  <a:p>
+                    <a:pPr algn="ctr"/>
+                    <a:endParaRPr lang="en-AU"/>
+                  </a:p>
+                </p:txBody>
+              </p:sp>
+              <p:sp>
+                <p:nvSpPr>
+                  <p:cNvPr id="140" name="Rectangle 139">
+                    <a:extLst>
+                      <a:ext uri="{FF2B5EF4-FFF2-40B4-BE49-F238E27FC236}">
+                        <a16:creationId xmlns:a16="http://schemas.microsoft.com/office/drawing/2014/main" id="{F8AAA656-6A0D-404B-A3C7-C57E0EE02A12}"/>
+                      </a:ext>
+                    </a:extLst>
+                  </p:cNvPr>
+                  <p:cNvSpPr/>
+                  <p:nvPr/>
+                </p:nvSpPr>
+                <p:spPr>
+                  <a:xfrm>
+                    <a:off x="3765375" y="2642161"/>
+                    <a:ext cx="353635" cy="116195"/>
+                  </a:xfrm>
+                  <a:prstGeom prst="rect">
+                    <a:avLst/>
+                  </a:prstGeom>
+                </p:spPr>
+                <p:style>
+                  <a:lnRef idx="2">
+                    <a:schemeClr val="accent6">
+                      <a:shade val="50000"/>
+                    </a:schemeClr>
+                  </a:lnRef>
+                  <a:fillRef idx="1">
+                    <a:schemeClr val="accent6"/>
+                  </a:fillRef>
+                  <a:effectRef idx="0">
+                    <a:schemeClr val="accent6"/>
+                  </a:effectRef>
+                  <a:fontRef idx="minor">
+                    <a:schemeClr val="lt1"/>
+                  </a:fontRef>
+                </p:style>
+                <p:txBody>
+                  <a:bodyPr rtlCol="0" anchor="ctr"/>
+                  <a:lstStyle/>
+                  <a:p>
+                    <a:pPr algn="ctr"/>
+                    <a:endParaRPr lang="en-AU"/>
+                  </a:p>
+                </p:txBody>
+              </p:sp>
+              <p:sp>
+                <p:nvSpPr>
+                  <p:cNvPr id="141" name="Rectangle 140">
+                    <a:extLst>
+                      <a:ext uri="{FF2B5EF4-FFF2-40B4-BE49-F238E27FC236}">
+                        <a16:creationId xmlns:a16="http://schemas.microsoft.com/office/drawing/2014/main" id="{F7205B3A-FB47-424A-AF5A-77705E27AFD8}"/>
+                      </a:ext>
+                    </a:extLst>
+                  </p:cNvPr>
+                  <p:cNvSpPr/>
+                  <p:nvPr/>
+                </p:nvSpPr>
+                <p:spPr>
+                  <a:xfrm>
+                    <a:off x="4460857" y="2642161"/>
+                    <a:ext cx="353635" cy="116195"/>
+                  </a:xfrm>
+                  <a:prstGeom prst="rect">
+                    <a:avLst/>
+                  </a:prstGeom>
+                </p:spPr>
+                <p:style>
+                  <a:lnRef idx="2">
+                    <a:schemeClr val="accent6">
+                      <a:shade val="50000"/>
+                    </a:schemeClr>
+                  </a:lnRef>
+                  <a:fillRef idx="1">
+                    <a:schemeClr val="accent6"/>
+                  </a:fillRef>
+                  <a:effectRef idx="0">
+                    <a:schemeClr val="accent6"/>
+                  </a:effectRef>
+                  <a:fontRef idx="minor">
+                    <a:schemeClr val="lt1"/>
+                  </a:fontRef>
+                </p:style>
+                <p:txBody>
+                  <a:bodyPr rtlCol="0" anchor="ctr"/>
+                  <a:lstStyle/>
+                  <a:p>
+                    <a:pPr algn="ctr"/>
+                    <a:endParaRPr lang="en-AU"/>
+                  </a:p>
+                </p:txBody>
+              </p:sp>
+            </p:grpSp>
+            <p:grpSp>
+              <p:nvGrpSpPr>
+                <p:cNvPr id="133" name="Group 132">
+                  <a:extLst>
+                    <a:ext uri="{FF2B5EF4-FFF2-40B4-BE49-F238E27FC236}">
+                      <a16:creationId xmlns:a16="http://schemas.microsoft.com/office/drawing/2014/main" id="{4040C01D-2769-4DEB-8EFA-657DEBFCF155}"/>
+                    </a:ext>
+                  </a:extLst>
+                </p:cNvPr>
+                <p:cNvGrpSpPr/>
+                <p:nvPr/>
+              </p:nvGrpSpPr>
+              <p:grpSpPr>
+                <a:xfrm>
+                  <a:off x="793153" y="2904862"/>
+                  <a:ext cx="2440083" cy="116195"/>
+                  <a:chOff x="2374409" y="2642161"/>
+                  <a:chExt cx="2440083" cy="116195"/>
+                </a:xfrm>
+              </p:grpSpPr>
+              <p:sp>
+                <p:nvSpPr>
+                  <p:cNvPr id="134" name="Rectangle 133">
+                    <a:extLst>
+                      <a:ext uri="{FF2B5EF4-FFF2-40B4-BE49-F238E27FC236}">
+                        <a16:creationId xmlns:a16="http://schemas.microsoft.com/office/drawing/2014/main" id="{4BD11DEE-17BA-40A3-8682-52BA3883F5C6}"/>
+                      </a:ext>
+                    </a:extLst>
+                  </p:cNvPr>
+                  <p:cNvSpPr/>
+                  <p:nvPr/>
+                </p:nvSpPr>
+                <p:spPr>
+                  <a:xfrm>
+                    <a:off x="2374409" y="2642161"/>
+                    <a:ext cx="353635" cy="116195"/>
+                  </a:xfrm>
+                  <a:prstGeom prst="rect">
+                    <a:avLst/>
+                  </a:prstGeom>
+                </p:spPr>
+                <p:style>
+                  <a:lnRef idx="2">
+                    <a:schemeClr val="accent5">
+                      <a:shade val="50000"/>
+                    </a:schemeClr>
+                  </a:lnRef>
+                  <a:fillRef idx="1">
+                    <a:schemeClr val="accent5"/>
+                  </a:fillRef>
+                  <a:effectRef idx="0">
+                    <a:schemeClr val="accent5"/>
+                  </a:effectRef>
+                  <a:fontRef idx="minor">
+                    <a:schemeClr val="lt1"/>
+                  </a:fontRef>
+                </p:style>
+                <p:txBody>
+                  <a:bodyPr rtlCol="0" anchor="ctr"/>
+                  <a:lstStyle/>
+                  <a:p>
+                    <a:pPr algn="ctr"/>
+                    <a:endParaRPr lang="en-AU"/>
+                  </a:p>
+                </p:txBody>
+              </p:sp>
+              <p:sp>
+                <p:nvSpPr>
+                  <p:cNvPr id="135" name="Rectangle 134">
+                    <a:extLst>
+                      <a:ext uri="{FF2B5EF4-FFF2-40B4-BE49-F238E27FC236}">
+                        <a16:creationId xmlns:a16="http://schemas.microsoft.com/office/drawing/2014/main" id="{94FE57A9-3870-4849-8A6E-1E04E14FC848}"/>
+                      </a:ext>
+                    </a:extLst>
+                  </p:cNvPr>
+                  <p:cNvSpPr/>
+                  <p:nvPr/>
+                </p:nvSpPr>
+                <p:spPr>
+                  <a:xfrm>
+                    <a:off x="3069892" y="2642161"/>
+                    <a:ext cx="353635" cy="116195"/>
+                  </a:xfrm>
+                  <a:prstGeom prst="rect">
+                    <a:avLst/>
+                  </a:prstGeom>
+                </p:spPr>
+                <p:style>
+                  <a:lnRef idx="2">
+                    <a:schemeClr val="accent5">
+                      <a:shade val="50000"/>
+                    </a:schemeClr>
+                  </a:lnRef>
+                  <a:fillRef idx="1">
+                    <a:schemeClr val="accent5"/>
+                  </a:fillRef>
+                  <a:effectRef idx="0">
+                    <a:schemeClr val="accent5"/>
+                  </a:effectRef>
+                  <a:fontRef idx="minor">
+                    <a:schemeClr val="lt1"/>
+                  </a:fontRef>
+                </p:style>
+                <p:txBody>
+                  <a:bodyPr rtlCol="0" anchor="ctr"/>
+                  <a:lstStyle/>
+                  <a:p>
+                    <a:pPr algn="ctr"/>
+                    <a:endParaRPr lang="en-AU"/>
+                  </a:p>
+                </p:txBody>
+              </p:sp>
+              <p:sp>
+                <p:nvSpPr>
+                  <p:cNvPr id="136" name="Rectangle 135">
+                    <a:extLst>
+                      <a:ext uri="{FF2B5EF4-FFF2-40B4-BE49-F238E27FC236}">
+                        <a16:creationId xmlns:a16="http://schemas.microsoft.com/office/drawing/2014/main" id="{84BF5CE2-C297-4549-8DEE-EC2243A1D8F8}"/>
+                      </a:ext>
+                    </a:extLst>
+                  </p:cNvPr>
+                  <p:cNvSpPr/>
+                  <p:nvPr/>
+                </p:nvSpPr>
+                <p:spPr>
+                  <a:xfrm>
+                    <a:off x="3765375" y="2642161"/>
+                    <a:ext cx="353635" cy="116195"/>
+                  </a:xfrm>
+                  <a:prstGeom prst="rect">
+                    <a:avLst/>
+                  </a:prstGeom>
+                </p:spPr>
+                <p:style>
+                  <a:lnRef idx="2">
+                    <a:schemeClr val="accent5">
+                      <a:shade val="50000"/>
+                    </a:schemeClr>
+                  </a:lnRef>
+                  <a:fillRef idx="1">
+                    <a:schemeClr val="accent5"/>
+                  </a:fillRef>
+                  <a:effectRef idx="0">
+                    <a:schemeClr val="accent5"/>
+                  </a:effectRef>
+                  <a:fontRef idx="minor">
+                    <a:schemeClr val="lt1"/>
+                  </a:fontRef>
+                </p:style>
+                <p:txBody>
+                  <a:bodyPr rtlCol="0" anchor="ctr"/>
+                  <a:lstStyle/>
+                  <a:p>
+                    <a:pPr algn="ctr"/>
+                    <a:endParaRPr lang="en-AU"/>
+                  </a:p>
+                </p:txBody>
+              </p:sp>
+              <p:sp>
+                <p:nvSpPr>
+                  <p:cNvPr id="137" name="Rectangle 136">
+                    <a:extLst>
+                      <a:ext uri="{FF2B5EF4-FFF2-40B4-BE49-F238E27FC236}">
+                        <a16:creationId xmlns:a16="http://schemas.microsoft.com/office/drawing/2014/main" id="{345ABF05-1C54-4013-9FC3-58021ACB5E68}"/>
+                      </a:ext>
+                    </a:extLst>
+                  </p:cNvPr>
+                  <p:cNvSpPr/>
+                  <p:nvPr/>
+                </p:nvSpPr>
+                <p:spPr>
+                  <a:xfrm>
+                    <a:off x="4460857" y="2642161"/>
+                    <a:ext cx="353635" cy="116195"/>
+                  </a:xfrm>
+                  <a:prstGeom prst="rect">
+                    <a:avLst/>
+                  </a:prstGeom>
+                </p:spPr>
+                <p:style>
+                  <a:lnRef idx="2">
+                    <a:schemeClr val="accent5">
+                      <a:shade val="50000"/>
+                    </a:schemeClr>
+                  </a:lnRef>
+                  <a:fillRef idx="1">
+                    <a:schemeClr val="accent5"/>
+                  </a:fillRef>
+                  <a:effectRef idx="0">
+                    <a:schemeClr val="accent5"/>
+                  </a:effectRef>
+                  <a:fontRef idx="minor">
+                    <a:schemeClr val="lt1"/>
+                  </a:fontRef>
+                </p:style>
+                <p:txBody>
+                  <a:bodyPr rtlCol="0" anchor="ctr"/>
+                  <a:lstStyle/>
+                  <a:p>
+                    <a:pPr algn="ctr"/>
+                    <a:endParaRPr lang="en-AU"/>
+                  </a:p>
+                </p:txBody>
+              </p:sp>
+            </p:grpSp>
+          </p:grpSp>
+          <p:sp>
+            <p:nvSpPr>
+              <p:cNvPr id="146" name="Flowchart: Alternate Process 145">
+                <a:extLst>
+                  <a:ext uri="{FF2B5EF4-FFF2-40B4-BE49-F238E27FC236}">
+                    <a16:creationId xmlns:a16="http://schemas.microsoft.com/office/drawing/2014/main" id="{75794D70-6B29-43E1-A117-480480EBD60B}"/>
+                  </a:ext>
+                </a:extLst>
+              </p:cNvPr>
+              <p:cNvSpPr/>
+              <p:nvPr/>
+            </p:nvSpPr>
+            <p:spPr>
+              <a:xfrm>
+                <a:off x="4501342" y="2150627"/>
+                <a:ext cx="1087247" cy="466982"/>
+              </a:xfrm>
+              <a:prstGeom prst="flowChartAlternateProcess">
+                <a:avLst/>
+              </a:prstGeom>
+              <a:noFill/>
+              <a:ln>
+                <a:noFill/>
+              </a:ln>
+            </p:spPr>
+            <p:style>
+              <a:lnRef idx="2">
+                <a:schemeClr val="dk1"/>
+              </a:lnRef>
+              <a:fillRef idx="1">
+                <a:schemeClr val="lt1"/>
+              </a:fillRef>
+              <a:effectRef idx="0">
+                <a:schemeClr val="dk1"/>
+              </a:effectRef>
+              <a:fontRef idx="minor">
+                <a:schemeClr val="dk1"/>
+              </a:fontRef>
+            </p:style>
+            <p:txBody>
+              <a:bodyPr rot="0" spcFirstLastPara="0" vertOverflow="overflow" horzOverflow="overflow" vert="horz" wrap="square" lIns="0" tIns="0" rIns="0" bIns="0" numCol="1" spcCol="0" rtlCol="0" fromWordArt="0" anchor="ctr" anchorCtr="0" forceAA="0" compatLnSpc="1">
+                <a:prstTxWarp prst="textNoShape">
+                  <a:avLst/>
+                </a:prstTxWarp>
+                <a:noAutofit/>
+              </a:bodyPr>
+              <a:lstStyle/>
+              <a:p>
+                <a:r>
+                  <a:rPr lang="en-AU" sz="1400" dirty="0">
+                    <a:solidFill>
+                      <a:schemeClr val="accent2"/>
+                    </a:solidFill>
+                    <a:latin typeface="Consolas" panose="020B0609020204030204" pitchFamily="49" charset="0"/>
+                    <a:ea typeface="Yu Gothic" panose="020B0400000000000000" pitchFamily="34" charset="-128"/>
+                  </a:rPr>
+                  <a:t>F(int) = 1</a:t>
+                </a:r>
+              </a:p>
+              <a:p>
+                <a:r>
+                  <a:rPr lang="en-AU" sz="1400" dirty="0">
+                    <a:solidFill>
+                      <a:schemeClr val="accent2"/>
+                    </a:solidFill>
+                    <a:latin typeface="Consolas" panose="020B0609020204030204" pitchFamily="49" charset="0"/>
+                    <a:ea typeface="Yu Gothic" panose="020B0400000000000000" pitchFamily="34" charset="-128"/>
+                  </a:rPr>
+                  <a:t>F(</a:t>
+                </a:r>
+                <a:r>
+                  <a:rPr lang="en-AU" sz="1400" dirty="0" err="1">
+                    <a:solidFill>
+                      <a:schemeClr val="accent2"/>
+                    </a:solidFill>
+                    <a:latin typeface="Consolas" panose="020B0609020204030204" pitchFamily="49" charset="0"/>
+                    <a:ea typeface="Yu Gothic" panose="020B0400000000000000" pitchFamily="34" charset="-128"/>
+                  </a:rPr>
+                  <a:t>ext</a:t>
+                </a:r>
+                <a:r>
+                  <a:rPr lang="en-AU" sz="1400" dirty="0">
+                    <a:solidFill>
+                      <a:schemeClr val="accent2"/>
+                    </a:solidFill>
+                    <a:latin typeface="Consolas" panose="020B0609020204030204" pitchFamily="49" charset="0"/>
+                    <a:ea typeface="Yu Gothic" panose="020B0400000000000000" pitchFamily="34" charset="-128"/>
+                  </a:rPr>
+                  <a:t>) = 1</a:t>
+                </a:r>
+                <a:endParaRPr lang="en-AU" sz="1400" u="sng" dirty="0">
+                  <a:solidFill>
+                    <a:schemeClr val="accent2"/>
+                  </a:solidFill>
+                  <a:latin typeface="Consolas" panose="020B0609020204030204" pitchFamily="49" charset="0"/>
+                  <a:ea typeface="Yu Gothic" panose="020B0400000000000000" pitchFamily="34" charset="-128"/>
+                </a:endParaRPr>
+              </a:p>
+            </p:txBody>
+          </p:sp>
+        </p:grpSp>
+        <p:sp>
+          <p:nvSpPr>
+            <p:cNvPr id="155" name="Rectangle: Rounded Corners 154">
+              <a:extLst>
+                <a:ext uri="{FF2B5EF4-FFF2-40B4-BE49-F238E27FC236}">
+                  <a16:creationId xmlns:a16="http://schemas.microsoft.com/office/drawing/2014/main" id="{D6860E68-D255-475B-8EDE-9F42CEA402A0}"/>
+                </a:ext>
+              </a:extLst>
+            </p:cNvPr>
+            <p:cNvSpPr/>
+            <p:nvPr/>
+          </p:nvSpPr>
+          <p:spPr>
+            <a:xfrm>
+              <a:off x="5743307" y="2028371"/>
+              <a:ext cx="2270414" cy="1540906"/>
+            </a:xfrm>
+            <a:prstGeom prst="roundRect">
+              <a:avLst/>
+            </a:prstGeom>
+            <a:noFill/>
+            <a:ln>
+              <a:solidFill>
+                <a:schemeClr val="tx1"/>
+              </a:solidFill>
+            </a:ln>
+          </p:spPr>
+          <p:style>
+            <a:lnRef idx="2">
+              <a:schemeClr val="accent1">
+                <a:shade val="50000"/>
+              </a:schemeClr>
+            </a:lnRef>
+            <a:fillRef idx="1">
+              <a:schemeClr val="accent1"/>
+            </a:fillRef>
+            <a:effectRef idx="0">
+              <a:schemeClr val="accent1"/>
+            </a:effectRef>
+            <a:fontRef idx="minor">
+              <a:schemeClr val="lt1"/>
+            </a:fontRef>
+          </p:style>
+          <p:txBody>
+            <a:bodyPr rtlCol="0" anchor="ctr"/>
+            <a:lstStyle/>
+            <a:p>
+              <a:pPr algn="ctr"/>
+              <a:endParaRPr lang="en-AU"/>
+            </a:p>
+          </p:txBody>
+        </p:sp>
+        <p:grpSp>
+          <p:nvGrpSpPr>
+            <p:cNvPr id="156" name="Group 155">
+              <a:extLst>
+                <a:ext uri="{FF2B5EF4-FFF2-40B4-BE49-F238E27FC236}">
+                  <a16:creationId xmlns:a16="http://schemas.microsoft.com/office/drawing/2014/main" id="{CB3BA461-9A59-4055-B08D-1FA4914E6930}"/>
+                </a:ext>
+              </a:extLst>
+            </p:cNvPr>
+            <p:cNvGrpSpPr/>
+            <p:nvPr/>
+          </p:nvGrpSpPr>
+          <p:grpSpPr>
+            <a:xfrm>
+              <a:off x="5836984" y="2150627"/>
+              <a:ext cx="2083060" cy="1302580"/>
+              <a:chOff x="3505529" y="2150627"/>
+              <a:chExt cx="2083060" cy="1302580"/>
+            </a:xfrm>
+          </p:grpSpPr>
+          <p:sp>
+            <p:nvSpPr>
+              <p:cNvPr id="173" name="Arrow: Down 172">
+                <a:extLst>
+                  <a:ext uri="{FF2B5EF4-FFF2-40B4-BE49-F238E27FC236}">
+                    <a16:creationId xmlns:a16="http://schemas.microsoft.com/office/drawing/2014/main" id="{0583890C-0293-4C04-91F3-38C369FF0751}"/>
+                  </a:ext>
+                </a:extLst>
+              </p:cNvPr>
+              <p:cNvSpPr/>
+              <p:nvPr/>
+            </p:nvSpPr>
+            <p:spPr>
+              <a:xfrm rot="10800000">
+                <a:off x="4113609" y="3073803"/>
+                <a:ext cx="231309" cy="379404"/>
+              </a:xfrm>
+              <a:prstGeom prst="downArrow">
+                <a:avLst/>
+              </a:prstGeom>
+            </p:spPr>
+            <p:style>
+              <a:lnRef idx="2">
+                <a:schemeClr val="accent1">
+                  <a:shade val="50000"/>
+                </a:schemeClr>
+              </a:lnRef>
+              <a:fillRef idx="1">
+                <a:schemeClr val="accent1"/>
+              </a:fillRef>
+              <a:effectRef idx="0">
+                <a:schemeClr val="accent1"/>
+              </a:effectRef>
+              <a:fontRef idx="minor">
+                <a:schemeClr val="lt1"/>
+              </a:fontRef>
+            </p:style>
+            <p:txBody>
+              <a:bodyPr rtlCol="0" anchor="ctr"/>
+              <a:lstStyle/>
+              <a:p>
+                <a:pPr algn="ctr"/>
+                <a:endParaRPr lang="en-AU"/>
+              </a:p>
+            </p:txBody>
+          </p:sp>
+          <p:grpSp>
+            <p:nvGrpSpPr>
+              <p:cNvPr id="158" name="Group 157">
+                <a:extLst>
+                  <a:ext uri="{FF2B5EF4-FFF2-40B4-BE49-F238E27FC236}">
+                    <a16:creationId xmlns:a16="http://schemas.microsoft.com/office/drawing/2014/main" id="{D8D60FE6-EE9C-4500-BB9B-20A222ADB83D}"/>
+                  </a:ext>
+                </a:extLst>
+              </p:cNvPr>
+              <p:cNvGrpSpPr/>
+              <p:nvPr/>
+            </p:nvGrpSpPr>
+            <p:grpSpPr>
+              <a:xfrm>
+                <a:off x="3505529" y="2682681"/>
+                <a:ext cx="1447471" cy="373844"/>
+                <a:chOff x="525400" y="2647213"/>
+                <a:chExt cx="2925070" cy="373844"/>
+              </a:xfrm>
+            </p:grpSpPr>
+            <p:sp>
+              <p:nvSpPr>
+                <p:cNvPr id="160" name="Rectangle 159">
+                  <a:extLst>
+                    <a:ext uri="{FF2B5EF4-FFF2-40B4-BE49-F238E27FC236}">
+                      <a16:creationId xmlns:a16="http://schemas.microsoft.com/office/drawing/2014/main" id="{40FB4196-A5B2-476C-8AA5-1F3CDA1B90E0}"/>
+                    </a:ext>
+                  </a:extLst>
+                </p:cNvPr>
+                <p:cNvSpPr/>
+                <p:nvPr/>
+              </p:nvSpPr>
+              <p:spPr>
+                <a:xfrm>
+                  <a:off x="525400" y="2647213"/>
+                  <a:ext cx="2925070" cy="70727"/>
+                </a:xfrm>
+                <a:prstGeom prst="rect">
+                  <a:avLst/>
+                </a:prstGeom>
+              </p:spPr>
+              <p:style>
+                <a:lnRef idx="2">
+                  <a:schemeClr val="dk1">
+                    <a:shade val="50000"/>
+                  </a:schemeClr>
+                </a:lnRef>
+                <a:fillRef idx="1">
+                  <a:schemeClr val="dk1"/>
+                </a:fillRef>
+                <a:effectRef idx="0">
+                  <a:schemeClr val="dk1"/>
+                </a:effectRef>
+                <a:fontRef idx="minor">
+                  <a:schemeClr val="lt1"/>
+                </a:fontRef>
+              </p:style>
+              <p:txBody>
+                <a:bodyPr rtlCol="0" anchor="ctr"/>
+                <a:lstStyle/>
+                <a:p>
+                  <a:pPr algn="ctr"/>
+                  <a:endParaRPr lang="en-AU"/>
+                </a:p>
+              </p:txBody>
+            </p:sp>
+            <p:sp>
+              <p:nvSpPr>
+                <p:cNvPr id="161" name="Rectangle 160">
+                  <a:extLst>
+                    <a:ext uri="{FF2B5EF4-FFF2-40B4-BE49-F238E27FC236}">
+                      <a16:creationId xmlns:a16="http://schemas.microsoft.com/office/drawing/2014/main" id="{C5D01618-773F-4E80-AD42-30017E0330A2}"/>
+                    </a:ext>
+                  </a:extLst>
+                </p:cNvPr>
+                <p:cNvSpPr/>
+                <p:nvPr/>
+              </p:nvSpPr>
+              <p:spPr>
+                <a:xfrm>
+                  <a:off x="525400" y="2834135"/>
+                  <a:ext cx="2925070" cy="70727"/>
+                </a:xfrm>
+                <a:prstGeom prst="rect">
+                  <a:avLst/>
+                </a:prstGeom>
+              </p:spPr>
+              <p:style>
+                <a:lnRef idx="2">
+                  <a:schemeClr val="dk1">
+                    <a:shade val="50000"/>
+                  </a:schemeClr>
+                </a:lnRef>
+                <a:fillRef idx="1">
+                  <a:schemeClr val="dk1"/>
+                </a:fillRef>
+                <a:effectRef idx="0">
+                  <a:schemeClr val="dk1"/>
+                </a:effectRef>
+                <a:fontRef idx="minor">
+                  <a:schemeClr val="lt1"/>
+                </a:fontRef>
+              </p:style>
+              <p:txBody>
+                <a:bodyPr rtlCol="0" anchor="ctr"/>
+                <a:lstStyle/>
+                <a:p>
+                  <a:pPr algn="ctr"/>
+                  <a:endParaRPr lang="en-AU"/>
+                </a:p>
+              </p:txBody>
+            </p:sp>
+            <p:grpSp>
+              <p:nvGrpSpPr>
+                <p:cNvPr id="162" name="Group 161">
+                  <a:extLst>
+                    <a:ext uri="{FF2B5EF4-FFF2-40B4-BE49-F238E27FC236}">
+                      <a16:creationId xmlns:a16="http://schemas.microsoft.com/office/drawing/2014/main" id="{1E416DDC-B984-4E59-900C-71E3476E61E5}"/>
+                    </a:ext>
+                  </a:extLst>
+                </p:cNvPr>
+                <p:cNvGrpSpPr/>
+                <p:nvPr/>
+              </p:nvGrpSpPr>
+              <p:grpSpPr>
+                <a:xfrm>
+                  <a:off x="793153" y="2717940"/>
+                  <a:ext cx="2440083" cy="116195"/>
+                  <a:chOff x="2374409" y="2642161"/>
+                  <a:chExt cx="2440083" cy="116195"/>
+                </a:xfrm>
+              </p:grpSpPr>
+              <p:sp>
+                <p:nvSpPr>
+                  <p:cNvPr id="168" name="Rectangle 167">
+                    <a:extLst>
+                      <a:ext uri="{FF2B5EF4-FFF2-40B4-BE49-F238E27FC236}">
+                        <a16:creationId xmlns:a16="http://schemas.microsoft.com/office/drawing/2014/main" id="{D1B35C24-1BEC-411F-9AA9-D65838165D88}"/>
+                      </a:ext>
+                    </a:extLst>
+                  </p:cNvPr>
+                  <p:cNvSpPr/>
+                  <p:nvPr/>
+                </p:nvSpPr>
+                <p:spPr>
+                  <a:xfrm>
+                    <a:off x="2374409" y="2642161"/>
+                    <a:ext cx="353635" cy="116195"/>
+                  </a:xfrm>
+                  <a:prstGeom prst="rect">
+                    <a:avLst/>
+                  </a:prstGeom>
+                </p:spPr>
+                <p:style>
+                  <a:lnRef idx="2">
+                    <a:schemeClr val="accent6">
+                      <a:shade val="50000"/>
+                    </a:schemeClr>
+                  </a:lnRef>
+                  <a:fillRef idx="1">
+                    <a:schemeClr val="accent6"/>
+                  </a:fillRef>
+                  <a:effectRef idx="0">
+                    <a:schemeClr val="accent6"/>
+                  </a:effectRef>
+                  <a:fontRef idx="minor">
+                    <a:schemeClr val="lt1"/>
+                  </a:fontRef>
+                </p:style>
+                <p:txBody>
+                  <a:bodyPr rtlCol="0" anchor="ctr"/>
+                  <a:lstStyle/>
+                  <a:p>
+                    <a:pPr algn="ctr"/>
+                    <a:endParaRPr lang="en-AU"/>
+                  </a:p>
+                </p:txBody>
+              </p:sp>
+              <p:sp>
+                <p:nvSpPr>
+                  <p:cNvPr id="169" name="Rectangle 168">
+                    <a:extLst>
+                      <a:ext uri="{FF2B5EF4-FFF2-40B4-BE49-F238E27FC236}">
+                        <a16:creationId xmlns:a16="http://schemas.microsoft.com/office/drawing/2014/main" id="{E9DFEA86-4F88-4B5F-AB1B-EC0D906E107E}"/>
+                      </a:ext>
+                    </a:extLst>
+                  </p:cNvPr>
+                  <p:cNvSpPr/>
+                  <p:nvPr/>
+                </p:nvSpPr>
+                <p:spPr>
+                  <a:xfrm>
+                    <a:off x="3069892" y="2642161"/>
+                    <a:ext cx="353635" cy="116195"/>
+                  </a:xfrm>
+                  <a:prstGeom prst="rect">
+                    <a:avLst/>
+                  </a:prstGeom>
+                </p:spPr>
+                <p:style>
+                  <a:lnRef idx="2">
+                    <a:schemeClr val="accent6">
+                      <a:shade val="50000"/>
+                    </a:schemeClr>
+                  </a:lnRef>
+                  <a:fillRef idx="1">
+                    <a:schemeClr val="accent6"/>
+                  </a:fillRef>
+                  <a:effectRef idx="0">
+                    <a:schemeClr val="accent6"/>
+                  </a:effectRef>
+                  <a:fontRef idx="minor">
+                    <a:schemeClr val="lt1"/>
+                  </a:fontRef>
+                </p:style>
+                <p:txBody>
+                  <a:bodyPr rtlCol="0" anchor="ctr"/>
+                  <a:lstStyle/>
+                  <a:p>
+                    <a:pPr algn="ctr"/>
+                    <a:endParaRPr lang="en-AU"/>
+                  </a:p>
+                </p:txBody>
+              </p:sp>
+              <p:sp>
+                <p:nvSpPr>
+                  <p:cNvPr id="170" name="Rectangle 169">
+                    <a:extLst>
+                      <a:ext uri="{FF2B5EF4-FFF2-40B4-BE49-F238E27FC236}">
+                        <a16:creationId xmlns:a16="http://schemas.microsoft.com/office/drawing/2014/main" id="{041B7523-F5B7-418C-8E77-D71C2F19BF51}"/>
+                      </a:ext>
+                    </a:extLst>
+                  </p:cNvPr>
+                  <p:cNvSpPr/>
+                  <p:nvPr/>
+                </p:nvSpPr>
+                <p:spPr>
+                  <a:xfrm>
+                    <a:off x="3765375" y="2642161"/>
+                    <a:ext cx="353635" cy="116195"/>
+                  </a:xfrm>
+                  <a:prstGeom prst="rect">
+                    <a:avLst/>
+                  </a:prstGeom>
+                </p:spPr>
+                <p:style>
+                  <a:lnRef idx="2">
+                    <a:schemeClr val="accent6">
+                      <a:shade val="50000"/>
+                    </a:schemeClr>
+                  </a:lnRef>
+                  <a:fillRef idx="1">
+                    <a:schemeClr val="accent6"/>
+                  </a:fillRef>
+                  <a:effectRef idx="0">
+                    <a:schemeClr val="accent6"/>
+                  </a:effectRef>
+                  <a:fontRef idx="minor">
+                    <a:schemeClr val="lt1"/>
+                  </a:fontRef>
+                </p:style>
+                <p:txBody>
+                  <a:bodyPr rtlCol="0" anchor="ctr"/>
+                  <a:lstStyle/>
+                  <a:p>
+                    <a:pPr algn="ctr"/>
+                    <a:endParaRPr lang="en-AU"/>
+                  </a:p>
+                </p:txBody>
+              </p:sp>
+              <p:sp>
+                <p:nvSpPr>
+                  <p:cNvPr id="171" name="Rectangle 170">
+                    <a:extLst>
+                      <a:ext uri="{FF2B5EF4-FFF2-40B4-BE49-F238E27FC236}">
+                        <a16:creationId xmlns:a16="http://schemas.microsoft.com/office/drawing/2014/main" id="{4872156A-04BF-4EB8-842F-1D2FAEE1452C}"/>
+                      </a:ext>
+                    </a:extLst>
+                  </p:cNvPr>
+                  <p:cNvSpPr/>
+                  <p:nvPr/>
+                </p:nvSpPr>
+                <p:spPr>
+                  <a:xfrm>
+                    <a:off x="4460857" y="2642161"/>
+                    <a:ext cx="353635" cy="116195"/>
+                  </a:xfrm>
+                  <a:prstGeom prst="rect">
+                    <a:avLst/>
+                  </a:prstGeom>
+                </p:spPr>
+                <p:style>
+                  <a:lnRef idx="2">
+                    <a:schemeClr val="accent6">
+                      <a:shade val="50000"/>
+                    </a:schemeClr>
+                  </a:lnRef>
+                  <a:fillRef idx="1">
+                    <a:schemeClr val="accent6"/>
+                  </a:fillRef>
+                  <a:effectRef idx="0">
+                    <a:schemeClr val="accent6"/>
+                  </a:effectRef>
+                  <a:fontRef idx="minor">
+                    <a:schemeClr val="lt1"/>
+                  </a:fontRef>
+                </p:style>
+                <p:txBody>
+                  <a:bodyPr rtlCol="0" anchor="ctr"/>
+                  <a:lstStyle/>
+                  <a:p>
+                    <a:pPr algn="ctr"/>
+                    <a:endParaRPr lang="en-AU"/>
+                  </a:p>
+                </p:txBody>
+              </p:sp>
+            </p:grpSp>
+            <p:grpSp>
+              <p:nvGrpSpPr>
+                <p:cNvPr id="163" name="Group 162">
+                  <a:extLst>
+                    <a:ext uri="{FF2B5EF4-FFF2-40B4-BE49-F238E27FC236}">
+                      <a16:creationId xmlns:a16="http://schemas.microsoft.com/office/drawing/2014/main" id="{D83406A6-C904-474B-A69D-6D69D2860656}"/>
+                    </a:ext>
+                  </a:extLst>
+                </p:cNvPr>
+                <p:cNvGrpSpPr/>
+                <p:nvPr/>
+              </p:nvGrpSpPr>
+              <p:grpSpPr>
+                <a:xfrm>
+                  <a:off x="793153" y="2904862"/>
+                  <a:ext cx="2440083" cy="116195"/>
+                  <a:chOff x="2374409" y="2642161"/>
+                  <a:chExt cx="2440083" cy="116195"/>
+                </a:xfrm>
+              </p:grpSpPr>
+              <p:sp>
+                <p:nvSpPr>
+                  <p:cNvPr id="164" name="Rectangle 163">
+                    <a:extLst>
+                      <a:ext uri="{FF2B5EF4-FFF2-40B4-BE49-F238E27FC236}">
+                        <a16:creationId xmlns:a16="http://schemas.microsoft.com/office/drawing/2014/main" id="{30FF48A2-2A57-4709-A314-CB01D2B429C6}"/>
+                      </a:ext>
+                    </a:extLst>
+                  </p:cNvPr>
+                  <p:cNvSpPr/>
+                  <p:nvPr/>
+                </p:nvSpPr>
+                <p:spPr>
+                  <a:xfrm>
+                    <a:off x="2374409" y="2642161"/>
+                    <a:ext cx="353635" cy="116195"/>
+                  </a:xfrm>
+                  <a:prstGeom prst="rect">
+                    <a:avLst/>
+                  </a:prstGeom>
+                </p:spPr>
+                <p:style>
+                  <a:lnRef idx="2">
+                    <a:schemeClr val="accent5">
+                      <a:shade val="50000"/>
+                    </a:schemeClr>
+                  </a:lnRef>
+                  <a:fillRef idx="1">
+                    <a:schemeClr val="accent5"/>
+                  </a:fillRef>
+                  <a:effectRef idx="0">
+                    <a:schemeClr val="accent5"/>
+                  </a:effectRef>
+                  <a:fontRef idx="minor">
+                    <a:schemeClr val="lt1"/>
+                  </a:fontRef>
+                </p:style>
+                <p:txBody>
+                  <a:bodyPr rtlCol="0" anchor="ctr"/>
+                  <a:lstStyle/>
+                  <a:p>
+                    <a:pPr algn="ctr"/>
+                    <a:endParaRPr lang="en-AU"/>
+                  </a:p>
+                </p:txBody>
+              </p:sp>
+              <p:sp>
+                <p:nvSpPr>
+                  <p:cNvPr id="165" name="Rectangle 164">
+                    <a:extLst>
+                      <a:ext uri="{FF2B5EF4-FFF2-40B4-BE49-F238E27FC236}">
+                        <a16:creationId xmlns:a16="http://schemas.microsoft.com/office/drawing/2014/main" id="{82A4BAD7-94F9-4CDB-A15B-186E6367D9E0}"/>
+                      </a:ext>
+                    </a:extLst>
+                  </p:cNvPr>
+                  <p:cNvSpPr/>
+                  <p:nvPr/>
+                </p:nvSpPr>
+                <p:spPr>
+                  <a:xfrm>
+                    <a:off x="3069892" y="2642161"/>
+                    <a:ext cx="353635" cy="116195"/>
+                  </a:xfrm>
+                  <a:prstGeom prst="rect">
+                    <a:avLst/>
+                  </a:prstGeom>
+                </p:spPr>
+                <p:style>
+                  <a:lnRef idx="2">
+                    <a:schemeClr val="accent5">
+                      <a:shade val="50000"/>
+                    </a:schemeClr>
+                  </a:lnRef>
+                  <a:fillRef idx="1">
+                    <a:schemeClr val="accent5"/>
+                  </a:fillRef>
+                  <a:effectRef idx="0">
+                    <a:schemeClr val="accent5"/>
+                  </a:effectRef>
+                  <a:fontRef idx="minor">
+                    <a:schemeClr val="lt1"/>
+                  </a:fontRef>
+                </p:style>
+                <p:txBody>
+                  <a:bodyPr rtlCol="0" anchor="ctr"/>
+                  <a:lstStyle/>
+                  <a:p>
+                    <a:pPr algn="ctr"/>
+                    <a:endParaRPr lang="en-AU"/>
+                  </a:p>
+                </p:txBody>
+              </p:sp>
+              <p:sp>
+                <p:nvSpPr>
+                  <p:cNvPr id="166" name="Rectangle 165">
+                    <a:extLst>
+                      <a:ext uri="{FF2B5EF4-FFF2-40B4-BE49-F238E27FC236}">
+                        <a16:creationId xmlns:a16="http://schemas.microsoft.com/office/drawing/2014/main" id="{1AEEBF79-76EC-4592-80D3-BA856B124835}"/>
+                      </a:ext>
+                    </a:extLst>
+                  </p:cNvPr>
+                  <p:cNvSpPr/>
+                  <p:nvPr/>
+                </p:nvSpPr>
+                <p:spPr>
+                  <a:xfrm>
+                    <a:off x="3765375" y="2642161"/>
+                    <a:ext cx="353635" cy="116195"/>
+                  </a:xfrm>
+                  <a:prstGeom prst="rect">
+                    <a:avLst/>
+                  </a:prstGeom>
+                </p:spPr>
+                <p:style>
+                  <a:lnRef idx="2">
+                    <a:schemeClr val="accent5">
+                      <a:shade val="50000"/>
+                    </a:schemeClr>
+                  </a:lnRef>
+                  <a:fillRef idx="1">
+                    <a:schemeClr val="accent5"/>
+                  </a:fillRef>
+                  <a:effectRef idx="0">
+                    <a:schemeClr val="accent5"/>
+                  </a:effectRef>
+                  <a:fontRef idx="minor">
+                    <a:schemeClr val="lt1"/>
+                  </a:fontRef>
+                </p:style>
+                <p:txBody>
+                  <a:bodyPr rtlCol="0" anchor="ctr"/>
+                  <a:lstStyle/>
+                  <a:p>
+                    <a:pPr algn="ctr"/>
+                    <a:endParaRPr lang="en-AU"/>
+                  </a:p>
+                </p:txBody>
+              </p:sp>
+              <p:sp>
+                <p:nvSpPr>
+                  <p:cNvPr id="167" name="Rectangle 166">
+                    <a:extLst>
+                      <a:ext uri="{FF2B5EF4-FFF2-40B4-BE49-F238E27FC236}">
+                        <a16:creationId xmlns:a16="http://schemas.microsoft.com/office/drawing/2014/main" id="{08777C86-4B2A-4A66-AFA3-1A0F05081436}"/>
+                      </a:ext>
+                    </a:extLst>
+                  </p:cNvPr>
+                  <p:cNvSpPr/>
+                  <p:nvPr/>
+                </p:nvSpPr>
+                <p:spPr>
+                  <a:xfrm>
+                    <a:off x="4460857" y="2642161"/>
+                    <a:ext cx="353635" cy="116195"/>
+                  </a:xfrm>
+                  <a:prstGeom prst="rect">
+                    <a:avLst/>
+                  </a:prstGeom>
+                </p:spPr>
+                <p:style>
+                  <a:lnRef idx="2">
+                    <a:schemeClr val="accent5">
+                      <a:shade val="50000"/>
+                    </a:schemeClr>
+                  </a:lnRef>
+                  <a:fillRef idx="1">
+                    <a:schemeClr val="accent5"/>
+                  </a:fillRef>
+                  <a:effectRef idx="0">
+                    <a:schemeClr val="accent5"/>
+                  </a:effectRef>
+                  <a:fontRef idx="minor">
+                    <a:schemeClr val="lt1"/>
+                  </a:fontRef>
+                </p:style>
+                <p:txBody>
+                  <a:bodyPr rtlCol="0" anchor="ctr"/>
+                  <a:lstStyle/>
+                  <a:p>
+                    <a:pPr algn="ctr"/>
+                    <a:endParaRPr lang="en-AU"/>
+                  </a:p>
+                </p:txBody>
+              </p:sp>
+            </p:grpSp>
+          </p:grpSp>
+          <p:sp>
+            <p:nvSpPr>
+              <p:cNvPr id="159" name="Flowchart: Alternate Process 158">
+                <a:extLst>
+                  <a:ext uri="{FF2B5EF4-FFF2-40B4-BE49-F238E27FC236}">
+                    <a16:creationId xmlns:a16="http://schemas.microsoft.com/office/drawing/2014/main" id="{52AEBB74-20EA-4CE4-8B5D-F15B355CE27C}"/>
+                  </a:ext>
+                </a:extLst>
+              </p:cNvPr>
+              <p:cNvSpPr/>
+              <p:nvPr/>
+            </p:nvSpPr>
+            <p:spPr>
+              <a:xfrm>
+                <a:off x="4501342" y="2150627"/>
+                <a:ext cx="1087247" cy="466982"/>
+              </a:xfrm>
+              <a:prstGeom prst="flowChartAlternateProcess">
+                <a:avLst/>
+              </a:prstGeom>
+              <a:noFill/>
+              <a:ln>
+                <a:noFill/>
+              </a:ln>
+            </p:spPr>
+            <p:style>
+              <a:lnRef idx="2">
+                <a:schemeClr val="dk1"/>
+              </a:lnRef>
+              <a:fillRef idx="1">
+                <a:schemeClr val="lt1"/>
+              </a:fillRef>
+              <a:effectRef idx="0">
+                <a:schemeClr val="dk1"/>
+              </a:effectRef>
+              <a:fontRef idx="minor">
+                <a:schemeClr val="dk1"/>
+              </a:fontRef>
+            </p:style>
+            <p:txBody>
+              <a:bodyPr rot="0" spcFirstLastPara="0" vertOverflow="overflow" horzOverflow="overflow" vert="horz" wrap="square" lIns="0" tIns="0" rIns="0" bIns="0" numCol="1" spcCol="0" rtlCol="0" fromWordArt="0" anchor="ctr" anchorCtr="0" forceAA="0" compatLnSpc="1">
+                <a:prstTxWarp prst="textNoShape">
+                  <a:avLst/>
+                </a:prstTxWarp>
+                <a:noAutofit/>
+              </a:bodyPr>
+              <a:lstStyle/>
+              <a:p>
+                <a:r>
+                  <a:rPr lang="en-AU" sz="1400" dirty="0">
+                    <a:solidFill>
+                      <a:schemeClr val="accent2"/>
+                    </a:solidFill>
+                    <a:latin typeface="Consolas" panose="020B0609020204030204" pitchFamily="49" charset="0"/>
+                    <a:ea typeface="Yu Gothic" panose="020B0400000000000000" pitchFamily="34" charset="-128"/>
+                  </a:rPr>
+                  <a:t>F(int) = 0</a:t>
+                </a:r>
+              </a:p>
+              <a:p>
+                <a:r>
+                  <a:rPr lang="en-AU" sz="1400" dirty="0">
+                    <a:solidFill>
+                      <a:schemeClr val="accent2"/>
+                    </a:solidFill>
+                    <a:latin typeface="Consolas" panose="020B0609020204030204" pitchFamily="49" charset="0"/>
+                    <a:ea typeface="Yu Gothic" panose="020B0400000000000000" pitchFamily="34" charset="-128"/>
+                  </a:rPr>
+                  <a:t>F(</a:t>
+                </a:r>
+                <a:r>
+                  <a:rPr lang="en-AU" sz="1400" dirty="0" err="1">
+                    <a:solidFill>
+                      <a:schemeClr val="accent2"/>
+                    </a:solidFill>
+                    <a:latin typeface="Consolas" panose="020B0609020204030204" pitchFamily="49" charset="0"/>
+                    <a:ea typeface="Yu Gothic" panose="020B0400000000000000" pitchFamily="34" charset="-128"/>
+                  </a:rPr>
+                  <a:t>ext</a:t>
+                </a:r>
+                <a:r>
+                  <a:rPr lang="en-AU" sz="1400" dirty="0">
+                    <a:solidFill>
+                      <a:schemeClr val="accent2"/>
+                    </a:solidFill>
+                    <a:latin typeface="Consolas" panose="020B0609020204030204" pitchFamily="49" charset="0"/>
+                    <a:ea typeface="Yu Gothic" panose="020B0400000000000000" pitchFamily="34" charset="-128"/>
+                  </a:rPr>
+                  <a:t>) = 1</a:t>
+                </a:r>
+                <a:endParaRPr lang="en-AU" sz="1400" u="sng" dirty="0">
+                  <a:solidFill>
+                    <a:schemeClr val="accent2"/>
+                  </a:solidFill>
+                  <a:latin typeface="Consolas" panose="020B0609020204030204" pitchFamily="49" charset="0"/>
+                  <a:ea typeface="Yu Gothic" panose="020B0400000000000000" pitchFamily="34" charset="-128"/>
+                </a:endParaRPr>
+              </a:p>
+            </p:txBody>
+          </p:sp>
+        </p:grpSp>
+        <p:sp>
+          <p:nvSpPr>
+            <p:cNvPr id="175" name="TextBox 174">
+              <a:extLst>
+                <a:ext uri="{FF2B5EF4-FFF2-40B4-BE49-F238E27FC236}">
+                  <a16:creationId xmlns:a16="http://schemas.microsoft.com/office/drawing/2014/main" id="{4F210F2C-E7F0-44FE-8319-21FB6A28D92D}"/>
+                </a:ext>
+              </a:extLst>
+            </p:cNvPr>
+            <p:cNvSpPr txBox="1"/>
+            <p:nvPr/>
+          </p:nvSpPr>
+          <p:spPr>
+            <a:xfrm>
+              <a:off x="3240223" y="1720594"/>
+              <a:ext cx="284052" cy="307777"/>
+            </a:xfrm>
+            <a:prstGeom prst="rect">
+              <a:avLst/>
+            </a:prstGeom>
+            <a:noFill/>
+          </p:spPr>
+          <p:txBody>
+            <a:bodyPr wrap="none" rtlCol="0">
+              <a:spAutoFit/>
+            </a:bodyPr>
+            <a:lstStyle/>
+            <a:p>
+              <a:r>
+                <a:rPr lang="en-AU" sz="1400" dirty="0">
+                  <a:latin typeface="Consolas" panose="020B0609020204030204" pitchFamily="49" charset="0"/>
+                </a:rPr>
+                <a:t>A</a:t>
+              </a:r>
+            </a:p>
+          </p:txBody>
+        </p:sp>
+        <p:sp>
+          <p:nvSpPr>
+            <p:cNvPr id="176" name="TextBox 175">
+              <a:extLst>
+                <a:ext uri="{FF2B5EF4-FFF2-40B4-BE49-F238E27FC236}">
+                  <a16:creationId xmlns:a16="http://schemas.microsoft.com/office/drawing/2014/main" id="{1508D72C-A2E9-4716-97BF-0DA5F12AF1CB}"/>
+                </a:ext>
+              </a:extLst>
+            </p:cNvPr>
+            <p:cNvSpPr txBox="1"/>
+            <p:nvPr/>
+          </p:nvSpPr>
+          <p:spPr>
+            <a:xfrm>
+              <a:off x="5743306" y="1720594"/>
+              <a:ext cx="284052" cy="307777"/>
+            </a:xfrm>
+            <a:prstGeom prst="rect">
+              <a:avLst/>
+            </a:prstGeom>
+            <a:noFill/>
+          </p:spPr>
+          <p:txBody>
+            <a:bodyPr wrap="none" rtlCol="0">
+              <a:spAutoFit/>
+            </a:bodyPr>
+            <a:lstStyle/>
+            <a:p>
+              <a:r>
+                <a:rPr lang="en-AU" sz="1400" dirty="0">
+                  <a:latin typeface="Consolas" panose="020B0609020204030204" pitchFamily="49" charset="0"/>
+                </a:rPr>
+                <a:t>B</a:t>
+              </a:r>
+            </a:p>
+          </p:txBody>
+        </p:sp>
+        <p:sp>
+          <p:nvSpPr>
+            <p:cNvPr id="179" name="Flowchart: Alternate Process 178">
+              <a:extLst>
+                <a:ext uri="{FF2B5EF4-FFF2-40B4-BE49-F238E27FC236}">
+                  <a16:creationId xmlns:a16="http://schemas.microsoft.com/office/drawing/2014/main" id="{916089A3-4009-4CA6-B262-940EC4941B02}"/>
+                </a:ext>
+              </a:extLst>
+            </p:cNvPr>
+            <p:cNvSpPr/>
+            <p:nvPr/>
+          </p:nvSpPr>
+          <p:spPr>
+            <a:xfrm>
+              <a:off x="3968628" y="3318329"/>
+              <a:ext cx="1087247" cy="221342"/>
+            </a:xfrm>
+            <a:prstGeom prst="flowChartAlternateProcess">
+              <a:avLst/>
+            </a:prstGeom>
+            <a:noFill/>
+            <a:ln>
+              <a:noFill/>
+            </a:ln>
+          </p:spPr>
+          <p:style>
+            <a:lnRef idx="2">
+              <a:schemeClr val="dk1"/>
+            </a:lnRef>
+            <a:fillRef idx="1">
+              <a:schemeClr val="lt1"/>
+            </a:fillRef>
+            <a:effectRef idx="0">
+              <a:schemeClr val="dk1"/>
+            </a:effectRef>
+            <a:fontRef idx="minor">
+              <a:schemeClr val="dk1"/>
+            </a:fontRef>
+          </p:style>
+          <p:txBody>
+            <a:bodyPr rot="0" spcFirstLastPara="0" vertOverflow="overflow" horzOverflow="overflow" vert="horz" wrap="square" lIns="0" tIns="0" rIns="0" bIns="0" numCol="1" spcCol="0" rtlCol="0" fromWordArt="0" anchor="b" anchorCtr="0" forceAA="0" compatLnSpc="1">
+              <a:prstTxWarp prst="textNoShape">
+                <a:avLst/>
+              </a:prstTxWarp>
+              <a:noAutofit/>
+            </a:bodyPr>
+            <a:lstStyle/>
+            <a:p>
+              <a:pPr algn="ctr"/>
+              <a:r>
+                <a:rPr lang="en-AU" sz="1400" u="sng" dirty="0">
+                  <a:solidFill>
+                    <a:schemeClr val="accent2"/>
+                  </a:solidFill>
+                  <a:latin typeface="Consolas" panose="020B0609020204030204" pitchFamily="49" charset="0"/>
+                  <a:ea typeface="Yu Gothic" panose="020B0400000000000000" pitchFamily="34" charset="-128"/>
+                </a:rPr>
+                <a:t>GO</a:t>
+              </a:r>
+            </a:p>
+          </p:txBody>
+        </p:sp>
+        <p:sp>
+          <p:nvSpPr>
+            <p:cNvPr id="180" name="Flowchart: Alternate Process 179">
+              <a:extLst>
+                <a:ext uri="{FF2B5EF4-FFF2-40B4-BE49-F238E27FC236}">
+                  <a16:creationId xmlns:a16="http://schemas.microsoft.com/office/drawing/2014/main" id="{D4A6BA4A-89C5-4EB3-A7C7-6F0247008C09}"/>
+                </a:ext>
+              </a:extLst>
+            </p:cNvPr>
+            <p:cNvSpPr/>
+            <p:nvPr/>
+          </p:nvSpPr>
+          <p:spPr>
+            <a:xfrm>
+              <a:off x="6334890" y="3318329"/>
+              <a:ext cx="1087247" cy="221342"/>
+            </a:xfrm>
+            <a:prstGeom prst="flowChartAlternateProcess">
+              <a:avLst/>
+            </a:prstGeom>
+            <a:noFill/>
+            <a:ln>
+              <a:noFill/>
+            </a:ln>
+          </p:spPr>
+          <p:style>
+            <a:lnRef idx="2">
+              <a:schemeClr val="dk1"/>
+            </a:lnRef>
+            <a:fillRef idx="1">
+              <a:schemeClr val="lt1"/>
+            </a:fillRef>
+            <a:effectRef idx="0">
+              <a:schemeClr val="dk1"/>
+            </a:effectRef>
+            <a:fontRef idx="minor">
+              <a:schemeClr val="dk1"/>
+            </a:fontRef>
+          </p:style>
+          <p:txBody>
+            <a:bodyPr rot="0" spcFirstLastPara="0" vertOverflow="overflow" horzOverflow="overflow" vert="horz" wrap="square" lIns="0" tIns="0" rIns="0" bIns="0" numCol="1" spcCol="0" rtlCol="0" fromWordArt="0" anchor="b" anchorCtr="0" forceAA="0" compatLnSpc="1">
+              <a:prstTxWarp prst="textNoShape">
+                <a:avLst/>
+              </a:prstTxWarp>
+              <a:noAutofit/>
+            </a:bodyPr>
+            <a:lstStyle/>
+            <a:p>
+              <a:pPr algn="ctr"/>
+              <a:r>
+                <a:rPr lang="en-AU" sz="1400" u="sng" dirty="0">
+                  <a:solidFill>
+                    <a:schemeClr val="accent2"/>
+                  </a:solidFill>
+                  <a:latin typeface="Consolas" panose="020B0609020204030204" pitchFamily="49" charset="0"/>
+                  <a:ea typeface="Yu Gothic" panose="020B0400000000000000" pitchFamily="34" charset="-128"/>
+                </a:rPr>
+                <a:t>STOP</a:t>
+              </a:r>
+            </a:p>
+          </p:txBody>
+        </p:sp>
+        <p:cxnSp>
+          <p:nvCxnSpPr>
+            <p:cNvPr id="182" name="Connector: Elbow 181">
+              <a:extLst>
+                <a:ext uri="{FF2B5EF4-FFF2-40B4-BE49-F238E27FC236}">
+                  <a16:creationId xmlns:a16="http://schemas.microsoft.com/office/drawing/2014/main" id="{6263BB49-8D5E-4CD8-850A-805A73FEFC57}"/>
+                </a:ext>
+              </a:extLst>
+            </p:cNvPr>
+            <p:cNvCxnSpPr>
+              <a:stCxn id="175" idx="3"/>
+              <a:endCxn id="149" idx="0"/>
+            </p:cNvCxnSpPr>
+            <p:nvPr/>
+          </p:nvCxnSpPr>
+          <p:spPr>
+            <a:xfrm>
+              <a:off x="3524275" y="1874483"/>
+              <a:ext cx="987977" cy="153888"/>
+            </a:xfrm>
+            <a:prstGeom prst="bentConnector2">
+              <a:avLst/>
+            </a:prstGeom>
+            <a:noFill/>
+            <a:ln>
+              <a:solidFill>
+                <a:schemeClr val="tx1"/>
+              </a:solidFill>
+            </a:ln>
+          </p:spPr>
+          <p:style>
+            <a:lnRef idx="2">
+              <a:schemeClr val="accent1">
+                <a:shade val="50000"/>
+              </a:schemeClr>
+            </a:lnRef>
+            <a:fillRef idx="1">
+              <a:schemeClr val="accent1"/>
+            </a:fillRef>
+            <a:effectRef idx="0">
+              <a:schemeClr val="accent1"/>
+            </a:effectRef>
+            <a:fontRef idx="minor">
+              <a:schemeClr val="lt1"/>
+            </a:fontRef>
+          </p:style>
+        </p:cxnSp>
+        <p:cxnSp>
+          <p:nvCxnSpPr>
+            <p:cNvPr id="184" name="Connector: Elbow 183">
+              <a:extLst>
+                <a:ext uri="{FF2B5EF4-FFF2-40B4-BE49-F238E27FC236}">
+                  <a16:creationId xmlns:a16="http://schemas.microsoft.com/office/drawing/2014/main" id="{3C440401-22BB-4A41-9073-DC2DAABB01C8}"/>
+                </a:ext>
+              </a:extLst>
+            </p:cNvPr>
+            <p:cNvCxnSpPr>
+              <a:stCxn id="176" idx="3"/>
+              <a:endCxn id="155" idx="0"/>
+            </p:cNvCxnSpPr>
+            <p:nvPr/>
+          </p:nvCxnSpPr>
+          <p:spPr>
+            <a:xfrm>
+              <a:off x="6027358" y="1874483"/>
+              <a:ext cx="851156" cy="153888"/>
+            </a:xfrm>
+            <a:prstGeom prst="bentConnector2">
+              <a:avLst/>
+            </a:prstGeom>
+            <a:noFill/>
+            <a:ln>
+              <a:solidFill>
+                <a:schemeClr val="tx1"/>
+              </a:solidFill>
+            </a:ln>
+          </p:spPr>
+          <p:style>
+            <a:lnRef idx="2">
+              <a:schemeClr val="accent1">
+                <a:shade val="50000"/>
+              </a:schemeClr>
+            </a:lnRef>
+            <a:fillRef idx="1">
+              <a:schemeClr val="accent1"/>
+            </a:fillRef>
+            <a:effectRef idx="0">
+              <a:schemeClr val="accent1"/>
+            </a:effectRef>
+            <a:fontRef idx="minor">
+              <a:schemeClr val="lt1"/>
+            </a:fontRef>
+          </p:style>
+        </p:cxnSp>
+      </p:grpSp>
+    </p:spTree>
+    <p:extLst>
+      <p:ext uri="{BB962C8B-B14F-4D97-AF65-F5344CB8AC3E}">
+        <p14:creationId xmlns:p14="http://schemas.microsoft.com/office/powerpoint/2010/main" val="1997304906"/>
+      </p:ext>
+    </p:extLst>
+  </p:cSld>
+  <p:clrMapOvr>
+    <a:masterClrMapping/>
+  </p:clrMapOvr>
+</p:sld>
+</file>
+
+<file path=ppt/slides/slide12.xml><?xml version="1.0" encoding="utf-8"?>
+<p:sld xmlns:a="http://schemas.openxmlformats.org/drawingml/2006/main" xmlns:r="http://schemas.openxmlformats.org/officeDocument/2006/relationships" xmlns:p="http://schemas.openxmlformats.org/presentationml/2006/main">
+  <p:cSld>
+    <p:spTree>
+      <p:nvGrpSpPr>
+        <p:cNvPr id="1" name=""/>
+        <p:cNvGrpSpPr/>
+        <p:nvPr/>
+      </p:nvGrpSpPr>
+      <p:grpSpPr>
+        <a:xfrm>
+          <a:off x="0" y="0"/>
+          <a:ext cx="0" cy="0"/>
+          <a:chOff x="0" y="0"/>
+          <a:chExt cx="0" cy="0"/>
+        </a:xfrm>
+      </p:grpSpPr>
+      <p:grpSp>
+        <p:nvGrpSpPr>
+          <p:cNvPr id="57" name="Group 56">
+            <a:extLst>
+              <a:ext uri="{FF2B5EF4-FFF2-40B4-BE49-F238E27FC236}">
+                <a16:creationId xmlns:a16="http://schemas.microsoft.com/office/drawing/2014/main" id="{DC4E7CC6-B5EA-45C6-AFF9-AE989FEE8C3C}"/>
+              </a:ext>
+            </a:extLst>
+          </p:cNvPr>
+          <p:cNvGrpSpPr/>
+          <p:nvPr/>
+        </p:nvGrpSpPr>
+        <p:grpSpPr>
           <a:xfrm>
             <a:off x="540001" y="540000"/>
             <a:ext cx="8825976" cy="5778000"/>
+            <a:chOff x="540001" y="540000"/>
+            <a:chExt cx="8825976" cy="5778000"/>
           </a:xfrm>
-          <a:prstGeom prst="flowChartAlternateProcess">
-            <a:avLst/>
-          </a:prstGeom>
-          <a:noFill/>
-          <a:ln w="19050">
-            <a:prstDash val="lgDash"/>
-          </a:ln>
-        </p:spPr>
-        <p:style>
-          <a:lnRef idx="2">
-            <a:schemeClr val="accent5">
-              <a:shade val="50000"/>
-            </a:schemeClr>
-          </a:lnRef>
-          <a:fillRef idx="1">
-            <a:schemeClr val="accent5"/>
-          </a:fillRef>
-          <a:effectRef idx="0">
-            <a:schemeClr val="accent5"/>
-          </a:effectRef>
-          <a:fontRef idx="minor">
-            <a:schemeClr val="lt1"/>
-          </a:fontRef>
-        </p:style>
-        <p:txBody>
-          <a:bodyPr rot="0" spcFirstLastPara="0" vertOverflow="overflow" horzOverflow="overflow" vert="horz" wrap="square" lIns="0" tIns="0" rIns="0" bIns="0" numCol="1" spcCol="0" rtlCol="0" fromWordArt="0" anchor="ctr" anchorCtr="0" forceAA="0" compatLnSpc="1">
-            <a:prstTxWarp prst="textNoShape">
+        </p:grpSpPr>
+        <p:sp>
+          <p:nvSpPr>
+            <p:cNvPr id="52" name="Flowchart: Alternate Process 51">
+              <a:extLst>
+                <a:ext uri="{FF2B5EF4-FFF2-40B4-BE49-F238E27FC236}">
+                  <a16:creationId xmlns:a16="http://schemas.microsoft.com/office/drawing/2014/main" id="{0AB426EE-2687-43AD-8C5C-8E0079F2D89C}"/>
+                </a:ext>
+              </a:extLst>
+            </p:cNvPr>
+            <p:cNvSpPr/>
+            <p:nvPr/>
+          </p:nvSpPr>
+          <p:spPr>
+            <a:xfrm>
+              <a:off x="540001" y="540000"/>
+              <a:ext cx="8825976" cy="5778000"/>
+            </a:xfrm>
+            <a:prstGeom prst="flowChartAlternateProcess">
               <a:avLst/>
-            </a:prstTxWarp>
-            <a:noAutofit/>
-          </a:bodyPr>
-          <a:lstStyle/>
-          <a:p>
-            <a:pPr algn="ctr"/>
-            <a:endParaRPr lang="en-AU" sz="1050" dirty="0">
-              <a:latin typeface="Consolas" panose="020B0609020204030204" pitchFamily="49" charset="0"/>
-              <a:ea typeface="Yu Gothic" panose="020B0400000000000000" pitchFamily="34" charset="-128"/>
-            </a:endParaRPr>
-          </a:p>
-        </p:txBody>
-      </p:sp>
-      <p:sp>
-        <p:nvSpPr>
-          <p:cNvPr id="4" name="Flowchart: Alternate Process 3">
-            <a:extLst>
-              <a:ext uri="{FF2B5EF4-FFF2-40B4-BE49-F238E27FC236}">
-                <a16:creationId xmlns:a16="http://schemas.microsoft.com/office/drawing/2014/main" id="{A73C11AF-615F-46F6-8D61-77CA7C6CCF10}"/>
-              </a:ext>
-            </a:extLst>
-          </p:cNvPr>
-          <p:cNvSpPr/>
-          <p:nvPr/>
-        </p:nvSpPr>
-        <p:spPr>
-          <a:xfrm>
-            <a:off x="3500991" y="540000"/>
-            <a:ext cx="2903998" cy="262339"/>
-          </a:xfrm>
-          <a:prstGeom prst="flowChartAlternateProcess">
-            <a:avLst/>
-          </a:prstGeom>
-          <a:noFill/>
-          <a:ln>
+            </a:prstGeom>
             <a:noFill/>
-          </a:ln>
-        </p:spPr>
-        <p:style>
-          <a:lnRef idx="2">
-            <a:schemeClr val="dk1"/>
-          </a:lnRef>
-          <a:fillRef idx="1">
-            <a:schemeClr val="lt1"/>
-          </a:fillRef>
-          <a:effectRef idx="0">
-            <a:schemeClr val="dk1"/>
-          </a:effectRef>
-          <a:fontRef idx="minor">
-            <a:schemeClr val="dk1"/>
-          </a:fontRef>
-        </p:style>
-        <p:txBody>
-          <a:bodyPr rot="0" spcFirstLastPara="0" vertOverflow="overflow" horzOverflow="overflow" vert="horz" wrap="square" lIns="0" tIns="0" rIns="0" bIns="0" numCol="1" spcCol="0" rtlCol="0" fromWordArt="0" anchor="ctr" anchorCtr="0" forceAA="0" compatLnSpc="1">
-            <a:prstTxWarp prst="textNoShape">
-              <a:avLst/>
-            </a:prstTxWarp>
-            <a:noAutofit/>
-          </a:bodyPr>
-          <a:lstStyle/>
-          <a:p>
-            <a:pPr algn="ctr"/>
-            <a:r>
-              <a:rPr lang="en-AU" sz="1400" b="1" u="sng" dirty="0">
+            <a:ln w="19050">
+              <a:prstDash val="lgDash"/>
+            </a:ln>
+          </p:spPr>
+          <p:style>
+            <a:lnRef idx="2">
+              <a:schemeClr val="accent5">
+                <a:shade val="50000"/>
+              </a:schemeClr>
+            </a:lnRef>
+            <a:fillRef idx="1">
+              <a:schemeClr val="accent5"/>
+            </a:fillRef>
+            <a:effectRef idx="0">
+              <a:schemeClr val="accent5"/>
+            </a:effectRef>
+            <a:fontRef idx="minor">
+              <a:schemeClr val="lt1"/>
+            </a:fontRef>
+          </p:style>
+          <p:txBody>
+            <a:bodyPr rot="0" spcFirstLastPara="0" vertOverflow="overflow" horzOverflow="overflow" vert="horz" wrap="square" lIns="0" tIns="0" rIns="0" bIns="0" numCol="1" spcCol="0" rtlCol="0" fromWordArt="0" anchor="ctr" anchorCtr="0" forceAA="0" compatLnSpc="1">
+              <a:prstTxWarp prst="textNoShape">
+                <a:avLst/>
+              </a:prstTxWarp>
+              <a:noAutofit/>
+            </a:bodyPr>
+            <a:lstStyle/>
+            <a:p>
+              <a:pPr algn="ctr"/>
+              <a:endParaRPr lang="en-AU" sz="1050" dirty="0">
                 <a:latin typeface="Consolas" panose="020B0609020204030204" pitchFamily="49" charset="0"/>
                 <a:ea typeface="Yu Gothic" panose="020B0400000000000000" pitchFamily="34" charset="-128"/>
-              </a:rPr>
-              <a:t>Controls &amp; Decision Making</a:t>
-            </a:r>
-          </a:p>
-        </p:txBody>
-      </p:sp>
+              </a:endParaRPr>
+            </a:p>
+          </p:txBody>
+        </p:sp>
+        <p:sp>
+          <p:nvSpPr>
+            <p:cNvPr id="4" name="Flowchart: Alternate Process 3">
+              <a:extLst>
+                <a:ext uri="{FF2B5EF4-FFF2-40B4-BE49-F238E27FC236}">
+                  <a16:creationId xmlns:a16="http://schemas.microsoft.com/office/drawing/2014/main" id="{A73C11AF-615F-46F6-8D61-77CA7C6CCF10}"/>
+                </a:ext>
+              </a:extLst>
+            </p:cNvPr>
+            <p:cNvSpPr/>
+            <p:nvPr/>
+          </p:nvSpPr>
+          <p:spPr>
+            <a:xfrm>
+              <a:off x="3500991" y="540000"/>
+              <a:ext cx="2903998" cy="262339"/>
+            </a:xfrm>
+            <a:prstGeom prst="flowChartAlternateProcess">
+              <a:avLst/>
+            </a:prstGeom>
+            <a:noFill/>
+            <a:ln>
+              <a:noFill/>
+            </a:ln>
+          </p:spPr>
+          <p:style>
+            <a:lnRef idx="2">
+              <a:schemeClr val="dk1"/>
+            </a:lnRef>
+            <a:fillRef idx="1">
+              <a:schemeClr val="lt1"/>
+            </a:fillRef>
+            <a:effectRef idx="0">
+              <a:schemeClr val="dk1"/>
+            </a:effectRef>
+            <a:fontRef idx="minor">
+              <a:schemeClr val="dk1"/>
+            </a:fontRef>
+          </p:style>
+          <p:txBody>
+            <a:bodyPr rot="0" spcFirstLastPara="0" vertOverflow="overflow" horzOverflow="overflow" vert="horz" wrap="square" lIns="0" tIns="0" rIns="0" bIns="0" numCol="1" spcCol="0" rtlCol="0" fromWordArt="0" anchor="ctr" anchorCtr="0" forceAA="0" compatLnSpc="1">
+              <a:prstTxWarp prst="textNoShape">
+                <a:avLst/>
+              </a:prstTxWarp>
+              <a:noAutofit/>
+            </a:bodyPr>
+            <a:lstStyle/>
+            <a:p>
+              <a:pPr algn="ctr"/>
+              <a:r>
+                <a:rPr lang="en-AU" sz="1400" b="1" u="sng" dirty="0">
+                  <a:latin typeface="Consolas" panose="020B0609020204030204" pitchFamily="49" charset="0"/>
+                  <a:ea typeface="Yu Gothic" panose="020B0400000000000000" pitchFamily="34" charset="-128"/>
+                </a:rPr>
+                <a:t>Controls &amp; Decision Making</a:t>
+              </a:r>
+            </a:p>
+          </p:txBody>
+        </p:sp>
+        <p:sp>
+          <p:nvSpPr>
+            <p:cNvPr id="7" name="Flowchart: Alternate Process 6">
+              <a:extLst>
+                <a:ext uri="{FF2B5EF4-FFF2-40B4-BE49-F238E27FC236}">
+                  <a16:creationId xmlns:a16="http://schemas.microsoft.com/office/drawing/2014/main" id="{87D9B818-7E87-4715-A564-406C5F453A69}"/>
+                </a:ext>
+              </a:extLst>
+            </p:cNvPr>
+            <p:cNvSpPr/>
+            <p:nvPr/>
+          </p:nvSpPr>
+          <p:spPr>
+            <a:xfrm>
+              <a:off x="4321691" y="929777"/>
+              <a:ext cx="1262618" cy="836484"/>
+            </a:xfrm>
+            <a:prstGeom prst="flowChartAlternateProcess">
+              <a:avLst/>
+            </a:prstGeom>
+            <a:ln w="19050"/>
+          </p:spPr>
+          <p:style>
+            <a:lnRef idx="2">
+              <a:schemeClr val="dk1"/>
+            </a:lnRef>
+            <a:fillRef idx="1">
+              <a:schemeClr val="lt1"/>
+            </a:fillRef>
+            <a:effectRef idx="0">
+              <a:schemeClr val="dk1"/>
+            </a:effectRef>
+            <a:fontRef idx="minor">
+              <a:schemeClr val="dk1"/>
+            </a:fontRef>
+          </p:style>
+          <p:txBody>
+            <a:bodyPr rot="0" spcFirstLastPara="0" vertOverflow="overflow" horzOverflow="overflow" vert="horz" wrap="square" lIns="0" tIns="0" rIns="0" bIns="0" numCol="1" spcCol="0" rtlCol="0" fromWordArt="0" anchor="ctr" anchorCtr="0" forceAA="0" compatLnSpc="1">
+              <a:prstTxWarp prst="textNoShape">
+                <a:avLst/>
+              </a:prstTxWarp>
+              <a:noAutofit/>
+            </a:bodyPr>
+            <a:lstStyle/>
+            <a:p>
+              <a:pPr algn="ctr"/>
+              <a:r>
+                <a:rPr lang="en-AU" sz="1050" dirty="0">
+                  <a:solidFill>
+                    <a:schemeClr val="dk1"/>
+                  </a:solidFill>
+                  <a:latin typeface="Consolas" panose="020B0609020204030204" pitchFamily="49" charset="0"/>
+                  <a:ea typeface="Yu Gothic" panose="020B0400000000000000" pitchFamily="34" charset="-128"/>
+                </a:rPr>
+                <a:t>Determine action required</a:t>
+              </a:r>
+            </a:p>
+          </p:txBody>
+        </p:sp>
+        <p:sp>
+          <p:nvSpPr>
+            <p:cNvPr id="8" name="Flowchart: Alternate Process 7">
+              <a:extLst>
+                <a:ext uri="{FF2B5EF4-FFF2-40B4-BE49-F238E27FC236}">
+                  <a16:creationId xmlns:a16="http://schemas.microsoft.com/office/drawing/2014/main" id="{0490A1B9-C26C-485C-B3F6-FF1626B6AE37}"/>
+                </a:ext>
+              </a:extLst>
+            </p:cNvPr>
+            <p:cNvSpPr/>
+            <p:nvPr/>
+          </p:nvSpPr>
+          <p:spPr>
+            <a:xfrm>
+              <a:off x="4321691" y="2170288"/>
+              <a:ext cx="1262618" cy="836484"/>
+            </a:xfrm>
+            <a:prstGeom prst="flowChartAlternateProcess">
+              <a:avLst/>
+            </a:prstGeom>
+            <a:ln w="19050"/>
+          </p:spPr>
+          <p:style>
+            <a:lnRef idx="2">
+              <a:schemeClr val="dk1"/>
+            </a:lnRef>
+            <a:fillRef idx="1">
+              <a:schemeClr val="lt1"/>
+            </a:fillRef>
+            <a:effectRef idx="0">
+              <a:schemeClr val="dk1"/>
+            </a:effectRef>
+            <a:fontRef idx="minor">
+              <a:schemeClr val="dk1"/>
+            </a:fontRef>
+          </p:style>
+          <p:txBody>
+            <a:bodyPr rot="0" spcFirstLastPara="0" vertOverflow="overflow" horzOverflow="overflow" vert="horz" wrap="square" lIns="0" tIns="0" rIns="0" bIns="0" numCol="1" spcCol="0" rtlCol="0" fromWordArt="0" anchor="ctr" anchorCtr="0" forceAA="0" compatLnSpc="1">
+              <a:prstTxWarp prst="textNoShape">
+                <a:avLst/>
+              </a:prstTxWarp>
+              <a:noAutofit/>
+            </a:bodyPr>
+            <a:lstStyle/>
+            <a:p>
+              <a:pPr algn="ctr"/>
+              <a:r>
+                <a:rPr lang="en-AU" sz="1050" dirty="0">
+                  <a:solidFill>
+                    <a:schemeClr val="dk1"/>
+                  </a:solidFill>
+                  <a:latin typeface="Consolas" panose="020B0609020204030204" pitchFamily="49" charset="0"/>
+                  <a:ea typeface="Yu Gothic" panose="020B0400000000000000" pitchFamily="34" charset="-128"/>
+                </a:rPr>
+                <a:t>Derive required action of the suit from any given state</a:t>
+              </a:r>
+            </a:p>
+          </p:txBody>
+        </p:sp>
+        <p:cxnSp>
+          <p:nvCxnSpPr>
+            <p:cNvPr id="12" name="Straight Arrow Connector 11">
+              <a:extLst>
+                <a:ext uri="{FF2B5EF4-FFF2-40B4-BE49-F238E27FC236}">
+                  <a16:creationId xmlns:a16="http://schemas.microsoft.com/office/drawing/2014/main" id="{A691FFC9-306F-415B-BC37-24AC4BEE4973}"/>
+                </a:ext>
+              </a:extLst>
+            </p:cNvPr>
+            <p:cNvCxnSpPr>
+              <a:cxnSpLocks/>
+              <a:stCxn id="8" idx="0"/>
+              <a:endCxn id="7" idx="2"/>
+            </p:cNvCxnSpPr>
+            <p:nvPr/>
+          </p:nvCxnSpPr>
+          <p:spPr>
+            <a:xfrm flipV="1">
+              <a:off x="4953000" y="1766261"/>
+              <a:ext cx="0" cy="404027"/>
+            </a:xfrm>
+            <a:prstGeom prst="straightConnector1">
+              <a:avLst/>
+            </a:prstGeom>
+            <a:ln w="19050">
+              <a:headEnd type="none" w="med" len="med"/>
+              <a:tailEnd type="triangle" w="med" len="med"/>
+            </a:ln>
+          </p:spPr>
+          <p:style>
+            <a:lnRef idx="2">
+              <a:schemeClr val="dk1"/>
+            </a:lnRef>
+            <a:fillRef idx="1">
+              <a:schemeClr val="lt1"/>
+            </a:fillRef>
+            <a:effectRef idx="0">
+              <a:schemeClr val="dk1"/>
+            </a:effectRef>
+            <a:fontRef idx="minor">
+              <a:schemeClr val="dk1"/>
+            </a:fontRef>
+          </p:style>
+        </p:cxnSp>
+        <p:cxnSp>
+          <p:nvCxnSpPr>
+            <p:cNvPr id="16" name="Straight Arrow Connector 15">
+              <a:extLst>
+                <a:ext uri="{FF2B5EF4-FFF2-40B4-BE49-F238E27FC236}">
+                  <a16:creationId xmlns:a16="http://schemas.microsoft.com/office/drawing/2014/main" id="{D90EF692-B29C-414C-B9A1-A302464FE417}"/>
+                </a:ext>
+              </a:extLst>
+            </p:cNvPr>
+            <p:cNvCxnSpPr>
+              <a:cxnSpLocks/>
+              <a:stCxn id="9" idx="0"/>
+              <a:endCxn id="8" idx="2"/>
+            </p:cNvCxnSpPr>
+            <p:nvPr/>
+          </p:nvCxnSpPr>
+          <p:spPr>
+            <a:xfrm flipV="1">
+              <a:off x="4953000" y="3006772"/>
+              <a:ext cx="0" cy="404027"/>
+            </a:xfrm>
+            <a:prstGeom prst="straightConnector1">
+              <a:avLst/>
+            </a:prstGeom>
+            <a:ln w="19050">
+              <a:headEnd type="none" w="med" len="med"/>
+              <a:tailEnd type="triangle" w="med" len="med"/>
+            </a:ln>
+          </p:spPr>
+          <p:style>
+            <a:lnRef idx="2">
+              <a:schemeClr val="dk1"/>
+            </a:lnRef>
+            <a:fillRef idx="1">
+              <a:schemeClr val="lt1"/>
+            </a:fillRef>
+            <a:effectRef idx="0">
+              <a:schemeClr val="dk1"/>
+            </a:effectRef>
+            <a:fontRef idx="minor">
+              <a:schemeClr val="dk1"/>
+            </a:fontRef>
+          </p:style>
+        </p:cxnSp>
+        <p:grpSp>
+          <p:nvGrpSpPr>
+            <p:cNvPr id="54" name="Group 53">
+              <a:extLst>
+                <a:ext uri="{FF2B5EF4-FFF2-40B4-BE49-F238E27FC236}">
+                  <a16:creationId xmlns:a16="http://schemas.microsoft.com/office/drawing/2014/main" id="{3297C701-57F0-4A57-B52D-3D4A4B021BF1}"/>
+                </a:ext>
+              </a:extLst>
+            </p:cNvPr>
+            <p:cNvGrpSpPr/>
+            <p:nvPr/>
+          </p:nvGrpSpPr>
+          <p:grpSpPr>
+            <a:xfrm>
+              <a:off x="4321691" y="3410799"/>
+              <a:ext cx="4556411" cy="836484"/>
+              <a:chOff x="4321691" y="3121868"/>
+              <a:chExt cx="4556411" cy="836484"/>
+            </a:xfrm>
+          </p:grpSpPr>
+          <p:grpSp>
+            <p:nvGrpSpPr>
+              <p:cNvPr id="38" name="Group 37">
+                <a:extLst>
+                  <a:ext uri="{FF2B5EF4-FFF2-40B4-BE49-F238E27FC236}">
+                    <a16:creationId xmlns:a16="http://schemas.microsoft.com/office/drawing/2014/main" id="{8FB5E401-AFE2-401E-A5B5-87BAF7411139}"/>
+                  </a:ext>
+                </a:extLst>
+              </p:cNvPr>
+              <p:cNvGrpSpPr/>
+              <p:nvPr/>
+            </p:nvGrpSpPr>
+            <p:grpSpPr>
+              <a:xfrm>
+                <a:off x="4321691" y="3268029"/>
+                <a:ext cx="272081" cy="544162"/>
+                <a:chOff x="3500991" y="2495550"/>
+                <a:chExt cx="272081" cy="544162"/>
+              </a:xfrm>
+              <a:noFill/>
+            </p:grpSpPr>
+            <p:sp>
+              <p:nvSpPr>
+                <p:cNvPr id="37" name="Rectangle 36">
+                  <a:extLst>
+                    <a:ext uri="{FF2B5EF4-FFF2-40B4-BE49-F238E27FC236}">
+                      <a16:creationId xmlns:a16="http://schemas.microsoft.com/office/drawing/2014/main" id="{30FC83C5-EB51-4C25-8CFB-519EF6582A0D}"/>
+                    </a:ext>
+                  </a:extLst>
+                </p:cNvPr>
+                <p:cNvSpPr/>
+                <p:nvPr/>
+              </p:nvSpPr>
+              <p:spPr>
+                <a:xfrm>
+                  <a:off x="3500991" y="2495550"/>
+                  <a:ext cx="272081" cy="272081"/>
+                </a:xfrm>
+                <a:prstGeom prst="rect">
+                  <a:avLst/>
+                </a:prstGeom>
+                <a:grpFill/>
+                <a:ln>
+                  <a:solidFill>
+                    <a:schemeClr val="bg1"/>
+                  </a:solidFill>
+                </a:ln>
+              </p:spPr>
+              <p:style>
+                <a:lnRef idx="2">
+                  <a:schemeClr val="accent1">
+                    <a:shade val="50000"/>
+                  </a:schemeClr>
+                </a:lnRef>
+                <a:fillRef idx="1">
+                  <a:schemeClr val="accent1"/>
+                </a:fillRef>
+                <a:effectRef idx="0">
+                  <a:schemeClr val="accent1"/>
+                </a:effectRef>
+                <a:fontRef idx="minor">
+                  <a:schemeClr val="lt1"/>
+                </a:fontRef>
+              </p:style>
+              <p:txBody>
+                <a:bodyPr rtlCol="0" anchor="ctr"/>
+                <a:lstStyle/>
+                <a:p>
+                  <a:pPr algn="ctr"/>
+                  <a:endParaRPr lang="en-AU"/>
+                </a:p>
+              </p:txBody>
+            </p:sp>
+            <p:sp>
+              <p:nvSpPr>
+                <p:cNvPr id="39" name="Rectangle 38">
+                  <a:extLst>
+                    <a:ext uri="{FF2B5EF4-FFF2-40B4-BE49-F238E27FC236}">
+                      <a16:creationId xmlns:a16="http://schemas.microsoft.com/office/drawing/2014/main" id="{F69AFD8F-56FB-42CE-8418-FA4367E4DB40}"/>
+                    </a:ext>
+                  </a:extLst>
+                </p:cNvPr>
+                <p:cNvSpPr/>
+                <p:nvPr/>
+              </p:nvSpPr>
+              <p:spPr>
+                <a:xfrm>
+                  <a:off x="3500991" y="2767631"/>
+                  <a:ext cx="272081" cy="272081"/>
+                </a:xfrm>
+                <a:prstGeom prst="rect">
+                  <a:avLst/>
+                </a:prstGeom>
+                <a:grpFill/>
+                <a:ln>
+                  <a:solidFill>
+                    <a:schemeClr val="bg1"/>
+                  </a:solidFill>
+                </a:ln>
+              </p:spPr>
+              <p:style>
+                <a:lnRef idx="2">
+                  <a:schemeClr val="accent1">
+                    <a:shade val="50000"/>
+                  </a:schemeClr>
+                </a:lnRef>
+                <a:fillRef idx="1">
+                  <a:schemeClr val="accent1"/>
+                </a:fillRef>
+                <a:effectRef idx="0">
+                  <a:schemeClr val="accent1"/>
+                </a:effectRef>
+                <a:fontRef idx="minor">
+                  <a:schemeClr val="lt1"/>
+                </a:fontRef>
+              </p:style>
+              <p:txBody>
+                <a:bodyPr rtlCol="0" anchor="ctr"/>
+                <a:lstStyle/>
+                <a:p>
+                  <a:pPr algn="ctr"/>
+                  <a:endParaRPr lang="en-AU"/>
+                </a:p>
+              </p:txBody>
+            </p:sp>
+          </p:grpSp>
+          <p:grpSp>
+            <p:nvGrpSpPr>
+              <p:cNvPr id="51" name="Group 50">
+                <a:extLst>
+                  <a:ext uri="{FF2B5EF4-FFF2-40B4-BE49-F238E27FC236}">
+                    <a16:creationId xmlns:a16="http://schemas.microsoft.com/office/drawing/2014/main" id="{8E630D95-3CF5-46C5-BBFD-3BC0F04402C4}"/>
+                  </a:ext>
+                </a:extLst>
+              </p:cNvPr>
+              <p:cNvGrpSpPr/>
+              <p:nvPr/>
+            </p:nvGrpSpPr>
+            <p:grpSpPr>
+              <a:xfrm>
+                <a:off x="4321691" y="3121868"/>
+                <a:ext cx="4556411" cy="836484"/>
+                <a:chOff x="4321691" y="3121868"/>
+                <a:chExt cx="4556411" cy="836484"/>
+              </a:xfrm>
+            </p:grpSpPr>
+            <p:sp>
+              <p:nvSpPr>
+                <p:cNvPr id="9" name="Flowchart: Alternate Process 8">
+                  <a:extLst>
+                    <a:ext uri="{FF2B5EF4-FFF2-40B4-BE49-F238E27FC236}">
+                      <a16:creationId xmlns:a16="http://schemas.microsoft.com/office/drawing/2014/main" id="{64B9DAB2-A216-4A1A-9AAC-893E4544FFAD}"/>
+                    </a:ext>
+                  </a:extLst>
+                </p:cNvPr>
+                <p:cNvSpPr/>
+                <p:nvPr/>
+              </p:nvSpPr>
+              <p:spPr>
+                <a:xfrm>
+                  <a:off x="4321691" y="3121868"/>
+                  <a:ext cx="1262618" cy="836484"/>
+                </a:xfrm>
+                <a:prstGeom prst="flowChartAlternateProcess">
+                  <a:avLst/>
+                </a:prstGeom>
+                <a:ln w="19050">
+                  <a:headEnd type="none" w="med" len="med"/>
+                  <a:tailEnd type="triangle" w="med" len="med"/>
+                </a:ln>
+              </p:spPr>
+              <p:style>
+                <a:lnRef idx="2">
+                  <a:schemeClr val="dk1"/>
+                </a:lnRef>
+                <a:fillRef idx="1">
+                  <a:schemeClr val="lt1"/>
+                </a:fillRef>
+                <a:effectRef idx="0">
+                  <a:schemeClr val="dk1"/>
+                </a:effectRef>
+                <a:fontRef idx="minor">
+                  <a:schemeClr val="dk1"/>
+                </a:fontRef>
+              </p:style>
+              <p:txBody>
+                <a:bodyPr rot="0" spcFirstLastPara="0" vertOverflow="overflow" horzOverflow="overflow" vert="horz" wrap="square" lIns="0" tIns="0" rIns="0" bIns="0" numCol="1" spcCol="0" rtlCol="0" fromWordArt="0" anchor="ctr" anchorCtr="0" forceAA="0" compatLnSpc="1">
+                  <a:prstTxWarp prst="textNoShape">
+                    <a:avLst/>
+                  </a:prstTxWarp>
+                  <a:noAutofit/>
+                </a:bodyPr>
+                <a:lstStyle/>
+                <a:p>
+                  <a:pPr algn="ctr"/>
+                  <a:r>
+                    <a:rPr lang="en-AU" sz="1050" dirty="0">
+                      <a:latin typeface="Consolas" panose="020B0609020204030204" pitchFamily="49" charset="0"/>
+                      <a:ea typeface="Yu Gothic" panose="020B0400000000000000" pitchFamily="34" charset="-128"/>
+                    </a:rPr>
+                    <a:t>Develop control method based on kinematics of the suit</a:t>
+                  </a:r>
+                </a:p>
+                <a:p>
+                  <a:pPr algn="ctr"/>
+                  <a:endParaRPr lang="en-AU" sz="1050" dirty="0">
+                    <a:latin typeface="Consolas" panose="020B0609020204030204" pitchFamily="49" charset="0"/>
+                    <a:ea typeface="Yu Gothic" panose="020B0400000000000000" pitchFamily="34" charset="-128"/>
+                  </a:endParaRPr>
+                </a:p>
+              </p:txBody>
+            </p:sp>
+            <p:sp>
+              <p:nvSpPr>
+                <p:cNvPr id="25" name="Flowchart: Alternate Process 24">
+                  <a:extLst>
+                    <a:ext uri="{FF2B5EF4-FFF2-40B4-BE49-F238E27FC236}">
+                      <a16:creationId xmlns:a16="http://schemas.microsoft.com/office/drawing/2014/main" id="{C2C534FE-3B88-430F-BEC5-68BA5BBB1897}"/>
+                    </a:ext>
+                  </a:extLst>
+                </p:cNvPr>
+                <p:cNvSpPr/>
+                <p:nvPr/>
+              </p:nvSpPr>
+              <p:spPr>
+                <a:xfrm>
+                  <a:off x="7615484" y="3121868"/>
+                  <a:ext cx="1262618" cy="836484"/>
+                </a:xfrm>
+                <a:prstGeom prst="flowChartAlternateProcess">
+                  <a:avLst/>
+                </a:prstGeom>
+                <a:ln w="19050">
+                  <a:headEnd type="none" w="med" len="med"/>
+                  <a:tailEnd type="triangle" w="med" len="med"/>
+                </a:ln>
+              </p:spPr>
+              <p:style>
+                <a:lnRef idx="2">
+                  <a:schemeClr val="dk1"/>
+                </a:lnRef>
+                <a:fillRef idx="1">
+                  <a:schemeClr val="lt1"/>
+                </a:fillRef>
+                <a:effectRef idx="0">
+                  <a:schemeClr val="dk1"/>
+                </a:effectRef>
+                <a:fontRef idx="minor">
+                  <a:schemeClr val="dk1"/>
+                </a:fontRef>
+              </p:style>
+              <p:txBody>
+                <a:bodyPr rot="0" spcFirstLastPara="0" vertOverflow="overflow" horzOverflow="overflow" vert="horz" wrap="square" lIns="0" tIns="0" rIns="0" bIns="0" numCol="1" spcCol="0" rtlCol="0" fromWordArt="0" anchor="ctr" anchorCtr="0" forceAA="0" compatLnSpc="1">
+                  <a:prstTxWarp prst="textNoShape">
+                    <a:avLst/>
+                  </a:prstTxWarp>
+                  <a:noAutofit/>
+                </a:bodyPr>
+                <a:lstStyle/>
+                <a:p>
+                  <a:pPr algn="ctr"/>
+                  <a:r>
+                    <a:rPr lang="en-AU" sz="1050" dirty="0">
+                      <a:latin typeface="Consolas" panose="020B0609020204030204" pitchFamily="49" charset="0"/>
+                      <a:ea typeface="Yu Gothic" panose="020B0400000000000000" pitchFamily="34" charset="-128"/>
+                    </a:rPr>
+                    <a:t>Tune PID Parameters</a:t>
+                  </a:r>
+                </a:p>
+              </p:txBody>
+            </p:sp>
+          </p:grpSp>
+        </p:grpSp>
+        <p:grpSp>
+          <p:nvGrpSpPr>
+            <p:cNvPr id="53" name="Group 52">
+              <a:extLst>
+                <a:ext uri="{FF2B5EF4-FFF2-40B4-BE49-F238E27FC236}">
+                  <a16:creationId xmlns:a16="http://schemas.microsoft.com/office/drawing/2014/main" id="{37B903A2-9930-4152-B575-DFE1596CA4E7}"/>
+                </a:ext>
+              </a:extLst>
+            </p:cNvPr>
+            <p:cNvGrpSpPr/>
+            <p:nvPr/>
+          </p:nvGrpSpPr>
+          <p:grpSpPr>
+            <a:xfrm>
+              <a:off x="1027898" y="4651311"/>
+              <a:ext cx="6203306" cy="836484"/>
+              <a:chOff x="1027898" y="4651311"/>
+              <a:chExt cx="6203306" cy="836484"/>
+            </a:xfrm>
+          </p:grpSpPr>
+          <p:sp>
+            <p:nvSpPr>
+              <p:cNvPr id="21" name="Flowchart: Alternate Process 20">
+                <a:extLst>
+                  <a:ext uri="{FF2B5EF4-FFF2-40B4-BE49-F238E27FC236}">
+                    <a16:creationId xmlns:a16="http://schemas.microsoft.com/office/drawing/2014/main" id="{8E068DA3-93F7-4A39-AC72-006188A0D3F5}"/>
+                  </a:ext>
+                </a:extLst>
+              </p:cNvPr>
+              <p:cNvSpPr/>
+              <p:nvPr/>
+            </p:nvSpPr>
+            <p:spPr>
+              <a:xfrm>
+                <a:off x="1027898" y="4651311"/>
+                <a:ext cx="1262618" cy="836484"/>
+              </a:xfrm>
+              <a:prstGeom prst="flowChartAlternateProcess">
+                <a:avLst/>
+              </a:prstGeom>
+              <a:ln w="19050">
+                <a:headEnd type="none" w="med" len="med"/>
+                <a:tailEnd type="triangle" w="med" len="med"/>
+              </a:ln>
+            </p:spPr>
+            <p:style>
+              <a:lnRef idx="2">
+                <a:schemeClr val="dk1"/>
+              </a:lnRef>
+              <a:fillRef idx="1">
+                <a:schemeClr val="lt1"/>
+              </a:fillRef>
+              <a:effectRef idx="0">
+                <a:schemeClr val="dk1"/>
+              </a:effectRef>
+              <a:fontRef idx="minor">
+                <a:schemeClr val="dk1"/>
+              </a:fontRef>
+            </p:style>
+            <p:txBody>
+              <a:bodyPr rot="0" spcFirstLastPara="0" vertOverflow="overflow" horzOverflow="overflow" vert="horz" wrap="square" lIns="0" tIns="0" rIns="0" bIns="0" numCol="1" spcCol="0" rtlCol="0" fromWordArt="0" anchor="ctr" anchorCtr="0" forceAA="0" compatLnSpc="1">
+                <a:prstTxWarp prst="textNoShape">
+                  <a:avLst/>
+                </a:prstTxWarp>
+                <a:noAutofit/>
+              </a:bodyPr>
+              <a:lstStyle/>
+              <a:p>
+                <a:pPr algn="ctr"/>
+                <a:r>
+                  <a:rPr lang="en-AU" sz="1050" dirty="0">
+                    <a:latin typeface="Consolas" panose="020B0609020204030204" pitchFamily="49" charset="0"/>
+                    <a:ea typeface="Yu Gothic" panose="020B0400000000000000" pitchFamily="34" charset="-128"/>
+                  </a:rPr>
+                  <a:t>Derive Equations of Motion (EOM)</a:t>
+                </a:r>
+              </a:p>
+            </p:txBody>
+          </p:sp>
+          <mc:AlternateContent xmlns:mc="http://schemas.openxmlformats.org/markup-compatibility/2006">
+            <mc:Choice xmlns:a14="http://schemas.microsoft.com/office/drawing/2010/main" Requires="a14">
+              <p:sp>
+                <p:nvSpPr>
+                  <p:cNvPr id="22" name="Flowchart: Alternate Process 21">
+                    <a:extLst>
+                      <a:ext uri="{FF2B5EF4-FFF2-40B4-BE49-F238E27FC236}">
+                        <a16:creationId xmlns:a16="http://schemas.microsoft.com/office/drawing/2014/main" id="{E666BC52-A485-47EA-8E75-3BDFBFC8883C}"/>
+                      </a:ext>
+                    </a:extLst>
+                  </p:cNvPr>
+                  <p:cNvSpPr/>
+                  <p:nvPr/>
+                </p:nvSpPr>
+                <p:spPr>
+                  <a:xfrm>
+                    <a:off x="2674794" y="4651311"/>
+                    <a:ext cx="1262618" cy="836484"/>
+                  </a:xfrm>
+                  <a:prstGeom prst="flowChartAlternateProcess">
+                    <a:avLst/>
+                  </a:prstGeom>
+                  <a:ln w="19050">
+                    <a:headEnd type="none" w="med" len="med"/>
+                    <a:tailEnd type="triangle" w="med" len="med"/>
+                  </a:ln>
+                </p:spPr>
+                <p:style>
+                  <a:lnRef idx="2">
+                    <a:schemeClr val="dk1"/>
+                  </a:lnRef>
+                  <a:fillRef idx="1">
+                    <a:schemeClr val="lt1"/>
+                  </a:fillRef>
+                  <a:effectRef idx="0">
+                    <a:schemeClr val="dk1"/>
+                  </a:effectRef>
+                  <a:fontRef idx="minor">
+                    <a:schemeClr val="dk1"/>
+                  </a:fontRef>
+                </p:style>
+                <p:txBody>
+                  <a:bodyPr rot="0" spcFirstLastPara="0" vertOverflow="overflow" horzOverflow="overflow" vert="horz" wrap="square" lIns="0" tIns="0" rIns="0" bIns="0" numCol="1" spcCol="0" rtlCol="0" fromWordArt="0" anchor="ctr" anchorCtr="0" forceAA="0" compatLnSpc="1">
+                    <a:prstTxWarp prst="textNoShape">
+                      <a:avLst/>
+                    </a:prstTxWarp>
+                    <a:noAutofit/>
+                  </a:bodyPr>
+                  <a:lstStyle/>
+                  <a:p>
+                    <a:pPr algn="ctr"/>
+                    <a:r>
+                      <a:rPr lang="en-AU" sz="1050" dirty="0">
+                        <a:latin typeface="Consolas" panose="020B0609020204030204" pitchFamily="49" charset="0"/>
+                        <a:ea typeface="Yu Gothic" panose="020B0400000000000000" pitchFamily="34" charset="-128"/>
+                      </a:rPr>
+                      <a:t>Derive Transfer function (</a:t>
+                    </a:r>
+                    <a14:m>
+                      <m:oMath xmlns:m="http://schemas.openxmlformats.org/officeDocument/2006/math">
+                        <m:r>
+                          <a:rPr lang="en-AU" sz="1050" i="1" smtClean="0">
+                            <a:latin typeface="Cambria Math" panose="02040503050406030204" pitchFamily="18" charset="0"/>
+                            <a:ea typeface="Cambria Math" panose="02040503050406030204" pitchFamily="18" charset="0"/>
+                          </a:rPr>
+                          <m:t>𝜃</m:t>
+                        </m:r>
+                        <m:r>
+                          <a:rPr lang="en-AU" sz="1050" i="1" smtClean="0">
+                            <a:latin typeface="Cambria Math" panose="02040503050406030204" pitchFamily="18" charset="0"/>
+                            <a:ea typeface="Cambria Math" panose="02040503050406030204" pitchFamily="18" charset="0"/>
+                          </a:rPr>
+                          <m:t>→</m:t>
+                        </m:r>
+                        <m:r>
+                          <a:rPr lang="en-AU" sz="1050" i="1" smtClean="0">
+                            <a:latin typeface="Cambria Math" panose="02040503050406030204" pitchFamily="18" charset="0"/>
+                            <a:ea typeface="Cambria Math" panose="02040503050406030204" pitchFamily="18" charset="0"/>
+                          </a:rPr>
+                          <m:t>𝜏</m:t>
+                        </m:r>
+                      </m:oMath>
+                    </a14:m>
+                    <a:r>
+                      <a:rPr lang="en-AU" sz="1050" dirty="0">
+                        <a:latin typeface="Consolas" panose="020B0609020204030204" pitchFamily="49" charset="0"/>
+                        <a:ea typeface="Yu Gothic" panose="020B0400000000000000" pitchFamily="34" charset="-128"/>
+                      </a:rPr>
+                      <a:t>)</a:t>
+                    </a:r>
+                  </a:p>
+                </p:txBody>
+              </p:sp>
+            </mc:Choice>
+            <mc:Fallback>
+              <p:sp>
+                <p:nvSpPr>
+                  <p:cNvPr id="22" name="Flowchart: Alternate Process 21">
+                    <a:extLst>
+                      <a:ext uri="{FF2B5EF4-FFF2-40B4-BE49-F238E27FC236}">
+                        <a16:creationId xmlns:a16="http://schemas.microsoft.com/office/drawing/2014/main" id="{E666BC52-A485-47EA-8E75-3BDFBFC8883C}"/>
+                      </a:ext>
+                    </a:extLst>
+                  </p:cNvPr>
+                  <p:cNvSpPr>
+                    <a:spLocks noRot="1" noChangeAspect="1" noMove="1" noResize="1" noEditPoints="1" noAdjustHandles="1" noChangeArrowheads="1" noChangeShapeType="1" noTextEdit="1"/>
+                  </p:cNvSpPr>
+                  <p:nvPr/>
+                </p:nvSpPr>
+                <p:spPr>
+                  <a:xfrm>
+                    <a:off x="2674794" y="4651311"/>
+                    <a:ext cx="1262618" cy="836484"/>
+                  </a:xfrm>
+                  <a:prstGeom prst="flowChartAlternateProcess">
+                    <a:avLst/>
+                  </a:prstGeom>
+                  <a:blipFill>
+                    <a:blip r:embed="rId2"/>
+                    <a:stretch>
+                      <a:fillRect l="-1429" r="-4286"/>
+                    </a:stretch>
+                  </a:blipFill>
+                  <a:ln w="19050">
+                    <a:headEnd type="none" w="med" len="med"/>
+                    <a:tailEnd type="triangle" w="med" len="med"/>
+                  </a:ln>
+                </p:spPr>
+                <p:txBody>
+                  <a:bodyPr/>
+                  <a:lstStyle/>
+                  <a:p>
+                    <a:r>
+                      <a:rPr lang="en-AU">
+                        <a:noFill/>
+                      </a:rPr>
+                      <a:t> </a:t>
+                    </a:r>
+                  </a:p>
+                </p:txBody>
+              </p:sp>
+            </mc:Fallback>
+          </mc:AlternateContent>
+          <p:sp>
+            <p:nvSpPr>
+              <p:cNvPr id="23" name="Flowchart: Alternate Process 22">
+                <a:extLst>
+                  <a:ext uri="{FF2B5EF4-FFF2-40B4-BE49-F238E27FC236}">
+                    <a16:creationId xmlns:a16="http://schemas.microsoft.com/office/drawing/2014/main" id="{1039DF34-ACE5-489B-B389-9D6C4960A93D}"/>
+                  </a:ext>
+                </a:extLst>
+              </p:cNvPr>
+              <p:cNvSpPr/>
+              <p:nvPr/>
+            </p:nvSpPr>
+            <p:spPr>
+              <a:xfrm>
+                <a:off x="4321690" y="4651311"/>
+                <a:ext cx="1262618" cy="836484"/>
+              </a:xfrm>
+              <a:prstGeom prst="flowChartAlternateProcess">
+                <a:avLst/>
+              </a:prstGeom>
+              <a:ln w="19050">
+                <a:headEnd type="none" w="med" len="med"/>
+                <a:tailEnd type="triangle" w="med" len="med"/>
+              </a:ln>
+            </p:spPr>
+            <p:style>
+              <a:lnRef idx="2">
+                <a:schemeClr val="dk1"/>
+              </a:lnRef>
+              <a:fillRef idx="1">
+                <a:schemeClr val="lt1"/>
+              </a:fillRef>
+              <a:effectRef idx="0">
+                <a:schemeClr val="dk1"/>
+              </a:effectRef>
+              <a:fontRef idx="minor">
+                <a:schemeClr val="dk1"/>
+              </a:fontRef>
+            </p:style>
+            <p:txBody>
+              <a:bodyPr rot="0" spcFirstLastPara="0" vertOverflow="overflow" horzOverflow="overflow" vert="horz" wrap="square" lIns="0" tIns="0" rIns="0" bIns="0" numCol="1" spcCol="0" rtlCol="0" fromWordArt="0" anchor="ctr" anchorCtr="0" forceAA="0" compatLnSpc="1">
+                <a:prstTxWarp prst="textNoShape">
+                  <a:avLst/>
+                </a:prstTxWarp>
+                <a:noAutofit/>
+              </a:bodyPr>
+              <a:lstStyle/>
+              <a:p>
+                <a:pPr algn="ctr"/>
+                <a:r>
+                  <a:rPr lang="en-AU" sz="1050" dirty="0">
+                    <a:latin typeface="Consolas" panose="020B0609020204030204" pitchFamily="49" charset="0"/>
+                    <a:ea typeface="Yu Gothic" panose="020B0400000000000000" pitchFamily="34" charset="-128"/>
+                  </a:rPr>
+                  <a:t>Laplace Transform</a:t>
+                </a:r>
+              </a:p>
+            </p:txBody>
+          </p:sp>
+          <p:sp>
+            <p:nvSpPr>
+              <p:cNvPr id="24" name="Flowchart: Alternate Process 23">
+                <a:extLst>
+                  <a:ext uri="{FF2B5EF4-FFF2-40B4-BE49-F238E27FC236}">
+                    <a16:creationId xmlns:a16="http://schemas.microsoft.com/office/drawing/2014/main" id="{0458AF52-8AE6-4F99-B507-9B102AC63A68}"/>
+                  </a:ext>
+                </a:extLst>
+              </p:cNvPr>
+              <p:cNvSpPr/>
+              <p:nvPr/>
+            </p:nvSpPr>
+            <p:spPr>
+              <a:xfrm>
+                <a:off x="5968586" y="4651311"/>
+                <a:ext cx="1262618" cy="836484"/>
+              </a:xfrm>
+              <a:prstGeom prst="flowChartAlternateProcess">
+                <a:avLst/>
+              </a:prstGeom>
+              <a:ln w="19050">
+                <a:headEnd type="none" w="med" len="med"/>
+                <a:tailEnd type="triangle" w="med" len="med"/>
+              </a:ln>
+            </p:spPr>
+            <p:style>
+              <a:lnRef idx="2">
+                <a:schemeClr val="dk1"/>
+              </a:lnRef>
+              <a:fillRef idx="1">
+                <a:schemeClr val="lt1"/>
+              </a:fillRef>
+              <a:effectRef idx="0">
+                <a:schemeClr val="dk1"/>
+              </a:effectRef>
+              <a:fontRef idx="minor">
+                <a:schemeClr val="dk1"/>
+              </a:fontRef>
+            </p:style>
+            <p:txBody>
+              <a:bodyPr rot="0" spcFirstLastPara="0" vertOverflow="overflow" horzOverflow="overflow" vert="horz" wrap="square" lIns="0" tIns="0" rIns="0" bIns="0" numCol="1" spcCol="0" rtlCol="0" fromWordArt="0" anchor="ctr" anchorCtr="0" forceAA="0" compatLnSpc="1">
+                <a:prstTxWarp prst="textNoShape">
+                  <a:avLst/>
+                </a:prstTxWarp>
+                <a:noAutofit/>
+              </a:bodyPr>
+              <a:lstStyle/>
+              <a:p>
+                <a:pPr algn="ctr"/>
+                <a:r>
+                  <a:rPr lang="en-AU" sz="1050" dirty="0">
+                    <a:latin typeface="Consolas" panose="020B0609020204030204" pitchFamily="49" charset="0"/>
+                    <a:ea typeface="Yu Gothic" panose="020B0400000000000000" pitchFamily="34" charset="-128"/>
+                  </a:rPr>
+                  <a:t>Derive PID parameters</a:t>
+                </a:r>
+              </a:p>
+            </p:txBody>
+          </p:sp>
+        </p:grpSp>
+        <p:grpSp>
+          <p:nvGrpSpPr>
+            <p:cNvPr id="50" name="Group 49">
+              <a:extLst>
+                <a:ext uri="{FF2B5EF4-FFF2-40B4-BE49-F238E27FC236}">
+                  <a16:creationId xmlns:a16="http://schemas.microsoft.com/office/drawing/2014/main" id="{09E611B3-DA7A-43E4-91F3-A3FDCF04595A}"/>
+                </a:ext>
+              </a:extLst>
+            </p:cNvPr>
+            <p:cNvGrpSpPr/>
+            <p:nvPr/>
+          </p:nvGrpSpPr>
+          <p:grpSpPr>
+            <a:xfrm>
+              <a:off x="1659207" y="2588530"/>
+              <a:ext cx="6587587" cy="2481023"/>
+              <a:chOff x="1659207" y="2588530"/>
+              <a:chExt cx="6587587" cy="2481023"/>
+            </a:xfrm>
+          </p:grpSpPr>
+          <p:cxnSp>
+            <p:nvCxnSpPr>
+              <p:cNvPr id="28" name="Straight Arrow Connector 27">
+                <a:extLst>
+                  <a:ext uri="{FF2B5EF4-FFF2-40B4-BE49-F238E27FC236}">
+                    <a16:creationId xmlns:a16="http://schemas.microsoft.com/office/drawing/2014/main" id="{5798D37E-8152-496A-9848-E30273449605}"/>
+                  </a:ext>
+                </a:extLst>
+              </p:cNvPr>
+              <p:cNvCxnSpPr>
+                <a:stCxn id="21" idx="3"/>
+                <a:endCxn id="22" idx="1"/>
+              </p:cNvCxnSpPr>
+              <p:nvPr/>
+            </p:nvCxnSpPr>
+            <p:spPr>
+              <a:xfrm>
+                <a:off x="2290516" y="5069553"/>
+                <a:ext cx="384278" cy="0"/>
+              </a:xfrm>
+              <a:prstGeom prst="straightConnector1">
+                <a:avLst/>
+              </a:prstGeom>
+              <a:ln w="19050">
+                <a:headEnd type="none" w="med" len="med"/>
+                <a:tailEnd type="triangle" w="med" len="med"/>
+              </a:ln>
+            </p:spPr>
+            <p:style>
+              <a:lnRef idx="2">
+                <a:schemeClr val="dk1"/>
+              </a:lnRef>
+              <a:fillRef idx="1">
+                <a:schemeClr val="lt1"/>
+              </a:fillRef>
+              <a:effectRef idx="0">
+                <a:schemeClr val="dk1"/>
+              </a:effectRef>
+              <a:fontRef idx="minor">
+                <a:schemeClr val="dk1"/>
+              </a:fontRef>
+            </p:style>
+          </p:cxnSp>
+          <p:cxnSp>
+            <p:nvCxnSpPr>
+              <p:cNvPr id="30" name="Straight Arrow Connector 29">
+                <a:extLst>
+                  <a:ext uri="{FF2B5EF4-FFF2-40B4-BE49-F238E27FC236}">
+                    <a16:creationId xmlns:a16="http://schemas.microsoft.com/office/drawing/2014/main" id="{39A892BE-3FC4-43D2-861C-C65308FF9C7B}"/>
+                  </a:ext>
+                </a:extLst>
+              </p:cNvPr>
+              <p:cNvCxnSpPr>
+                <a:stCxn id="22" idx="3"/>
+                <a:endCxn id="23" idx="1"/>
+              </p:cNvCxnSpPr>
+              <p:nvPr/>
+            </p:nvCxnSpPr>
+            <p:spPr>
+              <a:xfrm>
+                <a:off x="3937412" y="5069553"/>
+                <a:ext cx="384278" cy="0"/>
+              </a:xfrm>
+              <a:prstGeom prst="straightConnector1">
+                <a:avLst/>
+              </a:prstGeom>
+              <a:ln w="19050">
+                <a:headEnd type="none" w="med" len="med"/>
+                <a:tailEnd type="triangle" w="med" len="med"/>
+              </a:ln>
+            </p:spPr>
+            <p:style>
+              <a:lnRef idx="2">
+                <a:schemeClr val="dk1"/>
+              </a:lnRef>
+              <a:fillRef idx="1">
+                <a:schemeClr val="lt1"/>
+              </a:fillRef>
+              <a:effectRef idx="0">
+                <a:schemeClr val="dk1"/>
+              </a:effectRef>
+              <a:fontRef idx="minor">
+                <a:schemeClr val="dk1"/>
+              </a:fontRef>
+            </p:style>
+          </p:cxnSp>
+          <p:cxnSp>
+            <p:nvCxnSpPr>
+              <p:cNvPr id="32" name="Straight Arrow Connector 31">
+                <a:extLst>
+                  <a:ext uri="{FF2B5EF4-FFF2-40B4-BE49-F238E27FC236}">
+                    <a16:creationId xmlns:a16="http://schemas.microsoft.com/office/drawing/2014/main" id="{BC38F4A6-80A9-4F43-9C07-50E62528DA45}"/>
+                  </a:ext>
+                </a:extLst>
+              </p:cNvPr>
+              <p:cNvCxnSpPr>
+                <a:stCxn id="23" idx="3"/>
+                <a:endCxn id="24" idx="1"/>
+              </p:cNvCxnSpPr>
+              <p:nvPr/>
+            </p:nvCxnSpPr>
+            <p:spPr>
+              <a:xfrm>
+                <a:off x="5584308" y="5069553"/>
+                <a:ext cx="384278" cy="0"/>
+              </a:xfrm>
+              <a:prstGeom prst="straightConnector1">
+                <a:avLst/>
+              </a:prstGeom>
+              <a:ln w="19050">
+                <a:headEnd type="none" w="med" len="med"/>
+                <a:tailEnd type="triangle" w="med" len="med"/>
+              </a:ln>
+            </p:spPr>
+            <p:style>
+              <a:lnRef idx="2">
+                <a:schemeClr val="dk1"/>
+              </a:lnRef>
+              <a:fillRef idx="1">
+                <a:schemeClr val="lt1"/>
+              </a:fillRef>
+              <a:effectRef idx="0">
+                <a:schemeClr val="dk1"/>
+              </a:effectRef>
+              <a:fontRef idx="minor">
+                <a:schemeClr val="dk1"/>
+              </a:fontRef>
+            </p:style>
+          </p:cxnSp>
+          <p:cxnSp>
+            <p:nvCxnSpPr>
+              <p:cNvPr id="36" name="Connector: Elbow 35">
+                <a:extLst>
+                  <a:ext uri="{FF2B5EF4-FFF2-40B4-BE49-F238E27FC236}">
+                    <a16:creationId xmlns:a16="http://schemas.microsoft.com/office/drawing/2014/main" id="{7969860A-F761-4128-A3D2-BE55A1FF983B}"/>
+                  </a:ext>
+                </a:extLst>
+              </p:cNvPr>
+              <p:cNvCxnSpPr>
+                <a:cxnSpLocks/>
+                <a:stCxn id="21" idx="0"/>
+                <a:endCxn id="37" idx="1"/>
+              </p:cNvCxnSpPr>
+              <p:nvPr/>
+            </p:nvCxnSpPr>
+            <p:spPr>
+              <a:xfrm rot="5400000" flipH="1" flipV="1">
+                <a:off x="2511294" y="2840914"/>
+                <a:ext cx="958310" cy="2662484"/>
+              </a:xfrm>
+              <a:prstGeom prst="bentConnector2">
+                <a:avLst/>
+              </a:prstGeom>
+              <a:ln w="19050">
+                <a:headEnd type="none" w="med" len="med"/>
+                <a:tailEnd type="triangle" w="med" len="med"/>
+              </a:ln>
+            </p:spPr>
+            <p:style>
+              <a:lnRef idx="2">
+                <a:schemeClr val="dk1"/>
+              </a:lnRef>
+              <a:fillRef idx="1">
+                <a:schemeClr val="lt1"/>
+              </a:fillRef>
+              <a:effectRef idx="0">
+                <a:schemeClr val="dk1"/>
+              </a:effectRef>
+              <a:fontRef idx="minor">
+                <a:schemeClr val="dk1"/>
+              </a:fontRef>
+            </p:style>
+          </p:cxnSp>
+          <p:cxnSp>
+            <p:nvCxnSpPr>
+              <p:cNvPr id="42" name="Connector: Elbow 41">
+                <a:extLst>
+                  <a:ext uri="{FF2B5EF4-FFF2-40B4-BE49-F238E27FC236}">
+                    <a16:creationId xmlns:a16="http://schemas.microsoft.com/office/drawing/2014/main" id="{1836FA13-8DE8-4820-BAE4-9E692B5E9679}"/>
+                  </a:ext>
+                </a:extLst>
+              </p:cNvPr>
+              <p:cNvCxnSpPr>
+                <a:cxnSpLocks/>
+                <a:stCxn id="22" idx="0"/>
+                <a:endCxn id="39" idx="1"/>
+              </p:cNvCxnSpPr>
+              <p:nvPr/>
+            </p:nvCxnSpPr>
+            <p:spPr>
+              <a:xfrm rot="5400000" flipH="1" flipV="1">
+                <a:off x="3470783" y="3800403"/>
+                <a:ext cx="686229" cy="1015588"/>
+              </a:xfrm>
+              <a:prstGeom prst="bentConnector2">
+                <a:avLst/>
+              </a:prstGeom>
+              <a:ln w="19050">
+                <a:headEnd type="none" w="med" len="med"/>
+                <a:tailEnd type="triangle" w="med" len="med"/>
+              </a:ln>
+            </p:spPr>
+            <p:style>
+              <a:lnRef idx="2">
+                <a:schemeClr val="dk1"/>
+              </a:lnRef>
+              <a:fillRef idx="1">
+                <a:schemeClr val="lt1"/>
+              </a:fillRef>
+              <a:effectRef idx="0">
+                <a:schemeClr val="dk1"/>
+              </a:effectRef>
+              <a:fontRef idx="minor">
+                <a:schemeClr val="dk1"/>
+              </a:fontRef>
+            </p:style>
+          </p:cxnSp>
+          <p:cxnSp>
+            <p:nvCxnSpPr>
+              <p:cNvPr id="45" name="Straight Arrow Connector 44">
+                <a:extLst>
+                  <a:ext uri="{FF2B5EF4-FFF2-40B4-BE49-F238E27FC236}">
+                    <a16:creationId xmlns:a16="http://schemas.microsoft.com/office/drawing/2014/main" id="{012A4D47-2435-45FC-9FE6-CAE50400B576}"/>
+                  </a:ext>
+                </a:extLst>
+              </p:cNvPr>
+              <p:cNvCxnSpPr>
+                <a:stCxn id="23" idx="0"/>
+                <a:endCxn id="9" idx="2"/>
+              </p:cNvCxnSpPr>
+              <p:nvPr/>
+            </p:nvCxnSpPr>
+            <p:spPr>
+              <a:xfrm flipV="1">
+                <a:off x="4952999" y="4247283"/>
+                <a:ext cx="1" cy="404028"/>
+              </a:xfrm>
+              <a:prstGeom prst="straightConnector1">
+                <a:avLst/>
+              </a:prstGeom>
+              <a:ln w="19050">
+                <a:headEnd type="none" w="med" len="med"/>
+                <a:tailEnd type="triangle" w="med" len="med"/>
+              </a:ln>
+            </p:spPr>
+            <p:style>
+              <a:lnRef idx="2">
+                <a:schemeClr val="dk1"/>
+              </a:lnRef>
+              <a:fillRef idx="1">
+                <a:schemeClr val="lt1"/>
+              </a:fillRef>
+              <a:effectRef idx="0">
+                <a:schemeClr val="dk1"/>
+              </a:effectRef>
+              <a:fontRef idx="minor">
+                <a:schemeClr val="dk1"/>
+              </a:fontRef>
+            </p:style>
+          </p:cxnSp>
+          <p:cxnSp>
+            <p:nvCxnSpPr>
+              <p:cNvPr id="47" name="Connector: Elbow 46">
+                <a:extLst>
+                  <a:ext uri="{FF2B5EF4-FFF2-40B4-BE49-F238E27FC236}">
+                    <a16:creationId xmlns:a16="http://schemas.microsoft.com/office/drawing/2014/main" id="{E549EECC-578E-4BC0-8ACD-0E1BD169406A}"/>
+                  </a:ext>
+                </a:extLst>
+              </p:cNvPr>
+              <p:cNvCxnSpPr>
+                <a:stCxn id="24" idx="0"/>
+                <a:endCxn id="9" idx="3"/>
+              </p:cNvCxnSpPr>
+              <p:nvPr/>
+            </p:nvCxnSpPr>
+            <p:spPr>
+              <a:xfrm rot="16200000" flipV="1">
+                <a:off x="5680967" y="3732383"/>
+                <a:ext cx="822270" cy="1015586"/>
+              </a:xfrm>
+              <a:prstGeom prst="bentConnector2">
+                <a:avLst/>
+              </a:prstGeom>
+              <a:ln w="19050">
+                <a:headEnd type="none" w="med" len="med"/>
+                <a:tailEnd type="triangle" w="med" len="med"/>
+              </a:ln>
+            </p:spPr>
+            <p:style>
+              <a:lnRef idx="2">
+                <a:schemeClr val="dk1"/>
+              </a:lnRef>
+              <a:fillRef idx="1">
+                <a:schemeClr val="lt1"/>
+              </a:fillRef>
+              <a:effectRef idx="0">
+                <a:schemeClr val="dk1"/>
+              </a:effectRef>
+              <a:fontRef idx="minor">
+                <a:schemeClr val="dk1"/>
+              </a:fontRef>
+            </p:style>
+          </p:cxnSp>
+          <p:cxnSp>
+            <p:nvCxnSpPr>
+              <p:cNvPr id="49" name="Connector: Elbow 48">
+                <a:extLst>
+                  <a:ext uri="{FF2B5EF4-FFF2-40B4-BE49-F238E27FC236}">
+                    <a16:creationId xmlns:a16="http://schemas.microsoft.com/office/drawing/2014/main" id="{8A915EA9-10BC-4862-99F6-42E439C82536}"/>
+                  </a:ext>
+                </a:extLst>
+              </p:cNvPr>
+              <p:cNvCxnSpPr>
+                <a:stCxn id="25" idx="0"/>
+                <a:endCxn id="8" idx="3"/>
+              </p:cNvCxnSpPr>
+              <p:nvPr/>
+            </p:nvCxnSpPr>
+            <p:spPr>
+              <a:xfrm rot="16200000" flipV="1">
+                <a:off x="6504417" y="1668423"/>
+                <a:ext cx="822269" cy="2662484"/>
+              </a:xfrm>
+              <a:prstGeom prst="bentConnector2">
+                <a:avLst/>
+              </a:prstGeom>
+              <a:ln w="19050">
+                <a:headEnd type="none" w="med" len="med"/>
+                <a:tailEnd type="triangle" w="med" len="med"/>
+              </a:ln>
+            </p:spPr>
+            <p:style>
+              <a:lnRef idx="2">
+                <a:schemeClr val="dk1"/>
+              </a:lnRef>
+              <a:fillRef idx="1">
+                <a:schemeClr val="lt1"/>
+              </a:fillRef>
+              <a:effectRef idx="0">
+                <a:schemeClr val="dk1"/>
+              </a:effectRef>
+              <a:fontRef idx="minor">
+                <a:schemeClr val="dk1"/>
+              </a:fontRef>
+            </p:style>
+          </p:cxnSp>
+        </p:grpSp>
+        <p:cxnSp>
+          <p:nvCxnSpPr>
+            <p:cNvPr id="56" name="Connector: Elbow 55">
+              <a:extLst>
+                <a:ext uri="{FF2B5EF4-FFF2-40B4-BE49-F238E27FC236}">
+                  <a16:creationId xmlns:a16="http://schemas.microsoft.com/office/drawing/2014/main" id="{AFE3DD65-1C79-4574-97A4-EA7C6FA62F16}"/>
+                </a:ext>
+              </a:extLst>
+            </p:cNvPr>
+            <p:cNvCxnSpPr>
+              <a:stCxn id="24" idx="3"/>
+              <a:endCxn id="25" idx="2"/>
+            </p:cNvCxnSpPr>
+            <p:nvPr/>
+          </p:nvCxnSpPr>
+          <p:spPr>
+            <a:xfrm flipV="1">
+              <a:off x="7231204" y="4247283"/>
+              <a:ext cx="1015589" cy="822270"/>
+            </a:xfrm>
+            <a:prstGeom prst="bentConnector2">
+              <a:avLst/>
+            </a:prstGeom>
+            <a:ln w="19050">
+              <a:headEnd type="none" w="med" len="med"/>
+              <a:tailEnd type="triangle" w="med" len="med"/>
+            </a:ln>
+          </p:spPr>
+          <p:style>
+            <a:lnRef idx="2">
+              <a:schemeClr val="dk1"/>
+            </a:lnRef>
+            <a:fillRef idx="1">
+              <a:schemeClr val="lt1"/>
+            </a:fillRef>
+            <a:effectRef idx="0">
+              <a:schemeClr val="dk1"/>
+            </a:effectRef>
+            <a:fontRef idx="minor">
+              <a:schemeClr val="dk1"/>
+            </a:fontRef>
+          </p:style>
+        </p:cxnSp>
+      </p:grpSp>
     </p:spTree>
     <p:extLst>
       <p:ext uri="{BB962C8B-B14F-4D97-AF65-F5344CB8AC3E}">
@@ -6207,7 +10332,7 @@
 </p:sld>
 </file>
 
-<file path=ppt/slides/slide12.xml><?xml version="1.0" encoding="utf-8"?>
+<file path=ppt/slides/slide13.xml><?xml version="1.0" encoding="utf-8"?>
 <p:sld xmlns:a="http://schemas.openxmlformats.org/drawingml/2006/main" xmlns:r="http://schemas.openxmlformats.org/officeDocument/2006/relationships" xmlns:p="http://schemas.openxmlformats.org/presentationml/2006/main">
   <p:cSld>
     <p:spTree>
@@ -7638,7 +11763,7 @@
 </p:sld>
 </file>
 
-<file path=ppt/slides/slide13.xml><?xml version="1.0" encoding="utf-8"?>
+<file path=ppt/slides/slide14.xml><?xml version="1.0" encoding="utf-8"?>
 <p:sld xmlns:a="http://schemas.openxmlformats.org/drawingml/2006/main" xmlns:r="http://schemas.openxmlformats.org/officeDocument/2006/relationships" xmlns:p="http://schemas.openxmlformats.org/presentationml/2006/main">
   <p:cSld>
     <p:spTree>
@@ -9112,7 +13237,7 @@
 </p:sld>
 </file>
 
-<file path=ppt/slides/slide14.xml><?xml version="1.0" encoding="utf-8"?>
+<file path=ppt/slides/slide15.xml><?xml version="1.0" encoding="utf-8"?>
 <p:sld xmlns:a="http://schemas.openxmlformats.org/drawingml/2006/main" xmlns:r="http://schemas.openxmlformats.org/officeDocument/2006/relationships" xmlns:p="http://schemas.openxmlformats.org/presentationml/2006/main">
   <p:cSld>
     <p:spTree>
@@ -11308,7 +15433,7 @@
 </p:sld>
 </file>
 
-<file path=ppt/slides/slide15.xml><?xml version="1.0" encoding="utf-8"?>
+<file path=ppt/slides/slide16.xml><?xml version="1.0" encoding="utf-8"?>
 <p:sld xmlns:a="http://schemas.openxmlformats.org/drawingml/2006/main" xmlns:r="http://schemas.openxmlformats.org/officeDocument/2006/relationships" xmlns:p="http://schemas.openxmlformats.org/presentationml/2006/main">
   <p:cSld>
     <p:spTree>
@@ -12616,7 +16741,7 @@
 </p:sld>
 </file>
 
-<file path=ppt/slides/slide16.xml><?xml version="1.0" encoding="utf-8"?>
+<file path=ppt/slides/slide17.xml><?xml version="1.0" encoding="utf-8"?>
 <p:sld xmlns:a="http://schemas.openxmlformats.org/drawingml/2006/main" xmlns:r="http://schemas.openxmlformats.org/officeDocument/2006/relationships" xmlns:p="http://schemas.openxmlformats.org/presentationml/2006/main">
   <p:cSld>
     <p:spTree>
@@ -14050,7 +18175,7 @@
 </p:sld>
 </file>
 
-<file path=ppt/slides/slide17.xml><?xml version="1.0" encoding="utf-8"?>
+<file path=ppt/slides/slide18.xml><?xml version="1.0" encoding="utf-8"?>
 <p:sld xmlns:a="http://schemas.openxmlformats.org/drawingml/2006/main" xmlns:r="http://schemas.openxmlformats.org/officeDocument/2006/relationships" xmlns:p="http://schemas.openxmlformats.org/presentationml/2006/main">
   <p:cSld>
     <p:spTree>
@@ -30401,8 +34526,8 @@
               <a:chExt cx="1543501" cy="2318622"/>
             </a:xfrm>
           </p:grpSpPr>
-          <mc:AlternateContent xmlns:mc="http://schemas.openxmlformats.org/markup-compatibility/2006">
-            <mc:Choice xmlns:a14="http://schemas.microsoft.com/office/drawing/2010/main" Requires="a14">
+          <mc:AlternateContent xmlns:mc="http://schemas.openxmlformats.org/markup-compatibility/2006" xmlns:a14="http://schemas.microsoft.com/office/drawing/2010/main">
+            <mc:Choice Requires="a14">
               <p:sp>
                 <p:nvSpPr>
                   <p:cNvPr id="279" name="Rectangle 278">
@@ -30565,7 +34690,7 @@
                 </p:txBody>
               </p:sp>
             </mc:Choice>
-            <mc:Fallback>
+            <mc:Fallback xmlns="">
               <p:sp>
                 <p:nvSpPr>
                   <p:cNvPr id="279" name="Rectangle 278">
@@ -30613,8 +34738,8 @@
               </p:sp>
             </mc:Fallback>
           </mc:AlternateContent>
-          <mc:AlternateContent xmlns:mc="http://schemas.openxmlformats.org/markup-compatibility/2006">
-            <mc:Choice xmlns:a14="http://schemas.microsoft.com/office/drawing/2010/main" Requires="a14">
+          <mc:AlternateContent xmlns:mc="http://schemas.openxmlformats.org/markup-compatibility/2006" xmlns:a14="http://schemas.microsoft.com/office/drawing/2010/main">
+            <mc:Choice Requires="a14">
               <p:sp>
                 <p:nvSpPr>
                   <p:cNvPr id="280" name="Rectangle 279">
@@ -30718,7 +34843,7 @@
                 </p:txBody>
               </p:sp>
             </mc:Choice>
-            <mc:Fallback>
+            <mc:Fallback xmlns="">
               <p:sp>
                 <p:nvSpPr>
                   <p:cNvPr id="280" name="Rectangle 279">
